--- a/A BLE-based multi-gateway network infrastructure with handover support for mobile BLE peripherals.pptx
+++ b/A BLE-based multi-gateway network infrastructure with handover support for mobile BLE peripherals.pptx
@@ -6,6 +6,8 @@
   </p:sldMasterIdLst>
   <p:sldIdLst>
     <p:sldId id="256" r:id="rId2"/>
+    <p:sldId id="257" r:id="rId3"/>
+    <p:sldId id="258" r:id="rId4"/>
   </p:sldIdLst>
   <p:sldSz cx="12192000" cy="6858000"/>
   <p:notesSz cx="6858000" cy="9144000"/>
@@ -3418,6 +3420,290 @@
 </p:sld>
 </file>
 
+<file path=ppt/slides/slide2.xml><?xml version="1.0" encoding="utf-8"?>
+<p:sld xmlns:a="http://schemas.openxmlformats.org/drawingml/2006/main" xmlns:r="http://schemas.openxmlformats.org/officeDocument/2006/relationships" xmlns:p="http://schemas.openxmlformats.org/presentationml/2006/main">
+  <p:cSld>
+    <p:spTree>
+      <p:nvGrpSpPr>
+        <p:cNvPr id="1" name=""/>
+        <p:cNvGrpSpPr/>
+        <p:nvPr/>
+      </p:nvGrpSpPr>
+      <p:grpSpPr>
+        <a:xfrm>
+          <a:off x="0" y="0"/>
+          <a:ext cx="0" cy="0"/>
+          <a:chOff x="0" y="0"/>
+          <a:chExt cx="0" cy="0"/>
+        </a:xfrm>
+      </p:grpSpPr>
+      <p:sp>
+        <p:nvSpPr>
+          <p:cNvPr id="2" name="標題 1">
+            <a:extLst>
+              <a:ext uri="{FF2B5EF4-FFF2-40B4-BE49-F238E27FC236}">
+                <a16:creationId xmlns:a16="http://schemas.microsoft.com/office/drawing/2014/main" id="{374CC6A4-7D80-460A-B3B0-D78C7AA4B278}"/>
+              </a:ext>
+            </a:extLst>
+          </p:cNvPr>
+          <p:cNvSpPr>
+            <a:spLocks noGrp="1"/>
+          </p:cNvSpPr>
+          <p:nvPr>
+            <p:ph type="title"/>
+          </p:nvPr>
+        </p:nvSpPr>
+        <p:spPr/>
+        <p:txBody>
+          <a:bodyPr/>
+          <a:lstStyle/>
+          <a:p>
+            <a:r>
+              <a:rPr lang="en-US" altLang="zh-TW" dirty="0"/>
+              <a:t>Outline</a:t>
+            </a:r>
+            <a:endParaRPr lang="zh-TW" altLang="en-US" dirty="0"/>
+          </a:p>
+        </p:txBody>
+      </p:sp>
+      <p:sp>
+        <p:nvSpPr>
+          <p:cNvPr id="3" name="內容版面配置區 2">
+            <a:extLst>
+              <a:ext uri="{FF2B5EF4-FFF2-40B4-BE49-F238E27FC236}">
+                <a16:creationId xmlns:a16="http://schemas.microsoft.com/office/drawing/2014/main" id="{E4C02B56-07BF-448C-BE47-03D13CE393B5}"/>
+              </a:ext>
+            </a:extLst>
+          </p:cNvPr>
+          <p:cNvSpPr>
+            <a:spLocks noGrp="1"/>
+          </p:cNvSpPr>
+          <p:nvPr>
+            <p:ph idx="1"/>
+          </p:nvPr>
+        </p:nvSpPr>
+        <p:spPr/>
+        <p:txBody>
+          <a:bodyPr>
+            <a:normAutofit lnSpcReduction="10000"/>
+          </a:bodyPr>
+          <a:lstStyle/>
+          <a:p>
+            <a:r>
+              <a:rPr lang="en-US" altLang="zh-TW" dirty="0"/>
+              <a:t>Introduction</a:t>
+            </a:r>
+          </a:p>
+          <a:p>
+            <a:r>
+              <a:rPr lang="en-US" altLang="zh-TW" dirty="0"/>
+              <a:t>Primer on BLE and BLE over IPv6</a:t>
+            </a:r>
+          </a:p>
+          <a:p>
+            <a:r>
+              <a:rPr lang="en-US" altLang="zh-TW" dirty="0"/>
+              <a:t>Related work</a:t>
+            </a:r>
+          </a:p>
+          <a:p>
+            <a:r>
+              <a:rPr lang="en-US" altLang="zh-TW" dirty="0"/>
+              <a:t>A BLE-based multi-Gateway network infrastructure</a:t>
+            </a:r>
+          </a:p>
+          <a:p>
+            <a:r>
+              <a:rPr lang="en-US" altLang="zh-TW" dirty="0"/>
+              <a:t>Handover approaches</a:t>
+            </a:r>
+          </a:p>
+          <a:p>
+            <a:r>
+              <a:rPr lang="en-US" altLang="zh-TW" dirty="0"/>
+              <a:t>Implementation details</a:t>
+            </a:r>
+          </a:p>
+          <a:p>
+            <a:r>
+              <a:rPr lang="en-US" altLang="zh-TW" dirty="0"/>
+              <a:t>Evaluation</a:t>
+            </a:r>
+          </a:p>
+          <a:p>
+            <a:r>
+              <a:rPr lang="en-US" altLang="zh-TW" dirty="0"/>
+              <a:t>Conclusion and future work</a:t>
+            </a:r>
+          </a:p>
+          <a:p>
+            <a:r>
+              <a:rPr lang="en-US" altLang="zh-TW" dirty="0"/>
+              <a:t>References</a:t>
+            </a:r>
+          </a:p>
+          <a:p>
+            <a:endParaRPr lang="zh-TW" altLang="en-US" dirty="0"/>
+          </a:p>
+        </p:txBody>
+      </p:sp>
+    </p:spTree>
+    <p:extLst>
+      <p:ext uri="{BB962C8B-B14F-4D97-AF65-F5344CB8AC3E}">
+        <p14:creationId xmlns:p14="http://schemas.microsoft.com/office/powerpoint/2010/main" val="1051466082"/>
+      </p:ext>
+    </p:extLst>
+  </p:cSld>
+  <p:clrMapOvr>
+    <a:masterClrMapping/>
+  </p:clrMapOvr>
+</p:sld>
+</file>
+
+<file path=ppt/slides/slide3.xml><?xml version="1.0" encoding="utf-8"?>
+<p:sld xmlns:a="http://schemas.openxmlformats.org/drawingml/2006/main" xmlns:r="http://schemas.openxmlformats.org/officeDocument/2006/relationships" xmlns:p="http://schemas.openxmlformats.org/presentationml/2006/main">
+  <p:cSld>
+    <p:spTree>
+      <p:nvGrpSpPr>
+        <p:cNvPr id="1" name=""/>
+        <p:cNvGrpSpPr/>
+        <p:nvPr/>
+      </p:nvGrpSpPr>
+      <p:grpSpPr>
+        <a:xfrm>
+          <a:off x="0" y="0"/>
+          <a:ext cx="0" cy="0"/>
+          <a:chOff x="0" y="0"/>
+          <a:chExt cx="0" cy="0"/>
+        </a:xfrm>
+      </p:grpSpPr>
+      <p:sp>
+        <p:nvSpPr>
+          <p:cNvPr id="2" name="標題 1">
+            <a:extLst>
+              <a:ext uri="{FF2B5EF4-FFF2-40B4-BE49-F238E27FC236}">
+                <a16:creationId xmlns:a16="http://schemas.microsoft.com/office/drawing/2014/main" id="{66BD44E2-EFFF-43D9-A213-DE501B575689}"/>
+              </a:ext>
+            </a:extLst>
+          </p:cNvPr>
+          <p:cNvSpPr>
+            <a:spLocks noGrp="1"/>
+          </p:cNvSpPr>
+          <p:nvPr>
+            <p:ph type="title"/>
+          </p:nvPr>
+        </p:nvSpPr>
+        <p:spPr/>
+        <p:txBody>
+          <a:bodyPr/>
+          <a:lstStyle/>
+          <a:p>
+            <a:r>
+              <a:rPr lang="en-US" altLang="zh-TW" dirty="0"/>
+              <a:t>References</a:t>
+            </a:r>
+            <a:endParaRPr lang="zh-TW" altLang="en-US" dirty="0"/>
+          </a:p>
+        </p:txBody>
+      </p:sp>
+      <p:sp>
+        <p:nvSpPr>
+          <p:cNvPr id="3" name="內容版面配置區 2">
+            <a:extLst>
+              <a:ext uri="{FF2B5EF4-FFF2-40B4-BE49-F238E27FC236}">
+                <a16:creationId xmlns:a16="http://schemas.microsoft.com/office/drawing/2014/main" id="{6C6870F8-5E25-41B8-BDBD-DC2867167899}"/>
+              </a:ext>
+            </a:extLst>
+          </p:cNvPr>
+          <p:cNvSpPr>
+            <a:spLocks noGrp="1"/>
+          </p:cNvSpPr>
+          <p:nvPr>
+            <p:ph idx="1"/>
+          </p:nvPr>
+        </p:nvSpPr>
+        <p:spPr/>
+        <p:txBody>
+          <a:bodyPr/>
+          <a:lstStyle/>
+          <a:p>
+            <a:r>
+              <a:rPr lang="en-US" altLang="zh-TW" dirty="0"/>
+              <a:t>Mathias </a:t>
+            </a:r>
+            <a:r>
+              <a:rPr lang="en-US" altLang="zh-TW" dirty="0" err="1"/>
+              <a:t>Baert</a:t>
+            </a:r>
+            <a:r>
+              <a:rPr lang="en-US" altLang="zh-TW" dirty="0"/>
+              <a:t>, </a:t>
+            </a:r>
+            <a:r>
+              <a:rPr lang="en-US" altLang="zh-TW" dirty="0" err="1"/>
+              <a:t>Pieterjan</a:t>
+            </a:r>
+            <a:r>
+              <a:rPr lang="en-US" altLang="zh-TW" dirty="0"/>
+              <a:t> </a:t>
+            </a:r>
+            <a:r>
+              <a:rPr lang="en-US" altLang="zh-TW" dirty="0" err="1"/>
+              <a:t>Camerlynck</a:t>
+            </a:r>
+            <a:r>
+              <a:rPr lang="en-US" altLang="zh-TW" dirty="0"/>
+              <a:t>, Pieter </a:t>
+            </a:r>
+            <a:r>
+              <a:rPr lang="en-US" altLang="zh-TW" dirty="0" err="1"/>
+              <a:t>Crombez</a:t>
+            </a:r>
+            <a:r>
+              <a:rPr lang="en-US" altLang="zh-TW" dirty="0"/>
+              <a:t>, Jeroen </a:t>
+            </a:r>
+            <a:r>
+              <a:rPr lang="en-US" altLang="zh-TW" dirty="0" err="1"/>
+              <a:t>Hoebeke</a:t>
+            </a:r>
+            <a:r>
+              <a:rPr lang="en-US" altLang="zh-TW" dirty="0"/>
+              <a:t>, “A BLE-Based Multi-Gateway Network Infrastructure with Handover Support for Mobile BLE Peripherals” in IEEE </a:t>
+            </a:r>
+            <a:r>
+              <a:rPr lang="en-US" altLang="zh-TW" dirty="0" err="1"/>
+              <a:t>Internatonal</a:t>
+            </a:r>
+            <a:r>
+              <a:rPr lang="en-US" altLang="zh-TW" dirty="0"/>
+              <a:t> Conference on Mobile </a:t>
+            </a:r>
+            <a:r>
+              <a:rPr lang="en-US" altLang="zh-TW" dirty="0" err="1"/>
+              <a:t>Adhoc</a:t>
+            </a:r>
+            <a:r>
+              <a:rPr lang="en-US" altLang="zh-TW" dirty="0"/>
+              <a:t> and Sensor Systems (MASS) , DOI: 10.1109/MASS.2019.00020</a:t>
+            </a:r>
+            <a:endParaRPr lang="zh-TW" altLang="en-US" dirty="0"/>
+          </a:p>
+        </p:txBody>
+      </p:sp>
+    </p:spTree>
+    <p:extLst>
+      <p:ext uri="{BB962C8B-B14F-4D97-AF65-F5344CB8AC3E}">
+        <p14:creationId xmlns:p14="http://schemas.microsoft.com/office/powerpoint/2010/main" val="2779116832"/>
+      </p:ext>
+    </p:extLst>
+  </p:cSld>
+  <p:clrMapOvr>
+    <a:masterClrMapping/>
+  </p:clrMapOvr>
+</p:sld>
+</file>
+
 <file path=ppt/theme/theme1.xml><?xml version="1.0" encoding="utf-8"?>
 <a:theme xmlns:a="http://schemas.openxmlformats.org/drawingml/2006/main" name="Office 佈景主題">
   <a:themeElements>

--- a/A BLE-based multi-gateway network infrastructure with handover support for mobile BLE peripherals.pptx
+++ b/A BLE-based multi-gateway network infrastructure with handover support for mobile BLE peripherals.pptx
@@ -7,7 +7,12 @@
   <p:sldIdLst>
     <p:sldId id="256" r:id="rId2"/>
     <p:sldId id="257" r:id="rId3"/>
-    <p:sldId id="258" r:id="rId4"/>
+    <p:sldId id="259" r:id="rId4"/>
+    <p:sldId id="260" r:id="rId5"/>
+    <p:sldId id="261" r:id="rId6"/>
+    <p:sldId id="262" r:id="rId7"/>
+    <p:sldId id="263" r:id="rId8"/>
+    <p:sldId id="258" r:id="rId9"/>
   </p:sldIdLst>
   <p:sldSz cx="12192000" cy="6858000"/>
   <p:notesSz cx="6858000" cy="9144000"/>
@@ -3582,6 +3587,468 @@
           <p:cNvPr id="2" name="標題 1">
             <a:extLst>
               <a:ext uri="{FF2B5EF4-FFF2-40B4-BE49-F238E27FC236}">
+                <a16:creationId xmlns:a16="http://schemas.microsoft.com/office/drawing/2014/main" id="{14B7E57E-D063-41EF-A857-5628A20B75BC}"/>
+              </a:ext>
+            </a:extLst>
+          </p:cNvPr>
+          <p:cNvSpPr>
+            <a:spLocks noGrp="1"/>
+          </p:cNvSpPr>
+          <p:nvPr>
+            <p:ph type="title"/>
+          </p:nvPr>
+        </p:nvSpPr>
+        <p:spPr/>
+        <p:txBody>
+          <a:bodyPr/>
+          <a:lstStyle/>
+          <a:p>
+            <a:r>
+              <a:rPr lang="en-US" altLang="zh-TW" dirty="0"/>
+              <a:t>Introduction</a:t>
+            </a:r>
+            <a:endParaRPr lang="zh-TW" altLang="en-US" dirty="0"/>
+          </a:p>
+        </p:txBody>
+      </p:sp>
+      <p:sp>
+        <p:nvSpPr>
+          <p:cNvPr id="3" name="內容版面配置區 2">
+            <a:extLst>
+              <a:ext uri="{FF2B5EF4-FFF2-40B4-BE49-F238E27FC236}">
+                <a16:creationId xmlns:a16="http://schemas.microsoft.com/office/drawing/2014/main" id="{E616DA40-9E29-4C7C-A28F-3857701A0286}"/>
+              </a:ext>
+            </a:extLst>
+          </p:cNvPr>
+          <p:cNvSpPr>
+            <a:spLocks noGrp="1"/>
+          </p:cNvSpPr>
+          <p:nvPr>
+            <p:ph idx="1"/>
+          </p:nvPr>
+        </p:nvSpPr>
+        <p:spPr/>
+        <p:txBody>
+          <a:bodyPr/>
+          <a:lstStyle/>
+          <a:p>
+            <a:endParaRPr lang="zh-TW" altLang="en-US" dirty="0"/>
+          </a:p>
+        </p:txBody>
+      </p:sp>
+    </p:spTree>
+    <p:extLst>
+      <p:ext uri="{BB962C8B-B14F-4D97-AF65-F5344CB8AC3E}">
+        <p14:creationId xmlns:p14="http://schemas.microsoft.com/office/powerpoint/2010/main" val="2374265362"/>
+      </p:ext>
+    </p:extLst>
+  </p:cSld>
+  <p:clrMapOvr>
+    <a:masterClrMapping/>
+  </p:clrMapOvr>
+</p:sld>
+</file>
+
+<file path=ppt/slides/slide4.xml><?xml version="1.0" encoding="utf-8"?>
+<p:sld xmlns:a="http://schemas.openxmlformats.org/drawingml/2006/main" xmlns:r="http://schemas.openxmlformats.org/officeDocument/2006/relationships" xmlns:p="http://schemas.openxmlformats.org/presentationml/2006/main">
+  <p:cSld>
+    <p:spTree>
+      <p:nvGrpSpPr>
+        <p:cNvPr id="1" name=""/>
+        <p:cNvGrpSpPr/>
+        <p:nvPr/>
+      </p:nvGrpSpPr>
+      <p:grpSpPr>
+        <a:xfrm>
+          <a:off x="0" y="0"/>
+          <a:ext cx="0" cy="0"/>
+          <a:chOff x="0" y="0"/>
+          <a:chExt cx="0" cy="0"/>
+        </a:xfrm>
+      </p:grpSpPr>
+      <p:sp>
+        <p:nvSpPr>
+          <p:cNvPr id="2" name="標題 1">
+            <a:extLst>
+              <a:ext uri="{FF2B5EF4-FFF2-40B4-BE49-F238E27FC236}">
+                <a16:creationId xmlns:a16="http://schemas.microsoft.com/office/drawing/2014/main" id="{B7DB5FDF-E9A2-4D3D-ACF8-CEFDE567ED4E}"/>
+              </a:ext>
+            </a:extLst>
+          </p:cNvPr>
+          <p:cNvSpPr>
+            <a:spLocks noGrp="1"/>
+          </p:cNvSpPr>
+          <p:nvPr>
+            <p:ph type="title"/>
+          </p:nvPr>
+        </p:nvSpPr>
+        <p:spPr/>
+        <p:txBody>
+          <a:bodyPr/>
+          <a:lstStyle/>
+          <a:p>
+            <a:r>
+              <a:rPr lang="en-US" altLang="zh-TW" dirty="0"/>
+              <a:t>Conclusion</a:t>
+            </a:r>
+            <a:endParaRPr lang="zh-TW" altLang="en-US" dirty="0"/>
+          </a:p>
+        </p:txBody>
+      </p:sp>
+      <p:sp>
+        <p:nvSpPr>
+          <p:cNvPr id="3" name="內容版面配置區 2">
+            <a:extLst>
+              <a:ext uri="{FF2B5EF4-FFF2-40B4-BE49-F238E27FC236}">
+                <a16:creationId xmlns:a16="http://schemas.microsoft.com/office/drawing/2014/main" id="{24BC7DE2-9247-4111-B9E4-01812FC553D6}"/>
+              </a:ext>
+            </a:extLst>
+          </p:cNvPr>
+          <p:cNvSpPr>
+            <a:spLocks noGrp="1"/>
+          </p:cNvSpPr>
+          <p:nvPr>
+            <p:ph idx="1"/>
+          </p:nvPr>
+        </p:nvSpPr>
+        <p:spPr/>
+        <p:txBody>
+          <a:bodyPr/>
+          <a:lstStyle/>
+          <a:p>
+            <a:r>
+              <a:rPr lang="en-US" altLang="zh-TW" dirty="0"/>
+              <a:t>In this paper, two architectures are proposed to realize a BLE-based multi-GW network infrastructure that is able to provide bidirectional connectivity to mobile BLE peripherals. </a:t>
+            </a:r>
+          </a:p>
+          <a:p>
+            <a:endParaRPr lang="en-US" altLang="zh-TW" dirty="0"/>
+          </a:p>
+          <a:p>
+            <a:r>
+              <a:rPr lang="en-US" altLang="zh-TW" dirty="0"/>
+              <a:t>The IP based architecture offers seamless end-to-end IP connectivity between a mobile BLE peripheral and an existing IP network. It limits custom implementation needs, but requires more resources from the already constrained mobile BLE peripheral. </a:t>
+            </a:r>
+            <a:endParaRPr lang="zh-TW" altLang="en-US" dirty="0"/>
+          </a:p>
+        </p:txBody>
+      </p:sp>
+    </p:spTree>
+    <p:extLst>
+      <p:ext uri="{BB962C8B-B14F-4D97-AF65-F5344CB8AC3E}">
+        <p14:creationId xmlns:p14="http://schemas.microsoft.com/office/powerpoint/2010/main" val="3047592953"/>
+      </p:ext>
+    </p:extLst>
+  </p:cSld>
+  <p:clrMapOvr>
+    <a:masterClrMapping/>
+  </p:clrMapOvr>
+</p:sld>
+</file>
+
+<file path=ppt/slides/slide5.xml><?xml version="1.0" encoding="utf-8"?>
+<p:sld xmlns:a="http://schemas.openxmlformats.org/drawingml/2006/main" xmlns:r="http://schemas.openxmlformats.org/officeDocument/2006/relationships" xmlns:p="http://schemas.openxmlformats.org/presentationml/2006/main">
+  <p:cSld>
+    <p:spTree>
+      <p:nvGrpSpPr>
+        <p:cNvPr id="1" name=""/>
+        <p:cNvGrpSpPr/>
+        <p:nvPr/>
+      </p:nvGrpSpPr>
+      <p:grpSpPr>
+        <a:xfrm>
+          <a:off x="0" y="0"/>
+          <a:ext cx="0" cy="0"/>
+          <a:chOff x="0" y="0"/>
+          <a:chExt cx="0" cy="0"/>
+        </a:xfrm>
+      </p:grpSpPr>
+      <p:sp>
+        <p:nvSpPr>
+          <p:cNvPr id="2" name="標題 1">
+            <a:extLst>
+              <a:ext uri="{FF2B5EF4-FFF2-40B4-BE49-F238E27FC236}">
+                <a16:creationId xmlns:a16="http://schemas.microsoft.com/office/drawing/2014/main" id="{B7DB5FDF-E9A2-4D3D-ACF8-CEFDE567ED4E}"/>
+              </a:ext>
+            </a:extLst>
+          </p:cNvPr>
+          <p:cNvSpPr>
+            <a:spLocks noGrp="1"/>
+          </p:cNvSpPr>
+          <p:nvPr>
+            <p:ph type="title"/>
+          </p:nvPr>
+        </p:nvSpPr>
+        <p:spPr/>
+        <p:txBody>
+          <a:bodyPr/>
+          <a:lstStyle/>
+          <a:p>
+            <a:r>
+              <a:rPr lang="en-US" altLang="zh-TW" dirty="0"/>
+              <a:t>Conclusion(cont’d)</a:t>
+            </a:r>
+            <a:endParaRPr lang="zh-TW" altLang="en-US" dirty="0"/>
+          </a:p>
+        </p:txBody>
+      </p:sp>
+      <p:sp>
+        <p:nvSpPr>
+          <p:cNvPr id="3" name="內容版面配置區 2">
+            <a:extLst>
+              <a:ext uri="{FF2B5EF4-FFF2-40B4-BE49-F238E27FC236}">
+                <a16:creationId xmlns:a16="http://schemas.microsoft.com/office/drawing/2014/main" id="{24BC7DE2-9247-4111-B9E4-01812FC553D6}"/>
+              </a:ext>
+            </a:extLst>
+          </p:cNvPr>
+          <p:cNvSpPr>
+            <a:spLocks noGrp="1"/>
+          </p:cNvSpPr>
+          <p:nvPr>
+            <p:ph idx="1"/>
+          </p:nvPr>
+        </p:nvSpPr>
+        <p:spPr/>
+        <p:txBody>
+          <a:bodyPr/>
+          <a:lstStyle/>
+          <a:p>
+            <a:r>
+              <a:rPr lang="en-US" altLang="zh-TW" dirty="0"/>
+              <a:t>The non-IP based architecture requires less resources from the BLE peripheral as it employs native BLE communication towards the IoT gateway. However, custom implementation needs are much higher, as a dedicated controller is introduced within the existing network that needs to maintain the state of the infrastructure and the currently associated mobile BLE devices.</a:t>
+            </a:r>
+          </a:p>
+          <a:p>
+            <a:endParaRPr lang="en-US" altLang="zh-TW" dirty="0"/>
+          </a:p>
+          <a:p>
+            <a:endParaRPr lang="zh-TW" altLang="en-US" dirty="0"/>
+          </a:p>
+        </p:txBody>
+      </p:sp>
+    </p:spTree>
+    <p:extLst>
+      <p:ext uri="{BB962C8B-B14F-4D97-AF65-F5344CB8AC3E}">
+        <p14:creationId xmlns:p14="http://schemas.microsoft.com/office/powerpoint/2010/main" val="4005318741"/>
+      </p:ext>
+    </p:extLst>
+  </p:cSld>
+  <p:clrMapOvr>
+    <a:masterClrMapping/>
+  </p:clrMapOvr>
+</p:sld>
+</file>
+
+<file path=ppt/slides/slide6.xml><?xml version="1.0" encoding="utf-8"?>
+<p:sld xmlns:a="http://schemas.openxmlformats.org/drawingml/2006/main" xmlns:r="http://schemas.openxmlformats.org/officeDocument/2006/relationships" xmlns:p="http://schemas.openxmlformats.org/presentationml/2006/main">
+  <p:cSld>
+    <p:spTree>
+      <p:nvGrpSpPr>
+        <p:cNvPr id="1" name=""/>
+        <p:cNvGrpSpPr/>
+        <p:nvPr/>
+      </p:nvGrpSpPr>
+      <p:grpSpPr>
+        <a:xfrm>
+          <a:off x="0" y="0"/>
+          <a:ext cx="0" cy="0"/>
+          <a:chOff x="0" y="0"/>
+          <a:chExt cx="0" cy="0"/>
+        </a:xfrm>
+      </p:grpSpPr>
+      <p:sp>
+        <p:nvSpPr>
+          <p:cNvPr id="2" name="標題 1">
+            <a:extLst>
+              <a:ext uri="{FF2B5EF4-FFF2-40B4-BE49-F238E27FC236}">
+                <a16:creationId xmlns:a16="http://schemas.microsoft.com/office/drawing/2014/main" id="{B7DB5FDF-E9A2-4D3D-ACF8-CEFDE567ED4E}"/>
+              </a:ext>
+            </a:extLst>
+          </p:cNvPr>
+          <p:cNvSpPr>
+            <a:spLocks noGrp="1"/>
+          </p:cNvSpPr>
+          <p:nvPr>
+            <p:ph type="title"/>
+          </p:nvPr>
+        </p:nvSpPr>
+        <p:spPr/>
+        <p:txBody>
+          <a:bodyPr/>
+          <a:lstStyle/>
+          <a:p>
+            <a:r>
+              <a:rPr lang="en-US" altLang="zh-TW" dirty="0"/>
+              <a:t>Conclusion(cont’d)</a:t>
+            </a:r>
+            <a:endParaRPr lang="zh-TW" altLang="en-US" dirty="0"/>
+          </a:p>
+        </p:txBody>
+      </p:sp>
+      <p:sp>
+        <p:nvSpPr>
+          <p:cNvPr id="3" name="內容版面配置區 2">
+            <a:extLst>
+              <a:ext uri="{FF2B5EF4-FFF2-40B4-BE49-F238E27FC236}">
+                <a16:creationId xmlns:a16="http://schemas.microsoft.com/office/drawing/2014/main" id="{24BC7DE2-9247-4111-B9E4-01812FC553D6}"/>
+              </a:ext>
+            </a:extLst>
+          </p:cNvPr>
+          <p:cNvSpPr>
+            <a:spLocks noGrp="1"/>
+          </p:cNvSpPr>
+          <p:nvPr>
+            <p:ph idx="1"/>
+          </p:nvPr>
+        </p:nvSpPr>
+        <p:spPr/>
+        <p:txBody>
+          <a:bodyPr>
+            <a:normAutofit/>
+          </a:bodyPr>
+          <a:lstStyle/>
+          <a:p>
+            <a:r>
+              <a:rPr lang="en-US" altLang="zh-TW" dirty="0"/>
+              <a:t>Next to this, two approaches are considered to perform handover within these solutions. </a:t>
+            </a:r>
+          </a:p>
+          <a:p>
+            <a:endParaRPr lang="en-US" altLang="zh-TW" dirty="0"/>
+          </a:p>
+          <a:p>
+            <a:r>
+              <a:rPr lang="en-US" altLang="zh-TW" dirty="0"/>
+              <a:t>The passive handover approach does not need any extra implementation, but the handover latency can become quite high and a bad BLE connection is still maintained even if a better alternative GW is avail-able nearby. </a:t>
+            </a:r>
+          </a:p>
+        </p:txBody>
+      </p:sp>
+    </p:spTree>
+    <p:extLst>
+      <p:ext uri="{BB962C8B-B14F-4D97-AF65-F5344CB8AC3E}">
+        <p14:creationId xmlns:p14="http://schemas.microsoft.com/office/powerpoint/2010/main" val="1788803111"/>
+      </p:ext>
+    </p:extLst>
+  </p:cSld>
+  <p:clrMapOvr>
+    <a:masterClrMapping/>
+  </p:clrMapOvr>
+</p:sld>
+</file>
+
+<file path=ppt/slides/slide7.xml><?xml version="1.0" encoding="utf-8"?>
+<p:sld xmlns:a="http://schemas.openxmlformats.org/drawingml/2006/main" xmlns:r="http://schemas.openxmlformats.org/officeDocument/2006/relationships" xmlns:p="http://schemas.openxmlformats.org/presentationml/2006/main">
+  <p:cSld>
+    <p:spTree>
+      <p:nvGrpSpPr>
+        <p:cNvPr id="1" name=""/>
+        <p:cNvGrpSpPr/>
+        <p:nvPr/>
+      </p:nvGrpSpPr>
+      <p:grpSpPr>
+        <a:xfrm>
+          <a:off x="0" y="0"/>
+          <a:ext cx="0" cy="0"/>
+          <a:chOff x="0" y="0"/>
+          <a:chExt cx="0" cy="0"/>
+        </a:xfrm>
+      </p:grpSpPr>
+      <p:sp>
+        <p:nvSpPr>
+          <p:cNvPr id="2" name="標題 1">
+            <a:extLst>
+              <a:ext uri="{FF2B5EF4-FFF2-40B4-BE49-F238E27FC236}">
+                <a16:creationId xmlns:a16="http://schemas.microsoft.com/office/drawing/2014/main" id="{B7DB5FDF-E9A2-4D3D-ACF8-CEFDE567ED4E}"/>
+              </a:ext>
+            </a:extLst>
+          </p:cNvPr>
+          <p:cNvSpPr>
+            <a:spLocks noGrp="1"/>
+          </p:cNvSpPr>
+          <p:nvPr>
+            <p:ph type="title"/>
+          </p:nvPr>
+        </p:nvSpPr>
+        <p:spPr/>
+        <p:txBody>
+          <a:bodyPr/>
+          <a:lstStyle/>
+          <a:p>
+            <a:r>
+              <a:rPr lang="en-US" altLang="zh-TW" dirty="0"/>
+              <a:t>Conclusion(cont’d)</a:t>
+            </a:r>
+            <a:endParaRPr lang="zh-TW" altLang="en-US" dirty="0"/>
+          </a:p>
+        </p:txBody>
+      </p:sp>
+      <p:sp>
+        <p:nvSpPr>
+          <p:cNvPr id="3" name="內容版面配置區 2">
+            <a:extLst>
+              <a:ext uri="{FF2B5EF4-FFF2-40B4-BE49-F238E27FC236}">
+                <a16:creationId xmlns:a16="http://schemas.microsoft.com/office/drawing/2014/main" id="{24BC7DE2-9247-4111-B9E4-01812FC553D6}"/>
+              </a:ext>
+            </a:extLst>
+          </p:cNvPr>
+          <p:cNvSpPr>
+            <a:spLocks noGrp="1"/>
+          </p:cNvSpPr>
+          <p:nvPr>
+            <p:ph idx="1"/>
+          </p:nvPr>
+        </p:nvSpPr>
+        <p:spPr/>
+        <p:txBody>
+          <a:bodyPr>
+            <a:normAutofit/>
+          </a:bodyPr>
+          <a:lstStyle/>
+          <a:p>
+            <a:r>
+              <a:rPr lang="en-US" altLang="zh-TW" dirty="0"/>
+              <a:t>Active handover offers a solution by proactively terminating a bad connection when a better alternative GW is available. As such, it can limit the handover latency. Asa downside, this approach requires more extensive custom implementation, implies a higher energy consumption and can limit the available throughput.</a:t>
+            </a:r>
+            <a:endParaRPr lang="zh-TW" altLang="en-US" dirty="0"/>
+          </a:p>
+        </p:txBody>
+      </p:sp>
+    </p:spTree>
+    <p:extLst>
+      <p:ext uri="{BB962C8B-B14F-4D97-AF65-F5344CB8AC3E}">
+        <p14:creationId xmlns:p14="http://schemas.microsoft.com/office/powerpoint/2010/main" val="493870139"/>
+      </p:ext>
+    </p:extLst>
+  </p:cSld>
+  <p:clrMapOvr>
+    <a:masterClrMapping/>
+  </p:clrMapOvr>
+</p:sld>
+</file>
+
+<file path=ppt/slides/slide8.xml><?xml version="1.0" encoding="utf-8"?>
+<p:sld xmlns:a="http://schemas.openxmlformats.org/drawingml/2006/main" xmlns:r="http://schemas.openxmlformats.org/officeDocument/2006/relationships" xmlns:p="http://schemas.openxmlformats.org/presentationml/2006/main">
+  <p:cSld>
+    <p:spTree>
+      <p:nvGrpSpPr>
+        <p:cNvPr id="1" name=""/>
+        <p:cNvGrpSpPr/>
+        <p:nvPr/>
+      </p:nvGrpSpPr>
+      <p:grpSpPr>
+        <a:xfrm>
+          <a:off x="0" y="0"/>
+          <a:ext cx="0" cy="0"/>
+          <a:chOff x="0" y="0"/>
+          <a:chExt cx="0" cy="0"/>
+        </a:xfrm>
+      </p:grpSpPr>
+      <p:sp>
+        <p:nvSpPr>
+          <p:cNvPr id="2" name="標題 1">
+            <a:extLst>
+              <a:ext uri="{FF2B5EF4-FFF2-40B4-BE49-F238E27FC236}">
                 <a16:creationId xmlns:a16="http://schemas.microsoft.com/office/drawing/2014/main" id="{66BD44E2-EFFF-43D9-A213-DE501B575689}"/>
               </a:ext>
             </a:extLst>

--- a/A BLE-based multi-gateway network infrastructure with handover support for mobile BLE peripherals.pptx
+++ b/A BLE-based multi-gateway network infrastructure with handover support for mobile BLE peripherals.pptx
@@ -8,11 +8,13 @@
     <p:sldId id="256" r:id="rId2"/>
     <p:sldId id="257" r:id="rId3"/>
     <p:sldId id="259" r:id="rId4"/>
-    <p:sldId id="260" r:id="rId5"/>
-    <p:sldId id="261" r:id="rId6"/>
-    <p:sldId id="262" r:id="rId7"/>
-    <p:sldId id="263" r:id="rId8"/>
-    <p:sldId id="258" r:id="rId9"/>
+    <p:sldId id="264" r:id="rId5"/>
+    <p:sldId id="265" r:id="rId6"/>
+    <p:sldId id="260" r:id="rId7"/>
+    <p:sldId id="261" r:id="rId8"/>
+    <p:sldId id="262" r:id="rId9"/>
+    <p:sldId id="263" r:id="rId10"/>
+    <p:sldId id="258" r:id="rId11"/>
   </p:sldIdLst>
   <p:sldSz cx="12192000" cy="6858000"/>
   <p:notesSz cx="6858000" cy="9144000"/>
@@ -3425,6 +3427,197 @@
 </p:sld>
 </file>
 
+<file path=ppt/slides/slide10.xml><?xml version="1.0" encoding="utf-8"?>
+<p:sld xmlns:a="http://schemas.openxmlformats.org/drawingml/2006/main" xmlns:r="http://schemas.openxmlformats.org/officeDocument/2006/relationships" xmlns:p="http://schemas.openxmlformats.org/presentationml/2006/main">
+  <p:cSld>
+    <p:spTree>
+      <p:nvGrpSpPr>
+        <p:cNvPr id="1" name=""/>
+        <p:cNvGrpSpPr/>
+        <p:nvPr/>
+      </p:nvGrpSpPr>
+      <p:grpSpPr>
+        <a:xfrm>
+          <a:off x="0" y="0"/>
+          <a:ext cx="0" cy="0"/>
+          <a:chOff x="0" y="0"/>
+          <a:chExt cx="0" cy="0"/>
+        </a:xfrm>
+      </p:grpSpPr>
+      <p:sp>
+        <p:nvSpPr>
+          <p:cNvPr id="2" name="標題 1">
+            <a:extLst>
+              <a:ext uri="{FF2B5EF4-FFF2-40B4-BE49-F238E27FC236}">
+                <a16:creationId xmlns:a16="http://schemas.microsoft.com/office/drawing/2014/main" id="{66BD44E2-EFFF-43D9-A213-DE501B575689}"/>
+              </a:ext>
+            </a:extLst>
+          </p:cNvPr>
+          <p:cNvSpPr>
+            <a:spLocks noGrp="1"/>
+          </p:cNvSpPr>
+          <p:nvPr>
+            <p:ph type="title"/>
+          </p:nvPr>
+        </p:nvSpPr>
+        <p:spPr/>
+        <p:txBody>
+          <a:bodyPr/>
+          <a:lstStyle/>
+          <a:p>
+            <a:r>
+              <a:rPr lang="en-US" altLang="zh-TW" dirty="0"/>
+              <a:t>References</a:t>
+            </a:r>
+            <a:endParaRPr lang="zh-TW" altLang="en-US" dirty="0"/>
+          </a:p>
+        </p:txBody>
+      </p:sp>
+      <p:sp>
+        <p:nvSpPr>
+          <p:cNvPr id="3" name="內容版面配置區 2">
+            <a:extLst>
+              <a:ext uri="{FF2B5EF4-FFF2-40B4-BE49-F238E27FC236}">
+                <a16:creationId xmlns:a16="http://schemas.microsoft.com/office/drawing/2014/main" id="{6C6870F8-5E25-41B8-BDBD-DC2867167899}"/>
+              </a:ext>
+            </a:extLst>
+          </p:cNvPr>
+          <p:cNvSpPr>
+            <a:spLocks noGrp="1"/>
+          </p:cNvSpPr>
+          <p:nvPr>
+            <p:ph idx="1"/>
+          </p:nvPr>
+        </p:nvSpPr>
+        <p:spPr/>
+        <p:txBody>
+          <a:bodyPr>
+            <a:normAutofit/>
+          </a:bodyPr>
+          <a:lstStyle/>
+          <a:p>
+            <a:r>
+              <a:rPr lang="en-US" altLang="zh-TW" dirty="0"/>
+              <a:t>Mathias </a:t>
+            </a:r>
+            <a:r>
+              <a:rPr lang="en-US" altLang="zh-TW" dirty="0" err="1"/>
+              <a:t>Baert</a:t>
+            </a:r>
+            <a:r>
+              <a:rPr lang="en-US" altLang="zh-TW" dirty="0"/>
+              <a:t>, </a:t>
+            </a:r>
+            <a:r>
+              <a:rPr lang="en-US" altLang="zh-TW" dirty="0" err="1"/>
+              <a:t>Pieterjan</a:t>
+            </a:r>
+            <a:r>
+              <a:rPr lang="en-US" altLang="zh-TW" dirty="0"/>
+              <a:t> </a:t>
+            </a:r>
+            <a:r>
+              <a:rPr lang="en-US" altLang="zh-TW" dirty="0" err="1"/>
+              <a:t>Camerlynck</a:t>
+            </a:r>
+            <a:r>
+              <a:rPr lang="en-US" altLang="zh-TW" dirty="0"/>
+              <a:t>, Pieter </a:t>
+            </a:r>
+            <a:r>
+              <a:rPr lang="en-US" altLang="zh-TW" dirty="0" err="1"/>
+              <a:t>Crombez</a:t>
+            </a:r>
+            <a:r>
+              <a:rPr lang="en-US" altLang="zh-TW" dirty="0"/>
+              <a:t>, Jeroen </a:t>
+            </a:r>
+            <a:r>
+              <a:rPr lang="en-US" altLang="zh-TW" dirty="0" err="1"/>
+              <a:t>Hoebeke</a:t>
+            </a:r>
+            <a:r>
+              <a:rPr lang="en-US" altLang="zh-TW" dirty="0"/>
+              <a:t>, “A BLE-Based Multi-Gateway Network Infrastructure with Handover Support for Mobile BLE Peripherals” </a:t>
+            </a:r>
+            <a:r>
+              <a:rPr lang="en-US" altLang="zh-TW" i="1" dirty="0"/>
+              <a:t>in IEEE </a:t>
+            </a:r>
+            <a:r>
+              <a:rPr lang="en-US" altLang="zh-TW" i="1" dirty="0" err="1"/>
+              <a:t>Internatonal</a:t>
+            </a:r>
+            <a:r>
+              <a:rPr lang="en-US" altLang="zh-TW" i="1" dirty="0"/>
+              <a:t> Conference on Mobile </a:t>
+            </a:r>
+            <a:r>
+              <a:rPr lang="en-US" altLang="zh-TW" i="1" dirty="0" err="1"/>
+              <a:t>Adhoc</a:t>
+            </a:r>
+            <a:r>
+              <a:rPr lang="en-US" altLang="zh-TW" i="1" dirty="0"/>
+              <a:t> and Sensor </a:t>
+            </a:r>
+            <a:r>
+              <a:rPr lang="en-US" altLang="zh-TW" i="1"/>
+              <a:t>Systems (IEEE MASS 2019) </a:t>
+            </a:r>
+            <a:r>
+              <a:rPr lang="en-US" altLang="zh-TW" dirty="0"/>
+              <a:t>, DOI: 10.1109/MASS.2019.00020</a:t>
+            </a:r>
+          </a:p>
+          <a:p>
+            <a:endParaRPr lang="en-US" altLang="zh-TW" dirty="0"/>
+          </a:p>
+          <a:p>
+            <a:r>
+              <a:rPr lang="en-US" altLang="zh-TW" dirty="0"/>
+              <a:t>M. </a:t>
+            </a:r>
+            <a:r>
+              <a:rPr lang="en-US" altLang="zh-TW" dirty="0" err="1"/>
+              <a:t>Nikodem</a:t>
+            </a:r>
+            <a:r>
+              <a:rPr lang="en-US" altLang="zh-TW" dirty="0"/>
+              <a:t>, M. </a:t>
+            </a:r>
+            <a:r>
+              <a:rPr lang="en-US" altLang="zh-TW" dirty="0" err="1"/>
+              <a:t>Bawiec</a:t>
+            </a:r>
+            <a:r>
+              <a:rPr lang="en-US" altLang="zh-TW" dirty="0"/>
+              <a:t>, “Experimental Evaluation of Advertisement-Based Bluetooth Low Energy Communication”, </a:t>
+            </a:r>
+            <a:r>
+              <a:rPr lang="en-US" altLang="zh-TW" i="1" dirty="0"/>
+              <a:t>MDPI Sensors 2020</a:t>
+            </a:r>
+            <a:r>
+              <a:rPr lang="en-US" altLang="zh-TW" dirty="0"/>
+              <a:t>, DOI:10.3390/s20010107</a:t>
+            </a:r>
+            <a:endParaRPr lang="zh-TW" altLang="en-US" dirty="0"/>
+          </a:p>
+        </p:txBody>
+      </p:sp>
+    </p:spTree>
+    <p:extLst>
+      <p:ext uri="{BB962C8B-B14F-4D97-AF65-F5344CB8AC3E}">
+        <p14:creationId xmlns:p14="http://schemas.microsoft.com/office/powerpoint/2010/main" val="2779116832"/>
+      </p:ext>
+    </p:extLst>
+  </p:cSld>
+  <p:clrMapOvr>
+    <a:masterClrMapping/>
+  </p:clrMapOvr>
+</p:sld>
+</file>
+
 <file path=ppt/slides/slide2.xml><?xml version="1.0" encoding="utf-8"?>
 <p:sld xmlns:a="http://schemas.openxmlformats.org/drawingml/2006/main" xmlns:r="http://schemas.openxmlformats.org/officeDocument/2006/relationships" xmlns:p="http://schemas.openxmlformats.org/presentationml/2006/main">
   <p:cSld>
@@ -3671,7 +3864,7 @@
           <p:cNvPr id="2" name="標題 1">
             <a:extLst>
               <a:ext uri="{FF2B5EF4-FFF2-40B4-BE49-F238E27FC236}">
-                <a16:creationId xmlns:a16="http://schemas.microsoft.com/office/drawing/2014/main" id="{B7DB5FDF-E9A2-4D3D-ACF8-CEFDE567ED4E}"/>
+                <a16:creationId xmlns:a16="http://schemas.microsoft.com/office/drawing/2014/main" id="{14B7E57E-D063-41EF-A857-5628A20B75BC}"/>
               </a:ext>
             </a:extLst>
           </p:cNvPr>
@@ -3689,9 +3882,8 @@
           <a:p>
             <a:r>
               <a:rPr lang="en-US" altLang="zh-TW" dirty="0"/>
-              <a:t>Conclusion</a:t>
-            </a:r>
-            <a:endParaRPr lang="zh-TW" altLang="en-US" dirty="0"/>
+              <a:t>Primer on BLE and BLE over IPv6</a:t>
+            </a:r>
           </a:p>
         </p:txBody>
       </p:sp>
@@ -3700,7 +3892,7 @@
           <p:cNvPr id="3" name="內容版面配置區 2">
             <a:extLst>
               <a:ext uri="{FF2B5EF4-FFF2-40B4-BE49-F238E27FC236}">
-                <a16:creationId xmlns:a16="http://schemas.microsoft.com/office/drawing/2014/main" id="{24BC7DE2-9247-4111-B9E4-01812FC553D6}"/>
+                <a16:creationId xmlns:a16="http://schemas.microsoft.com/office/drawing/2014/main" id="{E616DA40-9E29-4C7C-A28F-3857701A0286}"/>
               </a:ext>
             </a:extLst>
           </p:cNvPr>
@@ -3713,12 +3905,14 @@
         </p:nvSpPr>
         <p:spPr/>
         <p:txBody>
-          <a:bodyPr/>
+          <a:bodyPr>
+            <a:normAutofit fontScale="92500" lnSpcReduction="10000"/>
+          </a:bodyPr>
           <a:lstStyle/>
           <a:p>
             <a:r>
               <a:rPr lang="en-US" altLang="zh-TW" dirty="0"/>
-              <a:t>In this paper, two architectures are proposed to realize a BLE-based multi-GW network infrastructure that is able to provide bidirectional connectivity to mobile BLE peripherals. </a:t>
+              <a:t>Bluetooth Low Energy (BLE) was released in 2011 as part of the Classic Bluetooth specification and both technologies have coexisted and evolved independently since then.</a:t>
             </a:r>
           </a:p>
           <a:p>
@@ -3727,7 +3921,24 @@
           <a:p>
             <a:r>
               <a:rPr lang="en-US" altLang="zh-TW" dirty="0"/>
-              <a:t>The IP based architecture offers seamless end-to-end IP connectivity between a mobile BLE peripheral and an existing IP network. It limits custom implementation needs, but requires more resources from the already constrained mobile BLE peripheral. </a:t>
+              <a:t>BLE operates in the 2.4 GHz band, utilizing frequencies between 2402 and 2480MHz. The used spectrum is divided into 40 channels, each employing a space of 2 </a:t>
+            </a:r>
+            <a:r>
+              <a:rPr lang="en-US" altLang="zh-TW" dirty="0" err="1"/>
+              <a:t>MHz.</a:t>
+            </a:r>
+            <a:r>
+              <a:rPr lang="en-US" altLang="zh-TW" dirty="0"/>
+              <a:t> These channels are divided into3 primary advertisement channels and 37 connection-oriented channels. </a:t>
+            </a:r>
+          </a:p>
+          <a:p>
+            <a:endParaRPr lang="en-US" altLang="zh-TW" dirty="0"/>
+          </a:p>
+          <a:p>
+            <a:r>
+              <a:rPr lang="en-US" altLang="zh-TW" dirty="0"/>
+              <a:t>BLE supports two different ways of communication : an advertising mode and a connection-oriented mode.</a:t>
             </a:r>
             <a:endParaRPr lang="zh-TW" altLang="en-US" dirty="0"/>
           </a:p>
@@ -3736,7 +3947,7 @@
     </p:spTree>
     <p:extLst>
       <p:ext uri="{BB962C8B-B14F-4D97-AF65-F5344CB8AC3E}">
-        <p14:creationId xmlns:p14="http://schemas.microsoft.com/office/powerpoint/2010/main" val="3047592953"/>
+        <p14:creationId xmlns:p14="http://schemas.microsoft.com/office/powerpoint/2010/main" val="809978483"/>
       </p:ext>
     </p:extLst>
   </p:cSld>
@@ -3768,7 +3979,7 @@
           <p:cNvPr id="2" name="標題 1">
             <a:extLst>
               <a:ext uri="{FF2B5EF4-FFF2-40B4-BE49-F238E27FC236}">
-                <a16:creationId xmlns:a16="http://schemas.microsoft.com/office/drawing/2014/main" id="{B7DB5FDF-E9A2-4D3D-ACF8-CEFDE567ED4E}"/>
+                <a16:creationId xmlns:a16="http://schemas.microsoft.com/office/drawing/2014/main" id="{14B7E57E-D063-41EF-A857-5628A20B75BC}"/>
               </a:ext>
             </a:extLst>
           </p:cNvPr>
@@ -3786,50 +3997,72 @@
           <a:p>
             <a:r>
               <a:rPr lang="en-US" altLang="zh-TW" dirty="0"/>
-              <a:t>Conclusion(cont’d)</a:t>
-            </a:r>
+              <a:t>Primer on BLE and BLE over IPv6(cont’d)</a:t>
+            </a:r>
+          </a:p>
+        </p:txBody>
+      </p:sp>
+      <p:sp>
+        <p:nvSpPr>
+          <p:cNvPr id="3" name="內容版面配置區 2">
+            <a:extLst>
+              <a:ext uri="{FF2B5EF4-FFF2-40B4-BE49-F238E27FC236}">
+                <a16:creationId xmlns:a16="http://schemas.microsoft.com/office/drawing/2014/main" id="{E616DA40-9E29-4C7C-A28F-3857701A0286}"/>
+              </a:ext>
+            </a:extLst>
+          </p:cNvPr>
+          <p:cNvSpPr>
+            <a:spLocks noGrp="1"/>
+          </p:cNvSpPr>
+          <p:nvPr>
+            <p:ph idx="1"/>
+          </p:nvPr>
+        </p:nvSpPr>
+        <p:spPr/>
+        <p:txBody>
+          <a:bodyPr>
+            <a:normAutofit/>
+          </a:bodyPr>
+          <a:lstStyle/>
+          <a:p>
             <a:endParaRPr lang="zh-TW" altLang="en-US" dirty="0"/>
           </a:p>
         </p:txBody>
       </p:sp>
-      <p:sp>
-        <p:nvSpPr>
-          <p:cNvPr id="3" name="內容版面配置區 2">
-            <a:extLst>
-              <a:ext uri="{FF2B5EF4-FFF2-40B4-BE49-F238E27FC236}">
-                <a16:creationId xmlns:a16="http://schemas.microsoft.com/office/drawing/2014/main" id="{24BC7DE2-9247-4111-B9E4-01812FC553D6}"/>
-              </a:ext>
-            </a:extLst>
-          </p:cNvPr>
-          <p:cNvSpPr>
-            <a:spLocks noGrp="1"/>
-          </p:cNvSpPr>
-          <p:nvPr>
-            <p:ph idx="1"/>
-          </p:nvPr>
-        </p:nvSpPr>
-        <p:spPr/>
-        <p:txBody>
-          <a:bodyPr/>
-          <a:lstStyle/>
-          <a:p>
-            <a:r>
-              <a:rPr lang="en-US" altLang="zh-TW" dirty="0"/>
-              <a:t>The non-IP based architecture requires less resources from the BLE peripheral as it employs native BLE communication towards the IoT gateway. However, custom implementation needs are much higher, as a dedicated controller is introduced within the existing network that needs to maintain the state of the infrastructure and the currently associated mobile BLE devices.</a:t>
-            </a:r>
-          </a:p>
-          <a:p>
-            <a:endParaRPr lang="en-US" altLang="zh-TW" dirty="0"/>
-          </a:p>
-          <a:p>
-            <a:endParaRPr lang="zh-TW" altLang="en-US" dirty="0"/>
-          </a:p>
-        </p:txBody>
-      </p:sp>
+      <p:pic>
+        <p:nvPicPr>
+          <p:cNvPr id="7" name="圖片 6">
+            <a:extLst>
+              <a:ext uri="{FF2B5EF4-FFF2-40B4-BE49-F238E27FC236}">
+                <a16:creationId xmlns:a16="http://schemas.microsoft.com/office/drawing/2014/main" id="{D03360D8-0A34-4B9B-8EDF-94EF768549C8}"/>
+              </a:ext>
+            </a:extLst>
+          </p:cNvPr>
+          <p:cNvPicPr>
+            <a:picLocks noChangeAspect="1"/>
+          </p:cNvPicPr>
+          <p:nvPr/>
+        </p:nvPicPr>
+        <p:blipFill>
+          <a:blip r:embed="rId2"/>
+          <a:stretch>
+            <a:fillRect/>
+          </a:stretch>
+        </p:blipFill>
+        <p:spPr>
+          <a:xfrm>
+            <a:off x="4516582" y="4378169"/>
+            <a:ext cx="7675418" cy="2479831"/>
+          </a:xfrm>
+          <a:prstGeom prst="rect">
+            <a:avLst/>
+          </a:prstGeom>
+        </p:spPr>
+      </p:pic>
     </p:spTree>
     <p:extLst>
       <p:ext uri="{BB962C8B-B14F-4D97-AF65-F5344CB8AC3E}">
-        <p14:creationId xmlns:p14="http://schemas.microsoft.com/office/powerpoint/2010/main" val="4005318741"/>
+        <p14:creationId xmlns:p14="http://schemas.microsoft.com/office/powerpoint/2010/main" val="1645637635"/>
       </p:ext>
     </p:extLst>
   </p:cSld>
@@ -3879,7 +4112,7 @@
           <a:p>
             <a:r>
               <a:rPr lang="en-US" altLang="zh-TW" dirty="0"/>
-              <a:t>Conclusion(cont’d)</a:t>
+              <a:t>Conclusion</a:t>
             </a:r>
             <a:endParaRPr lang="zh-TW" altLang="en-US" dirty="0"/>
           </a:p>
@@ -3903,14 +4136,12 @@
         </p:nvSpPr>
         <p:spPr/>
         <p:txBody>
-          <a:bodyPr>
-            <a:normAutofit/>
-          </a:bodyPr>
+          <a:bodyPr/>
           <a:lstStyle/>
           <a:p>
             <a:r>
               <a:rPr lang="en-US" altLang="zh-TW" dirty="0"/>
-              <a:t>Next to this, two approaches are considered to perform handover within these solutions. </a:t>
+              <a:t>In this paper, two architectures are proposed to realize a BLE-based multi-GW network infrastructure that is able to provide bidirectional connectivity to mobile BLE peripherals. </a:t>
             </a:r>
           </a:p>
           <a:p>
@@ -3919,15 +4150,16 @@
           <a:p>
             <a:r>
               <a:rPr lang="en-US" altLang="zh-TW" dirty="0"/>
-              <a:t>The passive handover approach does not need any extra implementation, but the handover latency can become quite high and a bad BLE connection is still maintained even if a better alternative GW is avail-able nearby. </a:t>
-            </a:r>
+              <a:t>The IP based architecture offers seamless end-to-end IP connectivity between a mobile BLE peripheral and an existing IP network. It limits custom implementation needs, but requires more resources from the already constrained mobile BLE peripheral. </a:t>
+            </a:r>
+            <a:endParaRPr lang="zh-TW" altLang="en-US" dirty="0"/>
           </a:p>
         </p:txBody>
       </p:sp>
     </p:spTree>
     <p:extLst>
       <p:ext uri="{BB962C8B-B14F-4D97-AF65-F5344CB8AC3E}">
-        <p14:creationId xmlns:p14="http://schemas.microsoft.com/office/powerpoint/2010/main" val="1788803111"/>
+        <p14:creationId xmlns:p14="http://schemas.microsoft.com/office/powerpoint/2010/main" val="3047592953"/>
       </p:ext>
     </p:extLst>
   </p:cSld>
@@ -4001,15 +4233,18 @@
         </p:nvSpPr>
         <p:spPr/>
         <p:txBody>
-          <a:bodyPr>
-            <a:normAutofit/>
-          </a:bodyPr>
+          <a:bodyPr/>
           <a:lstStyle/>
           <a:p>
             <a:r>
               <a:rPr lang="en-US" altLang="zh-TW" dirty="0"/>
-              <a:t>Active handover offers a solution by proactively terminating a bad connection when a better alternative GW is available. As such, it can limit the handover latency. Asa downside, this approach requires more extensive custom implementation, implies a higher energy consumption and can limit the available throughput.</a:t>
-            </a:r>
+              <a:t>The non-IP based architecture requires less resources from the BLE peripheral as it employs native BLE communication towards the IoT gateway. However, custom implementation needs are much higher, as a dedicated controller is introduced within the existing network that needs to maintain the state of the infrastructure and the currently associated mobile BLE devices.</a:t>
+            </a:r>
+          </a:p>
+          <a:p>
+            <a:endParaRPr lang="en-US" altLang="zh-TW" dirty="0"/>
+          </a:p>
+          <a:p>
             <a:endParaRPr lang="zh-TW" altLang="en-US" dirty="0"/>
           </a:p>
         </p:txBody>
@@ -4017,7 +4252,7 @@
     </p:spTree>
     <p:extLst>
       <p:ext uri="{BB962C8B-B14F-4D97-AF65-F5344CB8AC3E}">
-        <p14:creationId xmlns:p14="http://schemas.microsoft.com/office/powerpoint/2010/main" val="493870139"/>
+        <p14:creationId xmlns:p14="http://schemas.microsoft.com/office/powerpoint/2010/main" val="4005318741"/>
       </p:ext>
     </p:extLst>
   </p:cSld>
@@ -4049,7 +4284,7 @@
           <p:cNvPr id="2" name="標題 1">
             <a:extLst>
               <a:ext uri="{FF2B5EF4-FFF2-40B4-BE49-F238E27FC236}">
-                <a16:creationId xmlns:a16="http://schemas.microsoft.com/office/drawing/2014/main" id="{66BD44E2-EFFF-43D9-A213-DE501B575689}"/>
+                <a16:creationId xmlns:a16="http://schemas.microsoft.com/office/drawing/2014/main" id="{B7DB5FDF-E9A2-4D3D-ACF8-CEFDE567ED4E}"/>
               </a:ext>
             </a:extLst>
           </p:cNvPr>
@@ -4067,7 +4302,7 @@
           <a:p>
             <a:r>
               <a:rPr lang="en-US" altLang="zh-TW" dirty="0"/>
-              <a:t>References</a:t>
+              <a:t>Conclusion(cont’d)</a:t>
             </a:r>
             <a:endParaRPr lang="zh-TW" altLang="en-US" dirty="0"/>
           </a:p>
@@ -4078,7 +4313,7 @@
           <p:cNvPr id="3" name="內容版面配置區 2">
             <a:extLst>
               <a:ext uri="{FF2B5EF4-FFF2-40B4-BE49-F238E27FC236}">
-                <a16:creationId xmlns:a16="http://schemas.microsoft.com/office/drawing/2014/main" id="{6C6870F8-5E25-41B8-BDBD-DC2867167899}"/>
+                <a16:creationId xmlns:a16="http://schemas.microsoft.com/office/drawing/2014/main" id="{24BC7DE2-9247-4111-B9E4-01812FC553D6}"/>
               </a:ext>
             </a:extLst>
           </p:cNvPr>
@@ -4091,77 +4326,121 @@
         </p:nvSpPr>
         <p:spPr/>
         <p:txBody>
-          <a:bodyPr/>
+          <a:bodyPr>
+            <a:normAutofit/>
+          </a:bodyPr>
           <a:lstStyle/>
           <a:p>
             <a:r>
               <a:rPr lang="en-US" altLang="zh-TW" dirty="0"/>
-              <a:t>Mathias </a:t>
-            </a:r>
-            <a:r>
-              <a:rPr lang="en-US" altLang="zh-TW" dirty="0" err="1"/>
-              <a:t>Baert</a:t>
-            </a:r>
+              <a:t>Next to this, two approaches are considered to perform handover within these solutions. </a:t>
+            </a:r>
+          </a:p>
+          <a:p>
+            <a:endParaRPr lang="en-US" altLang="zh-TW" dirty="0"/>
+          </a:p>
+          <a:p>
             <a:r>
               <a:rPr lang="en-US" altLang="zh-TW" dirty="0"/>
-              <a:t>, </a:t>
-            </a:r>
-            <a:r>
-              <a:rPr lang="en-US" altLang="zh-TW" dirty="0" err="1"/>
-              <a:t>Pieterjan</a:t>
-            </a:r>
-            <a:r>
-              <a:rPr lang="en-US" altLang="zh-TW" dirty="0"/>
-              <a:t> </a:t>
-            </a:r>
-            <a:r>
-              <a:rPr lang="en-US" altLang="zh-TW" dirty="0" err="1"/>
-              <a:t>Camerlynck</a:t>
-            </a:r>
-            <a:r>
-              <a:rPr lang="en-US" altLang="zh-TW" dirty="0"/>
-              <a:t>, Pieter </a:t>
-            </a:r>
-            <a:r>
-              <a:rPr lang="en-US" altLang="zh-TW" dirty="0" err="1"/>
-              <a:t>Crombez</a:t>
-            </a:r>
-            <a:r>
-              <a:rPr lang="en-US" altLang="zh-TW" dirty="0"/>
-              <a:t>, Jeroen </a:t>
-            </a:r>
-            <a:r>
-              <a:rPr lang="en-US" altLang="zh-TW" dirty="0" err="1"/>
-              <a:t>Hoebeke</a:t>
-            </a:r>
-            <a:r>
-              <a:rPr lang="en-US" altLang="zh-TW" dirty="0"/>
-              <a:t>, “A BLE-Based Multi-Gateway Network Infrastructure with Handover Support for Mobile BLE Peripherals” in IEEE </a:t>
-            </a:r>
-            <a:r>
-              <a:rPr lang="en-US" altLang="zh-TW" dirty="0" err="1"/>
-              <a:t>Internatonal</a:t>
-            </a:r>
-            <a:r>
-              <a:rPr lang="en-US" altLang="zh-TW" dirty="0"/>
-              <a:t> Conference on Mobile </a:t>
-            </a:r>
-            <a:r>
-              <a:rPr lang="en-US" altLang="zh-TW" dirty="0" err="1"/>
-              <a:t>Adhoc</a:t>
-            </a:r>
-            <a:r>
-              <a:rPr lang="en-US" altLang="zh-TW" dirty="0"/>
-              <a:t> and Sensor Systems (MASS) , DOI: 10.1109/MASS.2019.00020</a:t>
-            </a:r>
-            <a:endParaRPr lang="zh-TW" altLang="en-US" dirty="0"/>
+              <a:t>The passive handover approach does not need any extra implementation, but the handover latency can become quite high and a bad BLE connection is still maintained even if a better alternative GW is avail-able nearby. </a:t>
+            </a:r>
           </a:p>
         </p:txBody>
       </p:sp>
     </p:spTree>
     <p:extLst>
       <p:ext uri="{BB962C8B-B14F-4D97-AF65-F5344CB8AC3E}">
-        <p14:creationId xmlns:p14="http://schemas.microsoft.com/office/powerpoint/2010/main" val="2779116832"/>
+        <p14:creationId xmlns:p14="http://schemas.microsoft.com/office/powerpoint/2010/main" val="1788803111"/>
+      </p:ext>
+    </p:extLst>
+  </p:cSld>
+  <p:clrMapOvr>
+    <a:masterClrMapping/>
+  </p:clrMapOvr>
+</p:sld>
+</file>
+
+<file path=ppt/slides/slide9.xml><?xml version="1.0" encoding="utf-8"?>
+<p:sld xmlns:a="http://schemas.openxmlformats.org/drawingml/2006/main" xmlns:r="http://schemas.openxmlformats.org/officeDocument/2006/relationships" xmlns:p="http://schemas.openxmlformats.org/presentationml/2006/main">
+  <p:cSld>
+    <p:spTree>
+      <p:nvGrpSpPr>
+        <p:cNvPr id="1" name=""/>
+        <p:cNvGrpSpPr/>
+        <p:nvPr/>
+      </p:nvGrpSpPr>
+      <p:grpSpPr>
+        <a:xfrm>
+          <a:off x="0" y="0"/>
+          <a:ext cx="0" cy="0"/>
+          <a:chOff x="0" y="0"/>
+          <a:chExt cx="0" cy="0"/>
+        </a:xfrm>
+      </p:grpSpPr>
+      <p:sp>
+        <p:nvSpPr>
+          <p:cNvPr id="2" name="標題 1">
+            <a:extLst>
+              <a:ext uri="{FF2B5EF4-FFF2-40B4-BE49-F238E27FC236}">
+                <a16:creationId xmlns:a16="http://schemas.microsoft.com/office/drawing/2014/main" id="{B7DB5FDF-E9A2-4D3D-ACF8-CEFDE567ED4E}"/>
+              </a:ext>
+            </a:extLst>
+          </p:cNvPr>
+          <p:cNvSpPr>
+            <a:spLocks noGrp="1"/>
+          </p:cNvSpPr>
+          <p:nvPr>
+            <p:ph type="title"/>
+          </p:nvPr>
+        </p:nvSpPr>
+        <p:spPr/>
+        <p:txBody>
+          <a:bodyPr/>
+          <a:lstStyle/>
+          <a:p>
+            <a:r>
+              <a:rPr lang="en-US" altLang="zh-TW" dirty="0"/>
+              <a:t>Conclusion(cont’d)</a:t>
+            </a:r>
+            <a:endParaRPr lang="zh-TW" altLang="en-US" dirty="0"/>
+          </a:p>
+        </p:txBody>
+      </p:sp>
+      <p:sp>
+        <p:nvSpPr>
+          <p:cNvPr id="3" name="內容版面配置區 2">
+            <a:extLst>
+              <a:ext uri="{FF2B5EF4-FFF2-40B4-BE49-F238E27FC236}">
+                <a16:creationId xmlns:a16="http://schemas.microsoft.com/office/drawing/2014/main" id="{24BC7DE2-9247-4111-B9E4-01812FC553D6}"/>
+              </a:ext>
+            </a:extLst>
+          </p:cNvPr>
+          <p:cNvSpPr>
+            <a:spLocks noGrp="1"/>
+          </p:cNvSpPr>
+          <p:nvPr>
+            <p:ph idx="1"/>
+          </p:nvPr>
+        </p:nvSpPr>
+        <p:spPr/>
+        <p:txBody>
+          <a:bodyPr>
+            <a:normAutofit/>
+          </a:bodyPr>
+          <a:lstStyle/>
+          <a:p>
+            <a:r>
+              <a:rPr lang="en-US" altLang="zh-TW" dirty="0"/>
+              <a:t>Active handover offers a solution by proactively terminating a bad connection when a better alternative GW is available. As such, it can limit the handover latency. Asa downside, this approach requires more extensive custom implementation, implies a higher energy consumption and can limit the available throughput.</a:t>
+            </a:r>
+            <a:endParaRPr lang="zh-TW" altLang="en-US" dirty="0"/>
+          </a:p>
+        </p:txBody>
+      </p:sp>
+    </p:spTree>
+    <p:extLst>
+      <p:ext uri="{BB962C8B-B14F-4D97-AF65-F5344CB8AC3E}">
+        <p14:creationId xmlns:p14="http://schemas.microsoft.com/office/powerpoint/2010/main" val="493870139"/>
       </p:ext>
     </p:extLst>
   </p:cSld>

--- a/A BLE-based multi-gateway network infrastructure with handover support for mobile BLE peripherals.pptx
+++ b/A BLE-based multi-gateway network infrastructure with handover support for mobile BLE peripherals.pptx
@@ -1,20 +1,32 @@
 
 <file path=ppt/presentation.xml><?xml version="1.0" encoding="utf-8"?>
-<p:presentation xmlns:a="http://schemas.openxmlformats.org/drawingml/2006/main" xmlns:r="http://schemas.openxmlformats.org/officeDocument/2006/relationships" xmlns:p="http://schemas.openxmlformats.org/presentationml/2006/main" saveSubsetFonts="1">
+<p:presentation xmlns:a="http://schemas.openxmlformats.org/drawingml/2006/main" xmlns:r="http://schemas.openxmlformats.org/officeDocument/2006/relationships" xmlns:p="http://schemas.openxmlformats.org/presentationml/2006/main" showSpecialPlsOnTitleSld="0" saveSubsetFonts="1">
   <p:sldMasterIdLst>
     <p:sldMasterId id="2147483648" r:id="rId1"/>
   </p:sldMasterIdLst>
+  <p:notesMasterIdLst>
+    <p:notesMasterId r:id="rId21"/>
+  </p:notesMasterIdLst>
   <p:sldIdLst>
     <p:sldId id="256" r:id="rId2"/>
     <p:sldId id="257" r:id="rId3"/>
     <p:sldId id="259" r:id="rId4"/>
     <p:sldId id="264" r:id="rId5"/>
     <p:sldId id="265" r:id="rId6"/>
-    <p:sldId id="260" r:id="rId7"/>
-    <p:sldId id="261" r:id="rId8"/>
-    <p:sldId id="262" r:id="rId9"/>
-    <p:sldId id="263" r:id="rId10"/>
-    <p:sldId id="258" r:id="rId11"/>
+    <p:sldId id="266" r:id="rId7"/>
+    <p:sldId id="267" r:id="rId8"/>
+    <p:sldId id="268" r:id="rId9"/>
+    <p:sldId id="269" r:id="rId10"/>
+    <p:sldId id="272" r:id="rId11"/>
+    <p:sldId id="274" r:id="rId12"/>
+    <p:sldId id="271" r:id="rId13"/>
+    <p:sldId id="273" r:id="rId14"/>
+    <p:sldId id="270" r:id="rId15"/>
+    <p:sldId id="260" r:id="rId16"/>
+    <p:sldId id="261" r:id="rId17"/>
+    <p:sldId id="262" r:id="rId18"/>
+    <p:sldId id="263" r:id="rId19"/>
+    <p:sldId id="258" r:id="rId20"/>
   </p:sldIdLst>
   <p:sldSz cx="12192000" cy="6858000"/>
   <p:notesSz cx="6858000" cy="9144000"/>
@@ -116,6 +128,458 @@
 </p:presentation>
 </file>
 
+<file path=ppt/notesMasters/notesMaster1.xml><?xml version="1.0" encoding="utf-8"?>
+<p:notesMaster xmlns:a="http://schemas.openxmlformats.org/drawingml/2006/main" xmlns:r="http://schemas.openxmlformats.org/officeDocument/2006/relationships" xmlns:p="http://schemas.openxmlformats.org/presentationml/2006/main">
+  <p:cSld>
+    <p:bg>
+      <p:bgRef idx="1001">
+        <a:schemeClr val="bg1"/>
+      </p:bgRef>
+    </p:bg>
+    <p:spTree>
+      <p:nvGrpSpPr>
+        <p:cNvPr id="1" name=""/>
+        <p:cNvGrpSpPr/>
+        <p:nvPr/>
+      </p:nvGrpSpPr>
+      <p:grpSpPr>
+        <a:xfrm>
+          <a:off x="0" y="0"/>
+          <a:ext cx="0" cy="0"/>
+          <a:chOff x="0" y="0"/>
+          <a:chExt cx="0" cy="0"/>
+        </a:xfrm>
+      </p:grpSpPr>
+      <p:sp>
+        <p:nvSpPr>
+          <p:cNvPr id="2" name="頁首版面配置區 1"/>
+          <p:cNvSpPr>
+            <a:spLocks noGrp="1"/>
+          </p:cNvSpPr>
+          <p:nvPr>
+            <p:ph type="hdr" sz="quarter"/>
+          </p:nvPr>
+        </p:nvSpPr>
+        <p:spPr>
+          <a:xfrm>
+            <a:off x="0" y="0"/>
+            <a:ext cx="2971800" cy="458788"/>
+          </a:xfrm>
+          <a:prstGeom prst="rect">
+            <a:avLst/>
+          </a:prstGeom>
+        </p:spPr>
+        <p:txBody>
+          <a:bodyPr vert="horz" lIns="91440" tIns="45720" rIns="91440" bIns="45720" rtlCol="0"/>
+          <a:lstStyle>
+            <a:lvl1pPr algn="l">
+              <a:defRPr sz="1200"/>
+            </a:lvl1pPr>
+          </a:lstStyle>
+          <a:p>
+            <a:endParaRPr lang="zh-TW" altLang="en-US"/>
+          </a:p>
+        </p:txBody>
+      </p:sp>
+      <p:sp>
+        <p:nvSpPr>
+          <p:cNvPr id="3" name="日期版面配置區 2"/>
+          <p:cNvSpPr>
+            <a:spLocks noGrp="1"/>
+          </p:cNvSpPr>
+          <p:nvPr>
+            <p:ph type="dt" idx="1"/>
+          </p:nvPr>
+        </p:nvSpPr>
+        <p:spPr>
+          <a:xfrm>
+            <a:off x="3884613" y="0"/>
+            <a:ext cx="2971800" cy="458788"/>
+          </a:xfrm>
+          <a:prstGeom prst="rect">
+            <a:avLst/>
+          </a:prstGeom>
+        </p:spPr>
+        <p:txBody>
+          <a:bodyPr vert="horz" lIns="91440" tIns="45720" rIns="91440" bIns="45720" rtlCol="0"/>
+          <a:lstStyle>
+            <a:lvl1pPr algn="r">
+              <a:defRPr sz="1200"/>
+            </a:lvl1pPr>
+          </a:lstStyle>
+          <a:p>
+            <a:fld id="{7CA39BEF-41DE-4F8F-A76E-8A56F3CDA1D9}" type="datetimeFigureOut">
+              <a:rPr lang="zh-TW" altLang="en-US" smtClean="0"/>
+              <a:t>2020/9/22</a:t>
+            </a:fld>
+            <a:endParaRPr lang="zh-TW" altLang="en-US"/>
+          </a:p>
+        </p:txBody>
+      </p:sp>
+      <p:sp>
+        <p:nvSpPr>
+          <p:cNvPr id="4" name="投影片影像版面配置區 3"/>
+          <p:cNvSpPr>
+            <a:spLocks noGrp="1" noRot="1" noChangeAspect="1"/>
+          </p:cNvSpPr>
+          <p:nvPr>
+            <p:ph type="sldImg" idx="2"/>
+          </p:nvPr>
+        </p:nvSpPr>
+        <p:spPr>
+          <a:xfrm>
+            <a:off x="685800" y="1143000"/>
+            <a:ext cx="5486400" cy="3086100"/>
+          </a:xfrm>
+          <a:prstGeom prst="rect">
+            <a:avLst/>
+          </a:prstGeom>
+          <a:noFill/>
+          <a:ln w="12700">
+            <a:solidFill>
+              <a:prstClr val="black"/>
+            </a:solidFill>
+          </a:ln>
+        </p:spPr>
+        <p:txBody>
+          <a:bodyPr vert="horz" lIns="91440" tIns="45720" rIns="91440" bIns="45720" rtlCol="0" anchor="ctr"/>
+          <a:lstStyle/>
+          <a:p>
+            <a:endParaRPr lang="zh-TW" altLang="en-US"/>
+          </a:p>
+        </p:txBody>
+      </p:sp>
+      <p:sp>
+        <p:nvSpPr>
+          <p:cNvPr id="5" name="備忘稿版面配置區 4"/>
+          <p:cNvSpPr>
+            <a:spLocks noGrp="1"/>
+          </p:cNvSpPr>
+          <p:nvPr>
+            <p:ph type="body" sz="quarter" idx="3"/>
+          </p:nvPr>
+        </p:nvSpPr>
+        <p:spPr>
+          <a:xfrm>
+            <a:off x="685800" y="4400550"/>
+            <a:ext cx="5486400" cy="3600450"/>
+          </a:xfrm>
+          <a:prstGeom prst="rect">
+            <a:avLst/>
+          </a:prstGeom>
+        </p:spPr>
+        <p:txBody>
+          <a:bodyPr vert="horz" lIns="91440" tIns="45720" rIns="91440" bIns="45720" rtlCol="0"/>
+          <a:lstStyle/>
+          <a:p>
+            <a:pPr lvl="0"/>
+            <a:r>
+              <a:rPr lang="zh-TW" altLang="en-US"/>
+              <a:t>按一下以編輯母片文字樣式</a:t>
+            </a:r>
+          </a:p>
+          <a:p>
+            <a:pPr lvl="1"/>
+            <a:r>
+              <a:rPr lang="zh-TW" altLang="en-US"/>
+              <a:t>第二層</a:t>
+            </a:r>
+          </a:p>
+          <a:p>
+            <a:pPr lvl="2"/>
+            <a:r>
+              <a:rPr lang="zh-TW" altLang="en-US"/>
+              <a:t>第三層</a:t>
+            </a:r>
+          </a:p>
+          <a:p>
+            <a:pPr lvl="3"/>
+            <a:r>
+              <a:rPr lang="zh-TW" altLang="en-US"/>
+              <a:t>第四層</a:t>
+            </a:r>
+          </a:p>
+          <a:p>
+            <a:pPr lvl="4"/>
+            <a:r>
+              <a:rPr lang="zh-TW" altLang="en-US"/>
+              <a:t>第五層</a:t>
+            </a:r>
+          </a:p>
+        </p:txBody>
+      </p:sp>
+      <p:sp>
+        <p:nvSpPr>
+          <p:cNvPr id="6" name="頁尾版面配置區 5"/>
+          <p:cNvSpPr>
+            <a:spLocks noGrp="1"/>
+          </p:cNvSpPr>
+          <p:nvPr>
+            <p:ph type="ftr" sz="quarter" idx="4"/>
+          </p:nvPr>
+        </p:nvSpPr>
+        <p:spPr>
+          <a:xfrm>
+            <a:off x="0" y="8685213"/>
+            <a:ext cx="2971800" cy="458787"/>
+          </a:xfrm>
+          <a:prstGeom prst="rect">
+            <a:avLst/>
+          </a:prstGeom>
+        </p:spPr>
+        <p:txBody>
+          <a:bodyPr vert="horz" lIns="91440" tIns="45720" rIns="91440" bIns="45720" rtlCol="0" anchor="b"/>
+          <a:lstStyle>
+            <a:lvl1pPr algn="l">
+              <a:defRPr sz="1200"/>
+            </a:lvl1pPr>
+          </a:lstStyle>
+          <a:p>
+            <a:endParaRPr lang="zh-TW" altLang="en-US"/>
+          </a:p>
+        </p:txBody>
+      </p:sp>
+      <p:sp>
+        <p:nvSpPr>
+          <p:cNvPr id="7" name="投影片編號版面配置區 6"/>
+          <p:cNvSpPr>
+            <a:spLocks noGrp="1"/>
+          </p:cNvSpPr>
+          <p:nvPr>
+            <p:ph type="sldNum" sz="quarter" idx="5"/>
+          </p:nvPr>
+        </p:nvSpPr>
+        <p:spPr>
+          <a:xfrm>
+            <a:off x="3884613" y="8685213"/>
+            <a:ext cx="2971800" cy="458787"/>
+          </a:xfrm>
+          <a:prstGeom prst="rect">
+            <a:avLst/>
+          </a:prstGeom>
+        </p:spPr>
+        <p:txBody>
+          <a:bodyPr vert="horz" lIns="91440" tIns="45720" rIns="91440" bIns="45720" rtlCol="0" anchor="b"/>
+          <a:lstStyle>
+            <a:lvl1pPr algn="r">
+              <a:defRPr sz="1200"/>
+            </a:lvl1pPr>
+          </a:lstStyle>
+          <a:p>
+            <a:fld id="{48C17303-7880-4EB0-BBD6-662AD90969CD}" type="slidenum">
+              <a:rPr lang="zh-TW" altLang="en-US" smtClean="0"/>
+              <a:t>‹#›</a:t>
+            </a:fld>
+            <a:endParaRPr lang="zh-TW" altLang="en-US"/>
+          </a:p>
+        </p:txBody>
+      </p:sp>
+    </p:spTree>
+    <p:extLst>
+      <p:ext uri="{BB962C8B-B14F-4D97-AF65-F5344CB8AC3E}">
+        <p14:creationId xmlns:p14="http://schemas.microsoft.com/office/powerpoint/2010/main" val="2823867989"/>
+      </p:ext>
+    </p:extLst>
+  </p:cSld>
+  <p:clrMap bg1="lt1" tx1="dk1" bg2="lt2" tx2="dk2" accent1="accent1" accent2="accent2" accent3="accent3" accent4="accent4" accent5="accent5" accent6="accent6" hlink="hlink" folHlink="folHlink"/>
+  <p:notesStyle>
+    <a:lvl1pPr marL="0" algn="l" defTabSz="914400" rtl="0" eaLnBrk="1" latinLnBrk="0" hangingPunct="1">
+      <a:defRPr sz="1200" kern="1200">
+        <a:solidFill>
+          <a:schemeClr val="tx1"/>
+        </a:solidFill>
+        <a:latin typeface="+mn-lt"/>
+        <a:ea typeface="+mn-ea"/>
+        <a:cs typeface="+mn-cs"/>
+      </a:defRPr>
+    </a:lvl1pPr>
+    <a:lvl2pPr marL="457200" algn="l" defTabSz="914400" rtl="0" eaLnBrk="1" latinLnBrk="0" hangingPunct="1">
+      <a:defRPr sz="1200" kern="1200">
+        <a:solidFill>
+          <a:schemeClr val="tx1"/>
+        </a:solidFill>
+        <a:latin typeface="+mn-lt"/>
+        <a:ea typeface="+mn-ea"/>
+        <a:cs typeface="+mn-cs"/>
+      </a:defRPr>
+    </a:lvl2pPr>
+    <a:lvl3pPr marL="914400" algn="l" defTabSz="914400" rtl="0" eaLnBrk="1" latinLnBrk="0" hangingPunct="1">
+      <a:defRPr sz="1200" kern="1200">
+        <a:solidFill>
+          <a:schemeClr val="tx1"/>
+        </a:solidFill>
+        <a:latin typeface="+mn-lt"/>
+        <a:ea typeface="+mn-ea"/>
+        <a:cs typeface="+mn-cs"/>
+      </a:defRPr>
+    </a:lvl3pPr>
+    <a:lvl4pPr marL="1371600" algn="l" defTabSz="914400" rtl="0" eaLnBrk="1" latinLnBrk="0" hangingPunct="1">
+      <a:defRPr sz="1200" kern="1200">
+        <a:solidFill>
+          <a:schemeClr val="tx1"/>
+        </a:solidFill>
+        <a:latin typeface="+mn-lt"/>
+        <a:ea typeface="+mn-ea"/>
+        <a:cs typeface="+mn-cs"/>
+      </a:defRPr>
+    </a:lvl4pPr>
+    <a:lvl5pPr marL="1828800" algn="l" defTabSz="914400" rtl="0" eaLnBrk="1" latinLnBrk="0" hangingPunct="1">
+      <a:defRPr sz="1200" kern="1200">
+        <a:solidFill>
+          <a:schemeClr val="tx1"/>
+        </a:solidFill>
+        <a:latin typeface="+mn-lt"/>
+        <a:ea typeface="+mn-ea"/>
+        <a:cs typeface="+mn-cs"/>
+      </a:defRPr>
+    </a:lvl5pPr>
+    <a:lvl6pPr marL="2286000" algn="l" defTabSz="914400" rtl="0" eaLnBrk="1" latinLnBrk="0" hangingPunct="1">
+      <a:defRPr sz="1200" kern="1200">
+        <a:solidFill>
+          <a:schemeClr val="tx1"/>
+        </a:solidFill>
+        <a:latin typeface="+mn-lt"/>
+        <a:ea typeface="+mn-ea"/>
+        <a:cs typeface="+mn-cs"/>
+      </a:defRPr>
+    </a:lvl6pPr>
+    <a:lvl7pPr marL="2743200" algn="l" defTabSz="914400" rtl="0" eaLnBrk="1" latinLnBrk="0" hangingPunct="1">
+      <a:defRPr sz="1200" kern="1200">
+        <a:solidFill>
+          <a:schemeClr val="tx1"/>
+        </a:solidFill>
+        <a:latin typeface="+mn-lt"/>
+        <a:ea typeface="+mn-ea"/>
+        <a:cs typeface="+mn-cs"/>
+      </a:defRPr>
+    </a:lvl7pPr>
+    <a:lvl8pPr marL="3200400" algn="l" defTabSz="914400" rtl="0" eaLnBrk="1" latinLnBrk="0" hangingPunct="1">
+      <a:defRPr sz="1200" kern="1200">
+        <a:solidFill>
+          <a:schemeClr val="tx1"/>
+        </a:solidFill>
+        <a:latin typeface="+mn-lt"/>
+        <a:ea typeface="+mn-ea"/>
+        <a:cs typeface="+mn-cs"/>
+      </a:defRPr>
+    </a:lvl8pPr>
+    <a:lvl9pPr marL="3657600" algn="l" defTabSz="914400" rtl="0" eaLnBrk="1" latinLnBrk="0" hangingPunct="1">
+      <a:defRPr sz="1200" kern="1200">
+        <a:solidFill>
+          <a:schemeClr val="tx1"/>
+        </a:solidFill>
+        <a:latin typeface="+mn-lt"/>
+        <a:ea typeface="+mn-ea"/>
+        <a:cs typeface="+mn-cs"/>
+      </a:defRPr>
+    </a:lvl9pPr>
+  </p:notesStyle>
+</p:notesMaster>
+</file>
+
+<file path=ppt/notesSlides/notesSlide1.xml><?xml version="1.0" encoding="utf-8"?>
+<p:notes xmlns:a="http://schemas.openxmlformats.org/drawingml/2006/main" xmlns:r="http://schemas.openxmlformats.org/officeDocument/2006/relationships" xmlns:p="http://schemas.openxmlformats.org/presentationml/2006/main">
+  <p:cSld>
+    <p:spTree>
+      <p:nvGrpSpPr>
+        <p:cNvPr id="1" name=""/>
+        <p:cNvGrpSpPr/>
+        <p:nvPr/>
+      </p:nvGrpSpPr>
+      <p:grpSpPr>
+        <a:xfrm>
+          <a:off x="0" y="0"/>
+          <a:ext cx="0" cy="0"/>
+          <a:chOff x="0" y="0"/>
+          <a:chExt cx="0" cy="0"/>
+        </a:xfrm>
+      </p:grpSpPr>
+      <p:sp>
+        <p:nvSpPr>
+          <p:cNvPr id="2" name="投影片影像版面配置區 1"/>
+          <p:cNvSpPr>
+            <a:spLocks noGrp="1" noRot="1" noChangeAspect="1"/>
+          </p:cNvSpPr>
+          <p:nvPr>
+            <p:ph type="sldImg"/>
+          </p:nvPr>
+        </p:nvSpPr>
+        <p:spPr/>
+      </p:sp>
+      <p:sp>
+        <p:nvSpPr>
+          <p:cNvPr id="3" name="備忘稿版面配置區 2"/>
+          <p:cNvSpPr>
+            <a:spLocks noGrp="1"/>
+          </p:cNvSpPr>
+          <p:nvPr>
+            <p:ph type="body" idx="1"/>
+          </p:nvPr>
+        </p:nvSpPr>
+        <p:spPr/>
+        <p:txBody>
+          <a:bodyPr/>
+          <a:lstStyle/>
+          <a:p>
+            <a:r>
+              <a:rPr lang="zh-TW" altLang="en-US" dirty="0"/>
+              <a:t>但使用連續</a:t>
+            </a:r>
+            <a:r>
+              <a:rPr lang="en-US" altLang="zh-TW" dirty="0"/>
+              <a:t>scan</a:t>
+            </a:r>
+            <a:r>
+              <a:rPr lang="zh-TW" altLang="en-US" dirty="0"/>
+              <a:t>可降低外圍設備的功耗，因為可較快接收到</a:t>
+            </a:r>
+            <a:r>
+              <a:rPr lang="en-US" altLang="zh-TW" dirty="0"/>
+              <a:t>advertising</a:t>
+            </a:r>
+            <a:r>
+              <a:rPr lang="zh-TW" altLang="en-US" dirty="0"/>
+              <a:t>。</a:t>
+            </a:r>
+          </a:p>
+        </p:txBody>
+      </p:sp>
+      <p:sp>
+        <p:nvSpPr>
+          <p:cNvPr id="4" name="投影片編號版面配置區 3"/>
+          <p:cNvSpPr>
+            <a:spLocks noGrp="1"/>
+          </p:cNvSpPr>
+          <p:nvPr>
+            <p:ph type="sldNum" sz="quarter" idx="5"/>
+          </p:nvPr>
+        </p:nvSpPr>
+        <p:spPr/>
+        <p:txBody>
+          <a:bodyPr/>
+          <a:lstStyle/>
+          <a:p>
+            <a:fld id="{48C17303-7880-4EB0-BBD6-662AD90969CD}" type="slidenum">
+              <a:rPr lang="zh-TW" altLang="en-US" smtClean="0"/>
+              <a:t>11</a:t>
+            </a:fld>
+            <a:endParaRPr lang="zh-TW" altLang="en-US"/>
+          </a:p>
+        </p:txBody>
+      </p:sp>
+    </p:spTree>
+    <p:extLst>
+      <p:ext uri="{BB962C8B-B14F-4D97-AF65-F5344CB8AC3E}">
+        <p14:creationId xmlns:p14="http://schemas.microsoft.com/office/powerpoint/2010/main" val="3430788190"/>
+      </p:ext>
+    </p:extLst>
+  </p:cSld>
+  <p:clrMapOvr>
+    <a:masterClrMapping/>
+  </p:clrMapOvr>
+</p:notes>
+</file>
+
 <file path=ppt/slideLayouts/slideLayout1.xml><?xml version="1.0" encoding="utf-8"?>
 <p:sldLayout xmlns:a="http://schemas.openxmlformats.org/drawingml/2006/main" xmlns:r="http://schemas.openxmlformats.org/officeDocument/2006/relationships" xmlns:p="http://schemas.openxmlformats.org/presentationml/2006/main" type="title" preserve="1">
   <p:cSld name="標題投影片">
@@ -261,9 +725,9 @@
           <a:bodyPr/>
           <a:lstStyle/>
           <a:p>
-            <a:fld id="{4120355D-ABF5-462C-A928-6CE0A63AF9B5}" type="datetimeFigureOut">
+            <a:fld id="{BB9E5393-8897-45B1-A3D1-1ABF19E105F8}" type="datetime1">
               <a:rPr lang="zh-TW" altLang="en-US" smtClean="0"/>
-              <a:t>2020/9/15</a:t>
+              <a:t>2020/9/22</a:t>
             </a:fld>
             <a:endParaRPr lang="zh-TW" altLang="en-US"/>
           </a:p>
@@ -459,9 +923,9 @@
           <a:bodyPr/>
           <a:lstStyle/>
           <a:p>
-            <a:fld id="{4120355D-ABF5-462C-A928-6CE0A63AF9B5}" type="datetimeFigureOut">
+            <a:fld id="{8E943FCC-31C8-49C0-90F9-CEB0F3898C0C}" type="datetime1">
               <a:rPr lang="zh-TW" altLang="en-US" smtClean="0"/>
-              <a:t>2020/9/15</a:t>
+              <a:t>2020/9/22</a:t>
             </a:fld>
             <a:endParaRPr lang="zh-TW" altLang="en-US"/>
           </a:p>
@@ -667,9 +1131,9 @@
           <a:bodyPr/>
           <a:lstStyle/>
           <a:p>
-            <a:fld id="{4120355D-ABF5-462C-A928-6CE0A63AF9B5}" type="datetimeFigureOut">
+            <a:fld id="{7F39F772-6997-4B28-B9FA-E1FCD991DE74}" type="datetime1">
               <a:rPr lang="zh-TW" altLang="en-US" smtClean="0"/>
-              <a:t>2020/9/15</a:t>
+              <a:t>2020/9/22</a:t>
             </a:fld>
             <a:endParaRPr lang="zh-TW" altLang="en-US"/>
           </a:p>
@@ -865,9 +1329,9 @@
           <a:bodyPr/>
           <a:lstStyle/>
           <a:p>
-            <a:fld id="{4120355D-ABF5-462C-A928-6CE0A63AF9B5}" type="datetimeFigureOut">
+            <a:fld id="{BA8E6E87-E0C3-4CBE-B14B-0743312CAB5A}" type="datetime1">
               <a:rPr lang="zh-TW" altLang="en-US" smtClean="0"/>
-              <a:t>2020/9/15</a:t>
+              <a:t>2020/9/22</a:t>
             </a:fld>
             <a:endParaRPr lang="zh-TW" altLang="en-US"/>
           </a:p>
@@ -1140,9 +1604,9 @@
           <a:bodyPr/>
           <a:lstStyle/>
           <a:p>
-            <a:fld id="{4120355D-ABF5-462C-A928-6CE0A63AF9B5}" type="datetimeFigureOut">
+            <a:fld id="{468CBB1B-44AC-4743-A2E5-9BF127076473}" type="datetime1">
               <a:rPr lang="zh-TW" altLang="en-US" smtClean="0"/>
-              <a:t>2020/9/15</a:t>
+              <a:t>2020/9/22</a:t>
             </a:fld>
             <a:endParaRPr lang="zh-TW" altLang="en-US"/>
           </a:p>
@@ -1405,9 +1869,9 @@
           <a:bodyPr/>
           <a:lstStyle/>
           <a:p>
-            <a:fld id="{4120355D-ABF5-462C-A928-6CE0A63AF9B5}" type="datetimeFigureOut">
+            <a:fld id="{2F5C6D74-5274-44B5-A006-F820845CEFEC}" type="datetime1">
               <a:rPr lang="zh-TW" altLang="en-US" smtClean="0"/>
-              <a:t>2020/9/15</a:t>
+              <a:t>2020/9/22</a:t>
             </a:fld>
             <a:endParaRPr lang="zh-TW" altLang="en-US"/>
           </a:p>
@@ -1817,9 +2281,9 @@
           <a:bodyPr/>
           <a:lstStyle/>
           <a:p>
-            <a:fld id="{4120355D-ABF5-462C-A928-6CE0A63AF9B5}" type="datetimeFigureOut">
+            <a:fld id="{558D5F2C-B160-40C8-BD28-826C831D1EC6}" type="datetime1">
               <a:rPr lang="zh-TW" altLang="en-US" smtClean="0"/>
-              <a:t>2020/9/15</a:t>
+              <a:t>2020/9/22</a:t>
             </a:fld>
             <a:endParaRPr lang="zh-TW" altLang="en-US"/>
           </a:p>
@@ -1958,9 +2422,9 @@
           <a:bodyPr/>
           <a:lstStyle/>
           <a:p>
-            <a:fld id="{4120355D-ABF5-462C-A928-6CE0A63AF9B5}" type="datetimeFigureOut">
+            <a:fld id="{AD185C7E-CEB0-42DF-A8D2-B0386B8928A2}" type="datetime1">
               <a:rPr lang="zh-TW" altLang="en-US" smtClean="0"/>
-              <a:t>2020/9/15</a:t>
+              <a:t>2020/9/22</a:t>
             </a:fld>
             <a:endParaRPr lang="zh-TW" altLang="en-US"/>
           </a:p>
@@ -2071,9 +2535,9 @@
           <a:bodyPr/>
           <a:lstStyle/>
           <a:p>
-            <a:fld id="{4120355D-ABF5-462C-A928-6CE0A63AF9B5}" type="datetimeFigureOut">
+            <a:fld id="{FE4DBAF5-FD8D-4E90-9CF5-72029209753D}" type="datetime1">
               <a:rPr lang="zh-TW" altLang="en-US" smtClean="0"/>
-              <a:t>2020/9/15</a:t>
+              <a:t>2020/9/22</a:t>
             </a:fld>
             <a:endParaRPr lang="zh-TW" altLang="en-US"/>
           </a:p>
@@ -2382,9 +2846,9 @@
           <a:bodyPr/>
           <a:lstStyle/>
           <a:p>
-            <a:fld id="{4120355D-ABF5-462C-A928-6CE0A63AF9B5}" type="datetimeFigureOut">
+            <a:fld id="{DF75CA09-95D6-4671-848C-AB01A38F26A2}" type="datetime1">
               <a:rPr lang="zh-TW" altLang="en-US" smtClean="0"/>
-              <a:t>2020/9/15</a:t>
+              <a:t>2020/9/22</a:t>
             </a:fld>
             <a:endParaRPr lang="zh-TW" altLang="en-US"/>
           </a:p>
@@ -2670,9 +3134,9 @@
           <a:bodyPr/>
           <a:lstStyle/>
           <a:p>
-            <a:fld id="{4120355D-ABF5-462C-A928-6CE0A63AF9B5}" type="datetimeFigureOut">
+            <a:fld id="{2F2DEADA-E7E9-4052-9C09-F77C8AC34E98}" type="datetime1">
               <a:rPr lang="zh-TW" altLang="en-US" smtClean="0"/>
-              <a:t>2020/9/15</a:t>
+              <a:t>2020/9/22</a:t>
             </a:fld>
             <a:endParaRPr lang="zh-TW" altLang="en-US"/>
           </a:p>
@@ -2911,9 +3375,9 @@
             </a:lvl1pPr>
           </a:lstStyle>
           <a:p>
-            <a:fld id="{4120355D-ABF5-462C-A928-6CE0A63AF9B5}" type="datetimeFigureOut">
+            <a:fld id="{FD2F0749-A61F-452C-859B-E5D7531C0758}" type="datetime1">
               <a:rPr lang="zh-TW" altLang="en-US" smtClean="0"/>
-              <a:t>2020/9/15</a:t>
+              <a:t>2020/9/22</a:t>
             </a:fld>
             <a:endParaRPr lang="zh-TW" altLang="en-US"/>
           </a:p>
@@ -2997,15 +3461,18 @@
                     <a:tint val="75000"/>
                   </a:schemeClr>
                 </a:solidFill>
+                <a:latin typeface="Microsoft JhengHei Light" panose="020B0604030504040204" pitchFamily="34" charset="-120"/>
+                <a:ea typeface="Microsoft JhengHei Light" panose="020B0604030504040204" pitchFamily="34" charset="-120"/>
               </a:defRPr>
             </a:lvl1pPr>
           </a:lstStyle>
           <a:p>
             <a:fld id="{50029C49-A5A9-4A95-8BF0-94F73808DB5F}" type="slidenum">
               <a:rPr lang="zh-TW" altLang="en-US" smtClean="0"/>
+              <a:pPr/>
               <a:t>‹#›</a:t>
             </a:fld>
-            <a:endParaRPr lang="zh-TW" altLang="en-US"/>
+            <a:endParaRPr lang="zh-TW" altLang="en-US" dirty="0"/>
           </a:p>
         </p:txBody>
       </p:sp>
@@ -3030,6 +3497,7 @@
     <p:sldLayoutId id="2147483658" r:id="rId10"/>
     <p:sldLayoutId id="2147483659" r:id="rId11"/>
   </p:sldLayoutIdLst>
+  <p:hf hdr="0" ftr="0" dt="0"/>
   <p:txStyles>
     <p:titleStyle>
       <a:lvl1pPr algn="l" defTabSz="914400" rtl="0" eaLnBrk="1" latinLnBrk="0" hangingPunct="1">
@@ -3449,7 +3917,7 @@
           <p:cNvPr id="2" name="標題 1">
             <a:extLst>
               <a:ext uri="{FF2B5EF4-FFF2-40B4-BE49-F238E27FC236}">
-                <a16:creationId xmlns:a16="http://schemas.microsoft.com/office/drawing/2014/main" id="{66BD44E2-EFFF-43D9-A213-DE501B575689}"/>
+                <a16:creationId xmlns:a16="http://schemas.microsoft.com/office/drawing/2014/main" id="{B395D8BB-EDB2-42F3-9D92-4E6E7DCBB06A}"/>
               </a:ext>
             </a:extLst>
           </p:cNvPr>
@@ -3467,7 +3935,7 @@
           <a:p>
             <a:r>
               <a:rPr lang="en-US" altLang="zh-TW" dirty="0"/>
-              <a:t>References</a:t>
+              <a:t>Evaluation : passive handover(cont’d) </a:t>
             </a:r>
             <a:endParaRPr lang="zh-TW" altLang="en-US" dirty="0"/>
           </a:p>
@@ -3478,7 +3946,1121 @@
           <p:cNvPr id="3" name="內容版面配置區 2">
             <a:extLst>
               <a:ext uri="{FF2B5EF4-FFF2-40B4-BE49-F238E27FC236}">
-                <a16:creationId xmlns:a16="http://schemas.microsoft.com/office/drawing/2014/main" id="{6C6870F8-5E25-41B8-BDBD-DC2867167899}"/>
+                <a16:creationId xmlns:a16="http://schemas.microsoft.com/office/drawing/2014/main" id="{C1C16457-135B-42D6-BD5B-8AF9CCC2689E}"/>
+              </a:ext>
+            </a:extLst>
+          </p:cNvPr>
+          <p:cNvSpPr>
+            <a:spLocks noGrp="1"/>
+          </p:cNvSpPr>
+          <p:nvPr>
+            <p:ph idx="1"/>
+          </p:nvPr>
+        </p:nvSpPr>
+        <p:spPr/>
+        <p:txBody>
+          <a:bodyPr>
+            <a:normAutofit lnSpcReduction="10000"/>
+          </a:bodyPr>
+          <a:lstStyle/>
+          <a:p>
+            <a:r>
+              <a:rPr lang="en-US" altLang="zh-TW" dirty="0"/>
+              <a:t>About setting up a connection with the alternative GW</a:t>
+            </a:r>
+          </a:p>
+          <a:p>
+            <a:endParaRPr lang="en-US" altLang="zh-TW" dirty="0"/>
+          </a:p>
+          <a:p>
+            <a:r>
+              <a:rPr lang="en-US" altLang="zh-TW" dirty="0"/>
+              <a:t>Once the BLE peripheral’s supervision timeout has timed out, it transitions back to the advertising state, broadcasting connectable advertisements at a certain advertising interval.</a:t>
+            </a:r>
+          </a:p>
+          <a:p>
+            <a:endParaRPr lang="en-US" altLang="zh-TW" dirty="0"/>
+          </a:p>
+          <a:p>
+            <a:r>
+              <a:rPr lang="en-US" altLang="zh-TW" dirty="0"/>
+              <a:t>A GW that is not in a connection or still has room for another BLE connection, is in the initiating state and attempts to set up a connection upon receiving the connectable advertisements from the BLE peripheral.</a:t>
+            </a:r>
+          </a:p>
+        </p:txBody>
+      </p:sp>
+      <p:sp>
+        <p:nvSpPr>
+          <p:cNvPr id="9" name="投影片編號版面配置區 8">
+            <a:extLst>
+              <a:ext uri="{FF2B5EF4-FFF2-40B4-BE49-F238E27FC236}">
+                <a16:creationId xmlns:a16="http://schemas.microsoft.com/office/drawing/2014/main" id="{4F567620-92F9-4E3B-8423-A474721BEFEF}"/>
+              </a:ext>
+            </a:extLst>
+          </p:cNvPr>
+          <p:cNvSpPr>
+            <a:spLocks noGrp="1"/>
+          </p:cNvSpPr>
+          <p:nvPr>
+            <p:ph type="sldNum" sz="quarter" idx="12"/>
+          </p:nvPr>
+        </p:nvSpPr>
+        <p:spPr/>
+        <p:txBody>
+          <a:bodyPr/>
+          <a:lstStyle/>
+          <a:p>
+            <a:fld id="{50029C49-A5A9-4A95-8BF0-94F73808DB5F}" type="slidenum">
+              <a:rPr lang="zh-TW" altLang="en-US" smtClean="0"/>
+              <a:t>10</a:t>
+            </a:fld>
+            <a:endParaRPr lang="zh-TW" altLang="en-US" dirty="0"/>
+          </a:p>
+        </p:txBody>
+      </p:sp>
+    </p:spTree>
+    <p:extLst>
+      <p:ext uri="{BB962C8B-B14F-4D97-AF65-F5344CB8AC3E}">
+        <p14:creationId xmlns:p14="http://schemas.microsoft.com/office/powerpoint/2010/main" val="2107489994"/>
+      </p:ext>
+    </p:extLst>
+  </p:cSld>
+  <p:clrMapOvr>
+    <a:masterClrMapping/>
+  </p:clrMapOvr>
+</p:sld>
+</file>
+
+<file path=ppt/slides/slide11.xml><?xml version="1.0" encoding="utf-8"?>
+<p:sld xmlns:a="http://schemas.openxmlformats.org/drawingml/2006/main" xmlns:r="http://schemas.openxmlformats.org/officeDocument/2006/relationships" xmlns:p="http://schemas.openxmlformats.org/presentationml/2006/main">
+  <p:cSld>
+    <p:spTree>
+      <p:nvGrpSpPr>
+        <p:cNvPr id="1" name=""/>
+        <p:cNvGrpSpPr/>
+        <p:nvPr/>
+      </p:nvGrpSpPr>
+      <p:grpSpPr>
+        <a:xfrm>
+          <a:off x="0" y="0"/>
+          <a:ext cx="0" cy="0"/>
+          <a:chOff x="0" y="0"/>
+          <a:chExt cx="0" cy="0"/>
+        </a:xfrm>
+      </p:grpSpPr>
+      <p:sp>
+        <p:nvSpPr>
+          <p:cNvPr id="2" name="標題 1">
+            <a:extLst>
+              <a:ext uri="{FF2B5EF4-FFF2-40B4-BE49-F238E27FC236}">
+                <a16:creationId xmlns:a16="http://schemas.microsoft.com/office/drawing/2014/main" id="{B395D8BB-EDB2-42F3-9D92-4E6E7DCBB06A}"/>
+              </a:ext>
+            </a:extLst>
+          </p:cNvPr>
+          <p:cNvSpPr>
+            <a:spLocks noGrp="1"/>
+          </p:cNvSpPr>
+          <p:nvPr>
+            <p:ph type="title"/>
+          </p:nvPr>
+        </p:nvSpPr>
+        <p:spPr/>
+        <p:txBody>
+          <a:bodyPr/>
+          <a:lstStyle/>
+          <a:p>
+            <a:r>
+              <a:rPr lang="en-US" altLang="zh-TW" dirty="0"/>
+              <a:t>Evaluation : passive handover(cont’d) </a:t>
+            </a:r>
+            <a:endParaRPr lang="zh-TW" altLang="en-US" dirty="0"/>
+          </a:p>
+        </p:txBody>
+      </p:sp>
+      <p:sp>
+        <p:nvSpPr>
+          <p:cNvPr id="3" name="內容版面配置區 2">
+            <a:extLst>
+              <a:ext uri="{FF2B5EF4-FFF2-40B4-BE49-F238E27FC236}">
+                <a16:creationId xmlns:a16="http://schemas.microsoft.com/office/drawing/2014/main" id="{C1C16457-135B-42D6-BD5B-8AF9CCC2689E}"/>
+              </a:ext>
+            </a:extLst>
+          </p:cNvPr>
+          <p:cNvSpPr>
+            <a:spLocks noGrp="1"/>
+          </p:cNvSpPr>
+          <p:nvPr>
+            <p:ph idx="1"/>
+          </p:nvPr>
+        </p:nvSpPr>
+        <p:spPr/>
+        <p:txBody>
+          <a:bodyPr>
+            <a:normAutofit lnSpcReduction="10000"/>
+          </a:bodyPr>
+          <a:lstStyle/>
+          <a:p>
+            <a:r>
+              <a:rPr lang="en-US" altLang="zh-TW" dirty="0"/>
+              <a:t>About BLE parameter combinations</a:t>
+            </a:r>
+          </a:p>
+          <a:p>
+            <a:endParaRPr lang="en-US" altLang="zh-TW" dirty="0"/>
+          </a:p>
+          <a:p>
+            <a:r>
+              <a:rPr lang="en-US" altLang="zh-TW" dirty="0"/>
+              <a:t>The advertising interval should be smaller or equal to the scan window, because otherwise it cannot be guaranteed that the GW will be able to receive a connectable advertisement in an acceptable time window.</a:t>
+            </a:r>
+          </a:p>
+          <a:p>
+            <a:endParaRPr lang="en-US" altLang="zh-TW" dirty="0"/>
+          </a:p>
+          <a:p>
+            <a:r>
+              <a:rPr lang="en-US" altLang="zh-TW" dirty="0"/>
+              <a:t>A higher scan duty cycle ( scan window/scan interval ) has a positive impact on the handover latency but a negative impact on the energy consumption of the GW. </a:t>
+            </a:r>
+          </a:p>
+          <a:p>
+            <a:endParaRPr lang="en-US" altLang="zh-TW" dirty="0"/>
+          </a:p>
+          <a:p>
+            <a:endParaRPr lang="en-US" altLang="zh-TW" dirty="0"/>
+          </a:p>
+          <a:p>
+            <a:endParaRPr lang="en-US" altLang="zh-TW" dirty="0"/>
+          </a:p>
+          <a:p>
+            <a:endParaRPr lang="en-US" altLang="zh-TW" dirty="0"/>
+          </a:p>
+        </p:txBody>
+      </p:sp>
+      <p:sp>
+        <p:nvSpPr>
+          <p:cNvPr id="9" name="投影片編號版面配置區 8">
+            <a:extLst>
+              <a:ext uri="{FF2B5EF4-FFF2-40B4-BE49-F238E27FC236}">
+                <a16:creationId xmlns:a16="http://schemas.microsoft.com/office/drawing/2014/main" id="{4F567620-92F9-4E3B-8423-A474721BEFEF}"/>
+              </a:ext>
+            </a:extLst>
+          </p:cNvPr>
+          <p:cNvSpPr>
+            <a:spLocks noGrp="1"/>
+          </p:cNvSpPr>
+          <p:nvPr>
+            <p:ph type="sldNum" sz="quarter" idx="12"/>
+          </p:nvPr>
+        </p:nvSpPr>
+        <p:spPr/>
+        <p:txBody>
+          <a:bodyPr/>
+          <a:lstStyle/>
+          <a:p>
+            <a:fld id="{50029C49-A5A9-4A95-8BF0-94F73808DB5F}" type="slidenum">
+              <a:rPr lang="zh-TW" altLang="en-US" smtClean="0"/>
+              <a:t>11</a:t>
+            </a:fld>
+            <a:endParaRPr lang="zh-TW" altLang="en-US" dirty="0"/>
+          </a:p>
+        </p:txBody>
+      </p:sp>
+    </p:spTree>
+    <p:extLst>
+      <p:ext uri="{BB962C8B-B14F-4D97-AF65-F5344CB8AC3E}">
+        <p14:creationId xmlns:p14="http://schemas.microsoft.com/office/powerpoint/2010/main" val="51591730"/>
+      </p:ext>
+    </p:extLst>
+  </p:cSld>
+  <p:clrMapOvr>
+    <a:masterClrMapping/>
+  </p:clrMapOvr>
+</p:sld>
+</file>
+
+<file path=ppt/slides/slide12.xml><?xml version="1.0" encoding="utf-8"?>
+<p:sld xmlns:a="http://schemas.openxmlformats.org/drawingml/2006/main" xmlns:r="http://schemas.openxmlformats.org/officeDocument/2006/relationships" xmlns:p="http://schemas.openxmlformats.org/presentationml/2006/main">
+  <p:cSld>
+    <p:spTree>
+      <p:nvGrpSpPr>
+        <p:cNvPr id="1" name=""/>
+        <p:cNvGrpSpPr/>
+        <p:nvPr/>
+      </p:nvGrpSpPr>
+      <p:grpSpPr>
+        <a:xfrm>
+          <a:off x="0" y="0"/>
+          <a:ext cx="0" cy="0"/>
+          <a:chOff x="0" y="0"/>
+          <a:chExt cx="0" cy="0"/>
+        </a:xfrm>
+      </p:grpSpPr>
+      <p:sp>
+        <p:nvSpPr>
+          <p:cNvPr id="2" name="標題 1">
+            <a:extLst>
+              <a:ext uri="{FF2B5EF4-FFF2-40B4-BE49-F238E27FC236}">
+                <a16:creationId xmlns:a16="http://schemas.microsoft.com/office/drawing/2014/main" id="{B395D8BB-EDB2-42F3-9D92-4E6E7DCBB06A}"/>
+              </a:ext>
+            </a:extLst>
+          </p:cNvPr>
+          <p:cNvSpPr>
+            <a:spLocks noGrp="1"/>
+          </p:cNvSpPr>
+          <p:nvPr>
+            <p:ph type="title"/>
+          </p:nvPr>
+        </p:nvSpPr>
+        <p:spPr/>
+        <p:txBody>
+          <a:bodyPr/>
+          <a:lstStyle/>
+          <a:p>
+            <a:r>
+              <a:rPr lang="en-US" altLang="zh-TW" dirty="0"/>
+              <a:t>Evaluation : passive handover(cont’d) </a:t>
+            </a:r>
+            <a:endParaRPr lang="zh-TW" altLang="en-US" dirty="0"/>
+          </a:p>
+        </p:txBody>
+      </p:sp>
+      <p:sp>
+        <p:nvSpPr>
+          <p:cNvPr id="3" name="內容版面配置區 2">
+            <a:extLst>
+              <a:ext uri="{FF2B5EF4-FFF2-40B4-BE49-F238E27FC236}">
+                <a16:creationId xmlns:a16="http://schemas.microsoft.com/office/drawing/2014/main" id="{C1C16457-135B-42D6-BD5B-8AF9CCC2689E}"/>
+              </a:ext>
+            </a:extLst>
+          </p:cNvPr>
+          <p:cNvSpPr>
+            <a:spLocks noGrp="1"/>
+          </p:cNvSpPr>
+          <p:nvPr>
+            <p:ph idx="1"/>
+          </p:nvPr>
+        </p:nvSpPr>
+        <p:spPr/>
+        <p:txBody>
+          <a:bodyPr/>
+          <a:lstStyle/>
+          <a:p>
+            <a:endParaRPr lang="en-US" altLang="zh-TW" dirty="0"/>
+          </a:p>
+        </p:txBody>
+      </p:sp>
+      <p:pic>
+        <p:nvPicPr>
+          <p:cNvPr id="5" name="圖片 4">
+            <a:extLst>
+              <a:ext uri="{FF2B5EF4-FFF2-40B4-BE49-F238E27FC236}">
+                <a16:creationId xmlns:a16="http://schemas.microsoft.com/office/drawing/2014/main" id="{120F2FC4-72CD-4123-9F9B-A4D0862F8197}"/>
+              </a:ext>
+            </a:extLst>
+          </p:cNvPr>
+          <p:cNvPicPr>
+            <a:picLocks noChangeAspect="1"/>
+          </p:cNvPicPr>
+          <p:nvPr/>
+        </p:nvPicPr>
+        <p:blipFill>
+          <a:blip r:embed="rId2"/>
+          <a:stretch>
+            <a:fillRect/>
+          </a:stretch>
+        </p:blipFill>
+        <p:spPr>
+          <a:xfrm>
+            <a:off x="1433945" y="1520017"/>
+            <a:ext cx="9324109" cy="4972858"/>
+          </a:xfrm>
+          <a:prstGeom prst="rect">
+            <a:avLst/>
+          </a:prstGeom>
+        </p:spPr>
+      </p:pic>
+      <p:sp>
+        <p:nvSpPr>
+          <p:cNvPr id="6" name="矩形 5">
+            <a:extLst>
+              <a:ext uri="{FF2B5EF4-FFF2-40B4-BE49-F238E27FC236}">
+                <a16:creationId xmlns:a16="http://schemas.microsoft.com/office/drawing/2014/main" id="{3E4E9A0E-AE64-4FB1-8673-2DA6ED3339E6}"/>
+              </a:ext>
+            </a:extLst>
+          </p:cNvPr>
+          <p:cNvSpPr/>
+          <p:nvPr/>
+        </p:nvSpPr>
+        <p:spPr>
+          <a:xfrm>
+            <a:off x="6206836" y="1830777"/>
+            <a:ext cx="1787236" cy="2815648"/>
+          </a:xfrm>
+          <a:prstGeom prst="rect">
+            <a:avLst/>
+          </a:prstGeom>
+          <a:noFill/>
+          <a:ln w="38100">
+            <a:solidFill>
+              <a:srgbClr val="FF0000"/>
+            </a:solidFill>
+          </a:ln>
+        </p:spPr>
+        <p:style>
+          <a:lnRef idx="2">
+            <a:schemeClr val="accent1">
+              <a:shade val="50000"/>
+            </a:schemeClr>
+          </a:lnRef>
+          <a:fillRef idx="1">
+            <a:schemeClr val="accent1"/>
+          </a:fillRef>
+          <a:effectRef idx="0">
+            <a:schemeClr val="accent1"/>
+          </a:effectRef>
+          <a:fontRef idx="minor">
+            <a:schemeClr val="lt1"/>
+          </a:fontRef>
+        </p:style>
+        <p:txBody>
+          <a:bodyPr rtlCol="0" anchor="ctr"/>
+          <a:lstStyle/>
+          <a:p>
+            <a:pPr algn="ctr"/>
+            <a:endParaRPr lang="zh-TW" altLang="en-US"/>
+          </a:p>
+        </p:txBody>
+      </p:sp>
+      <p:sp>
+        <p:nvSpPr>
+          <p:cNvPr id="8" name="矩形 7">
+            <a:extLst>
+              <a:ext uri="{FF2B5EF4-FFF2-40B4-BE49-F238E27FC236}">
+                <a16:creationId xmlns:a16="http://schemas.microsoft.com/office/drawing/2014/main" id="{2B005D59-9B13-475D-9737-ED5285C3FD9E}"/>
+              </a:ext>
+            </a:extLst>
+          </p:cNvPr>
+          <p:cNvSpPr/>
+          <p:nvPr/>
+        </p:nvSpPr>
+        <p:spPr>
+          <a:xfrm>
+            <a:off x="7994072" y="1830777"/>
+            <a:ext cx="803564" cy="2815648"/>
+          </a:xfrm>
+          <a:prstGeom prst="rect">
+            <a:avLst/>
+          </a:prstGeom>
+          <a:noFill/>
+          <a:ln w="38100">
+            <a:solidFill>
+              <a:srgbClr val="FF0000"/>
+            </a:solidFill>
+          </a:ln>
+        </p:spPr>
+        <p:style>
+          <a:lnRef idx="2">
+            <a:schemeClr val="accent1">
+              <a:shade val="50000"/>
+            </a:schemeClr>
+          </a:lnRef>
+          <a:fillRef idx="1">
+            <a:schemeClr val="accent1"/>
+          </a:fillRef>
+          <a:effectRef idx="0">
+            <a:schemeClr val="accent1"/>
+          </a:effectRef>
+          <a:fontRef idx="minor">
+            <a:schemeClr val="lt1"/>
+          </a:fontRef>
+        </p:style>
+        <p:txBody>
+          <a:bodyPr rtlCol="0" anchor="ctr"/>
+          <a:lstStyle/>
+          <a:p>
+            <a:pPr algn="ctr"/>
+            <a:endParaRPr lang="zh-TW" altLang="en-US"/>
+          </a:p>
+        </p:txBody>
+      </p:sp>
+      <p:sp>
+        <p:nvSpPr>
+          <p:cNvPr id="4" name="投影片編號版面配置區 3">
+            <a:extLst>
+              <a:ext uri="{FF2B5EF4-FFF2-40B4-BE49-F238E27FC236}">
+                <a16:creationId xmlns:a16="http://schemas.microsoft.com/office/drawing/2014/main" id="{AE7598D7-FEA4-44A6-B1B0-EA2D845DC0D7}"/>
+              </a:ext>
+            </a:extLst>
+          </p:cNvPr>
+          <p:cNvSpPr>
+            <a:spLocks noGrp="1"/>
+          </p:cNvSpPr>
+          <p:nvPr>
+            <p:ph type="sldNum" sz="quarter" idx="12"/>
+          </p:nvPr>
+        </p:nvSpPr>
+        <p:spPr/>
+        <p:txBody>
+          <a:bodyPr/>
+          <a:lstStyle/>
+          <a:p>
+            <a:fld id="{50029C49-A5A9-4A95-8BF0-94F73808DB5F}" type="slidenum">
+              <a:rPr lang="zh-TW" altLang="en-US" smtClean="0"/>
+              <a:t>12</a:t>
+            </a:fld>
+            <a:endParaRPr lang="zh-TW" altLang="en-US"/>
+          </a:p>
+        </p:txBody>
+      </p:sp>
+    </p:spTree>
+    <p:extLst>
+      <p:ext uri="{BB962C8B-B14F-4D97-AF65-F5344CB8AC3E}">
+        <p14:creationId xmlns:p14="http://schemas.microsoft.com/office/powerpoint/2010/main" val="1628974347"/>
+      </p:ext>
+    </p:extLst>
+  </p:cSld>
+  <p:clrMapOvr>
+    <a:masterClrMapping/>
+  </p:clrMapOvr>
+</p:sld>
+</file>
+
+<file path=ppt/slides/slide13.xml><?xml version="1.0" encoding="utf-8"?>
+<p:sld xmlns:a="http://schemas.openxmlformats.org/drawingml/2006/main" xmlns:r="http://schemas.openxmlformats.org/officeDocument/2006/relationships" xmlns:p="http://schemas.openxmlformats.org/presentationml/2006/main">
+  <p:cSld>
+    <p:spTree>
+      <p:nvGrpSpPr>
+        <p:cNvPr id="1" name=""/>
+        <p:cNvGrpSpPr/>
+        <p:nvPr/>
+      </p:nvGrpSpPr>
+      <p:grpSpPr>
+        <a:xfrm>
+          <a:off x="0" y="0"/>
+          <a:ext cx="0" cy="0"/>
+          <a:chOff x="0" y="0"/>
+          <a:chExt cx="0" cy="0"/>
+        </a:xfrm>
+      </p:grpSpPr>
+      <p:pic>
+        <p:nvPicPr>
+          <p:cNvPr id="5" name="圖片 4">
+            <a:extLst>
+              <a:ext uri="{FF2B5EF4-FFF2-40B4-BE49-F238E27FC236}">
+                <a16:creationId xmlns:a16="http://schemas.microsoft.com/office/drawing/2014/main" id="{56CD1ED4-5648-4D18-8194-FC038C8F6355}"/>
+              </a:ext>
+            </a:extLst>
+          </p:cNvPr>
+          <p:cNvPicPr>
+            <a:picLocks noChangeAspect="1"/>
+          </p:cNvPicPr>
+          <p:nvPr/>
+        </p:nvPicPr>
+        <p:blipFill>
+          <a:blip r:embed="rId2"/>
+          <a:stretch>
+            <a:fillRect/>
+          </a:stretch>
+        </p:blipFill>
+        <p:spPr>
+          <a:xfrm>
+            <a:off x="1552575" y="700953"/>
+            <a:ext cx="10639425" cy="6315075"/>
+          </a:xfrm>
+          <a:prstGeom prst="rect">
+            <a:avLst/>
+          </a:prstGeom>
+        </p:spPr>
+      </p:pic>
+      <p:sp>
+        <p:nvSpPr>
+          <p:cNvPr id="2" name="標題 1">
+            <a:extLst>
+              <a:ext uri="{FF2B5EF4-FFF2-40B4-BE49-F238E27FC236}">
+                <a16:creationId xmlns:a16="http://schemas.microsoft.com/office/drawing/2014/main" id="{B395D8BB-EDB2-42F3-9D92-4E6E7DCBB06A}"/>
+              </a:ext>
+            </a:extLst>
+          </p:cNvPr>
+          <p:cNvSpPr>
+            <a:spLocks noGrp="1"/>
+          </p:cNvSpPr>
+          <p:nvPr>
+            <p:ph type="title"/>
+          </p:nvPr>
+        </p:nvSpPr>
+        <p:spPr/>
+        <p:txBody>
+          <a:bodyPr/>
+          <a:lstStyle/>
+          <a:p>
+            <a:r>
+              <a:rPr lang="en-US" altLang="zh-TW" dirty="0"/>
+              <a:t>Evaluation : passive handover(cont’d) </a:t>
+            </a:r>
+            <a:endParaRPr lang="zh-TW" altLang="en-US" dirty="0"/>
+          </a:p>
+        </p:txBody>
+      </p:sp>
+      <p:sp>
+        <p:nvSpPr>
+          <p:cNvPr id="9" name="投影片編號版面配置區 8">
+            <a:extLst>
+              <a:ext uri="{FF2B5EF4-FFF2-40B4-BE49-F238E27FC236}">
+                <a16:creationId xmlns:a16="http://schemas.microsoft.com/office/drawing/2014/main" id="{4F567620-92F9-4E3B-8423-A474721BEFEF}"/>
+              </a:ext>
+            </a:extLst>
+          </p:cNvPr>
+          <p:cNvSpPr>
+            <a:spLocks noGrp="1"/>
+          </p:cNvSpPr>
+          <p:nvPr>
+            <p:ph type="sldNum" sz="quarter" idx="12"/>
+          </p:nvPr>
+        </p:nvSpPr>
+        <p:spPr/>
+        <p:txBody>
+          <a:bodyPr/>
+          <a:lstStyle/>
+          <a:p>
+            <a:fld id="{50029C49-A5A9-4A95-8BF0-94F73808DB5F}" type="slidenum">
+              <a:rPr lang="zh-TW" altLang="en-US" smtClean="0"/>
+              <a:t>13</a:t>
+            </a:fld>
+            <a:endParaRPr lang="zh-TW" altLang="en-US" dirty="0"/>
+          </a:p>
+        </p:txBody>
+      </p:sp>
+      <p:sp>
+        <p:nvSpPr>
+          <p:cNvPr id="6" name="矩形 5">
+            <a:extLst>
+              <a:ext uri="{FF2B5EF4-FFF2-40B4-BE49-F238E27FC236}">
+                <a16:creationId xmlns:a16="http://schemas.microsoft.com/office/drawing/2014/main" id="{E1C274C1-B685-4EC5-BBF2-CAAD65754987}"/>
+              </a:ext>
+            </a:extLst>
+          </p:cNvPr>
+          <p:cNvSpPr/>
+          <p:nvPr/>
+        </p:nvSpPr>
+        <p:spPr>
+          <a:xfrm>
+            <a:off x="4197926" y="2026516"/>
+            <a:ext cx="2563091" cy="3252066"/>
+          </a:xfrm>
+          <a:prstGeom prst="rect">
+            <a:avLst/>
+          </a:prstGeom>
+          <a:noFill/>
+          <a:ln w="38100">
+            <a:solidFill>
+              <a:srgbClr val="FF0000"/>
+            </a:solidFill>
+          </a:ln>
+        </p:spPr>
+        <p:style>
+          <a:lnRef idx="2">
+            <a:schemeClr val="accent1">
+              <a:shade val="50000"/>
+            </a:schemeClr>
+          </a:lnRef>
+          <a:fillRef idx="1">
+            <a:schemeClr val="accent1"/>
+          </a:fillRef>
+          <a:effectRef idx="0">
+            <a:schemeClr val="accent1"/>
+          </a:effectRef>
+          <a:fontRef idx="minor">
+            <a:schemeClr val="lt1"/>
+          </a:fontRef>
+        </p:style>
+        <p:txBody>
+          <a:bodyPr rtlCol="0" anchor="ctr"/>
+          <a:lstStyle/>
+          <a:p>
+            <a:pPr algn="ctr"/>
+            <a:endParaRPr lang="zh-TW" altLang="en-US"/>
+          </a:p>
+        </p:txBody>
+      </p:sp>
+      <p:sp>
+        <p:nvSpPr>
+          <p:cNvPr id="8" name="矩形 7">
+            <a:extLst>
+              <a:ext uri="{FF2B5EF4-FFF2-40B4-BE49-F238E27FC236}">
+                <a16:creationId xmlns:a16="http://schemas.microsoft.com/office/drawing/2014/main" id="{958F3D8D-B745-458D-9DCF-69231D6472FD}"/>
+              </a:ext>
+            </a:extLst>
+          </p:cNvPr>
+          <p:cNvSpPr/>
+          <p:nvPr/>
+        </p:nvSpPr>
+        <p:spPr>
+          <a:xfrm>
+            <a:off x="6795654" y="2026516"/>
+            <a:ext cx="2140528" cy="4831484"/>
+          </a:xfrm>
+          <a:prstGeom prst="rect">
+            <a:avLst/>
+          </a:prstGeom>
+          <a:noFill/>
+          <a:ln w="38100">
+            <a:solidFill>
+              <a:srgbClr val="FF0000"/>
+            </a:solidFill>
+          </a:ln>
+        </p:spPr>
+        <p:style>
+          <a:lnRef idx="2">
+            <a:schemeClr val="accent1">
+              <a:shade val="50000"/>
+            </a:schemeClr>
+          </a:lnRef>
+          <a:fillRef idx="1">
+            <a:schemeClr val="accent1"/>
+          </a:fillRef>
+          <a:effectRef idx="0">
+            <a:schemeClr val="accent1"/>
+          </a:effectRef>
+          <a:fontRef idx="minor">
+            <a:schemeClr val="lt1"/>
+          </a:fontRef>
+        </p:style>
+        <p:txBody>
+          <a:bodyPr rtlCol="0" anchor="ctr"/>
+          <a:lstStyle/>
+          <a:p>
+            <a:pPr algn="ctr"/>
+            <a:endParaRPr lang="zh-TW" altLang="en-US"/>
+          </a:p>
+        </p:txBody>
+      </p:sp>
+    </p:spTree>
+    <p:extLst>
+      <p:ext uri="{BB962C8B-B14F-4D97-AF65-F5344CB8AC3E}">
+        <p14:creationId xmlns:p14="http://schemas.microsoft.com/office/powerpoint/2010/main" val="2676990719"/>
+      </p:ext>
+    </p:extLst>
+  </p:cSld>
+  <p:clrMapOvr>
+    <a:masterClrMapping/>
+  </p:clrMapOvr>
+</p:sld>
+</file>
+
+<file path=ppt/slides/slide14.xml><?xml version="1.0" encoding="utf-8"?>
+<p:sld xmlns:a="http://schemas.openxmlformats.org/drawingml/2006/main" xmlns:r="http://schemas.openxmlformats.org/officeDocument/2006/relationships" xmlns:p="http://schemas.openxmlformats.org/presentationml/2006/main">
+  <p:cSld>
+    <p:spTree>
+      <p:nvGrpSpPr>
+        <p:cNvPr id="1" name=""/>
+        <p:cNvGrpSpPr/>
+        <p:nvPr/>
+      </p:nvGrpSpPr>
+      <p:grpSpPr>
+        <a:xfrm>
+          <a:off x="0" y="0"/>
+          <a:ext cx="0" cy="0"/>
+          <a:chOff x="0" y="0"/>
+          <a:chExt cx="0" cy="0"/>
+        </a:xfrm>
+      </p:grpSpPr>
+      <p:sp>
+        <p:nvSpPr>
+          <p:cNvPr id="2" name="標題 1">
+            <a:extLst>
+              <a:ext uri="{FF2B5EF4-FFF2-40B4-BE49-F238E27FC236}">
+                <a16:creationId xmlns:a16="http://schemas.microsoft.com/office/drawing/2014/main" id="{B395D8BB-EDB2-42F3-9D92-4E6E7DCBB06A}"/>
+              </a:ext>
+            </a:extLst>
+          </p:cNvPr>
+          <p:cNvSpPr>
+            <a:spLocks noGrp="1"/>
+          </p:cNvSpPr>
+          <p:nvPr>
+            <p:ph type="title"/>
+          </p:nvPr>
+        </p:nvSpPr>
+        <p:spPr/>
+        <p:txBody>
+          <a:bodyPr/>
+          <a:lstStyle/>
+          <a:p>
+            <a:r>
+              <a:rPr lang="en-US" altLang="zh-TW" dirty="0"/>
+              <a:t>Evaluation : active handover</a:t>
+            </a:r>
+            <a:endParaRPr lang="zh-TW" altLang="en-US" dirty="0"/>
+          </a:p>
+        </p:txBody>
+      </p:sp>
+      <p:sp>
+        <p:nvSpPr>
+          <p:cNvPr id="3" name="內容版面配置區 2">
+            <a:extLst>
+              <a:ext uri="{FF2B5EF4-FFF2-40B4-BE49-F238E27FC236}">
+                <a16:creationId xmlns:a16="http://schemas.microsoft.com/office/drawing/2014/main" id="{C1C16457-135B-42D6-BD5B-8AF9CCC2689E}"/>
+              </a:ext>
+            </a:extLst>
+          </p:cNvPr>
+          <p:cNvSpPr>
+            <a:spLocks noGrp="1"/>
+          </p:cNvSpPr>
+          <p:nvPr>
+            <p:ph idx="1"/>
+          </p:nvPr>
+        </p:nvSpPr>
+        <p:spPr/>
+        <p:txBody>
+          <a:bodyPr/>
+          <a:lstStyle/>
+          <a:p>
+            <a:endParaRPr lang="en-US" altLang="zh-TW" dirty="0"/>
+          </a:p>
+        </p:txBody>
+      </p:sp>
+      <p:sp>
+        <p:nvSpPr>
+          <p:cNvPr id="4" name="投影片編號版面配置區 3">
+            <a:extLst>
+              <a:ext uri="{FF2B5EF4-FFF2-40B4-BE49-F238E27FC236}">
+                <a16:creationId xmlns:a16="http://schemas.microsoft.com/office/drawing/2014/main" id="{DB634B57-2E7E-40BE-993E-5F46071107A7}"/>
+              </a:ext>
+            </a:extLst>
+          </p:cNvPr>
+          <p:cNvSpPr>
+            <a:spLocks noGrp="1"/>
+          </p:cNvSpPr>
+          <p:nvPr>
+            <p:ph type="sldNum" sz="quarter" idx="12"/>
+          </p:nvPr>
+        </p:nvSpPr>
+        <p:spPr/>
+        <p:txBody>
+          <a:bodyPr/>
+          <a:lstStyle/>
+          <a:p>
+            <a:fld id="{50029C49-A5A9-4A95-8BF0-94F73808DB5F}" type="slidenum">
+              <a:rPr lang="zh-TW" altLang="en-US" smtClean="0"/>
+              <a:t>14</a:t>
+            </a:fld>
+            <a:endParaRPr lang="zh-TW" altLang="en-US"/>
+          </a:p>
+        </p:txBody>
+      </p:sp>
+    </p:spTree>
+    <p:extLst>
+      <p:ext uri="{BB962C8B-B14F-4D97-AF65-F5344CB8AC3E}">
+        <p14:creationId xmlns:p14="http://schemas.microsoft.com/office/powerpoint/2010/main" val="1272687956"/>
+      </p:ext>
+    </p:extLst>
+  </p:cSld>
+  <p:clrMapOvr>
+    <a:masterClrMapping/>
+  </p:clrMapOvr>
+</p:sld>
+</file>
+
+<file path=ppt/slides/slide15.xml><?xml version="1.0" encoding="utf-8"?>
+<p:sld xmlns:a="http://schemas.openxmlformats.org/drawingml/2006/main" xmlns:r="http://schemas.openxmlformats.org/officeDocument/2006/relationships" xmlns:p="http://schemas.openxmlformats.org/presentationml/2006/main">
+  <p:cSld>
+    <p:spTree>
+      <p:nvGrpSpPr>
+        <p:cNvPr id="1" name=""/>
+        <p:cNvGrpSpPr/>
+        <p:nvPr/>
+      </p:nvGrpSpPr>
+      <p:grpSpPr>
+        <a:xfrm>
+          <a:off x="0" y="0"/>
+          <a:ext cx="0" cy="0"/>
+          <a:chOff x="0" y="0"/>
+          <a:chExt cx="0" cy="0"/>
+        </a:xfrm>
+      </p:grpSpPr>
+      <p:sp>
+        <p:nvSpPr>
+          <p:cNvPr id="2" name="標題 1">
+            <a:extLst>
+              <a:ext uri="{FF2B5EF4-FFF2-40B4-BE49-F238E27FC236}">
+                <a16:creationId xmlns:a16="http://schemas.microsoft.com/office/drawing/2014/main" id="{B7DB5FDF-E9A2-4D3D-ACF8-CEFDE567ED4E}"/>
+              </a:ext>
+            </a:extLst>
+          </p:cNvPr>
+          <p:cNvSpPr>
+            <a:spLocks noGrp="1"/>
+          </p:cNvSpPr>
+          <p:nvPr>
+            <p:ph type="title"/>
+          </p:nvPr>
+        </p:nvSpPr>
+        <p:spPr/>
+        <p:txBody>
+          <a:bodyPr/>
+          <a:lstStyle/>
+          <a:p>
+            <a:r>
+              <a:rPr lang="en-US" altLang="zh-TW" dirty="0"/>
+              <a:t>Conclusion</a:t>
+            </a:r>
+            <a:endParaRPr lang="zh-TW" altLang="en-US" dirty="0"/>
+          </a:p>
+        </p:txBody>
+      </p:sp>
+      <p:sp>
+        <p:nvSpPr>
+          <p:cNvPr id="3" name="內容版面配置區 2">
+            <a:extLst>
+              <a:ext uri="{FF2B5EF4-FFF2-40B4-BE49-F238E27FC236}">
+                <a16:creationId xmlns:a16="http://schemas.microsoft.com/office/drawing/2014/main" id="{24BC7DE2-9247-4111-B9E4-01812FC553D6}"/>
+              </a:ext>
+            </a:extLst>
+          </p:cNvPr>
+          <p:cNvSpPr>
+            <a:spLocks noGrp="1"/>
+          </p:cNvSpPr>
+          <p:nvPr>
+            <p:ph idx="1"/>
+          </p:nvPr>
+        </p:nvSpPr>
+        <p:spPr/>
+        <p:txBody>
+          <a:bodyPr/>
+          <a:lstStyle/>
+          <a:p>
+            <a:r>
+              <a:rPr lang="en-US" altLang="zh-TW" dirty="0"/>
+              <a:t>In this paper, two architectures are proposed to realize a BLE-based multi-GW network infrastructure that is able to provide bidirectional connectivity to mobile BLE peripherals. </a:t>
+            </a:r>
+          </a:p>
+          <a:p>
+            <a:endParaRPr lang="en-US" altLang="zh-TW" dirty="0"/>
+          </a:p>
+          <a:p>
+            <a:r>
+              <a:rPr lang="en-US" altLang="zh-TW" dirty="0"/>
+              <a:t>The IP based architecture offers seamless end-to-end IP connectivity between a mobile BLE peripheral and an existing IP network. It limits custom implementation needs, but requires more resources from the already constrained mobile BLE peripheral. </a:t>
+            </a:r>
+            <a:endParaRPr lang="zh-TW" altLang="en-US" dirty="0"/>
+          </a:p>
+        </p:txBody>
+      </p:sp>
+      <p:sp>
+        <p:nvSpPr>
+          <p:cNvPr id="4" name="投影片編號版面配置區 3">
+            <a:extLst>
+              <a:ext uri="{FF2B5EF4-FFF2-40B4-BE49-F238E27FC236}">
+                <a16:creationId xmlns:a16="http://schemas.microsoft.com/office/drawing/2014/main" id="{1897B375-7AA8-4235-9A04-A251C8228EE1}"/>
+              </a:ext>
+            </a:extLst>
+          </p:cNvPr>
+          <p:cNvSpPr>
+            <a:spLocks noGrp="1"/>
+          </p:cNvSpPr>
+          <p:nvPr>
+            <p:ph type="sldNum" sz="quarter" idx="12"/>
+          </p:nvPr>
+        </p:nvSpPr>
+        <p:spPr/>
+        <p:txBody>
+          <a:bodyPr/>
+          <a:lstStyle/>
+          <a:p>
+            <a:fld id="{50029C49-A5A9-4A95-8BF0-94F73808DB5F}" type="slidenum">
+              <a:rPr lang="zh-TW" altLang="en-US" smtClean="0"/>
+              <a:t>15</a:t>
+            </a:fld>
+            <a:endParaRPr lang="zh-TW" altLang="en-US"/>
+          </a:p>
+        </p:txBody>
+      </p:sp>
+    </p:spTree>
+    <p:extLst>
+      <p:ext uri="{BB962C8B-B14F-4D97-AF65-F5344CB8AC3E}">
+        <p14:creationId xmlns:p14="http://schemas.microsoft.com/office/powerpoint/2010/main" val="3047592953"/>
+      </p:ext>
+    </p:extLst>
+  </p:cSld>
+  <p:clrMapOvr>
+    <a:masterClrMapping/>
+  </p:clrMapOvr>
+</p:sld>
+</file>
+
+<file path=ppt/slides/slide16.xml><?xml version="1.0" encoding="utf-8"?>
+<p:sld xmlns:a="http://schemas.openxmlformats.org/drawingml/2006/main" xmlns:r="http://schemas.openxmlformats.org/officeDocument/2006/relationships" xmlns:p="http://schemas.openxmlformats.org/presentationml/2006/main">
+  <p:cSld>
+    <p:spTree>
+      <p:nvGrpSpPr>
+        <p:cNvPr id="1" name=""/>
+        <p:cNvGrpSpPr/>
+        <p:nvPr/>
+      </p:nvGrpSpPr>
+      <p:grpSpPr>
+        <a:xfrm>
+          <a:off x="0" y="0"/>
+          <a:ext cx="0" cy="0"/>
+          <a:chOff x="0" y="0"/>
+          <a:chExt cx="0" cy="0"/>
+        </a:xfrm>
+      </p:grpSpPr>
+      <p:sp>
+        <p:nvSpPr>
+          <p:cNvPr id="2" name="標題 1">
+            <a:extLst>
+              <a:ext uri="{FF2B5EF4-FFF2-40B4-BE49-F238E27FC236}">
+                <a16:creationId xmlns:a16="http://schemas.microsoft.com/office/drawing/2014/main" id="{B7DB5FDF-E9A2-4D3D-ACF8-CEFDE567ED4E}"/>
+              </a:ext>
+            </a:extLst>
+          </p:cNvPr>
+          <p:cNvSpPr>
+            <a:spLocks noGrp="1"/>
+          </p:cNvSpPr>
+          <p:nvPr>
+            <p:ph type="title"/>
+          </p:nvPr>
+        </p:nvSpPr>
+        <p:spPr/>
+        <p:txBody>
+          <a:bodyPr/>
+          <a:lstStyle/>
+          <a:p>
+            <a:r>
+              <a:rPr lang="en-US" altLang="zh-TW" dirty="0"/>
+              <a:t>Conclusion(cont’d)</a:t>
+            </a:r>
+            <a:endParaRPr lang="zh-TW" altLang="en-US" dirty="0"/>
+          </a:p>
+        </p:txBody>
+      </p:sp>
+      <p:sp>
+        <p:nvSpPr>
+          <p:cNvPr id="3" name="內容版面配置區 2">
+            <a:extLst>
+              <a:ext uri="{FF2B5EF4-FFF2-40B4-BE49-F238E27FC236}">
+                <a16:creationId xmlns:a16="http://schemas.microsoft.com/office/drawing/2014/main" id="{24BC7DE2-9247-4111-B9E4-01812FC553D6}"/>
+              </a:ext>
+            </a:extLst>
+          </p:cNvPr>
+          <p:cNvSpPr>
+            <a:spLocks noGrp="1"/>
+          </p:cNvSpPr>
+          <p:nvPr>
+            <p:ph idx="1"/>
+          </p:nvPr>
+        </p:nvSpPr>
+        <p:spPr/>
+        <p:txBody>
+          <a:bodyPr/>
+          <a:lstStyle/>
+          <a:p>
+            <a:r>
+              <a:rPr lang="en-US" altLang="zh-TW" dirty="0"/>
+              <a:t>The non-IP based architecture requires less resources from the BLE peripheral as it employs native BLE communication towards the IoT gateway. However, custom implementation needs are much higher, as a dedicated controller is introduced within the existing network that needs to maintain the state of the infrastructure and the currently associated mobile BLE devices.</a:t>
+            </a:r>
+          </a:p>
+          <a:p>
+            <a:endParaRPr lang="en-US" altLang="zh-TW" dirty="0"/>
+          </a:p>
+          <a:p>
+            <a:endParaRPr lang="zh-TW" altLang="en-US" dirty="0"/>
+          </a:p>
+        </p:txBody>
+      </p:sp>
+      <p:sp>
+        <p:nvSpPr>
+          <p:cNvPr id="4" name="投影片編號版面配置區 3">
+            <a:extLst>
+              <a:ext uri="{FF2B5EF4-FFF2-40B4-BE49-F238E27FC236}">
+                <a16:creationId xmlns:a16="http://schemas.microsoft.com/office/drawing/2014/main" id="{3027A15A-810A-49CD-86D5-0BC2EF69CCF7}"/>
+              </a:ext>
+            </a:extLst>
+          </p:cNvPr>
+          <p:cNvSpPr>
+            <a:spLocks noGrp="1"/>
+          </p:cNvSpPr>
+          <p:nvPr>
+            <p:ph type="sldNum" sz="quarter" idx="12"/>
+          </p:nvPr>
+        </p:nvSpPr>
+        <p:spPr/>
+        <p:txBody>
+          <a:bodyPr/>
+          <a:lstStyle/>
+          <a:p>
+            <a:fld id="{50029C49-A5A9-4A95-8BF0-94F73808DB5F}" type="slidenum">
+              <a:rPr lang="zh-TW" altLang="en-US" smtClean="0"/>
+              <a:t>16</a:t>
+            </a:fld>
+            <a:endParaRPr lang="zh-TW" altLang="en-US"/>
+          </a:p>
+        </p:txBody>
+      </p:sp>
+    </p:spTree>
+    <p:extLst>
+      <p:ext uri="{BB962C8B-B14F-4D97-AF65-F5344CB8AC3E}">
+        <p14:creationId xmlns:p14="http://schemas.microsoft.com/office/powerpoint/2010/main" val="4005318741"/>
+      </p:ext>
+    </p:extLst>
+  </p:cSld>
+  <p:clrMapOvr>
+    <a:masterClrMapping/>
+  </p:clrMapOvr>
+</p:sld>
+</file>
+
+<file path=ppt/slides/slide17.xml><?xml version="1.0" encoding="utf-8"?>
+<p:sld xmlns:a="http://schemas.openxmlformats.org/drawingml/2006/main" xmlns:r="http://schemas.openxmlformats.org/officeDocument/2006/relationships" xmlns:p="http://schemas.openxmlformats.org/presentationml/2006/main">
+  <p:cSld>
+    <p:spTree>
+      <p:nvGrpSpPr>
+        <p:cNvPr id="1" name=""/>
+        <p:cNvGrpSpPr/>
+        <p:nvPr/>
+      </p:nvGrpSpPr>
+      <p:grpSpPr>
+        <a:xfrm>
+          <a:off x="0" y="0"/>
+          <a:ext cx="0" cy="0"/>
+          <a:chOff x="0" y="0"/>
+          <a:chExt cx="0" cy="0"/>
+        </a:xfrm>
+      </p:grpSpPr>
+      <p:sp>
+        <p:nvSpPr>
+          <p:cNvPr id="2" name="標題 1">
+            <a:extLst>
+              <a:ext uri="{FF2B5EF4-FFF2-40B4-BE49-F238E27FC236}">
+                <a16:creationId xmlns:a16="http://schemas.microsoft.com/office/drawing/2014/main" id="{B7DB5FDF-E9A2-4D3D-ACF8-CEFDE567ED4E}"/>
+              </a:ext>
+            </a:extLst>
+          </p:cNvPr>
+          <p:cNvSpPr>
+            <a:spLocks noGrp="1"/>
+          </p:cNvSpPr>
+          <p:nvPr>
+            <p:ph type="title"/>
+          </p:nvPr>
+        </p:nvSpPr>
+        <p:spPr/>
+        <p:txBody>
+          <a:bodyPr/>
+          <a:lstStyle/>
+          <a:p>
+            <a:r>
+              <a:rPr lang="en-US" altLang="zh-TW" dirty="0"/>
+              <a:t>Conclusion(cont’d)</a:t>
+            </a:r>
+            <a:endParaRPr lang="zh-TW" altLang="en-US" dirty="0"/>
+          </a:p>
+        </p:txBody>
+      </p:sp>
+      <p:sp>
+        <p:nvSpPr>
+          <p:cNvPr id="3" name="內容版面配置區 2">
+            <a:extLst>
+              <a:ext uri="{FF2B5EF4-FFF2-40B4-BE49-F238E27FC236}">
+                <a16:creationId xmlns:a16="http://schemas.microsoft.com/office/drawing/2014/main" id="{24BC7DE2-9247-4111-B9E4-01812FC553D6}"/>
               </a:ext>
             </a:extLst>
           </p:cNvPr>
@@ -3498,110 +5080,378 @@
           <a:p>
             <a:r>
               <a:rPr lang="en-US" altLang="zh-TW" dirty="0"/>
+              <a:t>Next to this, two approaches are considered to perform handover within these solutions. </a:t>
+            </a:r>
+          </a:p>
+          <a:p>
+            <a:endParaRPr lang="en-US" altLang="zh-TW" dirty="0"/>
+          </a:p>
+          <a:p>
+            <a:r>
+              <a:rPr lang="en-US" altLang="zh-TW" dirty="0"/>
+              <a:t>The passive handover approach does not need any extra implementation, but the handover latency can become quite high and a bad BLE connection is still maintained even if a better alternative GW is avail-able nearby. </a:t>
+            </a:r>
+          </a:p>
+        </p:txBody>
+      </p:sp>
+      <p:sp>
+        <p:nvSpPr>
+          <p:cNvPr id="4" name="投影片編號版面配置區 3">
+            <a:extLst>
+              <a:ext uri="{FF2B5EF4-FFF2-40B4-BE49-F238E27FC236}">
+                <a16:creationId xmlns:a16="http://schemas.microsoft.com/office/drawing/2014/main" id="{F64AC039-730F-4EC0-B242-E7D527FA3228}"/>
+              </a:ext>
+            </a:extLst>
+          </p:cNvPr>
+          <p:cNvSpPr>
+            <a:spLocks noGrp="1"/>
+          </p:cNvSpPr>
+          <p:nvPr>
+            <p:ph type="sldNum" sz="quarter" idx="12"/>
+          </p:nvPr>
+        </p:nvSpPr>
+        <p:spPr/>
+        <p:txBody>
+          <a:bodyPr/>
+          <a:lstStyle/>
+          <a:p>
+            <a:fld id="{50029C49-A5A9-4A95-8BF0-94F73808DB5F}" type="slidenum">
+              <a:rPr lang="zh-TW" altLang="en-US" smtClean="0"/>
+              <a:t>17</a:t>
+            </a:fld>
+            <a:endParaRPr lang="zh-TW" altLang="en-US"/>
+          </a:p>
+        </p:txBody>
+      </p:sp>
+    </p:spTree>
+    <p:extLst>
+      <p:ext uri="{BB962C8B-B14F-4D97-AF65-F5344CB8AC3E}">
+        <p14:creationId xmlns:p14="http://schemas.microsoft.com/office/powerpoint/2010/main" val="1788803111"/>
+      </p:ext>
+    </p:extLst>
+  </p:cSld>
+  <p:clrMapOvr>
+    <a:masterClrMapping/>
+  </p:clrMapOvr>
+</p:sld>
+</file>
+
+<file path=ppt/slides/slide18.xml><?xml version="1.0" encoding="utf-8"?>
+<p:sld xmlns:a="http://schemas.openxmlformats.org/drawingml/2006/main" xmlns:r="http://schemas.openxmlformats.org/officeDocument/2006/relationships" xmlns:p="http://schemas.openxmlformats.org/presentationml/2006/main">
+  <p:cSld>
+    <p:spTree>
+      <p:nvGrpSpPr>
+        <p:cNvPr id="1" name=""/>
+        <p:cNvGrpSpPr/>
+        <p:nvPr/>
+      </p:nvGrpSpPr>
+      <p:grpSpPr>
+        <a:xfrm>
+          <a:off x="0" y="0"/>
+          <a:ext cx="0" cy="0"/>
+          <a:chOff x="0" y="0"/>
+          <a:chExt cx="0" cy="0"/>
+        </a:xfrm>
+      </p:grpSpPr>
+      <p:sp>
+        <p:nvSpPr>
+          <p:cNvPr id="2" name="標題 1">
+            <a:extLst>
+              <a:ext uri="{FF2B5EF4-FFF2-40B4-BE49-F238E27FC236}">
+                <a16:creationId xmlns:a16="http://schemas.microsoft.com/office/drawing/2014/main" id="{B7DB5FDF-E9A2-4D3D-ACF8-CEFDE567ED4E}"/>
+              </a:ext>
+            </a:extLst>
+          </p:cNvPr>
+          <p:cNvSpPr>
+            <a:spLocks noGrp="1"/>
+          </p:cNvSpPr>
+          <p:nvPr>
+            <p:ph type="title"/>
+          </p:nvPr>
+        </p:nvSpPr>
+        <p:spPr/>
+        <p:txBody>
+          <a:bodyPr/>
+          <a:lstStyle/>
+          <a:p>
+            <a:r>
+              <a:rPr lang="en-US" altLang="zh-TW" dirty="0"/>
+              <a:t>Conclusion(cont’d)</a:t>
+            </a:r>
+            <a:endParaRPr lang="zh-TW" altLang="en-US" dirty="0"/>
+          </a:p>
+        </p:txBody>
+      </p:sp>
+      <p:sp>
+        <p:nvSpPr>
+          <p:cNvPr id="3" name="內容版面配置區 2">
+            <a:extLst>
+              <a:ext uri="{FF2B5EF4-FFF2-40B4-BE49-F238E27FC236}">
+                <a16:creationId xmlns:a16="http://schemas.microsoft.com/office/drawing/2014/main" id="{24BC7DE2-9247-4111-B9E4-01812FC553D6}"/>
+              </a:ext>
+            </a:extLst>
+          </p:cNvPr>
+          <p:cNvSpPr>
+            <a:spLocks noGrp="1"/>
+          </p:cNvSpPr>
+          <p:nvPr>
+            <p:ph idx="1"/>
+          </p:nvPr>
+        </p:nvSpPr>
+        <p:spPr/>
+        <p:txBody>
+          <a:bodyPr>
+            <a:normAutofit/>
+          </a:bodyPr>
+          <a:lstStyle/>
+          <a:p>
+            <a:r>
+              <a:rPr lang="en-US" altLang="zh-TW" dirty="0"/>
+              <a:t>Active handover offers a solution by proactively terminating a bad connection when a better alternative GW is available. As such, it can limit the handover latency. Asa downside, this approach requires more extensive custom implementation, implies a higher energy consumption and can limit the available throughput.</a:t>
+            </a:r>
+            <a:endParaRPr lang="zh-TW" altLang="en-US" dirty="0"/>
+          </a:p>
+        </p:txBody>
+      </p:sp>
+      <p:sp>
+        <p:nvSpPr>
+          <p:cNvPr id="4" name="投影片編號版面配置區 3">
+            <a:extLst>
+              <a:ext uri="{FF2B5EF4-FFF2-40B4-BE49-F238E27FC236}">
+                <a16:creationId xmlns:a16="http://schemas.microsoft.com/office/drawing/2014/main" id="{BFA29D48-9BE9-44B6-B04F-E6E702DC41D9}"/>
+              </a:ext>
+            </a:extLst>
+          </p:cNvPr>
+          <p:cNvSpPr>
+            <a:spLocks noGrp="1"/>
+          </p:cNvSpPr>
+          <p:nvPr>
+            <p:ph type="sldNum" sz="quarter" idx="12"/>
+          </p:nvPr>
+        </p:nvSpPr>
+        <p:spPr/>
+        <p:txBody>
+          <a:bodyPr/>
+          <a:lstStyle/>
+          <a:p>
+            <a:fld id="{50029C49-A5A9-4A95-8BF0-94F73808DB5F}" type="slidenum">
+              <a:rPr lang="zh-TW" altLang="en-US" smtClean="0"/>
+              <a:t>18</a:t>
+            </a:fld>
+            <a:endParaRPr lang="zh-TW" altLang="en-US"/>
+          </a:p>
+        </p:txBody>
+      </p:sp>
+    </p:spTree>
+    <p:extLst>
+      <p:ext uri="{BB962C8B-B14F-4D97-AF65-F5344CB8AC3E}">
+        <p14:creationId xmlns:p14="http://schemas.microsoft.com/office/powerpoint/2010/main" val="493870139"/>
+      </p:ext>
+    </p:extLst>
+  </p:cSld>
+  <p:clrMapOvr>
+    <a:masterClrMapping/>
+  </p:clrMapOvr>
+</p:sld>
+</file>
+
+<file path=ppt/slides/slide19.xml><?xml version="1.0" encoding="utf-8"?>
+<p:sld xmlns:a="http://schemas.openxmlformats.org/drawingml/2006/main" xmlns:r="http://schemas.openxmlformats.org/officeDocument/2006/relationships" xmlns:p="http://schemas.openxmlformats.org/presentationml/2006/main">
+  <p:cSld>
+    <p:spTree>
+      <p:nvGrpSpPr>
+        <p:cNvPr id="1" name=""/>
+        <p:cNvGrpSpPr/>
+        <p:nvPr/>
+      </p:nvGrpSpPr>
+      <p:grpSpPr>
+        <a:xfrm>
+          <a:off x="0" y="0"/>
+          <a:ext cx="0" cy="0"/>
+          <a:chOff x="0" y="0"/>
+          <a:chExt cx="0" cy="0"/>
+        </a:xfrm>
+      </p:grpSpPr>
+      <p:sp>
+        <p:nvSpPr>
+          <p:cNvPr id="2" name="標題 1">
+            <a:extLst>
+              <a:ext uri="{FF2B5EF4-FFF2-40B4-BE49-F238E27FC236}">
+                <a16:creationId xmlns:a16="http://schemas.microsoft.com/office/drawing/2014/main" id="{66BD44E2-EFFF-43D9-A213-DE501B575689}"/>
+              </a:ext>
+            </a:extLst>
+          </p:cNvPr>
+          <p:cNvSpPr>
+            <a:spLocks noGrp="1"/>
+          </p:cNvSpPr>
+          <p:nvPr>
+            <p:ph type="title"/>
+          </p:nvPr>
+        </p:nvSpPr>
+        <p:spPr/>
+        <p:txBody>
+          <a:bodyPr/>
+          <a:lstStyle/>
+          <a:p>
+            <a:r>
+              <a:rPr lang="en-US" altLang="zh-TW" dirty="0"/>
+              <a:t>References</a:t>
+            </a:r>
+            <a:endParaRPr lang="zh-TW" altLang="en-US" dirty="0"/>
+          </a:p>
+        </p:txBody>
+      </p:sp>
+      <p:sp>
+        <p:nvSpPr>
+          <p:cNvPr id="3" name="內容版面配置區 2">
+            <a:extLst>
+              <a:ext uri="{FF2B5EF4-FFF2-40B4-BE49-F238E27FC236}">
+                <a16:creationId xmlns:a16="http://schemas.microsoft.com/office/drawing/2014/main" id="{6C6870F8-5E25-41B8-BDBD-DC2867167899}"/>
+              </a:ext>
+            </a:extLst>
+          </p:cNvPr>
+          <p:cNvSpPr>
+            <a:spLocks noGrp="1"/>
+          </p:cNvSpPr>
+          <p:nvPr>
+            <p:ph idx="1"/>
+          </p:nvPr>
+        </p:nvSpPr>
+        <p:spPr/>
+        <p:txBody>
+          <a:bodyPr>
+            <a:normAutofit/>
+          </a:bodyPr>
+          <a:lstStyle/>
+          <a:p>
+            <a:r>
+              <a:rPr lang="en-US" altLang="zh-TW" sz="2000" dirty="0"/>
               <a:t>Mathias </a:t>
             </a:r>
             <a:r>
-              <a:rPr lang="en-US" altLang="zh-TW" dirty="0" err="1"/>
+              <a:rPr lang="en-US" altLang="zh-TW" sz="2000" dirty="0" err="1"/>
               <a:t>Baert</a:t>
             </a:r>
             <a:r>
-              <a:rPr lang="en-US" altLang="zh-TW" dirty="0"/>
+              <a:rPr lang="en-US" altLang="zh-TW" sz="2000" dirty="0"/>
               <a:t>, </a:t>
             </a:r>
             <a:r>
-              <a:rPr lang="en-US" altLang="zh-TW" dirty="0" err="1"/>
+              <a:rPr lang="en-US" altLang="zh-TW" sz="2000" dirty="0" err="1"/>
               <a:t>Pieterjan</a:t>
             </a:r>
             <a:r>
-              <a:rPr lang="en-US" altLang="zh-TW" dirty="0"/>
+              <a:rPr lang="en-US" altLang="zh-TW" sz="2000" dirty="0"/>
               <a:t> </a:t>
             </a:r>
             <a:r>
-              <a:rPr lang="en-US" altLang="zh-TW" dirty="0" err="1"/>
+              <a:rPr lang="en-US" altLang="zh-TW" sz="2000" dirty="0" err="1"/>
               <a:t>Camerlynck</a:t>
             </a:r>
             <a:r>
-              <a:rPr lang="en-US" altLang="zh-TW" dirty="0"/>
+              <a:rPr lang="en-US" altLang="zh-TW" sz="2000" dirty="0"/>
               <a:t>, Pieter </a:t>
             </a:r>
             <a:r>
-              <a:rPr lang="en-US" altLang="zh-TW" dirty="0" err="1"/>
+              <a:rPr lang="en-US" altLang="zh-TW" sz="2000" dirty="0" err="1"/>
               <a:t>Crombez</a:t>
             </a:r>
             <a:r>
-              <a:rPr lang="en-US" altLang="zh-TW" dirty="0"/>
+              <a:rPr lang="en-US" altLang="zh-TW" sz="2000" dirty="0"/>
               <a:t>, Jeroen </a:t>
             </a:r>
             <a:r>
-              <a:rPr lang="en-US" altLang="zh-TW" dirty="0" err="1"/>
+              <a:rPr lang="en-US" altLang="zh-TW" sz="2000" dirty="0" err="1"/>
               <a:t>Hoebeke</a:t>
             </a:r>
             <a:r>
-              <a:rPr lang="en-US" altLang="zh-TW" dirty="0"/>
+              <a:rPr lang="en-US" altLang="zh-TW" sz="2000" dirty="0"/>
               <a:t>, “A BLE-Based Multi-Gateway Network Infrastructure with Handover Support for Mobile BLE Peripherals” </a:t>
             </a:r>
             <a:r>
-              <a:rPr lang="en-US" altLang="zh-TW" i="1" dirty="0"/>
+              <a:rPr lang="en-US" altLang="zh-TW" sz="2000" i="1" dirty="0"/>
               <a:t>in IEEE </a:t>
             </a:r>
             <a:r>
-              <a:rPr lang="en-US" altLang="zh-TW" i="1" dirty="0" err="1"/>
+              <a:rPr lang="en-US" altLang="zh-TW" sz="2000" i="1" dirty="0" err="1"/>
               <a:t>Internatonal</a:t>
             </a:r>
             <a:r>
-              <a:rPr lang="en-US" altLang="zh-TW" i="1" dirty="0"/>
+              <a:rPr lang="en-US" altLang="zh-TW" sz="2000" i="1" dirty="0"/>
               <a:t> Conference on Mobile </a:t>
             </a:r>
             <a:r>
-              <a:rPr lang="en-US" altLang="zh-TW" i="1" dirty="0" err="1"/>
+              <a:rPr lang="en-US" altLang="zh-TW" sz="2000" i="1" dirty="0" err="1"/>
               <a:t>Adhoc</a:t>
             </a:r>
             <a:r>
-              <a:rPr lang="en-US" altLang="zh-TW" i="1" dirty="0"/>
-              <a:t> and Sensor </a:t>
-            </a:r>
-            <a:r>
-              <a:rPr lang="en-US" altLang="zh-TW" i="1"/>
-              <a:t>Systems (IEEE MASS 2019) </a:t>
-            </a:r>
-            <a:r>
-              <a:rPr lang="en-US" altLang="zh-TW" dirty="0"/>
+              <a:rPr lang="en-US" altLang="zh-TW" sz="2000" i="1" dirty="0"/>
+              <a:t> and Sensor Systems (IEEE MASS 2019) </a:t>
+            </a:r>
+            <a:r>
+              <a:rPr lang="en-US" altLang="zh-TW" sz="2000" dirty="0"/>
               <a:t>, DOI: 10.1109/MASS.2019.00020</a:t>
             </a:r>
           </a:p>
           <a:p>
-            <a:endParaRPr lang="en-US" altLang="zh-TW" dirty="0"/>
-          </a:p>
-          <a:p>
-            <a:r>
-              <a:rPr lang="en-US" altLang="zh-TW" dirty="0"/>
+            <a:r>
+              <a:rPr lang="en-US" altLang="zh-TW" sz="2000" dirty="0"/>
               <a:t>M. </a:t>
             </a:r>
             <a:r>
-              <a:rPr lang="en-US" altLang="zh-TW" dirty="0" err="1"/>
+              <a:rPr lang="en-US" altLang="zh-TW" sz="2000" dirty="0" err="1"/>
               <a:t>Nikodem</a:t>
             </a:r>
             <a:r>
-              <a:rPr lang="en-US" altLang="zh-TW" dirty="0"/>
+              <a:rPr lang="en-US" altLang="zh-TW" sz="2000" dirty="0"/>
               <a:t>, M. </a:t>
             </a:r>
             <a:r>
-              <a:rPr lang="en-US" altLang="zh-TW" dirty="0" err="1"/>
+              <a:rPr lang="en-US" altLang="zh-TW" sz="2000" dirty="0" err="1"/>
               <a:t>Bawiec</a:t>
             </a:r>
             <a:r>
-              <a:rPr lang="en-US" altLang="zh-TW" dirty="0"/>
+              <a:rPr lang="en-US" altLang="zh-TW" sz="2000" dirty="0"/>
               <a:t>, “Experimental Evaluation of Advertisement-Based Bluetooth Low Energy Communication”, </a:t>
             </a:r>
             <a:r>
-              <a:rPr lang="en-US" altLang="zh-TW" i="1" dirty="0"/>
+              <a:rPr lang="en-US" altLang="zh-TW" sz="2000" i="1" dirty="0"/>
               <a:t>MDPI Sensors 2020</a:t>
             </a:r>
             <a:r>
-              <a:rPr lang="en-US" altLang="zh-TW" dirty="0"/>
+              <a:rPr lang="en-US" altLang="zh-TW" sz="2000" dirty="0"/>
               <a:t>, DOI:10.3390/s20010107</a:t>
             </a:r>
-            <a:endParaRPr lang="zh-TW" altLang="en-US" dirty="0"/>
+            <a:endParaRPr lang="zh-TW" altLang="en-US" sz="2000" dirty="0"/>
+          </a:p>
+        </p:txBody>
+      </p:sp>
+      <p:sp>
+        <p:nvSpPr>
+          <p:cNvPr id="6" name="投影片編號版面配置區 5">
+            <a:extLst>
+              <a:ext uri="{FF2B5EF4-FFF2-40B4-BE49-F238E27FC236}">
+                <a16:creationId xmlns:a16="http://schemas.microsoft.com/office/drawing/2014/main" id="{41672078-55B6-4EB2-A2A0-2A4BDCC09FF1}"/>
+              </a:ext>
+            </a:extLst>
+          </p:cNvPr>
+          <p:cNvSpPr>
+            <a:spLocks noGrp="1"/>
+          </p:cNvSpPr>
+          <p:nvPr>
+            <p:ph type="sldNum" sz="quarter" idx="12"/>
+          </p:nvPr>
+        </p:nvSpPr>
+        <p:spPr/>
+        <p:txBody>
+          <a:bodyPr/>
+          <a:lstStyle/>
+          <a:p>
+            <a:fld id="{50029C49-A5A9-4A95-8BF0-94F73808DB5F}" type="slidenum">
+              <a:rPr lang="zh-TW" altLang="en-US" smtClean="0"/>
+              <a:t>19</a:t>
+            </a:fld>
+            <a:endParaRPr lang="zh-TW" altLang="en-US"/>
           </a:p>
         </p:txBody>
       </p:sp>
@@ -3731,7 +5581,7 @@
           <a:p>
             <a:r>
               <a:rPr lang="en-US" altLang="zh-TW" dirty="0"/>
-              <a:t>Conclusion and future work</a:t>
+              <a:t>Conclusion</a:t>
             </a:r>
           </a:p>
           <a:p>
@@ -3742,6 +5592,35 @@
           </a:p>
           <a:p>
             <a:endParaRPr lang="zh-TW" altLang="en-US" dirty="0"/>
+          </a:p>
+        </p:txBody>
+      </p:sp>
+      <p:sp>
+        <p:nvSpPr>
+          <p:cNvPr id="4" name="投影片編號版面配置區 3">
+            <a:extLst>
+              <a:ext uri="{FF2B5EF4-FFF2-40B4-BE49-F238E27FC236}">
+                <a16:creationId xmlns:a16="http://schemas.microsoft.com/office/drawing/2014/main" id="{54C0367C-91A7-428B-B46E-60D3CE76CC93}"/>
+              </a:ext>
+            </a:extLst>
+          </p:cNvPr>
+          <p:cNvSpPr>
+            <a:spLocks noGrp="1"/>
+          </p:cNvSpPr>
+          <p:nvPr>
+            <p:ph type="sldNum" sz="quarter" idx="12"/>
+          </p:nvPr>
+        </p:nvSpPr>
+        <p:spPr/>
+        <p:txBody>
+          <a:bodyPr/>
+          <a:lstStyle/>
+          <a:p>
+            <a:fld id="{50029C49-A5A9-4A95-8BF0-94F73808DB5F}" type="slidenum">
+              <a:rPr lang="zh-TW" altLang="en-US" smtClean="0"/>
+              <a:t>2</a:t>
+            </a:fld>
+            <a:endParaRPr lang="zh-TW" altLang="en-US"/>
           </a:p>
         </p:txBody>
       </p:sp>
@@ -3829,6 +5708,35 @@
           </a:p>
         </p:txBody>
       </p:sp>
+      <p:sp>
+        <p:nvSpPr>
+          <p:cNvPr id="4" name="投影片編號版面配置區 3">
+            <a:extLst>
+              <a:ext uri="{FF2B5EF4-FFF2-40B4-BE49-F238E27FC236}">
+                <a16:creationId xmlns:a16="http://schemas.microsoft.com/office/drawing/2014/main" id="{69BF509B-CFE1-4421-99AF-8C1B621F1701}"/>
+              </a:ext>
+            </a:extLst>
+          </p:cNvPr>
+          <p:cNvSpPr>
+            <a:spLocks noGrp="1"/>
+          </p:cNvSpPr>
+          <p:nvPr>
+            <p:ph type="sldNum" sz="quarter" idx="12"/>
+          </p:nvPr>
+        </p:nvSpPr>
+        <p:spPr/>
+        <p:txBody>
+          <a:bodyPr/>
+          <a:lstStyle/>
+          <a:p>
+            <a:fld id="{50029C49-A5A9-4A95-8BF0-94F73808DB5F}" type="slidenum">
+              <a:rPr lang="zh-TW" altLang="en-US" smtClean="0"/>
+              <a:t>3</a:t>
+            </a:fld>
+            <a:endParaRPr lang="zh-TW" altLang="en-US"/>
+          </a:p>
+        </p:txBody>
+      </p:sp>
     </p:spTree>
     <p:extLst>
       <p:ext uri="{BB962C8B-B14F-4D97-AF65-F5344CB8AC3E}">
@@ -3929,7 +5837,15 @@
             </a:r>
             <a:r>
               <a:rPr lang="en-US" altLang="zh-TW" dirty="0"/>
-              <a:t> These channels are divided into3 primary advertisement channels and 37 connection-oriented channels. </a:t>
+              <a:t> These channels are divided into</a:t>
+            </a:r>
+            <a:r>
+              <a:rPr lang="zh-TW" altLang="en-US" dirty="0"/>
+              <a:t> </a:t>
+            </a:r>
+            <a:r>
+              <a:rPr lang="en-US" altLang="zh-TW" dirty="0"/>
+              <a:t>3 primary advertisement channels and 37 connection-oriented channels. </a:t>
             </a:r>
           </a:p>
           <a:p>
@@ -3941,6 +5857,35 @@
               <a:t>BLE supports two different ways of communication : an advertising mode and a connection-oriented mode.</a:t>
             </a:r>
             <a:endParaRPr lang="zh-TW" altLang="en-US" dirty="0"/>
+          </a:p>
+        </p:txBody>
+      </p:sp>
+      <p:sp>
+        <p:nvSpPr>
+          <p:cNvPr id="4" name="投影片編號版面配置區 3">
+            <a:extLst>
+              <a:ext uri="{FF2B5EF4-FFF2-40B4-BE49-F238E27FC236}">
+                <a16:creationId xmlns:a16="http://schemas.microsoft.com/office/drawing/2014/main" id="{A7079878-D19B-4E92-9126-06F4FF0BF1C0}"/>
+              </a:ext>
+            </a:extLst>
+          </p:cNvPr>
+          <p:cNvSpPr>
+            <a:spLocks noGrp="1"/>
+          </p:cNvSpPr>
+          <p:nvPr>
+            <p:ph type="sldNum" sz="quarter" idx="12"/>
+          </p:nvPr>
+        </p:nvSpPr>
+        <p:spPr/>
+        <p:txBody>
+          <a:bodyPr/>
+          <a:lstStyle/>
+          <a:p>
+            <a:fld id="{50029C49-A5A9-4A95-8BF0-94F73808DB5F}" type="slidenum">
+              <a:rPr lang="zh-TW" altLang="en-US" smtClean="0"/>
+              <a:t>4</a:t>
+            </a:fld>
+            <a:endParaRPr lang="zh-TW" altLang="en-US"/>
           </a:p>
         </p:txBody>
       </p:sp>
@@ -4051,14 +5996,43 @@
         </p:blipFill>
         <p:spPr>
           <a:xfrm>
-            <a:off x="4516582" y="4378169"/>
-            <a:ext cx="7675418" cy="2479831"/>
+            <a:off x="5694218" y="4657914"/>
+            <a:ext cx="6497782" cy="2099352"/>
           </a:xfrm>
           <a:prstGeom prst="rect">
             <a:avLst/>
           </a:prstGeom>
         </p:spPr>
       </p:pic>
+      <p:sp>
+        <p:nvSpPr>
+          <p:cNvPr id="9" name="投影片編號版面配置區 8">
+            <a:extLst>
+              <a:ext uri="{FF2B5EF4-FFF2-40B4-BE49-F238E27FC236}">
+                <a16:creationId xmlns:a16="http://schemas.microsoft.com/office/drawing/2014/main" id="{3A06F46F-6C62-467F-8344-A07ED9AE7ACE}"/>
+              </a:ext>
+            </a:extLst>
+          </p:cNvPr>
+          <p:cNvSpPr>
+            <a:spLocks noGrp="1"/>
+          </p:cNvSpPr>
+          <p:nvPr>
+            <p:ph type="sldNum" sz="quarter" idx="12"/>
+          </p:nvPr>
+        </p:nvSpPr>
+        <p:spPr/>
+        <p:txBody>
+          <a:bodyPr/>
+          <a:lstStyle/>
+          <a:p>
+            <a:fld id="{50029C49-A5A9-4A95-8BF0-94F73808DB5F}" type="slidenum">
+              <a:rPr lang="zh-TW" altLang="en-US" smtClean="0"/>
+              <a:t>5</a:t>
+            </a:fld>
+            <a:endParaRPr lang="zh-TW" altLang="en-US"/>
+          </a:p>
+        </p:txBody>
+      </p:sp>
     </p:spTree>
     <p:extLst>
       <p:ext uri="{BB962C8B-B14F-4D97-AF65-F5344CB8AC3E}">
@@ -4094,7 +6068,7 @@
           <p:cNvPr id="2" name="標題 1">
             <a:extLst>
               <a:ext uri="{FF2B5EF4-FFF2-40B4-BE49-F238E27FC236}">
-                <a16:creationId xmlns:a16="http://schemas.microsoft.com/office/drawing/2014/main" id="{B7DB5FDF-E9A2-4D3D-ACF8-CEFDE567ED4E}"/>
+                <a16:creationId xmlns:a16="http://schemas.microsoft.com/office/drawing/2014/main" id="{14B7E57E-D063-41EF-A857-5628A20B75BC}"/>
               </a:ext>
             </a:extLst>
           </p:cNvPr>
@@ -4112,54 +6086,101 @@
           <a:p>
             <a:r>
               <a:rPr lang="en-US" altLang="zh-TW" dirty="0"/>
-              <a:t>Conclusion</a:t>
-            </a:r>
+              <a:t>Primer on BLE and BLE over IPv6(cont’d)</a:t>
+            </a:r>
+          </a:p>
+        </p:txBody>
+      </p:sp>
+      <p:sp>
+        <p:nvSpPr>
+          <p:cNvPr id="3" name="內容版面配置區 2">
+            <a:extLst>
+              <a:ext uri="{FF2B5EF4-FFF2-40B4-BE49-F238E27FC236}">
+                <a16:creationId xmlns:a16="http://schemas.microsoft.com/office/drawing/2014/main" id="{E616DA40-9E29-4C7C-A28F-3857701A0286}"/>
+              </a:ext>
+            </a:extLst>
+          </p:cNvPr>
+          <p:cNvSpPr>
+            <a:spLocks noGrp="1"/>
+          </p:cNvSpPr>
+          <p:nvPr>
+            <p:ph idx="1"/>
+          </p:nvPr>
+        </p:nvSpPr>
+        <p:spPr/>
+        <p:txBody>
+          <a:bodyPr>
+            <a:normAutofit/>
+          </a:bodyPr>
+          <a:lstStyle/>
+          <a:p>
             <a:endParaRPr lang="zh-TW" altLang="en-US" dirty="0"/>
           </a:p>
         </p:txBody>
       </p:sp>
-      <p:sp>
-        <p:nvSpPr>
-          <p:cNvPr id="3" name="內容版面配置區 2">
-            <a:extLst>
-              <a:ext uri="{FF2B5EF4-FFF2-40B4-BE49-F238E27FC236}">
-                <a16:creationId xmlns:a16="http://schemas.microsoft.com/office/drawing/2014/main" id="{24BC7DE2-9247-4111-B9E4-01812FC553D6}"/>
-              </a:ext>
-            </a:extLst>
-          </p:cNvPr>
-          <p:cNvSpPr>
-            <a:spLocks noGrp="1"/>
-          </p:cNvSpPr>
-          <p:nvPr>
-            <p:ph idx="1"/>
-          </p:nvPr>
-        </p:nvSpPr>
-        <p:spPr/>
-        <p:txBody>
-          <a:bodyPr/>
-          <a:lstStyle/>
-          <a:p>
-            <a:r>
-              <a:rPr lang="en-US" altLang="zh-TW" dirty="0"/>
-              <a:t>In this paper, two architectures are proposed to realize a BLE-based multi-GW network infrastructure that is able to provide bidirectional connectivity to mobile BLE peripherals. </a:t>
-            </a:r>
-          </a:p>
-          <a:p>
-            <a:endParaRPr lang="en-US" altLang="zh-TW" dirty="0"/>
-          </a:p>
-          <a:p>
-            <a:r>
-              <a:rPr lang="en-US" altLang="zh-TW" dirty="0"/>
-              <a:t>The IP based architecture offers seamless end-to-end IP connectivity between a mobile BLE peripheral and an existing IP network. It limits custom implementation needs, but requires more resources from the already constrained mobile BLE peripheral. </a:t>
-            </a:r>
-            <a:endParaRPr lang="zh-TW" altLang="en-US" dirty="0"/>
+      <p:pic>
+        <p:nvPicPr>
+          <p:cNvPr id="7" name="圖片 6">
+            <a:extLst>
+              <a:ext uri="{FF2B5EF4-FFF2-40B4-BE49-F238E27FC236}">
+                <a16:creationId xmlns:a16="http://schemas.microsoft.com/office/drawing/2014/main" id="{D03360D8-0A34-4B9B-8EDF-94EF768549C8}"/>
+              </a:ext>
+            </a:extLst>
+          </p:cNvPr>
+          <p:cNvPicPr>
+            <a:picLocks noChangeAspect="1"/>
+          </p:cNvPicPr>
+          <p:nvPr/>
+        </p:nvPicPr>
+        <p:blipFill>
+          <a:blip r:embed="rId2"/>
+          <a:stretch>
+            <a:fillRect/>
+          </a:stretch>
+        </p:blipFill>
+        <p:spPr>
+          <a:xfrm>
+            <a:off x="5694218" y="4657914"/>
+            <a:ext cx="6497782" cy="2099352"/>
+          </a:xfrm>
+          <a:prstGeom prst="rect">
+            <a:avLst/>
+          </a:prstGeom>
+        </p:spPr>
+      </p:pic>
+      <p:sp>
+        <p:nvSpPr>
+          <p:cNvPr id="4" name="投影片編號版面配置區 3">
+            <a:extLst>
+              <a:ext uri="{FF2B5EF4-FFF2-40B4-BE49-F238E27FC236}">
+                <a16:creationId xmlns:a16="http://schemas.microsoft.com/office/drawing/2014/main" id="{46943CDC-E158-4BE6-85D8-16B7649A4F4B}"/>
+              </a:ext>
+            </a:extLst>
+          </p:cNvPr>
+          <p:cNvSpPr>
+            <a:spLocks noGrp="1"/>
+          </p:cNvSpPr>
+          <p:nvPr>
+            <p:ph type="sldNum" sz="quarter" idx="12"/>
+          </p:nvPr>
+        </p:nvSpPr>
+        <p:spPr/>
+        <p:txBody>
+          <a:bodyPr/>
+          <a:lstStyle/>
+          <a:p>
+            <a:fld id="{50029C49-A5A9-4A95-8BF0-94F73808DB5F}" type="slidenum">
+              <a:rPr lang="zh-TW" altLang="en-US" smtClean="0"/>
+              <a:t>6</a:t>
+            </a:fld>
+            <a:endParaRPr lang="zh-TW" altLang="en-US"/>
           </a:p>
         </p:txBody>
       </p:sp>
     </p:spTree>
     <p:extLst>
       <p:ext uri="{BB962C8B-B14F-4D97-AF65-F5344CB8AC3E}">
-        <p14:creationId xmlns:p14="http://schemas.microsoft.com/office/powerpoint/2010/main" val="3047592953"/>
+        <p14:creationId xmlns:p14="http://schemas.microsoft.com/office/powerpoint/2010/main" val="4124350203"/>
       </p:ext>
     </p:extLst>
   </p:cSld>
@@ -4191,7 +6212,7 @@
           <p:cNvPr id="2" name="標題 1">
             <a:extLst>
               <a:ext uri="{FF2B5EF4-FFF2-40B4-BE49-F238E27FC236}">
-                <a16:creationId xmlns:a16="http://schemas.microsoft.com/office/drawing/2014/main" id="{B7DB5FDF-E9A2-4D3D-ACF8-CEFDE567ED4E}"/>
+                <a16:creationId xmlns:a16="http://schemas.microsoft.com/office/drawing/2014/main" id="{3BC0BCD6-087B-4D00-8F2E-591BCB2E5170}"/>
               </a:ext>
             </a:extLst>
           </p:cNvPr>
@@ -4209,7 +6230,7 @@
           <a:p>
             <a:r>
               <a:rPr lang="en-US" altLang="zh-TW" dirty="0"/>
-              <a:t>Conclusion(cont’d)</a:t>
+              <a:t>Related work</a:t>
             </a:r>
             <a:endParaRPr lang="zh-TW" altLang="en-US" dirty="0"/>
           </a:p>
@@ -4220,7 +6241,7 @@
           <p:cNvPr id="3" name="內容版面配置區 2">
             <a:extLst>
               <a:ext uri="{FF2B5EF4-FFF2-40B4-BE49-F238E27FC236}">
-                <a16:creationId xmlns:a16="http://schemas.microsoft.com/office/drawing/2014/main" id="{24BC7DE2-9247-4111-B9E4-01812FC553D6}"/>
+                <a16:creationId xmlns:a16="http://schemas.microsoft.com/office/drawing/2014/main" id="{B269DE6C-D13D-406A-AEAF-21FE42659DB2}"/>
               </a:ext>
             </a:extLst>
           </p:cNvPr>
@@ -4236,23 +6257,43 @@
           <a:bodyPr/>
           <a:lstStyle/>
           <a:p>
-            <a:r>
-              <a:rPr lang="en-US" altLang="zh-TW" dirty="0"/>
-              <a:t>The non-IP based architecture requires less resources from the BLE peripheral as it employs native BLE communication towards the IoT gateway. However, custom implementation needs are much higher, as a dedicated controller is introduced within the existing network that needs to maintain the state of the infrastructure and the currently associated mobile BLE devices.</a:t>
-            </a:r>
-          </a:p>
-          <a:p>
-            <a:endParaRPr lang="en-US" altLang="zh-TW" dirty="0"/>
-          </a:p>
-          <a:p>
             <a:endParaRPr lang="zh-TW" altLang="en-US" dirty="0"/>
+          </a:p>
+        </p:txBody>
+      </p:sp>
+      <p:sp>
+        <p:nvSpPr>
+          <p:cNvPr id="4" name="投影片編號版面配置區 3">
+            <a:extLst>
+              <a:ext uri="{FF2B5EF4-FFF2-40B4-BE49-F238E27FC236}">
+                <a16:creationId xmlns:a16="http://schemas.microsoft.com/office/drawing/2014/main" id="{20364101-78A2-4D74-8E20-102D7AF997EA}"/>
+              </a:ext>
+            </a:extLst>
+          </p:cNvPr>
+          <p:cNvSpPr>
+            <a:spLocks noGrp="1"/>
+          </p:cNvSpPr>
+          <p:nvPr>
+            <p:ph type="sldNum" sz="quarter" idx="12"/>
+          </p:nvPr>
+        </p:nvSpPr>
+        <p:spPr/>
+        <p:txBody>
+          <a:bodyPr/>
+          <a:lstStyle/>
+          <a:p>
+            <a:fld id="{50029C49-A5A9-4A95-8BF0-94F73808DB5F}" type="slidenum">
+              <a:rPr lang="zh-TW" altLang="en-US" smtClean="0"/>
+              <a:t>7</a:t>
+            </a:fld>
+            <a:endParaRPr lang="zh-TW" altLang="en-US"/>
           </a:p>
         </p:txBody>
       </p:sp>
     </p:spTree>
     <p:extLst>
       <p:ext uri="{BB962C8B-B14F-4D97-AF65-F5344CB8AC3E}">
-        <p14:creationId xmlns:p14="http://schemas.microsoft.com/office/powerpoint/2010/main" val="4005318741"/>
+        <p14:creationId xmlns:p14="http://schemas.microsoft.com/office/powerpoint/2010/main" val="3074705118"/>
       </p:ext>
     </p:extLst>
   </p:cSld>
@@ -4284,7 +6325,7 @@
           <p:cNvPr id="2" name="標題 1">
             <a:extLst>
               <a:ext uri="{FF2B5EF4-FFF2-40B4-BE49-F238E27FC236}">
-                <a16:creationId xmlns:a16="http://schemas.microsoft.com/office/drawing/2014/main" id="{B7DB5FDF-E9A2-4D3D-ACF8-CEFDE567ED4E}"/>
+                <a16:creationId xmlns:a16="http://schemas.microsoft.com/office/drawing/2014/main" id="{B395D8BB-EDB2-42F3-9D92-4E6E7DCBB06A}"/>
               </a:ext>
             </a:extLst>
           </p:cNvPr>
@@ -4302,7 +6343,7 @@
           <a:p>
             <a:r>
               <a:rPr lang="en-US" altLang="zh-TW" dirty="0"/>
-              <a:t>Conclusion(cont’d)</a:t>
+              <a:t>Evaluation</a:t>
             </a:r>
             <a:endParaRPr lang="zh-TW" altLang="en-US" dirty="0"/>
           </a:p>
@@ -4313,7 +6354,7 @@
           <p:cNvPr id="3" name="內容版面配置區 2">
             <a:extLst>
               <a:ext uri="{FF2B5EF4-FFF2-40B4-BE49-F238E27FC236}">
-                <a16:creationId xmlns:a16="http://schemas.microsoft.com/office/drawing/2014/main" id="{24BC7DE2-9247-4111-B9E4-01812FC553D6}"/>
+                <a16:creationId xmlns:a16="http://schemas.microsoft.com/office/drawing/2014/main" id="{C1C16457-135B-42D6-BD5B-8AF9CCC2689E}"/>
               </a:ext>
             </a:extLst>
           </p:cNvPr>
@@ -4326,31 +6367,55 @@
         </p:nvSpPr>
         <p:spPr/>
         <p:txBody>
-          <a:bodyPr>
-            <a:normAutofit/>
-          </a:bodyPr>
+          <a:bodyPr/>
           <a:lstStyle/>
           <a:p>
             <a:r>
               <a:rPr lang="en-US" altLang="zh-TW" dirty="0"/>
-              <a:t>Next to this, two approaches are considered to perform handover within these solutions. </a:t>
+              <a:t>The performance of the handover process is predominantly impacted by two steps: disconnecting from the current GW and setting up a connection with the alternative GW.</a:t>
             </a:r>
           </a:p>
           <a:p>
             <a:endParaRPr lang="en-US" altLang="zh-TW" dirty="0"/>
           </a:p>
           <a:p>
-            <a:r>
-              <a:rPr lang="en-US" altLang="zh-TW" dirty="0"/>
-              <a:t>The passive handover approach does not need any extra implementation, but the handover latency can become quite high and a bad BLE connection is still maintained even if a better alternative GW is avail-able nearby. </a:t>
-            </a:r>
+            <a:endParaRPr lang="zh-TW" altLang="en-US" dirty="0"/>
+          </a:p>
+        </p:txBody>
+      </p:sp>
+      <p:sp>
+        <p:nvSpPr>
+          <p:cNvPr id="4" name="投影片編號版面配置區 3">
+            <a:extLst>
+              <a:ext uri="{FF2B5EF4-FFF2-40B4-BE49-F238E27FC236}">
+                <a16:creationId xmlns:a16="http://schemas.microsoft.com/office/drawing/2014/main" id="{2E50D0C3-38B0-420B-AA42-A979EDC25DED}"/>
+              </a:ext>
+            </a:extLst>
+          </p:cNvPr>
+          <p:cNvSpPr>
+            <a:spLocks noGrp="1"/>
+          </p:cNvSpPr>
+          <p:nvPr>
+            <p:ph type="sldNum" sz="quarter" idx="12"/>
+          </p:nvPr>
+        </p:nvSpPr>
+        <p:spPr/>
+        <p:txBody>
+          <a:bodyPr/>
+          <a:lstStyle/>
+          <a:p>
+            <a:fld id="{50029C49-A5A9-4A95-8BF0-94F73808DB5F}" type="slidenum">
+              <a:rPr lang="zh-TW" altLang="en-US" smtClean="0"/>
+              <a:t>8</a:t>
+            </a:fld>
+            <a:endParaRPr lang="zh-TW" altLang="en-US"/>
           </a:p>
         </p:txBody>
       </p:sp>
     </p:spTree>
     <p:extLst>
       <p:ext uri="{BB962C8B-B14F-4D97-AF65-F5344CB8AC3E}">
-        <p14:creationId xmlns:p14="http://schemas.microsoft.com/office/powerpoint/2010/main" val="1788803111"/>
+        <p14:creationId xmlns:p14="http://schemas.microsoft.com/office/powerpoint/2010/main" val="1801796988"/>
       </p:ext>
     </p:extLst>
   </p:cSld>
@@ -4382,7 +6447,7 @@
           <p:cNvPr id="2" name="標題 1">
             <a:extLst>
               <a:ext uri="{FF2B5EF4-FFF2-40B4-BE49-F238E27FC236}">
-                <a16:creationId xmlns:a16="http://schemas.microsoft.com/office/drawing/2014/main" id="{B7DB5FDF-E9A2-4D3D-ACF8-CEFDE567ED4E}"/>
+                <a16:creationId xmlns:a16="http://schemas.microsoft.com/office/drawing/2014/main" id="{B395D8BB-EDB2-42F3-9D92-4E6E7DCBB06A}"/>
               </a:ext>
             </a:extLst>
           </p:cNvPr>
@@ -4400,39 +6465,200 @@
           <a:p>
             <a:r>
               <a:rPr lang="en-US" altLang="zh-TW" dirty="0"/>
-              <a:t>Conclusion(cont’d)</a:t>
+              <a:t>Evaluation : passive handover </a:t>
             </a:r>
             <a:endParaRPr lang="zh-TW" altLang="en-US" dirty="0"/>
           </a:p>
         </p:txBody>
       </p:sp>
-      <p:sp>
-        <p:nvSpPr>
-          <p:cNvPr id="3" name="內容版面配置區 2">
-            <a:extLst>
-              <a:ext uri="{FF2B5EF4-FFF2-40B4-BE49-F238E27FC236}">
-                <a16:creationId xmlns:a16="http://schemas.microsoft.com/office/drawing/2014/main" id="{24BC7DE2-9247-4111-B9E4-01812FC553D6}"/>
-              </a:ext>
-            </a:extLst>
-          </p:cNvPr>
-          <p:cNvSpPr>
-            <a:spLocks noGrp="1"/>
-          </p:cNvSpPr>
-          <p:nvPr>
-            <p:ph idx="1"/>
-          </p:nvPr>
-        </p:nvSpPr>
-        <p:spPr/>
-        <p:txBody>
-          <a:bodyPr>
-            <a:normAutofit/>
-          </a:bodyPr>
-          <a:lstStyle/>
-          <a:p>
-            <a:r>
-              <a:rPr lang="en-US" altLang="zh-TW" dirty="0"/>
-              <a:t>Active handover offers a solution by proactively terminating a bad connection when a better alternative GW is available. As such, it can limit the handover latency. Asa downside, this approach requires more extensive custom implementation, implies a higher energy consumption and can limit the available throughput.</a:t>
-            </a:r>
+      <mc:AlternateContent xmlns:mc="http://schemas.openxmlformats.org/markup-compatibility/2006">
+        <mc:Choice xmlns:a14="http://schemas.microsoft.com/office/drawing/2010/main" Requires="a14">
+          <p:sp>
+            <p:nvSpPr>
+              <p:cNvPr id="3" name="內容版面配置區 2">
+                <a:extLst>
+                  <a:ext uri="{FF2B5EF4-FFF2-40B4-BE49-F238E27FC236}">
+                    <a16:creationId xmlns:a16="http://schemas.microsoft.com/office/drawing/2014/main" id="{C1C16457-135B-42D6-BD5B-8AF9CCC2689E}"/>
+                  </a:ext>
+                </a:extLst>
+              </p:cNvPr>
+              <p:cNvSpPr>
+                <a:spLocks noGrp="1"/>
+              </p:cNvSpPr>
+              <p:nvPr>
+                <p:ph idx="1"/>
+              </p:nvPr>
+            </p:nvSpPr>
+            <p:spPr/>
+            <p:txBody>
+              <a:bodyPr>
+                <a:normAutofit lnSpcReduction="10000"/>
+              </a:bodyPr>
+              <a:lstStyle/>
+              <a:p>
+                <a:r>
+                  <a:rPr lang="en-US" altLang="zh-TW" dirty="0"/>
+                  <a:t>About disconnecting from current GW</a:t>
+                </a:r>
+              </a:p>
+              <a:p>
+                <a:endParaRPr lang="en-US" altLang="zh-TW" dirty="0"/>
+              </a:p>
+              <a:p>
+                <a:r>
+                  <a:rPr lang="en-US" altLang="zh-TW" dirty="0"/>
+                  <a:t>The supervision timeout should not be too low , to avoid unnecessary triggering of the handover procedure.</a:t>
+                </a:r>
+              </a:p>
+              <a:p>
+                <a:endParaRPr lang="en-US" altLang="zh-TW" dirty="0"/>
+              </a:p>
+              <a:p>
+                <a:r>
+                  <a:rPr lang="en-US" altLang="zh-TW" dirty="0"/>
+                  <a:t>However , a too high supervision timeout can have a significant impact on the handover latency.</a:t>
+                </a:r>
+              </a:p>
+              <a:p>
+                <a:endParaRPr lang="en-US" altLang="zh-TW" dirty="0"/>
+              </a:p>
+              <a:p>
+                <a:r>
+                  <a:rPr lang="en-US" altLang="zh-TW" dirty="0"/>
+                  <a:t>(Supervision timeout should be larger than</a:t>
+                </a:r>
+                <a:br>
+                  <a:rPr lang="en-US" altLang="zh-TW" dirty="0"/>
+                </a:br>
+                <a:r>
+                  <a:rPr lang="en-US" altLang="zh-TW" dirty="0"/>
+                  <a:t> 	</a:t>
+                </a:r>
+                <a14:m>
+                  <m:oMath xmlns:m="http://schemas.openxmlformats.org/officeDocument/2006/math">
+                    <m:r>
+                      <a:rPr lang="en-US" altLang="zh-TW" i="1" dirty="0" smtClean="0">
+                        <a:latin typeface="Cambria Math" panose="02040503050406030204" pitchFamily="18" charset="0"/>
+                      </a:rPr>
+                      <m:t>(1+</m:t>
+                    </m:r>
+                    <m:r>
+                      <a:rPr lang="en-US" altLang="zh-TW" i="1" dirty="0" smtClean="0">
+                        <a:latin typeface="Cambria Math" panose="02040503050406030204" pitchFamily="18" charset="0"/>
+                      </a:rPr>
+                      <m:t>𝑠𝑙𝑎𝑣𝑒</m:t>
+                    </m:r>
+                    <m:r>
+                      <a:rPr lang="en-US" altLang="zh-TW" i="1" dirty="0" smtClean="0">
+                        <a:latin typeface="Cambria Math" panose="02040503050406030204" pitchFamily="18" charset="0"/>
+                      </a:rPr>
+                      <m:t> </m:t>
+                    </m:r>
+                    <m:r>
+                      <a:rPr lang="en-US" altLang="zh-TW" i="1" dirty="0" smtClean="0">
+                        <a:latin typeface="Cambria Math" panose="02040503050406030204" pitchFamily="18" charset="0"/>
+                      </a:rPr>
+                      <m:t>𝑙𝑎𝑡𝑒𝑛𝑐𝑦</m:t>
+                    </m:r>
+                    <m:r>
+                      <a:rPr lang="en-US" altLang="zh-TW" i="1" dirty="0" smtClean="0">
+                        <a:latin typeface="Cambria Math" panose="02040503050406030204" pitchFamily="18" charset="0"/>
+                      </a:rPr>
+                      <m:t>) ∗ </m:t>
+                    </m:r>
+                    <m:r>
+                      <a:rPr lang="en-US" altLang="zh-TW" i="1" dirty="0" smtClean="0">
+                        <a:latin typeface="Cambria Math" panose="02040503050406030204" pitchFamily="18" charset="0"/>
+                      </a:rPr>
+                      <m:t>𝑐𝑜𝑛𝑛𝑒𝑐𝑡𝑖𝑜𝑛</m:t>
+                    </m:r>
+                    <m:r>
+                      <a:rPr lang="en-US" altLang="zh-TW" i="1" dirty="0" smtClean="0">
+                        <a:latin typeface="Cambria Math" panose="02040503050406030204" pitchFamily="18" charset="0"/>
+                      </a:rPr>
+                      <m:t> </m:t>
+                    </m:r>
+                    <m:r>
+                      <a:rPr lang="en-US" altLang="zh-TW" i="1" dirty="0" smtClean="0">
+                        <a:latin typeface="Cambria Math" panose="02040503050406030204" pitchFamily="18" charset="0"/>
+                      </a:rPr>
+                      <m:t>𝑖𝑛𝑡𝑒𝑟𝑣𝑎𝑙</m:t>
+                    </m:r>
+                  </m:oMath>
+                </a14:m>
+                <a:r>
+                  <a:rPr lang="en-US" altLang="zh-TW" dirty="0"/>
+                  <a:t>  )  </a:t>
+                </a:r>
+              </a:p>
+            </p:txBody>
+          </p:sp>
+        </mc:Choice>
+        <mc:Fallback>
+          <p:sp>
+            <p:nvSpPr>
+              <p:cNvPr id="3" name="內容版面配置區 2">
+                <a:extLst>
+                  <a:ext uri="{FF2B5EF4-FFF2-40B4-BE49-F238E27FC236}">
+                    <a16:creationId xmlns:a16="http://schemas.microsoft.com/office/drawing/2014/main" id="{C1C16457-135B-42D6-BD5B-8AF9CCC2689E}"/>
+                  </a:ext>
+                </a:extLst>
+              </p:cNvPr>
+              <p:cNvSpPr>
+                <a:spLocks noGrp="1" noRot="1" noChangeAspect="1" noMove="1" noResize="1" noEditPoints="1" noAdjustHandles="1" noChangeArrowheads="1" noChangeShapeType="1" noTextEdit="1"/>
+              </p:cNvSpPr>
+              <p:nvPr>
+                <p:ph idx="1"/>
+              </p:nvPr>
+            </p:nvSpPr>
+            <p:spPr>
+              <a:blipFill>
+                <a:blip r:embed="rId2"/>
+                <a:stretch>
+                  <a:fillRect l="-1043" t="-3081" r="-1391" b="-2241"/>
+                </a:stretch>
+              </a:blipFill>
+            </p:spPr>
+            <p:txBody>
+              <a:bodyPr/>
+              <a:lstStyle/>
+              <a:p>
+                <a:r>
+                  <a:rPr lang="zh-TW" altLang="en-US">
+                    <a:noFill/>
+                  </a:rPr>
+                  <a:t> </a:t>
+                </a:r>
+              </a:p>
+            </p:txBody>
+          </p:sp>
+        </mc:Fallback>
+      </mc:AlternateContent>
+      <p:sp>
+        <p:nvSpPr>
+          <p:cNvPr id="9" name="投影片編號版面配置區 8">
+            <a:extLst>
+              <a:ext uri="{FF2B5EF4-FFF2-40B4-BE49-F238E27FC236}">
+                <a16:creationId xmlns:a16="http://schemas.microsoft.com/office/drawing/2014/main" id="{4F567620-92F9-4E3B-8423-A474721BEFEF}"/>
+              </a:ext>
+            </a:extLst>
+          </p:cNvPr>
+          <p:cNvSpPr>
+            <a:spLocks noGrp="1"/>
+          </p:cNvSpPr>
+          <p:nvPr>
+            <p:ph type="sldNum" sz="quarter" idx="12"/>
+          </p:nvPr>
+        </p:nvSpPr>
+        <p:spPr/>
+        <p:txBody>
+          <a:bodyPr/>
+          <a:lstStyle/>
+          <a:p>
+            <a:fld id="{50029C49-A5A9-4A95-8BF0-94F73808DB5F}" type="slidenum">
+              <a:rPr lang="zh-TW" altLang="en-US" smtClean="0"/>
+              <a:t>9</a:t>
+            </a:fld>
             <a:endParaRPr lang="zh-TW" altLang="en-US" dirty="0"/>
           </a:p>
         </p:txBody>
@@ -4440,7 +6666,7 @@
     </p:spTree>
     <p:extLst>
       <p:ext uri="{BB962C8B-B14F-4D97-AF65-F5344CB8AC3E}">
-        <p14:creationId xmlns:p14="http://schemas.microsoft.com/office/powerpoint/2010/main" val="493870139"/>
+        <p14:creationId xmlns:p14="http://schemas.microsoft.com/office/powerpoint/2010/main" val="625403940"/>
       </p:ext>
     </p:extLst>
   </p:cSld>
@@ -4743,4 +6969,299 @@
     </a:ext>
   </a:extLst>
 </a:theme>
+</file>
+
+<file path=ppt/theme/theme2.xml><?xml version="1.0" encoding="utf-8"?>
+<a:theme xmlns:a="http://schemas.openxmlformats.org/drawingml/2006/main" name="Office 佈景主題">
+  <a:themeElements>
+    <a:clrScheme name="Office">
+      <a:dk1>
+        <a:sysClr val="windowText" lastClr="000000"/>
+      </a:dk1>
+      <a:lt1>
+        <a:sysClr val="window" lastClr="FFFFFF"/>
+      </a:lt1>
+      <a:dk2>
+        <a:srgbClr val="44546A"/>
+      </a:dk2>
+      <a:lt2>
+        <a:srgbClr val="E7E6E6"/>
+      </a:lt2>
+      <a:accent1>
+        <a:srgbClr val="4472C4"/>
+      </a:accent1>
+      <a:accent2>
+        <a:srgbClr val="ED7D31"/>
+      </a:accent2>
+      <a:accent3>
+        <a:srgbClr val="A5A5A5"/>
+      </a:accent3>
+      <a:accent4>
+        <a:srgbClr val="FFC000"/>
+      </a:accent4>
+      <a:accent5>
+        <a:srgbClr val="5B9BD5"/>
+      </a:accent5>
+      <a:accent6>
+        <a:srgbClr val="70AD47"/>
+      </a:accent6>
+      <a:hlink>
+        <a:srgbClr val="0563C1"/>
+      </a:hlink>
+      <a:folHlink>
+        <a:srgbClr val="954F72"/>
+      </a:folHlink>
+    </a:clrScheme>
+    <a:fontScheme name="Office">
+      <a:majorFont>
+        <a:latin typeface="Calibri Light" panose="020F0302020204030204"/>
+        <a:ea typeface=""/>
+        <a:cs typeface=""/>
+        <a:font script="Jpan" typeface="游ゴシック Light"/>
+        <a:font script="Hang" typeface="맑은 고딕"/>
+        <a:font script="Hans" typeface="等线 Light"/>
+        <a:font script="Hant" typeface="新細明體"/>
+        <a:font script="Arab" typeface="Times New Roman"/>
+        <a:font script="Hebr" typeface="Times New Roman"/>
+        <a:font script="Thai" typeface="Angsana New"/>
+        <a:font script="Ethi" typeface="Nyala"/>
+        <a:font script="Beng" typeface="Vrinda"/>
+        <a:font script="Gujr" typeface="Shruti"/>
+        <a:font script="Khmr" typeface="MoolBoran"/>
+        <a:font script="Knda" typeface="Tunga"/>
+        <a:font script="Guru" typeface="Raavi"/>
+        <a:font script="Cans" typeface="Euphemia"/>
+        <a:font script="Cher" typeface="Plantagenet Cherokee"/>
+        <a:font script="Yiii" typeface="Microsoft Yi Baiti"/>
+        <a:font script="Tibt" typeface="Microsoft Himalaya"/>
+        <a:font script="Thaa" typeface="MV Boli"/>
+        <a:font script="Deva" typeface="Mangal"/>
+        <a:font script="Telu" typeface="Gautami"/>
+        <a:font script="Taml" typeface="Latha"/>
+        <a:font script="Syrc" typeface="Estrangelo Edessa"/>
+        <a:font script="Orya" typeface="Kalinga"/>
+        <a:font script="Mlym" typeface="Kartika"/>
+        <a:font script="Laoo" typeface="DokChampa"/>
+        <a:font script="Sinh" typeface="Iskoola Pota"/>
+        <a:font script="Mong" typeface="Mongolian Baiti"/>
+        <a:font script="Viet" typeface="Times New Roman"/>
+        <a:font script="Uigh" typeface="Microsoft Uighur"/>
+        <a:font script="Geor" typeface="Sylfaen"/>
+        <a:font script="Armn" typeface="Arial"/>
+        <a:font script="Bugi" typeface="Leelawadee UI"/>
+        <a:font script="Bopo" typeface="Microsoft JhengHei"/>
+        <a:font script="Java" typeface="Javanese Text"/>
+        <a:font script="Lisu" typeface="Segoe UI"/>
+        <a:font script="Mymr" typeface="Myanmar Text"/>
+        <a:font script="Nkoo" typeface="Ebrima"/>
+        <a:font script="Olck" typeface="Nirmala UI"/>
+        <a:font script="Osma" typeface="Ebrima"/>
+        <a:font script="Phag" typeface="Phagspa"/>
+        <a:font script="Syrn" typeface="Estrangelo Edessa"/>
+        <a:font script="Syrj" typeface="Estrangelo Edessa"/>
+        <a:font script="Syre" typeface="Estrangelo Edessa"/>
+        <a:font script="Sora" typeface="Nirmala UI"/>
+        <a:font script="Tale" typeface="Microsoft Tai Le"/>
+        <a:font script="Talu" typeface="Microsoft New Tai Lue"/>
+        <a:font script="Tfng" typeface="Ebrima"/>
+      </a:majorFont>
+      <a:minorFont>
+        <a:latin typeface="Calibri" panose="020F0502020204030204"/>
+        <a:ea typeface=""/>
+        <a:cs typeface=""/>
+        <a:font script="Jpan" typeface="游ゴシック"/>
+        <a:font script="Hang" typeface="맑은 고딕"/>
+        <a:font script="Hans" typeface="等线"/>
+        <a:font script="Hant" typeface="新細明體"/>
+        <a:font script="Arab" typeface="Arial"/>
+        <a:font script="Hebr" typeface="Arial"/>
+        <a:font script="Thai" typeface="Cordia New"/>
+        <a:font script="Ethi" typeface="Nyala"/>
+        <a:font script="Beng" typeface="Vrinda"/>
+        <a:font script="Gujr" typeface="Shruti"/>
+        <a:font script="Khmr" typeface="DaunPenh"/>
+        <a:font script="Knda" typeface="Tunga"/>
+        <a:font script="Guru" typeface="Raavi"/>
+        <a:font script="Cans" typeface="Euphemia"/>
+        <a:font script="Cher" typeface="Plantagenet Cherokee"/>
+        <a:font script="Yiii" typeface="Microsoft Yi Baiti"/>
+        <a:font script="Tibt" typeface="Microsoft Himalaya"/>
+        <a:font script="Thaa" typeface="MV Boli"/>
+        <a:font script="Deva" typeface="Mangal"/>
+        <a:font script="Telu" typeface="Gautami"/>
+        <a:font script="Taml" typeface="Latha"/>
+        <a:font script="Syrc" typeface="Estrangelo Edessa"/>
+        <a:font script="Orya" typeface="Kalinga"/>
+        <a:font script="Mlym" typeface="Kartika"/>
+        <a:font script="Laoo" typeface="DokChampa"/>
+        <a:font script="Sinh" typeface="Iskoola Pota"/>
+        <a:font script="Mong" typeface="Mongolian Baiti"/>
+        <a:font script="Viet" typeface="Arial"/>
+        <a:font script="Uigh" typeface="Microsoft Uighur"/>
+        <a:font script="Geor" typeface="Sylfaen"/>
+        <a:font script="Armn" typeface="Arial"/>
+        <a:font script="Bugi" typeface="Leelawadee UI"/>
+        <a:font script="Bopo" typeface="Microsoft JhengHei"/>
+        <a:font script="Java" typeface="Javanese Text"/>
+        <a:font script="Lisu" typeface="Segoe UI"/>
+        <a:font script="Mymr" typeface="Myanmar Text"/>
+        <a:font script="Nkoo" typeface="Ebrima"/>
+        <a:font script="Olck" typeface="Nirmala UI"/>
+        <a:font script="Osma" typeface="Ebrima"/>
+        <a:font script="Phag" typeface="Phagspa"/>
+        <a:font script="Syrn" typeface="Estrangelo Edessa"/>
+        <a:font script="Syrj" typeface="Estrangelo Edessa"/>
+        <a:font script="Syre" typeface="Estrangelo Edessa"/>
+        <a:font script="Sora" typeface="Nirmala UI"/>
+        <a:font script="Tale" typeface="Microsoft Tai Le"/>
+        <a:font script="Talu" typeface="Microsoft New Tai Lue"/>
+        <a:font script="Tfng" typeface="Ebrima"/>
+      </a:minorFont>
+    </a:fontScheme>
+    <a:fmtScheme name="Office">
+      <a:fillStyleLst>
+        <a:solidFill>
+          <a:schemeClr val="phClr"/>
+        </a:solidFill>
+        <a:gradFill rotWithShape="1">
+          <a:gsLst>
+            <a:gs pos="0">
+              <a:schemeClr val="phClr">
+                <a:lumMod val="110000"/>
+                <a:satMod val="105000"/>
+                <a:tint val="67000"/>
+              </a:schemeClr>
+            </a:gs>
+            <a:gs pos="50000">
+              <a:schemeClr val="phClr">
+                <a:lumMod val="105000"/>
+                <a:satMod val="103000"/>
+                <a:tint val="73000"/>
+              </a:schemeClr>
+            </a:gs>
+            <a:gs pos="100000">
+              <a:schemeClr val="phClr">
+                <a:lumMod val="105000"/>
+                <a:satMod val="109000"/>
+                <a:tint val="81000"/>
+              </a:schemeClr>
+            </a:gs>
+          </a:gsLst>
+          <a:lin ang="5400000" scaled="0"/>
+        </a:gradFill>
+        <a:gradFill rotWithShape="1">
+          <a:gsLst>
+            <a:gs pos="0">
+              <a:schemeClr val="phClr">
+                <a:satMod val="103000"/>
+                <a:lumMod val="102000"/>
+                <a:tint val="94000"/>
+              </a:schemeClr>
+            </a:gs>
+            <a:gs pos="50000">
+              <a:schemeClr val="phClr">
+                <a:satMod val="110000"/>
+                <a:lumMod val="100000"/>
+                <a:shade val="100000"/>
+              </a:schemeClr>
+            </a:gs>
+            <a:gs pos="100000">
+              <a:schemeClr val="phClr">
+                <a:lumMod val="99000"/>
+                <a:satMod val="120000"/>
+                <a:shade val="78000"/>
+              </a:schemeClr>
+            </a:gs>
+          </a:gsLst>
+          <a:lin ang="5400000" scaled="0"/>
+        </a:gradFill>
+      </a:fillStyleLst>
+      <a:lnStyleLst>
+        <a:ln w="6350" cap="flat" cmpd="sng" algn="ctr">
+          <a:solidFill>
+            <a:schemeClr val="phClr"/>
+          </a:solidFill>
+          <a:prstDash val="solid"/>
+          <a:miter lim="800000"/>
+        </a:ln>
+        <a:ln w="12700" cap="flat" cmpd="sng" algn="ctr">
+          <a:solidFill>
+            <a:schemeClr val="phClr"/>
+          </a:solidFill>
+          <a:prstDash val="solid"/>
+          <a:miter lim="800000"/>
+        </a:ln>
+        <a:ln w="19050" cap="flat" cmpd="sng" algn="ctr">
+          <a:solidFill>
+            <a:schemeClr val="phClr"/>
+          </a:solidFill>
+          <a:prstDash val="solid"/>
+          <a:miter lim="800000"/>
+        </a:ln>
+      </a:lnStyleLst>
+      <a:effectStyleLst>
+        <a:effectStyle>
+          <a:effectLst/>
+        </a:effectStyle>
+        <a:effectStyle>
+          <a:effectLst/>
+        </a:effectStyle>
+        <a:effectStyle>
+          <a:effectLst>
+            <a:outerShdw blurRad="57150" dist="19050" dir="5400000" algn="ctr" rotWithShape="0">
+              <a:srgbClr val="000000">
+                <a:alpha val="63000"/>
+              </a:srgbClr>
+            </a:outerShdw>
+          </a:effectLst>
+        </a:effectStyle>
+      </a:effectStyleLst>
+      <a:bgFillStyleLst>
+        <a:solidFill>
+          <a:schemeClr val="phClr"/>
+        </a:solidFill>
+        <a:solidFill>
+          <a:schemeClr val="phClr">
+            <a:tint val="95000"/>
+            <a:satMod val="170000"/>
+          </a:schemeClr>
+        </a:solidFill>
+        <a:gradFill rotWithShape="1">
+          <a:gsLst>
+            <a:gs pos="0">
+              <a:schemeClr val="phClr">
+                <a:tint val="93000"/>
+                <a:satMod val="150000"/>
+                <a:shade val="98000"/>
+                <a:lumMod val="102000"/>
+              </a:schemeClr>
+            </a:gs>
+            <a:gs pos="50000">
+              <a:schemeClr val="phClr">
+                <a:tint val="98000"/>
+                <a:satMod val="130000"/>
+                <a:shade val="90000"/>
+                <a:lumMod val="103000"/>
+              </a:schemeClr>
+            </a:gs>
+            <a:gs pos="100000">
+              <a:schemeClr val="phClr">
+                <a:shade val="63000"/>
+                <a:satMod val="120000"/>
+              </a:schemeClr>
+            </a:gs>
+          </a:gsLst>
+          <a:lin ang="5400000" scaled="0"/>
+        </a:gradFill>
+      </a:bgFillStyleLst>
+    </a:fmtScheme>
+  </a:themeElements>
+  <a:objectDefaults/>
+  <a:extraClrSchemeLst/>
+  <a:extLst>
+    <a:ext uri="{05A4C25C-085E-4340-85A3-A5531E510DB2}">
+      <thm15:themeFamily xmlns:thm15="http://schemas.microsoft.com/office/thememl/2012/main" name="Office Theme" id="{62F939B6-93AF-4DB8-9C6B-D6C7DFDC589F}" vid="{4A3C46E8-61CC-4603-A589-7422A47A8E4A}"/>
+    </a:ext>
+  </a:extLst>
+</a:theme>
 </file>
--- a/A BLE-based multi-gateway network infrastructure with handover support for mobile BLE peripherals.pptx
+++ b/A BLE-based multi-gateway network infrastructure with handover support for mobile BLE peripherals.pptx
@@ -5,7 +5,7 @@
     <p:sldMasterId id="2147483648" r:id="rId1"/>
   </p:sldMasterIdLst>
   <p:notesMasterIdLst>
-    <p:notesMasterId r:id="rId21"/>
+    <p:notesMasterId r:id="rId25"/>
   </p:notesMasterIdLst>
   <p:sldIdLst>
     <p:sldId id="256" r:id="rId2"/>
@@ -22,11 +22,15 @@
     <p:sldId id="271" r:id="rId13"/>
     <p:sldId id="273" r:id="rId14"/>
     <p:sldId id="270" r:id="rId15"/>
-    <p:sldId id="260" r:id="rId16"/>
-    <p:sldId id="261" r:id="rId17"/>
-    <p:sldId id="262" r:id="rId18"/>
-    <p:sldId id="263" r:id="rId19"/>
-    <p:sldId id="258" r:id="rId20"/>
+    <p:sldId id="275" r:id="rId16"/>
+    <p:sldId id="276" r:id="rId17"/>
+    <p:sldId id="277" r:id="rId18"/>
+    <p:sldId id="278" r:id="rId19"/>
+    <p:sldId id="260" r:id="rId20"/>
+    <p:sldId id="261" r:id="rId21"/>
+    <p:sldId id="262" r:id="rId22"/>
+    <p:sldId id="263" r:id="rId23"/>
+    <p:sldId id="258" r:id="rId24"/>
   </p:sldIdLst>
   <p:sldSz cx="12192000" cy="6858000"/>
   <p:notesSz cx="6858000" cy="9144000"/>
@@ -478,6 +482,97 @@
 </file>
 
 <file path=ppt/notesSlides/notesSlide1.xml><?xml version="1.0" encoding="utf-8"?>
+<p:notes xmlns:a="http://schemas.openxmlformats.org/drawingml/2006/main" xmlns:r="http://schemas.openxmlformats.org/officeDocument/2006/relationships" xmlns:p="http://schemas.openxmlformats.org/presentationml/2006/main">
+  <p:cSld>
+    <p:spTree>
+      <p:nvGrpSpPr>
+        <p:cNvPr id="1" name=""/>
+        <p:cNvGrpSpPr/>
+        <p:nvPr/>
+      </p:nvGrpSpPr>
+      <p:grpSpPr>
+        <a:xfrm>
+          <a:off x="0" y="0"/>
+          <a:ext cx="0" cy="0"/>
+          <a:chOff x="0" y="0"/>
+          <a:chExt cx="0" cy="0"/>
+        </a:xfrm>
+      </p:grpSpPr>
+      <p:sp>
+        <p:nvSpPr>
+          <p:cNvPr id="2" name="投影片影像版面配置區 1"/>
+          <p:cNvSpPr>
+            <a:spLocks noGrp="1" noRot="1" noChangeAspect="1"/>
+          </p:cNvSpPr>
+          <p:nvPr>
+            <p:ph type="sldImg"/>
+          </p:nvPr>
+        </p:nvSpPr>
+        <p:spPr/>
+      </p:sp>
+      <p:sp>
+        <p:nvSpPr>
+          <p:cNvPr id="3" name="備忘稿版面配置區 2"/>
+          <p:cNvSpPr>
+            <a:spLocks noGrp="1"/>
+          </p:cNvSpPr>
+          <p:nvPr>
+            <p:ph type="body" idx="1"/>
+          </p:nvPr>
+        </p:nvSpPr>
+        <p:spPr/>
+        <p:txBody>
+          <a:bodyPr/>
+          <a:lstStyle/>
+          <a:p>
+            <a:r>
+              <a:rPr lang="en-US" altLang="zh-TW" dirty="0"/>
+              <a:t>Paper</a:t>
+            </a:r>
+            <a:r>
+              <a:rPr lang="zh-TW" altLang="en-US" dirty="0"/>
+              <a:t>的公式是錯的。</a:t>
+            </a:r>
+          </a:p>
+        </p:txBody>
+      </p:sp>
+      <p:sp>
+        <p:nvSpPr>
+          <p:cNvPr id="4" name="投影片編號版面配置區 3"/>
+          <p:cNvSpPr>
+            <a:spLocks noGrp="1"/>
+          </p:cNvSpPr>
+          <p:nvPr>
+            <p:ph type="sldNum" sz="quarter" idx="5"/>
+          </p:nvPr>
+        </p:nvSpPr>
+        <p:spPr/>
+        <p:txBody>
+          <a:bodyPr/>
+          <a:lstStyle/>
+          <a:p>
+            <a:fld id="{48C17303-7880-4EB0-BBD6-662AD90969CD}" type="slidenum">
+              <a:rPr lang="zh-TW" altLang="en-US" smtClean="0"/>
+              <a:t>9</a:t>
+            </a:fld>
+            <a:endParaRPr lang="zh-TW" altLang="en-US"/>
+          </a:p>
+        </p:txBody>
+      </p:sp>
+    </p:spTree>
+    <p:extLst>
+      <p:ext uri="{BB962C8B-B14F-4D97-AF65-F5344CB8AC3E}">
+        <p14:creationId xmlns:p14="http://schemas.microsoft.com/office/powerpoint/2010/main" val="1283517848"/>
+      </p:ext>
+    </p:extLst>
+  </p:cSld>
+  <p:clrMapOvr>
+    <a:masterClrMapping/>
+  </p:clrMapOvr>
+</p:notes>
+</file>
+
+<file path=ppt/notesSlides/notesSlide2.xml><?xml version="1.0" encoding="utf-8"?>
 <p:notes xmlns:a="http://schemas.openxmlformats.org/drawingml/2006/main" xmlns:r="http://schemas.openxmlformats.org/officeDocument/2006/relationships" xmlns:p="http://schemas.openxmlformats.org/presentationml/2006/main">
   <p:cSld>
     <p:spTree>
@@ -4712,10 +4807,42 @@
         </p:nvSpPr>
         <p:spPr/>
         <p:txBody>
-          <a:bodyPr/>
-          <a:lstStyle/>
+          <a:bodyPr>
+            <a:normAutofit lnSpcReduction="10000"/>
+          </a:bodyPr>
+          <a:lstStyle/>
+          <a:p>
+            <a:r>
+              <a:rPr lang="en-US" altLang="zh-TW" dirty="0"/>
+              <a:t>About disconnecting from current GW</a:t>
+            </a:r>
+          </a:p>
           <a:p>
             <a:endParaRPr lang="en-US" altLang="zh-TW" dirty="0"/>
+          </a:p>
+          <a:p>
+            <a:r>
+              <a:rPr lang="en-US" altLang="zh-TW" dirty="0"/>
+              <a:t>the current GW will receive a disconnection message from the controller once a roaming decision has made. </a:t>
+            </a:r>
+          </a:p>
+          <a:p>
+            <a:endParaRPr lang="en-US" altLang="zh-TW" dirty="0"/>
+          </a:p>
+          <a:p>
+            <a:r>
+              <a:rPr lang="en-US" altLang="zh-TW" dirty="0"/>
+              <a:t>After receiving this message, the GW immediately attempts to send a disconnection request to the BLE peripheral. </a:t>
+            </a:r>
+          </a:p>
+          <a:p>
+            <a:endParaRPr lang="en-US" altLang="zh-TW" dirty="0"/>
+          </a:p>
+          <a:p>
+            <a:r>
+              <a:rPr lang="en-US" altLang="zh-TW" dirty="0"/>
+              <a:t>Upon receiving this request, the peripheral answers with a disconnection acknowledgment.</a:t>
+            </a:r>
           </a:p>
         </p:txBody>
       </p:sp>
@@ -4783,7 +4910,7 @@
           <p:cNvPr id="2" name="標題 1">
             <a:extLst>
               <a:ext uri="{FF2B5EF4-FFF2-40B4-BE49-F238E27FC236}">
-                <a16:creationId xmlns:a16="http://schemas.microsoft.com/office/drawing/2014/main" id="{B7DB5FDF-E9A2-4D3D-ACF8-CEFDE567ED4E}"/>
+                <a16:creationId xmlns:a16="http://schemas.microsoft.com/office/drawing/2014/main" id="{B395D8BB-EDB2-42F3-9D92-4E6E7DCBB06A}"/>
               </a:ext>
             </a:extLst>
           </p:cNvPr>
@@ -4801,7 +4928,7 @@
           <a:p>
             <a:r>
               <a:rPr lang="en-US" altLang="zh-TW" dirty="0"/>
-              <a:t>Conclusion</a:t>
+              <a:t>Evaluation : active handover(cont’d)</a:t>
             </a:r>
             <a:endParaRPr lang="zh-TW" altLang="en-US" dirty="0"/>
           </a:p>
@@ -4812,7 +4939,7 @@
           <p:cNvPr id="3" name="內容版面配置區 2">
             <a:extLst>
               <a:ext uri="{FF2B5EF4-FFF2-40B4-BE49-F238E27FC236}">
-                <a16:creationId xmlns:a16="http://schemas.microsoft.com/office/drawing/2014/main" id="{24BC7DE2-9247-4111-B9E4-01812FC553D6}"/>
+                <a16:creationId xmlns:a16="http://schemas.microsoft.com/office/drawing/2014/main" id="{C1C16457-135B-42D6-BD5B-8AF9CCC2689E}"/>
               </a:ext>
             </a:extLst>
           </p:cNvPr>
@@ -4825,12 +4952,14 @@
         </p:nvSpPr>
         <p:spPr/>
         <p:txBody>
-          <a:bodyPr/>
+          <a:bodyPr>
+            <a:normAutofit fontScale="92500" lnSpcReduction="10000"/>
+          </a:bodyPr>
           <a:lstStyle/>
           <a:p>
             <a:r>
               <a:rPr lang="en-US" altLang="zh-TW" dirty="0"/>
-              <a:t>In this paper, two architectures are proposed to realize a BLE-based multi-GW network infrastructure that is able to provide bidirectional connectivity to mobile BLE peripherals. </a:t>
+              <a:t>About Setting up a connection with the alternative GW</a:t>
             </a:r>
           </a:p>
           <a:p>
@@ -4839,9 +4968,34 @@
           <a:p>
             <a:r>
               <a:rPr lang="en-US" altLang="zh-TW" dirty="0"/>
-              <a:t>The IP based architecture offers seamless end-to-end IP connectivity between a mobile BLE peripheral and an existing IP network. It limits custom implementation needs, but requires more resources from the already constrained mobile BLE peripheral. </a:t>
-            </a:r>
-            <a:endParaRPr lang="zh-TW" altLang="en-US" dirty="0"/>
+              <a:t>Once the disconnection has been finalized, the BLE peripheral switches from a connection/advertising state to solely an advertising state, broadcasting connectable advertisements. </a:t>
+            </a:r>
+          </a:p>
+          <a:p>
+            <a:endParaRPr lang="en-US" altLang="zh-TW" dirty="0"/>
+          </a:p>
+          <a:p>
+            <a:r>
+              <a:rPr lang="en-US" altLang="zh-TW" dirty="0"/>
+              <a:t>In the meantime, the alternative GW has received a connect message from the controller and has switched from </a:t>
+            </a:r>
+            <a:r>
+              <a:rPr lang="en-US" altLang="zh-TW" dirty="0" err="1"/>
+              <a:t>nonconnectable</a:t>
+            </a:r>
+            <a:r>
+              <a:rPr lang="en-US" altLang="zh-TW" dirty="0"/>
+              <a:t> to connectable scanning, specifically for the MAC address of the BLE peripheral at hand. </a:t>
+            </a:r>
+          </a:p>
+          <a:p>
+            <a:endParaRPr lang="en-US" altLang="zh-TW" dirty="0"/>
+          </a:p>
+          <a:p>
+            <a:r>
+              <a:rPr lang="en-US" altLang="zh-TW" dirty="0"/>
+              <a:t>From this point, the handover process is similar to passive handover.</a:t>
+            </a:r>
           </a:p>
         </p:txBody>
       </p:sp>
@@ -4850,7 +5004,7 @@
           <p:cNvPr id="4" name="投影片編號版面配置區 3">
             <a:extLst>
               <a:ext uri="{FF2B5EF4-FFF2-40B4-BE49-F238E27FC236}">
-                <a16:creationId xmlns:a16="http://schemas.microsoft.com/office/drawing/2014/main" id="{1897B375-7AA8-4235-9A04-A251C8228EE1}"/>
+                <a16:creationId xmlns:a16="http://schemas.microsoft.com/office/drawing/2014/main" id="{DB634B57-2E7E-40BE-993E-5F46071107A7}"/>
               </a:ext>
             </a:extLst>
           </p:cNvPr>
@@ -4877,7 +5031,7 @@
     </p:spTree>
     <p:extLst>
       <p:ext uri="{BB962C8B-B14F-4D97-AF65-F5344CB8AC3E}">
-        <p14:creationId xmlns:p14="http://schemas.microsoft.com/office/powerpoint/2010/main" val="3047592953"/>
+        <p14:creationId xmlns:p14="http://schemas.microsoft.com/office/powerpoint/2010/main" val="3783783229"/>
       </p:ext>
     </p:extLst>
   </p:cSld>
@@ -4909,7 +5063,7 @@
           <p:cNvPr id="2" name="標題 1">
             <a:extLst>
               <a:ext uri="{FF2B5EF4-FFF2-40B4-BE49-F238E27FC236}">
-                <a16:creationId xmlns:a16="http://schemas.microsoft.com/office/drawing/2014/main" id="{B7DB5FDF-E9A2-4D3D-ACF8-CEFDE567ED4E}"/>
+                <a16:creationId xmlns:a16="http://schemas.microsoft.com/office/drawing/2014/main" id="{B395D8BB-EDB2-42F3-9D92-4E6E7DCBB06A}"/>
               </a:ext>
             </a:extLst>
           </p:cNvPr>
@@ -4927,7 +5081,7 @@
           <a:p>
             <a:r>
               <a:rPr lang="en-US" altLang="zh-TW" dirty="0"/>
-              <a:t>Conclusion(cont’d)</a:t>
+              <a:t>Evaluation : active handover(cont’d)</a:t>
             </a:r>
             <a:endParaRPr lang="zh-TW" altLang="en-US" dirty="0"/>
           </a:p>
@@ -4938,7 +5092,7 @@
           <p:cNvPr id="3" name="內容版面配置區 2">
             <a:extLst>
               <a:ext uri="{FF2B5EF4-FFF2-40B4-BE49-F238E27FC236}">
-                <a16:creationId xmlns:a16="http://schemas.microsoft.com/office/drawing/2014/main" id="{24BC7DE2-9247-4111-B9E4-01812FC553D6}"/>
+                <a16:creationId xmlns:a16="http://schemas.microsoft.com/office/drawing/2014/main" id="{C1C16457-135B-42D6-BD5B-8AF9CCC2689E}"/>
               </a:ext>
             </a:extLst>
           </p:cNvPr>
@@ -4951,19 +5105,33 @@
         </p:nvSpPr>
         <p:spPr/>
         <p:txBody>
-          <a:bodyPr/>
+          <a:bodyPr>
+            <a:normAutofit lnSpcReduction="10000"/>
+          </a:bodyPr>
           <a:lstStyle/>
           <a:p>
             <a:r>
               <a:rPr lang="en-US" altLang="zh-TW" dirty="0"/>
-              <a:t>The non-IP based architecture requires less resources from the BLE peripheral as it employs native BLE communication towards the IoT gateway. However, custom implementation needs are much higher, as a dedicated controller is introduced within the existing network that needs to maintain the state of the infrastructure and the currently associated mobile BLE devices.</a:t>
+              <a:t>Potential Optimizations</a:t>
             </a:r>
           </a:p>
           <a:p>
             <a:endParaRPr lang="en-US" altLang="zh-TW" dirty="0"/>
           </a:p>
           <a:p>
-            <a:endParaRPr lang="zh-TW" altLang="en-US" dirty="0"/>
+            <a:r>
+              <a:rPr lang="en-US" altLang="zh-TW" dirty="0"/>
+              <a:t>The BLE peripheral constantly needs to advertise , This increases energy consumption and decreases the quality of the BLE connection as well.</a:t>
+            </a:r>
+          </a:p>
+          <a:p>
+            <a:endParaRPr lang="en-US" altLang="zh-TW" dirty="0"/>
+          </a:p>
+          <a:p>
+            <a:r>
+              <a:rPr lang="en-US" altLang="zh-TW" dirty="0"/>
+              <a:t>A possible improvement could employ a proactive decision on when to start and stop advertising. The peripheral can monitor the quality of the current connection (i.e. via RSSI) and decide via these indicators whether it is necessary to advertise its presence or not.</a:t>
+            </a:r>
           </a:p>
         </p:txBody>
       </p:sp>
@@ -4972,7 +5140,7 @@
           <p:cNvPr id="4" name="投影片編號版面配置區 3">
             <a:extLst>
               <a:ext uri="{FF2B5EF4-FFF2-40B4-BE49-F238E27FC236}">
-                <a16:creationId xmlns:a16="http://schemas.microsoft.com/office/drawing/2014/main" id="{3027A15A-810A-49CD-86D5-0BC2EF69CCF7}"/>
+                <a16:creationId xmlns:a16="http://schemas.microsoft.com/office/drawing/2014/main" id="{DB634B57-2E7E-40BE-993E-5F46071107A7}"/>
               </a:ext>
             </a:extLst>
           </p:cNvPr>
@@ -4999,7 +5167,7 @@
     </p:spTree>
     <p:extLst>
       <p:ext uri="{BB962C8B-B14F-4D97-AF65-F5344CB8AC3E}">
-        <p14:creationId xmlns:p14="http://schemas.microsoft.com/office/powerpoint/2010/main" val="4005318741"/>
+        <p14:creationId xmlns:p14="http://schemas.microsoft.com/office/powerpoint/2010/main" val="3851096165"/>
       </p:ext>
     </p:extLst>
   </p:cSld>
@@ -5031,7 +5199,7 @@
           <p:cNvPr id="2" name="標題 1">
             <a:extLst>
               <a:ext uri="{FF2B5EF4-FFF2-40B4-BE49-F238E27FC236}">
-                <a16:creationId xmlns:a16="http://schemas.microsoft.com/office/drawing/2014/main" id="{B7DB5FDF-E9A2-4D3D-ACF8-CEFDE567ED4E}"/>
+                <a16:creationId xmlns:a16="http://schemas.microsoft.com/office/drawing/2014/main" id="{B395D8BB-EDB2-42F3-9D92-4E6E7DCBB06A}"/>
               </a:ext>
             </a:extLst>
           </p:cNvPr>
@@ -5049,7 +5217,7 @@
           <a:p>
             <a:r>
               <a:rPr lang="en-US" altLang="zh-TW" dirty="0"/>
-              <a:t>Conclusion(cont’d)</a:t>
+              <a:t>Evaluation(cont’d)</a:t>
             </a:r>
             <a:endParaRPr lang="zh-TW" altLang="en-US" dirty="0"/>
           </a:p>
@@ -5060,7 +5228,7 @@
           <p:cNvPr id="3" name="內容版面配置區 2">
             <a:extLst>
               <a:ext uri="{FF2B5EF4-FFF2-40B4-BE49-F238E27FC236}">
-                <a16:creationId xmlns:a16="http://schemas.microsoft.com/office/drawing/2014/main" id="{24BC7DE2-9247-4111-B9E4-01812FC553D6}"/>
+                <a16:creationId xmlns:a16="http://schemas.microsoft.com/office/drawing/2014/main" id="{C1C16457-135B-42D6-BD5B-8AF9CCC2689E}"/>
               </a:ext>
             </a:extLst>
           </p:cNvPr>
@@ -5080,7 +5248,7 @@
           <a:p>
             <a:r>
               <a:rPr lang="en-US" altLang="zh-TW" dirty="0"/>
-              <a:t>Next to this, two approaches are considered to perform handover within these solutions. </a:t>
+              <a:t>During a handover process, the BLE peripheral is not reachable from application servers. This implies possible data loss.</a:t>
             </a:r>
           </a:p>
           <a:p>
@@ -5089,7 +5257,16 @@
           <a:p>
             <a:r>
               <a:rPr lang="en-US" altLang="zh-TW" dirty="0"/>
-              <a:t>The passive handover approach does not need any extra implementation, but the handover latency can become quite high and a bad BLE connection is still maintained even if a better alternative GW is avail-able nearby. </a:t>
+              <a:t>The newest BLE standard allows a BLE peripheral to be in a connection with multiple BLE centrals at once.</a:t>
+            </a:r>
+          </a:p>
+          <a:p>
+            <a:endParaRPr lang="en-US" altLang="zh-TW" dirty="0"/>
+          </a:p>
+          <a:p>
+            <a:r>
+              <a:rPr lang="en-US" altLang="zh-TW" dirty="0"/>
+              <a:t>Allowing the current GW to keep its connection with the BLE peripheral, until the new connection with the alternative GW is established. </a:t>
             </a:r>
           </a:p>
         </p:txBody>
@@ -5099,7 +5276,7 @@
           <p:cNvPr id="4" name="投影片編號版面配置區 3">
             <a:extLst>
               <a:ext uri="{FF2B5EF4-FFF2-40B4-BE49-F238E27FC236}">
-                <a16:creationId xmlns:a16="http://schemas.microsoft.com/office/drawing/2014/main" id="{F64AC039-730F-4EC0-B242-E7D527FA3228}"/>
+                <a16:creationId xmlns:a16="http://schemas.microsoft.com/office/drawing/2014/main" id="{DB634B57-2E7E-40BE-993E-5F46071107A7}"/>
               </a:ext>
             </a:extLst>
           </p:cNvPr>
@@ -5126,7 +5303,7 @@
     </p:spTree>
     <p:extLst>
       <p:ext uri="{BB962C8B-B14F-4D97-AF65-F5344CB8AC3E}">
-        <p14:creationId xmlns:p14="http://schemas.microsoft.com/office/powerpoint/2010/main" val="1788803111"/>
+        <p14:creationId xmlns:p14="http://schemas.microsoft.com/office/powerpoint/2010/main" val="1590821730"/>
       </p:ext>
     </p:extLst>
   </p:cSld>
@@ -5158,7 +5335,7 @@
           <p:cNvPr id="2" name="標題 1">
             <a:extLst>
               <a:ext uri="{FF2B5EF4-FFF2-40B4-BE49-F238E27FC236}">
-                <a16:creationId xmlns:a16="http://schemas.microsoft.com/office/drawing/2014/main" id="{B7DB5FDF-E9A2-4D3D-ACF8-CEFDE567ED4E}"/>
+                <a16:creationId xmlns:a16="http://schemas.microsoft.com/office/drawing/2014/main" id="{B395D8BB-EDB2-42F3-9D92-4E6E7DCBB06A}"/>
               </a:ext>
             </a:extLst>
           </p:cNvPr>
@@ -5176,7 +5353,7 @@
           <a:p>
             <a:r>
               <a:rPr lang="en-US" altLang="zh-TW" dirty="0"/>
-              <a:t>Conclusion(cont’d)</a:t>
+              <a:t>Evaluation(cont’d)</a:t>
             </a:r>
             <a:endParaRPr lang="zh-TW" altLang="en-US" dirty="0"/>
           </a:p>
@@ -5187,7 +5364,7 @@
           <p:cNvPr id="3" name="內容版面配置區 2">
             <a:extLst>
               <a:ext uri="{FF2B5EF4-FFF2-40B4-BE49-F238E27FC236}">
-                <a16:creationId xmlns:a16="http://schemas.microsoft.com/office/drawing/2014/main" id="{24BC7DE2-9247-4111-B9E4-01812FC553D6}"/>
+                <a16:creationId xmlns:a16="http://schemas.microsoft.com/office/drawing/2014/main" id="{C1C16457-135B-42D6-BD5B-8AF9CCC2689E}"/>
               </a:ext>
             </a:extLst>
           </p:cNvPr>
@@ -5207,9 +5384,26 @@
           <a:p>
             <a:r>
               <a:rPr lang="en-US" altLang="zh-TW" dirty="0"/>
-              <a:t>Active handover offers a solution by proactively terminating a bad connection when a better alternative GW is available. As such, it can limit the handover latency. Asa downside, this approach requires more extensive custom implementation, implies a higher energy consumption and can limit the available throughput.</a:t>
-            </a:r>
-            <a:endParaRPr lang="zh-TW" altLang="en-US" dirty="0"/>
+              <a:t>Finally, to avoid constant switching between connectable and non-connectable scanning, two separate BLE modules could be used on the same GW. </a:t>
+            </a:r>
+          </a:p>
+          <a:p>
+            <a:endParaRPr lang="en-US" altLang="zh-TW" dirty="0"/>
+          </a:p>
+          <a:p>
+            <a:r>
+              <a:rPr lang="en-US" altLang="zh-TW" dirty="0"/>
+              <a:t>One module is in charge of connectable scanning and maintains existing BLE connections. </a:t>
+            </a:r>
+          </a:p>
+          <a:p>
+            <a:endParaRPr lang="en-US" altLang="zh-TW" dirty="0"/>
+          </a:p>
+          <a:p>
+            <a:r>
+              <a:rPr lang="en-US" altLang="zh-TW" dirty="0"/>
+              <a:t>The other module performs only non-connectable scanning, continuously sending RSSI log messages to the controller.</a:t>
+            </a:r>
           </a:p>
         </p:txBody>
       </p:sp>
@@ -5218,7 +5412,7 @@
           <p:cNvPr id="4" name="投影片編號版面配置區 3">
             <a:extLst>
               <a:ext uri="{FF2B5EF4-FFF2-40B4-BE49-F238E27FC236}">
-                <a16:creationId xmlns:a16="http://schemas.microsoft.com/office/drawing/2014/main" id="{BFA29D48-9BE9-44B6-B04F-E6E702DC41D9}"/>
+                <a16:creationId xmlns:a16="http://schemas.microsoft.com/office/drawing/2014/main" id="{DB634B57-2E7E-40BE-993E-5F46071107A7}"/>
               </a:ext>
             </a:extLst>
           </p:cNvPr>
@@ -5245,7 +5439,7 @@
     </p:spTree>
     <p:extLst>
       <p:ext uri="{BB962C8B-B14F-4D97-AF65-F5344CB8AC3E}">
-        <p14:creationId xmlns:p14="http://schemas.microsoft.com/office/powerpoint/2010/main" val="493870139"/>
+        <p14:creationId xmlns:p14="http://schemas.microsoft.com/office/powerpoint/2010/main" val="1541052724"/>
       </p:ext>
     </p:extLst>
   </p:cSld>
@@ -5277,7 +5471,7 @@
           <p:cNvPr id="2" name="標題 1">
             <a:extLst>
               <a:ext uri="{FF2B5EF4-FFF2-40B4-BE49-F238E27FC236}">
-                <a16:creationId xmlns:a16="http://schemas.microsoft.com/office/drawing/2014/main" id="{66BD44E2-EFFF-43D9-A213-DE501B575689}"/>
+                <a16:creationId xmlns:a16="http://schemas.microsoft.com/office/drawing/2014/main" id="{B7DB5FDF-E9A2-4D3D-ACF8-CEFDE567ED4E}"/>
               </a:ext>
             </a:extLst>
           </p:cNvPr>
@@ -5295,7 +5489,7 @@
           <a:p>
             <a:r>
               <a:rPr lang="en-US" altLang="zh-TW" dirty="0"/>
-              <a:t>References</a:t>
+              <a:t>Conclusion</a:t>
             </a:r>
             <a:endParaRPr lang="zh-TW" altLang="en-US" dirty="0"/>
           </a:p>
@@ -5306,7 +5500,7 @@
           <p:cNvPr id="3" name="內容版面配置區 2">
             <a:extLst>
               <a:ext uri="{FF2B5EF4-FFF2-40B4-BE49-F238E27FC236}">
-                <a16:creationId xmlns:a16="http://schemas.microsoft.com/office/drawing/2014/main" id="{6C6870F8-5E25-41B8-BDBD-DC2867167899}"/>
+                <a16:creationId xmlns:a16="http://schemas.microsoft.com/office/drawing/2014/main" id="{24BC7DE2-9247-4111-B9E4-01812FC553D6}"/>
               </a:ext>
             </a:extLst>
           </p:cNvPr>
@@ -5319,119 +5513,32 @@
         </p:nvSpPr>
         <p:spPr/>
         <p:txBody>
-          <a:bodyPr>
-            <a:normAutofit/>
-          </a:bodyPr>
-          <a:lstStyle/>
-          <a:p>
-            <a:r>
-              <a:rPr lang="en-US" altLang="zh-TW" sz="2000" dirty="0"/>
-              <a:t>Mathias </a:t>
-            </a:r>
-            <a:r>
-              <a:rPr lang="en-US" altLang="zh-TW" sz="2000" dirty="0" err="1"/>
-              <a:t>Baert</a:t>
-            </a:r>
-            <a:r>
-              <a:rPr lang="en-US" altLang="zh-TW" sz="2000" dirty="0"/>
-              <a:t>, </a:t>
-            </a:r>
-            <a:r>
-              <a:rPr lang="en-US" altLang="zh-TW" sz="2000" dirty="0" err="1"/>
-              <a:t>Pieterjan</a:t>
-            </a:r>
-            <a:r>
-              <a:rPr lang="en-US" altLang="zh-TW" sz="2000" dirty="0"/>
-              <a:t> </a:t>
-            </a:r>
-            <a:r>
-              <a:rPr lang="en-US" altLang="zh-TW" sz="2000" dirty="0" err="1"/>
-              <a:t>Camerlynck</a:t>
-            </a:r>
-            <a:r>
-              <a:rPr lang="en-US" altLang="zh-TW" sz="2000" dirty="0"/>
-              <a:t>, Pieter </a:t>
-            </a:r>
-            <a:r>
-              <a:rPr lang="en-US" altLang="zh-TW" sz="2000" dirty="0" err="1"/>
-              <a:t>Crombez</a:t>
-            </a:r>
-            <a:r>
-              <a:rPr lang="en-US" altLang="zh-TW" sz="2000" dirty="0"/>
-              <a:t>, Jeroen </a:t>
-            </a:r>
-            <a:r>
-              <a:rPr lang="en-US" altLang="zh-TW" sz="2000" dirty="0" err="1"/>
-              <a:t>Hoebeke</a:t>
-            </a:r>
-            <a:r>
-              <a:rPr lang="en-US" altLang="zh-TW" sz="2000" dirty="0"/>
-              <a:t>, “A BLE-Based Multi-Gateway Network Infrastructure with Handover Support for Mobile BLE Peripherals” </a:t>
-            </a:r>
-            <a:r>
-              <a:rPr lang="en-US" altLang="zh-TW" sz="2000" i="1" dirty="0"/>
-              <a:t>in IEEE </a:t>
-            </a:r>
-            <a:r>
-              <a:rPr lang="en-US" altLang="zh-TW" sz="2000" i="1" dirty="0" err="1"/>
-              <a:t>Internatonal</a:t>
-            </a:r>
-            <a:r>
-              <a:rPr lang="en-US" altLang="zh-TW" sz="2000" i="1" dirty="0"/>
-              <a:t> Conference on Mobile </a:t>
-            </a:r>
-            <a:r>
-              <a:rPr lang="en-US" altLang="zh-TW" sz="2000" i="1" dirty="0" err="1"/>
-              <a:t>Adhoc</a:t>
-            </a:r>
-            <a:r>
-              <a:rPr lang="en-US" altLang="zh-TW" sz="2000" i="1" dirty="0"/>
-              <a:t> and Sensor Systems (IEEE MASS 2019) </a:t>
-            </a:r>
-            <a:r>
-              <a:rPr lang="en-US" altLang="zh-TW" sz="2000" dirty="0"/>
-              <a:t>, DOI: 10.1109/MASS.2019.00020</a:t>
-            </a:r>
-          </a:p>
-          <a:p>
-            <a:r>
-              <a:rPr lang="en-US" altLang="zh-TW" sz="2000" dirty="0"/>
-              <a:t>M. </a:t>
-            </a:r>
-            <a:r>
-              <a:rPr lang="en-US" altLang="zh-TW" sz="2000" dirty="0" err="1"/>
-              <a:t>Nikodem</a:t>
-            </a:r>
-            <a:r>
-              <a:rPr lang="en-US" altLang="zh-TW" sz="2000" dirty="0"/>
-              <a:t>, M. </a:t>
-            </a:r>
-            <a:r>
-              <a:rPr lang="en-US" altLang="zh-TW" sz="2000" dirty="0" err="1"/>
-              <a:t>Bawiec</a:t>
-            </a:r>
-            <a:r>
-              <a:rPr lang="en-US" altLang="zh-TW" sz="2000" dirty="0"/>
-              <a:t>, “Experimental Evaluation of Advertisement-Based Bluetooth Low Energy Communication”, </a:t>
-            </a:r>
-            <a:r>
-              <a:rPr lang="en-US" altLang="zh-TW" sz="2000" i="1" dirty="0"/>
-              <a:t>MDPI Sensors 2020</a:t>
-            </a:r>
-            <a:r>
-              <a:rPr lang="en-US" altLang="zh-TW" sz="2000" dirty="0"/>
-              <a:t>, DOI:10.3390/s20010107</a:t>
-            </a:r>
-            <a:endParaRPr lang="zh-TW" altLang="en-US" sz="2000" dirty="0"/>
-          </a:p>
-        </p:txBody>
-      </p:sp>
-      <p:sp>
-        <p:nvSpPr>
-          <p:cNvPr id="6" name="投影片編號版面配置區 5">
-            <a:extLst>
-              <a:ext uri="{FF2B5EF4-FFF2-40B4-BE49-F238E27FC236}">
-                <a16:creationId xmlns:a16="http://schemas.microsoft.com/office/drawing/2014/main" id="{41672078-55B6-4EB2-A2A0-2A4BDCC09FF1}"/>
+          <a:bodyPr/>
+          <a:lstStyle/>
+          <a:p>
+            <a:r>
+              <a:rPr lang="en-US" altLang="zh-TW" dirty="0"/>
+              <a:t>In this paper, two architectures are proposed to realize a BLE-based multi-GW network infrastructure that is able to provide bidirectional connectivity to mobile BLE peripherals. </a:t>
+            </a:r>
+          </a:p>
+          <a:p>
+            <a:endParaRPr lang="en-US" altLang="zh-TW" dirty="0"/>
+          </a:p>
+          <a:p>
+            <a:r>
+              <a:rPr lang="en-US" altLang="zh-TW" dirty="0"/>
+              <a:t>The IP based architecture offers seamless end-to-end IP connectivity between a mobile BLE peripheral and an existing IP network. It limits custom implementation needs, but requires more resources from the already constrained mobile BLE peripheral. </a:t>
+            </a:r>
+            <a:endParaRPr lang="zh-TW" altLang="en-US" dirty="0"/>
+          </a:p>
+        </p:txBody>
+      </p:sp>
+      <p:sp>
+        <p:nvSpPr>
+          <p:cNvPr id="4" name="投影片編號版面配置區 3">
+            <a:extLst>
+              <a:ext uri="{FF2B5EF4-FFF2-40B4-BE49-F238E27FC236}">
+                <a16:creationId xmlns:a16="http://schemas.microsoft.com/office/drawing/2014/main" id="{1897B375-7AA8-4235-9A04-A251C8228EE1}"/>
               </a:ext>
             </a:extLst>
           </p:cNvPr>
@@ -5458,7 +5565,7 @@
     </p:spTree>
     <p:extLst>
       <p:ext uri="{BB962C8B-B14F-4D97-AF65-F5344CB8AC3E}">
-        <p14:creationId xmlns:p14="http://schemas.microsoft.com/office/powerpoint/2010/main" val="2779116832"/>
+        <p14:creationId xmlns:p14="http://schemas.microsoft.com/office/powerpoint/2010/main" val="3047592953"/>
       </p:ext>
     </p:extLst>
   </p:cSld>
@@ -5628,6 +5735,587 @@
     <p:extLst>
       <p:ext uri="{BB962C8B-B14F-4D97-AF65-F5344CB8AC3E}">
         <p14:creationId xmlns:p14="http://schemas.microsoft.com/office/powerpoint/2010/main" val="1051466082"/>
+      </p:ext>
+    </p:extLst>
+  </p:cSld>
+  <p:clrMapOvr>
+    <a:masterClrMapping/>
+  </p:clrMapOvr>
+</p:sld>
+</file>
+
+<file path=ppt/slides/slide20.xml><?xml version="1.0" encoding="utf-8"?>
+<p:sld xmlns:a="http://schemas.openxmlformats.org/drawingml/2006/main" xmlns:r="http://schemas.openxmlformats.org/officeDocument/2006/relationships" xmlns:p="http://schemas.openxmlformats.org/presentationml/2006/main">
+  <p:cSld>
+    <p:spTree>
+      <p:nvGrpSpPr>
+        <p:cNvPr id="1" name=""/>
+        <p:cNvGrpSpPr/>
+        <p:nvPr/>
+      </p:nvGrpSpPr>
+      <p:grpSpPr>
+        <a:xfrm>
+          <a:off x="0" y="0"/>
+          <a:ext cx="0" cy="0"/>
+          <a:chOff x="0" y="0"/>
+          <a:chExt cx="0" cy="0"/>
+        </a:xfrm>
+      </p:grpSpPr>
+      <p:sp>
+        <p:nvSpPr>
+          <p:cNvPr id="2" name="標題 1">
+            <a:extLst>
+              <a:ext uri="{FF2B5EF4-FFF2-40B4-BE49-F238E27FC236}">
+                <a16:creationId xmlns:a16="http://schemas.microsoft.com/office/drawing/2014/main" id="{B7DB5FDF-E9A2-4D3D-ACF8-CEFDE567ED4E}"/>
+              </a:ext>
+            </a:extLst>
+          </p:cNvPr>
+          <p:cNvSpPr>
+            <a:spLocks noGrp="1"/>
+          </p:cNvSpPr>
+          <p:nvPr>
+            <p:ph type="title"/>
+          </p:nvPr>
+        </p:nvSpPr>
+        <p:spPr/>
+        <p:txBody>
+          <a:bodyPr/>
+          <a:lstStyle/>
+          <a:p>
+            <a:r>
+              <a:rPr lang="en-US" altLang="zh-TW" dirty="0"/>
+              <a:t>Conclusion(cont’d)</a:t>
+            </a:r>
+            <a:endParaRPr lang="zh-TW" altLang="en-US" dirty="0"/>
+          </a:p>
+        </p:txBody>
+      </p:sp>
+      <p:sp>
+        <p:nvSpPr>
+          <p:cNvPr id="3" name="內容版面配置區 2">
+            <a:extLst>
+              <a:ext uri="{FF2B5EF4-FFF2-40B4-BE49-F238E27FC236}">
+                <a16:creationId xmlns:a16="http://schemas.microsoft.com/office/drawing/2014/main" id="{24BC7DE2-9247-4111-B9E4-01812FC553D6}"/>
+              </a:ext>
+            </a:extLst>
+          </p:cNvPr>
+          <p:cNvSpPr>
+            <a:spLocks noGrp="1"/>
+          </p:cNvSpPr>
+          <p:nvPr>
+            <p:ph idx="1"/>
+          </p:nvPr>
+        </p:nvSpPr>
+        <p:spPr/>
+        <p:txBody>
+          <a:bodyPr/>
+          <a:lstStyle/>
+          <a:p>
+            <a:r>
+              <a:rPr lang="en-US" altLang="zh-TW" dirty="0"/>
+              <a:t>The non-IP based architecture requires less resources from the BLE peripheral as it employs native BLE communication towards the IoT gateway. However, custom implementation needs are much higher, as a dedicated controller is introduced within the existing network that needs to maintain the state of the infrastructure and the currently associated mobile BLE devices.</a:t>
+            </a:r>
+          </a:p>
+          <a:p>
+            <a:endParaRPr lang="en-US" altLang="zh-TW" dirty="0"/>
+          </a:p>
+          <a:p>
+            <a:endParaRPr lang="zh-TW" altLang="en-US" dirty="0"/>
+          </a:p>
+        </p:txBody>
+      </p:sp>
+      <p:sp>
+        <p:nvSpPr>
+          <p:cNvPr id="4" name="投影片編號版面配置區 3">
+            <a:extLst>
+              <a:ext uri="{FF2B5EF4-FFF2-40B4-BE49-F238E27FC236}">
+                <a16:creationId xmlns:a16="http://schemas.microsoft.com/office/drawing/2014/main" id="{3027A15A-810A-49CD-86D5-0BC2EF69CCF7}"/>
+              </a:ext>
+            </a:extLst>
+          </p:cNvPr>
+          <p:cNvSpPr>
+            <a:spLocks noGrp="1"/>
+          </p:cNvSpPr>
+          <p:nvPr>
+            <p:ph type="sldNum" sz="quarter" idx="12"/>
+          </p:nvPr>
+        </p:nvSpPr>
+        <p:spPr/>
+        <p:txBody>
+          <a:bodyPr/>
+          <a:lstStyle/>
+          <a:p>
+            <a:fld id="{50029C49-A5A9-4A95-8BF0-94F73808DB5F}" type="slidenum">
+              <a:rPr lang="zh-TW" altLang="en-US" smtClean="0"/>
+              <a:t>20</a:t>
+            </a:fld>
+            <a:endParaRPr lang="zh-TW" altLang="en-US"/>
+          </a:p>
+        </p:txBody>
+      </p:sp>
+    </p:spTree>
+    <p:extLst>
+      <p:ext uri="{BB962C8B-B14F-4D97-AF65-F5344CB8AC3E}">
+        <p14:creationId xmlns:p14="http://schemas.microsoft.com/office/powerpoint/2010/main" val="4005318741"/>
+      </p:ext>
+    </p:extLst>
+  </p:cSld>
+  <p:clrMapOvr>
+    <a:masterClrMapping/>
+  </p:clrMapOvr>
+</p:sld>
+</file>
+
+<file path=ppt/slides/slide21.xml><?xml version="1.0" encoding="utf-8"?>
+<p:sld xmlns:a="http://schemas.openxmlformats.org/drawingml/2006/main" xmlns:r="http://schemas.openxmlformats.org/officeDocument/2006/relationships" xmlns:p="http://schemas.openxmlformats.org/presentationml/2006/main">
+  <p:cSld>
+    <p:spTree>
+      <p:nvGrpSpPr>
+        <p:cNvPr id="1" name=""/>
+        <p:cNvGrpSpPr/>
+        <p:nvPr/>
+      </p:nvGrpSpPr>
+      <p:grpSpPr>
+        <a:xfrm>
+          <a:off x="0" y="0"/>
+          <a:ext cx="0" cy="0"/>
+          <a:chOff x="0" y="0"/>
+          <a:chExt cx="0" cy="0"/>
+        </a:xfrm>
+      </p:grpSpPr>
+      <p:sp>
+        <p:nvSpPr>
+          <p:cNvPr id="2" name="標題 1">
+            <a:extLst>
+              <a:ext uri="{FF2B5EF4-FFF2-40B4-BE49-F238E27FC236}">
+                <a16:creationId xmlns:a16="http://schemas.microsoft.com/office/drawing/2014/main" id="{B7DB5FDF-E9A2-4D3D-ACF8-CEFDE567ED4E}"/>
+              </a:ext>
+            </a:extLst>
+          </p:cNvPr>
+          <p:cNvSpPr>
+            <a:spLocks noGrp="1"/>
+          </p:cNvSpPr>
+          <p:nvPr>
+            <p:ph type="title"/>
+          </p:nvPr>
+        </p:nvSpPr>
+        <p:spPr/>
+        <p:txBody>
+          <a:bodyPr/>
+          <a:lstStyle/>
+          <a:p>
+            <a:r>
+              <a:rPr lang="en-US" altLang="zh-TW" dirty="0"/>
+              <a:t>Conclusion(cont’d)</a:t>
+            </a:r>
+            <a:endParaRPr lang="zh-TW" altLang="en-US" dirty="0"/>
+          </a:p>
+        </p:txBody>
+      </p:sp>
+      <p:sp>
+        <p:nvSpPr>
+          <p:cNvPr id="3" name="內容版面配置區 2">
+            <a:extLst>
+              <a:ext uri="{FF2B5EF4-FFF2-40B4-BE49-F238E27FC236}">
+                <a16:creationId xmlns:a16="http://schemas.microsoft.com/office/drawing/2014/main" id="{24BC7DE2-9247-4111-B9E4-01812FC553D6}"/>
+              </a:ext>
+            </a:extLst>
+          </p:cNvPr>
+          <p:cNvSpPr>
+            <a:spLocks noGrp="1"/>
+          </p:cNvSpPr>
+          <p:nvPr>
+            <p:ph idx="1"/>
+          </p:nvPr>
+        </p:nvSpPr>
+        <p:spPr/>
+        <p:txBody>
+          <a:bodyPr>
+            <a:normAutofit/>
+          </a:bodyPr>
+          <a:lstStyle/>
+          <a:p>
+            <a:r>
+              <a:rPr lang="en-US" altLang="zh-TW" dirty="0"/>
+              <a:t>Next to this, two approaches are considered to perform handover within these solutions. </a:t>
+            </a:r>
+          </a:p>
+          <a:p>
+            <a:endParaRPr lang="en-US" altLang="zh-TW" dirty="0"/>
+          </a:p>
+          <a:p>
+            <a:r>
+              <a:rPr lang="en-US" altLang="zh-TW" dirty="0"/>
+              <a:t>The passive handover approach does not need any extra implementation, but the handover latency can become quite high and a bad BLE connection is still maintained even if a better alternative GW is avail-able nearby. </a:t>
+            </a:r>
+          </a:p>
+        </p:txBody>
+      </p:sp>
+      <p:sp>
+        <p:nvSpPr>
+          <p:cNvPr id="4" name="投影片編號版面配置區 3">
+            <a:extLst>
+              <a:ext uri="{FF2B5EF4-FFF2-40B4-BE49-F238E27FC236}">
+                <a16:creationId xmlns:a16="http://schemas.microsoft.com/office/drawing/2014/main" id="{F64AC039-730F-4EC0-B242-E7D527FA3228}"/>
+              </a:ext>
+            </a:extLst>
+          </p:cNvPr>
+          <p:cNvSpPr>
+            <a:spLocks noGrp="1"/>
+          </p:cNvSpPr>
+          <p:nvPr>
+            <p:ph type="sldNum" sz="quarter" idx="12"/>
+          </p:nvPr>
+        </p:nvSpPr>
+        <p:spPr/>
+        <p:txBody>
+          <a:bodyPr/>
+          <a:lstStyle/>
+          <a:p>
+            <a:fld id="{50029C49-A5A9-4A95-8BF0-94F73808DB5F}" type="slidenum">
+              <a:rPr lang="zh-TW" altLang="en-US" smtClean="0"/>
+              <a:t>21</a:t>
+            </a:fld>
+            <a:endParaRPr lang="zh-TW" altLang="en-US"/>
+          </a:p>
+        </p:txBody>
+      </p:sp>
+    </p:spTree>
+    <p:extLst>
+      <p:ext uri="{BB962C8B-B14F-4D97-AF65-F5344CB8AC3E}">
+        <p14:creationId xmlns:p14="http://schemas.microsoft.com/office/powerpoint/2010/main" val="1788803111"/>
+      </p:ext>
+    </p:extLst>
+  </p:cSld>
+  <p:clrMapOvr>
+    <a:masterClrMapping/>
+  </p:clrMapOvr>
+</p:sld>
+</file>
+
+<file path=ppt/slides/slide22.xml><?xml version="1.0" encoding="utf-8"?>
+<p:sld xmlns:a="http://schemas.openxmlformats.org/drawingml/2006/main" xmlns:r="http://schemas.openxmlformats.org/officeDocument/2006/relationships" xmlns:p="http://schemas.openxmlformats.org/presentationml/2006/main">
+  <p:cSld>
+    <p:spTree>
+      <p:nvGrpSpPr>
+        <p:cNvPr id="1" name=""/>
+        <p:cNvGrpSpPr/>
+        <p:nvPr/>
+      </p:nvGrpSpPr>
+      <p:grpSpPr>
+        <a:xfrm>
+          <a:off x="0" y="0"/>
+          <a:ext cx="0" cy="0"/>
+          <a:chOff x="0" y="0"/>
+          <a:chExt cx="0" cy="0"/>
+        </a:xfrm>
+      </p:grpSpPr>
+      <p:sp>
+        <p:nvSpPr>
+          <p:cNvPr id="2" name="標題 1">
+            <a:extLst>
+              <a:ext uri="{FF2B5EF4-FFF2-40B4-BE49-F238E27FC236}">
+                <a16:creationId xmlns:a16="http://schemas.microsoft.com/office/drawing/2014/main" id="{B7DB5FDF-E9A2-4D3D-ACF8-CEFDE567ED4E}"/>
+              </a:ext>
+            </a:extLst>
+          </p:cNvPr>
+          <p:cNvSpPr>
+            <a:spLocks noGrp="1"/>
+          </p:cNvSpPr>
+          <p:nvPr>
+            <p:ph type="title"/>
+          </p:nvPr>
+        </p:nvSpPr>
+        <p:spPr/>
+        <p:txBody>
+          <a:bodyPr/>
+          <a:lstStyle/>
+          <a:p>
+            <a:r>
+              <a:rPr lang="en-US" altLang="zh-TW" dirty="0"/>
+              <a:t>Conclusion(cont’d)</a:t>
+            </a:r>
+            <a:endParaRPr lang="zh-TW" altLang="en-US" dirty="0"/>
+          </a:p>
+        </p:txBody>
+      </p:sp>
+      <p:sp>
+        <p:nvSpPr>
+          <p:cNvPr id="3" name="內容版面配置區 2">
+            <a:extLst>
+              <a:ext uri="{FF2B5EF4-FFF2-40B4-BE49-F238E27FC236}">
+                <a16:creationId xmlns:a16="http://schemas.microsoft.com/office/drawing/2014/main" id="{24BC7DE2-9247-4111-B9E4-01812FC553D6}"/>
+              </a:ext>
+            </a:extLst>
+          </p:cNvPr>
+          <p:cNvSpPr>
+            <a:spLocks noGrp="1"/>
+          </p:cNvSpPr>
+          <p:nvPr>
+            <p:ph idx="1"/>
+          </p:nvPr>
+        </p:nvSpPr>
+        <p:spPr/>
+        <p:txBody>
+          <a:bodyPr>
+            <a:normAutofit/>
+          </a:bodyPr>
+          <a:lstStyle/>
+          <a:p>
+            <a:r>
+              <a:rPr lang="en-US" altLang="zh-TW" dirty="0"/>
+              <a:t>Active handover offers a solution by proactively terminating a bad connection when a better alternative GW is available. As such, it can limit the handover latency. Asa downside, this approach requires more extensive custom implementation, implies a higher energy consumption and can limit the available throughput.</a:t>
+            </a:r>
+            <a:endParaRPr lang="zh-TW" altLang="en-US" dirty="0"/>
+          </a:p>
+        </p:txBody>
+      </p:sp>
+      <p:sp>
+        <p:nvSpPr>
+          <p:cNvPr id="4" name="投影片編號版面配置區 3">
+            <a:extLst>
+              <a:ext uri="{FF2B5EF4-FFF2-40B4-BE49-F238E27FC236}">
+                <a16:creationId xmlns:a16="http://schemas.microsoft.com/office/drawing/2014/main" id="{BFA29D48-9BE9-44B6-B04F-E6E702DC41D9}"/>
+              </a:ext>
+            </a:extLst>
+          </p:cNvPr>
+          <p:cNvSpPr>
+            <a:spLocks noGrp="1"/>
+          </p:cNvSpPr>
+          <p:nvPr>
+            <p:ph type="sldNum" sz="quarter" idx="12"/>
+          </p:nvPr>
+        </p:nvSpPr>
+        <p:spPr/>
+        <p:txBody>
+          <a:bodyPr/>
+          <a:lstStyle/>
+          <a:p>
+            <a:fld id="{50029C49-A5A9-4A95-8BF0-94F73808DB5F}" type="slidenum">
+              <a:rPr lang="zh-TW" altLang="en-US" smtClean="0"/>
+              <a:t>22</a:t>
+            </a:fld>
+            <a:endParaRPr lang="zh-TW" altLang="en-US"/>
+          </a:p>
+        </p:txBody>
+      </p:sp>
+    </p:spTree>
+    <p:extLst>
+      <p:ext uri="{BB962C8B-B14F-4D97-AF65-F5344CB8AC3E}">
+        <p14:creationId xmlns:p14="http://schemas.microsoft.com/office/powerpoint/2010/main" val="493870139"/>
+      </p:ext>
+    </p:extLst>
+  </p:cSld>
+  <p:clrMapOvr>
+    <a:masterClrMapping/>
+  </p:clrMapOvr>
+</p:sld>
+</file>
+
+<file path=ppt/slides/slide23.xml><?xml version="1.0" encoding="utf-8"?>
+<p:sld xmlns:a="http://schemas.openxmlformats.org/drawingml/2006/main" xmlns:r="http://schemas.openxmlformats.org/officeDocument/2006/relationships" xmlns:p="http://schemas.openxmlformats.org/presentationml/2006/main">
+  <p:cSld>
+    <p:spTree>
+      <p:nvGrpSpPr>
+        <p:cNvPr id="1" name=""/>
+        <p:cNvGrpSpPr/>
+        <p:nvPr/>
+      </p:nvGrpSpPr>
+      <p:grpSpPr>
+        <a:xfrm>
+          <a:off x="0" y="0"/>
+          <a:ext cx="0" cy="0"/>
+          <a:chOff x="0" y="0"/>
+          <a:chExt cx="0" cy="0"/>
+        </a:xfrm>
+      </p:grpSpPr>
+      <p:sp>
+        <p:nvSpPr>
+          <p:cNvPr id="2" name="標題 1">
+            <a:extLst>
+              <a:ext uri="{FF2B5EF4-FFF2-40B4-BE49-F238E27FC236}">
+                <a16:creationId xmlns:a16="http://schemas.microsoft.com/office/drawing/2014/main" id="{66BD44E2-EFFF-43D9-A213-DE501B575689}"/>
+              </a:ext>
+            </a:extLst>
+          </p:cNvPr>
+          <p:cNvSpPr>
+            <a:spLocks noGrp="1"/>
+          </p:cNvSpPr>
+          <p:nvPr>
+            <p:ph type="title"/>
+          </p:nvPr>
+        </p:nvSpPr>
+        <p:spPr/>
+        <p:txBody>
+          <a:bodyPr/>
+          <a:lstStyle/>
+          <a:p>
+            <a:r>
+              <a:rPr lang="en-US" altLang="zh-TW" dirty="0"/>
+              <a:t>References</a:t>
+            </a:r>
+            <a:endParaRPr lang="zh-TW" altLang="en-US" dirty="0"/>
+          </a:p>
+        </p:txBody>
+      </p:sp>
+      <p:sp>
+        <p:nvSpPr>
+          <p:cNvPr id="3" name="內容版面配置區 2">
+            <a:extLst>
+              <a:ext uri="{FF2B5EF4-FFF2-40B4-BE49-F238E27FC236}">
+                <a16:creationId xmlns:a16="http://schemas.microsoft.com/office/drawing/2014/main" id="{6C6870F8-5E25-41B8-BDBD-DC2867167899}"/>
+              </a:ext>
+            </a:extLst>
+          </p:cNvPr>
+          <p:cNvSpPr>
+            <a:spLocks noGrp="1"/>
+          </p:cNvSpPr>
+          <p:nvPr>
+            <p:ph idx="1"/>
+          </p:nvPr>
+        </p:nvSpPr>
+        <p:spPr/>
+        <p:txBody>
+          <a:bodyPr>
+            <a:normAutofit/>
+          </a:bodyPr>
+          <a:lstStyle/>
+          <a:p>
+            <a:r>
+              <a:rPr lang="en-US" altLang="zh-TW" sz="2000" dirty="0"/>
+              <a:t>Mathias </a:t>
+            </a:r>
+            <a:r>
+              <a:rPr lang="en-US" altLang="zh-TW" sz="2000" dirty="0" err="1"/>
+              <a:t>Baert</a:t>
+            </a:r>
+            <a:r>
+              <a:rPr lang="en-US" altLang="zh-TW" sz="2000" dirty="0"/>
+              <a:t>, </a:t>
+            </a:r>
+            <a:r>
+              <a:rPr lang="en-US" altLang="zh-TW" sz="2000" dirty="0" err="1"/>
+              <a:t>Pieterjan</a:t>
+            </a:r>
+            <a:r>
+              <a:rPr lang="en-US" altLang="zh-TW" sz="2000" dirty="0"/>
+              <a:t> </a:t>
+            </a:r>
+            <a:r>
+              <a:rPr lang="en-US" altLang="zh-TW" sz="2000" dirty="0" err="1"/>
+              <a:t>Camerlynck</a:t>
+            </a:r>
+            <a:r>
+              <a:rPr lang="en-US" altLang="zh-TW" sz="2000" dirty="0"/>
+              <a:t>, Pieter </a:t>
+            </a:r>
+            <a:r>
+              <a:rPr lang="en-US" altLang="zh-TW" sz="2000" dirty="0" err="1"/>
+              <a:t>Crombez</a:t>
+            </a:r>
+            <a:r>
+              <a:rPr lang="en-US" altLang="zh-TW" sz="2000" dirty="0"/>
+              <a:t>, Jeroen </a:t>
+            </a:r>
+            <a:r>
+              <a:rPr lang="en-US" altLang="zh-TW" sz="2000" dirty="0" err="1"/>
+              <a:t>Hoebeke</a:t>
+            </a:r>
+            <a:r>
+              <a:rPr lang="en-US" altLang="zh-TW" sz="2000" dirty="0"/>
+              <a:t>, “A BLE-Based Multi-Gateway Network Infrastructure with Handover Support for Mobile BLE Peripherals” </a:t>
+            </a:r>
+            <a:r>
+              <a:rPr lang="en-US" altLang="zh-TW" sz="2000" i="1" dirty="0"/>
+              <a:t>in IEEE </a:t>
+            </a:r>
+            <a:r>
+              <a:rPr lang="en-US" altLang="zh-TW" sz="2000" i="1" dirty="0" err="1"/>
+              <a:t>Internatonal</a:t>
+            </a:r>
+            <a:r>
+              <a:rPr lang="en-US" altLang="zh-TW" sz="2000" i="1" dirty="0"/>
+              <a:t> Conference on Mobile </a:t>
+            </a:r>
+            <a:r>
+              <a:rPr lang="en-US" altLang="zh-TW" sz="2000" i="1" dirty="0" err="1"/>
+              <a:t>Adhoc</a:t>
+            </a:r>
+            <a:r>
+              <a:rPr lang="en-US" altLang="zh-TW" sz="2000" i="1" dirty="0"/>
+              <a:t> and Sensor Systems (IEEE MASS 2019) </a:t>
+            </a:r>
+            <a:r>
+              <a:rPr lang="en-US" altLang="zh-TW" sz="2000" dirty="0"/>
+              <a:t>, DOI: 10.1109/MASS.2019.00020</a:t>
+            </a:r>
+          </a:p>
+          <a:p>
+            <a:r>
+              <a:rPr lang="en-US" altLang="zh-TW" sz="2000" dirty="0"/>
+              <a:t>M. </a:t>
+            </a:r>
+            <a:r>
+              <a:rPr lang="en-US" altLang="zh-TW" sz="2000" dirty="0" err="1"/>
+              <a:t>Nikodem</a:t>
+            </a:r>
+            <a:r>
+              <a:rPr lang="en-US" altLang="zh-TW" sz="2000" dirty="0"/>
+              <a:t>, M. </a:t>
+            </a:r>
+            <a:r>
+              <a:rPr lang="en-US" altLang="zh-TW" sz="2000" dirty="0" err="1"/>
+              <a:t>Bawiec</a:t>
+            </a:r>
+            <a:r>
+              <a:rPr lang="en-US" altLang="zh-TW" sz="2000" dirty="0"/>
+              <a:t>, “Experimental Evaluation of Advertisement-Based Bluetooth Low Energy Communication”, </a:t>
+            </a:r>
+            <a:r>
+              <a:rPr lang="en-US" altLang="zh-TW" sz="2000" i="1" dirty="0"/>
+              <a:t>MDPI Sensors 2020</a:t>
+            </a:r>
+            <a:r>
+              <a:rPr lang="en-US" altLang="zh-TW" sz="2000" dirty="0"/>
+              <a:t>, DOI:10.3390/s20010107</a:t>
+            </a:r>
+            <a:endParaRPr lang="zh-TW" altLang="en-US" sz="2000" dirty="0"/>
+          </a:p>
+        </p:txBody>
+      </p:sp>
+      <p:sp>
+        <p:nvSpPr>
+          <p:cNvPr id="6" name="投影片編號版面配置區 5">
+            <a:extLst>
+              <a:ext uri="{FF2B5EF4-FFF2-40B4-BE49-F238E27FC236}">
+                <a16:creationId xmlns:a16="http://schemas.microsoft.com/office/drawing/2014/main" id="{41672078-55B6-4EB2-A2A0-2A4BDCC09FF1}"/>
+              </a:ext>
+            </a:extLst>
+          </p:cNvPr>
+          <p:cNvSpPr>
+            <a:spLocks noGrp="1"/>
+          </p:cNvSpPr>
+          <p:nvPr>
+            <p:ph type="sldNum" sz="quarter" idx="12"/>
+          </p:nvPr>
+        </p:nvSpPr>
+        <p:spPr/>
+        <p:txBody>
+          <a:bodyPr/>
+          <a:lstStyle/>
+          <a:p>
+            <a:fld id="{50029C49-A5A9-4A95-8BF0-94F73808DB5F}" type="slidenum">
+              <a:rPr lang="zh-TW" altLang="en-US" smtClean="0"/>
+              <a:t>23</a:t>
+            </a:fld>
+            <a:endParaRPr lang="zh-TW" altLang="en-US"/>
+          </a:p>
+        </p:txBody>
+      </p:sp>
+    </p:spTree>
+    <p:extLst>
+      <p:ext uri="{BB962C8B-B14F-4D97-AF65-F5344CB8AC3E}">
+        <p14:creationId xmlns:p14="http://schemas.microsoft.com/office/powerpoint/2010/main" val="2779116832"/>
       </p:ext>
     </p:extLst>
   </p:cSld>
@@ -6492,7 +7180,7 @@
             <p:spPr/>
             <p:txBody>
               <a:bodyPr>
-                <a:normAutofit lnSpcReduction="10000"/>
+                <a:normAutofit fontScale="92500" lnSpcReduction="10000"/>
               </a:bodyPr>
               <a:lstStyle/>
               <a:p>
@@ -6525,71 +7213,77 @@
               <a:p>
                 <a:r>
                   <a:rPr lang="en-US" altLang="zh-TW" dirty="0"/>
-                  <a:t>(Supervision timeout should be larger than</a:t>
+                  <a:t>According to the BLE standard, Supervision timeout should be larger than</a:t>
                 </a:r>
-                <a:br>
-                  <a:rPr lang="en-US" altLang="zh-TW" dirty="0"/>
-                </a:br>
-                <a:r>
-                  <a:rPr lang="en-US" altLang="zh-TW" dirty="0"/>
-                  <a:t> 	</a:t>
-                </a:r>
+              </a:p>
+              <a:p>
+                <a:pPr marL="0" indent="0" algn="ctr">
+                  <a:buNone/>
+                </a:pPr>
                 <a14:m>
-                  <m:oMath xmlns:m="http://schemas.openxmlformats.org/officeDocument/2006/math">
-                    <m:r>
-                      <a:rPr lang="en-US" altLang="zh-TW" i="1" dirty="0" smtClean="0">
-                        <a:latin typeface="Cambria Math" panose="02040503050406030204" pitchFamily="18" charset="0"/>
-                      </a:rPr>
-                      <m:t>(1+</m:t>
-                    </m:r>
-                    <m:r>
-                      <a:rPr lang="en-US" altLang="zh-TW" i="1" dirty="0" smtClean="0">
-                        <a:latin typeface="Cambria Math" panose="02040503050406030204" pitchFamily="18" charset="0"/>
-                      </a:rPr>
-                      <m:t>𝑠𝑙𝑎𝑣𝑒</m:t>
-                    </m:r>
-                    <m:r>
-                      <a:rPr lang="en-US" altLang="zh-TW" i="1" dirty="0" smtClean="0">
-                        <a:latin typeface="Cambria Math" panose="02040503050406030204" pitchFamily="18" charset="0"/>
-                      </a:rPr>
-                      <m:t> </m:t>
-                    </m:r>
-                    <m:r>
-                      <a:rPr lang="en-US" altLang="zh-TW" i="1" dirty="0" smtClean="0">
-                        <a:latin typeface="Cambria Math" panose="02040503050406030204" pitchFamily="18" charset="0"/>
-                      </a:rPr>
-                      <m:t>𝑙𝑎𝑡𝑒𝑛𝑐𝑦</m:t>
-                    </m:r>
-                    <m:r>
-                      <a:rPr lang="en-US" altLang="zh-TW" i="1" dirty="0" smtClean="0">
-                        <a:latin typeface="Cambria Math" panose="02040503050406030204" pitchFamily="18" charset="0"/>
-                      </a:rPr>
-                      <m:t>) ∗ </m:t>
-                    </m:r>
-                    <m:r>
-                      <a:rPr lang="en-US" altLang="zh-TW" i="1" dirty="0" smtClean="0">
-                        <a:latin typeface="Cambria Math" panose="02040503050406030204" pitchFamily="18" charset="0"/>
-                      </a:rPr>
-                      <m:t>𝑐𝑜𝑛𝑛𝑒𝑐𝑡𝑖𝑜𝑛</m:t>
-                    </m:r>
-                    <m:r>
-                      <a:rPr lang="en-US" altLang="zh-TW" i="1" dirty="0" smtClean="0">
-                        <a:latin typeface="Cambria Math" panose="02040503050406030204" pitchFamily="18" charset="0"/>
-                      </a:rPr>
-                      <m:t> </m:t>
-                    </m:r>
-                    <m:r>
-                      <a:rPr lang="en-US" altLang="zh-TW" i="1" dirty="0" smtClean="0">
-                        <a:latin typeface="Cambria Math" panose="02040503050406030204" pitchFamily="18" charset="0"/>
-                      </a:rPr>
-                      <m:t>𝑖𝑛𝑡𝑒𝑟𝑣𝑎𝑙</m:t>
-                    </m:r>
-                  </m:oMath>
+                  <m:oMathPara xmlns:m="http://schemas.openxmlformats.org/officeDocument/2006/math">
+                    <m:oMathParaPr>
+                      <m:jc m:val="centerGroup"/>
+                    </m:oMathParaPr>
+                    <m:oMath xmlns:m="http://schemas.openxmlformats.org/officeDocument/2006/math">
+                      <m:r>
+                        <a:rPr lang="en-US" altLang="zh-TW" i="1" dirty="0" smtClean="0">
+                          <a:latin typeface="Cambria Math" panose="02040503050406030204" pitchFamily="18" charset="0"/>
+                        </a:rPr>
+                        <m:t> (1+</m:t>
+                      </m:r>
+                      <m:r>
+                        <a:rPr lang="en-US" altLang="zh-TW" i="1" dirty="0" smtClean="0">
+                          <a:latin typeface="Cambria Math" panose="02040503050406030204" pitchFamily="18" charset="0"/>
+                        </a:rPr>
+                        <m:t>𝑠𝑙𝑎𝑣𝑒</m:t>
+                      </m:r>
+                      <m:r>
+                        <a:rPr lang="en-US" altLang="zh-TW" i="1" dirty="0" smtClean="0">
+                          <a:latin typeface="Cambria Math" panose="02040503050406030204" pitchFamily="18" charset="0"/>
+                        </a:rPr>
+                        <m:t> </m:t>
+                      </m:r>
+                      <m:r>
+                        <a:rPr lang="en-US" altLang="zh-TW" i="1" dirty="0" smtClean="0">
+                          <a:latin typeface="Cambria Math" panose="02040503050406030204" pitchFamily="18" charset="0"/>
+                        </a:rPr>
+                        <m:t>𝑙𝑎𝑡𝑒𝑛𝑐𝑦</m:t>
+                      </m:r>
+                      <m:r>
+                        <a:rPr lang="en-US" altLang="zh-TW" i="1" dirty="0" smtClean="0">
+                          <a:latin typeface="Cambria Math" panose="02040503050406030204" pitchFamily="18" charset="0"/>
+                        </a:rPr>
+                        <m:t>) ∗ </m:t>
+                      </m:r>
+                      <m:r>
+                        <a:rPr lang="en-US" altLang="zh-TW" i="1" dirty="0" smtClean="0">
+                          <a:latin typeface="Cambria Math" panose="02040503050406030204" pitchFamily="18" charset="0"/>
+                        </a:rPr>
+                        <m:t>𝑐𝑜𝑛𝑛𝑒𝑐𝑡𝑖𝑜𝑛</m:t>
+                      </m:r>
+                      <m:r>
+                        <a:rPr lang="en-US" altLang="zh-TW" i="1" dirty="0" smtClean="0">
+                          <a:latin typeface="Cambria Math" panose="02040503050406030204" pitchFamily="18" charset="0"/>
+                        </a:rPr>
+                        <m:t> </m:t>
+                      </m:r>
+                      <m:r>
+                        <a:rPr lang="en-US" altLang="zh-TW" i="1" dirty="0" smtClean="0">
+                          <a:latin typeface="Cambria Math" panose="02040503050406030204" pitchFamily="18" charset="0"/>
+                        </a:rPr>
+                        <m:t>𝑖𝑛𝑡𝑒𝑟𝑣𝑎𝑙</m:t>
+                      </m:r>
+                      <m:r>
+                        <a:rPr lang="en-US" altLang="zh-TW" i="1" dirty="0" smtClean="0">
+                          <a:latin typeface="Cambria Math" panose="02040503050406030204" pitchFamily="18" charset="0"/>
+                        </a:rPr>
+                        <m:t> </m:t>
+                      </m:r>
+                    </m:oMath>
+                  </m:oMathPara>
                 </a14:m>
-                <a:r>
-                  <a:rPr lang="en-US" altLang="zh-TW" dirty="0"/>
-                  <a:t>  )  </a:t>
-                </a:r>
+                <a:endParaRPr lang="en-US" altLang="zh-TW" dirty="0"/>
               </a:p>
             </p:txBody>
           </p:sp>
@@ -6613,9 +7307,9 @@
             </p:nvSpPr>
             <p:spPr>
               <a:blipFill>
-                <a:blip r:embed="rId2"/>
+                <a:blip r:embed="rId3"/>
                 <a:stretch>
-                  <a:fillRect l="-1043" t="-3081" r="-1391" b="-2241"/>
+                  <a:fillRect l="-928" t="-2801"/>
                 </a:stretch>
               </a:blipFill>
             </p:spPr>

--- a/A BLE-based multi-gateway network infrastructure with handover support for mobile BLE peripherals.pptx
+++ b/A BLE-based multi-gateway network infrastructure with handover support for mobile BLE peripherals.pptx
@@ -5,7 +5,7 @@
     <p:sldMasterId id="2147483648" r:id="rId1"/>
   </p:sldMasterIdLst>
   <p:notesMasterIdLst>
-    <p:notesMasterId r:id="rId25"/>
+    <p:notesMasterId r:id="rId29"/>
   </p:notesMasterIdLst>
   <p:sldIdLst>
     <p:sldId id="256" r:id="rId2"/>
@@ -15,22 +15,26 @@
     <p:sldId id="265" r:id="rId6"/>
     <p:sldId id="266" r:id="rId7"/>
     <p:sldId id="267" r:id="rId8"/>
-    <p:sldId id="268" r:id="rId9"/>
-    <p:sldId id="269" r:id="rId10"/>
-    <p:sldId id="272" r:id="rId11"/>
-    <p:sldId id="274" r:id="rId12"/>
-    <p:sldId id="271" r:id="rId13"/>
-    <p:sldId id="273" r:id="rId14"/>
-    <p:sldId id="270" r:id="rId15"/>
-    <p:sldId id="275" r:id="rId16"/>
-    <p:sldId id="276" r:id="rId17"/>
-    <p:sldId id="277" r:id="rId18"/>
-    <p:sldId id="278" r:id="rId19"/>
-    <p:sldId id="260" r:id="rId20"/>
-    <p:sldId id="261" r:id="rId21"/>
-    <p:sldId id="262" r:id="rId22"/>
-    <p:sldId id="263" r:id="rId23"/>
-    <p:sldId id="258" r:id="rId24"/>
+    <p:sldId id="281" r:id="rId9"/>
+    <p:sldId id="282" r:id="rId10"/>
+    <p:sldId id="268" r:id="rId11"/>
+    <p:sldId id="269" r:id="rId12"/>
+    <p:sldId id="272" r:id="rId13"/>
+    <p:sldId id="274" r:id="rId14"/>
+    <p:sldId id="271" r:id="rId15"/>
+    <p:sldId id="273" r:id="rId16"/>
+    <p:sldId id="270" r:id="rId17"/>
+    <p:sldId id="275" r:id="rId18"/>
+    <p:sldId id="276" r:id="rId19"/>
+    <p:sldId id="279" r:id="rId20"/>
+    <p:sldId id="280" r:id="rId21"/>
+    <p:sldId id="277" r:id="rId22"/>
+    <p:sldId id="278" r:id="rId23"/>
+    <p:sldId id="260" r:id="rId24"/>
+    <p:sldId id="261" r:id="rId25"/>
+    <p:sldId id="262" r:id="rId26"/>
+    <p:sldId id="263" r:id="rId27"/>
+    <p:sldId id="258" r:id="rId28"/>
   </p:sldIdLst>
   <p:sldSz cx="12192000" cy="6858000"/>
   <p:notesSz cx="6858000" cy="9144000"/>
@@ -553,7 +557,7 @@
           <a:p>
             <a:fld id="{48C17303-7880-4EB0-BBD6-662AD90969CD}" type="slidenum">
               <a:rPr lang="zh-TW" altLang="en-US" smtClean="0"/>
-              <a:t>9</a:t>
+              <a:t>11</a:t>
             </a:fld>
             <a:endParaRPr lang="zh-TW" altLang="en-US"/>
           </a:p>
@@ -656,7 +660,7 @@
           <a:p>
             <a:fld id="{48C17303-7880-4EB0-BBD6-662AD90969CD}" type="slidenum">
               <a:rPr lang="zh-TW" altLang="en-US" smtClean="0"/>
-              <a:t>11</a:t>
+              <a:t>13</a:t>
             </a:fld>
             <a:endParaRPr lang="zh-TW" altLang="en-US"/>
           </a:p>
@@ -666,6 +670,97 @@
     <p:extLst>
       <p:ext uri="{BB962C8B-B14F-4D97-AF65-F5344CB8AC3E}">
         <p14:creationId xmlns:p14="http://schemas.microsoft.com/office/powerpoint/2010/main" val="3430788190"/>
+      </p:ext>
+    </p:extLst>
+  </p:cSld>
+  <p:clrMapOvr>
+    <a:masterClrMapping/>
+  </p:clrMapOvr>
+</p:notes>
+</file>
+
+<file path=ppt/notesSlides/notesSlide3.xml><?xml version="1.0" encoding="utf-8"?>
+<p:notes xmlns:a="http://schemas.openxmlformats.org/drawingml/2006/main" xmlns:r="http://schemas.openxmlformats.org/officeDocument/2006/relationships" xmlns:p="http://schemas.openxmlformats.org/presentationml/2006/main">
+  <p:cSld>
+    <p:spTree>
+      <p:nvGrpSpPr>
+        <p:cNvPr id="1" name=""/>
+        <p:cNvGrpSpPr/>
+        <p:nvPr/>
+      </p:nvGrpSpPr>
+      <p:grpSpPr>
+        <a:xfrm>
+          <a:off x="0" y="0"/>
+          <a:ext cx="0" cy="0"/>
+          <a:chOff x="0" y="0"/>
+          <a:chExt cx="0" cy="0"/>
+        </a:xfrm>
+      </p:grpSpPr>
+      <p:sp>
+        <p:nvSpPr>
+          <p:cNvPr id="2" name="投影片影像版面配置區 1"/>
+          <p:cNvSpPr>
+            <a:spLocks noGrp="1" noRot="1" noChangeAspect="1"/>
+          </p:cNvSpPr>
+          <p:nvPr>
+            <p:ph type="sldImg"/>
+          </p:nvPr>
+        </p:nvSpPr>
+        <p:spPr/>
+      </p:sp>
+      <p:sp>
+        <p:nvSpPr>
+          <p:cNvPr id="3" name="備忘稿版面配置區 2"/>
+          <p:cNvSpPr>
+            <a:spLocks noGrp="1"/>
+          </p:cNvSpPr>
+          <p:nvPr>
+            <p:ph type="body" idx="1"/>
+          </p:nvPr>
+        </p:nvSpPr>
+        <p:spPr/>
+        <p:txBody>
+          <a:bodyPr/>
+          <a:lstStyle/>
+          <a:p>
+            <a:r>
+              <a:rPr lang="en-US" altLang="zh-TW" dirty="0"/>
+              <a:t>Disconnection</a:t>
+            </a:r>
+            <a:r>
+              <a:rPr lang="zh-TW" altLang="en-US" dirty="0"/>
+              <a:t>要先傳資料給外圍設備通知他斷線。</a:t>
+            </a:r>
+          </a:p>
+        </p:txBody>
+      </p:sp>
+      <p:sp>
+        <p:nvSpPr>
+          <p:cNvPr id="4" name="投影片編號版面配置區 3"/>
+          <p:cNvSpPr>
+            <a:spLocks noGrp="1"/>
+          </p:cNvSpPr>
+          <p:nvPr>
+            <p:ph type="sldNum" sz="quarter" idx="5"/>
+          </p:nvPr>
+        </p:nvSpPr>
+        <p:spPr/>
+        <p:txBody>
+          <a:bodyPr/>
+          <a:lstStyle/>
+          <a:p>
+            <a:fld id="{48C17303-7880-4EB0-BBD6-662AD90969CD}" type="slidenum">
+              <a:rPr lang="zh-TW" altLang="en-US" smtClean="0"/>
+              <a:t>20</a:t>
+            </a:fld>
+            <a:endParaRPr lang="zh-TW" altLang="en-US"/>
+          </a:p>
+        </p:txBody>
+      </p:sp>
+    </p:spTree>
+    <p:extLst>
+      <p:ext uri="{BB962C8B-B14F-4D97-AF65-F5344CB8AC3E}">
+        <p14:creationId xmlns:p14="http://schemas.microsoft.com/office/powerpoint/2010/main" val="1777408946"/>
       </p:ext>
     </p:extLst>
   </p:cSld>
@@ -4030,7 +4125,7 @@
           <a:p>
             <a:r>
               <a:rPr lang="en-US" altLang="zh-TW" dirty="0"/>
-              <a:t>Evaluation : passive handover(cont’d) </a:t>
+              <a:t>Evaluation</a:t>
             </a:r>
             <a:endParaRPr lang="zh-TW" altLang="en-US" dirty="0"/>
           </a:p>
@@ -4054,42 +4149,28 @@
         </p:nvSpPr>
         <p:spPr/>
         <p:txBody>
-          <a:bodyPr>
-            <a:normAutofit lnSpcReduction="10000"/>
-          </a:bodyPr>
+          <a:bodyPr/>
           <a:lstStyle/>
           <a:p>
             <a:r>
               <a:rPr lang="en-US" altLang="zh-TW" dirty="0"/>
-              <a:t>About setting up a connection with the alternative GW</a:t>
+              <a:t>The performance of the handover process is predominantly impacted by two steps: disconnecting from the current GW and setting up a connection with the alternative GW.</a:t>
             </a:r>
           </a:p>
           <a:p>
             <a:endParaRPr lang="en-US" altLang="zh-TW" dirty="0"/>
           </a:p>
           <a:p>
-            <a:r>
-              <a:rPr lang="en-US" altLang="zh-TW" dirty="0"/>
-              <a:t>Once the BLE peripheral’s supervision timeout has timed out, it transitions back to the advertising state, broadcasting connectable advertisements at a certain advertising interval.</a:t>
-            </a:r>
-          </a:p>
-          <a:p>
-            <a:endParaRPr lang="en-US" altLang="zh-TW" dirty="0"/>
-          </a:p>
-          <a:p>
-            <a:r>
-              <a:rPr lang="en-US" altLang="zh-TW" dirty="0"/>
-              <a:t>A GW that is not in a connection or still has room for another BLE connection, is in the initiating state and attempts to set up a connection upon receiving the connectable advertisements from the BLE peripheral.</a:t>
-            </a:r>
-          </a:p>
-        </p:txBody>
-      </p:sp>
-      <p:sp>
-        <p:nvSpPr>
-          <p:cNvPr id="9" name="投影片編號版面配置區 8">
-            <a:extLst>
-              <a:ext uri="{FF2B5EF4-FFF2-40B4-BE49-F238E27FC236}">
-                <a16:creationId xmlns:a16="http://schemas.microsoft.com/office/drawing/2014/main" id="{4F567620-92F9-4E3B-8423-A474721BEFEF}"/>
+            <a:endParaRPr lang="zh-TW" altLang="en-US" dirty="0"/>
+          </a:p>
+        </p:txBody>
+      </p:sp>
+      <p:sp>
+        <p:nvSpPr>
+          <p:cNvPr id="4" name="投影片編號版面配置區 3">
+            <a:extLst>
+              <a:ext uri="{FF2B5EF4-FFF2-40B4-BE49-F238E27FC236}">
+                <a16:creationId xmlns:a16="http://schemas.microsoft.com/office/drawing/2014/main" id="{2E50D0C3-38B0-420B-AA42-A979EDC25DED}"/>
               </a:ext>
             </a:extLst>
           </p:cNvPr>
@@ -4108,2993 +4189,6 @@
             <a:fld id="{50029C49-A5A9-4A95-8BF0-94F73808DB5F}" type="slidenum">
               <a:rPr lang="zh-TW" altLang="en-US" smtClean="0"/>
               <a:t>10</a:t>
-            </a:fld>
-            <a:endParaRPr lang="zh-TW" altLang="en-US" dirty="0"/>
-          </a:p>
-        </p:txBody>
-      </p:sp>
-    </p:spTree>
-    <p:extLst>
-      <p:ext uri="{BB962C8B-B14F-4D97-AF65-F5344CB8AC3E}">
-        <p14:creationId xmlns:p14="http://schemas.microsoft.com/office/powerpoint/2010/main" val="2107489994"/>
-      </p:ext>
-    </p:extLst>
-  </p:cSld>
-  <p:clrMapOvr>
-    <a:masterClrMapping/>
-  </p:clrMapOvr>
-</p:sld>
-</file>
-
-<file path=ppt/slides/slide11.xml><?xml version="1.0" encoding="utf-8"?>
-<p:sld xmlns:a="http://schemas.openxmlformats.org/drawingml/2006/main" xmlns:r="http://schemas.openxmlformats.org/officeDocument/2006/relationships" xmlns:p="http://schemas.openxmlformats.org/presentationml/2006/main">
-  <p:cSld>
-    <p:spTree>
-      <p:nvGrpSpPr>
-        <p:cNvPr id="1" name=""/>
-        <p:cNvGrpSpPr/>
-        <p:nvPr/>
-      </p:nvGrpSpPr>
-      <p:grpSpPr>
-        <a:xfrm>
-          <a:off x="0" y="0"/>
-          <a:ext cx="0" cy="0"/>
-          <a:chOff x="0" y="0"/>
-          <a:chExt cx="0" cy="0"/>
-        </a:xfrm>
-      </p:grpSpPr>
-      <p:sp>
-        <p:nvSpPr>
-          <p:cNvPr id="2" name="標題 1">
-            <a:extLst>
-              <a:ext uri="{FF2B5EF4-FFF2-40B4-BE49-F238E27FC236}">
-                <a16:creationId xmlns:a16="http://schemas.microsoft.com/office/drawing/2014/main" id="{B395D8BB-EDB2-42F3-9D92-4E6E7DCBB06A}"/>
-              </a:ext>
-            </a:extLst>
-          </p:cNvPr>
-          <p:cNvSpPr>
-            <a:spLocks noGrp="1"/>
-          </p:cNvSpPr>
-          <p:nvPr>
-            <p:ph type="title"/>
-          </p:nvPr>
-        </p:nvSpPr>
-        <p:spPr/>
-        <p:txBody>
-          <a:bodyPr/>
-          <a:lstStyle/>
-          <a:p>
-            <a:r>
-              <a:rPr lang="en-US" altLang="zh-TW" dirty="0"/>
-              <a:t>Evaluation : passive handover(cont’d) </a:t>
-            </a:r>
-            <a:endParaRPr lang="zh-TW" altLang="en-US" dirty="0"/>
-          </a:p>
-        </p:txBody>
-      </p:sp>
-      <p:sp>
-        <p:nvSpPr>
-          <p:cNvPr id="3" name="內容版面配置區 2">
-            <a:extLst>
-              <a:ext uri="{FF2B5EF4-FFF2-40B4-BE49-F238E27FC236}">
-                <a16:creationId xmlns:a16="http://schemas.microsoft.com/office/drawing/2014/main" id="{C1C16457-135B-42D6-BD5B-8AF9CCC2689E}"/>
-              </a:ext>
-            </a:extLst>
-          </p:cNvPr>
-          <p:cNvSpPr>
-            <a:spLocks noGrp="1"/>
-          </p:cNvSpPr>
-          <p:nvPr>
-            <p:ph idx="1"/>
-          </p:nvPr>
-        </p:nvSpPr>
-        <p:spPr/>
-        <p:txBody>
-          <a:bodyPr>
-            <a:normAutofit lnSpcReduction="10000"/>
-          </a:bodyPr>
-          <a:lstStyle/>
-          <a:p>
-            <a:r>
-              <a:rPr lang="en-US" altLang="zh-TW" dirty="0"/>
-              <a:t>About BLE parameter combinations</a:t>
-            </a:r>
-          </a:p>
-          <a:p>
-            <a:endParaRPr lang="en-US" altLang="zh-TW" dirty="0"/>
-          </a:p>
-          <a:p>
-            <a:r>
-              <a:rPr lang="en-US" altLang="zh-TW" dirty="0"/>
-              <a:t>The advertising interval should be smaller or equal to the scan window, because otherwise it cannot be guaranteed that the GW will be able to receive a connectable advertisement in an acceptable time window.</a:t>
-            </a:r>
-          </a:p>
-          <a:p>
-            <a:endParaRPr lang="en-US" altLang="zh-TW" dirty="0"/>
-          </a:p>
-          <a:p>
-            <a:r>
-              <a:rPr lang="en-US" altLang="zh-TW" dirty="0"/>
-              <a:t>A higher scan duty cycle ( scan window/scan interval ) has a positive impact on the handover latency but a negative impact on the energy consumption of the GW. </a:t>
-            </a:r>
-          </a:p>
-          <a:p>
-            <a:endParaRPr lang="en-US" altLang="zh-TW" dirty="0"/>
-          </a:p>
-          <a:p>
-            <a:endParaRPr lang="en-US" altLang="zh-TW" dirty="0"/>
-          </a:p>
-          <a:p>
-            <a:endParaRPr lang="en-US" altLang="zh-TW" dirty="0"/>
-          </a:p>
-          <a:p>
-            <a:endParaRPr lang="en-US" altLang="zh-TW" dirty="0"/>
-          </a:p>
-        </p:txBody>
-      </p:sp>
-      <p:sp>
-        <p:nvSpPr>
-          <p:cNvPr id="9" name="投影片編號版面配置區 8">
-            <a:extLst>
-              <a:ext uri="{FF2B5EF4-FFF2-40B4-BE49-F238E27FC236}">
-                <a16:creationId xmlns:a16="http://schemas.microsoft.com/office/drawing/2014/main" id="{4F567620-92F9-4E3B-8423-A474721BEFEF}"/>
-              </a:ext>
-            </a:extLst>
-          </p:cNvPr>
-          <p:cNvSpPr>
-            <a:spLocks noGrp="1"/>
-          </p:cNvSpPr>
-          <p:nvPr>
-            <p:ph type="sldNum" sz="quarter" idx="12"/>
-          </p:nvPr>
-        </p:nvSpPr>
-        <p:spPr/>
-        <p:txBody>
-          <a:bodyPr/>
-          <a:lstStyle/>
-          <a:p>
-            <a:fld id="{50029C49-A5A9-4A95-8BF0-94F73808DB5F}" type="slidenum">
-              <a:rPr lang="zh-TW" altLang="en-US" smtClean="0"/>
-              <a:t>11</a:t>
-            </a:fld>
-            <a:endParaRPr lang="zh-TW" altLang="en-US" dirty="0"/>
-          </a:p>
-        </p:txBody>
-      </p:sp>
-    </p:spTree>
-    <p:extLst>
-      <p:ext uri="{BB962C8B-B14F-4D97-AF65-F5344CB8AC3E}">
-        <p14:creationId xmlns:p14="http://schemas.microsoft.com/office/powerpoint/2010/main" val="51591730"/>
-      </p:ext>
-    </p:extLst>
-  </p:cSld>
-  <p:clrMapOvr>
-    <a:masterClrMapping/>
-  </p:clrMapOvr>
-</p:sld>
-</file>
-
-<file path=ppt/slides/slide12.xml><?xml version="1.0" encoding="utf-8"?>
-<p:sld xmlns:a="http://schemas.openxmlformats.org/drawingml/2006/main" xmlns:r="http://schemas.openxmlformats.org/officeDocument/2006/relationships" xmlns:p="http://schemas.openxmlformats.org/presentationml/2006/main">
-  <p:cSld>
-    <p:spTree>
-      <p:nvGrpSpPr>
-        <p:cNvPr id="1" name=""/>
-        <p:cNvGrpSpPr/>
-        <p:nvPr/>
-      </p:nvGrpSpPr>
-      <p:grpSpPr>
-        <a:xfrm>
-          <a:off x="0" y="0"/>
-          <a:ext cx="0" cy="0"/>
-          <a:chOff x="0" y="0"/>
-          <a:chExt cx="0" cy="0"/>
-        </a:xfrm>
-      </p:grpSpPr>
-      <p:sp>
-        <p:nvSpPr>
-          <p:cNvPr id="2" name="標題 1">
-            <a:extLst>
-              <a:ext uri="{FF2B5EF4-FFF2-40B4-BE49-F238E27FC236}">
-                <a16:creationId xmlns:a16="http://schemas.microsoft.com/office/drawing/2014/main" id="{B395D8BB-EDB2-42F3-9D92-4E6E7DCBB06A}"/>
-              </a:ext>
-            </a:extLst>
-          </p:cNvPr>
-          <p:cNvSpPr>
-            <a:spLocks noGrp="1"/>
-          </p:cNvSpPr>
-          <p:nvPr>
-            <p:ph type="title"/>
-          </p:nvPr>
-        </p:nvSpPr>
-        <p:spPr/>
-        <p:txBody>
-          <a:bodyPr/>
-          <a:lstStyle/>
-          <a:p>
-            <a:r>
-              <a:rPr lang="en-US" altLang="zh-TW" dirty="0"/>
-              <a:t>Evaluation : passive handover(cont’d) </a:t>
-            </a:r>
-            <a:endParaRPr lang="zh-TW" altLang="en-US" dirty="0"/>
-          </a:p>
-        </p:txBody>
-      </p:sp>
-      <p:sp>
-        <p:nvSpPr>
-          <p:cNvPr id="3" name="內容版面配置區 2">
-            <a:extLst>
-              <a:ext uri="{FF2B5EF4-FFF2-40B4-BE49-F238E27FC236}">
-                <a16:creationId xmlns:a16="http://schemas.microsoft.com/office/drawing/2014/main" id="{C1C16457-135B-42D6-BD5B-8AF9CCC2689E}"/>
-              </a:ext>
-            </a:extLst>
-          </p:cNvPr>
-          <p:cNvSpPr>
-            <a:spLocks noGrp="1"/>
-          </p:cNvSpPr>
-          <p:nvPr>
-            <p:ph idx="1"/>
-          </p:nvPr>
-        </p:nvSpPr>
-        <p:spPr/>
-        <p:txBody>
-          <a:bodyPr/>
-          <a:lstStyle/>
-          <a:p>
-            <a:endParaRPr lang="en-US" altLang="zh-TW" dirty="0"/>
-          </a:p>
-        </p:txBody>
-      </p:sp>
-      <p:pic>
-        <p:nvPicPr>
-          <p:cNvPr id="5" name="圖片 4">
-            <a:extLst>
-              <a:ext uri="{FF2B5EF4-FFF2-40B4-BE49-F238E27FC236}">
-                <a16:creationId xmlns:a16="http://schemas.microsoft.com/office/drawing/2014/main" id="{120F2FC4-72CD-4123-9F9B-A4D0862F8197}"/>
-              </a:ext>
-            </a:extLst>
-          </p:cNvPr>
-          <p:cNvPicPr>
-            <a:picLocks noChangeAspect="1"/>
-          </p:cNvPicPr>
-          <p:nvPr/>
-        </p:nvPicPr>
-        <p:blipFill>
-          <a:blip r:embed="rId2"/>
-          <a:stretch>
-            <a:fillRect/>
-          </a:stretch>
-        </p:blipFill>
-        <p:spPr>
-          <a:xfrm>
-            <a:off x="1433945" y="1520017"/>
-            <a:ext cx="9324109" cy="4972858"/>
-          </a:xfrm>
-          <a:prstGeom prst="rect">
-            <a:avLst/>
-          </a:prstGeom>
-        </p:spPr>
-      </p:pic>
-      <p:sp>
-        <p:nvSpPr>
-          <p:cNvPr id="6" name="矩形 5">
-            <a:extLst>
-              <a:ext uri="{FF2B5EF4-FFF2-40B4-BE49-F238E27FC236}">
-                <a16:creationId xmlns:a16="http://schemas.microsoft.com/office/drawing/2014/main" id="{3E4E9A0E-AE64-4FB1-8673-2DA6ED3339E6}"/>
-              </a:ext>
-            </a:extLst>
-          </p:cNvPr>
-          <p:cNvSpPr/>
-          <p:nvPr/>
-        </p:nvSpPr>
-        <p:spPr>
-          <a:xfrm>
-            <a:off x="6206836" y="1830777"/>
-            <a:ext cx="1787236" cy="2815648"/>
-          </a:xfrm>
-          <a:prstGeom prst="rect">
-            <a:avLst/>
-          </a:prstGeom>
-          <a:noFill/>
-          <a:ln w="38100">
-            <a:solidFill>
-              <a:srgbClr val="FF0000"/>
-            </a:solidFill>
-          </a:ln>
-        </p:spPr>
-        <p:style>
-          <a:lnRef idx="2">
-            <a:schemeClr val="accent1">
-              <a:shade val="50000"/>
-            </a:schemeClr>
-          </a:lnRef>
-          <a:fillRef idx="1">
-            <a:schemeClr val="accent1"/>
-          </a:fillRef>
-          <a:effectRef idx="0">
-            <a:schemeClr val="accent1"/>
-          </a:effectRef>
-          <a:fontRef idx="minor">
-            <a:schemeClr val="lt1"/>
-          </a:fontRef>
-        </p:style>
-        <p:txBody>
-          <a:bodyPr rtlCol="0" anchor="ctr"/>
-          <a:lstStyle/>
-          <a:p>
-            <a:pPr algn="ctr"/>
-            <a:endParaRPr lang="zh-TW" altLang="en-US"/>
-          </a:p>
-        </p:txBody>
-      </p:sp>
-      <p:sp>
-        <p:nvSpPr>
-          <p:cNvPr id="8" name="矩形 7">
-            <a:extLst>
-              <a:ext uri="{FF2B5EF4-FFF2-40B4-BE49-F238E27FC236}">
-                <a16:creationId xmlns:a16="http://schemas.microsoft.com/office/drawing/2014/main" id="{2B005D59-9B13-475D-9737-ED5285C3FD9E}"/>
-              </a:ext>
-            </a:extLst>
-          </p:cNvPr>
-          <p:cNvSpPr/>
-          <p:nvPr/>
-        </p:nvSpPr>
-        <p:spPr>
-          <a:xfrm>
-            <a:off x="7994072" y="1830777"/>
-            <a:ext cx="803564" cy="2815648"/>
-          </a:xfrm>
-          <a:prstGeom prst="rect">
-            <a:avLst/>
-          </a:prstGeom>
-          <a:noFill/>
-          <a:ln w="38100">
-            <a:solidFill>
-              <a:srgbClr val="FF0000"/>
-            </a:solidFill>
-          </a:ln>
-        </p:spPr>
-        <p:style>
-          <a:lnRef idx="2">
-            <a:schemeClr val="accent1">
-              <a:shade val="50000"/>
-            </a:schemeClr>
-          </a:lnRef>
-          <a:fillRef idx="1">
-            <a:schemeClr val="accent1"/>
-          </a:fillRef>
-          <a:effectRef idx="0">
-            <a:schemeClr val="accent1"/>
-          </a:effectRef>
-          <a:fontRef idx="minor">
-            <a:schemeClr val="lt1"/>
-          </a:fontRef>
-        </p:style>
-        <p:txBody>
-          <a:bodyPr rtlCol="0" anchor="ctr"/>
-          <a:lstStyle/>
-          <a:p>
-            <a:pPr algn="ctr"/>
-            <a:endParaRPr lang="zh-TW" altLang="en-US"/>
-          </a:p>
-        </p:txBody>
-      </p:sp>
-      <p:sp>
-        <p:nvSpPr>
-          <p:cNvPr id="4" name="投影片編號版面配置區 3">
-            <a:extLst>
-              <a:ext uri="{FF2B5EF4-FFF2-40B4-BE49-F238E27FC236}">
-                <a16:creationId xmlns:a16="http://schemas.microsoft.com/office/drawing/2014/main" id="{AE7598D7-FEA4-44A6-B1B0-EA2D845DC0D7}"/>
-              </a:ext>
-            </a:extLst>
-          </p:cNvPr>
-          <p:cNvSpPr>
-            <a:spLocks noGrp="1"/>
-          </p:cNvSpPr>
-          <p:nvPr>
-            <p:ph type="sldNum" sz="quarter" idx="12"/>
-          </p:nvPr>
-        </p:nvSpPr>
-        <p:spPr/>
-        <p:txBody>
-          <a:bodyPr/>
-          <a:lstStyle/>
-          <a:p>
-            <a:fld id="{50029C49-A5A9-4A95-8BF0-94F73808DB5F}" type="slidenum">
-              <a:rPr lang="zh-TW" altLang="en-US" smtClean="0"/>
-              <a:t>12</a:t>
-            </a:fld>
-            <a:endParaRPr lang="zh-TW" altLang="en-US"/>
-          </a:p>
-        </p:txBody>
-      </p:sp>
-    </p:spTree>
-    <p:extLst>
-      <p:ext uri="{BB962C8B-B14F-4D97-AF65-F5344CB8AC3E}">
-        <p14:creationId xmlns:p14="http://schemas.microsoft.com/office/powerpoint/2010/main" val="1628974347"/>
-      </p:ext>
-    </p:extLst>
-  </p:cSld>
-  <p:clrMapOvr>
-    <a:masterClrMapping/>
-  </p:clrMapOvr>
-</p:sld>
-</file>
-
-<file path=ppt/slides/slide13.xml><?xml version="1.0" encoding="utf-8"?>
-<p:sld xmlns:a="http://schemas.openxmlformats.org/drawingml/2006/main" xmlns:r="http://schemas.openxmlformats.org/officeDocument/2006/relationships" xmlns:p="http://schemas.openxmlformats.org/presentationml/2006/main">
-  <p:cSld>
-    <p:spTree>
-      <p:nvGrpSpPr>
-        <p:cNvPr id="1" name=""/>
-        <p:cNvGrpSpPr/>
-        <p:nvPr/>
-      </p:nvGrpSpPr>
-      <p:grpSpPr>
-        <a:xfrm>
-          <a:off x="0" y="0"/>
-          <a:ext cx="0" cy="0"/>
-          <a:chOff x="0" y="0"/>
-          <a:chExt cx="0" cy="0"/>
-        </a:xfrm>
-      </p:grpSpPr>
-      <p:pic>
-        <p:nvPicPr>
-          <p:cNvPr id="5" name="圖片 4">
-            <a:extLst>
-              <a:ext uri="{FF2B5EF4-FFF2-40B4-BE49-F238E27FC236}">
-                <a16:creationId xmlns:a16="http://schemas.microsoft.com/office/drawing/2014/main" id="{56CD1ED4-5648-4D18-8194-FC038C8F6355}"/>
-              </a:ext>
-            </a:extLst>
-          </p:cNvPr>
-          <p:cNvPicPr>
-            <a:picLocks noChangeAspect="1"/>
-          </p:cNvPicPr>
-          <p:nvPr/>
-        </p:nvPicPr>
-        <p:blipFill>
-          <a:blip r:embed="rId2"/>
-          <a:stretch>
-            <a:fillRect/>
-          </a:stretch>
-        </p:blipFill>
-        <p:spPr>
-          <a:xfrm>
-            <a:off x="1552575" y="700953"/>
-            <a:ext cx="10639425" cy="6315075"/>
-          </a:xfrm>
-          <a:prstGeom prst="rect">
-            <a:avLst/>
-          </a:prstGeom>
-        </p:spPr>
-      </p:pic>
-      <p:sp>
-        <p:nvSpPr>
-          <p:cNvPr id="2" name="標題 1">
-            <a:extLst>
-              <a:ext uri="{FF2B5EF4-FFF2-40B4-BE49-F238E27FC236}">
-                <a16:creationId xmlns:a16="http://schemas.microsoft.com/office/drawing/2014/main" id="{B395D8BB-EDB2-42F3-9D92-4E6E7DCBB06A}"/>
-              </a:ext>
-            </a:extLst>
-          </p:cNvPr>
-          <p:cNvSpPr>
-            <a:spLocks noGrp="1"/>
-          </p:cNvSpPr>
-          <p:nvPr>
-            <p:ph type="title"/>
-          </p:nvPr>
-        </p:nvSpPr>
-        <p:spPr/>
-        <p:txBody>
-          <a:bodyPr/>
-          <a:lstStyle/>
-          <a:p>
-            <a:r>
-              <a:rPr lang="en-US" altLang="zh-TW" dirty="0"/>
-              <a:t>Evaluation : passive handover(cont’d) </a:t>
-            </a:r>
-            <a:endParaRPr lang="zh-TW" altLang="en-US" dirty="0"/>
-          </a:p>
-        </p:txBody>
-      </p:sp>
-      <p:sp>
-        <p:nvSpPr>
-          <p:cNvPr id="9" name="投影片編號版面配置區 8">
-            <a:extLst>
-              <a:ext uri="{FF2B5EF4-FFF2-40B4-BE49-F238E27FC236}">
-                <a16:creationId xmlns:a16="http://schemas.microsoft.com/office/drawing/2014/main" id="{4F567620-92F9-4E3B-8423-A474721BEFEF}"/>
-              </a:ext>
-            </a:extLst>
-          </p:cNvPr>
-          <p:cNvSpPr>
-            <a:spLocks noGrp="1"/>
-          </p:cNvSpPr>
-          <p:nvPr>
-            <p:ph type="sldNum" sz="quarter" idx="12"/>
-          </p:nvPr>
-        </p:nvSpPr>
-        <p:spPr/>
-        <p:txBody>
-          <a:bodyPr/>
-          <a:lstStyle/>
-          <a:p>
-            <a:fld id="{50029C49-A5A9-4A95-8BF0-94F73808DB5F}" type="slidenum">
-              <a:rPr lang="zh-TW" altLang="en-US" smtClean="0"/>
-              <a:t>13</a:t>
-            </a:fld>
-            <a:endParaRPr lang="zh-TW" altLang="en-US" dirty="0"/>
-          </a:p>
-        </p:txBody>
-      </p:sp>
-      <p:sp>
-        <p:nvSpPr>
-          <p:cNvPr id="6" name="矩形 5">
-            <a:extLst>
-              <a:ext uri="{FF2B5EF4-FFF2-40B4-BE49-F238E27FC236}">
-                <a16:creationId xmlns:a16="http://schemas.microsoft.com/office/drawing/2014/main" id="{E1C274C1-B685-4EC5-BBF2-CAAD65754987}"/>
-              </a:ext>
-            </a:extLst>
-          </p:cNvPr>
-          <p:cNvSpPr/>
-          <p:nvPr/>
-        </p:nvSpPr>
-        <p:spPr>
-          <a:xfrm>
-            <a:off x="4197926" y="2026516"/>
-            <a:ext cx="2563091" cy="3252066"/>
-          </a:xfrm>
-          <a:prstGeom prst="rect">
-            <a:avLst/>
-          </a:prstGeom>
-          <a:noFill/>
-          <a:ln w="38100">
-            <a:solidFill>
-              <a:srgbClr val="FF0000"/>
-            </a:solidFill>
-          </a:ln>
-        </p:spPr>
-        <p:style>
-          <a:lnRef idx="2">
-            <a:schemeClr val="accent1">
-              <a:shade val="50000"/>
-            </a:schemeClr>
-          </a:lnRef>
-          <a:fillRef idx="1">
-            <a:schemeClr val="accent1"/>
-          </a:fillRef>
-          <a:effectRef idx="0">
-            <a:schemeClr val="accent1"/>
-          </a:effectRef>
-          <a:fontRef idx="minor">
-            <a:schemeClr val="lt1"/>
-          </a:fontRef>
-        </p:style>
-        <p:txBody>
-          <a:bodyPr rtlCol="0" anchor="ctr"/>
-          <a:lstStyle/>
-          <a:p>
-            <a:pPr algn="ctr"/>
-            <a:endParaRPr lang="zh-TW" altLang="en-US"/>
-          </a:p>
-        </p:txBody>
-      </p:sp>
-      <p:sp>
-        <p:nvSpPr>
-          <p:cNvPr id="8" name="矩形 7">
-            <a:extLst>
-              <a:ext uri="{FF2B5EF4-FFF2-40B4-BE49-F238E27FC236}">
-                <a16:creationId xmlns:a16="http://schemas.microsoft.com/office/drawing/2014/main" id="{958F3D8D-B745-458D-9DCF-69231D6472FD}"/>
-              </a:ext>
-            </a:extLst>
-          </p:cNvPr>
-          <p:cNvSpPr/>
-          <p:nvPr/>
-        </p:nvSpPr>
-        <p:spPr>
-          <a:xfrm>
-            <a:off x="6795654" y="2026516"/>
-            <a:ext cx="2140528" cy="4831484"/>
-          </a:xfrm>
-          <a:prstGeom prst="rect">
-            <a:avLst/>
-          </a:prstGeom>
-          <a:noFill/>
-          <a:ln w="38100">
-            <a:solidFill>
-              <a:srgbClr val="FF0000"/>
-            </a:solidFill>
-          </a:ln>
-        </p:spPr>
-        <p:style>
-          <a:lnRef idx="2">
-            <a:schemeClr val="accent1">
-              <a:shade val="50000"/>
-            </a:schemeClr>
-          </a:lnRef>
-          <a:fillRef idx="1">
-            <a:schemeClr val="accent1"/>
-          </a:fillRef>
-          <a:effectRef idx="0">
-            <a:schemeClr val="accent1"/>
-          </a:effectRef>
-          <a:fontRef idx="minor">
-            <a:schemeClr val="lt1"/>
-          </a:fontRef>
-        </p:style>
-        <p:txBody>
-          <a:bodyPr rtlCol="0" anchor="ctr"/>
-          <a:lstStyle/>
-          <a:p>
-            <a:pPr algn="ctr"/>
-            <a:endParaRPr lang="zh-TW" altLang="en-US"/>
-          </a:p>
-        </p:txBody>
-      </p:sp>
-    </p:spTree>
-    <p:extLst>
-      <p:ext uri="{BB962C8B-B14F-4D97-AF65-F5344CB8AC3E}">
-        <p14:creationId xmlns:p14="http://schemas.microsoft.com/office/powerpoint/2010/main" val="2676990719"/>
-      </p:ext>
-    </p:extLst>
-  </p:cSld>
-  <p:clrMapOvr>
-    <a:masterClrMapping/>
-  </p:clrMapOvr>
-</p:sld>
-</file>
-
-<file path=ppt/slides/slide14.xml><?xml version="1.0" encoding="utf-8"?>
-<p:sld xmlns:a="http://schemas.openxmlformats.org/drawingml/2006/main" xmlns:r="http://schemas.openxmlformats.org/officeDocument/2006/relationships" xmlns:p="http://schemas.openxmlformats.org/presentationml/2006/main">
-  <p:cSld>
-    <p:spTree>
-      <p:nvGrpSpPr>
-        <p:cNvPr id="1" name=""/>
-        <p:cNvGrpSpPr/>
-        <p:nvPr/>
-      </p:nvGrpSpPr>
-      <p:grpSpPr>
-        <a:xfrm>
-          <a:off x="0" y="0"/>
-          <a:ext cx="0" cy="0"/>
-          <a:chOff x="0" y="0"/>
-          <a:chExt cx="0" cy="0"/>
-        </a:xfrm>
-      </p:grpSpPr>
-      <p:sp>
-        <p:nvSpPr>
-          <p:cNvPr id="2" name="標題 1">
-            <a:extLst>
-              <a:ext uri="{FF2B5EF4-FFF2-40B4-BE49-F238E27FC236}">
-                <a16:creationId xmlns:a16="http://schemas.microsoft.com/office/drawing/2014/main" id="{B395D8BB-EDB2-42F3-9D92-4E6E7DCBB06A}"/>
-              </a:ext>
-            </a:extLst>
-          </p:cNvPr>
-          <p:cNvSpPr>
-            <a:spLocks noGrp="1"/>
-          </p:cNvSpPr>
-          <p:nvPr>
-            <p:ph type="title"/>
-          </p:nvPr>
-        </p:nvSpPr>
-        <p:spPr/>
-        <p:txBody>
-          <a:bodyPr/>
-          <a:lstStyle/>
-          <a:p>
-            <a:r>
-              <a:rPr lang="en-US" altLang="zh-TW" dirty="0"/>
-              <a:t>Evaluation : active handover</a:t>
-            </a:r>
-            <a:endParaRPr lang="zh-TW" altLang="en-US" dirty="0"/>
-          </a:p>
-        </p:txBody>
-      </p:sp>
-      <p:sp>
-        <p:nvSpPr>
-          <p:cNvPr id="3" name="內容版面配置區 2">
-            <a:extLst>
-              <a:ext uri="{FF2B5EF4-FFF2-40B4-BE49-F238E27FC236}">
-                <a16:creationId xmlns:a16="http://schemas.microsoft.com/office/drawing/2014/main" id="{C1C16457-135B-42D6-BD5B-8AF9CCC2689E}"/>
-              </a:ext>
-            </a:extLst>
-          </p:cNvPr>
-          <p:cNvSpPr>
-            <a:spLocks noGrp="1"/>
-          </p:cNvSpPr>
-          <p:nvPr>
-            <p:ph idx="1"/>
-          </p:nvPr>
-        </p:nvSpPr>
-        <p:spPr/>
-        <p:txBody>
-          <a:bodyPr>
-            <a:normAutofit lnSpcReduction="10000"/>
-          </a:bodyPr>
-          <a:lstStyle/>
-          <a:p>
-            <a:r>
-              <a:rPr lang="en-US" altLang="zh-TW" dirty="0"/>
-              <a:t>About disconnecting from current GW</a:t>
-            </a:r>
-          </a:p>
-          <a:p>
-            <a:endParaRPr lang="en-US" altLang="zh-TW" dirty="0"/>
-          </a:p>
-          <a:p>
-            <a:r>
-              <a:rPr lang="en-US" altLang="zh-TW" dirty="0"/>
-              <a:t>the current GW will receive a disconnection message from the controller once a roaming decision has made. </a:t>
-            </a:r>
-          </a:p>
-          <a:p>
-            <a:endParaRPr lang="en-US" altLang="zh-TW" dirty="0"/>
-          </a:p>
-          <a:p>
-            <a:r>
-              <a:rPr lang="en-US" altLang="zh-TW" dirty="0"/>
-              <a:t>After receiving this message, the GW immediately attempts to send a disconnection request to the BLE peripheral. </a:t>
-            </a:r>
-          </a:p>
-          <a:p>
-            <a:endParaRPr lang="en-US" altLang="zh-TW" dirty="0"/>
-          </a:p>
-          <a:p>
-            <a:r>
-              <a:rPr lang="en-US" altLang="zh-TW" dirty="0"/>
-              <a:t>Upon receiving this request, the peripheral answers with a disconnection acknowledgment.</a:t>
-            </a:r>
-          </a:p>
-        </p:txBody>
-      </p:sp>
-      <p:sp>
-        <p:nvSpPr>
-          <p:cNvPr id="4" name="投影片編號版面配置區 3">
-            <a:extLst>
-              <a:ext uri="{FF2B5EF4-FFF2-40B4-BE49-F238E27FC236}">
-                <a16:creationId xmlns:a16="http://schemas.microsoft.com/office/drawing/2014/main" id="{DB634B57-2E7E-40BE-993E-5F46071107A7}"/>
-              </a:ext>
-            </a:extLst>
-          </p:cNvPr>
-          <p:cNvSpPr>
-            <a:spLocks noGrp="1"/>
-          </p:cNvSpPr>
-          <p:nvPr>
-            <p:ph type="sldNum" sz="quarter" idx="12"/>
-          </p:nvPr>
-        </p:nvSpPr>
-        <p:spPr/>
-        <p:txBody>
-          <a:bodyPr/>
-          <a:lstStyle/>
-          <a:p>
-            <a:fld id="{50029C49-A5A9-4A95-8BF0-94F73808DB5F}" type="slidenum">
-              <a:rPr lang="zh-TW" altLang="en-US" smtClean="0"/>
-              <a:t>14</a:t>
-            </a:fld>
-            <a:endParaRPr lang="zh-TW" altLang="en-US"/>
-          </a:p>
-        </p:txBody>
-      </p:sp>
-    </p:spTree>
-    <p:extLst>
-      <p:ext uri="{BB962C8B-B14F-4D97-AF65-F5344CB8AC3E}">
-        <p14:creationId xmlns:p14="http://schemas.microsoft.com/office/powerpoint/2010/main" val="1272687956"/>
-      </p:ext>
-    </p:extLst>
-  </p:cSld>
-  <p:clrMapOvr>
-    <a:masterClrMapping/>
-  </p:clrMapOvr>
-</p:sld>
-</file>
-
-<file path=ppt/slides/slide15.xml><?xml version="1.0" encoding="utf-8"?>
-<p:sld xmlns:a="http://schemas.openxmlformats.org/drawingml/2006/main" xmlns:r="http://schemas.openxmlformats.org/officeDocument/2006/relationships" xmlns:p="http://schemas.openxmlformats.org/presentationml/2006/main">
-  <p:cSld>
-    <p:spTree>
-      <p:nvGrpSpPr>
-        <p:cNvPr id="1" name=""/>
-        <p:cNvGrpSpPr/>
-        <p:nvPr/>
-      </p:nvGrpSpPr>
-      <p:grpSpPr>
-        <a:xfrm>
-          <a:off x="0" y="0"/>
-          <a:ext cx="0" cy="0"/>
-          <a:chOff x="0" y="0"/>
-          <a:chExt cx="0" cy="0"/>
-        </a:xfrm>
-      </p:grpSpPr>
-      <p:sp>
-        <p:nvSpPr>
-          <p:cNvPr id="2" name="標題 1">
-            <a:extLst>
-              <a:ext uri="{FF2B5EF4-FFF2-40B4-BE49-F238E27FC236}">
-                <a16:creationId xmlns:a16="http://schemas.microsoft.com/office/drawing/2014/main" id="{B395D8BB-EDB2-42F3-9D92-4E6E7DCBB06A}"/>
-              </a:ext>
-            </a:extLst>
-          </p:cNvPr>
-          <p:cNvSpPr>
-            <a:spLocks noGrp="1"/>
-          </p:cNvSpPr>
-          <p:nvPr>
-            <p:ph type="title"/>
-          </p:nvPr>
-        </p:nvSpPr>
-        <p:spPr/>
-        <p:txBody>
-          <a:bodyPr/>
-          <a:lstStyle/>
-          <a:p>
-            <a:r>
-              <a:rPr lang="en-US" altLang="zh-TW" dirty="0"/>
-              <a:t>Evaluation : active handover(cont’d)</a:t>
-            </a:r>
-            <a:endParaRPr lang="zh-TW" altLang="en-US" dirty="0"/>
-          </a:p>
-        </p:txBody>
-      </p:sp>
-      <p:sp>
-        <p:nvSpPr>
-          <p:cNvPr id="3" name="內容版面配置區 2">
-            <a:extLst>
-              <a:ext uri="{FF2B5EF4-FFF2-40B4-BE49-F238E27FC236}">
-                <a16:creationId xmlns:a16="http://schemas.microsoft.com/office/drawing/2014/main" id="{C1C16457-135B-42D6-BD5B-8AF9CCC2689E}"/>
-              </a:ext>
-            </a:extLst>
-          </p:cNvPr>
-          <p:cNvSpPr>
-            <a:spLocks noGrp="1"/>
-          </p:cNvSpPr>
-          <p:nvPr>
-            <p:ph idx="1"/>
-          </p:nvPr>
-        </p:nvSpPr>
-        <p:spPr/>
-        <p:txBody>
-          <a:bodyPr>
-            <a:normAutofit fontScale="92500" lnSpcReduction="10000"/>
-          </a:bodyPr>
-          <a:lstStyle/>
-          <a:p>
-            <a:r>
-              <a:rPr lang="en-US" altLang="zh-TW" dirty="0"/>
-              <a:t>About Setting up a connection with the alternative GW</a:t>
-            </a:r>
-          </a:p>
-          <a:p>
-            <a:endParaRPr lang="en-US" altLang="zh-TW" dirty="0"/>
-          </a:p>
-          <a:p>
-            <a:r>
-              <a:rPr lang="en-US" altLang="zh-TW" dirty="0"/>
-              <a:t>Once the disconnection has been finalized, the BLE peripheral switches from a connection/advertising state to solely an advertising state, broadcasting connectable advertisements. </a:t>
-            </a:r>
-          </a:p>
-          <a:p>
-            <a:endParaRPr lang="en-US" altLang="zh-TW" dirty="0"/>
-          </a:p>
-          <a:p>
-            <a:r>
-              <a:rPr lang="en-US" altLang="zh-TW" dirty="0"/>
-              <a:t>In the meantime, the alternative GW has received a connect message from the controller and has switched from </a:t>
-            </a:r>
-            <a:r>
-              <a:rPr lang="en-US" altLang="zh-TW" dirty="0" err="1"/>
-              <a:t>nonconnectable</a:t>
-            </a:r>
-            <a:r>
-              <a:rPr lang="en-US" altLang="zh-TW" dirty="0"/>
-              <a:t> to connectable scanning, specifically for the MAC address of the BLE peripheral at hand. </a:t>
-            </a:r>
-          </a:p>
-          <a:p>
-            <a:endParaRPr lang="en-US" altLang="zh-TW" dirty="0"/>
-          </a:p>
-          <a:p>
-            <a:r>
-              <a:rPr lang="en-US" altLang="zh-TW" dirty="0"/>
-              <a:t>From this point, the handover process is similar to passive handover.</a:t>
-            </a:r>
-          </a:p>
-        </p:txBody>
-      </p:sp>
-      <p:sp>
-        <p:nvSpPr>
-          <p:cNvPr id="4" name="投影片編號版面配置區 3">
-            <a:extLst>
-              <a:ext uri="{FF2B5EF4-FFF2-40B4-BE49-F238E27FC236}">
-                <a16:creationId xmlns:a16="http://schemas.microsoft.com/office/drawing/2014/main" id="{DB634B57-2E7E-40BE-993E-5F46071107A7}"/>
-              </a:ext>
-            </a:extLst>
-          </p:cNvPr>
-          <p:cNvSpPr>
-            <a:spLocks noGrp="1"/>
-          </p:cNvSpPr>
-          <p:nvPr>
-            <p:ph type="sldNum" sz="quarter" idx="12"/>
-          </p:nvPr>
-        </p:nvSpPr>
-        <p:spPr/>
-        <p:txBody>
-          <a:bodyPr/>
-          <a:lstStyle/>
-          <a:p>
-            <a:fld id="{50029C49-A5A9-4A95-8BF0-94F73808DB5F}" type="slidenum">
-              <a:rPr lang="zh-TW" altLang="en-US" smtClean="0"/>
-              <a:t>15</a:t>
-            </a:fld>
-            <a:endParaRPr lang="zh-TW" altLang="en-US"/>
-          </a:p>
-        </p:txBody>
-      </p:sp>
-    </p:spTree>
-    <p:extLst>
-      <p:ext uri="{BB962C8B-B14F-4D97-AF65-F5344CB8AC3E}">
-        <p14:creationId xmlns:p14="http://schemas.microsoft.com/office/powerpoint/2010/main" val="3783783229"/>
-      </p:ext>
-    </p:extLst>
-  </p:cSld>
-  <p:clrMapOvr>
-    <a:masterClrMapping/>
-  </p:clrMapOvr>
-</p:sld>
-</file>
-
-<file path=ppt/slides/slide16.xml><?xml version="1.0" encoding="utf-8"?>
-<p:sld xmlns:a="http://schemas.openxmlformats.org/drawingml/2006/main" xmlns:r="http://schemas.openxmlformats.org/officeDocument/2006/relationships" xmlns:p="http://schemas.openxmlformats.org/presentationml/2006/main">
-  <p:cSld>
-    <p:spTree>
-      <p:nvGrpSpPr>
-        <p:cNvPr id="1" name=""/>
-        <p:cNvGrpSpPr/>
-        <p:nvPr/>
-      </p:nvGrpSpPr>
-      <p:grpSpPr>
-        <a:xfrm>
-          <a:off x="0" y="0"/>
-          <a:ext cx="0" cy="0"/>
-          <a:chOff x="0" y="0"/>
-          <a:chExt cx="0" cy="0"/>
-        </a:xfrm>
-      </p:grpSpPr>
-      <p:sp>
-        <p:nvSpPr>
-          <p:cNvPr id="2" name="標題 1">
-            <a:extLst>
-              <a:ext uri="{FF2B5EF4-FFF2-40B4-BE49-F238E27FC236}">
-                <a16:creationId xmlns:a16="http://schemas.microsoft.com/office/drawing/2014/main" id="{B395D8BB-EDB2-42F3-9D92-4E6E7DCBB06A}"/>
-              </a:ext>
-            </a:extLst>
-          </p:cNvPr>
-          <p:cNvSpPr>
-            <a:spLocks noGrp="1"/>
-          </p:cNvSpPr>
-          <p:nvPr>
-            <p:ph type="title"/>
-          </p:nvPr>
-        </p:nvSpPr>
-        <p:spPr/>
-        <p:txBody>
-          <a:bodyPr/>
-          <a:lstStyle/>
-          <a:p>
-            <a:r>
-              <a:rPr lang="en-US" altLang="zh-TW" dirty="0"/>
-              <a:t>Evaluation : active handover(cont’d)</a:t>
-            </a:r>
-            <a:endParaRPr lang="zh-TW" altLang="en-US" dirty="0"/>
-          </a:p>
-        </p:txBody>
-      </p:sp>
-      <p:sp>
-        <p:nvSpPr>
-          <p:cNvPr id="3" name="內容版面配置區 2">
-            <a:extLst>
-              <a:ext uri="{FF2B5EF4-FFF2-40B4-BE49-F238E27FC236}">
-                <a16:creationId xmlns:a16="http://schemas.microsoft.com/office/drawing/2014/main" id="{C1C16457-135B-42D6-BD5B-8AF9CCC2689E}"/>
-              </a:ext>
-            </a:extLst>
-          </p:cNvPr>
-          <p:cNvSpPr>
-            <a:spLocks noGrp="1"/>
-          </p:cNvSpPr>
-          <p:nvPr>
-            <p:ph idx="1"/>
-          </p:nvPr>
-        </p:nvSpPr>
-        <p:spPr/>
-        <p:txBody>
-          <a:bodyPr>
-            <a:normAutofit lnSpcReduction="10000"/>
-          </a:bodyPr>
-          <a:lstStyle/>
-          <a:p>
-            <a:r>
-              <a:rPr lang="en-US" altLang="zh-TW" dirty="0"/>
-              <a:t>Potential Optimizations</a:t>
-            </a:r>
-          </a:p>
-          <a:p>
-            <a:endParaRPr lang="en-US" altLang="zh-TW" dirty="0"/>
-          </a:p>
-          <a:p>
-            <a:r>
-              <a:rPr lang="en-US" altLang="zh-TW" dirty="0"/>
-              <a:t>The BLE peripheral constantly needs to advertise , This increases energy consumption and decreases the quality of the BLE connection as well.</a:t>
-            </a:r>
-          </a:p>
-          <a:p>
-            <a:endParaRPr lang="en-US" altLang="zh-TW" dirty="0"/>
-          </a:p>
-          <a:p>
-            <a:r>
-              <a:rPr lang="en-US" altLang="zh-TW" dirty="0"/>
-              <a:t>A possible improvement could employ a proactive decision on when to start and stop advertising. The peripheral can monitor the quality of the current connection (i.e. via RSSI) and decide via these indicators whether it is necessary to advertise its presence or not.</a:t>
-            </a:r>
-          </a:p>
-        </p:txBody>
-      </p:sp>
-      <p:sp>
-        <p:nvSpPr>
-          <p:cNvPr id="4" name="投影片編號版面配置區 3">
-            <a:extLst>
-              <a:ext uri="{FF2B5EF4-FFF2-40B4-BE49-F238E27FC236}">
-                <a16:creationId xmlns:a16="http://schemas.microsoft.com/office/drawing/2014/main" id="{DB634B57-2E7E-40BE-993E-5F46071107A7}"/>
-              </a:ext>
-            </a:extLst>
-          </p:cNvPr>
-          <p:cNvSpPr>
-            <a:spLocks noGrp="1"/>
-          </p:cNvSpPr>
-          <p:nvPr>
-            <p:ph type="sldNum" sz="quarter" idx="12"/>
-          </p:nvPr>
-        </p:nvSpPr>
-        <p:spPr/>
-        <p:txBody>
-          <a:bodyPr/>
-          <a:lstStyle/>
-          <a:p>
-            <a:fld id="{50029C49-A5A9-4A95-8BF0-94F73808DB5F}" type="slidenum">
-              <a:rPr lang="zh-TW" altLang="en-US" smtClean="0"/>
-              <a:t>16</a:t>
-            </a:fld>
-            <a:endParaRPr lang="zh-TW" altLang="en-US"/>
-          </a:p>
-        </p:txBody>
-      </p:sp>
-    </p:spTree>
-    <p:extLst>
-      <p:ext uri="{BB962C8B-B14F-4D97-AF65-F5344CB8AC3E}">
-        <p14:creationId xmlns:p14="http://schemas.microsoft.com/office/powerpoint/2010/main" val="3851096165"/>
-      </p:ext>
-    </p:extLst>
-  </p:cSld>
-  <p:clrMapOvr>
-    <a:masterClrMapping/>
-  </p:clrMapOvr>
-</p:sld>
-</file>
-
-<file path=ppt/slides/slide17.xml><?xml version="1.0" encoding="utf-8"?>
-<p:sld xmlns:a="http://schemas.openxmlformats.org/drawingml/2006/main" xmlns:r="http://schemas.openxmlformats.org/officeDocument/2006/relationships" xmlns:p="http://schemas.openxmlformats.org/presentationml/2006/main">
-  <p:cSld>
-    <p:spTree>
-      <p:nvGrpSpPr>
-        <p:cNvPr id="1" name=""/>
-        <p:cNvGrpSpPr/>
-        <p:nvPr/>
-      </p:nvGrpSpPr>
-      <p:grpSpPr>
-        <a:xfrm>
-          <a:off x="0" y="0"/>
-          <a:ext cx="0" cy="0"/>
-          <a:chOff x="0" y="0"/>
-          <a:chExt cx="0" cy="0"/>
-        </a:xfrm>
-      </p:grpSpPr>
-      <p:sp>
-        <p:nvSpPr>
-          <p:cNvPr id="2" name="標題 1">
-            <a:extLst>
-              <a:ext uri="{FF2B5EF4-FFF2-40B4-BE49-F238E27FC236}">
-                <a16:creationId xmlns:a16="http://schemas.microsoft.com/office/drawing/2014/main" id="{B395D8BB-EDB2-42F3-9D92-4E6E7DCBB06A}"/>
-              </a:ext>
-            </a:extLst>
-          </p:cNvPr>
-          <p:cNvSpPr>
-            <a:spLocks noGrp="1"/>
-          </p:cNvSpPr>
-          <p:nvPr>
-            <p:ph type="title"/>
-          </p:nvPr>
-        </p:nvSpPr>
-        <p:spPr/>
-        <p:txBody>
-          <a:bodyPr/>
-          <a:lstStyle/>
-          <a:p>
-            <a:r>
-              <a:rPr lang="en-US" altLang="zh-TW" dirty="0"/>
-              <a:t>Evaluation(cont’d)</a:t>
-            </a:r>
-            <a:endParaRPr lang="zh-TW" altLang="en-US" dirty="0"/>
-          </a:p>
-        </p:txBody>
-      </p:sp>
-      <p:sp>
-        <p:nvSpPr>
-          <p:cNvPr id="3" name="內容版面配置區 2">
-            <a:extLst>
-              <a:ext uri="{FF2B5EF4-FFF2-40B4-BE49-F238E27FC236}">
-                <a16:creationId xmlns:a16="http://schemas.microsoft.com/office/drawing/2014/main" id="{C1C16457-135B-42D6-BD5B-8AF9CCC2689E}"/>
-              </a:ext>
-            </a:extLst>
-          </p:cNvPr>
-          <p:cNvSpPr>
-            <a:spLocks noGrp="1"/>
-          </p:cNvSpPr>
-          <p:nvPr>
-            <p:ph idx="1"/>
-          </p:nvPr>
-        </p:nvSpPr>
-        <p:spPr/>
-        <p:txBody>
-          <a:bodyPr>
-            <a:normAutofit/>
-          </a:bodyPr>
-          <a:lstStyle/>
-          <a:p>
-            <a:r>
-              <a:rPr lang="en-US" altLang="zh-TW" dirty="0"/>
-              <a:t>During a handover process, the BLE peripheral is not reachable from application servers. This implies possible data loss.</a:t>
-            </a:r>
-          </a:p>
-          <a:p>
-            <a:endParaRPr lang="en-US" altLang="zh-TW" dirty="0"/>
-          </a:p>
-          <a:p>
-            <a:r>
-              <a:rPr lang="en-US" altLang="zh-TW" dirty="0"/>
-              <a:t>The newest BLE standard allows a BLE peripheral to be in a connection with multiple BLE centrals at once.</a:t>
-            </a:r>
-          </a:p>
-          <a:p>
-            <a:endParaRPr lang="en-US" altLang="zh-TW" dirty="0"/>
-          </a:p>
-          <a:p>
-            <a:r>
-              <a:rPr lang="en-US" altLang="zh-TW" dirty="0"/>
-              <a:t>Allowing the current GW to keep its connection with the BLE peripheral, until the new connection with the alternative GW is established. </a:t>
-            </a:r>
-          </a:p>
-        </p:txBody>
-      </p:sp>
-      <p:sp>
-        <p:nvSpPr>
-          <p:cNvPr id="4" name="投影片編號版面配置區 3">
-            <a:extLst>
-              <a:ext uri="{FF2B5EF4-FFF2-40B4-BE49-F238E27FC236}">
-                <a16:creationId xmlns:a16="http://schemas.microsoft.com/office/drawing/2014/main" id="{DB634B57-2E7E-40BE-993E-5F46071107A7}"/>
-              </a:ext>
-            </a:extLst>
-          </p:cNvPr>
-          <p:cNvSpPr>
-            <a:spLocks noGrp="1"/>
-          </p:cNvSpPr>
-          <p:nvPr>
-            <p:ph type="sldNum" sz="quarter" idx="12"/>
-          </p:nvPr>
-        </p:nvSpPr>
-        <p:spPr/>
-        <p:txBody>
-          <a:bodyPr/>
-          <a:lstStyle/>
-          <a:p>
-            <a:fld id="{50029C49-A5A9-4A95-8BF0-94F73808DB5F}" type="slidenum">
-              <a:rPr lang="zh-TW" altLang="en-US" smtClean="0"/>
-              <a:t>17</a:t>
-            </a:fld>
-            <a:endParaRPr lang="zh-TW" altLang="en-US"/>
-          </a:p>
-        </p:txBody>
-      </p:sp>
-    </p:spTree>
-    <p:extLst>
-      <p:ext uri="{BB962C8B-B14F-4D97-AF65-F5344CB8AC3E}">
-        <p14:creationId xmlns:p14="http://schemas.microsoft.com/office/powerpoint/2010/main" val="1590821730"/>
-      </p:ext>
-    </p:extLst>
-  </p:cSld>
-  <p:clrMapOvr>
-    <a:masterClrMapping/>
-  </p:clrMapOvr>
-</p:sld>
-</file>
-
-<file path=ppt/slides/slide18.xml><?xml version="1.0" encoding="utf-8"?>
-<p:sld xmlns:a="http://schemas.openxmlformats.org/drawingml/2006/main" xmlns:r="http://schemas.openxmlformats.org/officeDocument/2006/relationships" xmlns:p="http://schemas.openxmlformats.org/presentationml/2006/main">
-  <p:cSld>
-    <p:spTree>
-      <p:nvGrpSpPr>
-        <p:cNvPr id="1" name=""/>
-        <p:cNvGrpSpPr/>
-        <p:nvPr/>
-      </p:nvGrpSpPr>
-      <p:grpSpPr>
-        <a:xfrm>
-          <a:off x="0" y="0"/>
-          <a:ext cx="0" cy="0"/>
-          <a:chOff x="0" y="0"/>
-          <a:chExt cx="0" cy="0"/>
-        </a:xfrm>
-      </p:grpSpPr>
-      <p:sp>
-        <p:nvSpPr>
-          <p:cNvPr id="2" name="標題 1">
-            <a:extLst>
-              <a:ext uri="{FF2B5EF4-FFF2-40B4-BE49-F238E27FC236}">
-                <a16:creationId xmlns:a16="http://schemas.microsoft.com/office/drawing/2014/main" id="{B395D8BB-EDB2-42F3-9D92-4E6E7DCBB06A}"/>
-              </a:ext>
-            </a:extLst>
-          </p:cNvPr>
-          <p:cNvSpPr>
-            <a:spLocks noGrp="1"/>
-          </p:cNvSpPr>
-          <p:nvPr>
-            <p:ph type="title"/>
-          </p:nvPr>
-        </p:nvSpPr>
-        <p:spPr/>
-        <p:txBody>
-          <a:bodyPr/>
-          <a:lstStyle/>
-          <a:p>
-            <a:r>
-              <a:rPr lang="en-US" altLang="zh-TW" dirty="0"/>
-              <a:t>Evaluation(cont’d)</a:t>
-            </a:r>
-            <a:endParaRPr lang="zh-TW" altLang="en-US" dirty="0"/>
-          </a:p>
-        </p:txBody>
-      </p:sp>
-      <p:sp>
-        <p:nvSpPr>
-          <p:cNvPr id="3" name="內容版面配置區 2">
-            <a:extLst>
-              <a:ext uri="{FF2B5EF4-FFF2-40B4-BE49-F238E27FC236}">
-                <a16:creationId xmlns:a16="http://schemas.microsoft.com/office/drawing/2014/main" id="{C1C16457-135B-42D6-BD5B-8AF9CCC2689E}"/>
-              </a:ext>
-            </a:extLst>
-          </p:cNvPr>
-          <p:cNvSpPr>
-            <a:spLocks noGrp="1"/>
-          </p:cNvSpPr>
-          <p:nvPr>
-            <p:ph idx="1"/>
-          </p:nvPr>
-        </p:nvSpPr>
-        <p:spPr/>
-        <p:txBody>
-          <a:bodyPr>
-            <a:normAutofit/>
-          </a:bodyPr>
-          <a:lstStyle/>
-          <a:p>
-            <a:r>
-              <a:rPr lang="en-US" altLang="zh-TW" dirty="0"/>
-              <a:t>Finally, to avoid constant switching between connectable and non-connectable scanning, two separate BLE modules could be used on the same GW. </a:t>
-            </a:r>
-          </a:p>
-          <a:p>
-            <a:endParaRPr lang="en-US" altLang="zh-TW" dirty="0"/>
-          </a:p>
-          <a:p>
-            <a:r>
-              <a:rPr lang="en-US" altLang="zh-TW" dirty="0"/>
-              <a:t>One module is in charge of connectable scanning and maintains existing BLE connections. </a:t>
-            </a:r>
-          </a:p>
-          <a:p>
-            <a:endParaRPr lang="en-US" altLang="zh-TW" dirty="0"/>
-          </a:p>
-          <a:p>
-            <a:r>
-              <a:rPr lang="en-US" altLang="zh-TW" dirty="0"/>
-              <a:t>The other module performs only non-connectable scanning, continuously sending RSSI log messages to the controller.</a:t>
-            </a:r>
-          </a:p>
-        </p:txBody>
-      </p:sp>
-      <p:sp>
-        <p:nvSpPr>
-          <p:cNvPr id="4" name="投影片編號版面配置區 3">
-            <a:extLst>
-              <a:ext uri="{FF2B5EF4-FFF2-40B4-BE49-F238E27FC236}">
-                <a16:creationId xmlns:a16="http://schemas.microsoft.com/office/drawing/2014/main" id="{DB634B57-2E7E-40BE-993E-5F46071107A7}"/>
-              </a:ext>
-            </a:extLst>
-          </p:cNvPr>
-          <p:cNvSpPr>
-            <a:spLocks noGrp="1"/>
-          </p:cNvSpPr>
-          <p:nvPr>
-            <p:ph type="sldNum" sz="quarter" idx="12"/>
-          </p:nvPr>
-        </p:nvSpPr>
-        <p:spPr/>
-        <p:txBody>
-          <a:bodyPr/>
-          <a:lstStyle/>
-          <a:p>
-            <a:fld id="{50029C49-A5A9-4A95-8BF0-94F73808DB5F}" type="slidenum">
-              <a:rPr lang="zh-TW" altLang="en-US" smtClean="0"/>
-              <a:t>18</a:t>
-            </a:fld>
-            <a:endParaRPr lang="zh-TW" altLang="en-US"/>
-          </a:p>
-        </p:txBody>
-      </p:sp>
-    </p:spTree>
-    <p:extLst>
-      <p:ext uri="{BB962C8B-B14F-4D97-AF65-F5344CB8AC3E}">
-        <p14:creationId xmlns:p14="http://schemas.microsoft.com/office/powerpoint/2010/main" val="1541052724"/>
-      </p:ext>
-    </p:extLst>
-  </p:cSld>
-  <p:clrMapOvr>
-    <a:masterClrMapping/>
-  </p:clrMapOvr>
-</p:sld>
-</file>
-
-<file path=ppt/slides/slide19.xml><?xml version="1.0" encoding="utf-8"?>
-<p:sld xmlns:a="http://schemas.openxmlformats.org/drawingml/2006/main" xmlns:r="http://schemas.openxmlformats.org/officeDocument/2006/relationships" xmlns:p="http://schemas.openxmlformats.org/presentationml/2006/main">
-  <p:cSld>
-    <p:spTree>
-      <p:nvGrpSpPr>
-        <p:cNvPr id="1" name=""/>
-        <p:cNvGrpSpPr/>
-        <p:nvPr/>
-      </p:nvGrpSpPr>
-      <p:grpSpPr>
-        <a:xfrm>
-          <a:off x="0" y="0"/>
-          <a:ext cx="0" cy="0"/>
-          <a:chOff x="0" y="0"/>
-          <a:chExt cx="0" cy="0"/>
-        </a:xfrm>
-      </p:grpSpPr>
-      <p:sp>
-        <p:nvSpPr>
-          <p:cNvPr id="2" name="標題 1">
-            <a:extLst>
-              <a:ext uri="{FF2B5EF4-FFF2-40B4-BE49-F238E27FC236}">
-                <a16:creationId xmlns:a16="http://schemas.microsoft.com/office/drawing/2014/main" id="{B7DB5FDF-E9A2-4D3D-ACF8-CEFDE567ED4E}"/>
-              </a:ext>
-            </a:extLst>
-          </p:cNvPr>
-          <p:cNvSpPr>
-            <a:spLocks noGrp="1"/>
-          </p:cNvSpPr>
-          <p:nvPr>
-            <p:ph type="title"/>
-          </p:nvPr>
-        </p:nvSpPr>
-        <p:spPr/>
-        <p:txBody>
-          <a:bodyPr/>
-          <a:lstStyle/>
-          <a:p>
-            <a:r>
-              <a:rPr lang="en-US" altLang="zh-TW" dirty="0"/>
-              <a:t>Conclusion</a:t>
-            </a:r>
-            <a:endParaRPr lang="zh-TW" altLang="en-US" dirty="0"/>
-          </a:p>
-        </p:txBody>
-      </p:sp>
-      <p:sp>
-        <p:nvSpPr>
-          <p:cNvPr id="3" name="內容版面配置區 2">
-            <a:extLst>
-              <a:ext uri="{FF2B5EF4-FFF2-40B4-BE49-F238E27FC236}">
-                <a16:creationId xmlns:a16="http://schemas.microsoft.com/office/drawing/2014/main" id="{24BC7DE2-9247-4111-B9E4-01812FC553D6}"/>
-              </a:ext>
-            </a:extLst>
-          </p:cNvPr>
-          <p:cNvSpPr>
-            <a:spLocks noGrp="1"/>
-          </p:cNvSpPr>
-          <p:nvPr>
-            <p:ph idx="1"/>
-          </p:nvPr>
-        </p:nvSpPr>
-        <p:spPr/>
-        <p:txBody>
-          <a:bodyPr/>
-          <a:lstStyle/>
-          <a:p>
-            <a:r>
-              <a:rPr lang="en-US" altLang="zh-TW" dirty="0"/>
-              <a:t>In this paper, two architectures are proposed to realize a BLE-based multi-GW network infrastructure that is able to provide bidirectional connectivity to mobile BLE peripherals. </a:t>
-            </a:r>
-          </a:p>
-          <a:p>
-            <a:endParaRPr lang="en-US" altLang="zh-TW" dirty="0"/>
-          </a:p>
-          <a:p>
-            <a:r>
-              <a:rPr lang="en-US" altLang="zh-TW" dirty="0"/>
-              <a:t>The IP based architecture offers seamless end-to-end IP connectivity between a mobile BLE peripheral and an existing IP network. It limits custom implementation needs, but requires more resources from the already constrained mobile BLE peripheral. </a:t>
-            </a:r>
-            <a:endParaRPr lang="zh-TW" altLang="en-US" dirty="0"/>
-          </a:p>
-        </p:txBody>
-      </p:sp>
-      <p:sp>
-        <p:nvSpPr>
-          <p:cNvPr id="4" name="投影片編號版面配置區 3">
-            <a:extLst>
-              <a:ext uri="{FF2B5EF4-FFF2-40B4-BE49-F238E27FC236}">
-                <a16:creationId xmlns:a16="http://schemas.microsoft.com/office/drawing/2014/main" id="{1897B375-7AA8-4235-9A04-A251C8228EE1}"/>
-              </a:ext>
-            </a:extLst>
-          </p:cNvPr>
-          <p:cNvSpPr>
-            <a:spLocks noGrp="1"/>
-          </p:cNvSpPr>
-          <p:nvPr>
-            <p:ph type="sldNum" sz="quarter" idx="12"/>
-          </p:nvPr>
-        </p:nvSpPr>
-        <p:spPr/>
-        <p:txBody>
-          <a:bodyPr/>
-          <a:lstStyle/>
-          <a:p>
-            <a:fld id="{50029C49-A5A9-4A95-8BF0-94F73808DB5F}" type="slidenum">
-              <a:rPr lang="zh-TW" altLang="en-US" smtClean="0"/>
-              <a:t>19</a:t>
-            </a:fld>
-            <a:endParaRPr lang="zh-TW" altLang="en-US"/>
-          </a:p>
-        </p:txBody>
-      </p:sp>
-    </p:spTree>
-    <p:extLst>
-      <p:ext uri="{BB962C8B-B14F-4D97-AF65-F5344CB8AC3E}">
-        <p14:creationId xmlns:p14="http://schemas.microsoft.com/office/powerpoint/2010/main" val="3047592953"/>
-      </p:ext>
-    </p:extLst>
-  </p:cSld>
-  <p:clrMapOvr>
-    <a:masterClrMapping/>
-  </p:clrMapOvr>
-</p:sld>
-</file>
-
-<file path=ppt/slides/slide2.xml><?xml version="1.0" encoding="utf-8"?>
-<p:sld xmlns:a="http://schemas.openxmlformats.org/drawingml/2006/main" xmlns:r="http://schemas.openxmlformats.org/officeDocument/2006/relationships" xmlns:p="http://schemas.openxmlformats.org/presentationml/2006/main">
-  <p:cSld>
-    <p:spTree>
-      <p:nvGrpSpPr>
-        <p:cNvPr id="1" name=""/>
-        <p:cNvGrpSpPr/>
-        <p:nvPr/>
-      </p:nvGrpSpPr>
-      <p:grpSpPr>
-        <a:xfrm>
-          <a:off x="0" y="0"/>
-          <a:ext cx="0" cy="0"/>
-          <a:chOff x="0" y="0"/>
-          <a:chExt cx="0" cy="0"/>
-        </a:xfrm>
-      </p:grpSpPr>
-      <p:sp>
-        <p:nvSpPr>
-          <p:cNvPr id="2" name="標題 1">
-            <a:extLst>
-              <a:ext uri="{FF2B5EF4-FFF2-40B4-BE49-F238E27FC236}">
-                <a16:creationId xmlns:a16="http://schemas.microsoft.com/office/drawing/2014/main" id="{374CC6A4-7D80-460A-B3B0-D78C7AA4B278}"/>
-              </a:ext>
-            </a:extLst>
-          </p:cNvPr>
-          <p:cNvSpPr>
-            <a:spLocks noGrp="1"/>
-          </p:cNvSpPr>
-          <p:nvPr>
-            <p:ph type="title"/>
-          </p:nvPr>
-        </p:nvSpPr>
-        <p:spPr/>
-        <p:txBody>
-          <a:bodyPr/>
-          <a:lstStyle/>
-          <a:p>
-            <a:r>
-              <a:rPr lang="en-US" altLang="zh-TW" dirty="0"/>
-              <a:t>Outline</a:t>
-            </a:r>
-            <a:endParaRPr lang="zh-TW" altLang="en-US" dirty="0"/>
-          </a:p>
-        </p:txBody>
-      </p:sp>
-      <p:sp>
-        <p:nvSpPr>
-          <p:cNvPr id="3" name="內容版面配置區 2">
-            <a:extLst>
-              <a:ext uri="{FF2B5EF4-FFF2-40B4-BE49-F238E27FC236}">
-                <a16:creationId xmlns:a16="http://schemas.microsoft.com/office/drawing/2014/main" id="{E4C02B56-07BF-448C-BE47-03D13CE393B5}"/>
-              </a:ext>
-            </a:extLst>
-          </p:cNvPr>
-          <p:cNvSpPr>
-            <a:spLocks noGrp="1"/>
-          </p:cNvSpPr>
-          <p:nvPr>
-            <p:ph idx="1"/>
-          </p:nvPr>
-        </p:nvSpPr>
-        <p:spPr/>
-        <p:txBody>
-          <a:bodyPr>
-            <a:normAutofit lnSpcReduction="10000"/>
-          </a:bodyPr>
-          <a:lstStyle/>
-          <a:p>
-            <a:r>
-              <a:rPr lang="en-US" altLang="zh-TW" dirty="0"/>
-              <a:t>Introduction</a:t>
-            </a:r>
-          </a:p>
-          <a:p>
-            <a:r>
-              <a:rPr lang="en-US" altLang="zh-TW" dirty="0"/>
-              <a:t>Primer on BLE and BLE over IPv6</a:t>
-            </a:r>
-          </a:p>
-          <a:p>
-            <a:r>
-              <a:rPr lang="en-US" altLang="zh-TW" dirty="0"/>
-              <a:t>Related work</a:t>
-            </a:r>
-          </a:p>
-          <a:p>
-            <a:r>
-              <a:rPr lang="en-US" altLang="zh-TW" dirty="0"/>
-              <a:t>A BLE-based multi-Gateway network infrastructure</a:t>
-            </a:r>
-          </a:p>
-          <a:p>
-            <a:r>
-              <a:rPr lang="en-US" altLang="zh-TW" dirty="0"/>
-              <a:t>Handover approaches</a:t>
-            </a:r>
-          </a:p>
-          <a:p>
-            <a:r>
-              <a:rPr lang="en-US" altLang="zh-TW" dirty="0"/>
-              <a:t>Implementation details</a:t>
-            </a:r>
-          </a:p>
-          <a:p>
-            <a:r>
-              <a:rPr lang="en-US" altLang="zh-TW" dirty="0"/>
-              <a:t>Evaluation</a:t>
-            </a:r>
-          </a:p>
-          <a:p>
-            <a:r>
-              <a:rPr lang="en-US" altLang="zh-TW" dirty="0"/>
-              <a:t>Conclusion</a:t>
-            </a:r>
-          </a:p>
-          <a:p>
-            <a:r>
-              <a:rPr lang="en-US" altLang="zh-TW" dirty="0"/>
-              <a:t>References</a:t>
-            </a:r>
-          </a:p>
-          <a:p>
-            <a:endParaRPr lang="zh-TW" altLang="en-US" dirty="0"/>
-          </a:p>
-        </p:txBody>
-      </p:sp>
-      <p:sp>
-        <p:nvSpPr>
-          <p:cNvPr id="4" name="投影片編號版面配置區 3">
-            <a:extLst>
-              <a:ext uri="{FF2B5EF4-FFF2-40B4-BE49-F238E27FC236}">
-                <a16:creationId xmlns:a16="http://schemas.microsoft.com/office/drawing/2014/main" id="{54C0367C-91A7-428B-B46E-60D3CE76CC93}"/>
-              </a:ext>
-            </a:extLst>
-          </p:cNvPr>
-          <p:cNvSpPr>
-            <a:spLocks noGrp="1"/>
-          </p:cNvSpPr>
-          <p:nvPr>
-            <p:ph type="sldNum" sz="quarter" idx="12"/>
-          </p:nvPr>
-        </p:nvSpPr>
-        <p:spPr/>
-        <p:txBody>
-          <a:bodyPr/>
-          <a:lstStyle/>
-          <a:p>
-            <a:fld id="{50029C49-A5A9-4A95-8BF0-94F73808DB5F}" type="slidenum">
-              <a:rPr lang="zh-TW" altLang="en-US" smtClean="0"/>
-              <a:t>2</a:t>
-            </a:fld>
-            <a:endParaRPr lang="zh-TW" altLang="en-US"/>
-          </a:p>
-        </p:txBody>
-      </p:sp>
-    </p:spTree>
-    <p:extLst>
-      <p:ext uri="{BB962C8B-B14F-4D97-AF65-F5344CB8AC3E}">
-        <p14:creationId xmlns:p14="http://schemas.microsoft.com/office/powerpoint/2010/main" val="1051466082"/>
-      </p:ext>
-    </p:extLst>
-  </p:cSld>
-  <p:clrMapOvr>
-    <a:masterClrMapping/>
-  </p:clrMapOvr>
-</p:sld>
-</file>
-
-<file path=ppt/slides/slide20.xml><?xml version="1.0" encoding="utf-8"?>
-<p:sld xmlns:a="http://schemas.openxmlformats.org/drawingml/2006/main" xmlns:r="http://schemas.openxmlformats.org/officeDocument/2006/relationships" xmlns:p="http://schemas.openxmlformats.org/presentationml/2006/main">
-  <p:cSld>
-    <p:spTree>
-      <p:nvGrpSpPr>
-        <p:cNvPr id="1" name=""/>
-        <p:cNvGrpSpPr/>
-        <p:nvPr/>
-      </p:nvGrpSpPr>
-      <p:grpSpPr>
-        <a:xfrm>
-          <a:off x="0" y="0"/>
-          <a:ext cx="0" cy="0"/>
-          <a:chOff x="0" y="0"/>
-          <a:chExt cx="0" cy="0"/>
-        </a:xfrm>
-      </p:grpSpPr>
-      <p:sp>
-        <p:nvSpPr>
-          <p:cNvPr id="2" name="標題 1">
-            <a:extLst>
-              <a:ext uri="{FF2B5EF4-FFF2-40B4-BE49-F238E27FC236}">
-                <a16:creationId xmlns:a16="http://schemas.microsoft.com/office/drawing/2014/main" id="{B7DB5FDF-E9A2-4D3D-ACF8-CEFDE567ED4E}"/>
-              </a:ext>
-            </a:extLst>
-          </p:cNvPr>
-          <p:cNvSpPr>
-            <a:spLocks noGrp="1"/>
-          </p:cNvSpPr>
-          <p:nvPr>
-            <p:ph type="title"/>
-          </p:nvPr>
-        </p:nvSpPr>
-        <p:spPr/>
-        <p:txBody>
-          <a:bodyPr/>
-          <a:lstStyle/>
-          <a:p>
-            <a:r>
-              <a:rPr lang="en-US" altLang="zh-TW" dirty="0"/>
-              <a:t>Conclusion(cont’d)</a:t>
-            </a:r>
-            <a:endParaRPr lang="zh-TW" altLang="en-US" dirty="0"/>
-          </a:p>
-        </p:txBody>
-      </p:sp>
-      <p:sp>
-        <p:nvSpPr>
-          <p:cNvPr id="3" name="內容版面配置區 2">
-            <a:extLst>
-              <a:ext uri="{FF2B5EF4-FFF2-40B4-BE49-F238E27FC236}">
-                <a16:creationId xmlns:a16="http://schemas.microsoft.com/office/drawing/2014/main" id="{24BC7DE2-9247-4111-B9E4-01812FC553D6}"/>
-              </a:ext>
-            </a:extLst>
-          </p:cNvPr>
-          <p:cNvSpPr>
-            <a:spLocks noGrp="1"/>
-          </p:cNvSpPr>
-          <p:nvPr>
-            <p:ph idx="1"/>
-          </p:nvPr>
-        </p:nvSpPr>
-        <p:spPr/>
-        <p:txBody>
-          <a:bodyPr/>
-          <a:lstStyle/>
-          <a:p>
-            <a:r>
-              <a:rPr lang="en-US" altLang="zh-TW" dirty="0"/>
-              <a:t>The non-IP based architecture requires less resources from the BLE peripheral as it employs native BLE communication towards the IoT gateway. However, custom implementation needs are much higher, as a dedicated controller is introduced within the existing network that needs to maintain the state of the infrastructure and the currently associated mobile BLE devices.</a:t>
-            </a:r>
-          </a:p>
-          <a:p>
-            <a:endParaRPr lang="en-US" altLang="zh-TW" dirty="0"/>
-          </a:p>
-          <a:p>
-            <a:endParaRPr lang="zh-TW" altLang="en-US" dirty="0"/>
-          </a:p>
-        </p:txBody>
-      </p:sp>
-      <p:sp>
-        <p:nvSpPr>
-          <p:cNvPr id="4" name="投影片編號版面配置區 3">
-            <a:extLst>
-              <a:ext uri="{FF2B5EF4-FFF2-40B4-BE49-F238E27FC236}">
-                <a16:creationId xmlns:a16="http://schemas.microsoft.com/office/drawing/2014/main" id="{3027A15A-810A-49CD-86D5-0BC2EF69CCF7}"/>
-              </a:ext>
-            </a:extLst>
-          </p:cNvPr>
-          <p:cNvSpPr>
-            <a:spLocks noGrp="1"/>
-          </p:cNvSpPr>
-          <p:nvPr>
-            <p:ph type="sldNum" sz="quarter" idx="12"/>
-          </p:nvPr>
-        </p:nvSpPr>
-        <p:spPr/>
-        <p:txBody>
-          <a:bodyPr/>
-          <a:lstStyle/>
-          <a:p>
-            <a:fld id="{50029C49-A5A9-4A95-8BF0-94F73808DB5F}" type="slidenum">
-              <a:rPr lang="zh-TW" altLang="en-US" smtClean="0"/>
-              <a:t>20</a:t>
-            </a:fld>
-            <a:endParaRPr lang="zh-TW" altLang="en-US"/>
-          </a:p>
-        </p:txBody>
-      </p:sp>
-    </p:spTree>
-    <p:extLst>
-      <p:ext uri="{BB962C8B-B14F-4D97-AF65-F5344CB8AC3E}">
-        <p14:creationId xmlns:p14="http://schemas.microsoft.com/office/powerpoint/2010/main" val="4005318741"/>
-      </p:ext>
-    </p:extLst>
-  </p:cSld>
-  <p:clrMapOvr>
-    <a:masterClrMapping/>
-  </p:clrMapOvr>
-</p:sld>
-</file>
-
-<file path=ppt/slides/slide21.xml><?xml version="1.0" encoding="utf-8"?>
-<p:sld xmlns:a="http://schemas.openxmlformats.org/drawingml/2006/main" xmlns:r="http://schemas.openxmlformats.org/officeDocument/2006/relationships" xmlns:p="http://schemas.openxmlformats.org/presentationml/2006/main">
-  <p:cSld>
-    <p:spTree>
-      <p:nvGrpSpPr>
-        <p:cNvPr id="1" name=""/>
-        <p:cNvGrpSpPr/>
-        <p:nvPr/>
-      </p:nvGrpSpPr>
-      <p:grpSpPr>
-        <a:xfrm>
-          <a:off x="0" y="0"/>
-          <a:ext cx="0" cy="0"/>
-          <a:chOff x="0" y="0"/>
-          <a:chExt cx="0" cy="0"/>
-        </a:xfrm>
-      </p:grpSpPr>
-      <p:sp>
-        <p:nvSpPr>
-          <p:cNvPr id="2" name="標題 1">
-            <a:extLst>
-              <a:ext uri="{FF2B5EF4-FFF2-40B4-BE49-F238E27FC236}">
-                <a16:creationId xmlns:a16="http://schemas.microsoft.com/office/drawing/2014/main" id="{B7DB5FDF-E9A2-4D3D-ACF8-CEFDE567ED4E}"/>
-              </a:ext>
-            </a:extLst>
-          </p:cNvPr>
-          <p:cNvSpPr>
-            <a:spLocks noGrp="1"/>
-          </p:cNvSpPr>
-          <p:nvPr>
-            <p:ph type="title"/>
-          </p:nvPr>
-        </p:nvSpPr>
-        <p:spPr/>
-        <p:txBody>
-          <a:bodyPr/>
-          <a:lstStyle/>
-          <a:p>
-            <a:r>
-              <a:rPr lang="en-US" altLang="zh-TW" dirty="0"/>
-              <a:t>Conclusion(cont’d)</a:t>
-            </a:r>
-            <a:endParaRPr lang="zh-TW" altLang="en-US" dirty="0"/>
-          </a:p>
-        </p:txBody>
-      </p:sp>
-      <p:sp>
-        <p:nvSpPr>
-          <p:cNvPr id="3" name="內容版面配置區 2">
-            <a:extLst>
-              <a:ext uri="{FF2B5EF4-FFF2-40B4-BE49-F238E27FC236}">
-                <a16:creationId xmlns:a16="http://schemas.microsoft.com/office/drawing/2014/main" id="{24BC7DE2-9247-4111-B9E4-01812FC553D6}"/>
-              </a:ext>
-            </a:extLst>
-          </p:cNvPr>
-          <p:cNvSpPr>
-            <a:spLocks noGrp="1"/>
-          </p:cNvSpPr>
-          <p:nvPr>
-            <p:ph idx="1"/>
-          </p:nvPr>
-        </p:nvSpPr>
-        <p:spPr/>
-        <p:txBody>
-          <a:bodyPr>
-            <a:normAutofit/>
-          </a:bodyPr>
-          <a:lstStyle/>
-          <a:p>
-            <a:r>
-              <a:rPr lang="en-US" altLang="zh-TW" dirty="0"/>
-              <a:t>Next to this, two approaches are considered to perform handover within these solutions. </a:t>
-            </a:r>
-          </a:p>
-          <a:p>
-            <a:endParaRPr lang="en-US" altLang="zh-TW" dirty="0"/>
-          </a:p>
-          <a:p>
-            <a:r>
-              <a:rPr lang="en-US" altLang="zh-TW" dirty="0"/>
-              <a:t>The passive handover approach does not need any extra implementation, but the handover latency can become quite high and a bad BLE connection is still maintained even if a better alternative GW is avail-able nearby. </a:t>
-            </a:r>
-          </a:p>
-        </p:txBody>
-      </p:sp>
-      <p:sp>
-        <p:nvSpPr>
-          <p:cNvPr id="4" name="投影片編號版面配置區 3">
-            <a:extLst>
-              <a:ext uri="{FF2B5EF4-FFF2-40B4-BE49-F238E27FC236}">
-                <a16:creationId xmlns:a16="http://schemas.microsoft.com/office/drawing/2014/main" id="{F64AC039-730F-4EC0-B242-E7D527FA3228}"/>
-              </a:ext>
-            </a:extLst>
-          </p:cNvPr>
-          <p:cNvSpPr>
-            <a:spLocks noGrp="1"/>
-          </p:cNvSpPr>
-          <p:nvPr>
-            <p:ph type="sldNum" sz="quarter" idx="12"/>
-          </p:nvPr>
-        </p:nvSpPr>
-        <p:spPr/>
-        <p:txBody>
-          <a:bodyPr/>
-          <a:lstStyle/>
-          <a:p>
-            <a:fld id="{50029C49-A5A9-4A95-8BF0-94F73808DB5F}" type="slidenum">
-              <a:rPr lang="zh-TW" altLang="en-US" smtClean="0"/>
-              <a:t>21</a:t>
-            </a:fld>
-            <a:endParaRPr lang="zh-TW" altLang="en-US"/>
-          </a:p>
-        </p:txBody>
-      </p:sp>
-    </p:spTree>
-    <p:extLst>
-      <p:ext uri="{BB962C8B-B14F-4D97-AF65-F5344CB8AC3E}">
-        <p14:creationId xmlns:p14="http://schemas.microsoft.com/office/powerpoint/2010/main" val="1788803111"/>
-      </p:ext>
-    </p:extLst>
-  </p:cSld>
-  <p:clrMapOvr>
-    <a:masterClrMapping/>
-  </p:clrMapOvr>
-</p:sld>
-</file>
-
-<file path=ppt/slides/slide22.xml><?xml version="1.0" encoding="utf-8"?>
-<p:sld xmlns:a="http://schemas.openxmlformats.org/drawingml/2006/main" xmlns:r="http://schemas.openxmlformats.org/officeDocument/2006/relationships" xmlns:p="http://schemas.openxmlformats.org/presentationml/2006/main">
-  <p:cSld>
-    <p:spTree>
-      <p:nvGrpSpPr>
-        <p:cNvPr id="1" name=""/>
-        <p:cNvGrpSpPr/>
-        <p:nvPr/>
-      </p:nvGrpSpPr>
-      <p:grpSpPr>
-        <a:xfrm>
-          <a:off x="0" y="0"/>
-          <a:ext cx="0" cy="0"/>
-          <a:chOff x="0" y="0"/>
-          <a:chExt cx="0" cy="0"/>
-        </a:xfrm>
-      </p:grpSpPr>
-      <p:sp>
-        <p:nvSpPr>
-          <p:cNvPr id="2" name="標題 1">
-            <a:extLst>
-              <a:ext uri="{FF2B5EF4-FFF2-40B4-BE49-F238E27FC236}">
-                <a16:creationId xmlns:a16="http://schemas.microsoft.com/office/drawing/2014/main" id="{B7DB5FDF-E9A2-4D3D-ACF8-CEFDE567ED4E}"/>
-              </a:ext>
-            </a:extLst>
-          </p:cNvPr>
-          <p:cNvSpPr>
-            <a:spLocks noGrp="1"/>
-          </p:cNvSpPr>
-          <p:nvPr>
-            <p:ph type="title"/>
-          </p:nvPr>
-        </p:nvSpPr>
-        <p:spPr/>
-        <p:txBody>
-          <a:bodyPr/>
-          <a:lstStyle/>
-          <a:p>
-            <a:r>
-              <a:rPr lang="en-US" altLang="zh-TW" dirty="0"/>
-              <a:t>Conclusion(cont’d)</a:t>
-            </a:r>
-            <a:endParaRPr lang="zh-TW" altLang="en-US" dirty="0"/>
-          </a:p>
-        </p:txBody>
-      </p:sp>
-      <p:sp>
-        <p:nvSpPr>
-          <p:cNvPr id="3" name="內容版面配置區 2">
-            <a:extLst>
-              <a:ext uri="{FF2B5EF4-FFF2-40B4-BE49-F238E27FC236}">
-                <a16:creationId xmlns:a16="http://schemas.microsoft.com/office/drawing/2014/main" id="{24BC7DE2-9247-4111-B9E4-01812FC553D6}"/>
-              </a:ext>
-            </a:extLst>
-          </p:cNvPr>
-          <p:cNvSpPr>
-            <a:spLocks noGrp="1"/>
-          </p:cNvSpPr>
-          <p:nvPr>
-            <p:ph idx="1"/>
-          </p:nvPr>
-        </p:nvSpPr>
-        <p:spPr/>
-        <p:txBody>
-          <a:bodyPr>
-            <a:normAutofit/>
-          </a:bodyPr>
-          <a:lstStyle/>
-          <a:p>
-            <a:r>
-              <a:rPr lang="en-US" altLang="zh-TW" dirty="0"/>
-              <a:t>Active handover offers a solution by proactively terminating a bad connection when a better alternative GW is available. As such, it can limit the handover latency. Asa downside, this approach requires more extensive custom implementation, implies a higher energy consumption and can limit the available throughput.</a:t>
-            </a:r>
-            <a:endParaRPr lang="zh-TW" altLang="en-US" dirty="0"/>
-          </a:p>
-        </p:txBody>
-      </p:sp>
-      <p:sp>
-        <p:nvSpPr>
-          <p:cNvPr id="4" name="投影片編號版面配置區 3">
-            <a:extLst>
-              <a:ext uri="{FF2B5EF4-FFF2-40B4-BE49-F238E27FC236}">
-                <a16:creationId xmlns:a16="http://schemas.microsoft.com/office/drawing/2014/main" id="{BFA29D48-9BE9-44B6-B04F-E6E702DC41D9}"/>
-              </a:ext>
-            </a:extLst>
-          </p:cNvPr>
-          <p:cNvSpPr>
-            <a:spLocks noGrp="1"/>
-          </p:cNvSpPr>
-          <p:nvPr>
-            <p:ph type="sldNum" sz="quarter" idx="12"/>
-          </p:nvPr>
-        </p:nvSpPr>
-        <p:spPr/>
-        <p:txBody>
-          <a:bodyPr/>
-          <a:lstStyle/>
-          <a:p>
-            <a:fld id="{50029C49-A5A9-4A95-8BF0-94F73808DB5F}" type="slidenum">
-              <a:rPr lang="zh-TW" altLang="en-US" smtClean="0"/>
-              <a:t>22</a:t>
-            </a:fld>
-            <a:endParaRPr lang="zh-TW" altLang="en-US"/>
-          </a:p>
-        </p:txBody>
-      </p:sp>
-    </p:spTree>
-    <p:extLst>
-      <p:ext uri="{BB962C8B-B14F-4D97-AF65-F5344CB8AC3E}">
-        <p14:creationId xmlns:p14="http://schemas.microsoft.com/office/powerpoint/2010/main" val="493870139"/>
-      </p:ext>
-    </p:extLst>
-  </p:cSld>
-  <p:clrMapOvr>
-    <a:masterClrMapping/>
-  </p:clrMapOvr>
-</p:sld>
-</file>
-
-<file path=ppt/slides/slide23.xml><?xml version="1.0" encoding="utf-8"?>
-<p:sld xmlns:a="http://schemas.openxmlformats.org/drawingml/2006/main" xmlns:r="http://schemas.openxmlformats.org/officeDocument/2006/relationships" xmlns:p="http://schemas.openxmlformats.org/presentationml/2006/main">
-  <p:cSld>
-    <p:spTree>
-      <p:nvGrpSpPr>
-        <p:cNvPr id="1" name=""/>
-        <p:cNvGrpSpPr/>
-        <p:nvPr/>
-      </p:nvGrpSpPr>
-      <p:grpSpPr>
-        <a:xfrm>
-          <a:off x="0" y="0"/>
-          <a:ext cx="0" cy="0"/>
-          <a:chOff x="0" y="0"/>
-          <a:chExt cx="0" cy="0"/>
-        </a:xfrm>
-      </p:grpSpPr>
-      <p:sp>
-        <p:nvSpPr>
-          <p:cNvPr id="2" name="標題 1">
-            <a:extLst>
-              <a:ext uri="{FF2B5EF4-FFF2-40B4-BE49-F238E27FC236}">
-                <a16:creationId xmlns:a16="http://schemas.microsoft.com/office/drawing/2014/main" id="{66BD44E2-EFFF-43D9-A213-DE501B575689}"/>
-              </a:ext>
-            </a:extLst>
-          </p:cNvPr>
-          <p:cNvSpPr>
-            <a:spLocks noGrp="1"/>
-          </p:cNvSpPr>
-          <p:nvPr>
-            <p:ph type="title"/>
-          </p:nvPr>
-        </p:nvSpPr>
-        <p:spPr/>
-        <p:txBody>
-          <a:bodyPr/>
-          <a:lstStyle/>
-          <a:p>
-            <a:r>
-              <a:rPr lang="en-US" altLang="zh-TW" dirty="0"/>
-              <a:t>References</a:t>
-            </a:r>
-            <a:endParaRPr lang="zh-TW" altLang="en-US" dirty="0"/>
-          </a:p>
-        </p:txBody>
-      </p:sp>
-      <p:sp>
-        <p:nvSpPr>
-          <p:cNvPr id="3" name="內容版面配置區 2">
-            <a:extLst>
-              <a:ext uri="{FF2B5EF4-FFF2-40B4-BE49-F238E27FC236}">
-                <a16:creationId xmlns:a16="http://schemas.microsoft.com/office/drawing/2014/main" id="{6C6870F8-5E25-41B8-BDBD-DC2867167899}"/>
-              </a:ext>
-            </a:extLst>
-          </p:cNvPr>
-          <p:cNvSpPr>
-            <a:spLocks noGrp="1"/>
-          </p:cNvSpPr>
-          <p:nvPr>
-            <p:ph idx="1"/>
-          </p:nvPr>
-        </p:nvSpPr>
-        <p:spPr/>
-        <p:txBody>
-          <a:bodyPr>
-            <a:normAutofit/>
-          </a:bodyPr>
-          <a:lstStyle/>
-          <a:p>
-            <a:r>
-              <a:rPr lang="en-US" altLang="zh-TW" sz="2000" dirty="0"/>
-              <a:t>Mathias </a:t>
-            </a:r>
-            <a:r>
-              <a:rPr lang="en-US" altLang="zh-TW" sz="2000" dirty="0" err="1"/>
-              <a:t>Baert</a:t>
-            </a:r>
-            <a:r>
-              <a:rPr lang="en-US" altLang="zh-TW" sz="2000" dirty="0"/>
-              <a:t>, </a:t>
-            </a:r>
-            <a:r>
-              <a:rPr lang="en-US" altLang="zh-TW" sz="2000" dirty="0" err="1"/>
-              <a:t>Pieterjan</a:t>
-            </a:r>
-            <a:r>
-              <a:rPr lang="en-US" altLang="zh-TW" sz="2000" dirty="0"/>
-              <a:t> </a:t>
-            </a:r>
-            <a:r>
-              <a:rPr lang="en-US" altLang="zh-TW" sz="2000" dirty="0" err="1"/>
-              <a:t>Camerlynck</a:t>
-            </a:r>
-            <a:r>
-              <a:rPr lang="en-US" altLang="zh-TW" sz="2000" dirty="0"/>
-              <a:t>, Pieter </a:t>
-            </a:r>
-            <a:r>
-              <a:rPr lang="en-US" altLang="zh-TW" sz="2000" dirty="0" err="1"/>
-              <a:t>Crombez</a:t>
-            </a:r>
-            <a:r>
-              <a:rPr lang="en-US" altLang="zh-TW" sz="2000" dirty="0"/>
-              <a:t>, Jeroen </a:t>
-            </a:r>
-            <a:r>
-              <a:rPr lang="en-US" altLang="zh-TW" sz="2000" dirty="0" err="1"/>
-              <a:t>Hoebeke</a:t>
-            </a:r>
-            <a:r>
-              <a:rPr lang="en-US" altLang="zh-TW" sz="2000" dirty="0"/>
-              <a:t>, “A BLE-Based Multi-Gateway Network Infrastructure with Handover Support for Mobile BLE Peripherals” </a:t>
-            </a:r>
-            <a:r>
-              <a:rPr lang="en-US" altLang="zh-TW" sz="2000" i="1" dirty="0"/>
-              <a:t>in IEEE </a:t>
-            </a:r>
-            <a:r>
-              <a:rPr lang="en-US" altLang="zh-TW" sz="2000" i="1" dirty="0" err="1"/>
-              <a:t>Internatonal</a:t>
-            </a:r>
-            <a:r>
-              <a:rPr lang="en-US" altLang="zh-TW" sz="2000" i="1" dirty="0"/>
-              <a:t> Conference on Mobile </a:t>
-            </a:r>
-            <a:r>
-              <a:rPr lang="en-US" altLang="zh-TW" sz="2000" i="1" dirty="0" err="1"/>
-              <a:t>Adhoc</a:t>
-            </a:r>
-            <a:r>
-              <a:rPr lang="en-US" altLang="zh-TW" sz="2000" i="1" dirty="0"/>
-              <a:t> and Sensor Systems (IEEE MASS 2019) </a:t>
-            </a:r>
-            <a:r>
-              <a:rPr lang="en-US" altLang="zh-TW" sz="2000" dirty="0"/>
-              <a:t>, DOI: 10.1109/MASS.2019.00020</a:t>
-            </a:r>
-          </a:p>
-          <a:p>
-            <a:r>
-              <a:rPr lang="en-US" altLang="zh-TW" sz="2000" dirty="0"/>
-              <a:t>M. </a:t>
-            </a:r>
-            <a:r>
-              <a:rPr lang="en-US" altLang="zh-TW" sz="2000" dirty="0" err="1"/>
-              <a:t>Nikodem</a:t>
-            </a:r>
-            <a:r>
-              <a:rPr lang="en-US" altLang="zh-TW" sz="2000" dirty="0"/>
-              <a:t>, M. </a:t>
-            </a:r>
-            <a:r>
-              <a:rPr lang="en-US" altLang="zh-TW" sz="2000" dirty="0" err="1"/>
-              <a:t>Bawiec</a:t>
-            </a:r>
-            <a:r>
-              <a:rPr lang="en-US" altLang="zh-TW" sz="2000" dirty="0"/>
-              <a:t>, “Experimental Evaluation of Advertisement-Based Bluetooth Low Energy Communication”, </a:t>
-            </a:r>
-            <a:r>
-              <a:rPr lang="en-US" altLang="zh-TW" sz="2000" i="1" dirty="0"/>
-              <a:t>MDPI Sensors 2020</a:t>
-            </a:r>
-            <a:r>
-              <a:rPr lang="en-US" altLang="zh-TW" sz="2000" dirty="0"/>
-              <a:t>, DOI:10.3390/s20010107</a:t>
-            </a:r>
-            <a:endParaRPr lang="zh-TW" altLang="en-US" sz="2000" dirty="0"/>
-          </a:p>
-        </p:txBody>
-      </p:sp>
-      <p:sp>
-        <p:nvSpPr>
-          <p:cNvPr id="6" name="投影片編號版面配置區 5">
-            <a:extLst>
-              <a:ext uri="{FF2B5EF4-FFF2-40B4-BE49-F238E27FC236}">
-                <a16:creationId xmlns:a16="http://schemas.microsoft.com/office/drawing/2014/main" id="{41672078-55B6-4EB2-A2A0-2A4BDCC09FF1}"/>
-              </a:ext>
-            </a:extLst>
-          </p:cNvPr>
-          <p:cNvSpPr>
-            <a:spLocks noGrp="1"/>
-          </p:cNvSpPr>
-          <p:nvPr>
-            <p:ph type="sldNum" sz="quarter" idx="12"/>
-          </p:nvPr>
-        </p:nvSpPr>
-        <p:spPr/>
-        <p:txBody>
-          <a:bodyPr/>
-          <a:lstStyle/>
-          <a:p>
-            <a:fld id="{50029C49-A5A9-4A95-8BF0-94F73808DB5F}" type="slidenum">
-              <a:rPr lang="zh-TW" altLang="en-US" smtClean="0"/>
-              <a:t>23</a:t>
-            </a:fld>
-            <a:endParaRPr lang="zh-TW" altLang="en-US"/>
-          </a:p>
-        </p:txBody>
-      </p:sp>
-    </p:spTree>
-    <p:extLst>
-      <p:ext uri="{BB962C8B-B14F-4D97-AF65-F5344CB8AC3E}">
-        <p14:creationId xmlns:p14="http://schemas.microsoft.com/office/powerpoint/2010/main" val="2779116832"/>
-      </p:ext>
-    </p:extLst>
-  </p:cSld>
-  <p:clrMapOvr>
-    <a:masterClrMapping/>
-  </p:clrMapOvr>
-</p:sld>
-</file>
-
-<file path=ppt/slides/slide3.xml><?xml version="1.0" encoding="utf-8"?>
-<p:sld xmlns:a="http://schemas.openxmlformats.org/drawingml/2006/main" xmlns:r="http://schemas.openxmlformats.org/officeDocument/2006/relationships" xmlns:p="http://schemas.openxmlformats.org/presentationml/2006/main">
-  <p:cSld>
-    <p:spTree>
-      <p:nvGrpSpPr>
-        <p:cNvPr id="1" name=""/>
-        <p:cNvGrpSpPr/>
-        <p:nvPr/>
-      </p:nvGrpSpPr>
-      <p:grpSpPr>
-        <a:xfrm>
-          <a:off x="0" y="0"/>
-          <a:ext cx="0" cy="0"/>
-          <a:chOff x="0" y="0"/>
-          <a:chExt cx="0" cy="0"/>
-        </a:xfrm>
-      </p:grpSpPr>
-      <p:sp>
-        <p:nvSpPr>
-          <p:cNvPr id="2" name="標題 1">
-            <a:extLst>
-              <a:ext uri="{FF2B5EF4-FFF2-40B4-BE49-F238E27FC236}">
-                <a16:creationId xmlns:a16="http://schemas.microsoft.com/office/drawing/2014/main" id="{14B7E57E-D063-41EF-A857-5628A20B75BC}"/>
-              </a:ext>
-            </a:extLst>
-          </p:cNvPr>
-          <p:cNvSpPr>
-            <a:spLocks noGrp="1"/>
-          </p:cNvSpPr>
-          <p:nvPr>
-            <p:ph type="title"/>
-          </p:nvPr>
-        </p:nvSpPr>
-        <p:spPr/>
-        <p:txBody>
-          <a:bodyPr/>
-          <a:lstStyle/>
-          <a:p>
-            <a:r>
-              <a:rPr lang="en-US" altLang="zh-TW" dirty="0"/>
-              <a:t>Introduction</a:t>
-            </a:r>
-            <a:endParaRPr lang="zh-TW" altLang="en-US" dirty="0"/>
-          </a:p>
-        </p:txBody>
-      </p:sp>
-      <p:sp>
-        <p:nvSpPr>
-          <p:cNvPr id="3" name="內容版面配置區 2">
-            <a:extLst>
-              <a:ext uri="{FF2B5EF4-FFF2-40B4-BE49-F238E27FC236}">
-                <a16:creationId xmlns:a16="http://schemas.microsoft.com/office/drawing/2014/main" id="{E616DA40-9E29-4C7C-A28F-3857701A0286}"/>
-              </a:ext>
-            </a:extLst>
-          </p:cNvPr>
-          <p:cNvSpPr>
-            <a:spLocks noGrp="1"/>
-          </p:cNvSpPr>
-          <p:nvPr>
-            <p:ph idx="1"/>
-          </p:nvPr>
-        </p:nvSpPr>
-        <p:spPr/>
-        <p:txBody>
-          <a:bodyPr/>
-          <a:lstStyle/>
-          <a:p>
-            <a:endParaRPr lang="zh-TW" altLang="en-US" dirty="0"/>
-          </a:p>
-        </p:txBody>
-      </p:sp>
-      <p:sp>
-        <p:nvSpPr>
-          <p:cNvPr id="4" name="投影片編號版面配置區 3">
-            <a:extLst>
-              <a:ext uri="{FF2B5EF4-FFF2-40B4-BE49-F238E27FC236}">
-                <a16:creationId xmlns:a16="http://schemas.microsoft.com/office/drawing/2014/main" id="{69BF509B-CFE1-4421-99AF-8C1B621F1701}"/>
-              </a:ext>
-            </a:extLst>
-          </p:cNvPr>
-          <p:cNvSpPr>
-            <a:spLocks noGrp="1"/>
-          </p:cNvSpPr>
-          <p:nvPr>
-            <p:ph type="sldNum" sz="quarter" idx="12"/>
-          </p:nvPr>
-        </p:nvSpPr>
-        <p:spPr/>
-        <p:txBody>
-          <a:bodyPr/>
-          <a:lstStyle/>
-          <a:p>
-            <a:fld id="{50029C49-A5A9-4A95-8BF0-94F73808DB5F}" type="slidenum">
-              <a:rPr lang="zh-TW" altLang="en-US" smtClean="0"/>
-              <a:t>3</a:t>
-            </a:fld>
-            <a:endParaRPr lang="zh-TW" altLang="en-US"/>
-          </a:p>
-        </p:txBody>
-      </p:sp>
-    </p:spTree>
-    <p:extLst>
-      <p:ext uri="{BB962C8B-B14F-4D97-AF65-F5344CB8AC3E}">
-        <p14:creationId xmlns:p14="http://schemas.microsoft.com/office/powerpoint/2010/main" val="2374265362"/>
-      </p:ext>
-    </p:extLst>
-  </p:cSld>
-  <p:clrMapOvr>
-    <a:masterClrMapping/>
-  </p:clrMapOvr>
-</p:sld>
-</file>
-
-<file path=ppt/slides/slide4.xml><?xml version="1.0" encoding="utf-8"?>
-<p:sld xmlns:a="http://schemas.openxmlformats.org/drawingml/2006/main" xmlns:r="http://schemas.openxmlformats.org/officeDocument/2006/relationships" xmlns:p="http://schemas.openxmlformats.org/presentationml/2006/main">
-  <p:cSld>
-    <p:spTree>
-      <p:nvGrpSpPr>
-        <p:cNvPr id="1" name=""/>
-        <p:cNvGrpSpPr/>
-        <p:nvPr/>
-      </p:nvGrpSpPr>
-      <p:grpSpPr>
-        <a:xfrm>
-          <a:off x="0" y="0"/>
-          <a:ext cx="0" cy="0"/>
-          <a:chOff x="0" y="0"/>
-          <a:chExt cx="0" cy="0"/>
-        </a:xfrm>
-      </p:grpSpPr>
-      <p:sp>
-        <p:nvSpPr>
-          <p:cNvPr id="2" name="標題 1">
-            <a:extLst>
-              <a:ext uri="{FF2B5EF4-FFF2-40B4-BE49-F238E27FC236}">
-                <a16:creationId xmlns:a16="http://schemas.microsoft.com/office/drawing/2014/main" id="{14B7E57E-D063-41EF-A857-5628A20B75BC}"/>
-              </a:ext>
-            </a:extLst>
-          </p:cNvPr>
-          <p:cNvSpPr>
-            <a:spLocks noGrp="1"/>
-          </p:cNvSpPr>
-          <p:nvPr>
-            <p:ph type="title"/>
-          </p:nvPr>
-        </p:nvSpPr>
-        <p:spPr/>
-        <p:txBody>
-          <a:bodyPr/>
-          <a:lstStyle/>
-          <a:p>
-            <a:r>
-              <a:rPr lang="en-US" altLang="zh-TW" dirty="0"/>
-              <a:t>Primer on BLE and BLE over IPv6</a:t>
-            </a:r>
-          </a:p>
-        </p:txBody>
-      </p:sp>
-      <p:sp>
-        <p:nvSpPr>
-          <p:cNvPr id="3" name="內容版面配置區 2">
-            <a:extLst>
-              <a:ext uri="{FF2B5EF4-FFF2-40B4-BE49-F238E27FC236}">
-                <a16:creationId xmlns:a16="http://schemas.microsoft.com/office/drawing/2014/main" id="{E616DA40-9E29-4C7C-A28F-3857701A0286}"/>
-              </a:ext>
-            </a:extLst>
-          </p:cNvPr>
-          <p:cNvSpPr>
-            <a:spLocks noGrp="1"/>
-          </p:cNvSpPr>
-          <p:nvPr>
-            <p:ph idx="1"/>
-          </p:nvPr>
-        </p:nvSpPr>
-        <p:spPr/>
-        <p:txBody>
-          <a:bodyPr>
-            <a:normAutofit fontScale="92500" lnSpcReduction="10000"/>
-          </a:bodyPr>
-          <a:lstStyle/>
-          <a:p>
-            <a:r>
-              <a:rPr lang="en-US" altLang="zh-TW" dirty="0"/>
-              <a:t>Bluetooth Low Energy (BLE) was released in 2011 as part of the Classic Bluetooth specification and both technologies have coexisted and evolved independently since then.</a:t>
-            </a:r>
-          </a:p>
-          <a:p>
-            <a:endParaRPr lang="en-US" altLang="zh-TW" dirty="0"/>
-          </a:p>
-          <a:p>
-            <a:r>
-              <a:rPr lang="en-US" altLang="zh-TW" dirty="0"/>
-              <a:t>BLE operates in the 2.4 GHz band, utilizing frequencies between 2402 and 2480MHz. The used spectrum is divided into 40 channels, each employing a space of 2 </a:t>
-            </a:r>
-            <a:r>
-              <a:rPr lang="en-US" altLang="zh-TW" dirty="0" err="1"/>
-              <a:t>MHz.</a:t>
-            </a:r>
-            <a:r>
-              <a:rPr lang="en-US" altLang="zh-TW" dirty="0"/>
-              <a:t> These channels are divided into</a:t>
-            </a:r>
-            <a:r>
-              <a:rPr lang="zh-TW" altLang="en-US" dirty="0"/>
-              <a:t> </a:t>
-            </a:r>
-            <a:r>
-              <a:rPr lang="en-US" altLang="zh-TW" dirty="0"/>
-              <a:t>3 primary advertisement channels and 37 connection-oriented channels. </a:t>
-            </a:r>
-          </a:p>
-          <a:p>
-            <a:endParaRPr lang="en-US" altLang="zh-TW" dirty="0"/>
-          </a:p>
-          <a:p>
-            <a:r>
-              <a:rPr lang="en-US" altLang="zh-TW" dirty="0"/>
-              <a:t>BLE supports two different ways of communication : an advertising mode and a connection-oriented mode.</a:t>
-            </a:r>
-            <a:endParaRPr lang="zh-TW" altLang="en-US" dirty="0"/>
-          </a:p>
-        </p:txBody>
-      </p:sp>
-      <p:sp>
-        <p:nvSpPr>
-          <p:cNvPr id="4" name="投影片編號版面配置區 3">
-            <a:extLst>
-              <a:ext uri="{FF2B5EF4-FFF2-40B4-BE49-F238E27FC236}">
-                <a16:creationId xmlns:a16="http://schemas.microsoft.com/office/drawing/2014/main" id="{A7079878-D19B-4E92-9126-06F4FF0BF1C0}"/>
-              </a:ext>
-            </a:extLst>
-          </p:cNvPr>
-          <p:cNvSpPr>
-            <a:spLocks noGrp="1"/>
-          </p:cNvSpPr>
-          <p:nvPr>
-            <p:ph type="sldNum" sz="quarter" idx="12"/>
-          </p:nvPr>
-        </p:nvSpPr>
-        <p:spPr/>
-        <p:txBody>
-          <a:bodyPr/>
-          <a:lstStyle/>
-          <a:p>
-            <a:fld id="{50029C49-A5A9-4A95-8BF0-94F73808DB5F}" type="slidenum">
-              <a:rPr lang="zh-TW" altLang="en-US" smtClean="0"/>
-              <a:t>4</a:t>
-            </a:fld>
-            <a:endParaRPr lang="zh-TW" altLang="en-US"/>
-          </a:p>
-        </p:txBody>
-      </p:sp>
-    </p:spTree>
-    <p:extLst>
-      <p:ext uri="{BB962C8B-B14F-4D97-AF65-F5344CB8AC3E}">
-        <p14:creationId xmlns:p14="http://schemas.microsoft.com/office/powerpoint/2010/main" val="809978483"/>
-      </p:ext>
-    </p:extLst>
-  </p:cSld>
-  <p:clrMapOvr>
-    <a:masterClrMapping/>
-  </p:clrMapOvr>
-</p:sld>
-</file>
-
-<file path=ppt/slides/slide5.xml><?xml version="1.0" encoding="utf-8"?>
-<p:sld xmlns:a="http://schemas.openxmlformats.org/drawingml/2006/main" xmlns:r="http://schemas.openxmlformats.org/officeDocument/2006/relationships" xmlns:p="http://schemas.openxmlformats.org/presentationml/2006/main">
-  <p:cSld>
-    <p:spTree>
-      <p:nvGrpSpPr>
-        <p:cNvPr id="1" name=""/>
-        <p:cNvGrpSpPr/>
-        <p:nvPr/>
-      </p:nvGrpSpPr>
-      <p:grpSpPr>
-        <a:xfrm>
-          <a:off x="0" y="0"/>
-          <a:ext cx="0" cy="0"/>
-          <a:chOff x="0" y="0"/>
-          <a:chExt cx="0" cy="0"/>
-        </a:xfrm>
-      </p:grpSpPr>
-      <p:sp>
-        <p:nvSpPr>
-          <p:cNvPr id="2" name="標題 1">
-            <a:extLst>
-              <a:ext uri="{FF2B5EF4-FFF2-40B4-BE49-F238E27FC236}">
-                <a16:creationId xmlns:a16="http://schemas.microsoft.com/office/drawing/2014/main" id="{14B7E57E-D063-41EF-A857-5628A20B75BC}"/>
-              </a:ext>
-            </a:extLst>
-          </p:cNvPr>
-          <p:cNvSpPr>
-            <a:spLocks noGrp="1"/>
-          </p:cNvSpPr>
-          <p:nvPr>
-            <p:ph type="title"/>
-          </p:nvPr>
-        </p:nvSpPr>
-        <p:spPr/>
-        <p:txBody>
-          <a:bodyPr/>
-          <a:lstStyle/>
-          <a:p>
-            <a:r>
-              <a:rPr lang="en-US" altLang="zh-TW" dirty="0"/>
-              <a:t>Primer on BLE and BLE over IPv6(cont’d)</a:t>
-            </a:r>
-          </a:p>
-        </p:txBody>
-      </p:sp>
-      <p:sp>
-        <p:nvSpPr>
-          <p:cNvPr id="3" name="內容版面配置區 2">
-            <a:extLst>
-              <a:ext uri="{FF2B5EF4-FFF2-40B4-BE49-F238E27FC236}">
-                <a16:creationId xmlns:a16="http://schemas.microsoft.com/office/drawing/2014/main" id="{E616DA40-9E29-4C7C-A28F-3857701A0286}"/>
-              </a:ext>
-            </a:extLst>
-          </p:cNvPr>
-          <p:cNvSpPr>
-            <a:spLocks noGrp="1"/>
-          </p:cNvSpPr>
-          <p:nvPr>
-            <p:ph idx="1"/>
-          </p:nvPr>
-        </p:nvSpPr>
-        <p:spPr/>
-        <p:txBody>
-          <a:bodyPr>
-            <a:normAutofit/>
-          </a:bodyPr>
-          <a:lstStyle/>
-          <a:p>
-            <a:endParaRPr lang="zh-TW" altLang="en-US" dirty="0"/>
-          </a:p>
-        </p:txBody>
-      </p:sp>
-      <p:pic>
-        <p:nvPicPr>
-          <p:cNvPr id="7" name="圖片 6">
-            <a:extLst>
-              <a:ext uri="{FF2B5EF4-FFF2-40B4-BE49-F238E27FC236}">
-                <a16:creationId xmlns:a16="http://schemas.microsoft.com/office/drawing/2014/main" id="{D03360D8-0A34-4B9B-8EDF-94EF768549C8}"/>
-              </a:ext>
-            </a:extLst>
-          </p:cNvPr>
-          <p:cNvPicPr>
-            <a:picLocks noChangeAspect="1"/>
-          </p:cNvPicPr>
-          <p:nvPr/>
-        </p:nvPicPr>
-        <p:blipFill>
-          <a:blip r:embed="rId2"/>
-          <a:stretch>
-            <a:fillRect/>
-          </a:stretch>
-        </p:blipFill>
-        <p:spPr>
-          <a:xfrm>
-            <a:off x="5694218" y="4657914"/>
-            <a:ext cx="6497782" cy="2099352"/>
-          </a:xfrm>
-          <a:prstGeom prst="rect">
-            <a:avLst/>
-          </a:prstGeom>
-        </p:spPr>
-      </p:pic>
-      <p:sp>
-        <p:nvSpPr>
-          <p:cNvPr id="9" name="投影片編號版面配置區 8">
-            <a:extLst>
-              <a:ext uri="{FF2B5EF4-FFF2-40B4-BE49-F238E27FC236}">
-                <a16:creationId xmlns:a16="http://schemas.microsoft.com/office/drawing/2014/main" id="{3A06F46F-6C62-467F-8344-A07ED9AE7ACE}"/>
-              </a:ext>
-            </a:extLst>
-          </p:cNvPr>
-          <p:cNvSpPr>
-            <a:spLocks noGrp="1"/>
-          </p:cNvSpPr>
-          <p:nvPr>
-            <p:ph type="sldNum" sz="quarter" idx="12"/>
-          </p:nvPr>
-        </p:nvSpPr>
-        <p:spPr/>
-        <p:txBody>
-          <a:bodyPr/>
-          <a:lstStyle/>
-          <a:p>
-            <a:fld id="{50029C49-A5A9-4A95-8BF0-94F73808DB5F}" type="slidenum">
-              <a:rPr lang="zh-TW" altLang="en-US" smtClean="0"/>
-              <a:t>5</a:t>
-            </a:fld>
-            <a:endParaRPr lang="zh-TW" altLang="en-US"/>
-          </a:p>
-        </p:txBody>
-      </p:sp>
-    </p:spTree>
-    <p:extLst>
-      <p:ext uri="{BB962C8B-B14F-4D97-AF65-F5344CB8AC3E}">
-        <p14:creationId xmlns:p14="http://schemas.microsoft.com/office/powerpoint/2010/main" val="1645637635"/>
-      </p:ext>
-    </p:extLst>
-  </p:cSld>
-  <p:clrMapOvr>
-    <a:masterClrMapping/>
-  </p:clrMapOvr>
-</p:sld>
-</file>
-
-<file path=ppt/slides/slide6.xml><?xml version="1.0" encoding="utf-8"?>
-<p:sld xmlns:a="http://schemas.openxmlformats.org/drawingml/2006/main" xmlns:r="http://schemas.openxmlformats.org/officeDocument/2006/relationships" xmlns:p="http://schemas.openxmlformats.org/presentationml/2006/main">
-  <p:cSld>
-    <p:spTree>
-      <p:nvGrpSpPr>
-        <p:cNvPr id="1" name=""/>
-        <p:cNvGrpSpPr/>
-        <p:nvPr/>
-      </p:nvGrpSpPr>
-      <p:grpSpPr>
-        <a:xfrm>
-          <a:off x="0" y="0"/>
-          <a:ext cx="0" cy="0"/>
-          <a:chOff x="0" y="0"/>
-          <a:chExt cx="0" cy="0"/>
-        </a:xfrm>
-      </p:grpSpPr>
-      <p:sp>
-        <p:nvSpPr>
-          <p:cNvPr id="2" name="標題 1">
-            <a:extLst>
-              <a:ext uri="{FF2B5EF4-FFF2-40B4-BE49-F238E27FC236}">
-                <a16:creationId xmlns:a16="http://schemas.microsoft.com/office/drawing/2014/main" id="{14B7E57E-D063-41EF-A857-5628A20B75BC}"/>
-              </a:ext>
-            </a:extLst>
-          </p:cNvPr>
-          <p:cNvSpPr>
-            <a:spLocks noGrp="1"/>
-          </p:cNvSpPr>
-          <p:nvPr>
-            <p:ph type="title"/>
-          </p:nvPr>
-        </p:nvSpPr>
-        <p:spPr/>
-        <p:txBody>
-          <a:bodyPr/>
-          <a:lstStyle/>
-          <a:p>
-            <a:r>
-              <a:rPr lang="en-US" altLang="zh-TW" dirty="0"/>
-              <a:t>Primer on BLE and BLE over IPv6(cont’d)</a:t>
-            </a:r>
-          </a:p>
-        </p:txBody>
-      </p:sp>
-      <p:sp>
-        <p:nvSpPr>
-          <p:cNvPr id="3" name="內容版面配置區 2">
-            <a:extLst>
-              <a:ext uri="{FF2B5EF4-FFF2-40B4-BE49-F238E27FC236}">
-                <a16:creationId xmlns:a16="http://schemas.microsoft.com/office/drawing/2014/main" id="{E616DA40-9E29-4C7C-A28F-3857701A0286}"/>
-              </a:ext>
-            </a:extLst>
-          </p:cNvPr>
-          <p:cNvSpPr>
-            <a:spLocks noGrp="1"/>
-          </p:cNvSpPr>
-          <p:nvPr>
-            <p:ph idx="1"/>
-          </p:nvPr>
-        </p:nvSpPr>
-        <p:spPr/>
-        <p:txBody>
-          <a:bodyPr>
-            <a:normAutofit/>
-          </a:bodyPr>
-          <a:lstStyle/>
-          <a:p>
-            <a:endParaRPr lang="zh-TW" altLang="en-US" dirty="0"/>
-          </a:p>
-        </p:txBody>
-      </p:sp>
-      <p:pic>
-        <p:nvPicPr>
-          <p:cNvPr id="7" name="圖片 6">
-            <a:extLst>
-              <a:ext uri="{FF2B5EF4-FFF2-40B4-BE49-F238E27FC236}">
-                <a16:creationId xmlns:a16="http://schemas.microsoft.com/office/drawing/2014/main" id="{D03360D8-0A34-4B9B-8EDF-94EF768549C8}"/>
-              </a:ext>
-            </a:extLst>
-          </p:cNvPr>
-          <p:cNvPicPr>
-            <a:picLocks noChangeAspect="1"/>
-          </p:cNvPicPr>
-          <p:nvPr/>
-        </p:nvPicPr>
-        <p:blipFill>
-          <a:blip r:embed="rId2"/>
-          <a:stretch>
-            <a:fillRect/>
-          </a:stretch>
-        </p:blipFill>
-        <p:spPr>
-          <a:xfrm>
-            <a:off x="5694218" y="4657914"/>
-            <a:ext cx="6497782" cy="2099352"/>
-          </a:xfrm>
-          <a:prstGeom prst="rect">
-            <a:avLst/>
-          </a:prstGeom>
-        </p:spPr>
-      </p:pic>
-      <p:sp>
-        <p:nvSpPr>
-          <p:cNvPr id="4" name="投影片編號版面配置區 3">
-            <a:extLst>
-              <a:ext uri="{FF2B5EF4-FFF2-40B4-BE49-F238E27FC236}">
-                <a16:creationId xmlns:a16="http://schemas.microsoft.com/office/drawing/2014/main" id="{46943CDC-E158-4BE6-85D8-16B7649A4F4B}"/>
-              </a:ext>
-            </a:extLst>
-          </p:cNvPr>
-          <p:cNvSpPr>
-            <a:spLocks noGrp="1"/>
-          </p:cNvSpPr>
-          <p:nvPr>
-            <p:ph type="sldNum" sz="quarter" idx="12"/>
-          </p:nvPr>
-        </p:nvSpPr>
-        <p:spPr/>
-        <p:txBody>
-          <a:bodyPr/>
-          <a:lstStyle/>
-          <a:p>
-            <a:fld id="{50029C49-A5A9-4A95-8BF0-94F73808DB5F}" type="slidenum">
-              <a:rPr lang="zh-TW" altLang="en-US" smtClean="0"/>
-              <a:t>6</a:t>
-            </a:fld>
-            <a:endParaRPr lang="zh-TW" altLang="en-US"/>
-          </a:p>
-        </p:txBody>
-      </p:sp>
-    </p:spTree>
-    <p:extLst>
-      <p:ext uri="{BB962C8B-B14F-4D97-AF65-F5344CB8AC3E}">
-        <p14:creationId xmlns:p14="http://schemas.microsoft.com/office/powerpoint/2010/main" val="4124350203"/>
-      </p:ext>
-    </p:extLst>
-  </p:cSld>
-  <p:clrMapOvr>
-    <a:masterClrMapping/>
-  </p:clrMapOvr>
-</p:sld>
-</file>
-
-<file path=ppt/slides/slide7.xml><?xml version="1.0" encoding="utf-8"?>
-<p:sld xmlns:a="http://schemas.openxmlformats.org/drawingml/2006/main" xmlns:r="http://schemas.openxmlformats.org/officeDocument/2006/relationships" xmlns:p="http://schemas.openxmlformats.org/presentationml/2006/main">
-  <p:cSld>
-    <p:spTree>
-      <p:nvGrpSpPr>
-        <p:cNvPr id="1" name=""/>
-        <p:cNvGrpSpPr/>
-        <p:nvPr/>
-      </p:nvGrpSpPr>
-      <p:grpSpPr>
-        <a:xfrm>
-          <a:off x="0" y="0"/>
-          <a:ext cx="0" cy="0"/>
-          <a:chOff x="0" y="0"/>
-          <a:chExt cx="0" cy="0"/>
-        </a:xfrm>
-      </p:grpSpPr>
-      <p:sp>
-        <p:nvSpPr>
-          <p:cNvPr id="2" name="標題 1">
-            <a:extLst>
-              <a:ext uri="{FF2B5EF4-FFF2-40B4-BE49-F238E27FC236}">
-                <a16:creationId xmlns:a16="http://schemas.microsoft.com/office/drawing/2014/main" id="{3BC0BCD6-087B-4D00-8F2E-591BCB2E5170}"/>
-              </a:ext>
-            </a:extLst>
-          </p:cNvPr>
-          <p:cNvSpPr>
-            <a:spLocks noGrp="1"/>
-          </p:cNvSpPr>
-          <p:nvPr>
-            <p:ph type="title"/>
-          </p:nvPr>
-        </p:nvSpPr>
-        <p:spPr/>
-        <p:txBody>
-          <a:bodyPr/>
-          <a:lstStyle/>
-          <a:p>
-            <a:r>
-              <a:rPr lang="en-US" altLang="zh-TW" dirty="0"/>
-              <a:t>Related work</a:t>
-            </a:r>
-            <a:endParaRPr lang="zh-TW" altLang="en-US" dirty="0"/>
-          </a:p>
-        </p:txBody>
-      </p:sp>
-      <p:sp>
-        <p:nvSpPr>
-          <p:cNvPr id="3" name="內容版面配置區 2">
-            <a:extLst>
-              <a:ext uri="{FF2B5EF4-FFF2-40B4-BE49-F238E27FC236}">
-                <a16:creationId xmlns:a16="http://schemas.microsoft.com/office/drawing/2014/main" id="{B269DE6C-D13D-406A-AEAF-21FE42659DB2}"/>
-              </a:ext>
-            </a:extLst>
-          </p:cNvPr>
-          <p:cNvSpPr>
-            <a:spLocks noGrp="1"/>
-          </p:cNvSpPr>
-          <p:nvPr>
-            <p:ph idx="1"/>
-          </p:nvPr>
-        </p:nvSpPr>
-        <p:spPr/>
-        <p:txBody>
-          <a:bodyPr/>
-          <a:lstStyle/>
-          <a:p>
-            <a:endParaRPr lang="zh-TW" altLang="en-US" dirty="0"/>
-          </a:p>
-        </p:txBody>
-      </p:sp>
-      <p:sp>
-        <p:nvSpPr>
-          <p:cNvPr id="4" name="投影片編號版面配置區 3">
-            <a:extLst>
-              <a:ext uri="{FF2B5EF4-FFF2-40B4-BE49-F238E27FC236}">
-                <a16:creationId xmlns:a16="http://schemas.microsoft.com/office/drawing/2014/main" id="{20364101-78A2-4D74-8E20-102D7AF997EA}"/>
-              </a:ext>
-            </a:extLst>
-          </p:cNvPr>
-          <p:cNvSpPr>
-            <a:spLocks noGrp="1"/>
-          </p:cNvSpPr>
-          <p:nvPr>
-            <p:ph type="sldNum" sz="quarter" idx="12"/>
-          </p:nvPr>
-        </p:nvSpPr>
-        <p:spPr/>
-        <p:txBody>
-          <a:bodyPr/>
-          <a:lstStyle/>
-          <a:p>
-            <a:fld id="{50029C49-A5A9-4A95-8BF0-94F73808DB5F}" type="slidenum">
-              <a:rPr lang="zh-TW" altLang="en-US" smtClean="0"/>
-              <a:t>7</a:t>
-            </a:fld>
-            <a:endParaRPr lang="zh-TW" altLang="en-US"/>
-          </a:p>
-        </p:txBody>
-      </p:sp>
-    </p:spTree>
-    <p:extLst>
-      <p:ext uri="{BB962C8B-B14F-4D97-AF65-F5344CB8AC3E}">
-        <p14:creationId xmlns:p14="http://schemas.microsoft.com/office/powerpoint/2010/main" val="3074705118"/>
-      </p:ext>
-    </p:extLst>
-  </p:cSld>
-  <p:clrMapOvr>
-    <a:masterClrMapping/>
-  </p:clrMapOvr>
-</p:sld>
-</file>
-
-<file path=ppt/slides/slide8.xml><?xml version="1.0" encoding="utf-8"?>
-<p:sld xmlns:a="http://schemas.openxmlformats.org/drawingml/2006/main" xmlns:r="http://schemas.openxmlformats.org/officeDocument/2006/relationships" xmlns:p="http://schemas.openxmlformats.org/presentationml/2006/main">
-  <p:cSld>
-    <p:spTree>
-      <p:nvGrpSpPr>
-        <p:cNvPr id="1" name=""/>
-        <p:cNvGrpSpPr/>
-        <p:nvPr/>
-      </p:nvGrpSpPr>
-      <p:grpSpPr>
-        <a:xfrm>
-          <a:off x="0" y="0"/>
-          <a:ext cx="0" cy="0"/>
-          <a:chOff x="0" y="0"/>
-          <a:chExt cx="0" cy="0"/>
-        </a:xfrm>
-      </p:grpSpPr>
-      <p:sp>
-        <p:nvSpPr>
-          <p:cNvPr id="2" name="標題 1">
-            <a:extLst>
-              <a:ext uri="{FF2B5EF4-FFF2-40B4-BE49-F238E27FC236}">
-                <a16:creationId xmlns:a16="http://schemas.microsoft.com/office/drawing/2014/main" id="{B395D8BB-EDB2-42F3-9D92-4E6E7DCBB06A}"/>
-              </a:ext>
-            </a:extLst>
-          </p:cNvPr>
-          <p:cNvSpPr>
-            <a:spLocks noGrp="1"/>
-          </p:cNvSpPr>
-          <p:nvPr>
-            <p:ph type="title"/>
-          </p:nvPr>
-        </p:nvSpPr>
-        <p:spPr/>
-        <p:txBody>
-          <a:bodyPr/>
-          <a:lstStyle/>
-          <a:p>
-            <a:r>
-              <a:rPr lang="en-US" altLang="zh-TW" dirty="0"/>
-              <a:t>Evaluation</a:t>
-            </a:r>
-            <a:endParaRPr lang="zh-TW" altLang="en-US" dirty="0"/>
-          </a:p>
-        </p:txBody>
-      </p:sp>
-      <p:sp>
-        <p:nvSpPr>
-          <p:cNvPr id="3" name="內容版面配置區 2">
-            <a:extLst>
-              <a:ext uri="{FF2B5EF4-FFF2-40B4-BE49-F238E27FC236}">
-                <a16:creationId xmlns:a16="http://schemas.microsoft.com/office/drawing/2014/main" id="{C1C16457-135B-42D6-BD5B-8AF9CCC2689E}"/>
-              </a:ext>
-            </a:extLst>
-          </p:cNvPr>
-          <p:cNvSpPr>
-            <a:spLocks noGrp="1"/>
-          </p:cNvSpPr>
-          <p:nvPr>
-            <p:ph idx="1"/>
-          </p:nvPr>
-        </p:nvSpPr>
-        <p:spPr/>
-        <p:txBody>
-          <a:bodyPr/>
-          <a:lstStyle/>
-          <a:p>
-            <a:r>
-              <a:rPr lang="en-US" altLang="zh-TW" dirty="0"/>
-              <a:t>The performance of the handover process is predominantly impacted by two steps: disconnecting from the current GW and setting up a connection with the alternative GW.</a:t>
-            </a:r>
-          </a:p>
-          <a:p>
-            <a:endParaRPr lang="en-US" altLang="zh-TW" dirty="0"/>
-          </a:p>
-          <a:p>
-            <a:endParaRPr lang="zh-TW" altLang="en-US" dirty="0"/>
-          </a:p>
-        </p:txBody>
-      </p:sp>
-      <p:sp>
-        <p:nvSpPr>
-          <p:cNvPr id="4" name="投影片編號版面配置區 3">
-            <a:extLst>
-              <a:ext uri="{FF2B5EF4-FFF2-40B4-BE49-F238E27FC236}">
-                <a16:creationId xmlns:a16="http://schemas.microsoft.com/office/drawing/2014/main" id="{2E50D0C3-38B0-420B-AA42-A979EDC25DED}"/>
-              </a:ext>
-            </a:extLst>
-          </p:cNvPr>
-          <p:cNvSpPr>
-            <a:spLocks noGrp="1"/>
-          </p:cNvSpPr>
-          <p:nvPr>
-            <p:ph type="sldNum" sz="quarter" idx="12"/>
-          </p:nvPr>
-        </p:nvSpPr>
-        <p:spPr/>
-        <p:txBody>
-          <a:bodyPr/>
-          <a:lstStyle/>
-          <a:p>
-            <a:fld id="{50029C49-A5A9-4A95-8BF0-94F73808DB5F}" type="slidenum">
-              <a:rPr lang="zh-TW" altLang="en-US" smtClean="0"/>
-              <a:t>8</a:t>
             </a:fld>
             <a:endParaRPr lang="zh-TW" altLang="en-US"/>
           </a:p>
@@ -7113,7 +4207,7 @@
 </p:sld>
 </file>
 
-<file path=ppt/slides/slide9.xml><?xml version="1.0" encoding="utf-8"?>
+<file path=ppt/slides/slide11.xml><?xml version="1.0" encoding="utf-8"?>
 <p:sld xmlns:a="http://schemas.openxmlformats.org/drawingml/2006/main" xmlns:r="http://schemas.openxmlformats.org/officeDocument/2006/relationships" xmlns:p="http://schemas.openxmlformats.org/presentationml/2006/main">
   <p:cSld>
     <p:spTree>
@@ -7351,7 +4445,7 @@
           <a:p>
             <a:fld id="{50029C49-A5A9-4A95-8BF0-94F73808DB5F}" type="slidenum">
               <a:rPr lang="zh-TW" altLang="en-US" smtClean="0"/>
-              <a:t>9</a:t>
+              <a:t>11</a:t>
             </a:fld>
             <a:endParaRPr lang="zh-TW" altLang="en-US" dirty="0"/>
           </a:p>
@@ -7361,6 +4455,3623 @@
     <p:extLst>
       <p:ext uri="{BB962C8B-B14F-4D97-AF65-F5344CB8AC3E}">
         <p14:creationId xmlns:p14="http://schemas.microsoft.com/office/powerpoint/2010/main" val="625403940"/>
+      </p:ext>
+    </p:extLst>
+  </p:cSld>
+  <p:clrMapOvr>
+    <a:masterClrMapping/>
+  </p:clrMapOvr>
+</p:sld>
+</file>
+
+<file path=ppt/slides/slide12.xml><?xml version="1.0" encoding="utf-8"?>
+<p:sld xmlns:a="http://schemas.openxmlformats.org/drawingml/2006/main" xmlns:r="http://schemas.openxmlformats.org/officeDocument/2006/relationships" xmlns:p="http://schemas.openxmlformats.org/presentationml/2006/main">
+  <p:cSld>
+    <p:spTree>
+      <p:nvGrpSpPr>
+        <p:cNvPr id="1" name=""/>
+        <p:cNvGrpSpPr/>
+        <p:nvPr/>
+      </p:nvGrpSpPr>
+      <p:grpSpPr>
+        <a:xfrm>
+          <a:off x="0" y="0"/>
+          <a:ext cx="0" cy="0"/>
+          <a:chOff x="0" y="0"/>
+          <a:chExt cx="0" cy="0"/>
+        </a:xfrm>
+      </p:grpSpPr>
+      <p:sp>
+        <p:nvSpPr>
+          <p:cNvPr id="2" name="標題 1">
+            <a:extLst>
+              <a:ext uri="{FF2B5EF4-FFF2-40B4-BE49-F238E27FC236}">
+                <a16:creationId xmlns:a16="http://schemas.microsoft.com/office/drawing/2014/main" id="{B395D8BB-EDB2-42F3-9D92-4E6E7DCBB06A}"/>
+              </a:ext>
+            </a:extLst>
+          </p:cNvPr>
+          <p:cNvSpPr>
+            <a:spLocks noGrp="1"/>
+          </p:cNvSpPr>
+          <p:nvPr>
+            <p:ph type="title"/>
+          </p:nvPr>
+        </p:nvSpPr>
+        <p:spPr/>
+        <p:txBody>
+          <a:bodyPr/>
+          <a:lstStyle/>
+          <a:p>
+            <a:r>
+              <a:rPr lang="en-US" altLang="zh-TW" dirty="0"/>
+              <a:t>Evaluation : passive handover(cont’d) </a:t>
+            </a:r>
+            <a:endParaRPr lang="zh-TW" altLang="en-US" dirty="0"/>
+          </a:p>
+        </p:txBody>
+      </p:sp>
+      <p:sp>
+        <p:nvSpPr>
+          <p:cNvPr id="3" name="內容版面配置區 2">
+            <a:extLst>
+              <a:ext uri="{FF2B5EF4-FFF2-40B4-BE49-F238E27FC236}">
+                <a16:creationId xmlns:a16="http://schemas.microsoft.com/office/drawing/2014/main" id="{C1C16457-135B-42D6-BD5B-8AF9CCC2689E}"/>
+              </a:ext>
+            </a:extLst>
+          </p:cNvPr>
+          <p:cNvSpPr>
+            <a:spLocks noGrp="1"/>
+          </p:cNvSpPr>
+          <p:nvPr>
+            <p:ph idx="1"/>
+          </p:nvPr>
+        </p:nvSpPr>
+        <p:spPr/>
+        <p:txBody>
+          <a:bodyPr>
+            <a:normAutofit lnSpcReduction="10000"/>
+          </a:bodyPr>
+          <a:lstStyle/>
+          <a:p>
+            <a:r>
+              <a:rPr lang="en-US" altLang="zh-TW" dirty="0"/>
+              <a:t>About setting up a connection with the alternative GW</a:t>
+            </a:r>
+          </a:p>
+          <a:p>
+            <a:endParaRPr lang="en-US" altLang="zh-TW" dirty="0"/>
+          </a:p>
+          <a:p>
+            <a:r>
+              <a:rPr lang="en-US" altLang="zh-TW" dirty="0"/>
+              <a:t>Once the BLE peripheral’s supervision timeout has timed out, it transitions back to the advertising state, broadcasting connectable advertisements at a certain advertising interval.</a:t>
+            </a:r>
+          </a:p>
+          <a:p>
+            <a:endParaRPr lang="en-US" altLang="zh-TW" dirty="0"/>
+          </a:p>
+          <a:p>
+            <a:r>
+              <a:rPr lang="en-US" altLang="zh-TW" dirty="0"/>
+              <a:t>A GW that is not in a connection or still has room for another BLE connection, is in the initiating state and attempts to set up a connection upon receiving the connectable advertisements from the BLE peripheral.</a:t>
+            </a:r>
+          </a:p>
+        </p:txBody>
+      </p:sp>
+      <p:sp>
+        <p:nvSpPr>
+          <p:cNvPr id="9" name="投影片編號版面配置區 8">
+            <a:extLst>
+              <a:ext uri="{FF2B5EF4-FFF2-40B4-BE49-F238E27FC236}">
+                <a16:creationId xmlns:a16="http://schemas.microsoft.com/office/drawing/2014/main" id="{4F567620-92F9-4E3B-8423-A474721BEFEF}"/>
+              </a:ext>
+            </a:extLst>
+          </p:cNvPr>
+          <p:cNvSpPr>
+            <a:spLocks noGrp="1"/>
+          </p:cNvSpPr>
+          <p:nvPr>
+            <p:ph type="sldNum" sz="quarter" idx="12"/>
+          </p:nvPr>
+        </p:nvSpPr>
+        <p:spPr/>
+        <p:txBody>
+          <a:bodyPr/>
+          <a:lstStyle/>
+          <a:p>
+            <a:fld id="{50029C49-A5A9-4A95-8BF0-94F73808DB5F}" type="slidenum">
+              <a:rPr lang="zh-TW" altLang="en-US" smtClean="0"/>
+              <a:t>12</a:t>
+            </a:fld>
+            <a:endParaRPr lang="zh-TW" altLang="en-US" dirty="0"/>
+          </a:p>
+        </p:txBody>
+      </p:sp>
+    </p:spTree>
+    <p:extLst>
+      <p:ext uri="{BB962C8B-B14F-4D97-AF65-F5344CB8AC3E}">
+        <p14:creationId xmlns:p14="http://schemas.microsoft.com/office/powerpoint/2010/main" val="2107489994"/>
+      </p:ext>
+    </p:extLst>
+  </p:cSld>
+  <p:clrMapOvr>
+    <a:masterClrMapping/>
+  </p:clrMapOvr>
+</p:sld>
+</file>
+
+<file path=ppt/slides/slide13.xml><?xml version="1.0" encoding="utf-8"?>
+<p:sld xmlns:a="http://schemas.openxmlformats.org/drawingml/2006/main" xmlns:r="http://schemas.openxmlformats.org/officeDocument/2006/relationships" xmlns:p="http://schemas.openxmlformats.org/presentationml/2006/main">
+  <p:cSld>
+    <p:spTree>
+      <p:nvGrpSpPr>
+        <p:cNvPr id="1" name=""/>
+        <p:cNvGrpSpPr/>
+        <p:nvPr/>
+      </p:nvGrpSpPr>
+      <p:grpSpPr>
+        <a:xfrm>
+          <a:off x="0" y="0"/>
+          <a:ext cx="0" cy="0"/>
+          <a:chOff x="0" y="0"/>
+          <a:chExt cx="0" cy="0"/>
+        </a:xfrm>
+      </p:grpSpPr>
+      <p:sp>
+        <p:nvSpPr>
+          <p:cNvPr id="2" name="標題 1">
+            <a:extLst>
+              <a:ext uri="{FF2B5EF4-FFF2-40B4-BE49-F238E27FC236}">
+                <a16:creationId xmlns:a16="http://schemas.microsoft.com/office/drawing/2014/main" id="{B395D8BB-EDB2-42F3-9D92-4E6E7DCBB06A}"/>
+              </a:ext>
+            </a:extLst>
+          </p:cNvPr>
+          <p:cNvSpPr>
+            <a:spLocks noGrp="1"/>
+          </p:cNvSpPr>
+          <p:nvPr>
+            <p:ph type="title"/>
+          </p:nvPr>
+        </p:nvSpPr>
+        <p:spPr/>
+        <p:txBody>
+          <a:bodyPr/>
+          <a:lstStyle/>
+          <a:p>
+            <a:r>
+              <a:rPr lang="en-US" altLang="zh-TW" dirty="0"/>
+              <a:t>Evaluation : passive handover(cont’d) </a:t>
+            </a:r>
+            <a:endParaRPr lang="zh-TW" altLang="en-US" dirty="0"/>
+          </a:p>
+        </p:txBody>
+      </p:sp>
+      <p:sp>
+        <p:nvSpPr>
+          <p:cNvPr id="3" name="內容版面配置區 2">
+            <a:extLst>
+              <a:ext uri="{FF2B5EF4-FFF2-40B4-BE49-F238E27FC236}">
+                <a16:creationId xmlns:a16="http://schemas.microsoft.com/office/drawing/2014/main" id="{C1C16457-135B-42D6-BD5B-8AF9CCC2689E}"/>
+              </a:ext>
+            </a:extLst>
+          </p:cNvPr>
+          <p:cNvSpPr>
+            <a:spLocks noGrp="1"/>
+          </p:cNvSpPr>
+          <p:nvPr>
+            <p:ph idx="1"/>
+          </p:nvPr>
+        </p:nvSpPr>
+        <p:spPr/>
+        <p:txBody>
+          <a:bodyPr>
+            <a:normAutofit lnSpcReduction="10000"/>
+          </a:bodyPr>
+          <a:lstStyle/>
+          <a:p>
+            <a:r>
+              <a:rPr lang="en-US" altLang="zh-TW" dirty="0"/>
+              <a:t>About BLE parameter combinations</a:t>
+            </a:r>
+          </a:p>
+          <a:p>
+            <a:endParaRPr lang="en-US" altLang="zh-TW" dirty="0"/>
+          </a:p>
+          <a:p>
+            <a:r>
+              <a:rPr lang="en-US" altLang="zh-TW" dirty="0"/>
+              <a:t>The advertising interval should be smaller or equal to the scan window, because otherwise it cannot be guaranteed that the GW will be able to receive a connectable advertisement in an acceptable time window.</a:t>
+            </a:r>
+          </a:p>
+          <a:p>
+            <a:endParaRPr lang="en-US" altLang="zh-TW" dirty="0"/>
+          </a:p>
+          <a:p>
+            <a:r>
+              <a:rPr lang="en-US" altLang="zh-TW" dirty="0"/>
+              <a:t>A higher scan duty cycle ( scan window/scan interval ) has a positive impact on the handover latency but a negative impact on the energy consumption of the GW. </a:t>
+            </a:r>
+          </a:p>
+          <a:p>
+            <a:endParaRPr lang="en-US" altLang="zh-TW" dirty="0"/>
+          </a:p>
+          <a:p>
+            <a:endParaRPr lang="en-US" altLang="zh-TW" dirty="0"/>
+          </a:p>
+          <a:p>
+            <a:endParaRPr lang="en-US" altLang="zh-TW" dirty="0"/>
+          </a:p>
+          <a:p>
+            <a:endParaRPr lang="en-US" altLang="zh-TW" dirty="0"/>
+          </a:p>
+        </p:txBody>
+      </p:sp>
+      <p:sp>
+        <p:nvSpPr>
+          <p:cNvPr id="9" name="投影片編號版面配置區 8">
+            <a:extLst>
+              <a:ext uri="{FF2B5EF4-FFF2-40B4-BE49-F238E27FC236}">
+                <a16:creationId xmlns:a16="http://schemas.microsoft.com/office/drawing/2014/main" id="{4F567620-92F9-4E3B-8423-A474721BEFEF}"/>
+              </a:ext>
+            </a:extLst>
+          </p:cNvPr>
+          <p:cNvSpPr>
+            <a:spLocks noGrp="1"/>
+          </p:cNvSpPr>
+          <p:nvPr>
+            <p:ph type="sldNum" sz="quarter" idx="12"/>
+          </p:nvPr>
+        </p:nvSpPr>
+        <p:spPr/>
+        <p:txBody>
+          <a:bodyPr/>
+          <a:lstStyle/>
+          <a:p>
+            <a:fld id="{50029C49-A5A9-4A95-8BF0-94F73808DB5F}" type="slidenum">
+              <a:rPr lang="zh-TW" altLang="en-US" smtClean="0"/>
+              <a:t>13</a:t>
+            </a:fld>
+            <a:endParaRPr lang="zh-TW" altLang="en-US" dirty="0"/>
+          </a:p>
+        </p:txBody>
+      </p:sp>
+    </p:spTree>
+    <p:extLst>
+      <p:ext uri="{BB962C8B-B14F-4D97-AF65-F5344CB8AC3E}">
+        <p14:creationId xmlns:p14="http://schemas.microsoft.com/office/powerpoint/2010/main" val="51591730"/>
+      </p:ext>
+    </p:extLst>
+  </p:cSld>
+  <p:clrMapOvr>
+    <a:masterClrMapping/>
+  </p:clrMapOvr>
+</p:sld>
+</file>
+
+<file path=ppt/slides/slide14.xml><?xml version="1.0" encoding="utf-8"?>
+<p:sld xmlns:a="http://schemas.openxmlformats.org/drawingml/2006/main" xmlns:r="http://schemas.openxmlformats.org/officeDocument/2006/relationships" xmlns:p="http://schemas.openxmlformats.org/presentationml/2006/main">
+  <p:cSld>
+    <p:spTree>
+      <p:nvGrpSpPr>
+        <p:cNvPr id="1" name=""/>
+        <p:cNvGrpSpPr/>
+        <p:nvPr/>
+      </p:nvGrpSpPr>
+      <p:grpSpPr>
+        <a:xfrm>
+          <a:off x="0" y="0"/>
+          <a:ext cx="0" cy="0"/>
+          <a:chOff x="0" y="0"/>
+          <a:chExt cx="0" cy="0"/>
+        </a:xfrm>
+      </p:grpSpPr>
+      <p:sp>
+        <p:nvSpPr>
+          <p:cNvPr id="2" name="標題 1">
+            <a:extLst>
+              <a:ext uri="{FF2B5EF4-FFF2-40B4-BE49-F238E27FC236}">
+                <a16:creationId xmlns:a16="http://schemas.microsoft.com/office/drawing/2014/main" id="{B395D8BB-EDB2-42F3-9D92-4E6E7DCBB06A}"/>
+              </a:ext>
+            </a:extLst>
+          </p:cNvPr>
+          <p:cNvSpPr>
+            <a:spLocks noGrp="1"/>
+          </p:cNvSpPr>
+          <p:nvPr>
+            <p:ph type="title"/>
+          </p:nvPr>
+        </p:nvSpPr>
+        <p:spPr/>
+        <p:txBody>
+          <a:bodyPr/>
+          <a:lstStyle/>
+          <a:p>
+            <a:r>
+              <a:rPr lang="en-US" altLang="zh-TW" dirty="0"/>
+              <a:t>Evaluation : passive handover(cont’d) </a:t>
+            </a:r>
+            <a:endParaRPr lang="zh-TW" altLang="en-US" dirty="0"/>
+          </a:p>
+        </p:txBody>
+      </p:sp>
+      <p:sp>
+        <p:nvSpPr>
+          <p:cNvPr id="3" name="內容版面配置區 2">
+            <a:extLst>
+              <a:ext uri="{FF2B5EF4-FFF2-40B4-BE49-F238E27FC236}">
+                <a16:creationId xmlns:a16="http://schemas.microsoft.com/office/drawing/2014/main" id="{C1C16457-135B-42D6-BD5B-8AF9CCC2689E}"/>
+              </a:ext>
+            </a:extLst>
+          </p:cNvPr>
+          <p:cNvSpPr>
+            <a:spLocks noGrp="1"/>
+          </p:cNvSpPr>
+          <p:nvPr>
+            <p:ph idx="1"/>
+          </p:nvPr>
+        </p:nvSpPr>
+        <p:spPr/>
+        <p:txBody>
+          <a:bodyPr/>
+          <a:lstStyle/>
+          <a:p>
+            <a:endParaRPr lang="en-US" altLang="zh-TW" dirty="0"/>
+          </a:p>
+        </p:txBody>
+      </p:sp>
+      <p:pic>
+        <p:nvPicPr>
+          <p:cNvPr id="5" name="圖片 4">
+            <a:extLst>
+              <a:ext uri="{FF2B5EF4-FFF2-40B4-BE49-F238E27FC236}">
+                <a16:creationId xmlns:a16="http://schemas.microsoft.com/office/drawing/2014/main" id="{120F2FC4-72CD-4123-9F9B-A4D0862F8197}"/>
+              </a:ext>
+            </a:extLst>
+          </p:cNvPr>
+          <p:cNvPicPr>
+            <a:picLocks noChangeAspect="1"/>
+          </p:cNvPicPr>
+          <p:nvPr/>
+        </p:nvPicPr>
+        <p:blipFill>
+          <a:blip r:embed="rId2"/>
+          <a:stretch>
+            <a:fillRect/>
+          </a:stretch>
+        </p:blipFill>
+        <p:spPr>
+          <a:xfrm>
+            <a:off x="1433945" y="1520017"/>
+            <a:ext cx="9324109" cy="4972858"/>
+          </a:xfrm>
+          <a:prstGeom prst="rect">
+            <a:avLst/>
+          </a:prstGeom>
+        </p:spPr>
+      </p:pic>
+      <p:sp>
+        <p:nvSpPr>
+          <p:cNvPr id="6" name="矩形 5">
+            <a:extLst>
+              <a:ext uri="{FF2B5EF4-FFF2-40B4-BE49-F238E27FC236}">
+                <a16:creationId xmlns:a16="http://schemas.microsoft.com/office/drawing/2014/main" id="{3E4E9A0E-AE64-4FB1-8673-2DA6ED3339E6}"/>
+              </a:ext>
+            </a:extLst>
+          </p:cNvPr>
+          <p:cNvSpPr/>
+          <p:nvPr/>
+        </p:nvSpPr>
+        <p:spPr>
+          <a:xfrm>
+            <a:off x="6206836" y="1830777"/>
+            <a:ext cx="1787236" cy="2815648"/>
+          </a:xfrm>
+          <a:prstGeom prst="rect">
+            <a:avLst/>
+          </a:prstGeom>
+          <a:noFill/>
+          <a:ln w="38100">
+            <a:solidFill>
+              <a:srgbClr val="FF0000"/>
+            </a:solidFill>
+          </a:ln>
+        </p:spPr>
+        <p:style>
+          <a:lnRef idx="2">
+            <a:schemeClr val="accent1">
+              <a:shade val="50000"/>
+            </a:schemeClr>
+          </a:lnRef>
+          <a:fillRef idx="1">
+            <a:schemeClr val="accent1"/>
+          </a:fillRef>
+          <a:effectRef idx="0">
+            <a:schemeClr val="accent1"/>
+          </a:effectRef>
+          <a:fontRef idx="minor">
+            <a:schemeClr val="lt1"/>
+          </a:fontRef>
+        </p:style>
+        <p:txBody>
+          <a:bodyPr rtlCol="0" anchor="ctr"/>
+          <a:lstStyle/>
+          <a:p>
+            <a:pPr algn="ctr"/>
+            <a:endParaRPr lang="zh-TW" altLang="en-US"/>
+          </a:p>
+        </p:txBody>
+      </p:sp>
+      <p:sp>
+        <p:nvSpPr>
+          <p:cNvPr id="8" name="矩形 7">
+            <a:extLst>
+              <a:ext uri="{FF2B5EF4-FFF2-40B4-BE49-F238E27FC236}">
+                <a16:creationId xmlns:a16="http://schemas.microsoft.com/office/drawing/2014/main" id="{2B005D59-9B13-475D-9737-ED5285C3FD9E}"/>
+              </a:ext>
+            </a:extLst>
+          </p:cNvPr>
+          <p:cNvSpPr/>
+          <p:nvPr/>
+        </p:nvSpPr>
+        <p:spPr>
+          <a:xfrm>
+            <a:off x="7994072" y="1830777"/>
+            <a:ext cx="803564" cy="2815648"/>
+          </a:xfrm>
+          <a:prstGeom prst="rect">
+            <a:avLst/>
+          </a:prstGeom>
+          <a:noFill/>
+          <a:ln w="38100">
+            <a:solidFill>
+              <a:srgbClr val="FF0000"/>
+            </a:solidFill>
+          </a:ln>
+        </p:spPr>
+        <p:style>
+          <a:lnRef idx="2">
+            <a:schemeClr val="accent1">
+              <a:shade val="50000"/>
+            </a:schemeClr>
+          </a:lnRef>
+          <a:fillRef idx="1">
+            <a:schemeClr val="accent1"/>
+          </a:fillRef>
+          <a:effectRef idx="0">
+            <a:schemeClr val="accent1"/>
+          </a:effectRef>
+          <a:fontRef idx="minor">
+            <a:schemeClr val="lt1"/>
+          </a:fontRef>
+        </p:style>
+        <p:txBody>
+          <a:bodyPr rtlCol="0" anchor="ctr"/>
+          <a:lstStyle/>
+          <a:p>
+            <a:pPr algn="ctr"/>
+            <a:endParaRPr lang="zh-TW" altLang="en-US"/>
+          </a:p>
+        </p:txBody>
+      </p:sp>
+      <p:sp>
+        <p:nvSpPr>
+          <p:cNvPr id="4" name="投影片編號版面配置區 3">
+            <a:extLst>
+              <a:ext uri="{FF2B5EF4-FFF2-40B4-BE49-F238E27FC236}">
+                <a16:creationId xmlns:a16="http://schemas.microsoft.com/office/drawing/2014/main" id="{AE7598D7-FEA4-44A6-B1B0-EA2D845DC0D7}"/>
+              </a:ext>
+            </a:extLst>
+          </p:cNvPr>
+          <p:cNvSpPr>
+            <a:spLocks noGrp="1"/>
+          </p:cNvSpPr>
+          <p:nvPr>
+            <p:ph type="sldNum" sz="quarter" idx="12"/>
+          </p:nvPr>
+        </p:nvSpPr>
+        <p:spPr/>
+        <p:txBody>
+          <a:bodyPr/>
+          <a:lstStyle/>
+          <a:p>
+            <a:fld id="{50029C49-A5A9-4A95-8BF0-94F73808DB5F}" type="slidenum">
+              <a:rPr lang="zh-TW" altLang="en-US" smtClean="0"/>
+              <a:t>14</a:t>
+            </a:fld>
+            <a:endParaRPr lang="zh-TW" altLang="en-US"/>
+          </a:p>
+        </p:txBody>
+      </p:sp>
+    </p:spTree>
+    <p:extLst>
+      <p:ext uri="{BB962C8B-B14F-4D97-AF65-F5344CB8AC3E}">
+        <p14:creationId xmlns:p14="http://schemas.microsoft.com/office/powerpoint/2010/main" val="1628974347"/>
+      </p:ext>
+    </p:extLst>
+  </p:cSld>
+  <p:clrMapOvr>
+    <a:masterClrMapping/>
+  </p:clrMapOvr>
+</p:sld>
+</file>
+
+<file path=ppt/slides/slide15.xml><?xml version="1.0" encoding="utf-8"?>
+<p:sld xmlns:a="http://schemas.openxmlformats.org/drawingml/2006/main" xmlns:r="http://schemas.openxmlformats.org/officeDocument/2006/relationships" xmlns:p="http://schemas.openxmlformats.org/presentationml/2006/main">
+  <p:cSld>
+    <p:spTree>
+      <p:nvGrpSpPr>
+        <p:cNvPr id="1" name=""/>
+        <p:cNvGrpSpPr/>
+        <p:nvPr/>
+      </p:nvGrpSpPr>
+      <p:grpSpPr>
+        <a:xfrm>
+          <a:off x="0" y="0"/>
+          <a:ext cx="0" cy="0"/>
+          <a:chOff x="0" y="0"/>
+          <a:chExt cx="0" cy="0"/>
+        </a:xfrm>
+      </p:grpSpPr>
+      <p:pic>
+        <p:nvPicPr>
+          <p:cNvPr id="5" name="圖片 4">
+            <a:extLst>
+              <a:ext uri="{FF2B5EF4-FFF2-40B4-BE49-F238E27FC236}">
+                <a16:creationId xmlns:a16="http://schemas.microsoft.com/office/drawing/2014/main" id="{56CD1ED4-5648-4D18-8194-FC038C8F6355}"/>
+              </a:ext>
+            </a:extLst>
+          </p:cNvPr>
+          <p:cNvPicPr>
+            <a:picLocks noChangeAspect="1"/>
+          </p:cNvPicPr>
+          <p:nvPr/>
+        </p:nvPicPr>
+        <p:blipFill>
+          <a:blip r:embed="rId2"/>
+          <a:stretch>
+            <a:fillRect/>
+          </a:stretch>
+        </p:blipFill>
+        <p:spPr>
+          <a:xfrm>
+            <a:off x="1552575" y="700953"/>
+            <a:ext cx="10639425" cy="6315075"/>
+          </a:xfrm>
+          <a:prstGeom prst="rect">
+            <a:avLst/>
+          </a:prstGeom>
+        </p:spPr>
+      </p:pic>
+      <p:sp>
+        <p:nvSpPr>
+          <p:cNvPr id="2" name="標題 1">
+            <a:extLst>
+              <a:ext uri="{FF2B5EF4-FFF2-40B4-BE49-F238E27FC236}">
+                <a16:creationId xmlns:a16="http://schemas.microsoft.com/office/drawing/2014/main" id="{B395D8BB-EDB2-42F3-9D92-4E6E7DCBB06A}"/>
+              </a:ext>
+            </a:extLst>
+          </p:cNvPr>
+          <p:cNvSpPr>
+            <a:spLocks noGrp="1"/>
+          </p:cNvSpPr>
+          <p:nvPr>
+            <p:ph type="title"/>
+          </p:nvPr>
+        </p:nvSpPr>
+        <p:spPr/>
+        <p:txBody>
+          <a:bodyPr/>
+          <a:lstStyle/>
+          <a:p>
+            <a:r>
+              <a:rPr lang="en-US" altLang="zh-TW" dirty="0"/>
+              <a:t>Evaluation : passive handover(cont’d) </a:t>
+            </a:r>
+            <a:endParaRPr lang="zh-TW" altLang="en-US" dirty="0"/>
+          </a:p>
+        </p:txBody>
+      </p:sp>
+      <p:sp>
+        <p:nvSpPr>
+          <p:cNvPr id="9" name="投影片編號版面配置區 8">
+            <a:extLst>
+              <a:ext uri="{FF2B5EF4-FFF2-40B4-BE49-F238E27FC236}">
+                <a16:creationId xmlns:a16="http://schemas.microsoft.com/office/drawing/2014/main" id="{4F567620-92F9-4E3B-8423-A474721BEFEF}"/>
+              </a:ext>
+            </a:extLst>
+          </p:cNvPr>
+          <p:cNvSpPr>
+            <a:spLocks noGrp="1"/>
+          </p:cNvSpPr>
+          <p:nvPr>
+            <p:ph type="sldNum" sz="quarter" idx="12"/>
+          </p:nvPr>
+        </p:nvSpPr>
+        <p:spPr/>
+        <p:txBody>
+          <a:bodyPr/>
+          <a:lstStyle/>
+          <a:p>
+            <a:fld id="{50029C49-A5A9-4A95-8BF0-94F73808DB5F}" type="slidenum">
+              <a:rPr lang="zh-TW" altLang="en-US" smtClean="0"/>
+              <a:t>15</a:t>
+            </a:fld>
+            <a:endParaRPr lang="zh-TW" altLang="en-US" dirty="0"/>
+          </a:p>
+        </p:txBody>
+      </p:sp>
+      <p:sp>
+        <p:nvSpPr>
+          <p:cNvPr id="6" name="矩形 5">
+            <a:extLst>
+              <a:ext uri="{FF2B5EF4-FFF2-40B4-BE49-F238E27FC236}">
+                <a16:creationId xmlns:a16="http://schemas.microsoft.com/office/drawing/2014/main" id="{E1C274C1-B685-4EC5-BBF2-CAAD65754987}"/>
+              </a:ext>
+            </a:extLst>
+          </p:cNvPr>
+          <p:cNvSpPr/>
+          <p:nvPr/>
+        </p:nvSpPr>
+        <p:spPr>
+          <a:xfrm>
+            <a:off x="4197926" y="2026516"/>
+            <a:ext cx="2563091" cy="3252066"/>
+          </a:xfrm>
+          <a:prstGeom prst="rect">
+            <a:avLst/>
+          </a:prstGeom>
+          <a:noFill/>
+          <a:ln w="38100">
+            <a:solidFill>
+              <a:srgbClr val="FF0000"/>
+            </a:solidFill>
+          </a:ln>
+        </p:spPr>
+        <p:style>
+          <a:lnRef idx="2">
+            <a:schemeClr val="accent1">
+              <a:shade val="50000"/>
+            </a:schemeClr>
+          </a:lnRef>
+          <a:fillRef idx="1">
+            <a:schemeClr val="accent1"/>
+          </a:fillRef>
+          <a:effectRef idx="0">
+            <a:schemeClr val="accent1"/>
+          </a:effectRef>
+          <a:fontRef idx="minor">
+            <a:schemeClr val="lt1"/>
+          </a:fontRef>
+        </p:style>
+        <p:txBody>
+          <a:bodyPr rtlCol="0" anchor="ctr"/>
+          <a:lstStyle/>
+          <a:p>
+            <a:pPr algn="ctr"/>
+            <a:endParaRPr lang="zh-TW" altLang="en-US"/>
+          </a:p>
+        </p:txBody>
+      </p:sp>
+      <p:sp>
+        <p:nvSpPr>
+          <p:cNvPr id="8" name="矩形 7">
+            <a:extLst>
+              <a:ext uri="{FF2B5EF4-FFF2-40B4-BE49-F238E27FC236}">
+                <a16:creationId xmlns:a16="http://schemas.microsoft.com/office/drawing/2014/main" id="{958F3D8D-B745-458D-9DCF-69231D6472FD}"/>
+              </a:ext>
+            </a:extLst>
+          </p:cNvPr>
+          <p:cNvSpPr/>
+          <p:nvPr/>
+        </p:nvSpPr>
+        <p:spPr>
+          <a:xfrm>
+            <a:off x="6795654" y="2026516"/>
+            <a:ext cx="2140528" cy="4831484"/>
+          </a:xfrm>
+          <a:prstGeom prst="rect">
+            <a:avLst/>
+          </a:prstGeom>
+          <a:noFill/>
+          <a:ln w="38100">
+            <a:solidFill>
+              <a:srgbClr val="FF0000"/>
+            </a:solidFill>
+          </a:ln>
+        </p:spPr>
+        <p:style>
+          <a:lnRef idx="2">
+            <a:schemeClr val="accent1">
+              <a:shade val="50000"/>
+            </a:schemeClr>
+          </a:lnRef>
+          <a:fillRef idx="1">
+            <a:schemeClr val="accent1"/>
+          </a:fillRef>
+          <a:effectRef idx="0">
+            <a:schemeClr val="accent1"/>
+          </a:effectRef>
+          <a:fontRef idx="minor">
+            <a:schemeClr val="lt1"/>
+          </a:fontRef>
+        </p:style>
+        <p:txBody>
+          <a:bodyPr rtlCol="0" anchor="ctr"/>
+          <a:lstStyle/>
+          <a:p>
+            <a:pPr algn="ctr"/>
+            <a:endParaRPr lang="zh-TW" altLang="en-US"/>
+          </a:p>
+        </p:txBody>
+      </p:sp>
+    </p:spTree>
+    <p:extLst>
+      <p:ext uri="{BB962C8B-B14F-4D97-AF65-F5344CB8AC3E}">
+        <p14:creationId xmlns:p14="http://schemas.microsoft.com/office/powerpoint/2010/main" val="2676990719"/>
+      </p:ext>
+    </p:extLst>
+  </p:cSld>
+  <p:clrMapOvr>
+    <a:masterClrMapping/>
+  </p:clrMapOvr>
+</p:sld>
+</file>
+
+<file path=ppt/slides/slide16.xml><?xml version="1.0" encoding="utf-8"?>
+<p:sld xmlns:a="http://schemas.openxmlformats.org/drawingml/2006/main" xmlns:r="http://schemas.openxmlformats.org/officeDocument/2006/relationships" xmlns:p="http://schemas.openxmlformats.org/presentationml/2006/main">
+  <p:cSld>
+    <p:spTree>
+      <p:nvGrpSpPr>
+        <p:cNvPr id="1" name=""/>
+        <p:cNvGrpSpPr/>
+        <p:nvPr/>
+      </p:nvGrpSpPr>
+      <p:grpSpPr>
+        <a:xfrm>
+          <a:off x="0" y="0"/>
+          <a:ext cx="0" cy="0"/>
+          <a:chOff x="0" y="0"/>
+          <a:chExt cx="0" cy="0"/>
+        </a:xfrm>
+      </p:grpSpPr>
+      <p:sp>
+        <p:nvSpPr>
+          <p:cNvPr id="2" name="標題 1">
+            <a:extLst>
+              <a:ext uri="{FF2B5EF4-FFF2-40B4-BE49-F238E27FC236}">
+                <a16:creationId xmlns:a16="http://schemas.microsoft.com/office/drawing/2014/main" id="{B395D8BB-EDB2-42F3-9D92-4E6E7DCBB06A}"/>
+              </a:ext>
+            </a:extLst>
+          </p:cNvPr>
+          <p:cNvSpPr>
+            <a:spLocks noGrp="1"/>
+          </p:cNvSpPr>
+          <p:nvPr>
+            <p:ph type="title"/>
+          </p:nvPr>
+        </p:nvSpPr>
+        <p:spPr/>
+        <p:txBody>
+          <a:bodyPr/>
+          <a:lstStyle/>
+          <a:p>
+            <a:r>
+              <a:rPr lang="en-US" altLang="zh-TW" dirty="0"/>
+              <a:t>Evaluation : active handover</a:t>
+            </a:r>
+            <a:endParaRPr lang="zh-TW" altLang="en-US" dirty="0"/>
+          </a:p>
+        </p:txBody>
+      </p:sp>
+      <p:sp>
+        <p:nvSpPr>
+          <p:cNvPr id="3" name="內容版面配置區 2">
+            <a:extLst>
+              <a:ext uri="{FF2B5EF4-FFF2-40B4-BE49-F238E27FC236}">
+                <a16:creationId xmlns:a16="http://schemas.microsoft.com/office/drawing/2014/main" id="{C1C16457-135B-42D6-BD5B-8AF9CCC2689E}"/>
+              </a:ext>
+            </a:extLst>
+          </p:cNvPr>
+          <p:cNvSpPr>
+            <a:spLocks noGrp="1"/>
+          </p:cNvSpPr>
+          <p:nvPr>
+            <p:ph idx="1"/>
+          </p:nvPr>
+        </p:nvSpPr>
+        <p:spPr/>
+        <p:txBody>
+          <a:bodyPr>
+            <a:normAutofit lnSpcReduction="10000"/>
+          </a:bodyPr>
+          <a:lstStyle/>
+          <a:p>
+            <a:r>
+              <a:rPr lang="en-US" altLang="zh-TW" dirty="0"/>
+              <a:t>About disconnecting from current GW</a:t>
+            </a:r>
+          </a:p>
+          <a:p>
+            <a:endParaRPr lang="en-US" altLang="zh-TW" dirty="0"/>
+          </a:p>
+          <a:p>
+            <a:r>
+              <a:rPr lang="en-US" altLang="zh-TW" dirty="0"/>
+              <a:t>the current GW will receive a disconnection message from the controller once a roaming decision has made. </a:t>
+            </a:r>
+          </a:p>
+          <a:p>
+            <a:endParaRPr lang="en-US" altLang="zh-TW" dirty="0"/>
+          </a:p>
+          <a:p>
+            <a:r>
+              <a:rPr lang="en-US" altLang="zh-TW" dirty="0"/>
+              <a:t>After receiving this message, the GW immediately attempts to send a disconnection request to the BLE peripheral. </a:t>
+            </a:r>
+          </a:p>
+          <a:p>
+            <a:endParaRPr lang="en-US" altLang="zh-TW" dirty="0"/>
+          </a:p>
+          <a:p>
+            <a:r>
+              <a:rPr lang="en-US" altLang="zh-TW" dirty="0"/>
+              <a:t>Upon receiving this request, the peripheral answers with a disconnection acknowledgment.</a:t>
+            </a:r>
+          </a:p>
+        </p:txBody>
+      </p:sp>
+      <p:sp>
+        <p:nvSpPr>
+          <p:cNvPr id="4" name="投影片編號版面配置區 3">
+            <a:extLst>
+              <a:ext uri="{FF2B5EF4-FFF2-40B4-BE49-F238E27FC236}">
+                <a16:creationId xmlns:a16="http://schemas.microsoft.com/office/drawing/2014/main" id="{DB634B57-2E7E-40BE-993E-5F46071107A7}"/>
+              </a:ext>
+            </a:extLst>
+          </p:cNvPr>
+          <p:cNvSpPr>
+            <a:spLocks noGrp="1"/>
+          </p:cNvSpPr>
+          <p:nvPr>
+            <p:ph type="sldNum" sz="quarter" idx="12"/>
+          </p:nvPr>
+        </p:nvSpPr>
+        <p:spPr/>
+        <p:txBody>
+          <a:bodyPr/>
+          <a:lstStyle/>
+          <a:p>
+            <a:fld id="{50029C49-A5A9-4A95-8BF0-94F73808DB5F}" type="slidenum">
+              <a:rPr lang="zh-TW" altLang="en-US" smtClean="0"/>
+              <a:t>16</a:t>
+            </a:fld>
+            <a:endParaRPr lang="zh-TW" altLang="en-US"/>
+          </a:p>
+        </p:txBody>
+      </p:sp>
+    </p:spTree>
+    <p:extLst>
+      <p:ext uri="{BB962C8B-B14F-4D97-AF65-F5344CB8AC3E}">
+        <p14:creationId xmlns:p14="http://schemas.microsoft.com/office/powerpoint/2010/main" val="1272687956"/>
+      </p:ext>
+    </p:extLst>
+  </p:cSld>
+  <p:clrMapOvr>
+    <a:masterClrMapping/>
+  </p:clrMapOvr>
+</p:sld>
+</file>
+
+<file path=ppt/slides/slide17.xml><?xml version="1.0" encoding="utf-8"?>
+<p:sld xmlns:a="http://schemas.openxmlformats.org/drawingml/2006/main" xmlns:r="http://schemas.openxmlformats.org/officeDocument/2006/relationships" xmlns:p="http://schemas.openxmlformats.org/presentationml/2006/main">
+  <p:cSld>
+    <p:spTree>
+      <p:nvGrpSpPr>
+        <p:cNvPr id="1" name=""/>
+        <p:cNvGrpSpPr/>
+        <p:nvPr/>
+      </p:nvGrpSpPr>
+      <p:grpSpPr>
+        <a:xfrm>
+          <a:off x="0" y="0"/>
+          <a:ext cx="0" cy="0"/>
+          <a:chOff x="0" y="0"/>
+          <a:chExt cx="0" cy="0"/>
+        </a:xfrm>
+      </p:grpSpPr>
+      <p:sp>
+        <p:nvSpPr>
+          <p:cNvPr id="2" name="標題 1">
+            <a:extLst>
+              <a:ext uri="{FF2B5EF4-FFF2-40B4-BE49-F238E27FC236}">
+                <a16:creationId xmlns:a16="http://schemas.microsoft.com/office/drawing/2014/main" id="{B395D8BB-EDB2-42F3-9D92-4E6E7DCBB06A}"/>
+              </a:ext>
+            </a:extLst>
+          </p:cNvPr>
+          <p:cNvSpPr>
+            <a:spLocks noGrp="1"/>
+          </p:cNvSpPr>
+          <p:nvPr>
+            <p:ph type="title"/>
+          </p:nvPr>
+        </p:nvSpPr>
+        <p:spPr/>
+        <p:txBody>
+          <a:bodyPr/>
+          <a:lstStyle/>
+          <a:p>
+            <a:r>
+              <a:rPr lang="en-US" altLang="zh-TW" dirty="0"/>
+              <a:t>Evaluation : active handover(cont’d)</a:t>
+            </a:r>
+            <a:endParaRPr lang="zh-TW" altLang="en-US" dirty="0"/>
+          </a:p>
+        </p:txBody>
+      </p:sp>
+      <p:sp>
+        <p:nvSpPr>
+          <p:cNvPr id="3" name="內容版面配置區 2">
+            <a:extLst>
+              <a:ext uri="{FF2B5EF4-FFF2-40B4-BE49-F238E27FC236}">
+                <a16:creationId xmlns:a16="http://schemas.microsoft.com/office/drawing/2014/main" id="{C1C16457-135B-42D6-BD5B-8AF9CCC2689E}"/>
+              </a:ext>
+            </a:extLst>
+          </p:cNvPr>
+          <p:cNvSpPr>
+            <a:spLocks noGrp="1"/>
+          </p:cNvSpPr>
+          <p:nvPr>
+            <p:ph idx="1"/>
+          </p:nvPr>
+        </p:nvSpPr>
+        <p:spPr/>
+        <p:txBody>
+          <a:bodyPr>
+            <a:normAutofit fontScale="92500" lnSpcReduction="10000"/>
+          </a:bodyPr>
+          <a:lstStyle/>
+          <a:p>
+            <a:r>
+              <a:rPr lang="en-US" altLang="zh-TW" dirty="0"/>
+              <a:t>About Setting up a connection with the alternative GW</a:t>
+            </a:r>
+          </a:p>
+          <a:p>
+            <a:endParaRPr lang="en-US" altLang="zh-TW" dirty="0"/>
+          </a:p>
+          <a:p>
+            <a:r>
+              <a:rPr lang="en-US" altLang="zh-TW" dirty="0"/>
+              <a:t>Once the disconnection has been finalized, the BLE peripheral switches from a connection/advertising state to solely an advertising state, broadcasting connectable advertisements. </a:t>
+            </a:r>
+          </a:p>
+          <a:p>
+            <a:endParaRPr lang="en-US" altLang="zh-TW" dirty="0"/>
+          </a:p>
+          <a:p>
+            <a:r>
+              <a:rPr lang="en-US" altLang="zh-TW" dirty="0"/>
+              <a:t>In the meantime, the alternative GW has received a connect message from the controller and has switched from </a:t>
+            </a:r>
+            <a:r>
+              <a:rPr lang="en-US" altLang="zh-TW" dirty="0" err="1"/>
+              <a:t>nonconnectable</a:t>
+            </a:r>
+            <a:r>
+              <a:rPr lang="en-US" altLang="zh-TW" dirty="0"/>
+              <a:t> to connectable scanning, specifically for the MAC address of the BLE peripheral at hand. </a:t>
+            </a:r>
+          </a:p>
+          <a:p>
+            <a:endParaRPr lang="en-US" altLang="zh-TW" dirty="0"/>
+          </a:p>
+          <a:p>
+            <a:r>
+              <a:rPr lang="en-US" altLang="zh-TW" dirty="0"/>
+              <a:t>From this point, the handover process is similar to passive handover.</a:t>
+            </a:r>
+          </a:p>
+        </p:txBody>
+      </p:sp>
+      <p:sp>
+        <p:nvSpPr>
+          <p:cNvPr id="4" name="投影片編號版面配置區 3">
+            <a:extLst>
+              <a:ext uri="{FF2B5EF4-FFF2-40B4-BE49-F238E27FC236}">
+                <a16:creationId xmlns:a16="http://schemas.microsoft.com/office/drawing/2014/main" id="{DB634B57-2E7E-40BE-993E-5F46071107A7}"/>
+              </a:ext>
+            </a:extLst>
+          </p:cNvPr>
+          <p:cNvSpPr>
+            <a:spLocks noGrp="1"/>
+          </p:cNvSpPr>
+          <p:nvPr>
+            <p:ph type="sldNum" sz="quarter" idx="12"/>
+          </p:nvPr>
+        </p:nvSpPr>
+        <p:spPr/>
+        <p:txBody>
+          <a:bodyPr/>
+          <a:lstStyle/>
+          <a:p>
+            <a:fld id="{50029C49-A5A9-4A95-8BF0-94F73808DB5F}" type="slidenum">
+              <a:rPr lang="zh-TW" altLang="en-US" smtClean="0"/>
+              <a:t>17</a:t>
+            </a:fld>
+            <a:endParaRPr lang="zh-TW" altLang="en-US"/>
+          </a:p>
+        </p:txBody>
+      </p:sp>
+    </p:spTree>
+    <p:extLst>
+      <p:ext uri="{BB962C8B-B14F-4D97-AF65-F5344CB8AC3E}">
+        <p14:creationId xmlns:p14="http://schemas.microsoft.com/office/powerpoint/2010/main" val="3783783229"/>
+      </p:ext>
+    </p:extLst>
+  </p:cSld>
+  <p:clrMapOvr>
+    <a:masterClrMapping/>
+  </p:clrMapOvr>
+</p:sld>
+</file>
+
+<file path=ppt/slides/slide18.xml><?xml version="1.0" encoding="utf-8"?>
+<p:sld xmlns:a="http://schemas.openxmlformats.org/drawingml/2006/main" xmlns:r="http://schemas.openxmlformats.org/officeDocument/2006/relationships" xmlns:p="http://schemas.openxmlformats.org/presentationml/2006/main">
+  <p:cSld>
+    <p:spTree>
+      <p:nvGrpSpPr>
+        <p:cNvPr id="1" name=""/>
+        <p:cNvGrpSpPr/>
+        <p:nvPr/>
+      </p:nvGrpSpPr>
+      <p:grpSpPr>
+        <a:xfrm>
+          <a:off x="0" y="0"/>
+          <a:ext cx="0" cy="0"/>
+          <a:chOff x="0" y="0"/>
+          <a:chExt cx="0" cy="0"/>
+        </a:xfrm>
+      </p:grpSpPr>
+      <p:sp>
+        <p:nvSpPr>
+          <p:cNvPr id="2" name="標題 1">
+            <a:extLst>
+              <a:ext uri="{FF2B5EF4-FFF2-40B4-BE49-F238E27FC236}">
+                <a16:creationId xmlns:a16="http://schemas.microsoft.com/office/drawing/2014/main" id="{B395D8BB-EDB2-42F3-9D92-4E6E7DCBB06A}"/>
+              </a:ext>
+            </a:extLst>
+          </p:cNvPr>
+          <p:cNvSpPr>
+            <a:spLocks noGrp="1"/>
+          </p:cNvSpPr>
+          <p:nvPr>
+            <p:ph type="title"/>
+          </p:nvPr>
+        </p:nvSpPr>
+        <p:spPr/>
+        <p:txBody>
+          <a:bodyPr/>
+          <a:lstStyle/>
+          <a:p>
+            <a:r>
+              <a:rPr lang="en-US" altLang="zh-TW" dirty="0"/>
+              <a:t>Evaluation : active handover(cont’d)</a:t>
+            </a:r>
+            <a:endParaRPr lang="zh-TW" altLang="en-US" dirty="0"/>
+          </a:p>
+        </p:txBody>
+      </p:sp>
+      <p:sp>
+        <p:nvSpPr>
+          <p:cNvPr id="3" name="內容版面配置區 2">
+            <a:extLst>
+              <a:ext uri="{FF2B5EF4-FFF2-40B4-BE49-F238E27FC236}">
+                <a16:creationId xmlns:a16="http://schemas.microsoft.com/office/drawing/2014/main" id="{C1C16457-135B-42D6-BD5B-8AF9CCC2689E}"/>
+              </a:ext>
+            </a:extLst>
+          </p:cNvPr>
+          <p:cNvSpPr>
+            <a:spLocks noGrp="1"/>
+          </p:cNvSpPr>
+          <p:nvPr>
+            <p:ph idx="1"/>
+          </p:nvPr>
+        </p:nvSpPr>
+        <p:spPr/>
+        <p:txBody>
+          <a:bodyPr>
+            <a:normAutofit lnSpcReduction="10000"/>
+          </a:bodyPr>
+          <a:lstStyle/>
+          <a:p>
+            <a:r>
+              <a:rPr lang="en-US" altLang="zh-TW" dirty="0"/>
+              <a:t>Potential Optimizations</a:t>
+            </a:r>
+          </a:p>
+          <a:p>
+            <a:endParaRPr lang="en-US" altLang="zh-TW" dirty="0"/>
+          </a:p>
+          <a:p>
+            <a:r>
+              <a:rPr lang="en-US" altLang="zh-TW" dirty="0"/>
+              <a:t>The BLE peripheral constantly needs to advertise , This increases energy consumption and decreases the quality of the BLE connection as well.</a:t>
+            </a:r>
+          </a:p>
+          <a:p>
+            <a:endParaRPr lang="en-US" altLang="zh-TW" dirty="0"/>
+          </a:p>
+          <a:p>
+            <a:r>
+              <a:rPr lang="en-US" altLang="zh-TW" dirty="0"/>
+              <a:t>A possible improvement could employ a proactive decision on when to start and stop advertising. The peripheral can monitor the quality of the current connection (i.e. via RSSI) and decide via these indicators whether it is necessary to advertise its presence or not.</a:t>
+            </a:r>
+          </a:p>
+        </p:txBody>
+      </p:sp>
+      <p:sp>
+        <p:nvSpPr>
+          <p:cNvPr id="4" name="投影片編號版面配置區 3">
+            <a:extLst>
+              <a:ext uri="{FF2B5EF4-FFF2-40B4-BE49-F238E27FC236}">
+                <a16:creationId xmlns:a16="http://schemas.microsoft.com/office/drawing/2014/main" id="{DB634B57-2E7E-40BE-993E-5F46071107A7}"/>
+              </a:ext>
+            </a:extLst>
+          </p:cNvPr>
+          <p:cNvSpPr>
+            <a:spLocks noGrp="1"/>
+          </p:cNvSpPr>
+          <p:nvPr>
+            <p:ph type="sldNum" sz="quarter" idx="12"/>
+          </p:nvPr>
+        </p:nvSpPr>
+        <p:spPr/>
+        <p:txBody>
+          <a:bodyPr/>
+          <a:lstStyle/>
+          <a:p>
+            <a:fld id="{50029C49-A5A9-4A95-8BF0-94F73808DB5F}" type="slidenum">
+              <a:rPr lang="zh-TW" altLang="en-US" smtClean="0"/>
+              <a:t>18</a:t>
+            </a:fld>
+            <a:endParaRPr lang="zh-TW" altLang="en-US"/>
+          </a:p>
+        </p:txBody>
+      </p:sp>
+    </p:spTree>
+    <p:extLst>
+      <p:ext uri="{BB962C8B-B14F-4D97-AF65-F5344CB8AC3E}">
+        <p14:creationId xmlns:p14="http://schemas.microsoft.com/office/powerpoint/2010/main" val="3851096165"/>
+      </p:ext>
+    </p:extLst>
+  </p:cSld>
+  <p:clrMapOvr>
+    <a:masterClrMapping/>
+  </p:clrMapOvr>
+</p:sld>
+</file>
+
+<file path=ppt/slides/slide19.xml><?xml version="1.0" encoding="utf-8"?>
+<p:sld xmlns:a="http://schemas.openxmlformats.org/drawingml/2006/main" xmlns:r="http://schemas.openxmlformats.org/officeDocument/2006/relationships" xmlns:p="http://schemas.openxmlformats.org/presentationml/2006/main">
+  <p:cSld>
+    <p:spTree>
+      <p:nvGrpSpPr>
+        <p:cNvPr id="1" name=""/>
+        <p:cNvGrpSpPr/>
+        <p:nvPr/>
+      </p:nvGrpSpPr>
+      <p:grpSpPr>
+        <a:xfrm>
+          <a:off x="0" y="0"/>
+          <a:ext cx="0" cy="0"/>
+          <a:chOff x="0" y="0"/>
+          <a:chExt cx="0" cy="0"/>
+        </a:xfrm>
+      </p:grpSpPr>
+      <p:sp>
+        <p:nvSpPr>
+          <p:cNvPr id="2" name="標題 1">
+            <a:extLst>
+              <a:ext uri="{FF2B5EF4-FFF2-40B4-BE49-F238E27FC236}">
+                <a16:creationId xmlns:a16="http://schemas.microsoft.com/office/drawing/2014/main" id="{B395D8BB-EDB2-42F3-9D92-4E6E7DCBB06A}"/>
+              </a:ext>
+            </a:extLst>
+          </p:cNvPr>
+          <p:cNvSpPr>
+            <a:spLocks noGrp="1"/>
+          </p:cNvSpPr>
+          <p:nvPr>
+            <p:ph type="title"/>
+          </p:nvPr>
+        </p:nvSpPr>
+        <p:spPr/>
+        <p:txBody>
+          <a:bodyPr/>
+          <a:lstStyle/>
+          <a:p>
+            <a:r>
+              <a:rPr lang="en-US" altLang="zh-TW" dirty="0"/>
+              <a:t>Evaluation : active handover(cont’d)</a:t>
+            </a:r>
+            <a:endParaRPr lang="zh-TW" altLang="en-US" dirty="0"/>
+          </a:p>
+        </p:txBody>
+      </p:sp>
+      <p:pic>
+        <p:nvPicPr>
+          <p:cNvPr id="6" name="內容版面配置區 5">
+            <a:extLst>
+              <a:ext uri="{FF2B5EF4-FFF2-40B4-BE49-F238E27FC236}">
+                <a16:creationId xmlns:a16="http://schemas.microsoft.com/office/drawing/2014/main" id="{A78F9D59-9703-400B-9573-CF8C8B02937D}"/>
+              </a:ext>
+            </a:extLst>
+          </p:cNvPr>
+          <p:cNvPicPr>
+            <a:picLocks noGrp="1" noChangeAspect="1"/>
+          </p:cNvPicPr>
+          <p:nvPr>
+            <p:ph idx="1"/>
+          </p:nvPr>
+        </p:nvPicPr>
+        <p:blipFill>
+          <a:blip r:embed="rId2"/>
+          <a:stretch>
+            <a:fillRect/>
+          </a:stretch>
+        </p:blipFill>
+        <p:spPr>
+          <a:xfrm>
+            <a:off x="1397583" y="1489586"/>
+            <a:ext cx="9103801" cy="4866763"/>
+          </a:xfrm>
+        </p:spPr>
+      </p:pic>
+      <p:sp>
+        <p:nvSpPr>
+          <p:cNvPr id="4" name="投影片編號版面配置區 3">
+            <a:extLst>
+              <a:ext uri="{FF2B5EF4-FFF2-40B4-BE49-F238E27FC236}">
+                <a16:creationId xmlns:a16="http://schemas.microsoft.com/office/drawing/2014/main" id="{DB634B57-2E7E-40BE-993E-5F46071107A7}"/>
+              </a:ext>
+            </a:extLst>
+          </p:cNvPr>
+          <p:cNvSpPr>
+            <a:spLocks noGrp="1"/>
+          </p:cNvSpPr>
+          <p:nvPr>
+            <p:ph type="sldNum" sz="quarter" idx="12"/>
+          </p:nvPr>
+        </p:nvSpPr>
+        <p:spPr/>
+        <p:txBody>
+          <a:bodyPr/>
+          <a:lstStyle/>
+          <a:p>
+            <a:fld id="{50029C49-A5A9-4A95-8BF0-94F73808DB5F}" type="slidenum">
+              <a:rPr lang="zh-TW" altLang="en-US" smtClean="0"/>
+              <a:t>19</a:t>
+            </a:fld>
+            <a:endParaRPr lang="zh-TW" altLang="en-US"/>
+          </a:p>
+        </p:txBody>
+      </p:sp>
+    </p:spTree>
+    <p:extLst>
+      <p:ext uri="{BB962C8B-B14F-4D97-AF65-F5344CB8AC3E}">
+        <p14:creationId xmlns:p14="http://schemas.microsoft.com/office/powerpoint/2010/main" val="378226096"/>
+      </p:ext>
+    </p:extLst>
+  </p:cSld>
+  <p:clrMapOvr>
+    <a:masterClrMapping/>
+  </p:clrMapOvr>
+</p:sld>
+</file>
+
+<file path=ppt/slides/slide2.xml><?xml version="1.0" encoding="utf-8"?>
+<p:sld xmlns:a="http://schemas.openxmlformats.org/drawingml/2006/main" xmlns:r="http://schemas.openxmlformats.org/officeDocument/2006/relationships" xmlns:p="http://schemas.openxmlformats.org/presentationml/2006/main">
+  <p:cSld>
+    <p:spTree>
+      <p:nvGrpSpPr>
+        <p:cNvPr id="1" name=""/>
+        <p:cNvGrpSpPr/>
+        <p:nvPr/>
+      </p:nvGrpSpPr>
+      <p:grpSpPr>
+        <a:xfrm>
+          <a:off x="0" y="0"/>
+          <a:ext cx="0" cy="0"/>
+          <a:chOff x="0" y="0"/>
+          <a:chExt cx="0" cy="0"/>
+        </a:xfrm>
+      </p:grpSpPr>
+      <p:sp>
+        <p:nvSpPr>
+          <p:cNvPr id="2" name="標題 1">
+            <a:extLst>
+              <a:ext uri="{FF2B5EF4-FFF2-40B4-BE49-F238E27FC236}">
+                <a16:creationId xmlns:a16="http://schemas.microsoft.com/office/drawing/2014/main" id="{374CC6A4-7D80-460A-B3B0-D78C7AA4B278}"/>
+              </a:ext>
+            </a:extLst>
+          </p:cNvPr>
+          <p:cNvSpPr>
+            <a:spLocks noGrp="1"/>
+          </p:cNvSpPr>
+          <p:nvPr>
+            <p:ph type="title"/>
+          </p:nvPr>
+        </p:nvSpPr>
+        <p:spPr/>
+        <p:txBody>
+          <a:bodyPr/>
+          <a:lstStyle/>
+          <a:p>
+            <a:r>
+              <a:rPr lang="en-US" altLang="zh-TW" dirty="0"/>
+              <a:t>Outline</a:t>
+            </a:r>
+            <a:endParaRPr lang="zh-TW" altLang="en-US" dirty="0"/>
+          </a:p>
+        </p:txBody>
+      </p:sp>
+      <p:sp>
+        <p:nvSpPr>
+          <p:cNvPr id="3" name="內容版面配置區 2">
+            <a:extLst>
+              <a:ext uri="{FF2B5EF4-FFF2-40B4-BE49-F238E27FC236}">
+                <a16:creationId xmlns:a16="http://schemas.microsoft.com/office/drawing/2014/main" id="{E4C02B56-07BF-448C-BE47-03D13CE393B5}"/>
+              </a:ext>
+            </a:extLst>
+          </p:cNvPr>
+          <p:cNvSpPr>
+            <a:spLocks noGrp="1"/>
+          </p:cNvSpPr>
+          <p:nvPr>
+            <p:ph idx="1"/>
+          </p:nvPr>
+        </p:nvSpPr>
+        <p:spPr/>
+        <p:txBody>
+          <a:bodyPr>
+            <a:normAutofit lnSpcReduction="10000"/>
+          </a:bodyPr>
+          <a:lstStyle/>
+          <a:p>
+            <a:r>
+              <a:rPr lang="en-US" altLang="zh-TW" dirty="0"/>
+              <a:t>Introduction</a:t>
+            </a:r>
+          </a:p>
+          <a:p>
+            <a:r>
+              <a:rPr lang="en-US" altLang="zh-TW" dirty="0"/>
+              <a:t>Primer on BLE and BLE over IPv6</a:t>
+            </a:r>
+          </a:p>
+          <a:p>
+            <a:r>
+              <a:rPr lang="en-US" altLang="zh-TW" dirty="0"/>
+              <a:t>Related work</a:t>
+            </a:r>
+          </a:p>
+          <a:p>
+            <a:r>
+              <a:rPr lang="en-US" altLang="zh-TW" dirty="0"/>
+              <a:t>A BLE-based multi-Gateway network infrastructure</a:t>
+            </a:r>
+          </a:p>
+          <a:p>
+            <a:r>
+              <a:rPr lang="en-US" altLang="zh-TW" dirty="0"/>
+              <a:t>Handover approaches</a:t>
+            </a:r>
+          </a:p>
+          <a:p>
+            <a:r>
+              <a:rPr lang="en-US" altLang="zh-TW" dirty="0"/>
+              <a:t>Implementation details</a:t>
+            </a:r>
+          </a:p>
+          <a:p>
+            <a:r>
+              <a:rPr lang="en-US" altLang="zh-TW" dirty="0"/>
+              <a:t>Evaluation</a:t>
+            </a:r>
+          </a:p>
+          <a:p>
+            <a:r>
+              <a:rPr lang="en-US" altLang="zh-TW" dirty="0"/>
+              <a:t>Conclusion</a:t>
+            </a:r>
+          </a:p>
+          <a:p>
+            <a:r>
+              <a:rPr lang="en-US" altLang="zh-TW" dirty="0"/>
+              <a:t>References</a:t>
+            </a:r>
+          </a:p>
+          <a:p>
+            <a:endParaRPr lang="zh-TW" altLang="en-US" dirty="0"/>
+          </a:p>
+        </p:txBody>
+      </p:sp>
+      <p:sp>
+        <p:nvSpPr>
+          <p:cNvPr id="4" name="投影片編號版面配置區 3">
+            <a:extLst>
+              <a:ext uri="{FF2B5EF4-FFF2-40B4-BE49-F238E27FC236}">
+                <a16:creationId xmlns:a16="http://schemas.microsoft.com/office/drawing/2014/main" id="{54C0367C-91A7-428B-B46E-60D3CE76CC93}"/>
+              </a:ext>
+            </a:extLst>
+          </p:cNvPr>
+          <p:cNvSpPr>
+            <a:spLocks noGrp="1"/>
+          </p:cNvSpPr>
+          <p:nvPr>
+            <p:ph type="sldNum" sz="quarter" idx="12"/>
+          </p:nvPr>
+        </p:nvSpPr>
+        <p:spPr/>
+        <p:txBody>
+          <a:bodyPr/>
+          <a:lstStyle/>
+          <a:p>
+            <a:fld id="{50029C49-A5A9-4A95-8BF0-94F73808DB5F}" type="slidenum">
+              <a:rPr lang="zh-TW" altLang="en-US" smtClean="0"/>
+              <a:t>2</a:t>
+            </a:fld>
+            <a:endParaRPr lang="zh-TW" altLang="en-US"/>
+          </a:p>
+        </p:txBody>
+      </p:sp>
+    </p:spTree>
+    <p:extLst>
+      <p:ext uri="{BB962C8B-B14F-4D97-AF65-F5344CB8AC3E}">
+        <p14:creationId xmlns:p14="http://schemas.microsoft.com/office/powerpoint/2010/main" val="1051466082"/>
+      </p:ext>
+    </p:extLst>
+  </p:cSld>
+  <p:clrMapOvr>
+    <a:masterClrMapping/>
+  </p:clrMapOvr>
+</p:sld>
+</file>
+
+<file path=ppt/slides/slide20.xml><?xml version="1.0" encoding="utf-8"?>
+<p:sld xmlns:a="http://schemas.openxmlformats.org/drawingml/2006/main" xmlns:r="http://schemas.openxmlformats.org/officeDocument/2006/relationships" xmlns:p="http://schemas.openxmlformats.org/presentationml/2006/main">
+  <p:cSld>
+    <p:spTree>
+      <p:nvGrpSpPr>
+        <p:cNvPr id="1" name=""/>
+        <p:cNvGrpSpPr/>
+        <p:nvPr/>
+      </p:nvGrpSpPr>
+      <p:grpSpPr>
+        <a:xfrm>
+          <a:off x="0" y="0"/>
+          <a:ext cx="0" cy="0"/>
+          <a:chOff x="0" y="0"/>
+          <a:chExt cx="0" cy="0"/>
+        </a:xfrm>
+      </p:grpSpPr>
+      <p:pic>
+        <p:nvPicPr>
+          <p:cNvPr id="8" name="圖片 7">
+            <a:extLst>
+              <a:ext uri="{FF2B5EF4-FFF2-40B4-BE49-F238E27FC236}">
+                <a16:creationId xmlns:a16="http://schemas.microsoft.com/office/drawing/2014/main" id="{A227DB98-E76B-40DC-818A-F931CB33AC63}"/>
+              </a:ext>
+            </a:extLst>
+          </p:cNvPr>
+          <p:cNvPicPr>
+            <a:picLocks noChangeAspect="1"/>
+          </p:cNvPicPr>
+          <p:nvPr/>
+        </p:nvPicPr>
+        <p:blipFill>
+          <a:blip r:embed="rId3"/>
+          <a:stretch>
+            <a:fillRect/>
+          </a:stretch>
+        </p:blipFill>
+        <p:spPr>
+          <a:xfrm>
+            <a:off x="2212258" y="365125"/>
+            <a:ext cx="9979742" cy="6411330"/>
+          </a:xfrm>
+          <a:prstGeom prst="rect">
+            <a:avLst/>
+          </a:prstGeom>
+        </p:spPr>
+      </p:pic>
+      <p:sp>
+        <p:nvSpPr>
+          <p:cNvPr id="2" name="標題 1">
+            <a:extLst>
+              <a:ext uri="{FF2B5EF4-FFF2-40B4-BE49-F238E27FC236}">
+                <a16:creationId xmlns:a16="http://schemas.microsoft.com/office/drawing/2014/main" id="{B395D8BB-EDB2-42F3-9D92-4E6E7DCBB06A}"/>
+              </a:ext>
+            </a:extLst>
+          </p:cNvPr>
+          <p:cNvSpPr>
+            <a:spLocks noGrp="1"/>
+          </p:cNvSpPr>
+          <p:nvPr>
+            <p:ph type="title"/>
+          </p:nvPr>
+        </p:nvSpPr>
+        <p:spPr/>
+        <p:txBody>
+          <a:bodyPr/>
+          <a:lstStyle/>
+          <a:p>
+            <a:r>
+              <a:rPr lang="en-US" altLang="zh-TW" dirty="0"/>
+              <a:t>Evaluation : active handover(cont’d)</a:t>
+            </a:r>
+            <a:endParaRPr lang="zh-TW" altLang="en-US" dirty="0"/>
+          </a:p>
+        </p:txBody>
+      </p:sp>
+      <p:sp>
+        <p:nvSpPr>
+          <p:cNvPr id="4" name="投影片編號版面配置區 3">
+            <a:extLst>
+              <a:ext uri="{FF2B5EF4-FFF2-40B4-BE49-F238E27FC236}">
+                <a16:creationId xmlns:a16="http://schemas.microsoft.com/office/drawing/2014/main" id="{DB634B57-2E7E-40BE-993E-5F46071107A7}"/>
+              </a:ext>
+            </a:extLst>
+          </p:cNvPr>
+          <p:cNvSpPr>
+            <a:spLocks noGrp="1"/>
+          </p:cNvSpPr>
+          <p:nvPr>
+            <p:ph type="sldNum" sz="quarter" idx="12"/>
+          </p:nvPr>
+        </p:nvSpPr>
+        <p:spPr/>
+        <p:txBody>
+          <a:bodyPr/>
+          <a:lstStyle/>
+          <a:p>
+            <a:fld id="{50029C49-A5A9-4A95-8BF0-94F73808DB5F}" type="slidenum">
+              <a:rPr lang="zh-TW" altLang="en-US" smtClean="0"/>
+              <a:t>20</a:t>
+            </a:fld>
+            <a:endParaRPr lang="zh-TW" altLang="en-US"/>
+          </a:p>
+        </p:txBody>
+      </p:sp>
+      <p:sp>
+        <p:nvSpPr>
+          <p:cNvPr id="10" name="矩形 9">
+            <a:extLst>
+              <a:ext uri="{FF2B5EF4-FFF2-40B4-BE49-F238E27FC236}">
+                <a16:creationId xmlns:a16="http://schemas.microsoft.com/office/drawing/2014/main" id="{59271590-5250-47B3-AF03-FE596194ABEF}"/>
+              </a:ext>
+            </a:extLst>
+          </p:cNvPr>
+          <p:cNvSpPr/>
+          <p:nvPr/>
+        </p:nvSpPr>
+        <p:spPr>
+          <a:xfrm>
+            <a:off x="4827360" y="1895475"/>
+            <a:ext cx="1481570" cy="3089478"/>
+          </a:xfrm>
+          <a:prstGeom prst="rect">
+            <a:avLst/>
+          </a:prstGeom>
+          <a:noFill/>
+          <a:ln w="38100">
+            <a:solidFill>
+              <a:srgbClr val="FF0000"/>
+            </a:solidFill>
+          </a:ln>
+        </p:spPr>
+        <p:style>
+          <a:lnRef idx="2">
+            <a:schemeClr val="accent1">
+              <a:shade val="50000"/>
+            </a:schemeClr>
+          </a:lnRef>
+          <a:fillRef idx="1">
+            <a:schemeClr val="accent1"/>
+          </a:fillRef>
+          <a:effectRef idx="0">
+            <a:schemeClr val="accent1"/>
+          </a:effectRef>
+          <a:fontRef idx="minor">
+            <a:schemeClr val="lt1"/>
+          </a:fontRef>
+        </p:style>
+        <p:txBody>
+          <a:bodyPr rtlCol="0" anchor="ctr"/>
+          <a:lstStyle/>
+          <a:p>
+            <a:pPr algn="ctr"/>
+            <a:endParaRPr lang="zh-TW" altLang="en-US"/>
+          </a:p>
+        </p:txBody>
+      </p:sp>
+      <p:sp>
+        <p:nvSpPr>
+          <p:cNvPr id="12" name="矩形 11">
+            <a:extLst>
+              <a:ext uri="{FF2B5EF4-FFF2-40B4-BE49-F238E27FC236}">
+                <a16:creationId xmlns:a16="http://schemas.microsoft.com/office/drawing/2014/main" id="{05CFDDA2-8340-49C3-9778-09032582DF95}"/>
+              </a:ext>
+            </a:extLst>
+          </p:cNvPr>
+          <p:cNvSpPr/>
+          <p:nvPr/>
+        </p:nvSpPr>
+        <p:spPr>
+          <a:xfrm>
+            <a:off x="6296025" y="1895475"/>
+            <a:ext cx="1638300" cy="4686300"/>
+          </a:xfrm>
+          <a:prstGeom prst="rect">
+            <a:avLst/>
+          </a:prstGeom>
+          <a:noFill/>
+          <a:ln w="38100">
+            <a:solidFill>
+              <a:srgbClr val="FF0000"/>
+            </a:solidFill>
+          </a:ln>
+        </p:spPr>
+        <p:style>
+          <a:lnRef idx="2">
+            <a:schemeClr val="accent1">
+              <a:shade val="50000"/>
+            </a:schemeClr>
+          </a:lnRef>
+          <a:fillRef idx="1">
+            <a:schemeClr val="accent1"/>
+          </a:fillRef>
+          <a:effectRef idx="0">
+            <a:schemeClr val="accent1"/>
+          </a:effectRef>
+          <a:fontRef idx="minor">
+            <a:schemeClr val="lt1"/>
+          </a:fontRef>
+        </p:style>
+        <p:txBody>
+          <a:bodyPr rtlCol="0" anchor="ctr"/>
+          <a:lstStyle/>
+          <a:p>
+            <a:pPr algn="ctr"/>
+            <a:endParaRPr lang="zh-TW" altLang="en-US"/>
+          </a:p>
+        </p:txBody>
+      </p:sp>
+    </p:spTree>
+    <p:extLst>
+      <p:ext uri="{BB962C8B-B14F-4D97-AF65-F5344CB8AC3E}">
+        <p14:creationId xmlns:p14="http://schemas.microsoft.com/office/powerpoint/2010/main" val="215175971"/>
+      </p:ext>
+    </p:extLst>
+  </p:cSld>
+  <p:clrMapOvr>
+    <a:masterClrMapping/>
+  </p:clrMapOvr>
+</p:sld>
+</file>
+
+<file path=ppt/slides/slide21.xml><?xml version="1.0" encoding="utf-8"?>
+<p:sld xmlns:a="http://schemas.openxmlformats.org/drawingml/2006/main" xmlns:r="http://schemas.openxmlformats.org/officeDocument/2006/relationships" xmlns:p="http://schemas.openxmlformats.org/presentationml/2006/main">
+  <p:cSld>
+    <p:spTree>
+      <p:nvGrpSpPr>
+        <p:cNvPr id="1" name=""/>
+        <p:cNvGrpSpPr/>
+        <p:nvPr/>
+      </p:nvGrpSpPr>
+      <p:grpSpPr>
+        <a:xfrm>
+          <a:off x="0" y="0"/>
+          <a:ext cx="0" cy="0"/>
+          <a:chOff x="0" y="0"/>
+          <a:chExt cx="0" cy="0"/>
+        </a:xfrm>
+      </p:grpSpPr>
+      <p:sp>
+        <p:nvSpPr>
+          <p:cNvPr id="2" name="標題 1">
+            <a:extLst>
+              <a:ext uri="{FF2B5EF4-FFF2-40B4-BE49-F238E27FC236}">
+                <a16:creationId xmlns:a16="http://schemas.microsoft.com/office/drawing/2014/main" id="{B395D8BB-EDB2-42F3-9D92-4E6E7DCBB06A}"/>
+              </a:ext>
+            </a:extLst>
+          </p:cNvPr>
+          <p:cNvSpPr>
+            <a:spLocks noGrp="1"/>
+          </p:cNvSpPr>
+          <p:nvPr>
+            <p:ph type="title"/>
+          </p:nvPr>
+        </p:nvSpPr>
+        <p:spPr/>
+        <p:txBody>
+          <a:bodyPr/>
+          <a:lstStyle/>
+          <a:p>
+            <a:r>
+              <a:rPr lang="en-US" altLang="zh-TW" dirty="0"/>
+              <a:t>Evaluation(cont’d)</a:t>
+            </a:r>
+            <a:endParaRPr lang="zh-TW" altLang="en-US" dirty="0"/>
+          </a:p>
+        </p:txBody>
+      </p:sp>
+      <p:sp>
+        <p:nvSpPr>
+          <p:cNvPr id="3" name="內容版面配置區 2">
+            <a:extLst>
+              <a:ext uri="{FF2B5EF4-FFF2-40B4-BE49-F238E27FC236}">
+                <a16:creationId xmlns:a16="http://schemas.microsoft.com/office/drawing/2014/main" id="{C1C16457-135B-42D6-BD5B-8AF9CCC2689E}"/>
+              </a:ext>
+            </a:extLst>
+          </p:cNvPr>
+          <p:cNvSpPr>
+            <a:spLocks noGrp="1"/>
+          </p:cNvSpPr>
+          <p:nvPr>
+            <p:ph idx="1"/>
+          </p:nvPr>
+        </p:nvSpPr>
+        <p:spPr/>
+        <p:txBody>
+          <a:bodyPr>
+            <a:normAutofit/>
+          </a:bodyPr>
+          <a:lstStyle/>
+          <a:p>
+            <a:r>
+              <a:rPr lang="en-US" altLang="zh-TW" dirty="0"/>
+              <a:t>During a handover process, the BLE peripheral is not reachable from application servers. This implies possible data loss.</a:t>
+            </a:r>
+          </a:p>
+          <a:p>
+            <a:endParaRPr lang="en-US" altLang="zh-TW" dirty="0"/>
+          </a:p>
+          <a:p>
+            <a:r>
+              <a:rPr lang="en-US" altLang="zh-TW" dirty="0"/>
+              <a:t>The newest BLE standard allows a BLE peripheral to be in a connection with multiple BLE centrals at once.</a:t>
+            </a:r>
+          </a:p>
+          <a:p>
+            <a:endParaRPr lang="en-US" altLang="zh-TW" dirty="0"/>
+          </a:p>
+          <a:p>
+            <a:r>
+              <a:rPr lang="en-US" altLang="zh-TW" dirty="0"/>
+              <a:t>Allowing the current GW to keep its connection with the BLE peripheral, until the new connection with the alternative GW is established. </a:t>
+            </a:r>
+          </a:p>
+        </p:txBody>
+      </p:sp>
+      <p:sp>
+        <p:nvSpPr>
+          <p:cNvPr id="4" name="投影片編號版面配置區 3">
+            <a:extLst>
+              <a:ext uri="{FF2B5EF4-FFF2-40B4-BE49-F238E27FC236}">
+                <a16:creationId xmlns:a16="http://schemas.microsoft.com/office/drawing/2014/main" id="{DB634B57-2E7E-40BE-993E-5F46071107A7}"/>
+              </a:ext>
+            </a:extLst>
+          </p:cNvPr>
+          <p:cNvSpPr>
+            <a:spLocks noGrp="1"/>
+          </p:cNvSpPr>
+          <p:nvPr>
+            <p:ph type="sldNum" sz="quarter" idx="12"/>
+          </p:nvPr>
+        </p:nvSpPr>
+        <p:spPr/>
+        <p:txBody>
+          <a:bodyPr/>
+          <a:lstStyle/>
+          <a:p>
+            <a:fld id="{50029C49-A5A9-4A95-8BF0-94F73808DB5F}" type="slidenum">
+              <a:rPr lang="zh-TW" altLang="en-US" smtClean="0"/>
+              <a:t>21</a:t>
+            </a:fld>
+            <a:endParaRPr lang="zh-TW" altLang="en-US"/>
+          </a:p>
+        </p:txBody>
+      </p:sp>
+    </p:spTree>
+    <p:extLst>
+      <p:ext uri="{BB962C8B-B14F-4D97-AF65-F5344CB8AC3E}">
+        <p14:creationId xmlns:p14="http://schemas.microsoft.com/office/powerpoint/2010/main" val="1590821730"/>
+      </p:ext>
+    </p:extLst>
+  </p:cSld>
+  <p:clrMapOvr>
+    <a:masterClrMapping/>
+  </p:clrMapOvr>
+</p:sld>
+</file>
+
+<file path=ppt/slides/slide22.xml><?xml version="1.0" encoding="utf-8"?>
+<p:sld xmlns:a="http://schemas.openxmlformats.org/drawingml/2006/main" xmlns:r="http://schemas.openxmlformats.org/officeDocument/2006/relationships" xmlns:p="http://schemas.openxmlformats.org/presentationml/2006/main">
+  <p:cSld>
+    <p:spTree>
+      <p:nvGrpSpPr>
+        <p:cNvPr id="1" name=""/>
+        <p:cNvGrpSpPr/>
+        <p:nvPr/>
+      </p:nvGrpSpPr>
+      <p:grpSpPr>
+        <a:xfrm>
+          <a:off x="0" y="0"/>
+          <a:ext cx="0" cy="0"/>
+          <a:chOff x="0" y="0"/>
+          <a:chExt cx="0" cy="0"/>
+        </a:xfrm>
+      </p:grpSpPr>
+      <p:sp>
+        <p:nvSpPr>
+          <p:cNvPr id="2" name="標題 1">
+            <a:extLst>
+              <a:ext uri="{FF2B5EF4-FFF2-40B4-BE49-F238E27FC236}">
+                <a16:creationId xmlns:a16="http://schemas.microsoft.com/office/drawing/2014/main" id="{B395D8BB-EDB2-42F3-9D92-4E6E7DCBB06A}"/>
+              </a:ext>
+            </a:extLst>
+          </p:cNvPr>
+          <p:cNvSpPr>
+            <a:spLocks noGrp="1"/>
+          </p:cNvSpPr>
+          <p:nvPr>
+            <p:ph type="title"/>
+          </p:nvPr>
+        </p:nvSpPr>
+        <p:spPr/>
+        <p:txBody>
+          <a:bodyPr/>
+          <a:lstStyle/>
+          <a:p>
+            <a:r>
+              <a:rPr lang="en-US" altLang="zh-TW" dirty="0"/>
+              <a:t>Evaluation(cont’d)</a:t>
+            </a:r>
+            <a:endParaRPr lang="zh-TW" altLang="en-US" dirty="0"/>
+          </a:p>
+        </p:txBody>
+      </p:sp>
+      <p:sp>
+        <p:nvSpPr>
+          <p:cNvPr id="3" name="內容版面配置區 2">
+            <a:extLst>
+              <a:ext uri="{FF2B5EF4-FFF2-40B4-BE49-F238E27FC236}">
+                <a16:creationId xmlns:a16="http://schemas.microsoft.com/office/drawing/2014/main" id="{C1C16457-135B-42D6-BD5B-8AF9CCC2689E}"/>
+              </a:ext>
+            </a:extLst>
+          </p:cNvPr>
+          <p:cNvSpPr>
+            <a:spLocks noGrp="1"/>
+          </p:cNvSpPr>
+          <p:nvPr>
+            <p:ph idx="1"/>
+          </p:nvPr>
+        </p:nvSpPr>
+        <p:spPr/>
+        <p:txBody>
+          <a:bodyPr>
+            <a:normAutofit/>
+          </a:bodyPr>
+          <a:lstStyle/>
+          <a:p>
+            <a:r>
+              <a:rPr lang="en-US" altLang="zh-TW" dirty="0"/>
+              <a:t>Finally, to avoid constant switching between connectable and non-connectable scanning, two separate BLE modules could be used on the same GW. </a:t>
+            </a:r>
+          </a:p>
+          <a:p>
+            <a:endParaRPr lang="en-US" altLang="zh-TW" dirty="0"/>
+          </a:p>
+          <a:p>
+            <a:r>
+              <a:rPr lang="en-US" altLang="zh-TW" dirty="0"/>
+              <a:t>One module is in charge of connectable scanning and maintains existing BLE connections. </a:t>
+            </a:r>
+          </a:p>
+          <a:p>
+            <a:endParaRPr lang="en-US" altLang="zh-TW" dirty="0"/>
+          </a:p>
+          <a:p>
+            <a:r>
+              <a:rPr lang="en-US" altLang="zh-TW" dirty="0"/>
+              <a:t>The other module performs only non-connectable scanning, continuously sending RSSI log messages to the controller.</a:t>
+            </a:r>
+          </a:p>
+        </p:txBody>
+      </p:sp>
+      <p:sp>
+        <p:nvSpPr>
+          <p:cNvPr id="4" name="投影片編號版面配置區 3">
+            <a:extLst>
+              <a:ext uri="{FF2B5EF4-FFF2-40B4-BE49-F238E27FC236}">
+                <a16:creationId xmlns:a16="http://schemas.microsoft.com/office/drawing/2014/main" id="{DB634B57-2E7E-40BE-993E-5F46071107A7}"/>
+              </a:ext>
+            </a:extLst>
+          </p:cNvPr>
+          <p:cNvSpPr>
+            <a:spLocks noGrp="1"/>
+          </p:cNvSpPr>
+          <p:nvPr>
+            <p:ph type="sldNum" sz="quarter" idx="12"/>
+          </p:nvPr>
+        </p:nvSpPr>
+        <p:spPr/>
+        <p:txBody>
+          <a:bodyPr/>
+          <a:lstStyle/>
+          <a:p>
+            <a:fld id="{50029C49-A5A9-4A95-8BF0-94F73808DB5F}" type="slidenum">
+              <a:rPr lang="zh-TW" altLang="en-US" smtClean="0"/>
+              <a:t>22</a:t>
+            </a:fld>
+            <a:endParaRPr lang="zh-TW" altLang="en-US"/>
+          </a:p>
+        </p:txBody>
+      </p:sp>
+    </p:spTree>
+    <p:extLst>
+      <p:ext uri="{BB962C8B-B14F-4D97-AF65-F5344CB8AC3E}">
+        <p14:creationId xmlns:p14="http://schemas.microsoft.com/office/powerpoint/2010/main" val="1541052724"/>
+      </p:ext>
+    </p:extLst>
+  </p:cSld>
+  <p:clrMapOvr>
+    <a:masterClrMapping/>
+  </p:clrMapOvr>
+</p:sld>
+</file>
+
+<file path=ppt/slides/slide23.xml><?xml version="1.0" encoding="utf-8"?>
+<p:sld xmlns:a="http://schemas.openxmlformats.org/drawingml/2006/main" xmlns:r="http://schemas.openxmlformats.org/officeDocument/2006/relationships" xmlns:p="http://schemas.openxmlformats.org/presentationml/2006/main">
+  <p:cSld>
+    <p:spTree>
+      <p:nvGrpSpPr>
+        <p:cNvPr id="1" name=""/>
+        <p:cNvGrpSpPr/>
+        <p:nvPr/>
+      </p:nvGrpSpPr>
+      <p:grpSpPr>
+        <a:xfrm>
+          <a:off x="0" y="0"/>
+          <a:ext cx="0" cy="0"/>
+          <a:chOff x="0" y="0"/>
+          <a:chExt cx="0" cy="0"/>
+        </a:xfrm>
+      </p:grpSpPr>
+      <p:sp>
+        <p:nvSpPr>
+          <p:cNvPr id="2" name="標題 1">
+            <a:extLst>
+              <a:ext uri="{FF2B5EF4-FFF2-40B4-BE49-F238E27FC236}">
+                <a16:creationId xmlns:a16="http://schemas.microsoft.com/office/drawing/2014/main" id="{B7DB5FDF-E9A2-4D3D-ACF8-CEFDE567ED4E}"/>
+              </a:ext>
+            </a:extLst>
+          </p:cNvPr>
+          <p:cNvSpPr>
+            <a:spLocks noGrp="1"/>
+          </p:cNvSpPr>
+          <p:nvPr>
+            <p:ph type="title"/>
+          </p:nvPr>
+        </p:nvSpPr>
+        <p:spPr/>
+        <p:txBody>
+          <a:bodyPr/>
+          <a:lstStyle/>
+          <a:p>
+            <a:r>
+              <a:rPr lang="en-US" altLang="zh-TW" dirty="0"/>
+              <a:t>Conclusion</a:t>
+            </a:r>
+            <a:endParaRPr lang="zh-TW" altLang="en-US" dirty="0"/>
+          </a:p>
+        </p:txBody>
+      </p:sp>
+      <p:sp>
+        <p:nvSpPr>
+          <p:cNvPr id="3" name="內容版面配置區 2">
+            <a:extLst>
+              <a:ext uri="{FF2B5EF4-FFF2-40B4-BE49-F238E27FC236}">
+                <a16:creationId xmlns:a16="http://schemas.microsoft.com/office/drawing/2014/main" id="{24BC7DE2-9247-4111-B9E4-01812FC553D6}"/>
+              </a:ext>
+            </a:extLst>
+          </p:cNvPr>
+          <p:cNvSpPr>
+            <a:spLocks noGrp="1"/>
+          </p:cNvSpPr>
+          <p:nvPr>
+            <p:ph idx="1"/>
+          </p:nvPr>
+        </p:nvSpPr>
+        <p:spPr/>
+        <p:txBody>
+          <a:bodyPr/>
+          <a:lstStyle/>
+          <a:p>
+            <a:r>
+              <a:rPr lang="en-US" altLang="zh-TW" dirty="0"/>
+              <a:t>In this paper, two architectures are proposed to realize a BLE-based multi-GW network infrastructure that is able to provide bidirectional connectivity to mobile BLE peripherals. </a:t>
+            </a:r>
+          </a:p>
+          <a:p>
+            <a:endParaRPr lang="en-US" altLang="zh-TW" dirty="0"/>
+          </a:p>
+          <a:p>
+            <a:r>
+              <a:rPr lang="en-US" altLang="zh-TW" dirty="0"/>
+              <a:t>The IP based architecture offers seamless end-to-end IP connectivity between a mobile BLE peripheral and an existing IP network. It limits custom implementation needs, but requires more resources from the already constrained mobile BLE peripheral. </a:t>
+            </a:r>
+            <a:endParaRPr lang="zh-TW" altLang="en-US" dirty="0"/>
+          </a:p>
+        </p:txBody>
+      </p:sp>
+      <p:sp>
+        <p:nvSpPr>
+          <p:cNvPr id="4" name="投影片編號版面配置區 3">
+            <a:extLst>
+              <a:ext uri="{FF2B5EF4-FFF2-40B4-BE49-F238E27FC236}">
+                <a16:creationId xmlns:a16="http://schemas.microsoft.com/office/drawing/2014/main" id="{1897B375-7AA8-4235-9A04-A251C8228EE1}"/>
+              </a:ext>
+            </a:extLst>
+          </p:cNvPr>
+          <p:cNvSpPr>
+            <a:spLocks noGrp="1"/>
+          </p:cNvSpPr>
+          <p:nvPr>
+            <p:ph type="sldNum" sz="quarter" idx="12"/>
+          </p:nvPr>
+        </p:nvSpPr>
+        <p:spPr/>
+        <p:txBody>
+          <a:bodyPr/>
+          <a:lstStyle/>
+          <a:p>
+            <a:fld id="{50029C49-A5A9-4A95-8BF0-94F73808DB5F}" type="slidenum">
+              <a:rPr lang="zh-TW" altLang="en-US" smtClean="0"/>
+              <a:t>23</a:t>
+            </a:fld>
+            <a:endParaRPr lang="zh-TW" altLang="en-US"/>
+          </a:p>
+        </p:txBody>
+      </p:sp>
+    </p:spTree>
+    <p:extLst>
+      <p:ext uri="{BB962C8B-B14F-4D97-AF65-F5344CB8AC3E}">
+        <p14:creationId xmlns:p14="http://schemas.microsoft.com/office/powerpoint/2010/main" val="3047592953"/>
+      </p:ext>
+    </p:extLst>
+  </p:cSld>
+  <p:clrMapOvr>
+    <a:masterClrMapping/>
+  </p:clrMapOvr>
+</p:sld>
+</file>
+
+<file path=ppt/slides/slide24.xml><?xml version="1.0" encoding="utf-8"?>
+<p:sld xmlns:a="http://schemas.openxmlformats.org/drawingml/2006/main" xmlns:r="http://schemas.openxmlformats.org/officeDocument/2006/relationships" xmlns:p="http://schemas.openxmlformats.org/presentationml/2006/main">
+  <p:cSld>
+    <p:spTree>
+      <p:nvGrpSpPr>
+        <p:cNvPr id="1" name=""/>
+        <p:cNvGrpSpPr/>
+        <p:nvPr/>
+      </p:nvGrpSpPr>
+      <p:grpSpPr>
+        <a:xfrm>
+          <a:off x="0" y="0"/>
+          <a:ext cx="0" cy="0"/>
+          <a:chOff x="0" y="0"/>
+          <a:chExt cx="0" cy="0"/>
+        </a:xfrm>
+      </p:grpSpPr>
+      <p:sp>
+        <p:nvSpPr>
+          <p:cNvPr id="2" name="標題 1">
+            <a:extLst>
+              <a:ext uri="{FF2B5EF4-FFF2-40B4-BE49-F238E27FC236}">
+                <a16:creationId xmlns:a16="http://schemas.microsoft.com/office/drawing/2014/main" id="{B7DB5FDF-E9A2-4D3D-ACF8-CEFDE567ED4E}"/>
+              </a:ext>
+            </a:extLst>
+          </p:cNvPr>
+          <p:cNvSpPr>
+            <a:spLocks noGrp="1"/>
+          </p:cNvSpPr>
+          <p:nvPr>
+            <p:ph type="title"/>
+          </p:nvPr>
+        </p:nvSpPr>
+        <p:spPr/>
+        <p:txBody>
+          <a:bodyPr/>
+          <a:lstStyle/>
+          <a:p>
+            <a:r>
+              <a:rPr lang="en-US" altLang="zh-TW" dirty="0"/>
+              <a:t>Conclusion(cont’d)</a:t>
+            </a:r>
+            <a:endParaRPr lang="zh-TW" altLang="en-US" dirty="0"/>
+          </a:p>
+        </p:txBody>
+      </p:sp>
+      <p:sp>
+        <p:nvSpPr>
+          <p:cNvPr id="3" name="內容版面配置區 2">
+            <a:extLst>
+              <a:ext uri="{FF2B5EF4-FFF2-40B4-BE49-F238E27FC236}">
+                <a16:creationId xmlns:a16="http://schemas.microsoft.com/office/drawing/2014/main" id="{24BC7DE2-9247-4111-B9E4-01812FC553D6}"/>
+              </a:ext>
+            </a:extLst>
+          </p:cNvPr>
+          <p:cNvSpPr>
+            <a:spLocks noGrp="1"/>
+          </p:cNvSpPr>
+          <p:nvPr>
+            <p:ph idx="1"/>
+          </p:nvPr>
+        </p:nvSpPr>
+        <p:spPr/>
+        <p:txBody>
+          <a:bodyPr/>
+          <a:lstStyle/>
+          <a:p>
+            <a:r>
+              <a:rPr lang="en-US" altLang="zh-TW" dirty="0"/>
+              <a:t>The non-IP based architecture requires less resources from the BLE peripheral as it employs native BLE communication towards the IoT gateway. However, custom implementation needs are much higher, as a dedicated controller is introduced within the existing network that needs to maintain the state of the infrastructure and the currently associated mobile BLE devices.</a:t>
+            </a:r>
+          </a:p>
+          <a:p>
+            <a:endParaRPr lang="en-US" altLang="zh-TW" dirty="0"/>
+          </a:p>
+          <a:p>
+            <a:endParaRPr lang="zh-TW" altLang="en-US" dirty="0"/>
+          </a:p>
+        </p:txBody>
+      </p:sp>
+      <p:sp>
+        <p:nvSpPr>
+          <p:cNvPr id="4" name="投影片編號版面配置區 3">
+            <a:extLst>
+              <a:ext uri="{FF2B5EF4-FFF2-40B4-BE49-F238E27FC236}">
+                <a16:creationId xmlns:a16="http://schemas.microsoft.com/office/drawing/2014/main" id="{3027A15A-810A-49CD-86D5-0BC2EF69CCF7}"/>
+              </a:ext>
+            </a:extLst>
+          </p:cNvPr>
+          <p:cNvSpPr>
+            <a:spLocks noGrp="1"/>
+          </p:cNvSpPr>
+          <p:nvPr>
+            <p:ph type="sldNum" sz="quarter" idx="12"/>
+          </p:nvPr>
+        </p:nvSpPr>
+        <p:spPr/>
+        <p:txBody>
+          <a:bodyPr/>
+          <a:lstStyle/>
+          <a:p>
+            <a:fld id="{50029C49-A5A9-4A95-8BF0-94F73808DB5F}" type="slidenum">
+              <a:rPr lang="zh-TW" altLang="en-US" smtClean="0"/>
+              <a:t>24</a:t>
+            </a:fld>
+            <a:endParaRPr lang="zh-TW" altLang="en-US"/>
+          </a:p>
+        </p:txBody>
+      </p:sp>
+    </p:spTree>
+    <p:extLst>
+      <p:ext uri="{BB962C8B-B14F-4D97-AF65-F5344CB8AC3E}">
+        <p14:creationId xmlns:p14="http://schemas.microsoft.com/office/powerpoint/2010/main" val="4005318741"/>
+      </p:ext>
+    </p:extLst>
+  </p:cSld>
+  <p:clrMapOvr>
+    <a:masterClrMapping/>
+  </p:clrMapOvr>
+</p:sld>
+</file>
+
+<file path=ppt/slides/slide25.xml><?xml version="1.0" encoding="utf-8"?>
+<p:sld xmlns:a="http://schemas.openxmlformats.org/drawingml/2006/main" xmlns:r="http://schemas.openxmlformats.org/officeDocument/2006/relationships" xmlns:p="http://schemas.openxmlformats.org/presentationml/2006/main">
+  <p:cSld>
+    <p:spTree>
+      <p:nvGrpSpPr>
+        <p:cNvPr id="1" name=""/>
+        <p:cNvGrpSpPr/>
+        <p:nvPr/>
+      </p:nvGrpSpPr>
+      <p:grpSpPr>
+        <a:xfrm>
+          <a:off x="0" y="0"/>
+          <a:ext cx="0" cy="0"/>
+          <a:chOff x="0" y="0"/>
+          <a:chExt cx="0" cy="0"/>
+        </a:xfrm>
+      </p:grpSpPr>
+      <p:sp>
+        <p:nvSpPr>
+          <p:cNvPr id="2" name="標題 1">
+            <a:extLst>
+              <a:ext uri="{FF2B5EF4-FFF2-40B4-BE49-F238E27FC236}">
+                <a16:creationId xmlns:a16="http://schemas.microsoft.com/office/drawing/2014/main" id="{B7DB5FDF-E9A2-4D3D-ACF8-CEFDE567ED4E}"/>
+              </a:ext>
+            </a:extLst>
+          </p:cNvPr>
+          <p:cNvSpPr>
+            <a:spLocks noGrp="1"/>
+          </p:cNvSpPr>
+          <p:nvPr>
+            <p:ph type="title"/>
+          </p:nvPr>
+        </p:nvSpPr>
+        <p:spPr/>
+        <p:txBody>
+          <a:bodyPr/>
+          <a:lstStyle/>
+          <a:p>
+            <a:r>
+              <a:rPr lang="en-US" altLang="zh-TW" dirty="0"/>
+              <a:t>Conclusion(cont’d)</a:t>
+            </a:r>
+            <a:endParaRPr lang="zh-TW" altLang="en-US" dirty="0"/>
+          </a:p>
+        </p:txBody>
+      </p:sp>
+      <p:sp>
+        <p:nvSpPr>
+          <p:cNvPr id="3" name="內容版面配置區 2">
+            <a:extLst>
+              <a:ext uri="{FF2B5EF4-FFF2-40B4-BE49-F238E27FC236}">
+                <a16:creationId xmlns:a16="http://schemas.microsoft.com/office/drawing/2014/main" id="{24BC7DE2-9247-4111-B9E4-01812FC553D6}"/>
+              </a:ext>
+            </a:extLst>
+          </p:cNvPr>
+          <p:cNvSpPr>
+            <a:spLocks noGrp="1"/>
+          </p:cNvSpPr>
+          <p:nvPr>
+            <p:ph idx="1"/>
+          </p:nvPr>
+        </p:nvSpPr>
+        <p:spPr/>
+        <p:txBody>
+          <a:bodyPr>
+            <a:normAutofit/>
+          </a:bodyPr>
+          <a:lstStyle/>
+          <a:p>
+            <a:r>
+              <a:rPr lang="en-US" altLang="zh-TW" dirty="0"/>
+              <a:t>Next to this, two approaches are considered to perform handover within these solutions. </a:t>
+            </a:r>
+          </a:p>
+          <a:p>
+            <a:endParaRPr lang="en-US" altLang="zh-TW" dirty="0"/>
+          </a:p>
+          <a:p>
+            <a:r>
+              <a:rPr lang="en-US" altLang="zh-TW" dirty="0"/>
+              <a:t>The passive handover approach does not need any extra implementation, but the handover latency can become quite high and a bad BLE connection is still maintained even if a better alternative GW is avail-able nearby. </a:t>
+            </a:r>
+          </a:p>
+        </p:txBody>
+      </p:sp>
+      <p:sp>
+        <p:nvSpPr>
+          <p:cNvPr id="4" name="投影片編號版面配置區 3">
+            <a:extLst>
+              <a:ext uri="{FF2B5EF4-FFF2-40B4-BE49-F238E27FC236}">
+                <a16:creationId xmlns:a16="http://schemas.microsoft.com/office/drawing/2014/main" id="{F64AC039-730F-4EC0-B242-E7D527FA3228}"/>
+              </a:ext>
+            </a:extLst>
+          </p:cNvPr>
+          <p:cNvSpPr>
+            <a:spLocks noGrp="1"/>
+          </p:cNvSpPr>
+          <p:nvPr>
+            <p:ph type="sldNum" sz="quarter" idx="12"/>
+          </p:nvPr>
+        </p:nvSpPr>
+        <p:spPr/>
+        <p:txBody>
+          <a:bodyPr/>
+          <a:lstStyle/>
+          <a:p>
+            <a:fld id="{50029C49-A5A9-4A95-8BF0-94F73808DB5F}" type="slidenum">
+              <a:rPr lang="zh-TW" altLang="en-US" smtClean="0"/>
+              <a:t>25</a:t>
+            </a:fld>
+            <a:endParaRPr lang="zh-TW" altLang="en-US"/>
+          </a:p>
+        </p:txBody>
+      </p:sp>
+    </p:spTree>
+    <p:extLst>
+      <p:ext uri="{BB962C8B-B14F-4D97-AF65-F5344CB8AC3E}">
+        <p14:creationId xmlns:p14="http://schemas.microsoft.com/office/powerpoint/2010/main" val="1788803111"/>
+      </p:ext>
+    </p:extLst>
+  </p:cSld>
+  <p:clrMapOvr>
+    <a:masterClrMapping/>
+  </p:clrMapOvr>
+</p:sld>
+</file>
+
+<file path=ppt/slides/slide26.xml><?xml version="1.0" encoding="utf-8"?>
+<p:sld xmlns:a="http://schemas.openxmlformats.org/drawingml/2006/main" xmlns:r="http://schemas.openxmlformats.org/officeDocument/2006/relationships" xmlns:p="http://schemas.openxmlformats.org/presentationml/2006/main">
+  <p:cSld>
+    <p:spTree>
+      <p:nvGrpSpPr>
+        <p:cNvPr id="1" name=""/>
+        <p:cNvGrpSpPr/>
+        <p:nvPr/>
+      </p:nvGrpSpPr>
+      <p:grpSpPr>
+        <a:xfrm>
+          <a:off x="0" y="0"/>
+          <a:ext cx="0" cy="0"/>
+          <a:chOff x="0" y="0"/>
+          <a:chExt cx="0" cy="0"/>
+        </a:xfrm>
+      </p:grpSpPr>
+      <p:sp>
+        <p:nvSpPr>
+          <p:cNvPr id="2" name="標題 1">
+            <a:extLst>
+              <a:ext uri="{FF2B5EF4-FFF2-40B4-BE49-F238E27FC236}">
+                <a16:creationId xmlns:a16="http://schemas.microsoft.com/office/drawing/2014/main" id="{B7DB5FDF-E9A2-4D3D-ACF8-CEFDE567ED4E}"/>
+              </a:ext>
+            </a:extLst>
+          </p:cNvPr>
+          <p:cNvSpPr>
+            <a:spLocks noGrp="1"/>
+          </p:cNvSpPr>
+          <p:nvPr>
+            <p:ph type="title"/>
+          </p:nvPr>
+        </p:nvSpPr>
+        <p:spPr/>
+        <p:txBody>
+          <a:bodyPr/>
+          <a:lstStyle/>
+          <a:p>
+            <a:r>
+              <a:rPr lang="en-US" altLang="zh-TW" dirty="0"/>
+              <a:t>Conclusion(cont’d)</a:t>
+            </a:r>
+            <a:endParaRPr lang="zh-TW" altLang="en-US" dirty="0"/>
+          </a:p>
+        </p:txBody>
+      </p:sp>
+      <p:sp>
+        <p:nvSpPr>
+          <p:cNvPr id="3" name="內容版面配置區 2">
+            <a:extLst>
+              <a:ext uri="{FF2B5EF4-FFF2-40B4-BE49-F238E27FC236}">
+                <a16:creationId xmlns:a16="http://schemas.microsoft.com/office/drawing/2014/main" id="{24BC7DE2-9247-4111-B9E4-01812FC553D6}"/>
+              </a:ext>
+            </a:extLst>
+          </p:cNvPr>
+          <p:cNvSpPr>
+            <a:spLocks noGrp="1"/>
+          </p:cNvSpPr>
+          <p:nvPr>
+            <p:ph idx="1"/>
+          </p:nvPr>
+        </p:nvSpPr>
+        <p:spPr/>
+        <p:txBody>
+          <a:bodyPr>
+            <a:normAutofit/>
+          </a:bodyPr>
+          <a:lstStyle/>
+          <a:p>
+            <a:r>
+              <a:rPr lang="en-US" altLang="zh-TW" dirty="0"/>
+              <a:t>Active handover offers a solution by proactively terminating a bad connection when a better alternative GW is available. As such, it can limit the handover latency. Asa downside, this approach requires more extensive custom implementation, implies a higher energy consumption and can limit the available throughput.</a:t>
+            </a:r>
+            <a:endParaRPr lang="zh-TW" altLang="en-US" dirty="0"/>
+          </a:p>
+        </p:txBody>
+      </p:sp>
+      <p:sp>
+        <p:nvSpPr>
+          <p:cNvPr id="4" name="投影片編號版面配置區 3">
+            <a:extLst>
+              <a:ext uri="{FF2B5EF4-FFF2-40B4-BE49-F238E27FC236}">
+                <a16:creationId xmlns:a16="http://schemas.microsoft.com/office/drawing/2014/main" id="{BFA29D48-9BE9-44B6-B04F-E6E702DC41D9}"/>
+              </a:ext>
+            </a:extLst>
+          </p:cNvPr>
+          <p:cNvSpPr>
+            <a:spLocks noGrp="1"/>
+          </p:cNvSpPr>
+          <p:nvPr>
+            <p:ph type="sldNum" sz="quarter" idx="12"/>
+          </p:nvPr>
+        </p:nvSpPr>
+        <p:spPr/>
+        <p:txBody>
+          <a:bodyPr/>
+          <a:lstStyle/>
+          <a:p>
+            <a:fld id="{50029C49-A5A9-4A95-8BF0-94F73808DB5F}" type="slidenum">
+              <a:rPr lang="zh-TW" altLang="en-US" smtClean="0"/>
+              <a:t>26</a:t>
+            </a:fld>
+            <a:endParaRPr lang="zh-TW" altLang="en-US"/>
+          </a:p>
+        </p:txBody>
+      </p:sp>
+    </p:spTree>
+    <p:extLst>
+      <p:ext uri="{BB962C8B-B14F-4D97-AF65-F5344CB8AC3E}">
+        <p14:creationId xmlns:p14="http://schemas.microsoft.com/office/powerpoint/2010/main" val="493870139"/>
+      </p:ext>
+    </p:extLst>
+  </p:cSld>
+  <p:clrMapOvr>
+    <a:masterClrMapping/>
+  </p:clrMapOvr>
+</p:sld>
+</file>
+
+<file path=ppt/slides/slide27.xml><?xml version="1.0" encoding="utf-8"?>
+<p:sld xmlns:a="http://schemas.openxmlformats.org/drawingml/2006/main" xmlns:r="http://schemas.openxmlformats.org/officeDocument/2006/relationships" xmlns:p="http://schemas.openxmlformats.org/presentationml/2006/main">
+  <p:cSld>
+    <p:spTree>
+      <p:nvGrpSpPr>
+        <p:cNvPr id="1" name=""/>
+        <p:cNvGrpSpPr/>
+        <p:nvPr/>
+      </p:nvGrpSpPr>
+      <p:grpSpPr>
+        <a:xfrm>
+          <a:off x="0" y="0"/>
+          <a:ext cx="0" cy="0"/>
+          <a:chOff x="0" y="0"/>
+          <a:chExt cx="0" cy="0"/>
+        </a:xfrm>
+      </p:grpSpPr>
+      <p:sp>
+        <p:nvSpPr>
+          <p:cNvPr id="2" name="標題 1">
+            <a:extLst>
+              <a:ext uri="{FF2B5EF4-FFF2-40B4-BE49-F238E27FC236}">
+                <a16:creationId xmlns:a16="http://schemas.microsoft.com/office/drawing/2014/main" id="{66BD44E2-EFFF-43D9-A213-DE501B575689}"/>
+              </a:ext>
+            </a:extLst>
+          </p:cNvPr>
+          <p:cNvSpPr>
+            <a:spLocks noGrp="1"/>
+          </p:cNvSpPr>
+          <p:nvPr>
+            <p:ph type="title"/>
+          </p:nvPr>
+        </p:nvSpPr>
+        <p:spPr/>
+        <p:txBody>
+          <a:bodyPr/>
+          <a:lstStyle/>
+          <a:p>
+            <a:r>
+              <a:rPr lang="en-US" altLang="zh-TW" dirty="0"/>
+              <a:t>References</a:t>
+            </a:r>
+            <a:endParaRPr lang="zh-TW" altLang="en-US" dirty="0"/>
+          </a:p>
+        </p:txBody>
+      </p:sp>
+      <p:sp>
+        <p:nvSpPr>
+          <p:cNvPr id="3" name="內容版面配置區 2">
+            <a:extLst>
+              <a:ext uri="{FF2B5EF4-FFF2-40B4-BE49-F238E27FC236}">
+                <a16:creationId xmlns:a16="http://schemas.microsoft.com/office/drawing/2014/main" id="{6C6870F8-5E25-41B8-BDBD-DC2867167899}"/>
+              </a:ext>
+            </a:extLst>
+          </p:cNvPr>
+          <p:cNvSpPr>
+            <a:spLocks noGrp="1"/>
+          </p:cNvSpPr>
+          <p:nvPr>
+            <p:ph idx="1"/>
+          </p:nvPr>
+        </p:nvSpPr>
+        <p:spPr/>
+        <p:txBody>
+          <a:bodyPr>
+            <a:normAutofit/>
+          </a:bodyPr>
+          <a:lstStyle/>
+          <a:p>
+            <a:r>
+              <a:rPr lang="en-US" altLang="zh-TW" sz="2000" dirty="0"/>
+              <a:t>Mathias </a:t>
+            </a:r>
+            <a:r>
+              <a:rPr lang="en-US" altLang="zh-TW" sz="2000" dirty="0" err="1"/>
+              <a:t>Baert</a:t>
+            </a:r>
+            <a:r>
+              <a:rPr lang="en-US" altLang="zh-TW" sz="2000" dirty="0"/>
+              <a:t>, </a:t>
+            </a:r>
+            <a:r>
+              <a:rPr lang="en-US" altLang="zh-TW" sz="2000" dirty="0" err="1"/>
+              <a:t>Pieterjan</a:t>
+            </a:r>
+            <a:r>
+              <a:rPr lang="en-US" altLang="zh-TW" sz="2000" dirty="0"/>
+              <a:t> </a:t>
+            </a:r>
+            <a:r>
+              <a:rPr lang="en-US" altLang="zh-TW" sz="2000" dirty="0" err="1"/>
+              <a:t>Camerlynck</a:t>
+            </a:r>
+            <a:r>
+              <a:rPr lang="en-US" altLang="zh-TW" sz="2000" dirty="0"/>
+              <a:t>, Pieter </a:t>
+            </a:r>
+            <a:r>
+              <a:rPr lang="en-US" altLang="zh-TW" sz="2000" dirty="0" err="1"/>
+              <a:t>Crombez</a:t>
+            </a:r>
+            <a:r>
+              <a:rPr lang="en-US" altLang="zh-TW" sz="2000" dirty="0"/>
+              <a:t>, Jeroen </a:t>
+            </a:r>
+            <a:r>
+              <a:rPr lang="en-US" altLang="zh-TW" sz="2000" dirty="0" err="1"/>
+              <a:t>Hoebeke</a:t>
+            </a:r>
+            <a:r>
+              <a:rPr lang="en-US" altLang="zh-TW" sz="2000" dirty="0"/>
+              <a:t>, “A BLE-Based Multi-Gateway Network Infrastructure with Handover Support for Mobile BLE Peripherals” </a:t>
+            </a:r>
+            <a:r>
+              <a:rPr lang="en-US" altLang="zh-TW" sz="2000" i="1" dirty="0"/>
+              <a:t>in IEEE </a:t>
+            </a:r>
+            <a:r>
+              <a:rPr lang="en-US" altLang="zh-TW" sz="2000" i="1" dirty="0" err="1"/>
+              <a:t>Internatonal</a:t>
+            </a:r>
+            <a:r>
+              <a:rPr lang="en-US" altLang="zh-TW" sz="2000" i="1" dirty="0"/>
+              <a:t> Conference on Mobile </a:t>
+            </a:r>
+            <a:r>
+              <a:rPr lang="en-US" altLang="zh-TW" sz="2000" i="1" dirty="0" err="1"/>
+              <a:t>Adhoc</a:t>
+            </a:r>
+            <a:r>
+              <a:rPr lang="en-US" altLang="zh-TW" sz="2000" i="1" dirty="0"/>
+              <a:t> and Sensor Systems (IEEE MASS 2019) </a:t>
+            </a:r>
+            <a:r>
+              <a:rPr lang="en-US" altLang="zh-TW" sz="2000" dirty="0"/>
+              <a:t>, DOI: 10.1109/MASS.2019.00020</a:t>
+            </a:r>
+          </a:p>
+          <a:p>
+            <a:r>
+              <a:rPr lang="en-US" altLang="zh-TW" sz="2000" dirty="0"/>
+              <a:t>M. </a:t>
+            </a:r>
+            <a:r>
+              <a:rPr lang="en-US" altLang="zh-TW" sz="2000" dirty="0" err="1"/>
+              <a:t>Nikodem</a:t>
+            </a:r>
+            <a:r>
+              <a:rPr lang="en-US" altLang="zh-TW" sz="2000" dirty="0"/>
+              <a:t>, M. </a:t>
+            </a:r>
+            <a:r>
+              <a:rPr lang="en-US" altLang="zh-TW" sz="2000" dirty="0" err="1"/>
+              <a:t>Bawiec</a:t>
+            </a:r>
+            <a:r>
+              <a:rPr lang="en-US" altLang="zh-TW" sz="2000" dirty="0"/>
+              <a:t>, “Experimental Evaluation of Advertisement-Based Bluetooth Low Energy Communication”, </a:t>
+            </a:r>
+            <a:r>
+              <a:rPr lang="en-US" altLang="zh-TW" sz="2000" i="1" dirty="0"/>
+              <a:t>MDPI Sensors 2020</a:t>
+            </a:r>
+            <a:r>
+              <a:rPr lang="en-US" altLang="zh-TW" sz="2000" dirty="0"/>
+              <a:t>, DOI:10.3390/s20010107</a:t>
+            </a:r>
+            <a:endParaRPr lang="zh-TW" altLang="en-US" sz="2000" dirty="0"/>
+          </a:p>
+        </p:txBody>
+      </p:sp>
+      <p:sp>
+        <p:nvSpPr>
+          <p:cNvPr id="6" name="投影片編號版面配置區 5">
+            <a:extLst>
+              <a:ext uri="{FF2B5EF4-FFF2-40B4-BE49-F238E27FC236}">
+                <a16:creationId xmlns:a16="http://schemas.microsoft.com/office/drawing/2014/main" id="{41672078-55B6-4EB2-A2A0-2A4BDCC09FF1}"/>
+              </a:ext>
+            </a:extLst>
+          </p:cNvPr>
+          <p:cNvSpPr>
+            <a:spLocks noGrp="1"/>
+          </p:cNvSpPr>
+          <p:nvPr>
+            <p:ph type="sldNum" sz="quarter" idx="12"/>
+          </p:nvPr>
+        </p:nvSpPr>
+        <p:spPr/>
+        <p:txBody>
+          <a:bodyPr/>
+          <a:lstStyle/>
+          <a:p>
+            <a:fld id="{50029C49-A5A9-4A95-8BF0-94F73808DB5F}" type="slidenum">
+              <a:rPr lang="zh-TW" altLang="en-US" smtClean="0"/>
+              <a:t>27</a:t>
+            </a:fld>
+            <a:endParaRPr lang="zh-TW" altLang="en-US"/>
+          </a:p>
+        </p:txBody>
+      </p:sp>
+    </p:spTree>
+    <p:extLst>
+      <p:ext uri="{BB962C8B-B14F-4D97-AF65-F5344CB8AC3E}">
+        <p14:creationId xmlns:p14="http://schemas.microsoft.com/office/powerpoint/2010/main" val="2779116832"/>
+      </p:ext>
+    </p:extLst>
+  </p:cSld>
+  <p:clrMapOvr>
+    <a:masterClrMapping/>
+  </p:clrMapOvr>
+</p:sld>
+</file>
+
+<file path=ppt/slides/slide3.xml><?xml version="1.0" encoding="utf-8"?>
+<p:sld xmlns:a="http://schemas.openxmlformats.org/drawingml/2006/main" xmlns:r="http://schemas.openxmlformats.org/officeDocument/2006/relationships" xmlns:p="http://schemas.openxmlformats.org/presentationml/2006/main">
+  <p:cSld>
+    <p:spTree>
+      <p:nvGrpSpPr>
+        <p:cNvPr id="1" name=""/>
+        <p:cNvGrpSpPr/>
+        <p:nvPr/>
+      </p:nvGrpSpPr>
+      <p:grpSpPr>
+        <a:xfrm>
+          <a:off x="0" y="0"/>
+          <a:ext cx="0" cy="0"/>
+          <a:chOff x="0" y="0"/>
+          <a:chExt cx="0" cy="0"/>
+        </a:xfrm>
+      </p:grpSpPr>
+      <p:sp>
+        <p:nvSpPr>
+          <p:cNvPr id="2" name="標題 1">
+            <a:extLst>
+              <a:ext uri="{FF2B5EF4-FFF2-40B4-BE49-F238E27FC236}">
+                <a16:creationId xmlns:a16="http://schemas.microsoft.com/office/drawing/2014/main" id="{14B7E57E-D063-41EF-A857-5628A20B75BC}"/>
+              </a:ext>
+            </a:extLst>
+          </p:cNvPr>
+          <p:cNvSpPr>
+            <a:spLocks noGrp="1"/>
+          </p:cNvSpPr>
+          <p:nvPr>
+            <p:ph type="title"/>
+          </p:nvPr>
+        </p:nvSpPr>
+        <p:spPr/>
+        <p:txBody>
+          <a:bodyPr/>
+          <a:lstStyle/>
+          <a:p>
+            <a:r>
+              <a:rPr lang="en-US" altLang="zh-TW" dirty="0"/>
+              <a:t>Introduction</a:t>
+            </a:r>
+            <a:endParaRPr lang="zh-TW" altLang="en-US" dirty="0"/>
+          </a:p>
+        </p:txBody>
+      </p:sp>
+      <p:sp>
+        <p:nvSpPr>
+          <p:cNvPr id="3" name="內容版面配置區 2">
+            <a:extLst>
+              <a:ext uri="{FF2B5EF4-FFF2-40B4-BE49-F238E27FC236}">
+                <a16:creationId xmlns:a16="http://schemas.microsoft.com/office/drawing/2014/main" id="{E616DA40-9E29-4C7C-A28F-3857701A0286}"/>
+              </a:ext>
+            </a:extLst>
+          </p:cNvPr>
+          <p:cNvSpPr>
+            <a:spLocks noGrp="1"/>
+          </p:cNvSpPr>
+          <p:nvPr>
+            <p:ph idx="1"/>
+          </p:nvPr>
+        </p:nvSpPr>
+        <p:spPr/>
+        <p:txBody>
+          <a:bodyPr/>
+          <a:lstStyle/>
+          <a:p>
+            <a:endParaRPr lang="zh-TW" altLang="en-US" dirty="0"/>
+          </a:p>
+        </p:txBody>
+      </p:sp>
+      <p:sp>
+        <p:nvSpPr>
+          <p:cNvPr id="4" name="投影片編號版面配置區 3">
+            <a:extLst>
+              <a:ext uri="{FF2B5EF4-FFF2-40B4-BE49-F238E27FC236}">
+                <a16:creationId xmlns:a16="http://schemas.microsoft.com/office/drawing/2014/main" id="{69BF509B-CFE1-4421-99AF-8C1B621F1701}"/>
+              </a:ext>
+            </a:extLst>
+          </p:cNvPr>
+          <p:cNvSpPr>
+            <a:spLocks noGrp="1"/>
+          </p:cNvSpPr>
+          <p:nvPr>
+            <p:ph type="sldNum" sz="quarter" idx="12"/>
+          </p:nvPr>
+        </p:nvSpPr>
+        <p:spPr/>
+        <p:txBody>
+          <a:bodyPr/>
+          <a:lstStyle/>
+          <a:p>
+            <a:fld id="{50029C49-A5A9-4A95-8BF0-94F73808DB5F}" type="slidenum">
+              <a:rPr lang="zh-TW" altLang="en-US" smtClean="0"/>
+              <a:t>3</a:t>
+            </a:fld>
+            <a:endParaRPr lang="zh-TW" altLang="en-US"/>
+          </a:p>
+        </p:txBody>
+      </p:sp>
+    </p:spTree>
+    <p:extLst>
+      <p:ext uri="{BB962C8B-B14F-4D97-AF65-F5344CB8AC3E}">
+        <p14:creationId xmlns:p14="http://schemas.microsoft.com/office/powerpoint/2010/main" val="2374265362"/>
+      </p:ext>
+    </p:extLst>
+  </p:cSld>
+  <p:clrMapOvr>
+    <a:masterClrMapping/>
+  </p:clrMapOvr>
+</p:sld>
+</file>
+
+<file path=ppt/slides/slide4.xml><?xml version="1.0" encoding="utf-8"?>
+<p:sld xmlns:a="http://schemas.openxmlformats.org/drawingml/2006/main" xmlns:r="http://schemas.openxmlformats.org/officeDocument/2006/relationships" xmlns:p="http://schemas.openxmlformats.org/presentationml/2006/main">
+  <p:cSld>
+    <p:spTree>
+      <p:nvGrpSpPr>
+        <p:cNvPr id="1" name=""/>
+        <p:cNvGrpSpPr/>
+        <p:nvPr/>
+      </p:nvGrpSpPr>
+      <p:grpSpPr>
+        <a:xfrm>
+          <a:off x="0" y="0"/>
+          <a:ext cx="0" cy="0"/>
+          <a:chOff x="0" y="0"/>
+          <a:chExt cx="0" cy="0"/>
+        </a:xfrm>
+      </p:grpSpPr>
+      <p:sp>
+        <p:nvSpPr>
+          <p:cNvPr id="2" name="標題 1">
+            <a:extLst>
+              <a:ext uri="{FF2B5EF4-FFF2-40B4-BE49-F238E27FC236}">
+                <a16:creationId xmlns:a16="http://schemas.microsoft.com/office/drawing/2014/main" id="{14B7E57E-D063-41EF-A857-5628A20B75BC}"/>
+              </a:ext>
+            </a:extLst>
+          </p:cNvPr>
+          <p:cNvSpPr>
+            <a:spLocks noGrp="1"/>
+          </p:cNvSpPr>
+          <p:nvPr>
+            <p:ph type="title"/>
+          </p:nvPr>
+        </p:nvSpPr>
+        <p:spPr/>
+        <p:txBody>
+          <a:bodyPr/>
+          <a:lstStyle/>
+          <a:p>
+            <a:r>
+              <a:rPr lang="en-US" altLang="zh-TW" dirty="0"/>
+              <a:t>Primer on BLE and BLE over IPv6</a:t>
+            </a:r>
+          </a:p>
+        </p:txBody>
+      </p:sp>
+      <p:sp>
+        <p:nvSpPr>
+          <p:cNvPr id="3" name="內容版面配置區 2">
+            <a:extLst>
+              <a:ext uri="{FF2B5EF4-FFF2-40B4-BE49-F238E27FC236}">
+                <a16:creationId xmlns:a16="http://schemas.microsoft.com/office/drawing/2014/main" id="{E616DA40-9E29-4C7C-A28F-3857701A0286}"/>
+              </a:ext>
+            </a:extLst>
+          </p:cNvPr>
+          <p:cNvSpPr>
+            <a:spLocks noGrp="1"/>
+          </p:cNvSpPr>
+          <p:nvPr>
+            <p:ph idx="1"/>
+          </p:nvPr>
+        </p:nvSpPr>
+        <p:spPr/>
+        <p:txBody>
+          <a:bodyPr>
+            <a:normAutofit fontScale="92500" lnSpcReduction="10000"/>
+          </a:bodyPr>
+          <a:lstStyle/>
+          <a:p>
+            <a:r>
+              <a:rPr lang="en-US" altLang="zh-TW" dirty="0"/>
+              <a:t>Bluetooth Low Energy (BLE) was released in 2011 as part of the Classic Bluetooth specification and both technologies have coexisted and evolved independently since then.</a:t>
+            </a:r>
+          </a:p>
+          <a:p>
+            <a:endParaRPr lang="en-US" altLang="zh-TW" dirty="0"/>
+          </a:p>
+          <a:p>
+            <a:r>
+              <a:rPr lang="en-US" altLang="zh-TW" dirty="0"/>
+              <a:t>BLE operates in the 2.4 GHz band, utilizing frequencies between 2402 and 2480MHz. The used spectrum is divided into 40 channels, each employing a space of 2 </a:t>
+            </a:r>
+            <a:r>
+              <a:rPr lang="en-US" altLang="zh-TW" dirty="0" err="1"/>
+              <a:t>MHz.</a:t>
+            </a:r>
+            <a:r>
+              <a:rPr lang="en-US" altLang="zh-TW" dirty="0"/>
+              <a:t> These channels are divided into</a:t>
+            </a:r>
+            <a:r>
+              <a:rPr lang="zh-TW" altLang="en-US" dirty="0"/>
+              <a:t> </a:t>
+            </a:r>
+            <a:r>
+              <a:rPr lang="en-US" altLang="zh-TW" dirty="0"/>
+              <a:t>3 primary advertisement channels and 37 connection-oriented channels. </a:t>
+            </a:r>
+          </a:p>
+          <a:p>
+            <a:endParaRPr lang="en-US" altLang="zh-TW" dirty="0"/>
+          </a:p>
+          <a:p>
+            <a:r>
+              <a:rPr lang="en-US" altLang="zh-TW" dirty="0"/>
+              <a:t>BLE supports two different ways of communication : an advertising mode and a connection-oriented mode.</a:t>
+            </a:r>
+            <a:endParaRPr lang="zh-TW" altLang="en-US" dirty="0"/>
+          </a:p>
+        </p:txBody>
+      </p:sp>
+      <p:sp>
+        <p:nvSpPr>
+          <p:cNvPr id="4" name="投影片編號版面配置區 3">
+            <a:extLst>
+              <a:ext uri="{FF2B5EF4-FFF2-40B4-BE49-F238E27FC236}">
+                <a16:creationId xmlns:a16="http://schemas.microsoft.com/office/drawing/2014/main" id="{A7079878-D19B-4E92-9126-06F4FF0BF1C0}"/>
+              </a:ext>
+            </a:extLst>
+          </p:cNvPr>
+          <p:cNvSpPr>
+            <a:spLocks noGrp="1"/>
+          </p:cNvSpPr>
+          <p:nvPr>
+            <p:ph type="sldNum" sz="quarter" idx="12"/>
+          </p:nvPr>
+        </p:nvSpPr>
+        <p:spPr/>
+        <p:txBody>
+          <a:bodyPr/>
+          <a:lstStyle/>
+          <a:p>
+            <a:fld id="{50029C49-A5A9-4A95-8BF0-94F73808DB5F}" type="slidenum">
+              <a:rPr lang="zh-TW" altLang="en-US" smtClean="0"/>
+              <a:t>4</a:t>
+            </a:fld>
+            <a:endParaRPr lang="zh-TW" altLang="en-US"/>
+          </a:p>
+        </p:txBody>
+      </p:sp>
+    </p:spTree>
+    <p:extLst>
+      <p:ext uri="{BB962C8B-B14F-4D97-AF65-F5344CB8AC3E}">
+        <p14:creationId xmlns:p14="http://schemas.microsoft.com/office/powerpoint/2010/main" val="809978483"/>
+      </p:ext>
+    </p:extLst>
+  </p:cSld>
+  <p:clrMapOvr>
+    <a:masterClrMapping/>
+  </p:clrMapOvr>
+</p:sld>
+</file>
+
+<file path=ppt/slides/slide5.xml><?xml version="1.0" encoding="utf-8"?>
+<p:sld xmlns:a="http://schemas.openxmlformats.org/drawingml/2006/main" xmlns:r="http://schemas.openxmlformats.org/officeDocument/2006/relationships" xmlns:p="http://schemas.openxmlformats.org/presentationml/2006/main">
+  <p:cSld>
+    <p:spTree>
+      <p:nvGrpSpPr>
+        <p:cNvPr id="1" name=""/>
+        <p:cNvGrpSpPr/>
+        <p:nvPr/>
+      </p:nvGrpSpPr>
+      <p:grpSpPr>
+        <a:xfrm>
+          <a:off x="0" y="0"/>
+          <a:ext cx="0" cy="0"/>
+          <a:chOff x="0" y="0"/>
+          <a:chExt cx="0" cy="0"/>
+        </a:xfrm>
+      </p:grpSpPr>
+      <p:sp>
+        <p:nvSpPr>
+          <p:cNvPr id="2" name="標題 1">
+            <a:extLst>
+              <a:ext uri="{FF2B5EF4-FFF2-40B4-BE49-F238E27FC236}">
+                <a16:creationId xmlns:a16="http://schemas.microsoft.com/office/drawing/2014/main" id="{14B7E57E-D063-41EF-A857-5628A20B75BC}"/>
+              </a:ext>
+            </a:extLst>
+          </p:cNvPr>
+          <p:cNvSpPr>
+            <a:spLocks noGrp="1"/>
+          </p:cNvSpPr>
+          <p:nvPr>
+            <p:ph type="title"/>
+          </p:nvPr>
+        </p:nvSpPr>
+        <p:spPr/>
+        <p:txBody>
+          <a:bodyPr/>
+          <a:lstStyle/>
+          <a:p>
+            <a:r>
+              <a:rPr lang="en-US" altLang="zh-TW" dirty="0"/>
+              <a:t>Primer on BLE and BLE over IPv6(cont’d)</a:t>
+            </a:r>
+          </a:p>
+        </p:txBody>
+      </p:sp>
+      <p:sp>
+        <p:nvSpPr>
+          <p:cNvPr id="3" name="內容版面配置區 2">
+            <a:extLst>
+              <a:ext uri="{FF2B5EF4-FFF2-40B4-BE49-F238E27FC236}">
+                <a16:creationId xmlns:a16="http://schemas.microsoft.com/office/drawing/2014/main" id="{E616DA40-9E29-4C7C-A28F-3857701A0286}"/>
+              </a:ext>
+            </a:extLst>
+          </p:cNvPr>
+          <p:cNvSpPr>
+            <a:spLocks noGrp="1"/>
+          </p:cNvSpPr>
+          <p:nvPr>
+            <p:ph idx="1"/>
+          </p:nvPr>
+        </p:nvSpPr>
+        <p:spPr/>
+        <p:txBody>
+          <a:bodyPr>
+            <a:normAutofit/>
+          </a:bodyPr>
+          <a:lstStyle/>
+          <a:p>
+            <a:endParaRPr lang="zh-TW" altLang="en-US" dirty="0"/>
+          </a:p>
+        </p:txBody>
+      </p:sp>
+      <p:pic>
+        <p:nvPicPr>
+          <p:cNvPr id="7" name="圖片 6">
+            <a:extLst>
+              <a:ext uri="{FF2B5EF4-FFF2-40B4-BE49-F238E27FC236}">
+                <a16:creationId xmlns:a16="http://schemas.microsoft.com/office/drawing/2014/main" id="{D03360D8-0A34-4B9B-8EDF-94EF768549C8}"/>
+              </a:ext>
+            </a:extLst>
+          </p:cNvPr>
+          <p:cNvPicPr>
+            <a:picLocks noChangeAspect="1"/>
+          </p:cNvPicPr>
+          <p:nvPr/>
+        </p:nvPicPr>
+        <p:blipFill>
+          <a:blip r:embed="rId2"/>
+          <a:stretch>
+            <a:fillRect/>
+          </a:stretch>
+        </p:blipFill>
+        <p:spPr>
+          <a:xfrm>
+            <a:off x="5694218" y="4657914"/>
+            <a:ext cx="6497782" cy="2099352"/>
+          </a:xfrm>
+          <a:prstGeom prst="rect">
+            <a:avLst/>
+          </a:prstGeom>
+        </p:spPr>
+      </p:pic>
+      <p:sp>
+        <p:nvSpPr>
+          <p:cNvPr id="9" name="投影片編號版面配置區 8">
+            <a:extLst>
+              <a:ext uri="{FF2B5EF4-FFF2-40B4-BE49-F238E27FC236}">
+                <a16:creationId xmlns:a16="http://schemas.microsoft.com/office/drawing/2014/main" id="{3A06F46F-6C62-467F-8344-A07ED9AE7ACE}"/>
+              </a:ext>
+            </a:extLst>
+          </p:cNvPr>
+          <p:cNvSpPr>
+            <a:spLocks noGrp="1"/>
+          </p:cNvSpPr>
+          <p:nvPr>
+            <p:ph type="sldNum" sz="quarter" idx="12"/>
+          </p:nvPr>
+        </p:nvSpPr>
+        <p:spPr/>
+        <p:txBody>
+          <a:bodyPr/>
+          <a:lstStyle/>
+          <a:p>
+            <a:fld id="{50029C49-A5A9-4A95-8BF0-94F73808DB5F}" type="slidenum">
+              <a:rPr lang="zh-TW" altLang="en-US" smtClean="0"/>
+              <a:t>5</a:t>
+            </a:fld>
+            <a:endParaRPr lang="zh-TW" altLang="en-US"/>
+          </a:p>
+        </p:txBody>
+      </p:sp>
+    </p:spTree>
+    <p:extLst>
+      <p:ext uri="{BB962C8B-B14F-4D97-AF65-F5344CB8AC3E}">
+        <p14:creationId xmlns:p14="http://schemas.microsoft.com/office/powerpoint/2010/main" val="1645637635"/>
+      </p:ext>
+    </p:extLst>
+  </p:cSld>
+  <p:clrMapOvr>
+    <a:masterClrMapping/>
+  </p:clrMapOvr>
+</p:sld>
+</file>
+
+<file path=ppt/slides/slide6.xml><?xml version="1.0" encoding="utf-8"?>
+<p:sld xmlns:a="http://schemas.openxmlformats.org/drawingml/2006/main" xmlns:r="http://schemas.openxmlformats.org/officeDocument/2006/relationships" xmlns:p="http://schemas.openxmlformats.org/presentationml/2006/main">
+  <p:cSld>
+    <p:spTree>
+      <p:nvGrpSpPr>
+        <p:cNvPr id="1" name=""/>
+        <p:cNvGrpSpPr/>
+        <p:nvPr/>
+      </p:nvGrpSpPr>
+      <p:grpSpPr>
+        <a:xfrm>
+          <a:off x="0" y="0"/>
+          <a:ext cx="0" cy="0"/>
+          <a:chOff x="0" y="0"/>
+          <a:chExt cx="0" cy="0"/>
+        </a:xfrm>
+      </p:grpSpPr>
+      <p:sp>
+        <p:nvSpPr>
+          <p:cNvPr id="2" name="標題 1">
+            <a:extLst>
+              <a:ext uri="{FF2B5EF4-FFF2-40B4-BE49-F238E27FC236}">
+                <a16:creationId xmlns:a16="http://schemas.microsoft.com/office/drawing/2014/main" id="{14B7E57E-D063-41EF-A857-5628A20B75BC}"/>
+              </a:ext>
+            </a:extLst>
+          </p:cNvPr>
+          <p:cNvSpPr>
+            <a:spLocks noGrp="1"/>
+          </p:cNvSpPr>
+          <p:nvPr>
+            <p:ph type="title"/>
+          </p:nvPr>
+        </p:nvSpPr>
+        <p:spPr/>
+        <p:txBody>
+          <a:bodyPr/>
+          <a:lstStyle/>
+          <a:p>
+            <a:r>
+              <a:rPr lang="en-US" altLang="zh-TW" dirty="0"/>
+              <a:t>Primer on BLE and BLE over IPv6(cont’d)</a:t>
+            </a:r>
+          </a:p>
+        </p:txBody>
+      </p:sp>
+      <p:sp>
+        <p:nvSpPr>
+          <p:cNvPr id="3" name="內容版面配置區 2">
+            <a:extLst>
+              <a:ext uri="{FF2B5EF4-FFF2-40B4-BE49-F238E27FC236}">
+                <a16:creationId xmlns:a16="http://schemas.microsoft.com/office/drawing/2014/main" id="{E616DA40-9E29-4C7C-A28F-3857701A0286}"/>
+              </a:ext>
+            </a:extLst>
+          </p:cNvPr>
+          <p:cNvSpPr>
+            <a:spLocks noGrp="1"/>
+          </p:cNvSpPr>
+          <p:nvPr>
+            <p:ph idx="1"/>
+          </p:nvPr>
+        </p:nvSpPr>
+        <p:spPr/>
+        <p:txBody>
+          <a:bodyPr>
+            <a:normAutofit/>
+          </a:bodyPr>
+          <a:lstStyle/>
+          <a:p>
+            <a:endParaRPr lang="zh-TW" altLang="en-US" dirty="0"/>
+          </a:p>
+        </p:txBody>
+      </p:sp>
+      <p:pic>
+        <p:nvPicPr>
+          <p:cNvPr id="7" name="圖片 6">
+            <a:extLst>
+              <a:ext uri="{FF2B5EF4-FFF2-40B4-BE49-F238E27FC236}">
+                <a16:creationId xmlns:a16="http://schemas.microsoft.com/office/drawing/2014/main" id="{D03360D8-0A34-4B9B-8EDF-94EF768549C8}"/>
+              </a:ext>
+            </a:extLst>
+          </p:cNvPr>
+          <p:cNvPicPr>
+            <a:picLocks noChangeAspect="1"/>
+          </p:cNvPicPr>
+          <p:nvPr/>
+        </p:nvPicPr>
+        <p:blipFill>
+          <a:blip r:embed="rId2"/>
+          <a:stretch>
+            <a:fillRect/>
+          </a:stretch>
+        </p:blipFill>
+        <p:spPr>
+          <a:xfrm>
+            <a:off x="5694218" y="4657914"/>
+            <a:ext cx="6497782" cy="2099352"/>
+          </a:xfrm>
+          <a:prstGeom prst="rect">
+            <a:avLst/>
+          </a:prstGeom>
+        </p:spPr>
+      </p:pic>
+      <p:sp>
+        <p:nvSpPr>
+          <p:cNvPr id="4" name="投影片編號版面配置區 3">
+            <a:extLst>
+              <a:ext uri="{FF2B5EF4-FFF2-40B4-BE49-F238E27FC236}">
+                <a16:creationId xmlns:a16="http://schemas.microsoft.com/office/drawing/2014/main" id="{46943CDC-E158-4BE6-85D8-16B7649A4F4B}"/>
+              </a:ext>
+            </a:extLst>
+          </p:cNvPr>
+          <p:cNvSpPr>
+            <a:spLocks noGrp="1"/>
+          </p:cNvSpPr>
+          <p:nvPr>
+            <p:ph type="sldNum" sz="quarter" idx="12"/>
+          </p:nvPr>
+        </p:nvSpPr>
+        <p:spPr/>
+        <p:txBody>
+          <a:bodyPr/>
+          <a:lstStyle/>
+          <a:p>
+            <a:fld id="{50029C49-A5A9-4A95-8BF0-94F73808DB5F}" type="slidenum">
+              <a:rPr lang="zh-TW" altLang="en-US" smtClean="0"/>
+              <a:t>6</a:t>
+            </a:fld>
+            <a:endParaRPr lang="zh-TW" altLang="en-US"/>
+          </a:p>
+        </p:txBody>
+      </p:sp>
+    </p:spTree>
+    <p:extLst>
+      <p:ext uri="{BB962C8B-B14F-4D97-AF65-F5344CB8AC3E}">
+        <p14:creationId xmlns:p14="http://schemas.microsoft.com/office/powerpoint/2010/main" val="4124350203"/>
+      </p:ext>
+    </p:extLst>
+  </p:cSld>
+  <p:clrMapOvr>
+    <a:masterClrMapping/>
+  </p:clrMapOvr>
+</p:sld>
+</file>
+
+<file path=ppt/slides/slide7.xml><?xml version="1.0" encoding="utf-8"?>
+<p:sld xmlns:a="http://schemas.openxmlformats.org/drawingml/2006/main" xmlns:r="http://schemas.openxmlformats.org/officeDocument/2006/relationships" xmlns:p="http://schemas.openxmlformats.org/presentationml/2006/main">
+  <p:cSld>
+    <p:spTree>
+      <p:nvGrpSpPr>
+        <p:cNvPr id="1" name=""/>
+        <p:cNvGrpSpPr/>
+        <p:nvPr/>
+      </p:nvGrpSpPr>
+      <p:grpSpPr>
+        <a:xfrm>
+          <a:off x="0" y="0"/>
+          <a:ext cx="0" cy="0"/>
+          <a:chOff x="0" y="0"/>
+          <a:chExt cx="0" cy="0"/>
+        </a:xfrm>
+      </p:grpSpPr>
+      <p:sp>
+        <p:nvSpPr>
+          <p:cNvPr id="2" name="標題 1">
+            <a:extLst>
+              <a:ext uri="{FF2B5EF4-FFF2-40B4-BE49-F238E27FC236}">
+                <a16:creationId xmlns:a16="http://schemas.microsoft.com/office/drawing/2014/main" id="{3BC0BCD6-087B-4D00-8F2E-591BCB2E5170}"/>
+              </a:ext>
+            </a:extLst>
+          </p:cNvPr>
+          <p:cNvSpPr>
+            <a:spLocks noGrp="1"/>
+          </p:cNvSpPr>
+          <p:nvPr>
+            <p:ph type="title"/>
+          </p:nvPr>
+        </p:nvSpPr>
+        <p:spPr/>
+        <p:txBody>
+          <a:bodyPr/>
+          <a:lstStyle/>
+          <a:p>
+            <a:r>
+              <a:rPr lang="en-US" altLang="zh-TW" dirty="0"/>
+              <a:t>Related work</a:t>
+            </a:r>
+            <a:endParaRPr lang="zh-TW" altLang="en-US" dirty="0"/>
+          </a:p>
+        </p:txBody>
+      </p:sp>
+      <p:sp>
+        <p:nvSpPr>
+          <p:cNvPr id="3" name="內容版面配置區 2">
+            <a:extLst>
+              <a:ext uri="{FF2B5EF4-FFF2-40B4-BE49-F238E27FC236}">
+                <a16:creationId xmlns:a16="http://schemas.microsoft.com/office/drawing/2014/main" id="{B269DE6C-D13D-406A-AEAF-21FE42659DB2}"/>
+              </a:ext>
+            </a:extLst>
+          </p:cNvPr>
+          <p:cNvSpPr>
+            <a:spLocks noGrp="1"/>
+          </p:cNvSpPr>
+          <p:nvPr>
+            <p:ph idx="1"/>
+          </p:nvPr>
+        </p:nvSpPr>
+        <p:spPr/>
+        <p:txBody>
+          <a:bodyPr/>
+          <a:lstStyle/>
+          <a:p>
+            <a:endParaRPr lang="zh-TW" altLang="en-US" dirty="0"/>
+          </a:p>
+        </p:txBody>
+      </p:sp>
+      <p:sp>
+        <p:nvSpPr>
+          <p:cNvPr id="4" name="投影片編號版面配置區 3">
+            <a:extLst>
+              <a:ext uri="{FF2B5EF4-FFF2-40B4-BE49-F238E27FC236}">
+                <a16:creationId xmlns:a16="http://schemas.microsoft.com/office/drawing/2014/main" id="{20364101-78A2-4D74-8E20-102D7AF997EA}"/>
+              </a:ext>
+            </a:extLst>
+          </p:cNvPr>
+          <p:cNvSpPr>
+            <a:spLocks noGrp="1"/>
+          </p:cNvSpPr>
+          <p:nvPr>
+            <p:ph type="sldNum" sz="quarter" idx="12"/>
+          </p:nvPr>
+        </p:nvSpPr>
+        <p:spPr/>
+        <p:txBody>
+          <a:bodyPr/>
+          <a:lstStyle/>
+          <a:p>
+            <a:fld id="{50029C49-A5A9-4A95-8BF0-94F73808DB5F}" type="slidenum">
+              <a:rPr lang="zh-TW" altLang="en-US" smtClean="0"/>
+              <a:t>7</a:t>
+            </a:fld>
+            <a:endParaRPr lang="zh-TW" altLang="en-US"/>
+          </a:p>
+        </p:txBody>
+      </p:sp>
+    </p:spTree>
+    <p:extLst>
+      <p:ext uri="{BB962C8B-B14F-4D97-AF65-F5344CB8AC3E}">
+        <p14:creationId xmlns:p14="http://schemas.microsoft.com/office/powerpoint/2010/main" val="3074705118"/>
+      </p:ext>
+    </p:extLst>
+  </p:cSld>
+  <p:clrMapOvr>
+    <a:masterClrMapping/>
+  </p:clrMapOvr>
+</p:sld>
+</file>
+
+<file path=ppt/slides/slide8.xml><?xml version="1.0" encoding="utf-8"?>
+<p:sld xmlns:a="http://schemas.openxmlformats.org/drawingml/2006/main" xmlns:r="http://schemas.openxmlformats.org/officeDocument/2006/relationships" xmlns:p="http://schemas.openxmlformats.org/presentationml/2006/main">
+  <p:cSld>
+    <p:spTree>
+      <p:nvGrpSpPr>
+        <p:cNvPr id="1" name=""/>
+        <p:cNvGrpSpPr/>
+        <p:nvPr/>
+      </p:nvGrpSpPr>
+      <p:grpSpPr>
+        <a:xfrm>
+          <a:off x="0" y="0"/>
+          <a:ext cx="0" cy="0"/>
+          <a:chOff x="0" y="0"/>
+          <a:chExt cx="0" cy="0"/>
+        </a:xfrm>
+      </p:grpSpPr>
+      <p:sp>
+        <p:nvSpPr>
+          <p:cNvPr id="2" name="標題 1">
+            <a:extLst>
+              <a:ext uri="{FF2B5EF4-FFF2-40B4-BE49-F238E27FC236}">
+                <a16:creationId xmlns:a16="http://schemas.microsoft.com/office/drawing/2014/main" id="{B93EF638-2849-41FC-9ED3-28D8E0CE969E}"/>
+              </a:ext>
+            </a:extLst>
+          </p:cNvPr>
+          <p:cNvSpPr>
+            <a:spLocks noGrp="1"/>
+          </p:cNvSpPr>
+          <p:nvPr>
+            <p:ph type="title"/>
+          </p:nvPr>
+        </p:nvSpPr>
+        <p:spPr/>
+        <p:txBody>
+          <a:bodyPr/>
+          <a:lstStyle/>
+          <a:p>
+            <a:r>
+              <a:rPr lang="en-US" altLang="zh-TW" dirty="0"/>
+              <a:t>Implementation details</a:t>
+            </a:r>
+            <a:endParaRPr lang="zh-TW" altLang="en-US" dirty="0"/>
+          </a:p>
+        </p:txBody>
+      </p:sp>
+      <p:sp>
+        <p:nvSpPr>
+          <p:cNvPr id="3" name="內容版面配置區 2">
+            <a:extLst>
+              <a:ext uri="{FF2B5EF4-FFF2-40B4-BE49-F238E27FC236}">
+                <a16:creationId xmlns:a16="http://schemas.microsoft.com/office/drawing/2014/main" id="{FE76078E-89DF-42BA-BFF0-0789F7A2DC49}"/>
+              </a:ext>
+            </a:extLst>
+          </p:cNvPr>
+          <p:cNvSpPr>
+            <a:spLocks noGrp="1"/>
+          </p:cNvSpPr>
+          <p:nvPr>
+            <p:ph idx="1"/>
+          </p:nvPr>
+        </p:nvSpPr>
+        <p:spPr/>
+        <p:txBody>
+          <a:bodyPr>
+            <a:normAutofit fontScale="92500" lnSpcReduction="10000"/>
+          </a:bodyPr>
+          <a:lstStyle/>
+          <a:p>
+            <a:r>
+              <a:rPr lang="en-US" altLang="zh-TW" dirty="0"/>
+              <a:t>The BLE peripheral’s role is enacted using a nRF52840 board and the other roles are enacted using Raspberry PI’s.</a:t>
+            </a:r>
+          </a:p>
+          <a:p>
+            <a:endParaRPr lang="en-US" altLang="zh-TW" dirty="0"/>
+          </a:p>
+          <a:p>
+            <a:r>
+              <a:rPr lang="en-US" altLang="zh-TW" b="1" dirty="0"/>
+              <a:t>nRF52840</a:t>
+            </a:r>
+            <a:r>
+              <a:rPr lang="en-US" altLang="zh-TW" dirty="0"/>
+              <a:t> board is capable of implementing a complete BLE v5.0 supported stack as well as the IPv6 over BLE stack adjustment.</a:t>
+            </a:r>
+          </a:p>
+          <a:p>
+            <a:endParaRPr lang="en-US" altLang="zh-TW" dirty="0"/>
+          </a:p>
+          <a:p>
+            <a:r>
+              <a:rPr lang="en-US" altLang="zh-TW" dirty="0"/>
+              <a:t>Use official Linux Bluetooth protocol stack(</a:t>
+            </a:r>
+            <a:r>
+              <a:rPr lang="en-US" altLang="zh-TW" dirty="0" err="1"/>
+              <a:t>BLueZ</a:t>
+            </a:r>
+            <a:r>
+              <a:rPr lang="en-US" altLang="zh-TW" dirty="0"/>
+              <a:t>) on Raspberry Pi.</a:t>
+            </a:r>
+          </a:p>
+          <a:p>
+            <a:endParaRPr lang="en-US" altLang="zh-TW" dirty="0"/>
+          </a:p>
+          <a:p>
+            <a:r>
+              <a:rPr lang="en-US" altLang="zh-TW" dirty="0"/>
+              <a:t>To emulate a mobile BLE peripheral performing a handover from one gateway to another gateway, in a controller manner, a manual attenuator is used.</a:t>
+            </a:r>
+            <a:endParaRPr lang="zh-TW" altLang="en-US" dirty="0"/>
+          </a:p>
+        </p:txBody>
+      </p:sp>
+      <p:sp>
+        <p:nvSpPr>
+          <p:cNvPr id="4" name="投影片編號版面配置區 3">
+            <a:extLst>
+              <a:ext uri="{FF2B5EF4-FFF2-40B4-BE49-F238E27FC236}">
+                <a16:creationId xmlns:a16="http://schemas.microsoft.com/office/drawing/2014/main" id="{AD1B4B23-F0A7-40BA-987D-16C4CCB324A1}"/>
+              </a:ext>
+            </a:extLst>
+          </p:cNvPr>
+          <p:cNvSpPr>
+            <a:spLocks noGrp="1"/>
+          </p:cNvSpPr>
+          <p:nvPr>
+            <p:ph type="sldNum" sz="quarter" idx="12"/>
+          </p:nvPr>
+        </p:nvSpPr>
+        <p:spPr/>
+        <p:txBody>
+          <a:bodyPr/>
+          <a:lstStyle/>
+          <a:p>
+            <a:fld id="{50029C49-A5A9-4A95-8BF0-94F73808DB5F}" type="slidenum">
+              <a:rPr lang="zh-TW" altLang="en-US" smtClean="0"/>
+              <a:t>8</a:t>
+            </a:fld>
+            <a:endParaRPr lang="zh-TW" altLang="en-US"/>
+          </a:p>
+        </p:txBody>
+      </p:sp>
+    </p:spTree>
+    <p:extLst>
+      <p:ext uri="{BB962C8B-B14F-4D97-AF65-F5344CB8AC3E}">
+        <p14:creationId xmlns:p14="http://schemas.microsoft.com/office/powerpoint/2010/main" val="664417199"/>
+      </p:ext>
+    </p:extLst>
+  </p:cSld>
+  <p:clrMapOvr>
+    <a:masterClrMapping/>
+  </p:clrMapOvr>
+</p:sld>
+</file>
+
+<file path=ppt/slides/slide9.xml><?xml version="1.0" encoding="utf-8"?>
+<p:sld xmlns:a="http://schemas.openxmlformats.org/drawingml/2006/main" xmlns:r="http://schemas.openxmlformats.org/officeDocument/2006/relationships" xmlns:p="http://schemas.openxmlformats.org/presentationml/2006/main">
+  <p:cSld>
+    <p:spTree>
+      <p:nvGrpSpPr>
+        <p:cNvPr id="1" name=""/>
+        <p:cNvGrpSpPr/>
+        <p:nvPr/>
+      </p:nvGrpSpPr>
+      <p:grpSpPr>
+        <a:xfrm>
+          <a:off x="0" y="0"/>
+          <a:ext cx="0" cy="0"/>
+          <a:chOff x="0" y="0"/>
+          <a:chExt cx="0" cy="0"/>
+        </a:xfrm>
+      </p:grpSpPr>
+      <p:sp>
+        <p:nvSpPr>
+          <p:cNvPr id="2" name="標題 1">
+            <a:extLst>
+              <a:ext uri="{FF2B5EF4-FFF2-40B4-BE49-F238E27FC236}">
+                <a16:creationId xmlns:a16="http://schemas.microsoft.com/office/drawing/2014/main" id="{B93EF638-2849-41FC-9ED3-28D8E0CE969E}"/>
+              </a:ext>
+            </a:extLst>
+          </p:cNvPr>
+          <p:cNvSpPr>
+            <a:spLocks noGrp="1"/>
+          </p:cNvSpPr>
+          <p:nvPr>
+            <p:ph type="title"/>
+          </p:nvPr>
+        </p:nvSpPr>
+        <p:spPr/>
+        <p:txBody>
+          <a:bodyPr/>
+          <a:lstStyle/>
+          <a:p>
+            <a:r>
+              <a:rPr lang="en-US" altLang="zh-TW" dirty="0"/>
+              <a:t>Implementation details</a:t>
+            </a:r>
+            <a:r>
+              <a:rPr lang="en-US" altLang="zh-TW"/>
+              <a:t>(cont’d)</a:t>
+            </a:r>
+            <a:endParaRPr lang="zh-TW" altLang="en-US" dirty="0"/>
+          </a:p>
+        </p:txBody>
+      </p:sp>
+      <p:sp>
+        <p:nvSpPr>
+          <p:cNvPr id="3" name="內容版面配置區 2">
+            <a:extLst>
+              <a:ext uri="{FF2B5EF4-FFF2-40B4-BE49-F238E27FC236}">
+                <a16:creationId xmlns:a16="http://schemas.microsoft.com/office/drawing/2014/main" id="{FE76078E-89DF-42BA-BFF0-0789F7A2DC49}"/>
+              </a:ext>
+            </a:extLst>
+          </p:cNvPr>
+          <p:cNvSpPr>
+            <a:spLocks noGrp="1"/>
+          </p:cNvSpPr>
+          <p:nvPr>
+            <p:ph idx="1"/>
+          </p:nvPr>
+        </p:nvSpPr>
+        <p:spPr/>
+        <p:txBody>
+          <a:bodyPr>
+            <a:normAutofit/>
+          </a:bodyPr>
+          <a:lstStyle/>
+          <a:p>
+            <a:endParaRPr lang="zh-TW" altLang="en-US" dirty="0"/>
+          </a:p>
+        </p:txBody>
+      </p:sp>
+      <p:sp>
+        <p:nvSpPr>
+          <p:cNvPr id="4" name="投影片編號版面配置區 3">
+            <a:extLst>
+              <a:ext uri="{FF2B5EF4-FFF2-40B4-BE49-F238E27FC236}">
+                <a16:creationId xmlns:a16="http://schemas.microsoft.com/office/drawing/2014/main" id="{AD1B4B23-F0A7-40BA-987D-16C4CCB324A1}"/>
+              </a:ext>
+            </a:extLst>
+          </p:cNvPr>
+          <p:cNvSpPr>
+            <a:spLocks noGrp="1"/>
+          </p:cNvSpPr>
+          <p:nvPr>
+            <p:ph type="sldNum" sz="quarter" idx="12"/>
+          </p:nvPr>
+        </p:nvSpPr>
+        <p:spPr/>
+        <p:txBody>
+          <a:bodyPr/>
+          <a:lstStyle/>
+          <a:p>
+            <a:fld id="{50029C49-A5A9-4A95-8BF0-94F73808DB5F}" type="slidenum">
+              <a:rPr lang="zh-TW" altLang="en-US" smtClean="0"/>
+              <a:t>9</a:t>
+            </a:fld>
+            <a:endParaRPr lang="zh-TW" altLang="en-US"/>
+          </a:p>
+        </p:txBody>
+      </p:sp>
+    </p:spTree>
+    <p:extLst>
+      <p:ext uri="{BB962C8B-B14F-4D97-AF65-F5344CB8AC3E}">
+        <p14:creationId xmlns:p14="http://schemas.microsoft.com/office/powerpoint/2010/main" val="2518762824"/>
       </p:ext>
     </p:extLst>
   </p:cSld>

--- a/A BLE-based multi-gateway network infrastructure with handover support for mobile BLE peripherals.pptx
+++ b/A BLE-based multi-gateway network infrastructure with handover support for mobile BLE peripherals.pptx
@@ -5,7 +5,7 @@
     <p:sldMasterId id="2147483648" r:id="rId1"/>
   </p:sldMasterIdLst>
   <p:notesMasterIdLst>
-    <p:notesMasterId r:id="rId29"/>
+    <p:notesMasterId r:id="rId34"/>
   </p:notesMasterIdLst>
   <p:sldIdLst>
     <p:sldId id="256" r:id="rId2"/>
@@ -15,26 +15,31 @@
     <p:sldId id="265" r:id="rId6"/>
     <p:sldId id="266" r:id="rId7"/>
     <p:sldId id="267" r:id="rId8"/>
-    <p:sldId id="281" r:id="rId9"/>
-    <p:sldId id="282" r:id="rId10"/>
-    <p:sldId id="268" r:id="rId11"/>
-    <p:sldId id="269" r:id="rId12"/>
-    <p:sldId id="272" r:id="rId13"/>
-    <p:sldId id="274" r:id="rId14"/>
-    <p:sldId id="271" r:id="rId15"/>
-    <p:sldId id="273" r:id="rId16"/>
-    <p:sldId id="270" r:id="rId17"/>
-    <p:sldId id="275" r:id="rId18"/>
-    <p:sldId id="276" r:id="rId19"/>
-    <p:sldId id="279" r:id="rId20"/>
-    <p:sldId id="280" r:id="rId21"/>
-    <p:sldId id="277" r:id="rId22"/>
-    <p:sldId id="278" r:id="rId23"/>
-    <p:sldId id="260" r:id="rId24"/>
-    <p:sldId id="261" r:id="rId25"/>
-    <p:sldId id="262" r:id="rId26"/>
-    <p:sldId id="263" r:id="rId27"/>
-    <p:sldId id="258" r:id="rId28"/>
+    <p:sldId id="282" r:id="rId9"/>
+    <p:sldId id="283" r:id="rId10"/>
+    <p:sldId id="284" r:id="rId11"/>
+    <p:sldId id="285" r:id="rId12"/>
+    <p:sldId id="286" r:id="rId13"/>
+    <p:sldId id="287" r:id="rId14"/>
+    <p:sldId id="281" r:id="rId15"/>
+    <p:sldId id="268" r:id="rId16"/>
+    <p:sldId id="269" r:id="rId17"/>
+    <p:sldId id="272" r:id="rId18"/>
+    <p:sldId id="274" r:id="rId19"/>
+    <p:sldId id="271" r:id="rId20"/>
+    <p:sldId id="273" r:id="rId21"/>
+    <p:sldId id="270" r:id="rId22"/>
+    <p:sldId id="275" r:id="rId23"/>
+    <p:sldId id="276" r:id="rId24"/>
+    <p:sldId id="279" r:id="rId25"/>
+    <p:sldId id="280" r:id="rId26"/>
+    <p:sldId id="277" r:id="rId27"/>
+    <p:sldId id="278" r:id="rId28"/>
+    <p:sldId id="260" r:id="rId29"/>
+    <p:sldId id="261" r:id="rId30"/>
+    <p:sldId id="262" r:id="rId31"/>
+    <p:sldId id="263" r:id="rId32"/>
+    <p:sldId id="258" r:id="rId33"/>
   </p:sldIdLst>
   <p:sldSz cx="12192000" cy="6858000"/>
   <p:notesSz cx="6858000" cy="9144000"/>
@@ -557,7 +562,7 @@
           <a:p>
             <a:fld id="{48C17303-7880-4EB0-BBD6-662AD90969CD}" type="slidenum">
               <a:rPr lang="zh-TW" altLang="en-US" smtClean="0"/>
-              <a:t>11</a:t>
+              <a:t>16</a:t>
             </a:fld>
             <a:endParaRPr lang="zh-TW" altLang="en-US"/>
           </a:p>
@@ -660,7 +665,7 @@
           <a:p>
             <a:fld id="{48C17303-7880-4EB0-BBD6-662AD90969CD}" type="slidenum">
               <a:rPr lang="zh-TW" altLang="en-US" smtClean="0"/>
-              <a:t>13</a:t>
+              <a:t>18</a:t>
             </a:fld>
             <a:endParaRPr lang="zh-TW" altLang="en-US"/>
           </a:p>
@@ -751,7 +756,7 @@
           <a:p>
             <a:fld id="{48C17303-7880-4EB0-BBD6-662AD90969CD}" type="slidenum">
               <a:rPr lang="zh-TW" altLang="en-US" smtClean="0"/>
-              <a:t>20</a:t>
+              <a:t>25</a:t>
             </a:fld>
             <a:endParaRPr lang="zh-TW" altLang="en-US"/>
           </a:p>
@@ -4107,7 +4112,7 @@
           <p:cNvPr id="2" name="標題 1">
             <a:extLst>
               <a:ext uri="{FF2B5EF4-FFF2-40B4-BE49-F238E27FC236}">
-                <a16:creationId xmlns:a16="http://schemas.microsoft.com/office/drawing/2014/main" id="{B395D8BB-EDB2-42F3-9D92-4E6E7DCBB06A}"/>
+                <a16:creationId xmlns:a16="http://schemas.microsoft.com/office/drawing/2014/main" id="{A695901F-B45F-471B-B1C2-E603D8500264}"/>
               </a:ext>
             </a:extLst>
           </p:cNvPr>
@@ -4125,7 +4130,7 @@
           <a:p>
             <a:r>
               <a:rPr lang="en-US" altLang="zh-TW" dirty="0"/>
-              <a:t>Evaluation</a:t>
+              <a:t>Handover approaches(cont’d)</a:t>
             </a:r>
             <a:endParaRPr lang="zh-TW" altLang="en-US" dirty="0"/>
           </a:p>
@@ -4136,7 +4141,7 @@
           <p:cNvPr id="3" name="內容版面配置區 2">
             <a:extLst>
               <a:ext uri="{FF2B5EF4-FFF2-40B4-BE49-F238E27FC236}">
-                <a16:creationId xmlns:a16="http://schemas.microsoft.com/office/drawing/2014/main" id="{C1C16457-135B-42D6-BD5B-8AF9CCC2689E}"/>
+                <a16:creationId xmlns:a16="http://schemas.microsoft.com/office/drawing/2014/main" id="{FB2F8C4B-A1E5-42DA-B706-3134322A9E30}"/>
               </a:ext>
             </a:extLst>
           </p:cNvPr>
@@ -4147,20 +4152,38 @@
             <p:ph idx="1"/>
           </p:nvPr>
         </p:nvSpPr>
-        <p:spPr/>
-        <p:txBody>
-          <a:bodyPr/>
-          <a:lstStyle/>
-          <a:p>
-            <a:r>
-              <a:rPr lang="en-US" altLang="zh-TW" dirty="0"/>
-              <a:t>The performance of the handover process is predominantly impacted by two steps: disconnecting from the current GW and setting up a connection with the alternative GW.</a:t>
+        <p:spPr>
+          <a:xfrm>
+            <a:off x="838200" y="1587500"/>
+            <a:ext cx="10515600" cy="4351338"/>
+          </a:xfrm>
+        </p:spPr>
+        <p:txBody>
+          <a:bodyPr/>
+          <a:lstStyle/>
+          <a:p>
+            <a:r>
+              <a:rPr lang="en-US" altLang="zh-TW" dirty="0"/>
+              <a:t>All collected RSSI values are forwarded to the controller. </a:t>
             </a:r>
           </a:p>
           <a:p>
             <a:endParaRPr lang="en-US" altLang="zh-TW" dirty="0"/>
           </a:p>
           <a:p>
+            <a:r>
+              <a:rPr lang="en-US" altLang="zh-TW" dirty="0"/>
+              <a:t>The controller maintains a mapping table between the received RSSI values and the associated IoT GW and BLE peripheral. </a:t>
+            </a:r>
+          </a:p>
+          <a:p>
+            <a:endParaRPr lang="en-US" altLang="zh-TW" dirty="0"/>
+          </a:p>
+          <a:p>
+            <a:r>
+              <a:rPr lang="en-US" altLang="zh-TW" dirty="0"/>
+              <a:t>Concurrently, this mapping table is used to monitor the current state of the BLE connections and decides whether a specific BLE peripheral should handover to another IoT GW.</a:t>
+            </a:r>
             <a:endParaRPr lang="zh-TW" altLang="en-US" dirty="0"/>
           </a:p>
         </p:txBody>
@@ -4170,7 +4193,7 @@
           <p:cNvPr id="4" name="投影片編號版面配置區 3">
             <a:extLst>
               <a:ext uri="{FF2B5EF4-FFF2-40B4-BE49-F238E27FC236}">
-                <a16:creationId xmlns:a16="http://schemas.microsoft.com/office/drawing/2014/main" id="{2E50D0C3-38B0-420B-AA42-A979EDC25DED}"/>
+                <a16:creationId xmlns:a16="http://schemas.microsoft.com/office/drawing/2014/main" id="{D343627B-A794-4656-8F31-A526720248C0}"/>
               </a:ext>
             </a:extLst>
           </p:cNvPr>
@@ -4189,6 +4212,711 @@
             <a:fld id="{50029C49-A5A9-4A95-8BF0-94F73808DB5F}" type="slidenum">
               <a:rPr lang="zh-TW" altLang="en-US" smtClean="0"/>
               <a:t>10</a:t>
+            </a:fld>
+            <a:endParaRPr lang="zh-TW" altLang="en-US"/>
+          </a:p>
+        </p:txBody>
+      </p:sp>
+    </p:spTree>
+    <p:extLst>
+      <p:ext uri="{BB962C8B-B14F-4D97-AF65-F5344CB8AC3E}">
+        <p14:creationId xmlns:p14="http://schemas.microsoft.com/office/powerpoint/2010/main" val="1372114980"/>
+      </p:ext>
+    </p:extLst>
+  </p:cSld>
+  <p:clrMapOvr>
+    <a:masterClrMapping/>
+  </p:clrMapOvr>
+</p:sld>
+</file>
+
+<file path=ppt/slides/slide11.xml><?xml version="1.0" encoding="utf-8"?>
+<p:sld xmlns:a="http://schemas.openxmlformats.org/drawingml/2006/main" xmlns:r="http://schemas.openxmlformats.org/officeDocument/2006/relationships" xmlns:p="http://schemas.openxmlformats.org/presentationml/2006/main">
+  <p:cSld>
+    <p:spTree>
+      <p:nvGrpSpPr>
+        <p:cNvPr id="1" name=""/>
+        <p:cNvGrpSpPr/>
+        <p:nvPr/>
+      </p:nvGrpSpPr>
+      <p:grpSpPr>
+        <a:xfrm>
+          <a:off x="0" y="0"/>
+          <a:ext cx="0" cy="0"/>
+          <a:chOff x="0" y="0"/>
+          <a:chExt cx="0" cy="0"/>
+        </a:xfrm>
+      </p:grpSpPr>
+      <p:sp>
+        <p:nvSpPr>
+          <p:cNvPr id="2" name="標題 1">
+            <a:extLst>
+              <a:ext uri="{FF2B5EF4-FFF2-40B4-BE49-F238E27FC236}">
+                <a16:creationId xmlns:a16="http://schemas.microsoft.com/office/drawing/2014/main" id="{A695901F-B45F-471B-B1C2-E603D8500264}"/>
+              </a:ext>
+            </a:extLst>
+          </p:cNvPr>
+          <p:cNvSpPr>
+            <a:spLocks noGrp="1"/>
+          </p:cNvSpPr>
+          <p:nvPr>
+            <p:ph type="title"/>
+          </p:nvPr>
+        </p:nvSpPr>
+        <p:spPr/>
+        <p:txBody>
+          <a:bodyPr/>
+          <a:lstStyle/>
+          <a:p>
+            <a:r>
+              <a:rPr lang="en-US" altLang="zh-TW" dirty="0"/>
+              <a:t>Handover approaches(cont’d)</a:t>
+            </a:r>
+            <a:endParaRPr lang="zh-TW" altLang="en-US" dirty="0"/>
+          </a:p>
+        </p:txBody>
+      </p:sp>
+      <p:sp>
+        <p:nvSpPr>
+          <p:cNvPr id="3" name="內容版面配置區 2">
+            <a:extLst>
+              <a:ext uri="{FF2B5EF4-FFF2-40B4-BE49-F238E27FC236}">
+                <a16:creationId xmlns:a16="http://schemas.microsoft.com/office/drawing/2014/main" id="{FB2F8C4B-A1E5-42DA-B706-3134322A9E30}"/>
+              </a:ext>
+            </a:extLst>
+          </p:cNvPr>
+          <p:cNvSpPr>
+            <a:spLocks noGrp="1"/>
+          </p:cNvSpPr>
+          <p:nvPr>
+            <p:ph idx="1"/>
+          </p:nvPr>
+        </p:nvSpPr>
+        <p:spPr>
+          <a:xfrm>
+            <a:off x="838200" y="1587500"/>
+            <a:ext cx="10515600" cy="4351338"/>
+          </a:xfrm>
+        </p:spPr>
+        <p:txBody>
+          <a:bodyPr>
+            <a:normAutofit fontScale="92500" lnSpcReduction="20000"/>
+          </a:bodyPr>
+          <a:lstStyle/>
+          <a:p>
+            <a:r>
+              <a:rPr lang="en-US" altLang="zh-TW" dirty="0"/>
+              <a:t>Such a handover decision is taken when two conditions are met: the connection to the current IoT GW is bad and a sufficiently good enough alternative IoT GW is available.</a:t>
+            </a:r>
+          </a:p>
+          <a:p>
+            <a:endParaRPr lang="en-US" altLang="zh-TW" dirty="0"/>
+          </a:p>
+          <a:p>
+            <a:r>
+              <a:rPr lang="en-US" altLang="zh-TW" dirty="0"/>
+              <a:t>The connection can be considered bad once the RSSI exceeds a certain RSSI threshold, meaning that the peripheral is not too far from the GW for the connection to be lost, but far enough to be of insufficient quality.</a:t>
+            </a:r>
+          </a:p>
+          <a:p>
+            <a:endParaRPr lang="en-US" altLang="zh-TW" dirty="0"/>
+          </a:p>
+          <a:p>
+            <a:r>
+              <a:rPr lang="en-US" altLang="zh-TW" dirty="0"/>
+              <a:t>Another GW can be considered a sufficient alternative, once its RSSI exceeds a certain threshold as well, indicating that the peripheral is actually close enough to that GW to establish a connection of sufficient quality. </a:t>
+            </a:r>
+            <a:endParaRPr lang="zh-TW" altLang="en-US" dirty="0"/>
+          </a:p>
+        </p:txBody>
+      </p:sp>
+      <p:sp>
+        <p:nvSpPr>
+          <p:cNvPr id="4" name="投影片編號版面配置區 3">
+            <a:extLst>
+              <a:ext uri="{FF2B5EF4-FFF2-40B4-BE49-F238E27FC236}">
+                <a16:creationId xmlns:a16="http://schemas.microsoft.com/office/drawing/2014/main" id="{D343627B-A794-4656-8F31-A526720248C0}"/>
+              </a:ext>
+            </a:extLst>
+          </p:cNvPr>
+          <p:cNvSpPr>
+            <a:spLocks noGrp="1"/>
+          </p:cNvSpPr>
+          <p:nvPr>
+            <p:ph type="sldNum" sz="quarter" idx="12"/>
+          </p:nvPr>
+        </p:nvSpPr>
+        <p:spPr/>
+        <p:txBody>
+          <a:bodyPr/>
+          <a:lstStyle/>
+          <a:p>
+            <a:fld id="{50029C49-A5A9-4A95-8BF0-94F73808DB5F}" type="slidenum">
+              <a:rPr lang="zh-TW" altLang="en-US" smtClean="0"/>
+              <a:t>11</a:t>
+            </a:fld>
+            <a:endParaRPr lang="zh-TW" altLang="en-US"/>
+          </a:p>
+        </p:txBody>
+      </p:sp>
+    </p:spTree>
+    <p:extLst>
+      <p:ext uri="{BB962C8B-B14F-4D97-AF65-F5344CB8AC3E}">
+        <p14:creationId xmlns:p14="http://schemas.microsoft.com/office/powerpoint/2010/main" val="1833578096"/>
+      </p:ext>
+    </p:extLst>
+  </p:cSld>
+  <p:clrMapOvr>
+    <a:masterClrMapping/>
+  </p:clrMapOvr>
+</p:sld>
+</file>
+
+<file path=ppt/slides/slide12.xml><?xml version="1.0" encoding="utf-8"?>
+<p:sld xmlns:a="http://schemas.openxmlformats.org/drawingml/2006/main" xmlns:r="http://schemas.openxmlformats.org/officeDocument/2006/relationships" xmlns:p="http://schemas.openxmlformats.org/presentationml/2006/main">
+  <p:cSld>
+    <p:spTree>
+      <p:nvGrpSpPr>
+        <p:cNvPr id="1" name=""/>
+        <p:cNvGrpSpPr/>
+        <p:nvPr/>
+      </p:nvGrpSpPr>
+      <p:grpSpPr>
+        <a:xfrm>
+          <a:off x="0" y="0"/>
+          <a:ext cx="0" cy="0"/>
+          <a:chOff x="0" y="0"/>
+          <a:chExt cx="0" cy="0"/>
+        </a:xfrm>
+      </p:grpSpPr>
+      <p:sp>
+        <p:nvSpPr>
+          <p:cNvPr id="2" name="標題 1">
+            <a:extLst>
+              <a:ext uri="{FF2B5EF4-FFF2-40B4-BE49-F238E27FC236}">
+                <a16:creationId xmlns:a16="http://schemas.microsoft.com/office/drawing/2014/main" id="{A695901F-B45F-471B-B1C2-E603D8500264}"/>
+              </a:ext>
+            </a:extLst>
+          </p:cNvPr>
+          <p:cNvSpPr>
+            <a:spLocks noGrp="1"/>
+          </p:cNvSpPr>
+          <p:nvPr>
+            <p:ph type="title"/>
+          </p:nvPr>
+        </p:nvSpPr>
+        <p:spPr/>
+        <p:txBody>
+          <a:bodyPr/>
+          <a:lstStyle/>
+          <a:p>
+            <a:r>
+              <a:rPr lang="en-US" altLang="zh-TW" dirty="0"/>
+              <a:t>Handover approaches(cont’d)</a:t>
+            </a:r>
+            <a:endParaRPr lang="zh-TW" altLang="en-US" dirty="0"/>
+          </a:p>
+        </p:txBody>
+      </p:sp>
+      <p:sp>
+        <p:nvSpPr>
+          <p:cNvPr id="3" name="內容版面配置區 2">
+            <a:extLst>
+              <a:ext uri="{FF2B5EF4-FFF2-40B4-BE49-F238E27FC236}">
+                <a16:creationId xmlns:a16="http://schemas.microsoft.com/office/drawing/2014/main" id="{FB2F8C4B-A1E5-42DA-B706-3134322A9E30}"/>
+              </a:ext>
+            </a:extLst>
+          </p:cNvPr>
+          <p:cNvSpPr>
+            <a:spLocks noGrp="1"/>
+          </p:cNvSpPr>
+          <p:nvPr>
+            <p:ph idx="1"/>
+          </p:nvPr>
+        </p:nvSpPr>
+        <p:spPr>
+          <a:xfrm>
+            <a:off x="838200" y="1587500"/>
+            <a:ext cx="10515600" cy="4351338"/>
+          </a:xfrm>
+        </p:spPr>
+        <p:txBody>
+          <a:bodyPr>
+            <a:normAutofit fontScale="92500" lnSpcReduction="10000"/>
+          </a:bodyPr>
+          <a:lstStyle/>
+          <a:p>
+            <a:r>
+              <a:rPr lang="en-US" altLang="zh-TW" dirty="0"/>
+              <a:t>When a handover decision is made, a disconnect message is sent by the controller to the old IoT GW and a connect message to the alternative IoT GW. </a:t>
+            </a:r>
+          </a:p>
+          <a:p>
+            <a:endParaRPr lang="en-US" altLang="zh-TW" dirty="0"/>
+          </a:p>
+          <a:p>
+            <a:r>
+              <a:rPr lang="en-US" altLang="zh-TW" dirty="0"/>
+              <a:t>The old IoT GW forwards this request to the BLE peripheral and the peripheral immediately terminates the connection (independent of the supervision timeout). </a:t>
+            </a:r>
+          </a:p>
+          <a:p>
+            <a:endParaRPr lang="en-US" altLang="zh-TW" dirty="0"/>
+          </a:p>
+          <a:p>
+            <a:r>
+              <a:rPr lang="en-US" altLang="zh-TW" dirty="0"/>
+              <a:t>Afterwards, the BLE advertisements can be answered with a connection request again, which is now done by the alternative gateway incited by the connect message.</a:t>
+            </a:r>
+            <a:endParaRPr lang="zh-TW" altLang="en-US" dirty="0"/>
+          </a:p>
+        </p:txBody>
+      </p:sp>
+      <p:sp>
+        <p:nvSpPr>
+          <p:cNvPr id="4" name="投影片編號版面配置區 3">
+            <a:extLst>
+              <a:ext uri="{FF2B5EF4-FFF2-40B4-BE49-F238E27FC236}">
+                <a16:creationId xmlns:a16="http://schemas.microsoft.com/office/drawing/2014/main" id="{D343627B-A794-4656-8F31-A526720248C0}"/>
+              </a:ext>
+            </a:extLst>
+          </p:cNvPr>
+          <p:cNvSpPr>
+            <a:spLocks noGrp="1"/>
+          </p:cNvSpPr>
+          <p:nvPr>
+            <p:ph type="sldNum" sz="quarter" idx="12"/>
+          </p:nvPr>
+        </p:nvSpPr>
+        <p:spPr/>
+        <p:txBody>
+          <a:bodyPr/>
+          <a:lstStyle/>
+          <a:p>
+            <a:fld id="{50029C49-A5A9-4A95-8BF0-94F73808DB5F}" type="slidenum">
+              <a:rPr lang="zh-TW" altLang="en-US" smtClean="0"/>
+              <a:t>12</a:t>
+            </a:fld>
+            <a:endParaRPr lang="zh-TW" altLang="en-US"/>
+          </a:p>
+        </p:txBody>
+      </p:sp>
+    </p:spTree>
+    <p:extLst>
+      <p:ext uri="{BB962C8B-B14F-4D97-AF65-F5344CB8AC3E}">
+        <p14:creationId xmlns:p14="http://schemas.microsoft.com/office/powerpoint/2010/main" val="227173799"/>
+      </p:ext>
+    </p:extLst>
+  </p:cSld>
+  <p:clrMapOvr>
+    <a:masterClrMapping/>
+  </p:clrMapOvr>
+</p:sld>
+</file>
+
+<file path=ppt/slides/slide13.xml><?xml version="1.0" encoding="utf-8"?>
+<p:sld xmlns:a="http://schemas.openxmlformats.org/drawingml/2006/main" xmlns:r="http://schemas.openxmlformats.org/officeDocument/2006/relationships" xmlns:p="http://schemas.openxmlformats.org/presentationml/2006/main">
+  <p:cSld>
+    <p:spTree>
+      <p:nvGrpSpPr>
+        <p:cNvPr id="1" name=""/>
+        <p:cNvGrpSpPr/>
+        <p:nvPr/>
+      </p:nvGrpSpPr>
+      <p:grpSpPr>
+        <a:xfrm>
+          <a:off x="0" y="0"/>
+          <a:ext cx="0" cy="0"/>
+          <a:chOff x="0" y="0"/>
+          <a:chExt cx="0" cy="0"/>
+        </a:xfrm>
+      </p:grpSpPr>
+      <p:sp>
+        <p:nvSpPr>
+          <p:cNvPr id="2" name="標題 1">
+            <a:extLst>
+              <a:ext uri="{FF2B5EF4-FFF2-40B4-BE49-F238E27FC236}">
+                <a16:creationId xmlns:a16="http://schemas.microsoft.com/office/drawing/2014/main" id="{A695901F-B45F-471B-B1C2-E603D8500264}"/>
+              </a:ext>
+            </a:extLst>
+          </p:cNvPr>
+          <p:cNvSpPr>
+            <a:spLocks noGrp="1"/>
+          </p:cNvSpPr>
+          <p:nvPr>
+            <p:ph type="title"/>
+          </p:nvPr>
+        </p:nvSpPr>
+        <p:spPr/>
+        <p:txBody>
+          <a:bodyPr/>
+          <a:lstStyle/>
+          <a:p>
+            <a:r>
+              <a:rPr lang="en-US" altLang="zh-TW" dirty="0"/>
+              <a:t>Handover approaches(cont’d)</a:t>
+            </a:r>
+            <a:endParaRPr lang="zh-TW" altLang="en-US" dirty="0"/>
+          </a:p>
+        </p:txBody>
+      </p:sp>
+      <p:sp>
+        <p:nvSpPr>
+          <p:cNvPr id="3" name="內容版面配置區 2">
+            <a:extLst>
+              <a:ext uri="{FF2B5EF4-FFF2-40B4-BE49-F238E27FC236}">
+                <a16:creationId xmlns:a16="http://schemas.microsoft.com/office/drawing/2014/main" id="{FB2F8C4B-A1E5-42DA-B706-3134322A9E30}"/>
+              </a:ext>
+            </a:extLst>
+          </p:cNvPr>
+          <p:cNvSpPr>
+            <a:spLocks noGrp="1"/>
+          </p:cNvSpPr>
+          <p:nvPr>
+            <p:ph idx="1"/>
+          </p:nvPr>
+        </p:nvSpPr>
+        <p:spPr>
+          <a:xfrm>
+            <a:off x="838200" y="1587500"/>
+            <a:ext cx="10515600" cy="4351338"/>
+          </a:xfrm>
+        </p:spPr>
+        <p:txBody>
+          <a:bodyPr>
+            <a:normAutofit/>
+          </a:bodyPr>
+          <a:lstStyle/>
+          <a:p>
+            <a:r>
+              <a:rPr lang="en-US" altLang="zh-TW" dirty="0"/>
+              <a:t>On top, when a BLE peripheral does not yet have a BLE connection with an IoT GW, the current best RSSI is can be used to find a suitable IoT GW and set up the connection. </a:t>
+            </a:r>
+          </a:p>
+          <a:p>
+            <a:endParaRPr lang="en-US" altLang="zh-TW" dirty="0"/>
+          </a:p>
+          <a:p>
+            <a:r>
+              <a:rPr lang="en-US" altLang="zh-TW"/>
+              <a:t>When an IoT GW naturally loses a BLE connection, which can occur if no suitable alternative was available, or a BLE connection failed to be set up, the controller is also notified, such an event indicates that the BLE peripheral has moved out of range of the BLE-enabled infrastructure or the infrastructure contains a blind spot.</a:t>
+            </a:r>
+            <a:endParaRPr lang="zh-TW" altLang="en-US" dirty="0"/>
+          </a:p>
+        </p:txBody>
+      </p:sp>
+      <p:sp>
+        <p:nvSpPr>
+          <p:cNvPr id="4" name="投影片編號版面配置區 3">
+            <a:extLst>
+              <a:ext uri="{FF2B5EF4-FFF2-40B4-BE49-F238E27FC236}">
+                <a16:creationId xmlns:a16="http://schemas.microsoft.com/office/drawing/2014/main" id="{D343627B-A794-4656-8F31-A526720248C0}"/>
+              </a:ext>
+            </a:extLst>
+          </p:cNvPr>
+          <p:cNvSpPr>
+            <a:spLocks noGrp="1"/>
+          </p:cNvSpPr>
+          <p:nvPr>
+            <p:ph type="sldNum" sz="quarter" idx="12"/>
+          </p:nvPr>
+        </p:nvSpPr>
+        <p:spPr/>
+        <p:txBody>
+          <a:bodyPr/>
+          <a:lstStyle/>
+          <a:p>
+            <a:fld id="{50029C49-A5A9-4A95-8BF0-94F73808DB5F}" type="slidenum">
+              <a:rPr lang="zh-TW" altLang="en-US" smtClean="0"/>
+              <a:t>13</a:t>
+            </a:fld>
+            <a:endParaRPr lang="zh-TW" altLang="en-US"/>
+          </a:p>
+        </p:txBody>
+      </p:sp>
+    </p:spTree>
+    <p:extLst>
+      <p:ext uri="{BB962C8B-B14F-4D97-AF65-F5344CB8AC3E}">
+        <p14:creationId xmlns:p14="http://schemas.microsoft.com/office/powerpoint/2010/main" val="3385593956"/>
+      </p:ext>
+    </p:extLst>
+  </p:cSld>
+  <p:clrMapOvr>
+    <a:masterClrMapping/>
+  </p:clrMapOvr>
+</p:sld>
+</file>
+
+<file path=ppt/slides/slide14.xml><?xml version="1.0" encoding="utf-8"?>
+<p:sld xmlns:a="http://schemas.openxmlformats.org/drawingml/2006/main" xmlns:r="http://schemas.openxmlformats.org/officeDocument/2006/relationships" xmlns:p="http://schemas.openxmlformats.org/presentationml/2006/main">
+  <p:cSld>
+    <p:spTree>
+      <p:nvGrpSpPr>
+        <p:cNvPr id="1" name=""/>
+        <p:cNvGrpSpPr/>
+        <p:nvPr/>
+      </p:nvGrpSpPr>
+      <p:grpSpPr>
+        <a:xfrm>
+          <a:off x="0" y="0"/>
+          <a:ext cx="0" cy="0"/>
+          <a:chOff x="0" y="0"/>
+          <a:chExt cx="0" cy="0"/>
+        </a:xfrm>
+      </p:grpSpPr>
+      <p:sp>
+        <p:nvSpPr>
+          <p:cNvPr id="2" name="標題 1">
+            <a:extLst>
+              <a:ext uri="{FF2B5EF4-FFF2-40B4-BE49-F238E27FC236}">
+                <a16:creationId xmlns:a16="http://schemas.microsoft.com/office/drawing/2014/main" id="{B93EF638-2849-41FC-9ED3-28D8E0CE969E}"/>
+              </a:ext>
+            </a:extLst>
+          </p:cNvPr>
+          <p:cNvSpPr>
+            <a:spLocks noGrp="1"/>
+          </p:cNvSpPr>
+          <p:nvPr>
+            <p:ph type="title"/>
+          </p:nvPr>
+        </p:nvSpPr>
+        <p:spPr/>
+        <p:txBody>
+          <a:bodyPr/>
+          <a:lstStyle/>
+          <a:p>
+            <a:r>
+              <a:rPr lang="en-US" altLang="zh-TW" dirty="0"/>
+              <a:t>Implementation details</a:t>
+            </a:r>
+            <a:endParaRPr lang="zh-TW" altLang="en-US" dirty="0"/>
+          </a:p>
+        </p:txBody>
+      </p:sp>
+      <p:sp>
+        <p:nvSpPr>
+          <p:cNvPr id="3" name="內容版面配置區 2">
+            <a:extLst>
+              <a:ext uri="{FF2B5EF4-FFF2-40B4-BE49-F238E27FC236}">
+                <a16:creationId xmlns:a16="http://schemas.microsoft.com/office/drawing/2014/main" id="{FE76078E-89DF-42BA-BFF0-0789F7A2DC49}"/>
+              </a:ext>
+            </a:extLst>
+          </p:cNvPr>
+          <p:cNvSpPr>
+            <a:spLocks noGrp="1"/>
+          </p:cNvSpPr>
+          <p:nvPr>
+            <p:ph idx="1"/>
+          </p:nvPr>
+        </p:nvSpPr>
+        <p:spPr/>
+        <p:txBody>
+          <a:bodyPr>
+            <a:normAutofit fontScale="92500" lnSpcReduction="10000"/>
+          </a:bodyPr>
+          <a:lstStyle/>
+          <a:p>
+            <a:r>
+              <a:rPr lang="en-US" altLang="zh-TW" dirty="0"/>
+              <a:t>The BLE peripheral’s role is enacted using a nRF52840 board and the other roles(</a:t>
+            </a:r>
+            <a:r>
+              <a:rPr lang="en-US" altLang="zh-TW" dirty="0" err="1"/>
+              <a:t>GW,Controller</a:t>
+            </a:r>
+            <a:r>
+              <a:rPr lang="en-US" altLang="zh-TW" dirty="0"/>
+              <a:t>) are enacted using Raspberry PI’s.</a:t>
+            </a:r>
+          </a:p>
+          <a:p>
+            <a:endParaRPr lang="en-US" altLang="zh-TW" dirty="0"/>
+          </a:p>
+          <a:p>
+            <a:r>
+              <a:rPr lang="en-US" altLang="zh-TW" b="1" dirty="0"/>
+              <a:t>nRF52840</a:t>
+            </a:r>
+            <a:r>
+              <a:rPr lang="en-US" altLang="zh-TW" dirty="0"/>
+              <a:t> board is capable of implementing a complete BLE v5.0 supported stack as well as the IPv6 over BLE stack adjustment.</a:t>
+            </a:r>
+          </a:p>
+          <a:p>
+            <a:endParaRPr lang="en-US" altLang="zh-TW" dirty="0"/>
+          </a:p>
+          <a:p>
+            <a:r>
+              <a:rPr lang="en-US" altLang="zh-TW" dirty="0"/>
+              <a:t>Use official Linux Bluetooth protocol stack(</a:t>
+            </a:r>
+            <a:r>
+              <a:rPr lang="en-US" altLang="zh-TW" dirty="0" err="1"/>
+              <a:t>BLueZ</a:t>
+            </a:r>
+            <a:r>
+              <a:rPr lang="en-US" altLang="zh-TW" dirty="0"/>
+              <a:t>) on Raspberry Pi.</a:t>
+            </a:r>
+          </a:p>
+          <a:p>
+            <a:endParaRPr lang="en-US" altLang="zh-TW" dirty="0"/>
+          </a:p>
+          <a:p>
+            <a:r>
+              <a:rPr lang="en-US" altLang="zh-TW" dirty="0"/>
+              <a:t>To emulate a mobile BLE peripheral performing a handover from one gateway to another gateway, in a controller manner, a manual attenuator is used.</a:t>
+            </a:r>
+            <a:endParaRPr lang="zh-TW" altLang="en-US" dirty="0"/>
+          </a:p>
+        </p:txBody>
+      </p:sp>
+      <p:sp>
+        <p:nvSpPr>
+          <p:cNvPr id="4" name="投影片編號版面配置區 3">
+            <a:extLst>
+              <a:ext uri="{FF2B5EF4-FFF2-40B4-BE49-F238E27FC236}">
+                <a16:creationId xmlns:a16="http://schemas.microsoft.com/office/drawing/2014/main" id="{AD1B4B23-F0A7-40BA-987D-16C4CCB324A1}"/>
+              </a:ext>
+            </a:extLst>
+          </p:cNvPr>
+          <p:cNvSpPr>
+            <a:spLocks noGrp="1"/>
+          </p:cNvSpPr>
+          <p:nvPr>
+            <p:ph type="sldNum" sz="quarter" idx="12"/>
+          </p:nvPr>
+        </p:nvSpPr>
+        <p:spPr/>
+        <p:txBody>
+          <a:bodyPr/>
+          <a:lstStyle/>
+          <a:p>
+            <a:fld id="{50029C49-A5A9-4A95-8BF0-94F73808DB5F}" type="slidenum">
+              <a:rPr lang="zh-TW" altLang="en-US" smtClean="0"/>
+              <a:t>14</a:t>
+            </a:fld>
+            <a:endParaRPr lang="zh-TW" altLang="en-US"/>
+          </a:p>
+        </p:txBody>
+      </p:sp>
+    </p:spTree>
+    <p:extLst>
+      <p:ext uri="{BB962C8B-B14F-4D97-AF65-F5344CB8AC3E}">
+        <p14:creationId xmlns:p14="http://schemas.microsoft.com/office/powerpoint/2010/main" val="664417199"/>
+      </p:ext>
+    </p:extLst>
+  </p:cSld>
+  <p:clrMapOvr>
+    <a:masterClrMapping/>
+  </p:clrMapOvr>
+</p:sld>
+</file>
+
+<file path=ppt/slides/slide15.xml><?xml version="1.0" encoding="utf-8"?>
+<p:sld xmlns:a="http://schemas.openxmlformats.org/drawingml/2006/main" xmlns:r="http://schemas.openxmlformats.org/officeDocument/2006/relationships" xmlns:p="http://schemas.openxmlformats.org/presentationml/2006/main">
+  <p:cSld>
+    <p:spTree>
+      <p:nvGrpSpPr>
+        <p:cNvPr id="1" name=""/>
+        <p:cNvGrpSpPr/>
+        <p:nvPr/>
+      </p:nvGrpSpPr>
+      <p:grpSpPr>
+        <a:xfrm>
+          <a:off x="0" y="0"/>
+          <a:ext cx="0" cy="0"/>
+          <a:chOff x="0" y="0"/>
+          <a:chExt cx="0" cy="0"/>
+        </a:xfrm>
+      </p:grpSpPr>
+      <p:sp>
+        <p:nvSpPr>
+          <p:cNvPr id="2" name="標題 1">
+            <a:extLst>
+              <a:ext uri="{FF2B5EF4-FFF2-40B4-BE49-F238E27FC236}">
+                <a16:creationId xmlns:a16="http://schemas.microsoft.com/office/drawing/2014/main" id="{B395D8BB-EDB2-42F3-9D92-4E6E7DCBB06A}"/>
+              </a:ext>
+            </a:extLst>
+          </p:cNvPr>
+          <p:cNvSpPr>
+            <a:spLocks noGrp="1"/>
+          </p:cNvSpPr>
+          <p:nvPr>
+            <p:ph type="title"/>
+          </p:nvPr>
+        </p:nvSpPr>
+        <p:spPr/>
+        <p:txBody>
+          <a:bodyPr/>
+          <a:lstStyle/>
+          <a:p>
+            <a:r>
+              <a:rPr lang="en-US" altLang="zh-TW" dirty="0"/>
+              <a:t>Evaluation</a:t>
+            </a:r>
+            <a:endParaRPr lang="zh-TW" altLang="en-US" dirty="0"/>
+          </a:p>
+        </p:txBody>
+      </p:sp>
+      <p:sp>
+        <p:nvSpPr>
+          <p:cNvPr id="3" name="內容版面配置區 2">
+            <a:extLst>
+              <a:ext uri="{FF2B5EF4-FFF2-40B4-BE49-F238E27FC236}">
+                <a16:creationId xmlns:a16="http://schemas.microsoft.com/office/drawing/2014/main" id="{C1C16457-135B-42D6-BD5B-8AF9CCC2689E}"/>
+              </a:ext>
+            </a:extLst>
+          </p:cNvPr>
+          <p:cNvSpPr>
+            <a:spLocks noGrp="1"/>
+          </p:cNvSpPr>
+          <p:nvPr>
+            <p:ph idx="1"/>
+          </p:nvPr>
+        </p:nvSpPr>
+        <p:spPr/>
+        <p:txBody>
+          <a:bodyPr/>
+          <a:lstStyle/>
+          <a:p>
+            <a:r>
+              <a:rPr lang="en-US" altLang="zh-TW" dirty="0"/>
+              <a:t>The performance of the handover process is predominantly impacted by two steps: disconnecting from the current GW and setting up a connection with the alternative GW.</a:t>
+            </a:r>
+          </a:p>
+          <a:p>
+            <a:endParaRPr lang="en-US" altLang="zh-TW" dirty="0"/>
+          </a:p>
+          <a:p>
+            <a:endParaRPr lang="zh-TW" altLang="en-US" dirty="0"/>
+          </a:p>
+        </p:txBody>
+      </p:sp>
+      <p:sp>
+        <p:nvSpPr>
+          <p:cNvPr id="4" name="投影片編號版面配置區 3">
+            <a:extLst>
+              <a:ext uri="{FF2B5EF4-FFF2-40B4-BE49-F238E27FC236}">
+                <a16:creationId xmlns:a16="http://schemas.microsoft.com/office/drawing/2014/main" id="{2E50D0C3-38B0-420B-AA42-A979EDC25DED}"/>
+              </a:ext>
+            </a:extLst>
+          </p:cNvPr>
+          <p:cNvSpPr>
+            <a:spLocks noGrp="1"/>
+          </p:cNvSpPr>
+          <p:nvPr>
+            <p:ph type="sldNum" sz="quarter" idx="12"/>
+          </p:nvPr>
+        </p:nvSpPr>
+        <p:spPr/>
+        <p:txBody>
+          <a:bodyPr/>
+          <a:lstStyle/>
+          <a:p>
+            <a:fld id="{50029C49-A5A9-4A95-8BF0-94F73808DB5F}" type="slidenum">
+              <a:rPr lang="zh-TW" altLang="en-US" smtClean="0"/>
+              <a:t>15</a:t>
             </a:fld>
             <a:endParaRPr lang="zh-TW" altLang="en-US"/>
           </a:p>
@@ -4207,7 +4935,7 @@
 </p:sld>
 </file>
 
-<file path=ppt/slides/slide11.xml><?xml version="1.0" encoding="utf-8"?>
+<file path=ppt/slides/slide16.xml><?xml version="1.0" encoding="utf-8"?>
 <p:sld xmlns:a="http://schemas.openxmlformats.org/drawingml/2006/main" xmlns:r="http://schemas.openxmlformats.org/officeDocument/2006/relationships" xmlns:p="http://schemas.openxmlformats.org/presentationml/2006/main">
   <p:cSld>
     <p:spTree>
@@ -4445,7 +5173,7 @@
           <a:p>
             <a:fld id="{50029C49-A5A9-4A95-8BF0-94F73808DB5F}" type="slidenum">
               <a:rPr lang="zh-TW" altLang="en-US" smtClean="0"/>
-              <a:t>11</a:t>
+              <a:t>16</a:t>
             </a:fld>
             <a:endParaRPr lang="zh-TW" altLang="en-US" dirty="0"/>
           </a:p>
@@ -4464,7 +5192,7 @@
 </p:sld>
 </file>
 
-<file path=ppt/slides/slide12.xml><?xml version="1.0" encoding="utf-8"?>
+<file path=ppt/slides/slide17.xml><?xml version="1.0" encoding="utf-8"?>
 <p:sld xmlns:a="http://schemas.openxmlformats.org/drawingml/2006/main" xmlns:r="http://schemas.openxmlformats.org/officeDocument/2006/relationships" xmlns:p="http://schemas.openxmlformats.org/presentationml/2006/main">
   <p:cSld>
     <p:spTree>
@@ -4581,7 +5309,7 @@
           <a:p>
             <a:fld id="{50029C49-A5A9-4A95-8BF0-94F73808DB5F}" type="slidenum">
               <a:rPr lang="zh-TW" altLang="en-US" smtClean="0"/>
-              <a:t>12</a:t>
+              <a:t>17</a:t>
             </a:fld>
             <a:endParaRPr lang="zh-TW" altLang="en-US" dirty="0"/>
           </a:p>
@@ -4600,7 +5328,7 @@
 </p:sld>
 </file>
 
-<file path=ppt/slides/slide13.xml><?xml version="1.0" encoding="utf-8"?>
+<file path=ppt/slides/slide18.xml><?xml version="1.0" encoding="utf-8"?>
 <p:sld xmlns:a="http://schemas.openxmlformats.org/drawingml/2006/main" xmlns:r="http://schemas.openxmlformats.org/officeDocument/2006/relationships" xmlns:p="http://schemas.openxmlformats.org/presentationml/2006/main">
   <p:cSld>
     <p:spTree>
@@ -4729,7 +5457,7 @@
           <a:p>
             <a:fld id="{50029C49-A5A9-4A95-8BF0-94F73808DB5F}" type="slidenum">
               <a:rPr lang="zh-TW" altLang="en-US" smtClean="0"/>
-              <a:t>13</a:t>
+              <a:t>18</a:t>
             </a:fld>
             <a:endParaRPr lang="zh-TW" altLang="en-US" dirty="0"/>
           </a:p>
@@ -4748,7 +5476,7 @@
 </p:sld>
 </file>
 
-<file path=ppt/slides/slide14.xml><?xml version="1.0" encoding="utf-8"?>
+<file path=ppt/slides/slide19.xml><?xml version="1.0" encoding="utf-8"?>
 <p:sld xmlns:a="http://schemas.openxmlformats.org/drawingml/2006/main" xmlns:r="http://schemas.openxmlformats.org/officeDocument/2006/relationships" xmlns:p="http://schemas.openxmlformats.org/presentationml/2006/main">
   <p:cSld>
     <p:spTree>
@@ -4976,7 +5704,7 @@
           <a:p>
             <a:fld id="{50029C49-A5A9-4A95-8BF0-94F73808DB5F}" type="slidenum">
               <a:rPr lang="zh-TW" altLang="en-US" smtClean="0"/>
-              <a:t>14</a:t>
+              <a:t>19</a:t>
             </a:fld>
             <a:endParaRPr lang="zh-TW" altLang="en-US"/>
           </a:p>
@@ -4986,779 +5714,6 @@
     <p:extLst>
       <p:ext uri="{BB962C8B-B14F-4D97-AF65-F5344CB8AC3E}">
         <p14:creationId xmlns:p14="http://schemas.microsoft.com/office/powerpoint/2010/main" val="1628974347"/>
-      </p:ext>
-    </p:extLst>
-  </p:cSld>
-  <p:clrMapOvr>
-    <a:masterClrMapping/>
-  </p:clrMapOvr>
-</p:sld>
-</file>
-
-<file path=ppt/slides/slide15.xml><?xml version="1.0" encoding="utf-8"?>
-<p:sld xmlns:a="http://schemas.openxmlformats.org/drawingml/2006/main" xmlns:r="http://schemas.openxmlformats.org/officeDocument/2006/relationships" xmlns:p="http://schemas.openxmlformats.org/presentationml/2006/main">
-  <p:cSld>
-    <p:spTree>
-      <p:nvGrpSpPr>
-        <p:cNvPr id="1" name=""/>
-        <p:cNvGrpSpPr/>
-        <p:nvPr/>
-      </p:nvGrpSpPr>
-      <p:grpSpPr>
-        <a:xfrm>
-          <a:off x="0" y="0"/>
-          <a:ext cx="0" cy="0"/>
-          <a:chOff x="0" y="0"/>
-          <a:chExt cx="0" cy="0"/>
-        </a:xfrm>
-      </p:grpSpPr>
-      <p:pic>
-        <p:nvPicPr>
-          <p:cNvPr id="5" name="圖片 4">
-            <a:extLst>
-              <a:ext uri="{FF2B5EF4-FFF2-40B4-BE49-F238E27FC236}">
-                <a16:creationId xmlns:a16="http://schemas.microsoft.com/office/drawing/2014/main" id="{56CD1ED4-5648-4D18-8194-FC038C8F6355}"/>
-              </a:ext>
-            </a:extLst>
-          </p:cNvPr>
-          <p:cNvPicPr>
-            <a:picLocks noChangeAspect="1"/>
-          </p:cNvPicPr>
-          <p:nvPr/>
-        </p:nvPicPr>
-        <p:blipFill>
-          <a:blip r:embed="rId2"/>
-          <a:stretch>
-            <a:fillRect/>
-          </a:stretch>
-        </p:blipFill>
-        <p:spPr>
-          <a:xfrm>
-            <a:off x="1552575" y="700953"/>
-            <a:ext cx="10639425" cy="6315075"/>
-          </a:xfrm>
-          <a:prstGeom prst="rect">
-            <a:avLst/>
-          </a:prstGeom>
-        </p:spPr>
-      </p:pic>
-      <p:sp>
-        <p:nvSpPr>
-          <p:cNvPr id="2" name="標題 1">
-            <a:extLst>
-              <a:ext uri="{FF2B5EF4-FFF2-40B4-BE49-F238E27FC236}">
-                <a16:creationId xmlns:a16="http://schemas.microsoft.com/office/drawing/2014/main" id="{B395D8BB-EDB2-42F3-9D92-4E6E7DCBB06A}"/>
-              </a:ext>
-            </a:extLst>
-          </p:cNvPr>
-          <p:cNvSpPr>
-            <a:spLocks noGrp="1"/>
-          </p:cNvSpPr>
-          <p:nvPr>
-            <p:ph type="title"/>
-          </p:nvPr>
-        </p:nvSpPr>
-        <p:spPr/>
-        <p:txBody>
-          <a:bodyPr/>
-          <a:lstStyle/>
-          <a:p>
-            <a:r>
-              <a:rPr lang="en-US" altLang="zh-TW" dirty="0"/>
-              <a:t>Evaluation : passive handover(cont’d) </a:t>
-            </a:r>
-            <a:endParaRPr lang="zh-TW" altLang="en-US" dirty="0"/>
-          </a:p>
-        </p:txBody>
-      </p:sp>
-      <p:sp>
-        <p:nvSpPr>
-          <p:cNvPr id="9" name="投影片編號版面配置區 8">
-            <a:extLst>
-              <a:ext uri="{FF2B5EF4-FFF2-40B4-BE49-F238E27FC236}">
-                <a16:creationId xmlns:a16="http://schemas.microsoft.com/office/drawing/2014/main" id="{4F567620-92F9-4E3B-8423-A474721BEFEF}"/>
-              </a:ext>
-            </a:extLst>
-          </p:cNvPr>
-          <p:cNvSpPr>
-            <a:spLocks noGrp="1"/>
-          </p:cNvSpPr>
-          <p:nvPr>
-            <p:ph type="sldNum" sz="quarter" idx="12"/>
-          </p:nvPr>
-        </p:nvSpPr>
-        <p:spPr/>
-        <p:txBody>
-          <a:bodyPr/>
-          <a:lstStyle/>
-          <a:p>
-            <a:fld id="{50029C49-A5A9-4A95-8BF0-94F73808DB5F}" type="slidenum">
-              <a:rPr lang="zh-TW" altLang="en-US" smtClean="0"/>
-              <a:t>15</a:t>
-            </a:fld>
-            <a:endParaRPr lang="zh-TW" altLang="en-US" dirty="0"/>
-          </a:p>
-        </p:txBody>
-      </p:sp>
-      <p:sp>
-        <p:nvSpPr>
-          <p:cNvPr id="6" name="矩形 5">
-            <a:extLst>
-              <a:ext uri="{FF2B5EF4-FFF2-40B4-BE49-F238E27FC236}">
-                <a16:creationId xmlns:a16="http://schemas.microsoft.com/office/drawing/2014/main" id="{E1C274C1-B685-4EC5-BBF2-CAAD65754987}"/>
-              </a:ext>
-            </a:extLst>
-          </p:cNvPr>
-          <p:cNvSpPr/>
-          <p:nvPr/>
-        </p:nvSpPr>
-        <p:spPr>
-          <a:xfrm>
-            <a:off x="4197926" y="2026516"/>
-            <a:ext cx="2563091" cy="3252066"/>
-          </a:xfrm>
-          <a:prstGeom prst="rect">
-            <a:avLst/>
-          </a:prstGeom>
-          <a:noFill/>
-          <a:ln w="38100">
-            <a:solidFill>
-              <a:srgbClr val="FF0000"/>
-            </a:solidFill>
-          </a:ln>
-        </p:spPr>
-        <p:style>
-          <a:lnRef idx="2">
-            <a:schemeClr val="accent1">
-              <a:shade val="50000"/>
-            </a:schemeClr>
-          </a:lnRef>
-          <a:fillRef idx="1">
-            <a:schemeClr val="accent1"/>
-          </a:fillRef>
-          <a:effectRef idx="0">
-            <a:schemeClr val="accent1"/>
-          </a:effectRef>
-          <a:fontRef idx="minor">
-            <a:schemeClr val="lt1"/>
-          </a:fontRef>
-        </p:style>
-        <p:txBody>
-          <a:bodyPr rtlCol="0" anchor="ctr"/>
-          <a:lstStyle/>
-          <a:p>
-            <a:pPr algn="ctr"/>
-            <a:endParaRPr lang="zh-TW" altLang="en-US"/>
-          </a:p>
-        </p:txBody>
-      </p:sp>
-      <p:sp>
-        <p:nvSpPr>
-          <p:cNvPr id="8" name="矩形 7">
-            <a:extLst>
-              <a:ext uri="{FF2B5EF4-FFF2-40B4-BE49-F238E27FC236}">
-                <a16:creationId xmlns:a16="http://schemas.microsoft.com/office/drawing/2014/main" id="{958F3D8D-B745-458D-9DCF-69231D6472FD}"/>
-              </a:ext>
-            </a:extLst>
-          </p:cNvPr>
-          <p:cNvSpPr/>
-          <p:nvPr/>
-        </p:nvSpPr>
-        <p:spPr>
-          <a:xfrm>
-            <a:off x="6795654" y="2026516"/>
-            <a:ext cx="2140528" cy="4831484"/>
-          </a:xfrm>
-          <a:prstGeom prst="rect">
-            <a:avLst/>
-          </a:prstGeom>
-          <a:noFill/>
-          <a:ln w="38100">
-            <a:solidFill>
-              <a:srgbClr val="FF0000"/>
-            </a:solidFill>
-          </a:ln>
-        </p:spPr>
-        <p:style>
-          <a:lnRef idx="2">
-            <a:schemeClr val="accent1">
-              <a:shade val="50000"/>
-            </a:schemeClr>
-          </a:lnRef>
-          <a:fillRef idx="1">
-            <a:schemeClr val="accent1"/>
-          </a:fillRef>
-          <a:effectRef idx="0">
-            <a:schemeClr val="accent1"/>
-          </a:effectRef>
-          <a:fontRef idx="minor">
-            <a:schemeClr val="lt1"/>
-          </a:fontRef>
-        </p:style>
-        <p:txBody>
-          <a:bodyPr rtlCol="0" anchor="ctr"/>
-          <a:lstStyle/>
-          <a:p>
-            <a:pPr algn="ctr"/>
-            <a:endParaRPr lang="zh-TW" altLang="en-US"/>
-          </a:p>
-        </p:txBody>
-      </p:sp>
-    </p:spTree>
-    <p:extLst>
-      <p:ext uri="{BB962C8B-B14F-4D97-AF65-F5344CB8AC3E}">
-        <p14:creationId xmlns:p14="http://schemas.microsoft.com/office/powerpoint/2010/main" val="2676990719"/>
-      </p:ext>
-    </p:extLst>
-  </p:cSld>
-  <p:clrMapOvr>
-    <a:masterClrMapping/>
-  </p:clrMapOvr>
-</p:sld>
-</file>
-
-<file path=ppt/slides/slide16.xml><?xml version="1.0" encoding="utf-8"?>
-<p:sld xmlns:a="http://schemas.openxmlformats.org/drawingml/2006/main" xmlns:r="http://schemas.openxmlformats.org/officeDocument/2006/relationships" xmlns:p="http://schemas.openxmlformats.org/presentationml/2006/main">
-  <p:cSld>
-    <p:spTree>
-      <p:nvGrpSpPr>
-        <p:cNvPr id="1" name=""/>
-        <p:cNvGrpSpPr/>
-        <p:nvPr/>
-      </p:nvGrpSpPr>
-      <p:grpSpPr>
-        <a:xfrm>
-          <a:off x="0" y="0"/>
-          <a:ext cx="0" cy="0"/>
-          <a:chOff x="0" y="0"/>
-          <a:chExt cx="0" cy="0"/>
-        </a:xfrm>
-      </p:grpSpPr>
-      <p:sp>
-        <p:nvSpPr>
-          <p:cNvPr id="2" name="標題 1">
-            <a:extLst>
-              <a:ext uri="{FF2B5EF4-FFF2-40B4-BE49-F238E27FC236}">
-                <a16:creationId xmlns:a16="http://schemas.microsoft.com/office/drawing/2014/main" id="{B395D8BB-EDB2-42F3-9D92-4E6E7DCBB06A}"/>
-              </a:ext>
-            </a:extLst>
-          </p:cNvPr>
-          <p:cNvSpPr>
-            <a:spLocks noGrp="1"/>
-          </p:cNvSpPr>
-          <p:nvPr>
-            <p:ph type="title"/>
-          </p:nvPr>
-        </p:nvSpPr>
-        <p:spPr/>
-        <p:txBody>
-          <a:bodyPr/>
-          <a:lstStyle/>
-          <a:p>
-            <a:r>
-              <a:rPr lang="en-US" altLang="zh-TW" dirty="0"/>
-              <a:t>Evaluation : active handover</a:t>
-            </a:r>
-            <a:endParaRPr lang="zh-TW" altLang="en-US" dirty="0"/>
-          </a:p>
-        </p:txBody>
-      </p:sp>
-      <p:sp>
-        <p:nvSpPr>
-          <p:cNvPr id="3" name="內容版面配置區 2">
-            <a:extLst>
-              <a:ext uri="{FF2B5EF4-FFF2-40B4-BE49-F238E27FC236}">
-                <a16:creationId xmlns:a16="http://schemas.microsoft.com/office/drawing/2014/main" id="{C1C16457-135B-42D6-BD5B-8AF9CCC2689E}"/>
-              </a:ext>
-            </a:extLst>
-          </p:cNvPr>
-          <p:cNvSpPr>
-            <a:spLocks noGrp="1"/>
-          </p:cNvSpPr>
-          <p:nvPr>
-            <p:ph idx="1"/>
-          </p:nvPr>
-        </p:nvSpPr>
-        <p:spPr/>
-        <p:txBody>
-          <a:bodyPr>
-            <a:normAutofit lnSpcReduction="10000"/>
-          </a:bodyPr>
-          <a:lstStyle/>
-          <a:p>
-            <a:r>
-              <a:rPr lang="en-US" altLang="zh-TW" dirty="0"/>
-              <a:t>About disconnecting from current GW</a:t>
-            </a:r>
-          </a:p>
-          <a:p>
-            <a:endParaRPr lang="en-US" altLang="zh-TW" dirty="0"/>
-          </a:p>
-          <a:p>
-            <a:r>
-              <a:rPr lang="en-US" altLang="zh-TW" dirty="0"/>
-              <a:t>the current GW will receive a disconnection message from the controller once a roaming decision has made. </a:t>
-            </a:r>
-          </a:p>
-          <a:p>
-            <a:endParaRPr lang="en-US" altLang="zh-TW" dirty="0"/>
-          </a:p>
-          <a:p>
-            <a:r>
-              <a:rPr lang="en-US" altLang="zh-TW" dirty="0"/>
-              <a:t>After receiving this message, the GW immediately attempts to send a disconnection request to the BLE peripheral. </a:t>
-            </a:r>
-          </a:p>
-          <a:p>
-            <a:endParaRPr lang="en-US" altLang="zh-TW" dirty="0"/>
-          </a:p>
-          <a:p>
-            <a:r>
-              <a:rPr lang="en-US" altLang="zh-TW" dirty="0"/>
-              <a:t>Upon receiving this request, the peripheral answers with a disconnection acknowledgment.</a:t>
-            </a:r>
-          </a:p>
-        </p:txBody>
-      </p:sp>
-      <p:sp>
-        <p:nvSpPr>
-          <p:cNvPr id="4" name="投影片編號版面配置區 3">
-            <a:extLst>
-              <a:ext uri="{FF2B5EF4-FFF2-40B4-BE49-F238E27FC236}">
-                <a16:creationId xmlns:a16="http://schemas.microsoft.com/office/drawing/2014/main" id="{DB634B57-2E7E-40BE-993E-5F46071107A7}"/>
-              </a:ext>
-            </a:extLst>
-          </p:cNvPr>
-          <p:cNvSpPr>
-            <a:spLocks noGrp="1"/>
-          </p:cNvSpPr>
-          <p:nvPr>
-            <p:ph type="sldNum" sz="quarter" idx="12"/>
-          </p:nvPr>
-        </p:nvSpPr>
-        <p:spPr/>
-        <p:txBody>
-          <a:bodyPr/>
-          <a:lstStyle/>
-          <a:p>
-            <a:fld id="{50029C49-A5A9-4A95-8BF0-94F73808DB5F}" type="slidenum">
-              <a:rPr lang="zh-TW" altLang="en-US" smtClean="0"/>
-              <a:t>16</a:t>
-            </a:fld>
-            <a:endParaRPr lang="zh-TW" altLang="en-US"/>
-          </a:p>
-        </p:txBody>
-      </p:sp>
-    </p:spTree>
-    <p:extLst>
-      <p:ext uri="{BB962C8B-B14F-4D97-AF65-F5344CB8AC3E}">
-        <p14:creationId xmlns:p14="http://schemas.microsoft.com/office/powerpoint/2010/main" val="1272687956"/>
-      </p:ext>
-    </p:extLst>
-  </p:cSld>
-  <p:clrMapOvr>
-    <a:masterClrMapping/>
-  </p:clrMapOvr>
-</p:sld>
-</file>
-
-<file path=ppt/slides/slide17.xml><?xml version="1.0" encoding="utf-8"?>
-<p:sld xmlns:a="http://schemas.openxmlformats.org/drawingml/2006/main" xmlns:r="http://schemas.openxmlformats.org/officeDocument/2006/relationships" xmlns:p="http://schemas.openxmlformats.org/presentationml/2006/main">
-  <p:cSld>
-    <p:spTree>
-      <p:nvGrpSpPr>
-        <p:cNvPr id="1" name=""/>
-        <p:cNvGrpSpPr/>
-        <p:nvPr/>
-      </p:nvGrpSpPr>
-      <p:grpSpPr>
-        <a:xfrm>
-          <a:off x="0" y="0"/>
-          <a:ext cx="0" cy="0"/>
-          <a:chOff x="0" y="0"/>
-          <a:chExt cx="0" cy="0"/>
-        </a:xfrm>
-      </p:grpSpPr>
-      <p:sp>
-        <p:nvSpPr>
-          <p:cNvPr id="2" name="標題 1">
-            <a:extLst>
-              <a:ext uri="{FF2B5EF4-FFF2-40B4-BE49-F238E27FC236}">
-                <a16:creationId xmlns:a16="http://schemas.microsoft.com/office/drawing/2014/main" id="{B395D8BB-EDB2-42F3-9D92-4E6E7DCBB06A}"/>
-              </a:ext>
-            </a:extLst>
-          </p:cNvPr>
-          <p:cNvSpPr>
-            <a:spLocks noGrp="1"/>
-          </p:cNvSpPr>
-          <p:nvPr>
-            <p:ph type="title"/>
-          </p:nvPr>
-        </p:nvSpPr>
-        <p:spPr/>
-        <p:txBody>
-          <a:bodyPr/>
-          <a:lstStyle/>
-          <a:p>
-            <a:r>
-              <a:rPr lang="en-US" altLang="zh-TW" dirty="0"/>
-              <a:t>Evaluation : active handover(cont’d)</a:t>
-            </a:r>
-            <a:endParaRPr lang="zh-TW" altLang="en-US" dirty="0"/>
-          </a:p>
-        </p:txBody>
-      </p:sp>
-      <p:sp>
-        <p:nvSpPr>
-          <p:cNvPr id="3" name="內容版面配置區 2">
-            <a:extLst>
-              <a:ext uri="{FF2B5EF4-FFF2-40B4-BE49-F238E27FC236}">
-                <a16:creationId xmlns:a16="http://schemas.microsoft.com/office/drawing/2014/main" id="{C1C16457-135B-42D6-BD5B-8AF9CCC2689E}"/>
-              </a:ext>
-            </a:extLst>
-          </p:cNvPr>
-          <p:cNvSpPr>
-            <a:spLocks noGrp="1"/>
-          </p:cNvSpPr>
-          <p:nvPr>
-            <p:ph idx="1"/>
-          </p:nvPr>
-        </p:nvSpPr>
-        <p:spPr/>
-        <p:txBody>
-          <a:bodyPr>
-            <a:normAutofit fontScale="92500" lnSpcReduction="10000"/>
-          </a:bodyPr>
-          <a:lstStyle/>
-          <a:p>
-            <a:r>
-              <a:rPr lang="en-US" altLang="zh-TW" dirty="0"/>
-              <a:t>About Setting up a connection with the alternative GW</a:t>
-            </a:r>
-          </a:p>
-          <a:p>
-            <a:endParaRPr lang="en-US" altLang="zh-TW" dirty="0"/>
-          </a:p>
-          <a:p>
-            <a:r>
-              <a:rPr lang="en-US" altLang="zh-TW" dirty="0"/>
-              <a:t>Once the disconnection has been finalized, the BLE peripheral switches from a connection/advertising state to solely an advertising state, broadcasting connectable advertisements. </a:t>
-            </a:r>
-          </a:p>
-          <a:p>
-            <a:endParaRPr lang="en-US" altLang="zh-TW" dirty="0"/>
-          </a:p>
-          <a:p>
-            <a:r>
-              <a:rPr lang="en-US" altLang="zh-TW" dirty="0"/>
-              <a:t>In the meantime, the alternative GW has received a connect message from the controller and has switched from </a:t>
-            </a:r>
-            <a:r>
-              <a:rPr lang="en-US" altLang="zh-TW" dirty="0" err="1"/>
-              <a:t>nonconnectable</a:t>
-            </a:r>
-            <a:r>
-              <a:rPr lang="en-US" altLang="zh-TW" dirty="0"/>
-              <a:t> to connectable scanning, specifically for the MAC address of the BLE peripheral at hand. </a:t>
-            </a:r>
-          </a:p>
-          <a:p>
-            <a:endParaRPr lang="en-US" altLang="zh-TW" dirty="0"/>
-          </a:p>
-          <a:p>
-            <a:r>
-              <a:rPr lang="en-US" altLang="zh-TW" dirty="0"/>
-              <a:t>From this point, the handover process is similar to passive handover.</a:t>
-            </a:r>
-          </a:p>
-        </p:txBody>
-      </p:sp>
-      <p:sp>
-        <p:nvSpPr>
-          <p:cNvPr id="4" name="投影片編號版面配置區 3">
-            <a:extLst>
-              <a:ext uri="{FF2B5EF4-FFF2-40B4-BE49-F238E27FC236}">
-                <a16:creationId xmlns:a16="http://schemas.microsoft.com/office/drawing/2014/main" id="{DB634B57-2E7E-40BE-993E-5F46071107A7}"/>
-              </a:ext>
-            </a:extLst>
-          </p:cNvPr>
-          <p:cNvSpPr>
-            <a:spLocks noGrp="1"/>
-          </p:cNvSpPr>
-          <p:nvPr>
-            <p:ph type="sldNum" sz="quarter" idx="12"/>
-          </p:nvPr>
-        </p:nvSpPr>
-        <p:spPr/>
-        <p:txBody>
-          <a:bodyPr/>
-          <a:lstStyle/>
-          <a:p>
-            <a:fld id="{50029C49-A5A9-4A95-8BF0-94F73808DB5F}" type="slidenum">
-              <a:rPr lang="zh-TW" altLang="en-US" smtClean="0"/>
-              <a:t>17</a:t>
-            </a:fld>
-            <a:endParaRPr lang="zh-TW" altLang="en-US"/>
-          </a:p>
-        </p:txBody>
-      </p:sp>
-    </p:spTree>
-    <p:extLst>
-      <p:ext uri="{BB962C8B-B14F-4D97-AF65-F5344CB8AC3E}">
-        <p14:creationId xmlns:p14="http://schemas.microsoft.com/office/powerpoint/2010/main" val="3783783229"/>
-      </p:ext>
-    </p:extLst>
-  </p:cSld>
-  <p:clrMapOvr>
-    <a:masterClrMapping/>
-  </p:clrMapOvr>
-</p:sld>
-</file>
-
-<file path=ppt/slides/slide18.xml><?xml version="1.0" encoding="utf-8"?>
-<p:sld xmlns:a="http://schemas.openxmlformats.org/drawingml/2006/main" xmlns:r="http://schemas.openxmlformats.org/officeDocument/2006/relationships" xmlns:p="http://schemas.openxmlformats.org/presentationml/2006/main">
-  <p:cSld>
-    <p:spTree>
-      <p:nvGrpSpPr>
-        <p:cNvPr id="1" name=""/>
-        <p:cNvGrpSpPr/>
-        <p:nvPr/>
-      </p:nvGrpSpPr>
-      <p:grpSpPr>
-        <a:xfrm>
-          <a:off x="0" y="0"/>
-          <a:ext cx="0" cy="0"/>
-          <a:chOff x="0" y="0"/>
-          <a:chExt cx="0" cy="0"/>
-        </a:xfrm>
-      </p:grpSpPr>
-      <p:sp>
-        <p:nvSpPr>
-          <p:cNvPr id="2" name="標題 1">
-            <a:extLst>
-              <a:ext uri="{FF2B5EF4-FFF2-40B4-BE49-F238E27FC236}">
-                <a16:creationId xmlns:a16="http://schemas.microsoft.com/office/drawing/2014/main" id="{B395D8BB-EDB2-42F3-9D92-4E6E7DCBB06A}"/>
-              </a:ext>
-            </a:extLst>
-          </p:cNvPr>
-          <p:cNvSpPr>
-            <a:spLocks noGrp="1"/>
-          </p:cNvSpPr>
-          <p:nvPr>
-            <p:ph type="title"/>
-          </p:nvPr>
-        </p:nvSpPr>
-        <p:spPr/>
-        <p:txBody>
-          <a:bodyPr/>
-          <a:lstStyle/>
-          <a:p>
-            <a:r>
-              <a:rPr lang="en-US" altLang="zh-TW" dirty="0"/>
-              <a:t>Evaluation : active handover(cont’d)</a:t>
-            </a:r>
-            <a:endParaRPr lang="zh-TW" altLang="en-US" dirty="0"/>
-          </a:p>
-        </p:txBody>
-      </p:sp>
-      <p:sp>
-        <p:nvSpPr>
-          <p:cNvPr id="3" name="內容版面配置區 2">
-            <a:extLst>
-              <a:ext uri="{FF2B5EF4-FFF2-40B4-BE49-F238E27FC236}">
-                <a16:creationId xmlns:a16="http://schemas.microsoft.com/office/drawing/2014/main" id="{C1C16457-135B-42D6-BD5B-8AF9CCC2689E}"/>
-              </a:ext>
-            </a:extLst>
-          </p:cNvPr>
-          <p:cNvSpPr>
-            <a:spLocks noGrp="1"/>
-          </p:cNvSpPr>
-          <p:nvPr>
-            <p:ph idx="1"/>
-          </p:nvPr>
-        </p:nvSpPr>
-        <p:spPr/>
-        <p:txBody>
-          <a:bodyPr>
-            <a:normAutofit lnSpcReduction="10000"/>
-          </a:bodyPr>
-          <a:lstStyle/>
-          <a:p>
-            <a:r>
-              <a:rPr lang="en-US" altLang="zh-TW" dirty="0"/>
-              <a:t>Potential Optimizations</a:t>
-            </a:r>
-          </a:p>
-          <a:p>
-            <a:endParaRPr lang="en-US" altLang="zh-TW" dirty="0"/>
-          </a:p>
-          <a:p>
-            <a:r>
-              <a:rPr lang="en-US" altLang="zh-TW" dirty="0"/>
-              <a:t>The BLE peripheral constantly needs to advertise , This increases energy consumption and decreases the quality of the BLE connection as well.</a:t>
-            </a:r>
-          </a:p>
-          <a:p>
-            <a:endParaRPr lang="en-US" altLang="zh-TW" dirty="0"/>
-          </a:p>
-          <a:p>
-            <a:r>
-              <a:rPr lang="en-US" altLang="zh-TW" dirty="0"/>
-              <a:t>A possible improvement could employ a proactive decision on when to start and stop advertising. The peripheral can monitor the quality of the current connection (i.e. via RSSI) and decide via these indicators whether it is necessary to advertise its presence or not.</a:t>
-            </a:r>
-          </a:p>
-        </p:txBody>
-      </p:sp>
-      <p:sp>
-        <p:nvSpPr>
-          <p:cNvPr id="4" name="投影片編號版面配置區 3">
-            <a:extLst>
-              <a:ext uri="{FF2B5EF4-FFF2-40B4-BE49-F238E27FC236}">
-                <a16:creationId xmlns:a16="http://schemas.microsoft.com/office/drawing/2014/main" id="{DB634B57-2E7E-40BE-993E-5F46071107A7}"/>
-              </a:ext>
-            </a:extLst>
-          </p:cNvPr>
-          <p:cNvSpPr>
-            <a:spLocks noGrp="1"/>
-          </p:cNvSpPr>
-          <p:nvPr>
-            <p:ph type="sldNum" sz="quarter" idx="12"/>
-          </p:nvPr>
-        </p:nvSpPr>
-        <p:spPr/>
-        <p:txBody>
-          <a:bodyPr/>
-          <a:lstStyle/>
-          <a:p>
-            <a:fld id="{50029C49-A5A9-4A95-8BF0-94F73808DB5F}" type="slidenum">
-              <a:rPr lang="zh-TW" altLang="en-US" smtClean="0"/>
-              <a:t>18</a:t>
-            </a:fld>
-            <a:endParaRPr lang="zh-TW" altLang="en-US"/>
-          </a:p>
-        </p:txBody>
-      </p:sp>
-    </p:spTree>
-    <p:extLst>
-      <p:ext uri="{BB962C8B-B14F-4D97-AF65-F5344CB8AC3E}">
-        <p14:creationId xmlns:p14="http://schemas.microsoft.com/office/powerpoint/2010/main" val="3851096165"/>
-      </p:ext>
-    </p:extLst>
-  </p:cSld>
-  <p:clrMapOvr>
-    <a:masterClrMapping/>
-  </p:clrMapOvr>
-</p:sld>
-</file>
-
-<file path=ppt/slides/slide19.xml><?xml version="1.0" encoding="utf-8"?>
-<p:sld xmlns:a="http://schemas.openxmlformats.org/drawingml/2006/main" xmlns:r="http://schemas.openxmlformats.org/officeDocument/2006/relationships" xmlns:p="http://schemas.openxmlformats.org/presentationml/2006/main">
-  <p:cSld>
-    <p:spTree>
-      <p:nvGrpSpPr>
-        <p:cNvPr id="1" name=""/>
-        <p:cNvGrpSpPr/>
-        <p:nvPr/>
-      </p:nvGrpSpPr>
-      <p:grpSpPr>
-        <a:xfrm>
-          <a:off x="0" y="0"/>
-          <a:ext cx="0" cy="0"/>
-          <a:chOff x="0" y="0"/>
-          <a:chExt cx="0" cy="0"/>
-        </a:xfrm>
-      </p:grpSpPr>
-      <p:sp>
-        <p:nvSpPr>
-          <p:cNvPr id="2" name="標題 1">
-            <a:extLst>
-              <a:ext uri="{FF2B5EF4-FFF2-40B4-BE49-F238E27FC236}">
-                <a16:creationId xmlns:a16="http://schemas.microsoft.com/office/drawing/2014/main" id="{B395D8BB-EDB2-42F3-9D92-4E6E7DCBB06A}"/>
-              </a:ext>
-            </a:extLst>
-          </p:cNvPr>
-          <p:cNvSpPr>
-            <a:spLocks noGrp="1"/>
-          </p:cNvSpPr>
-          <p:nvPr>
-            <p:ph type="title"/>
-          </p:nvPr>
-        </p:nvSpPr>
-        <p:spPr/>
-        <p:txBody>
-          <a:bodyPr/>
-          <a:lstStyle/>
-          <a:p>
-            <a:r>
-              <a:rPr lang="en-US" altLang="zh-TW" dirty="0"/>
-              <a:t>Evaluation : active handover(cont’d)</a:t>
-            </a:r>
-            <a:endParaRPr lang="zh-TW" altLang="en-US" dirty="0"/>
-          </a:p>
-        </p:txBody>
-      </p:sp>
-      <p:pic>
-        <p:nvPicPr>
-          <p:cNvPr id="6" name="內容版面配置區 5">
-            <a:extLst>
-              <a:ext uri="{FF2B5EF4-FFF2-40B4-BE49-F238E27FC236}">
-                <a16:creationId xmlns:a16="http://schemas.microsoft.com/office/drawing/2014/main" id="{A78F9D59-9703-400B-9573-CF8C8B02937D}"/>
-              </a:ext>
-            </a:extLst>
-          </p:cNvPr>
-          <p:cNvPicPr>
-            <a:picLocks noGrp="1" noChangeAspect="1"/>
-          </p:cNvPicPr>
-          <p:nvPr>
-            <p:ph idx="1"/>
-          </p:nvPr>
-        </p:nvPicPr>
-        <p:blipFill>
-          <a:blip r:embed="rId2"/>
-          <a:stretch>
-            <a:fillRect/>
-          </a:stretch>
-        </p:blipFill>
-        <p:spPr>
-          <a:xfrm>
-            <a:off x="1397583" y="1489586"/>
-            <a:ext cx="9103801" cy="4866763"/>
-          </a:xfrm>
-        </p:spPr>
-      </p:pic>
-      <p:sp>
-        <p:nvSpPr>
-          <p:cNvPr id="4" name="投影片編號版面配置區 3">
-            <a:extLst>
-              <a:ext uri="{FF2B5EF4-FFF2-40B4-BE49-F238E27FC236}">
-                <a16:creationId xmlns:a16="http://schemas.microsoft.com/office/drawing/2014/main" id="{DB634B57-2E7E-40BE-993E-5F46071107A7}"/>
-              </a:ext>
-            </a:extLst>
-          </p:cNvPr>
-          <p:cNvSpPr>
-            <a:spLocks noGrp="1"/>
-          </p:cNvSpPr>
-          <p:nvPr>
-            <p:ph type="sldNum" sz="quarter" idx="12"/>
-          </p:nvPr>
-        </p:nvSpPr>
-        <p:spPr/>
-        <p:txBody>
-          <a:bodyPr/>
-          <a:lstStyle/>
-          <a:p>
-            <a:fld id="{50029C49-A5A9-4A95-8BF0-94F73808DB5F}" type="slidenum">
-              <a:rPr lang="zh-TW" altLang="en-US" smtClean="0"/>
-              <a:t>19</a:t>
-            </a:fld>
-            <a:endParaRPr lang="zh-TW" altLang="en-US"/>
-          </a:p>
-        </p:txBody>
-      </p:sp>
-    </p:spTree>
-    <p:extLst>
-      <p:ext uri="{BB962C8B-B14F-4D97-AF65-F5344CB8AC3E}">
-        <p14:creationId xmlns:p14="http://schemas.microsoft.com/office/powerpoint/2010/main" val="378226096"/>
       </p:ext>
     </p:extLst>
   </p:cSld>
@@ -5956,6 +5911,779 @@
       </p:grpSpPr>
       <p:pic>
         <p:nvPicPr>
+          <p:cNvPr id="5" name="圖片 4">
+            <a:extLst>
+              <a:ext uri="{FF2B5EF4-FFF2-40B4-BE49-F238E27FC236}">
+                <a16:creationId xmlns:a16="http://schemas.microsoft.com/office/drawing/2014/main" id="{56CD1ED4-5648-4D18-8194-FC038C8F6355}"/>
+              </a:ext>
+            </a:extLst>
+          </p:cNvPr>
+          <p:cNvPicPr>
+            <a:picLocks noChangeAspect="1"/>
+          </p:cNvPicPr>
+          <p:nvPr/>
+        </p:nvPicPr>
+        <p:blipFill>
+          <a:blip r:embed="rId2"/>
+          <a:stretch>
+            <a:fillRect/>
+          </a:stretch>
+        </p:blipFill>
+        <p:spPr>
+          <a:xfrm>
+            <a:off x="1552575" y="700953"/>
+            <a:ext cx="10639425" cy="6315075"/>
+          </a:xfrm>
+          <a:prstGeom prst="rect">
+            <a:avLst/>
+          </a:prstGeom>
+        </p:spPr>
+      </p:pic>
+      <p:sp>
+        <p:nvSpPr>
+          <p:cNvPr id="2" name="標題 1">
+            <a:extLst>
+              <a:ext uri="{FF2B5EF4-FFF2-40B4-BE49-F238E27FC236}">
+                <a16:creationId xmlns:a16="http://schemas.microsoft.com/office/drawing/2014/main" id="{B395D8BB-EDB2-42F3-9D92-4E6E7DCBB06A}"/>
+              </a:ext>
+            </a:extLst>
+          </p:cNvPr>
+          <p:cNvSpPr>
+            <a:spLocks noGrp="1"/>
+          </p:cNvSpPr>
+          <p:nvPr>
+            <p:ph type="title"/>
+          </p:nvPr>
+        </p:nvSpPr>
+        <p:spPr/>
+        <p:txBody>
+          <a:bodyPr/>
+          <a:lstStyle/>
+          <a:p>
+            <a:r>
+              <a:rPr lang="en-US" altLang="zh-TW" dirty="0"/>
+              <a:t>Evaluation : passive handover(cont’d) </a:t>
+            </a:r>
+            <a:endParaRPr lang="zh-TW" altLang="en-US" dirty="0"/>
+          </a:p>
+        </p:txBody>
+      </p:sp>
+      <p:sp>
+        <p:nvSpPr>
+          <p:cNvPr id="9" name="投影片編號版面配置區 8">
+            <a:extLst>
+              <a:ext uri="{FF2B5EF4-FFF2-40B4-BE49-F238E27FC236}">
+                <a16:creationId xmlns:a16="http://schemas.microsoft.com/office/drawing/2014/main" id="{4F567620-92F9-4E3B-8423-A474721BEFEF}"/>
+              </a:ext>
+            </a:extLst>
+          </p:cNvPr>
+          <p:cNvSpPr>
+            <a:spLocks noGrp="1"/>
+          </p:cNvSpPr>
+          <p:nvPr>
+            <p:ph type="sldNum" sz="quarter" idx="12"/>
+          </p:nvPr>
+        </p:nvSpPr>
+        <p:spPr/>
+        <p:txBody>
+          <a:bodyPr/>
+          <a:lstStyle/>
+          <a:p>
+            <a:fld id="{50029C49-A5A9-4A95-8BF0-94F73808DB5F}" type="slidenum">
+              <a:rPr lang="zh-TW" altLang="en-US" smtClean="0"/>
+              <a:t>20</a:t>
+            </a:fld>
+            <a:endParaRPr lang="zh-TW" altLang="en-US" dirty="0"/>
+          </a:p>
+        </p:txBody>
+      </p:sp>
+      <p:sp>
+        <p:nvSpPr>
+          <p:cNvPr id="6" name="矩形 5">
+            <a:extLst>
+              <a:ext uri="{FF2B5EF4-FFF2-40B4-BE49-F238E27FC236}">
+                <a16:creationId xmlns:a16="http://schemas.microsoft.com/office/drawing/2014/main" id="{E1C274C1-B685-4EC5-BBF2-CAAD65754987}"/>
+              </a:ext>
+            </a:extLst>
+          </p:cNvPr>
+          <p:cNvSpPr/>
+          <p:nvPr/>
+        </p:nvSpPr>
+        <p:spPr>
+          <a:xfrm>
+            <a:off x="4197926" y="2026516"/>
+            <a:ext cx="2563091" cy="3252066"/>
+          </a:xfrm>
+          <a:prstGeom prst="rect">
+            <a:avLst/>
+          </a:prstGeom>
+          <a:noFill/>
+          <a:ln w="38100">
+            <a:solidFill>
+              <a:srgbClr val="FF0000"/>
+            </a:solidFill>
+          </a:ln>
+        </p:spPr>
+        <p:style>
+          <a:lnRef idx="2">
+            <a:schemeClr val="accent1">
+              <a:shade val="50000"/>
+            </a:schemeClr>
+          </a:lnRef>
+          <a:fillRef idx="1">
+            <a:schemeClr val="accent1"/>
+          </a:fillRef>
+          <a:effectRef idx="0">
+            <a:schemeClr val="accent1"/>
+          </a:effectRef>
+          <a:fontRef idx="minor">
+            <a:schemeClr val="lt1"/>
+          </a:fontRef>
+        </p:style>
+        <p:txBody>
+          <a:bodyPr rtlCol="0" anchor="ctr"/>
+          <a:lstStyle/>
+          <a:p>
+            <a:pPr algn="ctr"/>
+            <a:endParaRPr lang="zh-TW" altLang="en-US"/>
+          </a:p>
+        </p:txBody>
+      </p:sp>
+      <p:sp>
+        <p:nvSpPr>
+          <p:cNvPr id="8" name="矩形 7">
+            <a:extLst>
+              <a:ext uri="{FF2B5EF4-FFF2-40B4-BE49-F238E27FC236}">
+                <a16:creationId xmlns:a16="http://schemas.microsoft.com/office/drawing/2014/main" id="{958F3D8D-B745-458D-9DCF-69231D6472FD}"/>
+              </a:ext>
+            </a:extLst>
+          </p:cNvPr>
+          <p:cNvSpPr/>
+          <p:nvPr/>
+        </p:nvSpPr>
+        <p:spPr>
+          <a:xfrm>
+            <a:off x="6795654" y="2026516"/>
+            <a:ext cx="2140528" cy="4831484"/>
+          </a:xfrm>
+          <a:prstGeom prst="rect">
+            <a:avLst/>
+          </a:prstGeom>
+          <a:noFill/>
+          <a:ln w="38100">
+            <a:solidFill>
+              <a:srgbClr val="FF0000"/>
+            </a:solidFill>
+          </a:ln>
+        </p:spPr>
+        <p:style>
+          <a:lnRef idx="2">
+            <a:schemeClr val="accent1">
+              <a:shade val="50000"/>
+            </a:schemeClr>
+          </a:lnRef>
+          <a:fillRef idx="1">
+            <a:schemeClr val="accent1"/>
+          </a:fillRef>
+          <a:effectRef idx="0">
+            <a:schemeClr val="accent1"/>
+          </a:effectRef>
+          <a:fontRef idx="minor">
+            <a:schemeClr val="lt1"/>
+          </a:fontRef>
+        </p:style>
+        <p:txBody>
+          <a:bodyPr rtlCol="0" anchor="ctr"/>
+          <a:lstStyle/>
+          <a:p>
+            <a:pPr algn="ctr"/>
+            <a:endParaRPr lang="zh-TW" altLang="en-US"/>
+          </a:p>
+        </p:txBody>
+      </p:sp>
+    </p:spTree>
+    <p:extLst>
+      <p:ext uri="{BB962C8B-B14F-4D97-AF65-F5344CB8AC3E}">
+        <p14:creationId xmlns:p14="http://schemas.microsoft.com/office/powerpoint/2010/main" val="2676990719"/>
+      </p:ext>
+    </p:extLst>
+  </p:cSld>
+  <p:clrMapOvr>
+    <a:masterClrMapping/>
+  </p:clrMapOvr>
+</p:sld>
+</file>
+
+<file path=ppt/slides/slide21.xml><?xml version="1.0" encoding="utf-8"?>
+<p:sld xmlns:a="http://schemas.openxmlformats.org/drawingml/2006/main" xmlns:r="http://schemas.openxmlformats.org/officeDocument/2006/relationships" xmlns:p="http://schemas.openxmlformats.org/presentationml/2006/main">
+  <p:cSld>
+    <p:spTree>
+      <p:nvGrpSpPr>
+        <p:cNvPr id="1" name=""/>
+        <p:cNvGrpSpPr/>
+        <p:nvPr/>
+      </p:nvGrpSpPr>
+      <p:grpSpPr>
+        <a:xfrm>
+          <a:off x="0" y="0"/>
+          <a:ext cx="0" cy="0"/>
+          <a:chOff x="0" y="0"/>
+          <a:chExt cx="0" cy="0"/>
+        </a:xfrm>
+      </p:grpSpPr>
+      <p:sp>
+        <p:nvSpPr>
+          <p:cNvPr id="2" name="標題 1">
+            <a:extLst>
+              <a:ext uri="{FF2B5EF4-FFF2-40B4-BE49-F238E27FC236}">
+                <a16:creationId xmlns:a16="http://schemas.microsoft.com/office/drawing/2014/main" id="{B395D8BB-EDB2-42F3-9D92-4E6E7DCBB06A}"/>
+              </a:ext>
+            </a:extLst>
+          </p:cNvPr>
+          <p:cNvSpPr>
+            <a:spLocks noGrp="1"/>
+          </p:cNvSpPr>
+          <p:nvPr>
+            <p:ph type="title"/>
+          </p:nvPr>
+        </p:nvSpPr>
+        <p:spPr/>
+        <p:txBody>
+          <a:bodyPr/>
+          <a:lstStyle/>
+          <a:p>
+            <a:r>
+              <a:rPr lang="en-US" altLang="zh-TW" dirty="0"/>
+              <a:t>Evaluation : active handover</a:t>
+            </a:r>
+            <a:endParaRPr lang="zh-TW" altLang="en-US" dirty="0"/>
+          </a:p>
+        </p:txBody>
+      </p:sp>
+      <p:sp>
+        <p:nvSpPr>
+          <p:cNvPr id="3" name="內容版面配置區 2">
+            <a:extLst>
+              <a:ext uri="{FF2B5EF4-FFF2-40B4-BE49-F238E27FC236}">
+                <a16:creationId xmlns:a16="http://schemas.microsoft.com/office/drawing/2014/main" id="{C1C16457-135B-42D6-BD5B-8AF9CCC2689E}"/>
+              </a:ext>
+            </a:extLst>
+          </p:cNvPr>
+          <p:cNvSpPr>
+            <a:spLocks noGrp="1"/>
+          </p:cNvSpPr>
+          <p:nvPr>
+            <p:ph idx="1"/>
+          </p:nvPr>
+        </p:nvSpPr>
+        <p:spPr/>
+        <p:txBody>
+          <a:bodyPr>
+            <a:normAutofit lnSpcReduction="10000"/>
+          </a:bodyPr>
+          <a:lstStyle/>
+          <a:p>
+            <a:r>
+              <a:rPr lang="en-US" altLang="zh-TW" dirty="0"/>
+              <a:t>About disconnecting from current GW</a:t>
+            </a:r>
+          </a:p>
+          <a:p>
+            <a:endParaRPr lang="en-US" altLang="zh-TW" dirty="0"/>
+          </a:p>
+          <a:p>
+            <a:r>
+              <a:rPr lang="en-US" altLang="zh-TW" dirty="0"/>
+              <a:t>the current GW will receive a disconnection message from the controller once a roaming decision has made. </a:t>
+            </a:r>
+          </a:p>
+          <a:p>
+            <a:endParaRPr lang="en-US" altLang="zh-TW" dirty="0"/>
+          </a:p>
+          <a:p>
+            <a:r>
+              <a:rPr lang="en-US" altLang="zh-TW" dirty="0"/>
+              <a:t>After receiving this message, the GW immediately attempts to send a disconnection request to the BLE peripheral. </a:t>
+            </a:r>
+          </a:p>
+          <a:p>
+            <a:endParaRPr lang="en-US" altLang="zh-TW" dirty="0"/>
+          </a:p>
+          <a:p>
+            <a:r>
+              <a:rPr lang="en-US" altLang="zh-TW" dirty="0"/>
+              <a:t>Upon receiving this request, the peripheral answers with a disconnection acknowledgment.</a:t>
+            </a:r>
+          </a:p>
+        </p:txBody>
+      </p:sp>
+      <p:sp>
+        <p:nvSpPr>
+          <p:cNvPr id="4" name="投影片編號版面配置區 3">
+            <a:extLst>
+              <a:ext uri="{FF2B5EF4-FFF2-40B4-BE49-F238E27FC236}">
+                <a16:creationId xmlns:a16="http://schemas.microsoft.com/office/drawing/2014/main" id="{DB634B57-2E7E-40BE-993E-5F46071107A7}"/>
+              </a:ext>
+            </a:extLst>
+          </p:cNvPr>
+          <p:cNvSpPr>
+            <a:spLocks noGrp="1"/>
+          </p:cNvSpPr>
+          <p:nvPr>
+            <p:ph type="sldNum" sz="quarter" idx="12"/>
+          </p:nvPr>
+        </p:nvSpPr>
+        <p:spPr/>
+        <p:txBody>
+          <a:bodyPr/>
+          <a:lstStyle/>
+          <a:p>
+            <a:fld id="{50029C49-A5A9-4A95-8BF0-94F73808DB5F}" type="slidenum">
+              <a:rPr lang="zh-TW" altLang="en-US" smtClean="0"/>
+              <a:t>21</a:t>
+            </a:fld>
+            <a:endParaRPr lang="zh-TW" altLang="en-US"/>
+          </a:p>
+        </p:txBody>
+      </p:sp>
+    </p:spTree>
+    <p:extLst>
+      <p:ext uri="{BB962C8B-B14F-4D97-AF65-F5344CB8AC3E}">
+        <p14:creationId xmlns:p14="http://schemas.microsoft.com/office/powerpoint/2010/main" val="1272687956"/>
+      </p:ext>
+    </p:extLst>
+  </p:cSld>
+  <p:clrMapOvr>
+    <a:masterClrMapping/>
+  </p:clrMapOvr>
+</p:sld>
+</file>
+
+<file path=ppt/slides/slide22.xml><?xml version="1.0" encoding="utf-8"?>
+<p:sld xmlns:a="http://schemas.openxmlformats.org/drawingml/2006/main" xmlns:r="http://schemas.openxmlformats.org/officeDocument/2006/relationships" xmlns:p="http://schemas.openxmlformats.org/presentationml/2006/main">
+  <p:cSld>
+    <p:spTree>
+      <p:nvGrpSpPr>
+        <p:cNvPr id="1" name=""/>
+        <p:cNvGrpSpPr/>
+        <p:nvPr/>
+      </p:nvGrpSpPr>
+      <p:grpSpPr>
+        <a:xfrm>
+          <a:off x="0" y="0"/>
+          <a:ext cx="0" cy="0"/>
+          <a:chOff x="0" y="0"/>
+          <a:chExt cx="0" cy="0"/>
+        </a:xfrm>
+      </p:grpSpPr>
+      <p:sp>
+        <p:nvSpPr>
+          <p:cNvPr id="2" name="標題 1">
+            <a:extLst>
+              <a:ext uri="{FF2B5EF4-FFF2-40B4-BE49-F238E27FC236}">
+                <a16:creationId xmlns:a16="http://schemas.microsoft.com/office/drawing/2014/main" id="{B395D8BB-EDB2-42F3-9D92-4E6E7DCBB06A}"/>
+              </a:ext>
+            </a:extLst>
+          </p:cNvPr>
+          <p:cNvSpPr>
+            <a:spLocks noGrp="1"/>
+          </p:cNvSpPr>
+          <p:nvPr>
+            <p:ph type="title"/>
+          </p:nvPr>
+        </p:nvSpPr>
+        <p:spPr/>
+        <p:txBody>
+          <a:bodyPr/>
+          <a:lstStyle/>
+          <a:p>
+            <a:r>
+              <a:rPr lang="en-US" altLang="zh-TW" dirty="0"/>
+              <a:t>Evaluation : active handover(cont’d)</a:t>
+            </a:r>
+            <a:endParaRPr lang="zh-TW" altLang="en-US" dirty="0"/>
+          </a:p>
+        </p:txBody>
+      </p:sp>
+      <p:sp>
+        <p:nvSpPr>
+          <p:cNvPr id="3" name="內容版面配置區 2">
+            <a:extLst>
+              <a:ext uri="{FF2B5EF4-FFF2-40B4-BE49-F238E27FC236}">
+                <a16:creationId xmlns:a16="http://schemas.microsoft.com/office/drawing/2014/main" id="{C1C16457-135B-42D6-BD5B-8AF9CCC2689E}"/>
+              </a:ext>
+            </a:extLst>
+          </p:cNvPr>
+          <p:cNvSpPr>
+            <a:spLocks noGrp="1"/>
+          </p:cNvSpPr>
+          <p:nvPr>
+            <p:ph idx="1"/>
+          </p:nvPr>
+        </p:nvSpPr>
+        <p:spPr/>
+        <p:txBody>
+          <a:bodyPr>
+            <a:normAutofit fontScale="92500" lnSpcReduction="10000"/>
+          </a:bodyPr>
+          <a:lstStyle/>
+          <a:p>
+            <a:r>
+              <a:rPr lang="en-US" altLang="zh-TW" dirty="0"/>
+              <a:t>About Setting up a connection with the alternative GW</a:t>
+            </a:r>
+          </a:p>
+          <a:p>
+            <a:endParaRPr lang="en-US" altLang="zh-TW" dirty="0"/>
+          </a:p>
+          <a:p>
+            <a:r>
+              <a:rPr lang="en-US" altLang="zh-TW" dirty="0"/>
+              <a:t>Once the disconnection has been finalized, the BLE peripheral switches from a connection/advertising state to solely an advertising state, broadcasting connectable advertisements. </a:t>
+            </a:r>
+          </a:p>
+          <a:p>
+            <a:endParaRPr lang="en-US" altLang="zh-TW" dirty="0"/>
+          </a:p>
+          <a:p>
+            <a:r>
+              <a:rPr lang="en-US" altLang="zh-TW" dirty="0"/>
+              <a:t>In the meantime, the alternative GW has received a connect message from the controller and has switched from </a:t>
+            </a:r>
+            <a:r>
+              <a:rPr lang="en-US" altLang="zh-TW" dirty="0" err="1"/>
+              <a:t>nonconnectable</a:t>
+            </a:r>
+            <a:r>
+              <a:rPr lang="en-US" altLang="zh-TW" dirty="0"/>
+              <a:t> to connectable scanning, specifically for the MAC address of the BLE peripheral at hand. </a:t>
+            </a:r>
+          </a:p>
+          <a:p>
+            <a:endParaRPr lang="en-US" altLang="zh-TW" dirty="0"/>
+          </a:p>
+          <a:p>
+            <a:r>
+              <a:rPr lang="en-US" altLang="zh-TW" dirty="0"/>
+              <a:t>From this point, the handover process is similar to passive handover.</a:t>
+            </a:r>
+          </a:p>
+        </p:txBody>
+      </p:sp>
+      <p:sp>
+        <p:nvSpPr>
+          <p:cNvPr id="4" name="投影片編號版面配置區 3">
+            <a:extLst>
+              <a:ext uri="{FF2B5EF4-FFF2-40B4-BE49-F238E27FC236}">
+                <a16:creationId xmlns:a16="http://schemas.microsoft.com/office/drawing/2014/main" id="{DB634B57-2E7E-40BE-993E-5F46071107A7}"/>
+              </a:ext>
+            </a:extLst>
+          </p:cNvPr>
+          <p:cNvSpPr>
+            <a:spLocks noGrp="1"/>
+          </p:cNvSpPr>
+          <p:nvPr>
+            <p:ph type="sldNum" sz="quarter" idx="12"/>
+          </p:nvPr>
+        </p:nvSpPr>
+        <p:spPr/>
+        <p:txBody>
+          <a:bodyPr/>
+          <a:lstStyle/>
+          <a:p>
+            <a:fld id="{50029C49-A5A9-4A95-8BF0-94F73808DB5F}" type="slidenum">
+              <a:rPr lang="zh-TW" altLang="en-US" smtClean="0"/>
+              <a:t>22</a:t>
+            </a:fld>
+            <a:endParaRPr lang="zh-TW" altLang="en-US"/>
+          </a:p>
+        </p:txBody>
+      </p:sp>
+    </p:spTree>
+    <p:extLst>
+      <p:ext uri="{BB962C8B-B14F-4D97-AF65-F5344CB8AC3E}">
+        <p14:creationId xmlns:p14="http://schemas.microsoft.com/office/powerpoint/2010/main" val="3783783229"/>
+      </p:ext>
+    </p:extLst>
+  </p:cSld>
+  <p:clrMapOvr>
+    <a:masterClrMapping/>
+  </p:clrMapOvr>
+</p:sld>
+</file>
+
+<file path=ppt/slides/slide23.xml><?xml version="1.0" encoding="utf-8"?>
+<p:sld xmlns:a="http://schemas.openxmlformats.org/drawingml/2006/main" xmlns:r="http://schemas.openxmlformats.org/officeDocument/2006/relationships" xmlns:p="http://schemas.openxmlformats.org/presentationml/2006/main">
+  <p:cSld>
+    <p:spTree>
+      <p:nvGrpSpPr>
+        <p:cNvPr id="1" name=""/>
+        <p:cNvGrpSpPr/>
+        <p:nvPr/>
+      </p:nvGrpSpPr>
+      <p:grpSpPr>
+        <a:xfrm>
+          <a:off x="0" y="0"/>
+          <a:ext cx="0" cy="0"/>
+          <a:chOff x="0" y="0"/>
+          <a:chExt cx="0" cy="0"/>
+        </a:xfrm>
+      </p:grpSpPr>
+      <p:sp>
+        <p:nvSpPr>
+          <p:cNvPr id="2" name="標題 1">
+            <a:extLst>
+              <a:ext uri="{FF2B5EF4-FFF2-40B4-BE49-F238E27FC236}">
+                <a16:creationId xmlns:a16="http://schemas.microsoft.com/office/drawing/2014/main" id="{B395D8BB-EDB2-42F3-9D92-4E6E7DCBB06A}"/>
+              </a:ext>
+            </a:extLst>
+          </p:cNvPr>
+          <p:cNvSpPr>
+            <a:spLocks noGrp="1"/>
+          </p:cNvSpPr>
+          <p:nvPr>
+            <p:ph type="title"/>
+          </p:nvPr>
+        </p:nvSpPr>
+        <p:spPr/>
+        <p:txBody>
+          <a:bodyPr/>
+          <a:lstStyle/>
+          <a:p>
+            <a:r>
+              <a:rPr lang="en-US" altLang="zh-TW" dirty="0"/>
+              <a:t>Evaluation : active handover(cont’d)</a:t>
+            </a:r>
+            <a:endParaRPr lang="zh-TW" altLang="en-US" dirty="0"/>
+          </a:p>
+        </p:txBody>
+      </p:sp>
+      <p:sp>
+        <p:nvSpPr>
+          <p:cNvPr id="3" name="內容版面配置區 2">
+            <a:extLst>
+              <a:ext uri="{FF2B5EF4-FFF2-40B4-BE49-F238E27FC236}">
+                <a16:creationId xmlns:a16="http://schemas.microsoft.com/office/drawing/2014/main" id="{C1C16457-135B-42D6-BD5B-8AF9CCC2689E}"/>
+              </a:ext>
+            </a:extLst>
+          </p:cNvPr>
+          <p:cNvSpPr>
+            <a:spLocks noGrp="1"/>
+          </p:cNvSpPr>
+          <p:nvPr>
+            <p:ph idx="1"/>
+          </p:nvPr>
+        </p:nvSpPr>
+        <p:spPr/>
+        <p:txBody>
+          <a:bodyPr>
+            <a:normAutofit lnSpcReduction="10000"/>
+          </a:bodyPr>
+          <a:lstStyle/>
+          <a:p>
+            <a:r>
+              <a:rPr lang="en-US" altLang="zh-TW" dirty="0"/>
+              <a:t>Potential Optimizations</a:t>
+            </a:r>
+          </a:p>
+          <a:p>
+            <a:endParaRPr lang="en-US" altLang="zh-TW" dirty="0"/>
+          </a:p>
+          <a:p>
+            <a:r>
+              <a:rPr lang="en-US" altLang="zh-TW" dirty="0"/>
+              <a:t>The BLE peripheral constantly needs to advertise , This increases energy consumption and decreases the quality of the BLE connection as well.</a:t>
+            </a:r>
+          </a:p>
+          <a:p>
+            <a:endParaRPr lang="en-US" altLang="zh-TW" dirty="0"/>
+          </a:p>
+          <a:p>
+            <a:r>
+              <a:rPr lang="en-US" altLang="zh-TW" dirty="0"/>
+              <a:t>A possible improvement could employ a proactive decision on when to start and stop advertising. The peripheral can monitor the quality of the current connection (i.e. via RSSI) and decide via these indicators whether it is necessary to advertise its presence or not.</a:t>
+            </a:r>
+          </a:p>
+        </p:txBody>
+      </p:sp>
+      <p:sp>
+        <p:nvSpPr>
+          <p:cNvPr id="4" name="投影片編號版面配置區 3">
+            <a:extLst>
+              <a:ext uri="{FF2B5EF4-FFF2-40B4-BE49-F238E27FC236}">
+                <a16:creationId xmlns:a16="http://schemas.microsoft.com/office/drawing/2014/main" id="{DB634B57-2E7E-40BE-993E-5F46071107A7}"/>
+              </a:ext>
+            </a:extLst>
+          </p:cNvPr>
+          <p:cNvSpPr>
+            <a:spLocks noGrp="1"/>
+          </p:cNvSpPr>
+          <p:nvPr>
+            <p:ph type="sldNum" sz="quarter" idx="12"/>
+          </p:nvPr>
+        </p:nvSpPr>
+        <p:spPr/>
+        <p:txBody>
+          <a:bodyPr/>
+          <a:lstStyle/>
+          <a:p>
+            <a:fld id="{50029C49-A5A9-4A95-8BF0-94F73808DB5F}" type="slidenum">
+              <a:rPr lang="zh-TW" altLang="en-US" smtClean="0"/>
+              <a:t>23</a:t>
+            </a:fld>
+            <a:endParaRPr lang="zh-TW" altLang="en-US"/>
+          </a:p>
+        </p:txBody>
+      </p:sp>
+    </p:spTree>
+    <p:extLst>
+      <p:ext uri="{BB962C8B-B14F-4D97-AF65-F5344CB8AC3E}">
+        <p14:creationId xmlns:p14="http://schemas.microsoft.com/office/powerpoint/2010/main" val="3851096165"/>
+      </p:ext>
+    </p:extLst>
+  </p:cSld>
+  <p:clrMapOvr>
+    <a:masterClrMapping/>
+  </p:clrMapOvr>
+</p:sld>
+</file>
+
+<file path=ppt/slides/slide24.xml><?xml version="1.0" encoding="utf-8"?>
+<p:sld xmlns:a="http://schemas.openxmlformats.org/drawingml/2006/main" xmlns:r="http://schemas.openxmlformats.org/officeDocument/2006/relationships" xmlns:p="http://schemas.openxmlformats.org/presentationml/2006/main">
+  <p:cSld>
+    <p:spTree>
+      <p:nvGrpSpPr>
+        <p:cNvPr id="1" name=""/>
+        <p:cNvGrpSpPr/>
+        <p:nvPr/>
+      </p:nvGrpSpPr>
+      <p:grpSpPr>
+        <a:xfrm>
+          <a:off x="0" y="0"/>
+          <a:ext cx="0" cy="0"/>
+          <a:chOff x="0" y="0"/>
+          <a:chExt cx="0" cy="0"/>
+        </a:xfrm>
+      </p:grpSpPr>
+      <p:sp>
+        <p:nvSpPr>
+          <p:cNvPr id="2" name="標題 1">
+            <a:extLst>
+              <a:ext uri="{FF2B5EF4-FFF2-40B4-BE49-F238E27FC236}">
+                <a16:creationId xmlns:a16="http://schemas.microsoft.com/office/drawing/2014/main" id="{B395D8BB-EDB2-42F3-9D92-4E6E7DCBB06A}"/>
+              </a:ext>
+            </a:extLst>
+          </p:cNvPr>
+          <p:cNvSpPr>
+            <a:spLocks noGrp="1"/>
+          </p:cNvSpPr>
+          <p:nvPr>
+            <p:ph type="title"/>
+          </p:nvPr>
+        </p:nvSpPr>
+        <p:spPr/>
+        <p:txBody>
+          <a:bodyPr/>
+          <a:lstStyle/>
+          <a:p>
+            <a:r>
+              <a:rPr lang="en-US" altLang="zh-TW" dirty="0"/>
+              <a:t>Evaluation : active handover(cont’d)</a:t>
+            </a:r>
+            <a:endParaRPr lang="zh-TW" altLang="en-US" dirty="0"/>
+          </a:p>
+        </p:txBody>
+      </p:sp>
+      <p:pic>
+        <p:nvPicPr>
+          <p:cNvPr id="6" name="內容版面配置區 5">
+            <a:extLst>
+              <a:ext uri="{FF2B5EF4-FFF2-40B4-BE49-F238E27FC236}">
+                <a16:creationId xmlns:a16="http://schemas.microsoft.com/office/drawing/2014/main" id="{A78F9D59-9703-400B-9573-CF8C8B02937D}"/>
+              </a:ext>
+            </a:extLst>
+          </p:cNvPr>
+          <p:cNvPicPr>
+            <a:picLocks noGrp="1" noChangeAspect="1"/>
+          </p:cNvPicPr>
+          <p:nvPr>
+            <p:ph idx="1"/>
+          </p:nvPr>
+        </p:nvPicPr>
+        <p:blipFill>
+          <a:blip r:embed="rId2"/>
+          <a:stretch>
+            <a:fillRect/>
+          </a:stretch>
+        </p:blipFill>
+        <p:spPr>
+          <a:xfrm>
+            <a:off x="1397583" y="1489586"/>
+            <a:ext cx="9103801" cy="4866763"/>
+          </a:xfrm>
+        </p:spPr>
+      </p:pic>
+      <p:sp>
+        <p:nvSpPr>
+          <p:cNvPr id="4" name="投影片編號版面配置區 3">
+            <a:extLst>
+              <a:ext uri="{FF2B5EF4-FFF2-40B4-BE49-F238E27FC236}">
+                <a16:creationId xmlns:a16="http://schemas.microsoft.com/office/drawing/2014/main" id="{DB634B57-2E7E-40BE-993E-5F46071107A7}"/>
+              </a:ext>
+            </a:extLst>
+          </p:cNvPr>
+          <p:cNvSpPr>
+            <a:spLocks noGrp="1"/>
+          </p:cNvSpPr>
+          <p:nvPr>
+            <p:ph type="sldNum" sz="quarter" idx="12"/>
+          </p:nvPr>
+        </p:nvSpPr>
+        <p:spPr/>
+        <p:txBody>
+          <a:bodyPr/>
+          <a:lstStyle/>
+          <a:p>
+            <a:fld id="{50029C49-A5A9-4A95-8BF0-94F73808DB5F}" type="slidenum">
+              <a:rPr lang="zh-TW" altLang="en-US" smtClean="0"/>
+              <a:t>24</a:t>
+            </a:fld>
+            <a:endParaRPr lang="zh-TW" altLang="en-US"/>
+          </a:p>
+        </p:txBody>
+      </p:sp>
+    </p:spTree>
+    <p:extLst>
+      <p:ext uri="{BB962C8B-B14F-4D97-AF65-F5344CB8AC3E}">
+        <p14:creationId xmlns:p14="http://schemas.microsoft.com/office/powerpoint/2010/main" val="378226096"/>
+      </p:ext>
+    </p:extLst>
+  </p:cSld>
+  <p:clrMapOvr>
+    <a:masterClrMapping/>
+  </p:clrMapOvr>
+</p:sld>
+</file>
+
+<file path=ppt/slides/slide25.xml><?xml version="1.0" encoding="utf-8"?>
+<p:sld xmlns:a="http://schemas.openxmlformats.org/drawingml/2006/main" xmlns:r="http://schemas.openxmlformats.org/officeDocument/2006/relationships" xmlns:p="http://schemas.openxmlformats.org/presentationml/2006/main">
+  <p:cSld>
+    <p:spTree>
+      <p:nvGrpSpPr>
+        <p:cNvPr id="1" name=""/>
+        <p:cNvGrpSpPr/>
+        <p:nvPr/>
+      </p:nvGrpSpPr>
+      <p:grpSpPr>
+        <a:xfrm>
+          <a:off x="0" y="0"/>
+          <a:ext cx="0" cy="0"/>
+          <a:chOff x="0" y="0"/>
+          <a:chExt cx="0" cy="0"/>
+        </a:xfrm>
+      </p:grpSpPr>
+      <p:pic>
+        <p:nvPicPr>
           <p:cNvPr id="8" name="圖片 7">
             <a:extLst>
               <a:ext uri="{FF2B5EF4-FFF2-40B4-BE49-F238E27FC236}">
@@ -6036,7 +6764,7 @@
           <a:p>
             <a:fld id="{50029C49-A5A9-4A95-8BF0-94F73808DB5F}" type="slidenum">
               <a:rPr lang="zh-TW" altLang="en-US" smtClean="0"/>
-              <a:t>20</a:t>
+              <a:t>25</a:t>
             </a:fld>
             <a:endParaRPr lang="zh-TW" altLang="en-US"/>
           </a:p>
@@ -6159,653 +6887,6 @@
 </p:sld>
 </file>
 
-<file path=ppt/slides/slide21.xml><?xml version="1.0" encoding="utf-8"?>
-<p:sld xmlns:a="http://schemas.openxmlformats.org/drawingml/2006/main" xmlns:r="http://schemas.openxmlformats.org/officeDocument/2006/relationships" xmlns:p="http://schemas.openxmlformats.org/presentationml/2006/main">
-  <p:cSld>
-    <p:spTree>
-      <p:nvGrpSpPr>
-        <p:cNvPr id="1" name=""/>
-        <p:cNvGrpSpPr/>
-        <p:nvPr/>
-      </p:nvGrpSpPr>
-      <p:grpSpPr>
-        <a:xfrm>
-          <a:off x="0" y="0"/>
-          <a:ext cx="0" cy="0"/>
-          <a:chOff x="0" y="0"/>
-          <a:chExt cx="0" cy="0"/>
-        </a:xfrm>
-      </p:grpSpPr>
-      <p:sp>
-        <p:nvSpPr>
-          <p:cNvPr id="2" name="標題 1">
-            <a:extLst>
-              <a:ext uri="{FF2B5EF4-FFF2-40B4-BE49-F238E27FC236}">
-                <a16:creationId xmlns:a16="http://schemas.microsoft.com/office/drawing/2014/main" id="{B395D8BB-EDB2-42F3-9D92-4E6E7DCBB06A}"/>
-              </a:ext>
-            </a:extLst>
-          </p:cNvPr>
-          <p:cNvSpPr>
-            <a:spLocks noGrp="1"/>
-          </p:cNvSpPr>
-          <p:nvPr>
-            <p:ph type="title"/>
-          </p:nvPr>
-        </p:nvSpPr>
-        <p:spPr/>
-        <p:txBody>
-          <a:bodyPr/>
-          <a:lstStyle/>
-          <a:p>
-            <a:r>
-              <a:rPr lang="en-US" altLang="zh-TW" dirty="0"/>
-              <a:t>Evaluation(cont’d)</a:t>
-            </a:r>
-            <a:endParaRPr lang="zh-TW" altLang="en-US" dirty="0"/>
-          </a:p>
-        </p:txBody>
-      </p:sp>
-      <p:sp>
-        <p:nvSpPr>
-          <p:cNvPr id="3" name="內容版面配置區 2">
-            <a:extLst>
-              <a:ext uri="{FF2B5EF4-FFF2-40B4-BE49-F238E27FC236}">
-                <a16:creationId xmlns:a16="http://schemas.microsoft.com/office/drawing/2014/main" id="{C1C16457-135B-42D6-BD5B-8AF9CCC2689E}"/>
-              </a:ext>
-            </a:extLst>
-          </p:cNvPr>
-          <p:cNvSpPr>
-            <a:spLocks noGrp="1"/>
-          </p:cNvSpPr>
-          <p:nvPr>
-            <p:ph idx="1"/>
-          </p:nvPr>
-        </p:nvSpPr>
-        <p:spPr/>
-        <p:txBody>
-          <a:bodyPr>
-            <a:normAutofit/>
-          </a:bodyPr>
-          <a:lstStyle/>
-          <a:p>
-            <a:r>
-              <a:rPr lang="en-US" altLang="zh-TW" dirty="0"/>
-              <a:t>During a handover process, the BLE peripheral is not reachable from application servers. This implies possible data loss.</a:t>
-            </a:r>
-          </a:p>
-          <a:p>
-            <a:endParaRPr lang="en-US" altLang="zh-TW" dirty="0"/>
-          </a:p>
-          <a:p>
-            <a:r>
-              <a:rPr lang="en-US" altLang="zh-TW" dirty="0"/>
-              <a:t>The newest BLE standard allows a BLE peripheral to be in a connection with multiple BLE centrals at once.</a:t>
-            </a:r>
-          </a:p>
-          <a:p>
-            <a:endParaRPr lang="en-US" altLang="zh-TW" dirty="0"/>
-          </a:p>
-          <a:p>
-            <a:r>
-              <a:rPr lang="en-US" altLang="zh-TW" dirty="0"/>
-              <a:t>Allowing the current GW to keep its connection with the BLE peripheral, until the new connection with the alternative GW is established. </a:t>
-            </a:r>
-          </a:p>
-        </p:txBody>
-      </p:sp>
-      <p:sp>
-        <p:nvSpPr>
-          <p:cNvPr id="4" name="投影片編號版面配置區 3">
-            <a:extLst>
-              <a:ext uri="{FF2B5EF4-FFF2-40B4-BE49-F238E27FC236}">
-                <a16:creationId xmlns:a16="http://schemas.microsoft.com/office/drawing/2014/main" id="{DB634B57-2E7E-40BE-993E-5F46071107A7}"/>
-              </a:ext>
-            </a:extLst>
-          </p:cNvPr>
-          <p:cNvSpPr>
-            <a:spLocks noGrp="1"/>
-          </p:cNvSpPr>
-          <p:nvPr>
-            <p:ph type="sldNum" sz="quarter" idx="12"/>
-          </p:nvPr>
-        </p:nvSpPr>
-        <p:spPr/>
-        <p:txBody>
-          <a:bodyPr/>
-          <a:lstStyle/>
-          <a:p>
-            <a:fld id="{50029C49-A5A9-4A95-8BF0-94F73808DB5F}" type="slidenum">
-              <a:rPr lang="zh-TW" altLang="en-US" smtClean="0"/>
-              <a:t>21</a:t>
-            </a:fld>
-            <a:endParaRPr lang="zh-TW" altLang="en-US"/>
-          </a:p>
-        </p:txBody>
-      </p:sp>
-    </p:spTree>
-    <p:extLst>
-      <p:ext uri="{BB962C8B-B14F-4D97-AF65-F5344CB8AC3E}">
-        <p14:creationId xmlns:p14="http://schemas.microsoft.com/office/powerpoint/2010/main" val="1590821730"/>
-      </p:ext>
-    </p:extLst>
-  </p:cSld>
-  <p:clrMapOvr>
-    <a:masterClrMapping/>
-  </p:clrMapOvr>
-</p:sld>
-</file>
-
-<file path=ppt/slides/slide22.xml><?xml version="1.0" encoding="utf-8"?>
-<p:sld xmlns:a="http://schemas.openxmlformats.org/drawingml/2006/main" xmlns:r="http://schemas.openxmlformats.org/officeDocument/2006/relationships" xmlns:p="http://schemas.openxmlformats.org/presentationml/2006/main">
-  <p:cSld>
-    <p:spTree>
-      <p:nvGrpSpPr>
-        <p:cNvPr id="1" name=""/>
-        <p:cNvGrpSpPr/>
-        <p:nvPr/>
-      </p:nvGrpSpPr>
-      <p:grpSpPr>
-        <a:xfrm>
-          <a:off x="0" y="0"/>
-          <a:ext cx="0" cy="0"/>
-          <a:chOff x="0" y="0"/>
-          <a:chExt cx="0" cy="0"/>
-        </a:xfrm>
-      </p:grpSpPr>
-      <p:sp>
-        <p:nvSpPr>
-          <p:cNvPr id="2" name="標題 1">
-            <a:extLst>
-              <a:ext uri="{FF2B5EF4-FFF2-40B4-BE49-F238E27FC236}">
-                <a16:creationId xmlns:a16="http://schemas.microsoft.com/office/drawing/2014/main" id="{B395D8BB-EDB2-42F3-9D92-4E6E7DCBB06A}"/>
-              </a:ext>
-            </a:extLst>
-          </p:cNvPr>
-          <p:cNvSpPr>
-            <a:spLocks noGrp="1"/>
-          </p:cNvSpPr>
-          <p:nvPr>
-            <p:ph type="title"/>
-          </p:nvPr>
-        </p:nvSpPr>
-        <p:spPr/>
-        <p:txBody>
-          <a:bodyPr/>
-          <a:lstStyle/>
-          <a:p>
-            <a:r>
-              <a:rPr lang="en-US" altLang="zh-TW" dirty="0"/>
-              <a:t>Evaluation(cont’d)</a:t>
-            </a:r>
-            <a:endParaRPr lang="zh-TW" altLang="en-US" dirty="0"/>
-          </a:p>
-        </p:txBody>
-      </p:sp>
-      <p:sp>
-        <p:nvSpPr>
-          <p:cNvPr id="3" name="內容版面配置區 2">
-            <a:extLst>
-              <a:ext uri="{FF2B5EF4-FFF2-40B4-BE49-F238E27FC236}">
-                <a16:creationId xmlns:a16="http://schemas.microsoft.com/office/drawing/2014/main" id="{C1C16457-135B-42D6-BD5B-8AF9CCC2689E}"/>
-              </a:ext>
-            </a:extLst>
-          </p:cNvPr>
-          <p:cNvSpPr>
-            <a:spLocks noGrp="1"/>
-          </p:cNvSpPr>
-          <p:nvPr>
-            <p:ph idx="1"/>
-          </p:nvPr>
-        </p:nvSpPr>
-        <p:spPr/>
-        <p:txBody>
-          <a:bodyPr>
-            <a:normAutofit/>
-          </a:bodyPr>
-          <a:lstStyle/>
-          <a:p>
-            <a:r>
-              <a:rPr lang="en-US" altLang="zh-TW" dirty="0"/>
-              <a:t>Finally, to avoid constant switching between connectable and non-connectable scanning, two separate BLE modules could be used on the same GW. </a:t>
-            </a:r>
-          </a:p>
-          <a:p>
-            <a:endParaRPr lang="en-US" altLang="zh-TW" dirty="0"/>
-          </a:p>
-          <a:p>
-            <a:r>
-              <a:rPr lang="en-US" altLang="zh-TW" dirty="0"/>
-              <a:t>One module is in charge of connectable scanning and maintains existing BLE connections. </a:t>
-            </a:r>
-          </a:p>
-          <a:p>
-            <a:endParaRPr lang="en-US" altLang="zh-TW" dirty="0"/>
-          </a:p>
-          <a:p>
-            <a:r>
-              <a:rPr lang="en-US" altLang="zh-TW" dirty="0"/>
-              <a:t>The other module performs only non-connectable scanning, continuously sending RSSI log messages to the controller.</a:t>
-            </a:r>
-          </a:p>
-        </p:txBody>
-      </p:sp>
-      <p:sp>
-        <p:nvSpPr>
-          <p:cNvPr id="4" name="投影片編號版面配置區 3">
-            <a:extLst>
-              <a:ext uri="{FF2B5EF4-FFF2-40B4-BE49-F238E27FC236}">
-                <a16:creationId xmlns:a16="http://schemas.microsoft.com/office/drawing/2014/main" id="{DB634B57-2E7E-40BE-993E-5F46071107A7}"/>
-              </a:ext>
-            </a:extLst>
-          </p:cNvPr>
-          <p:cNvSpPr>
-            <a:spLocks noGrp="1"/>
-          </p:cNvSpPr>
-          <p:nvPr>
-            <p:ph type="sldNum" sz="quarter" idx="12"/>
-          </p:nvPr>
-        </p:nvSpPr>
-        <p:spPr/>
-        <p:txBody>
-          <a:bodyPr/>
-          <a:lstStyle/>
-          <a:p>
-            <a:fld id="{50029C49-A5A9-4A95-8BF0-94F73808DB5F}" type="slidenum">
-              <a:rPr lang="zh-TW" altLang="en-US" smtClean="0"/>
-              <a:t>22</a:t>
-            </a:fld>
-            <a:endParaRPr lang="zh-TW" altLang="en-US"/>
-          </a:p>
-        </p:txBody>
-      </p:sp>
-    </p:spTree>
-    <p:extLst>
-      <p:ext uri="{BB962C8B-B14F-4D97-AF65-F5344CB8AC3E}">
-        <p14:creationId xmlns:p14="http://schemas.microsoft.com/office/powerpoint/2010/main" val="1541052724"/>
-      </p:ext>
-    </p:extLst>
-  </p:cSld>
-  <p:clrMapOvr>
-    <a:masterClrMapping/>
-  </p:clrMapOvr>
-</p:sld>
-</file>
-
-<file path=ppt/slides/slide23.xml><?xml version="1.0" encoding="utf-8"?>
-<p:sld xmlns:a="http://schemas.openxmlformats.org/drawingml/2006/main" xmlns:r="http://schemas.openxmlformats.org/officeDocument/2006/relationships" xmlns:p="http://schemas.openxmlformats.org/presentationml/2006/main">
-  <p:cSld>
-    <p:spTree>
-      <p:nvGrpSpPr>
-        <p:cNvPr id="1" name=""/>
-        <p:cNvGrpSpPr/>
-        <p:nvPr/>
-      </p:nvGrpSpPr>
-      <p:grpSpPr>
-        <a:xfrm>
-          <a:off x="0" y="0"/>
-          <a:ext cx="0" cy="0"/>
-          <a:chOff x="0" y="0"/>
-          <a:chExt cx="0" cy="0"/>
-        </a:xfrm>
-      </p:grpSpPr>
-      <p:sp>
-        <p:nvSpPr>
-          <p:cNvPr id="2" name="標題 1">
-            <a:extLst>
-              <a:ext uri="{FF2B5EF4-FFF2-40B4-BE49-F238E27FC236}">
-                <a16:creationId xmlns:a16="http://schemas.microsoft.com/office/drawing/2014/main" id="{B7DB5FDF-E9A2-4D3D-ACF8-CEFDE567ED4E}"/>
-              </a:ext>
-            </a:extLst>
-          </p:cNvPr>
-          <p:cNvSpPr>
-            <a:spLocks noGrp="1"/>
-          </p:cNvSpPr>
-          <p:nvPr>
-            <p:ph type="title"/>
-          </p:nvPr>
-        </p:nvSpPr>
-        <p:spPr/>
-        <p:txBody>
-          <a:bodyPr/>
-          <a:lstStyle/>
-          <a:p>
-            <a:r>
-              <a:rPr lang="en-US" altLang="zh-TW" dirty="0"/>
-              <a:t>Conclusion</a:t>
-            </a:r>
-            <a:endParaRPr lang="zh-TW" altLang="en-US" dirty="0"/>
-          </a:p>
-        </p:txBody>
-      </p:sp>
-      <p:sp>
-        <p:nvSpPr>
-          <p:cNvPr id="3" name="內容版面配置區 2">
-            <a:extLst>
-              <a:ext uri="{FF2B5EF4-FFF2-40B4-BE49-F238E27FC236}">
-                <a16:creationId xmlns:a16="http://schemas.microsoft.com/office/drawing/2014/main" id="{24BC7DE2-9247-4111-B9E4-01812FC553D6}"/>
-              </a:ext>
-            </a:extLst>
-          </p:cNvPr>
-          <p:cNvSpPr>
-            <a:spLocks noGrp="1"/>
-          </p:cNvSpPr>
-          <p:nvPr>
-            <p:ph idx="1"/>
-          </p:nvPr>
-        </p:nvSpPr>
-        <p:spPr/>
-        <p:txBody>
-          <a:bodyPr/>
-          <a:lstStyle/>
-          <a:p>
-            <a:r>
-              <a:rPr lang="en-US" altLang="zh-TW" dirty="0"/>
-              <a:t>In this paper, two architectures are proposed to realize a BLE-based multi-GW network infrastructure that is able to provide bidirectional connectivity to mobile BLE peripherals. </a:t>
-            </a:r>
-          </a:p>
-          <a:p>
-            <a:endParaRPr lang="en-US" altLang="zh-TW" dirty="0"/>
-          </a:p>
-          <a:p>
-            <a:r>
-              <a:rPr lang="en-US" altLang="zh-TW" dirty="0"/>
-              <a:t>The IP based architecture offers seamless end-to-end IP connectivity between a mobile BLE peripheral and an existing IP network. It limits custom implementation needs, but requires more resources from the already constrained mobile BLE peripheral. </a:t>
-            </a:r>
-            <a:endParaRPr lang="zh-TW" altLang="en-US" dirty="0"/>
-          </a:p>
-        </p:txBody>
-      </p:sp>
-      <p:sp>
-        <p:nvSpPr>
-          <p:cNvPr id="4" name="投影片編號版面配置區 3">
-            <a:extLst>
-              <a:ext uri="{FF2B5EF4-FFF2-40B4-BE49-F238E27FC236}">
-                <a16:creationId xmlns:a16="http://schemas.microsoft.com/office/drawing/2014/main" id="{1897B375-7AA8-4235-9A04-A251C8228EE1}"/>
-              </a:ext>
-            </a:extLst>
-          </p:cNvPr>
-          <p:cNvSpPr>
-            <a:spLocks noGrp="1"/>
-          </p:cNvSpPr>
-          <p:nvPr>
-            <p:ph type="sldNum" sz="quarter" idx="12"/>
-          </p:nvPr>
-        </p:nvSpPr>
-        <p:spPr/>
-        <p:txBody>
-          <a:bodyPr/>
-          <a:lstStyle/>
-          <a:p>
-            <a:fld id="{50029C49-A5A9-4A95-8BF0-94F73808DB5F}" type="slidenum">
-              <a:rPr lang="zh-TW" altLang="en-US" smtClean="0"/>
-              <a:t>23</a:t>
-            </a:fld>
-            <a:endParaRPr lang="zh-TW" altLang="en-US"/>
-          </a:p>
-        </p:txBody>
-      </p:sp>
-    </p:spTree>
-    <p:extLst>
-      <p:ext uri="{BB962C8B-B14F-4D97-AF65-F5344CB8AC3E}">
-        <p14:creationId xmlns:p14="http://schemas.microsoft.com/office/powerpoint/2010/main" val="3047592953"/>
-      </p:ext>
-    </p:extLst>
-  </p:cSld>
-  <p:clrMapOvr>
-    <a:masterClrMapping/>
-  </p:clrMapOvr>
-</p:sld>
-</file>
-
-<file path=ppt/slides/slide24.xml><?xml version="1.0" encoding="utf-8"?>
-<p:sld xmlns:a="http://schemas.openxmlformats.org/drawingml/2006/main" xmlns:r="http://schemas.openxmlformats.org/officeDocument/2006/relationships" xmlns:p="http://schemas.openxmlformats.org/presentationml/2006/main">
-  <p:cSld>
-    <p:spTree>
-      <p:nvGrpSpPr>
-        <p:cNvPr id="1" name=""/>
-        <p:cNvGrpSpPr/>
-        <p:nvPr/>
-      </p:nvGrpSpPr>
-      <p:grpSpPr>
-        <a:xfrm>
-          <a:off x="0" y="0"/>
-          <a:ext cx="0" cy="0"/>
-          <a:chOff x="0" y="0"/>
-          <a:chExt cx="0" cy="0"/>
-        </a:xfrm>
-      </p:grpSpPr>
-      <p:sp>
-        <p:nvSpPr>
-          <p:cNvPr id="2" name="標題 1">
-            <a:extLst>
-              <a:ext uri="{FF2B5EF4-FFF2-40B4-BE49-F238E27FC236}">
-                <a16:creationId xmlns:a16="http://schemas.microsoft.com/office/drawing/2014/main" id="{B7DB5FDF-E9A2-4D3D-ACF8-CEFDE567ED4E}"/>
-              </a:ext>
-            </a:extLst>
-          </p:cNvPr>
-          <p:cNvSpPr>
-            <a:spLocks noGrp="1"/>
-          </p:cNvSpPr>
-          <p:nvPr>
-            <p:ph type="title"/>
-          </p:nvPr>
-        </p:nvSpPr>
-        <p:spPr/>
-        <p:txBody>
-          <a:bodyPr/>
-          <a:lstStyle/>
-          <a:p>
-            <a:r>
-              <a:rPr lang="en-US" altLang="zh-TW" dirty="0"/>
-              <a:t>Conclusion(cont’d)</a:t>
-            </a:r>
-            <a:endParaRPr lang="zh-TW" altLang="en-US" dirty="0"/>
-          </a:p>
-        </p:txBody>
-      </p:sp>
-      <p:sp>
-        <p:nvSpPr>
-          <p:cNvPr id="3" name="內容版面配置區 2">
-            <a:extLst>
-              <a:ext uri="{FF2B5EF4-FFF2-40B4-BE49-F238E27FC236}">
-                <a16:creationId xmlns:a16="http://schemas.microsoft.com/office/drawing/2014/main" id="{24BC7DE2-9247-4111-B9E4-01812FC553D6}"/>
-              </a:ext>
-            </a:extLst>
-          </p:cNvPr>
-          <p:cNvSpPr>
-            <a:spLocks noGrp="1"/>
-          </p:cNvSpPr>
-          <p:nvPr>
-            <p:ph idx="1"/>
-          </p:nvPr>
-        </p:nvSpPr>
-        <p:spPr/>
-        <p:txBody>
-          <a:bodyPr/>
-          <a:lstStyle/>
-          <a:p>
-            <a:r>
-              <a:rPr lang="en-US" altLang="zh-TW" dirty="0"/>
-              <a:t>The non-IP based architecture requires less resources from the BLE peripheral as it employs native BLE communication towards the IoT gateway. However, custom implementation needs are much higher, as a dedicated controller is introduced within the existing network that needs to maintain the state of the infrastructure and the currently associated mobile BLE devices.</a:t>
-            </a:r>
-          </a:p>
-          <a:p>
-            <a:endParaRPr lang="en-US" altLang="zh-TW" dirty="0"/>
-          </a:p>
-          <a:p>
-            <a:endParaRPr lang="zh-TW" altLang="en-US" dirty="0"/>
-          </a:p>
-        </p:txBody>
-      </p:sp>
-      <p:sp>
-        <p:nvSpPr>
-          <p:cNvPr id="4" name="投影片編號版面配置區 3">
-            <a:extLst>
-              <a:ext uri="{FF2B5EF4-FFF2-40B4-BE49-F238E27FC236}">
-                <a16:creationId xmlns:a16="http://schemas.microsoft.com/office/drawing/2014/main" id="{3027A15A-810A-49CD-86D5-0BC2EF69CCF7}"/>
-              </a:ext>
-            </a:extLst>
-          </p:cNvPr>
-          <p:cNvSpPr>
-            <a:spLocks noGrp="1"/>
-          </p:cNvSpPr>
-          <p:nvPr>
-            <p:ph type="sldNum" sz="quarter" idx="12"/>
-          </p:nvPr>
-        </p:nvSpPr>
-        <p:spPr/>
-        <p:txBody>
-          <a:bodyPr/>
-          <a:lstStyle/>
-          <a:p>
-            <a:fld id="{50029C49-A5A9-4A95-8BF0-94F73808DB5F}" type="slidenum">
-              <a:rPr lang="zh-TW" altLang="en-US" smtClean="0"/>
-              <a:t>24</a:t>
-            </a:fld>
-            <a:endParaRPr lang="zh-TW" altLang="en-US"/>
-          </a:p>
-        </p:txBody>
-      </p:sp>
-    </p:spTree>
-    <p:extLst>
-      <p:ext uri="{BB962C8B-B14F-4D97-AF65-F5344CB8AC3E}">
-        <p14:creationId xmlns:p14="http://schemas.microsoft.com/office/powerpoint/2010/main" val="4005318741"/>
-      </p:ext>
-    </p:extLst>
-  </p:cSld>
-  <p:clrMapOvr>
-    <a:masterClrMapping/>
-  </p:clrMapOvr>
-</p:sld>
-</file>
-
-<file path=ppt/slides/slide25.xml><?xml version="1.0" encoding="utf-8"?>
-<p:sld xmlns:a="http://schemas.openxmlformats.org/drawingml/2006/main" xmlns:r="http://schemas.openxmlformats.org/officeDocument/2006/relationships" xmlns:p="http://schemas.openxmlformats.org/presentationml/2006/main">
-  <p:cSld>
-    <p:spTree>
-      <p:nvGrpSpPr>
-        <p:cNvPr id="1" name=""/>
-        <p:cNvGrpSpPr/>
-        <p:nvPr/>
-      </p:nvGrpSpPr>
-      <p:grpSpPr>
-        <a:xfrm>
-          <a:off x="0" y="0"/>
-          <a:ext cx="0" cy="0"/>
-          <a:chOff x="0" y="0"/>
-          <a:chExt cx="0" cy="0"/>
-        </a:xfrm>
-      </p:grpSpPr>
-      <p:sp>
-        <p:nvSpPr>
-          <p:cNvPr id="2" name="標題 1">
-            <a:extLst>
-              <a:ext uri="{FF2B5EF4-FFF2-40B4-BE49-F238E27FC236}">
-                <a16:creationId xmlns:a16="http://schemas.microsoft.com/office/drawing/2014/main" id="{B7DB5FDF-E9A2-4D3D-ACF8-CEFDE567ED4E}"/>
-              </a:ext>
-            </a:extLst>
-          </p:cNvPr>
-          <p:cNvSpPr>
-            <a:spLocks noGrp="1"/>
-          </p:cNvSpPr>
-          <p:nvPr>
-            <p:ph type="title"/>
-          </p:nvPr>
-        </p:nvSpPr>
-        <p:spPr/>
-        <p:txBody>
-          <a:bodyPr/>
-          <a:lstStyle/>
-          <a:p>
-            <a:r>
-              <a:rPr lang="en-US" altLang="zh-TW" dirty="0"/>
-              <a:t>Conclusion(cont’d)</a:t>
-            </a:r>
-            <a:endParaRPr lang="zh-TW" altLang="en-US" dirty="0"/>
-          </a:p>
-        </p:txBody>
-      </p:sp>
-      <p:sp>
-        <p:nvSpPr>
-          <p:cNvPr id="3" name="內容版面配置區 2">
-            <a:extLst>
-              <a:ext uri="{FF2B5EF4-FFF2-40B4-BE49-F238E27FC236}">
-                <a16:creationId xmlns:a16="http://schemas.microsoft.com/office/drawing/2014/main" id="{24BC7DE2-9247-4111-B9E4-01812FC553D6}"/>
-              </a:ext>
-            </a:extLst>
-          </p:cNvPr>
-          <p:cNvSpPr>
-            <a:spLocks noGrp="1"/>
-          </p:cNvSpPr>
-          <p:nvPr>
-            <p:ph idx="1"/>
-          </p:nvPr>
-        </p:nvSpPr>
-        <p:spPr/>
-        <p:txBody>
-          <a:bodyPr>
-            <a:normAutofit/>
-          </a:bodyPr>
-          <a:lstStyle/>
-          <a:p>
-            <a:r>
-              <a:rPr lang="en-US" altLang="zh-TW" dirty="0"/>
-              <a:t>Next to this, two approaches are considered to perform handover within these solutions. </a:t>
-            </a:r>
-          </a:p>
-          <a:p>
-            <a:endParaRPr lang="en-US" altLang="zh-TW" dirty="0"/>
-          </a:p>
-          <a:p>
-            <a:r>
-              <a:rPr lang="en-US" altLang="zh-TW" dirty="0"/>
-              <a:t>The passive handover approach does not need any extra implementation, but the handover latency can become quite high and a bad BLE connection is still maintained even if a better alternative GW is avail-able nearby. </a:t>
-            </a:r>
-          </a:p>
-        </p:txBody>
-      </p:sp>
-      <p:sp>
-        <p:nvSpPr>
-          <p:cNvPr id="4" name="投影片編號版面配置區 3">
-            <a:extLst>
-              <a:ext uri="{FF2B5EF4-FFF2-40B4-BE49-F238E27FC236}">
-                <a16:creationId xmlns:a16="http://schemas.microsoft.com/office/drawing/2014/main" id="{F64AC039-730F-4EC0-B242-E7D527FA3228}"/>
-              </a:ext>
-            </a:extLst>
-          </p:cNvPr>
-          <p:cNvSpPr>
-            <a:spLocks noGrp="1"/>
-          </p:cNvSpPr>
-          <p:nvPr>
-            <p:ph type="sldNum" sz="quarter" idx="12"/>
-          </p:nvPr>
-        </p:nvSpPr>
-        <p:spPr/>
-        <p:txBody>
-          <a:bodyPr/>
-          <a:lstStyle/>
-          <a:p>
-            <a:fld id="{50029C49-A5A9-4A95-8BF0-94F73808DB5F}" type="slidenum">
-              <a:rPr lang="zh-TW" altLang="en-US" smtClean="0"/>
-              <a:t>25</a:t>
-            </a:fld>
-            <a:endParaRPr lang="zh-TW" altLang="en-US"/>
-          </a:p>
-        </p:txBody>
-      </p:sp>
-    </p:spTree>
-    <p:extLst>
-      <p:ext uri="{BB962C8B-B14F-4D97-AF65-F5344CB8AC3E}">
-        <p14:creationId xmlns:p14="http://schemas.microsoft.com/office/powerpoint/2010/main" val="1788803111"/>
-      </p:ext>
-    </p:extLst>
-  </p:cSld>
-  <p:clrMapOvr>
-    <a:masterClrMapping/>
-  </p:clrMapOvr>
-</p:sld>
-</file>
-
 <file path=ppt/slides/slide26.xml><?xml version="1.0" encoding="utf-8"?>
 <p:sld xmlns:a="http://schemas.openxmlformats.org/drawingml/2006/main" xmlns:r="http://schemas.openxmlformats.org/officeDocument/2006/relationships" xmlns:p="http://schemas.openxmlformats.org/presentationml/2006/main">
   <p:cSld>
@@ -6828,7 +6909,7 @@
           <p:cNvPr id="2" name="標題 1">
             <a:extLst>
               <a:ext uri="{FF2B5EF4-FFF2-40B4-BE49-F238E27FC236}">
-                <a16:creationId xmlns:a16="http://schemas.microsoft.com/office/drawing/2014/main" id="{B7DB5FDF-E9A2-4D3D-ACF8-CEFDE567ED4E}"/>
+                <a16:creationId xmlns:a16="http://schemas.microsoft.com/office/drawing/2014/main" id="{B395D8BB-EDB2-42F3-9D92-4E6E7DCBB06A}"/>
               </a:ext>
             </a:extLst>
           </p:cNvPr>
@@ -6846,7 +6927,7 @@
           <a:p>
             <a:r>
               <a:rPr lang="en-US" altLang="zh-TW" dirty="0"/>
-              <a:t>Conclusion(cont’d)</a:t>
+              <a:t>Evaluation(cont’d)</a:t>
             </a:r>
             <a:endParaRPr lang="zh-TW" altLang="en-US" dirty="0"/>
           </a:p>
@@ -6857,7 +6938,7 @@
           <p:cNvPr id="3" name="內容版面配置區 2">
             <a:extLst>
               <a:ext uri="{FF2B5EF4-FFF2-40B4-BE49-F238E27FC236}">
-                <a16:creationId xmlns:a16="http://schemas.microsoft.com/office/drawing/2014/main" id="{24BC7DE2-9247-4111-B9E4-01812FC553D6}"/>
+                <a16:creationId xmlns:a16="http://schemas.microsoft.com/office/drawing/2014/main" id="{C1C16457-135B-42D6-BD5B-8AF9CCC2689E}"/>
               </a:ext>
             </a:extLst>
           </p:cNvPr>
@@ -6877,9 +6958,26 @@
           <a:p>
             <a:r>
               <a:rPr lang="en-US" altLang="zh-TW" dirty="0"/>
-              <a:t>Active handover offers a solution by proactively terminating a bad connection when a better alternative GW is available. As such, it can limit the handover latency. Asa downside, this approach requires more extensive custom implementation, implies a higher energy consumption and can limit the available throughput.</a:t>
-            </a:r>
-            <a:endParaRPr lang="zh-TW" altLang="en-US" dirty="0"/>
+              <a:t>During a handover process, the BLE peripheral is not reachable from application servers. This implies possible data loss.</a:t>
+            </a:r>
+          </a:p>
+          <a:p>
+            <a:endParaRPr lang="en-US" altLang="zh-TW" dirty="0"/>
+          </a:p>
+          <a:p>
+            <a:r>
+              <a:rPr lang="en-US" altLang="zh-TW" dirty="0"/>
+              <a:t>The newest BLE standard allows a BLE peripheral to be in a connection with multiple BLE centrals at once.</a:t>
+            </a:r>
+          </a:p>
+          <a:p>
+            <a:endParaRPr lang="en-US" altLang="zh-TW" dirty="0"/>
+          </a:p>
+          <a:p>
+            <a:r>
+              <a:rPr lang="en-US" altLang="zh-TW" dirty="0"/>
+              <a:t>Allowing the current GW to keep its connection with the BLE peripheral, until the new connection with the alternative GW is established. </a:t>
+            </a:r>
           </a:p>
         </p:txBody>
       </p:sp>
@@ -6888,7 +6986,7 @@
           <p:cNvPr id="4" name="投影片編號版面配置區 3">
             <a:extLst>
               <a:ext uri="{FF2B5EF4-FFF2-40B4-BE49-F238E27FC236}">
-                <a16:creationId xmlns:a16="http://schemas.microsoft.com/office/drawing/2014/main" id="{BFA29D48-9BE9-44B6-B04F-E6E702DC41D9}"/>
+                <a16:creationId xmlns:a16="http://schemas.microsoft.com/office/drawing/2014/main" id="{DB634B57-2E7E-40BE-993E-5F46071107A7}"/>
               </a:ext>
             </a:extLst>
           </p:cNvPr>
@@ -6915,7 +7013,7 @@
     </p:spTree>
     <p:extLst>
       <p:ext uri="{BB962C8B-B14F-4D97-AF65-F5344CB8AC3E}">
-        <p14:creationId xmlns:p14="http://schemas.microsoft.com/office/powerpoint/2010/main" val="493870139"/>
+        <p14:creationId xmlns:p14="http://schemas.microsoft.com/office/powerpoint/2010/main" val="1590821730"/>
       </p:ext>
     </p:extLst>
   </p:cSld>
@@ -6947,7 +7045,7 @@
           <p:cNvPr id="2" name="標題 1">
             <a:extLst>
               <a:ext uri="{FF2B5EF4-FFF2-40B4-BE49-F238E27FC236}">
-                <a16:creationId xmlns:a16="http://schemas.microsoft.com/office/drawing/2014/main" id="{66BD44E2-EFFF-43D9-A213-DE501B575689}"/>
+                <a16:creationId xmlns:a16="http://schemas.microsoft.com/office/drawing/2014/main" id="{B395D8BB-EDB2-42F3-9D92-4E6E7DCBB06A}"/>
               </a:ext>
             </a:extLst>
           </p:cNvPr>
@@ -6965,7 +7063,7 @@
           <a:p>
             <a:r>
               <a:rPr lang="en-US" altLang="zh-TW" dirty="0"/>
-              <a:t>References</a:t>
+              <a:t>Evaluation(cont’d)</a:t>
             </a:r>
             <a:endParaRPr lang="zh-TW" altLang="en-US" dirty="0"/>
           </a:p>
@@ -6976,7 +7074,7 @@
           <p:cNvPr id="3" name="內容版面配置區 2">
             <a:extLst>
               <a:ext uri="{FF2B5EF4-FFF2-40B4-BE49-F238E27FC236}">
-                <a16:creationId xmlns:a16="http://schemas.microsoft.com/office/drawing/2014/main" id="{6C6870F8-5E25-41B8-BDBD-DC2867167899}"/>
+                <a16:creationId xmlns:a16="http://schemas.microsoft.com/office/drawing/2014/main" id="{C1C16457-135B-42D6-BD5B-8AF9CCC2689E}"/>
               </a:ext>
             </a:extLst>
           </p:cNvPr>
@@ -6995,113 +7093,36 @@
           <a:lstStyle/>
           <a:p>
             <a:r>
-              <a:rPr lang="en-US" altLang="zh-TW" sz="2000" dirty="0"/>
-              <a:t>Mathias </a:t>
-            </a:r>
-            <a:r>
-              <a:rPr lang="en-US" altLang="zh-TW" sz="2000" dirty="0" err="1"/>
-              <a:t>Baert</a:t>
-            </a:r>
-            <a:r>
-              <a:rPr lang="en-US" altLang="zh-TW" sz="2000" dirty="0"/>
-              <a:t>, </a:t>
-            </a:r>
-            <a:r>
-              <a:rPr lang="en-US" altLang="zh-TW" sz="2000" dirty="0" err="1"/>
-              <a:t>Pieterjan</a:t>
-            </a:r>
-            <a:r>
-              <a:rPr lang="en-US" altLang="zh-TW" sz="2000" dirty="0"/>
-              <a:t> </a:t>
-            </a:r>
-            <a:r>
-              <a:rPr lang="en-US" altLang="zh-TW" sz="2000" dirty="0" err="1"/>
-              <a:t>Camerlynck</a:t>
-            </a:r>
-            <a:r>
-              <a:rPr lang="en-US" altLang="zh-TW" sz="2000" dirty="0"/>
-              <a:t>, Pieter </a:t>
-            </a:r>
-            <a:r>
-              <a:rPr lang="en-US" altLang="zh-TW" sz="2000" dirty="0" err="1"/>
-              <a:t>Crombez</a:t>
-            </a:r>
-            <a:r>
-              <a:rPr lang="en-US" altLang="zh-TW" sz="2000" dirty="0"/>
-              <a:t>, Jeroen </a:t>
-            </a:r>
-            <a:r>
-              <a:rPr lang="en-US" altLang="zh-TW" sz="2000" dirty="0" err="1"/>
-              <a:t>Hoebeke</a:t>
-            </a:r>
-            <a:r>
-              <a:rPr lang="en-US" altLang="zh-TW" sz="2000" dirty="0"/>
-              <a:t>, “A BLE-Based Multi-Gateway Network Infrastructure with Handover Support for Mobile BLE Peripherals” </a:t>
-            </a:r>
-            <a:r>
-              <a:rPr lang="en-US" altLang="zh-TW" sz="2000" i="1" dirty="0"/>
-              <a:t>in IEEE </a:t>
-            </a:r>
-            <a:r>
-              <a:rPr lang="en-US" altLang="zh-TW" sz="2000" i="1" dirty="0" err="1"/>
-              <a:t>Internatonal</a:t>
-            </a:r>
-            <a:r>
-              <a:rPr lang="en-US" altLang="zh-TW" sz="2000" i="1" dirty="0"/>
-              <a:t> Conference on Mobile </a:t>
-            </a:r>
-            <a:r>
-              <a:rPr lang="en-US" altLang="zh-TW" sz="2000" i="1" dirty="0" err="1"/>
-              <a:t>Adhoc</a:t>
-            </a:r>
-            <a:r>
-              <a:rPr lang="en-US" altLang="zh-TW" sz="2000" i="1" dirty="0"/>
-              <a:t> and Sensor Systems (IEEE MASS 2019) </a:t>
-            </a:r>
-            <a:r>
-              <a:rPr lang="en-US" altLang="zh-TW" sz="2000" dirty="0"/>
-              <a:t>, DOI: 10.1109/MASS.2019.00020</a:t>
-            </a:r>
-          </a:p>
-          <a:p>
-            <a:r>
-              <a:rPr lang="en-US" altLang="zh-TW" sz="2000" dirty="0"/>
-              <a:t>M. </a:t>
-            </a:r>
-            <a:r>
-              <a:rPr lang="en-US" altLang="zh-TW" sz="2000" dirty="0" err="1"/>
-              <a:t>Nikodem</a:t>
-            </a:r>
-            <a:r>
-              <a:rPr lang="en-US" altLang="zh-TW" sz="2000" dirty="0"/>
-              <a:t>, M. </a:t>
-            </a:r>
-            <a:r>
-              <a:rPr lang="en-US" altLang="zh-TW" sz="2000" dirty="0" err="1"/>
-              <a:t>Bawiec</a:t>
-            </a:r>
-            <a:r>
-              <a:rPr lang="en-US" altLang="zh-TW" sz="2000" dirty="0"/>
-              <a:t>, “Experimental Evaluation of Advertisement-Based Bluetooth Low Energy Communication”, </a:t>
-            </a:r>
-            <a:r>
-              <a:rPr lang="en-US" altLang="zh-TW" sz="2000" i="1" dirty="0"/>
-              <a:t>MDPI Sensors 2020</a:t>
-            </a:r>
-            <a:r>
-              <a:rPr lang="en-US" altLang="zh-TW" sz="2000" dirty="0"/>
-              <a:t>, DOI:10.3390/s20010107</a:t>
-            </a:r>
-            <a:endParaRPr lang="zh-TW" altLang="en-US" sz="2000" dirty="0"/>
-          </a:p>
-        </p:txBody>
-      </p:sp>
-      <p:sp>
-        <p:nvSpPr>
-          <p:cNvPr id="6" name="投影片編號版面配置區 5">
-            <a:extLst>
-              <a:ext uri="{FF2B5EF4-FFF2-40B4-BE49-F238E27FC236}">
-                <a16:creationId xmlns:a16="http://schemas.microsoft.com/office/drawing/2014/main" id="{41672078-55B6-4EB2-A2A0-2A4BDCC09FF1}"/>
+              <a:rPr lang="en-US" altLang="zh-TW" dirty="0"/>
+              <a:t>Finally, to avoid constant switching between connectable and non-connectable scanning, two separate BLE modules could be used on the same GW. </a:t>
+            </a:r>
+          </a:p>
+          <a:p>
+            <a:endParaRPr lang="en-US" altLang="zh-TW" dirty="0"/>
+          </a:p>
+          <a:p>
+            <a:r>
+              <a:rPr lang="en-US" altLang="zh-TW" dirty="0"/>
+              <a:t>One module is in charge of connectable scanning and maintains existing BLE connections. </a:t>
+            </a:r>
+          </a:p>
+          <a:p>
+            <a:endParaRPr lang="en-US" altLang="zh-TW" dirty="0"/>
+          </a:p>
+          <a:p>
+            <a:r>
+              <a:rPr lang="en-US" altLang="zh-TW" dirty="0"/>
+              <a:t>The other module performs only non-connectable scanning, continuously sending RSSI log messages to the controller.</a:t>
+            </a:r>
+          </a:p>
+        </p:txBody>
+      </p:sp>
+      <p:sp>
+        <p:nvSpPr>
+          <p:cNvPr id="4" name="投影片編號版面配置區 3">
+            <a:extLst>
+              <a:ext uri="{FF2B5EF4-FFF2-40B4-BE49-F238E27FC236}">
+                <a16:creationId xmlns:a16="http://schemas.microsoft.com/office/drawing/2014/main" id="{DB634B57-2E7E-40BE-993E-5F46071107A7}"/>
               </a:ext>
             </a:extLst>
           </p:cNvPr>
@@ -7128,7 +7149,255 @@
     </p:spTree>
     <p:extLst>
       <p:ext uri="{BB962C8B-B14F-4D97-AF65-F5344CB8AC3E}">
-        <p14:creationId xmlns:p14="http://schemas.microsoft.com/office/powerpoint/2010/main" val="2779116832"/>
+        <p14:creationId xmlns:p14="http://schemas.microsoft.com/office/powerpoint/2010/main" val="1541052724"/>
+      </p:ext>
+    </p:extLst>
+  </p:cSld>
+  <p:clrMapOvr>
+    <a:masterClrMapping/>
+  </p:clrMapOvr>
+</p:sld>
+</file>
+
+<file path=ppt/slides/slide28.xml><?xml version="1.0" encoding="utf-8"?>
+<p:sld xmlns:a="http://schemas.openxmlformats.org/drawingml/2006/main" xmlns:r="http://schemas.openxmlformats.org/officeDocument/2006/relationships" xmlns:p="http://schemas.openxmlformats.org/presentationml/2006/main">
+  <p:cSld>
+    <p:spTree>
+      <p:nvGrpSpPr>
+        <p:cNvPr id="1" name=""/>
+        <p:cNvGrpSpPr/>
+        <p:nvPr/>
+      </p:nvGrpSpPr>
+      <p:grpSpPr>
+        <a:xfrm>
+          <a:off x="0" y="0"/>
+          <a:ext cx="0" cy="0"/>
+          <a:chOff x="0" y="0"/>
+          <a:chExt cx="0" cy="0"/>
+        </a:xfrm>
+      </p:grpSpPr>
+      <p:sp>
+        <p:nvSpPr>
+          <p:cNvPr id="2" name="標題 1">
+            <a:extLst>
+              <a:ext uri="{FF2B5EF4-FFF2-40B4-BE49-F238E27FC236}">
+                <a16:creationId xmlns:a16="http://schemas.microsoft.com/office/drawing/2014/main" id="{B7DB5FDF-E9A2-4D3D-ACF8-CEFDE567ED4E}"/>
+              </a:ext>
+            </a:extLst>
+          </p:cNvPr>
+          <p:cNvSpPr>
+            <a:spLocks noGrp="1"/>
+          </p:cNvSpPr>
+          <p:nvPr>
+            <p:ph type="title"/>
+          </p:nvPr>
+        </p:nvSpPr>
+        <p:spPr/>
+        <p:txBody>
+          <a:bodyPr/>
+          <a:lstStyle/>
+          <a:p>
+            <a:r>
+              <a:rPr lang="en-US" altLang="zh-TW" dirty="0"/>
+              <a:t>Conclusion</a:t>
+            </a:r>
+            <a:endParaRPr lang="zh-TW" altLang="en-US" dirty="0"/>
+          </a:p>
+        </p:txBody>
+      </p:sp>
+      <p:sp>
+        <p:nvSpPr>
+          <p:cNvPr id="3" name="內容版面配置區 2">
+            <a:extLst>
+              <a:ext uri="{FF2B5EF4-FFF2-40B4-BE49-F238E27FC236}">
+                <a16:creationId xmlns:a16="http://schemas.microsoft.com/office/drawing/2014/main" id="{24BC7DE2-9247-4111-B9E4-01812FC553D6}"/>
+              </a:ext>
+            </a:extLst>
+          </p:cNvPr>
+          <p:cNvSpPr>
+            <a:spLocks noGrp="1"/>
+          </p:cNvSpPr>
+          <p:nvPr>
+            <p:ph idx="1"/>
+          </p:nvPr>
+        </p:nvSpPr>
+        <p:spPr/>
+        <p:txBody>
+          <a:bodyPr/>
+          <a:lstStyle/>
+          <a:p>
+            <a:r>
+              <a:rPr lang="en-US" altLang="zh-TW" dirty="0"/>
+              <a:t>In this paper, two architectures are proposed to realize a BLE-based multi-GW network infrastructure that is able to provide bidirectional connectivity to mobile BLE peripherals. </a:t>
+            </a:r>
+          </a:p>
+          <a:p>
+            <a:endParaRPr lang="en-US" altLang="zh-TW" dirty="0"/>
+          </a:p>
+          <a:p>
+            <a:r>
+              <a:rPr lang="en-US" altLang="zh-TW" dirty="0"/>
+              <a:t>The IP based architecture offers seamless end-to-end IP connectivity between a mobile BLE peripheral and an existing IP network. It limits custom implementation needs, but requires more resources from the already constrained mobile BLE peripheral. </a:t>
+            </a:r>
+            <a:endParaRPr lang="zh-TW" altLang="en-US" dirty="0"/>
+          </a:p>
+        </p:txBody>
+      </p:sp>
+      <p:sp>
+        <p:nvSpPr>
+          <p:cNvPr id="4" name="投影片編號版面配置區 3">
+            <a:extLst>
+              <a:ext uri="{FF2B5EF4-FFF2-40B4-BE49-F238E27FC236}">
+                <a16:creationId xmlns:a16="http://schemas.microsoft.com/office/drawing/2014/main" id="{1897B375-7AA8-4235-9A04-A251C8228EE1}"/>
+              </a:ext>
+            </a:extLst>
+          </p:cNvPr>
+          <p:cNvSpPr>
+            <a:spLocks noGrp="1"/>
+          </p:cNvSpPr>
+          <p:nvPr>
+            <p:ph type="sldNum" sz="quarter" idx="12"/>
+          </p:nvPr>
+        </p:nvSpPr>
+        <p:spPr/>
+        <p:txBody>
+          <a:bodyPr/>
+          <a:lstStyle/>
+          <a:p>
+            <a:fld id="{50029C49-A5A9-4A95-8BF0-94F73808DB5F}" type="slidenum">
+              <a:rPr lang="zh-TW" altLang="en-US" smtClean="0"/>
+              <a:t>28</a:t>
+            </a:fld>
+            <a:endParaRPr lang="zh-TW" altLang="en-US"/>
+          </a:p>
+        </p:txBody>
+      </p:sp>
+    </p:spTree>
+    <p:extLst>
+      <p:ext uri="{BB962C8B-B14F-4D97-AF65-F5344CB8AC3E}">
+        <p14:creationId xmlns:p14="http://schemas.microsoft.com/office/powerpoint/2010/main" val="3047592953"/>
+      </p:ext>
+    </p:extLst>
+  </p:cSld>
+  <p:clrMapOvr>
+    <a:masterClrMapping/>
+  </p:clrMapOvr>
+</p:sld>
+</file>
+
+<file path=ppt/slides/slide29.xml><?xml version="1.0" encoding="utf-8"?>
+<p:sld xmlns:a="http://schemas.openxmlformats.org/drawingml/2006/main" xmlns:r="http://schemas.openxmlformats.org/officeDocument/2006/relationships" xmlns:p="http://schemas.openxmlformats.org/presentationml/2006/main">
+  <p:cSld>
+    <p:spTree>
+      <p:nvGrpSpPr>
+        <p:cNvPr id="1" name=""/>
+        <p:cNvGrpSpPr/>
+        <p:nvPr/>
+      </p:nvGrpSpPr>
+      <p:grpSpPr>
+        <a:xfrm>
+          <a:off x="0" y="0"/>
+          <a:ext cx="0" cy="0"/>
+          <a:chOff x="0" y="0"/>
+          <a:chExt cx="0" cy="0"/>
+        </a:xfrm>
+      </p:grpSpPr>
+      <p:sp>
+        <p:nvSpPr>
+          <p:cNvPr id="2" name="標題 1">
+            <a:extLst>
+              <a:ext uri="{FF2B5EF4-FFF2-40B4-BE49-F238E27FC236}">
+                <a16:creationId xmlns:a16="http://schemas.microsoft.com/office/drawing/2014/main" id="{B7DB5FDF-E9A2-4D3D-ACF8-CEFDE567ED4E}"/>
+              </a:ext>
+            </a:extLst>
+          </p:cNvPr>
+          <p:cNvSpPr>
+            <a:spLocks noGrp="1"/>
+          </p:cNvSpPr>
+          <p:nvPr>
+            <p:ph type="title"/>
+          </p:nvPr>
+        </p:nvSpPr>
+        <p:spPr/>
+        <p:txBody>
+          <a:bodyPr/>
+          <a:lstStyle/>
+          <a:p>
+            <a:r>
+              <a:rPr lang="en-US" altLang="zh-TW" dirty="0"/>
+              <a:t>Conclusion(cont’d)</a:t>
+            </a:r>
+            <a:endParaRPr lang="zh-TW" altLang="en-US" dirty="0"/>
+          </a:p>
+        </p:txBody>
+      </p:sp>
+      <p:sp>
+        <p:nvSpPr>
+          <p:cNvPr id="3" name="內容版面配置區 2">
+            <a:extLst>
+              <a:ext uri="{FF2B5EF4-FFF2-40B4-BE49-F238E27FC236}">
+                <a16:creationId xmlns:a16="http://schemas.microsoft.com/office/drawing/2014/main" id="{24BC7DE2-9247-4111-B9E4-01812FC553D6}"/>
+              </a:ext>
+            </a:extLst>
+          </p:cNvPr>
+          <p:cNvSpPr>
+            <a:spLocks noGrp="1"/>
+          </p:cNvSpPr>
+          <p:nvPr>
+            <p:ph idx="1"/>
+          </p:nvPr>
+        </p:nvSpPr>
+        <p:spPr/>
+        <p:txBody>
+          <a:bodyPr/>
+          <a:lstStyle/>
+          <a:p>
+            <a:r>
+              <a:rPr lang="en-US" altLang="zh-TW" dirty="0"/>
+              <a:t>The non-IP based architecture requires less resources from the BLE peripheral as it employs native BLE communication towards the IoT gateway. However, custom implementation needs are much higher, as a dedicated controller is introduced within the existing network that needs to maintain the state of the infrastructure and the currently associated mobile BLE devices.</a:t>
+            </a:r>
+          </a:p>
+          <a:p>
+            <a:endParaRPr lang="en-US" altLang="zh-TW" dirty="0"/>
+          </a:p>
+          <a:p>
+            <a:endParaRPr lang="zh-TW" altLang="en-US" dirty="0"/>
+          </a:p>
+        </p:txBody>
+      </p:sp>
+      <p:sp>
+        <p:nvSpPr>
+          <p:cNvPr id="4" name="投影片編號版面配置區 3">
+            <a:extLst>
+              <a:ext uri="{FF2B5EF4-FFF2-40B4-BE49-F238E27FC236}">
+                <a16:creationId xmlns:a16="http://schemas.microsoft.com/office/drawing/2014/main" id="{3027A15A-810A-49CD-86D5-0BC2EF69CCF7}"/>
+              </a:ext>
+            </a:extLst>
+          </p:cNvPr>
+          <p:cNvSpPr>
+            <a:spLocks noGrp="1"/>
+          </p:cNvSpPr>
+          <p:nvPr>
+            <p:ph type="sldNum" sz="quarter" idx="12"/>
+          </p:nvPr>
+        </p:nvSpPr>
+        <p:spPr/>
+        <p:txBody>
+          <a:bodyPr/>
+          <a:lstStyle/>
+          <a:p>
+            <a:fld id="{50029C49-A5A9-4A95-8BF0-94F73808DB5F}" type="slidenum">
+              <a:rPr lang="zh-TW" altLang="en-US" smtClean="0"/>
+              <a:t>29</a:t>
+            </a:fld>
+            <a:endParaRPr lang="zh-TW" altLang="en-US"/>
+          </a:p>
+        </p:txBody>
+      </p:sp>
+    </p:spTree>
+    <p:extLst>
+      <p:ext uri="{BB962C8B-B14F-4D97-AF65-F5344CB8AC3E}">
+        <p14:creationId xmlns:p14="http://schemas.microsoft.com/office/powerpoint/2010/main" val="4005318741"/>
       </p:ext>
     </p:extLst>
   </p:cSld>
@@ -7242,6 +7511,501 @@
     <p:extLst>
       <p:ext uri="{BB962C8B-B14F-4D97-AF65-F5344CB8AC3E}">
         <p14:creationId xmlns:p14="http://schemas.microsoft.com/office/powerpoint/2010/main" val="2374265362"/>
+      </p:ext>
+    </p:extLst>
+  </p:cSld>
+  <p:clrMapOvr>
+    <a:masterClrMapping/>
+  </p:clrMapOvr>
+</p:sld>
+</file>
+
+<file path=ppt/slides/slide30.xml><?xml version="1.0" encoding="utf-8"?>
+<p:sld xmlns:a="http://schemas.openxmlformats.org/drawingml/2006/main" xmlns:r="http://schemas.openxmlformats.org/officeDocument/2006/relationships" xmlns:p="http://schemas.openxmlformats.org/presentationml/2006/main">
+  <p:cSld>
+    <p:spTree>
+      <p:nvGrpSpPr>
+        <p:cNvPr id="1" name=""/>
+        <p:cNvGrpSpPr/>
+        <p:nvPr/>
+      </p:nvGrpSpPr>
+      <p:grpSpPr>
+        <a:xfrm>
+          <a:off x="0" y="0"/>
+          <a:ext cx="0" cy="0"/>
+          <a:chOff x="0" y="0"/>
+          <a:chExt cx="0" cy="0"/>
+        </a:xfrm>
+      </p:grpSpPr>
+      <p:sp>
+        <p:nvSpPr>
+          <p:cNvPr id="2" name="標題 1">
+            <a:extLst>
+              <a:ext uri="{FF2B5EF4-FFF2-40B4-BE49-F238E27FC236}">
+                <a16:creationId xmlns:a16="http://schemas.microsoft.com/office/drawing/2014/main" id="{B7DB5FDF-E9A2-4D3D-ACF8-CEFDE567ED4E}"/>
+              </a:ext>
+            </a:extLst>
+          </p:cNvPr>
+          <p:cNvSpPr>
+            <a:spLocks noGrp="1"/>
+          </p:cNvSpPr>
+          <p:nvPr>
+            <p:ph type="title"/>
+          </p:nvPr>
+        </p:nvSpPr>
+        <p:spPr/>
+        <p:txBody>
+          <a:bodyPr/>
+          <a:lstStyle/>
+          <a:p>
+            <a:r>
+              <a:rPr lang="en-US" altLang="zh-TW" dirty="0"/>
+              <a:t>Conclusion(cont’d)</a:t>
+            </a:r>
+            <a:endParaRPr lang="zh-TW" altLang="en-US" dirty="0"/>
+          </a:p>
+        </p:txBody>
+      </p:sp>
+      <p:sp>
+        <p:nvSpPr>
+          <p:cNvPr id="3" name="內容版面配置區 2">
+            <a:extLst>
+              <a:ext uri="{FF2B5EF4-FFF2-40B4-BE49-F238E27FC236}">
+                <a16:creationId xmlns:a16="http://schemas.microsoft.com/office/drawing/2014/main" id="{24BC7DE2-9247-4111-B9E4-01812FC553D6}"/>
+              </a:ext>
+            </a:extLst>
+          </p:cNvPr>
+          <p:cNvSpPr>
+            <a:spLocks noGrp="1"/>
+          </p:cNvSpPr>
+          <p:nvPr>
+            <p:ph idx="1"/>
+          </p:nvPr>
+        </p:nvSpPr>
+        <p:spPr/>
+        <p:txBody>
+          <a:bodyPr>
+            <a:normAutofit/>
+          </a:bodyPr>
+          <a:lstStyle/>
+          <a:p>
+            <a:r>
+              <a:rPr lang="en-US" altLang="zh-TW" dirty="0"/>
+              <a:t>Next to this, two approaches are considered to perform handover within these solutions. </a:t>
+            </a:r>
+          </a:p>
+          <a:p>
+            <a:endParaRPr lang="en-US" altLang="zh-TW" dirty="0"/>
+          </a:p>
+          <a:p>
+            <a:r>
+              <a:rPr lang="en-US" altLang="zh-TW" dirty="0"/>
+              <a:t>The passive handover approach does not need any extra implementation, but the handover latency can become quite high and a bad BLE connection is still maintained even if a better alternative GW is avail-able nearby. </a:t>
+            </a:r>
+          </a:p>
+        </p:txBody>
+      </p:sp>
+      <p:sp>
+        <p:nvSpPr>
+          <p:cNvPr id="4" name="投影片編號版面配置區 3">
+            <a:extLst>
+              <a:ext uri="{FF2B5EF4-FFF2-40B4-BE49-F238E27FC236}">
+                <a16:creationId xmlns:a16="http://schemas.microsoft.com/office/drawing/2014/main" id="{F64AC039-730F-4EC0-B242-E7D527FA3228}"/>
+              </a:ext>
+            </a:extLst>
+          </p:cNvPr>
+          <p:cNvSpPr>
+            <a:spLocks noGrp="1"/>
+          </p:cNvSpPr>
+          <p:nvPr>
+            <p:ph type="sldNum" sz="quarter" idx="12"/>
+          </p:nvPr>
+        </p:nvSpPr>
+        <p:spPr/>
+        <p:txBody>
+          <a:bodyPr/>
+          <a:lstStyle/>
+          <a:p>
+            <a:fld id="{50029C49-A5A9-4A95-8BF0-94F73808DB5F}" type="slidenum">
+              <a:rPr lang="zh-TW" altLang="en-US" smtClean="0"/>
+              <a:t>30</a:t>
+            </a:fld>
+            <a:endParaRPr lang="zh-TW" altLang="en-US"/>
+          </a:p>
+        </p:txBody>
+      </p:sp>
+    </p:spTree>
+    <p:extLst>
+      <p:ext uri="{BB962C8B-B14F-4D97-AF65-F5344CB8AC3E}">
+        <p14:creationId xmlns:p14="http://schemas.microsoft.com/office/powerpoint/2010/main" val="1788803111"/>
+      </p:ext>
+    </p:extLst>
+  </p:cSld>
+  <p:clrMapOvr>
+    <a:masterClrMapping/>
+  </p:clrMapOvr>
+</p:sld>
+</file>
+
+<file path=ppt/slides/slide31.xml><?xml version="1.0" encoding="utf-8"?>
+<p:sld xmlns:a="http://schemas.openxmlformats.org/drawingml/2006/main" xmlns:r="http://schemas.openxmlformats.org/officeDocument/2006/relationships" xmlns:p="http://schemas.openxmlformats.org/presentationml/2006/main">
+  <p:cSld>
+    <p:spTree>
+      <p:nvGrpSpPr>
+        <p:cNvPr id="1" name=""/>
+        <p:cNvGrpSpPr/>
+        <p:nvPr/>
+      </p:nvGrpSpPr>
+      <p:grpSpPr>
+        <a:xfrm>
+          <a:off x="0" y="0"/>
+          <a:ext cx="0" cy="0"/>
+          <a:chOff x="0" y="0"/>
+          <a:chExt cx="0" cy="0"/>
+        </a:xfrm>
+      </p:grpSpPr>
+      <p:sp>
+        <p:nvSpPr>
+          <p:cNvPr id="2" name="標題 1">
+            <a:extLst>
+              <a:ext uri="{FF2B5EF4-FFF2-40B4-BE49-F238E27FC236}">
+                <a16:creationId xmlns:a16="http://schemas.microsoft.com/office/drawing/2014/main" id="{B7DB5FDF-E9A2-4D3D-ACF8-CEFDE567ED4E}"/>
+              </a:ext>
+            </a:extLst>
+          </p:cNvPr>
+          <p:cNvSpPr>
+            <a:spLocks noGrp="1"/>
+          </p:cNvSpPr>
+          <p:nvPr>
+            <p:ph type="title"/>
+          </p:nvPr>
+        </p:nvSpPr>
+        <p:spPr/>
+        <p:txBody>
+          <a:bodyPr/>
+          <a:lstStyle/>
+          <a:p>
+            <a:r>
+              <a:rPr lang="en-US" altLang="zh-TW" dirty="0"/>
+              <a:t>Conclusion(cont’d)</a:t>
+            </a:r>
+            <a:endParaRPr lang="zh-TW" altLang="en-US" dirty="0"/>
+          </a:p>
+        </p:txBody>
+      </p:sp>
+      <p:sp>
+        <p:nvSpPr>
+          <p:cNvPr id="3" name="內容版面配置區 2">
+            <a:extLst>
+              <a:ext uri="{FF2B5EF4-FFF2-40B4-BE49-F238E27FC236}">
+                <a16:creationId xmlns:a16="http://schemas.microsoft.com/office/drawing/2014/main" id="{24BC7DE2-9247-4111-B9E4-01812FC553D6}"/>
+              </a:ext>
+            </a:extLst>
+          </p:cNvPr>
+          <p:cNvSpPr>
+            <a:spLocks noGrp="1"/>
+          </p:cNvSpPr>
+          <p:nvPr>
+            <p:ph idx="1"/>
+          </p:nvPr>
+        </p:nvSpPr>
+        <p:spPr/>
+        <p:txBody>
+          <a:bodyPr>
+            <a:normAutofit/>
+          </a:bodyPr>
+          <a:lstStyle/>
+          <a:p>
+            <a:r>
+              <a:rPr lang="en-US" altLang="zh-TW" dirty="0"/>
+              <a:t>Active handover offers a solution by proactively terminating a bad connection when a better alternative GW is available. As such, it can limit the handover latency. Asa downside, this approach requires more extensive custom implementation, implies a higher energy consumption and can limit the available throughput.</a:t>
+            </a:r>
+            <a:endParaRPr lang="zh-TW" altLang="en-US" dirty="0"/>
+          </a:p>
+        </p:txBody>
+      </p:sp>
+      <p:sp>
+        <p:nvSpPr>
+          <p:cNvPr id="4" name="投影片編號版面配置區 3">
+            <a:extLst>
+              <a:ext uri="{FF2B5EF4-FFF2-40B4-BE49-F238E27FC236}">
+                <a16:creationId xmlns:a16="http://schemas.microsoft.com/office/drawing/2014/main" id="{BFA29D48-9BE9-44B6-B04F-E6E702DC41D9}"/>
+              </a:ext>
+            </a:extLst>
+          </p:cNvPr>
+          <p:cNvSpPr>
+            <a:spLocks noGrp="1"/>
+          </p:cNvSpPr>
+          <p:nvPr>
+            <p:ph type="sldNum" sz="quarter" idx="12"/>
+          </p:nvPr>
+        </p:nvSpPr>
+        <p:spPr/>
+        <p:txBody>
+          <a:bodyPr/>
+          <a:lstStyle/>
+          <a:p>
+            <a:fld id="{50029C49-A5A9-4A95-8BF0-94F73808DB5F}" type="slidenum">
+              <a:rPr lang="zh-TW" altLang="en-US" smtClean="0"/>
+              <a:t>31</a:t>
+            </a:fld>
+            <a:endParaRPr lang="zh-TW" altLang="en-US"/>
+          </a:p>
+        </p:txBody>
+      </p:sp>
+    </p:spTree>
+    <p:extLst>
+      <p:ext uri="{BB962C8B-B14F-4D97-AF65-F5344CB8AC3E}">
+        <p14:creationId xmlns:p14="http://schemas.microsoft.com/office/powerpoint/2010/main" val="493870139"/>
+      </p:ext>
+    </p:extLst>
+  </p:cSld>
+  <p:clrMapOvr>
+    <a:masterClrMapping/>
+  </p:clrMapOvr>
+</p:sld>
+</file>
+
+<file path=ppt/slides/slide32.xml><?xml version="1.0" encoding="utf-8"?>
+<p:sld xmlns:a="http://schemas.openxmlformats.org/drawingml/2006/main" xmlns:r="http://schemas.openxmlformats.org/officeDocument/2006/relationships" xmlns:p="http://schemas.openxmlformats.org/presentationml/2006/main">
+  <p:cSld>
+    <p:spTree>
+      <p:nvGrpSpPr>
+        <p:cNvPr id="1" name=""/>
+        <p:cNvGrpSpPr/>
+        <p:nvPr/>
+      </p:nvGrpSpPr>
+      <p:grpSpPr>
+        <a:xfrm>
+          <a:off x="0" y="0"/>
+          <a:ext cx="0" cy="0"/>
+          <a:chOff x="0" y="0"/>
+          <a:chExt cx="0" cy="0"/>
+        </a:xfrm>
+      </p:grpSpPr>
+      <p:sp>
+        <p:nvSpPr>
+          <p:cNvPr id="2" name="標題 1">
+            <a:extLst>
+              <a:ext uri="{FF2B5EF4-FFF2-40B4-BE49-F238E27FC236}">
+                <a16:creationId xmlns:a16="http://schemas.microsoft.com/office/drawing/2014/main" id="{66BD44E2-EFFF-43D9-A213-DE501B575689}"/>
+              </a:ext>
+            </a:extLst>
+          </p:cNvPr>
+          <p:cNvSpPr>
+            <a:spLocks noGrp="1"/>
+          </p:cNvSpPr>
+          <p:nvPr>
+            <p:ph type="title"/>
+          </p:nvPr>
+        </p:nvSpPr>
+        <p:spPr/>
+        <p:txBody>
+          <a:bodyPr/>
+          <a:lstStyle/>
+          <a:p>
+            <a:r>
+              <a:rPr lang="en-US" altLang="zh-TW" dirty="0"/>
+              <a:t>References</a:t>
+            </a:r>
+            <a:endParaRPr lang="zh-TW" altLang="en-US" dirty="0"/>
+          </a:p>
+        </p:txBody>
+      </p:sp>
+      <p:sp>
+        <p:nvSpPr>
+          <p:cNvPr id="3" name="內容版面配置區 2">
+            <a:extLst>
+              <a:ext uri="{FF2B5EF4-FFF2-40B4-BE49-F238E27FC236}">
+                <a16:creationId xmlns:a16="http://schemas.microsoft.com/office/drawing/2014/main" id="{6C6870F8-5E25-41B8-BDBD-DC2867167899}"/>
+              </a:ext>
+            </a:extLst>
+          </p:cNvPr>
+          <p:cNvSpPr>
+            <a:spLocks noGrp="1"/>
+          </p:cNvSpPr>
+          <p:nvPr>
+            <p:ph idx="1"/>
+          </p:nvPr>
+        </p:nvSpPr>
+        <p:spPr/>
+        <p:txBody>
+          <a:bodyPr>
+            <a:normAutofit/>
+          </a:bodyPr>
+          <a:lstStyle/>
+          <a:p>
+            <a:r>
+              <a:rPr lang="en-US" altLang="zh-TW" sz="2000" dirty="0"/>
+              <a:t>Mathias </a:t>
+            </a:r>
+            <a:r>
+              <a:rPr lang="en-US" altLang="zh-TW" sz="2000" dirty="0" err="1"/>
+              <a:t>Baert</a:t>
+            </a:r>
+            <a:r>
+              <a:rPr lang="en-US" altLang="zh-TW" sz="2000" dirty="0"/>
+              <a:t>, </a:t>
+            </a:r>
+            <a:r>
+              <a:rPr lang="en-US" altLang="zh-TW" sz="2000" dirty="0" err="1"/>
+              <a:t>Pieterjan</a:t>
+            </a:r>
+            <a:r>
+              <a:rPr lang="en-US" altLang="zh-TW" sz="2000" dirty="0"/>
+              <a:t> </a:t>
+            </a:r>
+            <a:r>
+              <a:rPr lang="en-US" altLang="zh-TW" sz="2000" dirty="0" err="1"/>
+              <a:t>Camerlynck</a:t>
+            </a:r>
+            <a:r>
+              <a:rPr lang="en-US" altLang="zh-TW" sz="2000" dirty="0"/>
+              <a:t>, Pieter </a:t>
+            </a:r>
+            <a:r>
+              <a:rPr lang="en-US" altLang="zh-TW" sz="2000" dirty="0" err="1"/>
+              <a:t>Crombez</a:t>
+            </a:r>
+            <a:r>
+              <a:rPr lang="en-US" altLang="zh-TW" sz="2000" dirty="0"/>
+              <a:t>, Jeroen </a:t>
+            </a:r>
+            <a:r>
+              <a:rPr lang="en-US" altLang="zh-TW" sz="2000" dirty="0" err="1"/>
+              <a:t>Hoebeke</a:t>
+            </a:r>
+            <a:r>
+              <a:rPr lang="en-US" altLang="zh-TW" sz="2000" dirty="0"/>
+              <a:t>, “A BLE-Based Multi-Gateway Network Infrastructure with Handover Support for Mobile BLE Peripherals” </a:t>
+            </a:r>
+            <a:r>
+              <a:rPr lang="en-US" altLang="zh-TW" sz="2000" i="1" dirty="0"/>
+              <a:t>in IEEE </a:t>
+            </a:r>
+            <a:r>
+              <a:rPr lang="en-US" altLang="zh-TW" sz="2000" i="1" dirty="0" err="1"/>
+              <a:t>Internatonal</a:t>
+            </a:r>
+            <a:r>
+              <a:rPr lang="en-US" altLang="zh-TW" sz="2000" i="1" dirty="0"/>
+              <a:t> Conference on Mobile </a:t>
+            </a:r>
+            <a:r>
+              <a:rPr lang="en-US" altLang="zh-TW" sz="2000" i="1" dirty="0" err="1"/>
+              <a:t>Adhoc</a:t>
+            </a:r>
+            <a:r>
+              <a:rPr lang="en-US" altLang="zh-TW" sz="2000" i="1" dirty="0"/>
+              <a:t> and Sensor Systems (IEEE MASS 2019) </a:t>
+            </a:r>
+            <a:r>
+              <a:rPr lang="en-US" altLang="zh-TW" sz="2000" dirty="0"/>
+              <a:t>, DOI: 10.1109/MASS.2019.00020</a:t>
+            </a:r>
+          </a:p>
+          <a:p>
+            <a:endParaRPr lang="en-US" altLang="zh-TW" sz="2000" dirty="0"/>
+          </a:p>
+          <a:p>
+            <a:r>
+              <a:rPr lang="en-US" altLang="zh-TW" sz="2000" dirty="0"/>
+              <a:t>M. </a:t>
+            </a:r>
+            <a:r>
+              <a:rPr lang="en-US" altLang="zh-TW" sz="2000" dirty="0" err="1"/>
+              <a:t>Nikodem</a:t>
+            </a:r>
+            <a:r>
+              <a:rPr lang="en-US" altLang="zh-TW" sz="2000" dirty="0"/>
+              <a:t>, M. </a:t>
+            </a:r>
+            <a:r>
+              <a:rPr lang="en-US" altLang="zh-TW" sz="2000" dirty="0" err="1"/>
+              <a:t>Bawiec</a:t>
+            </a:r>
+            <a:r>
+              <a:rPr lang="en-US" altLang="zh-TW" sz="2000" dirty="0"/>
+              <a:t>, “Experimental Evaluation of Advertisement-Based Bluetooth Low Energy Communication”, </a:t>
+            </a:r>
+            <a:r>
+              <a:rPr lang="en-US" altLang="zh-TW" sz="2000" i="1" dirty="0"/>
+              <a:t>MDPI Sensors 2020</a:t>
+            </a:r>
+            <a:r>
+              <a:rPr lang="en-US" altLang="zh-TW" sz="2000" dirty="0"/>
+              <a:t>, DOI:10.3390/s20010107</a:t>
+            </a:r>
+          </a:p>
+          <a:p>
+            <a:endParaRPr lang="en-US" altLang="zh-TW" sz="2000" dirty="0"/>
+          </a:p>
+          <a:p>
+            <a:r>
+              <a:rPr lang="en-US" altLang="zh-TW" sz="2000" dirty="0"/>
+              <a:t>Tomohiro Kuroda, Haruo Noma, Kazuhiko Takase, </a:t>
+            </a:r>
+            <a:r>
+              <a:rPr lang="en-US" altLang="zh-TW" sz="2000" dirty="0" err="1"/>
+              <a:t>Shigeto</a:t>
+            </a:r>
+            <a:r>
+              <a:rPr lang="en-US" altLang="zh-TW" sz="2000" dirty="0"/>
+              <a:t> Sasaki, </a:t>
+            </a:r>
+            <a:r>
+              <a:rPr lang="en-US" altLang="zh-TW" sz="2000" dirty="0" err="1"/>
+              <a:t>Tadamasa</a:t>
+            </a:r>
+            <a:r>
+              <a:rPr lang="en-US" altLang="zh-TW" sz="2000" dirty="0"/>
+              <a:t> </a:t>
+            </a:r>
+            <a:r>
+              <a:rPr lang="en-US" altLang="zh-TW" sz="2000" dirty="0" err="1"/>
+              <a:t>Takemura</a:t>
+            </a:r>
+            <a:r>
+              <a:rPr lang="en-US" altLang="zh-TW" sz="2000" dirty="0"/>
+              <a:t>, “Bluetooth Roaming for Sensor Network System in Clinical Environment” , MEDINFO 2015: eHealth-enabled Health, DOI:10.3233/978-1-61499-564-7-198</a:t>
+            </a:r>
+            <a:endParaRPr lang="zh-TW" altLang="en-US" sz="2000" dirty="0"/>
+          </a:p>
+        </p:txBody>
+      </p:sp>
+      <p:sp>
+        <p:nvSpPr>
+          <p:cNvPr id="6" name="投影片編號版面配置區 5">
+            <a:extLst>
+              <a:ext uri="{FF2B5EF4-FFF2-40B4-BE49-F238E27FC236}">
+                <a16:creationId xmlns:a16="http://schemas.microsoft.com/office/drawing/2014/main" id="{41672078-55B6-4EB2-A2A0-2A4BDCC09FF1}"/>
+              </a:ext>
+            </a:extLst>
+          </p:cNvPr>
+          <p:cNvSpPr>
+            <a:spLocks noGrp="1"/>
+          </p:cNvSpPr>
+          <p:nvPr>
+            <p:ph type="sldNum" sz="quarter" idx="12"/>
+          </p:nvPr>
+        </p:nvSpPr>
+        <p:spPr/>
+        <p:txBody>
+          <a:bodyPr/>
+          <a:lstStyle/>
+          <a:p>
+            <a:fld id="{50029C49-A5A9-4A95-8BF0-94F73808DB5F}" type="slidenum">
+              <a:rPr lang="zh-TW" altLang="en-US" smtClean="0"/>
+              <a:t>32</a:t>
+            </a:fld>
+            <a:endParaRPr lang="zh-TW" altLang="en-US"/>
+          </a:p>
+        </p:txBody>
+      </p:sp>
+    </p:spTree>
+    <p:extLst>
+      <p:ext uri="{BB962C8B-B14F-4D97-AF65-F5344CB8AC3E}">
+        <p14:creationId xmlns:p14="http://schemas.microsoft.com/office/powerpoint/2010/main" val="2779116832"/>
       </p:ext>
     </p:extLst>
   </p:cSld>
@@ -7826,7 +8590,7 @@
           <p:cNvPr id="2" name="標題 1">
             <a:extLst>
               <a:ext uri="{FF2B5EF4-FFF2-40B4-BE49-F238E27FC236}">
-                <a16:creationId xmlns:a16="http://schemas.microsoft.com/office/drawing/2014/main" id="{B93EF638-2849-41FC-9ED3-28D8E0CE969E}"/>
+                <a16:creationId xmlns:a16="http://schemas.microsoft.com/office/drawing/2014/main" id="{A695901F-B45F-471B-B1C2-E603D8500264}"/>
               </a:ext>
             </a:extLst>
           </p:cNvPr>
@@ -7844,7 +8608,7 @@
           <a:p>
             <a:r>
               <a:rPr lang="en-US" altLang="zh-TW" dirty="0"/>
-              <a:t>Implementation details</a:t>
+              <a:t>Handover approaches</a:t>
             </a:r>
             <a:endParaRPr lang="zh-TW" altLang="en-US" dirty="0"/>
           </a:p>
@@ -7855,7 +8619,7 @@
           <p:cNvPr id="3" name="內容版面配置區 2">
             <a:extLst>
               <a:ext uri="{FF2B5EF4-FFF2-40B4-BE49-F238E27FC236}">
-                <a16:creationId xmlns:a16="http://schemas.microsoft.com/office/drawing/2014/main" id="{FE76078E-89DF-42BA-BFF0-0789F7A2DC49}"/>
+                <a16:creationId xmlns:a16="http://schemas.microsoft.com/office/drawing/2014/main" id="{FB2F8C4B-A1E5-42DA-B706-3134322A9E30}"/>
               </a:ext>
             </a:extLst>
           </p:cNvPr>
@@ -7866,7 +8630,12 @@
             <p:ph idx="1"/>
           </p:nvPr>
         </p:nvSpPr>
-        <p:spPr/>
+        <p:spPr>
+          <a:xfrm>
+            <a:off x="838200" y="1531939"/>
+            <a:ext cx="10515600" cy="5030787"/>
+          </a:xfrm>
+        </p:spPr>
         <p:txBody>
           <a:bodyPr>
             <a:normAutofit fontScale="92500" lnSpcReduction="10000"/>
@@ -7875,7 +8644,7 @@
           <a:p>
             <a:r>
               <a:rPr lang="en-US" altLang="zh-TW" dirty="0"/>
-              <a:t>The BLE peripheral’s role is enacted using a nRF52840 board and the other roles are enacted using Raspberry PI’s.</a:t>
+              <a:t>About passive handover:</a:t>
             </a:r>
           </a:p>
           <a:p>
@@ -7883,12 +8652,8 @@
           </a:p>
           <a:p>
             <a:r>
-              <a:rPr lang="en-US" altLang="zh-TW" b="1" dirty="0"/>
-              <a:t>nRF52840</a:t>
-            </a:r>
-            <a:r>
-              <a:rPr lang="en-US" altLang="zh-TW" dirty="0"/>
-              <a:t> board is capable of implementing a complete BLE v5.0 supported stack as well as the IPv6 over BLE stack adjustment.</a:t>
+              <a:rPr lang="en-US" altLang="zh-TW" dirty="0"/>
+              <a:t>A BLE connection is terminated naturally after the supervision timeout has timed out. Only then, the BLE peripheral attempts to set up a new connection by advertising its presence using BLE advertisements.</a:t>
             </a:r>
           </a:p>
           <a:p>
@@ -7897,15 +8662,7 @@
           <a:p>
             <a:r>
               <a:rPr lang="en-US" altLang="zh-TW" dirty="0"/>
-              <a:t>Use official Linux Bluetooth protocol stack(</a:t>
-            </a:r>
-            <a:r>
-              <a:rPr lang="en-US" altLang="zh-TW" dirty="0" err="1"/>
-              <a:t>BLueZ</a:t>
-            </a:r>
-            <a:r>
-              <a:rPr lang="en-US" altLang="zh-TW" dirty="0"/>
-              <a:t>) on Raspberry Pi.</a:t>
+              <a:t>When using the passive handover approach, a connection to a new and better GW will only be established when the previous connection was completely broken, i.e. when no traffic could be sent during the supervision timeout range. </a:t>
             </a:r>
           </a:p>
           <a:p>
@@ -7914,7 +8671,7 @@
           <a:p>
             <a:r>
               <a:rPr lang="en-US" altLang="zh-TW" dirty="0"/>
-              <a:t>To emulate a mobile BLE peripheral performing a handover from one gateway to another gateway, in a controller manner, a manual attenuator is used.</a:t>
+              <a:t>As such, it might happen that a peripheral remains connected even when the link quality becomes very poor.</a:t>
             </a:r>
             <a:endParaRPr lang="zh-TW" altLang="en-US" dirty="0"/>
           </a:p>
@@ -7925,7 +8682,7 @@
           <p:cNvPr id="4" name="投影片編號版面配置區 3">
             <a:extLst>
               <a:ext uri="{FF2B5EF4-FFF2-40B4-BE49-F238E27FC236}">
-                <a16:creationId xmlns:a16="http://schemas.microsoft.com/office/drawing/2014/main" id="{AD1B4B23-F0A7-40BA-987D-16C4CCB324A1}"/>
+                <a16:creationId xmlns:a16="http://schemas.microsoft.com/office/drawing/2014/main" id="{D343627B-A794-4656-8F31-A526720248C0}"/>
               </a:ext>
             </a:extLst>
           </p:cNvPr>
@@ -7952,7 +8709,7 @@
     </p:spTree>
     <p:extLst>
       <p:ext uri="{BB962C8B-B14F-4D97-AF65-F5344CB8AC3E}">
-        <p14:creationId xmlns:p14="http://schemas.microsoft.com/office/powerpoint/2010/main" val="664417199"/>
+        <p14:creationId xmlns:p14="http://schemas.microsoft.com/office/powerpoint/2010/main" val="144322529"/>
       </p:ext>
     </p:extLst>
   </p:cSld>
@@ -7984,7 +8741,7 @@
           <p:cNvPr id="2" name="標題 1">
             <a:extLst>
               <a:ext uri="{FF2B5EF4-FFF2-40B4-BE49-F238E27FC236}">
-                <a16:creationId xmlns:a16="http://schemas.microsoft.com/office/drawing/2014/main" id="{B93EF638-2849-41FC-9ED3-28D8E0CE969E}"/>
+                <a16:creationId xmlns:a16="http://schemas.microsoft.com/office/drawing/2014/main" id="{A695901F-B45F-471B-B1C2-E603D8500264}"/>
               </a:ext>
             </a:extLst>
           </p:cNvPr>
@@ -8002,11 +8759,7 @@
           <a:p>
             <a:r>
               <a:rPr lang="en-US" altLang="zh-TW" dirty="0"/>
-              <a:t>Implementation details</a:t>
-            </a:r>
-            <a:r>
-              <a:rPr lang="en-US" altLang="zh-TW"/>
-              <a:t>(cont’d)</a:t>
+              <a:t>Handover approaches(cont’d)</a:t>
             </a:r>
             <a:endParaRPr lang="zh-TW" altLang="en-US" dirty="0"/>
           </a:p>
@@ -8017,7 +8770,7 @@
           <p:cNvPr id="3" name="內容版面配置區 2">
             <a:extLst>
               <a:ext uri="{FF2B5EF4-FFF2-40B4-BE49-F238E27FC236}">
-                <a16:creationId xmlns:a16="http://schemas.microsoft.com/office/drawing/2014/main" id="{FE76078E-89DF-42BA-BFF0-0789F7A2DC49}"/>
+                <a16:creationId xmlns:a16="http://schemas.microsoft.com/office/drawing/2014/main" id="{FB2F8C4B-A1E5-42DA-B706-3134322A9E30}"/>
               </a:ext>
             </a:extLst>
           </p:cNvPr>
@@ -8028,13 +8781,38 @@
             <p:ph idx="1"/>
           </p:nvPr>
         </p:nvSpPr>
-        <p:spPr/>
-        <p:txBody>
-          <a:bodyPr>
-            <a:normAutofit/>
-          </a:bodyPr>
-          <a:lstStyle/>
-          <a:p>
+        <p:spPr>
+          <a:xfrm>
+            <a:off x="838200" y="1587500"/>
+            <a:ext cx="10515600" cy="4351338"/>
+          </a:xfrm>
+        </p:spPr>
+        <p:txBody>
+          <a:bodyPr/>
+          <a:lstStyle/>
+          <a:p>
+            <a:r>
+              <a:rPr lang="en-US" altLang="zh-TW" dirty="0"/>
+              <a:t>About active handover :</a:t>
+            </a:r>
+          </a:p>
+          <a:p>
+            <a:endParaRPr lang="en-US" altLang="zh-TW" dirty="0"/>
+          </a:p>
+          <a:p>
+            <a:r>
+              <a:rPr lang="en-US" altLang="zh-TW" dirty="0"/>
+              <a:t>The BLE peripheral maintains an advertiser role at all times.</a:t>
+            </a:r>
+          </a:p>
+          <a:p>
+            <a:endParaRPr lang="en-US" altLang="zh-TW" dirty="0"/>
+          </a:p>
+          <a:p>
+            <a:r>
+              <a:rPr lang="en-US" altLang="zh-TW" dirty="0"/>
+              <a:t>The IoT GWs use these periodic BLE advertisements to derive a Received Signal Strength Indicator (RSSI).</a:t>
+            </a:r>
             <a:endParaRPr lang="zh-TW" altLang="en-US" dirty="0"/>
           </a:p>
         </p:txBody>
@@ -8044,7 +8822,7 @@
           <p:cNvPr id="4" name="投影片編號版面配置區 3">
             <a:extLst>
               <a:ext uri="{FF2B5EF4-FFF2-40B4-BE49-F238E27FC236}">
-                <a16:creationId xmlns:a16="http://schemas.microsoft.com/office/drawing/2014/main" id="{AD1B4B23-F0A7-40BA-987D-16C4CCB324A1}"/>
+                <a16:creationId xmlns:a16="http://schemas.microsoft.com/office/drawing/2014/main" id="{D343627B-A794-4656-8F31-A526720248C0}"/>
               </a:ext>
             </a:extLst>
           </p:cNvPr>
@@ -8071,7 +8849,7 @@
     </p:spTree>
     <p:extLst>
       <p:ext uri="{BB962C8B-B14F-4D97-AF65-F5344CB8AC3E}">
-        <p14:creationId xmlns:p14="http://schemas.microsoft.com/office/powerpoint/2010/main" val="2518762824"/>
+        <p14:creationId xmlns:p14="http://schemas.microsoft.com/office/powerpoint/2010/main" val="4015015826"/>
       </p:ext>
     </p:extLst>
   </p:cSld>

--- a/A BLE-based multi-gateway network infrastructure with handover support for mobile BLE peripherals.pptx
+++ b/A BLE-based multi-gateway network infrastructure with handover support for mobile BLE peripherals.pptx
@@ -5,7 +5,7 @@
     <p:sldMasterId id="2147483648" r:id="rId1"/>
   </p:sldMasterIdLst>
   <p:notesMasterIdLst>
-    <p:notesMasterId r:id="rId34"/>
+    <p:notesMasterId r:id="rId33"/>
   </p:notesMasterIdLst>
   <p:sldIdLst>
     <p:sldId id="256" r:id="rId2"/>
@@ -14,32 +14,31 @@
     <p:sldId id="264" r:id="rId5"/>
     <p:sldId id="265" r:id="rId6"/>
     <p:sldId id="266" r:id="rId7"/>
-    <p:sldId id="267" r:id="rId8"/>
-    <p:sldId id="282" r:id="rId9"/>
-    <p:sldId id="283" r:id="rId10"/>
-    <p:sldId id="284" r:id="rId11"/>
-    <p:sldId id="285" r:id="rId12"/>
-    <p:sldId id="286" r:id="rId13"/>
-    <p:sldId id="287" r:id="rId14"/>
-    <p:sldId id="281" r:id="rId15"/>
-    <p:sldId id="268" r:id="rId16"/>
-    <p:sldId id="269" r:id="rId17"/>
-    <p:sldId id="272" r:id="rId18"/>
-    <p:sldId id="274" r:id="rId19"/>
-    <p:sldId id="271" r:id="rId20"/>
-    <p:sldId id="273" r:id="rId21"/>
-    <p:sldId id="270" r:id="rId22"/>
-    <p:sldId id="275" r:id="rId23"/>
-    <p:sldId id="276" r:id="rId24"/>
-    <p:sldId id="279" r:id="rId25"/>
-    <p:sldId id="280" r:id="rId26"/>
-    <p:sldId id="277" r:id="rId27"/>
-    <p:sldId id="278" r:id="rId28"/>
-    <p:sldId id="260" r:id="rId29"/>
-    <p:sldId id="261" r:id="rId30"/>
-    <p:sldId id="262" r:id="rId31"/>
-    <p:sldId id="263" r:id="rId32"/>
-    <p:sldId id="258" r:id="rId33"/>
+    <p:sldId id="282" r:id="rId8"/>
+    <p:sldId id="283" r:id="rId9"/>
+    <p:sldId id="284" r:id="rId10"/>
+    <p:sldId id="285" r:id="rId11"/>
+    <p:sldId id="286" r:id="rId12"/>
+    <p:sldId id="287" r:id="rId13"/>
+    <p:sldId id="281" r:id="rId14"/>
+    <p:sldId id="268" r:id="rId15"/>
+    <p:sldId id="269" r:id="rId16"/>
+    <p:sldId id="272" r:id="rId17"/>
+    <p:sldId id="274" r:id="rId18"/>
+    <p:sldId id="271" r:id="rId19"/>
+    <p:sldId id="273" r:id="rId20"/>
+    <p:sldId id="270" r:id="rId21"/>
+    <p:sldId id="275" r:id="rId22"/>
+    <p:sldId id="276" r:id="rId23"/>
+    <p:sldId id="279" r:id="rId24"/>
+    <p:sldId id="280" r:id="rId25"/>
+    <p:sldId id="277" r:id="rId26"/>
+    <p:sldId id="278" r:id="rId27"/>
+    <p:sldId id="260" r:id="rId28"/>
+    <p:sldId id="261" r:id="rId29"/>
+    <p:sldId id="262" r:id="rId30"/>
+    <p:sldId id="263" r:id="rId31"/>
+    <p:sldId id="258" r:id="rId32"/>
   </p:sldIdLst>
   <p:sldSz cx="12192000" cy="6858000"/>
   <p:notesSz cx="6858000" cy="9144000"/>
@@ -562,7 +561,7 @@
           <a:p>
             <a:fld id="{48C17303-7880-4EB0-BBD6-662AD90969CD}" type="slidenum">
               <a:rPr lang="zh-TW" altLang="en-US" smtClean="0"/>
-              <a:t>16</a:t>
+              <a:t>15</a:t>
             </a:fld>
             <a:endParaRPr lang="zh-TW" altLang="en-US"/>
           </a:p>
@@ -665,7 +664,7 @@
           <a:p>
             <a:fld id="{48C17303-7880-4EB0-BBD6-662AD90969CD}" type="slidenum">
               <a:rPr lang="zh-TW" altLang="en-US" smtClean="0"/>
-              <a:t>18</a:t>
+              <a:t>17</a:t>
             </a:fld>
             <a:endParaRPr lang="zh-TW" altLang="en-US"/>
           </a:p>
@@ -756,7 +755,7 @@
           <a:p>
             <a:fld id="{48C17303-7880-4EB0-BBD6-662AD90969CD}" type="slidenum">
               <a:rPr lang="zh-TW" altLang="en-US" smtClean="0"/>
-              <a:t>25</a:t>
+              <a:t>24</a:t>
             </a:fld>
             <a:endParaRPr lang="zh-TW" altLang="en-US"/>
           </a:p>
@@ -4159,12 +4158,14 @@
           </a:xfrm>
         </p:spPr>
         <p:txBody>
-          <a:bodyPr/>
-          <a:lstStyle/>
-          <a:p>
-            <a:r>
-              <a:rPr lang="en-US" altLang="zh-TW" dirty="0"/>
-              <a:t>All collected RSSI values are forwarded to the controller. </a:t>
+          <a:bodyPr>
+            <a:normAutofit fontScale="92500" lnSpcReduction="20000"/>
+          </a:bodyPr>
+          <a:lstStyle/>
+          <a:p>
+            <a:r>
+              <a:rPr lang="en-US" altLang="zh-TW" dirty="0"/>
+              <a:t>Such a handover decision is taken when two conditions are met: the connection to the current IoT GW is bad and a sufficiently good enough alternative IoT GW is available.</a:t>
             </a:r>
           </a:p>
           <a:p>
@@ -4173,7 +4174,7 @@
           <a:p>
             <a:r>
               <a:rPr lang="en-US" altLang="zh-TW" dirty="0"/>
-              <a:t>The controller maintains a mapping table between the received RSSI values and the associated IoT GW and BLE peripheral. </a:t>
+              <a:t>The connection can be considered bad once the RSSI exceeds a certain RSSI threshold, meaning that the peripheral is not too far from the GW for the connection to be lost, but far enough to be of insufficient quality.</a:t>
             </a:r>
           </a:p>
           <a:p>
@@ -4182,7 +4183,7 @@
           <a:p>
             <a:r>
               <a:rPr lang="en-US" altLang="zh-TW" dirty="0"/>
-              <a:t>Concurrently, this mapping table is used to monitor the current state of the BLE connections and decides whether a specific BLE peripheral should handover to another IoT GW.</a:t>
+              <a:t>Another GW can be considered a sufficient alternative, once its RSSI exceeds a certain threshold as well, indicating that the peripheral is actually close enough to that GW to establish a connection of sufficient quality. </a:t>
             </a:r>
             <a:endParaRPr lang="zh-TW" altLang="en-US" dirty="0"/>
           </a:p>
@@ -4220,7 +4221,7 @@
     </p:spTree>
     <p:extLst>
       <p:ext uri="{BB962C8B-B14F-4D97-AF65-F5344CB8AC3E}">
-        <p14:creationId xmlns:p14="http://schemas.microsoft.com/office/powerpoint/2010/main" val="1372114980"/>
+        <p14:creationId xmlns:p14="http://schemas.microsoft.com/office/powerpoint/2010/main" val="1833578096"/>
       </p:ext>
     </p:extLst>
   </p:cSld>
@@ -4300,13 +4301,13 @@
         </p:spPr>
         <p:txBody>
           <a:bodyPr>
-            <a:normAutofit fontScale="92500" lnSpcReduction="20000"/>
+            <a:normAutofit fontScale="92500" lnSpcReduction="10000"/>
           </a:bodyPr>
           <a:lstStyle/>
           <a:p>
             <a:r>
               <a:rPr lang="en-US" altLang="zh-TW" dirty="0"/>
-              <a:t>Such a handover decision is taken when two conditions are met: the connection to the current IoT GW is bad and a sufficiently good enough alternative IoT GW is available.</a:t>
+              <a:t>When a handover decision is made, a disconnect message is sent by the controller to the old IoT GW and a connect message to the alternative IoT GW. </a:t>
             </a:r>
           </a:p>
           <a:p>
@@ -4315,7 +4316,7 @@
           <a:p>
             <a:r>
               <a:rPr lang="en-US" altLang="zh-TW" dirty="0"/>
-              <a:t>The connection can be considered bad once the RSSI exceeds a certain RSSI threshold, meaning that the peripheral is not too far from the GW for the connection to be lost, but far enough to be of insufficient quality.</a:t>
+              <a:t>The old IoT GW forwards this request to the BLE peripheral and the peripheral immediately terminates the connection (independent of the supervision timeout). </a:t>
             </a:r>
           </a:p>
           <a:p>
@@ -4324,7 +4325,7 @@
           <a:p>
             <a:r>
               <a:rPr lang="en-US" altLang="zh-TW" dirty="0"/>
-              <a:t>Another GW can be considered a sufficient alternative, once its RSSI exceeds a certain threshold as well, indicating that the peripheral is actually close enough to that GW to establish a connection of sufficient quality. </a:t>
+              <a:t>Afterwards, the BLE advertisements can be answered with a connection request again, which is now done by the alternative gateway incited by the connect message.</a:t>
             </a:r>
             <a:endParaRPr lang="zh-TW" altLang="en-US" dirty="0"/>
           </a:p>
@@ -4362,7 +4363,7 @@
     </p:spTree>
     <p:extLst>
       <p:ext uri="{BB962C8B-B14F-4D97-AF65-F5344CB8AC3E}">
-        <p14:creationId xmlns:p14="http://schemas.microsoft.com/office/powerpoint/2010/main" val="1833578096"/>
+        <p14:creationId xmlns:p14="http://schemas.microsoft.com/office/powerpoint/2010/main" val="227173799"/>
       </p:ext>
     </p:extLst>
   </p:cSld>
@@ -4442,13 +4443,13 @@
         </p:spPr>
         <p:txBody>
           <a:bodyPr>
-            <a:normAutofit fontScale="92500" lnSpcReduction="10000"/>
+            <a:normAutofit/>
           </a:bodyPr>
           <a:lstStyle/>
           <a:p>
             <a:r>
               <a:rPr lang="en-US" altLang="zh-TW" dirty="0"/>
-              <a:t>When a handover decision is made, a disconnect message is sent by the controller to the old IoT GW and a connect message to the alternative IoT GW. </a:t>
+              <a:t>On top, when a BLE peripheral does not yet have a BLE connection with an IoT GW, the current best RSSI is can be used to find a suitable IoT GW and set up the connection. </a:t>
             </a:r>
           </a:p>
           <a:p>
@@ -4457,16 +4458,7 @@
           <a:p>
             <a:r>
               <a:rPr lang="en-US" altLang="zh-TW" dirty="0"/>
-              <a:t>The old IoT GW forwards this request to the BLE peripheral and the peripheral immediately terminates the connection (independent of the supervision timeout). </a:t>
-            </a:r>
-          </a:p>
-          <a:p>
-            <a:endParaRPr lang="en-US" altLang="zh-TW" dirty="0"/>
-          </a:p>
-          <a:p>
-            <a:r>
-              <a:rPr lang="en-US" altLang="zh-TW" dirty="0"/>
-              <a:t>Afterwards, the BLE advertisements can be answered with a connection request again, which is now done by the alternative gateway incited by the connect message.</a:t>
+              <a:t>When an IoT GW naturally loses a BLE connection, which can occur if no suitable alternative was available, or a BLE connection failed to be set up, the controller is also notified, such an event indicates that the BLE peripheral has moved out of range of the BLE-enabled infrastructure or the infrastructure contains a blind spot.</a:t>
             </a:r>
             <a:endParaRPr lang="zh-TW" altLang="en-US" dirty="0"/>
           </a:p>
@@ -4504,7 +4496,7 @@
     </p:spTree>
     <p:extLst>
       <p:ext uri="{BB962C8B-B14F-4D97-AF65-F5344CB8AC3E}">
-        <p14:creationId xmlns:p14="http://schemas.microsoft.com/office/powerpoint/2010/main" val="227173799"/>
+        <p14:creationId xmlns:p14="http://schemas.microsoft.com/office/powerpoint/2010/main" val="3385593956"/>
       </p:ext>
     </p:extLst>
   </p:cSld>
@@ -4536,7 +4528,7 @@
           <p:cNvPr id="2" name="標題 1">
             <a:extLst>
               <a:ext uri="{FF2B5EF4-FFF2-40B4-BE49-F238E27FC236}">
-                <a16:creationId xmlns:a16="http://schemas.microsoft.com/office/drawing/2014/main" id="{A695901F-B45F-471B-B1C2-E603D8500264}"/>
+                <a16:creationId xmlns:a16="http://schemas.microsoft.com/office/drawing/2014/main" id="{B93EF638-2849-41FC-9ED3-28D8E0CE969E}"/>
               </a:ext>
             </a:extLst>
           </p:cNvPr>
@@ -4554,7 +4546,7 @@
           <a:p>
             <a:r>
               <a:rPr lang="en-US" altLang="zh-TW" dirty="0"/>
-              <a:t>Handover approaches(cont’d)</a:t>
+              <a:t>Implementation details</a:t>
             </a:r>
             <a:endParaRPr lang="zh-TW" altLang="en-US" dirty="0"/>
           </a:p>
@@ -4565,7 +4557,7 @@
           <p:cNvPr id="3" name="內容版面配置區 2">
             <a:extLst>
               <a:ext uri="{FF2B5EF4-FFF2-40B4-BE49-F238E27FC236}">
-                <a16:creationId xmlns:a16="http://schemas.microsoft.com/office/drawing/2014/main" id="{FB2F8C4B-A1E5-42DA-B706-3134322A9E30}"/>
+                <a16:creationId xmlns:a16="http://schemas.microsoft.com/office/drawing/2014/main" id="{FE76078E-89DF-42BA-BFF0-0789F7A2DC49}"/>
               </a:ext>
             </a:extLst>
           </p:cNvPr>
@@ -4576,21 +4568,24 @@
             <p:ph idx="1"/>
           </p:nvPr>
         </p:nvSpPr>
-        <p:spPr>
-          <a:xfrm>
-            <a:off x="838200" y="1587500"/>
-            <a:ext cx="10515600" cy="4351338"/>
-          </a:xfrm>
-        </p:spPr>
+        <p:spPr/>
         <p:txBody>
           <a:bodyPr>
-            <a:normAutofit/>
+            <a:normAutofit fontScale="92500" lnSpcReduction="10000"/>
           </a:bodyPr>
           <a:lstStyle/>
           <a:p>
             <a:r>
               <a:rPr lang="en-US" altLang="zh-TW" dirty="0"/>
-              <a:t>On top, when a BLE peripheral does not yet have a BLE connection with an IoT GW, the current best RSSI is can be used to find a suitable IoT GW and set up the connection. </a:t>
+              <a:t>The BLE peripheral’s role is enacted using a nRF52840 board and the other roles(</a:t>
+            </a:r>
+            <a:r>
+              <a:rPr lang="en-US" altLang="zh-TW" dirty="0" err="1"/>
+              <a:t>GW,Controller</a:t>
+            </a:r>
+            <a:r>
+              <a:rPr lang="en-US" altLang="zh-TW" dirty="0"/>
+              <a:t>) are enacted using Raspberry PI’s.</a:t>
             </a:r>
           </a:p>
           <a:p>
@@ -4598,8 +4593,38 @@
           </a:p>
           <a:p>
             <a:r>
-              <a:rPr lang="en-US" altLang="zh-TW"/>
-              <a:t>When an IoT GW naturally loses a BLE connection, which can occur if no suitable alternative was available, or a BLE connection failed to be set up, the controller is also notified, such an event indicates that the BLE peripheral has moved out of range of the BLE-enabled infrastructure or the infrastructure contains a blind spot.</a:t>
+              <a:rPr lang="en-US" altLang="zh-TW" b="1" dirty="0"/>
+              <a:t>nRF52840</a:t>
+            </a:r>
+            <a:r>
+              <a:rPr lang="en-US" altLang="zh-TW" dirty="0"/>
+              <a:t> board is capable of implementing a complete BLE v5.0 supported stack as well as the IPv6 over BLE stack adjustment.</a:t>
+            </a:r>
+          </a:p>
+          <a:p>
+            <a:endParaRPr lang="en-US" altLang="zh-TW" dirty="0"/>
+          </a:p>
+          <a:p>
+            <a:r>
+              <a:rPr lang="en-US" altLang="zh-TW" dirty="0"/>
+              <a:t>Use official Linux Bluetooth protocol stack(</a:t>
+            </a:r>
+            <a:r>
+              <a:rPr lang="en-US" altLang="zh-TW" dirty="0" err="1"/>
+              <a:t>BLueZ</a:t>
+            </a:r>
+            <a:r>
+              <a:rPr lang="en-US" altLang="zh-TW" dirty="0"/>
+              <a:t>) on Raspberry Pi.</a:t>
+            </a:r>
+          </a:p>
+          <a:p>
+            <a:endParaRPr lang="en-US" altLang="zh-TW" dirty="0"/>
+          </a:p>
+          <a:p>
+            <a:r>
+              <a:rPr lang="en-US" altLang="zh-TW" dirty="0"/>
+              <a:t>To emulate a mobile BLE peripheral performing a handover from one gateway to another gateway, in a controller manner, a manual attenuator is used.</a:t>
             </a:r>
             <a:endParaRPr lang="zh-TW" altLang="en-US" dirty="0"/>
           </a:p>
@@ -4610,7 +4635,7 @@
           <p:cNvPr id="4" name="投影片編號版面配置區 3">
             <a:extLst>
               <a:ext uri="{FF2B5EF4-FFF2-40B4-BE49-F238E27FC236}">
-                <a16:creationId xmlns:a16="http://schemas.microsoft.com/office/drawing/2014/main" id="{D343627B-A794-4656-8F31-A526720248C0}"/>
+                <a16:creationId xmlns:a16="http://schemas.microsoft.com/office/drawing/2014/main" id="{AD1B4B23-F0A7-40BA-987D-16C4CCB324A1}"/>
               </a:ext>
             </a:extLst>
           </p:cNvPr>
@@ -4637,7 +4662,7 @@
     </p:spTree>
     <p:extLst>
       <p:ext uri="{BB962C8B-B14F-4D97-AF65-F5344CB8AC3E}">
-        <p14:creationId xmlns:p14="http://schemas.microsoft.com/office/powerpoint/2010/main" val="3385593956"/>
+        <p14:creationId xmlns:p14="http://schemas.microsoft.com/office/powerpoint/2010/main" val="664417199"/>
       </p:ext>
     </p:extLst>
   </p:cSld>
@@ -4669,7 +4694,7 @@
           <p:cNvPr id="2" name="標題 1">
             <a:extLst>
               <a:ext uri="{FF2B5EF4-FFF2-40B4-BE49-F238E27FC236}">
-                <a16:creationId xmlns:a16="http://schemas.microsoft.com/office/drawing/2014/main" id="{B93EF638-2849-41FC-9ED3-28D8E0CE969E}"/>
+                <a16:creationId xmlns:a16="http://schemas.microsoft.com/office/drawing/2014/main" id="{B395D8BB-EDB2-42F3-9D92-4E6E7DCBB06A}"/>
               </a:ext>
             </a:extLst>
           </p:cNvPr>
@@ -4687,7 +4712,7 @@
           <a:p>
             <a:r>
               <a:rPr lang="en-US" altLang="zh-TW" dirty="0"/>
-              <a:t>Implementation details</a:t>
+              <a:t>Evaluation</a:t>
             </a:r>
             <a:endParaRPr lang="zh-TW" altLang="en-US" dirty="0"/>
           </a:p>
@@ -4698,7 +4723,7 @@
           <p:cNvPr id="3" name="內容版面配置區 2">
             <a:extLst>
               <a:ext uri="{FF2B5EF4-FFF2-40B4-BE49-F238E27FC236}">
-                <a16:creationId xmlns:a16="http://schemas.microsoft.com/office/drawing/2014/main" id="{FE76078E-89DF-42BA-BFF0-0789F7A2DC49}"/>
+                <a16:creationId xmlns:a16="http://schemas.microsoft.com/office/drawing/2014/main" id="{C1C16457-135B-42D6-BD5B-8AF9CCC2689E}"/>
               </a:ext>
             </a:extLst>
           </p:cNvPr>
@@ -4711,62 +4736,18 @@
         </p:nvSpPr>
         <p:spPr/>
         <p:txBody>
-          <a:bodyPr>
-            <a:normAutofit fontScale="92500" lnSpcReduction="10000"/>
-          </a:bodyPr>
-          <a:lstStyle/>
-          <a:p>
-            <a:r>
-              <a:rPr lang="en-US" altLang="zh-TW" dirty="0"/>
-              <a:t>The BLE peripheral’s role is enacted using a nRF52840 board and the other roles(</a:t>
-            </a:r>
-            <a:r>
-              <a:rPr lang="en-US" altLang="zh-TW" dirty="0" err="1"/>
-              <a:t>GW,Controller</a:t>
-            </a:r>
-            <a:r>
-              <a:rPr lang="en-US" altLang="zh-TW" dirty="0"/>
-              <a:t>) are enacted using Raspberry PI’s.</a:t>
+          <a:bodyPr/>
+          <a:lstStyle/>
+          <a:p>
+            <a:r>
+              <a:rPr lang="en-US" altLang="zh-TW" dirty="0"/>
+              <a:t>The performance of the handover process is predominantly impacted by two steps: disconnecting from the current GW and setting up a connection with the alternative GW.</a:t>
             </a:r>
           </a:p>
           <a:p>
             <a:endParaRPr lang="en-US" altLang="zh-TW" dirty="0"/>
           </a:p>
           <a:p>
-            <a:r>
-              <a:rPr lang="en-US" altLang="zh-TW" b="1" dirty="0"/>
-              <a:t>nRF52840</a:t>
-            </a:r>
-            <a:r>
-              <a:rPr lang="en-US" altLang="zh-TW" dirty="0"/>
-              <a:t> board is capable of implementing a complete BLE v5.0 supported stack as well as the IPv6 over BLE stack adjustment.</a:t>
-            </a:r>
-          </a:p>
-          <a:p>
-            <a:endParaRPr lang="en-US" altLang="zh-TW" dirty="0"/>
-          </a:p>
-          <a:p>
-            <a:r>
-              <a:rPr lang="en-US" altLang="zh-TW" dirty="0"/>
-              <a:t>Use official Linux Bluetooth protocol stack(</a:t>
-            </a:r>
-            <a:r>
-              <a:rPr lang="en-US" altLang="zh-TW" dirty="0" err="1"/>
-              <a:t>BLueZ</a:t>
-            </a:r>
-            <a:r>
-              <a:rPr lang="en-US" altLang="zh-TW" dirty="0"/>
-              <a:t>) on Raspberry Pi.</a:t>
-            </a:r>
-          </a:p>
-          <a:p>
-            <a:endParaRPr lang="en-US" altLang="zh-TW" dirty="0"/>
-          </a:p>
-          <a:p>
-            <a:r>
-              <a:rPr lang="en-US" altLang="zh-TW" dirty="0"/>
-              <a:t>To emulate a mobile BLE peripheral performing a handover from one gateway to another gateway, in a controller manner, a manual attenuator is used.</a:t>
-            </a:r>
             <a:endParaRPr lang="zh-TW" altLang="en-US" dirty="0"/>
           </a:p>
         </p:txBody>
@@ -4776,7 +4757,7 @@
           <p:cNvPr id="4" name="投影片編號版面配置區 3">
             <a:extLst>
               <a:ext uri="{FF2B5EF4-FFF2-40B4-BE49-F238E27FC236}">
-                <a16:creationId xmlns:a16="http://schemas.microsoft.com/office/drawing/2014/main" id="{AD1B4B23-F0A7-40BA-987D-16C4CCB324A1}"/>
+                <a16:creationId xmlns:a16="http://schemas.microsoft.com/office/drawing/2014/main" id="{2E50D0C3-38B0-420B-AA42-A979EDC25DED}"/>
               </a:ext>
             </a:extLst>
           </p:cNvPr>
@@ -4795,128 +4776,6 @@
             <a:fld id="{50029C49-A5A9-4A95-8BF0-94F73808DB5F}" type="slidenum">
               <a:rPr lang="zh-TW" altLang="en-US" smtClean="0"/>
               <a:t>14</a:t>
-            </a:fld>
-            <a:endParaRPr lang="zh-TW" altLang="en-US"/>
-          </a:p>
-        </p:txBody>
-      </p:sp>
-    </p:spTree>
-    <p:extLst>
-      <p:ext uri="{BB962C8B-B14F-4D97-AF65-F5344CB8AC3E}">
-        <p14:creationId xmlns:p14="http://schemas.microsoft.com/office/powerpoint/2010/main" val="664417199"/>
-      </p:ext>
-    </p:extLst>
-  </p:cSld>
-  <p:clrMapOvr>
-    <a:masterClrMapping/>
-  </p:clrMapOvr>
-</p:sld>
-</file>
-
-<file path=ppt/slides/slide15.xml><?xml version="1.0" encoding="utf-8"?>
-<p:sld xmlns:a="http://schemas.openxmlformats.org/drawingml/2006/main" xmlns:r="http://schemas.openxmlformats.org/officeDocument/2006/relationships" xmlns:p="http://schemas.openxmlformats.org/presentationml/2006/main">
-  <p:cSld>
-    <p:spTree>
-      <p:nvGrpSpPr>
-        <p:cNvPr id="1" name=""/>
-        <p:cNvGrpSpPr/>
-        <p:nvPr/>
-      </p:nvGrpSpPr>
-      <p:grpSpPr>
-        <a:xfrm>
-          <a:off x="0" y="0"/>
-          <a:ext cx="0" cy="0"/>
-          <a:chOff x="0" y="0"/>
-          <a:chExt cx="0" cy="0"/>
-        </a:xfrm>
-      </p:grpSpPr>
-      <p:sp>
-        <p:nvSpPr>
-          <p:cNvPr id="2" name="標題 1">
-            <a:extLst>
-              <a:ext uri="{FF2B5EF4-FFF2-40B4-BE49-F238E27FC236}">
-                <a16:creationId xmlns:a16="http://schemas.microsoft.com/office/drawing/2014/main" id="{B395D8BB-EDB2-42F3-9D92-4E6E7DCBB06A}"/>
-              </a:ext>
-            </a:extLst>
-          </p:cNvPr>
-          <p:cNvSpPr>
-            <a:spLocks noGrp="1"/>
-          </p:cNvSpPr>
-          <p:nvPr>
-            <p:ph type="title"/>
-          </p:nvPr>
-        </p:nvSpPr>
-        <p:spPr/>
-        <p:txBody>
-          <a:bodyPr/>
-          <a:lstStyle/>
-          <a:p>
-            <a:r>
-              <a:rPr lang="en-US" altLang="zh-TW" dirty="0"/>
-              <a:t>Evaluation</a:t>
-            </a:r>
-            <a:endParaRPr lang="zh-TW" altLang="en-US" dirty="0"/>
-          </a:p>
-        </p:txBody>
-      </p:sp>
-      <p:sp>
-        <p:nvSpPr>
-          <p:cNvPr id="3" name="內容版面配置區 2">
-            <a:extLst>
-              <a:ext uri="{FF2B5EF4-FFF2-40B4-BE49-F238E27FC236}">
-                <a16:creationId xmlns:a16="http://schemas.microsoft.com/office/drawing/2014/main" id="{C1C16457-135B-42D6-BD5B-8AF9CCC2689E}"/>
-              </a:ext>
-            </a:extLst>
-          </p:cNvPr>
-          <p:cNvSpPr>
-            <a:spLocks noGrp="1"/>
-          </p:cNvSpPr>
-          <p:nvPr>
-            <p:ph idx="1"/>
-          </p:nvPr>
-        </p:nvSpPr>
-        <p:spPr/>
-        <p:txBody>
-          <a:bodyPr/>
-          <a:lstStyle/>
-          <a:p>
-            <a:r>
-              <a:rPr lang="en-US" altLang="zh-TW" dirty="0"/>
-              <a:t>The performance of the handover process is predominantly impacted by two steps: disconnecting from the current GW and setting up a connection with the alternative GW.</a:t>
-            </a:r>
-          </a:p>
-          <a:p>
-            <a:endParaRPr lang="en-US" altLang="zh-TW" dirty="0"/>
-          </a:p>
-          <a:p>
-            <a:endParaRPr lang="zh-TW" altLang="en-US" dirty="0"/>
-          </a:p>
-        </p:txBody>
-      </p:sp>
-      <p:sp>
-        <p:nvSpPr>
-          <p:cNvPr id="4" name="投影片編號版面配置區 3">
-            <a:extLst>
-              <a:ext uri="{FF2B5EF4-FFF2-40B4-BE49-F238E27FC236}">
-                <a16:creationId xmlns:a16="http://schemas.microsoft.com/office/drawing/2014/main" id="{2E50D0C3-38B0-420B-AA42-A979EDC25DED}"/>
-              </a:ext>
-            </a:extLst>
-          </p:cNvPr>
-          <p:cNvSpPr>
-            <a:spLocks noGrp="1"/>
-          </p:cNvSpPr>
-          <p:nvPr>
-            <p:ph type="sldNum" sz="quarter" idx="12"/>
-          </p:nvPr>
-        </p:nvSpPr>
-        <p:spPr/>
-        <p:txBody>
-          <a:bodyPr/>
-          <a:lstStyle/>
-          <a:p>
-            <a:fld id="{50029C49-A5A9-4A95-8BF0-94F73808DB5F}" type="slidenum">
-              <a:rPr lang="zh-TW" altLang="en-US" smtClean="0"/>
-              <a:t>15</a:t>
             </a:fld>
             <a:endParaRPr lang="zh-TW" altLang="en-US"/>
           </a:p>
@@ -4935,7 +4794,7 @@
 </p:sld>
 </file>
 
-<file path=ppt/slides/slide16.xml><?xml version="1.0" encoding="utf-8"?>
+<file path=ppt/slides/slide15.xml><?xml version="1.0" encoding="utf-8"?>
 <p:sld xmlns:a="http://schemas.openxmlformats.org/drawingml/2006/main" xmlns:r="http://schemas.openxmlformats.org/officeDocument/2006/relationships" xmlns:p="http://schemas.openxmlformats.org/presentationml/2006/main">
   <p:cSld>
     <p:spTree>
@@ -5173,7 +5032,7 @@
           <a:p>
             <a:fld id="{50029C49-A5A9-4A95-8BF0-94F73808DB5F}" type="slidenum">
               <a:rPr lang="zh-TW" altLang="en-US" smtClean="0"/>
-              <a:t>16</a:t>
+              <a:t>15</a:t>
             </a:fld>
             <a:endParaRPr lang="zh-TW" altLang="en-US" dirty="0"/>
           </a:p>
@@ -5183,6 +5042,142 @@
     <p:extLst>
       <p:ext uri="{BB962C8B-B14F-4D97-AF65-F5344CB8AC3E}">
         <p14:creationId xmlns:p14="http://schemas.microsoft.com/office/powerpoint/2010/main" val="625403940"/>
+      </p:ext>
+    </p:extLst>
+  </p:cSld>
+  <p:clrMapOvr>
+    <a:masterClrMapping/>
+  </p:clrMapOvr>
+</p:sld>
+</file>
+
+<file path=ppt/slides/slide16.xml><?xml version="1.0" encoding="utf-8"?>
+<p:sld xmlns:a="http://schemas.openxmlformats.org/drawingml/2006/main" xmlns:r="http://schemas.openxmlformats.org/officeDocument/2006/relationships" xmlns:p="http://schemas.openxmlformats.org/presentationml/2006/main">
+  <p:cSld>
+    <p:spTree>
+      <p:nvGrpSpPr>
+        <p:cNvPr id="1" name=""/>
+        <p:cNvGrpSpPr/>
+        <p:nvPr/>
+      </p:nvGrpSpPr>
+      <p:grpSpPr>
+        <a:xfrm>
+          <a:off x="0" y="0"/>
+          <a:ext cx="0" cy="0"/>
+          <a:chOff x="0" y="0"/>
+          <a:chExt cx="0" cy="0"/>
+        </a:xfrm>
+      </p:grpSpPr>
+      <p:sp>
+        <p:nvSpPr>
+          <p:cNvPr id="2" name="標題 1">
+            <a:extLst>
+              <a:ext uri="{FF2B5EF4-FFF2-40B4-BE49-F238E27FC236}">
+                <a16:creationId xmlns:a16="http://schemas.microsoft.com/office/drawing/2014/main" id="{B395D8BB-EDB2-42F3-9D92-4E6E7DCBB06A}"/>
+              </a:ext>
+            </a:extLst>
+          </p:cNvPr>
+          <p:cNvSpPr>
+            <a:spLocks noGrp="1"/>
+          </p:cNvSpPr>
+          <p:nvPr>
+            <p:ph type="title"/>
+          </p:nvPr>
+        </p:nvSpPr>
+        <p:spPr/>
+        <p:txBody>
+          <a:bodyPr/>
+          <a:lstStyle/>
+          <a:p>
+            <a:r>
+              <a:rPr lang="en-US" altLang="zh-TW" dirty="0"/>
+              <a:t>Evaluation : passive handover(cont’d) </a:t>
+            </a:r>
+            <a:endParaRPr lang="zh-TW" altLang="en-US" dirty="0"/>
+          </a:p>
+        </p:txBody>
+      </p:sp>
+      <p:sp>
+        <p:nvSpPr>
+          <p:cNvPr id="3" name="內容版面配置區 2">
+            <a:extLst>
+              <a:ext uri="{FF2B5EF4-FFF2-40B4-BE49-F238E27FC236}">
+                <a16:creationId xmlns:a16="http://schemas.microsoft.com/office/drawing/2014/main" id="{C1C16457-135B-42D6-BD5B-8AF9CCC2689E}"/>
+              </a:ext>
+            </a:extLst>
+          </p:cNvPr>
+          <p:cNvSpPr>
+            <a:spLocks noGrp="1"/>
+          </p:cNvSpPr>
+          <p:nvPr>
+            <p:ph idx="1"/>
+          </p:nvPr>
+        </p:nvSpPr>
+        <p:spPr/>
+        <p:txBody>
+          <a:bodyPr>
+            <a:normAutofit lnSpcReduction="10000"/>
+          </a:bodyPr>
+          <a:lstStyle/>
+          <a:p>
+            <a:r>
+              <a:rPr lang="en-US" altLang="zh-TW" dirty="0"/>
+              <a:t>About setting up a connection with the alternative GW</a:t>
+            </a:r>
+          </a:p>
+          <a:p>
+            <a:endParaRPr lang="en-US" altLang="zh-TW" dirty="0"/>
+          </a:p>
+          <a:p>
+            <a:r>
+              <a:rPr lang="en-US" altLang="zh-TW" dirty="0"/>
+              <a:t>Once the BLE peripheral’s supervision timeout has timed out, it transitions back to the advertising state, broadcasting connectable advertisements at a certain advertising interval.</a:t>
+            </a:r>
+          </a:p>
+          <a:p>
+            <a:endParaRPr lang="en-US" altLang="zh-TW" dirty="0"/>
+          </a:p>
+          <a:p>
+            <a:r>
+              <a:rPr lang="en-US" altLang="zh-TW" dirty="0"/>
+              <a:t>A GW that is not in a connection or still has room for another BLE connection, is in the initiating state and attempts to set up a connection upon receiving the connectable advertisements from the BLE peripheral.</a:t>
+            </a:r>
+          </a:p>
+        </p:txBody>
+      </p:sp>
+      <p:sp>
+        <p:nvSpPr>
+          <p:cNvPr id="9" name="投影片編號版面配置區 8">
+            <a:extLst>
+              <a:ext uri="{FF2B5EF4-FFF2-40B4-BE49-F238E27FC236}">
+                <a16:creationId xmlns:a16="http://schemas.microsoft.com/office/drawing/2014/main" id="{4F567620-92F9-4E3B-8423-A474721BEFEF}"/>
+              </a:ext>
+            </a:extLst>
+          </p:cNvPr>
+          <p:cNvSpPr>
+            <a:spLocks noGrp="1"/>
+          </p:cNvSpPr>
+          <p:nvPr>
+            <p:ph type="sldNum" sz="quarter" idx="12"/>
+          </p:nvPr>
+        </p:nvSpPr>
+        <p:spPr/>
+        <p:txBody>
+          <a:bodyPr/>
+          <a:lstStyle/>
+          <a:p>
+            <a:fld id="{50029C49-A5A9-4A95-8BF0-94F73808DB5F}" type="slidenum">
+              <a:rPr lang="zh-TW" altLang="en-US" smtClean="0"/>
+              <a:t>16</a:t>
+            </a:fld>
+            <a:endParaRPr lang="zh-TW" altLang="en-US" dirty="0"/>
+          </a:p>
+        </p:txBody>
+      </p:sp>
+    </p:spTree>
+    <p:extLst>
+      <p:ext uri="{BB962C8B-B14F-4D97-AF65-F5344CB8AC3E}">
+        <p14:creationId xmlns:p14="http://schemas.microsoft.com/office/powerpoint/2010/main" val="2107489994"/>
       </p:ext>
     </p:extLst>
   </p:cSld>
@@ -5263,7 +5258,7 @@
           <a:p>
             <a:r>
               <a:rPr lang="en-US" altLang="zh-TW" dirty="0"/>
-              <a:t>About setting up a connection with the alternative GW</a:t>
+              <a:t>About BLE parameter combinations</a:t>
             </a:r>
           </a:p>
           <a:p>
@@ -5272,7 +5267,7 @@
           <a:p>
             <a:r>
               <a:rPr lang="en-US" altLang="zh-TW" dirty="0"/>
-              <a:t>Once the BLE peripheral’s supervision timeout has timed out, it transitions back to the advertising state, broadcasting connectable advertisements at a certain advertising interval.</a:t>
+              <a:t>The advertising interval should be smaller or equal to the scan window, because otherwise it cannot be guaranteed that the GW will be able to receive a connectable advertisement in an acceptable time window.</a:t>
             </a:r>
           </a:p>
           <a:p>
@@ -5281,8 +5276,20 @@
           <a:p>
             <a:r>
               <a:rPr lang="en-US" altLang="zh-TW" dirty="0"/>
-              <a:t>A GW that is not in a connection or still has room for another BLE connection, is in the initiating state and attempts to set up a connection upon receiving the connectable advertisements from the BLE peripheral.</a:t>
-            </a:r>
+              <a:t>A higher scan duty cycle ( scan window/scan interval ) has a positive impact on the handover latency but a negative impact on the energy consumption of the GW. </a:t>
+            </a:r>
+          </a:p>
+          <a:p>
+            <a:endParaRPr lang="en-US" altLang="zh-TW" dirty="0"/>
+          </a:p>
+          <a:p>
+            <a:endParaRPr lang="en-US" altLang="zh-TW" dirty="0"/>
+          </a:p>
+          <a:p>
+            <a:endParaRPr lang="en-US" altLang="zh-TW" dirty="0"/>
+          </a:p>
+          <a:p>
+            <a:endParaRPr lang="en-US" altLang="zh-TW" dirty="0"/>
           </a:p>
         </p:txBody>
       </p:sp>
@@ -5310,154 +5317,6 @@
             <a:fld id="{50029C49-A5A9-4A95-8BF0-94F73808DB5F}" type="slidenum">
               <a:rPr lang="zh-TW" altLang="en-US" smtClean="0"/>
               <a:t>17</a:t>
-            </a:fld>
-            <a:endParaRPr lang="zh-TW" altLang="en-US" dirty="0"/>
-          </a:p>
-        </p:txBody>
-      </p:sp>
-    </p:spTree>
-    <p:extLst>
-      <p:ext uri="{BB962C8B-B14F-4D97-AF65-F5344CB8AC3E}">
-        <p14:creationId xmlns:p14="http://schemas.microsoft.com/office/powerpoint/2010/main" val="2107489994"/>
-      </p:ext>
-    </p:extLst>
-  </p:cSld>
-  <p:clrMapOvr>
-    <a:masterClrMapping/>
-  </p:clrMapOvr>
-</p:sld>
-</file>
-
-<file path=ppt/slides/slide18.xml><?xml version="1.0" encoding="utf-8"?>
-<p:sld xmlns:a="http://schemas.openxmlformats.org/drawingml/2006/main" xmlns:r="http://schemas.openxmlformats.org/officeDocument/2006/relationships" xmlns:p="http://schemas.openxmlformats.org/presentationml/2006/main">
-  <p:cSld>
-    <p:spTree>
-      <p:nvGrpSpPr>
-        <p:cNvPr id="1" name=""/>
-        <p:cNvGrpSpPr/>
-        <p:nvPr/>
-      </p:nvGrpSpPr>
-      <p:grpSpPr>
-        <a:xfrm>
-          <a:off x="0" y="0"/>
-          <a:ext cx="0" cy="0"/>
-          <a:chOff x="0" y="0"/>
-          <a:chExt cx="0" cy="0"/>
-        </a:xfrm>
-      </p:grpSpPr>
-      <p:sp>
-        <p:nvSpPr>
-          <p:cNvPr id="2" name="標題 1">
-            <a:extLst>
-              <a:ext uri="{FF2B5EF4-FFF2-40B4-BE49-F238E27FC236}">
-                <a16:creationId xmlns:a16="http://schemas.microsoft.com/office/drawing/2014/main" id="{B395D8BB-EDB2-42F3-9D92-4E6E7DCBB06A}"/>
-              </a:ext>
-            </a:extLst>
-          </p:cNvPr>
-          <p:cNvSpPr>
-            <a:spLocks noGrp="1"/>
-          </p:cNvSpPr>
-          <p:nvPr>
-            <p:ph type="title"/>
-          </p:nvPr>
-        </p:nvSpPr>
-        <p:spPr/>
-        <p:txBody>
-          <a:bodyPr/>
-          <a:lstStyle/>
-          <a:p>
-            <a:r>
-              <a:rPr lang="en-US" altLang="zh-TW" dirty="0"/>
-              <a:t>Evaluation : passive handover(cont’d) </a:t>
-            </a:r>
-            <a:endParaRPr lang="zh-TW" altLang="en-US" dirty="0"/>
-          </a:p>
-        </p:txBody>
-      </p:sp>
-      <p:sp>
-        <p:nvSpPr>
-          <p:cNvPr id="3" name="內容版面配置區 2">
-            <a:extLst>
-              <a:ext uri="{FF2B5EF4-FFF2-40B4-BE49-F238E27FC236}">
-                <a16:creationId xmlns:a16="http://schemas.microsoft.com/office/drawing/2014/main" id="{C1C16457-135B-42D6-BD5B-8AF9CCC2689E}"/>
-              </a:ext>
-            </a:extLst>
-          </p:cNvPr>
-          <p:cNvSpPr>
-            <a:spLocks noGrp="1"/>
-          </p:cNvSpPr>
-          <p:nvPr>
-            <p:ph idx="1"/>
-          </p:nvPr>
-        </p:nvSpPr>
-        <p:spPr/>
-        <p:txBody>
-          <a:bodyPr>
-            <a:normAutofit lnSpcReduction="10000"/>
-          </a:bodyPr>
-          <a:lstStyle/>
-          <a:p>
-            <a:r>
-              <a:rPr lang="en-US" altLang="zh-TW" dirty="0"/>
-              <a:t>About BLE parameter combinations</a:t>
-            </a:r>
-          </a:p>
-          <a:p>
-            <a:endParaRPr lang="en-US" altLang="zh-TW" dirty="0"/>
-          </a:p>
-          <a:p>
-            <a:r>
-              <a:rPr lang="en-US" altLang="zh-TW" dirty="0"/>
-              <a:t>The advertising interval should be smaller or equal to the scan window, because otherwise it cannot be guaranteed that the GW will be able to receive a connectable advertisement in an acceptable time window.</a:t>
-            </a:r>
-          </a:p>
-          <a:p>
-            <a:endParaRPr lang="en-US" altLang="zh-TW" dirty="0"/>
-          </a:p>
-          <a:p>
-            <a:r>
-              <a:rPr lang="en-US" altLang="zh-TW" dirty="0"/>
-              <a:t>A higher scan duty cycle ( scan window/scan interval ) has a positive impact on the handover latency but a negative impact on the energy consumption of the GW. </a:t>
-            </a:r>
-          </a:p>
-          <a:p>
-            <a:endParaRPr lang="en-US" altLang="zh-TW" dirty="0"/>
-          </a:p>
-          <a:p>
-            <a:endParaRPr lang="en-US" altLang="zh-TW" dirty="0"/>
-          </a:p>
-          <a:p>
-            <a:endParaRPr lang="en-US" altLang="zh-TW" dirty="0"/>
-          </a:p>
-          <a:p>
-            <a:endParaRPr lang="en-US" altLang="zh-TW" dirty="0"/>
-          </a:p>
-        </p:txBody>
-      </p:sp>
-      <p:sp>
-        <p:nvSpPr>
-          <p:cNvPr id="9" name="投影片編號版面配置區 8">
-            <a:extLst>
-              <a:ext uri="{FF2B5EF4-FFF2-40B4-BE49-F238E27FC236}">
-                <a16:creationId xmlns:a16="http://schemas.microsoft.com/office/drawing/2014/main" id="{4F567620-92F9-4E3B-8423-A474721BEFEF}"/>
-              </a:ext>
-            </a:extLst>
-          </p:cNvPr>
-          <p:cNvSpPr>
-            <a:spLocks noGrp="1"/>
-          </p:cNvSpPr>
-          <p:nvPr>
-            <p:ph type="sldNum" sz="quarter" idx="12"/>
-          </p:nvPr>
-        </p:nvSpPr>
-        <p:spPr/>
-        <p:txBody>
-          <a:bodyPr/>
-          <a:lstStyle/>
-          <a:p>
-            <a:fld id="{50029C49-A5A9-4A95-8BF0-94F73808DB5F}" type="slidenum">
-              <a:rPr lang="zh-TW" altLang="en-US" smtClean="0"/>
-              <a:t>18</a:t>
             </a:fld>
             <a:endParaRPr lang="zh-TW" altLang="en-US" dirty="0"/>
           </a:p>
@@ -5476,7 +5335,7 @@
 </p:sld>
 </file>
 
-<file path=ppt/slides/slide19.xml><?xml version="1.0" encoding="utf-8"?>
+<file path=ppt/slides/slide18.xml><?xml version="1.0" encoding="utf-8"?>
 <p:sld xmlns:a="http://schemas.openxmlformats.org/drawingml/2006/main" xmlns:r="http://schemas.openxmlformats.org/officeDocument/2006/relationships" xmlns:p="http://schemas.openxmlformats.org/presentationml/2006/main">
   <p:cSld>
     <p:spTree>
@@ -5704,7 +5563,7 @@
           <a:p>
             <a:fld id="{50029C49-A5A9-4A95-8BF0-94F73808DB5F}" type="slidenum">
               <a:rPr lang="zh-TW" altLang="en-US" smtClean="0"/>
-              <a:t>19</a:t>
+              <a:t>18</a:t>
             </a:fld>
             <a:endParaRPr lang="zh-TW" altLang="en-US"/>
           </a:p>
@@ -5723,176 +5582,7 @@
 </p:sld>
 </file>
 
-<file path=ppt/slides/slide2.xml><?xml version="1.0" encoding="utf-8"?>
-<p:sld xmlns:a="http://schemas.openxmlformats.org/drawingml/2006/main" xmlns:r="http://schemas.openxmlformats.org/officeDocument/2006/relationships" xmlns:p="http://schemas.openxmlformats.org/presentationml/2006/main">
-  <p:cSld>
-    <p:spTree>
-      <p:nvGrpSpPr>
-        <p:cNvPr id="1" name=""/>
-        <p:cNvGrpSpPr/>
-        <p:nvPr/>
-      </p:nvGrpSpPr>
-      <p:grpSpPr>
-        <a:xfrm>
-          <a:off x="0" y="0"/>
-          <a:ext cx="0" cy="0"/>
-          <a:chOff x="0" y="0"/>
-          <a:chExt cx="0" cy="0"/>
-        </a:xfrm>
-      </p:grpSpPr>
-      <p:sp>
-        <p:nvSpPr>
-          <p:cNvPr id="2" name="標題 1">
-            <a:extLst>
-              <a:ext uri="{FF2B5EF4-FFF2-40B4-BE49-F238E27FC236}">
-                <a16:creationId xmlns:a16="http://schemas.microsoft.com/office/drawing/2014/main" id="{374CC6A4-7D80-460A-B3B0-D78C7AA4B278}"/>
-              </a:ext>
-            </a:extLst>
-          </p:cNvPr>
-          <p:cNvSpPr>
-            <a:spLocks noGrp="1"/>
-          </p:cNvSpPr>
-          <p:nvPr>
-            <p:ph type="title"/>
-          </p:nvPr>
-        </p:nvSpPr>
-        <p:spPr/>
-        <p:txBody>
-          <a:bodyPr/>
-          <a:lstStyle/>
-          <a:p>
-            <a:r>
-              <a:rPr lang="en-US" altLang="zh-TW" dirty="0"/>
-              <a:t>Outline</a:t>
-            </a:r>
-            <a:endParaRPr lang="zh-TW" altLang="en-US" dirty="0"/>
-          </a:p>
-        </p:txBody>
-      </p:sp>
-      <p:sp>
-        <p:nvSpPr>
-          <p:cNvPr id="3" name="內容版面配置區 2">
-            <a:extLst>
-              <a:ext uri="{FF2B5EF4-FFF2-40B4-BE49-F238E27FC236}">
-                <a16:creationId xmlns:a16="http://schemas.microsoft.com/office/drawing/2014/main" id="{E4C02B56-07BF-448C-BE47-03D13CE393B5}"/>
-              </a:ext>
-            </a:extLst>
-          </p:cNvPr>
-          <p:cNvSpPr>
-            <a:spLocks noGrp="1"/>
-          </p:cNvSpPr>
-          <p:nvPr>
-            <p:ph idx="1"/>
-          </p:nvPr>
-        </p:nvSpPr>
-        <p:spPr/>
-        <p:txBody>
-          <a:bodyPr>
-            <a:normAutofit lnSpcReduction="10000"/>
-          </a:bodyPr>
-          <a:lstStyle/>
-          <a:p>
-            <a:r>
-              <a:rPr lang="en-US" altLang="zh-TW" dirty="0"/>
-              <a:t>Introduction</a:t>
-            </a:r>
-          </a:p>
-          <a:p>
-            <a:r>
-              <a:rPr lang="en-US" altLang="zh-TW" dirty="0"/>
-              <a:t>Primer on BLE and BLE over IPv6</a:t>
-            </a:r>
-          </a:p>
-          <a:p>
-            <a:r>
-              <a:rPr lang="en-US" altLang="zh-TW" dirty="0"/>
-              <a:t>Related work</a:t>
-            </a:r>
-          </a:p>
-          <a:p>
-            <a:r>
-              <a:rPr lang="en-US" altLang="zh-TW" dirty="0"/>
-              <a:t>A BLE-based multi-Gateway network infrastructure</a:t>
-            </a:r>
-          </a:p>
-          <a:p>
-            <a:r>
-              <a:rPr lang="en-US" altLang="zh-TW" dirty="0"/>
-              <a:t>Handover approaches</a:t>
-            </a:r>
-          </a:p>
-          <a:p>
-            <a:r>
-              <a:rPr lang="en-US" altLang="zh-TW" dirty="0"/>
-              <a:t>Implementation details</a:t>
-            </a:r>
-          </a:p>
-          <a:p>
-            <a:r>
-              <a:rPr lang="en-US" altLang="zh-TW" dirty="0"/>
-              <a:t>Evaluation</a:t>
-            </a:r>
-          </a:p>
-          <a:p>
-            <a:r>
-              <a:rPr lang="en-US" altLang="zh-TW" dirty="0"/>
-              <a:t>Conclusion</a:t>
-            </a:r>
-          </a:p>
-          <a:p>
-            <a:r>
-              <a:rPr lang="en-US" altLang="zh-TW" dirty="0"/>
-              <a:t>References</a:t>
-            </a:r>
-          </a:p>
-          <a:p>
-            <a:endParaRPr lang="zh-TW" altLang="en-US" dirty="0"/>
-          </a:p>
-        </p:txBody>
-      </p:sp>
-      <p:sp>
-        <p:nvSpPr>
-          <p:cNvPr id="4" name="投影片編號版面配置區 3">
-            <a:extLst>
-              <a:ext uri="{FF2B5EF4-FFF2-40B4-BE49-F238E27FC236}">
-                <a16:creationId xmlns:a16="http://schemas.microsoft.com/office/drawing/2014/main" id="{54C0367C-91A7-428B-B46E-60D3CE76CC93}"/>
-              </a:ext>
-            </a:extLst>
-          </p:cNvPr>
-          <p:cNvSpPr>
-            <a:spLocks noGrp="1"/>
-          </p:cNvSpPr>
-          <p:nvPr>
-            <p:ph type="sldNum" sz="quarter" idx="12"/>
-          </p:nvPr>
-        </p:nvSpPr>
-        <p:spPr/>
-        <p:txBody>
-          <a:bodyPr/>
-          <a:lstStyle/>
-          <a:p>
-            <a:fld id="{50029C49-A5A9-4A95-8BF0-94F73808DB5F}" type="slidenum">
-              <a:rPr lang="zh-TW" altLang="en-US" smtClean="0"/>
-              <a:t>2</a:t>
-            </a:fld>
-            <a:endParaRPr lang="zh-TW" altLang="en-US"/>
-          </a:p>
-        </p:txBody>
-      </p:sp>
-    </p:spTree>
-    <p:extLst>
-      <p:ext uri="{BB962C8B-B14F-4D97-AF65-F5344CB8AC3E}">
-        <p14:creationId xmlns:p14="http://schemas.microsoft.com/office/powerpoint/2010/main" val="1051466082"/>
-      </p:ext>
-    </p:extLst>
-  </p:cSld>
-  <p:clrMapOvr>
-    <a:masterClrMapping/>
-  </p:clrMapOvr>
-</p:sld>
-</file>
-
-<file path=ppt/slides/slide20.xml><?xml version="1.0" encoding="utf-8"?>
+<file path=ppt/slides/slide19.xml><?xml version="1.0" encoding="utf-8"?>
 <p:sld xmlns:a="http://schemas.openxmlformats.org/drawingml/2006/main" xmlns:r="http://schemas.openxmlformats.org/officeDocument/2006/relationships" xmlns:p="http://schemas.openxmlformats.org/presentationml/2006/main">
   <p:cSld>
     <p:spTree>
@@ -5991,7 +5681,7 @@
           <a:p>
             <a:fld id="{50029C49-A5A9-4A95-8BF0-94F73808DB5F}" type="slidenum">
               <a:rPr lang="zh-TW" altLang="en-US" smtClean="0"/>
-              <a:t>20</a:t>
+              <a:t>19</a:t>
             </a:fld>
             <a:endParaRPr lang="zh-TW" altLang="en-US" dirty="0"/>
           </a:p>
@@ -6114,6 +5804,314 @@
 </p:sld>
 </file>
 
+<file path=ppt/slides/slide2.xml><?xml version="1.0" encoding="utf-8"?>
+<p:sld xmlns:a="http://schemas.openxmlformats.org/drawingml/2006/main" xmlns:r="http://schemas.openxmlformats.org/officeDocument/2006/relationships" xmlns:p="http://schemas.openxmlformats.org/presentationml/2006/main">
+  <p:cSld>
+    <p:spTree>
+      <p:nvGrpSpPr>
+        <p:cNvPr id="1" name=""/>
+        <p:cNvGrpSpPr/>
+        <p:nvPr/>
+      </p:nvGrpSpPr>
+      <p:grpSpPr>
+        <a:xfrm>
+          <a:off x="0" y="0"/>
+          <a:ext cx="0" cy="0"/>
+          <a:chOff x="0" y="0"/>
+          <a:chExt cx="0" cy="0"/>
+        </a:xfrm>
+      </p:grpSpPr>
+      <p:sp>
+        <p:nvSpPr>
+          <p:cNvPr id="2" name="標題 1">
+            <a:extLst>
+              <a:ext uri="{FF2B5EF4-FFF2-40B4-BE49-F238E27FC236}">
+                <a16:creationId xmlns:a16="http://schemas.microsoft.com/office/drawing/2014/main" id="{374CC6A4-7D80-460A-B3B0-D78C7AA4B278}"/>
+              </a:ext>
+            </a:extLst>
+          </p:cNvPr>
+          <p:cNvSpPr>
+            <a:spLocks noGrp="1"/>
+          </p:cNvSpPr>
+          <p:nvPr>
+            <p:ph type="title"/>
+          </p:nvPr>
+        </p:nvSpPr>
+        <p:spPr/>
+        <p:txBody>
+          <a:bodyPr/>
+          <a:lstStyle/>
+          <a:p>
+            <a:r>
+              <a:rPr lang="en-US" altLang="zh-TW" dirty="0"/>
+              <a:t>Outline</a:t>
+            </a:r>
+            <a:endParaRPr lang="zh-TW" altLang="en-US" dirty="0"/>
+          </a:p>
+        </p:txBody>
+      </p:sp>
+      <p:sp>
+        <p:nvSpPr>
+          <p:cNvPr id="3" name="內容版面配置區 2">
+            <a:extLst>
+              <a:ext uri="{FF2B5EF4-FFF2-40B4-BE49-F238E27FC236}">
+                <a16:creationId xmlns:a16="http://schemas.microsoft.com/office/drawing/2014/main" id="{E4C02B56-07BF-448C-BE47-03D13CE393B5}"/>
+              </a:ext>
+            </a:extLst>
+          </p:cNvPr>
+          <p:cNvSpPr>
+            <a:spLocks noGrp="1"/>
+          </p:cNvSpPr>
+          <p:nvPr>
+            <p:ph idx="1"/>
+          </p:nvPr>
+        </p:nvSpPr>
+        <p:spPr/>
+        <p:txBody>
+          <a:bodyPr>
+            <a:normAutofit/>
+          </a:bodyPr>
+          <a:lstStyle/>
+          <a:p>
+            <a:r>
+              <a:rPr lang="en-US" altLang="zh-TW" dirty="0"/>
+              <a:t>Introduction</a:t>
+            </a:r>
+          </a:p>
+          <a:p>
+            <a:r>
+              <a:rPr lang="en-US" altLang="zh-TW" dirty="0"/>
+              <a:t>Primer on BLE and BLE over IPv6</a:t>
+            </a:r>
+          </a:p>
+          <a:p>
+            <a:r>
+              <a:rPr lang="en-US" altLang="zh-TW" dirty="0"/>
+              <a:t>A BLE-based multi-Gateway network infrastructure</a:t>
+            </a:r>
+          </a:p>
+          <a:p>
+            <a:r>
+              <a:rPr lang="en-US" altLang="zh-TW" dirty="0"/>
+              <a:t>Handover approaches</a:t>
+            </a:r>
+          </a:p>
+          <a:p>
+            <a:r>
+              <a:rPr lang="en-US" altLang="zh-TW" dirty="0"/>
+              <a:t>Implementation details</a:t>
+            </a:r>
+          </a:p>
+          <a:p>
+            <a:r>
+              <a:rPr lang="en-US" altLang="zh-TW" dirty="0"/>
+              <a:t>Evaluation</a:t>
+            </a:r>
+          </a:p>
+          <a:p>
+            <a:r>
+              <a:rPr lang="en-US" altLang="zh-TW" dirty="0"/>
+              <a:t>Conclusion</a:t>
+            </a:r>
+          </a:p>
+          <a:p>
+            <a:r>
+              <a:rPr lang="en-US" altLang="zh-TW" dirty="0"/>
+              <a:t>References</a:t>
+            </a:r>
+          </a:p>
+          <a:p>
+            <a:endParaRPr lang="zh-TW" altLang="en-US" dirty="0"/>
+          </a:p>
+        </p:txBody>
+      </p:sp>
+      <p:sp>
+        <p:nvSpPr>
+          <p:cNvPr id="4" name="投影片編號版面配置區 3">
+            <a:extLst>
+              <a:ext uri="{FF2B5EF4-FFF2-40B4-BE49-F238E27FC236}">
+                <a16:creationId xmlns:a16="http://schemas.microsoft.com/office/drawing/2014/main" id="{54C0367C-91A7-428B-B46E-60D3CE76CC93}"/>
+              </a:ext>
+            </a:extLst>
+          </p:cNvPr>
+          <p:cNvSpPr>
+            <a:spLocks noGrp="1"/>
+          </p:cNvSpPr>
+          <p:nvPr>
+            <p:ph type="sldNum" sz="quarter" idx="12"/>
+          </p:nvPr>
+        </p:nvSpPr>
+        <p:spPr/>
+        <p:txBody>
+          <a:bodyPr/>
+          <a:lstStyle/>
+          <a:p>
+            <a:fld id="{50029C49-A5A9-4A95-8BF0-94F73808DB5F}" type="slidenum">
+              <a:rPr lang="zh-TW" altLang="en-US" smtClean="0"/>
+              <a:t>2</a:t>
+            </a:fld>
+            <a:endParaRPr lang="zh-TW" altLang="en-US"/>
+          </a:p>
+        </p:txBody>
+      </p:sp>
+    </p:spTree>
+    <p:extLst>
+      <p:ext uri="{BB962C8B-B14F-4D97-AF65-F5344CB8AC3E}">
+        <p14:creationId xmlns:p14="http://schemas.microsoft.com/office/powerpoint/2010/main" val="1051466082"/>
+      </p:ext>
+    </p:extLst>
+  </p:cSld>
+  <p:clrMapOvr>
+    <a:masterClrMapping/>
+  </p:clrMapOvr>
+</p:sld>
+</file>
+
+<file path=ppt/slides/slide20.xml><?xml version="1.0" encoding="utf-8"?>
+<p:sld xmlns:a="http://schemas.openxmlformats.org/drawingml/2006/main" xmlns:r="http://schemas.openxmlformats.org/officeDocument/2006/relationships" xmlns:p="http://schemas.openxmlformats.org/presentationml/2006/main">
+  <p:cSld>
+    <p:spTree>
+      <p:nvGrpSpPr>
+        <p:cNvPr id="1" name=""/>
+        <p:cNvGrpSpPr/>
+        <p:nvPr/>
+      </p:nvGrpSpPr>
+      <p:grpSpPr>
+        <a:xfrm>
+          <a:off x="0" y="0"/>
+          <a:ext cx="0" cy="0"/>
+          <a:chOff x="0" y="0"/>
+          <a:chExt cx="0" cy="0"/>
+        </a:xfrm>
+      </p:grpSpPr>
+      <p:sp>
+        <p:nvSpPr>
+          <p:cNvPr id="2" name="標題 1">
+            <a:extLst>
+              <a:ext uri="{FF2B5EF4-FFF2-40B4-BE49-F238E27FC236}">
+                <a16:creationId xmlns:a16="http://schemas.microsoft.com/office/drawing/2014/main" id="{B395D8BB-EDB2-42F3-9D92-4E6E7DCBB06A}"/>
+              </a:ext>
+            </a:extLst>
+          </p:cNvPr>
+          <p:cNvSpPr>
+            <a:spLocks noGrp="1"/>
+          </p:cNvSpPr>
+          <p:nvPr>
+            <p:ph type="title"/>
+          </p:nvPr>
+        </p:nvSpPr>
+        <p:spPr/>
+        <p:txBody>
+          <a:bodyPr/>
+          <a:lstStyle/>
+          <a:p>
+            <a:r>
+              <a:rPr lang="en-US" altLang="zh-TW" dirty="0"/>
+              <a:t>Evaluation : active handover</a:t>
+            </a:r>
+            <a:endParaRPr lang="zh-TW" altLang="en-US" dirty="0"/>
+          </a:p>
+        </p:txBody>
+      </p:sp>
+      <p:sp>
+        <p:nvSpPr>
+          <p:cNvPr id="3" name="內容版面配置區 2">
+            <a:extLst>
+              <a:ext uri="{FF2B5EF4-FFF2-40B4-BE49-F238E27FC236}">
+                <a16:creationId xmlns:a16="http://schemas.microsoft.com/office/drawing/2014/main" id="{C1C16457-135B-42D6-BD5B-8AF9CCC2689E}"/>
+              </a:ext>
+            </a:extLst>
+          </p:cNvPr>
+          <p:cNvSpPr>
+            <a:spLocks noGrp="1"/>
+          </p:cNvSpPr>
+          <p:nvPr>
+            <p:ph idx="1"/>
+          </p:nvPr>
+        </p:nvSpPr>
+        <p:spPr/>
+        <p:txBody>
+          <a:bodyPr>
+            <a:normAutofit lnSpcReduction="10000"/>
+          </a:bodyPr>
+          <a:lstStyle/>
+          <a:p>
+            <a:r>
+              <a:rPr lang="en-US" altLang="zh-TW" dirty="0"/>
+              <a:t>About disconnecting from current GW</a:t>
+            </a:r>
+          </a:p>
+          <a:p>
+            <a:endParaRPr lang="en-US" altLang="zh-TW" dirty="0"/>
+          </a:p>
+          <a:p>
+            <a:r>
+              <a:rPr lang="en-US" altLang="zh-TW" dirty="0"/>
+              <a:t>the current GW will receive a disconnection message from the controller once a roaming decision has made. </a:t>
+            </a:r>
+          </a:p>
+          <a:p>
+            <a:endParaRPr lang="en-US" altLang="zh-TW" dirty="0"/>
+          </a:p>
+          <a:p>
+            <a:r>
+              <a:rPr lang="en-US" altLang="zh-TW" dirty="0"/>
+              <a:t>After receiving this message, the GW immediately attempts to send a disconnection request to the BLE peripheral. </a:t>
+            </a:r>
+          </a:p>
+          <a:p>
+            <a:endParaRPr lang="en-US" altLang="zh-TW" dirty="0"/>
+          </a:p>
+          <a:p>
+            <a:r>
+              <a:rPr lang="en-US" altLang="zh-TW" dirty="0"/>
+              <a:t>Upon receiving this request, the peripheral answers with a disconnection acknowledgment.</a:t>
+            </a:r>
+          </a:p>
+        </p:txBody>
+      </p:sp>
+      <p:sp>
+        <p:nvSpPr>
+          <p:cNvPr id="4" name="投影片編號版面配置區 3">
+            <a:extLst>
+              <a:ext uri="{FF2B5EF4-FFF2-40B4-BE49-F238E27FC236}">
+                <a16:creationId xmlns:a16="http://schemas.microsoft.com/office/drawing/2014/main" id="{DB634B57-2E7E-40BE-993E-5F46071107A7}"/>
+              </a:ext>
+            </a:extLst>
+          </p:cNvPr>
+          <p:cNvSpPr>
+            <a:spLocks noGrp="1"/>
+          </p:cNvSpPr>
+          <p:nvPr>
+            <p:ph type="sldNum" sz="quarter" idx="12"/>
+          </p:nvPr>
+        </p:nvSpPr>
+        <p:spPr/>
+        <p:txBody>
+          <a:bodyPr/>
+          <a:lstStyle/>
+          <a:p>
+            <a:fld id="{50029C49-A5A9-4A95-8BF0-94F73808DB5F}" type="slidenum">
+              <a:rPr lang="zh-TW" altLang="en-US" smtClean="0"/>
+              <a:t>20</a:t>
+            </a:fld>
+            <a:endParaRPr lang="zh-TW" altLang="en-US"/>
+          </a:p>
+        </p:txBody>
+      </p:sp>
+    </p:spTree>
+    <p:extLst>
+      <p:ext uri="{BB962C8B-B14F-4D97-AF65-F5344CB8AC3E}">
+        <p14:creationId xmlns:p14="http://schemas.microsoft.com/office/powerpoint/2010/main" val="1272687956"/>
+      </p:ext>
+    </p:extLst>
+  </p:cSld>
+  <p:clrMapOvr>
+    <a:masterClrMapping/>
+  </p:clrMapOvr>
+</p:sld>
+</file>
+
 <file path=ppt/slides/slide21.xml><?xml version="1.0" encoding="utf-8"?>
 <p:sld xmlns:a="http://schemas.openxmlformats.org/drawingml/2006/main" xmlns:r="http://schemas.openxmlformats.org/officeDocument/2006/relationships" xmlns:p="http://schemas.openxmlformats.org/presentationml/2006/main">
   <p:cSld>
@@ -6154,7 +6152,7 @@
           <a:p>
             <a:r>
               <a:rPr lang="en-US" altLang="zh-TW" dirty="0"/>
-              <a:t>Evaluation : active handover</a:t>
+              <a:t>Evaluation : active handover(cont’d)</a:t>
             </a:r>
             <a:endParaRPr lang="zh-TW" altLang="en-US" dirty="0"/>
           </a:p>
@@ -6179,13 +6177,13 @@
         <p:spPr/>
         <p:txBody>
           <a:bodyPr>
-            <a:normAutofit lnSpcReduction="10000"/>
+            <a:normAutofit fontScale="92500" lnSpcReduction="10000"/>
           </a:bodyPr>
           <a:lstStyle/>
           <a:p>
             <a:r>
               <a:rPr lang="en-US" altLang="zh-TW" dirty="0"/>
-              <a:t>About disconnecting from current GW</a:t>
+              <a:t>About Setting up a connection with the alternative GW</a:t>
             </a:r>
           </a:p>
           <a:p>
@@ -6194,7 +6192,7 @@
           <a:p>
             <a:r>
               <a:rPr lang="en-US" altLang="zh-TW" dirty="0"/>
-              <a:t>the current GW will receive a disconnection message from the controller once a roaming decision has made. </a:t>
+              <a:t>Once the disconnection has been finalized, the BLE peripheral switches from a connection/advertising state to solely an advertising state, broadcasting connectable advertisements. </a:t>
             </a:r>
           </a:p>
           <a:p>
@@ -6203,7 +6201,15 @@
           <a:p>
             <a:r>
               <a:rPr lang="en-US" altLang="zh-TW" dirty="0"/>
-              <a:t>After receiving this message, the GW immediately attempts to send a disconnection request to the BLE peripheral. </a:t>
+              <a:t>In the meantime, the alternative GW has received a connect message from the controller and has switched from </a:t>
+            </a:r>
+            <a:r>
+              <a:rPr lang="en-US" altLang="zh-TW" dirty="0" err="1"/>
+              <a:t>nonconnectable</a:t>
+            </a:r>
+            <a:r>
+              <a:rPr lang="en-US" altLang="zh-TW" dirty="0"/>
+              <a:t> to connectable scanning, specifically for the MAC address of the BLE peripheral at hand. </a:t>
             </a:r>
           </a:p>
           <a:p>
@@ -6212,7 +6218,7 @@
           <a:p>
             <a:r>
               <a:rPr lang="en-US" altLang="zh-TW" dirty="0"/>
-              <a:t>Upon receiving this request, the peripheral answers with a disconnection acknowledgment.</a:t>
+              <a:t>From this point, the handover process is similar to passive handover.</a:t>
             </a:r>
           </a:p>
         </p:txBody>
@@ -6249,7 +6255,7 @@
     </p:spTree>
     <p:extLst>
       <p:ext uri="{BB962C8B-B14F-4D97-AF65-F5344CB8AC3E}">
-        <p14:creationId xmlns:p14="http://schemas.microsoft.com/office/powerpoint/2010/main" val="1272687956"/>
+        <p14:creationId xmlns:p14="http://schemas.microsoft.com/office/powerpoint/2010/main" val="3783783229"/>
       </p:ext>
     </p:extLst>
   </p:cSld>
@@ -6324,13 +6330,13 @@
         <p:spPr/>
         <p:txBody>
           <a:bodyPr>
-            <a:normAutofit fontScale="92500" lnSpcReduction="10000"/>
+            <a:normAutofit lnSpcReduction="10000"/>
           </a:bodyPr>
           <a:lstStyle/>
           <a:p>
             <a:r>
               <a:rPr lang="en-US" altLang="zh-TW" dirty="0"/>
-              <a:t>About Setting up a connection with the alternative GW</a:t>
+              <a:t>Potential Optimizations</a:t>
             </a:r>
           </a:p>
           <a:p>
@@ -6339,7 +6345,7 @@
           <a:p>
             <a:r>
               <a:rPr lang="en-US" altLang="zh-TW" dirty="0"/>
-              <a:t>Once the disconnection has been finalized, the BLE peripheral switches from a connection/advertising state to solely an advertising state, broadcasting connectable advertisements. </a:t>
+              <a:t>The BLE peripheral constantly needs to advertise , This increases energy consumption and decreases the quality of the BLE connection as well.</a:t>
             </a:r>
           </a:p>
           <a:p>
@@ -6348,24 +6354,7 @@
           <a:p>
             <a:r>
               <a:rPr lang="en-US" altLang="zh-TW" dirty="0"/>
-              <a:t>In the meantime, the alternative GW has received a connect message from the controller and has switched from </a:t>
-            </a:r>
-            <a:r>
-              <a:rPr lang="en-US" altLang="zh-TW" dirty="0" err="1"/>
-              <a:t>nonconnectable</a:t>
-            </a:r>
-            <a:r>
-              <a:rPr lang="en-US" altLang="zh-TW" dirty="0"/>
-              <a:t> to connectable scanning, specifically for the MAC address of the BLE peripheral at hand. </a:t>
-            </a:r>
-          </a:p>
-          <a:p>
-            <a:endParaRPr lang="en-US" altLang="zh-TW" dirty="0"/>
-          </a:p>
-          <a:p>
-            <a:r>
-              <a:rPr lang="en-US" altLang="zh-TW" dirty="0"/>
-              <a:t>From this point, the handover process is similar to passive handover.</a:t>
+              <a:t>A possible improvement could employ a proactive decision on when to start and stop advertising. The peripheral can monitor the quality of the current connection (i.e. via RSSI) and decide via these indicators whether it is necessary to advertise its presence or not.</a:t>
             </a:r>
           </a:p>
         </p:txBody>
@@ -6402,7 +6391,7 @@
     </p:spTree>
     <p:extLst>
       <p:ext uri="{BB962C8B-B14F-4D97-AF65-F5344CB8AC3E}">
-        <p14:creationId xmlns:p14="http://schemas.microsoft.com/office/powerpoint/2010/main" val="3783783229"/>
+        <p14:creationId xmlns:p14="http://schemas.microsoft.com/office/powerpoint/2010/main" val="3851096165"/>
       </p:ext>
     </p:extLst>
   </p:cSld>
@@ -6458,54 +6447,35 @@
           </a:p>
         </p:txBody>
       </p:sp>
-      <p:sp>
-        <p:nvSpPr>
-          <p:cNvPr id="3" name="內容版面配置區 2">
-            <a:extLst>
-              <a:ext uri="{FF2B5EF4-FFF2-40B4-BE49-F238E27FC236}">
-                <a16:creationId xmlns:a16="http://schemas.microsoft.com/office/drawing/2014/main" id="{C1C16457-135B-42D6-BD5B-8AF9CCC2689E}"/>
-              </a:ext>
-            </a:extLst>
-          </p:cNvPr>
-          <p:cNvSpPr>
-            <a:spLocks noGrp="1"/>
-          </p:cNvSpPr>
+      <p:pic>
+        <p:nvPicPr>
+          <p:cNvPr id="6" name="內容版面配置區 5">
+            <a:extLst>
+              <a:ext uri="{FF2B5EF4-FFF2-40B4-BE49-F238E27FC236}">
+                <a16:creationId xmlns:a16="http://schemas.microsoft.com/office/drawing/2014/main" id="{A78F9D59-9703-400B-9573-CF8C8B02937D}"/>
+              </a:ext>
+            </a:extLst>
+          </p:cNvPr>
+          <p:cNvPicPr>
+            <a:picLocks noGrp="1" noChangeAspect="1"/>
+          </p:cNvPicPr>
           <p:nvPr>
             <p:ph idx="1"/>
           </p:nvPr>
-        </p:nvSpPr>
-        <p:spPr/>
-        <p:txBody>
-          <a:bodyPr>
-            <a:normAutofit lnSpcReduction="10000"/>
-          </a:bodyPr>
-          <a:lstStyle/>
-          <a:p>
-            <a:r>
-              <a:rPr lang="en-US" altLang="zh-TW" dirty="0"/>
-              <a:t>Potential Optimizations</a:t>
-            </a:r>
-          </a:p>
-          <a:p>
-            <a:endParaRPr lang="en-US" altLang="zh-TW" dirty="0"/>
-          </a:p>
-          <a:p>
-            <a:r>
-              <a:rPr lang="en-US" altLang="zh-TW" dirty="0"/>
-              <a:t>The BLE peripheral constantly needs to advertise , This increases energy consumption and decreases the quality of the BLE connection as well.</a:t>
-            </a:r>
-          </a:p>
-          <a:p>
-            <a:endParaRPr lang="en-US" altLang="zh-TW" dirty="0"/>
-          </a:p>
-          <a:p>
-            <a:r>
-              <a:rPr lang="en-US" altLang="zh-TW" dirty="0"/>
-              <a:t>A possible improvement could employ a proactive decision on when to start and stop advertising. The peripheral can monitor the quality of the current connection (i.e. via RSSI) and decide via these indicators whether it is necessary to advertise its presence or not.</a:t>
-            </a:r>
-          </a:p>
-        </p:txBody>
-      </p:sp>
+        </p:nvPicPr>
+        <p:blipFill>
+          <a:blip r:embed="rId2"/>
+          <a:stretch>
+            <a:fillRect/>
+          </a:stretch>
+        </p:blipFill>
+        <p:spPr>
+          <a:xfrm>
+            <a:off x="1397583" y="1489586"/>
+            <a:ext cx="9103801" cy="4866763"/>
+          </a:xfrm>
+        </p:spPr>
+      </p:pic>
       <p:sp>
         <p:nvSpPr>
           <p:cNvPr id="4" name="投影片編號版面配置區 3">
@@ -6538,7 +6508,7 @@
     </p:spTree>
     <p:extLst>
       <p:ext uri="{BB962C8B-B14F-4D97-AF65-F5344CB8AC3E}">
-        <p14:creationId xmlns:p14="http://schemas.microsoft.com/office/powerpoint/2010/main" val="3851096165"/>
+        <p14:creationId xmlns:p14="http://schemas.microsoft.com/office/powerpoint/2010/main" val="378226096"/>
       </p:ext>
     </p:extLst>
   </p:cSld>
@@ -6565,123 +6535,6 @@
           <a:chExt cx="0" cy="0"/>
         </a:xfrm>
       </p:grpSpPr>
-      <p:sp>
-        <p:nvSpPr>
-          <p:cNvPr id="2" name="標題 1">
-            <a:extLst>
-              <a:ext uri="{FF2B5EF4-FFF2-40B4-BE49-F238E27FC236}">
-                <a16:creationId xmlns:a16="http://schemas.microsoft.com/office/drawing/2014/main" id="{B395D8BB-EDB2-42F3-9D92-4E6E7DCBB06A}"/>
-              </a:ext>
-            </a:extLst>
-          </p:cNvPr>
-          <p:cNvSpPr>
-            <a:spLocks noGrp="1"/>
-          </p:cNvSpPr>
-          <p:nvPr>
-            <p:ph type="title"/>
-          </p:nvPr>
-        </p:nvSpPr>
-        <p:spPr/>
-        <p:txBody>
-          <a:bodyPr/>
-          <a:lstStyle/>
-          <a:p>
-            <a:r>
-              <a:rPr lang="en-US" altLang="zh-TW" dirty="0"/>
-              <a:t>Evaluation : active handover(cont’d)</a:t>
-            </a:r>
-            <a:endParaRPr lang="zh-TW" altLang="en-US" dirty="0"/>
-          </a:p>
-        </p:txBody>
-      </p:sp>
-      <p:pic>
-        <p:nvPicPr>
-          <p:cNvPr id="6" name="內容版面配置區 5">
-            <a:extLst>
-              <a:ext uri="{FF2B5EF4-FFF2-40B4-BE49-F238E27FC236}">
-                <a16:creationId xmlns:a16="http://schemas.microsoft.com/office/drawing/2014/main" id="{A78F9D59-9703-400B-9573-CF8C8B02937D}"/>
-              </a:ext>
-            </a:extLst>
-          </p:cNvPr>
-          <p:cNvPicPr>
-            <a:picLocks noGrp="1" noChangeAspect="1"/>
-          </p:cNvPicPr>
-          <p:nvPr>
-            <p:ph idx="1"/>
-          </p:nvPr>
-        </p:nvPicPr>
-        <p:blipFill>
-          <a:blip r:embed="rId2"/>
-          <a:stretch>
-            <a:fillRect/>
-          </a:stretch>
-        </p:blipFill>
-        <p:spPr>
-          <a:xfrm>
-            <a:off x="1397583" y="1489586"/>
-            <a:ext cx="9103801" cy="4866763"/>
-          </a:xfrm>
-        </p:spPr>
-      </p:pic>
-      <p:sp>
-        <p:nvSpPr>
-          <p:cNvPr id="4" name="投影片編號版面配置區 3">
-            <a:extLst>
-              <a:ext uri="{FF2B5EF4-FFF2-40B4-BE49-F238E27FC236}">
-                <a16:creationId xmlns:a16="http://schemas.microsoft.com/office/drawing/2014/main" id="{DB634B57-2E7E-40BE-993E-5F46071107A7}"/>
-              </a:ext>
-            </a:extLst>
-          </p:cNvPr>
-          <p:cNvSpPr>
-            <a:spLocks noGrp="1"/>
-          </p:cNvSpPr>
-          <p:nvPr>
-            <p:ph type="sldNum" sz="quarter" idx="12"/>
-          </p:nvPr>
-        </p:nvSpPr>
-        <p:spPr/>
-        <p:txBody>
-          <a:bodyPr/>
-          <a:lstStyle/>
-          <a:p>
-            <a:fld id="{50029C49-A5A9-4A95-8BF0-94F73808DB5F}" type="slidenum">
-              <a:rPr lang="zh-TW" altLang="en-US" smtClean="0"/>
-              <a:t>24</a:t>
-            </a:fld>
-            <a:endParaRPr lang="zh-TW" altLang="en-US"/>
-          </a:p>
-        </p:txBody>
-      </p:sp>
-    </p:spTree>
-    <p:extLst>
-      <p:ext uri="{BB962C8B-B14F-4D97-AF65-F5344CB8AC3E}">
-        <p14:creationId xmlns:p14="http://schemas.microsoft.com/office/powerpoint/2010/main" val="378226096"/>
-      </p:ext>
-    </p:extLst>
-  </p:cSld>
-  <p:clrMapOvr>
-    <a:masterClrMapping/>
-  </p:clrMapOvr>
-</p:sld>
-</file>
-
-<file path=ppt/slides/slide25.xml><?xml version="1.0" encoding="utf-8"?>
-<p:sld xmlns:a="http://schemas.openxmlformats.org/drawingml/2006/main" xmlns:r="http://schemas.openxmlformats.org/officeDocument/2006/relationships" xmlns:p="http://schemas.openxmlformats.org/presentationml/2006/main">
-  <p:cSld>
-    <p:spTree>
-      <p:nvGrpSpPr>
-        <p:cNvPr id="1" name=""/>
-        <p:cNvGrpSpPr/>
-        <p:nvPr/>
-      </p:nvGrpSpPr>
-      <p:grpSpPr>
-        <a:xfrm>
-          <a:off x="0" y="0"/>
-          <a:ext cx="0" cy="0"/>
-          <a:chOff x="0" y="0"/>
-          <a:chExt cx="0" cy="0"/>
-        </a:xfrm>
-      </p:grpSpPr>
       <p:pic>
         <p:nvPicPr>
           <p:cNvPr id="8" name="圖片 7">
@@ -6764,7 +6617,7 @@
           <a:p>
             <a:fld id="{50029C49-A5A9-4A95-8BF0-94F73808DB5F}" type="slidenum">
               <a:rPr lang="zh-TW" altLang="en-US" smtClean="0"/>
-              <a:t>25</a:t>
+              <a:t>24</a:t>
             </a:fld>
             <a:endParaRPr lang="zh-TW" altLang="en-US"/>
           </a:p>
@@ -6887,6 +6740,142 @@
 </p:sld>
 </file>
 
+<file path=ppt/slides/slide25.xml><?xml version="1.0" encoding="utf-8"?>
+<p:sld xmlns:a="http://schemas.openxmlformats.org/drawingml/2006/main" xmlns:r="http://schemas.openxmlformats.org/officeDocument/2006/relationships" xmlns:p="http://schemas.openxmlformats.org/presentationml/2006/main">
+  <p:cSld>
+    <p:spTree>
+      <p:nvGrpSpPr>
+        <p:cNvPr id="1" name=""/>
+        <p:cNvGrpSpPr/>
+        <p:nvPr/>
+      </p:nvGrpSpPr>
+      <p:grpSpPr>
+        <a:xfrm>
+          <a:off x="0" y="0"/>
+          <a:ext cx="0" cy="0"/>
+          <a:chOff x="0" y="0"/>
+          <a:chExt cx="0" cy="0"/>
+        </a:xfrm>
+      </p:grpSpPr>
+      <p:sp>
+        <p:nvSpPr>
+          <p:cNvPr id="2" name="標題 1">
+            <a:extLst>
+              <a:ext uri="{FF2B5EF4-FFF2-40B4-BE49-F238E27FC236}">
+                <a16:creationId xmlns:a16="http://schemas.microsoft.com/office/drawing/2014/main" id="{B395D8BB-EDB2-42F3-9D92-4E6E7DCBB06A}"/>
+              </a:ext>
+            </a:extLst>
+          </p:cNvPr>
+          <p:cNvSpPr>
+            <a:spLocks noGrp="1"/>
+          </p:cNvSpPr>
+          <p:nvPr>
+            <p:ph type="title"/>
+          </p:nvPr>
+        </p:nvSpPr>
+        <p:spPr/>
+        <p:txBody>
+          <a:bodyPr/>
+          <a:lstStyle/>
+          <a:p>
+            <a:r>
+              <a:rPr lang="en-US" altLang="zh-TW" dirty="0"/>
+              <a:t>Evaluation(cont’d)</a:t>
+            </a:r>
+            <a:endParaRPr lang="zh-TW" altLang="en-US" dirty="0"/>
+          </a:p>
+        </p:txBody>
+      </p:sp>
+      <p:sp>
+        <p:nvSpPr>
+          <p:cNvPr id="3" name="內容版面配置區 2">
+            <a:extLst>
+              <a:ext uri="{FF2B5EF4-FFF2-40B4-BE49-F238E27FC236}">
+                <a16:creationId xmlns:a16="http://schemas.microsoft.com/office/drawing/2014/main" id="{C1C16457-135B-42D6-BD5B-8AF9CCC2689E}"/>
+              </a:ext>
+            </a:extLst>
+          </p:cNvPr>
+          <p:cNvSpPr>
+            <a:spLocks noGrp="1"/>
+          </p:cNvSpPr>
+          <p:nvPr>
+            <p:ph idx="1"/>
+          </p:nvPr>
+        </p:nvSpPr>
+        <p:spPr/>
+        <p:txBody>
+          <a:bodyPr>
+            <a:normAutofit/>
+          </a:bodyPr>
+          <a:lstStyle/>
+          <a:p>
+            <a:r>
+              <a:rPr lang="en-US" altLang="zh-TW" dirty="0"/>
+              <a:t>During a handover process, the BLE peripheral is not reachable from application servers. This implies possible data loss.</a:t>
+            </a:r>
+          </a:p>
+          <a:p>
+            <a:endParaRPr lang="en-US" altLang="zh-TW" dirty="0"/>
+          </a:p>
+          <a:p>
+            <a:r>
+              <a:rPr lang="en-US" altLang="zh-TW" dirty="0"/>
+              <a:t>The newest BLE standard allows a BLE peripheral to be in a connection with multiple BLE centrals at once.</a:t>
+            </a:r>
+          </a:p>
+          <a:p>
+            <a:endParaRPr lang="en-US" altLang="zh-TW" dirty="0"/>
+          </a:p>
+          <a:p>
+            <a:r>
+              <a:rPr lang="en-US" altLang="zh-TW" dirty="0"/>
+              <a:t>Allowing the current GW to keep its connection with the BLE peripheral, until the new connection with the alternative GW is established. </a:t>
+            </a:r>
+          </a:p>
+        </p:txBody>
+      </p:sp>
+      <p:sp>
+        <p:nvSpPr>
+          <p:cNvPr id="4" name="投影片編號版面配置區 3">
+            <a:extLst>
+              <a:ext uri="{FF2B5EF4-FFF2-40B4-BE49-F238E27FC236}">
+                <a16:creationId xmlns:a16="http://schemas.microsoft.com/office/drawing/2014/main" id="{DB634B57-2E7E-40BE-993E-5F46071107A7}"/>
+              </a:ext>
+            </a:extLst>
+          </p:cNvPr>
+          <p:cNvSpPr>
+            <a:spLocks noGrp="1"/>
+          </p:cNvSpPr>
+          <p:nvPr>
+            <p:ph type="sldNum" sz="quarter" idx="12"/>
+          </p:nvPr>
+        </p:nvSpPr>
+        <p:spPr/>
+        <p:txBody>
+          <a:bodyPr/>
+          <a:lstStyle/>
+          <a:p>
+            <a:fld id="{50029C49-A5A9-4A95-8BF0-94F73808DB5F}" type="slidenum">
+              <a:rPr lang="zh-TW" altLang="en-US" smtClean="0"/>
+              <a:t>25</a:t>
+            </a:fld>
+            <a:endParaRPr lang="zh-TW" altLang="en-US"/>
+          </a:p>
+        </p:txBody>
+      </p:sp>
+    </p:spTree>
+    <p:extLst>
+      <p:ext uri="{BB962C8B-B14F-4D97-AF65-F5344CB8AC3E}">
+        <p14:creationId xmlns:p14="http://schemas.microsoft.com/office/powerpoint/2010/main" val="1590821730"/>
+      </p:ext>
+    </p:extLst>
+  </p:cSld>
+  <p:clrMapOvr>
+    <a:masterClrMapping/>
+  </p:clrMapOvr>
+</p:sld>
+</file>
+
 <file path=ppt/slides/slide26.xml><?xml version="1.0" encoding="utf-8"?>
 <p:sld xmlns:a="http://schemas.openxmlformats.org/drawingml/2006/main" xmlns:r="http://schemas.openxmlformats.org/officeDocument/2006/relationships" xmlns:p="http://schemas.openxmlformats.org/presentationml/2006/main">
   <p:cSld>
@@ -6958,7 +6947,7 @@
           <a:p>
             <a:r>
               <a:rPr lang="en-US" altLang="zh-TW" dirty="0"/>
-              <a:t>During a handover process, the BLE peripheral is not reachable from application servers. This implies possible data loss.</a:t>
+              <a:t>Finally, to avoid constant switching between connectable and non-connectable scanning, two separate BLE modules could be used on the same GW. </a:t>
             </a:r>
           </a:p>
           <a:p>
@@ -6967,7 +6956,7 @@
           <a:p>
             <a:r>
               <a:rPr lang="en-US" altLang="zh-TW" dirty="0"/>
-              <a:t>The newest BLE standard allows a BLE peripheral to be in a connection with multiple BLE centrals at once.</a:t>
+              <a:t>One module is in charge of connectable scanning and maintains existing BLE connections. </a:t>
             </a:r>
           </a:p>
           <a:p>
@@ -6976,7 +6965,7 @@
           <a:p>
             <a:r>
               <a:rPr lang="en-US" altLang="zh-TW" dirty="0"/>
-              <a:t>Allowing the current GW to keep its connection with the BLE peripheral, until the new connection with the alternative GW is established. </a:t>
+              <a:t>The other module performs only non-connectable scanning, continuously sending RSSI log messages to the controller.</a:t>
             </a:r>
           </a:p>
         </p:txBody>
@@ -7013,7 +7002,7 @@
     </p:spTree>
     <p:extLst>
       <p:ext uri="{BB962C8B-B14F-4D97-AF65-F5344CB8AC3E}">
-        <p14:creationId xmlns:p14="http://schemas.microsoft.com/office/powerpoint/2010/main" val="1590821730"/>
+        <p14:creationId xmlns:p14="http://schemas.microsoft.com/office/powerpoint/2010/main" val="1541052724"/>
       </p:ext>
     </p:extLst>
   </p:cSld>
@@ -7045,7 +7034,7 @@
           <p:cNvPr id="2" name="標題 1">
             <a:extLst>
               <a:ext uri="{FF2B5EF4-FFF2-40B4-BE49-F238E27FC236}">
-                <a16:creationId xmlns:a16="http://schemas.microsoft.com/office/drawing/2014/main" id="{B395D8BB-EDB2-42F3-9D92-4E6E7DCBB06A}"/>
+                <a16:creationId xmlns:a16="http://schemas.microsoft.com/office/drawing/2014/main" id="{B7DB5FDF-E9A2-4D3D-ACF8-CEFDE567ED4E}"/>
               </a:ext>
             </a:extLst>
           </p:cNvPr>
@@ -7063,7 +7052,7 @@
           <a:p>
             <a:r>
               <a:rPr lang="en-US" altLang="zh-TW" dirty="0"/>
-              <a:t>Evaluation(cont’d)</a:t>
+              <a:t>Conclusion</a:t>
             </a:r>
             <a:endParaRPr lang="zh-TW" altLang="en-US" dirty="0"/>
           </a:p>
@@ -7074,7 +7063,7 @@
           <p:cNvPr id="3" name="內容版面配置區 2">
             <a:extLst>
               <a:ext uri="{FF2B5EF4-FFF2-40B4-BE49-F238E27FC236}">
-                <a16:creationId xmlns:a16="http://schemas.microsoft.com/office/drawing/2014/main" id="{C1C16457-135B-42D6-BD5B-8AF9CCC2689E}"/>
+                <a16:creationId xmlns:a16="http://schemas.microsoft.com/office/drawing/2014/main" id="{24BC7DE2-9247-4111-B9E4-01812FC553D6}"/>
               </a:ext>
             </a:extLst>
           </p:cNvPr>
@@ -7087,14 +7076,12 @@
         </p:nvSpPr>
         <p:spPr/>
         <p:txBody>
-          <a:bodyPr>
-            <a:normAutofit/>
-          </a:bodyPr>
-          <a:lstStyle/>
-          <a:p>
-            <a:r>
-              <a:rPr lang="en-US" altLang="zh-TW" dirty="0"/>
-              <a:t>Finally, to avoid constant switching between connectable and non-connectable scanning, two separate BLE modules could be used on the same GW. </a:t>
+          <a:bodyPr/>
+          <a:lstStyle/>
+          <a:p>
+            <a:r>
+              <a:rPr lang="en-US" altLang="zh-TW" dirty="0"/>
+              <a:t>In this paper, two architectures are proposed to realize a BLE-based multi-GW network infrastructure that is able to provide bidirectional connectivity to mobile BLE peripherals. </a:t>
             </a:r>
           </a:p>
           <a:p>
@@ -7103,17 +7090,9 @@
           <a:p>
             <a:r>
               <a:rPr lang="en-US" altLang="zh-TW" dirty="0"/>
-              <a:t>One module is in charge of connectable scanning and maintains existing BLE connections. </a:t>
-            </a:r>
-          </a:p>
-          <a:p>
-            <a:endParaRPr lang="en-US" altLang="zh-TW" dirty="0"/>
-          </a:p>
-          <a:p>
-            <a:r>
-              <a:rPr lang="en-US" altLang="zh-TW" dirty="0"/>
-              <a:t>The other module performs only non-connectable scanning, continuously sending RSSI log messages to the controller.</a:t>
-            </a:r>
+              <a:t>The IP based architecture offers seamless end-to-end IP connectivity between a mobile BLE peripheral and an existing IP network. It limits custom implementation needs, but requires more resources from the already constrained mobile BLE peripheral. </a:t>
+            </a:r>
+            <a:endParaRPr lang="zh-TW" altLang="en-US" dirty="0"/>
           </a:p>
         </p:txBody>
       </p:sp>
@@ -7122,7 +7101,7 @@
           <p:cNvPr id="4" name="投影片編號版面配置區 3">
             <a:extLst>
               <a:ext uri="{FF2B5EF4-FFF2-40B4-BE49-F238E27FC236}">
-                <a16:creationId xmlns:a16="http://schemas.microsoft.com/office/drawing/2014/main" id="{DB634B57-2E7E-40BE-993E-5F46071107A7}"/>
+                <a16:creationId xmlns:a16="http://schemas.microsoft.com/office/drawing/2014/main" id="{1897B375-7AA8-4235-9A04-A251C8228EE1}"/>
               </a:ext>
             </a:extLst>
           </p:cNvPr>
@@ -7149,7 +7128,7 @@
     </p:spTree>
     <p:extLst>
       <p:ext uri="{BB962C8B-B14F-4D97-AF65-F5344CB8AC3E}">
-        <p14:creationId xmlns:p14="http://schemas.microsoft.com/office/powerpoint/2010/main" val="1541052724"/>
+        <p14:creationId xmlns:p14="http://schemas.microsoft.com/office/powerpoint/2010/main" val="3047592953"/>
       </p:ext>
     </p:extLst>
   </p:cSld>
@@ -7199,7 +7178,7 @@
           <a:p>
             <a:r>
               <a:rPr lang="en-US" altLang="zh-TW" dirty="0"/>
-              <a:t>Conclusion</a:t>
+              <a:t>Conclusion(cont’d)</a:t>
             </a:r>
             <a:endParaRPr lang="zh-TW" altLang="en-US" dirty="0"/>
           </a:p>
@@ -7228,17 +7207,13 @@
           <a:p>
             <a:r>
               <a:rPr lang="en-US" altLang="zh-TW" dirty="0"/>
-              <a:t>In this paper, two architectures are proposed to realize a BLE-based multi-GW network infrastructure that is able to provide bidirectional connectivity to mobile BLE peripherals. </a:t>
+              <a:t>The non-IP based architecture requires less resources from the BLE peripheral as it employs native BLE communication towards the IoT gateway. However, custom implementation needs are much higher, as a dedicated controller is introduced within the existing network that needs to maintain the state of the infrastructure and the currently associated mobile BLE devices.</a:t>
             </a:r>
           </a:p>
           <a:p>
             <a:endParaRPr lang="en-US" altLang="zh-TW" dirty="0"/>
           </a:p>
           <a:p>
-            <a:r>
-              <a:rPr lang="en-US" altLang="zh-TW" dirty="0"/>
-              <a:t>The IP based architecture offers seamless end-to-end IP connectivity between a mobile BLE peripheral and an existing IP network. It limits custom implementation needs, but requires more resources from the already constrained mobile BLE peripheral. </a:t>
-            </a:r>
             <a:endParaRPr lang="zh-TW" altLang="en-US" dirty="0"/>
           </a:p>
         </p:txBody>
@@ -7248,7 +7223,7 @@
           <p:cNvPr id="4" name="投影片編號版面配置區 3">
             <a:extLst>
               <a:ext uri="{FF2B5EF4-FFF2-40B4-BE49-F238E27FC236}">
-                <a16:creationId xmlns:a16="http://schemas.microsoft.com/office/drawing/2014/main" id="{1897B375-7AA8-4235-9A04-A251C8228EE1}"/>
+                <a16:creationId xmlns:a16="http://schemas.microsoft.com/office/drawing/2014/main" id="{3027A15A-810A-49CD-86D5-0BC2EF69CCF7}"/>
               </a:ext>
             </a:extLst>
           </p:cNvPr>
@@ -7275,7 +7250,7 @@
     </p:spTree>
     <p:extLst>
       <p:ext uri="{BB962C8B-B14F-4D97-AF65-F5344CB8AC3E}">
-        <p14:creationId xmlns:p14="http://schemas.microsoft.com/office/powerpoint/2010/main" val="3047592953"/>
+        <p14:creationId xmlns:p14="http://schemas.microsoft.com/office/powerpoint/2010/main" val="4005318741"/>
       </p:ext>
     </p:extLst>
   </p:cSld>
@@ -7349,19 +7324,24 @@
         </p:nvSpPr>
         <p:spPr/>
         <p:txBody>
-          <a:bodyPr/>
-          <a:lstStyle/>
-          <a:p>
-            <a:r>
-              <a:rPr lang="en-US" altLang="zh-TW" dirty="0"/>
-              <a:t>The non-IP based architecture requires less resources from the BLE peripheral as it employs native BLE communication towards the IoT gateway. However, custom implementation needs are much higher, as a dedicated controller is introduced within the existing network that needs to maintain the state of the infrastructure and the currently associated mobile BLE devices.</a:t>
+          <a:bodyPr>
+            <a:normAutofit/>
+          </a:bodyPr>
+          <a:lstStyle/>
+          <a:p>
+            <a:r>
+              <a:rPr lang="en-US" altLang="zh-TW" dirty="0"/>
+              <a:t>Next to this, two approaches are considered to perform handover within these solutions. </a:t>
             </a:r>
           </a:p>
           <a:p>
             <a:endParaRPr lang="en-US" altLang="zh-TW" dirty="0"/>
           </a:p>
           <a:p>
-            <a:endParaRPr lang="zh-TW" altLang="en-US" dirty="0"/>
+            <a:r>
+              <a:rPr lang="en-US" altLang="zh-TW" dirty="0"/>
+              <a:t>The passive handover approach does not need any extra implementation, but the handover latency can become quite high and a bad BLE connection is still maintained even if a better alternative GW is avail-able nearby. </a:t>
+            </a:r>
           </a:p>
         </p:txBody>
       </p:sp>
@@ -7370,7 +7350,7 @@
           <p:cNvPr id="4" name="投影片編號版面配置區 3">
             <a:extLst>
               <a:ext uri="{FF2B5EF4-FFF2-40B4-BE49-F238E27FC236}">
-                <a16:creationId xmlns:a16="http://schemas.microsoft.com/office/drawing/2014/main" id="{3027A15A-810A-49CD-86D5-0BC2EF69CCF7}"/>
+                <a16:creationId xmlns:a16="http://schemas.microsoft.com/office/drawing/2014/main" id="{F64AC039-730F-4EC0-B242-E7D527FA3228}"/>
               </a:ext>
             </a:extLst>
           </p:cNvPr>
@@ -7397,7 +7377,7 @@
     </p:spTree>
     <p:extLst>
       <p:ext uri="{BB962C8B-B14F-4D97-AF65-F5344CB8AC3E}">
-        <p14:creationId xmlns:p14="http://schemas.microsoft.com/office/powerpoint/2010/main" val="4005318741"/>
+        <p14:creationId xmlns:p14="http://schemas.microsoft.com/office/powerpoint/2010/main" val="1788803111"/>
       </p:ext>
     </p:extLst>
   </p:cSld>
@@ -7591,17 +7571,9 @@
           <a:p>
             <a:r>
               <a:rPr lang="en-US" altLang="zh-TW" dirty="0"/>
-              <a:t>Next to this, two approaches are considered to perform handover within these solutions. </a:t>
-            </a:r>
-          </a:p>
-          <a:p>
-            <a:endParaRPr lang="en-US" altLang="zh-TW" dirty="0"/>
-          </a:p>
-          <a:p>
-            <a:r>
-              <a:rPr lang="en-US" altLang="zh-TW" dirty="0"/>
-              <a:t>The passive handover approach does not need any extra implementation, but the handover latency can become quite high and a bad BLE connection is still maintained even if a better alternative GW is avail-able nearby. </a:t>
-            </a:r>
+              <a:t>Active handover offers a solution by proactively terminating a bad connection when a better alternative GW is available. As such, it can limit the handover latency. Asa downside, this approach requires more extensive custom implementation, implies a higher energy consumption and can limit the available throughput.</a:t>
+            </a:r>
+            <a:endParaRPr lang="zh-TW" altLang="en-US" dirty="0"/>
           </a:p>
         </p:txBody>
       </p:sp>
@@ -7610,7 +7582,7 @@
           <p:cNvPr id="4" name="投影片編號版面配置區 3">
             <a:extLst>
               <a:ext uri="{FF2B5EF4-FFF2-40B4-BE49-F238E27FC236}">
-                <a16:creationId xmlns:a16="http://schemas.microsoft.com/office/drawing/2014/main" id="{F64AC039-730F-4EC0-B242-E7D527FA3228}"/>
+                <a16:creationId xmlns:a16="http://schemas.microsoft.com/office/drawing/2014/main" id="{BFA29D48-9BE9-44B6-B04F-E6E702DC41D9}"/>
               </a:ext>
             </a:extLst>
           </p:cNvPr>
@@ -7637,7 +7609,7 @@
     </p:spTree>
     <p:extLst>
       <p:ext uri="{BB962C8B-B14F-4D97-AF65-F5344CB8AC3E}">
-        <p14:creationId xmlns:p14="http://schemas.microsoft.com/office/powerpoint/2010/main" val="1788803111"/>
+        <p14:creationId xmlns:p14="http://schemas.microsoft.com/office/powerpoint/2010/main" val="493870139"/>
       </p:ext>
     </p:extLst>
   </p:cSld>
@@ -7669,7 +7641,7 @@
           <p:cNvPr id="2" name="標題 1">
             <a:extLst>
               <a:ext uri="{FF2B5EF4-FFF2-40B4-BE49-F238E27FC236}">
-                <a16:creationId xmlns:a16="http://schemas.microsoft.com/office/drawing/2014/main" id="{B7DB5FDF-E9A2-4D3D-ACF8-CEFDE567ED4E}"/>
+                <a16:creationId xmlns:a16="http://schemas.microsoft.com/office/drawing/2014/main" id="{66BD44E2-EFFF-43D9-A213-DE501B575689}"/>
               </a:ext>
             </a:extLst>
           </p:cNvPr>
@@ -7687,7 +7659,7 @@
           <a:p>
             <a:r>
               <a:rPr lang="en-US" altLang="zh-TW" dirty="0"/>
-              <a:t>Conclusion(cont’d)</a:t>
+              <a:t>References</a:t>
             </a:r>
             <a:endParaRPr lang="zh-TW" altLang="en-US" dirty="0"/>
           </a:p>
@@ -7698,7 +7670,7 @@
           <p:cNvPr id="3" name="內容版面配置區 2">
             <a:extLst>
               <a:ext uri="{FF2B5EF4-FFF2-40B4-BE49-F238E27FC236}">
-                <a16:creationId xmlns:a16="http://schemas.microsoft.com/office/drawing/2014/main" id="{24BC7DE2-9247-4111-B9E4-01812FC553D6}"/>
+                <a16:creationId xmlns:a16="http://schemas.microsoft.com/office/drawing/2014/main" id="{6C6870F8-5E25-41B8-BDBD-DC2867167899}"/>
               </a:ext>
             </a:extLst>
           </p:cNvPr>
@@ -7717,19 +7689,149 @@
           <a:lstStyle/>
           <a:p>
             <a:r>
-              <a:rPr lang="en-US" altLang="zh-TW" dirty="0"/>
-              <a:t>Active handover offers a solution by proactively terminating a bad connection when a better alternative GW is available. As such, it can limit the handover latency. Asa downside, this approach requires more extensive custom implementation, implies a higher energy consumption and can limit the available throughput.</a:t>
-            </a:r>
-            <a:endParaRPr lang="zh-TW" altLang="en-US" dirty="0"/>
-          </a:p>
-        </p:txBody>
-      </p:sp>
-      <p:sp>
-        <p:nvSpPr>
-          <p:cNvPr id="4" name="投影片編號版面配置區 3">
-            <a:extLst>
-              <a:ext uri="{FF2B5EF4-FFF2-40B4-BE49-F238E27FC236}">
-                <a16:creationId xmlns:a16="http://schemas.microsoft.com/office/drawing/2014/main" id="{BFA29D48-9BE9-44B6-B04F-E6E702DC41D9}"/>
+              <a:rPr lang="en-US" altLang="zh-TW" sz="2000" dirty="0"/>
+              <a:t>Mathias </a:t>
+            </a:r>
+            <a:r>
+              <a:rPr lang="en-US" altLang="zh-TW" sz="2000" dirty="0" err="1"/>
+              <a:t>Baert</a:t>
+            </a:r>
+            <a:r>
+              <a:rPr lang="en-US" altLang="zh-TW" sz="2000" dirty="0"/>
+              <a:t>, </a:t>
+            </a:r>
+            <a:r>
+              <a:rPr lang="en-US" altLang="zh-TW" sz="2000" dirty="0" err="1"/>
+              <a:t>Pieterjan</a:t>
+            </a:r>
+            <a:r>
+              <a:rPr lang="en-US" altLang="zh-TW" sz="2000" dirty="0"/>
+              <a:t> </a:t>
+            </a:r>
+            <a:r>
+              <a:rPr lang="en-US" altLang="zh-TW" sz="2000" dirty="0" err="1"/>
+              <a:t>Camerlynck</a:t>
+            </a:r>
+            <a:r>
+              <a:rPr lang="en-US" altLang="zh-TW" sz="2000" dirty="0"/>
+              <a:t>, Pieter </a:t>
+            </a:r>
+            <a:r>
+              <a:rPr lang="en-US" altLang="zh-TW" sz="2000" dirty="0" err="1"/>
+              <a:t>Crombez</a:t>
+            </a:r>
+            <a:r>
+              <a:rPr lang="en-US" altLang="zh-TW" sz="2000" dirty="0"/>
+              <a:t>, Jeroen </a:t>
+            </a:r>
+            <a:r>
+              <a:rPr lang="en-US" altLang="zh-TW" sz="2000" dirty="0" err="1"/>
+              <a:t>Hoebeke</a:t>
+            </a:r>
+            <a:r>
+              <a:rPr lang="en-US" altLang="zh-TW" sz="2000" dirty="0"/>
+              <a:t>, “A BLE-Based Multi-Gateway Network Infrastructure with Handover Support for Mobile BLE Peripherals” </a:t>
+            </a:r>
+            <a:r>
+              <a:rPr lang="en-US" altLang="zh-TW" sz="2000" i="1" dirty="0"/>
+              <a:t>in IEEE </a:t>
+            </a:r>
+            <a:r>
+              <a:rPr lang="en-US" altLang="zh-TW" sz="2000" i="1" dirty="0" err="1"/>
+              <a:t>Internatonal</a:t>
+            </a:r>
+            <a:r>
+              <a:rPr lang="en-US" altLang="zh-TW" sz="2000" i="1" dirty="0"/>
+              <a:t> Conference on Mobile </a:t>
+            </a:r>
+            <a:r>
+              <a:rPr lang="en-US" altLang="zh-TW" sz="2000" i="1" dirty="0" err="1"/>
+              <a:t>Adhoc</a:t>
+            </a:r>
+            <a:r>
+              <a:rPr lang="en-US" altLang="zh-TW" sz="2000" i="1" dirty="0"/>
+              <a:t> and Sensor Systems (IEEE MASS 2019) </a:t>
+            </a:r>
+            <a:r>
+              <a:rPr lang="en-US" altLang="zh-TW" sz="2000" dirty="0"/>
+              <a:t>, DOI: 10.1109/MASS.2019.00020</a:t>
+            </a:r>
+          </a:p>
+          <a:p>
+            <a:endParaRPr lang="en-US" altLang="zh-TW" sz="2000" dirty="0"/>
+          </a:p>
+          <a:p>
+            <a:r>
+              <a:rPr lang="en-US" altLang="zh-TW" sz="2000" dirty="0"/>
+              <a:t>M. </a:t>
+            </a:r>
+            <a:r>
+              <a:rPr lang="en-US" altLang="zh-TW" sz="2000" dirty="0" err="1"/>
+              <a:t>Nikodem</a:t>
+            </a:r>
+            <a:r>
+              <a:rPr lang="en-US" altLang="zh-TW" sz="2000" dirty="0"/>
+              <a:t>, M. </a:t>
+            </a:r>
+            <a:r>
+              <a:rPr lang="en-US" altLang="zh-TW" sz="2000" dirty="0" err="1"/>
+              <a:t>Bawiec</a:t>
+            </a:r>
+            <a:r>
+              <a:rPr lang="en-US" altLang="zh-TW" sz="2000" dirty="0"/>
+              <a:t>, “Experimental Evaluation of Advertisement-Based Bluetooth Low Energy Communication”, </a:t>
+            </a:r>
+            <a:r>
+              <a:rPr lang="en-US" altLang="zh-TW" sz="2000" i="1" dirty="0"/>
+              <a:t>MDPI Sensors 2020</a:t>
+            </a:r>
+            <a:r>
+              <a:rPr lang="en-US" altLang="zh-TW" sz="2000" dirty="0"/>
+              <a:t>, DOI:10.3390/s20010107</a:t>
+            </a:r>
+          </a:p>
+          <a:p>
+            <a:endParaRPr lang="en-US" altLang="zh-TW" sz="2000" dirty="0"/>
+          </a:p>
+          <a:p>
+            <a:r>
+              <a:rPr lang="en-US" altLang="zh-TW" sz="2000" dirty="0"/>
+              <a:t>Tomohiro Kuroda, Haruo Noma, Kazuhiko Takase, </a:t>
+            </a:r>
+            <a:r>
+              <a:rPr lang="en-US" altLang="zh-TW" sz="2000" dirty="0" err="1"/>
+              <a:t>Shigeto</a:t>
+            </a:r>
+            <a:r>
+              <a:rPr lang="en-US" altLang="zh-TW" sz="2000" dirty="0"/>
+              <a:t> Sasaki, </a:t>
+            </a:r>
+            <a:r>
+              <a:rPr lang="en-US" altLang="zh-TW" sz="2000" dirty="0" err="1"/>
+              <a:t>Tadamasa</a:t>
+            </a:r>
+            <a:r>
+              <a:rPr lang="en-US" altLang="zh-TW" sz="2000" dirty="0"/>
+              <a:t> </a:t>
+            </a:r>
+            <a:r>
+              <a:rPr lang="en-US" altLang="zh-TW" sz="2000" dirty="0" err="1"/>
+              <a:t>Takemura</a:t>
+            </a:r>
+            <a:r>
+              <a:rPr lang="en-US" altLang="zh-TW" sz="2000" dirty="0"/>
+              <a:t>, “Bluetooth Roaming for Sensor Network System in Clinical Environment” , MEDINFO 2015: eHealth-enabled Health, DOI:10.3233/978-1-61499-564-7-198</a:t>
+            </a:r>
+            <a:endParaRPr lang="zh-TW" altLang="en-US" sz="2000" dirty="0"/>
+          </a:p>
+        </p:txBody>
+      </p:sp>
+      <p:sp>
+        <p:nvSpPr>
+          <p:cNvPr id="6" name="投影片編號版面配置區 5">
+            <a:extLst>
+              <a:ext uri="{FF2B5EF4-FFF2-40B4-BE49-F238E27FC236}">
+                <a16:creationId xmlns:a16="http://schemas.microsoft.com/office/drawing/2014/main" id="{41672078-55B6-4EB2-A2A0-2A4BDCC09FF1}"/>
               </a:ext>
             </a:extLst>
           </p:cNvPr>
@@ -7748,255 +7850,6 @@
             <a:fld id="{50029C49-A5A9-4A95-8BF0-94F73808DB5F}" type="slidenum">
               <a:rPr lang="zh-TW" altLang="en-US" smtClean="0"/>
               <a:t>31</a:t>
-            </a:fld>
-            <a:endParaRPr lang="zh-TW" altLang="en-US"/>
-          </a:p>
-        </p:txBody>
-      </p:sp>
-    </p:spTree>
-    <p:extLst>
-      <p:ext uri="{BB962C8B-B14F-4D97-AF65-F5344CB8AC3E}">
-        <p14:creationId xmlns:p14="http://schemas.microsoft.com/office/powerpoint/2010/main" val="493870139"/>
-      </p:ext>
-    </p:extLst>
-  </p:cSld>
-  <p:clrMapOvr>
-    <a:masterClrMapping/>
-  </p:clrMapOvr>
-</p:sld>
-</file>
-
-<file path=ppt/slides/slide32.xml><?xml version="1.0" encoding="utf-8"?>
-<p:sld xmlns:a="http://schemas.openxmlformats.org/drawingml/2006/main" xmlns:r="http://schemas.openxmlformats.org/officeDocument/2006/relationships" xmlns:p="http://schemas.openxmlformats.org/presentationml/2006/main">
-  <p:cSld>
-    <p:spTree>
-      <p:nvGrpSpPr>
-        <p:cNvPr id="1" name=""/>
-        <p:cNvGrpSpPr/>
-        <p:nvPr/>
-      </p:nvGrpSpPr>
-      <p:grpSpPr>
-        <a:xfrm>
-          <a:off x="0" y="0"/>
-          <a:ext cx="0" cy="0"/>
-          <a:chOff x="0" y="0"/>
-          <a:chExt cx="0" cy="0"/>
-        </a:xfrm>
-      </p:grpSpPr>
-      <p:sp>
-        <p:nvSpPr>
-          <p:cNvPr id="2" name="標題 1">
-            <a:extLst>
-              <a:ext uri="{FF2B5EF4-FFF2-40B4-BE49-F238E27FC236}">
-                <a16:creationId xmlns:a16="http://schemas.microsoft.com/office/drawing/2014/main" id="{66BD44E2-EFFF-43D9-A213-DE501B575689}"/>
-              </a:ext>
-            </a:extLst>
-          </p:cNvPr>
-          <p:cNvSpPr>
-            <a:spLocks noGrp="1"/>
-          </p:cNvSpPr>
-          <p:nvPr>
-            <p:ph type="title"/>
-          </p:nvPr>
-        </p:nvSpPr>
-        <p:spPr/>
-        <p:txBody>
-          <a:bodyPr/>
-          <a:lstStyle/>
-          <a:p>
-            <a:r>
-              <a:rPr lang="en-US" altLang="zh-TW" dirty="0"/>
-              <a:t>References</a:t>
-            </a:r>
-            <a:endParaRPr lang="zh-TW" altLang="en-US" dirty="0"/>
-          </a:p>
-        </p:txBody>
-      </p:sp>
-      <p:sp>
-        <p:nvSpPr>
-          <p:cNvPr id="3" name="內容版面配置區 2">
-            <a:extLst>
-              <a:ext uri="{FF2B5EF4-FFF2-40B4-BE49-F238E27FC236}">
-                <a16:creationId xmlns:a16="http://schemas.microsoft.com/office/drawing/2014/main" id="{6C6870F8-5E25-41B8-BDBD-DC2867167899}"/>
-              </a:ext>
-            </a:extLst>
-          </p:cNvPr>
-          <p:cNvSpPr>
-            <a:spLocks noGrp="1"/>
-          </p:cNvSpPr>
-          <p:nvPr>
-            <p:ph idx="1"/>
-          </p:nvPr>
-        </p:nvSpPr>
-        <p:spPr/>
-        <p:txBody>
-          <a:bodyPr>
-            <a:normAutofit/>
-          </a:bodyPr>
-          <a:lstStyle/>
-          <a:p>
-            <a:r>
-              <a:rPr lang="en-US" altLang="zh-TW" sz="2000" dirty="0"/>
-              <a:t>Mathias </a:t>
-            </a:r>
-            <a:r>
-              <a:rPr lang="en-US" altLang="zh-TW" sz="2000" dirty="0" err="1"/>
-              <a:t>Baert</a:t>
-            </a:r>
-            <a:r>
-              <a:rPr lang="en-US" altLang="zh-TW" sz="2000" dirty="0"/>
-              <a:t>, </a:t>
-            </a:r>
-            <a:r>
-              <a:rPr lang="en-US" altLang="zh-TW" sz="2000" dirty="0" err="1"/>
-              <a:t>Pieterjan</a:t>
-            </a:r>
-            <a:r>
-              <a:rPr lang="en-US" altLang="zh-TW" sz="2000" dirty="0"/>
-              <a:t> </a:t>
-            </a:r>
-            <a:r>
-              <a:rPr lang="en-US" altLang="zh-TW" sz="2000" dirty="0" err="1"/>
-              <a:t>Camerlynck</a:t>
-            </a:r>
-            <a:r>
-              <a:rPr lang="en-US" altLang="zh-TW" sz="2000" dirty="0"/>
-              <a:t>, Pieter </a:t>
-            </a:r>
-            <a:r>
-              <a:rPr lang="en-US" altLang="zh-TW" sz="2000" dirty="0" err="1"/>
-              <a:t>Crombez</a:t>
-            </a:r>
-            <a:r>
-              <a:rPr lang="en-US" altLang="zh-TW" sz="2000" dirty="0"/>
-              <a:t>, Jeroen </a:t>
-            </a:r>
-            <a:r>
-              <a:rPr lang="en-US" altLang="zh-TW" sz="2000" dirty="0" err="1"/>
-              <a:t>Hoebeke</a:t>
-            </a:r>
-            <a:r>
-              <a:rPr lang="en-US" altLang="zh-TW" sz="2000" dirty="0"/>
-              <a:t>, “A BLE-Based Multi-Gateway Network Infrastructure with Handover Support for Mobile BLE Peripherals” </a:t>
-            </a:r>
-            <a:r>
-              <a:rPr lang="en-US" altLang="zh-TW" sz="2000" i="1" dirty="0"/>
-              <a:t>in IEEE </a:t>
-            </a:r>
-            <a:r>
-              <a:rPr lang="en-US" altLang="zh-TW" sz="2000" i="1" dirty="0" err="1"/>
-              <a:t>Internatonal</a:t>
-            </a:r>
-            <a:r>
-              <a:rPr lang="en-US" altLang="zh-TW" sz="2000" i="1" dirty="0"/>
-              <a:t> Conference on Mobile </a:t>
-            </a:r>
-            <a:r>
-              <a:rPr lang="en-US" altLang="zh-TW" sz="2000" i="1" dirty="0" err="1"/>
-              <a:t>Adhoc</a:t>
-            </a:r>
-            <a:r>
-              <a:rPr lang="en-US" altLang="zh-TW" sz="2000" i="1" dirty="0"/>
-              <a:t> and Sensor Systems (IEEE MASS 2019) </a:t>
-            </a:r>
-            <a:r>
-              <a:rPr lang="en-US" altLang="zh-TW" sz="2000" dirty="0"/>
-              <a:t>, DOI: 10.1109/MASS.2019.00020</a:t>
-            </a:r>
-          </a:p>
-          <a:p>
-            <a:endParaRPr lang="en-US" altLang="zh-TW" sz="2000" dirty="0"/>
-          </a:p>
-          <a:p>
-            <a:r>
-              <a:rPr lang="en-US" altLang="zh-TW" sz="2000" dirty="0"/>
-              <a:t>M. </a:t>
-            </a:r>
-            <a:r>
-              <a:rPr lang="en-US" altLang="zh-TW" sz="2000" dirty="0" err="1"/>
-              <a:t>Nikodem</a:t>
-            </a:r>
-            <a:r>
-              <a:rPr lang="en-US" altLang="zh-TW" sz="2000" dirty="0"/>
-              <a:t>, M. </a:t>
-            </a:r>
-            <a:r>
-              <a:rPr lang="en-US" altLang="zh-TW" sz="2000" dirty="0" err="1"/>
-              <a:t>Bawiec</a:t>
-            </a:r>
-            <a:r>
-              <a:rPr lang="en-US" altLang="zh-TW" sz="2000" dirty="0"/>
-              <a:t>, “Experimental Evaluation of Advertisement-Based Bluetooth Low Energy Communication”, </a:t>
-            </a:r>
-            <a:r>
-              <a:rPr lang="en-US" altLang="zh-TW" sz="2000" i="1" dirty="0"/>
-              <a:t>MDPI Sensors 2020</a:t>
-            </a:r>
-            <a:r>
-              <a:rPr lang="en-US" altLang="zh-TW" sz="2000" dirty="0"/>
-              <a:t>, DOI:10.3390/s20010107</a:t>
-            </a:r>
-          </a:p>
-          <a:p>
-            <a:endParaRPr lang="en-US" altLang="zh-TW" sz="2000" dirty="0"/>
-          </a:p>
-          <a:p>
-            <a:r>
-              <a:rPr lang="en-US" altLang="zh-TW" sz="2000" dirty="0"/>
-              <a:t>Tomohiro Kuroda, Haruo Noma, Kazuhiko Takase, </a:t>
-            </a:r>
-            <a:r>
-              <a:rPr lang="en-US" altLang="zh-TW" sz="2000" dirty="0" err="1"/>
-              <a:t>Shigeto</a:t>
-            </a:r>
-            <a:r>
-              <a:rPr lang="en-US" altLang="zh-TW" sz="2000" dirty="0"/>
-              <a:t> Sasaki, </a:t>
-            </a:r>
-            <a:r>
-              <a:rPr lang="en-US" altLang="zh-TW" sz="2000" dirty="0" err="1"/>
-              <a:t>Tadamasa</a:t>
-            </a:r>
-            <a:r>
-              <a:rPr lang="en-US" altLang="zh-TW" sz="2000" dirty="0"/>
-              <a:t> </a:t>
-            </a:r>
-            <a:r>
-              <a:rPr lang="en-US" altLang="zh-TW" sz="2000" dirty="0" err="1"/>
-              <a:t>Takemura</a:t>
-            </a:r>
-            <a:r>
-              <a:rPr lang="en-US" altLang="zh-TW" sz="2000" dirty="0"/>
-              <a:t>, “Bluetooth Roaming for Sensor Network System in Clinical Environment” , MEDINFO 2015: eHealth-enabled Health, DOI:10.3233/978-1-61499-564-7-198</a:t>
-            </a:r>
-            <a:endParaRPr lang="zh-TW" altLang="en-US" sz="2000" dirty="0"/>
-          </a:p>
-        </p:txBody>
-      </p:sp>
-      <p:sp>
-        <p:nvSpPr>
-          <p:cNvPr id="6" name="投影片編號版面配置區 5">
-            <a:extLst>
-              <a:ext uri="{FF2B5EF4-FFF2-40B4-BE49-F238E27FC236}">
-                <a16:creationId xmlns:a16="http://schemas.microsoft.com/office/drawing/2014/main" id="{41672078-55B6-4EB2-A2A0-2A4BDCC09FF1}"/>
-              </a:ext>
-            </a:extLst>
-          </p:cNvPr>
-          <p:cNvSpPr>
-            <a:spLocks noGrp="1"/>
-          </p:cNvSpPr>
-          <p:nvPr>
-            <p:ph type="sldNum" sz="quarter" idx="12"/>
-          </p:nvPr>
-        </p:nvSpPr>
-        <p:spPr/>
-        <p:txBody>
-          <a:bodyPr/>
-          <a:lstStyle/>
-          <a:p>
-            <a:fld id="{50029C49-A5A9-4A95-8BF0-94F73808DB5F}" type="slidenum">
-              <a:rPr lang="zh-TW" altLang="en-US" smtClean="0"/>
-              <a:t>32</a:t>
             </a:fld>
             <a:endParaRPr lang="zh-TW" altLang="en-US"/>
           </a:p>
@@ -8477,7 +8330,7 @@
           <p:cNvPr id="2" name="標題 1">
             <a:extLst>
               <a:ext uri="{FF2B5EF4-FFF2-40B4-BE49-F238E27FC236}">
-                <a16:creationId xmlns:a16="http://schemas.microsoft.com/office/drawing/2014/main" id="{3BC0BCD6-087B-4D00-8F2E-591BCB2E5170}"/>
+                <a16:creationId xmlns:a16="http://schemas.microsoft.com/office/drawing/2014/main" id="{A695901F-B45F-471B-B1C2-E603D8500264}"/>
               </a:ext>
             </a:extLst>
           </p:cNvPr>
@@ -8495,7 +8348,7 @@
           <a:p>
             <a:r>
               <a:rPr lang="en-US" altLang="zh-TW" dirty="0"/>
-              <a:t>Related work</a:t>
+              <a:t>Handover approaches</a:t>
             </a:r>
             <a:endParaRPr lang="zh-TW" altLang="en-US" dirty="0"/>
           </a:p>
@@ -8506,7 +8359,7 @@
           <p:cNvPr id="3" name="內容版面配置區 2">
             <a:extLst>
               <a:ext uri="{FF2B5EF4-FFF2-40B4-BE49-F238E27FC236}">
-                <a16:creationId xmlns:a16="http://schemas.microsoft.com/office/drawing/2014/main" id="{B269DE6C-D13D-406A-AEAF-21FE42659DB2}"/>
+                <a16:creationId xmlns:a16="http://schemas.microsoft.com/office/drawing/2014/main" id="{FB2F8C4B-A1E5-42DA-B706-3134322A9E30}"/>
               </a:ext>
             </a:extLst>
           </p:cNvPr>
@@ -8517,11 +8370,49 @@
             <p:ph idx="1"/>
           </p:nvPr>
         </p:nvSpPr>
-        <p:spPr/>
-        <p:txBody>
-          <a:bodyPr/>
-          <a:lstStyle/>
-          <a:p>
+        <p:spPr>
+          <a:xfrm>
+            <a:off x="838200" y="1531939"/>
+            <a:ext cx="10515600" cy="5030787"/>
+          </a:xfrm>
+        </p:spPr>
+        <p:txBody>
+          <a:bodyPr>
+            <a:normAutofit fontScale="92500" lnSpcReduction="10000"/>
+          </a:bodyPr>
+          <a:lstStyle/>
+          <a:p>
+            <a:r>
+              <a:rPr lang="en-US" altLang="zh-TW" dirty="0"/>
+              <a:t>About passive handover:</a:t>
+            </a:r>
+          </a:p>
+          <a:p>
+            <a:endParaRPr lang="en-US" altLang="zh-TW" dirty="0"/>
+          </a:p>
+          <a:p>
+            <a:r>
+              <a:rPr lang="en-US" altLang="zh-TW" dirty="0"/>
+              <a:t>A BLE connection is terminated naturally after the supervision timeout has timed out. Only then, the BLE peripheral attempts to set up a new connection by advertising its presence using BLE advertisements.</a:t>
+            </a:r>
+          </a:p>
+          <a:p>
+            <a:endParaRPr lang="en-US" altLang="zh-TW" dirty="0"/>
+          </a:p>
+          <a:p>
+            <a:r>
+              <a:rPr lang="en-US" altLang="zh-TW" dirty="0"/>
+              <a:t>When using the passive handover approach, a connection to a new and better GW will only be established when the previous connection was completely broken, i.e. when no traffic could be sent during the supervision timeout range. </a:t>
+            </a:r>
+          </a:p>
+          <a:p>
+            <a:endParaRPr lang="en-US" altLang="zh-TW" dirty="0"/>
+          </a:p>
+          <a:p>
+            <a:r>
+              <a:rPr lang="en-US" altLang="zh-TW" dirty="0"/>
+              <a:t>As such, it might happen that a peripheral remains connected even when the link quality becomes very poor.</a:t>
+            </a:r>
             <a:endParaRPr lang="zh-TW" altLang="en-US" dirty="0"/>
           </a:p>
         </p:txBody>
@@ -8531,7 +8422,7 @@
           <p:cNvPr id="4" name="投影片編號版面配置區 3">
             <a:extLst>
               <a:ext uri="{FF2B5EF4-FFF2-40B4-BE49-F238E27FC236}">
-                <a16:creationId xmlns:a16="http://schemas.microsoft.com/office/drawing/2014/main" id="{20364101-78A2-4D74-8E20-102D7AF997EA}"/>
+                <a16:creationId xmlns:a16="http://schemas.microsoft.com/office/drawing/2014/main" id="{D343627B-A794-4656-8F31-A526720248C0}"/>
               </a:ext>
             </a:extLst>
           </p:cNvPr>
@@ -8558,7 +8449,7 @@
     </p:spTree>
     <p:extLst>
       <p:ext uri="{BB962C8B-B14F-4D97-AF65-F5344CB8AC3E}">
-        <p14:creationId xmlns:p14="http://schemas.microsoft.com/office/powerpoint/2010/main" val="3074705118"/>
+        <p14:creationId xmlns:p14="http://schemas.microsoft.com/office/powerpoint/2010/main" val="144322529"/>
       </p:ext>
     </p:extLst>
   </p:cSld>
@@ -8608,7 +8499,7 @@
           <a:p>
             <a:r>
               <a:rPr lang="en-US" altLang="zh-TW" dirty="0"/>
-              <a:t>Handover approaches</a:t>
+              <a:t>Handover approaches(cont’d)</a:t>
             </a:r>
             <a:endParaRPr lang="zh-TW" altLang="en-US" dirty="0"/>
           </a:p>
@@ -8632,19 +8523,17 @@
         </p:nvSpPr>
         <p:spPr>
           <a:xfrm>
-            <a:off x="838200" y="1531939"/>
-            <a:ext cx="10515600" cy="5030787"/>
+            <a:off x="838200" y="1587500"/>
+            <a:ext cx="10515600" cy="4351338"/>
           </a:xfrm>
         </p:spPr>
         <p:txBody>
-          <a:bodyPr>
-            <a:normAutofit fontScale="92500" lnSpcReduction="10000"/>
-          </a:bodyPr>
-          <a:lstStyle/>
-          <a:p>
-            <a:r>
-              <a:rPr lang="en-US" altLang="zh-TW" dirty="0"/>
-              <a:t>About passive handover:</a:t>
+          <a:bodyPr/>
+          <a:lstStyle/>
+          <a:p>
+            <a:r>
+              <a:rPr lang="en-US" altLang="zh-TW" dirty="0"/>
+              <a:t>About active handover :</a:t>
             </a:r>
           </a:p>
           <a:p>
@@ -8653,7 +8542,7 @@
           <a:p>
             <a:r>
               <a:rPr lang="en-US" altLang="zh-TW" dirty="0"/>
-              <a:t>A BLE connection is terminated naturally after the supervision timeout has timed out. Only then, the BLE peripheral attempts to set up a new connection by advertising its presence using BLE advertisements.</a:t>
+              <a:t>The BLE peripheral maintains an advertiser role at all times.</a:t>
             </a:r>
           </a:p>
           <a:p>
@@ -8662,16 +8551,7 @@
           <a:p>
             <a:r>
               <a:rPr lang="en-US" altLang="zh-TW" dirty="0"/>
-              <a:t>When using the passive handover approach, a connection to a new and better GW will only be established when the previous connection was completely broken, i.e. when no traffic could be sent during the supervision timeout range. </a:t>
-            </a:r>
-          </a:p>
-          <a:p>
-            <a:endParaRPr lang="en-US" altLang="zh-TW" dirty="0"/>
-          </a:p>
-          <a:p>
-            <a:r>
-              <a:rPr lang="en-US" altLang="zh-TW" dirty="0"/>
-              <a:t>As such, it might happen that a peripheral remains connected even when the link quality becomes very poor.</a:t>
+              <a:t>The IoT GWs use these periodic BLE advertisements to derive a Received Signal Strength Indicator (RSSI).</a:t>
             </a:r>
             <a:endParaRPr lang="zh-TW" altLang="en-US" dirty="0"/>
           </a:p>
@@ -8709,7 +8589,7 @@
     </p:spTree>
     <p:extLst>
       <p:ext uri="{BB962C8B-B14F-4D97-AF65-F5344CB8AC3E}">
-        <p14:creationId xmlns:p14="http://schemas.microsoft.com/office/powerpoint/2010/main" val="144322529"/>
+        <p14:creationId xmlns:p14="http://schemas.microsoft.com/office/powerpoint/2010/main" val="4015015826"/>
       </p:ext>
     </p:extLst>
   </p:cSld>
@@ -8793,7 +8673,7 @@
           <a:p>
             <a:r>
               <a:rPr lang="en-US" altLang="zh-TW" dirty="0"/>
-              <a:t>About active handover :</a:t>
+              <a:t>All collected RSSI values are forwarded to the controller. </a:t>
             </a:r>
           </a:p>
           <a:p>
@@ -8802,7 +8682,7 @@
           <a:p>
             <a:r>
               <a:rPr lang="en-US" altLang="zh-TW" dirty="0"/>
-              <a:t>The BLE peripheral maintains an advertiser role at all times.</a:t>
+              <a:t>The controller maintains a mapping table between the received RSSI values and the associated IoT GW and BLE peripheral. </a:t>
             </a:r>
           </a:p>
           <a:p>
@@ -8811,7 +8691,7 @@
           <a:p>
             <a:r>
               <a:rPr lang="en-US" altLang="zh-TW" dirty="0"/>
-              <a:t>The IoT GWs use these periodic BLE advertisements to derive a Received Signal Strength Indicator (RSSI).</a:t>
+              <a:t>Concurrently, this mapping table is used to monitor the current state of the BLE connections and decides whether a specific BLE peripheral should handover to another IoT GW.</a:t>
             </a:r>
             <a:endParaRPr lang="zh-TW" altLang="en-US" dirty="0"/>
           </a:p>
@@ -8849,7 +8729,7 @@
     </p:spTree>
     <p:extLst>
       <p:ext uri="{BB962C8B-B14F-4D97-AF65-F5344CB8AC3E}">
-        <p14:creationId xmlns:p14="http://schemas.microsoft.com/office/powerpoint/2010/main" val="4015015826"/>
+        <p14:creationId xmlns:p14="http://schemas.microsoft.com/office/powerpoint/2010/main" val="1372114980"/>
       </p:ext>
     </p:extLst>
   </p:cSld>

--- a/A BLE-based multi-gateway network infrastructure with handover support for mobile BLE peripherals.pptx
+++ b/A BLE-based multi-gateway network infrastructure with handover support for mobile BLE peripherals.pptx
@@ -5,40 +5,43 @@
     <p:sldMasterId id="2147483648" r:id="rId1"/>
   </p:sldMasterIdLst>
   <p:notesMasterIdLst>
-    <p:notesMasterId r:id="rId33"/>
+    <p:notesMasterId r:id="rId36"/>
   </p:notesMasterIdLst>
   <p:sldIdLst>
     <p:sldId id="256" r:id="rId2"/>
     <p:sldId id="257" r:id="rId3"/>
     <p:sldId id="259" r:id="rId4"/>
-    <p:sldId id="264" r:id="rId5"/>
-    <p:sldId id="265" r:id="rId6"/>
-    <p:sldId id="266" r:id="rId7"/>
-    <p:sldId id="282" r:id="rId8"/>
-    <p:sldId id="283" r:id="rId9"/>
-    <p:sldId id="284" r:id="rId10"/>
-    <p:sldId id="285" r:id="rId11"/>
-    <p:sldId id="286" r:id="rId12"/>
-    <p:sldId id="287" r:id="rId13"/>
-    <p:sldId id="281" r:id="rId14"/>
-    <p:sldId id="268" r:id="rId15"/>
-    <p:sldId id="269" r:id="rId16"/>
-    <p:sldId id="272" r:id="rId17"/>
-    <p:sldId id="274" r:id="rId18"/>
-    <p:sldId id="271" r:id="rId19"/>
-    <p:sldId id="273" r:id="rId20"/>
-    <p:sldId id="270" r:id="rId21"/>
-    <p:sldId id="275" r:id="rId22"/>
-    <p:sldId id="276" r:id="rId23"/>
-    <p:sldId id="279" r:id="rId24"/>
-    <p:sldId id="280" r:id="rId25"/>
-    <p:sldId id="277" r:id="rId26"/>
-    <p:sldId id="278" r:id="rId27"/>
-    <p:sldId id="260" r:id="rId28"/>
-    <p:sldId id="261" r:id="rId29"/>
-    <p:sldId id="262" r:id="rId30"/>
-    <p:sldId id="263" r:id="rId31"/>
-    <p:sldId id="258" r:id="rId32"/>
+    <p:sldId id="289" r:id="rId5"/>
+    <p:sldId id="290" r:id="rId6"/>
+    <p:sldId id="264" r:id="rId7"/>
+    <p:sldId id="265" r:id="rId8"/>
+    <p:sldId id="266" r:id="rId9"/>
+    <p:sldId id="288" r:id="rId10"/>
+    <p:sldId id="282" r:id="rId11"/>
+    <p:sldId id="283" r:id="rId12"/>
+    <p:sldId id="284" r:id="rId13"/>
+    <p:sldId id="285" r:id="rId14"/>
+    <p:sldId id="286" r:id="rId15"/>
+    <p:sldId id="287" r:id="rId16"/>
+    <p:sldId id="281" r:id="rId17"/>
+    <p:sldId id="268" r:id="rId18"/>
+    <p:sldId id="269" r:id="rId19"/>
+    <p:sldId id="272" r:id="rId20"/>
+    <p:sldId id="274" r:id="rId21"/>
+    <p:sldId id="271" r:id="rId22"/>
+    <p:sldId id="273" r:id="rId23"/>
+    <p:sldId id="270" r:id="rId24"/>
+    <p:sldId id="275" r:id="rId25"/>
+    <p:sldId id="276" r:id="rId26"/>
+    <p:sldId id="279" r:id="rId27"/>
+    <p:sldId id="280" r:id="rId28"/>
+    <p:sldId id="277" r:id="rId29"/>
+    <p:sldId id="278" r:id="rId30"/>
+    <p:sldId id="260" r:id="rId31"/>
+    <p:sldId id="261" r:id="rId32"/>
+    <p:sldId id="262" r:id="rId33"/>
+    <p:sldId id="263" r:id="rId34"/>
+    <p:sldId id="258" r:id="rId35"/>
   </p:sldIdLst>
   <p:sldSz cx="12192000" cy="6858000"/>
   <p:notesSz cx="6858000" cy="9144000"/>
@@ -137,6 +140,11 @@
       </a:defRPr>
     </a:lvl9pPr>
   </p:defaultTextStyle>
+  <p:extLst>
+    <p:ext uri="{EFAFB233-063F-42B5-8137-9DF3F51BA10A}">
+      <p15:sldGuideLst xmlns:p15="http://schemas.microsoft.com/office/powerpoint/2012/main"/>
+    </p:ext>
+  </p:extLst>
 </p:presentation>
 </file>
 
@@ -222,7 +230,7 @@
           <a:p>
             <a:fld id="{7CA39BEF-41DE-4F8F-A76E-8A56F3CDA1D9}" type="datetimeFigureOut">
               <a:rPr lang="zh-TW" altLang="en-US" smtClean="0"/>
-              <a:t>2020/9/22</a:t>
+              <a:t>2020/9/24</a:t>
             </a:fld>
             <a:endParaRPr lang="zh-TW" altLang="en-US"/>
           </a:p>
@@ -561,7 +569,7 @@
           <a:p>
             <a:fld id="{48C17303-7880-4EB0-BBD6-662AD90969CD}" type="slidenum">
               <a:rPr lang="zh-TW" altLang="en-US" smtClean="0"/>
-              <a:t>15</a:t>
+              <a:t>18</a:t>
             </a:fld>
             <a:endParaRPr lang="zh-TW" altLang="en-US"/>
           </a:p>
@@ -664,7 +672,7 @@
           <a:p>
             <a:fld id="{48C17303-7880-4EB0-BBD6-662AD90969CD}" type="slidenum">
               <a:rPr lang="zh-TW" altLang="en-US" smtClean="0"/>
-              <a:t>17</a:t>
+              <a:t>20</a:t>
             </a:fld>
             <a:endParaRPr lang="zh-TW" altLang="en-US"/>
           </a:p>
@@ -755,7 +763,7 @@
           <a:p>
             <a:fld id="{48C17303-7880-4EB0-BBD6-662AD90969CD}" type="slidenum">
               <a:rPr lang="zh-TW" altLang="en-US" smtClean="0"/>
-              <a:t>24</a:t>
+              <a:t>27</a:t>
             </a:fld>
             <a:endParaRPr lang="zh-TW" altLang="en-US"/>
           </a:p>
@@ -921,7 +929,7 @@
           <a:p>
             <a:fld id="{BB9E5393-8897-45B1-A3D1-1ABF19E105F8}" type="datetime1">
               <a:rPr lang="zh-TW" altLang="en-US" smtClean="0"/>
-              <a:t>2020/9/22</a:t>
+              <a:t>2020/9/24</a:t>
             </a:fld>
             <a:endParaRPr lang="zh-TW" altLang="en-US"/>
           </a:p>
@@ -1119,7 +1127,7 @@
           <a:p>
             <a:fld id="{8E943FCC-31C8-49C0-90F9-CEB0F3898C0C}" type="datetime1">
               <a:rPr lang="zh-TW" altLang="en-US" smtClean="0"/>
-              <a:t>2020/9/22</a:t>
+              <a:t>2020/9/24</a:t>
             </a:fld>
             <a:endParaRPr lang="zh-TW" altLang="en-US"/>
           </a:p>
@@ -1327,7 +1335,7 @@
           <a:p>
             <a:fld id="{7F39F772-6997-4B28-B9FA-E1FCD991DE74}" type="datetime1">
               <a:rPr lang="zh-TW" altLang="en-US" smtClean="0"/>
-              <a:t>2020/9/22</a:t>
+              <a:t>2020/9/24</a:t>
             </a:fld>
             <a:endParaRPr lang="zh-TW" altLang="en-US"/>
           </a:p>
@@ -1525,7 +1533,7 @@
           <a:p>
             <a:fld id="{BA8E6E87-E0C3-4CBE-B14B-0743312CAB5A}" type="datetime1">
               <a:rPr lang="zh-TW" altLang="en-US" smtClean="0"/>
-              <a:t>2020/9/22</a:t>
+              <a:t>2020/9/24</a:t>
             </a:fld>
             <a:endParaRPr lang="zh-TW" altLang="en-US"/>
           </a:p>
@@ -1800,7 +1808,7 @@
           <a:p>
             <a:fld id="{468CBB1B-44AC-4743-A2E5-9BF127076473}" type="datetime1">
               <a:rPr lang="zh-TW" altLang="en-US" smtClean="0"/>
-              <a:t>2020/9/22</a:t>
+              <a:t>2020/9/24</a:t>
             </a:fld>
             <a:endParaRPr lang="zh-TW" altLang="en-US"/>
           </a:p>
@@ -2065,7 +2073,7 @@
           <a:p>
             <a:fld id="{2F5C6D74-5274-44B5-A006-F820845CEFEC}" type="datetime1">
               <a:rPr lang="zh-TW" altLang="en-US" smtClean="0"/>
-              <a:t>2020/9/22</a:t>
+              <a:t>2020/9/24</a:t>
             </a:fld>
             <a:endParaRPr lang="zh-TW" altLang="en-US"/>
           </a:p>
@@ -2477,7 +2485,7 @@
           <a:p>
             <a:fld id="{558D5F2C-B160-40C8-BD28-826C831D1EC6}" type="datetime1">
               <a:rPr lang="zh-TW" altLang="en-US" smtClean="0"/>
-              <a:t>2020/9/22</a:t>
+              <a:t>2020/9/24</a:t>
             </a:fld>
             <a:endParaRPr lang="zh-TW" altLang="en-US"/>
           </a:p>
@@ -2618,7 +2626,7 @@
           <a:p>
             <a:fld id="{AD185C7E-CEB0-42DF-A8D2-B0386B8928A2}" type="datetime1">
               <a:rPr lang="zh-TW" altLang="en-US" smtClean="0"/>
-              <a:t>2020/9/22</a:t>
+              <a:t>2020/9/24</a:t>
             </a:fld>
             <a:endParaRPr lang="zh-TW" altLang="en-US"/>
           </a:p>
@@ -2731,7 +2739,7 @@
           <a:p>
             <a:fld id="{FE4DBAF5-FD8D-4E90-9CF5-72029209753D}" type="datetime1">
               <a:rPr lang="zh-TW" altLang="en-US" smtClean="0"/>
-              <a:t>2020/9/22</a:t>
+              <a:t>2020/9/24</a:t>
             </a:fld>
             <a:endParaRPr lang="zh-TW" altLang="en-US"/>
           </a:p>
@@ -3042,7 +3050,7 @@
           <a:p>
             <a:fld id="{DF75CA09-95D6-4671-848C-AB01A38F26A2}" type="datetime1">
               <a:rPr lang="zh-TW" altLang="en-US" smtClean="0"/>
-              <a:t>2020/9/22</a:t>
+              <a:t>2020/9/24</a:t>
             </a:fld>
             <a:endParaRPr lang="zh-TW" altLang="en-US"/>
           </a:p>
@@ -3330,7 +3338,7 @@
           <a:p>
             <a:fld id="{2F2DEADA-E7E9-4052-9C09-F77C8AC34E98}" type="datetime1">
               <a:rPr lang="zh-TW" altLang="en-US" smtClean="0"/>
-              <a:t>2020/9/22</a:t>
+              <a:t>2020/9/24</a:t>
             </a:fld>
             <a:endParaRPr lang="zh-TW" altLang="en-US"/>
           </a:p>
@@ -3571,7 +3579,7 @@
           <a:p>
             <a:fld id="{FD2F0749-A61F-452C-859B-E5D7531C0758}" type="datetime1">
               <a:rPr lang="zh-TW" altLang="en-US" smtClean="0"/>
-              <a:t>2020/9/22</a:t>
+              <a:t>2020/9/24</a:t>
             </a:fld>
             <a:endParaRPr lang="zh-TW" altLang="en-US"/>
           </a:p>
@@ -4129,7 +4137,7 @@
           <a:p>
             <a:r>
               <a:rPr lang="en-US" altLang="zh-TW" dirty="0"/>
-              <a:t>Handover approaches(cont’d)</a:t>
+              <a:t>Handover approaches</a:t>
             </a:r>
             <a:endParaRPr lang="zh-TW" altLang="en-US" dirty="0"/>
           </a:p>
@@ -4153,19 +4161,19 @@
         </p:nvSpPr>
         <p:spPr>
           <a:xfrm>
-            <a:off x="838200" y="1587500"/>
-            <a:ext cx="10515600" cy="4351338"/>
+            <a:off x="838200" y="1531939"/>
+            <a:ext cx="10515600" cy="5030787"/>
           </a:xfrm>
         </p:spPr>
         <p:txBody>
           <a:bodyPr>
-            <a:normAutofit fontScale="92500" lnSpcReduction="20000"/>
+            <a:normAutofit fontScale="92500" lnSpcReduction="10000"/>
           </a:bodyPr>
           <a:lstStyle/>
           <a:p>
             <a:r>
               <a:rPr lang="en-US" altLang="zh-TW" dirty="0"/>
-              <a:t>Such a handover decision is taken when two conditions are met: the connection to the current IoT GW is bad and a sufficiently good enough alternative IoT GW is available.</a:t>
+              <a:t>About passive handover:</a:t>
             </a:r>
           </a:p>
           <a:p>
@@ -4174,7 +4182,7 @@
           <a:p>
             <a:r>
               <a:rPr lang="en-US" altLang="zh-TW" dirty="0"/>
-              <a:t>The connection can be considered bad once the RSSI exceeds a certain RSSI threshold, meaning that the peripheral is not too far from the GW for the connection to be lost, but far enough to be of insufficient quality.</a:t>
+              <a:t>A BLE connection is terminated naturally after the supervision timeout has timed out. Only then, the BLE peripheral attempts to set up a new connection by advertising its presence using BLE advertisements.</a:t>
             </a:r>
           </a:p>
           <a:p>
@@ -4183,7 +4191,16 @@
           <a:p>
             <a:r>
               <a:rPr lang="en-US" altLang="zh-TW" dirty="0"/>
-              <a:t>Another GW can be considered a sufficient alternative, once its RSSI exceeds a certain threshold as well, indicating that the peripheral is actually close enough to that GW to establish a connection of sufficient quality. </a:t>
+              <a:t>When using the passive handover approach, a connection to a new and better GW will only be established when the previous connection was completely broken, i.e. when no traffic could be sent during the supervision timeout range. </a:t>
+            </a:r>
+          </a:p>
+          <a:p>
+            <a:endParaRPr lang="en-US" altLang="zh-TW" dirty="0"/>
+          </a:p>
+          <a:p>
+            <a:r>
+              <a:rPr lang="en-US" altLang="zh-TW" dirty="0"/>
+              <a:t>As such, it might happen that a peripheral remains connected even when the link quality becomes very poor.</a:t>
             </a:r>
             <a:endParaRPr lang="zh-TW" altLang="en-US" dirty="0"/>
           </a:p>
@@ -4221,7 +4238,7 @@
     </p:spTree>
     <p:extLst>
       <p:ext uri="{BB962C8B-B14F-4D97-AF65-F5344CB8AC3E}">
-        <p14:creationId xmlns:p14="http://schemas.microsoft.com/office/powerpoint/2010/main" val="1833578096"/>
+        <p14:creationId xmlns:p14="http://schemas.microsoft.com/office/powerpoint/2010/main" val="144322529"/>
       </p:ext>
     </p:extLst>
   </p:cSld>
@@ -4300,14 +4317,12 @@
           </a:xfrm>
         </p:spPr>
         <p:txBody>
-          <a:bodyPr>
-            <a:normAutofit fontScale="92500" lnSpcReduction="10000"/>
-          </a:bodyPr>
-          <a:lstStyle/>
-          <a:p>
-            <a:r>
-              <a:rPr lang="en-US" altLang="zh-TW" dirty="0"/>
-              <a:t>When a handover decision is made, a disconnect message is sent by the controller to the old IoT GW and a connect message to the alternative IoT GW. </a:t>
+          <a:bodyPr/>
+          <a:lstStyle/>
+          <a:p>
+            <a:r>
+              <a:rPr lang="en-US" altLang="zh-TW" dirty="0"/>
+              <a:t>About active handover :</a:t>
             </a:r>
           </a:p>
           <a:p>
@@ -4316,7 +4331,7 @@
           <a:p>
             <a:r>
               <a:rPr lang="en-US" altLang="zh-TW" dirty="0"/>
-              <a:t>The old IoT GW forwards this request to the BLE peripheral and the peripheral immediately terminates the connection (independent of the supervision timeout). </a:t>
+              <a:t>The BLE peripheral maintains an advertiser role at all times.</a:t>
             </a:r>
           </a:p>
           <a:p>
@@ -4325,7 +4340,7 @@
           <a:p>
             <a:r>
               <a:rPr lang="en-US" altLang="zh-TW" dirty="0"/>
-              <a:t>Afterwards, the BLE advertisements can be answered with a connection request again, which is now done by the alternative gateway incited by the connect message.</a:t>
+              <a:t>The IoT GWs use these periodic BLE advertisements to derive a Received Signal Strength Indicator (RSSI).</a:t>
             </a:r>
             <a:endParaRPr lang="zh-TW" altLang="en-US" dirty="0"/>
           </a:p>
@@ -4363,7 +4378,7 @@
     </p:spTree>
     <p:extLst>
       <p:ext uri="{BB962C8B-B14F-4D97-AF65-F5344CB8AC3E}">
-        <p14:creationId xmlns:p14="http://schemas.microsoft.com/office/powerpoint/2010/main" val="227173799"/>
+        <p14:creationId xmlns:p14="http://schemas.microsoft.com/office/powerpoint/2010/main" val="4015015826"/>
       </p:ext>
     </p:extLst>
   </p:cSld>
@@ -4442,14 +4457,12 @@
           </a:xfrm>
         </p:spPr>
         <p:txBody>
-          <a:bodyPr>
-            <a:normAutofit/>
-          </a:bodyPr>
-          <a:lstStyle/>
-          <a:p>
-            <a:r>
-              <a:rPr lang="en-US" altLang="zh-TW" dirty="0"/>
-              <a:t>On top, when a BLE peripheral does not yet have a BLE connection with an IoT GW, the current best RSSI is can be used to find a suitable IoT GW and set up the connection. </a:t>
+          <a:bodyPr/>
+          <a:lstStyle/>
+          <a:p>
+            <a:r>
+              <a:rPr lang="en-US" altLang="zh-TW" dirty="0"/>
+              <a:t>All collected RSSI values are forwarded to the controller. </a:t>
             </a:r>
           </a:p>
           <a:p>
@@ -4458,7 +4471,16 @@
           <a:p>
             <a:r>
               <a:rPr lang="en-US" altLang="zh-TW" dirty="0"/>
-              <a:t>When an IoT GW naturally loses a BLE connection, which can occur if no suitable alternative was available, or a BLE connection failed to be set up, the controller is also notified, such an event indicates that the BLE peripheral has moved out of range of the BLE-enabled infrastructure or the infrastructure contains a blind spot.</a:t>
+              <a:t>The controller maintains a mapping table between the received RSSI values and the associated IoT GW and BLE peripheral. </a:t>
+            </a:r>
+          </a:p>
+          <a:p>
+            <a:endParaRPr lang="en-US" altLang="zh-TW" dirty="0"/>
+          </a:p>
+          <a:p>
+            <a:r>
+              <a:rPr lang="en-US" altLang="zh-TW" dirty="0"/>
+              <a:t>Concurrently, this mapping table is used to monitor the current state of the BLE connections and decides whether a specific BLE peripheral should handover to another IoT GW.</a:t>
             </a:r>
             <a:endParaRPr lang="zh-TW" altLang="en-US" dirty="0"/>
           </a:p>
@@ -4496,7 +4518,7 @@
     </p:spTree>
     <p:extLst>
       <p:ext uri="{BB962C8B-B14F-4D97-AF65-F5344CB8AC3E}">
-        <p14:creationId xmlns:p14="http://schemas.microsoft.com/office/powerpoint/2010/main" val="3385593956"/>
+        <p14:creationId xmlns:p14="http://schemas.microsoft.com/office/powerpoint/2010/main" val="1372114980"/>
       </p:ext>
     </p:extLst>
   </p:cSld>
@@ -4528,7 +4550,7 @@
           <p:cNvPr id="2" name="標題 1">
             <a:extLst>
               <a:ext uri="{FF2B5EF4-FFF2-40B4-BE49-F238E27FC236}">
-                <a16:creationId xmlns:a16="http://schemas.microsoft.com/office/drawing/2014/main" id="{B93EF638-2849-41FC-9ED3-28D8E0CE969E}"/>
+                <a16:creationId xmlns:a16="http://schemas.microsoft.com/office/drawing/2014/main" id="{A695901F-B45F-471B-B1C2-E603D8500264}"/>
               </a:ext>
             </a:extLst>
           </p:cNvPr>
@@ -4546,7 +4568,7 @@
           <a:p>
             <a:r>
               <a:rPr lang="en-US" altLang="zh-TW" dirty="0"/>
-              <a:t>Implementation details</a:t>
+              <a:t>Handover approaches(cont’d)</a:t>
             </a:r>
             <a:endParaRPr lang="zh-TW" altLang="en-US" dirty="0"/>
           </a:p>
@@ -4557,7 +4579,7 @@
           <p:cNvPr id="3" name="內容版面配置區 2">
             <a:extLst>
               <a:ext uri="{FF2B5EF4-FFF2-40B4-BE49-F238E27FC236}">
-                <a16:creationId xmlns:a16="http://schemas.microsoft.com/office/drawing/2014/main" id="{FE76078E-89DF-42BA-BFF0-0789F7A2DC49}"/>
+                <a16:creationId xmlns:a16="http://schemas.microsoft.com/office/drawing/2014/main" id="{FB2F8C4B-A1E5-42DA-B706-3134322A9E30}"/>
               </a:ext>
             </a:extLst>
           </p:cNvPr>
@@ -4568,24 +4590,21 @@
             <p:ph idx="1"/>
           </p:nvPr>
         </p:nvSpPr>
-        <p:spPr/>
+        <p:spPr>
+          <a:xfrm>
+            <a:off x="838200" y="1587500"/>
+            <a:ext cx="10515600" cy="4351338"/>
+          </a:xfrm>
+        </p:spPr>
         <p:txBody>
           <a:bodyPr>
-            <a:normAutofit fontScale="92500" lnSpcReduction="10000"/>
+            <a:normAutofit fontScale="92500" lnSpcReduction="20000"/>
           </a:bodyPr>
           <a:lstStyle/>
           <a:p>
             <a:r>
               <a:rPr lang="en-US" altLang="zh-TW" dirty="0"/>
-              <a:t>The BLE peripheral’s role is enacted using a nRF52840 board and the other roles(</a:t>
-            </a:r>
-            <a:r>
-              <a:rPr lang="en-US" altLang="zh-TW" dirty="0" err="1"/>
-              <a:t>GW,Controller</a:t>
-            </a:r>
-            <a:r>
-              <a:rPr lang="en-US" altLang="zh-TW" dirty="0"/>
-              <a:t>) are enacted using Raspberry PI’s.</a:t>
+              <a:t>Such a handover decision is taken when two conditions are met: the connection to the current IoT GW is bad and a sufficiently good enough alternative IoT GW is available.</a:t>
             </a:r>
           </a:p>
           <a:p>
@@ -4593,12 +4612,8 @@
           </a:p>
           <a:p>
             <a:r>
-              <a:rPr lang="en-US" altLang="zh-TW" b="1" dirty="0"/>
-              <a:t>nRF52840</a:t>
-            </a:r>
-            <a:r>
-              <a:rPr lang="en-US" altLang="zh-TW" dirty="0"/>
-              <a:t> board is capable of implementing a complete BLE v5.0 supported stack as well as the IPv6 over BLE stack adjustment.</a:t>
+              <a:rPr lang="en-US" altLang="zh-TW" dirty="0"/>
+              <a:t>The connection can be considered bad once the RSSI exceeds a certain RSSI threshold, meaning that the peripheral is not too far from the GW for the connection to be lost, but far enough to be of insufficient quality.</a:t>
             </a:r>
           </a:p>
           <a:p>
@@ -4607,24 +4622,7 @@
           <a:p>
             <a:r>
               <a:rPr lang="en-US" altLang="zh-TW" dirty="0"/>
-              <a:t>Use official Linux Bluetooth protocol stack(</a:t>
-            </a:r>
-            <a:r>
-              <a:rPr lang="en-US" altLang="zh-TW" dirty="0" err="1"/>
-              <a:t>BLueZ</a:t>
-            </a:r>
-            <a:r>
-              <a:rPr lang="en-US" altLang="zh-TW" dirty="0"/>
-              <a:t>) on Raspberry Pi.</a:t>
-            </a:r>
-          </a:p>
-          <a:p>
-            <a:endParaRPr lang="en-US" altLang="zh-TW" dirty="0"/>
-          </a:p>
-          <a:p>
-            <a:r>
-              <a:rPr lang="en-US" altLang="zh-TW" dirty="0"/>
-              <a:t>To emulate a mobile BLE peripheral performing a handover from one gateway to another gateway, in a controller manner, a manual attenuator is used.</a:t>
+              <a:t>Another GW can be considered a sufficient alternative, once its RSSI exceeds a certain threshold as well, indicating that the peripheral is actually close enough to that GW to establish a connection of sufficient quality. </a:t>
             </a:r>
             <a:endParaRPr lang="zh-TW" altLang="en-US" dirty="0"/>
           </a:p>
@@ -4635,7 +4633,7 @@
           <p:cNvPr id="4" name="投影片編號版面配置區 3">
             <a:extLst>
               <a:ext uri="{FF2B5EF4-FFF2-40B4-BE49-F238E27FC236}">
-                <a16:creationId xmlns:a16="http://schemas.microsoft.com/office/drawing/2014/main" id="{AD1B4B23-F0A7-40BA-987D-16C4CCB324A1}"/>
+                <a16:creationId xmlns:a16="http://schemas.microsoft.com/office/drawing/2014/main" id="{D343627B-A794-4656-8F31-A526720248C0}"/>
               </a:ext>
             </a:extLst>
           </p:cNvPr>
@@ -4662,7 +4660,7 @@
     </p:spTree>
     <p:extLst>
       <p:ext uri="{BB962C8B-B14F-4D97-AF65-F5344CB8AC3E}">
-        <p14:creationId xmlns:p14="http://schemas.microsoft.com/office/powerpoint/2010/main" val="664417199"/>
+        <p14:creationId xmlns:p14="http://schemas.microsoft.com/office/powerpoint/2010/main" val="1833578096"/>
       </p:ext>
     </p:extLst>
   </p:cSld>
@@ -4694,7 +4692,7 @@
           <p:cNvPr id="2" name="標題 1">
             <a:extLst>
               <a:ext uri="{FF2B5EF4-FFF2-40B4-BE49-F238E27FC236}">
-                <a16:creationId xmlns:a16="http://schemas.microsoft.com/office/drawing/2014/main" id="{B395D8BB-EDB2-42F3-9D92-4E6E7DCBB06A}"/>
+                <a16:creationId xmlns:a16="http://schemas.microsoft.com/office/drawing/2014/main" id="{A695901F-B45F-471B-B1C2-E603D8500264}"/>
               </a:ext>
             </a:extLst>
           </p:cNvPr>
@@ -4712,7 +4710,7 @@
           <a:p>
             <a:r>
               <a:rPr lang="en-US" altLang="zh-TW" dirty="0"/>
-              <a:t>Evaluation</a:t>
+              <a:t>Handover approaches(cont’d)</a:t>
             </a:r>
             <a:endParaRPr lang="zh-TW" altLang="en-US" dirty="0"/>
           </a:p>
@@ -4723,7 +4721,7 @@
           <p:cNvPr id="3" name="內容版面配置區 2">
             <a:extLst>
               <a:ext uri="{FF2B5EF4-FFF2-40B4-BE49-F238E27FC236}">
-                <a16:creationId xmlns:a16="http://schemas.microsoft.com/office/drawing/2014/main" id="{C1C16457-135B-42D6-BD5B-8AF9CCC2689E}"/>
+                <a16:creationId xmlns:a16="http://schemas.microsoft.com/office/drawing/2014/main" id="{FB2F8C4B-A1E5-42DA-B706-3134322A9E30}"/>
               </a:ext>
             </a:extLst>
           </p:cNvPr>
@@ -4734,20 +4732,40 @@
             <p:ph idx="1"/>
           </p:nvPr>
         </p:nvSpPr>
-        <p:spPr/>
-        <p:txBody>
-          <a:bodyPr/>
-          <a:lstStyle/>
-          <a:p>
-            <a:r>
-              <a:rPr lang="en-US" altLang="zh-TW" dirty="0"/>
-              <a:t>The performance of the handover process is predominantly impacted by two steps: disconnecting from the current GW and setting up a connection with the alternative GW.</a:t>
+        <p:spPr>
+          <a:xfrm>
+            <a:off x="838200" y="1587500"/>
+            <a:ext cx="10515600" cy="4351338"/>
+          </a:xfrm>
+        </p:spPr>
+        <p:txBody>
+          <a:bodyPr>
+            <a:normAutofit fontScale="92500" lnSpcReduction="10000"/>
+          </a:bodyPr>
+          <a:lstStyle/>
+          <a:p>
+            <a:r>
+              <a:rPr lang="en-US" altLang="zh-TW" dirty="0"/>
+              <a:t>When a handover decision is made, a disconnect message is sent by the controller to the old IoT GW and a connect message to the alternative IoT GW. </a:t>
             </a:r>
           </a:p>
           <a:p>
             <a:endParaRPr lang="en-US" altLang="zh-TW" dirty="0"/>
           </a:p>
           <a:p>
+            <a:r>
+              <a:rPr lang="en-US" altLang="zh-TW" dirty="0"/>
+              <a:t>The old IoT GW forwards this request to the BLE peripheral and the peripheral immediately terminates the connection (independent of the supervision timeout). </a:t>
+            </a:r>
+          </a:p>
+          <a:p>
+            <a:endParaRPr lang="en-US" altLang="zh-TW" dirty="0"/>
+          </a:p>
+          <a:p>
+            <a:r>
+              <a:rPr lang="en-US" altLang="zh-TW" dirty="0"/>
+              <a:t>Afterwards, the BLE advertisements can be answered with a connection request again, which is now done by the alternative gateway incited by the connect message.</a:t>
+            </a:r>
             <a:endParaRPr lang="zh-TW" altLang="en-US" dirty="0"/>
           </a:p>
         </p:txBody>
@@ -4757,7 +4775,7 @@
           <p:cNvPr id="4" name="投影片編號版面配置區 3">
             <a:extLst>
               <a:ext uri="{FF2B5EF4-FFF2-40B4-BE49-F238E27FC236}">
-                <a16:creationId xmlns:a16="http://schemas.microsoft.com/office/drawing/2014/main" id="{2E50D0C3-38B0-420B-AA42-A979EDC25DED}"/>
+                <a16:creationId xmlns:a16="http://schemas.microsoft.com/office/drawing/2014/main" id="{D343627B-A794-4656-8F31-A526720248C0}"/>
               </a:ext>
             </a:extLst>
           </p:cNvPr>
@@ -4784,7 +4802,7 @@
     </p:spTree>
     <p:extLst>
       <p:ext uri="{BB962C8B-B14F-4D97-AF65-F5344CB8AC3E}">
-        <p14:creationId xmlns:p14="http://schemas.microsoft.com/office/powerpoint/2010/main" val="1801796988"/>
+        <p14:creationId xmlns:p14="http://schemas.microsoft.com/office/powerpoint/2010/main" val="227173799"/>
       </p:ext>
     </p:extLst>
   </p:cSld>
@@ -4816,6 +4834,305 @@
           <p:cNvPr id="2" name="標題 1">
             <a:extLst>
               <a:ext uri="{FF2B5EF4-FFF2-40B4-BE49-F238E27FC236}">
+                <a16:creationId xmlns:a16="http://schemas.microsoft.com/office/drawing/2014/main" id="{A695901F-B45F-471B-B1C2-E603D8500264}"/>
+              </a:ext>
+            </a:extLst>
+          </p:cNvPr>
+          <p:cNvSpPr>
+            <a:spLocks noGrp="1"/>
+          </p:cNvSpPr>
+          <p:nvPr>
+            <p:ph type="title"/>
+          </p:nvPr>
+        </p:nvSpPr>
+        <p:spPr/>
+        <p:txBody>
+          <a:bodyPr/>
+          <a:lstStyle/>
+          <a:p>
+            <a:r>
+              <a:rPr lang="en-US" altLang="zh-TW" dirty="0"/>
+              <a:t>Handover approaches(cont’d)</a:t>
+            </a:r>
+            <a:endParaRPr lang="zh-TW" altLang="en-US" dirty="0"/>
+          </a:p>
+        </p:txBody>
+      </p:sp>
+      <p:sp>
+        <p:nvSpPr>
+          <p:cNvPr id="3" name="內容版面配置區 2">
+            <a:extLst>
+              <a:ext uri="{FF2B5EF4-FFF2-40B4-BE49-F238E27FC236}">
+                <a16:creationId xmlns:a16="http://schemas.microsoft.com/office/drawing/2014/main" id="{FB2F8C4B-A1E5-42DA-B706-3134322A9E30}"/>
+              </a:ext>
+            </a:extLst>
+          </p:cNvPr>
+          <p:cNvSpPr>
+            <a:spLocks noGrp="1"/>
+          </p:cNvSpPr>
+          <p:nvPr>
+            <p:ph idx="1"/>
+          </p:nvPr>
+        </p:nvSpPr>
+        <p:spPr>
+          <a:xfrm>
+            <a:off x="838200" y="1587500"/>
+            <a:ext cx="10515600" cy="4351338"/>
+          </a:xfrm>
+        </p:spPr>
+        <p:txBody>
+          <a:bodyPr>
+            <a:normAutofit/>
+          </a:bodyPr>
+          <a:lstStyle/>
+          <a:p>
+            <a:r>
+              <a:rPr lang="en-US" altLang="zh-TW" dirty="0"/>
+              <a:t>On top, when a BLE peripheral does not yet have a BLE connection with an IoT GW, the current best RSSI is can be used to find a suitable IoT GW and set up the connection. </a:t>
+            </a:r>
+          </a:p>
+          <a:p>
+            <a:endParaRPr lang="en-US" altLang="zh-TW" dirty="0"/>
+          </a:p>
+          <a:p>
+            <a:r>
+              <a:rPr lang="en-US" altLang="zh-TW" dirty="0"/>
+              <a:t>When an IoT GW naturally loses a BLE connection, which can occur if no suitable alternative was available, or a BLE connection failed to be set up, the controller is also notified, such an event indicates that the BLE peripheral has moved out of range of the BLE-enabled infrastructure or the infrastructure contains a blind spot.</a:t>
+            </a:r>
+            <a:endParaRPr lang="zh-TW" altLang="en-US" dirty="0"/>
+          </a:p>
+        </p:txBody>
+      </p:sp>
+      <p:sp>
+        <p:nvSpPr>
+          <p:cNvPr id="4" name="投影片編號版面配置區 3">
+            <a:extLst>
+              <a:ext uri="{FF2B5EF4-FFF2-40B4-BE49-F238E27FC236}">
+                <a16:creationId xmlns:a16="http://schemas.microsoft.com/office/drawing/2014/main" id="{D343627B-A794-4656-8F31-A526720248C0}"/>
+              </a:ext>
+            </a:extLst>
+          </p:cNvPr>
+          <p:cNvSpPr>
+            <a:spLocks noGrp="1"/>
+          </p:cNvSpPr>
+          <p:nvPr>
+            <p:ph type="sldNum" sz="quarter" idx="12"/>
+          </p:nvPr>
+        </p:nvSpPr>
+        <p:spPr/>
+        <p:txBody>
+          <a:bodyPr/>
+          <a:lstStyle/>
+          <a:p>
+            <a:fld id="{50029C49-A5A9-4A95-8BF0-94F73808DB5F}" type="slidenum">
+              <a:rPr lang="zh-TW" altLang="en-US" smtClean="0"/>
+              <a:t>15</a:t>
+            </a:fld>
+            <a:endParaRPr lang="zh-TW" altLang="en-US"/>
+          </a:p>
+        </p:txBody>
+      </p:sp>
+    </p:spTree>
+    <p:extLst>
+      <p:ext uri="{BB962C8B-B14F-4D97-AF65-F5344CB8AC3E}">
+        <p14:creationId xmlns:p14="http://schemas.microsoft.com/office/powerpoint/2010/main" val="3385593956"/>
+      </p:ext>
+    </p:extLst>
+  </p:cSld>
+  <p:clrMapOvr>
+    <a:masterClrMapping/>
+  </p:clrMapOvr>
+</p:sld>
+</file>
+
+<file path=ppt/slides/slide16.xml><?xml version="1.0" encoding="utf-8"?>
+<p:sld xmlns:a="http://schemas.openxmlformats.org/drawingml/2006/main" xmlns:r="http://schemas.openxmlformats.org/officeDocument/2006/relationships" xmlns:p="http://schemas.openxmlformats.org/presentationml/2006/main">
+  <p:cSld>
+    <p:spTree>
+      <p:nvGrpSpPr>
+        <p:cNvPr id="1" name=""/>
+        <p:cNvGrpSpPr/>
+        <p:nvPr/>
+      </p:nvGrpSpPr>
+      <p:grpSpPr>
+        <a:xfrm>
+          <a:off x="0" y="0"/>
+          <a:ext cx="0" cy="0"/>
+          <a:chOff x="0" y="0"/>
+          <a:chExt cx="0" cy="0"/>
+        </a:xfrm>
+      </p:grpSpPr>
+      <p:sp>
+        <p:nvSpPr>
+          <p:cNvPr id="2" name="標題 1">
+            <a:extLst>
+              <a:ext uri="{FF2B5EF4-FFF2-40B4-BE49-F238E27FC236}">
+                <a16:creationId xmlns:a16="http://schemas.microsoft.com/office/drawing/2014/main" id="{B93EF638-2849-41FC-9ED3-28D8E0CE969E}"/>
+              </a:ext>
+            </a:extLst>
+          </p:cNvPr>
+          <p:cNvSpPr>
+            <a:spLocks noGrp="1"/>
+          </p:cNvSpPr>
+          <p:nvPr>
+            <p:ph type="title"/>
+          </p:nvPr>
+        </p:nvSpPr>
+        <p:spPr/>
+        <p:txBody>
+          <a:bodyPr/>
+          <a:lstStyle/>
+          <a:p>
+            <a:r>
+              <a:rPr lang="en-US" altLang="zh-TW" dirty="0"/>
+              <a:t>Implementation details</a:t>
+            </a:r>
+            <a:endParaRPr lang="zh-TW" altLang="en-US" dirty="0"/>
+          </a:p>
+        </p:txBody>
+      </p:sp>
+      <p:sp>
+        <p:nvSpPr>
+          <p:cNvPr id="3" name="內容版面配置區 2">
+            <a:extLst>
+              <a:ext uri="{FF2B5EF4-FFF2-40B4-BE49-F238E27FC236}">
+                <a16:creationId xmlns:a16="http://schemas.microsoft.com/office/drawing/2014/main" id="{FE76078E-89DF-42BA-BFF0-0789F7A2DC49}"/>
+              </a:ext>
+            </a:extLst>
+          </p:cNvPr>
+          <p:cNvSpPr>
+            <a:spLocks noGrp="1"/>
+          </p:cNvSpPr>
+          <p:nvPr>
+            <p:ph idx="1"/>
+          </p:nvPr>
+        </p:nvSpPr>
+        <p:spPr/>
+        <p:txBody>
+          <a:bodyPr>
+            <a:normAutofit fontScale="92500" lnSpcReduction="10000"/>
+          </a:bodyPr>
+          <a:lstStyle/>
+          <a:p>
+            <a:r>
+              <a:rPr lang="en-US" altLang="zh-TW" dirty="0"/>
+              <a:t>The BLE peripheral’s role is enacted using a nRF52840 board and the other roles(</a:t>
+            </a:r>
+            <a:r>
+              <a:rPr lang="en-US" altLang="zh-TW" dirty="0" err="1"/>
+              <a:t>GW,Controller</a:t>
+            </a:r>
+            <a:r>
+              <a:rPr lang="en-US" altLang="zh-TW" dirty="0"/>
+              <a:t>) are enacted using Raspberry PI’s.</a:t>
+            </a:r>
+          </a:p>
+          <a:p>
+            <a:endParaRPr lang="en-US" altLang="zh-TW" dirty="0"/>
+          </a:p>
+          <a:p>
+            <a:r>
+              <a:rPr lang="en-US" altLang="zh-TW" b="1" dirty="0"/>
+              <a:t>nRF52840</a:t>
+            </a:r>
+            <a:r>
+              <a:rPr lang="en-US" altLang="zh-TW" dirty="0"/>
+              <a:t> board is capable of implementing a complete BLE v5.0 supported stack as well as the IPv6 over BLE stack adjustment.</a:t>
+            </a:r>
+          </a:p>
+          <a:p>
+            <a:endParaRPr lang="en-US" altLang="zh-TW" dirty="0"/>
+          </a:p>
+          <a:p>
+            <a:r>
+              <a:rPr lang="en-US" altLang="zh-TW" dirty="0"/>
+              <a:t>Use official Linux Bluetooth protocol stack(</a:t>
+            </a:r>
+            <a:r>
+              <a:rPr lang="en-US" altLang="zh-TW" dirty="0" err="1"/>
+              <a:t>BLueZ</a:t>
+            </a:r>
+            <a:r>
+              <a:rPr lang="en-US" altLang="zh-TW" dirty="0"/>
+              <a:t>) on Raspberry Pi.</a:t>
+            </a:r>
+          </a:p>
+          <a:p>
+            <a:endParaRPr lang="en-US" altLang="zh-TW" dirty="0"/>
+          </a:p>
+          <a:p>
+            <a:r>
+              <a:rPr lang="en-US" altLang="zh-TW" dirty="0"/>
+              <a:t>To emulate a mobile BLE peripheral performing a handover from one gateway to another gateway, in a controller manner, a manual attenuator is used.</a:t>
+            </a:r>
+            <a:endParaRPr lang="zh-TW" altLang="en-US" dirty="0"/>
+          </a:p>
+        </p:txBody>
+      </p:sp>
+      <p:sp>
+        <p:nvSpPr>
+          <p:cNvPr id="4" name="投影片編號版面配置區 3">
+            <a:extLst>
+              <a:ext uri="{FF2B5EF4-FFF2-40B4-BE49-F238E27FC236}">
+                <a16:creationId xmlns:a16="http://schemas.microsoft.com/office/drawing/2014/main" id="{AD1B4B23-F0A7-40BA-987D-16C4CCB324A1}"/>
+              </a:ext>
+            </a:extLst>
+          </p:cNvPr>
+          <p:cNvSpPr>
+            <a:spLocks noGrp="1"/>
+          </p:cNvSpPr>
+          <p:nvPr>
+            <p:ph type="sldNum" sz="quarter" idx="12"/>
+          </p:nvPr>
+        </p:nvSpPr>
+        <p:spPr/>
+        <p:txBody>
+          <a:bodyPr/>
+          <a:lstStyle/>
+          <a:p>
+            <a:fld id="{50029C49-A5A9-4A95-8BF0-94F73808DB5F}" type="slidenum">
+              <a:rPr lang="zh-TW" altLang="en-US" smtClean="0"/>
+              <a:t>16</a:t>
+            </a:fld>
+            <a:endParaRPr lang="zh-TW" altLang="en-US"/>
+          </a:p>
+        </p:txBody>
+      </p:sp>
+    </p:spTree>
+    <p:extLst>
+      <p:ext uri="{BB962C8B-B14F-4D97-AF65-F5344CB8AC3E}">
+        <p14:creationId xmlns:p14="http://schemas.microsoft.com/office/powerpoint/2010/main" val="664417199"/>
+      </p:ext>
+    </p:extLst>
+  </p:cSld>
+  <p:clrMapOvr>
+    <a:masterClrMapping/>
+  </p:clrMapOvr>
+</p:sld>
+</file>
+
+<file path=ppt/slides/slide17.xml><?xml version="1.0" encoding="utf-8"?>
+<p:sld xmlns:a="http://schemas.openxmlformats.org/drawingml/2006/main" xmlns:r="http://schemas.openxmlformats.org/officeDocument/2006/relationships" xmlns:p="http://schemas.openxmlformats.org/presentationml/2006/main">
+  <p:cSld>
+    <p:spTree>
+      <p:nvGrpSpPr>
+        <p:cNvPr id="1" name=""/>
+        <p:cNvGrpSpPr/>
+        <p:nvPr/>
+      </p:nvGrpSpPr>
+      <p:grpSpPr>
+        <a:xfrm>
+          <a:off x="0" y="0"/>
+          <a:ext cx="0" cy="0"/>
+          <a:chOff x="0" y="0"/>
+          <a:chExt cx="0" cy="0"/>
+        </a:xfrm>
+      </p:grpSpPr>
+      <p:sp>
+        <p:nvSpPr>
+          <p:cNvPr id="2" name="標題 1">
+            <a:extLst>
+              <a:ext uri="{FF2B5EF4-FFF2-40B4-BE49-F238E27FC236}">
                 <a16:creationId xmlns:a16="http://schemas.microsoft.com/office/drawing/2014/main" id="{B395D8BB-EDB2-42F3-9D92-4E6E7DCBB06A}"/>
               </a:ext>
             </a:extLst>
@@ -4834,14 +5151,136 @@
           <a:p>
             <a:r>
               <a:rPr lang="en-US" altLang="zh-TW" dirty="0"/>
+              <a:t>Evaluation</a:t>
+            </a:r>
+            <a:endParaRPr lang="zh-TW" altLang="en-US" dirty="0"/>
+          </a:p>
+        </p:txBody>
+      </p:sp>
+      <p:sp>
+        <p:nvSpPr>
+          <p:cNvPr id="3" name="內容版面配置區 2">
+            <a:extLst>
+              <a:ext uri="{FF2B5EF4-FFF2-40B4-BE49-F238E27FC236}">
+                <a16:creationId xmlns:a16="http://schemas.microsoft.com/office/drawing/2014/main" id="{C1C16457-135B-42D6-BD5B-8AF9CCC2689E}"/>
+              </a:ext>
+            </a:extLst>
+          </p:cNvPr>
+          <p:cNvSpPr>
+            <a:spLocks noGrp="1"/>
+          </p:cNvSpPr>
+          <p:nvPr>
+            <p:ph idx="1"/>
+          </p:nvPr>
+        </p:nvSpPr>
+        <p:spPr/>
+        <p:txBody>
+          <a:bodyPr/>
+          <a:lstStyle/>
+          <a:p>
+            <a:r>
+              <a:rPr lang="en-US" altLang="zh-TW" dirty="0"/>
+              <a:t>The performance of the handover process is predominantly impacted by two steps: disconnecting from the current GW and setting up a connection with the alternative GW.</a:t>
+            </a:r>
+          </a:p>
+          <a:p>
+            <a:endParaRPr lang="en-US" altLang="zh-TW" dirty="0"/>
+          </a:p>
+          <a:p>
+            <a:endParaRPr lang="zh-TW" altLang="en-US" dirty="0"/>
+          </a:p>
+        </p:txBody>
+      </p:sp>
+      <p:sp>
+        <p:nvSpPr>
+          <p:cNvPr id="4" name="投影片編號版面配置區 3">
+            <a:extLst>
+              <a:ext uri="{FF2B5EF4-FFF2-40B4-BE49-F238E27FC236}">
+                <a16:creationId xmlns:a16="http://schemas.microsoft.com/office/drawing/2014/main" id="{2E50D0C3-38B0-420B-AA42-A979EDC25DED}"/>
+              </a:ext>
+            </a:extLst>
+          </p:cNvPr>
+          <p:cNvSpPr>
+            <a:spLocks noGrp="1"/>
+          </p:cNvSpPr>
+          <p:nvPr>
+            <p:ph type="sldNum" sz="quarter" idx="12"/>
+          </p:nvPr>
+        </p:nvSpPr>
+        <p:spPr/>
+        <p:txBody>
+          <a:bodyPr/>
+          <a:lstStyle/>
+          <a:p>
+            <a:fld id="{50029C49-A5A9-4A95-8BF0-94F73808DB5F}" type="slidenum">
+              <a:rPr lang="zh-TW" altLang="en-US" smtClean="0"/>
+              <a:t>17</a:t>
+            </a:fld>
+            <a:endParaRPr lang="zh-TW" altLang="en-US"/>
+          </a:p>
+        </p:txBody>
+      </p:sp>
+    </p:spTree>
+    <p:extLst>
+      <p:ext uri="{BB962C8B-B14F-4D97-AF65-F5344CB8AC3E}">
+        <p14:creationId xmlns:p14="http://schemas.microsoft.com/office/powerpoint/2010/main" val="1801796988"/>
+      </p:ext>
+    </p:extLst>
+  </p:cSld>
+  <p:clrMapOvr>
+    <a:masterClrMapping/>
+  </p:clrMapOvr>
+</p:sld>
+</file>
+
+<file path=ppt/slides/slide18.xml><?xml version="1.0" encoding="utf-8"?>
+<p:sld xmlns:a="http://schemas.openxmlformats.org/drawingml/2006/main" xmlns:r="http://schemas.openxmlformats.org/officeDocument/2006/relationships" xmlns:p="http://schemas.openxmlformats.org/presentationml/2006/main">
+  <p:cSld>
+    <p:spTree>
+      <p:nvGrpSpPr>
+        <p:cNvPr id="1" name=""/>
+        <p:cNvGrpSpPr/>
+        <p:nvPr/>
+      </p:nvGrpSpPr>
+      <p:grpSpPr>
+        <a:xfrm>
+          <a:off x="0" y="0"/>
+          <a:ext cx="0" cy="0"/>
+          <a:chOff x="0" y="0"/>
+          <a:chExt cx="0" cy="0"/>
+        </a:xfrm>
+      </p:grpSpPr>
+      <p:sp>
+        <p:nvSpPr>
+          <p:cNvPr id="2" name="標題 1">
+            <a:extLst>
+              <a:ext uri="{FF2B5EF4-FFF2-40B4-BE49-F238E27FC236}">
+                <a16:creationId xmlns:a16="http://schemas.microsoft.com/office/drawing/2014/main" id="{B395D8BB-EDB2-42F3-9D92-4E6E7DCBB06A}"/>
+              </a:ext>
+            </a:extLst>
+          </p:cNvPr>
+          <p:cNvSpPr>
+            <a:spLocks noGrp="1"/>
+          </p:cNvSpPr>
+          <p:nvPr>
+            <p:ph type="title"/>
+          </p:nvPr>
+        </p:nvSpPr>
+        <p:spPr/>
+        <p:txBody>
+          <a:bodyPr/>
+          <a:lstStyle/>
+          <a:p>
+            <a:r>
+              <a:rPr lang="en-US" altLang="zh-TW" dirty="0"/>
               <a:t>Evaluation : passive handover </a:t>
             </a:r>
             <a:endParaRPr lang="zh-TW" altLang="en-US" dirty="0"/>
           </a:p>
         </p:txBody>
       </p:sp>
-      <mc:AlternateContent xmlns:mc="http://schemas.openxmlformats.org/markup-compatibility/2006">
-        <mc:Choice xmlns:a14="http://schemas.microsoft.com/office/drawing/2010/main" Requires="a14">
+      <mc:AlternateContent xmlns:mc="http://schemas.openxmlformats.org/markup-compatibility/2006" xmlns:a14="http://schemas.microsoft.com/office/drawing/2010/main">
+        <mc:Choice Requires="a14">
           <p:sp>
             <p:nvSpPr>
               <p:cNvPr id="3" name="內容版面配置區 2">
@@ -4969,7 +5408,7 @@
             </p:txBody>
           </p:sp>
         </mc:Choice>
-        <mc:Fallback>
+        <mc:Fallback xmlns="">
           <p:sp>
             <p:nvSpPr>
               <p:cNvPr id="3" name="內容版面配置區 2">
@@ -5032,7 +5471,7 @@
           <a:p>
             <a:fld id="{50029C49-A5A9-4A95-8BF0-94F73808DB5F}" type="slidenum">
               <a:rPr lang="zh-TW" altLang="en-US" smtClean="0"/>
-              <a:t>15</a:t>
+              <a:t>18</a:t>
             </a:fld>
             <a:endParaRPr lang="zh-TW" altLang="en-US" dirty="0"/>
           </a:p>
@@ -5051,7 +5490,7 @@
 </p:sld>
 </file>
 
-<file path=ppt/slides/slide16.xml><?xml version="1.0" encoding="utf-8"?>
+<file path=ppt/slides/slide19.xml><?xml version="1.0" encoding="utf-8"?>
 <p:sld xmlns:a="http://schemas.openxmlformats.org/drawingml/2006/main" xmlns:r="http://schemas.openxmlformats.org/officeDocument/2006/relationships" xmlns:p="http://schemas.openxmlformats.org/presentationml/2006/main">
   <p:cSld>
     <p:spTree>
@@ -5168,7 +5607,7 @@
           <a:p>
             <a:fld id="{50029C49-A5A9-4A95-8BF0-94F73808DB5F}" type="slidenum">
               <a:rPr lang="zh-TW" altLang="en-US" smtClean="0"/>
-              <a:t>16</a:t>
+              <a:t>19</a:t>
             </a:fld>
             <a:endParaRPr lang="zh-TW" altLang="en-US" dirty="0"/>
           </a:p>
@@ -5187,7 +5626,7 @@
 </p:sld>
 </file>
 
-<file path=ppt/slides/slide17.xml><?xml version="1.0" encoding="utf-8"?>
+<file path=ppt/slides/slide2.xml><?xml version="1.0" encoding="utf-8"?>
 <p:sld xmlns:a="http://schemas.openxmlformats.org/drawingml/2006/main" xmlns:r="http://schemas.openxmlformats.org/officeDocument/2006/relationships" xmlns:p="http://schemas.openxmlformats.org/presentationml/2006/main">
   <p:cSld>
     <p:spTree>
@@ -5209,6 +5648,166 @@
           <p:cNvPr id="2" name="標題 1">
             <a:extLst>
               <a:ext uri="{FF2B5EF4-FFF2-40B4-BE49-F238E27FC236}">
+                <a16:creationId xmlns:a16="http://schemas.microsoft.com/office/drawing/2014/main" id="{374CC6A4-7D80-460A-B3B0-D78C7AA4B278}"/>
+              </a:ext>
+            </a:extLst>
+          </p:cNvPr>
+          <p:cNvSpPr>
+            <a:spLocks noGrp="1"/>
+          </p:cNvSpPr>
+          <p:nvPr>
+            <p:ph type="title"/>
+          </p:nvPr>
+        </p:nvSpPr>
+        <p:spPr/>
+        <p:txBody>
+          <a:bodyPr/>
+          <a:lstStyle/>
+          <a:p>
+            <a:r>
+              <a:rPr lang="en-US" altLang="zh-TW" dirty="0"/>
+              <a:t>Outline</a:t>
+            </a:r>
+            <a:endParaRPr lang="zh-TW" altLang="en-US" dirty="0"/>
+          </a:p>
+        </p:txBody>
+      </p:sp>
+      <p:sp>
+        <p:nvSpPr>
+          <p:cNvPr id="3" name="內容版面配置區 2">
+            <a:extLst>
+              <a:ext uri="{FF2B5EF4-FFF2-40B4-BE49-F238E27FC236}">
+                <a16:creationId xmlns:a16="http://schemas.microsoft.com/office/drawing/2014/main" id="{E4C02B56-07BF-448C-BE47-03D13CE393B5}"/>
+              </a:ext>
+            </a:extLst>
+          </p:cNvPr>
+          <p:cNvSpPr>
+            <a:spLocks noGrp="1"/>
+          </p:cNvSpPr>
+          <p:nvPr>
+            <p:ph idx="1"/>
+          </p:nvPr>
+        </p:nvSpPr>
+        <p:spPr/>
+        <p:txBody>
+          <a:bodyPr>
+            <a:normAutofit/>
+          </a:bodyPr>
+          <a:lstStyle/>
+          <a:p>
+            <a:r>
+              <a:rPr lang="en-US" altLang="zh-TW" dirty="0"/>
+              <a:t>Introduction</a:t>
+            </a:r>
+          </a:p>
+          <a:p>
+            <a:r>
+              <a:rPr lang="en-US" altLang="zh-TW" dirty="0"/>
+              <a:t>Primer on BLE and BLE over IPv6</a:t>
+            </a:r>
+          </a:p>
+          <a:p>
+            <a:r>
+              <a:rPr lang="en-US" altLang="zh-TW" dirty="0"/>
+              <a:t>A BLE-based multi-Gateway network infrastructure</a:t>
+            </a:r>
+          </a:p>
+          <a:p>
+            <a:r>
+              <a:rPr lang="en-US" altLang="zh-TW" dirty="0"/>
+              <a:t>Handover approaches</a:t>
+            </a:r>
+          </a:p>
+          <a:p>
+            <a:r>
+              <a:rPr lang="en-US" altLang="zh-TW" dirty="0"/>
+              <a:t>Implementation details</a:t>
+            </a:r>
+          </a:p>
+          <a:p>
+            <a:r>
+              <a:rPr lang="en-US" altLang="zh-TW" dirty="0"/>
+              <a:t>Evaluation</a:t>
+            </a:r>
+          </a:p>
+          <a:p>
+            <a:r>
+              <a:rPr lang="en-US" altLang="zh-TW" dirty="0"/>
+              <a:t>Conclusion</a:t>
+            </a:r>
+          </a:p>
+          <a:p>
+            <a:r>
+              <a:rPr lang="en-US" altLang="zh-TW" dirty="0"/>
+              <a:t>References</a:t>
+            </a:r>
+          </a:p>
+        </p:txBody>
+      </p:sp>
+      <p:sp>
+        <p:nvSpPr>
+          <p:cNvPr id="4" name="投影片編號版面配置區 3">
+            <a:extLst>
+              <a:ext uri="{FF2B5EF4-FFF2-40B4-BE49-F238E27FC236}">
+                <a16:creationId xmlns:a16="http://schemas.microsoft.com/office/drawing/2014/main" id="{54C0367C-91A7-428B-B46E-60D3CE76CC93}"/>
+              </a:ext>
+            </a:extLst>
+          </p:cNvPr>
+          <p:cNvSpPr>
+            <a:spLocks noGrp="1"/>
+          </p:cNvSpPr>
+          <p:nvPr>
+            <p:ph type="sldNum" sz="quarter" idx="12"/>
+          </p:nvPr>
+        </p:nvSpPr>
+        <p:spPr/>
+        <p:txBody>
+          <a:bodyPr/>
+          <a:lstStyle/>
+          <a:p>
+            <a:fld id="{50029C49-A5A9-4A95-8BF0-94F73808DB5F}" type="slidenum">
+              <a:rPr lang="zh-TW" altLang="en-US" smtClean="0"/>
+              <a:t>2</a:t>
+            </a:fld>
+            <a:endParaRPr lang="zh-TW" altLang="en-US"/>
+          </a:p>
+        </p:txBody>
+      </p:sp>
+    </p:spTree>
+    <p:extLst>
+      <p:ext uri="{BB962C8B-B14F-4D97-AF65-F5344CB8AC3E}">
+        <p14:creationId xmlns:p14="http://schemas.microsoft.com/office/powerpoint/2010/main" val="1051466082"/>
+      </p:ext>
+    </p:extLst>
+  </p:cSld>
+  <p:clrMapOvr>
+    <a:masterClrMapping/>
+  </p:clrMapOvr>
+</p:sld>
+</file>
+
+<file path=ppt/slides/slide20.xml><?xml version="1.0" encoding="utf-8"?>
+<p:sld xmlns:a="http://schemas.openxmlformats.org/drawingml/2006/main" xmlns:r="http://schemas.openxmlformats.org/officeDocument/2006/relationships" xmlns:p="http://schemas.openxmlformats.org/presentationml/2006/main">
+  <p:cSld>
+    <p:spTree>
+      <p:nvGrpSpPr>
+        <p:cNvPr id="1" name=""/>
+        <p:cNvGrpSpPr/>
+        <p:nvPr/>
+      </p:nvGrpSpPr>
+      <p:grpSpPr>
+        <a:xfrm>
+          <a:off x="0" y="0"/>
+          <a:ext cx="0" cy="0"/>
+          <a:chOff x="0" y="0"/>
+          <a:chExt cx="0" cy="0"/>
+        </a:xfrm>
+      </p:grpSpPr>
+      <p:sp>
+        <p:nvSpPr>
+          <p:cNvPr id="2" name="標題 1">
+            <a:extLst>
+              <a:ext uri="{FF2B5EF4-FFF2-40B4-BE49-F238E27FC236}">
                 <a16:creationId xmlns:a16="http://schemas.microsoft.com/office/drawing/2014/main" id="{B395D8BB-EDB2-42F3-9D92-4E6E7DCBB06A}"/>
               </a:ext>
             </a:extLst>
@@ -5316,7 +5915,7 @@
           <a:p>
             <a:fld id="{50029C49-A5A9-4A95-8BF0-94F73808DB5F}" type="slidenum">
               <a:rPr lang="zh-TW" altLang="en-US" smtClean="0"/>
-              <a:t>17</a:t>
+              <a:t>20</a:t>
             </a:fld>
             <a:endParaRPr lang="zh-TW" altLang="en-US" dirty="0"/>
           </a:p>
@@ -5335,7 +5934,7 @@
 </p:sld>
 </file>
 
-<file path=ppt/slides/slide18.xml><?xml version="1.0" encoding="utf-8"?>
+<file path=ppt/slides/slide21.xml><?xml version="1.0" encoding="utf-8"?>
 <p:sld xmlns:a="http://schemas.openxmlformats.org/drawingml/2006/main" xmlns:r="http://schemas.openxmlformats.org/officeDocument/2006/relationships" xmlns:p="http://schemas.openxmlformats.org/presentationml/2006/main">
   <p:cSld>
     <p:spTree>
@@ -5563,7 +6162,7 @@
           <a:p>
             <a:fld id="{50029C49-A5A9-4A95-8BF0-94F73808DB5F}" type="slidenum">
               <a:rPr lang="zh-TW" altLang="en-US" smtClean="0"/>
-              <a:t>18</a:t>
+              <a:t>21</a:t>
             </a:fld>
             <a:endParaRPr lang="zh-TW" altLang="en-US"/>
           </a:p>
@@ -5582,7 +6181,7 @@
 </p:sld>
 </file>
 
-<file path=ppt/slides/slide19.xml><?xml version="1.0" encoding="utf-8"?>
+<file path=ppt/slides/slide22.xml><?xml version="1.0" encoding="utf-8"?>
 <p:sld xmlns:a="http://schemas.openxmlformats.org/drawingml/2006/main" xmlns:r="http://schemas.openxmlformats.org/officeDocument/2006/relationships" xmlns:p="http://schemas.openxmlformats.org/presentationml/2006/main">
   <p:cSld>
     <p:spTree>
@@ -5681,7 +6280,7 @@
           <a:p>
             <a:fld id="{50029C49-A5A9-4A95-8BF0-94F73808DB5F}" type="slidenum">
               <a:rPr lang="zh-TW" altLang="en-US" smtClean="0"/>
-              <a:t>19</a:t>
+              <a:t>22</a:t>
             </a:fld>
             <a:endParaRPr lang="zh-TW" altLang="en-US" dirty="0"/>
           </a:p>
@@ -5804,603 +6403,6 @@
 </p:sld>
 </file>
 
-<file path=ppt/slides/slide2.xml><?xml version="1.0" encoding="utf-8"?>
-<p:sld xmlns:a="http://schemas.openxmlformats.org/drawingml/2006/main" xmlns:r="http://schemas.openxmlformats.org/officeDocument/2006/relationships" xmlns:p="http://schemas.openxmlformats.org/presentationml/2006/main">
-  <p:cSld>
-    <p:spTree>
-      <p:nvGrpSpPr>
-        <p:cNvPr id="1" name=""/>
-        <p:cNvGrpSpPr/>
-        <p:nvPr/>
-      </p:nvGrpSpPr>
-      <p:grpSpPr>
-        <a:xfrm>
-          <a:off x="0" y="0"/>
-          <a:ext cx="0" cy="0"/>
-          <a:chOff x="0" y="0"/>
-          <a:chExt cx="0" cy="0"/>
-        </a:xfrm>
-      </p:grpSpPr>
-      <p:sp>
-        <p:nvSpPr>
-          <p:cNvPr id="2" name="標題 1">
-            <a:extLst>
-              <a:ext uri="{FF2B5EF4-FFF2-40B4-BE49-F238E27FC236}">
-                <a16:creationId xmlns:a16="http://schemas.microsoft.com/office/drawing/2014/main" id="{374CC6A4-7D80-460A-B3B0-D78C7AA4B278}"/>
-              </a:ext>
-            </a:extLst>
-          </p:cNvPr>
-          <p:cNvSpPr>
-            <a:spLocks noGrp="1"/>
-          </p:cNvSpPr>
-          <p:nvPr>
-            <p:ph type="title"/>
-          </p:nvPr>
-        </p:nvSpPr>
-        <p:spPr/>
-        <p:txBody>
-          <a:bodyPr/>
-          <a:lstStyle/>
-          <a:p>
-            <a:r>
-              <a:rPr lang="en-US" altLang="zh-TW" dirty="0"/>
-              <a:t>Outline</a:t>
-            </a:r>
-            <a:endParaRPr lang="zh-TW" altLang="en-US" dirty="0"/>
-          </a:p>
-        </p:txBody>
-      </p:sp>
-      <p:sp>
-        <p:nvSpPr>
-          <p:cNvPr id="3" name="內容版面配置區 2">
-            <a:extLst>
-              <a:ext uri="{FF2B5EF4-FFF2-40B4-BE49-F238E27FC236}">
-                <a16:creationId xmlns:a16="http://schemas.microsoft.com/office/drawing/2014/main" id="{E4C02B56-07BF-448C-BE47-03D13CE393B5}"/>
-              </a:ext>
-            </a:extLst>
-          </p:cNvPr>
-          <p:cNvSpPr>
-            <a:spLocks noGrp="1"/>
-          </p:cNvSpPr>
-          <p:nvPr>
-            <p:ph idx="1"/>
-          </p:nvPr>
-        </p:nvSpPr>
-        <p:spPr/>
-        <p:txBody>
-          <a:bodyPr>
-            <a:normAutofit/>
-          </a:bodyPr>
-          <a:lstStyle/>
-          <a:p>
-            <a:r>
-              <a:rPr lang="en-US" altLang="zh-TW" dirty="0"/>
-              <a:t>Introduction</a:t>
-            </a:r>
-          </a:p>
-          <a:p>
-            <a:r>
-              <a:rPr lang="en-US" altLang="zh-TW" dirty="0"/>
-              <a:t>Primer on BLE and BLE over IPv6</a:t>
-            </a:r>
-          </a:p>
-          <a:p>
-            <a:r>
-              <a:rPr lang="en-US" altLang="zh-TW" dirty="0"/>
-              <a:t>A BLE-based multi-Gateway network infrastructure</a:t>
-            </a:r>
-          </a:p>
-          <a:p>
-            <a:r>
-              <a:rPr lang="en-US" altLang="zh-TW" dirty="0"/>
-              <a:t>Handover approaches</a:t>
-            </a:r>
-          </a:p>
-          <a:p>
-            <a:r>
-              <a:rPr lang="en-US" altLang="zh-TW" dirty="0"/>
-              <a:t>Implementation details</a:t>
-            </a:r>
-          </a:p>
-          <a:p>
-            <a:r>
-              <a:rPr lang="en-US" altLang="zh-TW" dirty="0"/>
-              <a:t>Evaluation</a:t>
-            </a:r>
-          </a:p>
-          <a:p>
-            <a:r>
-              <a:rPr lang="en-US" altLang="zh-TW" dirty="0"/>
-              <a:t>Conclusion</a:t>
-            </a:r>
-          </a:p>
-          <a:p>
-            <a:r>
-              <a:rPr lang="en-US" altLang="zh-TW" dirty="0"/>
-              <a:t>References</a:t>
-            </a:r>
-          </a:p>
-          <a:p>
-            <a:endParaRPr lang="zh-TW" altLang="en-US" dirty="0"/>
-          </a:p>
-        </p:txBody>
-      </p:sp>
-      <p:sp>
-        <p:nvSpPr>
-          <p:cNvPr id="4" name="投影片編號版面配置區 3">
-            <a:extLst>
-              <a:ext uri="{FF2B5EF4-FFF2-40B4-BE49-F238E27FC236}">
-                <a16:creationId xmlns:a16="http://schemas.microsoft.com/office/drawing/2014/main" id="{54C0367C-91A7-428B-B46E-60D3CE76CC93}"/>
-              </a:ext>
-            </a:extLst>
-          </p:cNvPr>
-          <p:cNvSpPr>
-            <a:spLocks noGrp="1"/>
-          </p:cNvSpPr>
-          <p:nvPr>
-            <p:ph type="sldNum" sz="quarter" idx="12"/>
-          </p:nvPr>
-        </p:nvSpPr>
-        <p:spPr/>
-        <p:txBody>
-          <a:bodyPr/>
-          <a:lstStyle/>
-          <a:p>
-            <a:fld id="{50029C49-A5A9-4A95-8BF0-94F73808DB5F}" type="slidenum">
-              <a:rPr lang="zh-TW" altLang="en-US" smtClean="0"/>
-              <a:t>2</a:t>
-            </a:fld>
-            <a:endParaRPr lang="zh-TW" altLang="en-US"/>
-          </a:p>
-        </p:txBody>
-      </p:sp>
-    </p:spTree>
-    <p:extLst>
-      <p:ext uri="{BB962C8B-B14F-4D97-AF65-F5344CB8AC3E}">
-        <p14:creationId xmlns:p14="http://schemas.microsoft.com/office/powerpoint/2010/main" val="1051466082"/>
-      </p:ext>
-    </p:extLst>
-  </p:cSld>
-  <p:clrMapOvr>
-    <a:masterClrMapping/>
-  </p:clrMapOvr>
-</p:sld>
-</file>
-
-<file path=ppt/slides/slide20.xml><?xml version="1.0" encoding="utf-8"?>
-<p:sld xmlns:a="http://schemas.openxmlformats.org/drawingml/2006/main" xmlns:r="http://schemas.openxmlformats.org/officeDocument/2006/relationships" xmlns:p="http://schemas.openxmlformats.org/presentationml/2006/main">
-  <p:cSld>
-    <p:spTree>
-      <p:nvGrpSpPr>
-        <p:cNvPr id="1" name=""/>
-        <p:cNvGrpSpPr/>
-        <p:nvPr/>
-      </p:nvGrpSpPr>
-      <p:grpSpPr>
-        <a:xfrm>
-          <a:off x="0" y="0"/>
-          <a:ext cx="0" cy="0"/>
-          <a:chOff x="0" y="0"/>
-          <a:chExt cx="0" cy="0"/>
-        </a:xfrm>
-      </p:grpSpPr>
-      <p:sp>
-        <p:nvSpPr>
-          <p:cNvPr id="2" name="標題 1">
-            <a:extLst>
-              <a:ext uri="{FF2B5EF4-FFF2-40B4-BE49-F238E27FC236}">
-                <a16:creationId xmlns:a16="http://schemas.microsoft.com/office/drawing/2014/main" id="{B395D8BB-EDB2-42F3-9D92-4E6E7DCBB06A}"/>
-              </a:ext>
-            </a:extLst>
-          </p:cNvPr>
-          <p:cNvSpPr>
-            <a:spLocks noGrp="1"/>
-          </p:cNvSpPr>
-          <p:nvPr>
-            <p:ph type="title"/>
-          </p:nvPr>
-        </p:nvSpPr>
-        <p:spPr/>
-        <p:txBody>
-          <a:bodyPr/>
-          <a:lstStyle/>
-          <a:p>
-            <a:r>
-              <a:rPr lang="en-US" altLang="zh-TW" dirty="0"/>
-              <a:t>Evaluation : active handover</a:t>
-            </a:r>
-            <a:endParaRPr lang="zh-TW" altLang="en-US" dirty="0"/>
-          </a:p>
-        </p:txBody>
-      </p:sp>
-      <p:sp>
-        <p:nvSpPr>
-          <p:cNvPr id="3" name="內容版面配置區 2">
-            <a:extLst>
-              <a:ext uri="{FF2B5EF4-FFF2-40B4-BE49-F238E27FC236}">
-                <a16:creationId xmlns:a16="http://schemas.microsoft.com/office/drawing/2014/main" id="{C1C16457-135B-42D6-BD5B-8AF9CCC2689E}"/>
-              </a:ext>
-            </a:extLst>
-          </p:cNvPr>
-          <p:cNvSpPr>
-            <a:spLocks noGrp="1"/>
-          </p:cNvSpPr>
-          <p:nvPr>
-            <p:ph idx="1"/>
-          </p:nvPr>
-        </p:nvSpPr>
-        <p:spPr/>
-        <p:txBody>
-          <a:bodyPr>
-            <a:normAutofit lnSpcReduction="10000"/>
-          </a:bodyPr>
-          <a:lstStyle/>
-          <a:p>
-            <a:r>
-              <a:rPr lang="en-US" altLang="zh-TW" dirty="0"/>
-              <a:t>About disconnecting from current GW</a:t>
-            </a:r>
-          </a:p>
-          <a:p>
-            <a:endParaRPr lang="en-US" altLang="zh-TW" dirty="0"/>
-          </a:p>
-          <a:p>
-            <a:r>
-              <a:rPr lang="en-US" altLang="zh-TW" dirty="0"/>
-              <a:t>the current GW will receive a disconnection message from the controller once a roaming decision has made. </a:t>
-            </a:r>
-          </a:p>
-          <a:p>
-            <a:endParaRPr lang="en-US" altLang="zh-TW" dirty="0"/>
-          </a:p>
-          <a:p>
-            <a:r>
-              <a:rPr lang="en-US" altLang="zh-TW" dirty="0"/>
-              <a:t>After receiving this message, the GW immediately attempts to send a disconnection request to the BLE peripheral. </a:t>
-            </a:r>
-          </a:p>
-          <a:p>
-            <a:endParaRPr lang="en-US" altLang="zh-TW" dirty="0"/>
-          </a:p>
-          <a:p>
-            <a:r>
-              <a:rPr lang="en-US" altLang="zh-TW" dirty="0"/>
-              <a:t>Upon receiving this request, the peripheral answers with a disconnection acknowledgment.</a:t>
-            </a:r>
-          </a:p>
-        </p:txBody>
-      </p:sp>
-      <p:sp>
-        <p:nvSpPr>
-          <p:cNvPr id="4" name="投影片編號版面配置區 3">
-            <a:extLst>
-              <a:ext uri="{FF2B5EF4-FFF2-40B4-BE49-F238E27FC236}">
-                <a16:creationId xmlns:a16="http://schemas.microsoft.com/office/drawing/2014/main" id="{DB634B57-2E7E-40BE-993E-5F46071107A7}"/>
-              </a:ext>
-            </a:extLst>
-          </p:cNvPr>
-          <p:cNvSpPr>
-            <a:spLocks noGrp="1"/>
-          </p:cNvSpPr>
-          <p:nvPr>
-            <p:ph type="sldNum" sz="quarter" idx="12"/>
-          </p:nvPr>
-        </p:nvSpPr>
-        <p:spPr/>
-        <p:txBody>
-          <a:bodyPr/>
-          <a:lstStyle/>
-          <a:p>
-            <a:fld id="{50029C49-A5A9-4A95-8BF0-94F73808DB5F}" type="slidenum">
-              <a:rPr lang="zh-TW" altLang="en-US" smtClean="0"/>
-              <a:t>20</a:t>
-            </a:fld>
-            <a:endParaRPr lang="zh-TW" altLang="en-US"/>
-          </a:p>
-        </p:txBody>
-      </p:sp>
-    </p:spTree>
-    <p:extLst>
-      <p:ext uri="{BB962C8B-B14F-4D97-AF65-F5344CB8AC3E}">
-        <p14:creationId xmlns:p14="http://schemas.microsoft.com/office/powerpoint/2010/main" val="1272687956"/>
-      </p:ext>
-    </p:extLst>
-  </p:cSld>
-  <p:clrMapOvr>
-    <a:masterClrMapping/>
-  </p:clrMapOvr>
-</p:sld>
-</file>
-
-<file path=ppt/slides/slide21.xml><?xml version="1.0" encoding="utf-8"?>
-<p:sld xmlns:a="http://schemas.openxmlformats.org/drawingml/2006/main" xmlns:r="http://schemas.openxmlformats.org/officeDocument/2006/relationships" xmlns:p="http://schemas.openxmlformats.org/presentationml/2006/main">
-  <p:cSld>
-    <p:spTree>
-      <p:nvGrpSpPr>
-        <p:cNvPr id="1" name=""/>
-        <p:cNvGrpSpPr/>
-        <p:nvPr/>
-      </p:nvGrpSpPr>
-      <p:grpSpPr>
-        <a:xfrm>
-          <a:off x="0" y="0"/>
-          <a:ext cx="0" cy="0"/>
-          <a:chOff x="0" y="0"/>
-          <a:chExt cx="0" cy="0"/>
-        </a:xfrm>
-      </p:grpSpPr>
-      <p:sp>
-        <p:nvSpPr>
-          <p:cNvPr id="2" name="標題 1">
-            <a:extLst>
-              <a:ext uri="{FF2B5EF4-FFF2-40B4-BE49-F238E27FC236}">
-                <a16:creationId xmlns:a16="http://schemas.microsoft.com/office/drawing/2014/main" id="{B395D8BB-EDB2-42F3-9D92-4E6E7DCBB06A}"/>
-              </a:ext>
-            </a:extLst>
-          </p:cNvPr>
-          <p:cNvSpPr>
-            <a:spLocks noGrp="1"/>
-          </p:cNvSpPr>
-          <p:nvPr>
-            <p:ph type="title"/>
-          </p:nvPr>
-        </p:nvSpPr>
-        <p:spPr/>
-        <p:txBody>
-          <a:bodyPr/>
-          <a:lstStyle/>
-          <a:p>
-            <a:r>
-              <a:rPr lang="en-US" altLang="zh-TW" dirty="0"/>
-              <a:t>Evaluation : active handover(cont’d)</a:t>
-            </a:r>
-            <a:endParaRPr lang="zh-TW" altLang="en-US" dirty="0"/>
-          </a:p>
-        </p:txBody>
-      </p:sp>
-      <p:sp>
-        <p:nvSpPr>
-          <p:cNvPr id="3" name="內容版面配置區 2">
-            <a:extLst>
-              <a:ext uri="{FF2B5EF4-FFF2-40B4-BE49-F238E27FC236}">
-                <a16:creationId xmlns:a16="http://schemas.microsoft.com/office/drawing/2014/main" id="{C1C16457-135B-42D6-BD5B-8AF9CCC2689E}"/>
-              </a:ext>
-            </a:extLst>
-          </p:cNvPr>
-          <p:cNvSpPr>
-            <a:spLocks noGrp="1"/>
-          </p:cNvSpPr>
-          <p:nvPr>
-            <p:ph idx="1"/>
-          </p:nvPr>
-        </p:nvSpPr>
-        <p:spPr/>
-        <p:txBody>
-          <a:bodyPr>
-            <a:normAutofit fontScale="92500" lnSpcReduction="10000"/>
-          </a:bodyPr>
-          <a:lstStyle/>
-          <a:p>
-            <a:r>
-              <a:rPr lang="en-US" altLang="zh-TW" dirty="0"/>
-              <a:t>About Setting up a connection with the alternative GW</a:t>
-            </a:r>
-          </a:p>
-          <a:p>
-            <a:endParaRPr lang="en-US" altLang="zh-TW" dirty="0"/>
-          </a:p>
-          <a:p>
-            <a:r>
-              <a:rPr lang="en-US" altLang="zh-TW" dirty="0"/>
-              <a:t>Once the disconnection has been finalized, the BLE peripheral switches from a connection/advertising state to solely an advertising state, broadcasting connectable advertisements. </a:t>
-            </a:r>
-          </a:p>
-          <a:p>
-            <a:endParaRPr lang="en-US" altLang="zh-TW" dirty="0"/>
-          </a:p>
-          <a:p>
-            <a:r>
-              <a:rPr lang="en-US" altLang="zh-TW" dirty="0"/>
-              <a:t>In the meantime, the alternative GW has received a connect message from the controller and has switched from </a:t>
-            </a:r>
-            <a:r>
-              <a:rPr lang="en-US" altLang="zh-TW" dirty="0" err="1"/>
-              <a:t>nonconnectable</a:t>
-            </a:r>
-            <a:r>
-              <a:rPr lang="en-US" altLang="zh-TW" dirty="0"/>
-              <a:t> to connectable scanning, specifically for the MAC address of the BLE peripheral at hand. </a:t>
-            </a:r>
-          </a:p>
-          <a:p>
-            <a:endParaRPr lang="en-US" altLang="zh-TW" dirty="0"/>
-          </a:p>
-          <a:p>
-            <a:r>
-              <a:rPr lang="en-US" altLang="zh-TW" dirty="0"/>
-              <a:t>From this point, the handover process is similar to passive handover.</a:t>
-            </a:r>
-          </a:p>
-        </p:txBody>
-      </p:sp>
-      <p:sp>
-        <p:nvSpPr>
-          <p:cNvPr id="4" name="投影片編號版面配置區 3">
-            <a:extLst>
-              <a:ext uri="{FF2B5EF4-FFF2-40B4-BE49-F238E27FC236}">
-                <a16:creationId xmlns:a16="http://schemas.microsoft.com/office/drawing/2014/main" id="{DB634B57-2E7E-40BE-993E-5F46071107A7}"/>
-              </a:ext>
-            </a:extLst>
-          </p:cNvPr>
-          <p:cNvSpPr>
-            <a:spLocks noGrp="1"/>
-          </p:cNvSpPr>
-          <p:nvPr>
-            <p:ph type="sldNum" sz="quarter" idx="12"/>
-          </p:nvPr>
-        </p:nvSpPr>
-        <p:spPr/>
-        <p:txBody>
-          <a:bodyPr/>
-          <a:lstStyle/>
-          <a:p>
-            <a:fld id="{50029C49-A5A9-4A95-8BF0-94F73808DB5F}" type="slidenum">
-              <a:rPr lang="zh-TW" altLang="en-US" smtClean="0"/>
-              <a:t>21</a:t>
-            </a:fld>
-            <a:endParaRPr lang="zh-TW" altLang="en-US"/>
-          </a:p>
-        </p:txBody>
-      </p:sp>
-    </p:spTree>
-    <p:extLst>
-      <p:ext uri="{BB962C8B-B14F-4D97-AF65-F5344CB8AC3E}">
-        <p14:creationId xmlns:p14="http://schemas.microsoft.com/office/powerpoint/2010/main" val="3783783229"/>
-      </p:ext>
-    </p:extLst>
-  </p:cSld>
-  <p:clrMapOvr>
-    <a:masterClrMapping/>
-  </p:clrMapOvr>
-</p:sld>
-</file>
-
-<file path=ppt/slides/slide22.xml><?xml version="1.0" encoding="utf-8"?>
-<p:sld xmlns:a="http://schemas.openxmlformats.org/drawingml/2006/main" xmlns:r="http://schemas.openxmlformats.org/officeDocument/2006/relationships" xmlns:p="http://schemas.openxmlformats.org/presentationml/2006/main">
-  <p:cSld>
-    <p:spTree>
-      <p:nvGrpSpPr>
-        <p:cNvPr id="1" name=""/>
-        <p:cNvGrpSpPr/>
-        <p:nvPr/>
-      </p:nvGrpSpPr>
-      <p:grpSpPr>
-        <a:xfrm>
-          <a:off x="0" y="0"/>
-          <a:ext cx="0" cy="0"/>
-          <a:chOff x="0" y="0"/>
-          <a:chExt cx="0" cy="0"/>
-        </a:xfrm>
-      </p:grpSpPr>
-      <p:sp>
-        <p:nvSpPr>
-          <p:cNvPr id="2" name="標題 1">
-            <a:extLst>
-              <a:ext uri="{FF2B5EF4-FFF2-40B4-BE49-F238E27FC236}">
-                <a16:creationId xmlns:a16="http://schemas.microsoft.com/office/drawing/2014/main" id="{B395D8BB-EDB2-42F3-9D92-4E6E7DCBB06A}"/>
-              </a:ext>
-            </a:extLst>
-          </p:cNvPr>
-          <p:cNvSpPr>
-            <a:spLocks noGrp="1"/>
-          </p:cNvSpPr>
-          <p:nvPr>
-            <p:ph type="title"/>
-          </p:nvPr>
-        </p:nvSpPr>
-        <p:spPr/>
-        <p:txBody>
-          <a:bodyPr/>
-          <a:lstStyle/>
-          <a:p>
-            <a:r>
-              <a:rPr lang="en-US" altLang="zh-TW" dirty="0"/>
-              <a:t>Evaluation : active handover(cont’d)</a:t>
-            </a:r>
-            <a:endParaRPr lang="zh-TW" altLang="en-US" dirty="0"/>
-          </a:p>
-        </p:txBody>
-      </p:sp>
-      <p:sp>
-        <p:nvSpPr>
-          <p:cNvPr id="3" name="內容版面配置區 2">
-            <a:extLst>
-              <a:ext uri="{FF2B5EF4-FFF2-40B4-BE49-F238E27FC236}">
-                <a16:creationId xmlns:a16="http://schemas.microsoft.com/office/drawing/2014/main" id="{C1C16457-135B-42D6-BD5B-8AF9CCC2689E}"/>
-              </a:ext>
-            </a:extLst>
-          </p:cNvPr>
-          <p:cNvSpPr>
-            <a:spLocks noGrp="1"/>
-          </p:cNvSpPr>
-          <p:nvPr>
-            <p:ph idx="1"/>
-          </p:nvPr>
-        </p:nvSpPr>
-        <p:spPr/>
-        <p:txBody>
-          <a:bodyPr>
-            <a:normAutofit lnSpcReduction="10000"/>
-          </a:bodyPr>
-          <a:lstStyle/>
-          <a:p>
-            <a:r>
-              <a:rPr lang="en-US" altLang="zh-TW" dirty="0"/>
-              <a:t>Potential Optimizations</a:t>
-            </a:r>
-          </a:p>
-          <a:p>
-            <a:endParaRPr lang="en-US" altLang="zh-TW" dirty="0"/>
-          </a:p>
-          <a:p>
-            <a:r>
-              <a:rPr lang="en-US" altLang="zh-TW" dirty="0"/>
-              <a:t>The BLE peripheral constantly needs to advertise , This increases energy consumption and decreases the quality of the BLE connection as well.</a:t>
-            </a:r>
-          </a:p>
-          <a:p>
-            <a:endParaRPr lang="en-US" altLang="zh-TW" dirty="0"/>
-          </a:p>
-          <a:p>
-            <a:r>
-              <a:rPr lang="en-US" altLang="zh-TW" dirty="0"/>
-              <a:t>A possible improvement could employ a proactive decision on when to start and stop advertising. The peripheral can monitor the quality of the current connection (i.e. via RSSI) and decide via these indicators whether it is necessary to advertise its presence or not.</a:t>
-            </a:r>
-          </a:p>
-        </p:txBody>
-      </p:sp>
-      <p:sp>
-        <p:nvSpPr>
-          <p:cNvPr id="4" name="投影片編號版面配置區 3">
-            <a:extLst>
-              <a:ext uri="{FF2B5EF4-FFF2-40B4-BE49-F238E27FC236}">
-                <a16:creationId xmlns:a16="http://schemas.microsoft.com/office/drawing/2014/main" id="{DB634B57-2E7E-40BE-993E-5F46071107A7}"/>
-              </a:ext>
-            </a:extLst>
-          </p:cNvPr>
-          <p:cNvSpPr>
-            <a:spLocks noGrp="1"/>
-          </p:cNvSpPr>
-          <p:nvPr>
-            <p:ph type="sldNum" sz="quarter" idx="12"/>
-          </p:nvPr>
-        </p:nvSpPr>
-        <p:spPr/>
-        <p:txBody>
-          <a:bodyPr/>
-          <a:lstStyle/>
-          <a:p>
-            <a:fld id="{50029C49-A5A9-4A95-8BF0-94F73808DB5F}" type="slidenum">
-              <a:rPr lang="zh-TW" altLang="en-US" smtClean="0"/>
-              <a:t>22</a:t>
-            </a:fld>
-            <a:endParaRPr lang="zh-TW" altLang="en-US"/>
-          </a:p>
-        </p:txBody>
-      </p:sp>
-    </p:spTree>
-    <p:extLst>
-      <p:ext uri="{BB962C8B-B14F-4D97-AF65-F5344CB8AC3E}">
-        <p14:creationId xmlns:p14="http://schemas.microsoft.com/office/powerpoint/2010/main" val="3851096165"/>
-      </p:ext>
-    </p:extLst>
-  </p:cSld>
-  <p:clrMapOvr>
-    <a:masterClrMapping/>
-  </p:clrMapOvr>
-</p:sld>
-</file>
-
 <file path=ppt/slides/slide23.xml><?xml version="1.0" encoding="utf-8"?>
 <p:sld xmlns:a="http://schemas.openxmlformats.org/drawingml/2006/main" xmlns:r="http://schemas.openxmlformats.org/officeDocument/2006/relationships" xmlns:p="http://schemas.openxmlformats.org/presentationml/2006/main">
   <p:cSld>
@@ -6441,41 +6443,69 @@
           <a:p>
             <a:r>
               <a:rPr lang="en-US" altLang="zh-TW" dirty="0"/>
-              <a:t>Evaluation : active handover(cont’d)</a:t>
+              <a:t>Evaluation : active handover</a:t>
             </a:r>
             <a:endParaRPr lang="zh-TW" altLang="en-US" dirty="0"/>
           </a:p>
         </p:txBody>
       </p:sp>
-      <p:pic>
-        <p:nvPicPr>
-          <p:cNvPr id="6" name="內容版面配置區 5">
-            <a:extLst>
-              <a:ext uri="{FF2B5EF4-FFF2-40B4-BE49-F238E27FC236}">
-                <a16:creationId xmlns:a16="http://schemas.microsoft.com/office/drawing/2014/main" id="{A78F9D59-9703-400B-9573-CF8C8B02937D}"/>
-              </a:ext>
-            </a:extLst>
-          </p:cNvPr>
-          <p:cNvPicPr>
-            <a:picLocks noGrp="1" noChangeAspect="1"/>
-          </p:cNvPicPr>
+      <p:sp>
+        <p:nvSpPr>
+          <p:cNvPr id="3" name="內容版面配置區 2">
+            <a:extLst>
+              <a:ext uri="{FF2B5EF4-FFF2-40B4-BE49-F238E27FC236}">
+                <a16:creationId xmlns:a16="http://schemas.microsoft.com/office/drawing/2014/main" id="{C1C16457-135B-42D6-BD5B-8AF9CCC2689E}"/>
+              </a:ext>
+            </a:extLst>
+          </p:cNvPr>
+          <p:cNvSpPr>
+            <a:spLocks noGrp="1"/>
+          </p:cNvSpPr>
           <p:nvPr>
             <p:ph idx="1"/>
           </p:nvPr>
-        </p:nvPicPr>
-        <p:blipFill>
-          <a:blip r:embed="rId2"/>
-          <a:stretch>
-            <a:fillRect/>
-          </a:stretch>
-        </p:blipFill>
-        <p:spPr>
-          <a:xfrm>
-            <a:off x="1397583" y="1489586"/>
-            <a:ext cx="9103801" cy="4866763"/>
-          </a:xfrm>
-        </p:spPr>
-      </p:pic>
+        </p:nvSpPr>
+        <p:spPr/>
+        <p:txBody>
+          <a:bodyPr>
+            <a:normAutofit lnSpcReduction="10000"/>
+          </a:bodyPr>
+          <a:lstStyle/>
+          <a:p>
+            <a:r>
+              <a:rPr lang="en-US" altLang="zh-TW" dirty="0"/>
+              <a:t>About disconnecting from current GW</a:t>
+            </a:r>
+          </a:p>
+          <a:p>
+            <a:endParaRPr lang="en-US" altLang="zh-TW" dirty="0"/>
+          </a:p>
+          <a:p>
+            <a:r>
+              <a:rPr lang="en-US" altLang="zh-TW" dirty="0"/>
+              <a:t>the current GW will receive a disconnection message from the controller once a roaming decision has made. </a:t>
+            </a:r>
+          </a:p>
+          <a:p>
+            <a:endParaRPr lang="en-US" altLang="zh-TW" dirty="0"/>
+          </a:p>
+          <a:p>
+            <a:r>
+              <a:rPr lang="en-US" altLang="zh-TW" dirty="0"/>
+              <a:t>After receiving this message, the GW immediately attempts to send a disconnection request to the BLE peripheral. </a:t>
+            </a:r>
+          </a:p>
+          <a:p>
+            <a:endParaRPr lang="en-US" altLang="zh-TW" dirty="0"/>
+          </a:p>
+          <a:p>
+            <a:r>
+              <a:rPr lang="en-US" altLang="zh-TW" dirty="0"/>
+              <a:t>Upon receiving this request, the peripheral answers with a disconnection acknowledgment.</a:t>
+            </a:r>
+          </a:p>
+        </p:txBody>
+      </p:sp>
       <p:sp>
         <p:nvSpPr>
           <p:cNvPr id="4" name="投影片編號版面配置區 3">
@@ -6508,7 +6538,7 @@
     </p:spTree>
     <p:extLst>
       <p:ext uri="{BB962C8B-B14F-4D97-AF65-F5344CB8AC3E}">
-        <p14:creationId xmlns:p14="http://schemas.microsoft.com/office/powerpoint/2010/main" val="378226096"/>
+        <p14:creationId xmlns:p14="http://schemas.microsoft.com/office/powerpoint/2010/main" val="1272687956"/>
       </p:ext>
     </p:extLst>
   </p:cSld>
@@ -6535,6 +6565,412 @@
           <a:chExt cx="0" cy="0"/>
         </a:xfrm>
       </p:grpSpPr>
+      <p:sp>
+        <p:nvSpPr>
+          <p:cNvPr id="2" name="標題 1">
+            <a:extLst>
+              <a:ext uri="{FF2B5EF4-FFF2-40B4-BE49-F238E27FC236}">
+                <a16:creationId xmlns:a16="http://schemas.microsoft.com/office/drawing/2014/main" id="{B395D8BB-EDB2-42F3-9D92-4E6E7DCBB06A}"/>
+              </a:ext>
+            </a:extLst>
+          </p:cNvPr>
+          <p:cNvSpPr>
+            <a:spLocks noGrp="1"/>
+          </p:cNvSpPr>
+          <p:nvPr>
+            <p:ph type="title"/>
+          </p:nvPr>
+        </p:nvSpPr>
+        <p:spPr/>
+        <p:txBody>
+          <a:bodyPr/>
+          <a:lstStyle/>
+          <a:p>
+            <a:r>
+              <a:rPr lang="en-US" altLang="zh-TW" dirty="0"/>
+              <a:t>Evaluation : active handover(cont’d)</a:t>
+            </a:r>
+            <a:endParaRPr lang="zh-TW" altLang="en-US" dirty="0"/>
+          </a:p>
+        </p:txBody>
+      </p:sp>
+      <p:sp>
+        <p:nvSpPr>
+          <p:cNvPr id="3" name="內容版面配置區 2">
+            <a:extLst>
+              <a:ext uri="{FF2B5EF4-FFF2-40B4-BE49-F238E27FC236}">
+                <a16:creationId xmlns:a16="http://schemas.microsoft.com/office/drawing/2014/main" id="{C1C16457-135B-42D6-BD5B-8AF9CCC2689E}"/>
+              </a:ext>
+            </a:extLst>
+          </p:cNvPr>
+          <p:cNvSpPr>
+            <a:spLocks noGrp="1"/>
+          </p:cNvSpPr>
+          <p:nvPr>
+            <p:ph idx="1"/>
+          </p:nvPr>
+        </p:nvSpPr>
+        <p:spPr/>
+        <p:txBody>
+          <a:bodyPr>
+            <a:normAutofit fontScale="92500" lnSpcReduction="10000"/>
+          </a:bodyPr>
+          <a:lstStyle/>
+          <a:p>
+            <a:r>
+              <a:rPr lang="en-US" altLang="zh-TW" dirty="0"/>
+              <a:t>About Setting up a connection with the alternative GW</a:t>
+            </a:r>
+          </a:p>
+          <a:p>
+            <a:endParaRPr lang="en-US" altLang="zh-TW" dirty="0"/>
+          </a:p>
+          <a:p>
+            <a:r>
+              <a:rPr lang="en-US" altLang="zh-TW" dirty="0"/>
+              <a:t>Once the disconnection has been finalized, the BLE peripheral switches from a connection/advertising state to solely an advertising state, broadcasting connectable advertisements. </a:t>
+            </a:r>
+          </a:p>
+          <a:p>
+            <a:endParaRPr lang="en-US" altLang="zh-TW" dirty="0"/>
+          </a:p>
+          <a:p>
+            <a:r>
+              <a:rPr lang="en-US" altLang="zh-TW" dirty="0"/>
+              <a:t>In the meantime, the alternative GW has received a connect message from the controller and has switched from </a:t>
+            </a:r>
+            <a:r>
+              <a:rPr lang="en-US" altLang="zh-TW" dirty="0" err="1"/>
+              <a:t>nonconnectable</a:t>
+            </a:r>
+            <a:r>
+              <a:rPr lang="en-US" altLang="zh-TW" dirty="0"/>
+              <a:t> to connectable scanning, specifically for the MAC address of the BLE peripheral at hand. </a:t>
+            </a:r>
+          </a:p>
+          <a:p>
+            <a:endParaRPr lang="en-US" altLang="zh-TW" dirty="0"/>
+          </a:p>
+          <a:p>
+            <a:r>
+              <a:rPr lang="en-US" altLang="zh-TW" dirty="0"/>
+              <a:t>From this point, the handover process is similar to passive handover.</a:t>
+            </a:r>
+          </a:p>
+        </p:txBody>
+      </p:sp>
+      <p:sp>
+        <p:nvSpPr>
+          <p:cNvPr id="4" name="投影片編號版面配置區 3">
+            <a:extLst>
+              <a:ext uri="{FF2B5EF4-FFF2-40B4-BE49-F238E27FC236}">
+                <a16:creationId xmlns:a16="http://schemas.microsoft.com/office/drawing/2014/main" id="{DB634B57-2E7E-40BE-993E-5F46071107A7}"/>
+              </a:ext>
+            </a:extLst>
+          </p:cNvPr>
+          <p:cNvSpPr>
+            <a:spLocks noGrp="1"/>
+          </p:cNvSpPr>
+          <p:nvPr>
+            <p:ph type="sldNum" sz="quarter" idx="12"/>
+          </p:nvPr>
+        </p:nvSpPr>
+        <p:spPr/>
+        <p:txBody>
+          <a:bodyPr/>
+          <a:lstStyle/>
+          <a:p>
+            <a:fld id="{50029C49-A5A9-4A95-8BF0-94F73808DB5F}" type="slidenum">
+              <a:rPr lang="zh-TW" altLang="en-US" smtClean="0"/>
+              <a:t>24</a:t>
+            </a:fld>
+            <a:endParaRPr lang="zh-TW" altLang="en-US"/>
+          </a:p>
+        </p:txBody>
+      </p:sp>
+    </p:spTree>
+    <p:extLst>
+      <p:ext uri="{BB962C8B-B14F-4D97-AF65-F5344CB8AC3E}">
+        <p14:creationId xmlns:p14="http://schemas.microsoft.com/office/powerpoint/2010/main" val="3783783229"/>
+      </p:ext>
+    </p:extLst>
+  </p:cSld>
+  <p:clrMapOvr>
+    <a:masterClrMapping/>
+  </p:clrMapOvr>
+</p:sld>
+</file>
+
+<file path=ppt/slides/slide25.xml><?xml version="1.0" encoding="utf-8"?>
+<p:sld xmlns:a="http://schemas.openxmlformats.org/drawingml/2006/main" xmlns:r="http://schemas.openxmlformats.org/officeDocument/2006/relationships" xmlns:p="http://schemas.openxmlformats.org/presentationml/2006/main">
+  <p:cSld>
+    <p:spTree>
+      <p:nvGrpSpPr>
+        <p:cNvPr id="1" name=""/>
+        <p:cNvGrpSpPr/>
+        <p:nvPr/>
+      </p:nvGrpSpPr>
+      <p:grpSpPr>
+        <a:xfrm>
+          <a:off x="0" y="0"/>
+          <a:ext cx="0" cy="0"/>
+          <a:chOff x="0" y="0"/>
+          <a:chExt cx="0" cy="0"/>
+        </a:xfrm>
+      </p:grpSpPr>
+      <p:sp>
+        <p:nvSpPr>
+          <p:cNvPr id="2" name="標題 1">
+            <a:extLst>
+              <a:ext uri="{FF2B5EF4-FFF2-40B4-BE49-F238E27FC236}">
+                <a16:creationId xmlns:a16="http://schemas.microsoft.com/office/drawing/2014/main" id="{B395D8BB-EDB2-42F3-9D92-4E6E7DCBB06A}"/>
+              </a:ext>
+            </a:extLst>
+          </p:cNvPr>
+          <p:cNvSpPr>
+            <a:spLocks noGrp="1"/>
+          </p:cNvSpPr>
+          <p:nvPr>
+            <p:ph type="title"/>
+          </p:nvPr>
+        </p:nvSpPr>
+        <p:spPr/>
+        <p:txBody>
+          <a:bodyPr/>
+          <a:lstStyle/>
+          <a:p>
+            <a:r>
+              <a:rPr lang="en-US" altLang="zh-TW" dirty="0"/>
+              <a:t>Evaluation : active handover(cont’d)</a:t>
+            </a:r>
+            <a:endParaRPr lang="zh-TW" altLang="en-US" dirty="0"/>
+          </a:p>
+        </p:txBody>
+      </p:sp>
+      <p:sp>
+        <p:nvSpPr>
+          <p:cNvPr id="3" name="內容版面配置區 2">
+            <a:extLst>
+              <a:ext uri="{FF2B5EF4-FFF2-40B4-BE49-F238E27FC236}">
+                <a16:creationId xmlns:a16="http://schemas.microsoft.com/office/drawing/2014/main" id="{C1C16457-135B-42D6-BD5B-8AF9CCC2689E}"/>
+              </a:ext>
+            </a:extLst>
+          </p:cNvPr>
+          <p:cNvSpPr>
+            <a:spLocks noGrp="1"/>
+          </p:cNvSpPr>
+          <p:nvPr>
+            <p:ph idx="1"/>
+          </p:nvPr>
+        </p:nvSpPr>
+        <p:spPr/>
+        <p:txBody>
+          <a:bodyPr>
+            <a:normAutofit lnSpcReduction="10000"/>
+          </a:bodyPr>
+          <a:lstStyle/>
+          <a:p>
+            <a:r>
+              <a:rPr lang="en-US" altLang="zh-TW" dirty="0"/>
+              <a:t>Potential Optimizations</a:t>
+            </a:r>
+          </a:p>
+          <a:p>
+            <a:endParaRPr lang="en-US" altLang="zh-TW" dirty="0"/>
+          </a:p>
+          <a:p>
+            <a:r>
+              <a:rPr lang="en-US" altLang="zh-TW" dirty="0"/>
+              <a:t>The BLE peripheral constantly needs to advertise , This increases energy consumption and decreases the quality of the BLE connection as well.</a:t>
+            </a:r>
+          </a:p>
+          <a:p>
+            <a:endParaRPr lang="en-US" altLang="zh-TW" dirty="0"/>
+          </a:p>
+          <a:p>
+            <a:r>
+              <a:rPr lang="en-US" altLang="zh-TW" dirty="0"/>
+              <a:t>A possible improvement could employ a proactive decision on when to start and stop advertising. The peripheral can monitor the quality of the current connection (i.e. via RSSI) and decide via these indicators whether it is necessary to advertise its presence or not.</a:t>
+            </a:r>
+          </a:p>
+        </p:txBody>
+      </p:sp>
+      <p:sp>
+        <p:nvSpPr>
+          <p:cNvPr id="4" name="投影片編號版面配置區 3">
+            <a:extLst>
+              <a:ext uri="{FF2B5EF4-FFF2-40B4-BE49-F238E27FC236}">
+                <a16:creationId xmlns:a16="http://schemas.microsoft.com/office/drawing/2014/main" id="{DB634B57-2E7E-40BE-993E-5F46071107A7}"/>
+              </a:ext>
+            </a:extLst>
+          </p:cNvPr>
+          <p:cNvSpPr>
+            <a:spLocks noGrp="1"/>
+          </p:cNvSpPr>
+          <p:nvPr>
+            <p:ph type="sldNum" sz="quarter" idx="12"/>
+          </p:nvPr>
+        </p:nvSpPr>
+        <p:spPr/>
+        <p:txBody>
+          <a:bodyPr/>
+          <a:lstStyle/>
+          <a:p>
+            <a:fld id="{50029C49-A5A9-4A95-8BF0-94F73808DB5F}" type="slidenum">
+              <a:rPr lang="zh-TW" altLang="en-US" smtClean="0"/>
+              <a:t>25</a:t>
+            </a:fld>
+            <a:endParaRPr lang="zh-TW" altLang="en-US"/>
+          </a:p>
+        </p:txBody>
+      </p:sp>
+    </p:spTree>
+    <p:extLst>
+      <p:ext uri="{BB962C8B-B14F-4D97-AF65-F5344CB8AC3E}">
+        <p14:creationId xmlns:p14="http://schemas.microsoft.com/office/powerpoint/2010/main" val="3851096165"/>
+      </p:ext>
+    </p:extLst>
+  </p:cSld>
+  <p:clrMapOvr>
+    <a:masterClrMapping/>
+  </p:clrMapOvr>
+</p:sld>
+</file>
+
+<file path=ppt/slides/slide26.xml><?xml version="1.0" encoding="utf-8"?>
+<p:sld xmlns:a="http://schemas.openxmlformats.org/drawingml/2006/main" xmlns:r="http://schemas.openxmlformats.org/officeDocument/2006/relationships" xmlns:p="http://schemas.openxmlformats.org/presentationml/2006/main">
+  <p:cSld>
+    <p:spTree>
+      <p:nvGrpSpPr>
+        <p:cNvPr id="1" name=""/>
+        <p:cNvGrpSpPr/>
+        <p:nvPr/>
+      </p:nvGrpSpPr>
+      <p:grpSpPr>
+        <a:xfrm>
+          <a:off x="0" y="0"/>
+          <a:ext cx="0" cy="0"/>
+          <a:chOff x="0" y="0"/>
+          <a:chExt cx="0" cy="0"/>
+        </a:xfrm>
+      </p:grpSpPr>
+      <p:sp>
+        <p:nvSpPr>
+          <p:cNvPr id="2" name="標題 1">
+            <a:extLst>
+              <a:ext uri="{FF2B5EF4-FFF2-40B4-BE49-F238E27FC236}">
+                <a16:creationId xmlns:a16="http://schemas.microsoft.com/office/drawing/2014/main" id="{B395D8BB-EDB2-42F3-9D92-4E6E7DCBB06A}"/>
+              </a:ext>
+            </a:extLst>
+          </p:cNvPr>
+          <p:cNvSpPr>
+            <a:spLocks noGrp="1"/>
+          </p:cNvSpPr>
+          <p:nvPr>
+            <p:ph type="title"/>
+          </p:nvPr>
+        </p:nvSpPr>
+        <p:spPr/>
+        <p:txBody>
+          <a:bodyPr/>
+          <a:lstStyle/>
+          <a:p>
+            <a:r>
+              <a:rPr lang="en-US" altLang="zh-TW" dirty="0"/>
+              <a:t>Evaluation : active handover(cont’d)</a:t>
+            </a:r>
+            <a:endParaRPr lang="zh-TW" altLang="en-US" dirty="0"/>
+          </a:p>
+        </p:txBody>
+      </p:sp>
+      <p:pic>
+        <p:nvPicPr>
+          <p:cNvPr id="6" name="內容版面配置區 5">
+            <a:extLst>
+              <a:ext uri="{FF2B5EF4-FFF2-40B4-BE49-F238E27FC236}">
+                <a16:creationId xmlns:a16="http://schemas.microsoft.com/office/drawing/2014/main" id="{A78F9D59-9703-400B-9573-CF8C8B02937D}"/>
+              </a:ext>
+            </a:extLst>
+          </p:cNvPr>
+          <p:cNvPicPr>
+            <a:picLocks noGrp="1" noChangeAspect="1"/>
+          </p:cNvPicPr>
+          <p:nvPr>
+            <p:ph idx="1"/>
+          </p:nvPr>
+        </p:nvPicPr>
+        <p:blipFill>
+          <a:blip r:embed="rId2"/>
+          <a:stretch>
+            <a:fillRect/>
+          </a:stretch>
+        </p:blipFill>
+        <p:spPr>
+          <a:xfrm>
+            <a:off x="1397583" y="1489586"/>
+            <a:ext cx="9103801" cy="4866763"/>
+          </a:xfrm>
+        </p:spPr>
+      </p:pic>
+      <p:sp>
+        <p:nvSpPr>
+          <p:cNvPr id="4" name="投影片編號版面配置區 3">
+            <a:extLst>
+              <a:ext uri="{FF2B5EF4-FFF2-40B4-BE49-F238E27FC236}">
+                <a16:creationId xmlns:a16="http://schemas.microsoft.com/office/drawing/2014/main" id="{DB634B57-2E7E-40BE-993E-5F46071107A7}"/>
+              </a:ext>
+            </a:extLst>
+          </p:cNvPr>
+          <p:cNvSpPr>
+            <a:spLocks noGrp="1"/>
+          </p:cNvSpPr>
+          <p:nvPr>
+            <p:ph type="sldNum" sz="quarter" idx="12"/>
+          </p:nvPr>
+        </p:nvSpPr>
+        <p:spPr/>
+        <p:txBody>
+          <a:bodyPr/>
+          <a:lstStyle/>
+          <a:p>
+            <a:fld id="{50029C49-A5A9-4A95-8BF0-94F73808DB5F}" type="slidenum">
+              <a:rPr lang="zh-TW" altLang="en-US" smtClean="0"/>
+              <a:t>26</a:t>
+            </a:fld>
+            <a:endParaRPr lang="zh-TW" altLang="en-US"/>
+          </a:p>
+        </p:txBody>
+      </p:sp>
+    </p:spTree>
+    <p:extLst>
+      <p:ext uri="{BB962C8B-B14F-4D97-AF65-F5344CB8AC3E}">
+        <p14:creationId xmlns:p14="http://schemas.microsoft.com/office/powerpoint/2010/main" val="378226096"/>
+      </p:ext>
+    </p:extLst>
+  </p:cSld>
+  <p:clrMapOvr>
+    <a:masterClrMapping/>
+  </p:clrMapOvr>
+</p:sld>
+</file>
+
+<file path=ppt/slides/slide27.xml><?xml version="1.0" encoding="utf-8"?>
+<p:sld xmlns:a="http://schemas.openxmlformats.org/drawingml/2006/main" xmlns:r="http://schemas.openxmlformats.org/officeDocument/2006/relationships" xmlns:p="http://schemas.openxmlformats.org/presentationml/2006/main">
+  <p:cSld>
+    <p:spTree>
+      <p:nvGrpSpPr>
+        <p:cNvPr id="1" name=""/>
+        <p:cNvGrpSpPr/>
+        <p:nvPr/>
+      </p:nvGrpSpPr>
+      <p:grpSpPr>
+        <a:xfrm>
+          <a:off x="0" y="0"/>
+          <a:ext cx="0" cy="0"/>
+          <a:chOff x="0" y="0"/>
+          <a:chExt cx="0" cy="0"/>
+        </a:xfrm>
+      </p:grpSpPr>
       <p:pic>
         <p:nvPicPr>
           <p:cNvPr id="8" name="圖片 7">
@@ -6617,7 +7053,7 @@
           <a:p>
             <a:fld id="{50029C49-A5A9-4A95-8BF0-94F73808DB5F}" type="slidenum">
               <a:rPr lang="zh-TW" altLang="en-US" smtClean="0"/>
-              <a:t>24</a:t>
+              <a:t>27</a:t>
             </a:fld>
             <a:endParaRPr lang="zh-TW" altLang="en-US"/>
           </a:p>
@@ -6740,404 +7176,6 @@
 </p:sld>
 </file>
 
-<file path=ppt/slides/slide25.xml><?xml version="1.0" encoding="utf-8"?>
-<p:sld xmlns:a="http://schemas.openxmlformats.org/drawingml/2006/main" xmlns:r="http://schemas.openxmlformats.org/officeDocument/2006/relationships" xmlns:p="http://schemas.openxmlformats.org/presentationml/2006/main">
-  <p:cSld>
-    <p:spTree>
-      <p:nvGrpSpPr>
-        <p:cNvPr id="1" name=""/>
-        <p:cNvGrpSpPr/>
-        <p:nvPr/>
-      </p:nvGrpSpPr>
-      <p:grpSpPr>
-        <a:xfrm>
-          <a:off x="0" y="0"/>
-          <a:ext cx="0" cy="0"/>
-          <a:chOff x="0" y="0"/>
-          <a:chExt cx="0" cy="0"/>
-        </a:xfrm>
-      </p:grpSpPr>
-      <p:sp>
-        <p:nvSpPr>
-          <p:cNvPr id="2" name="標題 1">
-            <a:extLst>
-              <a:ext uri="{FF2B5EF4-FFF2-40B4-BE49-F238E27FC236}">
-                <a16:creationId xmlns:a16="http://schemas.microsoft.com/office/drawing/2014/main" id="{B395D8BB-EDB2-42F3-9D92-4E6E7DCBB06A}"/>
-              </a:ext>
-            </a:extLst>
-          </p:cNvPr>
-          <p:cNvSpPr>
-            <a:spLocks noGrp="1"/>
-          </p:cNvSpPr>
-          <p:nvPr>
-            <p:ph type="title"/>
-          </p:nvPr>
-        </p:nvSpPr>
-        <p:spPr/>
-        <p:txBody>
-          <a:bodyPr/>
-          <a:lstStyle/>
-          <a:p>
-            <a:r>
-              <a:rPr lang="en-US" altLang="zh-TW" dirty="0"/>
-              <a:t>Evaluation(cont’d)</a:t>
-            </a:r>
-            <a:endParaRPr lang="zh-TW" altLang="en-US" dirty="0"/>
-          </a:p>
-        </p:txBody>
-      </p:sp>
-      <p:sp>
-        <p:nvSpPr>
-          <p:cNvPr id="3" name="內容版面配置區 2">
-            <a:extLst>
-              <a:ext uri="{FF2B5EF4-FFF2-40B4-BE49-F238E27FC236}">
-                <a16:creationId xmlns:a16="http://schemas.microsoft.com/office/drawing/2014/main" id="{C1C16457-135B-42D6-BD5B-8AF9CCC2689E}"/>
-              </a:ext>
-            </a:extLst>
-          </p:cNvPr>
-          <p:cNvSpPr>
-            <a:spLocks noGrp="1"/>
-          </p:cNvSpPr>
-          <p:nvPr>
-            <p:ph idx="1"/>
-          </p:nvPr>
-        </p:nvSpPr>
-        <p:spPr/>
-        <p:txBody>
-          <a:bodyPr>
-            <a:normAutofit/>
-          </a:bodyPr>
-          <a:lstStyle/>
-          <a:p>
-            <a:r>
-              <a:rPr lang="en-US" altLang="zh-TW" dirty="0"/>
-              <a:t>During a handover process, the BLE peripheral is not reachable from application servers. This implies possible data loss.</a:t>
-            </a:r>
-          </a:p>
-          <a:p>
-            <a:endParaRPr lang="en-US" altLang="zh-TW" dirty="0"/>
-          </a:p>
-          <a:p>
-            <a:r>
-              <a:rPr lang="en-US" altLang="zh-TW" dirty="0"/>
-              <a:t>The newest BLE standard allows a BLE peripheral to be in a connection with multiple BLE centrals at once.</a:t>
-            </a:r>
-          </a:p>
-          <a:p>
-            <a:endParaRPr lang="en-US" altLang="zh-TW" dirty="0"/>
-          </a:p>
-          <a:p>
-            <a:r>
-              <a:rPr lang="en-US" altLang="zh-TW" dirty="0"/>
-              <a:t>Allowing the current GW to keep its connection with the BLE peripheral, until the new connection with the alternative GW is established. </a:t>
-            </a:r>
-          </a:p>
-        </p:txBody>
-      </p:sp>
-      <p:sp>
-        <p:nvSpPr>
-          <p:cNvPr id="4" name="投影片編號版面配置區 3">
-            <a:extLst>
-              <a:ext uri="{FF2B5EF4-FFF2-40B4-BE49-F238E27FC236}">
-                <a16:creationId xmlns:a16="http://schemas.microsoft.com/office/drawing/2014/main" id="{DB634B57-2E7E-40BE-993E-5F46071107A7}"/>
-              </a:ext>
-            </a:extLst>
-          </p:cNvPr>
-          <p:cNvSpPr>
-            <a:spLocks noGrp="1"/>
-          </p:cNvSpPr>
-          <p:nvPr>
-            <p:ph type="sldNum" sz="quarter" idx="12"/>
-          </p:nvPr>
-        </p:nvSpPr>
-        <p:spPr/>
-        <p:txBody>
-          <a:bodyPr/>
-          <a:lstStyle/>
-          <a:p>
-            <a:fld id="{50029C49-A5A9-4A95-8BF0-94F73808DB5F}" type="slidenum">
-              <a:rPr lang="zh-TW" altLang="en-US" smtClean="0"/>
-              <a:t>25</a:t>
-            </a:fld>
-            <a:endParaRPr lang="zh-TW" altLang="en-US"/>
-          </a:p>
-        </p:txBody>
-      </p:sp>
-    </p:spTree>
-    <p:extLst>
-      <p:ext uri="{BB962C8B-B14F-4D97-AF65-F5344CB8AC3E}">
-        <p14:creationId xmlns:p14="http://schemas.microsoft.com/office/powerpoint/2010/main" val="1590821730"/>
-      </p:ext>
-    </p:extLst>
-  </p:cSld>
-  <p:clrMapOvr>
-    <a:masterClrMapping/>
-  </p:clrMapOvr>
-</p:sld>
-</file>
-
-<file path=ppt/slides/slide26.xml><?xml version="1.0" encoding="utf-8"?>
-<p:sld xmlns:a="http://schemas.openxmlformats.org/drawingml/2006/main" xmlns:r="http://schemas.openxmlformats.org/officeDocument/2006/relationships" xmlns:p="http://schemas.openxmlformats.org/presentationml/2006/main">
-  <p:cSld>
-    <p:spTree>
-      <p:nvGrpSpPr>
-        <p:cNvPr id="1" name=""/>
-        <p:cNvGrpSpPr/>
-        <p:nvPr/>
-      </p:nvGrpSpPr>
-      <p:grpSpPr>
-        <a:xfrm>
-          <a:off x="0" y="0"/>
-          <a:ext cx="0" cy="0"/>
-          <a:chOff x="0" y="0"/>
-          <a:chExt cx="0" cy="0"/>
-        </a:xfrm>
-      </p:grpSpPr>
-      <p:sp>
-        <p:nvSpPr>
-          <p:cNvPr id="2" name="標題 1">
-            <a:extLst>
-              <a:ext uri="{FF2B5EF4-FFF2-40B4-BE49-F238E27FC236}">
-                <a16:creationId xmlns:a16="http://schemas.microsoft.com/office/drawing/2014/main" id="{B395D8BB-EDB2-42F3-9D92-4E6E7DCBB06A}"/>
-              </a:ext>
-            </a:extLst>
-          </p:cNvPr>
-          <p:cNvSpPr>
-            <a:spLocks noGrp="1"/>
-          </p:cNvSpPr>
-          <p:nvPr>
-            <p:ph type="title"/>
-          </p:nvPr>
-        </p:nvSpPr>
-        <p:spPr/>
-        <p:txBody>
-          <a:bodyPr/>
-          <a:lstStyle/>
-          <a:p>
-            <a:r>
-              <a:rPr lang="en-US" altLang="zh-TW" dirty="0"/>
-              <a:t>Evaluation(cont’d)</a:t>
-            </a:r>
-            <a:endParaRPr lang="zh-TW" altLang="en-US" dirty="0"/>
-          </a:p>
-        </p:txBody>
-      </p:sp>
-      <p:sp>
-        <p:nvSpPr>
-          <p:cNvPr id="3" name="內容版面配置區 2">
-            <a:extLst>
-              <a:ext uri="{FF2B5EF4-FFF2-40B4-BE49-F238E27FC236}">
-                <a16:creationId xmlns:a16="http://schemas.microsoft.com/office/drawing/2014/main" id="{C1C16457-135B-42D6-BD5B-8AF9CCC2689E}"/>
-              </a:ext>
-            </a:extLst>
-          </p:cNvPr>
-          <p:cNvSpPr>
-            <a:spLocks noGrp="1"/>
-          </p:cNvSpPr>
-          <p:nvPr>
-            <p:ph idx="1"/>
-          </p:nvPr>
-        </p:nvSpPr>
-        <p:spPr/>
-        <p:txBody>
-          <a:bodyPr>
-            <a:normAutofit/>
-          </a:bodyPr>
-          <a:lstStyle/>
-          <a:p>
-            <a:r>
-              <a:rPr lang="en-US" altLang="zh-TW" dirty="0"/>
-              <a:t>Finally, to avoid constant switching between connectable and non-connectable scanning, two separate BLE modules could be used on the same GW. </a:t>
-            </a:r>
-          </a:p>
-          <a:p>
-            <a:endParaRPr lang="en-US" altLang="zh-TW" dirty="0"/>
-          </a:p>
-          <a:p>
-            <a:r>
-              <a:rPr lang="en-US" altLang="zh-TW" dirty="0"/>
-              <a:t>One module is in charge of connectable scanning and maintains existing BLE connections. </a:t>
-            </a:r>
-          </a:p>
-          <a:p>
-            <a:endParaRPr lang="en-US" altLang="zh-TW" dirty="0"/>
-          </a:p>
-          <a:p>
-            <a:r>
-              <a:rPr lang="en-US" altLang="zh-TW" dirty="0"/>
-              <a:t>The other module performs only non-connectable scanning, continuously sending RSSI log messages to the controller.</a:t>
-            </a:r>
-          </a:p>
-        </p:txBody>
-      </p:sp>
-      <p:sp>
-        <p:nvSpPr>
-          <p:cNvPr id="4" name="投影片編號版面配置區 3">
-            <a:extLst>
-              <a:ext uri="{FF2B5EF4-FFF2-40B4-BE49-F238E27FC236}">
-                <a16:creationId xmlns:a16="http://schemas.microsoft.com/office/drawing/2014/main" id="{DB634B57-2E7E-40BE-993E-5F46071107A7}"/>
-              </a:ext>
-            </a:extLst>
-          </p:cNvPr>
-          <p:cNvSpPr>
-            <a:spLocks noGrp="1"/>
-          </p:cNvSpPr>
-          <p:nvPr>
-            <p:ph type="sldNum" sz="quarter" idx="12"/>
-          </p:nvPr>
-        </p:nvSpPr>
-        <p:spPr/>
-        <p:txBody>
-          <a:bodyPr/>
-          <a:lstStyle/>
-          <a:p>
-            <a:fld id="{50029C49-A5A9-4A95-8BF0-94F73808DB5F}" type="slidenum">
-              <a:rPr lang="zh-TW" altLang="en-US" smtClean="0"/>
-              <a:t>26</a:t>
-            </a:fld>
-            <a:endParaRPr lang="zh-TW" altLang="en-US"/>
-          </a:p>
-        </p:txBody>
-      </p:sp>
-    </p:spTree>
-    <p:extLst>
-      <p:ext uri="{BB962C8B-B14F-4D97-AF65-F5344CB8AC3E}">
-        <p14:creationId xmlns:p14="http://schemas.microsoft.com/office/powerpoint/2010/main" val="1541052724"/>
-      </p:ext>
-    </p:extLst>
-  </p:cSld>
-  <p:clrMapOvr>
-    <a:masterClrMapping/>
-  </p:clrMapOvr>
-</p:sld>
-</file>
-
-<file path=ppt/slides/slide27.xml><?xml version="1.0" encoding="utf-8"?>
-<p:sld xmlns:a="http://schemas.openxmlformats.org/drawingml/2006/main" xmlns:r="http://schemas.openxmlformats.org/officeDocument/2006/relationships" xmlns:p="http://schemas.openxmlformats.org/presentationml/2006/main">
-  <p:cSld>
-    <p:spTree>
-      <p:nvGrpSpPr>
-        <p:cNvPr id="1" name=""/>
-        <p:cNvGrpSpPr/>
-        <p:nvPr/>
-      </p:nvGrpSpPr>
-      <p:grpSpPr>
-        <a:xfrm>
-          <a:off x="0" y="0"/>
-          <a:ext cx="0" cy="0"/>
-          <a:chOff x="0" y="0"/>
-          <a:chExt cx="0" cy="0"/>
-        </a:xfrm>
-      </p:grpSpPr>
-      <p:sp>
-        <p:nvSpPr>
-          <p:cNvPr id="2" name="標題 1">
-            <a:extLst>
-              <a:ext uri="{FF2B5EF4-FFF2-40B4-BE49-F238E27FC236}">
-                <a16:creationId xmlns:a16="http://schemas.microsoft.com/office/drawing/2014/main" id="{B7DB5FDF-E9A2-4D3D-ACF8-CEFDE567ED4E}"/>
-              </a:ext>
-            </a:extLst>
-          </p:cNvPr>
-          <p:cNvSpPr>
-            <a:spLocks noGrp="1"/>
-          </p:cNvSpPr>
-          <p:nvPr>
-            <p:ph type="title"/>
-          </p:nvPr>
-        </p:nvSpPr>
-        <p:spPr/>
-        <p:txBody>
-          <a:bodyPr/>
-          <a:lstStyle/>
-          <a:p>
-            <a:r>
-              <a:rPr lang="en-US" altLang="zh-TW" dirty="0"/>
-              <a:t>Conclusion</a:t>
-            </a:r>
-            <a:endParaRPr lang="zh-TW" altLang="en-US" dirty="0"/>
-          </a:p>
-        </p:txBody>
-      </p:sp>
-      <p:sp>
-        <p:nvSpPr>
-          <p:cNvPr id="3" name="內容版面配置區 2">
-            <a:extLst>
-              <a:ext uri="{FF2B5EF4-FFF2-40B4-BE49-F238E27FC236}">
-                <a16:creationId xmlns:a16="http://schemas.microsoft.com/office/drawing/2014/main" id="{24BC7DE2-9247-4111-B9E4-01812FC553D6}"/>
-              </a:ext>
-            </a:extLst>
-          </p:cNvPr>
-          <p:cNvSpPr>
-            <a:spLocks noGrp="1"/>
-          </p:cNvSpPr>
-          <p:nvPr>
-            <p:ph idx="1"/>
-          </p:nvPr>
-        </p:nvSpPr>
-        <p:spPr/>
-        <p:txBody>
-          <a:bodyPr/>
-          <a:lstStyle/>
-          <a:p>
-            <a:r>
-              <a:rPr lang="en-US" altLang="zh-TW" dirty="0"/>
-              <a:t>In this paper, two architectures are proposed to realize a BLE-based multi-GW network infrastructure that is able to provide bidirectional connectivity to mobile BLE peripherals. </a:t>
-            </a:r>
-          </a:p>
-          <a:p>
-            <a:endParaRPr lang="en-US" altLang="zh-TW" dirty="0"/>
-          </a:p>
-          <a:p>
-            <a:r>
-              <a:rPr lang="en-US" altLang="zh-TW" dirty="0"/>
-              <a:t>The IP based architecture offers seamless end-to-end IP connectivity between a mobile BLE peripheral and an existing IP network. It limits custom implementation needs, but requires more resources from the already constrained mobile BLE peripheral. </a:t>
-            </a:r>
-            <a:endParaRPr lang="zh-TW" altLang="en-US" dirty="0"/>
-          </a:p>
-        </p:txBody>
-      </p:sp>
-      <p:sp>
-        <p:nvSpPr>
-          <p:cNvPr id="4" name="投影片編號版面配置區 3">
-            <a:extLst>
-              <a:ext uri="{FF2B5EF4-FFF2-40B4-BE49-F238E27FC236}">
-                <a16:creationId xmlns:a16="http://schemas.microsoft.com/office/drawing/2014/main" id="{1897B375-7AA8-4235-9A04-A251C8228EE1}"/>
-              </a:ext>
-            </a:extLst>
-          </p:cNvPr>
-          <p:cNvSpPr>
-            <a:spLocks noGrp="1"/>
-          </p:cNvSpPr>
-          <p:nvPr>
-            <p:ph type="sldNum" sz="quarter" idx="12"/>
-          </p:nvPr>
-        </p:nvSpPr>
-        <p:spPr/>
-        <p:txBody>
-          <a:bodyPr/>
-          <a:lstStyle/>
-          <a:p>
-            <a:fld id="{50029C49-A5A9-4A95-8BF0-94F73808DB5F}" type="slidenum">
-              <a:rPr lang="zh-TW" altLang="en-US" smtClean="0"/>
-              <a:t>27</a:t>
-            </a:fld>
-            <a:endParaRPr lang="zh-TW" altLang="en-US"/>
-          </a:p>
-        </p:txBody>
-      </p:sp>
-    </p:spTree>
-    <p:extLst>
-      <p:ext uri="{BB962C8B-B14F-4D97-AF65-F5344CB8AC3E}">
-        <p14:creationId xmlns:p14="http://schemas.microsoft.com/office/powerpoint/2010/main" val="3047592953"/>
-      </p:ext>
-    </p:extLst>
-  </p:cSld>
-  <p:clrMapOvr>
-    <a:masterClrMapping/>
-  </p:clrMapOvr>
-</p:sld>
-</file>
-
 <file path=ppt/slides/slide28.xml><?xml version="1.0" encoding="utf-8"?>
 <p:sld xmlns:a="http://schemas.openxmlformats.org/drawingml/2006/main" xmlns:r="http://schemas.openxmlformats.org/officeDocument/2006/relationships" xmlns:p="http://schemas.openxmlformats.org/presentationml/2006/main">
   <p:cSld>
@@ -7160,7 +7198,7 @@
           <p:cNvPr id="2" name="標題 1">
             <a:extLst>
               <a:ext uri="{FF2B5EF4-FFF2-40B4-BE49-F238E27FC236}">
-                <a16:creationId xmlns:a16="http://schemas.microsoft.com/office/drawing/2014/main" id="{B7DB5FDF-E9A2-4D3D-ACF8-CEFDE567ED4E}"/>
+                <a16:creationId xmlns:a16="http://schemas.microsoft.com/office/drawing/2014/main" id="{B395D8BB-EDB2-42F3-9D92-4E6E7DCBB06A}"/>
               </a:ext>
             </a:extLst>
           </p:cNvPr>
@@ -7178,7 +7216,7 @@
           <a:p>
             <a:r>
               <a:rPr lang="en-US" altLang="zh-TW" dirty="0"/>
-              <a:t>Conclusion(cont’d)</a:t>
+              <a:t>Evaluation(cont’d)</a:t>
             </a:r>
             <a:endParaRPr lang="zh-TW" altLang="en-US" dirty="0"/>
           </a:p>
@@ -7189,7 +7227,7 @@
           <p:cNvPr id="3" name="內容版面配置區 2">
             <a:extLst>
               <a:ext uri="{FF2B5EF4-FFF2-40B4-BE49-F238E27FC236}">
-                <a16:creationId xmlns:a16="http://schemas.microsoft.com/office/drawing/2014/main" id="{24BC7DE2-9247-4111-B9E4-01812FC553D6}"/>
+                <a16:creationId xmlns:a16="http://schemas.microsoft.com/office/drawing/2014/main" id="{C1C16457-135B-42D6-BD5B-8AF9CCC2689E}"/>
               </a:ext>
             </a:extLst>
           </p:cNvPr>
@@ -7202,19 +7240,33 @@
         </p:nvSpPr>
         <p:spPr/>
         <p:txBody>
-          <a:bodyPr/>
-          <a:lstStyle/>
-          <a:p>
-            <a:r>
-              <a:rPr lang="en-US" altLang="zh-TW" dirty="0"/>
-              <a:t>The non-IP based architecture requires less resources from the BLE peripheral as it employs native BLE communication towards the IoT gateway. However, custom implementation needs are much higher, as a dedicated controller is introduced within the existing network that needs to maintain the state of the infrastructure and the currently associated mobile BLE devices.</a:t>
+          <a:bodyPr>
+            <a:normAutofit/>
+          </a:bodyPr>
+          <a:lstStyle/>
+          <a:p>
+            <a:r>
+              <a:rPr lang="en-US" altLang="zh-TW" dirty="0"/>
+              <a:t>During a handover process, the BLE peripheral is not reachable from application servers. This implies possible data loss.</a:t>
             </a:r>
           </a:p>
           <a:p>
             <a:endParaRPr lang="en-US" altLang="zh-TW" dirty="0"/>
           </a:p>
           <a:p>
-            <a:endParaRPr lang="zh-TW" altLang="en-US" dirty="0"/>
+            <a:r>
+              <a:rPr lang="en-US" altLang="zh-TW" dirty="0"/>
+              <a:t>The newest BLE standard allows a BLE peripheral to be in a connection with multiple BLE centrals at once.</a:t>
+            </a:r>
+          </a:p>
+          <a:p>
+            <a:endParaRPr lang="en-US" altLang="zh-TW" dirty="0"/>
+          </a:p>
+          <a:p>
+            <a:r>
+              <a:rPr lang="en-US" altLang="zh-TW" dirty="0"/>
+              <a:t>Allowing the current GW to keep its connection with the BLE peripheral, until the new connection with the alternative GW is established. </a:t>
+            </a:r>
           </a:p>
         </p:txBody>
       </p:sp>
@@ -7223,7 +7275,7 @@
           <p:cNvPr id="4" name="投影片編號版面配置區 3">
             <a:extLst>
               <a:ext uri="{FF2B5EF4-FFF2-40B4-BE49-F238E27FC236}">
-                <a16:creationId xmlns:a16="http://schemas.microsoft.com/office/drawing/2014/main" id="{3027A15A-810A-49CD-86D5-0BC2EF69CCF7}"/>
+                <a16:creationId xmlns:a16="http://schemas.microsoft.com/office/drawing/2014/main" id="{DB634B57-2E7E-40BE-993E-5F46071107A7}"/>
               </a:ext>
             </a:extLst>
           </p:cNvPr>
@@ -7250,7 +7302,7 @@
     </p:spTree>
     <p:extLst>
       <p:ext uri="{BB962C8B-B14F-4D97-AF65-F5344CB8AC3E}">
-        <p14:creationId xmlns:p14="http://schemas.microsoft.com/office/powerpoint/2010/main" val="4005318741"/>
+        <p14:creationId xmlns:p14="http://schemas.microsoft.com/office/powerpoint/2010/main" val="1590821730"/>
       </p:ext>
     </p:extLst>
   </p:cSld>
@@ -7282,7 +7334,7 @@
           <p:cNvPr id="2" name="標題 1">
             <a:extLst>
               <a:ext uri="{FF2B5EF4-FFF2-40B4-BE49-F238E27FC236}">
-                <a16:creationId xmlns:a16="http://schemas.microsoft.com/office/drawing/2014/main" id="{B7DB5FDF-E9A2-4D3D-ACF8-CEFDE567ED4E}"/>
+                <a16:creationId xmlns:a16="http://schemas.microsoft.com/office/drawing/2014/main" id="{B395D8BB-EDB2-42F3-9D92-4E6E7DCBB06A}"/>
               </a:ext>
             </a:extLst>
           </p:cNvPr>
@@ -7300,7 +7352,7 @@
           <a:p>
             <a:r>
               <a:rPr lang="en-US" altLang="zh-TW" dirty="0"/>
-              <a:t>Conclusion(cont’d)</a:t>
+              <a:t>Evaluation(cont’d)</a:t>
             </a:r>
             <a:endParaRPr lang="zh-TW" altLang="en-US" dirty="0"/>
           </a:p>
@@ -7311,7 +7363,7 @@
           <p:cNvPr id="3" name="內容版面配置區 2">
             <a:extLst>
               <a:ext uri="{FF2B5EF4-FFF2-40B4-BE49-F238E27FC236}">
-                <a16:creationId xmlns:a16="http://schemas.microsoft.com/office/drawing/2014/main" id="{24BC7DE2-9247-4111-B9E4-01812FC553D6}"/>
+                <a16:creationId xmlns:a16="http://schemas.microsoft.com/office/drawing/2014/main" id="{C1C16457-135B-42D6-BD5B-8AF9CCC2689E}"/>
               </a:ext>
             </a:extLst>
           </p:cNvPr>
@@ -7331,7 +7383,7 @@
           <a:p>
             <a:r>
               <a:rPr lang="en-US" altLang="zh-TW" dirty="0"/>
-              <a:t>Next to this, two approaches are considered to perform handover within these solutions. </a:t>
+              <a:t>Finally, to avoid constant switching between connectable and non-connectable scanning, two separate BLE modules could be used on the same GW. </a:t>
             </a:r>
           </a:p>
           <a:p>
@@ -7340,7 +7392,16 @@
           <a:p>
             <a:r>
               <a:rPr lang="en-US" altLang="zh-TW" dirty="0"/>
-              <a:t>The passive handover approach does not need any extra implementation, but the handover latency can become quite high and a bad BLE connection is still maintained even if a better alternative GW is avail-able nearby. </a:t>
+              <a:t>One module is in charge of connectable scanning and maintains existing BLE connections. </a:t>
+            </a:r>
+          </a:p>
+          <a:p>
+            <a:endParaRPr lang="en-US" altLang="zh-TW" dirty="0"/>
+          </a:p>
+          <a:p>
+            <a:r>
+              <a:rPr lang="en-US" altLang="zh-TW" dirty="0"/>
+              <a:t>The other module performs only non-connectable scanning, continuously sending RSSI log messages to the controller.</a:t>
             </a:r>
           </a:p>
         </p:txBody>
@@ -7350,7 +7411,7 @@
           <p:cNvPr id="4" name="投影片編號版面配置區 3">
             <a:extLst>
               <a:ext uri="{FF2B5EF4-FFF2-40B4-BE49-F238E27FC236}">
-                <a16:creationId xmlns:a16="http://schemas.microsoft.com/office/drawing/2014/main" id="{F64AC039-730F-4EC0-B242-E7D527FA3228}"/>
+                <a16:creationId xmlns:a16="http://schemas.microsoft.com/office/drawing/2014/main" id="{DB634B57-2E7E-40BE-993E-5F46071107A7}"/>
               </a:ext>
             </a:extLst>
           </p:cNvPr>
@@ -7377,7 +7438,7 @@
     </p:spTree>
     <p:extLst>
       <p:ext uri="{BB962C8B-B14F-4D97-AF65-F5344CB8AC3E}">
-        <p14:creationId xmlns:p14="http://schemas.microsoft.com/office/powerpoint/2010/main" val="1788803111"/>
+        <p14:creationId xmlns:p14="http://schemas.microsoft.com/office/powerpoint/2010/main" val="1541052724"/>
       </p:ext>
     </p:extLst>
   </p:cSld>
@@ -7454,7 +7515,19 @@
           <a:bodyPr/>
           <a:lstStyle/>
           <a:p>
-            <a:endParaRPr lang="zh-TW" altLang="en-US" dirty="0"/>
+            <a:r>
+              <a:rPr lang="en-US" altLang="zh-TW" dirty="0"/>
+              <a:t>Bluetooth  Low  Energy  (BLE)  is  a  popular  technology  within  the  Internet  of  Things.  It  allows  low-power,  star networks  to  be  set  up  between  a  BLE  gateway  and  multiple , power-constrained  BLE  devices.  </a:t>
+            </a:r>
+          </a:p>
+          <a:p>
+            <a:endParaRPr lang="en-US" altLang="zh-TW" dirty="0"/>
+          </a:p>
+          <a:p>
+            <a:r>
+              <a:rPr lang="en-US" altLang="zh-TW" dirty="0"/>
+              <a:t>However,  these  networks  tend to  be  static,  not  supporting  BLE  devices  that  can  freely  move around   in   an   environment   of   multiple   interconnected   BLE gateways and perform handovers whenever necessary.</a:t>
+            </a:r>
           </a:p>
         </p:txBody>
       </p:sp>
@@ -7540,7 +7613,7 @@
           <a:p>
             <a:r>
               <a:rPr lang="en-US" altLang="zh-TW" dirty="0"/>
-              <a:t>Conclusion(cont’d)</a:t>
+              <a:t>Conclusion</a:t>
             </a:r>
             <a:endParaRPr lang="zh-TW" altLang="en-US" dirty="0"/>
           </a:p>
@@ -7564,14 +7637,21 @@
         </p:nvSpPr>
         <p:spPr/>
         <p:txBody>
-          <a:bodyPr>
-            <a:normAutofit/>
-          </a:bodyPr>
-          <a:lstStyle/>
-          <a:p>
-            <a:r>
-              <a:rPr lang="en-US" altLang="zh-TW" dirty="0"/>
-              <a:t>Active handover offers a solution by proactively terminating a bad connection when a better alternative GW is available. As such, it can limit the handover latency. Asa downside, this approach requires more extensive custom implementation, implies a higher energy consumption and can limit the available throughput.</a:t>
+          <a:bodyPr/>
+          <a:lstStyle/>
+          <a:p>
+            <a:r>
+              <a:rPr lang="en-US" altLang="zh-TW" dirty="0"/>
+              <a:t>In this paper, two architectures are proposed to realize a BLE-based multi-GW network infrastructure that is able to provide bidirectional connectivity to mobile BLE peripherals. </a:t>
+            </a:r>
+          </a:p>
+          <a:p>
+            <a:endParaRPr lang="en-US" altLang="zh-TW" dirty="0"/>
+          </a:p>
+          <a:p>
+            <a:r>
+              <a:rPr lang="en-US" altLang="zh-TW" dirty="0"/>
+              <a:t>The IP based architecture offers seamless end-to-end IP connectivity between a mobile BLE peripheral and an existing IP network. It limits custom implementation needs, but requires more resources from the already constrained mobile BLE peripheral. </a:t>
             </a:r>
             <a:endParaRPr lang="zh-TW" altLang="en-US" dirty="0"/>
           </a:p>
@@ -7582,7 +7662,7 @@
           <p:cNvPr id="4" name="投影片編號版面配置區 3">
             <a:extLst>
               <a:ext uri="{FF2B5EF4-FFF2-40B4-BE49-F238E27FC236}">
-                <a16:creationId xmlns:a16="http://schemas.microsoft.com/office/drawing/2014/main" id="{BFA29D48-9BE9-44B6-B04F-E6E702DC41D9}"/>
+                <a16:creationId xmlns:a16="http://schemas.microsoft.com/office/drawing/2014/main" id="{1897B375-7AA8-4235-9A04-A251C8228EE1}"/>
               </a:ext>
             </a:extLst>
           </p:cNvPr>
@@ -7609,7 +7689,7 @@
     </p:spTree>
     <p:extLst>
       <p:ext uri="{BB962C8B-B14F-4D97-AF65-F5344CB8AC3E}">
-        <p14:creationId xmlns:p14="http://schemas.microsoft.com/office/powerpoint/2010/main" val="493870139"/>
+        <p14:creationId xmlns:p14="http://schemas.microsoft.com/office/powerpoint/2010/main" val="3047592953"/>
       </p:ext>
     </p:extLst>
   </p:cSld>
@@ -7641,7 +7721,7 @@
           <p:cNvPr id="2" name="標題 1">
             <a:extLst>
               <a:ext uri="{FF2B5EF4-FFF2-40B4-BE49-F238E27FC236}">
-                <a16:creationId xmlns:a16="http://schemas.microsoft.com/office/drawing/2014/main" id="{66BD44E2-EFFF-43D9-A213-DE501B575689}"/>
+                <a16:creationId xmlns:a16="http://schemas.microsoft.com/office/drawing/2014/main" id="{B7DB5FDF-E9A2-4D3D-ACF8-CEFDE567ED4E}"/>
               </a:ext>
             </a:extLst>
           </p:cNvPr>
@@ -7659,7 +7739,7 @@
           <a:p>
             <a:r>
               <a:rPr lang="en-US" altLang="zh-TW" dirty="0"/>
-              <a:t>References</a:t>
+              <a:t>Conclusion(cont’d)</a:t>
             </a:r>
             <a:endParaRPr lang="zh-TW" altLang="en-US" dirty="0"/>
           </a:p>
@@ -7670,7 +7750,129 @@
           <p:cNvPr id="3" name="內容版面配置區 2">
             <a:extLst>
               <a:ext uri="{FF2B5EF4-FFF2-40B4-BE49-F238E27FC236}">
-                <a16:creationId xmlns:a16="http://schemas.microsoft.com/office/drawing/2014/main" id="{6C6870F8-5E25-41B8-BDBD-DC2867167899}"/>
+                <a16:creationId xmlns:a16="http://schemas.microsoft.com/office/drawing/2014/main" id="{24BC7DE2-9247-4111-B9E4-01812FC553D6}"/>
+              </a:ext>
+            </a:extLst>
+          </p:cNvPr>
+          <p:cNvSpPr>
+            <a:spLocks noGrp="1"/>
+          </p:cNvSpPr>
+          <p:nvPr>
+            <p:ph idx="1"/>
+          </p:nvPr>
+        </p:nvSpPr>
+        <p:spPr/>
+        <p:txBody>
+          <a:bodyPr/>
+          <a:lstStyle/>
+          <a:p>
+            <a:r>
+              <a:rPr lang="en-US" altLang="zh-TW" dirty="0"/>
+              <a:t>The non-IP based architecture requires less resources from the BLE peripheral as it employs native BLE communication towards the IoT gateway. However, custom implementation needs are much higher, as a dedicated controller is introduced within the existing network that needs to maintain the state of the infrastructure and the currently associated mobile BLE devices.</a:t>
+            </a:r>
+          </a:p>
+          <a:p>
+            <a:endParaRPr lang="en-US" altLang="zh-TW" dirty="0"/>
+          </a:p>
+          <a:p>
+            <a:endParaRPr lang="zh-TW" altLang="en-US" dirty="0"/>
+          </a:p>
+        </p:txBody>
+      </p:sp>
+      <p:sp>
+        <p:nvSpPr>
+          <p:cNvPr id="4" name="投影片編號版面配置區 3">
+            <a:extLst>
+              <a:ext uri="{FF2B5EF4-FFF2-40B4-BE49-F238E27FC236}">
+                <a16:creationId xmlns:a16="http://schemas.microsoft.com/office/drawing/2014/main" id="{3027A15A-810A-49CD-86D5-0BC2EF69CCF7}"/>
+              </a:ext>
+            </a:extLst>
+          </p:cNvPr>
+          <p:cNvSpPr>
+            <a:spLocks noGrp="1"/>
+          </p:cNvSpPr>
+          <p:nvPr>
+            <p:ph type="sldNum" sz="quarter" idx="12"/>
+          </p:nvPr>
+        </p:nvSpPr>
+        <p:spPr/>
+        <p:txBody>
+          <a:bodyPr/>
+          <a:lstStyle/>
+          <a:p>
+            <a:fld id="{50029C49-A5A9-4A95-8BF0-94F73808DB5F}" type="slidenum">
+              <a:rPr lang="zh-TW" altLang="en-US" smtClean="0"/>
+              <a:t>31</a:t>
+            </a:fld>
+            <a:endParaRPr lang="zh-TW" altLang="en-US"/>
+          </a:p>
+        </p:txBody>
+      </p:sp>
+    </p:spTree>
+    <p:extLst>
+      <p:ext uri="{BB962C8B-B14F-4D97-AF65-F5344CB8AC3E}">
+        <p14:creationId xmlns:p14="http://schemas.microsoft.com/office/powerpoint/2010/main" val="4005318741"/>
+      </p:ext>
+    </p:extLst>
+  </p:cSld>
+  <p:clrMapOvr>
+    <a:masterClrMapping/>
+  </p:clrMapOvr>
+</p:sld>
+</file>
+
+<file path=ppt/slides/slide32.xml><?xml version="1.0" encoding="utf-8"?>
+<p:sld xmlns:a="http://schemas.openxmlformats.org/drawingml/2006/main" xmlns:r="http://schemas.openxmlformats.org/officeDocument/2006/relationships" xmlns:p="http://schemas.openxmlformats.org/presentationml/2006/main">
+  <p:cSld>
+    <p:spTree>
+      <p:nvGrpSpPr>
+        <p:cNvPr id="1" name=""/>
+        <p:cNvGrpSpPr/>
+        <p:nvPr/>
+      </p:nvGrpSpPr>
+      <p:grpSpPr>
+        <a:xfrm>
+          <a:off x="0" y="0"/>
+          <a:ext cx="0" cy="0"/>
+          <a:chOff x="0" y="0"/>
+          <a:chExt cx="0" cy="0"/>
+        </a:xfrm>
+      </p:grpSpPr>
+      <p:sp>
+        <p:nvSpPr>
+          <p:cNvPr id="2" name="標題 1">
+            <a:extLst>
+              <a:ext uri="{FF2B5EF4-FFF2-40B4-BE49-F238E27FC236}">
+                <a16:creationId xmlns:a16="http://schemas.microsoft.com/office/drawing/2014/main" id="{B7DB5FDF-E9A2-4D3D-ACF8-CEFDE567ED4E}"/>
+              </a:ext>
+            </a:extLst>
+          </p:cNvPr>
+          <p:cNvSpPr>
+            <a:spLocks noGrp="1"/>
+          </p:cNvSpPr>
+          <p:nvPr>
+            <p:ph type="title"/>
+          </p:nvPr>
+        </p:nvSpPr>
+        <p:spPr/>
+        <p:txBody>
+          <a:bodyPr/>
+          <a:lstStyle/>
+          <a:p>
+            <a:r>
+              <a:rPr lang="en-US" altLang="zh-TW" dirty="0"/>
+              <a:t>Conclusion(cont’d)</a:t>
+            </a:r>
+            <a:endParaRPr lang="zh-TW" altLang="en-US" dirty="0"/>
+          </a:p>
+        </p:txBody>
+      </p:sp>
+      <p:sp>
+        <p:nvSpPr>
+          <p:cNvPr id="3" name="內容版面配置區 2">
+            <a:extLst>
+              <a:ext uri="{FF2B5EF4-FFF2-40B4-BE49-F238E27FC236}">
+                <a16:creationId xmlns:a16="http://schemas.microsoft.com/office/drawing/2014/main" id="{24BC7DE2-9247-4111-B9E4-01812FC553D6}"/>
               </a:ext>
             </a:extLst>
           </p:cNvPr>
@@ -7689,6 +7891,252 @@
           <a:lstStyle/>
           <a:p>
             <a:r>
+              <a:rPr lang="en-US" altLang="zh-TW" dirty="0"/>
+              <a:t>Next to this, two approaches are considered to perform handover within these solutions. </a:t>
+            </a:r>
+          </a:p>
+          <a:p>
+            <a:endParaRPr lang="en-US" altLang="zh-TW" dirty="0"/>
+          </a:p>
+          <a:p>
+            <a:r>
+              <a:rPr lang="en-US" altLang="zh-TW" dirty="0"/>
+              <a:t>The passive handover approach does not need any extra implementation, but the handover latency can become quite high and a bad BLE connection is still maintained even if a better alternative GW is avail-able nearby. </a:t>
+            </a:r>
+          </a:p>
+        </p:txBody>
+      </p:sp>
+      <p:sp>
+        <p:nvSpPr>
+          <p:cNvPr id="4" name="投影片編號版面配置區 3">
+            <a:extLst>
+              <a:ext uri="{FF2B5EF4-FFF2-40B4-BE49-F238E27FC236}">
+                <a16:creationId xmlns:a16="http://schemas.microsoft.com/office/drawing/2014/main" id="{F64AC039-730F-4EC0-B242-E7D527FA3228}"/>
+              </a:ext>
+            </a:extLst>
+          </p:cNvPr>
+          <p:cNvSpPr>
+            <a:spLocks noGrp="1"/>
+          </p:cNvSpPr>
+          <p:nvPr>
+            <p:ph type="sldNum" sz="quarter" idx="12"/>
+          </p:nvPr>
+        </p:nvSpPr>
+        <p:spPr/>
+        <p:txBody>
+          <a:bodyPr/>
+          <a:lstStyle/>
+          <a:p>
+            <a:fld id="{50029C49-A5A9-4A95-8BF0-94F73808DB5F}" type="slidenum">
+              <a:rPr lang="zh-TW" altLang="en-US" smtClean="0"/>
+              <a:t>32</a:t>
+            </a:fld>
+            <a:endParaRPr lang="zh-TW" altLang="en-US"/>
+          </a:p>
+        </p:txBody>
+      </p:sp>
+    </p:spTree>
+    <p:extLst>
+      <p:ext uri="{BB962C8B-B14F-4D97-AF65-F5344CB8AC3E}">
+        <p14:creationId xmlns:p14="http://schemas.microsoft.com/office/powerpoint/2010/main" val="1788803111"/>
+      </p:ext>
+    </p:extLst>
+  </p:cSld>
+  <p:clrMapOvr>
+    <a:masterClrMapping/>
+  </p:clrMapOvr>
+</p:sld>
+</file>
+
+<file path=ppt/slides/slide33.xml><?xml version="1.0" encoding="utf-8"?>
+<p:sld xmlns:a="http://schemas.openxmlformats.org/drawingml/2006/main" xmlns:r="http://schemas.openxmlformats.org/officeDocument/2006/relationships" xmlns:p="http://schemas.openxmlformats.org/presentationml/2006/main">
+  <p:cSld>
+    <p:spTree>
+      <p:nvGrpSpPr>
+        <p:cNvPr id="1" name=""/>
+        <p:cNvGrpSpPr/>
+        <p:nvPr/>
+      </p:nvGrpSpPr>
+      <p:grpSpPr>
+        <a:xfrm>
+          <a:off x="0" y="0"/>
+          <a:ext cx="0" cy="0"/>
+          <a:chOff x="0" y="0"/>
+          <a:chExt cx="0" cy="0"/>
+        </a:xfrm>
+      </p:grpSpPr>
+      <p:sp>
+        <p:nvSpPr>
+          <p:cNvPr id="2" name="標題 1">
+            <a:extLst>
+              <a:ext uri="{FF2B5EF4-FFF2-40B4-BE49-F238E27FC236}">
+                <a16:creationId xmlns:a16="http://schemas.microsoft.com/office/drawing/2014/main" id="{B7DB5FDF-E9A2-4D3D-ACF8-CEFDE567ED4E}"/>
+              </a:ext>
+            </a:extLst>
+          </p:cNvPr>
+          <p:cNvSpPr>
+            <a:spLocks noGrp="1"/>
+          </p:cNvSpPr>
+          <p:nvPr>
+            <p:ph type="title"/>
+          </p:nvPr>
+        </p:nvSpPr>
+        <p:spPr/>
+        <p:txBody>
+          <a:bodyPr/>
+          <a:lstStyle/>
+          <a:p>
+            <a:r>
+              <a:rPr lang="en-US" altLang="zh-TW" dirty="0"/>
+              <a:t>Conclusion(cont’d)</a:t>
+            </a:r>
+            <a:endParaRPr lang="zh-TW" altLang="en-US" dirty="0"/>
+          </a:p>
+        </p:txBody>
+      </p:sp>
+      <p:sp>
+        <p:nvSpPr>
+          <p:cNvPr id="3" name="內容版面配置區 2">
+            <a:extLst>
+              <a:ext uri="{FF2B5EF4-FFF2-40B4-BE49-F238E27FC236}">
+                <a16:creationId xmlns:a16="http://schemas.microsoft.com/office/drawing/2014/main" id="{24BC7DE2-9247-4111-B9E4-01812FC553D6}"/>
+              </a:ext>
+            </a:extLst>
+          </p:cNvPr>
+          <p:cNvSpPr>
+            <a:spLocks noGrp="1"/>
+          </p:cNvSpPr>
+          <p:nvPr>
+            <p:ph idx="1"/>
+          </p:nvPr>
+        </p:nvSpPr>
+        <p:spPr/>
+        <p:txBody>
+          <a:bodyPr>
+            <a:normAutofit/>
+          </a:bodyPr>
+          <a:lstStyle/>
+          <a:p>
+            <a:r>
+              <a:rPr lang="en-US" altLang="zh-TW" dirty="0"/>
+              <a:t>Active handover offers a solution by proactively terminating a bad connection when a better alternative GW is available. As such, it can limit the handover latency. Asa downside, this approach requires more extensive custom implementation, implies a higher energy consumption and can limit the available throughput.</a:t>
+            </a:r>
+            <a:endParaRPr lang="zh-TW" altLang="en-US" dirty="0"/>
+          </a:p>
+        </p:txBody>
+      </p:sp>
+      <p:sp>
+        <p:nvSpPr>
+          <p:cNvPr id="4" name="投影片編號版面配置區 3">
+            <a:extLst>
+              <a:ext uri="{FF2B5EF4-FFF2-40B4-BE49-F238E27FC236}">
+                <a16:creationId xmlns:a16="http://schemas.microsoft.com/office/drawing/2014/main" id="{BFA29D48-9BE9-44B6-B04F-E6E702DC41D9}"/>
+              </a:ext>
+            </a:extLst>
+          </p:cNvPr>
+          <p:cNvSpPr>
+            <a:spLocks noGrp="1"/>
+          </p:cNvSpPr>
+          <p:nvPr>
+            <p:ph type="sldNum" sz="quarter" idx="12"/>
+          </p:nvPr>
+        </p:nvSpPr>
+        <p:spPr/>
+        <p:txBody>
+          <a:bodyPr/>
+          <a:lstStyle/>
+          <a:p>
+            <a:fld id="{50029C49-A5A9-4A95-8BF0-94F73808DB5F}" type="slidenum">
+              <a:rPr lang="zh-TW" altLang="en-US" smtClean="0"/>
+              <a:t>33</a:t>
+            </a:fld>
+            <a:endParaRPr lang="zh-TW" altLang="en-US"/>
+          </a:p>
+        </p:txBody>
+      </p:sp>
+    </p:spTree>
+    <p:extLst>
+      <p:ext uri="{BB962C8B-B14F-4D97-AF65-F5344CB8AC3E}">
+        <p14:creationId xmlns:p14="http://schemas.microsoft.com/office/powerpoint/2010/main" val="493870139"/>
+      </p:ext>
+    </p:extLst>
+  </p:cSld>
+  <p:clrMapOvr>
+    <a:masterClrMapping/>
+  </p:clrMapOvr>
+</p:sld>
+</file>
+
+<file path=ppt/slides/slide34.xml><?xml version="1.0" encoding="utf-8"?>
+<p:sld xmlns:a="http://schemas.openxmlformats.org/drawingml/2006/main" xmlns:r="http://schemas.openxmlformats.org/officeDocument/2006/relationships" xmlns:p="http://schemas.openxmlformats.org/presentationml/2006/main">
+  <p:cSld>
+    <p:spTree>
+      <p:nvGrpSpPr>
+        <p:cNvPr id="1" name=""/>
+        <p:cNvGrpSpPr/>
+        <p:nvPr/>
+      </p:nvGrpSpPr>
+      <p:grpSpPr>
+        <a:xfrm>
+          <a:off x="0" y="0"/>
+          <a:ext cx="0" cy="0"/>
+          <a:chOff x="0" y="0"/>
+          <a:chExt cx="0" cy="0"/>
+        </a:xfrm>
+      </p:grpSpPr>
+      <p:sp>
+        <p:nvSpPr>
+          <p:cNvPr id="2" name="標題 1">
+            <a:extLst>
+              <a:ext uri="{FF2B5EF4-FFF2-40B4-BE49-F238E27FC236}">
+                <a16:creationId xmlns:a16="http://schemas.microsoft.com/office/drawing/2014/main" id="{66BD44E2-EFFF-43D9-A213-DE501B575689}"/>
+              </a:ext>
+            </a:extLst>
+          </p:cNvPr>
+          <p:cNvSpPr>
+            <a:spLocks noGrp="1"/>
+          </p:cNvSpPr>
+          <p:nvPr>
+            <p:ph type="title"/>
+          </p:nvPr>
+        </p:nvSpPr>
+        <p:spPr/>
+        <p:txBody>
+          <a:bodyPr/>
+          <a:lstStyle/>
+          <a:p>
+            <a:r>
+              <a:rPr lang="en-US" altLang="zh-TW" dirty="0"/>
+              <a:t>References</a:t>
+            </a:r>
+            <a:endParaRPr lang="zh-TW" altLang="en-US" dirty="0"/>
+          </a:p>
+        </p:txBody>
+      </p:sp>
+      <p:sp>
+        <p:nvSpPr>
+          <p:cNvPr id="3" name="內容版面配置區 2">
+            <a:extLst>
+              <a:ext uri="{FF2B5EF4-FFF2-40B4-BE49-F238E27FC236}">
+                <a16:creationId xmlns:a16="http://schemas.microsoft.com/office/drawing/2014/main" id="{6C6870F8-5E25-41B8-BDBD-DC2867167899}"/>
+              </a:ext>
+            </a:extLst>
+          </p:cNvPr>
+          <p:cNvSpPr>
+            <a:spLocks noGrp="1"/>
+          </p:cNvSpPr>
+          <p:nvPr>
+            <p:ph idx="1"/>
+          </p:nvPr>
+        </p:nvSpPr>
+        <p:spPr/>
+        <p:txBody>
+          <a:bodyPr>
+            <a:normAutofit/>
+          </a:bodyPr>
+          <a:lstStyle/>
+          <a:p>
+            <a:r>
               <a:rPr lang="en-US" altLang="zh-TW" sz="2000" dirty="0"/>
               <a:t>Mathias </a:t>
             </a:r>
@@ -7849,7 +8297,7 @@
           <a:p>
             <a:fld id="{50029C49-A5A9-4A95-8BF0-94F73808DB5F}" type="slidenum">
               <a:rPr lang="zh-TW" altLang="en-US" smtClean="0"/>
-              <a:t>31</a:t>
+              <a:t>34</a:t>
             </a:fld>
             <a:endParaRPr lang="zh-TW" altLang="en-US"/>
           </a:p>
@@ -7908,8 +8356,9 @@
           <a:p>
             <a:r>
               <a:rPr lang="en-US" altLang="zh-TW" dirty="0"/>
-              <a:t>Primer on BLE and BLE over IPv6</a:t>
-            </a:r>
+              <a:t>Introduction(cont’d)</a:t>
+            </a:r>
+            <a:endParaRPr lang="zh-TW" altLang="en-US" dirty="0"/>
           </a:p>
         </p:txBody>
       </p:sp>
@@ -7931,14 +8380,12 @@
         </p:nvSpPr>
         <p:spPr/>
         <p:txBody>
-          <a:bodyPr>
-            <a:normAutofit fontScale="92500" lnSpcReduction="10000"/>
-          </a:bodyPr>
-          <a:lstStyle/>
-          <a:p>
-            <a:r>
-              <a:rPr lang="en-US" altLang="zh-TW" dirty="0"/>
-              <a:t>Bluetooth Low Energy (BLE) was released in 2011 as part of the Classic Bluetooth specification and both technologies have coexisted and evolved independently since then.</a:t>
+          <a:bodyPr/>
+          <a:lstStyle/>
+          <a:p>
+            <a:r>
+              <a:rPr lang="en-US" altLang="zh-TW" dirty="0"/>
+              <a:t>This work proposes  two  alternative  network  architectures  for  mobile  BLE peripherals. One leverages on IPv6 over BLE, where as the other combines  default  BLE  mechanisms  with  an  additional  custom controller.  </a:t>
             </a:r>
           </a:p>
           <a:p>
@@ -7947,34 +8394,8 @@
           <a:p>
             <a:r>
               <a:rPr lang="en-US" altLang="zh-TW" dirty="0"/>
-              <a:t>BLE operates in the 2.4 GHz band, utilizing frequencies between 2402 and 2480MHz. The used spectrum is divided into 40 channels, each employing a space of 2 </a:t>
-            </a:r>
-            <a:r>
-              <a:rPr lang="en-US" altLang="zh-TW" dirty="0" err="1"/>
-              <a:t>MHz.</a:t>
-            </a:r>
-            <a:r>
-              <a:rPr lang="en-US" altLang="zh-TW" dirty="0"/>
-              <a:t> These channels are divided into</a:t>
-            </a:r>
-            <a:r>
-              <a:rPr lang="zh-TW" altLang="en-US" dirty="0"/>
-              <a:t> </a:t>
-            </a:r>
-            <a:r>
-              <a:rPr lang="en-US" altLang="zh-TW" dirty="0"/>
-              <a:t>3 primary advertisement channels and 37 connection-oriented channels. </a:t>
-            </a:r>
-          </a:p>
-          <a:p>
-            <a:endParaRPr lang="en-US" altLang="zh-TW" dirty="0"/>
-          </a:p>
-          <a:p>
-            <a:r>
-              <a:rPr lang="en-US" altLang="zh-TW" dirty="0"/>
-              <a:t>BLE supports two different ways of communication : an advertising mode and a connection-oriented mode.</a:t>
-            </a:r>
-            <a:endParaRPr lang="zh-TW" altLang="en-US" dirty="0"/>
+              <a:t>On  top,  we  study  in  detail  the  handover  mechanism that  must  be  present  in  both  architectures  and  compare  the performance  of  both  a  passive  and  active  handover  approach.</a:t>
+            </a:r>
           </a:p>
         </p:txBody>
       </p:sp>
@@ -7983,7 +8404,7 @@
           <p:cNvPr id="4" name="投影片編號版面配置區 3">
             <a:extLst>
               <a:ext uri="{FF2B5EF4-FFF2-40B4-BE49-F238E27FC236}">
-                <a16:creationId xmlns:a16="http://schemas.microsoft.com/office/drawing/2014/main" id="{A7079878-D19B-4E92-9126-06F4FF0BF1C0}"/>
+                <a16:creationId xmlns:a16="http://schemas.microsoft.com/office/drawing/2014/main" id="{69BF509B-CFE1-4421-99AF-8C1B621F1701}"/>
               </a:ext>
             </a:extLst>
           </p:cNvPr>
@@ -8010,7 +8431,7 @@
     </p:spTree>
     <p:extLst>
       <p:ext uri="{BB962C8B-B14F-4D97-AF65-F5344CB8AC3E}">
-        <p14:creationId xmlns:p14="http://schemas.microsoft.com/office/powerpoint/2010/main" val="809978483"/>
+        <p14:creationId xmlns:p14="http://schemas.microsoft.com/office/powerpoint/2010/main" val="2373378661"/>
       </p:ext>
     </p:extLst>
   </p:cSld>
@@ -8060,8 +8481,9 @@
           <a:p>
             <a:r>
               <a:rPr lang="en-US" altLang="zh-TW" dirty="0"/>
-              <a:t>Primer on BLE and BLE over IPv6(cont’d)</a:t>
-            </a:r>
+              <a:t>Introduction(cont’d)</a:t>
+            </a:r>
+            <a:endParaRPr lang="zh-TW" altLang="en-US" dirty="0"/>
           </a:p>
         </p:txBody>
       </p:sp>
@@ -8083,51 +8505,30 @@
         </p:nvSpPr>
         <p:spPr/>
         <p:txBody>
-          <a:bodyPr>
-            <a:normAutofit/>
-          </a:bodyPr>
-          <a:lstStyle/>
-          <a:p>
-            <a:endParaRPr lang="zh-TW" altLang="en-US" dirty="0"/>
-          </a:p>
-        </p:txBody>
-      </p:sp>
-      <p:pic>
-        <p:nvPicPr>
-          <p:cNvPr id="7" name="圖片 6">
-            <a:extLst>
-              <a:ext uri="{FF2B5EF4-FFF2-40B4-BE49-F238E27FC236}">
-                <a16:creationId xmlns:a16="http://schemas.microsoft.com/office/drawing/2014/main" id="{D03360D8-0A34-4B9B-8EDF-94EF768549C8}"/>
-              </a:ext>
-            </a:extLst>
-          </p:cNvPr>
-          <p:cNvPicPr>
-            <a:picLocks noChangeAspect="1"/>
-          </p:cNvPicPr>
-          <p:nvPr/>
-        </p:nvPicPr>
-        <p:blipFill>
-          <a:blip r:embed="rId2"/>
-          <a:stretch>
-            <a:fillRect/>
-          </a:stretch>
-        </p:blipFill>
-        <p:spPr>
-          <a:xfrm>
-            <a:off x="5694218" y="4657914"/>
-            <a:ext cx="6497782" cy="2099352"/>
-          </a:xfrm>
-          <a:prstGeom prst="rect">
-            <a:avLst/>
-          </a:prstGeom>
-        </p:spPr>
-      </p:pic>
-      <p:sp>
-        <p:nvSpPr>
-          <p:cNvPr id="9" name="投影片編號版面配置區 8">
-            <a:extLst>
-              <a:ext uri="{FF2B5EF4-FFF2-40B4-BE49-F238E27FC236}">
-                <a16:creationId xmlns:a16="http://schemas.microsoft.com/office/drawing/2014/main" id="{3A06F46F-6C62-467F-8344-A07ED9AE7ACE}"/>
+          <a:bodyPr/>
+          <a:lstStyle/>
+          <a:p>
+            <a:r>
+              <a:rPr lang="en-US" altLang="zh-TW" dirty="0"/>
+              <a:t>The passive handover approach can be set up without any extra implementation,  but  an  active  handover  approach  offers  more proactive  handover  decisions  and  can  provide  a  </a:t>
+            </a:r>
+            <a:r>
+              <a:rPr lang="en-US" altLang="zh-TW"/>
+              <a:t>much  lower handover </a:t>
+            </a:r>
+            <a:r>
+              <a:rPr lang="en-US" altLang="zh-TW" dirty="0"/>
+              <a:t>latency.</a:t>
+            </a:r>
+          </a:p>
+        </p:txBody>
+      </p:sp>
+      <p:sp>
+        <p:nvSpPr>
+          <p:cNvPr id="4" name="投影片編號版面配置區 3">
+            <a:extLst>
+              <a:ext uri="{FF2B5EF4-FFF2-40B4-BE49-F238E27FC236}">
+                <a16:creationId xmlns:a16="http://schemas.microsoft.com/office/drawing/2014/main" id="{69BF509B-CFE1-4421-99AF-8C1B621F1701}"/>
               </a:ext>
             </a:extLst>
           </p:cNvPr>
@@ -8154,7 +8555,7 @@
     </p:spTree>
     <p:extLst>
       <p:ext uri="{BB962C8B-B14F-4D97-AF65-F5344CB8AC3E}">
-        <p14:creationId xmlns:p14="http://schemas.microsoft.com/office/powerpoint/2010/main" val="1645637635"/>
+        <p14:creationId xmlns:p14="http://schemas.microsoft.com/office/powerpoint/2010/main" val="1743366199"/>
       </p:ext>
     </p:extLst>
   </p:cSld>
@@ -8204,7 +8605,7 @@
           <a:p>
             <a:r>
               <a:rPr lang="en-US" altLang="zh-TW" dirty="0"/>
-              <a:t>Primer on BLE and BLE over IPv6(cont’d)</a:t>
+              <a:t>Primer on BLE and BLE over IPv6</a:t>
             </a:r>
           </a:p>
         </p:txBody>
@@ -8228,50 +8629,58 @@
         <p:spPr/>
         <p:txBody>
           <a:bodyPr>
-            <a:normAutofit/>
+            <a:normAutofit fontScale="92500" lnSpcReduction="10000"/>
           </a:bodyPr>
           <a:lstStyle/>
           <a:p>
+            <a:r>
+              <a:rPr lang="en-US" altLang="zh-TW" dirty="0"/>
+              <a:t>Bluetooth Low Energy (BLE) was released in 2011 as part of the Classic Bluetooth specification and both technologies have coexisted and evolved independently since then.</a:t>
+            </a:r>
+          </a:p>
+          <a:p>
+            <a:endParaRPr lang="en-US" altLang="zh-TW" dirty="0"/>
+          </a:p>
+          <a:p>
+            <a:r>
+              <a:rPr lang="en-US" altLang="zh-TW" dirty="0"/>
+              <a:t>BLE operates in the 2.4 GHz band, utilizing frequencies between 2402 and 2480MHz. The used spectrum is divided into 40 channels, each employing a space of 2 </a:t>
+            </a:r>
+            <a:r>
+              <a:rPr lang="en-US" altLang="zh-TW" dirty="0" err="1"/>
+              <a:t>MHz.</a:t>
+            </a:r>
+            <a:r>
+              <a:rPr lang="en-US" altLang="zh-TW" dirty="0"/>
+              <a:t> These channels are divided into</a:t>
+            </a:r>
+            <a:r>
+              <a:rPr lang="zh-TW" altLang="en-US" dirty="0"/>
+              <a:t> </a:t>
+            </a:r>
+            <a:r>
+              <a:rPr lang="en-US" altLang="zh-TW" dirty="0"/>
+              <a:t>3 primary advertisement channels and 37 connection-oriented channels. </a:t>
+            </a:r>
+          </a:p>
+          <a:p>
+            <a:endParaRPr lang="en-US" altLang="zh-TW" dirty="0"/>
+          </a:p>
+          <a:p>
+            <a:r>
+              <a:rPr lang="en-US" altLang="zh-TW" dirty="0"/>
+              <a:t>BLE supports two different ways of communication : an advertising mode and a connection-oriented mode.</a:t>
+            </a:r>
             <a:endParaRPr lang="zh-TW" altLang="en-US" dirty="0"/>
           </a:p>
         </p:txBody>
       </p:sp>
-      <p:pic>
-        <p:nvPicPr>
-          <p:cNvPr id="7" name="圖片 6">
-            <a:extLst>
-              <a:ext uri="{FF2B5EF4-FFF2-40B4-BE49-F238E27FC236}">
-                <a16:creationId xmlns:a16="http://schemas.microsoft.com/office/drawing/2014/main" id="{D03360D8-0A34-4B9B-8EDF-94EF768549C8}"/>
-              </a:ext>
-            </a:extLst>
-          </p:cNvPr>
-          <p:cNvPicPr>
-            <a:picLocks noChangeAspect="1"/>
-          </p:cNvPicPr>
-          <p:nvPr/>
-        </p:nvPicPr>
-        <p:blipFill>
-          <a:blip r:embed="rId2"/>
-          <a:stretch>
-            <a:fillRect/>
-          </a:stretch>
-        </p:blipFill>
-        <p:spPr>
-          <a:xfrm>
-            <a:off x="5694218" y="4657914"/>
-            <a:ext cx="6497782" cy="2099352"/>
-          </a:xfrm>
-          <a:prstGeom prst="rect">
-            <a:avLst/>
-          </a:prstGeom>
-        </p:spPr>
-      </p:pic>
       <p:sp>
         <p:nvSpPr>
           <p:cNvPr id="4" name="投影片編號版面配置區 3">
             <a:extLst>
               <a:ext uri="{FF2B5EF4-FFF2-40B4-BE49-F238E27FC236}">
-                <a16:creationId xmlns:a16="http://schemas.microsoft.com/office/drawing/2014/main" id="{46943CDC-E158-4BE6-85D8-16B7649A4F4B}"/>
+                <a16:creationId xmlns:a16="http://schemas.microsoft.com/office/drawing/2014/main" id="{A7079878-D19B-4E92-9126-06F4FF0BF1C0}"/>
               </a:ext>
             </a:extLst>
           </p:cNvPr>
@@ -8298,7 +8707,7 @@
     </p:spTree>
     <p:extLst>
       <p:ext uri="{BB962C8B-B14F-4D97-AF65-F5344CB8AC3E}">
-        <p14:creationId xmlns:p14="http://schemas.microsoft.com/office/powerpoint/2010/main" val="4124350203"/>
+        <p14:creationId xmlns:p14="http://schemas.microsoft.com/office/powerpoint/2010/main" val="809978483"/>
       </p:ext>
     </p:extLst>
   </p:cSld>
@@ -8330,7 +8739,7 @@
           <p:cNvPr id="2" name="標題 1">
             <a:extLst>
               <a:ext uri="{FF2B5EF4-FFF2-40B4-BE49-F238E27FC236}">
-                <a16:creationId xmlns:a16="http://schemas.microsoft.com/office/drawing/2014/main" id="{A695901F-B45F-471B-B1C2-E603D8500264}"/>
+                <a16:creationId xmlns:a16="http://schemas.microsoft.com/office/drawing/2014/main" id="{14B7E57E-D063-41EF-A857-5628A20B75BC}"/>
               </a:ext>
             </a:extLst>
           </p:cNvPr>
@@ -8348,81 +8757,74 @@
           <a:p>
             <a:r>
               <a:rPr lang="en-US" altLang="zh-TW" dirty="0"/>
-              <a:t>Handover approaches</a:t>
-            </a:r>
+              <a:t>Primer on BLE and BLE over IPv6(cont’d)</a:t>
+            </a:r>
+          </a:p>
+        </p:txBody>
+      </p:sp>
+      <p:sp>
+        <p:nvSpPr>
+          <p:cNvPr id="3" name="內容版面配置區 2">
+            <a:extLst>
+              <a:ext uri="{FF2B5EF4-FFF2-40B4-BE49-F238E27FC236}">
+                <a16:creationId xmlns:a16="http://schemas.microsoft.com/office/drawing/2014/main" id="{E616DA40-9E29-4C7C-A28F-3857701A0286}"/>
+              </a:ext>
+            </a:extLst>
+          </p:cNvPr>
+          <p:cNvSpPr>
+            <a:spLocks noGrp="1"/>
+          </p:cNvSpPr>
+          <p:nvPr>
+            <p:ph idx="1"/>
+          </p:nvPr>
+        </p:nvSpPr>
+        <p:spPr/>
+        <p:txBody>
+          <a:bodyPr>
+            <a:normAutofit/>
+          </a:bodyPr>
+          <a:lstStyle/>
+          <a:p>
             <a:endParaRPr lang="zh-TW" altLang="en-US" dirty="0"/>
           </a:p>
         </p:txBody>
       </p:sp>
-      <p:sp>
-        <p:nvSpPr>
-          <p:cNvPr id="3" name="內容版面配置區 2">
-            <a:extLst>
-              <a:ext uri="{FF2B5EF4-FFF2-40B4-BE49-F238E27FC236}">
-                <a16:creationId xmlns:a16="http://schemas.microsoft.com/office/drawing/2014/main" id="{FB2F8C4B-A1E5-42DA-B706-3134322A9E30}"/>
-              </a:ext>
-            </a:extLst>
-          </p:cNvPr>
-          <p:cNvSpPr>
-            <a:spLocks noGrp="1"/>
-          </p:cNvSpPr>
-          <p:nvPr>
-            <p:ph idx="1"/>
-          </p:nvPr>
-        </p:nvSpPr>
+      <p:pic>
+        <p:nvPicPr>
+          <p:cNvPr id="7" name="圖片 6">
+            <a:extLst>
+              <a:ext uri="{FF2B5EF4-FFF2-40B4-BE49-F238E27FC236}">
+                <a16:creationId xmlns:a16="http://schemas.microsoft.com/office/drawing/2014/main" id="{D03360D8-0A34-4B9B-8EDF-94EF768549C8}"/>
+              </a:ext>
+            </a:extLst>
+          </p:cNvPr>
+          <p:cNvPicPr>
+            <a:picLocks noChangeAspect="1"/>
+          </p:cNvPicPr>
+          <p:nvPr/>
+        </p:nvPicPr>
+        <p:blipFill>
+          <a:blip r:embed="rId2"/>
+          <a:stretch>
+            <a:fillRect/>
+          </a:stretch>
+        </p:blipFill>
         <p:spPr>
           <a:xfrm>
-            <a:off x="838200" y="1531939"/>
-            <a:ext cx="10515600" cy="5030787"/>
+            <a:off x="5694218" y="4657914"/>
+            <a:ext cx="6497782" cy="2099352"/>
           </a:xfrm>
+          <a:prstGeom prst="rect">
+            <a:avLst/>
+          </a:prstGeom>
         </p:spPr>
-        <p:txBody>
-          <a:bodyPr>
-            <a:normAutofit fontScale="92500" lnSpcReduction="10000"/>
-          </a:bodyPr>
-          <a:lstStyle/>
-          <a:p>
-            <a:r>
-              <a:rPr lang="en-US" altLang="zh-TW" dirty="0"/>
-              <a:t>About passive handover:</a:t>
-            </a:r>
-          </a:p>
-          <a:p>
-            <a:endParaRPr lang="en-US" altLang="zh-TW" dirty="0"/>
-          </a:p>
-          <a:p>
-            <a:r>
-              <a:rPr lang="en-US" altLang="zh-TW" dirty="0"/>
-              <a:t>A BLE connection is terminated naturally after the supervision timeout has timed out. Only then, the BLE peripheral attempts to set up a new connection by advertising its presence using BLE advertisements.</a:t>
-            </a:r>
-          </a:p>
-          <a:p>
-            <a:endParaRPr lang="en-US" altLang="zh-TW" dirty="0"/>
-          </a:p>
-          <a:p>
-            <a:r>
-              <a:rPr lang="en-US" altLang="zh-TW" dirty="0"/>
-              <a:t>When using the passive handover approach, a connection to a new and better GW will only be established when the previous connection was completely broken, i.e. when no traffic could be sent during the supervision timeout range. </a:t>
-            </a:r>
-          </a:p>
-          <a:p>
-            <a:endParaRPr lang="en-US" altLang="zh-TW" dirty="0"/>
-          </a:p>
-          <a:p>
-            <a:r>
-              <a:rPr lang="en-US" altLang="zh-TW" dirty="0"/>
-              <a:t>As such, it might happen that a peripheral remains connected even when the link quality becomes very poor.</a:t>
-            </a:r>
-            <a:endParaRPr lang="zh-TW" altLang="en-US" dirty="0"/>
-          </a:p>
-        </p:txBody>
-      </p:sp>
-      <p:sp>
-        <p:nvSpPr>
-          <p:cNvPr id="4" name="投影片編號版面配置區 3">
-            <a:extLst>
-              <a:ext uri="{FF2B5EF4-FFF2-40B4-BE49-F238E27FC236}">
-                <a16:creationId xmlns:a16="http://schemas.microsoft.com/office/drawing/2014/main" id="{D343627B-A794-4656-8F31-A526720248C0}"/>
+      </p:pic>
+      <p:sp>
+        <p:nvSpPr>
+          <p:cNvPr id="9" name="投影片編號版面配置區 8">
+            <a:extLst>
+              <a:ext uri="{FF2B5EF4-FFF2-40B4-BE49-F238E27FC236}">
+                <a16:creationId xmlns:a16="http://schemas.microsoft.com/office/drawing/2014/main" id="{3A06F46F-6C62-467F-8344-A07ED9AE7ACE}"/>
               </a:ext>
             </a:extLst>
           </p:cNvPr>
@@ -8449,7 +8851,7 @@
     </p:spTree>
     <p:extLst>
       <p:ext uri="{BB962C8B-B14F-4D97-AF65-F5344CB8AC3E}">
-        <p14:creationId xmlns:p14="http://schemas.microsoft.com/office/powerpoint/2010/main" val="144322529"/>
+        <p14:creationId xmlns:p14="http://schemas.microsoft.com/office/powerpoint/2010/main" val="1645637635"/>
       </p:ext>
     </p:extLst>
   </p:cSld>
@@ -8481,7 +8883,7 @@
           <p:cNvPr id="2" name="標題 1">
             <a:extLst>
               <a:ext uri="{FF2B5EF4-FFF2-40B4-BE49-F238E27FC236}">
-                <a16:creationId xmlns:a16="http://schemas.microsoft.com/office/drawing/2014/main" id="{A695901F-B45F-471B-B1C2-E603D8500264}"/>
+                <a16:creationId xmlns:a16="http://schemas.microsoft.com/office/drawing/2014/main" id="{14B7E57E-D063-41EF-A857-5628A20B75BC}"/>
               </a:ext>
             </a:extLst>
           </p:cNvPr>
@@ -8499,70 +8901,74 @@
           <a:p>
             <a:r>
               <a:rPr lang="en-US" altLang="zh-TW" dirty="0"/>
-              <a:t>Handover approaches(cont’d)</a:t>
-            </a:r>
+              <a:t>Primer on BLE and BLE over IPv6(cont’d)</a:t>
+            </a:r>
+          </a:p>
+        </p:txBody>
+      </p:sp>
+      <p:sp>
+        <p:nvSpPr>
+          <p:cNvPr id="3" name="內容版面配置區 2">
+            <a:extLst>
+              <a:ext uri="{FF2B5EF4-FFF2-40B4-BE49-F238E27FC236}">
+                <a16:creationId xmlns:a16="http://schemas.microsoft.com/office/drawing/2014/main" id="{E616DA40-9E29-4C7C-A28F-3857701A0286}"/>
+              </a:ext>
+            </a:extLst>
+          </p:cNvPr>
+          <p:cNvSpPr>
+            <a:spLocks noGrp="1"/>
+          </p:cNvSpPr>
+          <p:nvPr>
+            <p:ph idx="1"/>
+          </p:nvPr>
+        </p:nvSpPr>
+        <p:spPr/>
+        <p:txBody>
+          <a:bodyPr>
+            <a:normAutofit/>
+          </a:bodyPr>
+          <a:lstStyle/>
+          <a:p>
             <a:endParaRPr lang="zh-TW" altLang="en-US" dirty="0"/>
           </a:p>
         </p:txBody>
       </p:sp>
-      <p:sp>
-        <p:nvSpPr>
-          <p:cNvPr id="3" name="內容版面配置區 2">
-            <a:extLst>
-              <a:ext uri="{FF2B5EF4-FFF2-40B4-BE49-F238E27FC236}">
-                <a16:creationId xmlns:a16="http://schemas.microsoft.com/office/drawing/2014/main" id="{FB2F8C4B-A1E5-42DA-B706-3134322A9E30}"/>
-              </a:ext>
-            </a:extLst>
-          </p:cNvPr>
-          <p:cNvSpPr>
-            <a:spLocks noGrp="1"/>
-          </p:cNvSpPr>
-          <p:nvPr>
-            <p:ph idx="1"/>
-          </p:nvPr>
-        </p:nvSpPr>
+      <p:pic>
+        <p:nvPicPr>
+          <p:cNvPr id="7" name="圖片 6">
+            <a:extLst>
+              <a:ext uri="{FF2B5EF4-FFF2-40B4-BE49-F238E27FC236}">
+                <a16:creationId xmlns:a16="http://schemas.microsoft.com/office/drawing/2014/main" id="{D03360D8-0A34-4B9B-8EDF-94EF768549C8}"/>
+              </a:ext>
+            </a:extLst>
+          </p:cNvPr>
+          <p:cNvPicPr>
+            <a:picLocks noChangeAspect="1"/>
+          </p:cNvPicPr>
+          <p:nvPr/>
+        </p:nvPicPr>
+        <p:blipFill>
+          <a:blip r:embed="rId2"/>
+          <a:stretch>
+            <a:fillRect/>
+          </a:stretch>
+        </p:blipFill>
         <p:spPr>
           <a:xfrm>
-            <a:off x="838200" y="1587500"/>
-            <a:ext cx="10515600" cy="4351338"/>
+            <a:off x="5694218" y="4657914"/>
+            <a:ext cx="6497782" cy="2099352"/>
           </a:xfrm>
+          <a:prstGeom prst="rect">
+            <a:avLst/>
+          </a:prstGeom>
         </p:spPr>
-        <p:txBody>
-          <a:bodyPr/>
-          <a:lstStyle/>
-          <a:p>
-            <a:r>
-              <a:rPr lang="en-US" altLang="zh-TW" dirty="0"/>
-              <a:t>About active handover :</a:t>
-            </a:r>
-          </a:p>
-          <a:p>
-            <a:endParaRPr lang="en-US" altLang="zh-TW" dirty="0"/>
-          </a:p>
-          <a:p>
-            <a:r>
-              <a:rPr lang="en-US" altLang="zh-TW" dirty="0"/>
-              <a:t>The BLE peripheral maintains an advertiser role at all times.</a:t>
-            </a:r>
-          </a:p>
-          <a:p>
-            <a:endParaRPr lang="en-US" altLang="zh-TW" dirty="0"/>
-          </a:p>
-          <a:p>
-            <a:r>
-              <a:rPr lang="en-US" altLang="zh-TW" dirty="0"/>
-              <a:t>The IoT GWs use these periodic BLE advertisements to derive a Received Signal Strength Indicator (RSSI).</a:t>
-            </a:r>
-            <a:endParaRPr lang="zh-TW" altLang="en-US" dirty="0"/>
-          </a:p>
-        </p:txBody>
-      </p:sp>
+      </p:pic>
       <p:sp>
         <p:nvSpPr>
           <p:cNvPr id="4" name="投影片編號版面配置區 3">
             <a:extLst>
               <a:ext uri="{FF2B5EF4-FFF2-40B4-BE49-F238E27FC236}">
-                <a16:creationId xmlns:a16="http://schemas.microsoft.com/office/drawing/2014/main" id="{D343627B-A794-4656-8F31-A526720248C0}"/>
+                <a16:creationId xmlns:a16="http://schemas.microsoft.com/office/drawing/2014/main" id="{46943CDC-E158-4BE6-85D8-16B7649A4F4B}"/>
               </a:ext>
             </a:extLst>
           </p:cNvPr>
@@ -8589,7 +8995,7 @@
     </p:spTree>
     <p:extLst>
       <p:ext uri="{BB962C8B-B14F-4D97-AF65-F5344CB8AC3E}">
-        <p14:creationId xmlns:p14="http://schemas.microsoft.com/office/powerpoint/2010/main" val="4015015826"/>
+        <p14:creationId xmlns:p14="http://schemas.microsoft.com/office/powerpoint/2010/main" val="4124350203"/>
       </p:ext>
     </p:extLst>
   </p:cSld>
@@ -8621,7 +9027,7 @@
           <p:cNvPr id="2" name="標題 1">
             <a:extLst>
               <a:ext uri="{FF2B5EF4-FFF2-40B4-BE49-F238E27FC236}">
-                <a16:creationId xmlns:a16="http://schemas.microsoft.com/office/drawing/2014/main" id="{A695901F-B45F-471B-B1C2-E603D8500264}"/>
+                <a16:creationId xmlns:a16="http://schemas.microsoft.com/office/drawing/2014/main" id="{7226E6A7-FE05-4917-A87E-7BF8BF0EBEEE}"/>
               </a:ext>
             </a:extLst>
           </p:cNvPr>
@@ -8634,75 +9040,50 @@
         </p:nvSpPr>
         <p:spPr/>
         <p:txBody>
-          <a:bodyPr/>
-          <a:lstStyle/>
-          <a:p>
-            <a:r>
-              <a:rPr lang="en-US" altLang="zh-TW" dirty="0"/>
-              <a:t>Handover approaches(cont’d)</a:t>
-            </a:r>
+          <a:bodyPr>
+            <a:normAutofit/>
+          </a:bodyPr>
+          <a:lstStyle/>
+          <a:p>
+            <a:r>
+              <a:rPr lang="en-US" altLang="zh-TW" sz="4000" dirty="0"/>
+              <a:t>A BLE-based multi-Gateway network infrastructure</a:t>
+            </a:r>
+            <a:endParaRPr lang="zh-TW" altLang="en-US" sz="4000" dirty="0"/>
+          </a:p>
+        </p:txBody>
+      </p:sp>
+      <p:sp>
+        <p:nvSpPr>
+          <p:cNvPr id="3" name="內容版面配置區 2">
+            <a:extLst>
+              <a:ext uri="{FF2B5EF4-FFF2-40B4-BE49-F238E27FC236}">
+                <a16:creationId xmlns:a16="http://schemas.microsoft.com/office/drawing/2014/main" id="{B1577AE8-6F11-40A6-B00F-FB48852FCF33}"/>
+              </a:ext>
+            </a:extLst>
+          </p:cNvPr>
+          <p:cNvSpPr>
+            <a:spLocks noGrp="1"/>
+          </p:cNvSpPr>
+          <p:nvPr>
+            <p:ph idx="1"/>
+          </p:nvPr>
+        </p:nvSpPr>
+        <p:spPr/>
+        <p:txBody>
+          <a:bodyPr/>
+          <a:lstStyle/>
+          <a:p>
             <a:endParaRPr lang="zh-TW" altLang="en-US" dirty="0"/>
           </a:p>
         </p:txBody>
       </p:sp>
       <p:sp>
         <p:nvSpPr>
-          <p:cNvPr id="3" name="內容版面配置區 2">
-            <a:extLst>
-              <a:ext uri="{FF2B5EF4-FFF2-40B4-BE49-F238E27FC236}">
-                <a16:creationId xmlns:a16="http://schemas.microsoft.com/office/drawing/2014/main" id="{FB2F8C4B-A1E5-42DA-B706-3134322A9E30}"/>
-              </a:ext>
-            </a:extLst>
-          </p:cNvPr>
-          <p:cNvSpPr>
-            <a:spLocks noGrp="1"/>
-          </p:cNvSpPr>
-          <p:nvPr>
-            <p:ph idx="1"/>
-          </p:nvPr>
-        </p:nvSpPr>
-        <p:spPr>
-          <a:xfrm>
-            <a:off x="838200" y="1587500"/>
-            <a:ext cx="10515600" cy="4351338"/>
-          </a:xfrm>
-        </p:spPr>
-        <p:txBody>
-          <a:bodyPr/>
-          <a:lstStyle/>
-          <a:p>
-            <a:r>
-              <a:rPr lang="en-US" altLang="zh-TW" dirty="0"/>
-              <a:t>All collected RSSI values are forwarded to the controller. </a:t>
-            </a:r>
-          </a:p>
-          <a:p>
-            <a:endParaRPr lang="en-US" altLang="zh-TW" dirty="0"/>
-          </a:p>
-          <a:p>
-            <a:r>
-              <a:rPr lang="en-US" altLang="zh-TW" dirty="0"/>
-              <a:t>The controller maintains a mapping table between the received RSSI values and the associated IoT GW and BLE peripheral. </a:t>
-            </a:r>
-          </a:p>
-          <a:p>
-            <a:endParaRPr lang="en-US" altLang="zh-TW" dirty="0"/>
-          </a:p>
-          <a:p>
-            <a:r>
-              <a:rPr lang="en-US" altLang="zh-TW" dirty="0"/>
-              <a:t>Concurrently, this mapping table is used to monitor the current state of the BLE connections and decides whether a specific BLE peripheral should handover to another IoT GW.</a:t>
-            </a:r>
-            <a:endParaRPr lang="zh-TW" altLang="en-US" dirty="0"/>
-          </a:p>
-        </p:txBody>
-      </p:sp>
-      <p:sp>
-        <p:nvSpPr>
           <p:cNvPr id="4" name="投影片編號版面配置區 3">
             <a:extLst>
               <a:ext uri="{FF2B5EF4-FFF2-40B4-BE49-F238E27FC236}">
-                <a16:creationId xmlns:a16="http://schemas.microsoft.com/office/drawing/2014/main" id="{D343627B-A794-4656-8F31-A526720248C0}"/>
+                <a16:creationId xmlns:a16="http://schemas.microsoft.com/office/drawing/2014/main" id="{F1B9E5FA-CA35-4088-BDA1-B595C36087CD}"/>
               </a:ext>
             </a:extLst>
           </p:cNvPr>
@@ -8729,7 +9110,7 @@
     </p:spTree>
     <p:extLst>
       <p:ext uri="{BB962C8B-B14F-4D97-AF65-F5344CB8AC3E}">
-        <p14:creationId xmlns:p14="http://schemas.microsoft.com/office/powerpoint/2010/main" val="1372114980"/>
+        <p14:creationId xmlns:p14="http://schemas.microsoft.com/office/powerpoint/2010/main" val="3228553280"/>
       </p:ext>
     </p:extLst>
   </p:cSld>

--- a/A BLE-based multi-gateway network infrastructure with handover support for mobile BLE peripherals.pptx
+++ b/A BLE-based multi-gateway network infrastructure with handover support for mobile BLE peripherals.pptx
@@ -5,7 +5,7 @@
     <p:sldMasterId id="2147483648" r:id="rId1"/>
   </p:sldMasterIdLst>
   <p:notesMasterIdLst>
-    <p:notesMasterId r:id="rId36"/>
+    <p:notesMasterId r:id="rId43"/>
   </p:notesMasterIdLst>
   <p:sldIdLst>
     <p:sldId id="256" r:id="rId2"/>
@@ -16,32 +16,39 @@
     <p:sldId id="264" r:id="rId7"/>
     <p:sldId id="265" r:id="rId8"/>
     <p:sldId id="266" r:id="rId9"/>
-    <p:sldId id="288" r:id="rId10"/>
-    <p:sldId id="282" r:id="rId11"/>
-    <p:sldId id="283" r:id="rId12"/>
-    <p:sldId id="284" r:id="rId13"/>
-    <p:sldId id="285" r:id="rId14"/>
-    <p:sldId id="286" r:id="rId15"/>
-    <p:sldId id="287" r:id="rId16"/>
-    <p:sldId id="281" r:id="rId17"/>
-    <p:sldId id="268" r:id="rId18"/>
-    <p:sldId id="269" r:id="rId19"/>
-    <p:sldId id="272" r:id="rId20"/>
-    <p:sldId id="274" r:id="rId21"/>
-    <p:sldId id="271" r:id="rId22"/>
-    <p:sldId id="273" r:id="rId23"/>
-    <p:sldId id="270" r:id="rId24"/>
-    <p:sldId id="275" r:id="rId25"/>
-    <p:sldId id="276" r:id="rId26"/>
-    <p:sldId id="279" r:id="rId27"/>
-    <p:sldId id="280" r:id="rId28"/>
-    <p:sldId id="277" r:id="rId29"/>
-    <p:sldId id="278" r:id="rId30"/>
-    <p:sldId id="260" r:id="rId31"/>
-    <p:sldId id="261" r:id="rId32"/>
-    <p:sldId id="262" r:id="rId33"/>
-    <p:sldId id="263" r:id="rId34"/>
-    <p:sldId id="258" r:id="rId35"/>
+    <p:sldId id="291" r:id="rId10"/>
+    <p:sldId id="292" r:id="rId11"/>
+    <p:sldId id="288" r:id="rId12"/>
+    <p:sldId id="294" r:id="rId13"/>
+    <p:sldId id="295" r:id="rId14"/>
+    <p:sldId id="296" r:id="rId15"/>
+    <p:sldId id="297" r:id="rId16"/>
+    <p:sldId id="298" r:id="rId17"/>
+    <p:sldId id="282" r:id="rId18"/>
+    <p:sldId id="283" r:id="rId19"/>
+    <p:sldId id="284" r:id="rId20"/>
+    <p:sldId id="285" r:id="rId21"/>
+    <p:sldId id="286" r:id="rId22"/>
+    <p:sldId id="287" r:id="rId23"/>
+    <p:sldId id="281" r:id="rId24"/>
+    <p:sldId id="268" r:id="rId25"/>
+    <p:sldId id="269" r:id="rId26"/>
+    <p:sldId id="272" r:id="rId27"/>
+    <p:sldId id="274" r:id="rId28"/>
+    <p:sldId id="271" r:id="rId29"/>
+    <p:sldId id="273" r:id="rId30"/>
+    <p:sldId id="270" r:id="rId31"/>
+    <p:sldId id="275" r:id="rId32"/>
+    <p:sldId id="276" r:id="rId33"/>
+    <p:sldId id="279" r:id="rId34"/>
+    <p:sldId id="280" r:id="rId35"/>
+    <p:sldId id="277" r:id="rId36"/>
+    <p:sldId id="278" r:id="rId37"/>
+    <p:sldId id="260" r:id="rId38"/>
+    <p:sldId id="261" r:id="rId39"/>
+    <p:sldId id="262" r:id="rId40"/>
+    <p:sldId id="263" r:id="rId41"/>
+    <p:sldId id="258" r:id="rId42"/>
   </p:sldIdLst>
   <p:sldSz cx="12192000" cy="6858000"/>
   <p:notesSz cx="6858000" cy="9144000"/>
@@ -569,7 +576,7 @@
           <a:p>
             <a:fld id="{48C17303-7880-4EB0-BBD6-662AD90969CD}" type="slidenum">
               <a:rPr lang="zh-TW" altLang="en-US" smtClean="0"/>
-              <a:t>18</a:t>
+              <a:t>25</a:t>
             </a:fld>
             <a:endParaRPr lang="zh-TW" altLang="en-US"/>
           </a:p>
@@ -672,7 +679,7 @@
           <a:p>
             <a:fld id="{48C17303-7880-4EB0-BBD6-662AD90969CD}" type="slidenum">
               <a:rPr lang="zh-TW" altLang="en-US" smtClean="0"/>
-              <a:t>20</a:t>
+              <a:t>27</a:t>
             </a:fld>
             <a:endParaRPr lang="zh-TW" altLang="en-US"/>
           </a:p>
@@ -763,7 +770,7 @@
           <a:p>
             <a:fld id="{48C17303-7880-4EB0-BBD6-662AD90969CD}" type="slidenum">
               <a:rPr lang="zh-TW" altLang="en-US" smtClean="0"/>
-              <a:t>27</a:t>
+              <a:t>34</a:t>
             </a:fld>
             <a:endParaRPr lang="zh-TW" altLang="en-US"/>
           </a:p>
@@ -4119,7 +4126,7 @@
           <p:cNvPr id="2" name="標題 1">
             <a:extLst>
               <a:ext uri="{FF2B5EF4-FFF2-40B4-BE49-F238E27FC236}">
-                <a16:creationId xmlns:a16="http://schemas.microsoft.com/office/drawing/2014/main" id="{A695901F-B45F-471B-B1C2-E603D8500264}"/>
+                <a16:creationId xmlns:a16="http://schemas.microsoft.com/office/drawing/2014/main" id="{14B7E57E-D063-41EF-A857-5628A20B75BC}"/>
               </a:ext>
             </a:extLst>
           </p:cNvPr>
@@ -4137,7 +4144,46 @@
           <a:p>
             <a:r>
               <a:rPr lang="en-US" altLang="zh-TW" dirty="0"/>
-              <a:t>Handover approaches</a:t>
+              <a:t>Primer on BLE and BLE over IPv6(cont’d)</a:t>
+            </a:r>
+          </a:p>
+        </p:txBody>
+      </p:sp>
+      <p:sp>
+        <p:nvSpPr>
+          <p:cNvPr id="3" name="內容版面配置區 2">
+            <a:extLst>
+              <a:ext uri="{FF2B5EF4-FFF2-40B4-BE49-F238E27FC236}">
+                <a16:creationId xmlns:a16="http://schemas.microsoft.com/office/drawing/2014/main" id="{E616DA40-9E29-4C7C-A28F-3857701A0286}"/>
+              </a:ext>
+            </a:extLst>
+          </p:cNvPr>
+          <p:cNvSpPr>
+            <a:spLocks noGrp="1"/>
+          </p:cNvSpPr>
+          <p:nvPr>
+            <p:ph idx="1"/>
+          </p:nvPr>
+        </p:nvSpPr>
+        <p:spPr/>
+        <p:txBody>
+          <a:bodyPr>
+            <a:normAutofit/>
+          </a:bodyPr>
+          <a:lstStyle/>
+          <a:p>
+            <a:r>
+              <a:rPr lang="en-US" altLang="zh-TW" dirty="0"/>
+              <a:t>The BLE central acts as 6LoWPAN border router (6LBR) and one or more BLE peripherals as 6LoWPAN nodes (6LN), resulting in an isolated IPv6 over BLE subnet.</a:t>
+            </a:r>
+          </a:p>
+          <a:p>
+            <a:endParaRPr lang="en-US" altLang="zh-TW" dirty="0"/>
+          </a:p>
+          <a:p>
+            <a:r>
+              <a:rPr lang="en-US" altLang="zh-TW" dirty="0"/>
+              <a:t>The 6LoWPAN border router can also be connected to the Internet, ultimately allowing end-to-end IPv6 connectivity between a BLE peripheral and any application server on the Internet.</a:t>
             </a:r>
             <a:endParaRPr lang="zh-TW" altLang="en-US" dirty="0"/>
           </a:p>
@@ -4145,73 +4191,10 @@
       </p:sp>
       <p:sp>
         <p:nvSpPr>
-          <p:cNvPr id="3" name="內容版面配置區 2">
-            <a:extLst>
-              <a:ext uri="{FF2B5EF4-FFF2-40B4-BE49-F238E27FC236}">
-                <a16:creationId xmlns:a16="http://schemas.microsoft.com/office/drawing/2014/main" id="{FB2F8C4B-A1E5-42DA-B706-3134322A9E30}"/>
-              </a:ext>
-            </a:extLst>
-          </p:cNvPr>
-          <p:cNvSpPr>
-            <a:spLocks noGrp="1"/>
-          </p:cNvSpPr>
-          <p:nvPr>
-            <p:ph idx="1"/>
-          </p:nvPr>
-        </p:nvSpPr>
-        <p:spPr>
-          <a:xfrm>
-            <a:off x="838200" y="1531939"/>
-            <a:ext cx="10515600" cy="5030787"/>
-          </a:xfrm>
-        </p:spPr>
-        <p:txBody>
-          <a:bodyPr>
-            <a:normAutofit fontScale="92500" lnSpcReduction="10000"/>
-          </a:bodyPr>
-          <a:lstStyle/>
-          <a:p>
-            <a:r>
-              <a:rPr lang="en-US" altLang="zh-TW" dirty="0"/>
-              <a:t>About passive handover:</a:t>
-            </a:r>
-          </a:p>
-          <a:p>
-            <a:endParaRPr lang="en-US" altLang="zh-TW" dirty="0"/>
-          </a:p>
-          <a:p>
-            <a:r>
-              <a:rPr lang="en-US" altLang="zh-TW" dirty="0"/>
-              <a:t>A BLE connection is terminated naturally after the supervision timeout has timed out. Only then, the BLE peripheral attempts to set up a new connection by advertising its presence using BLE advertisements.</a:t>
-            </a:r>
-          </a:p>
-          <a:p>
-            <a:endParaRPr lang="en-US" altLang="zh-TW" dirty="0"/>
-          </a:p>
-          <a:p>
-            <a:r>
-              <a:rPr lang="en-US" altLang="zh-TW" dirty="0"/>
-              <a:t>When using the passive handover approach, a connection to a new and better GW will only be established when the previous connection was completely broken, i.e. when no traffic could be sent during the supervision timeout range. </a:t>
-            </a:r>
-          </a:p>
-          <a:p>
-            <a:endParaRPr lang="en-US" altLang="zh-TW" dirty="0"/>
-          </a:p>
-          <a:p>
-            <a:r>
-              <a:rPr lang="en-US" altLang="zh-TW" dirty="0"/>
-              <a:t>As such, it might happen that a peripheral remains connected even when the link quality becomes very poor.</a:t>
-            </a:r>
-            <a:endParaRPr lang="zh-TW" altLang="en-US" dirty="0"/>
-          </a:p>
-        </p:txBody>
-      </p:sp>
-      <p:sp>
-        <p:nvSpPr>
           <p:cNvPr id="4" name="投影片編號版面配置區 3">
             <a:extLst>
               <a:ext uri="{FF2B5EF4-FFF2-40B4-BE49-F238E27FC236}">
-                <a16:creationId xmlns:a16="http://schemas.microsoft.com/office/drawing/2014/main" id="{D343627B-A794-4656-8F31-A526720248C0}"/>
+                <a16:creationId xmlns:a16="http://schemas.microsoft.com/office/drawing/2014/main" id="{46943CDC-E158-4BE6-85D8-16B7649A4F4B}"/>
               </a:ext>
             </a:extLst>
           </p:cNvPr>
@@ -4238,7 +4221,7 @@
     </p:spTree>
     <p:extLst>
       <p:ext uri="{BB962C8B-B14F-4D97-AF65-F5344CB8AC3E}">
-        <p14:creationId xmlns:p14="http://schemas.microsoft.com/office/powerpoint/2010/main" val="144322529"/>
+        <p14:creationId xmlns:p14="http://schemas.microsoft.com/office/powerpoint/2010/main" val="1765233339"/>
       </p:ext>
     </p:extLst>
   </p:cSld>
@@ -4270,7 +4253,7 @@
           <p:cNvPr id="2" name="標題 1">
             <a:extLst>
               <a:ext uri="{FF2B5EF4-FFF2-40B4-BE49-F238E27FC236}">
-                <a16:creationId xmlns:a16="http://schemas.microsoft.com/office/drawing/2014/main" id="{A695901F-B45F-471B-B1C2-E603D8500264}"/>
+                <a16:creationId xmlns:a16="http://schemas.microsoft.com/office/drawing/2014/main" id="{7226E6A7-FE05-4917-A87E-7BF8BF0EBEEE}"/>
               </a:ext>
             </a:extLst>
           </p:cNvPr>
@@ -4283,14 +4266,16 @@
         </p:nvSpPr>
         <p:spPr/>
         <p:txBody>
-          <a:bodyPr/>
-          <a:lstStyle/>
-          <a:p>
-            <a:r>
-              <a:rPr lang="en-US" altLang="zh-TW" dirty="0"/>
-              <a:t>Handover approaches(cont’d)</a:t>
-            </a:r>
-            <a:endParaRPr lang="zh-TW" altLang="en-US" dirty="0"/>
+          <a:bodyPr>
+            <a:normAutofit/>
+          </a:bodyPr>
+          <a:lstStyle/>
+          <a:p>
+            <a:r>
+              <a:rPr lang="en-US" altLang="zh-TW" sz="4000" dirty="0"/>
+              <a:t>A BLE-based multi-Gateway network infrastructure</a:t>
+            </a:r>
+            <a:endParaRPr lang="zh-TW" altLang="en-US" sz="4000" dirty="0"/>
           </a:p>
         </p:txBody>
       </p:sp>
@@ -4299,7 +4284,7 @@
           <p:cNvPr id="3" name="內容版面配置區 2">
             <a:extLst>
               <a:ext uri="{FF2B5EF4-FFF2-40B4-BE49-F238E27FC236}">
-                <a16:creationId xmlns:a16="http://schemas.microsoft.com/office/drawing/2014/main" id="{FB2F8C4B-A1E5-42DA-B706-3134322A9E30}"/>
+                <a16:creationId xmlns:a16="http://schemas.microsoft.com/office/drawing/2014/main" id="{B1577AE8-6F11-40A6-B00F-FB48852FCF33}"/>
               </a:ext>
             </a:extLst>
           </p:cNvPr>
@@ -4310,19 +4295,14 @@
             <p:ph idx="1"/>
           </p:nvPr>
         </p:nvSpPr>
-        <p:spPr>
-          <a:xfrm>
-            <a:off x="838200" y="1587500"/>
-            <a:ext cx="10515600" cy="4351338"/>
-          </a:xfrm>
-        </p:spPr>
-        <p:txBody>
-          <a:bodyPr/>
-          <a:lstStyle/>
-          <a:p>
-            <a:r>
-              <a:rPr lang="en-US" altLang="zh-TW" dirty="0"/>
-              <a:t>About active handover :</a:t>
+        <p:spPr/>
+        <p:txBody>
+          <a:bodyPr/>
+          <a:lstStyle/>
+          <a:p>
+            <a:r>
+              <a:rPr lang="en-US" altLang="zh-TW" dirty="0"/>
+              <a:t>For the design of our BLE-based multi-GW network infrastructure, this paper considers two variants.</a:t>
             </a:r>
           </a:p>
           <a:p>
@@ -4331,18 +4311,8 @@
           <a:p>
             <a:r>
               <a:rPr lang="en-US" altLang="zh-TW" dirty="0"/>
-              <a:t>The BLE peripheral maintains an advertiser role at all times.</a:t>
-            </a:r>
-          </a:p>
-          <a:p>
-            <a:endParaRPr lang="en-US" altLang="zh-TW" dirty="0"/>
-          </a:p>
-          <a:p>
-            <a:r>
-              <a:rPr lang="en-US" altLang="zh-TW" dirty="0"/>
-              <a:t>The IoT GWs use these periodic BLE advertisements to derive a Received Signal Strength Indicator (RSSI).</a:t>
-            </a:r>
-            <a:endParaRPr lang="zh-TW" altLang="en-US" dirty="0"/>
+              <a:t>Further called IP and non-IP, should be able to achieve seamless handover within the network of IoT gateways. </a:t>
+            </a:r>
           </a:p>
         </p:txBody>
       </p:sp>
@@ -4351,7 +4321,7 @@
           <p:cNvPr id="4" name="投影片編號版面配置區 3">
             <a:extLst>
               <a:ext uri="{FF2B5EF4-FFF2-40B4-BE49-F238E27FC236}">
-                <a16:creationId xmlns:a16="http://schemas.microsoft.com/office/drawing/2014/main" id="{D343627B-A794-4656-8F31-A526720248C0}"/>
+                <a16:creationId xmlns:a16="http://schemas.microsoft.com/office/drawing/2014/main" id="{F1B9E5FA-CA35-4088-BDA1-B595C36087CD}"/>
               </a:ext>
             </a:extLst>
           </p:cNvPr>
@@ -4378,7 +4348,7 @@
     </p:spTree>
     <p:extLst>
       <p:ext uri="{BB962C8B-B14F-4D97-AF65-F5344CB8AC3E}">
-        <p14:creationId xmlns:p14="http://schemas.microsoft.com/office/powerpoint/2010/main" val="4015015826"/>
+        <p14:creationId xmlns:p14="http://schemas.microsoft.com/office/powerpoint/2010/main" val="3228553280"/>
       </p:ext>
     </p:extLst>
   </p:cSld>
@@ -4407,82 +4377,142 @@
       </p:grpSpPr>
       <p:sp>
         <p:nvSpPr>
-          <p:cNvPr id="2" name="標題 1">
-            <a:extLst>
-              <a:ext uri="{FF2B5EF4-FFF2-40B4-BE49-F238E27FC236}">
-                <a16:creationId xmlns:a16="http://schemas.microsoft.com/office/drawing/2014/main" id="{A695901F-B45F-471B-B1C2-E603D8500264}"/>
-              </a:ext>
-            </a:extLst>
-          </p:cNvPr>
-          <p:cNvSpPr>
-            <a:spLocks noGrp="1"/>
-          </p:cNvSpPr>
-          <p:nvPr>
-            <p:ph type="title"/>
-          </p:nvPr>
-        </p:nvSpPr>
-        <p:spPr/>
-        <p:txBody>
-          <a:bodyPr/>
-          <a:lstStyle/>
-          <a:p>
-            <a:r>
-              <a:rPr lang="en-US" altLang="zh-TW" dirty="0"/>
-              <a:t>Handover approaches(cont’d)</a:t>
-            </a:r>
-            <a:endParaRPr lang="zh-TW" altLang="en-US" dirty="0"/>
-          </a:p>
-        </p:txBody>
-      </p:sp>
-      <p:sp>
-        <p:nvSpPr>
           <p:cNvPr id="3" name="內容版面配置區 2">
             <a:extLst>
               <a:ext uri="{FF2B5EF4-FFF2-40B4-BE49-F238E27FC236}">
-                <a16:creationId xmlns:a16="http://schemas.microsoft.com/office/drawing/2014/main" id="{FB2F8C4B-A1E5-42DA-B706-3134322A9E30}"/>
-              </a:ext>
-            </a:extLst>
-          </p:cNvPr>
-          <p:cNvSpPr>
-            <a:spLocks noGrp="1"/>
-          </p:cNvSpPr>
-          <p:nvPr>
-            <p:ph idx="1"/>
+                <a16:creationId xmlns:a16="http://schemas.microsoft.com/office/drawing/2014/main" id="{B3DF6E85-2BA3-4D22-9F39-B4A5D2453F97}"/>
+              </a:ext>
+            </a:extLst>
+          </p:cNvPr>
+          <p:cNvSpPr>
+            <a:spLocks noGrp="1"/>
+          </p:cNvSpPr>
+          <p:nvPr>
+            <p:ph sz="half" idx="2"/>
           </p:nvPr>
         </p:nvSpPr>
         <p:spPr>
           <a:xfrm>
-            <a:off x="838200" y="1587500"/>
-            <a:ext cx="10515600" cy="4351338"/>
+            <a:off x="5812603" y="136524"/>
+            <a:ext cx="6309993" cy="6721475"/>
           </a:xfrm>
         </p:spPr>
         <p:txBody>
-          <a:bodyPr/>
-          <a:lstStyle/>
-          <a:p>
-            <a:r>
-              <a:rPr lang="en-US" altLang="zh-TW" dirty="0"/>
-              <a:t>All collected RSSI values are forwarded to the controller. </a:t>
-            </a:r>
-          </a:p>
-          <a:p>
-            <a:endParaRPr lang="en-US" altLang="zh-TW" dirty="0"/>
-          </a:p>
-          <a:p>
-            <a:r>
-              <a:rPr lang="en-US" altLang="zh-TW" dirty="0"/>
-              <a:t>The controller maintains a mapping table between the received RSSI values and the associated IoT GW and BLE peripheral. </a:t>
-            </a:r>
-          </a:p>
-          <a:p>
-            <a:endParaRPr lang="en-US" altLang="zh-TW" dirty="0"/>
-          </a:p>
-          <a:p>
-            <a:r>
-              <a:rPr lang="en-US" altLang="zh-TW" dirty="0"/>
-              <a:t>Concurrently, this mapping table is used to monitor the current state of the BLE connections and decides whether a specific BLE peripheral should handover to another IoT GW.</a:t>
-            </a:r>
-            <a:endParaRPr lang="zh-TW" altLang="en-US" dirty="0"/>
+          <a:bodyPr>
+            <a:normAutofit fontScale="92500" lnSpcReduction="10000"/>
+          </a:bodyPr>
+          <a:lstStyle/>
+          <a:p>
+            <a:pPr marL="0" indent="0" algn="ctr">
+              <a:buNone/>
+            </a:pPr>
+            <a:r>
+              <a:rPr lang="en-US" altLang="zh-TW" sz="3500" dirty="0">
+                <a:effectLst/>
+                <a:latin typeface="Calibri" panose="020F0502020204030204" pitchFamily="34" charset="0"/>
+                <a:cs typeface="Calibri" panose="020F0502020204030204" pitchFamily="34" charset="0"/>
+              </a:rPr>
+              <a:t>IP based architecture</a:t>
+            </a:r>
+          </a:p>
+          <a:p>
+            <a:pPr marL="0" indent="0">
+              <a:buNone/>
+            </a:pPr>
+            <a:endParaRPr lang="en-US" altLang="zh-TW" dirty="0">
+              <a:latin typeface="Calibri" panose="020F0502020204030204" pitchFamily="34" charset="0"/>
+              <a:cs typeface="Calibri" panose="020F0502020204030204" pitchFamily="34" charset="0"/>
+            </a:endParaRPr>
+          </a:p>
+          <a:p>
+            <a:r>
+              <a:rPr lang="en-US" altLang="zh-TW" b="1" dirty="0">
+                <a:effectLst/>
+                <a:latin typeface="Calibri" panose="020F0502020204030204" pitchFamily="34" charset="0"/>
+                <a:cs typeface="Calibri" panose="020F0502020204030204" pitchFamily="34" charset="0"/>
+              </a:rPr>
+              <a:t>BLE peripheral. </a:t>
+            </a:r>
+            <a:r>
+              <a:rPr lang="en-US" altLang="zh-TW" dirty="0">
+                <a:effectLst/>
+                <a:latin typeface="Calibri" panose="020F0502020204030204" pitchFamily="34" charset="0"/>
+                <a:cs typeface="Calibri" panose="020F0502020204030204" pitchFamily="34" charset="0"/>
+              </a:rPr>
+              <a:t>The BLE peripheral needs to mold its native BLE stack in order to support IPv6 over BLE. </a:t>
+            </a:r>
+          </a:p>
+          <a:p>
+            <a:endParaRPr lang="en-US" altLang="zh-TW" dirty="0">
+              <a:latin typeface="Calibri" panose="020F0502020204030204" pitchFamily="34" charset="0"/>
+              <a:cs typeface="Calibri" panose="020F0502020204030204" pitchFamily="34" charset="0"/>
+            </a:endParaRPr>
+          </a:p>
+          <a:p>
+            <a:r>
+              <a:rPr lang="en-US" altLang="zh-TW" dirty="0">
+                <a:effectLst/>
+                <a:latin typeface="Calibri" panose="020F0502020204030204" pitchFamily="34" charset="0"/>
+                <a:cs typeface="Calibri" panose="020F0502020204030204" pitchFamily="34" charset="0"/>
+              </a:rPr>
+              <a:t>The peripheral generates a link-local address de-rived from the device’s BLE MAC address and a globalIPv6 address based on a common prefix.</a:t>
+            </a:r>
+          </a:p>
+          <a:p>
+            <a:endParaRPr lang="en-US" altLang="zh-TW" dirty="0">
+              <a:latin typeface="Calibri" panose="020F0502020204030204" pitchFamily="34" charset="0"/>
+              <a:cs typeface="Calibri" panose="020F0502020204030204" pitchFamily="34" charset="0"/>
+            </a:endParaRPr>
+          </a:p>
+          <a:p>
+            <a:r>
+              <a:rPr lang="en-US" altLang="zh-TW" dirty="0">
+                <a:effectLst/>
+                <a:latin typeface="Calibri" panose="020F0502020204030204" pitchFamily="34" charset="0"/>
+                <a:cs typeface="Calibri" panose="020F0502020204030204" pitchFamily="34" charset="0"/>
+              </a:rPr>
+              <a:t>In order to move around inside a network of IoT GWs and perform handovers, the peripheral should always be in one of two states: </a:t>
+            </a:r>
+          </a:p>
+          <a:p>
+            <a:pPr lvl="1"/>
+            <a:r>
+              <a:rPr lang="en-US" altLang="zh-TW" dirty="0">
+                <a:effectLst/>
+                <a:latin typeface="Calibri" panose="020F0502020204030204" pitchFamily="34" charset="0"/>
+                <a:cs typeface="Calibri" panose="020F0502020204030204" pitchFamily="34" charset="0"/>
+              </a:rPr>
+              <a:t>a) in connection with an IoT GW</a:t>
+            </a:r>
+          </a:p>
+          <a:p>
+            <a:pPr lvl="1"/>
+            <a:r>
+              <a:rPr lang="en-US" altLang="zh-TW" dirty="0">
+                <a:effectLst/>
+                <a:latin typeface="Calibri" panose="020F0502020204030204" pitchFamily="34" charset="0"/>
+                <a:cs typeface="Calibri" panose="020F0502020204030204" pitchFamily="34" charset="0"/>
+              </a:rPr>
+              <a:t>b) advertising its presence to nearby IoT GWs using BLE advertisements.</a:t>
+            </a:r>
+          </a:p>
+          <a:p>
+            <a:pPr marL="0" indent="0" algn="ctr">
+              <a:buNone/>
+            </a:pPr>
+            <a:endParaRPr lang="en-US" altLang="zh-TW" dirty="0">
+              <a:latin typeface="Calibri" panose="020F0502020204030204" pitchFamily="34" charset="0"/>
+              <a:cs typeface="Calibri" panose="020F0502020204030204" pitchFamily="34" charset="0"/>
+            </a:endParaRPr>
+          </a:p>
+          <a:p>
+            <a:pPr marL="0" indent="0" algn="ctr">
+              <a:buNone/>
+            </a:pPr>
+            <a:endParaRPr lang="en-US" altLang="zh-TW" dirty="0">
+              <a:latin typeface="Calibri" panose="020F0502020204030204" pitchFamily="34" charset="0"/>
+              <a:cs typeface="Calibri" panose="020F0502020204030204" pitchFamily="34" charset="0"/>
+            </a:endParaRPr>
           </a:p>
         </p:txBody>
       </p:sp>
@@ -4491,7 +4521,7 @@
           <p:cNvPr id="4" name="投影片編號版面配置區 3">
             <a:extLst>
               <a:ext uri="{FF2B5EF4-FFF2-40B4-BE49-F238E27FC236}">
-                <a16:creationId xmlns:a16="http://schemas.microsoft.com/office/drawing/2014/main" id="{D343627B-A794-4656-8F31-A526720248C0}"/>
+                <a16:creationId xmlns:a16="http://schemas.microsoft.com/office/drawing/2014/main" id="{46943CDC-E158-4BE6-85D8-16B7649A4F4B}"/>
               </a:ext>
             </a:extLst>
           </p:cNvPr>
@@ -4515,10 +4545,91 @@
           </a:p>
         </p:txBody>
       </p:sp>
+      <p:pic>
+        <p:nvPicPr>
+          <p:cNvPr id="9" name="內容版面配置區 8">
+            <a:extLst>
+              <a:ext uri="{FF2B5EF4-FFF2-40B4-BE49-F238E27FC236}">
+                <a16:creationId xmlns:a16="http://schemas.microsoft.com/office/drawing/2014/main" id="{14902B0E-98D5-4672-9479-F1D22FCF8405}"/>
+              </a:ext>
+            </a:extLst>
+          </p:cNvPr>
+          <p:cNvPicPr>
+            <a:picLocks noGrp="1" noChangeAspect="1"/>
+          </p:cNvPicPr>
+          <p:nvPr>
+            <p:ph sz="half" idx="1"/>
+          </p:nvPr>
+        </p:nvPicPr>
+        <p:blipFill>
+          <a:blip r:embed="rId2"/>
+          <a:stretch>
+            <a:fillRect/>
+          </a:stretch>
+        </p:blipFill>
+        <p:spPr>
+          <a:xfrm>
+            <a:off x="69403" y="0"/>
+            <a:ext cx="5743201" cy="6858000"/>
+          </a:xfrm>
+        </p:spPr>
+      </p:pic>
+      <p:sp>
+        <p:nvSpPr>
+          <p:cNvPr id="13" name="矩形 12">
+            <a:extLst>
+              <a:ext uri="{FF2B5EF4-FFF2-40B4-BE49-F238E27FC236}">
+                <a16:creationId xmlns:a16="http://schemas.microsoft.com/office/drawing/2014/main" id="{356FDF4E-8FE8-420C-B0D0-EB535761A587}"/>
+              </a:ext>
+            </a:extLst>
+          </p:cNvPr>
+          <p:cNvSpPr/>
+          <p:nvPr/>
+        </p:nvSpPr>
+        <p:spPr>
+          <a:xfrm>
+            <a:off x="377912" y="5132439"/>
+            <a:ext cx="5093740" cy="927808"/>
+          </a:xfrm>
+          <a:prstGeom prst="rect">
+            <a:avLst/>
+          </a:prstGeom>
+          <a:noFill/>
+          <a:ln w="38100">
+            <a:solidFill>
+              <a:srgbClr val="FF0000"/>
+            </a:solidFill>
+          </a:ln>
+        </p:spPr>
+        <p:style>
+          <a:lnRef idx="2">
+            <a:schemeClr val="accent1">
+              <a:shade val="50000"/>
+            </a:schemeClr>
+          </a:lnRef>
+          <a:fillRef idx="1">
+            <a:schemeClr val="accent1"/>
+          </a:fillRef>
+          <a:effectRef idx="0">
+            <a:schemeClr val="accent1"/>
+          </a:effectRef>
+          <a:fontRef idx="minor">
+            <a:schemeClr val="lt1"/>
+          </a:fontRef>
+        </p:style>
+        <p:txBody>
+          <a:bodyPr rtlCol="0" anchor="ctr"/>
+          <a:lstStyle/>
+          <a:p>
+            <a:pPr algn="ctr"/>
+            <a:endParaRPr lang="zh-TW" altLang="en-US"/>
+          </a:p>
+        </p:txBody>
+      </p:sp>
     </p:spTree>
     <p:extLst>
       <p:ext uri="{BB962C8B-B14F-4D97-AF65-F5344CB8AC3E}">
-        <p14:creationId xmlns:p14="http://schemas.microsoft.com/office/powerpoint/2010/main" val="1372114980"/>
+        <p14:creationId xmlns:p14="http://schemas.microsoft.com/office/powerpoint/2010/main" val="2444637326"/>
       </p:ext>
     </p:extLst>
   </p:cSld>
@@ -4547,84 +4658,85 @@
       </p:grpSpPr>
       <p:sp>
         <p:nvSpPr>
-          <p:cNvPr id="2" name="標題 1">
-            <a:extLst>
-              <a:ext uri="{FF2B5EF4-FFF2-40B4-BE49-F238E27FC236}">
-                <a16:creationId xmlns:a16="http://schemas.microsoft.com/office/drawing/2014/main" id="{A695901F-B45F-471B-B1C2-E603D8500264}"/>
-              </a:ext>
-            </a:extLst>
-          </p:cNvPr>
-          <p:cNvSpPr>
-            <a:spLocks noGrp="1"/>
-          </p:cNvSpPr>
-          <p:nvPr>
-            <p:ph type="title"/>
-          </p:nvPr>
-        </p:nvSpPr>
-        <p:spPr/>
-        <p:txBody>
-          <a:bodyPr/>
-          <a:lstStyle/>
-          <a:p>
-            <a:r>
-              <a:rPr lang="en-US" altLang="zh-TW" dirty="0"/>
-              <a:t>Handover approaches(cont’d)</a:t>
-            </a:r>
-            <a:endParaRPr lang="zh-TW" altLang="en-US" dirty="0"/>
-          </a:p>
-        </p:txBody>
-      </p:sp>
-      <p:sp>
-        <p:nvSpPr>
           <p:cNvPr id="3" name="內容版面配置區 2">
             <a:extLst>
               <a:ext uri="{FF2B5EF4-FFF2-40B4-BE49-F238E27FC236}">
-                <a16:creationId xmlns:a16="http://schemas.microsoft.com/office/drawing/2014/main" id="{FB2F8C4B-A1E5-42DA-B706-3134322A9E30}"/>
-              </a:ext>
-            </a:extLst>
-          </p:cNvPr>
-          <p:cNvSpPr>
-            <a:spLocks noGrp="1"/>
-          </p:cNvSpPr>
-          <p:nvPr>
-            <p:ph idx="1"/>
+                <a16:creationId xmlns:a16="http://schemas.microsoft.com/office/drawing/2014/main" id="{B3DF6E85-2BA3-4D22-9F39-B4A5D2453F97}"/>
+              </a:ext>
+            </a:extLst>
+          </p:cNvPr>
+          <p:cNvSpPr>
+            <a:spLocks noGrp="1"/>
+          </p:cNvSpPr>
+          <p:nvPr>
+            <p:ph sz="half" idx="2"/>
           </p:nvPr>
         </p:nvSpPr>
         <p:spPr>
           <a:xfrm>
-            <a:off x="838200" y="1587500"/>
-            <a:ext cx="10515600" cy="4351338"/>
+            <a:off x="5812603" y="136524"/>
+            <a:ext cx="6309993" cy="6721475"/>
           </a:xfrm>
         </p:spPr>
         <p:txBody>
           <a:bodyPr>
-            <a:normAutofit fontScale="92500" lnSpcReduction="20000"/>
+            <a:normAutofit/>
           </a:bodyPr>
           <a:lstStyle/>
           <a:p>
-            <a:r>
-              <a:rPr lang="en-US" altLang="zh-TW" dirty="0"/>
-              <a:t>Such a handover decision is taken when two conditions are met: the connection to the current IoT GW is bad and a sufficiently good enough alternative IoT GW is available.</a:t>
-            </a:r>
-          </a:p>
-          <a:p>
-            <a:endParaRPr lang="en-US" altLang="zh-TW" dirty="0"/>
-          </a:p>
-          <a:p>
-            <a:r>
-              <a:rPr lang="en-US" altLang="zh-TW" dirty="0"/>
-              <a:t>The connection can be considered bad once the RSSI exceeds a certain RSSI threshold, meaning that the peripheral is not too far from the GW for the connection to be lost, but far enough to be of insufficient quality.</a:t>
-            </a:r>
-          </a:p>
-          <a:p>
-            <a:endParaRPr lang="en-US" altLang="zh-TW" dirty="0"/>
-          </a:p>
-          <a:p>
-            <a:r>
-              <a:rPr lang="en-US" altLang="zh-TW" dirty="0"/>
-              <a:t>Another GW can be considered a sufficient alternative, once its RSSI exceeds a certain threshold as well, indicating that the peripheral is actually close enough to that GW to establish a connection of sufficient quality. </a:t>
-            </a:r>
-            <a:endParaRPr lang="zh-TW" altLang="en-US" dirty="0"/>
+            <a:pPr marL="0" indent="0" algn="ctr">
+              <a:buNone/>
+            </a:pPr>
+            <a:r>
+              <a:rPr lang="en-US" altLang="zh-TW" sz="3200" dirty="0">
+                <a:effectLst/>
+                <a:latin typeface="Calibri" panose="020F0502020204030204" pitchFamily="34" charset="0"/>
+                <a:cs typeface="Calibri" panose="020F0502020204030204" pitchFamily="34" charset="0"/>
+              </a:rPr>
+              <a:t>IP based architecture(cont’d)</a:t>
+            </a:r>
+          </a:p>
+          <a:p>
+            <a:pPr marL="0" indent="0">
+              <a:buNone/>
+            </a:pPr>
+            <a:endParaRPr lang="en-US" altLang="zh-TW" dirty="0">
+              <a:latin typeface="Calibri" panose="020F0502020204030204" pitchFamily="34" charset="0"/>
+              <a:cs typeface="Calibri" panose="020F0502020204030204" pitchFamily="34" charset="0"/>
+            </a:endParaRPr>
+          </a:p>
+          <a:p>
+            <a:r>
+              <a:rPr lang="en-US" altLang="zh-TW" dirty="0">
+                <a:latin typeface="Calibri" panose="020F0502020204030204" pitchFamily="34" charset="0"/>
+                <a:cs typeface="Calibri" panose="020F0502020204030204" pitchFamily="34" charset="0"/>
+              </a:rPr>
+              <a:t>The IoT GW should be able to support theIPv6 over BLE stack, while at the same time taking on the role of IPv6 router and neighbor proxy towards the existing IPv6 network.</a:t>
+            </a:r>
+          </a:p>
+          <a:p>
+            <a:endParaRPr lang="en-US" altLang="zh-TW" dirty="0">
+              <a:latin typeface="Calibri" panose="020F0502020204030204" pitchFamily="34" charset="0"/>
+              <a:cs typeface="Calibri" panose="020F0502020204030204" pitchFamily="34" charset="0"/>
+            </a:endParaRPr>
+          </a:p>
+          <a:p>
+            <a:r>
+              <a:rPr lang="en-US" altLang="zh-TW" dirty="0">
+                <a:latin typeface="Calibri" panose="020F0502020204030204" pitchFamily="34" charset="0"/>
+                <a:cs typeface="Calibri" panose="020F0502020204030204" pitchFamily="34" charset="0"/>
+              </a:rPr>
+              <a:t>The peripheral acquires a global IPv6 address usable within the IPv6 network, stateless address autoconfiguration is used.</a:t>
+            </a:r>
+          </a:p>
+          <a:p>
+            <a:pPr marL="0" indent="0" algn="ctr">
+              <a:buNone/>
+            </a:pPr>
+            <a:endParaRPr lang="en-US" altLang="zh-TW" dirty="0">
+              <a:latin typeface="Calibri" panose="020F0502020204030204" pitchFamily="34" charset="0"/>
+              <a:cs typeface="Calibri" panose="020F0502020204030204" pitchFamily="34" charset="0"/>
+            </a:endParaRPr>
           </a:p>
         </p:txBody>
       </p:sp>
@@ -4633,7 +4745,7 @@
           <p:cNvPr id="4" name="投影片編號版面配置區 3">
             <a:extLst>
               <a:ext uri="{FF2B5EF4-FFF2-40B4-BE49-F238E27FC236}">
-                <a16:creationId xmlns:a16="http://schemas.microsoft.com/office/drawing/2014/main" id="{D343627B-A794-4656-8F31-A526720248C0}"/>
+                <a16:creationId xmlns:a16="http://schemas.microsoft.com/office/drawing/2014/main" id="{46943CDC-E158-4BE6-85D8-16B7649A4F4B}"/>
               </a:ext>
             </a:extLst>
           </p:cNvPr>
@@ -4657,10 +4769,91 @@
           </a:p>
         </p:txBody>
       </p:sp>
+      <p:pic>
+        <p:nvPicPr>
+          <p:cNvPr id="9" name="內容版面配置區 8">
+            <a:extLst>
+              <a:ext uri="{FF2B5EF4-FFF2-40B4-BE49-F238E27FC236}">
+                <a16:creationId xmlns:a16="http://schemas.microsoft.com/office/drawing/2014/main" id="{14902B0E-98D5-4672-9479-F1D22FCF8405}"/>
+              </a:ext>
+            </a:extLst>
+          </p:cNvPr>
+          <p:cNvPicPr>
+            <a:picLocks noGrp="1" noChangeAspect="1"/>
+          </p:cNvPicPr>
+          <p:nvPr>
+            <p:ph sz="half" idx="1"/>
+          </p:nvPr>
+        </p:nvPicPr>
+        <p:blipFill>
+          <a:blip r:embed="rId2"/>
+          <a:stretch>
+            <a:fillRect/>
+          </a:stretch>
+        </p:blipFill>
+        <p:spPr>
+          <a:xfrm>
+            <a:off x="69403" y="0"/>
+            <a:ext cx="5743201" cy="6858000"/>
+          </a:xfrm>
+        </p:spPr>
+      </p:pic>
+      <p:sp>
+        <p:nvSpPr>
+          <p:cNvPr id="13" name="矩形 12">
+            <a:extLst>
+              <a:ext uri="{FF2B5EF4-FFF2-40B4-BE49-F238E27FC236}">
+                <a16:creationId xmlns:a16="http://schemas.microsoft.com/office/drawing/2014/main" id="{356FDF4E-8FE8-420C-B0D0-EB535761A587}"/>
+              </a:ext>
+            </a:extLst>
+          </p:cNvPr>
+          <p:cNvSpPr/>
+          <p:nvPr/>
+        </p:nvSpPr>
+        <p:spPr>
+          <a:xfrm>
+            <a:off x="394133" y="3262627"/>
+            <a:ext cx="5093740" cy="1501101"/>
+          </a:xfrm>
+          <a:prstGeom prst="rect">
+            <a:avLst/>
+          </a:prstGeom>
+          <a:noFill/>
+          <a:ln w="38100">
+            <a:solidFill>
+              <a:srgbClr val="FF0000"/>
+            </a:solidFill>
+          </a:ln>
+        </p:spPr>
+        <p:style>
+          <a:lnRef idx="2">
+            <a:schemeClr val="accent1">
+              <a:shade val="50000"/>
+            </a:schemeClr>
+          </a:lnRef>
+          <a:fillRef idx="1">
+            <a:schemeClr val="accent1"/>
+          </a:fillRef>
+          <a:effectRef idx="0">
+            <a:schemeClr val="accent1"/>
+          </a:effectRef>
+          <a:fontRef idx="minor">
+            <a:schemeClr val="lt1"/>
+          </a:fontRef>
+        </p:style>
+        <p:txBody>
+          <a:bodyPr rtlCol="0" anchor="ctr"/>
+          <a:lstStyle/>
+          <a:p>
+            <a:pPr algn="ctr"/>
+            <a:endParaRPr lang="zh-TW" altLang="en-US"/>
+          </a:p>
+        </p:txBody>
+      </p:sp>
     </p:spTree>
     <p:extLst>
       <p:ext uri="{BB962C8B-B14F-4D97-AF65-F5344CB8AC3E}">
-        <p14:creationId xmlns:p14="http://schemas.microsoft.com/office/powerpoint/2010/main" val="1833578096"/>
+        <p14:creationId xmlns:p14="http://schemas.microsoft.com/office/powerpoint/2010/main" val="3639421877"/>
       </p:ext>
     </p:extLst>
   </p:cSld>
@@ -4689,84 +4882,135 @@
       </p:grpSpPr>
       <p:sp>
         <p:nvSpPr>
-          <p:cNvPr id="2" name="標題 1">
-            <a:extLst>
-              <a:ext uri="{FF2B5EF4-FFF2-40B4-BE49-F238E27FC236}">
-                <a16:creationId xmlns:a16="http://schemas.microsoft.com/office/drawing/2014/main" id="{A695901F-B45F-471B-B1C2-E603D8500264}"/>
-              </a:ext>
-            </a:extLst>
-          </p:cNvPr>
-          <p:cNvSpPr>
-            <a:spLocks noGrp="1"/>
-          </p:cNvSpPr>
-          <p:nvPr>
-            <p:ph type="title"/>
-          </p:nvPr>
-        </p:nvSpPr>
-        <p:spPr/>
-        <p:txBody>
-          <a:bodyPr/>
-          <a:lstStyle/>
-          <a:p>
-            <a:r>
-              <a:rPr lang="en-US" altLang="zh-TW" dirty="0"/>
-              <a:t>Handover approaches(cont’d)</a:t>
-            </a:r>
-            <a:endParaRPr lang="zh-TW" altLang="en-US" dirty="0"/>
-          </a:p>
-        </p:txBody>
-      </p:sp>
-      <p:sp>
-        <p:nvSpPr>
           <p:cNvPr id="3" name="內容版面配置區 2">
             <a:extLst>
               <a:ext uri="{FF2B5EF4-FFF2-40B4-BE49-F238E27FC236}">
-                <a16:creationId xmlns:a16="http://schemas.microsoft.com/office/drawing/2014/main" id="{FB2F8C4B-A1E5-42DA-B706-3134322A9E30}"/>
-              </a:ext>
-            </a:extLst>
-          </p:cNvPr>
-          <p:cNvSpPr>
-            <a:spLocks noGrp="1"/>
-          </p:cNvSpPr>
-          <p:nvPr>
-            <p:ph idx="1"/>
+                <a16:creationId xmlns:a16="http://schemas.microsoft.com/office/drawing/2014/main" id="{B3DF6E85-2BA3-4D22-9F39-B4A5D2453F97}"/>
+              </a:ext>
+            </a:extLst>
+          </p:cNvPr>
+          <p:cNvSpPr>
+            <a:spLocks noGrp="1"/>
+          </p:cNvSpPr>
+          <p:nvPr>
+            <p:ph sz="half" idx="2"/>
           </p:nvPr>
         </p:nvSpPr>
         <p:spPr>
           <a:xfrm>
-            <a:off x="838200" y="1587500"/>
-            <a:ext cx="10515600" cy="4351338"/>
+            <a:off x="5812603" y="136524"/>
+            <a:ext cx="6309993" cy="6721475"/>
           </a:xfrm>
         </p:spPr>
         <p:txBody>
           <a:bodyPr>
-            <a:normAutofit fontScale="92500" lnSpcReduction="10000"/>
+            <a:normAutofit/>
           </a:bodyPr>
           <a:lstStyle/>
           <a:p>
-            <a:r>
-              <a:rPr lang="en-US" altLang="zh-TW" dirty="0"/>
-              <a:t>When a handover decision is made, a disconnect message is sent by the controller to the old IoT GW and a connect message to the alternative IoT GW. </a:t>
-            </a:r>
-          </a:p>
-          <a:p>
-            <a:endParaRPr lang="en-US" altLang="zh-TW" dirty="0"/>
-          </a:p>
-          <a:p>
-            <a:r>
-              <a:rPr lang="en-US" altLang="zh-TW" dirty="0"/>
-              <a:t>The old IoT GW forwards this request to the BLE peripheral and the peripheral immediately terminates the connection (independent of the supervision timeout). </a:t>
-            </a:r>
-          </a:p>
-          <a:p>
-            <a:endParaRPr lang="en-US" altLang="zh-TW" dirty="0"/>
-          </a:p>
-          <a:p>
-            <a:r>
-              <a:rPr lang="en-US" altLang="zh-TW" dirty="0"/>
-              <a:t>Afterwards, the BLE advertisements can be answered with a connection request again, which is now done by the alternative gateway incited by the connect message.</a:t>
-            </a:r>
-            <a:endParaRPr lang="zh-TW" altLang="en-US" dirty="0"/>
+            <a:pPr marL="0" indent="0" algn="ctr">
+              <a:buNone/>
+            </a:pPr>
+            <a:r>
+              <a:rPr lang="en-US" altLang="zh-TW" sz="3200" dirty="0">
+                <a:effectLst/>
+                <a:latin typeface="Calibri" panose="020F0502020204030204" pitchFamily="34" charset="0"/>
+                <a:cs typeface="Calibri" panose="020F0502020204030204" pitchFamily="34" charset="0"/>
+              </a:rPr>
+              <a:t>Non-IP based architecture</a:t>
+            </a:r>
+          </a:p>
+          <a:p>
+            <a:pPr marL="0" indent="0" algn="ctr">
+              <a:buNone/>
+            </a:pPr>
+            <a:endParaRPr lang="en-US" altLang="zh-TW" sz="3200" dirty="0">
+              <a:latin typeface="Calibri" panose="020F0502020204030204" pitchFamily="34" charset="0"/>
+              <a:cs typeface="Calibri" panose="020F0502020204030204" pitchFamily="34" charset="0"/>
+            </a:endParaRPr>
+          </a:p>
+          <a:p>
+            <a:r>
+              <a:rPr lang="en-US" altLang="zh-TW" dirty="0">
+                <a:effectLst/>
+                <a:latin typeface="Calibri" panose="020F0502020204030204" pitchFamily="34" charset="0"/>
+                <a:cs typeface="Calibri" panose="020F0502020204030204" pitchFamily="34" charset="0"/>
+              </a:rPr>
+              <a:t>As no IP is used , to set up IoT connectivity between the BLE peripheral and the controller, no extra implementation is needed on the peripheral apart from setting up native BLE communication.</a:t>
+            </a:r>
+          </a:p>
+          <a:p>
+            <a:endParaRPr lang="en-US" altLang="zh-TW" dirty="0">
+              <a:latin typeface="Calibri" panose="020F0502020204030204" pitchFamily="34" charset="0"/>
+              <a:cs typeface="Calibri" panose="020F0502020204030204" pitchFamily="34" charset="0"/>
+            </a:endParaRPr>
+          </a:p>
+          <a:p>
+            <a:r>
+              <a:rPr lang="en-US" altLang="zh-TW" dirty="0">
+                <a:effectLst/>
+                <a:latin typeface="Calibri" panose="020F0502020204030204" pitchFamily="34" charset="0"/>
+                <a:cs typeface="Calibri" panose="020F0502020204030204" pitchFamily="34" charset="0"/>
+              </a:rPr>
+              <a:t> In order to achieve seamless handover, the peripheral is in one of two states at all times:</a:t>
+            </a:r>
+          </a:p>
+          <a:p>
+            <a:pPr marL="457200" lvl="1" indent="0">
+              <a:buNone/>
+            </a:pPr>
+            <a:r>
+              <a:rPr lang="en-US" altLang="zh-TW" dirty="0">
+                <a:effectLst/>
+                <a:latin typeface="Calibri" panose="020F0502020204030204" pitchFamily="34" charset="0"/>
+                <a:cs typeface="Calibri" panose="020F0502020204030204" pitchFamily="34" charset="0"/>
+              </a:rPr>
+              <a:t> a) in a BLE connection with an IoT GW, </a:t>
+            </a:r>
+          </a:p>
+          <a:p>
+            <a:pPr marL="457200" lvl="1" indent="0">
+              <a:buNone/>
+            </a:pPr>
+            <a:r>
+              <a:rPr lang="en-US" altLang="zh-TW" dirty="0">
+                <a:effectLst/>
+                <a:latin typeface="Calibri" panose="020F0502020204030204" pitchFamily="34" charset="0"/>
+                <a:cs typeface="Calibri" panose="020F0502020204030204" pitchFamily="34" charset="0"/>
+              </a:rPr>
+              <a:t> b) advertising its presence using BLE advertisements.</a:t>
+            </a:r>
+          </a:p>
+          <a:p>
+            <a:endParaRPr lang="en-US" altLang="zh-TW" sz="3200" dirty="0">
+              <a:latin typeface="Calibri" panose="020F0502020204030204" pitchFamily="34" charset="0"/>
+              <a:cs typeface="Calibri" panose="020F0502020204030204" pitchFamily="34" charset="0"/>
+            </a:endParaRPr>
+          </a:p>
+          <a:p>
+            <a:endParaRPr lang="en-US" altLang="zh-TW" sz="3200" dirty="0">
+              <a:effectLst/>
+              <a:latin typeface="Calibri" panose="020F0502020204030204" pitchFamily="34" charset="0"/>
+              <a:cs typeface="Calibri" panose="020F0502020204030204" pitchFamily="34" charset="0"/>
+            </a:endParaRPr>
+          </a:p>
+          <a:p>
+            <a:pPr marL="0" indent="0">
+              <a:buNone/>
+            </a:pPr>
+            <a:endParaRPr lang="en-US" altLang="zh-TW" dirty="0">
+              <a:latin typeface="Calibri" panose="020F0502020204030204" pitchFamily="34" charset="0"/>
+              <a:cs typeface="Calibri" panose="020F0502020204030204" pitchFamily="34" charset="0"/>
+            </a:endParaRPr>
+          </a:p>
+          <a:p>
+            <a:pPr marL="0" indent="0" algn="ctr">
+              <a:buNone/>
+            </a:pPr>
+            <a:endParaRPr lang="en-US" altLang="zh-TW" dirty="0">
+              <a:latin typeface="Calibri" panose="020F0502020204030204" pitchFamily="34" charset="0"/>
+              <a:cs typeface="Calibri" panose="020F0502020204030204" pitchFamily="34" charset="0"/>
+            </a:endParaRPr>
           </a:p>
         </p:txBody>
       </p:sp>
@@ -4775,7 +5019,7 @@
           <p:cNvPr id="4" name="投影片編號版面配置區 3">
             <a:extLst>
               <a:ext uri="{FF2B5EF4-FFF2-40B4-BE49-F238E27FC236}">
-                <a16:creationId xmlns:a16="http://schemas.microsoft.com/office/drawing/2014/main" id="{D343627B-A794-4656-8F31-A526720248C0}"/>
+                <a16:creationId xmlns:a16="http://schemas.microsoft.com/office/drawing/2014/main" id="{46943CDC-E158-4BE6-85D8-16B7649A4F4B}"/>
               </a:ext>
             </a:extLst>
           </p:cNvPr>
@@ -4799,10 +5043,91 @@
           </a:p>
         </p:txBody>
       </p:sp>
+      <p:pic>
+        <p:nvPicPr>
+          <p:cNvPr id="7" name="內容版面配置區 6">
+            <a:extLst>
+              <a:ext uri="{FF2B5EF4-FFF2-40B4-BE49-F238E27FC236}">
+                <a16:creationId xmlns:a16="http://schemas.microsoft.com/office/drawing/2014/main" id="{A3AF6900-F31A-4C21-AD6C-027E53732D35}"/>
+              </a:ext>
+            </a:extLst>
+          </p:cNvPr>
+          <p:cNvPicPr>
+            <a:picLocks noGrp="1" noChangeAspect="1"/>
+          </p:cNvPicPr>
+          <p:nvPr>
+            <p:ph sz="half" idx="1"/>
+          </p:nvPr>
+        </p:nvPicPr>
+        <p:blipFill>
+          <a:blip r:embed="rId2"/>
+          <a:stretch>
+            <a:fillRect/>
+          </a:stretch>
+        </p:blipFill>
+        <p:spPr>
+          <a:xfrm>
+            <a:off x="258636" y="136524"/>
+            <a:ext cx="5513787" cy="6721475"/>
+          </a:xfrm>
+        </p:spPr>
+      </p:pic>
+      <p:sp>
+        <p:nvSpPr>
+          <p:cNvPr id="8" name="矩形 7">
+            <a:extLst>
+              <a:ext uri="{FF2B5EF4-FFF2-40B4-BE49-F238E27FC236}">
+                <a16:creationId xmlns:a16="http://schemas.microsoft.com/office/drawing/2014/main" id="{F8B57BBF-7747-4AF6-AB6C-774CBDA1C3BF}"/>
+              </a:ext>
+            </a:extLst>
+          </p:cNvPr>
+          <p:cNvSpPr/>
+          <p:nvPr/>
+        </p:nvSpPr>
+        <p:spPr>
+          <a:xfrm>
+            <a:off x="364637" y="4232787"/>
+            <a:ext cx="5407786" cy="2488688"/>
+          </a:xfrm>
+          <a:prstGeom prst="rect">
+            <a:avLst/>
+          </a:prstGeom>
+          <a:noFill/>
+          <a:ln w="38100">
+            <a:solidFill>
+              <a:srgbClr val="FF0000"/>
+            </a:solidFill>
+          </a:ln>
+        </p:spPr>
+        <p:style>
+          <a:lnRef idx="2">
+            <a:schemeClr val="accent1">
+              <a:shade val="50000"/>
+            </a:schemeClr>
+          </a:lnRef>
+          <a:fillRef idx="1">
+            <a:schemeClr val="accent1"/>
+          </a:fillRef>
+          <a:effectRef idx="0">
+            <a:schemeClr val="accent1"/>
+          </a:effectRef>
+          <a:fontRef idx="minor">
+            <a:schemeClr val="lt1"/>
+          </a:fontRef>
+        </p:style>
+        <p:txBody>
+          <a:bodyPr rtlCol="0" anchor="ctr"/>
+          <a:lstStyle/>
+          <a:p>
+            <a:pPr algn="ctr"/>
+            <a:endParaRPr lang="zh-TW" altLang="en-US"/>
+          </a:p>
+        </p:txBody>
+      </p:sp>
     </p:spTree>
     <p:extLst>
       <p:ext uri="{BB962C8B-B14F-4D97-AF65-F5344CB8AC3E}">
-        <p14:creationId xmlns:p14="http://schemas.microsoft.com/office/powerpoint/2010/main" val="227173799"/>
+        <p14:creationId xmlns:p14="http://schemas.microsoft.com/office/powerpoint/2010/main" val="1216651517"/>
       </p:ext>
     </p:extLst>
   </p:cSld>
@@ -4831,53 +5156,24 @@
       </p:grpSpPr>
       <p:sp>
         <p:nvSpPr>
-          <p:cNvPr id="2" name="標題 1">
-            <a:extLst>
-              <a:ext uri="{FF2B5EF4-FFF2-40B4-BE49-F238E27FC236}">
-                <a16:creationId xmlns:a16="http://schemas.microsoft.com/office/drawing/2014/main" id="{A695901F-B45F-471B-B1C2-E603D8500264}"/>
-              </a:ext>
-            </a:extLst>
-          </p:cNvPr>
-          <p:cNvSpPr>
-            <a:spLocks noGrp="1"/>
-          </p:cNvSpPr>
-          <p:nvPr>
-            <p:ph type="title"/>
-          </p:nvPr>
-        </p:nvSpPr>
-        <p:spPr/>
-        <p:txBody>
-          <a:bodyPr/>
-          <a:lstStyle/>
-          <a:p>
-            <a:r>
-              <a:rPr lang="en-US" altLang="zh-TW" dirty="0"/>
-              <a:t>Handover approaches(cont’d)</a:t>
-            </a:r>
-            <a:endParaRPr lang="zh-TW" altLang="en-US" dirty="0"/>
-          </a:p>
-        </p:txBody>
-      </p:sp>
-      <p:sp>
-        <p:nvSpPr>
           <p:cNvPr id="3" name="內容版面配置區 2">
             <a:extLst>
               <a:ext uri="{FF2B5EF4-FFF2-40B4-BE49-F238E27FC236}">
-                <a16:creationId xmlns:a16="http://schemas.microsoft.com/office/drawing/2014/main" id="{FB2F8C4B-A1E5-42DA-B706-3134322A9E30}"/>
-              </a:ext>
-            </a:extLst>
-          </p:cNvPr>
-          <p:cNvSpPr>
-            <a:spLocks noGrp="1"/>
-          </p:cNvSpPr>
-          <p:nvPr>
-            <p:ph idx="1"/>
+                <a16:creationId xmlns:a16="http://schemas.microsoft.com/office/drawing/2014/main" id="{B3DF6E85-2BA3-4D22-9F39-B4A5D2453F97}"/>
+              </a:ext>
+            </a:extLst>
+          </p:cNvPr>
+          <p:cNvSpPr>
+            <a:spLocks noGrp="1"/>
+          </p:cNvSpPr>
+          <p:nvPr>
+            <p:ph sz="half" idx="2"/>
           </p:nvPr>
         </p:nvSpPr>
         <p:spPr>
           <a:xfrm>
-            <a:off x="838200" y="1587500"/>
-            <a:ext cx="10515600" cy="4351338"/>
+            <a:off x="5812603" y="136524"/>
+            <a:ext cx="6309993" cy="6721475"/>
           </a:xfrm>
         </p:spPr>
         <p:txBody>
@@ -4886,20 +5182,82 @@
           </a:bodyPr>
           <a:lstStyle/>
           <a:p>
-            <a:r>
-              <a:rPr lang="en-US" altLang="zh-TW" dirty="0"/>
-              <a:t>On top, when a BLE peripheral does not yet have a BLE connection with an IoT GW, the current best RSSI is can be used to find a suitable IoT GW and set up the connection. </a:t>
-            </a:r>
-          </a:p>
-          <a:p>
-            <a:endParaRPr lang="en-US" altLang="zh-TW" dirty="0"/>
-          </a:p>
-          <a:p>
-            <a:r>
-              <a:rPr lang="en-US" altLang="zh-TW" dirty="0"/>
-              <a:t>When an IoT GW naturally loses a BLE connection, which can occur if no suitable alternative was available, or a BLE connection failed to be set up, the controller is also notified, such an event indicates that the BLE peripheral has moved out of range of the BLE-enabled infrastructure or the infrastructure contains a blind spot.</a:t>
-            </a:r>
-            <a:endParaRPr lang="zh-TW" altLang="en-US" dirty="0"/>
+            <a:pPr marL="0" indent="0" algn="ctr">
+              <a:buNone/>
+            </a:pPr>
+            <a:r>
+              <a:rPr lang="en-US" altLang="zh-TW" sz="3200" dirty="0">
+                <a:effectLst/>
+                <a:latin typeface="Calibri" panose="020F0502020204030204" pitchFamily="34" charset="0"/>
+                <a:cs typeface="Calibri" panose="020F0502020204030204" pitchFamily="34" charset="0"/>
+              </a:rPr>
+              <a:t>Non-IP based architecture(cont’d)</a:t>
+            </a:r>
+          </a:p>
+          <a:p>
+            <a:pPr marL="0" indent="0" algn="ctr">
+              <a:buNone/>
+            </a:pPr>
+            <a:endParaRPr lang="en-US" altLang="zh-TW" sz="3200" dirty="0">
+              <a:latin typeface="Calibri" panose="020F0502020204030204" pitchFamily="34" charset="0"/>
+              <a:cs typeface="Calibri" panose="020F0502020204030204" pitchFamily="34" charset="0"/>
+            </a:endParaRPr>
+          </a:p>
+          <a:p>
+            <a:r>
+              <a:rPr lang="en-US" altLang="zh-TW" dirty="0">
+                <a:latin typeface="Calibri" panose="020F0502020204030204" pitchFamily="34" charset="0"/>
+                <a:cs typeface="Calibri" panose="020F0502020204030204" pitchFamily="34" charset="0"/>
+              </a:rPr>
+              <a:t>IoT gateway , The gateway should expose the BLE peripheral towards the IP network in an application agnostic way. </a:t>
+            </a:r>
+          </a:p>
+          <a:p>
+            <a:endParaRPr lang="en-US" altLang="zh-TW" dirty="0">
+              <a:latin typeface="Calibri" panose="020F0502020204030204" pitchFamily="34" charset="0"/>
+              <a:cs typeface="Calibri" panose="020F0502020204030204" pitchFamily="34" charset="0"/>
+            </a:endParaRPr>
+          </a:p>
+          <a:p>
+            <a:r>
+              <a:rPr lang="en-US" altLang="zh-TW" dirty="0" err="1">
+                <a:latin typeface="Calibri" panose="020F0502020204030204" pitchFamily="34" charset="0"/>
+                <a:cs typeface="Calibri" panose="020F0502020204030204" pitchFamily="34" charset="0"/>
+              </a:rPr>
+              <a:t>Thus,the</a:t>
+            </a:r>
+            <a:r>
+              <a:rPr lang="en-US" altLang="zh-TW" dirty="0">
+                <a:latin typeface="Calibri" panose="020F0502020204030204" pitchFamily="34" charset="0"/>
+                <a:cs typeface="Calibri" panose="020F0502020204030204" pitchFamily="34" charset="0"/>
+              </a:rPr>
+              <a:t> IoT GW only has a forwarding role and is unaware of the application layer connectivity between the BLE peripheral and the controller.</a:t>
+            </a:r>
+          </a:p>
+          <a:p>
+            <a:endParaRPr lang="en-US" altLang="zh-TW" sz="3200" dirty="0">
+              <a:effectLst/>
+              <a:latin typeface="Calibri" panose="020F0502020204030204" pitchFamily="34" charset="0"/>
+              <a:cs typeface="Calibri" panose="020F0502020204030204" pitchFamily="34" charset="0"/>
+            </a:endParaRPr>
+          </a:p>
+          <a:p>
+            <a:pPr marL="0" indent="0">
+              <a:buNone/>
+            </a:pPr>
+            <a:endParaRPr lang="en-US" altLang="zh-TW" dirty="0">
+              <a:latin typeface="Calibri" panose="020F0502020204030204" pitchFamily="34" charset="0"/>
+              <a:cs typeface="Calibri" panose="020F0502020204030204" pitchFamily="34" charset="0"/>
+            </a:endParaRPr>
+          </a:p>
+          <a:p>
+            <a:pPr marL="0" indent="0" algn="ctr">
+              <a:buNone/>
+            </a:pPr>
+            <a:endParaRPr lang="en-US" altLang="zh-TW" dirty="0">
+              <a:latin typeface="Calibri" panose="020F0502020204030204" pitchFamily="34" charset="0"/>
+              <a:cs typeface="Calibri" panose="020F0502020204030204" pitchFamily="34" charset="0"/>
+            </a:endParaRPr>
           </a:p>
         </p:txBody>
       </p:sp>
@@ -4908,7 +5266,7 @@
           <p:cNvPr id="4" name="投影片編號版面配置區 3">
             <a:extLst>
               <a:ext uri="{FF2B5EF4-FFF2-40B4-BE49-F238E27FC236}">
-                <a16:creationId xmlns:a16="http://schemas.microsoft.com/office/drawing/2014/main" id="{D343627B-A794-4656-8F31-A526720248C0}"/>
+                <a16:creationId xmlns:a16="http://schemas.microsoft.com/office/drawing/2014/main" id="{46943CDC-E158-4BE6-85D8-16B7649A4F4B}"/>
               </a:ext>
             </a:extLst>
           </p:cNvPr>
@@ -4932,10 +5290,91 @@
           </a:p>
         </p:txBody>
       </p:sp>
+      <p:pic>
+        <p:nvPicPr>
+          <p:cNvPr id="7" name="內容版面配置區 6">
+            <a:extLst>
+              <a:ext uri="{FF2B5EF4-FFF2-40B4-BE49-F238E27FC236}">
+                <a16:creationId xmlns:a16="http://schemas.microsoft.com/office/drawing/2014/main" id="{A3AF6900-F31A-4C21-AD6C-027E53732D35}"/>
+              </a:ext>
+            </a:extLst>
+          </p:cNvPr>
+          <p:cNvPicPr>
+            <a:picLocks noGrp="1" noChangeAspect="1"/>
+          </p:cNvPicPr>
+          <p:nvPr>
+            <p:ph sz="half" idx="1"/>
+          </p:nvPr>
+        </p:nvPicPr>
+        <p:blipFill>
+          <a:blip r:embed="rId2"/>
+          <a:stretch>
+            <a:fillRect/>
+          </a:stretch>
+        </p:blipFill>
+        <p:spPr>
+          <a:xfrm>
+            <a:off x="258636" y="136524"/>
+            <a:ext cx="5513787" cy="6721475"/>
+          </a:xfrm>
+        </p:spPr>
+      </p:pic>
+      <p:sp>
+        <p:nvSpPr>
+          <p:cNvPr id="8" name="矩形 7">
+            <a:extLst>
+              <a:ext uri="{FF2B5EF4-FFF2-40B4-BE49-F238E27FC236}">
+                <a16:creationId xmlns:a16="http://schemas.microsoft.com/office/drawing/2014/main" id="{F8B57BBF-7747-4AF6-AB6C-774CBDA1C3BF}"/>
+              </a:ext>
+            </a:extLst>
+          </p:cNvPr>
+          <p:cNvSpPr/>
+          <p:nvPr/>
+        </p:nvSpPr>
+        <p:spPr>
+          <a:xfrm>
+            <a:off x="258636" y="3731342"/>
+            <a:ext cx="5407786" cy="604684"/>
+          </a:xfrm>
+          <a:prstGeom prst="rect">
+            <a:avLst/>
+          </a:prstGeom>
+          <a:noFill/>
+          <a:ln w="38100">
+            <a:solidFill>
+              <a:srgbClr val="FF0000"/>
+            </a:solidFill>
+          </a:ln>
+        </p:spPr>
+        <p:style>
+          <a:lnRef idx="2">
+            <a:schemeClr val="accent1">
+              <a:shade val="50000"/>
+            </a:schemeClr>
+          </a:lnRef>
+          <a:fillRef idx="1">
+            <a:schemeClr val="accent1"/>
+          </a:fillRef>
+          <a:effectRef idx="0">
+            <a:schemeClr val="accent1"/>
+          </a:effectRef>
+          <a:fontRef idx="minor">
+            <a:schemeClr val="lt1"/>
+          </a:fontRef>
+        </p:style>
+        <p:txBody>
+          <a:bodyPr rtlCol="0" anchor="ctr"/>
+          <a:lstStyle/>
+          <a:p>
+            <a:pPr algn="ctr"/>
+            <a:endParaRPr lang="zh-TW" altLang="en-US"/>
+          </a:p>
+        </p:txBody>
+      </p:sp>
     </p:spTree>
     <p:extLst>
       <p:ext uri="{BB962C8B-B14F-4D97-AF65-F5344CB8AC3E}">
-        <p14:creationId xmlns:p14="http://schemas.microsoft.com/office/powerpoint/2010/main" val="3385593956"/>
+        <p14:creationId xmlns:p14="http://schemas.microsoft.com/office/powerpoint/2010/main" val="3681284051"/>
       </p:ext>
     </p:extLst>
   </p:cSld>
@@ -4964,108 +5403,107 @@
       </p:grpSpPr>
       <p:sp>
         <p:nvSpPr>
-          <p:cNvPr id="2" name="標題 1">
-            <a:extLst>
-              <a:ext uri="{FF2B5EF4-FFF2-40B4-BE49-F238E27FC236}">
-                <a16:creationId xmlns:a16="http://schemas.microsoft.com/office/drawing/2014/main" id="{B93EF638-2849-41FC-9ED3-28D8E0CE969E}"/>
-              </a:ext>
-            </a:extLst>
-          </p:cNvPr>
-          <p:cNvSpPr>
-            <a:spLocks noGrp="1"/>
-          </p:cNvSpPr>
-          <p:nvPr>
-            <p:ph type="title"/>
-          </p:nvPr>
-        </p:nvSpPr>
-        <p:spPr/>
-        <p:txBody>
-          <a:bodyPr/>
-          <a:lstStyle/>
-          <a:p>
-            <a:r>
-              <a:rPr lang="en-US" altLang="zh-TW" dirty="0"/>
-              <a:t>Implementation details</a:t>
-            </a:r>
-            <a:endParaRPr lang="zh-TW" altLang="en-US" dirty="0"/>
-          </a:p>
-        </p:txBody>
-      </p:sp>
-      <p:sp>
-        <p:nvSpPr>
           <p:cNvPr id="3" name="內容版面配置區 2">
             <a:extLst>
               <a:ext uri="{FF2B5EF4-FFF2-40B4-BE49-F238E27FC236}">
-                <a16:creationId xmlns:a16="http://schemas.microsoft.com/office/drawing/2014/main" id="{FE76078E-89DF-42BA-BFF0-0789F7A2DC49}"/>
-              </a:ext>
-            </a:extLst>
-          </p:cNvPr>
-          <p:cNvSpPr>
-            <a:spLocks noGrp="1"/>
-          </p:cNvSpPr>
-          <p:nvPr>
-            <p:ph idx="1"/>
-          </p:nvPr>
-        </p:nvSpPr>
-        <p:spPr/>
+                <a16:creationId xmlns:a16="http://schemas.microsoft.com/office/drawing/2014/main" id="{B3DF6E85-2BA3-4D22-9F39-B4A5D2453F97}"/>
+              </a:ext>
+            </a:extLst>
+          </p:cNvPr>
+          <p:cNvSpPr>
+            <a:spLocks noGrp="1"/>
+          </p:cNvSpPr>
+          <p:nvPr>
+            <p:ph sz="half" idx="2"/>
+          </p:nvPr>
+        </p:nvSpPr>
+        <p:spPr>
+          <a:xfrm>
+            <a:off x="5812603" y="136524"/>
+            <a:ext cx="6309993" cy="6721475"/>
+          </a:xfrm>
+        </p:spPr>
         <p:txBody>
           <a:bodyPr>
             <a:normAutofit fontScale="92500" lnSpcReduction="10000"/>
           </a:bodyPr>
           <a:lstStyle/>
           <a:p>
-            <a:r>
-              <a:rPr lang="en-US" altLang="zh-TW" dirty="0"/>
-              <a:t>The BLE peripheral’s role is enacted using a nRF52840 board and the other roles(</a:t>
-            </a:r>
-            <a:r>
-              <a:rPr lang="en-US" altLang="zh-TW" dirty="0" err="1"/>
-              <a:t>GW,Controller</a:t>
-            </a:r>
-            <a:r>
-              <a:rPr lang="en-US" altLang="zh-TW" dirty="0"/>
-              <a:t>) are enacted using Raspberry PI’s.</a:t>
-            </a:r>
-          </a:p>
-          <a:p>
-            <a:endParaRPr lang="en-US" altLang="zh-TW" dirty="0"/>
-          </a:p>
-          <a:p>
-            <a:r>
-              <a:rPr lang="en-US" altLang="zh-TW" b="1" dirty="0"/>
-              <a:t>nRF52840</a:t>
-            </a:r>
-            <a:r>
-              <a:rPr lang="en-US" altLang="zh-TW" dirty="0"/>
-              <a:t> board is capable of implementing a complete BLE v5.0 supported stack as well as the IPv6 over BLE stack adjustment.</a:t>
-            </a:r>
-          </a:p>
-          <a:p>
-            <a:endParaRPr lang="en-US" altLang="zh-TW" dirty="0"/>
-          </a:p>
-          <a:p>
-            <a:r>
-              <a:rPr lang="en-US" altLang="zh-TW" dirty="0"/>
-              <a:t>Use official Linux Bluetooth protocol stack(</a:t>
-            </a:r>
-            <a:r>
-              <a:rPr lang="en-US" altLang="zh-TW" dirty="0" err="1"/>
-              <a:t>BLueZ</a:t>
-            </a:r>
-            <a:r>
-              <a:rPr lang="en-US" altLang="zh-TW" dirty="0"/>
-              <a:t>) on Raspberry Pi.</a:t>
-            </a:r>
-          </a:p>
-          <a:p>
-            <a:endParaRPr lang="en-US" altLang="zh-TW" dirty="0"/>
-          </a:p>
-          <a:p>
-            <a:r>
-              <a:rPr lang="en-US" altLang="zh-TW" dirty="0"/>
-              <a:t>To emulate a mobile BLE peripheral performing a handover from one gateway to another gateway, in a controller manner, a manual attenuator is used.</a:t>
-            </a:r>
-            <a:endParaRPr lang="zh-TW" altLang="en-US" dirty="0"/>
+            <a:pPr marL="0" indent="0" algn="ctr">
+              <a:buNone/>
+            </a:pPr>
+            <a:r>
+              <a:rPr lang="en-US" altLang="zh-TW" sz="3200" dirty="0">
+                <a:effectLst/>
+                <a:latin typeface="Calibri" panose="020F0502020204030204" pitchFamily="34" charset="0"/>
+                <a:cs typeface="Calibri" panose="020F0502020204030204" pitchFamily="34" charset="0"/>
+              </a:rPr>
+              <a:t>Non-IP based architecture(cont’d)</a:t>
+            </a:r>
+          </a:p>
+          <a:p>
+            <a:pPr marL="0" indent="0" algn="ctr">
+              <a:buNone/>
+            </a:pPr>
+            <a:endParaRPr lang="en-US" altLang="zh-TW" sz="3200" dirty="0">
+              <a:latin typeface="Calibri" panose="020F0502020204030204" pitchFamily="34" charset="0"/>
+              <a:cs typeface="Calibri" panose="020F0502020204030204" pitchFamily="34" charset="0"/>
+            </a:endParaRPr>
+          </a:p>
+          <a:p>
+            <a:r>
+              <a:rPr lang="en-US" altLang="zh-TW" dirty="0">
+                <a:latin typeface="Calibri" panose="020F0502020204030204" pitchFamily="34" charset="0"/>
+                <a:cs typeface="Calibri" panose="020F0502020204030204" pitchFamily="34" charset="0"/>
+              </a:rPr>
+              <a:t>Controller.</a:t>
+            </a:r>
+          </a:p>
+          <a:p>
+            <a:r>
+              <a:rPr lang="en-US" altLang="zh-TW" dirty="0">
+                <a:latin typeface="Calibri" panose="020F0502020204030204" pitchFamily="34" charset="0"/>
+                <a:cs typeface="Calibri" panose="020F0502020204030204" pitchFamily="34" charset="0"/>
+              </a:rPr>
+              <a:t>The IoT GWs notify the controller when a new connection is established or a disconnection occurs. </a:t>
+            </a:r>
+          </a:p>
+          <a:p>
+            <a:endParaRPr lang="en-US" altLang="zh-TW" dirty="0">
+              <a:latin typeface="Calibri" panose="020F0502020204030204" pitchFamily="34" charset="0"/>
+              <a:cs typeface="Calibri" panose="020F0502020204030204" pitchFamily="34" charset="0"/>
+            </a:endParaRPr>
+          </a:p>
+          <a:p>
+            <a:r>
+              <a:rPr lang="en-US" altLang="zh-TW" dirty="0" err="1">
+                <a:latin typeface="Calibri" panose="020F0502020204030204" pitchFamily="34" charset="0"/>
+                <a:cs typeface="Calibri" panose="020F0502020204030204" pitchFamily="34" charset="0"/>
+              </a:rPr>
+              <a:t>Therefore,the</a:t>
+            </a:r>
+            <a:r>
+              <a:rPr lang="en-US" altLang="zh-TW" dirty="0">
+                <a:latin typeface="Calibri" panose="020F0502020204030204" pitchFamily="34" charset="0"/>
+                <a:cs typeface="Calibri" panose="020F0502020204030204" pitchFamily="34" charset="0"/>
+              </a:rPr>
+              <a:t> controller should keep a mapping table, linking each BLE peripheral to its current corresponding IoT GW. </a:t>
+            </a:r>
+          </a:p>
+          <a:p>
+            <a:endParaRPr lang="en-US" altLang="zh-TW" dirty="0">
+              <a:latin typeface="Calibri" panose="020F0502020204030204" pitchFamily="34" charset="0"/>
+              <a:cs typeface="Calibri" panose="020F0502020204030204" pitchFamily="34" charset="0"/>
+            </a:endParaRPr>
+          </a:p>
+          <a:p>
+            <a:r>
+              <a:rPr lang="en-US" altLang="zh-TW" dirty="0">
+                <a:latin typeface="Calibri" panose="020F0502020204030204" pitchFamily="34" charset="0"/>
+                <a:cs typeface="Calibri" panose="020F0502020204030204" pitchFamily="34" charset="0"/>
+              </a:rPr>
+              <a:t>The peripherals are identified via an implementation specific device ID. To expose the BLE peripheral to the Internet, the controller could act as a proxy or bridge, hereby translating the application layer to another protocol.</a:t>
+            </a:r>
           </a:p>
         </p:txBody>
       </p:sp>
@@ -5074,7 +5512,7 @@
           <p:cNvPr id="4" name="投影片編號版面配置區 3">
             <a:extLst>
               <a:ext uri="{FF2B5EF4-FFF2-40B4-BE49-F238E27FC236}">
-                <a16:creationId xmlns:a16="http://schemas.microsoft.com/office/drawing/2014/main" id="{AD1B4B23-F0A7-40BA-987D-16C4CCB324A1}"/>
+                <a16:creationId xmlns:a16="http://schemas.microsoft.com/office/drawing/2014/main" id="{46943CDC-E158-4BE6-85D8-16B7649A4F4B}"/>
               </a:ext>
             </a:extLst>
           </p:cNvPr>
@@ -5098,10 +5536,91 @@
           </a:p>
         </p:txBody>
       </p:sp>
+      <p:pic>
+        <p:nvPicPr>
+          <p:cNvPr id="7" name="內容版面配置區 6">
+            <a:extLst>
+              <a:ext uri="{FF2B5EF4-FFF2-40B4-BE49-F238E27FC236}">
+                <a16:creationId xmlns:a16="http://schemas.microsoft.com/office/drawing/2014/main" id="{A3AF6900-F31A-4C21-AD6C-027E53732D35}"/>
+              </a:ext>
+            </a:extLst>
+          </p:cNvPr>
+          <p:cNvPicPr>
+            <a:picLocks noGrp="1" noChangeAspect="1"/>
+          </p:cNvPicPr>
+          <p:nvPr>
+            <p:ph sz="half" idx="1"/>
+          </p:nvPr>
+        </p:nvPicPr>
+        <p:blipFill>
+          <a:blip r:embed="rId2"/>
+          <a:stretch>
+            <a:fillRect/>
+          </a:stretch>
+        </p:blipFill>
+        <p:spPr>
+          <a:xfrm>
+            <a:off x="258636" y="136524"/>
+            <a:ext cx="5513787" cy="6721475"/>
+          </a:xfrm>
+        </p:spPr>
+      </p:pic>
+      <p:sp>
+        <p:nvSpPr>
+          <p:cNvPr id="8" name="矩形 7">
+            <a:extLst>
+              <a:ext uri="{FF2B5EF4-FFF2-40B4-BE49-F238E27FC236}">
+                <a16:creationId xmlns:a16="http://schemas.microsoft.com/office/drawing/2014/main" id="{F8B57BBF-7747-4AF6-AB6C-774CBDA1C3BF}"/>
+              </a:ext>
+            </a:extLst>
+          </p:cNvPr>
+          <p:cNvSpPr/>
+          <p:nvPr/>
+        </p:nvSpPr>
+        <p:spPr>
+          <a:xfrm>
+            <a:off x="218456" y="1297857"/>
+            <a:ext cx="5407786" cy="781665"/>
+          </a:xfrm>
+          <a:prstGeom prst="rect">
+            <a:avLst/>
+          </a:prstGeom>
+          <a:noFill/>
+          <a:ln w="38100">
+            <a:solidFill>
+              <a:srgbClr val="FF0000"/>
+            </a:solidFill>
+          </a:ln>
+        </p:spPr>
+        <p:style>
+          <a:lnRef idx="2">
+            <a:schemeClr val="accent1">
+              <a:shade val="50000"/>
+            </a:schemeClr>
+          </a:lnRef>
+          <a:fillRef idx="1">
+            <a:schemeClr val="accent1"/>
+          </a:fillRef>
+          <a:effectRef idx="0">
+            <a:schemeClr val="accent1"/>
+          </a:effectRef>
+          <a:fontRef idx="minor">
+            <a:schemeClr val="lt1"/>
+          </a:fontRef>
+        </p:style>
+        <p:txBody>
+          <a:bodyPr rtlCol="0" anchor="ctr"/>
+          <a:lstStyle/>
+          <a:p>
+            <a:pPr algn="ctr"/>
+            <a:endParaRPr lang="zh-TW" altLang="en-US"/>
+          </a:p>
+        </p:txBody>
+      </p:sp>
     </p:spTree>
     <p:extLst>
       <p:ext uri="{BB962C8B-B14F-4D97-AF65-F5344CB8AC3E}">
-        <p14:creationId xmlns:p14="http://schemas.microsoft.com/office/powerpoint/2010/main" val="664417199"/>
+        <p14:creationId xmlns:p14="http://schemas.microsoft.com/office/powerpoint/2010/main" val="2280901370"/>
       </p:ext>
     </p:extLst>
   </p:cSld>
@@ -5133,7 +5652,7 @@
           <p:cNvPr id="2" name="標題 1">
             <a:extLst>
               <a:ext uri="{FF2B5EF4-FFF2-40B4-BE49-F238E27FC236}">
-                <a16:creationId xmlns:a16="http://schemas.microsoft.com/office/drawing/2014/main" id="{B395D8BB-EDB2-42F3-9D92-4E6E7DCBB06A}"/>
+                <a16:creationId xmlns:a16="http://schemas.microsoft.com/office/drawing/2014/main" id="{A695901F-B45F-471B-B1C2-E603D8500264}"/>
               </a:ext>
             </a:extLst>
           </p:cNvPr>
@@ -5151,7 +5670,7 @@
           <a:p>
             <a:r>
               <a:rPr lang="en-US" altLang="zh-TW" dirty="0"/>
-              <a:t>Evaluation</a:t>
+              <a:t>Handover approaches</a:t>
             </a:r>
             <a:endParaRPr lang="zh-TW" altLang="en-US" dirty="0"/>
           </a:p>
@@ -5162,7 +5681,7 @@
           <p:cNvPr id="3" name="內容版面配置區 2">
             <a:extLst>
               <a:ext uri="{FF2B5EF4-FFF2-40B4-BE49-F238E27FC236}">
-                <a16:creationId xmlns:a16="http://schemas.microsoft.com/office/drawing/2014/main" id="{C1C16457-135B-42D6-BD5B-8AF9CCC2689E}"/>
+                <a16:creationId xmlns:a16="http://schemas.microsoft.com/office/drawing/2014/main" id="{FB2F8C4B-A1E5-42DA-B706-3134322A9E30}"/>
               </a:ext>
             </a:extLst>
           </p:cNvPr>
@@ -5173,20 +5692,49 @@
             <p:ph idx="1"/>
           </p:nvPr>
         </p:nvSpPr>
-        <p:spPr/>
-        <p:txBody>
-          <a:bodyPr/>
-          <a:lstStyle/>
-          <a:p>
-            <a:r>
-              <a:rPr lang="en-US" altLang="zh-TW" dirty="0"/>
-              <a:t>The performance of the handover process is predominantly impacted by two steps: disconnecting from the current GW and setting up a connection with the alternative GW.</a:t>
+        <p:spPr>
+          <a:xfrm>
+            <a:off x="838200" y="1531939"/>
+            <a:ext cx="10515600" cy="5030787"/>
+          </a:xfrm>
+        </p:spPr>
+        <p:txBody>
+          <a:bodyPr>
+            <a:normAutofit fontScale="92500" lnSpcReduction="10000"/>
+          </a:bodyPr>
+          <a:lstStyle/>
+          <a:p>
+            <a:r>
+              <a:rPr lang="en-US" altLang="zh-TW" dirty="0"/>
+              <a:t>About passive handover:</a:t>
             </a:r>
           </a:p>
           <a:p>
             <a:endParaRPr lang="en-US" altLang="zh-TW" dirty="0"/>
           </a:p>
           <a:p>
+            <a:r>
+              <a:rPr lang="en-US" altLang="zh-TW" dirty="0"/>
+              <a:t>A BLE connection is terminated naturally after the supervision timeout has timed out. Only then, the BLE peripheral attempts to set up a new connection by advertising its presence using BLE advertisements.</a:t>
+            </a:r>
+          </a:p>
+          <a:p>
+            <a:endParaRPr lang="en-US" altLang="zh-TW" dirty="0"/>
+          </a:p>
+          <a:p>
+            <a:r>
+              <a:rPr lang="en-US" altLang="zh-TW" dirty="0"/>
+              <a:t>When using the passive handover approach, a connection to a new and better GW will only be established when the previous connection was completely broken, i.e. when no traffic could be sent during the supervision timeout range. </a:t>
+            </a:r>
+          </a:p>
+          <a:p>
+            <a:endParaRPr lang="en-US" altLang="zh-TW" dirty="0"/>
+          </a:p>
+          <a:p>
+            <a:r>
+              <a:rPr lang="en-US" altLang="zh-TW" dirty="0"/>
+              <a:t>As such, it might happen that a peripheral remains connected even when the link quality becomes very poor.</a:t>
+            </a:r>
             <a:endParaRPr lang="zh-TW" altLang="en-US" dirty="0"/>
           </a:p>
         </p:txBody>
@@ -5196,7 +5744,7 @@
           <p:cNvPr id="4" name="投影片編號版面配置區 3">
             <a:extLst>
               <a:ext uri="{FF2B5EF4-FFF2-40B4-BE49-F238E27FC236}">
-                <a16:creationId xmlns:a16="http://schemas.microsoft.com/office/drawing/2014/main" id="{2E50D0C3-38B0-420B-AA42-A979EDC25DED}"/>
+                <a16:creationId xmlns:a16="http://schemas.microsoft.com/office/drawing/2014/main" id="{D343627B-A794-4656-8F31-A526720248C0}"/>
               </a:ext>
             </a:extLst>
           </p:cNvPr>
@@ -5215,6 +5763,1151 @@
             <a:fld id="{50029C49-A5A9-4A95-8BF0-94F73808DB5F}" type="slidenum">
               <a:rPr lang="zh-TW" altLang="en-US" smtClean="0"/>
               <a:t>17</a:t>
+            </a:fld>
+            <a:endParaRPr lang="zh-TW" altLang="en-US"/>
+          </a:p>
+        </p:txBody>
+      </p:sp>
+    </p:spTree>
+    <p:extLst>
+      <p:ext uri="{BB962C8B-B14F-4D97-AF65-F5344CB8AC3E}">
+        <p14:creationId xmlns:p14="http://schemas.microsoft.com/office/powerpoint/2010/main" val="144322529"/>
+      </p:ext>
+    </p:extLst>
+  </p:cSld>
+  <p:clrMapOvr>
+    <a:masterClrMapping/>
+  </p:clrMapOvr>
+</p:sld>
+</file>
+
+<file path=ppt/slides/slide18.xml><?xml version="1.0" encoding="utf-8"?>
+<p:sld xmlns:a="http://schemas.openxmlformats.org/drawingml/2006/main" xmlns:r="http://schemas.openxmlformats.org/officeDocument/2006/relationships" xmlns:p="http://schemas.openxmlformats.org/presentationml/2006/main">
+  <p:cSld>
+    <p:spTree>
+      <p:nvGrpSpPr>
+        <p:cNvPr id="1" name=""/>
+        <p:cNvGrpSpPr/>
+        <p:nvPr/>
+      </p:nvGrpSpPr>
+      <p:grpSpPr>
+        <a:xfrm>
+          <a:off x="0" y="0"/>
+          <a:ext cx="0" cy="0"/>
+          <a:chOff x="0" y="0"/>
+          <a:chExt cx="0" cy="0"/>
+        </a:xfrm>
+      </p:grpSpPr>
+      <p:sp>
+        <p:nvSpPr>
+          <p:cNvPr id="2" name="標題 1">
+            <a:extLst>
+              <a:ext uri="{FF2B5EF4-FFF2-40B4-BE49-F238E27FC236}">
+                <a16:creationId xmlns:a16="http://schemas.microsoft.com/office/drawing/2014/main" id="{A695901F-B45F-471B-B1C2-E603D8500264}"/>
+              </a:ext>
+            </a:extLst>
+          </p:cNvPr>
+          <p:cNvSpPr>
+            <a:spLocks noGrp="1"/>
+          </p:cNvSpPr>
+          <p:nvPr>
+            <p:ph type="title"/>
+          </p:nvPr>
+        </p:nvSpPr>
+        <p:spPr/>
+        <p:txBody>
+          <a:bodyPr/>
+          <a:lstStyle/>
+          <a:p>
+            <a:r>
+              <a:rPr lang="en-US" altLang="zh-TW" dirty="0"/>
+              <a:t>Handover approaches(cont’d)</a:t>
+            </a:r>
+            <a:endParaRPr lang="zh-TW" altLang="en-US" dirty="0"/>
+          </a:p>
+        </p:txBody>
+      </p:sp>
+      <p:sp>
+        <p:nvSpPr>
+          <p:cNvPr id="3" name="內容版面配置區 2">
+            <a:extLst>
+              <a:ext uri="{FF2B5EF4-FFF2-40B4-BE49-F238E27FC236}">
+                <a16:creationId xmlns:a16="http://schemas.microsoft.com/office/drawing/2014/main" id="{FB2F8C4B-A1E5-42DA-B706-3134322A9E30}"/>
+              </a:ext>
+            </a:extLst>
+          </p:cNvPr>
+          <p:cNvSpPr>
+            <a:spLocks noGrp="1"/>
+          </p:cNvSpPr>
+          <p:nvPr>
+            <p:ph idx="1"/>
+          </p:nvPr>
+        </p:nvSpPr>
+        <p:spPr>
+          <a:xfrm>
+            <a:off x="838200" y="1587500"/>
+            <a:ext cx="10515600" cy="4351338"/>
+          </a:xfrm>
+        </p:spPr>
+        <p:txBody>
+          <a:bodyPr/>
+          <a:lstStyle/>
+          <a:p>
+            <a:r>
+              <a:rPr lang="en-US" altLang="zh-TW" dirty="0"/>
+              <a:t>About active handover :</a:t>
+            </a:r>
+          </a:p>
+          <a:p>
+            <a:endParaRPr lang="en-US" altLang="zh-TW" dirty="0"/>
+          </a:p>
+          <a:p>
+            <a:r>
+              <a:rPr lang="en-US" altLang="zh-TW" dirty="0"/>
+              <a:t>The BLE peripheral maintains an advertiser role at all times.</a:t>
+            </a:r>
+          </a:p>
+          <a:p>
+            <a:endParaRPr lang="en-US" altLang="zh-TW" dirty="0"/>
+          </a:p>
+          <a:p>
+            <a:r>
+              <a:rPr lang="en-US" altLang="zh-TW" dirty="0"/>
+              <a:t>The IoT GWs use these periodic BLE advertisements to derive a Received Signal Strength Indicator (RSSI).</a:t>
+            </a:r>
+            <a:endParaRPr lang="zh-TW" altLang="en-US" dirty="0"/>
+          </a:p>
+        </p:txBody>
+      </p:sp>
+      <p:sp>
+        <p:nvSpPr>
+          <p:cNvPr id="4" name="投影片編號版面配置區 3">
+            <a:extLst>
+              <a:ext uri="{FF2B5EF4-FFF2-40B4-BE49-F238E27FC236}">
+                <a16:creationId xmlns:a16="http://schemas.microsoft.com/office/drawing/2014/main" id="{D343627B-A794-4656-8F31-A526720248C0}"/>
+              </a:ext>
+            </a:extLst>
+          </p:cNvPr>
+          <p:cNvSpPr>
+            <a:spLocks noGrp="1"/>
+          </p:cNvSpPr>
+          <p:nvPr>
+            <p:ph type="sldNum" sz="quarter" idx="12"/>
+          </p:nvPr>
+        </p:nvSpPr>
+        <p:spPr/>
+        <p:txBody>
+          <a:bodyPr/>
+          <a:lstStyle/>
+          <a:p>
+            <a:fld id="{50029C49-A5A9-4A95-8BF0-94F73808DB5F}" type="slidenum">
+              <a:rPr lang="zh-TW" altLang="en-US" smtClean="0"/>
+              <a:t>18</a:t>
+            </a:fld>
+            <a:endParaRPr lang="zh-TW" altLang="en-US"/>
+          </a:p>
+        </p:txBody>
+      </p:sp>
+    </p:spTree>
+    <p:extLst>
+      <p:ext uri="{BB962C8B-B14F-4D97-AF65-F5344CB8AC3E}">
+        <p14:creationId xmlns:p14="http://schemas.microsoft.com/office/powerpoint/2010/main" val="4015015826"/>
+      </p:ext>
+    </p:extLst>
+  </p:cSld>
+  <p:clrMapOvr>
+    <a:masterClrMapping/>
+  </p:clrMapOvr>
+</p:sld>
+</file>
+
+<file path=ppt/slides/slide19.xml><?xml version="1.0" encoding="utf-8"?>
+<p:sld xmlns:a="http://schemas.openxmlformats.org/drawingml/2006/main" xmlns:r="http://schemas.openxmlformats.org/officeDocument/2006/relationships" xmlns:p="http://schemas.openxmlformats.org/presentationml/2006/main">
+  <p:cSld>
+    <p:spTree>
+      <p:nvGrpSpPr>
+        <p:cNvPr id="1" name=""/>
+        <p:cNvGrpSpPr/>
+        <p:nvPr/>
+      </p:nvGrpSpPr>
+      <p:grpSpPr>
+        <a:xfrm>
+          <a:off x="0" y="0"/>
+          <a:ext cx="0" cy="0"/>
+          <a:chOff x="0" y="0"/>
+          <a:chExt cx="0" cy="0"/>
+        </a:xfrm>
+      </p:grpSpPr>
+      <p:sp>
+        <p:nvSpPr>
+          <p:cNvPr id="2" name="標題 1">
+            <a:extLst>
+              <a:ext uri="{FF2B5EF4-FFF2-40B4-BE49-F238E27FC236}">
+                <a16:creationId xmlns:a16="http://schemas.microsoft.com/office/drawing/2014/main" id="{A695901F-B45F-471B-B1C2-E603D8500264}"/>
+              </a:ext>
+            </a:extLst>
+          </p:cNvPr>
+          <p:cNvSpPr>
+            <a:spLocks noGrp="1"/>
+          </p:cNvSpPr>
+          <p:nvPr>
+            <p:ph type="title"/>
+          </p:nvPr>
+        </p:nvSpPr>
+        <p:spPr/>
+        <p:txBody>
+          <a:bodyPr/>
+          <a:lstStyle/>
+          <a:p>
+            <a:r>
+              <a:rPr lang="en-US" altLang="zh-TW" dirty="0"/>
+              <a:t>Handover approaches(cont’d)</a:t>
+            </a:r>
+            <a:endParaRPr lang="zh-TW" altLang="en-US" dirty="0"/>
+          </a:p>
+        </p:txBody>
+      </p:sp>
+      <p:sp>
+        <p:nvSpPr>
+          <p:cNvPr id="3" name="內容版面配置區 2">
+            <a:extLst>
+              <a:ext uri="{FF2B5EF4-FFF2-40B4-BE49-F238E27FC236}">
+                <a16:creationId xmlns:a16="http://schemas.microsoft.com/office/drawing/2014/main" id="{FB2F8C4B-A1E5-42DA-B706-3134322A9E30}"/>
+              </a:ext>
+            </a:extLst>
+          </p:cNvPr>
+          <p:cNvSpPr>
+            <a:spLocks noGrp="1"/>
+          </p:cNvSpPr>
+          <p:nvPr>
+            <p:ph idx="1"/>
+          </p:nvPr>
+        </p:nvSpPr>
+        <p:spPr>
+          <a:xfrm>
+            <a:off x="838200" y="1587500"/>
+            <a:ext cx="10515600" cy="4351338"/>
+          </a:xfrm>
+        </p:spPr>
+        <p:txBody>
+          <a:bodyPr/>
+          <a:lstStyle/>
+          <a:p>
+            <a:r>
+              <a:rPr lang="en-US" altLang="zh-TW" dirty="0"/>
+              <a:t>All collected RSSI values are forwarded to the controller. </a:t>
+            </a:r>
+          </a:p>
+          <a:p>
+            <a:endParaRPr lang="en-US" altLang="zh-TW" dirty="0"/>
+          </a:p>
+          <a:p>
+            <a:r>
+              <a:rPr lang="en-US" altLang="zh-TW" dirty="0"/>
+              <a:t>The controller maintains a mapping table between the received RSSI values and the associated IoT GW and BLE peripheral. </a:t>
+            </a:r>
+          </a:p>
+          <a:p>
+            <a:endParaRPr lang="en-US" altLang="zh-TW" dirty="0"/>
+          </a:p>
+          <a:p>
+            <a:r>
+              <a:rPr lang="en-US" altLang="zh-TW" dirty="0"/>
+              <a:t>Concurrently, this mapping table is used to monitor the current state of the BLE connections and decides whether a specific BLE peripheral should handover to another IoT GW.</a:t>
+            </a:r>
+            <a:endParaRPr lang="zh-TW" altLang="en-US" dirty="0"/>
+          </a:p>
+        </p:txBody>
+      </p:sp>
+      <p:sp>
+        <p:nvSpPr>
+          <p:cNvPr id="4" name="投影片編號版面配置區 3">
+            <a:extLst>
+              <a:ext uri="{FF2B5EF4-FFF2-40B4-BE49-F238E27FC236}">
+                <a16:creationId xmlns:a16="http://schemas.microsoft.com/office/drawing/2014/main" id="{D343627B-A794-4656-8F31-A526720248C0}"/>
+              </a:ext>
+            </a:extLst>
+          </p:cNvPr>
+          <p:cNvSpPr>
+            <a:spLocks noGrp="1"/>
+          </p:cNvSpPr>
+          <p:nvPr>
+            <p:ph type="sldNum" sz="quarter" idx="12"/>
+          </p:nvPr>
+        </p:nvSpPr>
+        <p:spPr/>
+        <p:txBody>
+          <a:bodyPr/>
+          <a:lstStyle/>
+          <a:p>
+            <a:fld id="{50029C49-A5A9-4A95-8BF0-94F73808DB5F}" type="slidenum">
+              <a:rPr lang="zh-TW" altLang="en-US" smtClean="0"/>
+              <a:t>19</a:t>
+            </a:fld>
+            <a:endParaRPr lang="zh-TW" altLang="en-US"/>
+          </a:p>
+        </p:txBody>
+      </p:sp>
+    </p:spTree>
+    <p:extLst>
+      <p:ext uri="{BB962C8B-B14F-4D97-AF65-F5344CB8AC3E}">
+        <p14:creationId xmlns:p14="http://schemas.microsoft.com/office/powerpoint/2010/main" val="1372114980"/>
+      </p:ext>
+    </p:extLst>
+  </p:cSld>
+  <p:clrMapOvr>
+    <a:masterClrMapping/>
+  </p:clrMapOvr>
+</p:sld>
+</file>
+
+<file path=ppt/slides/slide2.xml><?xml version="1.0" encoding="utf-8"?>
+<p:sld xmlns:a="http://schemas.openxmlformats.org/drawingml/2006/main" xmlns:r="http://schemas.openxmlformats.org/officeDocument/2006/relationships" xmlns:p="http://schemas.openxmlformats.org/presentationml/2006/main">
+  <p:cSld>
+    <p:spTree>
+      <p:nvGrpSpPr>
+        <p:cNvPr id="1" name=""/>
+        <p:cNvGrpSpPr/>
+        <p:nvPr/>
+      </p:nvGrpSpPr>
+      <p:grpSpPr>
+        <a:xfrm>
+          <a:off x="0" y="0"/>
+          <a:ext cx="0" cy="0"/>
+          <a:chOff x="0" y="0"/>
+          <a:chExt cx="0" cy="0"/>
+        </a:xfrm>
+      </p:grpSpPr>
+      <p:sp>
+        <p:nvSpPr>
+          <p:cNvPr id="2" name="標題 1">
+            <a:extLst>
+              <a:ext uri="{FF2B5EF4-FFF2-40B4-BE49-F238E27FC236}">
+                <a16:creationId xmlns:a16="http://schemas.microsoft.com/office/drawing/2014/main" id="{374CC6A4-7D80-460A-B3B0-D78C7AA4B278}"/>
+              </a:ext>
+            </a:extLst>
+          </p:cNvPr>
+          <p:cNvSpPr>
+            <a:spLocks noGrp="1"/>
+          </p:cNvSpPr>
+          <p:nvPr>
+            <p:ph type="title"/>
+          </p:nvPr>
+        </p:nvSpPr>
+        <p:spPr/>
+        <p:txBody>
+          <a:bodyPr/>
+          <a:lstStyle/>
+          <a:p>
+            <a:r>
+              <a:rPr lang="en-US" altLang="zh-TW" dirty="0"/>
+              <a:t>Outline</a:t>
+            </a:r>
+            <a:endParaRPr lang="zh-TW" altLang="en-US" dirty="0"/>
+          </a:p>
+        </p:txBody>
+      </p:sp>
+      <p:sp>
+        <p:nvSpPr>
+          <p:cNvPr id="3" name="內容版面配置區 2">
+            <a:extLst>
+              <a:ext uri="{FF2B5EF4-FFF2-40B4-BE49-F238E27FC236}">
+                <a16:creationId xmlns:a16="http://schemas.microsoft.com/office/drawing/2014/main" id="{E4C02B56-07BF-448C-BE47-03D13CE393B5}"/>
+              </a:ext>
+            </a:extLst>
+          </p:cNvPr>
+          <p:cNvSpPr>
+            <a:spLocks noGrp="1"/>
+          </p:cNvSpPr>
+          <p:nvPr>
+            <p:ph idx="1"/>
+          </p:nvPr>
+        </p:nvSpPr>
+        <p:spPr/>
+        <p:txBody>
+          <a:bodyPr>
+            <a:normAutofit/>
+          </a:bodyPr>
+          <a:lstStyle/>
+          <a:p>
+            <a:r>
+              <a:rPr lang="en-US" altLang="zh-TW" dirty="0"/>
+              <a:t>Introduction</a:t>
+            </a:r>
+          </a:p>
+          <a:p>
+            <a:r>
+              <a:rPr lang="en-US" altLang="zh-TW" dirty="0"/>
+              <a:t>Primer on BLE and BLE over IPv6</a:t>
+            </a:r>
+          </a:p>
+          <a:p>
+            <a:r>
+              <a:rPr lang="en-US" altLang="zh-TW" dirty="0"/>
+              <a:t>A BLE-based multi-Gateway network infrastructure</a:t>
+            </a:r>
+          </a:p>
+          <a:p>
+            <a:r>
+              <a:rPr lang="en-US" altLang="zh-TW" dirty="0"/>
+              <a:t>Handover approaches</a:t>
+            </a:r>
+          </a:p>
+          <a:p>
+            <a:r>
+              <a:rPr lang="en-US" altLang="zh-TW" dirty="0"/>
+              <a:t>Implementation details</a:t>
+            </a:r>
+          </a:p>
+          <a:p>
+            <a:r>
+              <a:rPr lang="en-US" altLang="zh-TW" dirty="0"/>
+              <a:t>Evaluation</a:t>
+            </a:r>
+          </a:p>
+          <a:p>
+            <a:r>
+              <a:rPr lang="en-US" altLang="zh-TW" dirty="0"/>
+              <a:t>Conclusion</a:t>
+            </a:r>
+          </a:p>
+          <a:p>
+            <a:r>
+              <a:rPr lang="en-US" altLang="zh-TW" dirty="0"/>
+              <a:t>References</a:t>
+            </a:r>
+          </a:p>
+        </p:txBody>
+      </p:sp>
+      <p:sp>
+        <p:nvSpPr>
+          <p:cNvPr id="4" name="投影片編號版面配置區 3">
+            <a:extLst>
+              <a:ext uri="{FF2B5EF4-FFF2-40B4-BE49-F238E27FC236}">
+                <a16:creationId xmlns:a16="http://schemas.microsoft.com/office/drawing/2014/main" id="{54C0367C-91A7-428B-B46E-60D3CE76CC93}"/>
+              </a:ext>
+            </a:extLst>
+          </p:cNvPr>
+          <p:cNvSpPr>
+            <a:spLocks noGrp="1"/>
+          </p:cNvSpPr>
+          <p:nvPr>
+            <p:ph type="sldNum" sz="quarter" idx="12"/>
+          </p:nvPr>
+        </p:nvSpPr>
+        <p:spPr/>
+        <p:txBody>
+          <a:bodyPr/>
+          <a:lstStyle/>
+          <a:p>
+            <a:fld id="{50029C49-A5A9-4A95-8BF0-94F73808DB5F}" type="slidenum">
+              <a:rPr lang="zh-TW" altLang="en-US" smtClean="0"/>
+              <a:t>2</a:t>
+            </a:fld>
+            <a:endParaRPr lang="zh-TW" altLang="en-US"/>
+          </a:p>
+        </p:txBody>
+      </p:sp>
+    </p:spTree>
+    <p:extLst>
+      <p:ext uri="{BB962C8B-B14F-4D97-AF65-F5344CB8AC3E}">
+        <p14:creationId xmlns:p14="http://schemas.microsoft.com/office/powerpoint/2010/main" val="1051466082"/>
+      </p:ext>
+    </p:extLst>
+  </p:cSld>
+  <p:clrMapOvr>
+    <a:masterClrMapping/>
+  </p:clrMapOvr>
+</p:sld>
+</file>
+
+<file path=ppt/slides/slide20.xml><?xml version="1.0" encoding="utf-8"?>
+<p:sld xmlns:a="http://schemas.openxmlformats.org/drawingml/2006/main" xmlns:r="http://schemas.openxmlformats.org/officeDocument/2006/relationships" xmlns:p="http://schemas.openxmlformats.org/presentationml/2006/main">
+  <p:cSld>
+    <p:spTree>
+      <p:nvGrpSpPr>
+        <p:cNvPr id="1" name=""/>
+        <p:cNvGrpSpPr/>
+        <p:nvPr/>
+      </p:nvGrpSpPr>
+      <p:grpSpPr>
+        <a:xfrm>
+          <a:off x="0" y="0"/>
+          <a:ext cx="0" cy="0"/>
+          <a:chOff x="0" y="0"/>
+          <a:chExt cx="0" cy="0"/>
+        </a:xfrm>
+      </p:grpSpPr>
+      <p:sp>
+        <p:nvSpPr>
+          <p:cNvPr id="2" name="標題 1">
+            <a:extLst>
+              <a:ext uri="{FF2B5EF4-FFF2-40B4-BE49-F238E27FC236}">
+                <a16:creationId xmlns:a16="http://schemas.microsoft.com/office/drawing/2014/main" id="{A695901F-B45F-471B-B1C2-E603D8500264}"/>
+              </a:ext>
+            </a:extLst>
+          </p:cNvPr>
+          <p:cNvSpPr>
+            <a:spLocks noGrp="1"/>
+          </p:cNvSpPr>
+          <p:nvPr>
+            <p:ph type="title"/>
+          </p:nvPr>
+        </p:nvSpPr>
+        <p:spPr/>
+        <p:txBody>
+          <a:bodyPr/>
+          <a:lstStyle/>
+          <a:p>
+            <a:r>
+              <a:rPr lang="en-US" altLang="zh-TW" dirty="0"/>
+              <a:t>Handover approaches(cont’d)</a:t>
+            </a:r>
+            <a:endParaRPr lang="zh-TW" altLang="en-US" dirty="0"/>
+          </a:p>
+        </p:txBody>
+      </p:sp>
+      <p:sp>
+        <p:nvSpPr>
+          <p:cNvPr id="3" name="內容版面配置區 2">
+            <a:extLst>
+              <a:ext uri="{FF2B5EF4-FFF2-40B4-BE49-F238E27FC236}">
+                <a16:creationId xmlns:a16="http://schemas.microsoft.com/office/drawing/2014/main" id="{FB2F8C4B-A1E5-42DA-B706-3134322A9E30}"/>
+              </a:ext>
+            </a:extLst>
+          </p:cNvPr>
+          <p:cNvSpPr>
+            <a:spLocks noGrp="1"/>
+          </p:cNvSpPr>
+          <p:nvPr>
+            <p:ph idx="1"/>
+          </p:nvPr>
+        </p:nvSpPr>
+        <p:spPr>
+          <a:xfrm>
+            <a:off x="838200" y="1587500"/>
+            <a:ext cx="10515600" cy="4351338"/>
+          </a:xfrm>
+        </p:spPr>
+        <p:txBody>
+          <a:bodyPr>
+            <a:normAutofit fontScale="92500" lnSpcReduction="20000"/>
+          </a:bodyPr>
+          <a:lstStyle/>
+          <a:p>
+            <a:r>
+              <a:rPr lang="en-US" altLang="zh-TW" dirty="0"/>
+              <a:t>Such a handover decision is taken when two conditions are met: the connection to the current IoT GW is bad and a sufficiently good enough alternative IoT GW is available.</a:t>
+            </a:r>
+          </a:p>
+          <a:p>
+            <a:endParaRPr lang="en-US" altLang="zh-TW" dirty="0"/>
+          </a:p>
+          <a:p>
+            <a:r>
+              <a:rPr lang="en-US" altLang="zh-TW" dirty="0"/>
+              <a:t>The connection can be considered bad once the RSSI exceeds a certain RSSI threshold, meaning that the peripheral is not too far from the GW for the connection to be lost, but far enough to be of insufficient quality.</a:t>
+            </a:r>
+          </a:p>
+          <a:p>
+            <a:endParaRPr lang="en-US" altLang="zh-TW" dirty="0"/>
+          </a:p>
+          <a:p>
+            <a:r>
+              <a:rPr lang="en-US" altLang="zh-TW" dirty="0"/>
+              <a:t>Another GW can be considered a sufficient alternative, once its RSSI exceeds a certain threshold as well, indicating that the peripheral is actually close enough to that GW to establish a connection of sufficient quality. </a:t>
+            </a:r>
+            <a:endParaRPr lang="zh-TW" altLang="en-US" dirty="0"/>
+          </a:p>
+        </p:txBody>
+      </p:sp>
+      <p:sp>
+        <p:nvSpPr>
+          <p:cNvPr id="4" name="投影片編號版面配置區 3">
+            <a:extLst>
+              <a:ext uri="{FF2B5EF4-FFF2-40B4-BE49-F238E27FC236}">
+                <a16:creationId xmlns:a16="http://schemas.microsoft.com/office/drawing/2014/main" id="{D343627B-A794-4656-8F31-A526720248C0}"/>
+              </a:ext>
+            </a:extLst>
+          </p:cNvPr>
+          <p:cNvSpPr>
+            <a:spLocks noGrp="1"/>
+          </p:cNvSpPr>
+          <p:nvPr>
+            <p:ph type="sldNum" sz="quarter" idx="12"/>
+          </p:nvPr>
+        </p:nvSpPr>
+        <p:spPr/>
+        <p:txBody>
+          <a:bodyPr/>
+          <a:lstStyle/>
+          <a:p>
+            <a:fld id="{50029C49-A5A9-4A95-8BF0-94F73808DB5F}" type="slidenum">
+              <a:rPr lang="zh-TW" altLang="en-US" smtClean="0"/>
+              <a:t>20</a:t>
+            </a:fld>
+            <a:endParaRPr lang="zh-TW" altLang="en-US"/>
+          </a:p>
+        </p:txBody>
+      </p:sp>
+    </p:spTree>
+    <p:extLst>
+      <p:ext uri="{BB962C8B-B14F-4D97-AF65-F5344CB8AC3E}">
+        <p14:creationId xmlns:p14="http://schemas.microsoft.com/office/powerpoint/2010/main" val="1833578096"/>
+      </p:ext>
+    </p:extLst>
+  </p:cSld>
+  <p:clrMapOvr>
+    <a:masterClrMapping/>
+  </p:clrMapOvr>
+</p:sld>
+</file>
+
+<file path=ppt/slides/slide21.xml><?xml version="1.0" encoding="utf-8"?>
+<p:sld xmlns:a="http://schemas.openxmlformats.org/drawingml/2006/main" xmlns:r="http://schemas.openxmlformats.org/officeDocument/2006/relationships" xmlns:p="http://schemas.openxmlformats.org/presentationml/2006/main">
+  <p:cSld>
+    <p:spTree>
+      <p:nvGrpSpPr>
+        <p:cNvPr id="1" name=""/>
+        <p:cNvGrpSpPr/>
+        <p:nvPr/>
+      </p:nvGrpSpPr>
+      <p:grpSpPr>
+        <a:xfrm>
+          <a:off x="0" y="0"/>
+          <a:ext cx="0" cy="0"/>
+          <a:chOff x="0" y="0"/>
+          <a:chExt cx="0" cy="0"/>
+        </a:xfrm>
+      </p:grpSpPr>
+      <p:sp>
+        <p:nvSpPr>
+          <p:cNvPr id="2" name="標題 1">
+            <a:extLst>
+              <a:ext uri="{FF2B5EF4-FFF2-40B4-BE49-F238E27FC236}">
+                <a16:creationId xmlns:a16="http://schemas.microsoft.com/office/drawing/2014/main" id="{A695901F-B45F-471B-B1C2-E603D8500264}"/>
+              </a:ext>
+            </a:extLst>
+          </p:cNvPr>
+          <p:cNvSpPr>
+            <a:spLocks noGrp="1"/>
+          </p:cNvSpPr>
+          <p:nvPr>
+            <p:ph type="title"/>
+          </p:nvPr>
+        </p:nvSpPr>
+        <p:spPr/>
+        <p:txBody>
+          <a:bodyPr/>
+          <a:lstStyle/>
+          <a:p>
+            <a:r>
+              <a:rPr lang="en-US" altLang="zh-TW" dirty="0"/>
+              <a:t>Handover approaches(cont’d)</a:t>
+            </a:r>
+            <a:endParaRPr lang="zh-TW" altLang="en-US" dirty="0"/>
+          </a:p>
+        </p:txBody>
+      </p:sp>
+      <p:sp>
+        <p:nvSpPr>
+          <p:cNvPr id="3" name="內容版面配置區 2">
+            <a:extLst>
+              <a:ext uri="{FF2B5EF4-FFF2-40B4-BE49-F238E27FC236}">
+                <a16:creationId xmlns:a16="http://schemas.microsoft.com/office/drawing/2014/main" id="{FB2F8C4B-A1E5-42DA-B706-3134322A9E30}"/>
+              </a:ext>
+            </a:extLst>
+          </p:cNvPr>
+          <p:cNvSpPr>
+            <a:spLocks noGrp="1"/>
+          </p:cNvSpPr>
+          <p:nvPr>
+            <p:ph idx="1"/>
+          </p:nvPr>
+        </p:nvSpPr>
+        <p:spPr>
+          <a:xfrm>
+            <a:off x="838200" y="1587500"/>
+            <a:ext cx="10515600" cy="4351338"/>
+          </a:xfrm>
+        </p:spPr>
+        <p:txBody>
+          <a:bodyPr>
+            <a:normAutofit fontScale="92500" lnSpcReduction="10000"/>
+          </a:bodyPr>
+          <a:lstStyle/>
+          <a:p>
+            <a:r>
+              <a:rPr lang="en-US" altLang="zh-TW" dirty="0"/>
+              <a:t>When a handover decision is made, a disconnect message is sent by the controller to the old IoT GW and a connect message to the alternative IoT GW. </a:t>
+            </a:r>
+          </a:p>
+          <a:p>
+            <a:endParaRPr lang="en-US" altLang="zh-TW" dirty="0"/>
+          </a:p>
+          <a:p>
+            <a:r>
+              <a:rPr lang="en-US" altLang="zh-TW" dirty="0"/>
+              <a:t>The old IoT GW forwards this request to the BLE peripheral and the peripheral immediately terminates the connection (independent of the supervision timeout). </a:t>
+            </a:r>
+          </a:p>
+          <a:p>
+            <a:endParaRPr lang="en-US" altLang="zh-TW" dirty="0"/>
+          </a:p>
+          <a:p>
+            <a:r>
+              <a:rPr lang="en-US" altLang="zh-TW" dirty="0"/>
+              <a:t>Afterwards, the BLE advertisements can be answered with a connection request again, which is now done by the alternative gateway incited by the connect message.</a:t>
+            </a:r>
+            <a:endParaRPr lang="zh-TW" altLang="en-US" dirty="0"/>
+          </a:p>
+        </p:txBody>
+      </p:sp>
+      <p:sp>
+        <p:nvSpPr>
+          <p:cNvPr id="4" name="投影片編號版面配置區 3">
+            <a:extLst>
+              <a:ext uri="{FF2B5EF4-FFF2-40B4-BE49-F238E27FC236}">
+                <a16:creationId xmlns:a16="http://schemas.microsoft.com/office/drawing/2014/main" id="{D343627B-A794-4656-8F31-A526720248C0}"/>
+              </a:ext>
+            </a:extLst>
+          </p:cNvPr>
+          <p:cNvSpPr>
+            <a:spLocks noGrp="1"/>
+          </p:cNvSpPr>
+          <p:nvPr>
+            <p:ph type="sldNum" sz="quarter" idx="12"/>
+          </p:nvPr>
+        </p:nvSpPr>
+        <p:spPr/>
+        <p:txBody>
+          <a:bodyPr/>
+          <a:lstStyle/>
+          <a:p>
+            <a:fld id="{50029C49-A5A9-4A95-8BF0-94F73808DB5F}" type="slidenum">
+              <a:rPr lang="zh-TW" altLang="en-US" smtClean="0"/>
+              <a:t>21</a:t>
+            </a:fld>
+            <a:endParaRPr lang="zh-TW" altLang="en-US"/>
+          </a:p>
+        </p:txBody>
+      </p:sp>
+    </p:spTree>
+    <p:extLst>
+      <p:ext uri="{BB962C8B-B14F-4D97-AF65-F5344CB8AC3E}">
+        <p14:creationId xmlns:p14="http://schemas.microsoft.com/office/powerpoint/2010/main" val="227173799"/>
+      </p:ext>
+    </p:extLst>
+  </p:cSld>
+  <p:clrMapOvr>
+    <a:masterClrMapping/>
+  </p:clrMapOvr>
+</p:sld>
+</file>
+
+<file path=ppt/slides/slide22.xml><?xml version="1.0" encoding="utf-8"?>
+<p:sld xmlns:a="http://schemas.openxmlformats.org/drawingml/2006/main" xmlns:r="http://schemas.openxmlformats.org/officeDocument/2006/relationships" xmlns:p="http://schemas.openxmlformats.org/presentationml/2006/main">
+  <p:cSld>
+    <p:spTree>
+      <p:nvGrpSpPr>
+        <p:cNvPr id="1" name=""/>
+        <p:cNvGrpSpPr/>
+        <p:nvPr/>
+      </p:nvGrpSpPr>
+      <p:grpSpPr>
+        <a:xfrm>
+          <a:off x="0" y="0"/>
+          <a:ext cx="0" cy="0"/>
+          <a:chOff x="0" y="0"/>
+          <a:chExt cx="0" cy="0"/>
+        </a:xfrm>
+      </p:grpSpPr>
+      <p:sp>
+        <p:nvSpPr>
+          <p:cNvPr id="2" name="標題 1">
+            <a:extLst>
+              <a:ext uri="{FF2B5EF4-FFF2-40B4-BE49-F238E27FC236}">
+                <a16:creationId xmlns:a16="http://schemas.microsoft.com/office/drawing/2014/main" id="{A695901F-B45F-471B-B1C2-E603D8500264}"/>
+              </a:ext>
+            </a:extLst>
+          </p:cNvPr>
+          <p:cNvSpPr>
+            <a:spLocks noGrp="1"/>
+          </p:cNvSpPr>
+          <p:nvPr>
+            <p:ph type="title"/>
+          </p:nvPr>
+        </p:nvSpPr>
+        <p:spPr/>
+        <p:txBody>
+          <a:bodyPr/>
+          <a:lstStyle/>
+          <a:p>
+            <a:r>
+              <a:rPr lang="en-US" altLang="zh-TW" dirty="0"/>
+              <a:t>Handover approaches(cont’d)</a:t>
+            </a:r>
+            <a:endParaRPr lang="zh-TW" altLang="en-US" dirty="0"/>
+          </a:p>
+        </p:txBody>
+      </p:sp>
+      <p:sp>
+        <p:nvSpPr>
+          <p:cNvPr id="3" name="內容版面配置區 2">
+            <a:extLst>
+              <a:ext uri="{FF2B5EF4-FFF2-40B4-BE49-F238E27FC236}">
+                <a16:creationId xmlns:a16="http://schemas.microsoft.com/office/drawing/2014/main" id="{FB2F8C4B-A1E5-42DA-B706-3134322A9E30}"/>
+              </a:ext>
+            </a:extLst>
+          </p:cNvPr>
+          <p:cNvSpPr>
+            <a:spLocks noGrp="1"/>
+          </p:cNvSpPr>
+          <p:nvPr>
+            <p:ph idx="1"/>
+          </p:nvPr>
+        </p:nvSpPr>
+        <p:spPr>
+          <a:xfrm>
+            <a:off x="838200" y="1587500"/>
+            <a:ext cx="10515600" cy="4351338"/>
+          </a:xfrm>
+        </p:spPr>
+        <p:txBody>
+          <a:bodyPr>
+            <a:normAutofit/>
+          </a:bodyPr>
+          <a:lstStyle/>
+          <a:p>
+            <a:r>
+              <a:rPr lang="en-US" altLang="zh-TW" dirty="0"/>
+              <a:t>On top, when a BLE peripheral does not yet have a BLE connection with an IoT GW, the current best RSSI is can be used to find a suitable IoT GW and set up the connection. </a:t>
+            </a:r>
+          </a:p>
+          <a:p>
+            <a:endParaRPr lang="en-US" altLang="zh-TW" dirty="0"/>
+          </a:p>
+          <a:p>
+            <a:r>
+              <a:rPr lang="en-US" altLang="zh-TW" dirty="0"/>
+              <a:t>When an IoT GW naturally loses a BLE connection, which can occur if no suitable alternative was available, or a BLE connection failed to be set up, the controller is also notified, such an event indicates that the BLE peripheral has moved out of range of the BLE-enabled infrastructure or the infrastructure contains a blind spot.</a:t>
+            </a:r>
+            <a:endParaRPr lang="zh-TW" altLang="en-US" dirty="0"/>
+          </a:p>
+        </p:txBody>
+      </p:sp>
+      <p:sp>
+        <p:nvSpPr>
+          <p:cNvPr id="4" name="投影片編號版面配置區 3">
+            <a:extLst>
+              <a:ext uri="{FF2B5EF4-FFF2-40B4-BE49-F238E27FC236}">
+                <a16:creationId xmlns:a16="http://schemas.microsoft.com/office/drawing/2014/main" id="{D343627B-A794-4656-8F31-A526720248C0}"/>
+              </a:ext>
+            </a:extLst>
+          </p:cNvPr>
+          <p:cNvSpPr>
+            <a:spLocks noGrp="1"/>
+          </p:cNvSpPr>
+          <p:nvPr>
+            <p:ph type="sldNum" sz="quarter" idx="12"/>
+          </p:nvPr>
+        </p:nvSpPr>
+        <p:spPr/>
+        <p:txBody>
+          <a:bodyPr/>
+          <a:lstStyle/>
+          <a:p>
+            <a:fld id="{50029C49-A5A9-4A95-8BF0-94F73808DB5F}" type="slidenum">
+              <a:rPr lang="zh-TW" altLang="en-US" smtClean="0"/>
+              <a:t>22</a:t>
+            </a:fld>
+            <a:endParaRPr lang="zh-TW" altLang="en-US"/>
+          </a:p>
+        </p:txBody>
+      </p:sp>
+    </p:spTree>
+    <p:extLst>
+      <p:ext uri="{BB962C8B-B14F-4D97-AF65-F5344CB8AC3E}">
+        <p14:creationId xmlns:p14="http://schemas.microsoft.com/office/powerpoint/2010/main" val="3385593956"/>
+      </p:ext>
+    </p:extLst>
+  </p:cSld>
+  <p:clrMapOvr>
+    <a:masterClrMapping/>
+  </p:clrMapOvr>
+</p:sld>
+</file>
+
+<file path=ppt/slides/slide23.xml><?xml version="1.0" encoding="utf-8"?>
+<p:sld xmlns:a="http://schemas.openxmlformats.org/drawingml/2006/main" xmlns:r="http://schemas.openxmlformats.org/officeDocument/2006/relationships" xmlns:p="http://schemas.openxmlformats.org/presentationml/2006/main">
+  <p:cSld>
+    <p:spTree>
+      <p:nvGrpSpPr>
+        <p:cNvPr id="1" name=""/>
+        <p:cNvGrpSpPr/>
+        <p:nvPr/>
+      </p:nvGrpSpPr>
+      <p:grpSpPr>
+        <a:xfrm>
+          <a:off x="0" y="0"/>
+          <a:ext cx="0" cy="0"/>
+          <a:chOff x="0" y="0"/>
+          <a:chExt cx="0" cy="0"/>
+        </a:xfrm>
+      </p:grpSpPr>
+      <p:sp>
+        <p:nvSpPr>
+          <p:cNvPr id="2" name="標題 1">
+            <a:extLst>
+              <a:ext uri="{FF2B5EF4-FFF2-40B4-BE49-F238E27FC236}">
+                <a16:creationId xmlns:a16="http://schemas.microsoft.com/office/drawing/2014/main" id="{B93EF638-2849-41FC-9ED3-28D8E0CE969E}"/>
+              </a:ext>
+            </a:extLst>
+          </p:cNvPr>
+          <p:cNvSpPr>
+            <a:spLocks noGrp="1"/>
+          </p:cNvSpPr>
+          <p:nvPr>
+            <p:ph type="title"/>
+          </p:nvPr>
+        </p:nvSpPr>
+        <p:spPr/>
+        <p:txBody>
+          <a:bodyPr/>
+          <a:lstStyle/>
+          <a:p>
+            <a:r>
+              <a:rPr lang="en-US" altLang="zh-TW" dirty="0"/>
+              <a:t>Implementation details</a:t>
+            </a:r>
+            <a:endParaRPr lang="zh-TW" altLang="en-US" dirty="0"/>
+          </a:p>
+        </p:txBody>
+      </p:sp>
+      <p:sp>
+        <p:nvSpPr>
+          <p:cNvPr id="3" name="內容版面配置區 2">
+            <a:extLst>
+              <a:ext uri="{FF2B5EF4-FFF2-40B4-BE49-F238E27FC236}">
+                <a16:creationId xmlns:a16="http://schemas.microsoft.com/office/drawing/2014/main" id="{FE76078E-89DF-42BA-BFF0-0789F7A2DC49}"/>
+              </a:ext>
+            </a:extLst>
+          </p:cNvPr>
+          <p:cNvSpPr>
+            <a:spLocks noGrp="1"/>
+          </p:cNvSpPr>
+          <p:nvPr>
+            <p:ph idx="1"/>
+          </p:nvPr>
+        </p:nvSpPr>
+        <p:spPr/>
+        <p:txBody>
+          <a:bodyPr>
+            <a:normAutofit fontScale="92500" lnSpcReduction="10000"/>
+          </a:bodyPr>
+          <a:lstStyle/>
+          <a:p>
+            <a:r>
+              <a:rPr lang="en-US" altLang="zh-TW" dirty="0"/>
+              <a:t>The BLE peripheral’s role is enacted using a nRF52840 board and the other roles(</a:t>
+            </a:r>
+            <a:r>
+              <a:rPr lang="en-US" altLang="zh-TW" dirty="0" err="1"/>
+              <a:t>GW,Controller</a:t>
+            </a:r>
+            <a:r>
+              <a:rPr lang="en-US" altLang="zh-TW" dirty="0"/>
+              <a:t>) are enacted using Raspberry PI’s.</a:t>
+            </a:r>
+          </a:p>
+          <a:p>
+            <a:endParaRPr lang="en-US" altLang="zh-TW" dirty="0"/>
+          </a:p>
+          <a:p>
+            <a:r>
+              <a:rPr lang="en-US" altLang="zh-TW" b="1" dirty="0"/>
+              <a:t>nRF52840</a:t>
+            </a:r>
+            <a:r>
+              <a:rPr lang="en-US" altLang="zh-TW" dirty="0"/>
+              <a:t> board is capable of implementing a complete BLE v5.0 supported stack as well as the IPv6 over BLE stack adjustment.</a:t>
+            </a:r>
+          </a:p>
+          <a:p>
+            <a:endParaRPr lang="en-US" altLang="zh-TW" dirty="0"/>
+          </a:p>
+          <a:p>
+            <a:r>
+              <a:rPr lang="en-US" altLang="zh-TW" dirty="0"/>
+              <a:t>Use official Linux Bluetooth protocol stack(</a:t>
+            </a:r>
+            <a:r>
+              <a:rPr lang="en-US" altLang="zh-TW" dirty="0" err="1"/>
+              <a:t>BLueZ</a:t>
+            </a:r>
+            <a:r>
+              <a:rPr lang="en-US" altLang="zh-TW" dirty="0"/>
+              <a:t>) on Raspberry Pi.</a:t>
+            </a:r>
+          </a:p>
+          <a:p>
+            <a:endParaRPr lang="en-US" altLang="zh-TW" dirty="0"/>
+          </a:p>
+          <a:p>
+            <a:r>
+              <a:rPr lang="en-US" altLang="zh-TW" dirty="0"/>
+              <a:t>To emulate a mobile BLE peripheral performing a handover from one gateway to another gateway, in a controller manner, a manual attenuator is used.</a:t>
+            </a:r>
+            <a:endParaRPr lang="zh-TW" altLang="en-US" dirty="0"/>
+          </a:p>
+        </p:txBody>
+      </p:sp>
+      <p:sp>
+        <p:nvSpPr>
+          <p:cNvPr id="4" name="投影片編號版面配置區 3">
+            <a:extLst>
+              <a:ext uri="{FF2B5EF4-FFF2-40B4-BE49-F238E27FC236}">
+                <a16:creationId xmlns:a16="http://schemas.microsoft.com/office/drawing/2014/main" id="{AD1B4B23-F0A7-40BA-987D-16C4CCB324A1}"/>
+              </a:ext>
+            </a:extLst>
+          </p:cNvPr>
+          <p:cNvSpPr>
+            <a:spLocks noGrp="1"/>
+          </p:cNvSpPr>
+          <p:nvPr>
+            <p:ph type="sldNum" sz="quarter" idx="12"/>
+          </p:nvPr>
+        </p:nvSpPr>
+        <p:spPr/>
+        <p:txBody>
+          <a:bodyPr/>
+          <a:lstStyle/>
+          <a:p>
+            <a:fld id="{50029C49-A5A9-4A95-8BF0-94F73808DB5F}" type="slidenum">
+              <a:rPr lang="zh-TW" altLang="en-US" smtClean="0"/>
+              <a:t>23</a:t>
+            </a:fld>
+            <a:endParaRPr lang="zh-TW" altLang="en-US"/>
+          </a:p>
+        </p:txBody>
+      </p:sp>
+    </p:spTree>
+    <p:extLst>
+      <p:ext uri="{BB962C8B-B14F-4D97-AF65-F5344CB8AC3E}">
+        <p14:creationId xmlns:p14="http://schemas.microsoft.com/office/powerpoint/2010/main" val="664417199"/>
+      </p:ext>
+    </p:extLst>
+  </p:cSld>
+  <p:clrMapOvr>
+    <a:masterClrMapping/>
+  </p:clrMapOvr>
+</p:sld>
+</file>
+
+<file path=ppt/slides/slide24.xml><?xml version="1.0" encoding="utf-8"?>
+<p:sld xmlns:a="http://schemas.openxmlformats.org/drawingml/2006/main" xmlns:r="http://schemas.openxmlformats.org/officeDocument/2006/relationships" xmlns:p="http://schemas.openxmlformats.org/presentationml/2006/main">
+  <p:cSld>
+    <p:spTree>
+      <p:nvGrpSpPr>
+        <p:cNvPr id="1" name=""/>
+        <p:cNvGrpSpPr/>
+        <p:nvPr/>
+      </p:nvGrpSpPr>
+      <p:grpSpPr>
+        <a:xfrm>
+          <a:off x="0" y="0"/>
+          <a:ext cx="0" cy="0"/>
+          <a:chOff x="0" y="0"/>
+          <a:chExt cx="0" cy="0"/>
+        </a:xfrm>
+      </p:grpSpPr>
+      <p:sp>
+        <p:nvSpPr>
+          <p:cNvPr id="2" name="標題 1">
+            <a:extLst>
+              <a:ext uri="{FF2B5EF4-FFF2-40B4-BE49-F238E27FC236}">
+                <a16:creationId xmlns:a16="http://schemas.microsoft.com/office/drawing/2014/main" id="{B395D8BB-EDB2-42F3-9D92-4E6E7DCBB06A}"/>
+              </a:ext>
+            </a:extLst>
+          </p:cNvPr>
+          <p:cNvSpPr>
+            <a:spLocks noGrp="1"/>
+          </p:cNvSpPr>
+          <p:nvPr>
+            <p:ph type="title"/>
+          </p:nvPr>
+        </p:nvSpPr>
+        <p:spPr/>
+        <p:txBody>
+          <a:bodyPr/>
+          <a:lstStyle/>
+          <a:p>
+            <a:r>
+              <a:rPr lang="en-US" altLang="zh-TW" dirty="0"/>
+              <a:t>Evaluation</a:t>
+            </a:r>
+            <a:endParaRPr lang="zh-TW" altLang="en-US" dirty="0"/>
+          </a:p>
+        </p:txBody>
+      </p:sp>
+      <p:sp>
+        <p:nvSpPr>
+          <p:cNvPr id="3" name="內容版面配置區 2">
+            <a:extLst>
+              <a:ext uri="{FF2B5EF4-FFF2-40B4-BE49-F238E27FC236}">
+                <a16:creationId xmlns:a16="http://schemas.microsoft.com/office/drawing/2014/main" id="{C1C16457-135B-42D6-BD5B-8AF9CCC2689E}"/>
+              </a:ext>
+            </a:extLst>
+          </p:cNvPr>
+          <p:cNvSpPr>
+            <a:spLocks noGrp="1"/>
+          </p:cNvSpPr>
+          <p:nvPr>
+            <p:ph idx="1"/>
+          </p:nvPr>
+        </p:nvSpPr>
+        <p:spPr/>
+        <p:txBody>
+          <a:bodyPr/>
+          <a:lstStyle/>
+          <a:p>
+            <a:r>
+              <a:rPr lang="en-US" altLang="zh-TW" dirty="0"/>
+              <a:t>The performance of the handover process is predominantly impacted by two steps: disconnecting from the current GW and setting up a connection with the alternative GW.</a:t>
+            </a:r>
+          </a:p>
+          <a:p>
+            <a:endParaRPr lang="en-US" altLang="zh-TW" dirty="0"/>
+          </a:p>
+          <a:p>
+            <a:endParaRPr lang="zh-TW" altLang="en-US" dirty="0"/>
+          </a:p>
+        </p:txBody>
+      </p:sp>
+      <p:sp>
+        <p:nvSpPr>
+          <p:cNvPr id="4" name="投影片編號版面配置區 3">
+            <a:extLst>
+              <a:ext uri="{FF2B5EF4-FFF2-40B4-BE49-F238E27FC236}">
+                <a16:creationId xmlns:a16="http://schemas.microsoft.com/office/drawing/2014/main" id="{2E50D0C3-38B0-420B-AA42-A979EDC25DED}"/>
+              </a:ext>
+            </a:extLst>
+          </p:cNvPr>
+          <p:cNvSpPr>
+            <a:spLocks noGrp="1"/>
+          </p:cNvSpPr>
+          <p:nvPr>
+            <p:ph type="sldNum" sz="quarter" idx="12"/>
+          </p:nvPr>
+        </p:nvSpPr>
+        <p:spPr/>
+        <p:txBody>
+          <a:bodyPr/>
+          <a:lstStyle/>
+          <a:p>
+            <a:fld id="{50029C49-A5A9-4A95-8BF0-94F73808DB5F}" type="slidenum">
+              <a:rPr lang="zh-TW" altLang="en-US" smtClean="0"/>
+              <a:t>24</a:t>
             </a:fld>
             <a:endParaRPr lang="zh-TW" altLang="en-US"/>
           </a:p>
@@ -5233,7 +6926,7 @@
 </p:sld>
 </file>
 
-<file path=ppt/slides/slide18.xml><?xml version="1.0" encoding="utf-8"?>
+<file path=ppt/slides/slide25.xml><?xml version="1.0" encoding="utf-8"?>
 <p:sld xmlns:a="http://schemas.openxmlformats.org/drawingml/2006/main" xmlns:r="http://schemas.openxmlformats.org/officeDocument/2006/relationships" xmlns:p="http://schemas.openxmlformats.org/presentationml/2006/main">
   <p:cSld>
     <p:spTree>
@@ -5471,7 +7164,7 @@
           <a:p>
             <a:fld id="{50029C49-A5A9-4A95-8BF0-94F73808DB5F}" type="slidenum">
               <a:rPr lang="zh-TW" altLang="en-US" smtClean="0"/>
-              <a:t>18</a:t>
+              <a:t>25</a:t>
             </a:fld>
             <a:endParaRPr lang="zh-TW" altLang="en-US" dirty="0"/>
           </a:p>
@@ -5490,7 +7183,7 @@
 </p:sld>
 </file>
 
-<file path=ppt/slides/slide19.xml><?xml version="1.0" encoding="utf-8"?>
+<file path=ppt/slides/slide26.xml><?xml version="1.0" encoding="utf-8"?>
 <p:sld xmlns:a="http://schemas.openxmlformats.org/drawingml/2006/main" xmlns:r="http://schemas.openxmlformats.org/officeDocument/2006/relationships" xmlns:p="http://schemas.openxmlformats.org/presentationml/2006/main">
   <p:cSld>
     <p:spTree>
@@ -5607,7 +7300,7 @@
           <a:p>
             <a:fld id="{50029C49-A5A9-4A95-8BF0-94F73808DB5F}" type="slidenum">
               <a:rPr lang="zh-TW" altLang="en-US" smtClean="0"/>
-              <a:t>19</a:t>
+              <a:t>26</a:t>
             </a:fld>
             <a:endParaRPr lang="zh-TW" altLang="en-US" dirty="0"/>
           </a:p>
@@ -5626,7 +7319,7 @@
 </p:sld>
 </file>
 
-<file path=ppt/slides/slide2.xml><?xml version="1.0" encoding="utf-8"?>
+<file path=ppt/slides/slide27.xml><?xml version="1.0" encoding="utf-8"?>
 <p:sld xmlns:a="http://schemas.openxmlformats.org/drawingml/2006/main" xmlns:r="http://schemas.openxmlformats.org/officeDocument/2006/relationships" xmlns:p="http://schemas.openxmlformats.org/presentationml/2006/main">
   <p:cSld>
     <p:spTree>
@@ -5648,166 +7341,6 @@
           <p:cNvPr id="2" name="標題 1">
             <a:extLst>
               <a:ext uri="{FF2B5EF4-FFF2-40B4-BE49-F238E27FC236}">
-                <a16:creationId xmlns:a16="http://schemas.microsoft.com/office/drawing/2014/main" id="{374CC6A4-7D80-460A-B3B0-D78C7AA4B278}"/>
-              </a:ext>
-            </a:extLst>
-          </p:cNvPr>
-          <p:cNvSpPr>
-            <a:spLocks noGrp="1"/>
-          </p:cNvSpPr>
-          <p:nvPr>
-            <p:ph type="title"/>
-          </p:nvPr>
-        </p:nvSpPr>
-        <p:spPr/>
-        <p:txBody>
-          <a:bodyPr/>
-          <a:lstStyle/>
-          <a:p>
-            <a:r>
-              <a:rPr lang="en-US" altLang="zh-TW" dirty="0"/>
-              <a:t>Outline</a:t>
-            </a:r>
-            <a:endParaRPr lang="zh-TW" altLang="en-US" dirty="0"/>
-          </a:p>
-        </p:txBody>
-      </p:sp>
-      <p:sp>
-        <p:nvSpPr>
-          <p:cNvPr id="3" name="內容版面配置區 2">
-            <a:extLst>
-              <a:ext uri="{FF2B5EF4-FFF2-40B4-BE49-F238E27FC236}">
-                <a16:creationId xmlns:a16="http://schemas.microsoft.com/office/drawing/2014/main" id="{E4C02B56-07BF-448C-BE47-03D13CE393B5}"/>
-              </a:ext>
-            </a:extLst>
-          </p:cNvPr>
-          <p:cNvSpPr>
-            <a:spLocks noGrp="1"/>
-          </p:cNvSpPr>
-          <p:nvPr>
-            <p:ph idx="1"/>
-          </p:nvPr>
-        </p:nvSpPr>
-        <p:spPr/>
-        <p:txBody>
-          <a:bodyPr>
-            <a:normAutofit/>
-          </a:bodyPr>
-          <a:lstStyle/>
-          <a:p>
-            <a:r>
-              <a:rPr lang="en-US" altLang="zh-TW" dirty="0"/>
-              <a:t>Introduction</a:t>
-            </a:r>
-          </a:p>
-          <a:p>
-            <a:r>
-              <a:rPr lang="en-US" altLang="zh-TW" dirty="0"/>
-              <a:t>Primer on BLE and BLE over IPv6</a:t>
-            </a:r>
-          </a:p>
-          <a:p>
-            <a:r>
-              <a:rPr lang="en-US" altLang="zh-TW" dirty="0"/>
-              <a:t>A BLE-based multi-Gateway network infrastructure</a:t>
-            </a:r>
-          </a:p>
-          <a:p>
-            <a:r>
-              <a:rPr lang="en-US" altLang="zh-TW" dirty="0"/>
-              <a:t>Handover approaches</a:t>
-            </a:r>
-          </a:p>
-          <a:p>
-            <a:r>
-              <a:rPr lang="en-US" altLang="zh-TW" dirty="0"/>
-              <a:t>Implementation details</a:t>
-            </a:r>
-          </a:p>
-          <a:p>
-            <a:r>
-              <a:rPr lang="en-US" altLang="zh-TW" dirty="0"/>
-              <a:t>Evaluation</a:t>
-            </a:r>
-          </a:p>
-          <a:p>
-            <a:r>
-              <a:rPr lang="en-US" altLang="zh-TW" dirty="0"/>
-              <a:t>Conclusion</a:t>
-            </a:r>
-          </a:p>
-          <a:p>
-            <a:r>
-              <a:rPr lang="en-US" altLang="zh-TW" dirty="0"/>
-              <a:t>References</a:t>
-            </a:r>
-          </a:p>
-        </p:txBody>
-      </p:sp>
-      <p:sp>
-        <p:nvSpPr>
-          <p:cNvPr id="4" name="投影片編號版面配置區 3">
-            <a:extLst>
-              <a:ext uri="{FF2B5EF4-FFF2-40B4-BE49-F238E27FC236}">
-                <a16:creationId xmlns:a16="http://schemas.microsoft.com/office/drawing/2014/main" id="{54C0367C-91A7-428B-B46E-60D3CE76CC93}"/>
-              </a:ext>
-            </a:extLst>
-          </p:cNvPr>
-          <p:cNvSpPr>
-            <a:spLocks noGrp="1"/>
-          </p:cNvSpPr>
-          <p:nvPr>
-            <p:ph type="sldNum" sz="quarter" idx="12"/>
-          </p:nvPr>
-        </p:nvSpPr>
-        <p:spPr/>
-        <p:txBody>
-          <a:bodyPr/>
-          <a:lstStyle/>
-          <a:p>
-            <a:fld id="{50029C49-A5A9-4A95-8BF0-94F73808DB5F}" type="slidenum">
-              <a:rPr lang="zh-TW" altLang="en-US" smtClean="0"/>
-              <a:t>2</a:t>
-            </a:fld>
-            <a:endParaRPr lang="zh-TW" altLang="en-US"/>
-          </a:p>
-        </p:txBody>
-      </p:sp>
-    </p:spTree>
-    <p:extLst>
-      <p:ext uri="{BB962C8B-B14F-4D97-AF65-F5344CB8AC3E}">
-        <p14:creationId xmlns:p14="http://schemas.microsoft.com/office/powerpoint/2010/main" val="1051466082"/>
-      </p:ext>
-    </p:extLst>
-  </p:cSld>
-  <p:clrMapOvr>
-    <a:masterClrMapping/>
-  </p:clrMapOvr>
-</p:sld>
-</file>
-
-<file path=ppt/slides/slide20.xml><?xml version="1.0" encoding="utf-8"?>
-<p:sld xmlns:a="http://schemas.openxmlformats.org/drawingml/2006/main" xmlns:r="http://schemas.openxmlformats.org/officeDocument/2006/relationships" xmlns:p="http://schemas.openxmlformats.org/presentationml/2006/main">
-  <p:cSld>
-    <p:spTree>
-      <p:nvGrpSpPr>
-        <p:cNvPr id="1" name=""/>
-        <p:cNvGrpSpPr/>
-        <p:nvPr/>
-      </p:nvGrpSpPr>
-      <p:grpSpPr>
-        <a:xfrm>
-          <a:off x="0" y="0"/>
-          <a:ext cx="0" cy="0"/>
-          <a:chOff x="0" y="0"/>
-          <a:chExt cx="0" cy="0"/>
-        </a:xfrm>
-      </p:grpSpPr>
-      <p:sp>
-        <p:nvSpPr>
-          <p:cNvPr id="2" name="標題 1">
-            <a:extLst>
-              <a:ext uri="{FF2B5EF4-FFF2-40B4-BE49-F238E27FC236}">
                 <a16:creationId xmlns:a16="http://schemas.microsoft.com/office/drawing/2014/main" id="{B395D8BB-EDB2-42F3-9D92-4E6E7DCBB06A}"/>
               </a:ext>
             </a:extLst>
@@ -5915,7 +7448,7 @@
           <a:p>
             <a:fld id="{50029C49-A5A9-4A95-8BF0-94F73808DB5F}" type="slidenum">
               <a:rPr lang="zh-TW" altLang="en-US" smtClean="0"/>
-              <a:t>20</a:t>
+              <a:t>27</a:t>
             </a:fld>
             <a:endParaRPr lang="zh-TW" altLang="en-US" dirty="0"/>
           </a:p>
@@ -5934,7 +7467,7 @@
 </p:sld>
 </file>
 
-<file path=ppt/slides/slide21.xml><?xml version="1.0" encoding="utf-8"?>
+<file path=ppt/slides/slide28.xml><?xml version="1.0" encoding="utf-8"?>
 <p:sld xmlns:a="http://schemas.openxmlformats.org/drawingml/2006/main" xmlns:r="http://schemas.openxmlformats.org/officeDocument/2006/relationships" xmlns:p="http://schemas.openxmlformats.org/presentationml/2006/main">
   <p:cSld>
     <p:spTree>
@@ -6162,7 +7695,7 @@
           <a:p>
             <a:fld id="{50029C49-A5A9-4A95-8BF0-94F73808DB5F}" type="slidenum">
               <a:rPr lang="zh-TW" altLang="en-US" smtClean="0"/>
-              <a:t>21</a:t>
+              <a:t>28</a:t>
             </a:fld>
             <a:endParaRPr lang="zh-TW" altLang="en-US"/>
           </a:p>
@@ -6181,7 +7714,7 @@
 </p:sld>
 </file>
 
-<file path=ppt/slides/slide22.xml><?xml version="1.0" encoding="utf-8"?>
+<file path=ppt/slides/slide29.xml><?xml version="1.0" encoding="utf-8"?>
 <p:sld xmlns:a="http://schemas.openxmlformats.org/drawingml/2006/main" xmlns:r="http://schemas.openxmlformats.org/officeDocument/2006/relationships" xmlns:p="http://schemas.openxmlformats.org/presentationml/2006/main">
   <p:cSld>
     <p:spTree>
@@ -6280,7 +7813,7 @@
           <a:p>
             <a:fld id="{50029C49-A5A9-4A95-8BF0-94F73808DB5F}" type="slidenum">
               <a:rPr lang="zh-TW" altLang="en-US" smtClean="0"/>
-              <a:t>22</a:t>
+              <a:t>29</a:t>
             </a:fld>
             <a:endParaRPr lang="zh-TW" altLang="en-US" dirty="0"/>
           </a:p>
@@ -6403,7 +7936,7 @@
 </p:sld>
 </file>
 
-<file path=ppt/slides/slide23.xml><?xml version="1.0" encoding="utf-8"?>
+<file path=ppt/slides/slide3.xml><?xml version="1.0" encoding="utf-8"?>
 <p:sld xmlns:a="http://schemas.openxmlformats.org/drawingml/2006/main" xmlns:r="http://schemas.openxmlformats.org/officeDocument/2006/relationships" xmlns:p="http://schemas.openxmlformats.org/presentationml/2006/main">
   <p:cSld>
     <p:spTree>
@@ -6425,7 +7958,7 @@
           <p:cNvPr id="2" name="標題 1">
             <a:extLst>
               <a:ext uri="{FF2B5EF4-FFF2-40B4-BE49-F238E27FC236}">
-                <a16:creationId xmlns:a16="http://schemas.microsoft.com/office/drawing/2014/main" id="{B395D8BB-EDB2-42F3-9D92-4E6E7DCBB06A}"/>
+                <a16:creationId xmlns:a16="http://schemas.microsoft.com/office/drawing/2014/main" id="{14B7E57E-D063-41EF-A857-5628A20B75BC}"/>
               </a:ext>
             </a:extLst>
           </p:cNvPr>
@@ -6443,7 +7976,7 @@
           <a:p>
             <a:r>
               <a:rPr lang="en-US" altLang="zh-TW" dirty="0"/>
-              <a:t>Evaluation : active handover</a:t>
+              <a:t>Introduction</a:t>
             </a:r>
             <a:endParaRPr lang="zh-TW" altLang="en-US" dirty="0"/>
           </a:p>
@@ -6454,7 +7987,7 @@
           <p:cNvPr id="3" name="內容版面配置區 2">
             <a:extLst>
               <a:ext uri="{FF2B5EF4-FFF2-40B4-BE49-F238E27FC236}">
-                <a16:creationId xmlns:a16="http://schemas.microsoft.com/office/drawing/2014/main" id="{C1C16457-135B-42D6-BD5B-8AF9CCC2689E}"/>
+                <a16:creationId xmlns:a16="http://schemas.microsoft.com/office/drawing/2014/main" id="{E616DA40-9E29-4C7C-A28F-3857701A0286}"/>
               </a:ext>
             </a:extLst>
           </p:cNvPr>
@@ -6467,14 +8000,12 @@
         </p:nvSpPr>
         <p:spPr/>
         <p:txBody>
-          <a:bodyPr>
-            <a:normAutofit lnSpcReduction="10000"/>
-          </a:bodyPr>
-          <a:lstStyle/>
-          <a:p>
-            <a:r>
-              <a:rPr lang="en-US" altLang="zh-TW" dirty="0"/>
-              <a:t>About disconnecting from current GW</a:t>
+          <a:bodyPr/>
+          <a:lstStyle/>
+          <a:p>
+            <a:r>
+              <a:rPr lang="en-US" altLang="zh-TW" dirty="0"/>
+              <a:t>Bluetooth  Low  Energy  (BLE)  is  a  popular  technology  within  the  Internet  of  Things.  It  allows  low-power,  star networks  to  be  set  up  between  a  BLE  gateway  and  multiple , power-constrained  BLE  devices.  </a:t>
             </a:r>
           </a:p>
           <a:p>
@@ -6483,25 +8014,7 @@
           <a:p>
             <a:r>
               <a:rPr lang="en-US" altLang="zh-TW" dirty="0"/>
-              <a:t>the current GW will receive a disconnection message from the controller once a roaming decision has made. </a:t>
-            </a:r>
-          </a:p>
-          <a:p>
-            <a:endParaRPr lang="en-US" altLang="zh-TW" dirty="0"/>
-          </a:p>
-          <a:p>
-            <a:r>
-              <a:rPr lang="en-US" altLang="zh-TW" dirty="0"/>
-              <a:t>After receiving this message, the GW immediately attempts to send a disconnection request to the BLE peripheral. </a:t>
-            </a:r>
-          </a:p>
-          <a:p>
-            <a:endParaRPr lang="en-US" altLang="zh-TW" dirty="0"/>
-          </a:p>
-          <a:p>
-            <a:r>
-              <a:rPr lang="en-US" altLang="zh-TW" dirty="0"/>
-              <a:t>Upon receiving this request, the peripheral answers with a disconnection acknowledgment.</a:t>
+              <a:t>However,  these  networks  tend to  be  static,  not  supporting  BLE  devices  that  can  freely  move around   in   an   environment   of   multiple   interconnected   BLE gateways and perform handovers whenever necessary.</a:t>
             </a:r>
           </a:p>
         </p:txBody>
@@ -6511,7 +8024,7 @@
           <p:cNvPr id="4" name="投影片編號版面配置區 3">
             <a:extLst>
               <a:ext uri="{FF2B5EF4-FFF2-40B4-BE49-F238E27FC236}">
-                <a16:creationId xmlns:a16="http://schemas.microsoft.com/office/drawing/2014/main" id="{DB634B57-2E7E-40BE-993E-5F46071107A7}"/>
+                <a16:creationId xmlns:a16="http://schemas.microsoft.com/office/drawing/2014/main" id="{69BF509B-CFE1-4421-99AF-8C1B621F1701}"/>
               </a:ext>
             </a:extLst>
           </p:cNvPr>
@@ -6529,7 +8042,7 @@
           <a:p>
             <a:fld id="{50029C49-A5A9-4A95-8BF0-94F73808DB5F}" type="slidenum">
               <a:rPr lang="zh-TW" altLang="en-US" smtClean="0"/>
-              <a:t>23</a:t>
+              <a:t>3</a:t>
             </a:fld>
             <a:endParaRPr lang="zh-TW" altLang="en-US"/>
           </a:p>
@@ -6538,7 +8051,7 @@
     </p:spTree>
     <p:extLst>
       <p:ext uri="{BB962C8B-B14F-4D97-AF65-F5344CB8AC3E}">
-        <p14:creationId xmlns:p14="http://schemas.microsoft.com/office/powerpoint/2010/main" val="1272687956"/>
+        <p14:creationId xmlns:p14="http://schemas.microsoft.com/office/powerpoint/2010/main" val="2374265362"/>
       </p:ext>
     </p:extLst>
   </p:cSld>
@@ -6548,7 +8061,7 @@
 </p:sld>
 </file>
 
-<file path=ppt/slides/slide24.xml><?xml version="1.0" encoding="utf-8"?>
+<file path=ppt/slides/slide30.xml><?xml version="1.0" encoding="utf-8"?>
 <p:sld xmlns:a="http://schemas.openxmlformats.org/drawingml/2006/main" xmlns:r="http://schemas.openxmlformats.org/officeDocument/2006/relationships" xmlns:p="http://schemas.openxmlformats.org/presentationml/2006/main">
   <p:cSld>
     <p:spTree>
@@ -6588,7 +8101,7 @@
           <a:p>
             <a:r>
               <a:rPr lang="en-US" altLang="zh-TW" dirty="0"/>
-              <a:t>Evaluation : active handover(cont’d)</a:t>
+              <a:t>Evaluation : active handover</a:t>
             </a:r>
             <a:endParaRPr lang="zh-TW" altLang="en-US" dirty="0"/>
           </a:p>
@@ -6613,13 +8126,13 @@
         <p:spPr/>
         <p:txBody>
           <a:bodyPr>
-            <a:normAutofit fontScale="92500" lnSpcReduction="10000"/>
+            <a:normAutofit lnSpcReduction="10000"/>
           </a:bodyPr>
           <a:lstStyle/>
           <a:p>
             <a:r>
               <a:rPr lang="en-US" altLang="zh-TW" dirty="0"/>
-              <a:t>About Setting up a connection with the alternative GW</a:t>
+              <a:t>About disconnecting from current GW</a:t>
             </a:r>
           </a:p>
           <a:p>
@@ -6628,7 +8141,7 @@
           <a:p>
             <a:r>
               <a:rPr lang="en-US" altLang="zh-TW" dirty="0"/>
-              <a:t>Once the disconnection has been finalized, the BLE peripheral switches from a connection/advertising state to solely an advertising state, broadcasting connectable advertisements. </a:t>
+              <a:t>the current GW will receive a disconnection message from the controller once a roaming decision has made. </a:t>
             </a:r>
           </a:p>
           <a:p>
@@ -6637,15 +8150,7 @@
           <a:p>
             <a:r>
               <a:rPr lang="en-US" altLang="zh-TW" dirty="0"/>
-              <a:t>In the meantime, the alternative GW has received a connect message from the controller and has switched from </a:t>
-            </a:r>
-            <a:r>
-              <a:rPr lang="en-US" altLang="zh-TW" dirty="0" err="1"/>
-              <a:t>nonconnectable</a:t>
-            </a:r>
-            <a:r>
-              <a:rPr lang="en-US" altLang="zh-TW" dirty="0"/>
-              <a:t> to connectable scanning, specifically for the MAC address of the BLE peripheral at hand. </a:t>
+              <a:t>After receiving this message, the GW immediately attempts to send a disconnection request to the BLE peripheral. </a:t>
             </a:r>
           </a:p>
           <a:p>
@@ -6654,7 +8159,7 @@
           <a:p>
             <a:r>
               <a:rPr lang="en-US" altLang="zh-TW" dirty="0"/>
-              <a:t>From this point, the handover process is similar to passive handover.</a:t>
+              <a:t>Upon receiving this request, the peripheral answers with a disconnection acknowledgment.</a:t>
             </a:r>
           </a:p>
         </p:txBody>
@@ -6682,7 +8187,7 @@
           <a:p>
             <a:fld id="{50029C49-A5A9-4A95-8BF0-94F73808DB5F}" type="slidenum">
               <a:rPr lang="zh-TW" altLang="en-US" smtClean="0"/>
-              <a:t>24</a:t>
+              <a:t>30</a:t>
             </a:fld>
             <a:endParaRPr lang="zh-TW" altLang="en-US"/>
           </a:p>
@@ -6691,7 +8196,7 @@
     </p:spTree>
     <p:extLst>
       <p:ext uri="{BB962C8B-B14F-4D97-AF65-F5344CB8AC3E}">
-        <p14:creationId xmlns:p14="http://schemas.microsoft.com/office/powerpoint/2010/main" val="3783783229"/>
+        <p14:creationId xmlns:p14="http://schemas.microsoft.com/office/powerpoint/2010/main" val="1272687956"/>
       </p:ext>
     </p:extLst>
   </p:cSld>
@@ -6701,7 +8206,7 @@
 </p:sld>
 </file>
 
-<file path=ppt/slides/slide25.xml><?xml version="1.0" encoding="utf-8"?>
+<file path=ppt/slides/slide31.xml><?xml version="1.0" encoding="utf-8"?>
 <p:sld xmlns:a="http://schemas.openxmlformats.org/drawingml/2006/main" xmlns:r="http://schemas.openxmlformats.org/officeDocument/2006/relationships" xmlns:p="http://schemas.openxmlformats.org/presentationml/2006/main">
   <p:cSld>
     <p:spTree>
@@ -6766,13 +8271,13 @@
         <p:spPr/>
         <p:txBody>
           <a:bodyPr>
-            <a:normAutofit lnSpcReduction="10000"/>
+            <a:normAutofit fontScale="92500" lnSpcReduction="10000"/>
           </a:bodyPr>
           <a:lstStyle/>
           <a:p>
             <a:r>
               <a:rPr lang="en-US" altLang="zh-TW" dirty="0"/>
-              <a:t>Potential Optimizations</a:t>
+              <a:t>About Setting up a connection with the alternative GW</a:t>
             </a:r>
           </a:p>
           <a:p>
@@ -6781,7 +8286,7 @@
           <a:p>
             <a:r>
               <a:rPr lang="en-US" altLang="zh-TW" dirty="0"/>
-              <a:t>The BLE peripheral constantly needs to advertise , This increases energy consumption and decreases the quality of the BLE connection as well.</a:t>
+              <a:t>Once the disconnection has been finalized, the BLE peripheral switches from a connection/advertising state to solely an advertising state, broadcasting connectable advertisements. </a:t>
             </a:r>
           </a:p>
           <a:p>
@@ -6790,7 +8295,24 @@
           <a:p>
             <a:r>
               <a:rPr lang="en-US" altLang="zh-TW" dirty="0"/>
-              <a:t>A possible improvement could employ a proactive decision on when to start and stop advertising. The peripheral can monitor the quality of the current connection (i.e. via RSSI) and decide via these indicators whether it is necessary to advertise its presence or not.</a:t>
+              <a:t>In the meantime, the alternative GW has received a connect message from the controller and has switched from </a:t>
+            </a:r>
+            <a:r>
+              <a:rPr lang="en-US" altLang="zh-TW" dirty="0" err="1"/>
+              <a:t>nonconnectable</a:t>
+            </a:r>
+            <a:r>
+              <a:rPr lang="en-US" altLang="zh-TW" dirty="0"/>
+              <a:t> to connectable scanning, specifically for the MAC address of the BLE peripheral at hand. </a:t>
+            </a:r>
+          </a:p>
+          <a:p>
+            <a:endParaRPr lang="en-US" altLang="zh-TW" dirty="0"/>
+          </a:p>
+          <a:p>
+            <a:r>
+              <a:rPr lang="en-US" altLang="zh-TW" dirty="0"/>
+              <a:t>From this point, the handover process is similar to passive handover.</a:t>
             </a:r>
           </a:p>
         </p:txBody>
@@ -6818,7 +8340,7 @@
           <a:p>
             <a:fld id="{50029C49-A5A9-4A95-8BF0-94F73808DB5F}" type="slidenum">
               <a:rPr lang="zh-TW" altLang="en-US" smtClean="0"/>
-              <a:t>25</a:t>
+              <a:t>31</a:t>
             </a:fld>
             <a:endParaRPr lang="zh-TW" altLang="en-US"/>
           </a:p>
@@ -6827,7 +8349,7 @@
     </p:spTree>
     <p:extLst>
       <p:ext uri="{BB962C8B-B14F-4D97-AF65-F5344CB8AC3E}">
-        <p14:creationId xmlns:p14="http://schemas.microsoft.com/office/powerpoint/2010/main" val="3851096165"/>
+        <p14:creationId xmlns:p14="http://schemas.microsoft.com/office/powerpoint/2010/main" val="3783783229"/>
       </p:ext>
     </p:extLst>
   </p:cSld>
@@ -6837,7 +8359,7 @@
 </p:sld>
 </file>
 
-<file path=ppt/slides/slide26.xml><?xml version="1.0" encoding="utf-8"?>
+<file path=ppt/slides/slide32.xml><?xml version="1.0" encoding="utf-8"?>
 <p:sld xmlns:a="http://schemas.openxmlformats.org/drawingml/2006/main" xmlns:r="http://schemas.openxmlformats.org/officeDocument/2006/relationships" xmlns:p="http://schemas.openxmlformats.org/presentationml/2006/main">
   <p:cSld>
     <p:spTree>
@@ -6883,6 +8405,142 @@
           </a:p>
         </p:txBody>
       </p:sp>
+      <p:sp>
+        <p:nvSpPr>
+          <p:cNvPr id="3" name="內容版面配置區 2">
+            <a:extLst>
+              <a:ext uri="{FF2B5EF4-FFF2-40B4-BE49-F238E27FC236}">
+                <a16:creationId xmlns:a16="http://schemas.microsoft.com/office/drawing/2014/main" id="{C1C16457-135B-42D6-BD5B-8AF9CCC2689E}"/>
+              </a:ext>
+            </a:extLst>
+          </p:cNvPr>
+          <p:cNvSpPr>
+            <a:spLocks noGrp="1"/>
+          </p:cNvSpPr>
+          <p:nvPr>
+            <p:ph idx="1"/>
+          </p:nvPr>
+        </p:nvSpPr>
+        <p:spPr/>
+        <p:txBody>
+          <a:bodyPr>
+            <a:normAutofit lnSpcReduction="10000"/>
+          </a:bodyPr>
+          <a:lstStyle/>
+          <a:p>
+            <a:r>
+              <a:rPr lang="en-US" altLang="zh-TW" dirty="0"/>
+              <a:t>Potential Optimizations</a:t>
+            </a:r>
+          </a:p>
+          <a:p>
+            <a:endParaRPr lang="en-US" altLang="zh-TW" dirty="0"/>
+          </a:p>
+          <a:p>
+            <a:r>
+              <a:rPr lang="en-US" altLang="zh-TW" dirty="0"/>
+              <a:t>The BLE peripheral constantly needs to advertise , This increases energy consumption and decreases the quality of the BLE connection as well.</a:t>
+            </a:r>
+          </a:p>
+          <a:p>
+            <a:endParaRPr lang="en-US" altLang="zh-TW" dirty="0"/>
+          </a:p>
+          <a:p>
+            <a:r>
+              <a:rPr lang="en-US" altLang="zh-TW" dirty="0"/>
+              <a:t>A possible improvement could employ a proactive decision on when to start and stop advertising. The peripheral can monitor the quality of the current connection (i.e. via RSSI) and decide via these indicators whether it is necessary to advertise its presence or not.</a:t>
+            </a:r>
+          </a:p>
+        </p:txBody>
+      </p:sp>
+      <p:sp>
+        <p:nvSpPr>
+          <p:cNvPr id="4" name="投影片編號版面配置區 3">
+            <a:extLst>
+              <a:ext uri="{FF2B5EF4-FFF2-40B4-BE49-F238E27FC236}">
+                <a16:creationId xmlns:a16="http://schemas.microsoft.com/office/drawing/2014/main" id="{DB634B57-2E7E-40BE-993E-5F46071107A7}"/>
+              </a:ext>
+            </a:extLst>
+          </p:cNvPr>
+          <p:cNvSpPr>
+            <a:spLocks noGrp="1"/>
+          </p:cNvSpPr>
+          <p:nvPr>
+            <p:ph type="sldNum" sz="quarter" idx="12"/>
+          </p:nvPr>
+        </p:nvSpPr>
+        <p:spPr/>
+        <p:txBody>
+          <a:bodyPr/>
+          <a:lstStyle/>
+          <a:p>
+            <a:fld id="{50029C49-A5A9-4A95-8BF0-94F73808DB5F}" type="slidenum">
+              <a:rPr lang="zh-TW" altLang="en-US" smtClean="0"/>
+              <a:t>32</a:t>
+            </a:fld>
+            <a:endParaRPr lang="zh-TW" altLang="en-US"/>
+          </a:p>
+        </p:txBody>
+      </p:sp>
+    </p:spTree>
+    <p:extLst>
+      <p:ext uri="{BB962C8B-B14F-4D97-AF65-F5344CB8AC3E}">
+        <p14:creationId xmlns:p14="http://schemas.microsoft.com/office/powerpoint/2010/main" val="3851096165"/>
+      </p:ext>
+    </p:extLst>
+  </p:cSld>
+  <p:clrMapOvr>
+    <a:masterClrMapping/>
+  </p:clrMapOvr>
+</p:sld>
+</file>
+
+<file path=ppt/slides/slide33.xml><?xml version="1.0" encoding="utf-8"?>
+<p:sld xmlns:a="http://schemas.openxmlformats.org/drawingml/2006/main" xmlns:r="http://schemas.openxmlformats.org/officeDocument/2006/relationships" xmlns:p="http://schemas.openxmlformats.org/presentationml/2006/main">
+  <p:cSld>
+    <p:spTree>
+      <p:nvGrpSpPr>
+        <p:cNvPr id="1" name=""/>
+        <p:cNvGrpSpPr/>
+        <p:nvPr/>
+      </p:nvGrpSpPr>
+      <p:grpSpPr>
+        <a:xfrm>
+          <a:off x="0" y="0"/>
+          <a:ext cx="0" cy="0"/>
+          <a:chOff x="0" y="0"/>
+          <a:chExt cx="0" cy="0"/>
+        </a:xfrm>
+      </p:grpSpPr>
+      <p:sp>
+        <p:nvSpPr>
+          <p:cNvPr id="2" name="標題 1">
+            <a:extLst>
+              <a:ext uri="{FF2B5EF4-FFF2-40B4-BE49-F238E27FC236}">
+                <a16:creationId xmlns:a16="http://schemas.microsoft.com/office/drawing/2014/main" id="{B395D8BB-EDB2-42F3-9D92-4E6E7DCBB06A}"/>
+              </a:ext>
+            </a:extLst>
+          </p:cNvPr>
+          <p:cNvSpPr>
+            <a:spLocks noGrp="1"/>
+          </p:cNvSpPr>
+          <p:nvPr>
+            <p:ph type="title"/>
+          </p:nvPr>
+        </p:nvSpPr>
+        <p:spPr/>
+        <p:txBody>
+          <a:bodyPr/>
+          <a:lstStyle/>
+          <a:p>
+            <a:r>
+              <a:rPr lang="en-US" altLang="zh-TW" dirty="0"/>
+              <a:t>Evaluation : active handover(cont’d)</a:t>
+            </a:r>
+            <a:endParaRPr lang="zh-TW" altLang="en-US" dirty="0"/>
+          </a:p>
+        </p:txBody>
+      </p:sp>
       <p:pic>
         <p:nvPicPr>
           <p:cNvPr id="6" name="內容版面配置區 5">
@@ -6935,7 +8593,7 @@
           <a:p>
             <a:fld id="{50029C49-A5A9-4A95-8BF0-94F73808DB5F}" type="slidenum">
               <a:rPr lang="zh-TW" altLang="en-US" smtClean="0"/>
-              <a:t>26</a:t>
+              <a:t>33</a:t>
             </a:fld>
             <a:endParaRPr lang="zh-TW" altLang="en-US"/>
           </a:p>
@@ -6954,7 +8612,7 @@
 </p:sld>
 </file>
 
-<file path=ppt/slides/slide27.xml><?xml version="1.0" encoding="utf-8"?>
+<file path=ppt/slides/slide34.xml><?xml version="1.0" encoding="utf-8"?>
 <p:sld xmlns:a="http://schemas.openxmlformats.org/drawingml/2006/main" xmlns:r="http://schemas.openxmlformats.org/officeDocument/2006/relationships" xmlns:p="http://schemas.openxmlformats.org/presentationml/2006/main">
   <p:cSld>
     <p:spTree>
@@ -7053,7 +8711,7 @@
           <a:p>
             <a:fld id="{50029C49-A5A9-4A95-8BF0-94F73808DB5F}" type="slidenum">
               <a:rPr lang="zh-TW" altLang="en-US" smtClean="0"/>
-              <a:t>27</a:t>
+              <a:t>34</a:t>
             </a:fld>
             <a:endParaRPr lang="zh-TW" altLang="en-US"/>
           </a:p>
@@ -7176,7 +8834,7 @@
 </p:sld>
 </file>
 
-<file path=ppt/slides/slide28.xml><?xml version="1.0" encoding="utf-8"?>
+<file path=ppt/slides/slide35.xml><?xml version="1.0" encoding="utf-8"?>
 <p:sld xmlns:a="http://schemas.openxmlformats.org/drawingml/2006/main" xmlns:r="http://schemas.openxmlformats.org/officeDocument/2006/relationships" xmlns:p="http://schemas.openxmlformats.org/presentationml/2006/main">
   <p:cSld>
     <p:spTree>
@@ -7293,7 +8951,7 @@
           <a:p>
             <a:fld id="{50029C49-A5A9-4A95-8BF0-94F73808DB5F}" type="slidenum">
               <a:rPr lang="zh-TW" altLang="en-US" smtClean="0"/>
-              <a:t>28</a:t>
+              <a:t>35</a:t>
             </a:fld>
             <a:endParaRPr lang="zh-TW" altLang="en-US"/>
           </a:p>
@@ -7312,7 +8970,7 @@
 </p:sld>
 </file>
 
-<file path=ppt/slides/slide29.xml><?xml version="1.0" encoding="utf-8"?>
+<file path=ppt/slides/slide36.xml><?xml version="1.0" encoding="utf-8"?>
 <p:sld xmlns:a="http://schemas.openxmlformats.org/drawingml/2006/main" xmlns:r="http://schemas.openxmlformats.org/officeDocument/2006/relationships" xmlns:p="http://schemas.openxmlformats.org/presentationml/2006/main">
   <p:cSld>
     <p:spTree>
@@ -7429,7 +9087,7 @@
           <a:p>
             <a:fld id="{50029C49-A5A9-4A95-8BF0-94F73808DB5F}" type="slidenum">
               <a:rPr lang="zh-TW" altLang="en-US" smtClean="0"/>
-              <a:t>29</a:t>
+              <a:t>36</a:t>
             </a:fld>
             <a:endParaRPr lang="zh-TW" altLang="en-US"/>
           </a:p>
@@ -7448,7 +9106,7 @@
 </p:sld>
 </file>
 
-<file path=ppt/slides/slide3.xml><?xml version="1.0" encoding="utf-8"?>
+<file path=ppt/slides/slide37.xml><?xml version="1.0" encoding="utf-8"?>
 <p:sld xmlns:a="http://schemas.openxmlformats.org/drawingml/2006/main" xmlns:r="http://schemas.openxmlformats.org/officeDocument/2006/relationships" xmlns:p="http://schemas.openxmlformats.org/presentationml/2006/main">
   <p:cSld>
     <p:spTree>
@@ -7470,7 +9128,7 @@
           <p:cNvPr id="2" name="標題 1">
             <a:extLst>
               <a:ext uri="{FF2B5EF4-FFF2-40B4-BE49-F238E27FC236}">
-                <a16:creationId xmlns:a16="http://schemas.microsoft.com/office/drawing/2014/main" id="{14B7E57E-D063-41EF-A857-5628A20B75BC}"/>
+                <a16:creationId xmlns:a16="http://schemas.microsoft.com/office/drawing/2014/main" id="{B7DB5FDF-E9A2-4D3D-ACF8-CEFDE567ED4E}"/>
               </a:ext>
             </a:extLst>
           </p:cNvPr>
@@ -7488,7 +9146,7 @@
           <a:p>
             <a:r>
               <a:rPr lang="en-US" altLang="zh-TW" dirty="0"/>
-              <a:t>Introduction</a:t>
+              <a:t>Conclusion</a:t>
             </a:r>
             <a:endParaRPr lang="zh-TW" altLang="en-US" dirty="0"/>
           </a:p>
@@ -7499,7 +9157,7 @@
           <p:cNvPr id="3" name="內容版面配置區 2">
             <a:extLst>
               <a:ext uri="{FF2B5EF4-FFF2-40B4-BE49-F238E27FC236}">
-                <a16:creationId xmlns:a16="http://schemas.microsoft.com/office/drawing/2014/main" id="{E616DA40-9E29-4C7C-A28F-3857701A0286}"/>
+                <a16:creationId xmlns:a16="http://schemas.microsoft.com/office/drawing/2014/main" id="{24BC7DE2-9247-4111-B9E4-01812FC553D6}"/>
               </a:ext>
             </a:extLst>
           </p:cNvPr>
@@ -7517,7 +9175,7 @@
           <a:p>
             <a:r>
               <a:rPr lang="en-US" altLang="zh-TW" dirty="0"/>
-              <a:t>Bluetooth  Low  Energy  (BLE)  is  a  popular  technology  within  the  Internet  of  Things.  It  allows  low-power,  star networks  to  be  set  up  between  a  BLE  gateway  and  multiple , power-constrained  BLE  devices.  </a:t>
+              <a:t>In this paper, two architectures are proposed to realize a BLE-based multi-GW network infrastructure that is able to provide bidirectional connectivity to mobile BLE peripherals. </a:t>
             </a:r>
           </a:p>
           <a:p>
@@ -7526,8 +9184,9 @@
           <a:p>
             <a:r>
               <a:rPr lang="en-US" altLang="zh-TW" dirty="0"/>
-              <a:t>However,  these  networks  tend to  be  static,  not  supporting  BLE  devices  that  can  freely  move around   in   an   environment   of   multiple   interconnected   BLE gateways and perform handovers whenever necessary.</a:t>
-            </a:r>
+              <a:t>The IP based architecture offers seamless end-to-end IP connectivity between a mobile BLE peripheral and an existing IP network. It limits custom implementation needs, but requires more resources from the already constrained mobile BLE peripheral. </a:t>
+            </a:r>
+            <a:endParaRPr lang="zh-TW" altLang="en-US" dirty="0"/>
           </a:p>
         </p:txBody>
       </p:sp>
@@ -7536,7 +9195,7 @@
           <p:cNvPr id="4" name="投影片編號版面配置區 3">
             <a:extLst>
               <a:ext uri="{FF2B5EF4-FFF2-40B4-BE49-F238E27FC236}">
-                <a16:creationId xmlns:a16="http://schemas.microsoft.com/office/drawing/2014/main" id="{69BF509B-CFE1-4421-99AF-8C1B621F1701}"/>
+                <a16:creationId xmlns:a16="http://schemas.microsoft.com/office/drawing/2014/main" id="{1897B375-7AA8-4235-9A04-A251C8228EE1}"/>
               </a:ext>
             </a:extLst>
           </p:cNvPr>
@@ -7554,7 +9213,7 @@
           <a:p>
             <a:fld id="{50029C49-A5A9-4A95-8BF0-94F73808DB5F}" type="slidenum">
               <a:rPr lang="zh-TW" altLang="en-US" smtClean="0"/>
-              <a:t>3</a:t>
+              <a:t>37</a:t>
             </a:fld>
             <a:endParaRPr lang="zh-TW" altLang="en-US"/>
           </a:p>
@@ -7563,7 +9222,7 @@
     </p:spTree>
     <p:extLst>
       <p:ext uri="{BB962C8B-B14F-4D97-AF65-F5344CB8AC3E}">
-        <p14:creationId xmlns:p14="http://schemas.microsoft.com/office/powerpoint/2010/main" val="2374265362"/>
+        <p14:creationId xmlns:p14="http://schemas.microsoft.com/office/powerpoint/2010/main" val="3047592953"/>
       </p:ext>
     </p:extLst>
   </p:cSld>
@@ -7573,7 +9232,7 @@
 </p:sld>
 </file>
 
-<file path=ppt/slides/slide30.xml><?xml version="1.0" encoding="utf-8"?>
+<file path=ppt/slides/slide38.xml><?xml version="1.0" encoding="utf-8"?>
 <p:sld xmlns:a="http://schemas.openxmlformats.org/drawingml/2006/main" xmlns:r="http://schemas.openxmlformats.org/officeDocument/2006/relationships" xmlns:p="http://schemas.openxmlformats.org/presentationml/2006/main">
   <p:cSld>
     <p:spTree>
@@ -7613,7 +9272,7 @@
           <a:p>
             <a:r>
               <a:rPr lang="en-US" altLang="zh-TW" dirty="0"/>
-              <a:t>Conclusion</a:t>
+              <a:t>Conclusion(cont’d)</a:t>
             </a:r>
             <a:endParaRPr lang="zh-TW" altLang="en-US" dirty="0"/>
           </a:p>
@@ -7642,17 +9301,13 @@
           <a:p>
             <a:r>
               <a:rPr lang="en-US" altLang="zh-TW" dirty="0"/>
-              <a:t>In this paper, two architectures are proposed to realize a BLE-based multi-GW network infrastructure that is able to provide bidirectional connectivity to mobile BLE peripherals. </a:t>
+              <a:t>The non-IP based architecture requires less resources from the BLE peripheral as it employs native BLE communication towards the IoT gateway. However, custom implementation needs are much higher, as a dedicated controller is introduced within the existing network that needs to maintain the state of the infrastructure and the currently associated mobile BLE devices.</a:t>
             </a:r>
           </a:p>
           <a:p>
             <a:endParaRPr lang="en-US" altLang="zh-TW" dirty="0"/>
           </a:p>
           <a:p>
-            <a:r>
-              <a:rPr lang="en-US" altLang="zh-TW" dirty="0"/>
-              <a:t>The IP based architecture offers seamless end-to-end IP connectivity between a mobile BLE peripheral and an existing IP network. It limits custom implementation needs, but requires more resources from the already constrained mobile BLE peripheral. </a:t>
-            </a:r>
             <a:endParaRPr lang="zh-TW" altLang="en-US" dirty="0"/>
           </a:p>
         </p:txBody>
@@ -7662,7 +9317,7 @@
           <p:cNvPr id="4" name="投影片編號版面配置區 3">
             <a:extLst>
               <a:ext uri="{FF2B5EF4-FFF2-40B4-BE49-F238E27FC236}">
-                <a16:creationId xmlns:a16="http://schemas.microsoft.com/office/drawing/2014/main" id="{1897B375-7AA8-4235-9A04-A251C8228EE1}"/>
+                <a16:creationId xmlns:a16="http://schemas.microsoft.com/office/drawing/2014/main" id="{3027A15A-810A-49CD-86D5-0BC2EF69CCF7}"/>
               </a:ext>
             </a:extLst>
           </p:cNvPr>
@@ -7680,7 +9335,7 @@
           <a:p>
             <a:fld id="{50029C49-A5A9-4A95-8BF0-94F73808DB5F}" type="slidenum">
               <a:rPr lang="zh-TW" altLang="en-US" smtClean="0"/>
-              <a:t>30</a:t>
+              <a:t>38</a:t>
             </a:fld>
             <a:endParaRPr lang="zh-TW" altLang="en-US"/>
           </a:p>
@@ -7689,7 +9344,7 @@
     </p:spTree>
     <p:extLst>
       <p:ext uri="{BB962C8B-B14F-4D97-AF65-F5344CB8AC3E}">
-        <p14:creationId xmlns:p14="http://schemas.microsoft.com/office/powerpoint/2010/main" val="3047592953"/>
+        <p14:creationId xmlns:p14="http://schemas.microsoft.com/office/powerpoint/2010/main" val="4005318741"/>
       </p:ext>
     </p:extLst>
   </p:cSld>
@@ -7699,7 +9354,7 @@
 </p:sld>
 </file>
 
-<file path=ppt/slides/slide31.xml><?xml version="1.0" encoding="utf-8"?>
+<file path=ppt/slides/slide39.xml><?xml version="1.0" encoding="utf-8"?>
 <p:sld xmlns:a="http://schemas.openxmlformats.org/drawingml/2006/main" xmlns:r="http://schemas.openxmlformats.org/officeDocument/2006/relationships" xmlns:p="http://schemas.openxmlformats.org/presentationml/2006/main">
   <p:cSld>
     <p:spTree>
@@ -7763,128 +9418,6 @@
         </p:nvSpPr>
         <p:spPr/>
         <p:txBody>
-          <a:bodyPr/>
-          <a:lstStyle/>
-          <a:p>
-            <a:r>
-              <a:rPr lang="en-US" altLang="zh-TW" dirty="0"/>
-              <a:t>The non-IP based architecture requires less resources from the BLE peripheral as it employs native BLE communication towards the IoT gateway. However, custom implementation needs are much higher, as a dedicated controller is introduced within the existing network that needs to maintain the state of the infrastructure and the currently associated mobile BLE devices.</a:t>
-            </a:r>
-          </a:p>
-          <a:p>
-            <a:endParaRPr lang="en-US" altLang="zh-TW" dirty="0"/>
-          </a:p>
-          <a:p>
-            <a:endParaRPr lang="zh-TW" altLang="en-US" dirty="0"/>
-          </a:p>
-        </p:txBody>
-      </p:sp>
-      <p:sp>
-        <p:nvSpPr>
-          <p:cNvPr id="4" name="投影片編號版面配置區 3">
-            <a:extLst>
-              <a:ext uri="{FF2B5EF4-FFF2-40B4-BE49-F238E27FC236}">
-                <a16:creationId xmlns:a16="http://schemas.microsoft.com/office/drawing/2014/main" id="{3027A15A-810A-49CD-86D5-0BC2EF69CCF7}"/>
-              </a:ext>
-            </a:extLst>
-          </p:cNvPr>
-          <p:cNvSpPr>
-            <a:spLocks noGrp="1"/>
-          </p:cNvSpPr>
-          <p:nvPr>
-            <p:ph type="sldNum" sz="quarter" idx="12"/>
-          </p:nvPr>
-        </p:nvSpPr>
-        <p:spPr/>
-        <p:txBody>
-          <a:bodyPr/>
-          <a:lstStyle/>
-          <a:p>
-            <a:fld id="{50029C49-A5A9-4A95-8BF0-94F73808DB5F}" type="slidenum">
-              <a:rPr lang="zh-TW" altLang="en-US" smtClean="0"/>
-              <a:t>31</a:t>
-            </a:fld>
-            <a:endParaRPr lang="zh-TW" altLang="en-US"/>
-          </a:p>
-        </p:txBody>
-      </p:sp>
-    </p:spTree>
-    <p:extLst>
-      <p:ext uri="{BB962C8B-B14F-4D97-AF65-F5344CB8AC3E}">
-        <p14:creationId xmlns:p14="http://schemas.microsoft.com/office/powerpoint/2010/main" val="4005318741"/>
-      </p:ext>
-    </p:extLst>
-  </p:cSld>
-  <p:clrMapOvr>
-    <a:masterClrMapping/>
-  </p:clrMapOvr>
-</p:sld>
-</file>
-
-<file path=ppt/slides/slide32.xml><?xml version="1.0" encoding="utf-8"?>
-<p:sld xmlns:a="http://schemas.openxmlformats.org/drawingml/2006/main" xmlns:r="http://schemas.openxmlformats.org/officeDocument/2006/relationships" xmlns:p="http://schemas.openxmlformats.org/presentationml/2006/main">
-  <p:cSld>
-    <p:spTree>
-      <p:nvGrpSpPr>
-        <p:cNvPr id="1" name=""/>
-        <p:cNvGrpSpPr/>
-        <p:nvPr/>
-      </p:nvGrpSpPr>
-      <p:grpSpPr>
-        <a:xfrm>
-          <a:off x="0" y="0"/>
-          <a:ext cx="0" cy="0"/>
-          <a:chOff x="0" y="0"/>
-          <a:chExt cx="0" cy="0"/>
-        </a:xfrm>
-      </p:grpSpPr>
-      <p:sp>
-        <p:nvSpPr>
-          <p:cNvPr id="2" name="標題 1">
-            <a:extLst>
-              <a:ext uri="{FF2B5EF4-FFF2-40B4-BE49-F238E27FC236}">
-                <a16:creationId xmlns:a16="http://schemas.microsoft.com/office/drawing/2014/main" id="{B7DB5FDF-E9A2-4D3D-ACF8-CEFDE567ED4E}"/>
-              </a:ext>
-            </a:extLst>
-          </p:cNvPr>
-          <p:cNvSpPr>
-            <a:spLocks noGrp="1"/>
-          </p:cNvSpPr>
-          <p:nvPr>
-            <p:ph type="title"/>
-          </p:nvPr>
-        </p:nvSpPr>
-        <p:spPr/>
-        <p:txBody>
-          <a:bodyPr/>
-          <a:lstStyle/>
-          <a:p>
-            <a:r>
-              <a:rPr lang="en-US" altLang="zh-TW" dirty="0"/>
-              <a:t>Conclusion(cont’d)</a:t>
-            </a:r>
-            <a:endParaRPr lang="zh-TW" altLang="en-US" dirty="0"/>
-          </a:p>
-        </p:txBody>
-      </p:sp>
-      <p:sp>
-        <p:nvSpPr>
-          <p:cNvPr id="3" name="內容版面配置區 2">
-            <a:extLst>
-              <a:ext uri="{FF2B5EF4-FFF2-40B4-BE49-F238E27FC236}">
-                <a16:creationId xmlns:a16="http://schemas.microsoft.com/office/drawing/2014/main" id="{24BC7DE2-9247-4111-B9E4-01812FC553D6}"/>
-              </a:ext>
-            </a:extLst>
-          </p:cNvPr>
-          <p:cNvSpPr>
-            <a:spLocks noGrp="1"/>
-          </p:cNvSpPr>
-          <p:nvPr>
-            <p:ph idx="1"/>
-          </p:nvPr>
-        </p:nvSpPr>
-        <p:spPr/>
-        <p:txBody>
           <a:bodyPr>
             <a:normAutofit/>
           </a:bodyPr>
@@ -7929,7 +9462,7 @@
           <a:p>
             <a:fld id="{50029C49-A5A9-4A95-8BF0-94F73808DB5F}" type="slidenum">
               <a:rPr lang="zh-TW" altLang="en-US" smtClean="0"/>
-              <a:t>32</a:t>
+              <a:t>39</a:t>
             </a:fld>
             <a:endParaRPr lang="zh-TW" altLang="en-US"/>
           </a:p>
@@ -7939,374 +9472,6 @@
     <p:extLst>
       <p:ext uri="{BB962C8B-B14F-4D97-AF65-F5344CB8AC3E}">
         <p14:creationId xmlns:p14="http://schemas.microsoft.com/office/powerpoint/2010/main" val="1788803111"/>
-      </p:ext>
-    </p:extLst>
-  </p:cSld>
-  <p:clrMapOvr>
-    <a:masterClrMapping/>
-  </p:clrMapOvr>
-</p:sld>
-</file>
-
-<file path=ppt/slides/slide33.xml><?xml version="1.0" encoding="utf-8"?>
-<p:sld xmlns:a="http://schemas.openxmlformats.org/drawingml/2006/main" xmlns:r="http://schemas.openxmlformats.org/officeDocument/2006/relationships" xmlns:p="http://schemas.openxmlformats.org/presentationml/2006/main">
-  <p:cSld>
-    <p:spTree>
-      <p:nvGrpSpPr>
-        <p:cNvPr id="1" name=""/>
-        <p:cNvGrpSpPr/>
-        <p:nvPr/>
-      </p:nvGrpSpPr>
-      <p:grpSpPr>
-        <a:xfrm>
-          <a:off x="0" y="0"/>
-          <a:ext cx="0" cy="0"/>
-          <a:chOff x="0" y="0"/>
-          <a:chExt cx="0" cy="0"/>
-        </a:xfrm>
-      </p:grpSpPr>
-      <p:sp>
-        <p:nvSpPr>
-          <p:cNvPr id="2" name="標題 1">
-            <a:extLst>
-              <a:ext uri="{FF2B5EF4-FFF2-40B4-BE49-F238E27FC236}">
-                <a16:creationId xmlns:a16="http://schemas.microsoft.com/office/drawing/2014/main" id="{B7DB5FDF-E9A2-4D3D-ACF8-CEFDE567ED4E}"/>
-              </a:ext>
-            </a:extLst>
-          </p:cNvPr>
-          <p:cNvSpPr>
-            <a:spLocks noGrp="1"/>
-          </p:cNvSpPr>
-          <p:nvPr>
-            <p:ph type="title"/>
-          </p:nvPr>
-        </p:nvSpPr>
-        <p:spPr/>
-        <p:txBody>
-          <a:bodyPr/>
-          <a:lstStyle/>
-          <a:p>
-            <a:r>
-              <a:rPr lang="en-US" altLang="zh-TW" dirty="0"/>
-              <a:t>Conclusion(cont’d)</a:t>
-            </a:r>
-            <a:endParaRPr lang="zh-TW" altLang="en-US" dirty="0"/>
-          </a:p>
-        </p:txBody>
-      </p:sp>
-      <p:sp>
-        <p:nvSpPr>
-          <p:cNvPr id="3" name="內容版面配置區 2">
-            <a:extLst>
-              <a:ext uri="{FF2B5EF4-FFF2-40B4-BE49-F238E27FC236}">
-                <a16:creationId xmlns:a16="http://schemas.microsoft.com/office/drawing/2014/main" id="{24BC7DE2-9247-4111-B9E4-01812FC553D6}"/>
-              </a:ext>
-            </a:extLst>
-          </p:cNvPr>
-          <p:cNvSpPr>
-            <a:spLocks noGrp="1"/>
-          </p:cNvSpPr>
-          <p:nvPr>
-            <p:ph idx="1"/>
-          </p:nvPr>
-        </p:nvSpPr>
-        <p:spPr/>
-        <p:txBody>
-          <a:bodyPr>
-            <a:normAutofit/>
-          </a:bodyPr>
-          <a:lstStyle/>
-          <a:p>
-            <a:r>
-              <a:rPr lang="en-US" altLang="zh-TW" dirty="0"/>
-              <a:t>Active handover offers a solution by proactively terminating a bad connection when a better alternative GW is available. As such, it can limit the handover latency. Asa downside, this approach requires more extensive custom implementation, implies a higher energy consumption and can limit the available throughput.</a:t>
-            </a:r>
-            <a:endParaRPr lang="zh-TW" altLang="en-US" dirty="0"/>
-          </a:p>
-        </p:txBody>
-      </p:sp>
-      <p:sp>
-        <p:nvSpPr>
-          <p:cNvPr id="4" name="投影片編號版面配置區 3">
-            <a:extLst>
-              <a:ext uri="{FF2B5EF4-FFF2-40B4-BE49-F238E27FC236}">
-                <a16:creationId xmlns:a16="http://schemas.microsoft.com/office/drawing/2014/main" id="{BFA29D48-9BE9-44B6-B04F-E6E702DC41D9}"/>
-              </a:ext>
-            </a:extLst>
-          </p:cNvPr>
-          <p:cNvSpPr>
-            <a:spLocks noGrp="1"/>
-          </p:cNvSpPr>
-          <p:nvPr>
-            <p:ph type="sldNum" sz="quarter" idx="12"/>
-          </p:nvPr>
-        </p:nvSpPr>
-        <p:spPr/>
-        <p:txBody>
-          <a:bodyPr/>
-          <a:lstStyle/>
-          <a:p>
-            <a:fld id="{50029C49-A5A9-4A95-8BF0-94F73808DB5F}" type="slidenum">
-              <a:rPr lang="zh-TW" altLang="en-US" smtClean="0"/>
-              <a:t>33</a:t>
-            </a:fld>
-            <a:endParaRPr lang="zh-TW" altLang="en-US"/>
-          </a:p>
-        </p:txBody>
-      </p:sp>
-    </p:spTree>
-    <p:extLst>
-      <p:ext uri="{BB962C8B-B14F-4D97-AF65-F5344CB8AC3E}">
-        <p14:creationId xmlns:p14="http://schemas.microsoft.com/office/powerpoint/2010/main" val="493870139"/>
-      </p:ext>
-    </p:extLst>
-  </p:cSld>
-  <p:clrMapOvr>
-    <a:masterClrMapping/>
-  </p:clrMapOvr>
-</p:sld>
-</file>
-
-<file path=ppt/slides/slide34.xml><?xml version="1.0" encoding="utf-8"?>
-<p:sld xmlns:a="http://schemas.openxmlformats.org/drawingml/2006/main" xmlns:r="http://schemas.openxmlformats.org/officeDocument/2006/relationships" xmlns:p="http://schemas.openxmlformats.org/presentationml/2006/main">
-  <p:cSld>
-    <p:spTree>
-      <p:nvGrpSpPr>
-        <p:cNvPr id="1" name=""/>
-        <p:cNvGrpSpPr/>
-        <p:nvPr/>
-      </p:nvGrpSpPr>
-      <p:grpSpPr>
-        <a:xfrm>
-          <a:off x="0" y="0"/>
-          <a:ext cx="0" cy="0"/>
-          <a:chOff x="0" y="0"/>
-          <a:chExt cx="0" cy="0"/>
-        </a:xfrm>
-      </p:grpSpPr>
-      <p:sp>
-        <p:nvSpPr>
-          <p:cNvPr id="2" name="標題 1">
-            <a:extLst>
-              <a:ext uri="{FF2B5EF4-FFF2-40B4-BE49-F238E27FC236}">
-                <a16:creationId xmlns:a16="http://schemas.microsoft.com/office/drawing/2014/main" id="{66BD44E2-EFFF-43D9-A213-DE501B575689}"/>
-              </a:ext>
-            </a:extLst>
-          </p:cNvPr>
-          <p:cNvSpPr>
-            <a:spLocks noGrp="1"/>
-          </p:cNvSpPr>
-          <p:nvPr>
-            <p:ph type="title"/>
-          </p:nvPr>
-        </p:nvSpPr>
-        <p:spPr/>
-        <p:txBody>
-          <a:bodyPr/>
-          <a:lstStyle/>
-          <a:p>
-            <a:r>
-              <a:rPr lang="en-US" altLang="zh-TW" dirty="0"/>
-              <a:t>References</a:t>
-            </a:r>
-            <a:endParaRPr lang="zh-TW" altLang="en-US" dirty="0"/>
-          </a:p>
-        </p:txBody>
-      </p:sp>
-      <p:sp>
-        <p:nvSpPr>
-          <p:cNvPr id="3" name="內容版面配置區 2">
-            <a:extLst>
-              <a:ext uri="{FF2B5EF4-FFF2-40B4-BE49-F238E27FC236}">
-                <a16:creationId xmlns:a16="http://schemas.microsoft.com/office/drawing/2014/main" id="{6C6870F8-5E25-41B8-BDBD-DC2867167899}"/>
-              </a:ext>
-            </a:extLst>
-          </p:cNvPr>
-          <p:cNvSpPr>
-            <a:spLocks noGrp="1"/>
-          </p:cNvSpPr>
-          <p:nvPr>
-            <p:ph idx="1"/>
-          </p:nvPr>
-        </p:nvSpPr>
-        <p:spPr/>
-        <p:txBody>
-          <a:bodyPr>
-            <a:normAutofit/>
-          </a:bodyPr>
-          <a:lstStyle/>
-          <a:p>
-            <a:r>
-              <a:rPr lang="en-US" altLang="zh-TW" sz="2000" dirty="0"/>
-              <a:t>Mathias </a:t>
-            </a:r>
-            <a:r>
-              <a:rPr lang="en-US" altLang="zh-TW" sz="2000" dirty="0" err="1"/>
-              <a:t>Baert</a:t>
-            </a:r>
-            <a:r>
-              <a:rPr lang="en-US" altLang="zh-TW" sz="2000" dirty="0"/>
-              <a:t>, </a:t>
-            </a:r>
-            <a:r>
-              <a:rPr lang="en-US" altLang="zh-TW" sz="2000" dirty="0" err="1"/>
-              <a:t>Pieterjan</a:t>
-            </a:r>
-            <a:r>
-              <a:rPr lang="en-US" altLang="zh-TW" sz="2000" dirty="0"/>
-              <a:t> </a:t>
-            </a:r>
-            <a:r>
-              <a:rPr lang="en-US" altLang="zh-TW" sz="2000" dirty="0" err="1"/>
-              <a:t>Camerlynck</a:t>
-            </a:r>
-            <a:r>
-              <a:rPr lang="en-US" altLang="zh-TW" sz="2000" dirty="0"/>
-              <a:t>, Pieter </a:t>
-            </a:r>
-            <a:r>
-              <a:rPr lang="en-US" altLang="zh-TW" sz="2000" dirty="0" err="1"/>
-              <a:t>Crombez</a:t>
-            </a:r>
-            <a:r>
-              <a:rPr lang="en-US" altLang="zh-TW" sz="2000" dirty="0"/>
-              <a:t>, Jeroen </a:t>
-            </a:r>
-            <a:r>
-              <a:rPr lang="en-US" altLang="zh-TW" sz="2000" dirty="0" err="1"/>
-              <a:t>Hoebeke</a:t>
-            </a:r>
-            <a:r>
-              <a:rPr lang="en-US" altLang="zh-TW" sz="2000" dirty="0"/>
-              <a:t>, “A BLE-Based Multi-Gateway Network Infrastructure with Handover Support for Mobile BLE Peripherals” </a:t>
-            </a:r>
-            <a:r>
-              <a:rPr lang="en-US" altLang="zh-TW" sz="2000" i="1" dirty="0"/>
-              <a:t>in IEEE </a:t>
-            </a:r>
-            <a:r>
-              <a:rPr lang="en-US" altLang="zh-TW" sz="2000" i="1" dirty="0" err="1"/>
-              <a:t>Internatonal</a:t>
-            </a:r>
-            <a:r>
-              <a:rPr lang="en-US" altLang="zh-TW" sz="2000" i="1" dirty="0"/>
-              <a:t> Conference on Mobile </a:t>
-            </a:r>
-            <a:r>
-              <a:rPr lang="en-US" altLang="zh-TW" sz="2000" i="1" dirty="0" err="1"/>
-              <a:t>Adhoc</a:t>
-            </a:r>
-            <a:r>
-              <a:rPr lang="en-US" altLang="zh-TW" sz="2000" i="1" dirty="0"/>
-              <a:t> and Sensor Systems (IEEE MASS 2019) </a:t>
-            </a:r>
-            <a:r>
-              <a:rPr lang="en-US" altLang="zh-TW" sz="2000" dirty="0"/>
-              <a:t>, DOI: 10.1109/MASS.2019.00020</a:t>
-            </a:r>
-          </a:p>
-          <a:p>
-            <a:endParaRPr lang="en-US" altLang="zh-TW" sz="2000" dirty="0"/>
-          </a:p>
-          <a:p>
-            <a:r>
-              <a:rPr lang="en-US" altLang="zh-TW" sz="2000" dirty="0"/>
-              <a:t>M. </a:t>
-            </a:r>
-            <a:r>
-              <a:rPr lang="en-US" altLang="zh-TW" sz="2000" dirty="0" err="1"/>
-              <a:t>Nikodem</a:t>
-            </a:r>
-            <a:r>
-              <a:rPr lang="en-US" altLang="zh-TW" sz="2000" dirty="0"/>
-              <a:t>, M. </a:t>
-            </a:r>
-            <a:r>
-              <a:rPr lang="en-US" altLang="zh-TW" sz="2000" dirty="0" err="1"/>
-              <a:t>Bawiec</a:t>
-            </a:r>
-            <a:r>
-              <a:rPr lang="en-US" altLang="zh-TW" sz="2000" dirty="0"/>
-              <a:t>, “Experimental Evaluation of Advertisement-Based Bluetooth Low Energy Communication”, </a:t>
-            </a:r>
-            <a:r>
-              <a:rPr lang="en-US" altLang="zh-TW" sz="2000" i="1" dirty="0"/>
-              <a:t>MDPI Sensors 2020</a:t>
-            </a:r>
-            <a:r>
-              <a:rPr lang="en-US" altLang="zh-TW" sz="2000" dirty="0"/>
-              <a:t>, DOI:10.3390/s20010107</a:t>
-            </a:r>
-          </a:p>
-          <a:p>
-            <a:endParaRPr lang="en-US" altLang="zh-TW" sz="2000" dirty="0"/>
-          </a:p>
-          <a:p>
-            <a:r>
-              <a:rPr lang="en-US" altLang="zh-TW" sz="2000" dirty="0"/>
-              <a:t>Tomohiro Kuroda, Haruo Noma, Kazuhiko Takase, </a:t>
-            </a:r>
-            <a:r>
-              <a:rPr lang="en-US" altLang="zh-TW" sz="2000" dirty="0" err="1"/>
-              <a:t>Shigeto</a:t>
-            </a:r>
-            <a:r>
-              <a:rPr lang="en-US" altLang="zh-TW" sz="2000" dirty="0"/>
-              <a:t> Sasaki, </a:t>
-            </a:r>
-            <a:r>
-              <a:rPr lang="en-US" altLang="zh-TW" sz="2000" dirty="0" err="1"/>
-              <a:t>Tadamasa</a:t>
-            </a:r>
-            <a:r>
-              <a:rPr lang="en-US" altLang="zh-TW" sz="2000" dirty="0"/>
-              <a:t> </a:t>
-            </a:r>
-            <a:r>
-              <a:rPr lang="en-US" altLang="zh-TW" sz="2000" dirty="0" err="1"/>
-              <a:t>Takemura</a:t>
-            </a:r>
-            <a:r>
-              <a:rPr lang="en-US" altLang="zh-TW" sz="2000" dirty="0"/>
-              <a:t>, “Bluetooth Roaming for Sensor Network System in Clinical Environment” , MEDINFO 2015: eHealth-enabled Health, DOI:10.3233/978-1-61499-564-7-198</a:t>
-            </a:r>
-            <a:endParaRPr lang="zh-TW" altLang="en-US" sz="2000" dirty="0"/>
-          </a:p>
-        </p:txBody>
-      </p:sp>
-      <p:sp>
-        <p:nvSpPr>
-          <p:cNvPr id="6" name="投影片編號版面配置區 5">
-            <a:extLst>
-              <a:ext uri="{FF2B5EF4-FFF2-40B4-BE49-F238E27FC236}">
-                <a16:creationId xmlns:a16="http://schemas.microsoft.com/office/drawing/2014/main" id="{41672078-55B6-4EB2-A2A0-2A4BDCC09FF1}"/>
-              </a:ext>
-            </a:extLst>
-          </p:cNvPr>
-          <p:cNvSpPr>
-            <a:spLocks noGrp="1"/>
-          </p:cNvSpPr>
-          <p:nvPr>
-            <p:ph type="sldNum" sz="quarter" idx="12"/>
-          </p:nvPr>
-        </p:nvSpPr>
-        <p:spPr/>
-        <p:txBody>
-          <a:bodyPr/>
-          <a:lstStyle/>
-          <a:p>
-            <a:fld id="{50029C49-A5A9-4A95-8BF0-94F73808DB5F}" type="slidenum">
-              <a:rPr lang="zh-TW" altLang="en-US" smtClean="0"/>
-              <a:t>34</a:t>
-            </a:fld>
-            <a:endParaRPr lang="zh-TW" altLang="en-US"/>
-          </a:p>
-        </p:txBody>
-      </p:sp>
-    </p:spTree>
-    <p:extLst>
-      <p:ext uri="{BB962C8B-B14F-4D97-AF65-F5344CB8AC3E}">
-        <p14:creationId xmlns:p14="http://schemas.microsoft.com/office/powerpoint/2010/main" val="2779116832"/>
       </p:ext>
     </p:extLst>
   </p:cSld>
@@ -8441,6 +9606,374 @@
 </p:sld>
 </file>
 
+<file path=ppt/slides/slide40.xml><?xml version="1.0" encoding="utf-8"?>
+<p:sld xmlns:a="http://schemas.openxmlformats.org/drawingml/2006/main" xmlns:r="http://schemas.openxmlformats.org/officeDocument/2006/relationships" xmlns:p="http://schemas.openxmlformats.org/presentationml/2006/main">
+  <p:cSld>
+    <p:spTree>
+      <p:nvGrpSpPr>
+        <p:cNvPr id="1" name=""/>
+        <p:cNvGrpSpPr/>
+        <p:nvPr/>
+      </p:nvGrpSpPr>
+      <p:grpSpPr>
+        <a:xfrm>
+          <a:off x="0" y="0"/>
+          <a:ext cx="0" cy="0"/>
+          <a:chOff x="0" y="0"/>
+          <a:chExt cx="0" cy="0"/>
+        </a:xfrm>
+      </p:grpSpPr>
+      <p:sp>
+        <p:nvSpPr>
+          <p:cNvPr id="2" name="標題 1">
+            <a:extLst>
+              <a:ext uri="{FF2B5EF4-FFF2-40B4-BE49-F238E27FC236}">
+                <a16:creationId xmlns:a16="http://schemas.microsoft.com/office/drawing/2014/main" id="{B7DB5FDF-E9A2-4D3D-ACF8-CEFDE567ED4E}"/>
+              </a:ext>
+            </a:extLst>
+          </p:cNvPr>
+          <p:cNvSpPr>
+            <a:spLocks noGrp="1"/>
+          </p:cNvSpPr>
+          <p:nvPr>
+            <p:ph type="title"/>
+          </p:nvPr>
+        </p:nvSpPr>
+        <p:spPr/>
+        <p:txBody>
+          <a:bodyPr/>
+          <a:lstStyle/>
+          <a:p>
+            <a:r>
+              <a:rPr lang="en-US" altLang="zh-TW" dirty="0"/>
+              <a:t>Conclusion(cont’d)</a:t>
+            </a:r>
+            <a:endParaRPr lang="zh-TW" altLang="en-US" dirty="0"/>
+          </a:p>
+        </p:txBody>
+      </p:sp>
+      <p:sp>
+        <p:nvSpPr>
+          <p:cNvPr id="3" name="內容版面配置區 2">
+            <a:extLst>
+              <a:ext uri="{FF2B5EF4-FFF2-40B4-BE49-F238E27FC236}">
+                <a16:creationId xmlns:a16="http://schemas.microsoft.com/office/drawing/2014/main" id="{24BC7DE2-9247-4111-B9E4-01812FC553D6}"/>
+              </a:ext>
+            </a:extLst>
+          </p:cNvPr>
+          <p:cNvSpPr>
+            <a:spLocks noGrp="1"/>
+          </p:cNvSpPr>
+          <p:nvPr>
+            <p:ph idx="1"/>
+          </p:nvPr>
+        </p:nvSpPr>
+        <p:spPr/>
+        <p:txBody>
+          <a:bodyPr>
+            <a:normAutofit/>
+          </a:bodyPr>
+          <a:lstStyle/>
+          <a:p>
+            <a:r>
+              <a:rPr lang="en-US" altLang="zh-TW" dirty="0"/>
+              <a:t>Active handover offers a solution by proactively terminating a bad connection when a better alternative GW is available. As such, it can limit the handover latency. Asa downside, this approach requires more extensive custom implementation, implies a higher energy consumption and can limit the available throughput.</a:t>
+            </a:r>
+            <a:endParaRPr lang="zh-TW" altLang="en-US" dirty="0"/>
+          </a:p>
+        </p:txBody>
+      </p:sp>
+      <p:sp>
+        <p:nvSpPr>
+          <p:cNvPr id="4" name="投影片編號版面配置區 3">
+            <a:extLst>
+              <a:ext uri="{FF2B5EF4-FFF2-40B4-BE49-F238E27FC236}">
+                <a16:creationId xmlns:a16="http://schemas.microsoft.com/office/drawing/2014/main" id="{BFA29D48-9BE9-44B6-B04F-E6E702DC41D9}"/>
+              </a:ext>
+            </a:extLst>
+          </p:cNvPr>
+          <p:cNvSpPr>
+            <a:spLocks noGrp="1"/>
+          </p:cNvSpPr>
+          <p:nvPr>
+            <p:ph type="sldNum" sz="quarter" idx="12"/>
+          </p:nvPr>
+        </p:nvSpPr>
+        <p:spPr/>
+        <p:txBody>
+          <a:bodyPr/>
+          <a:lstStyle/>
+          <a:p>
+            <a:fld id="{50029C49-A5A9-4A95-8BF0-94F73808DB5F}" type="slidenum">
+              <a:rPr lang="zh-TW" altLang="en-US" smtClean="0"/>
+              <a:t>40</a:t>
+            </a:fld>
+            <a:endParaRPr lang="zh-TW" altLang="en-US"/>
+          </a:p>
+        </p:txBody>
+      </p:sp>
+    </p:spTree>
+    <p:extLst>
+      <p:ext uri="{BB962C8B-B14F-4D97-AF65-F5344CB8AC3E}">
+        <p14:creationId xmlns:p14="http://schemas.microsoft.com/office/powerpoint/2010/main" val="493870139"/>
+      </p:ext>
+    </p:extLst>
+  </p:cSld>
+  <p:clrMapOvr>
+    <a:masterClrMapping/>
+  </p:clrMapOvr>
+</p:sld>
+</file>
+
+<file path=ppt/slides/slide41.xml><?xml version="1.0" encoding="utf-8"?>
+<p:sld xmlns:a="http://schemas.openxmlformats.org/drawingml/2006/main" xmlns:r="http://schemas.openxmlformats.org/officeDocument/2006/relationships" xmlns:p="http://schemas.openxmlformats.org/presentationml/2006/main">
+  <p:cSld>
+    <p:spTree>
+      <p:nvGrpSpPr>
+        <p:cNvPr id="1" name=""/>
+        <p:cNvGrpSpPr/>
+        <p:nvPr/>
+      </p:nvGrpSpPr>
+      <p:grpSpPr>
+        <a:xfrm>
+          <a:off x="0" y="0"/>
+          <a:ext cx="0" cy="0"/>
+          <a:chOff x="0" y="0"/>
+          <a:chExt cx="0" cy="0"/>
+        </a:xfrm>
+      </p:grpSpPr>
+      <p:sp>
+        <p:nvSpPr>
+          <p:cNvPr id="2" name="標題 1">
+            <a:extLst>
+              <a:ext uri="{FF2B5EF4-FFF2-40B4-BE49-F238E27FC236}">
+                <a16:creationId xmlns:a16="http://schemas.microsoft.com/office/drawing/2014/main" id="{66BD44E2-EFFF-43D9-A213-DE501B575689}"/>
+              </a:ext>
+            </a:extLst>
+          </p:cNvPr>
+          <p:cNvSpPr>
+            <a:spLocks noGrp="1"/>
+          </p:cNvSpPr>
+          <p:nvPr>
+            <p:ph type="title"/>
+          </p:nvPr>
+        </p:nvSpPr>
+        <p:spPr/>
+        <p:txBody>
+          <a:bodyPr/>
+          <a:lstStyle/>
+          <a:p>
+            <a:r>
+              <a:rPr lang="en-US" altLang="zh-TW" dirty="0"/>
+              <a:t>References</a:t>
+            </a:r>
+            <a:endParaRPr lang="zh-TW" altLang="en-US" dirty="0"/>
+          </a:p>
+        </p:txBody>
+      </p:sp>
+      <p:sp>
+        <p:nvSpPr>
+          <p:cNvPr id="3" name="內容版面配置區 2">
+            <a:extLst>
+              <a:ext uri="{FF2B5EF4-FFF2-40B4-BE49-F238E27FC236}">
+                <a16:creationId xmlns:a16="http://schemas.microsoft.com/office/drawing/2014/main" id="{6C6870F8-5E25-41B8-BDBD-DC2867167899}"/>
+              </a:ext>
+            </a:extLst>
+          </p:cNvPr>
+          <p:cNvSpPr>
+            <a:spLocks noGrp="1"/>
+          </p:cNvSpPr>
+          <p:nvPr>
+            <p:ph idx="1"/>
+          </p:nvPr>
+        </p:nvSpPr>
+        <p:spPr/>
+        <p:txBody>
+          <a:bodyPr>
+            <a:normAutofit/>
+          </a:bodyPr>
+          <a:lstStyle/>
+          <a:p>
+            <a:r>
+              <a:rPr lang="en-US" altLang="zh-TW" sz="2000" dirty="0"/>
+              <a:t>Mathias </a:t>
+            </a:r>
+            <a:r>
+              <a:rPr lang="en-US" altLang="zh-TW" sz="2000" dirty="0" err="1"/>
+              <a:t>Baert</a:t>
+            </a:r>
+            <a:r>
+              <a:rPr lang="en-US" altLang="zh-TW" sz="2000" dirty="0"/>
+              <a:t>, </a:t>
+            </a:r>
+            <a:r>
+              <a:rPr lang="en-US" altLang="zh-TW" sz="2000" dirty="0" err="1"/>
+              <a:t>Pieterjan</a:t>
+            </a:r>
+            <a:r>
+              <a:rPr lang="en-US" altLang="zh-TW" sz="2000" dirty="0"/>
+              <a:t> </a:t>
+            </a:r>
+            <a:r>
+              <a:rPr lang="en-US" altLang="zh-TW" sz="2000" dirty="0" err="1"/>
+              <a:t>Camerlynck</a:t>
+            </a:r>
+            <a:r>
+              <a:rPr lang="en-US" altLang="zh-TW" sz="2000" dirty="0"/>
+              <a:t>, Pieter </a:t>
+            </a:r>
+            <a:r>
+              <a:rPr lang="en-US" altLang="zh-TW" sz="2000" dirty="0" err="1"/>
+              <a:t>Crombez</a:t>
+            </a:r>
+            <a:r>
+              <a:rPr lang="en-US" altLang="zh-TW" sz="2000" dirty="0"/>
+              <a:t>, Jeroen </a:t>
+            </a:r>
+            <a:r>
+              <a:rPr lang="en-US" altLang="zh-TW" sz="2000" dirty="0" err="1"/>
+              <a:t>Hoebeke</a:t>
+            </a:r>
+            <a:r>
+              <a:rPr lang="en-US" altLang="zh-TW" sz="2000" dirty="0"/>
+              <a:t>, “A BLE-Based Multi-Gateway Network Infrastructure with Handover Support for Mobile BLE Peripherals” </a:t>
+            </a:r>
+            <a:r>
+              <a:rPr lang="en-US" altLang="zh-TW" sz="2000" i="1" dirty="0"/>
+              <a:t>in IEEE </a:t>
+            </a:r>
+            <a:r>
+              <a:rPr lang="en-US" altLang="zh-TW" sz="2000" i="1" dirty="0" err="1"/>
+              <a:t>Internatonal</a:t>
+            </a:r>
+            <a:r>
+              <a:rPr lang="en-US" altLang="zh-TW" sz="2000" i="1" dirty="0"/>
+              <a:t> Conference on Mobile </a:t>
+            </a:r>
+            <a:r>
+              <a:rPr lang="en-US" altLang="zh-TW" sz="2000" i="1" dirty="0" err="1"/>
+              <a:t>Adhoc</a:t>
+            </a:r>
+            <a:r>
+              <a:rPr lang="en-US" altLang="zh-TW" sz="2000" i="1" dirty="0"/>
+              <a:t> and Sensor Systems (IEEE MASS 2019) </a:t>
+            </a:r>
+            <a:r>
+              <a:rPr lang="en-US" altLang="zh-TW" sz="2000" dirty="0"/>
+              <a:t>, DOI: 10.1109/MASS.2019.00020</a:t>
+            </a:r>
+          </a:p>
+          <a:p>
+            <a:endParaRPr lang="en-US" altLang="zh-TW" sz="2000" dirty="0"/>
+          </a:p>
+          <a:p>
+            <a:r>
+              <a:rPr lang="en-US" altLang="zh-TW" sz="2000" dirty="0"/>
+              <a:t>M. </a:t>
+            </a:r>
+            <a:r>
+              <a:rPr lang="en-US" altLang="zh-TW" sz="2000" dirty="0" err="1"/>
+              <a:t>Nikodem</a:t>
+            </a:r>
+            <a:r>
+              <a:rPr lang="en-US" altLang="zh-TW" sz="2000" dirty="0"/>
+              <a:t>, M. </a:t>
+            </a:r>
+            <a:r>
+              <a:rPr lang="en-US" altLang="zh-TW" sz="2000" dirty="0" err="1"/>
+              <a:t>Bawiec</a:t>
+            </a:r>
+            <a:r>
+              <a:rPr lang="en-US" altLang="zh-TW" sz="2000" dirty="0"/>
+              <a:t>, “Experimental Evaluation of Advertisement-Based Bluetooth Low Energy Communication”, </a:t>
+            </a:r>
+            <a:r>
+              <a:rPr lang="en-US" altLang="zh-TW" sz="2000" i="1" dirty="0"/>
+              <a:t>MDPI Sensors 2020</a:t>
+            </a:r>
+            <a:r>
+              <a:rPr lang="en-US" altLang="zh-TW" sz="2000" dirty="0"/>
+              <a:t>, DOI:10.3390/s20010107</a:t>
+            </a:r>
+          </a:p>
+          <a:p>
+            <a:endParaRPr lang="en-US" altLang="zh-TW" sz="2000" dirty="0"/>
+          </a:p>
+          <a:p>
+            <a:r>
+              <a:rPr lang="en-US" altLang="zh-TW" sz="2000" dirty="0"/>
+              <a:t>Tomohiro Kuroda, Haruo Noma, Kazuhiko Takase, </a:t>
+            </a:r>
+            <a:r>
+              <a:rPr lang="en-US" altLang="zh-TW" sz="2000" dirty="0" err="1"/>
+              <a:t>Shigeto</a:t>
+            </a:r>
+            <a:r>
+              <a:rPr lang="en-US" altLang="zh-TW" sz="2000" dirty="0"/>
+              <a:t> Sasaki, </a:t>
+            </a:r>
+            <a:r>
+              <a:rPr lang="en-US" altLang="zh-TW" sz="2000" dirty="0" err="1"/>
+              <a:t>Tadamasa</a:t>
+            </a:r>
+            <a:r>
+              <a:rPr lang="en-US" altLang="zh-TW" sz="2000" dirty="0"/>
+              <a:t> </a:t>
+            </a:r>
+            <a:r>
+              <a:rPr lang="en-US" altLang="zh-TW" sz="2000" dirty="0" err="1"/>
+              <a:t>Takemura</a:t>
+            </a:r>
+            <a:r>
+              <a:rPr lang="en-US" altLang="zh-TW" sz="2000" dirty="0"/>
+              <a:t>, “Bluetooth Roaming for Sensor Network System in Clinical Environment” , MEDINFO 2015: eHealth-enabled Health, DOI:10.3233/978-1-61499-564-7-198</a:t>
+            </a:r>
+            <a:endParaRPr lang="zh-TW" altLang="en-US" sz="2000" dirty="0"/>
+          </a:p>
+        </p:txBody>
+      </p:sp>
+      <p:sp>
+        <p:nvSpPr>
+          <p:cNvPr id="6" name="投影片編號版面配置區 5">
+            <a:extLst>
+              <a:ext uri="{FF2B5EF4-FFF2-40B4-BE49-F238E27FC236}">
+                <a16:creationId xmlns:a16="http://schemas.microsoft.com/office/drawing/2014/main" id="{41672078-55B6-4EB2-A2A0-2A4BDCC09FF1}"/>
+              </a:ext>
+            </a:extLst>
+          </p:cNvPr>
+          <p:cNvSpPr>
+            <a:spLocks noGrp="1"/>
+          </p:cNvSpPr>
+          <p:nvPr>
+            <p:ph type="sldNum" sz="quarter" idx="12"/>
+          </p:nvPr>
+        </p:nvSpPr>
+        <p:spPr/>
+        <p:txBody>
+          <a:bodyPr/>
+          <a:lstStyle/>
+          <a:p>
+            <a:fld id="{50029C49-A5A9-4A95-8BF0-94F73808DB5F}" type="slidenum">
+              <a:rPr lang="zh-TW" altLang="en-US" smtClean="0"/>
+              <a:t>41</a:t>
+            </a:fld>
+            <a:endParaRPr lang="zh-TW" altLang="en-US"/>
+          </a:p>
+        </p:txBody>
+      </p:sp>
+    </p:spTree>
+    <p:extLst>
+      <p:ext uri="{BB962C8B-B14F-4D97-AF65-F5344CB8AC3E}">
+        <p14:creationId xmlns:p14="http://schemas.microsoft.com/office/powerpoint/2010/main" val="2779116832"/>
+      </p:ext>
+    </p:extLst>
+  </p:cSld>
+  <p:clrMapOvr>
+    <a:masterClrMapping/>
+  </p:clrMapOvr>
+</p:sld>
+</file>
+
 <file path=ppt/slides/slide5.xml><?xml version="1.0" encoding="utf-8"?>
 <p:sld xmlns:a="http://schemas.openxmlformats.org/drawingml/2006/main" xmlns:r="http://schemas.openxmlformats.org/officeDocument/2006/relationships" xmlns:p="http://schemas.openxmlformats.org/presentationml/2006/main">
   <p:cSld>
@@ -8510,15 +10043,7 @@
           <a:p>
             <a:r>
               <a:rPr lang="en-US" altLang="zh-TW" dirty="0"/>
-              <a:t>The passive handover approach can be set up without any extra implementation,  but  an  active  handover  approach  offers  more proactive  handover  decisions  and  can  provide  a  </a:t>
-            </a:r>
-            <a:r>
-              <a:rPr lang="en-US" altLang="zh-TW"/>
-              <a:t>much  lower handover </a:t>
-            </a:r>
-            <a:r>
-              <a:rPr lang="en-US" altLang="zh-TW" dirty="0"/>
-              <a:t>latency.</a:t>
+              <a:t>The passive handover approach can be set up without any extra implementation,  but  an  active  handover  approach  offers  more proactive  handover  decisions  and  can  provide  a  much  lower handover latency.</a:t>
             </a:r>
           </a:p>
         </p:txBody>
@@ -8785,7 +10310,10 @@
           </a:bodyPr>
           <a:lstStyle/>
           <a:p>
-            <a:endParaRPr lang="zh-TW" altLang="en-US" dirty="0"/>
+            <a:r>
+              <a:rPr lang="en-US" altLang="zh-TW" dirty="0"/>
+              <a:t>In advertising mode , a device can either be in an advertising or scanning state. A BLE advertiser broad-casts advertisement packets on the 3 advertisement channels sequentially, at a certain interval. A BLE scanner scans one of these advertisement channels.</a:t>
+            </a:r>
           </a:p>
         </p:txBody>
       </p:sp>
@@ -8811,8 +10339,8 @@
         </p:blipFill>
         <p:spPr>
           <a:xfrm>
-            <a:off x="5694218" y="4657914"/>
-            <a:ext cx="6497782" cy="2099352"/>
+            <a:off x="2010533" y="3716424"/>
+            <a:ext cx="8170933" cy="2639926"/>
           </a:xfrm>
           <a:prstGeom prst="rect">
             <a:avLst/>
@@ -8929,40 +10457,51 @@
           </a:bodyPr>
           <a:lstStyle/>
           <a:p>
+            <a:r>
+              <a:rPr lang="en-US" altLang="zh-TW" dirty="0">
+                <a:effectLst/>
+                <a:latin typeface="Times New Roman" panose="02020603050405020304" pitchFamily="18" charset="0"/>
+              </a:rPr>
+              <a:t>In a BLE connection, one device acts as a BLE central and the other device acts as a BLE peripheral. </a:t>
+            </a:r>
+          </a:p>
+          <a:p>
+            <a:endParaRPr lang="en-US" altLang="zh-TW" dirty="0">
+              <a:latin typeface="Times New Roman" panose="02020603050405020304" pitchFamily="18" charset="0"/>
+            </a:endParaRPr>
+          </a:p>
+          <a:p>
+            <a:r>
+              <a:rPr lang="en-US" altLang="zh-TW" dirty="0">
+                <a:effectLst/>
+                <a:latin typeface="Times New Roman" panose="02020603050405020304" pitchFamily="18" charset="0"/>
+              </a:rPr>
+              <a:t>The devices communicate within connection events, at a certain interval and initiated by the central.</a:t>
+            </a:r>
+          </a:p>
+          <a:p>
+            <a:endParaRPr lang="en-US" altLang="zh-TW" dirty="0">
+              <a:latin typeface="Times New Roman" panose="02020603050405020304" pitchFamily="18" charset="0"/>
+            </a:endParaRPr>
+          </a:p>
+          <a:p>
+            <a:r>
+              <a:rPr lang="en-US" altLang="zh-TW" dirty="0">
+                <a:latin typeface="Times New Roman" panose="02020603050405020304" pitchFamily="18" charset="0"/>
+              </a:rPr>
+              <a:t>Use Frequency-hopping spread spectrum(FHSS) and Time division multiple access(TDMA) to </a:t>
+            </a:r>
+            <a:r>
+              <a:rPr lang="en-US" altLang="zh-TW" dirty="0">
+                <a:effectLst/>
+                <a:latin typeface="Times New Roman" panose="02020603050405020304" pitchFamily="18" charset="0"/>
+              </a:rPr>
+              <a:t>communicate.</a:t>
+            </a:r>
             <a:endParaRPr lang="zh-TW" altLang="en-US" dirty="0"/>
           </a:p>
         </p:txBody>
       </p:sp>
-      <p:pic>
-        <p:nvPicPr>
-          <p:cNvPr id="7" name="圖片 6">
-            <a:extLst>
-              <a:ext uri="{FF2B5EF4-FFF2-40B4-BE49-F238E27FC236}">
-                <a16:creationId xmlns:a16="http://schemas.microsoft.com/office/drawing/2014/main" id="{D03360D8-0A34-4B9B-8EDF-94EF768549C8}"/>
-              </a:ext>
-            </a:extLst>
-          </p:cNvPr>
-          <p:cNvPicPr>
-            <a:picLocks noChangeAspect="1"/>
-          </p:cNvPicPr>
-          <p:nvPr/>
-        </p:nvPicPr>
-        <p:blipFill>
-          <a:blip r:embed="rId2"/>
-          <a:stretch>
-            <a:fillRect/>
-          </a:stretch>
-        </p:blipFill>
-        <p:spPr>
-          <a:xfrm>
-            <a:off x="5694218" y="4657914"/>
-            <a:ext cx="6497782" cy="2099352"/>
-          </a:xfrm>
-          <a:prstGeom prst="rect">
-            <a:avLst/>
-          </a:prstGeom>
-        </p:spPr>
-      </p:pic>
       <p:sp>
         <p:nvSpPr>
           <p:cNvPr id="4" name="投影片編號版面配置區 3">
@@ -9027,7 +10566,7 @@
           <p:cNvPr id="2" name="標題 1">
             <a:extLst>
               <a:ext uri="{FF2B5EF4-FFF2-40B4-BE49-F238E27FC236}">
-                <a16:creationId xmlns:a16="http://schemas.microsoft.com/office/drawing/2014/main" id="{7226E6A7-FE05-4917-A87E-7BF8BF0EBEEE}"/>
+                <a16:creationId xmlns:a16="http://schemas.microsoft.com/office/drawing/2014/main" id="{14B7E57E-D063-41EF-A857-5628A20B75BC}"/>
               </a:ext>
             </a:extLst>
           </p:cNvPr>
@@ -9036,6 +10575,34 @@
           </p:cNvSpPr>
           <p:nvPr>
             <p:ph type="title"/>
+          </p:nvPr>
+        </p:nvSpPr>
+        <p:spPr/>
+        <p:txBody>
+          <a:bodyPr/>
+          <a:lstStyle/>
+          <a:p>
+            <a:r>
+              <a:rPr lang="en-US" altLang="zh-TW" dirty="0"/>
+              <a:t>Primer on BLE and BLE over IPv6(cont’d)</a:t>
+            </a:r>
+          </a:p>
+        </p:txBody>
+      </p:sp>
+      <p:sp>
+        <p:nvSpPr>
+          <p:cNvPr id="3" name="內容版面配置區 2">
+            <a:extLst>
+              <a:ext uri="{FF2B5EF4-FFF2-40B4-BE49-F238E27FC236}">
+                <a16:creationId xmlns:a16="http://schemas.microsoft.com/office/drawing/2014/main" id="{E616DA40-9E29-4C7C-A28F-3857701A0286}"/>
+              </a:ext>
+            </a:extLst>
+          </p:cNvPr>
+          <p:cNvSpPr>
+            <a:spLocks noGrp="1"/>
+          </p:cNvSpPr>
+          <p:nvPr>
+            <p:ph idx="1"/>
           </p:nvPr>
         </p:nvSpPr>
         <p:spPr/>
@@ -9046,33 +10613,22 @@
           <a:lstStyle/>
           <a:p>
             <a:r>
-              <a:rPr lang="en-US" altLang="zh-TW" sz="4000" dirty="0"/>
-              <a:t>A BLE-based multi-Gateway network infrastructure</a:t>
-            </a:r>
-            <a:endParaRPr lang="zh-TW" altLang="en-US" sz="4000" dirty="0"/>
-          </a:p>
-        </p:txBody>
-      </p:sp>
-      <p:sp>
-        <p:nvSpPr>
-          <p:cNvPr id="3" name="內容版面配置區 2">
-            <a:extLst>
-              <a:ext uri="{FF2B5EF4-FFF2-40B4-BE49-F238E27FC236}">
-                <a16:creationId xmlns:a16="http://schemas.microsoft.com/office/drawing/2014/main" id="{B1577AE8-6F11-40A6-B00F-FB48852FCF33}"/>
-              </a:ext>
-            </a:extLst>
-          </p:cNvPr>
-          <p:cNvSpPr>
-            <a:spLocks noGrp="1"/>
-          </p:cNvSpPr>
-          <p:nvPr>
-            <p:ph idx="1"/>
-          </p:nvPr>
-        </p:nvSpPr>
-        <p:spPr/>
-        <p:txBody>
-          <a:bodyPr/>
-          <a:lstStyle/>
+              <a:rPr lang="en-US" altLang="zh-TW" dirty="0"/>
+              <a:t>About BLE over IPv6.</a:t>
+            </a:r>
+          </a:p>
+          <a:p>
+            <a:endParaRPr lang="en-US" altLang="zh-TW" dirty="0"/>
+          </a:p>
+          <a:p>
+            <a:r>
+              <a:rPr lang="en-US" altLang="zh-TW" dirty="0"/>
+              <a:t>It exploits the existing BLE stack layers and adds a6LoWPAN layer between the BLE layers and the IP layer.</a:t>
+            </a:r>
+          </a:p>
+          <a:p>
+            <a:endParaRPr lang="en-US" altLang="zh-TW" dirty="0"/>
+          </a:p>
           <a:p>
             <a:endParaRPr lang="zh-TW" altLang="en-US" dirty="0"/>
           </a:p>
@@ -9083,7 +10639,7 @@
           <p:cNvPr id="4" name="投影片編號版面配置區 3">
             <a:extLst>
               <a:ext uri="{FF2B5EF4-FFF2-40B4-BE49-F238E27FC236}">
-                <a16:creationId xmlns:a16="http://schemas.microsoft.com/office/drawing/2014/main" id="{F1B9E5FA-CA35-4088-BDA1-B595C36087CD}"/>
+                <a16:creationId xmlns:a16="http://schemas.microsoft.com/office/drawing/2014/main" id="{46943CDC-E158-4BE6-85D8-16B7649A4F4B}"/>
               </a:ext>
             </a:extLst>
           </p:cNvPr>
@@ -9107,10 +10663,40 @@
           </a:p>
         </p:txBody>
       </p:sp>
+      <p:pic>
+        <p:nvPicPr>
+          <p:cNvPr id="6" name="圖片 5">
+            <a:extLst>
+              <a:ext uri="{FF2B5EF4-FFF2-40B4-BE49-F238E27FC236}">
+                <a16:creationId xmlns:a16="http://schemas.microsoft.com/office/drawing/2014/main" id="{B099B0D4-00E5-4A5C-9CDD-DF793AB0B1DE}"/>
+              </a:ext>
+            </a:extLst>
+          </p:cNvPr>
+          <p:cNvPicPr>
+            <a:picLocks noChangeAspect="1"/>
+          </p:cNvPicPr>
+          <p:nvPr/>
+        </p:nvPicPr>
+        <p:blipFill>
+          <a:blip r:embed="rId2"/>
+          <a:stretch>
+            <a:fillRect/>
+          </a:stretch>
+        </p:blipFill>
+        <p:spPr>
+          <a:xfrm>
+            <a:off x="7049727" y="3527898"/>
+            <a:ext cx="3554669" cy="3011014"/>
+          </a:xfrm>
+          <a:prstGeom prst="rect">
+            <a:avLst/>
+          </a:prstGeom>
+        </p:spPr>
+      </p:pic>
     </p:spTree>
     <p:extLst>
       <p:ext uri="{BB962C8B-B14F-4D97-AF65-F5344CB8AC3E}">
-        <p14:creationId xmlns:p14="http://schemas.microsoft.com/office/powerpoint/2010/main" val="3228553280"/>
+        <p14:creationId xmlns:p14="http://schemas.microsoft.com/office/powerpoint/2010/main" val="31661062"/>
       </p:ext>
     </p:extLst>
   </p:cSld>

--- a/A BLE-based multi-gateway network infrastructure with handover support for mobile BLE peripherals.pptx
+++ b/A BLE-based multi-gateway network infrastructure with handover support for mobile BLE peripherals.pptx
@@ -2,61 +2,60 @@
 <file path=ppt/presentation.xml><?xml version="1.0" encoding="utf-8"?>
 <p:presentation xmlns:a="http://schemas.openxmlformats.org/drawingml/2006/main" xmlns:r="http://schemas.openxmlformats.org/officeDocument/2006/relationships" xmlns:p="http://schemas.openxmlformats.org/presentationml/2006/main" showSpecialPlsOnTitleSld="0" saveSubsetFonts="1">
   <p:sldMasterIdLst>
-    <p:sldMasterId id="2147483648" r:id="rId1"/>
+    <p:sldMasterId id="2147483660" r:id="rId1"/>
   </p:sldMasterIdLst>
   <p:notesMasterIdLst>
-    <p:notesMasterId r:id="rId43"/>
+    <p:notesMasterId r:id="rId42"/>
   </p:notesMasterIdLst>
   <p:sldIdLst>
     <p:sldId id="256" r:id="rId2"/>
     <p:sldId id="257" r:id="rId3"/>
     <p:sldId id="259" r:id="rId4"/>
     <p:sldId id="289" r:id="rId5"/>
-    <p:sldId id="290" r:id="rId6"/>
-    <p:sldId id="264" r:id="rId7"/>
-    <p:sldId id="265" r:id="rId8"/>
-    <p:sldId id="266" r:id="rId9"/>
-    <p:sldId id="291" r:id="rId10"/>
-    <p:sldId id="292" r:id="rId11"/>
-    <p:sldId id="288" r:id="rId12"/>
-    <p:sldId id="294" r:id="rId13"/>
-    <p:sldId id="295" r:id="rId14"/>
-    <p:sldId id="296" r:id="rId15"/>
-    <p:sldId id="297" r:id="rId16"/>
-    <p:sldId id="298" r:id="rId17"/>
-    <p:sldId id="282" r:id="rId18"/>
-    <p:sldId id="283" r:id="rId19"/>
-    <p:sldId id="284" r:id="rId20"/>
-    <p:sldId id="285" r:id="rId21"/>
-    <p:sldId id="286" r:id="rId22"/>
-    <p:sldId id="287" r:id="rId23"/>
-    <p:sldId id="281" r:id="rId24"/>
-    <p:sldId id="268" r:id="rId25"/>
-    <p:sldId id="269" r:id="rId26"/>
-    <p:sldId id="272" r:id="rId27"/>
-    <p:sldId id="274" r:id="rId28"/>
-    <p:sldId id="271" r:id="rId29"/>
-    <p:sldId id="273" r:id="rId30"/>
-    <p:sldId id="270" r:id="rId31"/>
-    <p:sldId id="275" r:id="rId32"/>
-    <p:sldId id="276" r:id="rId33"/>
-    <p:sldId id="279" r:id="rId34"/>
-    <p:sldId id="280" r:id="rId35"/>
-    <p:sldId id="277" r:id="rId36"/>
-    <p:sldId id="278" r:id="rId37"/>
-    <p:sldId id="260" r:id="rId38"/>
-    <p:sldId id="261" r:id="rId39"/>
-    <p:sldId id="262" r:id="rId40"/>
-    <p:sldId id="263" r:id="rId41"/>
-    <p:sldId id="258" r:id="rId42"/>
+    <p:sldId id="264" r:id="rId6"/>
+    <p:sldId id="265" r:id="rId7"/>
+    <p:sldId id="266" r:id="rId8"/>
+    <p:sldId id="291" r:id="rId9"/>
+    <p:sldId id="292" r:id="rId10"/>
+    <p:sldId id="288" r:id="rId11"/>
+    <p:sldId id="294" r:id="rId12"/>
+    <p:sldId id="295" r:id="rId13"/>
+    <p:sldId id="296" r:id="rId14"/>
+    <p:sldId id="297" r:id="rId15"/>
+    <p:sldId id="298" r:id="rId16"/>
+    <p:sldId id="282" r:id="rId17"/>
+    <p:sldId id="283" r:id="rId18"/>
+    <p:sldId id="284" r:id="rId19"/>
+    <p:sldId id="285" r:id="rId20"/>
+    <p:sldId id="286" r:id="rId21"/>
+    <p:sldId id="287" r:id="rId22"/>
+    <p:sldId id="281" r:id="rId23"/>
+    <p:sldId id="268" r:id="rId24"/>
+    <p:sldId id="269" r:id="rId25"/>
+    <p:sldId id="272" r:id="rId26"/>
+    <p:sldId id="274" r:id="rId27"/>
+    <p:sldId id="271" r:id="rId28"/>
+    <p:sldId id="273" r:id="rId29"/>
+    <p:sldId id="270" r:id="rId30"/>
+    <p:sldId id="275" r:id="rId31"/>
+    <p:sldId id="276" r:id="rId32"/>
+    <p:sldId id="279" r:id="rId33"/>
+    <p:sldId id="280" r:id="rId34"/>
+    <p:sldId id="277" r:id="rId35"/>
+    <p:sldId id="278" r:id="rId36"/>
+    <p:sldId id="260" r:id="rId37"/>
+    <p:sldId id="261" r:id="rId38"/>
+    <p:sldId id="262" r:id="rId39"/>
+    <p:sldId id="263" r:id="rId40"/>
+    <p:sldId id="258" r:id="rId41"/>
   </p:sldIdLst>
   <p:sldSz cx="12192000" cy="6858000"/>
   <p:notesSz cx="6858000" cy="9144000"/>
   <p:defaultTextStyle>
     <a:defPPr>
-      <a:defRPr lang="zh-TW"/>
+      <a:defRPr lang="en-US"/>
     </a:defPPr>
-    <a:lvl1pPr marL="0" algn="l" defTabSz="914400" rtl="0" eaLnBrk="1" latinLnBrk="0" hangingPunct="1">
+    <a:lvl1pPr marL="0" algn="l" defTabSz="457200" rtl="0" eaLnBrk="1" latinLnBrk="0" hangingPunct="1">
       <a:defRPr sz="1800" kern="1200">
         <a:solidFill>
           <a:schemeClr val="tx1"/>
@@ -66,7 +65,7 @@
         <a:cs typeface="+mn-cs"/>
       </a:defRPr>
     </a:lvl1pPr>
-    <a:lvl2pPr marL="457200" algn="l" defTabSz="914400" rtl="0" eaLnBrk="1" latinLnBrk="0" hangingPunct="1">
+    <a:lvl2pPr marL="457200" algn="l" defTabSz="457200" rtl="0" eaLnBrk="1" latinLnBrk="0" hangingPunct="1">
       <a:defRPr sz="1800" kern="1200">
         <a:solidFill>
           <a:schemeClr val="tx1"/>
@@ -76,7 +75,7 @@
         <a:cs typeface="+mn-cs"/>
       </a:defRPr>
     </a:lvl2pPr>
-    <a:lvl3pPr marL="914400" algn="l" defTabSz="914400" rtl="0" eaLnBrk="1" latinLnBrk="0" hangingPunct="1">
+    <a:lvl3pPr marL="914400" algn="l" defTabSz="457200" rtl="0" eaLnBrk="1" latinLnBrk="0" hangingPunct="1">
       <a:defRPr sz="1800" kern="1200">
         <a:solidFill>
           <a:schemeClr val="tx1"/>
@@ -86,7 +85,7 @@
         <a:cs typeface="+mn-cs"/>
       </a:defRPr>
     </a:lvl3pPr>
-    <a:lvl4pPr marL="1371600" algn="l" defTabSz="914400" rtl="0" eaLnBrk="1" latinLnBrk="0" hangingPunct="1">
+    <a:lvl4pPr marL="1371600" algn="l" defTabSz="457200" rtl="0" eaLnBrk="1" latinLnBrk="0" hangingPunct="1">
       <a:defRPr sz="1800" kern="1200">
         <a:solidFill>
           <a:schemeClr val="tx1"/>
@@ -96,7 +95,7 @@
         <a:cs typeface="+mn-cs"/>
       </a:defRPr>
     </a:lvl4pPr>
-    <a:lvl5pPr marL="1828800" algn="l" defTabSz="914400" rtl="0" eaLnBrk="1" latinLnBrk="0" hangingPunct="1">
+    <a:lvl5pPr marL="1828800" algn="l" defTabSz="457200" rtl="0" eaLnBrk="1" latinLnBrk="0" hangingPunct="1">
       <a:defRPr sz="1800" kern="1200">
         <a:solidFill>
           <a:schemeClr val="tx1"/>
@@ -106,7 +105,7 @@
         <a:cs typeface="+mn-cs"/>
       </a:defRPr>
     </a:lvl5pPr>
-    <a:lvl6pPr marL="2286000" algn="l" defTabSz="914400" rtl="0" eaLnBrk="1" latinLnBrk="0" hangingPunct="1">
+    <a:lvl6pPr marL="2286000" algn="l" defTabSz="457200" rtl="0" eaLnBrk="1" latinLnBrk="0" hangingPunct="1">
       <a:defRPr sz="1800" kern="1200">
         <a:solidFill>
           <a:schemeClr val="tx1"/>
@@ -116,7 +115,7 @@
         <a:cs typeface="+mn-cs"/>
       </a:defRPr>
     </a:lvl6pPr>
-    <a:lvl7pPr marL="2743200" algn="l" defTabSz="914400" rtl="0" eaLnBrk="1" latinLnBrk="0" hangingPunct="1">
+    <a:lvl7pPr marL="2743200" algn="l" defTabSz="457200" rtl="0" eaLnBrk="1" latinLnBrk="0" hangingPunct="1">
       <a:defRPr sz="1800" kern="1200">
         <a:solidFill>
           <a:schemeClr val="tx1"/>
@@ -126,7 +125,7 @@
         <a:cs typeface="+mn-cs"/>
       </a:defRPr>
     </a:lvl7pPr>
-    <a:lvl8pPr marL="3200400" algn="l" defTabSz="914400" rtl="0" eaLnBrk="1" latinLnBrk="0" hangingPunct="1">
+    <a:lvl8pPr marL="3200400" algn="l" defTabSz="457200" rtl="0" eaLnBrk="1" latinLnBrk="0" hangingPunct="1">
       <a:defRPr sz="1800" kern="1200">
         <a:solidFill>
           <a:schemeClr val="tx1"/>
@@ -136,7 +135,7 @@
         <a:cs typeface="+mn-cs"/>
       </a:defRPr>
     </a:lvl8pPr>
-    <a:lvl9pPr marL="3657600" algn="l" defTabSz="914400" rtl="0" eaLnBrk="1" latinLnBrk="0" hangingPunct="1">
+    <a:lvl9pPr marL="3657600" algn="l" defTabSz="457200" rtl="0" eaLnBrk="1" latinLnBrk="0" hangingPunct="1">
       <a:defRPr sz="1800" kern="1200">
         <a:solidFill>
           <a:schemeClr val="tx1"/>
@@ -576,7 +575,7 @@
           <a:p>
             <a:fld id="{48C17303-7880-4EB0-BBD6-662AD90969CD}" type="slidenum">
               <a:rPr lang="zh-TW" altLang="en-US" smtClean="0"/>
-              <a:t>25</a:t>
+              <a:t>24</a:t>
             </a:fld>
             <a:endParaRPr lang="zh-TW" altLang="en-US"/>
           </a:p>
@@ -679,7 +678,7 @@
           <a:p>
             <a:fld id="{48C17303-7880-4EB0-BBD6-662AD90969CD}" type="slidenum">
               <a:rPr lang="zh-TW" altLang="en-US" smtClean="0"/>
-              <a:t>27</a:t>
+              <a:t>26</a:t>
             </a:fld>
             <a:endParaRPr lang="zh-TW" altLang="en-US"/>
           </a:p>
@@ -770,7 +769,7 @@
           <a:p>
             <a:fld id="{48C17303-7880-4EB0-BBD6-662AD90969CD}" type="slidenum">
               <a:rPr lang="zh-TW" altLang="en-US" smtClean="0"/>
-              <a:t>34</a:t>
+              <a:t>33</a:t>
             </a:fld>
             <a:endParaRPr lang="zh-TW" altLang="en-US"/>
           </a:p>
@@ -808,13 +807,7 @@
       </p:grpSpPr>
       <p:sp>
         <p:nvSpPr>
-          <p:cNvPr id="2" name="標題 1">
-            <a:extLst>
-              <a:ext uri="{FF2B5EF4-FFF2-40B4-BE49-F238E27FC236}">
-                <a16:creationId xmlns:a16="http://schemas.microsoft.com/office/drawing/2014/main" id="{408EA3F8-1216-4306-9543-9AC1537B26B2}"/>
-              </a:ext>
-            </a:extLst>
-          </p:cNvPr>
+          <p:cNvPr id="2" name="Title 1"/>
           <p:cNvSpPr>
             <a:spLocks noGrp="1"/>
           </p:cNvSpPr>
@@ -840,18 +833,13 @@
               <a:rPr lang="zh-TW" altLang="en-US"/>
               <a:t>按一下以編輯母片標題樣式</a:t>
             </a:r>
-          </a:p>
-        </p:txBody>
-      </p:sp>
-      <p:sp>
-        <p:nvSpPr>
-          <p:cNvPr id="3" name="副標題 2">
-            <a:extLst>
-              <a:ext uri="{FF2B5EF4-FFF2-40B4-BE49-F238E27FC236}">
-                <a16:creationId xmlns:a16="http://schemas.microsoft.com/office/drawing/2014/main" id="{035CA521-A1AB-416D-B65B-9E84C4F9F34C}"/>
-              </a:ext>
-            </a:extLst>
-          </p:cNvPr>
+            <a:endParaRPr lang="en-US" dirty="0"/>
+          </a:p>
+        </p:txBody>
+      </p:sp>
+      <p:sp>
+        <p:nvSpPr>
+          <p:cNvPr id="3" name="Subtitle 2"/>
           <p:cNvSpPr>
             <a:spLocks noGrp="1"/>
           </p:cNvSpPr>
@@ -910,18 +898,13 @@
               <a:rPr lang="zh-TW" altLang="en-US"/>
               <a:t>按一下以編輯母片子標題樣式</a:t>
             </a:r>
-          </a:p>
-        </p:txBody>
-      </p:sp>
-      <p:sp>
-        <p:nvSpPr>
-          <p:cNvPr id="4" name="日期版面配置區 3">
-            <a:extLst>
-              <a:ext uri="{FF2B5EF4-FFF2-40B4-BE49-F238E27FC236}">
-                <a16:creationId xmlns:a16="http://schemas.microsoft.com/office/drawing/2014/main" id="{2E4AFFC3-E6FF-4F2F-99AF-AFD55D51E6F9}"/>
-              </a:ext>
-            </a:extLst>
-          </p:cNvPr>
+            <a:endParaRPr lang="en-US" dirty="0"/>
+          </a:p>
+        </p:txBody>
+      </p:sp>
+      <p:sp>
+        <p:nvSpPr>
+          <p:cNvPr id="4" name="Date Placeholder 3"/>
           <p:cNvSpPr>
             <a:spLocks noGrp="1"/>
           </p:cNvSpPr>
@@ -944,13 +927,7 @@
       </p:sp>
       <p:sp>
         <p:nvSpPr>
-          <p:cNvPr id="5" name="頁尾版面配置區 4">
-            <a:extLst>
-              <a:ext uri="{FF2B5EF4-FFF2-40B4-BE49-F238E27FC236}">
-                <a16:creationId xmlns:a16="http://schemas.microsoft.com/office/drawing/2014/main" id="{BA52765F-C83C-4DC3-800E-23B29FC1E852}"/>
-              </a:ext>
-            </a:extLst>
-          </p:cNvPr>
+          <p:cNvPr id="5" name="Footer Placeholder 4"/>
           <p:cNvSpPr>
             <a:spLocks noGrp="1"/>
           </p:cNvSpPr>
@@ -969,13 +946,7 @@
       </p:sp>
       <p:sp>
         <p:nvSpPr>
-          <p:cNvPr id="6" name="投影片編號版面配置區 5">
-            <a:extLst>
-              <a:ext uri="{FF2B5EF4-FFF2-40B4-BE49-F238E27FC236}">
-                <a16:creationId xmlns:a16="http://schemas.microsoft.com/office/drawing/2014/main" id="{75AB6893-69E0-4324-AA6C-F316365F56E9}"/>
-              </a:ext>
-            </a:extLst>
-          </p:cNvPr>
+          <p:cNvPr id="6" name="Slide Number Placeholder 5"/>
           <p:cNvSpPr>
             <a:spLocks noGrp="1"/>
           </p:cNvSpPr>
@@ -999,7 +970,7 @@
     </p:spTree>
     <p:extLst>
       <p:ext uri="{BB962C8B-B14F-4D97-AF65-F5344CB8AC3E}">
-        <p14:creationId xmlns:p14="http://schemas.microsoft.com/office/powerpoint/2010/main" val="2045795445"/>
+        <p14:creationId xmlns:p14="http://schemas.microsoft.com/office/powerpoint/2010/main" val="3429466855"/>
       </p:ext>
     </p:extLst>
   </p:cSld>
@@ -1028,13 +999,7 @@
       </p:grpSpPr>
       <p:sp>
         <p:nvSpPr>
-          <p:cNvPr id="2" name="標題 1">
-            <a:extLst>
-              <a:ext uri="{FF2B5EF4-FFF2-40B4-BE49-F238E27FC236}">
-                <a16:creationId xmlns:a16="http://schemas.microsoft.com/office/drawing/2014/main" id="{A89BAABB-0ED3-4DD5-B456-605081EF4FDC}"/>
-              </a:ext>
-            </a:extLst>
-          </p:cNvPr>
+          <p:cNvPr id="2" name="Title 1"/>
           <p:cNvSpPr>
             <a:spLocks noGrp="1"/>
           </p:cNvSpPr>
@@ -1051,18 +1016,13 @@
               <a:rPr lang="zh-TW" altLang="en-US"/>
               <a:t>按一下以編輯母片標題樣式</a:t>
             </a:r>
-          </a:p>
-        </p:txBody>
-      </p:sp>
-      <p:sp>
-        <p:nvSpPr>
-          <p:cNvPr id="3" name="直排文字版面配置區 2">
-            <a:extLst>
-              <a:ext uri="{FF2B5EF4-FFF2-40B4-BE49-F238E27FC236}">
-                <a16:creationId xmlns:a16="http://schemas.microsoft.com/office/drawing/2014/main" id="{9E777960-6121-4847-8C16-7FC912B8BB3F}"/>
-              </a:ext>
-            </a:extLst>
-          </p:cNvPr>
+            <a:endParaRPr lang="en-US" dirty="0"/>
+          </a:p>
+        </p:txBody>
+      </p:sp>
+      <p:sp>
+        <p:nvSpPr>
+          <p:cNvPr id="3" name="Vertical Text Placeholder 2"/>
           <p:cNvSpPr>
             <a:spLocks noGrp="1"/>
           </p:cNvSpPr>
@@ -1108,18 +1068,13 @@
               <a:rPr lang="zh-TW" altLang="en-US"/>
               <a:t>第五層</a:t>
             </a:r>
-          </a:p>
-        </p:txBody>
-      </p:sp>
-      <p:sp>
-        <p:nvSpPr>
-          <p:cNvPr id="4" name="日期版面配置區 3">
-            <a:extLst>
-              <a:ext uri="{FF2B5EF4-FFF2-40B4-BE49-F238E27FC236}">
-                <a16:creationId xmlns:a16="http://schemas.microsoft.com/office/drawing/2014/main" id="{0524D851-A595-477D-8DD9-AA74794C8C2C}"/>
-              </a:ext>
-            </a:extLst>
-          </p:cNvPr>
+            <a:endParaRPr lang="en-US" dirty="0"/>
+          </a:p>
+        </p:txBody>
+      </p:sp>
+      <p:sp>
+        <p:nvSpPr>
+          <p:cNvPr id="4" name="Date Placeholder 3"/>
           <p:cNvSpPr>
             <a:spLocks noGrp="1"/>
           </p:cNvSpPr>
@@ -1142,13 +1097,7 @@
       </p:sp>
       <p:sp>
         <p:nvSpPr>
-          <p:cNvPr id="5" name="頁尾版面配置區 4">
-            <a:extLst>
-              <a:ext uri="{FF2B5EF4-FFF2-40B4-BE49-F238E27FC236}">
-                <a16:creationId xmlns:a16="http://schemas.microsoft.com/office/drawing/2014/main" id="{D6314466-8532-45A7-9C37-99313E95836F}"/>
-              </a:ext>
-            </a:extLst>
-          </p:cNvPr>
+          <p:cNvPr id="5" name="Footer Placeholder 4"/>
           <p:cNvSpPr>
             <a:spLocks noGrp="1"/>
           </p:cNvSpPr>
@@ -1167,13 +1116,7 @@
       </p:sp>
       <p:sp>
         <p:nvSpPr>
-          <p:cNvPr id="6" name="投影片編號版面配置區 5">
-            <a:extLst>
-              <a:ext uri="{FF2B5EF4-FFF2-40B4-BE49-F238E27FC236}">
-                <a16:creationId xmlns:a16="http://schemas.microsoft.com/office/drawing/2014/main" id="{8F50F31D-01D0-4743-B74A-EDDC749A44C4}"/>
-              </a:ext>
-            </a:extLst>
-          </p:cNvPr>
+          <p:cNvPr id="6" name="Slide Number Placeholder 5"/>
           <p:cNvSpPr>
             <a:spLocks noGrp="1"/>
           </p:cNvSpPr>
@@ -1197,7 +1140,7 @@
     </p:spTree>
     <p:extLst>
       <p:ext uri="{BB962C8B-B14F-4D97-AF65-F5344CB8AC3E}">
-        <p14:creationId xmlns:p14="http://schemas.microsoft.com/office/powerpoint/2010/main" val="1991565171"/>
+        <p14:creationId xmlns:p14="http://schemas.microsoft.com/office/powerpoint/2010/main" val="3919863156"/>
       </p:ext>
     </p:extLst>
   </p:cSld>
@@ -1226,13 +1169,7 @@
       </p:grpSpPr>
       <p:sp>
         <p:nvSpPr>
-          <p:cNvPr id="2" name="直排標題 1">
-            <a:extLst>
-              <a:ext uri="{FF2B5EF4-FFF2-40B4-BE49-F238E27FC236}">
-                <a16:creationId xmlns:a16="http://schemas.microsoft.com/office/drawing/2014/main" id="{C24CF302-F284-4CCD-8F12-CD317C997033}"/>
-              </a:ext>
-            </a:extLst>
-          </p:cNvPr>
+          <p:cNvPr id="2" name="Vertical Title 1"/>
           <p:cNvSpPr>
             <a:spLocks noGrp="1"/>
           </p:cNvSpPr>
@@ -1254,18 +1191,13 @@
               <a:rPr lang="zh-TW" altLang="en-US"/>
               <a:t>按一下以編輯母片標題樣式</a:t>
             </a:r>
-          </a:p>
-        </p:txBody>
-      </p:sp>
-      <p:sp>
-        <p:nvSpPr>
-          <p:cNvPr id="3" name="直排文字版面配置區 2">
-            <a:extLst>
-              <a:ext uri="{FF2B5EF4-FFF2-40B4-BE49-F238E27FC236}">
-                <a16:creationId xmlns:a16="http://schemas.microsoft.com/office/drawing/2014/main" id="{E7549F63-AEB5-4920-89D2-47F5C00120ED}"/>
-              </a:ext>
-            </a:extLst>
-          </p:cNvPr>
+            <a:endParaRPr lang="en-US" dirty="0"/>
+          </a:p>
+        </p:txBody>
+      </p:sp>
+      <p:sp>
+        <p:nvSpPr>
+          <p:cNvPr id="3" name="Vertical Text Placeholder 2"/>
           <p:cNvSpPr>
             <a:spLocks noGrp="1"/>
           </p:cNvSpPr>
@@ -1316,18 +1248,13 @@
               <a:rPr lang="zh-TW" altLang="en-US"/>
               <a:t>第五層</a:t>
             </a:r>
-          </a:p>
-        </p:txBody>
-      </p:sp>
-      <p:sp>
-        <p:nvSpPr>
-          <p:cNvPr id="4" name="日期版面配置區 3">
-            <a:extLst>
-              <a:ext uri="{FF2B5EF4-FFF2-40B4-BE49-F238E27FC236}">
-                <a16:creationId xmlns:a16="http://schemas.microsoft.com/office/drawing/2014/main" id="{5A232F45-ED88-415A-ADAE-287DA681DEB9}"/>
-              </a:ext>
-            </a:extLst>
-          </p:cNvPr>
+            <a:endParaRPr lang="en-US" dirty="0"/>
+          </a:p>
+        </p:txBody>
+      </p:sp>
+      <p:sp>
+        <p:nvSpPr>
+          <p:cNvPr id="4" name="Date Placeholder 3"/>
           <p:cNvSpPr>
             <a:spLocks noGrp="1"/>
           </p:cNvSpPr>
@@ -1350,13 +1277,7 @@
       </p:sp>
       <p:sp>
         <p:nvSpPr>
-          <p:cNvPr id="5" name="頁尾版面配置區 4">
-            <a:extLst>
-              <a:ext uri="{FF2B5EF4-FFF2-40B4-BE49-F238E27FC236}">
-                <a16:creationId xmlns:a16="http://schemas.microsoft.com/office/drawing/2014/main" id="{BA9B1379-F1E4-431F-9C26-58B8781B6D8A}"/>
-              </a:ext>
-            </a:extLst>
-          </p:cNvPr>
+          <p:cNvPr id="5" name="Footer Placeholder 4"/>
           <p:cNvSpPr>
             <a:spLocks noGrp="1"/>
           </p:cNvSpPr>
@@ -1375,13 +1296,7 @@
       </p:sp>
       <p:sp>
         <p:nvSpPr>
-          <p:cNvPr id="6" name="投影片編號版面配置區 5">
-            <a:extLst>
-              <a:ext uri="{FF2B5EF4-FFF2-40B4-BE49-F238E27FC236}">
-                <a16:creationId xmlns:a16="http://schemas.microsoft.com/office/drawing/2014/main" id="{CC841AC8-499B-4C9E-9C75-83CDFD877D5C}"/>
-              </a:ext>
-            </a:extLst>
-          </p:cNvPr>
+          <p:cNvPr id="6" name="Slide Number Placeholder 5"/>
           <p:cNvSpPr>
             <a:spLocks noGrp="1"/>
           </p:cNvSpPr>
@@ -1405,7 +1320,7 @@
     </p:spTree>
     <p:extLst>
       <p:ext uri="{BB962C8B-B14F-4D97-AF65-F5344CB8AC3E}">
-        <p14:creationId xmlns:p14="http://schemas.microsoft.com/office/powerpoint/2010/main" val="303045304"/>
+        <p14:creationId xmlns:p14="http://schemas.microsoft.com/office/powerpoint/2010/main" val="3503313591"/>
       </p:ext>
     </p:extLst>
   </p:cSld>
@@ -1434,13 +1349,7 @@
       </p:grpSpPr>
       <p:sp>
         <p:nvSpPr>
-          <p:cNvPr id="2" name="標題 1">
-            <a:extLst>
-              <a:ext uri="{FF2B5EF4-FFF2-40B4-BE49-F238E27FC236}">
-                <a16:creationId xmlns:a16="http://schemas.microsoft.com/office/drawing/2014/main" id="{5D49BDAC-9DE5-4928-BA63-F0D08CB2BA40}"/>
-              </a:ext>
-            </a:extLst>
-          </p:cNvPr>
+          <p:cNvPr id="2" name="Title 1"/>
           <p:cNvSpPr>
             <a:spLocks noGrp="1"/>
           </p:cNvSpPr>
@@ -1457,18 +1366,13 @@
               <a:rPr lang="zh-TW" altLang="en-US"/>
               <a:t>按一下以編輯母片標題樣式</a:t>
             </a:r>
-          </a:p>
-        </p:txBody>
-      </p:sp>
-      <p:sp>
-        <p:nvSpPr>
-          <p:cNvPr id="3" name="內容版面配置區 2">
-            <a:extLst>
-              <a:ext uri="{FF2B5EF4-FFF2-40B4-BE49-F238E27FC236}">
-                <a16:creationId xmlns:a16="http://schemas.microsoft.com/office/drawing/2014/main" id="{A2CBE0A9-214F-498A-9793-1715EE02189E}"/>
-              </a:ext>
-            </a:extLst>
-          </p:cNvPr>
+            <a:endParaRPr lang="en-US" dirty="0"/>
+          </a:p>
+        </p:txBody>
+      </p:sp>
+      <p:sp>
+        <p:nvSpPr>
+          <p:cNvPr id="3" name="Content Placeholder 2"/>
           <p:cNvSpPr>
             <a:spLocks noGrp="1"/>
           </p:cNvSpPr>
@@ -1514,18 +1418,13 @@
               <a:rPr lang="zh-TW" altLang="en-US"/>
               <a:t>第五層</a:t>
             </a:r>
-          </a:p>
-        </p:txBody>
-      </p:sp>
-      <p:sp>
-        <p:nvSpPr>
-          <p:cNvPr id="4" name="日期版面配置區 3">
-            <a:extLst>
-              <a:ext uri="{FF2B5EF4-FFF2-40B4-BE49-F238E27FC236}">
-                <a16:creationId xmlns:a16="http://schemas.microsoft.com/office/drawing/2014/main" id="{36B5357E-D05C-4331-A2B7-F2B44DA2833E}"/>
-              </a:ext>
-            </a:extLst>
-          </p:cNvPr>
+            <a:endParaRPr lang="en-US" dirty="0"/>
+          </a:p>
+        </p:txBody>
+      </p:sp>
+      <p:sp>
+        <p:nvSpPr>
+          <p:cNvPr id="4" name="Date Placeholder 3"/>
           <p:cNvSpPr>
             <a:spLocks noGrp="1"/>
           </p:cNvSpPr>
@@ -1548,13 +1447,7 @@
       </p:sp>
       <p:sp>
         <p:nvSpPr>
-          <p:cNvPr id="5" name="頁尾版面配置區 4">
-            <a:extLst>
-              <a:ext uri="{FF2B5EF4-FFF2-40B4-BE49-F238E27FC236}">
-                <a16:creationId xmlns:a16="http://schemas.microsoft.com/office/drawing/2014/main" id="{8DCDD2D5-6895-4FA2-B421-43BB3BC0FCE1}"/>
-              </a:ext>
-            </a:extLst>
-          </p:cNvPr>
+          <p:cNvPr id="5" name="Footer Placeholder 4"/>
           <p:cNvSpPr>
             <a:spLocks noGrp="1"/>
           </p:cNvSpPr>
@@ -1573,13 +1466,7 @@
       </p:sp>
       <p:sp>
         <p:nvSpPr>
-          <p:cNvPr id="6" name="投影片編號版面配置區 5">
-            <a:extLst>
-              <a:ext uri="{FF2B5EF4-FFF2-40B4-BE49-F238E27FC236}">
-                <a16:creationId xmlns:a16="http://schemas.microsoft.com/office/drawing/2014/main" id="{E1339E8C-987B-4B57-B3BA-04D1E5E6A6F0}"/>
-              </a:ext>
-            </a:extLst>
-          </p:cNvPr>
+          <p:cNvPr id="6" name="Slide Number Placeholder 5"/>
           <p:cNvSpPr>
             <a:spLocks noGrp="1"/>
           </p:cNvSpPr>
@@ -1603,7 +1490,7 @@
     </p:spTree>
     <p:extLst>
       <p:ext uri="{BB962C8B-B14F-4D97-AF65-F5344CB8AC3E}">
-        <p14:creationId xmlns:p14="http://schemas.microsoft.com/office/powerpoint/2010/main" val="4257771206"/>
+        <p14:creationId xmlns:p14="http://schemas.microsoft.com/office/powerpoint/2010/main" val="2545738893"/>
       </p:ext>
     </p:extLst>
   </p:cSld>
@@ -1632,13 +1519,7 @@
       </p:grpSpPr>
       <p:sp>
         <p:nvSpPr>
-          <p:cNvPr id="2" name="標題 1">
-            <a:extLst>
-              <a:ext uri="{FF2B5EF4-FFF2-40B4-BE49-F238E27FC236}">
-                <a16:creationId xmlns:a16="http://schemas.microsoft.com/office/drawing/2014/main" id="{16B64BB0-66BD-4259-A7E1-94B2730F1D44}"/>
-              </a:ext>
-            </a:extLst>
-          </p:cNvPr>
+          <p:cNvPr id="2" name="Title 1"/>
           <p:cNvSpPr>
             <a:spLocks noGrp="1"/>
           </p:cNvSpPr>
@@ -1664,18 +1545,13 @@
               <a:rPr lang="zh-TW" altLang="en-US"/>
               <a:t>按一下以編輯母片標題樣式</a:t>
             </a:r>
-          </a:p>
-        </p:txBody>
-      </p:sp>
-      <p:sp>
-        <p:nvSpPr>
-          <p:cNvPr id="3" name="文字版面配置區 2">
-            <a:extLst>
-              <a:ext uri="{FF2B5EF4-FFF2-40B4-BE49-F238E27FC236}">
-                <a16:creationId xmlns:a16="http://schemas.microsoft.com/office/drawing/2014/main" id="{53E0CE85-2BCB-405B-B17D-FDF969685958}"/>
-              </a:ext>
-            </a:extLst>
-          </p:cNvPr>
+            <a:endParaRPr lang="en-US" dirty="0"/>
+          </a:p>
+        </p:txBody>
+      </p:sp>
+      <p:sp>
+        <p:nvSpPr>
+          <p:cNvPr id="3" name="Text Placeholder 2"/>
           <p:cNvSpPr>
             <a:spLocks noGrp="1"/>
           </p:cNvSpPr>
@@ -1794,13 +1670,7 @@
       </p:sp>
       <p:sp>
         <p:nvSpPr>
-          <p:cNvPr id="4" name="日期版面配置區 3">
-            <a:extLst>
-              <a:ext uri="{FF2B5EF4-FFF2-40B4-BE49-F238E27FC236}">
-                <a16:creationId xmlns:a16="http://schemas.microsoft.com/office/drawing/2014/main" id="{35035597-0050-4C2C-AF95-C31CD36DCD05}"/>
-              </a:ext>
-            </a:extLst>
-          </p:cNvPr>
+          <p:cNvPr id="4" name="Date Placeholder 3"/>
           <p:cNvSpPr>
             <a:spLocks noGrp="1"/>
           </p:cNvSpPr>
@@ -1823,13 +1693,7 @@
       </p:sp>
       <p:sp>
         <p:nvSpPr>
-          <p:cNvPr id="5" name="頁尾版面配置區 4">
-            <a:extLst>
-              <a:ext uri="{FF2B5EF4-FFF2-40B4-BE49-F238E27FC236}">
-                <a16:creationId xmlns:a16="http://schemas.microsoft.com/office/drawing/2014/main" id="{32A1D742-69B0-4EE0-A2E2-5119C4B4B1DE}"/>
-              </a:ext>
-            </a:extLst>
-          </p:cNvPr>
+          <p:cNvPr id="5" name="Footer Placeholder 4"/>
           <p:cNvSpPr>
             <a:spLocks noGrp="1"/>
           </p:cNvSpPr>
@@ -1848,13 +1712,7 @@
       </p:sp>
       <p:sp>
         <p:nvSpPr>
-          <p:cNvPr id="6" name="投影片編號版面配置區 5">
-            <a:extLst>
-              <a:ext uri="{FF2B5EF4-FFF2-40B4-BE49-F238E27FC236}">
-                <a16:creationId xmlns:a16="http://schemas.microsoft.com/office/drawing/2014/main" id="{F4734E3E-11DD-437A-9EC6-9E6B1E9F73E5}"/>
-              </a:ext>
-            </a:extLst>
-          </p:cNvPr>
+          <p:cNvPr id="6" name="Slide Number Placeholder 5"/>
           <p:cNvSpPr>
             <a:spLocks noGrp="1"/>
           </p:cNvSpPr>
@@ -1878,7 +1736,7 @@
     </p:spTree>
     <p:extLst>
       <p:ext uri="{BB962C8B-B14F-4D97-AF65-F5344CB8AC3E}">
-        <p14:creationId xmlns:p14="http://schemas.microsoft.com/office/powerpoint/2010/main" val="1361927953"/>
+        <p14:creationId xmlns:p14="http://schemas.microsoft.com/office/powerpoint/2010/main" val="625294133"/>
       </p:ext>
     </p:extLst>
   </p:cSld>
@@ -1907,13 +1765,7 @@
       </p:grpSpPr>
       <p:sp>
         <p:nvSpPr>
-          <p:cNvPr id="2" name="標題 1">
-            <a:extLst>
-              <a:ext uri="{FF2B5EF4-FFF2-40B4-BE49-F238E27FC236}">
-                <a16:creationId xmlns:a16="http://schemas.microsoft.com/office/drawing/2014/main" id="{BE7332FE-57BC-4EE2-B8CA-42578EA3F3F9}"/>
-              </a:ext>
-            </a:extLst>
-          </p:cNvPr>
+          <p:cNvPr id="2" name="Title 1"/>
           <p:cNvSpPr>
             <a:spLocks noGrp="1"/>
           </p:cNvSpPr>
@@ -1930,18 +1782,13 @@
               <a:rPr lang="zh-TW" altLang="en-US"/>
               <a:t>按一下以編輯母片標題樣式</a:t>
             </a:r>
-          </a:p>
-        </p:txBody>
-      </p:sp>
-      <p:sp>
-        <p:nvSpPr>
-          <p:cNvPr id="3" name="內容版面配置區 2">
-            <a:extLst>
-              <a:ext uri="{FF2B5EF4-FFF2-40B4-BE49-F238E27FC236}">
-                <a16:creationId xmlns:a16="http://schemas.microsoft.com/office/drawing/2014/main" id="{7B05738C-3CE4-4E12-8E15-611E4424BC77}"/>
-              </a:ext>
-            </a:extLst>
-          </p:cNvPr>
+            <a:endParaRPr lang="en-US" dirty="0"/>
+          </a:p>
+        </p:txBody>
+      </p:sp>
+      <p:sp>
+        <p:nvSpPr>
+          <p:cNvPr id="3" name="Content Placeholder 2"/>
           <p:cNvSpPr>
             <a:spLocks noGrp="1"/>
           </p:cNvSpPr>
@@ -1992,18 +1839,13 @@
               <a:rPr lang="zh-TW" altLang="en-US"/>
               <a:t>第五層</a:t>
             </a:r>
-          </a:p>
-        </p:txBody>
-      </p:sp>
-      <p:sp>
-        <p:nvSpPr>
-          <p:cNvPr id="4" name="內容版面配置區 3">
-            <a:extLst>
-              <a:ext uri="{FF2B5EF4-FFF2-40B4-BE49-F238E27FC236}">
-                <a16:creationId xmlns:a16="http://schemas.microsoft.com/office/drawing/2014/main" id="{73611A15-726D-467D-86DA-45C687FDAA86}"/>
-              </a:ext>
-            </a:extLst>
-          </p:cNvPr>
+            <a:endParaRPr lang="en-US" dirty="0"/>
+          </a:p>
+        </p:txBody>
+      </p:sp>
+      <p:sp>
+        <p:nvSpPr>
+          <p:cNvPr id="4" name="Content Placeholder 3"/>
           <p:cNvSpPr>
             <a:spLocks noGrp="1"/>
           </p:cNvSpPr>
@@ -2054,18 +1896,13 @@
               <a:rPr lang="zh-TW" altLang="en-US"/>
               <a:t>第五層</a:t>
             </a:r>
-          </a:p>
-        </p:txBody>
-      </p:sp>
-      <p:sp>
-        <p:nvSpPr>
-          <p:cNvPr id="5" name="日期版面配置區 4">
-            <a:extLst>
-              <a:ext uri="{FF2B5EF4-FFF2-40B4-BE49-F238E27FC236}">
-                <a16:creationId xmlns:a16="http://schemas.microsoft.com/office/drawing/2014/main" id="{0306B47A-B5CB-40BF-B931-21A5DA503FF5}"/>
-              </a:ext>
-            </a:extLst>
-          </p:cNvPr>
+            <a:endParaRPr lang="en-US" dirty="0"/>
+          </a:p>
+        </p:txBody>
+      </p:sp>
+      <p:sp>
+        <p:nvSpPr>
+          <p:cNvPr id="5" name="Date Placeholder 4"/>
           <p:cNvSpPr>
             <a:spLocks noGrp="1"/>
           </p:cNvSpPr>
@@ -2088,13 +1925,7 @@
       </p:sp>
       <p:sp>
         <p:nvSpPr>
-          <p:cNvPr id="6" name="頁尾版面配置區 5">
-            <a:extLst>
-              <a:ext uri="{FF2B5EF4-FFF2-40B4-BE49-F238E27FC236}">
-                <a16:creationId xmlns:a16="http://schemas.microsoft.com/office/drawing/2014/main" id="{435B2447-1ABF-4870-8CD3-B3BE91F673A5}"/>
-              </a:ext>
-            </a:extLst>
-          </p:cNvPr>
+          <p:cNvPr id="6" name="Footer Placeholder 5"/>
           <p:cNvSpPr>
             <a:spLocks noGrp="1"/>
           </p:cNvSpPr>
@@ -2113,13 +1944,7 @@
       </p:sp>
       <p:sp>
         <p:nvSpPr>
-          <p:cNvPr id="7" name="投影片編號版面配置區 6">
-            <a:extLst>
-              <a:ext uri="{FF2B5EF4-FFF2-40B4-BE49-F238E27FC236}">
-                <a16:creationId xmlns:a16="http://schemas.microsoft.com/office/drawing/2014/main" id="{40C66B49-AC6D-4D05-9640-F743691AB9EF}"/>
-              </a:ext>
-            </a:extLst>
-          </p:cNvPr>
+          <p:cNvPr id="7" name="Slide Number Placeholder 6"/>
           <p:cNvSpPr>
             <a:spLocks noGrp="1"/>
           </p:cNvSpPr>
@@ -2143,7 +1968,7 @@
     </p:spTree>
     <p:extLst>
       <p:ext uri="{BB962C8B-B14F-4D97-AF65-F5344CB8AC3E}">
-        <p14:creationId xmlns:p14="http://schemas.microsoft.com/office/powerpoint/2010/main" val="3290145722"/>
+        <p14:creationId xmlns:p14="http://schemas.microsoft.com/office/powerpoint/2010/main" val="2330268508"/>
       </p:ext>
     </p:extLst>
   </p:cSld>
@@ -2172,13 +1997,7 @@
       </p:grpSpPr>
       <p:sp>
         <p:nvSpPr>
-          <p:cNvPr id="2" name="標題 1">
-            <a:extLst>
-              <a:ext uri="{FF2B5EF4-FFF2-40B4-BE49-F238E27FC236}">
-                <a16:creationId xmlns:a16="http://schemas.microsoft.com/office/drawing/2014/main" id="{FAAED83C-E04F-453E-866B-445C835EA8C7}"/>
-              </a:ext>
-            </a:extLst>
-          </p:cNvPr>
+          <p:cNvPr id="2" name="Title 1"/>
           <p:cNvSpPr>
             <a:spLocks noGrp="1"/>
           </p:cNvSpPr>
@@ -2200,18 +2019,13 @@
               <a:rPr lang="zh-TW" altLang="en-US"/>
               <a:t>按一下以編輯母片標題樣式</a:t>
             </a:r>
-          </a:p>
-        </p:txBody>
-      </p:sp>
-      <p:sp>
-        <p:nvSpPr>
-          <p:cNvPr id="3" name="文字版面配置區 2">
-            <a:extLst>
-              <a:ext uri="{FF2B5EF4-FFF2-40B4-BE49-F238E27FC236}">
-                <a16:creationId xmlns:a16="http://schemas.microsoft.com/office/drawing/2014/main" id="{2A8640AD-F510-4230-87CC-5A177301D4E9}"/>
-              </a:ext>
-            </a:extLst>
-          </p:cNvPr>
+            <a:endParaRPr lang="en-US" dirty="0"/>
+          </a:p>
+        </p:txBody>
+      </p:sp>
+      <p:sp>
+        <p:nvSpPr>
+          <p:cNvPr id="3" name="Text Placeholder 2"/>
           <p:cNvSpPr>
             <a:spLocks noGrp="1"/>
           </p:cNvSpPr>
@@ -2276,13 +2090,7 @@
       </p:sp>
       <p:sp>
         <p:nvSpPr>
-          <p:cNvPr id="4" name="內容版面配置區 3">
-            <a:extLst>
-              <a:ext uri="{FF2B5EF4-FFF2-40B4-BE49-F238E27FC236}">
-                <a16:creationId xmlns:a16="http://schemas.microsoft.com/office/drawing/2014/main" id="{DC6B0996-6239-400C-82D5-090900B928CB}"/>
-              </a:ext>
-            </a:extLst>
-          </p:cNvPr>
+          <p:cNvPr id="4" name="Content Placeholder 3"/>
           <p:cNvSpPr>
             <a:spLocks noGrp="1"/>
           </p:cNvSpPr>
@@ -2333,18 +2141,13 @@
               <a:rPr lang="zh-TW" altLang="en-US"/>
               <a:t>第五層</a:t>
             </a:r>
-          </a:p>
-        </p:txBody>
-      </p:sp>
-      <p:sp>
-        <p:nvSpPr>
-          <p:cNvPr id="5" name="文字版面配置區 4">
-            <a:extLst>
-              <a:ext uri="{FF2B5EF4-FFF2-40B4-BE49-F238E27FC236}">
-                <a16:creationId xmlns:a16="http://schemas.microsoft.com/office/drawing/2014/main" id="{B0FA3C65-B42F-4581-96DF-3163D1A0FE94}"/>
-              </a:ext>
-            </a:extLst>
-          </p:cNvPr>
+            <a:endParaRPr lang="en-US" dirty="0"/>
+          </a:p>
+        </p:txBody>
+      </p:sp>
+      <p:sp>
+        <p:nvSpPr>
+          <p:cNvPr id="5" name="Text Placeholder 4"/>
           <p:cNvSpPr>
             <a:spLocks noGrp="1"/>
           </p:cNvSpPr>
@@ -2409,13 +2212,7 @@
       </p:sp>
       <p:sp>
         <p:nvSpPr>
-          <p:cNvPr id="6" name="內容版面配置區 5">
-            <a:extLst>
-              <a:ext uri="{FF2B5EF4-FFF2-40B4-BE49-F238E27FC236}">
-                <a16:creationId xmlns:a16="http://schemas.microsoft.com/office/drawing/2014/main" id="{1FECC7E5-121E-4E61-AD82-3597DAABA077}"/>
-              </a:ext>
-            </a:extLst>
-          </p:cNvPr>
+          <p:cNvPr id="6" name="Content Placeholder 5"/>
           <p:cNvSpPr>
             <a:spLocks noGrp="1"/>
           </p:cNvSpPr>
@@ -2466,18 +2263,13 @@
               <a:rPr lang="zh-TW" altLang="en-US"/>
               <a:t>第五層</a:t>
             </a:r>
-          </a:p>
-        </p:txBody>
-      </p:sp>
-      <p:sp>
-        <p:nvSpPr>
-          <p:cNvPr id="7" name="日期版面配置區 6">
-            <a:extLst>
-              <a:ext uri="{FF2B5EF4-FFF2-40B4-BE49-F238E27FC236}">
-                <a16:creationId xmlns:a16="http://schemas.microsoft.com/office/drawing/2014/main" id="{B872FA70-D6FB-40F6-9EBD-7ECF1ED7D19E}"/>
-              </a:ext>
-            </a:extLst>
-          </p:cNvPr>
+            <a:endParaRPr lang="en-US" dirty="0"/>
+          </a:p>
+        </p:txBody>
+      </p:sp>
+      <p:sp>
+        <p:nvSpPr>
+          <p:cNvPr id="7" name="Date Placeholder 6"/>
           <p:cNvSpPr>
             <a:spLocks noGrp="1"/>
           </p:cNvSpPr>
@@ -2500,13 +2292,7 @@
       </p:sp>
       <p:sp>
         <p:nvSpPr>
-          <p:cNvPr id="8" name="頁尾版面配置區 7">
-            <a:extLst>
-              <a:ext uri="{FF2B5EF4-FFF2-40B4-BE49-F238E27FC236}">
-                <a16:creationId xmlns:a16="http://schemas.microsoft.com/office/drawing/2014/main" id="{A4A7019F-1963-4F37-A93F-D7809E72B20F}"/>
-              </a:ext>
-            </a:extLst>
-          </p:cNvPr>
+          <p:cNvPr id="8" name="Footer Placeholder 7"/>
           <p:cNvSpPr>
             <a:spLocks noGrp="1"/>
           </p:cNvSpPr>
@@ -2525,13 +2311,7 @@
       </p:sp>
       <p:sp>
         <p:nvSpPr>
-          <p:cNvPr id="9" name="投影片編號版面配置區 8">
-            <a:extLst>
-              <a:ext uri="{FF2B5EF4-FFF2-40B4-BE49-F238E27FC236}">
-                <a16:creationId xmlns:a16="http://schemas.microsoft.com/office/drawing/2014/main" id="{ECB34B06-97F9-4882-AE07-DFBBA16F5218}"/>
-              </a:ext>
-            </a:extLst>
-          </p:cNvPr>
+          <p:cNvPr id="9" name="Slide Number Placeholder 8"/>
           <p:cNvSpPr>
             <a:spLocks noGrp="1"/>
           </p:cNvSpPr>
@@ -2555,7 +2335,7 @@
     </p:spTree>
     <p:extLst>
       <p:ext uri="{BB962C8B-B14F-4D97-AF65-F5344CB8AC3E}">
-        <p14:creationId xmlns:p14="http://schemas.microsoft.com/office/powerpoint/2010/main" val="2406473349"/>
+        <p14:creationId xmlns:p14="http://schemas.microsoft.com/office/powerpoint/2010/main" val="2239773608"/>
       </p:ext>
     </p:extLst>
   </p:cSld>
@@ -2584,13 +2364,7 @@
       </p:grpSpPr>
       <p:sp>
         <p:nvSpPr>
-          <p:cNvPr id="2" name="標題 1">
-            <a:extLst>
-              <a:ext uri="{FF2B5EF4-FFF2-40B4-BE49-F238E27FC236}">
-                <a16:creationId xmlns:a16="http://schemas.microsoft.com/office/drawing/2014/main" id="{F1A8CFFC-C698-4CA9-A3F9-19851B111EB5}"/>
-              </a:ext>
-            </a:extLst>
-          </p:cNvPr>
+          <p:cNvPr id="2" name="Title 1"/>
           <p:cNvSpPr>
             <a:spLocks noGrp="1"/>
           </p:cNvSpPr>
@@ -2607,18 +2381,13 @@
               <a:rPr lang="zh-TW" altLang="en-US"/>
               <a:t>按一下以編輯母片標題樣式</a:t>
             </a:r>
-          </a:p>
-        </p:txBody>
-      </p:sp>
-      <p:sp>
-        <p:nvSpPr>
-          <p:cNvPr id="3" name="日期版面配置區 2">
-            <a:extLst>
-              <a:ext uri="{FF2B5EF4-FFF2-40B4-BE49-F238E27FC236}">
-                <a16:creationId xmlns:a16="http://schemas.microsoft.com/office/drawing/2014/main" id="{557D30B0-C3F4-47ED-AC71-0BE3DB5070BC}"/>
-              </a:ext>
-            </a:extLst>
-          </p:cNvPr>
+            <a:endParaRPr lang="en-US" dirty="0"/>
+          </a:p>
+        </p:txBody>
+      </p:sp>
+      <p:sp>
+        <p:nvSpPr>
+          <p:cNvPr id="3" name="Date Placeholder 2"/>
           <p:cNvSpPr>
             <a:spLocks noGrp="1"/>
           </p:cNvSpPr>
@@ -2641,13 +2410,7 @@
       </p:sp>
       <p:sp>
         <p:nvSpPr>
-          <p:cNvPr id="4" name="頁尾版面配置區 3">
-            <a:extLst>
-              <a:ext uri="{FF2B5EF4-FFF2-40B4-BE49-F238E27FC236}">
-                <a16:creationId xmlns:a16="http://schemas.microsoft.com/office/drawing/2014/main" id="{499A13AD-919D-4682-8219-2AAB8D27A59D}"/>
-              </a:ext>
-            </a:extLst>
-          </p:cNvPr>
+          <p:cNvPr id="4" name="Footer Placeholder 3"/>
           <p:cNvSpPr>
             <a:spLocks noGrp="1"/>
           </p:cNvSpPr>
@@ -2666,13 +2429,7 @@
       </p:sp>
       <p:sp>
         <p:nvSpPr>
-          <p:cNvPr id="5" name="投影片編號版面配置區 4">
-            <a:extLst>
-              <a:ext uri="{FF2B5EF4-FFF2-40B4-BE49-F238E27FC236}">
-                <a16:creationId xmlns:a16="http://schemas.microsoft.com/office/drawing/2014/main" id="{B03D32EA-7DBE-4E04-9420-88F4641A828A}"/>
-              </a:ext>
-            </a:extLst>
-          </p:cNvPr>
+          <p:cNvPr id="5" name="Slide Number Placeholder 4"/>
           <p:cNvSpPr>
             <a:spLocks noGrp="1"/>
           </p:cNvSpPr>
@@ -2696,7 +2453,7 @@
     </p:spTree>
     <p:extLst>
       <p:ext uri="{BB962C8B-B14F-4D97-AF65-F5344CB8AC3E}">
-        <p14:creationId xmlns:p14="http://schemas.microsoft.com/office/powerpoint/2010/main" val="3285467612"/>
+        <p14:creationId xmlns:p14="http://schemas.microsoft.com/office/powerpoint/2010/main" val="3928488039"/>
       </p:ext>
     </p:extLst>
   </p:cSld>
@@ -2725,13 +2482,7 @@
       </p:grpSpPr>
       <p:sp>
         <p:nvSpPr>
-          <p:cNvPr id="2" name="日期版面配置區 1">
-            <a:extLst>
-              <a:ext uri="{FF2B5EF4-FFF2-40B4-BE49-F238E27FC236}">
-                <a16:creationId xmlns:a16="http://schemas.microsoft.com/office/drawing/2014/main" id="{E4E26BFE-A6E4-42FD-9577-795F6237AA68}"/>
-              </a:ext>
-            </a:extLst>
-          </p:cNvPr>
+          <p:cNvPr id="2" name="Date Placeholder 1"/>
           <p:cNvSpPr>
             <a:spLocks noGrp="1"/>
           </p:cNvSpPr>
@@ -2754,13 +2505,7 @@
       </p:sp>
       <p:sp>
         <p:nvSpPr>
-          <p:cNvPr id="3" name="頁尾版面配置區 2">
-            <a:extLst>
-              <a:ext uri="{FF2B5EF4-FFF2-40B4-BE49-F238E27FC236}">
-                <a16:creationId xmlns:a16="http://schemas.microsoft.com/office/drawing/2014/main" id="{62DDA3AD-6474-4960-901F-7F8DD4081B82}"/>
-              </a:ext>
-            </a:extLst>
-          </p:cNvPr>
+          <p:cNvPr id="3" name="Footer Placeholder 2"/>
           <p:cNvSpPr>
             <a:spLocks noGrp="1"/>
           </p:cNvSpPr>
@@ -2779,13 +2524,7 @@
       </p:sp>
       <p:sp>
         <p:nvSpPr>
-          <p:cNvPr id="4" name="投影片編號版面配置區 3">
-            <a:extLst>
-              <a:ext uri="{FF2B5EF4-FFF2-40B4-BE49-F238E27FC236}">
-                <a16:creationId xmlns:a16="http://schemas.microsoft.com/office/drawing/2014/main" id="{6A3BB2A9-478F-4507-9D35-527F583647C8}"/>
-              </a:ext>
-            </a:extLst>
-          </p:cNvPr>
+          <p:cNvPr id="4" name="Slide Number Placeholder 3"/>
           <p:cNvSpPr>
             <a:spLocks noGrp="1"/>
           </p:cNvSpPr>
@@ -2809,7 +2548,7 @@
     </p:spTree>
     <p:extLst>
       <p:ext uri="{BB962C8B-B14F-4D97-AF65-F5344CB8AC3E}">
-        <p14:creationId xmlns:p14="http://schemas.microsoft.com/office/powerpoint/2010/main" val="1038714395"/>
+        <p14:creationId xmlns:p14="http://schemas.microsoft.com/office/powerpoint/2010/main" val="4184408082"/>
       </p:ext>
     </p:extLst>
   </p:cSld>
@@ -2838,13 +2577,7 @@
       </p:grpSpPr>
       <p:sp>
         <p:nvSpPr>
-          <p:cNvPr id="2" name="標題 1">
-            <a:extLst>
-              <a:ext uri="{FF2B5EF4-FFF2-40B4-BE49-F238E27FC236}">
-                <a16:creationId xmlns:a16="http://schemas.microsoft.com/office/drawing/2014/main" id="{3B88FBE4-5009-494D-B9E2-D474641F2F5E}"/>
-              </a:ext>
-            </a:extLst>
-          </p:cNvPr>
+          <p:cNvPr id="2" name="Title 1"/>
           <p:cNvSpPr>
             <a:spLocks noGrp="1"/>
           </p:cNvSpPr>
@@ -2870,18 +2603,13 @@
               <a:rPr lang="zh-TW" altLang="en-US"/>
               <a:t>按一下以編輯母片標題樣式</a:t>
             </a:r>
-          </a:p>
-        </p:txBody>
-      </p:sp>
-      <p:sp>
-        <p:nvSpPr>
-          <p:cNvPr id="3" name="內容版面配置區 2">
-            <a:extLst>
-              <a:ext uri="{FF2B5EF4-FFF2-40B4-BE49-F238E27FC236}">
-                <a16:creationId xmlns:a16="http://schemas.microsoft.com/office/drawing/2014/main" id="{FA6C1D38-6840-4617-AF8E-0847B68DA053}"/>
-              </a:ext>
-            </a:extLst>
-          </p:cNvPr>
+            <a:endParaRPr lang="en-US" dirty="0"/>
+          </a:p>
+        </p:txBody>
+      </p:sp>
+      <p:sp>
+        <p:nvSpPr>
+          <p:cNvPr id="3" name="Content Placeholder 2"/>
           <p:cNvSpPr>
             <a:spLocks noGrp="1"/>
           </p:cNvSpPr>
@@ -2960,18 +2688,13 @@
               <a:rPr lang="zh-TW" altLang="en-US"/>
               <a:t>第五層</a:t>
             </a:r>
-          </a:p>
-        </p:txBody>
-      </p:sp>
-      <p:sp>
-        <p:nvSpPr>
-          <p:cNvPr id="4" name="文字版面配置區 3">
-            <a:extLst>
-              <a:ext uri="{FF2B5EF4-FFF2-40B4-BE49-F238E27FC236}">
-                <a16:creationId xmlns:a16="http://schemas.microsoft.com/office/drawing/2014/main" id="{C89F9E3B-46AE-4B01-956D-F75084C8FD76}"/>
-              </a:ext>
-            </a:extLst>
-          </p:cNvPr>
+            <a:endParaRPr lang="en-US" dirty="0"/>
+          </a:p>
+        </p:txBody>
+      </p:sp>
+      <p:sp>
+        <p:nvSpPr>
+          <p:cNvPr id="4" name="Text Placeholder 3"/>
           <p:cNvSpPr>
             <a:spLocks noGrp="1"/>
           </p:cNvSpPr>
@@ -3036,13 +2759,7 @@
       </p:sp>
       <p:sp>
         <p:nvSpPr>
-          <p:cNvPr id="5" name="日期版面配置區 4">
-            <a:extLst>
-              <a:ext uri="{FF2B5EF4-FFF2-40B4-BE49-F238E27FC236}">
-                <a16:creationId xmlns:a16="http://schemas.microsoft.com/office/drawing/2014/main" id="{78B62C93-1A3B-45BB-97D2-A2D1511D1EEC}"/>
-              </a:ext>
-            </a:extLst>
-          </p:cNvPr>
+          <p:cNvPr id="5" name="Date Placeholder 4"/>
           <p:cNvSpPr>
             <a:spLocks noGrp="1"/>
           </p:cNvSpPr>
@@ -3065,13 +2782,7 @@
       </p:sp>
       <p:sp>
         <p:nvSpPr>
-          <p:cNvPr id="6" name="頁尾版面配置區 5">
-            <a:extLst>
-              <a:ext uri="{FF2B5EF4-FFF2-40B4-BE49-F238E27FC236}">
-                <a16:creationId xmlns:a16="http://schemas.microsoft.com/office/drawing/2014/main" id="{EDDB5981-45CC-4ED3-9E6B-10033C5FB412}"/>
-              </a:ext>
-            </a:extLst>
-          </p:cNvPr>
+          <p:cNvPr id="6" name="Footer Placeholder 5"/>
           <p:cNvSpPr>
             <a:spLocks noGrp="1"/>
           </p:cNvSpPr>
@@ -3090,13 +2801,7 @@
       </p:sp>
       <p:sp>
         <p:nvSpPr>
-          <p:cNvPr id="7" name="投影片編號版面配置區 6">
-            <a:extLst>
-              <a:ext uri="{FF2B5EF4-FFF2-40B4-BE49-F238E27FC236}">
-                <a16:creationId xmlns:a16="http://schemas.microsoft.com/office/drawing/2014/main" id="{F5143860-9FBC-4BAF-8B3F-59722F0C78A2}"/>
-              </a:ext>
-            </a:extLst>
-          </p:cNvPr>
+          <p:cNvPr id="7" name="Slide Number Placeholder 6"/>
           <p:cNvSpPr>
             <a:spLocks noGrp="1"/>
           </p:cNvSpPr>
@@ -3120,7 +2825,7 @@
     </p:spTree>
     <p:extLst>
       <p:ext uri="{BB962C8B-B14F-4D97-AF65-F5344CB8AC3E}">
-        <p14:creationId xmlns:p14="http://schemas.microsoft.com/office/powerpoint/2010/main" val="3990874735"/>
+        <p14:creationId xmlns:p14="http://schemas.microsoft.com/office/powerpoint/2010/main" val="888425065"/>
       </p:ext>
     </p:extLst>
   </p:cSld>
@@ -3149,13 +2854,7 @@
       </p:grpSpPr>
       <p:sp>
         <p:nvSpPr>
-          <p:cNvPr id="2" name="標題 1">
-            <a:extLst>
-              <a:ext uri="{FF2B5EF4-FFF2-40B4-BE49-F238E27FC236}">
-                <a16:creationId xmlns:a16="http://schemas.microsoft.com/office/drawing/2014/main" id="{9BD1117D-C614-4082-A180-33BBE2663214}"/>
-              </a:ext>
-            </a:extLst>
-          </p:cNvPr>
+          <p:cNvPr id="2" name="Title 1"/>
           <p:cNvSpPr>
             <a:spLocks noGrp="1"/>
           </p:cNvSpPr>
@@ -3181,20 +2880,15 @@
               <a:rPr lang="zh-TW" altLang="en-US"/>
               <a:t>按一下以編輯母片標題樣式</a:t>
             </a:r>
-          </a:p>
-        </p:txBody>
-      </p:sp>
-      <p:sp>
-        <p:nvSpPr>
-          <p:cNvPr id="3" name="圖片版面配置區 2">
-            <a:extLst>
-              <a:ext uri="{FF2B5EF4-FFF2-40B4-BE49-F238E27FC236}">
-                <a16:creationId xmlns:a16="http://schemas.microsoft.com/office/drawing/2014/main" id="{08A148DE-4361-4054-940F-D32631209C0E}"/>
-              </a:ext>
-            </a:extLst>
-          </p:cNvPr>
-          <p:cNvSpPr>
-            <a:spLocks noGrp="1"/>
+            <a:endParaRPr lang="en-US" dirty="0"/>
+          </a:p>
+        </p:txBody>
+      </p:sp>
+      <p:sp>
+        <p:nvSpPr>
+          <p:cNvPr id="3" name="Picture Placeholder 2"/>
+          <p:cNvSpPr>
+            <a:spLocks noGrp="1" noChangeAspect="1"/>
           </p:cNvSpPr>
           <p:nvPr>
             <p:ph type="pic" idx="1"/>
@@ -3207,7 +2901,7 @@
           </a:xfrm>
         </p:spPr>
         <p:txBody>
-          <a:bodyPr/>
+          <a:bodyPr anchor="t"/>
           <a:lstStyle>
             <a:lvl1pPr marL="0" indent="0">
               <a:buNone/>
@@ -3247,19 +2941,17 @@
             </a:lvl9pPr>
           </a:lstStyle>
           <a:p>
-            <a:endParaRPr lang="zh-TW" altLang="en-US"/>
-          </a:p>
-        </p:txBody>
-      </p:sp>
-      <p:sp>
-        <p:nvSpPr>
-          <p:cNvPr id="4" name="文字版面配置區 3">
-            <a:extLst>
-              <a:ext uri="{FF2B5EF4-FFF2-40B4-BE49-F238E27FC236}">
-                <a16:creationId xmlns:a16="http://schemas.microsoft.com/office/drawing/2014/main" id="{69125B00-E694-40B1-89F5-A581ACEED7FD}"/>
-              </a:ext>
-            </a:extLst>
-          </p:cNvPr>
+            <a:r>
+              <a:rPr lang="zh-TW" altLang="en-US"/>
+              <a:t>按一下圖示以新增圖片</a:t>
+            </a:r>
+            <a:endParaRPr lang="en-US" dirty="0"/>
+          </a:p>
+        </p:txBody>
+      </p:sp>
+      <p:sp>
+        <p:nvSpPr>
+          <p:cNvPr id="4" name="Text Placeholder 3"/>
           <p:cNvSpPr>
             <a:spLocks noGrp="1"/>
           </p:cNvSpPr>
@@ -3324,13 +3016,7 @@
       </p:sp>
       <p:sp>
         <p:nvSpPr>
-          <p:cNvPr id="5" name="日期版面配置區 4">
-            <a:extLst>
-              <a:ext uri="{FF2B5EF4-FFF2-40B4-BE49-F238E27FC236}">
-                <a16:creationId xmlns:a16="http://schemas.microsoft.com/office/drawing/2014/main" id="{48CD6EEC-B361-4660-B7B7-14009B139281}"/>
-              </a:ext>
-            </a:extLst>
-          </p:cNvPr>
+          <p:cNvPr id="5" name="Date Placeholder 4"/>
           <p:cNvSpPr>
             <a:spLocks noGrp="1"/>
           </p:cNvSpPr>
@@ -3353,13 +3039,7 @@
       </p:sp>
       <p:sp>
         <p:nvSpPr>
-          <p:cNvPr id="6" name="頁尾版面配置區 5">
-            <a:extLst>
-              <a:ext uri="{FF2B5EF4-FFF2-40B4-BE49-F238E27FC236}">
-                <a16:creationId xmlns:a16="http://schemas.microsoft.com/office/drawing/2014/main" id="{6A4DFB56-3944-41C3-A2E2-4291BBF16338}"/>
-              </a:ext>
-            </a:extLst>
-          </p:cNvPr>
+          <p:cNvPr id="6" name="Footer Placeholder 5"/>
           <p:cNvSpPr>
             <a:spLocks noGrp="1"/>
           </p:cNvSpPr>
@@ -3378,13 +3058,7 @@
       </p:sp>
       <p:sp>
         <p:nvSpPr>
-          <p:cNvPr id="7" name="投影片編號版面配置區 6">
-            <a:extLst>
-              <a:ext uri="{FF2B5EF4-FFF2-40B4-BE49-F238E27FC236}">
-                <a16:creationId xmlns:a16="http://schemas.microsoft.com/office/drawing/2014/main" id="{EF24467E-CB86-4584-84F3-EC78A01438EE}"/>
-              </a:ext>
-            </a:extLst>
-          </p:cNvPr>
+          <p:cNvPr id="7" name="Slide Number Placeholder 6"/>
           <p:cNvSpPr>
             <a:spLocks noGrp="1"/>
           </p:cNvSpPr>
@@ -3408,7 +3082,7 @@
     </p:spTree>
     <p:extLst>
       <p:ext uri="{BB962C8B-B14F-4D97-AF65-F5344CB8AC3E}">
-        <p14:creationId xmlns:p14="http://schemas.microsoft.com/office/powerpoint/2010/main" val="4022683362"/>
+        <p14:creationId xmlns:p14="http://schemas.microsoft.com/office/powerpoint/2010/main" val="878376141"/>
       </p:ext>
     </p:extLst>
   </p:cSld>
@@ -3442,13 +3116,7 @@
       </p:grpSpPr>
       <p:sp>
         <p:nvSpPr>
-          <p:cNvPr id="2" name="標題版面配置區 1">
-            <a:extLst>
-              <a:ext uri="{FF2B5EF4-FFF2-40B4-BE49-F238E27FC236}">
-                <a16:creationId xmlns:a16="http://schemas.microsoft.com/office/drawing/2014/main" id="{64E53FB2-4669-4BCC-855F-6508C6339F63}"/>
-              </a:ext>
-            </a:extLst>
-          </p:cNvPr>
+          <p:cNvPr id="2" name="Title Placeholder 1"/>
           <p:cNvSpPr>
             <a:spLocks noGrp="1"/>
           </p:cNvSpPr>
@@ -3475,18 +3143,13 @@
               <a:rPr lang="zh-TW" altLang="en-US"/>
               <a:t>按一下以編輯母片標題樣式</a:t>
             </a:r>
-          </a:p>
-        </p:txBody>
-      </p:sp>
-      <p:sp>
-        <p:nvSpPr>
-          <p:cNvPr id="3" name="文字版面配置區 2">
-            <a:extLst>
-              <a:ext uri="{FF2B5EF4-FFF2-40B4-BE49-F238E27FC236}">
-                <a16:creationId xmlns:a16="http://schemas.microsoft.com/office/drawing/2014/main" id="{2F94DE0D-26C3-4171-84E2-DE123444A4FA}"/>
-              </a:ext>
-            </a:extLst>
-          </p:cNvPr>
+            <a:endParaRPr lang="en-US" dirty="0"/>
+          </a:p>
+        </p:txBody>
+      </p:sp>
+      <p:sp>
+        <p:nvSpPr>
+          <p:cNvPr id="3" name="Text Placeholder 2"/>
           <p:cNvSpPr>
             <a:spLocks noGrp="1"/>
           </p:cNvSpPr>
@@ -3542,18 +3205,13 @@
               <a:rPr lang="zh-TW" altLang="en-US"/>
               <a:t>第五層</a:t>
             </a:r>
-          </a:p>
-        </p:txBody>
-      </p:sp>
-      <p:sp>
-        <p:nvSpPr>
-          <p:cNvPr id="4" name="日期版面配置區 3">
-            <a:extLst>
-              <a:ext uri="{FF2B5EF4-FFF2-40B4-BE49-F238E27FC236}">
-                <a16:creationId xmlns:a16="http://schemas.microsoft.com/office/drawing/2014/main" id="{027C6B44-AB97-45B4-B0FD-44962F73ADAC}"/>
-              </a:ext>
-            </a:extLst>
-          </p:cNvPr>
+            <a:endParaRPr lang="en-US" dirty="0"/>
+          </a:p>
+        </p:txBody>
+      </p:sp>
+      <p:sp>
+        <p:nvSpPr>
+          <p:cNvPr id="4" name="Date Placeholder 3"/>
           <p:cNvSpPr>
             <a:spLocks noGrp="1"/>
           </p:cNvSpPr>
@@ -3594,13 +3252,7 @@
       </p:sp>
       <p:sp>
         <p:nvSpPr>
-          <p:cNvPr id="5" name="頁尾版面配置區 4">
-            <a:extLst>
-              <a:ext uri="{FF2B5EF4-FFF2-40B4-BE49-F238E27FC236}">
-                <a16:creationId xmlns:a16="http://schemas.microsoft.com/office/drawing/2014/main" id="{AE519203-0F5B-4F89-94AB-588CB880A345}"/>
-              </a:ext>
-            </a:extLst>
-          </p:cNvPr>
+          <p:cNvPr id="5" name="Footer Placeholder 4"/>
           <p:cNvSpPr>
             <a:spLocks noGrp="1"/>
           </p:cNvSpPr>
@@ -3637,13 +3289,7 @@
       </p:sp>
       <p:sp>
         <p:nvSpPr>
-          <p:cNvPr id="6" name="投影片編號版面配置區 5">
-            <a:extLst>
-              <a:ext uri="{FF2B5EF4-FFF2-40B4-BE49-F238E27FC236}">
-                <a16:creationId xmlns:a16="http://schemas.microsoft.com/office/drawing/2014/main" id="{9E95A3FE-3DFA-425D-8391-DA9E60E815ED}"/>
-              </a:ext>
-            </a:extLst>
-          </p:cNvPr>
+          <p:cNvPr id="6" name="Slide Number Placeholder 5"/>
           <p:cNvSpPr>
             <a:spLocks noGrp="1"/>
           </p:cNvSpPr>
@@ -3670,8 +3316,6 @@
                     <a:tint val="75000"/>
                   </a:schemeClr>
                 </a:solidFill>
-                <a:latin typeface="Microsoft JhengHei Light" panose="020B0604030504040204" pitchFamily="34" charset="-120"/>
-                <a:ea typeface="Microsoft JhengHei Light" panose="020B0604030504040204" pitchFamily="34" charset="-120"/>
               </a:defRPr>
             </a:lvl1pPr>
           </a:lstStyle>
@@ -3688,23 +3332,23 @@
     </p:spTree>
     <p:extLst>
       <p:ext uri="{BB962C8B-B14F-4D97-AF65-F5344CB8AC3E}">
-        <p14:creationId xmlns:p14="http://schemas.microsoft.com/office/powerpoint/2010/main" val="3238270462"/>
+        <p14:creationId xmlns:p14="http://schemas.microsoft.com/office/powerpoint/2010/main" val="718839062"/>
       </p:ext>
     </p:extLst>
   </p:cSld>
-  <p:clrMap bg1="lt1" tx1="dk1" bg2="lt2" tx2="dk2" accent1="accent1" accent2="accent2" accent3="accent3" accent4="accent4" accent5="accent5" accent6="accent6" hlink="hlink" folHlink="folHlink"/>
+  <p:clrMap bg1="dk1" tx1="lt1" bg2="dk2" tx2="lt2" accent1="accent1" accent2="accent2" accent3="accent3" accent4="accent4" accent5="accent5" accent6="accent6" hlink="hlink" folHlink="folHlink"/>
   <p:sldLayoutIdLst>
-    <p:sldLayoutId id="2147483649" r:id="rId1"/>
-    <p:sldLayoutId id="2147483650" r:id="rId2"/>
-    <p:sldLayoutId id="2147483651" r:id="rId3"/>
-    <p:sldLayoutId id="2147483652" r:id="rId4"/>
-    <p:sldLayoutId id="2147483653" r:id="rId5"/>
-    <p:sldLayoutId id="2147483654" r:id="rId6"/>
-    <p:sldLayoutId id="2147483655" r:id="rId7"/>
-    <p:sldLayoutId id="2147483656" r:id="rId8"/>
-    <p:sldLayoutId id="2147483657" r:id="rId9"/>
-    <p:sldLayoutId id="2147483658" r:id="rId10"/>
-    <p:sldLayoutId id="2147483659" r:id="rId11"/>
+    <p:sldLayoutId id="2147483661" r:id="rId1"/>
+    <p:sldLayoutId id="2147483662" r:id="rId2"/>
+    <p:sldLayoutId id="2147483663" r:id="rId3"/>
+    <p:sldLayoutId id="2147483664" r:id="rId4"/>
+    <p:sldLayoutId id="2147483665" r:id="rId5"/>
+    <p:sldLayoutId id="2147483666" r:id="rId6"/>
+    <p:sldLayoutId id="2147483667" r:id="rId7"/>
+    <p:sldLayoutId id="2147483668" r:id="rId8"/>
+    <p:sldLayoutId id="2147483669" r:id="rId9"/>
+    <p:sldLayoutId id="2147483670" r:id="rId10"/>
+    <p:sldLayoutId id="2147483671" r:id="rId11"/>
   </p:sldLayoutIdLst>
   <p:hf hdr="0" ftr="0" dt="0"/>
   <p:txStyles>
@@ -3893,7 +3537,7 @@
     </p:bodyStyle>
     <p:otherStyle>
       <a:defPPr>
-        <a:defRPr lang="zh-TW"/>
+        <a:defRPr lang="en-US"/>
       </a:defPPr>
       <a:lvl1pPr marL="0" algn="l" defTabSz="914400" rtl="0" eaLnBrk="1" latinLnBrk="0" hangingPunct="1">
         <a:defRPr sz="1800" kern="1200">
@@ -4068,7 +3712,9 @@
         </p:nvSpPr>
         <p:spPr/>
         <p:txBody>
-          <a:bodyPr/>
+          <a:bodyPr>
+            <a:normAutofit lnSpcReduction="10000"/>
+          </a:bodyPr>
           <a:lstStyle/>
           <a:p>
             <a:pPr algn="r"/>
@@ -4086,6 +3732,13 @@
             <a:r>
               <a:rPr lang="en-US" altLang="zh-TW" dirty="0"/>
               <a:t>ADVISOR: DR. HO-TING WU</a:t>
+            </a:r>
+          </a:p>
+          <a:p>
+            <a:pPr algn="r"/>
+            <a:r>
+              <a:rPr lang="en-US" altLang="zh-TW" dirty="0"/>
+              <a:t>Date: 2020/09/30</a:t>
             </a:r>
             <a:endParaRPr lang="zh-TW" altLang="en-US" dirty="0"/>
           </a:p>
@@ -4126,7 +3779,7 @@
           <p:cNvPr id="2" name="標題 1">
             <a:extLst>
               <a:ext uri="{FF2B5EF4-FFF2-40B4-BE49-F238E27FC236}">
-                <a16:creationId xmlns:a16="http://schemas.microsoft.com/office/drawing/2014/main" id="{14B7E57E-D063-41EF-A857-5628A20B75BC}"/>
+                <a16:creationId xmlns:a16="http://schemas.microsoft.com/office/drawing/2014/main" id="{7226E6A7-FE05-4917-A87E-7BF8BF0EBEEE}"/>
               </a:ext>
             </a:extLst>
           </p:cNvPr>
@@ -4135,34 +3788,6 @@
           </p:cNvSpPr>
           <p:nvPr>
             <p:ph type="title"/>
-          </p:nvPr>
-        </p:nvSpPr>
-        <p:spPr/>
-        <p:txBody>
-          <a:bodyPr/>
-          <a:lstStyle/>
-          <a:p>
-            <a:r>
-              <a:rPr lang="en-US" altLang="zh-TW" dirty="0"/>
-              <a:t>Primer on BLE and BLE over IPv6(cont’d)</a:t>
-            </a:r>
-          </a:p>
-        </p:txBody>
-      </p:sp>
-      <p:sp>
-        <p:nvSpPr>
-          <p:cNvPr id="3" name="內容版面配置區 2">
-            <a:extLst>
-              <a:ext uri="{FF2B5EF4-FFF2-40B4-BE49-F238E27FC236}">
-                <a16:creationId xmlns:a16="http://schemas.microsoft.com/office/drawing/2014/main" id="{E616DA40-9E29-4C7C-A28F-3857701A0286}"/>
-              </a:ext>
-            </a:extLst>
-          </p:cNvPr>
-          <p:cNvSpPr>
-            <a:spLocks noGrp="1"/>
-          </p:cNvSpPr>
-          <p:nvPr>
-            <p:ph idx="1"/>
           </p:nvPr>
         </p:nvSpPr>
         <p:spPr/>
@@ -4173,8 +3798,37 @@
           <a:lstStyle/>
           <a:p>
             <a:r>
-              <a:rPr lang="en-US" altLang="zh-TW" dirty="0"/>
-              <a:t>The BLE central acts as 6LoWPAN border router (6LBR) and one or more BLE peripherals as 6LoWPAN nodes (6LN), resulting in an isolated IPv6 over BLE subnet.</a:t>
+              <a:rPr lang="en-US" altLang="zh-TW" sz="4000" dirty="0"/>
+              <a:t>A BLE-based multi-Gateway network infrastructure</a:t>
+            </a:r>
+            <a:endParaRPr lang="zh-TW" altLang="en-US" sz="4000" dirty="0"/>
+          </a:p>
+        </p:txBody>
+      </p:sp>
+      <p:sp>
+        <p:nvSpPr>
+          <p:cNvPr id="3" name="內容版面配置區 2">
+            <a:extLst>
+              <a:ext uri="{FF2B5EF4-FFF2-40B4-BE49-F238E27FC236}">
+                <a16:creationId xmlns:a16="http://schemas.microsoft.com/office/drawing/2014/main" id="{B1577AE8-6F11-40A6-B00F-FB48852FCF33}"/>
+              </a:ext>
+            </a:extLst>
+          </p:cNvPr>
+          <p:cNvSpPr>
+            <a:spLocks noGrp="1"/>
+          </p:cNvSpPr>
+          <p:nvPr>
+            <p:ph idx="1"/>
+          </p:nvPr>
+        </p:nvSpPr>
+        <p:spPr/>
+        <p:txBody>
+          <a:bodyPr/>
+          <a:lstStyle/>
+          <a:p>
+            <a:r>
+              <a:rPr lang="en-US" altLang="zh-TW" dirty="0"/>
+              <a:t>For the design of our BLE-based multi-GW network infrastructure, this paper considers two variants.</a:t>
             </a:r>
           </a:p>
           <a:p>
@@ -4183,9 +3837,8 @@
           <a:p>
             <a:r>
               <a:rPr lang="en-US" altLang="zh-TW" dirty="0"/>
-              <a:t>The 6LoWPAN border router can also be connected to the Internet, ultimately allowing end-to-end IPv6 connectivity between a BLE peripheral and any application server on the Internet.</a:t>
-            </a:r>
-            <a:endParaRPr lang="zh-TW" altLang="en-US" dirty="0"/>
+              <a:t>Further called IP and non-IP, should be able to achieve seamless handover within the network of IoT gateways. </a:t>
+            </a:r>
           </a:p>
         </p:txBody>
       </p:sp>
@@ -4194,7 +3847,7 @@
           <p:cNvPr id="4" name="投影片編號版面配置區 3">
             <a:extLst>
               <a:ext uri="{FF2B5EF4-FFF2-40B4-BE49-F238E27FC236}">
-                <a16:creationId xmlns:a16="http://schemas.microsoft.com/office/drawing/2014/main" id="{46943CDC-E158-4BE6-85D8-16B7649A4F4B}"/>
+                <a16:creationId xmlns:a16="http://schemas.microsoft.com/office/drawing/2014/main" id="{F1B9E5FA-CA35-4088-BDA1-B595C36087CD}"/>
               </a:ext>
             </a:extLst>
           </p:cNvPr>
@@ -4221,7 +3874,7 @@
     </p:spTree>
     <p:extLst>
       <p:ext uri="{BB962C8B-B14F-4D97-AF65-F5344CB8AC3E}">
-        <p14:creationId xmlns:p14="http://schemas.microsoft.com/office/powerpoint/2010/main" val="1765233339"/>
+        <p14:creationId xmlns:p14="http://schemas.microsoft.com/office/powerpoint/2010/main" val="3228553280"/>
       </p:ext>
     </p:extLst>
   </p:cSld>
@@ -4248,303 +3901,6 @@
           <a:chExt cx="0" cy="0"/>
         </a:xfrm>
       </p:grpSpPr>
-      <p:sp>
-        <p:nvSpPr>
-          <p:cNvPr id="2" name="標題 1">
-            <a:extLst>
-              <a:ext uri="{FF2B5EF4-FFF2-40B4-BE49-F238E27FC236}">
-                <a16:creationId xmlns:a16="http://schemas.microsoft.com/office/drawing/2014/main" id="{7226E6A7-FE05-4917-A87E-7BF8BF0EBEEE}"/>
-              </a:ext>
-            </a:extLst>
-          </p:cNvPr>
-          <p:cNvSpPr>
-            <a:spLocks noGrp="1"/>
-          </p:cNvSpPr>
-          <p:nvPr>
-            <p:ph type="title"/>
-          </p:nvPr>
-        </p:nvSpPr>
-        <p:spPr/>
-        <p:txBody>
-          <a:bodyPr>
-            <a:normAutofit/>
-          </a:bodyPr>
-          <a:lstStyle/>
-          <a:p>
-            <a:r>
-              <a:rPr lang="en-US" altLang="zh-TW" sz="4000" dirty="0"/>
-              <a:t>A BLE-based multi-Gateway network infrastructure</a:t>
-            </a:r>
-            <a:endParaRPr lang="zh-TW" altLang="en-US" sz="4000" dirty="0"/>
-          </a:p>
-        </p:txBody>
-      </p:sp>
-      <p:sp>
-        <p:nvSpPr>
-          <p:cNvPr id="3" name="內容版面配置區 2">
-            <a:extLst>
-              <a:ext uri="{FF2B5EF4-FFF2-40B4-BE49-F238E27FC236}">
-                <a16:creationId xmlns:a16="http://schemas.microsoft.com/office/drawing/2014/main" id="{B1577AE8-6F11-40A6-B00F-FB48852FCF33}"/>
-              </a:ext>
-            </a:extLst>
-          </p:cNvPr>
-          <p:cNvSpPr>
-            <a:spLocks noGrp="1"/>
-          </p:cNvSpPr>
-          <p:nvPr>
-            <p:ph idx="1"/>
-          </p:nvPr>
-        </p:nvSpPr>
-        <p:spPr/>
-        <p:txBody>
-          <a:bodyPr/>
-          <a:lstStyle/>
-          <a:p>
-            <a:r>
-              <a:rPr lang="en-US" altLang="zh-TW" dirty="0"/>
-              <a:t>For the design of our BLE-based multi-GW network infrastructure, this paper considers two variants.</a:t>
-            </a:r>
-          </a:p>
-          <a:p>
-            <a:endParaRPr lang="en-US" altLang="zh-TW" dirty="0"/>
-          </a:p>
-          <a:p>
-            <a:r>
-              <a:rPr lang="en-US" altLang="zh-TW" dirty="0"/>
-              <a:t>Further called IP and non-IP, should be able to achieve seamless handover within the network of IoT gateways. </a:t>
-            </a:r>
-          </a:p>
-        </p:txBody>
-      </p:sp>
-      <p:sp>
-        <p:nvSpPr>
-          <p:cNvPr id="4" name="投影片編號版面配置區 3">
-            <a:extLst>
-              <a:ext uri="{FF2B5EF4-FFF2-40B4-BE49-F238E27FC236}">
-                <a16:creationId xmlns:a16="http://schemas.microsoft.com/office/drawing/2014/main" id="{F1B9E5FA-CA35-4088-BDA1-B595C36087CD}"/>
-              </a:ext>
-            </a:extLst>
-          </p:cNvPr>
-          <p:cNvSpPr>
-            <a:spLocks noGrp="1"/>
-          </p:cNvSpPr>
-          <p:nvPr>
-            <p:ph type="sldNum" sz="quarter" idx="12"/>
-          </p:nvPr>
-        </p:nvSpPr>
-        <p:spPr/>
-        <p:txBody>
-          <a:bodyPr/>
-          <a:lstStyle/>
-          <a:p>
-            <a:fld id="{50029C49-A5A9-4A95-8BF0-94F73808DB5F}" type="slidenum">
-              <a:rPr lang="zh-TW" altLang="en-US" smtClean="0"/>
-              <a:t>11</a:t>
-            </a:fld>
-            <a:endParaRPr lang="zh-TW" altLang="en-US"/>
-          </a:p>
-        </p:txBody>
-      </p:sp>
-    </p:spTree>
-    <p:extLst>
-      <p:ext uri="{BB962C8B-B14F-4D97-AF65-F5344CB8AC3E}">
-        <p14:creationId xmlns:p14="http://schemas.microsoft.com/office/powerpoint/2010/main" val="3228553280"/>
-      </p:ext>
-    </p:extLst>
-  </p:cSld>
-  <p:clrMapOvr>
-    <a:masterClrMapping/>
-  </p:clrMapOvr>
-</p:sld>
-</file>
-
-<file path=ppt/slides/slide12.xml><?xml version="1.0" encoding="utf-8"?>
-<p:sld xmlns:a="http://schemas.openxmlformats.org/drawingml/2006/main" xmlns:r="http://schemas.openxmlformats.org/officeDocument/2006/relationships" xmlns:p="http://schemas.openxmlformats.org/presentationml/2006/main">
-  <p:cSld>
-    <p:spTree>
-      <p:nvGrpSpPr>
-        <p:cNvPr id="1" name=""/>
-        <p:cNvGrpSpPr/>
-        <p:nvPr/>
-      </p:nvGrpSpPr>
-      <p:grpSpPr>
-        <a:xfrm>
-          <a:off x="0" y="0"/>
-          <a:ext cx="0" cy="0"/>
-          <a:chOff x="0" y="0"/>
-          <a:chExt cx="0" cy="0"/>
-        </a:xfrm>
-      </p:grpSpPr>
-      <p:sp>
-        <p:nvSpPr>
-          <p:cNvPr id="3" name="內容版面配置區 2">
-            <a:extLst>
-              <a:ext uri="{FF2B5EF4-FFF2-40B4-BE49-F238E27FC236}">
-                <a16:creationId xmlns:a16="http://schemas.microsoft.com/office/drawing/2014/main" id="{B3DF6E85-2BA3-4D22-9F39-B4A5D2453F97}"/>
-              </a:ext>
-            </a:extLst>
-          </p:cNvPr>
-          <p:cNvSpPr>
-            <a:spLocks noGrp="1"/>
-          </p:cNvSpPr>
-          <p:nvPr>
-            <p:ph sz="half" idx="2"/>
-          </p:nvPr>
-        </p:nvSpPr>
-        <p:spPr>
-          <a:xfrm>
-            <a:off x="5812603" y="136524"/>
-            <a:ext cx="6309993" cy="6721475"/>
-          </a:xfrm>
-        </p:spPr>
-        <p:txBody>
-          <a:bodyPr>
-            <a:normAutofit fontScale="92500" lnSpcReduction="10000"/>
-          </a:bodyPr>
-          <a:lstStyle/>
-          <a:p>
-            <a:pPr marL="0" indent="0" algn="ctr">
-              <a:buNone/>
-            </a:pPr>
-            <a:r>
-              <a:rPr lang="en-US" altLang="zh-TW" sz="3500" dirty="0">
-                <a:effectLst/>
-                <a:latin typeface="Calibri" panose="020F0502020204030204" pitchFamily="34" charset="0"/>
-                <a:cs typeface="Calibri" panose="020F0502020204030204" pitchFamily="34" charset="0"/>
-              </a:rPr>
-              <a:t>IP based architecture</a:t>
-            </a:r>
-          </a:p>
-          <a:p>
-            <a:pPr marL="0" indent="0">
-              <a:buNone/>
-            </a:pPr>
-            <a:endParaRPr lang="en-US" altLang="zh-TW" dirty="0">
-              <a:latin typeface="Calibri" panose="020F0502020204030204" pitchFamily="34" charset="0"/>
-              <a:cs typeface="Calibri" panose="020F0502020204030204" pitchFamily="34" charset="0"/>
-            </a:endParaRPr>
-          </a:p>
-          <a:p>
-            <a:r>
-              <a:rPr lang="en-US" altLang="zh-TW" b="1" dirty="0">
-                <a:effectLst/>
-                <a:latin typeface="Calibri" panose="020F0502020204030204" pitchFamily="34" charset="0"/>
-                <a:cs typeface="Calibri" panose="020F0502020204030204" pitchFamily="34" charset="0"/>
-              </a:rPr>
-              <a:t>BLE peripheral. </a:t>
-            </a:r>
-            <a:r>
-              <a:rPr lang="en-US" altLang="zh-TW" dirty="0">
-                <a:effectLst/>
-                <a:latin typeface="Calibri" panose="020F0502020204030204" pitchFamily="34" charset="0"/>
-                <a:cs typeface="Calibri" panose="020F0502020204030204" pitchFamily="34" charset="0"/>
-              </a:rPr>
-              <a:t>The BLE peripheral needs to mold its native BLE stack in order to support IPv6 over BLE. </a:t>
-            </a:r>
-          </a:p>
-          <a:p>
-            <a:endParaRPr lang="en-US" altLang="zh-TW" dirty="0">
-              <a:latin typeface="Calibri" panose="020F0502020204030204" pitchFamily="34" charset="0"/>
-              <a:cs typeface="Calibri" panose="020F0502020204030204" pitchFamily="34" charset="0"/>
-            </a:endParaRPr>
-          </a:p>
-          <a:p>
-            <a:r>
-              <a:rPr lang="en-US" altLang="zh-TW" dirty="0">
-                <a:effectLst/>
-                <a:latin typeface="Calibri" panose="020F0502020204030204" pitchFamily="34" charset="0"/>
-                <a:cs typeface="Calibri" panose="020F0502020204030204" pitchFamily="34" charset="0"/>
-              </a:rPr>
-              <a:t>The peripheral generates a link-local address de-rived from the device’s BLE MAC address and a globalIPv6 address based on a common prefix.</a:t>
-            </a:r>
-          </a:p>
-          <a:p>
-            <a:endParaRPr lang="en-US" altLang="zh-TW" dirty="0">
-              <a:latin typeface="Calibri" panose="020F0502020204030204" pitchFamily="34" charset="0"/>
-              <a:cs typeface="Calibri" panose="020F0502020204030204" pitchFamily="34" charset="0"/>
-            </a:endParaRPr>
-          </a:p>
-          <a:p>
-            <a:r>
-              <a:rPr lang="en-US" altLang="zh-TW" dirty="0">
-                <a:effectLst/>
-                <a:latin typeface="Calibri" panose="020F0502020204030204" pitchFamily="34" charset="0"/>
-                <a:cs typeface="Calibri" panose="020F0502020204030204" pitchFamily="34" charset="0"/>
-              </a:rPr>
-              <a:t>In order to move around inside a network of IoT GWs and perform handovers, the peripheral should always be in one of two states: </a:t>
-            </a:r>
-          </a:p>
-          <a:p>
-            <a:pPr lvl="1"/>
-            <a:r>
-              <a:rPr lang="en-US" altLang="zh-TW" dirty="0">
-                <a:effectLst/>
-                <a:latin typeface="Calibri" panose="020F0502020204030204" pitchFamily="34" charset="0"/>
-                <a:cs typeface="Calibri" panose="020F0502020204030204" pitchFamily="34" charset="0"/>
-              </a:rPr>
-              <a:t>a) in connection with an IoT GW</a:t>
-            </a:r>
-          </a:p>
-          <a:p>
-            <a:pPr lvl="1"/>
-            <a:r>
-              <a:rPr lang="en-US" altLang="zh-TW" dirty="0">
-                <a:effectLst/>
-                <a:latin typeface="Calibri" panose="020F0502020204030204" pitchFamily="34" charset="0"/>
-                <a:cs typeface="Calibri" panose="020F0502020204030204" pitchFamily="34" charset="0"/>
-              </a:rPr>
-              <a:t>b) advertising its presence to nearby IoT GWs using BLE advertisements.</a:t>
-            </a:r>
-          </a:p>
-          <a:p>
-            <a:pPr marL="0" indent="0" algn="ctr">
-              <a:buNone/>
-            </a:pPr>
-            <a:endParaRPr lang="en-US" altLang="zh-TW" dirty="0">
-              <a:latin typeface="Calibri" panose="020F0502020204030204" pitchFamily="34" charset="0"/>
-              <a:cs typeface="Calibri" panose="020F0502020204030204" pitchFamily="34" charset="0"/>
-            </a:endParaRPr>
-          </a:p>
-          <a:p>
-            <a:pPr marL="0" indent="0" algn="ctr">
-              <a:buNone/>
-            </a:pPr>
-            <a:endParaRPr lang="en-US" altLang="zh-TW" dirty="0">
-              <a:latin typeface="Calibri" panose="020F0502020204030204" pitchFamily="34" charset="0"/>
-              <a:cs typeface="Calibri" panose="020F0502020204030204" pitchFamily="34" charset="0"/>
-            </a:endParaRPr>
-          </a:p>
-        </p:txBody>
-      </p:sp>
-      <p:sp>
-        <p:nvSpPr>
-          <p:cNvPr id="4" name="投影片編號版面配置區 3">
-            <a:extLst>
-              <a:ext uri="{FF2B5EF4-FFF2-40B4-BE49-F238E27FC236}">
-                <a16:creationId xmlns:a16="http://schemas.microsoft.com/office/drawing/2014/main" id="{46943CDC-E158-4BE6-85D8-16B7649A4F4B}"/>
-              </a:ext>
-            </a:extLst>
-          </p:cNvPr>
-          <p:cNvSpPr>
-            <a:spLocks noGrp="1"/>
-          </p:cNvSpPr>
-          <p:nvPr>
-            <p:ph type="sldNum" sz="quarter" idx="12"/>
-          </p:nvPr>
-        </p:nvSpPr>
-        <p:spPr/>
-        <p:txBody>
-          <a:bodyPr/>
-          <a:lstStyle/>
-          <a:p>
-            <a:fld id="{50029C49-A5A9-4A95-8BF0-94F73808DB5F}" type="slidenum">
-              <a:rPr lang="zh-TW" altLang="en-US" smtClean="0"/>
-              <a:t>12</a:t>
-            </a:fld>
-            <a:endParaRPr lang="zh-TW" altLang="en-US"/>
-          </a:p>
-        </p:txBody>
-      </p:sp>
       <p:pic>
         <p:nvPicPr>
           <p:cNvPr id="9" name="內容版面配置區 8">
@@ -4574,6 +3930,176 @@
           </a:xfrm>
         </p:spPr>
       </p:pic>
+      <p:sp>
+        <p:nvSpPr>
+          <p:cNvPr id="3" name="內容版面配置區 2">
+            <a:extLst>
+              <a:ext uri="{FF2B5EF4-FFF2-40B4-BE49-F238E27FC236}">
+                <a16:creationId xmlns:a16="http://schemas.microsoft.com/office/drawing/2014/main" id="{B3DF6E85-2BA3-4D22-9F39-B4A5D2453F97}"/>
+              </a:ext>
+            </a:extLst>
+          </p:cNvPr>
+          <p:cNvSpPr>
+            <a:spLocks noGrp="1"/>
+          </p:cNvSpPr>
+          <p:nvPr>
+            <p:ph sz="half" idx="2"/>
+          </p:nvPr>
+        </p:nvSpPr>
+        <p:spPr>
+          <a:xfrm>
+            <a:off x="5812603" y="136524"/>
+            <a:ext cx="6309993" cy="6721475"/>
+          </a:xfrm>
+        </p:spPr>
+        <p:txBody>
+          <a:bodyPr>
+            <a:normAutofit fontScale="92500" lnSpcReduction="10000"/>
+          </a:bodyPr>
+          <a:lstStyle/>
+          <a:p>
+            <a:pPr marL="0" indent="0" algn="ctr">
+              <a:buNone/>
+            </a:pPr>
+            <a:r>
+              <a:rPr lang="en-US" altLang="zh-TW" sz="3500" dirty="0">
+                <a:effectLst/>
+                <a:latin typeface="Calibri" panose="020F0502020204030204" pitchFamily="34" charset="0"/>
+                <a:cs typeface="Calibri" panose="020F0502020204030204" pitchFamily="34" charset="0"/>
+              </a:rPr>
+              <a:t>IP based architecture</a:t>
+            </a:r>
+          </a:p>
+          <a:p>
+            <a:pPr marL="0" indent="0">
+              <a:buNone/>
+            </a:pPr>
+            <a:endParaRPr lang="en-US" altLang="zh-TW" dirty="0">
+              <a:latin typeface="Calibri" panose="020F0502020204030204" pitchFamily="34" charset="0"/>
+              <a:cs typeface="Calibri" panose="020F0502020204030204" pitchFamily="34" charset="0"/>
+            </a:endParaRPr>
+          </a:p>
+          <a:p>
+            <a:r>
+              <a:rPr lang="en-US" altLang="zh-TW" b="1" dirty="0">
+                <a:effectLst/>
+                <a:latin typeface="Calibri" panose="020F0502020204030204" pitchFamily="34" charset="0"/>
+                <a:cs typeface="Calibri" panose="020F0502020204030204" pitchFamily="34" charset="0"/>
+              </a:rPr>
+              <a:t>BLE peripheral. </a:t>
+            </a:r>
+            <a:r>
+              <a:rPr lang="en-US" altLang="zh-TW" dirty="0">
+                <a:effectLst/>
+                <a:latin typeface="Calibri" panose="020F0502020204030204" pitchFamily="34" charset="0"/>
+                <a:cs typeface="Calibri" panose="020F0502020204030204" pitchFamily="34" charset="0"/>
+              </a:rPr>
+              <a:t>The BLE peripheral needs to mold its native BLE stack in order to support IPv6 over BLE. </a:t>
+            </a:r>
+          </a:p>
+          <a:p>
+            <a:endParaRPr lang="en-US" altLang="zh-TW" dirty="0">
+              <a:latin typeface="Calibri" panose="020F0502020204030204" pitchFamily="34" charset="0"/>
+              <a:cs typeface="Calibri" panose="020F0502020204030204" pitchFamily="34" charset="0"/>
+            </a:endParaRPr>
+          </a:p>
+          <a:p>
+            <a:r>
+              <a:rPr lang="en-US" altLang="zh-TW" dirty="0">
+                <a:effectLst/>
+                <a:latin typeface="Calibri" panose="020F0502020204030204" pitchFamily="34" charset="0"/>
+                <a:cs typeface="Calibri" panose="020F0502020204030204" pitchFamily="34" charset="0"/>
+              </a:rPr>
+              <a:t>The peripheral generates a link-local address de-rived from the device’s BLE MAC address and a globalIPv6 address based on a common prefix.</a:t>
+            </a:r>
+          </a:p>
+          <a:p>
+            <a:endParaRPr lang="en-US" altLang="zh-TW" dirty="0">
+              <a:latin typeface="Calibri" panose="020F0502020204030204" pitchFamily="34" charset="0"/>
+              <a:cs typeface="Calibri" panose="020F0502020204030204" pitchFamily="34" charset="0"/>
+            </a:endParaRPr>
+          </a:p>
+          <a:p>
+            <a:r>
+              <a:rPr lang="en-US" altLang="zh-TW" dirty="0">
+                <a:effectLst/>
+                <a:latin typeface="Calibri" panose="020F0502020204030204" pitchFamily="34" charset="0"/>
+                <a:cs typeface="Calibri" panose="020F0502020204030204" pitchFamily="34" charset="0"/>
+              </a:rPr>
+              <a:t>In order to move around inside a network of IoT GWs and perform handovers, the peripheral should always be in one of two states: </a:t>
+            </a:r>
+          </a:p>
+          <a:p>
+            <a:pPr lvl="1"/>
+            <a:r>
+              <a:rPr lang="en-US" altLang="zh-TW" dirty="0">
+                <a:effectLst/>
+                <a:latin typeface="Calibri" panose="020F0502020204030204" pitchFamily="34" charset="0"/>
+                <a:cs typeface="Calibri" panose="020F0502020204030204" pitchFamily="34" charset="0"/>
+              </a:rPr>
+              <a:t>a) in connection with an IoT GW</a:t>
+            </a:r>
+          </a:p>
+          <a:p>
+            <a:pPr lvl="1"/>
+            <a:r>
+              <a:rPr lang="en-US" altLang="zh-TW" dirty="0">
+                <a:effectLst/>
+                <a:latin typeface="Calibri" panose="020F0502020204030204" pitchFamily="34" charset="0"/>
+                <a:cs typeface="Calibri" panose="020F0502020204030204" pitchFamily="34" charset="0"/>
+              </a:rPr>
+              <a:t>b) advertising its presence to nearby IoT GWs using BLE advertisements.</a:t>
+            </a:r>
+          </a:p>
+          <a:p>
+            <a:pPr marL="0" indent="0" algn="ctr">
+              <a:buNone/>
+            </a:pPr>
+            <a:endParaRPr lang="en-US" altLang="zh-TW" dirty="0">
+              <a:latin typeface="Calibri" panose="020F0502020204030204" pitchFamily="34" charset="0"/>
+              <a:cs typeface="Calibri" panose="020F0502020204030204" pitchFamily="34" charset="0"/>
+            </a:endParaRPr>
+          </a:p>
+          <a:p>
+            <a:pPr marL="0" indent="0" algn="ctr">
+              <a:buNone/>
+            </a:pPr>
+            <a:endParaRPr lang="en-US" altLang="zh-TW" dirty="0">
+              <a:latin typeface="Calibri" panose="020F0502020204030204" pitchFamily="34" charset="0"/>
+              <a:cs typeface="Calibri" panose="020F0502020204030204" pitchFamily="34" charset="0"/>
+            </a:endParaRPr>
+          </a:p>
+        </p:txBody>
+      </p:sp>
+      <p:sp>
+        <p:nvSpPr>
+          <p:cNvPr id="4" name="投影片編號版面配置區 3">
+            <a:extLst>
+              <a:ext uri="{FF2B5EF4-FFF2-40B4-BE49-F238E27FC236}">
+                <a16:creationId xmlns:a16="http://schemas.microsoft.com/office/drawing/2014/main" id="{46943CDC-E158-4BE6-85D8-16B7649A4F4B}"/>
+              </a:ext>
+            </a:extLst>
+          </p:cNvPr>
+          <p:cNvSpPr>
+            <a:spLocks noGrp="1"/>
+          </p:cNvSpPr>
+          <p:nvPr>
+            <p:ph type="sldNum" sz="quarter" idx="12"/>
+          </p:nvPr>
+        </p:nvSpPr>
+        <p:spPr/>
+        <p:txBody>
+          <a:bodyPr/>
+          <a:lstStyle/>
+          <a:p>
+            <a:fld id="{50029C49-A5A9-4A95-8BF0-94F73808DB5F}" type="slidenum">
+              <a:rPr lang="zh-TW" altLang="en-US" smtClean="0"/>
+              <a:t>11</a:t>
+            </a:fld>
+            <a:endParaRPr lang="zh-TW" altLang="en-US"/>
+          </a:p>
+        </p:txBody>
+      </p:sp>
       <p:sp>
         <p:nvSpPr>
           <p:cNvPr id="13" name="矩形 12">
@@ -4639,7 +4165,7 @@
 </p:sld>
 </file>
 
-<file path=ppt/slides/slide13.xml><?xml version="1.0" encoding="utf-8"?>
+<file path=ppt/slides/slide12.xml><?xml version="1.0" encoding="utf-8"?>
 <p:sld xmlns:a="http://schemas.openxmlformats.org/drawingml/2006/main" xmlns:r="http://schemas.openxmlformats.org/officeDocument/2006/relationships" xmlns:p="http://schemas.openxmlformats.org/presentationml/2006/main">
   <p:cSld>
     <p:spTree>
@@ -4656,119 +4182,6 @@
           <a:chExt cx="0" cy="0"/>
         </a:xfrm>
       </p:grpSpPr>
-      <p:sp>
-        <p:nvSpPr>
-          <p:cNvPr id="3" name="內容版面配置區 2">
-            <a:extLst>
-              <a:ext uri="{FF2B5EF4-FFF2-40B4-BE49-F238E27FC236}">
-                <a16:creationId xmlns:a16="http://schemas.microsoft.com/office/drawing/2014/main" id="{B3DF6E85-2BA3-4D22-9F39-B4A5D2453F97}"/>
-              </a:ext>
-            </a:extLst>
-          </p:cNvPr>
-          <p:cNvSpPr>
-            <a:spLocks noGrp="1"/>
-          </p:cNvSpPr>
-          <p:nvPr>
-            <p:ph sz="half" idx="2"/>
-          </p:nvPr>
-        </p:nvSpPr>
-        <p:spPr>
-          <a:xfrm>
-            <a:off x="5812603" y="136524"/>
-            <a:ext cx="6309993" cy="6721475"/>
-          </a:xfrm>
-        </p:spPr>
-        <p:txBody>
-          <a:bodyPr>
-            <a:normAutofit/>
-          </a:bodyPr>
-          <a:lstStyle/>
-          <a:p>
-            <a:pPr marL="0" indent="0" algn="ctr">
-              <a:buNone/>
-            </a:pPr>
-            <a:r>
-              <a:rPr lang="en-US" altLang="zh-TW" sz="3200" dirty="0">
-                <a:effectLst/>
-                <a:latin typeface="Calibri" panose="020F0502020204030204" pitchFamily="34" charset="0"/>
-                <a:cs typeface="Calibri" panose="020F0502020204030204" pitchFamily="34" charset="0"/>
-              </a:rPr>
-              <a:t>IP based architecture(cont’d)</a:t>
-            </a:r>
-          </a:p>
-          <a:p>
-            <a:pPr marL="0" indent="0">
-              <a:buNone/>
-            </a:pPr>
-            <a:endParaRPr lang="en-US" altLang="zh-TW" dirty="0">
-              <a:latin typeface="Calibri" panose="020F0502020204030204" pitchFamily="34" charset="0"/>
-              <a:cs typeface="Calibri" panose="020F0502020204030204" pitchFamily="34" charset="0"/>
-            </a:endParaRPr>
-          </a:p>
-          <a:p>
-            <a:r>
-              <a:rPr lang="en-US" altLang="zh-TW" dirty="0">
-                <a:latin typeface="Calibri" panose="020F0502020204030204" pitchFamily="34" charset="0"/>
-                <a:cs typeface="Calibri" panose="020F0502020204030204" pitchFamily="34" charset="0"/>
-              </a:rPr>
-              <a:t>The IoT GW should be able to support theIPv6 over BLE stack, while at the same time taking on the role of IPv6 router and neighbor proxy towards the existing IPv6 network.</a:t>
-            </a:r>
-          </a:p>
-          <a:p>
-            <a:endParaRPr lang="en-US" altLang="zh-TW" dirty="0">
-              <a:latin typeface="Calibri" panose="020F0502020204030204" pitchFamily="34" charset="0"/>
-              <a:cs typeface="Calibri" panose="020F0502020204030204" pitchFamily="34" charset="0"/>
-            </a:endParaRPr>
-          </a:p>
-          <a:p>
-            <a:r>
-              <a:rPr lang="en-US" altLang="zh-TW" dirty="0">
-                <a:latin typeface="Calibri" panose="020F0502020204030204" pitchFamily="34" charset="0"/>
-                <a:cs typeface="Calibri" panose="020F0502020204030204" pitchFamily="34" charset="0"/>
-              </a:rPr>
-              <a:t>The peripheral acquires a global IPv6 address usable within the IPv6 network, stateless address autoconfiguration is used.</a:t>
-            </a:r>
-          </a:p>
-          <a:p>
-            <a:pPr marL="0" indent="0" algn="ctr">
-              <a:buNone/>
-            </a:pPr>
-            <a:endParaRPr lang="en-US" altLang="zh-TW" dirty="0">
-              <a:latin typeface="Calibri" panose="020F0502020204030204" pitchFamily="34" charset="0"/>
-              <a:cs typeface="Calibri" panose="020F0502020204030204" pitchFamily="34" charset="0"/>
-            </a:endParaRPr>
-          </a:p>
-        </p:txBody>
-      </p:sp>
-      <p:sp>
-        <p:nvSpPr>
-          <p:cNvPr id="4" name="投影片編號版面配置區 3">
-            <a:extLst>
-              <a:ext uri="{FF2B5EF4-FFF2-40B4-BE49-F238E27FC236}">
-                <a16:creationId xmlns:a16="http://schemas.microsoft.com/office/drawing/2014/main" id="{46943CDC-E158-4BE6-85D8-16B7649A4F4B}"/>
-              </a:ext>
-            </a:extLst>
-          </p:cNvPr>
-          <p:cNvSpPr>
-            <a:spLocks noGrp="1"/>
-          </p:cNvSpPr>
-          <p:nvPr>
-            <p:ph type="sldNum" sz="quarter" idx="12"/>
-          </p:nvPr>
-        </p:nvSpPr>
-        <p:spPr/>
-        <p:txBody>
-          <a:bodyPr/>
-          <a:lstStyle/>
-          <a:p>
-            <a:fld id="{50029C49-A5A9-4A95-8BF0-94F73808DB5F}" type="slidenum">
-              <a:rPr lang="zh-TW" altLang="en-US" smtClean="0"/>
-              <a:t>13</a:t>
-            </a:fld>
-            <a:endParaRPr lang="zh-TW" altLang="en-US"/>
-          </a:p>
-        </p:txBody>
-      </p:sp>
       <p:pic>
         <p:nvPicPr>
           <p:cNvPr id="9" name="內容版面配置區 8">
@@ -4798,6 +4211,119 @@
           </a:xfrm>
         </p:spPr>
       </p:pic>
+      <p:sp>
+        <p:nvSpPr>
+          <p:cNvPr id="3" name="內容版面配置區 2">
+            <a:extLst>
+              <a:ext uri="{FF2B5EF4-FFF2-40B4-BE49-F238E27FC236}">
+                <a16:creationId xmlns:a16="http://schemas.microsoft.com/office/drawing/2014/main" id="{B3DF6E85-2BA3-4D22-9F39-B4A5D2453F97}"/>
+              </a:ext>
+            </a:extLst>
+          </p:cNvPr>
+          <p:cNvSpPr>
+            <a:spLocks noGrp="1"/>
+          </p:cNvSpPr>
+          <p:nvPr>
+            <p:ph sz="half" idx="2"/>
+          </p:nvPr>
+        </p:nvSpPr>
+        <p:spPr>
+          <a:xfrm>
+            <a:off x="5812603" y="136524"/>
+            <a:ext cx="6309993" cy="6721475"/>
+          </a:xfrm>
+        </p:spPr>
+        <p:txBody>
+          <a:bodyPr>
+            <a:normAutofit/>
+          </a:bodyPr>
+          <a:lstStyle/>
+          <a:p>
+            <a:pPr marL="0" indent="0" algn="ctr">
+              <a:buNone/>
+            </a:pPr>
+            <a:r>
+              <a:rPr lang="en-US" altLang="zh-TW" sz="3200" dirty="0">
+                <a:effectLst/>
+                <a:latin typeface="Calibri" panose="020F0502020204030204" pitchFamily="34" charset="0"/>
+                <a:cs typeface="Calibri" panose="020F0502020204030204" pitchFamily="34" charset="0"/>
+              </a:rPr>
+              <a:t>IP based architecture(cont’d)</a:t>
+            </a:r>
+          </a:p>
+          <a:p>
+            <a:pPr marL="0" indent="0">
+              <a:buNone/>
+            </a:pPr>
+            <a:endParaRPr lang="en-US" altLang="zh-TW" dirty="0">
+              <a:latin typeface="Calibri" panose="020F0502020204030204" pitchFamily="34" charset="0"/>
+              <a:cs typeface="Calibri" panose="020F0502020204030204" pitchFamily="34" charset="0"/>
+            </a:endParaRPr>
+          </a:p>
+          <a:p>
+            <a:r>
+              <a:rPr lang="en-US" altLang="zh-TW" dirty="0">
+                <a:latin typeface="Calibri" panose="020F0502020204030204" pitchFamily="34" charset="0"/>
+                <a:cs typeface="Calibri" panose="020F0502020204030204" pitchFamily="34" charset="0"/>
+              </a:rPr>
+              <a:t>The IoT GW should be able to support theIPv6 over BLE stack, while at the same time taking on the role of IPv6 router and neighbor proxy towards the existing IPv6 network.</a:t>
+            </a:r>
+          </a:p>
+          <a:p>
+            <a:endParaRPr lang="en-US" altLang="zh-TW" dirty="0">
+              <a:latin typeface="Calibri" panose="020F0502020204030204" pitchFamily="34" charset="0"/>
+              <a:cs typeface="Calibri" panose="020F0502020204030204" pitchFamily="34" charset="0"/>
+            </a:endParaRPr>
+          </a:p>
+          <a:p>
+            <a:r>
+              <a:rPr lang="en-US" altLang="zh-TW" dirty="0">
+                <a:latin typeface="Calibri" panose="020F0502020204030204" pitchFamily="34" charset="0"/>
+                <a:cs typeface="Calibri" panose="020F0502020204030204" pitchFamily="34" charset="0"/>
+              </a:rPr>
+              <a:t>The peripheral acquires a global IPv6 address usable within the IPv6 network, stateless address autoconfiguration is used.</a:t>
+            </a:r>
+          </a:p>
+          <a:p>
+            <a:pPr marL="0" indent="0" algn="ctr">
+              <a:buNone/>
+            </a:pPr>
+            <a:endParaRPr lang="en-US" altLang="zh-TW" dirty="0">
+              <a:latin typeface="Calibri" panose="020F0502020204030204" pitchFamily="34" charset="0"/>
+              <a:cs typeface="Calibri" panose="020F0502020204030204" pitchFamily="34" charset="0"/>
+            </a:endParaRPr>
+          </a:p>
+        </p:txBody>
+      </p:sp>
+      <p:sp>
+        <p:nvSpPr>
+          <p:cNvPr id="4" name="投影片編號版面配置區 3">
+            <a:extLst>
+              <a:ext uri="{FF2B5EF4-FFF2-40B4-BE49-F238E27FC236}">
+                <a16:creationId xmlns:a16="http://schemas.microsoft.com/office/drawing/2014/main" id="{46943CDC-E158-4BE6-85D8-16B7649A4F4B}"/>
+              </a:ext>
+            </a:extLst>
+          </p:cNvPr>
+          <p:cNvSpPr>
+            <a:spLocks noGrp="1"/>
+          </p:cNvSpPr>
+          <p:nvPr>
+            <p:ph type="sldNum" sz="quarter" idx="12"/>
+          </p:nvPr>
+        </p:nvSpPr>
+        <p:spPr/>
+        <p:txBody>
+          <a:bodyPr/>
+          <a:lstStyle/>
+          <a:p>
+            <a:fld id="{50029C49-A5A9-4A95-8BF0-94F73808DB5F}" type="slidenum">
+              <a:rPr lang="zh-TW" altLang="en-US" smtClean="0"/>
+              <a:t>12</a:t>
+            </a:fld>
+            <a:endParaRPr lang="zh-TW" altLang="en-US"/>
+          </a:p>
+        </p:txBody>
+      </p:sp>
       <p:sp>
         <p:nvSpPr>
           <p:cNvPr id="13" name="矩形 12">
@@ -4863,7 +4389,7 @@
 </p:sld>
 </file>
 
-<file path=ppt/slides/slide14.xml><?xml version="1.0" encoding="utf-8"?>
+<file path=ppt/slides/slide13.xml><?xml version="1.0" encoding="utf-8"?>
 <p:sld xmlns:a="http://schemas.openxmlformats.org/drawingml/2006/main" xmlns:r="http://schemas.openxmlformats.org/officeDocument/2006/relationships" xmlns:p="http://schemas.openxmlformats.org/presentationml/2006/main">
   <p:cSld>
     <p:spTree>
@@ -4880,169 +4406,6 @@
           <a:chExt cx="0" cy="0"/>
         </a:xfrm>
       </p:grpSpPr>
-      <p:sp>
-        <p:nvSpPr>
-          <p:cNvPr id="3" name="內容版面配置區 2">
-            <a:extLst>
-              <a:ext uri="{FF2B5EF4-FFF2-40B4-BE49-F238E27FC236}">
-                <a16:creationId xmlns:a16="http://schemas.microsoft.com/office/drawing/2014/main" id="{B3DF6E85-2BA3-4D22-9F39-B4A5D2453F97}"/>
-              </a:ext>
-            </a:extLst>
-          </p:cNvPr>
-          <p:cNvSpPr>
-            <a:spLocks noGrp="1"/>
-          </p:cNvSpPr>
-          <p:nvPr>
-            <p:ph sz="half" idx="2"/>
-          </p:nvPr>
-        </p:nvSpPr>
-        <p:spPr>
-          <a:xfrm>
-            <a:off x="5812603" y="136524"/>
-            <a:ext cx="6309993" cy="6721475"/>
-          </a:xfrm>
-        </p:spPr>
-        <p:txBody>
-          <a:bodyPr>
-            <a:normAutofit/>
-          </a:bodyPr>
-          <a:lstStyle/>
-          <a:p>
-            <a:pPr marL="0" indent="0" algn="ctr">
-              <a:buNone/>
-            </a:pPr>
-            <a:r>
-              <a:rPr lang="en-US" altLang="zh-TW" sz="3200" dirty="0">
-                <a:effectLst/>
-                <a:latin typeface="Calibri" panose="020F0502020204030204" pitchFamily="34" charset="0"/>
-                <a:cs typeface="Calibri" panose="020F0502020204030204" pitchFamily="34" charset="0"/>
-              </a:rPr>
-              <a:t>Non-IP based architecture</a:t>
-            </a:r>
-          </a:p>
-          <a:p>
-            <a:pPr marL="0" indent="0" algn="ctr">
-              <a:buNone/>
-            </a:pPr>
-            <a:endParaRPr lang="en-US" altLang="zh-TW" sz="3200" dirty="0">
-              <a:latin typeface="Calibri" panose="020F0502020204030204" pitchFamily="34" charset="0"/>
-              <a:cs typeface="Calibri" panose="020F0502020204030204" pitchFamily="34" charset="0"/>
-            </a:endParaRPr>
-          </a:p>
-          <a:p>
-            <a:r>
-              <a:rPr lang="en-US" altLang="zh-TW" dirty="0">
-                <a:effectLst/>
-                <a:latin typeface="Calibri" panose="020F0502020204030204" pitchFamily="34" charset="0"/>
-                <a:cs typeface="Calibri" panose="020F0502020204030204" pitchFamily="34" charset="0"/>
-              </a:rPr>
-              <a:t>As no IP is used , to set up IoT connectivity between the BLE peripheral and the controller, no extra implementation is needed on the peripheral apart from setting up native BLE communication.</a:t>
-            </a:r>
-          </a:p>
-          <a:p>
-            <a:endParaRPr lang="en-US" altLang="zh-TW" dirty="0">
-              <a:latin typeface="Calibri" panose="020F0502020204030204" pitchFamily="34" charset="0"/>
-              <a:cs typeface="Calibri" panose="020F0502020204030204" pitchFamily="34" charset="0"/>
-            </a:endParaRPr>
-          </a:p>
-          <a:p>
-            <a:r>
-              <a:rPr lang="en-US" altLang="zh-TW" dirty="0">
-                <a:effectLst/>
-                <a:latin typeface="Calibri" panose="020F0502020204030204" pitchFamily="34" charset="0"/>
-                <a:cs typeface="Calibri" panose="020F0502020204030204" pitchFamily="34" charset="0"/>
-              </a:rPr>
-              <a:t> In order to achieve seamless handover, the peripheral is in one of two states at all times:</a:t>
-            </a:r>
-          </a:p>
-          <a:p>
-            <a:pPr marL="457200" lvl="1" indent="0">
-              <a:buNone/>
-            </a:pPr>
-            <a:r>
-              <a:rPr lang="en-US" altLang="zh-TW" dirty="0">
-                <a:effectLst/>
-                <a:latin typeface="Calibri" panose="020F0502020204030204" pitchFamily="34" charset="0"/>
-                <a:cs typeface="Calibri" panose="020F0502020204030204" pitchFamily="34" charset="0"/>
-              </a:rPr>
-              <a:t> a) in a BLE connection with an IoT GW, </a:t>
-            </a:r>
-          </a:p>
-          <a:p>
-            <a:pPr marL="457200" lvl="1" indent="0">
-              <a:buNone/>
-            </a:pPr>
-            <a:r>
-              <a:rPr lang="en-US" altLang="zh-TW" dirty="0">
-                <a:effectLst/>
-                <a:latin typeface="Calibri" panose="020F0502020204030204" pitchFamily="34" charset="0"/>
-                <a:cs typeface="Calibri" panose="020F0502020204030204" pitchFamily="34" charset="0"/>
-              </a:rPr>
-              <a:t> b) advertising its presence using BLE advertisements.</a:t>
-            </a:r>
-          </a:p>
-          <a:p>
-            <a:endParaRPr lang="en-US" altLang="zh-TW" sz="3200" dirty="0">
-              <a:latin typeface="Calibri" panose="020F0502020204030204" pitchFamily="34" charset="0"/>
-              <a:cs typeface="Calibri" panose="020F0502020204030204" pitchFamily="34" charset="0"/>
-            </a:endParaRPr>
-          </a:p>
-          <a:p>
-            <a:endParaRPr lang="en-US" altLang="zh-TW" sz="3200" dirty="0">
-              <a:effectLst/>
-              <a:latin typeface="Calibri" panose="020F0502020204030204" pitchFamily="34" charset="0"/>
-              <a:cs typeface="Calibri" panose="020F0502020204030204" pitchFamily="34" charset="0"/>
-            </a:endParaRPr>
-          </a:p>
-          <a:p>
-            <a:pPr marL="0" indent="0">
-              <a:buNone/>
-            </a:pPr>
-            <a:endParaRPr lang="en-US" altLang="zh-TW" dirty="0">
-              <a:latin typeface="Calibri" panose="020F0502020204030204" pitchFamily="34" charset="0"/>
-              <a:cs typeface="Calibri" panose="020F0502020204030204" pitchFamily="34" charset="0"/>
-            </a:endParaRPr>
-          </a:p>
-          <a:p>
-            <a:pPr marL="0" indent="0" algn="ctr">
-              <a:buNone/>
-            </a:pPr>
-            <a:endParaRPr lang="en-US" altLang="zh-TW" dirty="0">
-              <a:latin typeface="Calibri" panose="020F0502020204030204" pitchFamily="34" charset="0"/>
-              <a:cs typeface="Calibri" panose="020F0502020204030204" pitchFamily="34" charset="0"/>
-            </a:endParaRPr>
-          </a:p>
-        </p:txBody>
-      </p:sp>
-      <p:sp>
-        <p:nvSpPr>
-          <p:cNvPr id="4" name="投影片編號版面配置區 3">
-            <a:extLst>
-              <a:ext uri="{FF2B5EF4-FFF2-40B4-BE49-F238E27FC236}">
-                <a16:creationId xmlns:a16="http://schemas.microsoft.com/office/drawing/2014/main" id="{46943CDC-E158-4BE6-85D8-16B7649A4F4B}"/>
-              </a:ext>
-            </a:extLst>
-          </p:cNvPr>
-          <p:cNvSpPr>
-            <a:spLocks noGrp="1"/>
-          </p:cNvSpPr>
-          <p:nvPr>
-            <p:ph type="sldNum" sz="quarter" idx="12"/>
-          </p:nvPr>
-        </p:nvSpPr>
-        <p:spPr/>
-        <p:txBody>
-          <a:bodyPr/>
-          <a:lstStyle/>
-          <a:p>
-            <a:fld id="{50029C49-A5A9-4A95-8BF0-94F73808DB5F}" type="slidenum">
-              <a:rPr lang="zh-TW" altLang="en-US" smtClean="0"/>
-              <a:t>14</a:t>
-            </a:fld>
-            <a:endParaRPr lang="zh-TW" altLang="en-US"/>
-          </a:p>
-        </p:txBody>
-      </p:sp>
       <p:pic>
         <p:nvPicPr>
           <p:cNvPr id="7" name="內容版面配置區 6">
@@ -5072,6 +4435,169 @@
           </a:xfrm>
         </p:spPr>
       </p:pic>
+      <p:sp>
+        <p:nvSpPr>
+          <p:cNvPr id="3" name="內容版面配置區 2">
+            <a:extLst>
+              <a:ext uri="{FF2B5EF4-FFF2-40B4-BE49-F238E27FC236}">
+                <a16:creationId xmlns:a16="http://schemas.microsoft.com/office/drawing/2014/main" id="{B3DF6E85-2BA3-4D22-9F39-B4A5D2453F97}"/>
+              </a:ext>
+            </a:extLst>
+          </p:cNvPr>
+          <p:cNvSpPr>
+            <a:spLocks noGrp="1"/>
+          </p:cNvSpPr>
+          <p:nvPr>
+            <p:ph sz="half" idx="2"/>
+          </p:nvPr>
+        </p:nvSpPr>
+        <p:spPr>
+          <a:xfrm>
+            <a:off x="5812603" y="136524"/>
+            <a:ext cx="6309993" cy="6721475"/>
+          </a:xfrm>
+        </p:spPr>
+        <p:txBody>
+          <a:bodyPr>
+            <a:normAutofit/>
+          </a:bodyPr>
+          <a:lstStyle/>
+          <a:p>
+            <a:pPr marL="0" indent="0" algn="ctr">
+              <a:buNone/>
+            </a:pPr>
+            <a:r>
+              <a:rPr lang="en-US" altLang="zh-TW" sz="3200" dirty="0">
+                <a:effectLst/>
+                <a:latin typeface="Calibri" panose="020F0502020204030204" pitchFamily="34" charset="0"/>
+                <a:cs typeface="Calibri" panose="020F0502020204030204" pitchFamily="34" charset="0"/>
+              </a:rPr>
+              <a:t>Non-IP based architecture</a:t>
+            </a:r>
+          </a:p>
+          <a:p>
+            <a:pPr marL="0" indent="0" algn="ctr">
+              <a:buNone/>
+            </a:pPr>
+            <a:endParaRPr lang="en-US" altLang="zh-TW" sz="3200" dirty="0">
+              <a:latin typeface="Calibri" panose="020F0502020204030204" pitchFamily="34" charset="0"/>
+              <a:cs typeface="Calibri" panose="020F0502020204030204" pitchFamily="34" charset="0"/>
+            </a:endParaRPr>
+          </a:p>
+          <a:p>
+            <a:r>
+              <a:rPr lang="en-US" altLang="zh-TW" dirty="0">
+                <a:effectLst/>
+                <a:latin typeface="Calibri" panose="020F0502020204030204" pitchFamily="34" charset="0"/>
+                <a:cs typeface="Calibri" panose="020F0502020204030204" pitchFamily="34" charset="0"/>
+              </a:rPr>
+              <a:t>As no IP is used , to set up IoT connectivity between the BLE peripheral and the controller, no extra implementation is needed on the peripheral apart from setting up native BLE communication.</a:t>
+            </a:r>
+          </a:p>
+          <a:p>
+            <a:endParaRPr lang="en-US" altLang="zh-TW" dirty="0">
+              <a:latin typeface="Calibri" panose="020F0502020204030204" pitchFamily="34" charset="0"/>
+              <a:cs typeface="Calibri" panose="020F0502020204030204" pitchFamily="34" charset="0"/>
+            </a:endParaRPr>
+          </a:p>
+          <a:p>
+            <a:r>
+              <a:rPr lang="en-US" altLang="zh-TW" dirty="0">
+                <a:effectLst/>
+                <a:latin typeface="Calibri" panose="020F0502020204030204" pitchFamily="34" charset="0"/>
+                <a:cs typeface="Calibri" panose="020F0502020204030204" pitchFamily="34" charset="0"/>
+              </a:rPr>
+              <a:t> In order to achieve seamless handover, the peripheral is in one of two states at all times:</a:t>
+            </a:r>
+          </a:p>
+          <a:p>
+            <a:pPr marL="457200" lvl="1" indent="0">
+              <a:buNone/>
+            </a:pPr>
+            <a:r>
+              <a:rPr lang="en-US" altLang="zh-TW" dirty="0">
+                <a:effectLst/>
+                <a:latin typeface="Calibri" panose="020F0502020204030204" pitchFamily="34" charset="0"/>
+                <a:cs typeface="Calibri" panose="020F0502020204030204" pitchFamily="34" charset="0"/>
+              </a:rPr>
+              <a:t> a) in a BLE connection with an IoT GW, </a:t>
+            </a:r>
+          </a:p>
+          <a:p>
+            <a:pPr marL="457200" lvl="1" indent="0">
+              <a:buNone/>
+            </a:pPr>
+            <a:r>
+              <a:rPr lang="en-US" altLang="zh-TW" dirty="0">
+                <a:effectLst/>
+                <a:latin typeface="Calibri" panose="020F0502020204030204" pitchFamily="34" charset="0"/>
+                <a:cs typeface="Calibri" panose="020F0502020204030204" pitchFamily="34" charset="0"/>
+              </a:rPr>
+              <a:t> b) advertising its presence using BLE advertisements.</a:t>
+            </a:r>
+          </a:p>
+          <a:p>
+            <a:endParaRPr lang="en-US" altLang="zh-TW" sz="3200" dirty="0">
+              <a:latin typeface="Calibri" panose="020F0502020204030204" pitchFamily="34" charset="0"/>
+              <a:cs typeface="Calibri" panose="020F0502020204030204" pitchFamily="34" charset="0"/>
+            </a:endParaRPr>
+          </a:p>
+          <a:p>
+            <a:endParaRPr lang="en-US" altLang="zh-TW" sz="3200" dirty="0">
+              <a:effectLst/>
+              <a:latin typeface="Calibri" panose="020F0502020204030204" pitchFamily="34" charset="0"/>
+              <a:cs typeface="Calibri" panose="020F0502020204030204" pitchFamily="34" charset="0"/>
+            </a:endParaRPr>
+          </a:p>
+          <a:p>
+            <a:pPr marL="0" indent="0">
+              <a:buNone/>
+            </a:pPr>
+            <a:endParaRPr lang="en-US" altLang="zh-TW" dirty="0">
+              <a:latin typeface="Calibri" panose="020F0502020204030204" pitchFamily="34" charset="0"/>
+              <a:cs typeface="Calibri" panose="020F0502020204030204" pitchFamily="34" charset="0"/>
+            </a:endParaRPr>
+          </a:p>
+          <a:p>
+            <a:pPr marL="0" indent="0" algn="ctr">
+              <a:buNone/>
+            </a:pPr>
+            <a:endParaRPr lang="en-US" altLang="zh-TW" dirty="0">
+              <a:latin typeface="Calibri" panose="020F0502020204030204" pitchFamily="34" charset="0"/>
+              <a:cs typeface="Calibri" panose="020F0502020204030204" pitchFamily="34" charset="0"/>
+            </a:endParaRPr>
+          </a:p>
+        </p:txBody>
+      </p:sp>
+      <p:sp>
+        <p:nvSpPr>
+          <p:cNvPr id="4" name="投影片編號版面配置區 3">
+            <a:extLst>
+              <a:ext uri="{FF2B5EF4-FFF2-40B4-BE49-F238E27FC236}">
+                <a16:creationId xmlns:a16="http://schemas.microsoft.com/office/drawing/2014/main" id="{46943CDC-E158-4BE6-85D8-16B7649A4F4B}"/>
+              </a:ext>
+            </a:extLst>
+          </p:cNvPr>
+          <p:cNvSpPr>
+            <a:spLocks noGrp="1"/>
+          </p:cNvSpPr>
+          <p:nvPr>
+            <p:ph type="sldNum" sz="quarter" idx="12"/>
+          </p:nvPr>
+        </p:nvSpPr>
+        <p:spPr/>
+        <p:txBody>
+          <a:bodyPr/>
+          <a:lstStyle/>
+          <a:p>
+            <a:fld id="{50029C49-A5A9-4A95-8BF0-94F73808DB5F}" type="slidenum">
+              <a:rPr lang="zh-TW" altLang="en-US" smtClean="0"/>
+              <a:t>13</a:t>
+            </a:fld>
+            <a:endParaRPr lang="zh-TW" altLang="en-US"/>
+          </a:p>
+        </p:txBody>
+      </p:sp>
       <p:sp>
         <p:nvSpPr>
           <p:cNvPr id="8" name="矩形 7">
@@ -5137,7 +4663,7 @@
 </p:sld>
 </file>
 
-<file path=ppt/slides/slide15.xml><?xml version="1.0" encoding="utf-8"?>
+<file path=ppt/slides/slide14.xml><?xml version="1.0" encoding="utf-8"?>
 <p:sld xmlns:a="http://schemas.openxmlformats.org/drawingml/2006/main" xmlns:r="http://schemas.openxmlformats.org/officeDocument/2006/relationships" xmlns:p="http://schemas.openxmlformats.org/presentationml/2006/main">
   <p:cSld>
     <p:spTree>
@@ -5154,142 +4680,6 @@
           <a:chExt cx="0" cy="0"/>
         </a:xfrm>
       </p:grpSpPr>
-      <p:sp>
-        <p:nvSpPr>
-          <p:cNvPr id="3" name="內容版面配置區 2">
-            <a:extLst>
-              <a:ext uri="{FF2B5EF4-FFF2-40B4-BE49-F238E27FC236}">
-                <a16:creationId xmlns:a16="http://schemas.microsoft.com/office/drawing/2014/main" id="{B3DF6E85-2BA3-4D22-9F39-B4A5D2453F97}"/>
-              </a:ext>
-            </a:extLst>
-          </p:cNvPr>
-          <p:cNvSpPr>
-            <a:spLocks noGrp="1"/>
-          </p:cNvSpPr>
-          <p:nvPr>
-            <p:ph sz="half" idx="2"/>
-          </p:nvPr>
-        </p:nvSpPr>
-        <p:spPr>
-          <a:xfrm>
-            <a:off x="5812603" y="136524"/>
-            <a:ext cx="6309993" cy="6721475"/>
-          </a:xfrm>
-        </p:spPr>
-        <p:txBody>
-          <a:bodyPr>
-            <a:normAutofit/>
-          </a:bodyPr>
-          <a:lstStyle/>
-          <a:p>
-            <a:pPr marL="0" indent="0" algn="ctr">
-              <a:buNone/>
-            </a:pPr>
-            <a:r>
-              <a:rPr lang="en-US" altLang="zh-TW" sz="3200" dirty="0">
-                <a:effectLst/>
-                <a:latin typeface="Calibri" panose="020F0502020204030204" pitchFamily="34" charset="0"/>
-                <a:cs typeface="Calibri" panose="020F0502020204030204" pitchFamily="34" charset="0"/>
-              </a:rPr>
-              <a:t>Non-IP based architecture(cont’d)</a:t>
-            </a:r>
-          </a:p>
-          <a:p>
-            <a:pPr marL="0" indent="0" algn="ctr">
-              <a:buNone/>
-            </a:pPr>
-            <a:endParaRPr lang="en-US" altLang="zh-TW" sz="3200" dirty="0">
-              <a:latin typeface="Calibri" panose="020F0502020204030204" pitchFamily="34" charset="0"/>
-              <a:cs typeface="Calibri" panose="020F0502020204030204" pitchFamily="34" charset="0"/>
-            </a:endParaRPr>
-          </a:p>
-          <a:p>
-            <a:r>
-              <a:rPr lang="en-US" altLang="zh-TW" dirty="0">
-                <a:latin typeface="Calibri" panose="020F0502020204030204" pitchFamily="34" charset="0"/>
-                <a:cs typeface="Calibri" panose="020F0502020204030204" pitchFamily="34" charset="0"/>
-              </a:rPr>
-              <a:t>IoT gateway , The gateway should expose the BLE peripheral towards the IP network in an application agnostic way. </a:t>
-            </a:r>
-          </a:p>
-          <a:p>
-            <a:endParaRPr lang="en-US" altLang="zh-TW" dirty="0">
-              <a:latin typeface="Calibri" panose="020F0502020204030204" pitchFamily="34" charset="0"/>
-              <a:cs typeface="Calibri" panose="020F0502020204030204" pitchFamily="34" charset="0"/>
-            </a:endParaRPr>
-          </a:p>
-          <a:p>
-            <a:r>
-              <a:rPr lang="en-US" altLang="zh-TW" dirty="0" err="1">
-                <a:latin typeface="Calibri" panose="020F0502020204030204" pitchFamily="34" charset="0"/>
-                <a:cs typeface="Calibri" panose="020F0502020204030204" pitchFamily="34" charset="0"/>
-              </a:rPr>
-              <a:t>Thus,the</a:t>
-            </a:r>
-            <a:r>
-              <a:rPr lang="en-US" altLang="zh-TW" dirty="0">
-                <a:latin typeface="Calibri" panose="020F0502020204030204" pitchFamily="34" charset="0"/>
-                <a:cs typeface="Calibri" panose="020F0502020204030204" pitchFamily="34" charset="0"/>
-              </a:rPr>
-              <a:t> IoT GW only has a forwarding role and is unaware of the application layer connectivity between the BLE peripheral and the controller.</a:t>
-            </a:r>
-          </a:p>
-          <a:p>
-            <a:endParaRPr lang="en-US" altLang="zh-TW" sz="3200" dirty="0">
-              <a:effectLst/>
-              <a:latin typeface="Calibri" panose="020F0502020204030204" pitchFamily="34" charset="0"/>
-              <a:cs typeface="Calibri" panose="020F0502020204030204" pitchFamily="34" charset="0"/>
-            </a:endParaRPr>
-          </a:p>
-          <a:p>
-            <a:pPr marL="0" indent="0">
-              <a:buNone/>
-            </a:pPr>
-            <a:endParaRPr lang="en-US" altLang="zh-TW" dirty="0">
-              <a:latin typeface="Calibri" panose="020F0502020204030204" pitchFamily="34" charset="0"/>
-              <a:cs typeface="Calibri" panose="020F0502020204030204" pitchFamily="34" charset="0"/>
-            </a:endParaRPr>
-          </a:p>
-          <a:p>
-            <a:pPr marL="0" indent="0" algn="ctr">
-              <a:buNone/>
-            </a:pPr>
-            <a:endParaRPr lang="en-US" altLang="zh-TW" dirty="0">
-              <a:latin typeface="Calibri" panose="020F0502020204030204" pitchFamily="34" charset="0"/>
-              <a:cs typeface="Calibri" panose="020F0502020204030204" pitchFamily="34" charset="0"/>
-            </a:endParaRPr>
-          </a:p>
-        </p:txBody>
-      </p:sp>
-      <p:sp>
-        <p:nvSpPr>
-          <p:cNvPr id="4" name="投影片編號版面配置區 3">
-            <a:extLst>
-              <a:ext uri="{FF2B5EF4-FFF2-40B4-BE49-F238E27FC236}">
-                <a16:creationId xmlns:a16="http://schemas.microsoft.com/office/drawing/2014/main" id="{46943CDC-E158-4BE6-85D8-16B7649A4F4B}"/>
-              </a:ext>
-            </a:extLst>
-          </p:cNvPr>
-          <p:cNvSpPr>
-            <a:spLocks noGrp="1"/>
-          </p:cNvSpPr>
-          <p:nvPr>
-            <p:ph type="sldNum" sz="quarter" idx="12"/>
-          </p:nvPr>
-        </p:nvSpPr>
-        <p:spPr/>
-        <p:txBody>
-          <a:bodyPr/>
-          <a:lstStyle/>
-          <a:p>
-            <a:fld id="{50029C49-A5A9-4A95-8BF0-94F73808DB5F}" type="slidenum">
-              <a:rPr lang="zh-TW" altLang="en-US" smtClean="0"/>
-              <a:t>15</a:t>
-            </a:fld>
-            <a:endParaRPr lang="zh-TW" altLang="en-US"/>
-          </a:p>
-        </p:txBody>
-      </p:sp>
       <p:pic>
         <p:nvPicPr>
           <p:cNvPr id="7" name="內容版面配置區 6">
@@ -5319,6 +4709,142 @@
           </a:xfrm>
         </p:spPr>
       </p:pic>
+      <p:sp>
+        <p:nvSpPr>
+          <p:cNvPr id="3" name="內容版面配置區 2">
+            <a:extLst>
+              <a:ext uri="{FF2B5EF4-FFF2-40B4-BE49-F238E27FC236}">
+                <a16:creationId xmlns:a16="http://schemas.microsoft.com/office/drawing/2014/main" id="{B3DF6E85-2BA3-4D22-9F39-B4A5D2453F97}"/>
+              </a:ext>
+            </a:extLst>
+          </p:cNvPr>
+          <p:cNvSpPr>
+            <a:spLocks noGrp="1"/>
+          </p:cNvSpPr>
+          <p:nvPr>
+            <p:ph sz="half" idx="2"/>
+          </p:nvPr>
+        </p:nvSpPr>
+        <p:spPr>
+          <a:xfrm>
+            <a:off x="5812603" y="136524"/>
+            <a:ext cx="6309993" cy="6721475"/>
+          </a:xfrm>
+        </p:spPr>
+        <p:txBody>
+          <a:bodyPr>
+            <a:normAutofit/>
+          </a:bodyPr>
+          <a:lstStyle/>
+          <a:p>
+            <a:pPr marL="0" indent="0" algn="ctr">
+              <a:buNone/>
+            </a:pPr>
+            <a:r>
+              <a:rPr lang="en-US" altLang="zh-TW" sz="3200" dirty="0">
+                <a:effectLst/>
+                <a:latin typeface="Calibri" panose="020F0502020204030204" pitchFamily="34" charset="0"/>
+                <a:cs typeface="Calibri" panose="020F0502020204030204" pitchFamily="34" charset="0"/>
+              </a:rPr>
+              <a:t>Non-IP based architecture(cont’d)</a:t>
+            </a:r>
+          </a:p>
+          <a:p>
+            <a:pPr marL="0" indent="0" algn="ctr">
+              <a:buNone/>
+            </a:pPr>
+            <a:endParaRPr lang="en-US" altLang="zh-TW" sz="3200" dirty="0">
+              <a:latin typeface="Calibri" panose="020F0502020204030204" pitchFamily="34" charset="0"/>
+              <a:cs typeface="Calibri" panose="020F0502020204030204" pitchFamily="34" charset="0"/>
+            </a:endParaRPr>
+          </a:p>
+          <a:p>
+            <a:r>
+              <a:rPr lang="en-US" altLang="zh-TW" dirty="0">
+                <a:latin typeface="Calibri" panose="020F0502020204030204" pitchFamily="34" charset="0"/>
+                <a:cs typeface="Calibri" panose="020F0502020204030204" pitchFamily="34" charset="0"/>
+              </a:rPr>
+              <a:t>IoT gateway , The gateway should expose the BLE peripheral towards the IP network in an application agnostic way. </a:t>
+            </a:r>
+          </a:p>
+          <a:p>
+            <a:endParaRPr lang="en-US" altLang="zh-TW" dirty="0">
+              <a:latin typeface="Calibri" panose="020F0502020204030204" pitchFamily="34" charset="0"/>
+              <a:cs typeface="Calibri" panose="020F0502020204030204" pitchFamily="34" charset="0"/>
+            </a:endParaRPr>
+          </a:p>
+          <a:p>
+            <a:r>
+              <a:rPr lang="en-US" altLang="zh-TW" dirty="0" err="1">
+                <a:latin typeface="Calibri" panose="020F0502020204030204" pitchFamily="34" charset="0"/>
+                <a:cs typeface="Calibri" panose="020F0502020204030204" pitchFamily="34" charset="0"/>
+              </a:rPr>
+              <a:t>Thus,the</a:t>
+            </a:r>
+            <a:r>
+              <a:rPr lang="en-US" altLang="zh-TW" dirty="0">
+                <a:latin typeface="Calibri" panose="020F0502020204030204" pitchFamily="34" charset="0"/>
+                <a:cs typeface="Calibri" panose="020F0502020204030204" pitchFamily="34" charset="0"/>
+              </a:rPr>
+              <a:t> IoT GW only has a forwarding role and is unaware of the application layer connectivity between the BLE peripheral and the controller.</a:t>
+            </a:r>
+          </a:p>
+          <a:p>
+            <a:endParaRPr lang="en-US" altLang="zh-TW" sz="3200" dirty="0">
+              <a:effectLst/>
+              <a:latin typeface="Calibri" panose="020F0502020204030204" pitchFamily="34" charset="0"/>
+              <a:cs typeface="Calibri" panose="020F0502020204030204" pitchFamily="34" charset="0"/>
+            </a:endParaRPr>
+          </a:p>
+          <a:p>
+            <a:pPr marL="0" indent="0">
+              <a:buNone/>
+            </a:pPr>
+            <a:endParaRPr lang="en-US" altLang="zh-TW" dirty="0">
+              <a:latin typeface="Calibri" panose="020F0502020204030204" pitchFamily="34" charset="0"/>
+              <a:cs typeface="Calibri" panose="020F0502020204030204" pitchFamily="34" charset="0"/>
+            </a:endParaRPr>
+          </a:p>
+          <a:p>
+            <a:pPr marL="0" indent="0" algn="ctr">
+              <a:buNone/>
+            </a:pPr>
+            <a:endParaRPr lang="en-US" altLang="zh-TW" dirty="0">
+              <a:latin typeface="Calibri" panose="020F0502020204030204" pitchFamily="34" charset="0"/>
+              <a:cs typeface="Calibri" panose="020F0502020204030204" pitchFamily="34" charset="0"/>
+            </a:endParaRPr>
+          </a:p>
+        </p:txBody>
+      </p:sp>
+      <p:sp>
+        <p:nvSpPr>
+          <p:cNvPr id="4" name="投影片編號版面配置區 3">
+            <a:extLst>
+              <a:ext uri="{FF2B5EF4-FFF2-40B4-BE49-F238E27FC236}">
+                <a16:creationId xmlns:a16="http://schemas.microsoft.com/office/drawing/2014/main" id="{46943CDC-E158-4BE6-85D8-16B7649A4F4B}"/>
+              </a:ext>
+            </a:extLst>
+          </p:cNvPr>
+          <p:cNvSpPr>
+            <a:spLocks noGrp="1"/>
+          </p:cNvSpPr>
+          <p:nvPr>
+            <p:ph type="sldNum" sz="quarter" idx="12"/>
+          </p:nvPr>
+        </p:nvSpPr>
+        <p:spPr/>
+        <p:txBody>
+          <a:bodyPr/>
+          <a:lstStyle/>
+          <a:p>
+            <a:fld id="{50029C49-A5A9-4A95-8BF0-94F73808DB5F}" type="slidenum">
+              <a:rPr lang="zh-TW" altLang="en-US" smtClean="0"/>
+              <a:t>14</a:t>
+            </a:fld>
+            <a:endParaRPr lang="zh-TW" altLang="en-US"/>
+          </a:p>
+        </p:txBody>
+      </p:sp>
       <p:sp>
         <p:nvSpPr>
           <p:cNvPr id="8" name="矩形 7">
@@ -5384,7 +4910,7 @@
 </p:sld>
 </file>
 
-<file path=ppt/slides/slide16.xml><?xml version="1.0" encoding="utf-8"?>
+<file path=ppt/slides/slide15.xml><?xml version="1.0" encoding="utf-8"?>
 <p:sld xmlns:a="http://schemas.openxmlformats.org/drawingml/2006/main" xmlns:r="http://schemas.openxmlformats.org/officeDocument/2006/relationships" xmlns:p="http://schemas.openxmlformats.org/presentationml/2006/main">
   <p:cSld>
     <p:spTree>
@@ -5401,141 +4927,6 @@
           <a:chExt cx="0" cy="0"/>
         </a:xfrm>
       </p:grpSpPr>
-      <p:sp>
-        <p:nvSpPr>
-          <p:cNvPr id="3" name="內容版面配置區 2">
-            <a:extLst>
-              <a:ext uri="{FF2B5EF4-FFF2-40B4-BE49-F238E27FC236}">
-                <a16:creationId xmlns:a16="http://schemas.microsoft.com/office/drawing/2014/main" id="{B3DF6E85-2BA3-4D22-9F39-B4A5D2453F97}"/>
-              </a:ext>
-            </a:extLst>
-          </p:cNvPr>
-          <p:cNvSpPr>
-            <a:spLocks noGrp="1"/>
-          </p:cNvSpPr>
-          <p:nvPr>
-            <p:ph sz="half" idx="2"/>
-          </p:nvPr>
-        </p:nvSpPr>
-        <p:spPr>
-          <a:xfrm>
-            <a:off x="5812603" y="136524"/>
-            <a:ext cx="6309993" cy="6721475"/>
-          </a:xfrm>
-        </p:spPr>
-        <p:txBody>
-          <a:bodyPr>
-            <a:normAutofit fontScale="92500" lnSpcReduction="10000"/>
-          </a:bodyPr>
-          <a:lstStyle/>
-          <a:p>
-            <a:pPr marL="0" indent="0" algn="ctr">
-              <a:buNone/>
-            </a:pPr>
-            <a:r>
-              <a:rPr lang="en-US" altLang="zh-TW" sz="3200" dirty="0">
-                <a:effectLst/>
-                <a:latin typeface="Calibri" panose="020F0502020204030204" pitchFamily="34" charset="0"/>
-                <a:cs typeface="Calibri" panose="020F0502020204030204" pitchFamily="34" charset="0"/>
-              </a:rPr>
-              <a:t>Non-IP based architecture(cont’d)</a:t>
-            </a:r>
-          </a:p>
-          <a:p>
-            <a:pPr marL="0" indent="0" algn="ctr">
-              <a:buNone/>
-            </a:pPr>
-            <a:endParaRPr lang="en-US" altLang="zh-TW" sz="3200" dirty="0">
-              <a:latin typeface="Calibri" panose="020F0502020204030204" pitchFamily="34" charset="0"/>
-              <a:cs typeface="Calibri" panose="020F0502020204030204" pitchFamily="34" charset="0"/>
-            </a:endParaRPr>
-          </a:p>
-          <a:p>
-            <a:r>
-              <a:rPr lang="en-US" altLang="zh-TW" dirty="0">
-                <a:latin typeface="Calibri" panose="020F0502020204030204" pitchFamily="34" charset="0"/>
-                <a:cs typeface="Calibri" panose="020F0502020204030204" pitchFamily="34" charset="0"/>
-              </a:rPr>
-              <a:t>Controller.</a:t>
-            </a:r>
-          </a:p>
-          <a:p>
-            <a:r>
-              <a:rPr lang="en-US" altLang="zh-TW" dirty="0">
-                <a:latin typeface="Calibri" panose="020F0502020204030204" pitchFamily="34" charset="0"/>
-                <a:cs typeface="Calibri" panose="020F0502020204030204" pitchFamily="34" charset="0"/>
-              </a:rPr>
-              <a:t>The IoT GWs notify the controller when a new connection is established or a disconnection occurs. </a:t>
-            </a:r>
-          </a:p>
-          <a:p>
-            <a:endParaRPr lang="en-US" altLang="zh-TW" dirty="0">
-              <a:latin typeface="Calibri" panose="020F0502020204030204" pitchFamily="34" charset="0"/>
-              <a:cs typeface="Calibri" panose="020F0502020204030204" pitchFamily="34" charset="0"/>
-            </a:endParaRPr>
-          </a:p>
-          <a:p>
-            <a:r>
-              <a:rPr lang="en-US" altLang="zh-TW" dirty="0" err="1">
-                <a:latin typeface="Calibri" panose="020F0502020204030204" pitchFamily="34" charset="0"/>
-                <a:cs typeface="Calibri" panose="020F0502020204030204" pitchFamily="34" charset="0"/>
-              </a:rPr>
-              <a:t>Therefore,the</a:t>
-            </a:r>
-            <a:r>
-              <a:rPr lang="en-US" altLang="zh-TW" dirty="0">
-                <a:latin typeface="Calibri" panose="020F0502020204030204" pitchFamily="34" charset="0"/>
-                <a:cs typeface="Calibri" panose="020F0502020204030204" pitchFamily="34" charset="0"/>
-              </a:rPr>
-              <a:t> controller should keep a mapping table, linking each BLE peripheral to its current corresponding IoT GW. </a:t>
-            </a:r>
-          </a:p>
-          <a:p>
-            <a:endParaRPr lang="en-US" altLang="zh-TW" dirty="0">
-              <a:latin typeface="Calibri" panose="020F0502020204030204" pitchFamily="34" charset="0"/>
-              <a:cs typeface="Calibri" panose="020F0502020204030204" pitchFamily="34" charset="0"/>
-            </a:endParaRPr>
-          </a:p>
-          <a:p>
-            <a:r>
-              <a:rPr lang="en-US" altLang="zh-TW" dirty="0">
-                <a:latin typeface="Calibri" panose="020F0502020204030204" pitchFamily="34" charset="0"/>
-                <a:cs typeface="Calibri" panose="020F0502020204030204" pitchFamily="34" charset="0"/>
-              </a:rPr>
-              <a:t>The peripherals are identified via an implementation specific device ID. To expose the BLE peripheral to the Internet, the controller could act as a proxy or bridge, hereby translating the application layer to another protocol.</a:t>
-            </a:r>
-          </a:p>
-        </p:txBody>
-      </p:sp>
-      <p:sp>
-        <p:nvSpPr>
-          <p:cNvPr id="4" name="投影片編號版面配置區 3">
-            <a:extLst>
-              <a:ext uri="{FF2B5EF4-FFF2-40B4-BE49-F238E27FC236}">
-                <a16:creationId xmlns:a16="http://schemas.microsoft.com/office/drawing/2014/main" id="{46943CDC-E158-4BE6-85D8-16B7649A4F4B}"/>
-              </a:ext>
-            </a:extLst>
-          </p:cNvPr>
-          <p:cNvSpPr>
-            <a:spLocks noGrp="1"/>
-          </p:cNvSpPr>
-          <p:nvPr>
-            <p:ph type="sldNum" sz="quarter" idx="12"/>
-          </p:nvPr>
-        </p:nvSpPr>
-        <p:spPr/>
-        <p:txBody>
-          <a:bodyPr/>
-          <a:lstStyle/>
-          <a:p>
-            <a:fld id="{50029C49-A5A9-4A95-8BF0-94F73808DB5F}" type="slidenum">
-              <a:rPr lang="zh-TW" altLang="en-US" smtClean="0"/>
-              <a:t>16</a:t>
-            </a:fld>
-            <a:endParaRPr lang="zh-TW" altLang="en-US"/>
-          </a:p>
-        </p:txBody>
-      </p:sp>
       <p:pic>
         <p:nvPicPr>
           <p:cNvPr id="7" name="內容版面配置區 6">
@@ -5565,6 +4956,141 @@
           </a:xfrm>
         </p:spPr>
       </p:pic>
+      <p:sp>
+        <p:nvSpPr>
+          <p:cNvPr id="3" name="內容版面配置區 2">
+            <a:extLst>
+              <a:ext uri="{FF2B5EF4-FFF2-40B4-BE49-F238E27FC236}">
+                <a16:creationId xmlns:a16="http://schemas.microsoft.com/office/drawing/2014/main" id="{B3DF6E85-2BA3-4D22-9F39-B4A5D2453F97}"/>
+              </a:ext>
+            </a:extLst>
+          </p:cNvPr>
+          <p:cNvSpPr>
+            <a:spLocks noGrp="1"/>
+          </p:cNvSpPr>
+          <p:nvPr>
+            <p:ph sz="half" idx="2"/>
+          </p:nvPr>
+        </p:nvSpPr>
+        <p:spPr>
+          <a:xfrm>
+            <a:off x="5812603" y="136524"/>
+            <a:ext cx="6309993" cy="6721475"/>
+          </a:xfrm>
+        </p:spPr>
+        <p:txBody>
+          <a:bodyPr>
+            <a:normAutofit fontScale="92500" lnSpcReduction="10000"/>
+          </a:bodyPr>
+          <a:lstStyle/>
+          <a:p>
+            <a:pPr marL="0" indent="0" algn="ctr">
+              <a:buNone/>
+            </a:pPr>
+            <a:r>
+              <a:rPr lang="en-US" altLang="zh-TW" sz="3200" dirty="0">
+                <a:effectLst/>
+                <a:latin typeface="Calibri" panose="020F0502020204030204" pitchFamily="34" charset="0"/>
+                <a:cs typeface="Calibri" panose="020F0502020204030204" pitchFamily="34" charset="0"/>
+              </a:rPr>
+              <a:t>Non-IP based architecture(cont’d)</a:t>
+            </a:r>
+          </a:p>
+          <a:p>
+            <a:pPr marL="0" indent="0" algn="ctr">
+              <a:buNone/>
+            </a:pPr>
+            <a:endParaRPr lang="en-US" altLang="zh-TW" sz="3200" dirty="0">
+              <a:latin typeface="Calibri" panose="020F0502020204030204" pitchFamily="34" charset="0"/>
+              <a:cs typeface="Calibri" panose="020F0502020204030204" pitchFamily="34" charset="0"/>
+            </a:endParaRPr>
+          </a:p>
+          <a:p>
+            <a:r>
+              <a:rPr lang="en-US" altLang="zh-TW" dirty="0">
+                <a:latin typeface="Calibri" panose="020F0502020204030204" pitchFamily="34" charset="0"/>
+                <a:cs typeface="Calibri" panose="020F0502020204030204" pitchFamily="34" charset="0"/>
+              </a:rPr>
+              <a:t>Controller.</a:t>
+            </a:r>
+          </a:p>
+          <a:p>
+            <a:r>
+              <a:rPr lang="en-US" altLang="zh-TW" dirty="0">
+                <a:latin typeface="Calibri" panose="020F0502020204030204" pitchFamily="34" charset="0"/>
+                <a:cs typeface="Calibri" panose="020F0502020204030204" pitchFamily="34" charset="0"/>
+              </a:rPr>
+              <a:t>The IoT GWs notify the controller when a new connection is established or a disconnection occurs. </a:t>
+            </a:r>
+          </a:p>
+          <a:p>
+            <a:endParaRPr lang="en-US" altLang="zh-TW" dirty="0">
+              <a:latin typeface="Calibri" panose="020F0502020204030204" pitchFamily="34" charset="0"/>
+              <a:cs typeface="Calibri" panose="020F0502020204030204" pitchFamily="34" charset="0"/>
+            </a:endParaRPr>
+          </a:p>
+          <a:p>
+            <a:r>
+              <a:rPr lang="en-US" altLang="zh-TW" dirty="0" err="1">
+                <a:latin typeface="Calibri" panose="020F0502020204030204" pitchFamily="34" charset="0"/>
+                <a:cs typeface="Calibri" panose="020F0502020204030204" pitchFamily="34" charset="0"/>
+              </a:rPr>
+              <a:t>Therefore,the</a:t>
+            </a:r>
+            <a:r>
+              <a:rPr lang="en-US" altLang="zh-TW" dirty="0">
+                <a:latin typeface="Calibri" panose="020F0502020204030204" pitchFamily="34" charset="0"/>
+                <a:cs typeface="Calibri" panose="020F0502020204030204" pitchFamily="34" charset="0"/>
+              </a:rPr>
+              <a:t> controller should keep a mapping table, linking each BLE peripheral to its current corresponding IoT GW. </a:t>
+            </a:r>
+          </a:p>
+          <a:p>
+            <a:endParaRPr lang="en-US" altLang="zh-TW" dirty="0">
+              <a:latin typeface="Calibri" panose="020F0502020204030204" pitchFamily="34" charset="0"/>
+              <a:cs typeface="Calibri" panose="020F0502020204030204" pitchFamily="34" charset="0"/>
+            </a:endParaRPr>
+          </a:p>
+          <a:p>
+            <a:r>
+              <a:rPr lang="en-US" altLang="zh-TW" dirty="0">
+                <a:latin typeface="Calibri" panose="020F0502020204030204" pitchFamily="34" charset="0"/>
+                <a:cs typeface="Calibri" panose="020F0502020204030204" pitchFamily="34" charset="0"/>
+              </a:rPr>
+              <a:t>The peripherals are identified via an implementation specific device ID. To expose the BLE peripheral to the Internet, the controller could act as a proxy or bridge, hereby translating the application layer to another protocol.</a:t>
+            </a:r>
+          </a:p>
+        </p:txBody>
+      </p:sp>
+      <p:sp>
+        <p:nvSpPr>
+          <p:cNvPr id="4" name="投影片編號版面配置區 3">
+            <a:extLst>
+              <a:ext uri="{FF2B5EF4-FFF2-40B4-BE49-F238E27FC236}">
+                <a16:creationId xmlns:a16="http://schemas.microsoft.com/office/drawing/2014/main" id="{46943CDC-E158-4BE6-85D8-16B7649A4F4B}"/>
+              </a:ext>
+            </a:extLst>
+          </p:cNvPr>
+          <p:cNvSpPr>
+            <a:spLocks noGrp="1"/>
+          </p:cNvSpPr>
+          <p:nvPr>
+            <p:ph type="sldNum" sz="quarter" idx="12"/>
+          </p:nvPr>
+        </p:nvSpPr>
+        <p:spPr/>
+        <p:txBody>
+          <a:bodyPr/>
+          <a:lstStyle/>
+          <a:p>
+            <a:fld id="{50029C49-A5A9-4A95-8BF0-94F73808DB5F}" type="slidenum">
+              <a:rPr lang="zh-TW" altLang="en-US" smtClean="0"/>
+              <a:t>15</a:t>
+            </a:fld>
+            <a:endParaRPr lang="zh-TW" altLang="en-US"/>
+          </a:p>
+        </p:txBody>
+      </p:sp>
       <p:sp>
         <p:nvSpPr>
           <p:cNvPr id="8" name="矩形 7">
@@ -5630,6 +5156,157 @@
 </p:sld>
 </file>
 
+<file path=ppt/slides/slide16.xml><?xml version="1.0" encoding="utf-8"?>
+<p:sld xmlns:a="http://schemas.openxmlformats.org/drawingml/2006/main" xmlns:r="http://schemas.openxmlformats.org/officeDocument/2006/relationships" xmlns:p="http://schemas.openxmlformats.org/presentationml/2006/main">
+  <p:cSld>
+    <p:spTree>
+      <p:nvGrpSpPr>
+        <p:cNvPr id="1" name=""/>
+        <p:cNvGrpSpPr/>
+        <p:nvPr/>
+      </p:nvGrpSpPr>
+      <p:grpSpPr>
+        <a:xfrm>
+          <a:off x="0" y="0"/>
+          <a:ext cx="0" cy="0"/>
+          <a:chOff x="0" y="0"/>
+          <a:chExt cx="0" cy="0"/>
+        </a:xfrm>
+      </p:grpSpPr>
+      <p:sp>
+        <p:nvSpPr>
+          <p:cNvPr id="2" name="標題 1">
+            <a:extLst>
+              <a:ext uri="{FF2B5EF4-FFF2-40B4-BE49-F238E27FC236}">
+                <a16:creationId xmlns:a16="http://schemas.microsoft.com/office/drawing/2014/main" id="{A695901F-B45F-471B-B1C2-E603D8500264}"/>
+              </a:ext>
+            </a:extLst>
+          </p:cNvPr>
+          <p:cNvSpPr>
+            <a:spLocks noGrp="1"/>
+          </p:cNvSpPr>
+          <p:nvPr>
+            <p:ph type="title"/>
+          </p:nvPr>
+        </p:nvSpPr>
+        <p:spPr/>
+        <p:txBody>
+          <a:bodyPr/>
+          <a:lstStyle/>
+          <a:p>
+            <a:r>
+              <a:rPr lang="en-US" altLang="zh-TW" dirty="0"/>
+              <a:t>Handover approaches</a:t>
+            </a:r>
+            <a:endParaRPr lang="zh-TW" altLang="en-US" dirty="0"/>
+          </a:p>
+        </p:txBody>
+      </p:sp>
+      <p:sp>
+        <p:nvSpPr>
+          <p:cNvPr id="3" name="內容版面配置區 2">
+            <a:extLst>
+              <a:ext uri="{FF2B5EF4-FFF2-40B4-BE49-F238E27FC236}">
+                <a16:creationId xmlns:a16="http://schemas.microsoft.com/office/drawing/2014/main" id="{FB2F8C4B-A1E5-42DA-B706-3134322A9E30}"/>
+              </a:ext>
+            </a:extLst>
+          </p:cNvPr>
+          <p:cNvSpPr>
+            <a:spLocks noGrp="1"/>
+          </p:cNvSpPr>
+          <p:nvPr>
+            <p:ph idx="1"/>
+          </p:nvPr>
+        </p:nvSpPr>
+        <p:spPr>
+          <a:xfrm>
+            <a:off x="838200" y="1531939"/>
+            <a:ext cx="10515600" cy="5030787"/>
+          </a:xfrm>
+        </p:spPr>
+        <p:txBody>
+          <a:bodyPr>
+            <a:normAutofit fontScale="92500" lnSpcReduction="10000"/>
+          </a:bodyPr>
+          <a:lstStyle/>
+          <a:p>
+            <a:r>
+              <a:rPr lang="en-US" altLang="zh-TW" dirty="0"/>
+              <a:t>About passive handover:</a:t>
+            </a:r>
+          </a:p>
+          <a:p>
+            <a:endParaRPr lang="en-US" altLang="zh-TW" dirty="0"/>
+          </a:p>
+          <a:p>
+            <a:r>
+              <a:rPr lang="en-US" altLang="zh-TW" dirty="0"/>
+              <a:t>A BLE connection is terminated naturally after the supervision timeout has timed out. Only then, the BLE peripheral attempts to set up a new connection by advertising its presence using BLE advertisements.</a:t>
+            </a:r>
+          </a:p>
+          <a:p>
+            <a:endParaRPr lang="en-US" altLang="zh-TW" dirty="0"/>
+          </a:p>
+          <a:p>
+            <a:r>
+              <a:rPr lang="en-US" altLang="zh-TW" dirty="0"/>
+              <a:t>When using the passive handover approach, a connection to a new and better GW will only be established when the previous connection was completely broken, i.e. when no traffic could be sent during the supervision timeout range. </a:t>
+            </a:r>
+          </a:p>
+          <a:p>
+            <a:endParaRPr lang="en-US" altLang="zh-TW" dirty="0"/>
+          </a:p>
+          <a:p>
+            <a:r>
+              <a:rPr lang="en-US" altLang="zh-TW" dirty="0"/>
+              <a:t>As such, it might happen that a peripheral remains connected even when the link quality becomes very poor.</a:t>
+            </a:r>
+            <a:endParaRPr lang="zh-TW" altLang="en-US" dirty="0"/>
+          </a:p>
+        </p:txBody>
+      </p:sp>
+      <p:sp>
+        <p:nvSpPr>
+          <p:cNvPr id="4" name="投影片編號版面配置區 3">
+            <a:extLst>
+              <a:ext uri="{FF2B5EF4-FFF2-40B4-BE49-F238E27FC236}">
+                <a16:creationId xmlns:a16="http://schemas.microsoft.com/office/drawing/2014/main" id="{D343627B-A794-4656-8F31-A526720248C0}"/>
+              </a:ext>
+            </a:extLst>
+          </p:cNvPr>
+          <p:cNvSpPr>
+            <a:spLocks noGrp="1"/>
+          </p:cNvSpPr>
+          <p:nvPr>
+            <p:ph type="sldNum" sz="quarter" idx="12"/>
+          </p:nvPr>
+        </p:nvSpPr>
+        <p:spPr/>
+        <p:txBody>
+          <a:bodyPr/>
+          <a:lstStyle/>
+          <a:p>
+            <a:fld id="{50029C49-A5A9-4A95-8BF0-94F73808DB5F}" type="slidenum">
+              <a:rPr lang="zh-TW" altLang="en-US" smtClean="0"/>
+              <a:t>16</a:t>
+            </a:fld>
+            <a:endParaRPr lang="zh-TW" altLang="en-US"/>
+          </a:p>
+        </p:txBody>
+      </p:sp>
+    </p:spTree>
+    <p:extLst>
+      <p:ext uri="{BB962C8B-B14F-4D97-AF65-F5344CB8AC3E}">
+        <p14:creationId xmlns:p14="http://schemas.microsoft.com/office/powerpoint/2010/main" val="144322529"/>
+      </p:ext>
+    </p:extLst>
+  </p:cSld>
+  <p:clrMapOvr>
+    <a:masterClrMapping/>
+  </p:clrMapOvr>
+</p:sld>
+</file>
+
 <file path=ppt/slides/slide17.xml><?xml version="1.0" encoding="utf-8"?>
 <p:sld xmlns:a="http://schemas.openxmlformats.org/drawingml/2006/main" xmlns:r="http://schemas.openxmlformats.org/officeDocument/2006/relationships" xmlns:p="http://schemas.openxmlformats.org/presentationml/2006/main">
   <p:cSld>
@@ -5670,7 +5347,7 @@
           <a:p>
             <a:r>
               <a:rPr lang="en-US" altLang="zh-TW" dirty="0"/>
-              <a:t>Handover approaches</a:t>
+              <a:t>Handover approaches(cont’d)</a:t>
             </a:r>
             <a:endParaRPr lang="zh-TW" altLang="en-US" dirty="0"/>
           </a:p>
@@ -5694,19 +5371,17 @@
         </p:nvSpPr>
         <p:spPr>
           <a:xfrm>
-            <a:off x="838200" y="1531939"/>
-            <a:ext cx="10515600" cy="5030787"/>
+            <a:off x="838200" y="1587500"/>
+            <a:ext cx="10515600" cy="4351338"/>
           </a:xfrm>
         </p:spPr>
         <p:txBody>
-          <a:bodyPr>
-            <a:normAutofit fontScale="92500" lnSpcReduction="10000"/>
-          </a:bodyPr>
-          <a:lstStyle/>
-          <a:p>
-            <a:r>
-              <a:rPr lang="en-US" altLang="zh-TW" dirty="0"/>
-              <a:t>About passive handover:</a:t>
+          <a:bodyPr/>
+          <a:lstStyle/>
+          <a:p>
+            <a:r>
+              <a:rPr lang="en-US" altLang="zh-TW" dirty="0"/>
+              <a:t>About active handover :</a:t>
             </a:r>
           </a:p>
           <a:p>
@@ -5715,7 +5390,7 @@
           <a:p>
             <a:r>
               <a:rPr lang="en-US" altLang="zh-TW" dirty="0"/>
-              <a:t>A BLE connection is terminated naturally after the supervision timeout has timed out. Only then, the BLE peripheral attempts to set up a new connection by advertising its presence using BLE advertisements.</a:t>
+              <a:t>The BLE peripheral maintains an advertiser role at all times.</a:t>
             </a:r>
           </a:p>
           <a:p>
@@ -5724,16 +5399,7 @@
           <a:p>
             <a:r>
               <a:rPr lang="en-US" altLang="zh-TW" dirty="0"/>
-              <a:t>When using the passive handover approach, a connection to a new and better GW will only be established when the previous connection was completely broken, i.e. when no traffic could be sent during the supervision timeout range. </a:t>
-            </a:r>
-          </a:p>
-          <a:p>
-            <a:endParaRPr lang="en-US" altLang="zh-TW" dirty="0"/>
-          </a:p>
-          <a:p>
-            <a:r>
-              <a:rPr lang="en-US" altLang="zh-TW" dirty="0"/>
-              <a:t>As such, it might happen that a peripheral remains connected even when the link quality becomes very poor.</a:t>
+              <a:t>The IoT GWs use these periodic BLE advertisements to derive a Received Signal Strength Indicator (RSSI).</a:t>
             </a:r>
             <a:endParaRPr lang="zh-TW" altLang="en-US" dirty="0"/>
           </a:p>
@@ -5771,7 +5437,7 @@
     </p:spTree>
     <p:extLst>
       <p:ext uri="{BB962C8B-B14F-4D97-AF65-F5344CB8AC3E}">
-        <p14:creationId xmlns:p14="http://schemas.microsoft.com/office/powerpoint/2010/main" val="144322529"/>
+        <p14:creationId xmlns:p14="http://schemas.microsoft.com/office/powerpoint/2010/main" val="4015015826"/>
       </p:ext>
     </p:extLst>
   </p:cSld>
@@ -5855,7 +5521,7 @@
           <a:p>
             <a:r>
               <a:rPr lang="en-US" altLang="zh-TW" dirty="0"/>
-              <a:t>About active handover :</a:t>
+              <a:t>All collected RSSI values are forwarded to the controller. </a:t>
             </a:r>
           </a:p>
           <a:p>
@@ -5864,7 +5530,7 @@
           <a:p>
             <a:r>
               <a:rPr lang="en-US" altLang="zh-TW" dirty="0"/>
-              <a:t>The BLE peripheral maintains an advertiser role at all times.</a:t>
+              <a:t>The controller maintains a mapping table between the received RSSI values and the associated IoT GW and BLE peripheral. </a:t>
             </a:r>
           </a:p>
           <a:p>
@@ -5873,7 +5539,7 @@
           <a:p>
             <a:r>
               <a:rPr lang="en-US" altLang="zh-TW" dirty="0"/>
-              <a:t>The IoT GWs use these periodic BLE advertisements to derive a Received Signal Strength Indicator (RSSI).</a:t>
+              <a:t>Concurrently, this mapping table is used to monitor the current state of the BLE connections and decides whether a specific BLE peripheral should handover to another IoT GW.</a:t>
             </a:r>
             <a:endParaRPr lang="zh-TW" altLang="en-US" dirty="0"/>
           </a:p>
@@ -5911,7 +5577,7 @@
     </p:spTree>
     <p:extLst>
       <p:ext uri="{BB962C8B-B14F-4D97-AF65-F5344CB8AC3E}">
-        <p14:creationId xmlns:p14="http://schemas.microsoft.com/office/powerpoint/2010/main" val="4015015826"/>
+        <p14:creationId xmlns:p14="http://schemas.microsoft.com/office/powerpoint/2010/main" val="1372114980"/>
       </p:ext>
     </p:extLst>
   </p:cSld>
@@ -5990,12 +5656,14 @@
           </a:xfrm>
         </p:spPr>
         <p:txBody>
-          <a:bodyPr/>
-          <a:lstStyle/>
-          <a:p>
-            <a:r>
-              <a:rPr lang="en-US" altLang="zh-TW" dirty="0"/>
-              <a:t>All collected RSSI values are forwarded to the controller. </a:t>
+          <a:bodyPr>
+            <a:normAutofit fontScale="92500" lnSpcReduction="20000"/>
+          </a:bodyPr>
+          <a:lstStyle/>
+          <a:p>
+            <a:r>
+              <a:rPr lang="en-US" altLang="zh-TW" dirty="0"/>
+              <a:t>Such a handover decision is taken when two conditions are met: the connection to the current IoT GW is bad and a sufficiently good enough alternative IoT GW is available.</a:t>
             </a:r>
           </a:p>
           <a:p>
@@ -6004,7 +5672,7 @@
           <a:p>
             <a:r>
               <a:rPr lang="en-US" altLang="zh-TW" dirty="0"/>
-              <a:t>The controller maintains a mapping table between the received RSSI values and the associated IoT GW and BLE peripheral. </a:t>
+              <a:t>The connection can be considered bad once the RSSI exceeds a certain RSSI threshold, meaning that the peripheral is not too far from the GW for the connection to be lost, but far enough to be of insufficient quality.</a:t>
             </a:r>
           </a:p>
           <a:p>
@@ -6013,7 +5681,7 @@
           <a:p>
             <a:r>
               <a:rPr lang="en-US" altLang="zh-TW" dirty="0"/>
-              <a:t>Concurrently, this mapping table is used to monitor the current state of the BLE connections and decides whether a specific BLE peripheral should handover to another IoT GW.</a:t>
+              <a:t>Another GW can be considered a sufficient alternative, once its RSSI exceeds a certain threshold as well, indicating that the peripheral is actually close enough to that GW to establish a connection of sufficient quality. </a:t>
             </a:r>
             <a:endParaRPr lang="zh-TW" altLang="en-US" dirty="0"/>
           </a:p>
@@ -6051,7 +5719,7 @@
     </p:spTree>
     <p:extLst>
       <p:ext uri="{BB962C8B-B14F-4D97-AF65-F5344CB8AC3E}">
-        <p14:creationId xmlns:p14="http://schemas.microsoft.com/office/powerpoint/2010/main" val="1372114980"/>
+        <p14:creationId xmlns:p14="http://schemas.microsoft.com/office/powerpoint/2010/main" val="1833578096"/>
       </p:ext>
     </p:extLst>
   </p:cSld>
@@ -6291,13 +5959,13 @@
         </p:spPr>
         <p:txBody>
           <a:bodyPr>
-            <a:normAutofit fontScale="92500" lnSpcReduction="20000"/>
+            <a:normAutofit fontScale="92500" lnSpcReduction="10000"/>
           </a:bodyPr>
           <a:lstStyle/>
           <a:p>
             <a:r>
               <a:rPr lang="en-US" altLang="zh-TW" dirty="0"/>
-              <a:t>Such a handover decision is taken when two conditions are met: the connection to the current IoT GW is bad and a sufficiently good enough alternative IoT GW is available.</a:t>
+              <a:t>When a handover decision is made, a disconnect message is sent by the controller to the old IoT GW and a connect message to the alternative IoT GW. </a:t>
             </a:r>
           </a:p>
           <a:p>
@@ -6306,7 +5974,7 @@
           <a:p>
             <a:r>
               <a:rPr lang="en-US" altLang="zh-TW" dirty="0"/>
-              <a:t>The connection can be considered bad once the RSSI exceeds a certain RSSI threshold, meaning that the peripheral is not too far from the GW for the connection to be lost, but far enough to be of insufficient quality.</a:t>
+              <a:t>The old IoT GW forwards this request to the BLE peripheral and the peripheral immediately terminates the connection (independent of the supervision timeout). </a:t>
             </a:r>
           </a:p>
           <a:p>
@@ -6315,7 +5983,7 @@
           <a:p>
             <a:r>
               <a:rPr lang="en-US" altLang="zh-TW" dirty="0"/>
-              <a:t>Another GW can be considered a sufficient alternative, once its RSSI exceeds a certain threshold as well, indicating that the peripheral is actually close enough to that GW to establish a connection of sufficient quality. </a:t>
+              <a:t>Afterwards, the BLE advertisements can be answered with a connection request again, which is now done by the alternative gateway incited by the connect message.</a:t>
             </a:r>
             <a:endParaRPr lang="zh-TW" altLang="en-US" dirty="0"/>
           </a:p>
@@ -6353,7 +6021,7 @@
     </p:spTree>
     <p:extLst>
       <p:ext uri="{BB962C8B-B14F-4D97-AF65-F5344CB8AC3E}">
-        <p14:creationId xmlns:p14="http://schemas.microsoft.com/office/powerpoint/2010/main" val="1833578096"/>
+        <p14:creationId xmlns:p14="http://schemas.microsoft.com/office/powerpoint/2010/main" val="227173799"/>
       </p:ext>
     </p:extLst>
   </p:cSld>
@@ -6433,13 +6101,13 @@
         </p:spPr>
         <p:txBody>
           <a:bodyPr>
-            <a:normAutofit fontScale="92500" lnSpcReduction="10000"/>
+            <a:normAutofit/>
           </a:bodyPr>
           <a:lstStyle/>
           <a:p>
             <a:r>
               <a:rPr lang="en-US" altLang="zh-TW" dirty="0"/>
-              <a:t>When a handover decision is made, a disconnect message is sent by the controller to the old IoT GW and a connect message to the alternative IoT GW. </a:t>
+              <a:t>On top, when a BLE peripheral does not yet have a BLE connection with an IoT GW, the current best RSSI is can be used to find a suitable IoT GW and set up the connection. </a:t>
             </a:r>
           </a:p>
           <a:p>
@@ -6448,16 +6116,7 @@
           <a:p>
             <a:r>
               <a:rPr lang="en-US" altLang="zh-TW" dirty="0"/>
-              <a:t>The old IoT GW forwards this request to the BLE peripheral and the peripheral immediately terminates the connection (independent of the supervision timeout). </a:t>
-            </a:r>
-          </a:p>
-          <a:p>
-            <a:endParaRPr lang="en-US" altLang="zh-TW" dirty="0"/>
-          </a:p>
-          <a:p>
-            <a:r>
-              <a:rPr lang="en-US" altLang="zh-TW" dirty="0"/>
-              <a:t>Afterwards, the BLE advertisements can be answered with a connection request again, which is now done by the alternative gateway incited by the connect message.</a:t>
+              <a:t>When an IoT GW naturally loses a BLE connection, which can occur if no suitable alternative was available, or a BLE connection failed to be set up, the controller is also notified, such an event indicates that the BLE peripheral has moved out of range of the BLE-enabled infrastructure or the infrastructure contains a blind spot.</a:t>
             </a:r>
             <a:endParaRPr lang="zh-TW" altLang="en-US" dirty="0"/>
           </a:p>
@@ -6495,7 +6154,7 @@
     </p:spTree>
     <p:extLst>
       <p:ext uri="{BB962C8B-B14F-4D97-AF65-F5344CB8AC3E}">
-        <p14:creationId xmlns:p14="http://schemas.microsoft.com/office/powerpoint/2010/main" val="227173799"/>
+        <p14:creationId xmlns:p14="http://schemas.microsoft.com/office/powerpoint/2010/main" val="3385593956"/>
       </p:ext>
     </p:extLst>
   </p:cSld>
@@ -6527,7 +6186,7 @@
           <p:cNvPr id="2" name="標題 1">
             <a:extLst>
               <a:ext uri="{FF2B5EF4-FFF2-40B4-BE49-F238E27FC236}">
-                <a16:creationId xmlns:a16="http://schemas.microsoft.com/office/drawing/2014/main" id="{A695901F-B45F-471B-B1C2-E603D8500264}"/>
+                <a16:creationId xmlns:a16="http://schemas.microsoft.com/office/drawing/2014/main" id="{B93EF638-2849-41FC-9ED3-28D8E0CE969E}"/>
               </a:ext>
             </a:extLst>
           </p:cNvPr>
@@ -6545,7 +6204,7 @@
           <a:p>
             <a:r>
               <a:rPr lang="en-US" altLang="zh-TW" dirty="0"/>
-              <a:t>Handover approaches(cont’d)</a:t>
+              <a:t>Implementation details</a:t>
             </a:r>
             <a:endParaRPr lang="zh-TW" altLang="en-US" dirty="0"/>
           </a:p>
@@ -6556,7 +6215,7 @@
           <p:cNvPr id="3" name="內容版面配置區 2">
             <a:extLst>
               <a:ext uri="{FF2B5EF4-FFF2-40B4-BE49-F238E27FC236}">
-                <a16:creationId xmlns:a16="http://schemas.microsoft.com/office/drawing/2014/main" id="{FB2F8C4B-A1E5-42DA-B706-3134322A9E30}"/>
+                <a16:creationId xmlns:a16="http://schemas.microsoft.com/office/drawing/2014/main" id="{FE76078E-89DF-42BA-BFF0-0789F7A2DC49}"/>
               </a:ext>
             </a:extLst>
           </p:cNvPr>
@@ -6567,21 +6226,24 @@
             <p:ph idx="1"/>
           </p:nvPr>
         </p:nvSpPr>
-        <p:spPr>
-          <a:xfrm>
-            <a:off x="838200" y="1587500"/>
-            <a:ext cx="10515600" cy="4351338"/>
-          </a:xfrm>
-        </p:spPr>
+        <p:spPr/>
         <p:txBody>
           <a:bodyPr>
-            <a:normAutofit/>
+            <a:normAutofit fontScale="92500" lnSpcReduction="10000"/>
           </a:bodyPr>
           <a:lstStyle/>
           <a:p>
             <a:r>
               <a:rPr lang="en-US" altLang="zh-TW" dirty="0"/>
-              <a:t>On top, when a BLE peripheral does not yet have a BLE connection with an IoT GW, the current best RSSI is can be used to find a suitable IoT GW and set up the connection. </a:t>
+              <a:t>The BLE peripheral’s role is enacted using a nRF52840 board and the other roles(</a:t>
+            </a:r>
+            <a:r>
+              <a:rPr lang="en-US" altLang="zh-TW" dirty="0" err="1"/>
+              <a:t>GW,Controller</a:t>
+            </a:r>
+            <a:r>
+              <a:rPr lang="en-US" altLang="zh-TW" dirty="0"/>
+              <a:t>) are enacted using Raspberry PI’s.</a:t>
             </a:r>
           </a:p>
           <a:p>
@@ -6589,8 +6251,38 @@
           </a:p>
           <a:p>
             <a:r>
-              <a:rPr lang="en-US" altLang="zh-TW" dirty="0"/>
-              <a:t>When an IoT GW naturally loses a BLE connection, which can occur if no suitable alternative was available, or a BLE connection failed to be set up, the controller is also notified, such an event indicates that the BLE peripheral has moved out of range of the BLE-enabled infrastructure or the infrastructure contains a blind spot.</a:t>
+              <a:rPr lang="en-US" altLang="zh-TW" b="1" dirty="0"/>
+              <a:t>nRF52840</a:t>
+            </a:r>
+            <a:r>
+              <a:rPr lang="en-US" altLang="zh-TW" dirty="0"/>
+              <a:t> board is capable of implementing a complete BLE v5.0 supported stack as well as the IPv6 over BLE stack adjustment.</a:t>
+            </a:r>
+          </a:p>
+          <a:p>
+            <a:endParaRPr lang="en-US" altLang="zh-TW" dirty="0"/>
+          </a:p>
+          <a:p>
+            <a:r>
+              <a:rPr lang="en-US" altLang="zh-TW" dirty="0"/>
+              <a:t>Use official Linux Bluetooth protocol stack(</a:t>
+            </a:r>
+            <a:r>
+              <a:rPr lang="en-US" altLang="zh-TW" dirty="0" err="1"/>
+              <a:t>BLueZ</a:t>
+            </a:r>
+            <a:r>
+              <a:rPr lang="en-US" altLang="zh-TW" dirty="0"/>
+              <a:t>) on Raspberry Pi.</a:t>
+            </a:r>
+          </a:p>
+          <a:p>
+            <a:endParaRPr lang="en-US" altLang="zh-TW" dirty="0"/>
+          </a:p>
+          <a:p>
+            <a:r>
+              <a:rPr lang="en-US" altLang="zh-TW" dirty="0"/>
+              <a:t>To emulate a mobile BLE peripheral performing a handover from one gateway to another gateway, in a controller manner, a manual attenuator is used.</a:t>
             </a:r>
             <a:endParaRPr lang="zh-TW" altLang="en-US" dirty="0"/>
           </a:p>
@@ -6601,7 +6293,7 @@
           <p:cNvPr id="4" name="投影片編號版面配置區 3">
             <a:extLst>
               <a:ext uri="{FF2B5EF4-FFF2-40B4-BE49-F238E27FC236}">
-                <a16:creationId xmlns:a16="http://schemas.microsoft.com/office/drawing/2014/main" id="{D343627B-A794-4656-8F31-A526720248C0}"/>
+                <a16:creationId xmlns:a16="http://schemas.microsoft.com/office/drawing/2014/main" id="{AD1B4B23-F0A7-40BA-987D-16C4CCB324A1}"/>
               </a:ext>
             </a:extLst>
           </p:cNvPr>
@@ -6628,7 +6320,7 @@
     </p:spTree>
     <p:extLst>
       <p:ext uri="{BB962C8B-B14F-4D97-AF65-F5344CB8AC3E}">
-        <p14:creationId xmlns:p14="http://schemas.microsoft.com/office/powerpoint/2010/main" val="3385593956"/>
+        <p14:creationId xmlns:p14="http://schemas.microsoft.com/office/powerpoint/2010/main" val="664417199"/>
       </p:ext>
     </p:extLst>
   </p:cSld>
@@ -6660,7 +6352,7 @@
           <p:cNvPr id="2" name="標題 1">
             <a:extLst>
               <a:ext uri="{FF2B5EF4-FFF2-40B4-BE49-F238E27FC236}">
-                <a16:creationId xmlns:a16="http://schemas.microsoft.com/office/drawing/2014/main" id="{B93EF638-2849-41FC-9ED3-28D8E0CE969E}"/>
+                <a16:creationId xmlns:a16="http://schemas.microsoft.com/office/drawing/2014/main" id="{B395D8BB-EDB2-42F3-9D92-4E6E7DCBB06A}"/>
               </a:ext>
             </a:extLst>
           </p:cNvPr>
@@ -6678,7 +6370,7 @@
           <a:p>
             <a:r>
               <a:rPr lang="en-US" altLang="zh-TW" dirty="0"/>
-              <a:t>Implementation details</a:t>
+              <a:t>Evaluation</a:t>
             </a:r>
             <a:endParaRPr lang="zh-TW" altLang="en-US" dirty="0"/>
           </a:p>
@@ -6689,7 +6381,7 @@
           <p:cNvPr id="3" name="內容版面配置區 2">
             <a:extLst>
               <a:ext uri="{FF2B5EF4-FFF2-40B4-BE49-F238E27FC236}">
-                <a16:creationId xmlns:a16="http://schemas.microsoft.com/office/drawing/2014/main" id="{FE76078E-89DF-42BA-BFF0-0789F7A2DC49}"/>
+                <a16:creationId xmlns:a16="http://schemas.microsoft.com/office/drawing/2014/main" id="{C1C16457-135B-42D6-BD5B-8AF9CCC2689E}"/>
               </a:ext>
             </a:extLst>
           </p:cNvPr>
@@ -6702,62 +6394,18 @@
         </p:nvSpPr>
         <p:spPr/>
         <p:txBody>
-          <a:bodyPr>
-            <a:normAutofit fontScale="92500" lnSpcReduction="10000"/>
-          </a:bodyPr>
-          <a:lstStyle/>
-          <a:p>
-            <a:r>
-              <a:rPr lang="en-US" altLang="zh-TW" dirty="0"/>
-              <a:t>The BLE peripheral’s role is enacted using a nRF52840 board and the other roles(</a:t>
-            </a:r>
-            <a:r>
-              <a:rPr lang="en-US" altLang="zh-TW" dirty="0" err="1"/>
-              <a:t>GW,Controller</a:t>
-            </a:r>
-            <a:r>
-              <a:rPr lang="en-US" altLang="zh-TW" dirty="0"/>
-              <a:t>) are enacted using Raspberry PI’s.</a:t>
+          <a:bodyPr/>
+          <a:lstStyle/>
+          <a:p>
+            <a:r>
+              <a:rPr lang="en-US" altLang="zh-TW" dirty="0"/>
+              <a:t>The performance of the handover process is predominantly impacted by two steps: disconnecting from the current GW and setting up a connection with the alternative GW.</a:t>
             </a:r>
           </a:p>
           <a:p>
             <a:endParaRPr lang="en-US" altLang="zh-TW" dirty="0"/>
           </a:p>
           <a:p>
-            <a:r>
-              <a:rPr lang="en-US" altLang="zh-TW" b="1" dirty="0"/>
-              <a:t>nRF52840</a:t>
-            </a:r>
-            <a:r>
-              <a:rPr lang="en-US" altLang="zh-TW" dirty="0"/>
-              <a:t> board is capable of implementing a complete BLE v5.0 supported stack as well as the IPv6 over BLE stack adjustment.</a:t>
-            </a:r>
-          </a:p>
-          <a:p>
-            <a:endParaRPr lang="en-US" altLang="zh-TW" dirty="0"/>
-          </a:p>
-          <a:p>
-            <a:r>
-              <a:rPr lang="en-US" altLang="zh-TW" dirty="0"/>
-              <a:t>Use official Linux Bluetooth protocol stack(</a:t>
-            </a:r>
-            <a:r>
-              <a:rPr lang="en-US" altLang="zh-TW" dirty="0" err="1"/>
-              <a:t>BLueZ</a:t>
-            </a:r>
-            <a:r>
-              <a:rPr lang="en-US" altLang="zh-TW" dirty="0"/>
-              <a:t>) on Raspberry Pi.</a:t>
-            </a:r>
-          </a:p>
-          <a:p>
-            <a:endParaRPr lang="en-US" altLang="zh-TW" dirty="0"/>
-          </a:p>
-          <a:p>
-            <a:r>
-              <a:rPr lang="en-US" altLang="zh-TW" dirty="0"/>
-              <a:t>To emulate a mobile BLE peripheral performing a handover from one gateway to another gateway, in a controller manner, a manual attenuator is used.</a:t>
-            </a:r>
             <a:endParaRPr lang="zh-TW" altLang="en-US" dirty="0"/>
           </a:p>
         </p:txBody>
@@ -6767,7 +6415,7 @@
           <p:cNvPr id="4" name="投影片編號版面配置區 3">
             <a:extLst>
               <a:ext uri="{FF2B5EF4-FFF2-40B4-BE49-F238E27FC236}">
-                <a16:creationId xmlns:a16="http://schemas.microsoft.com/office/drawing/2014/main" id="{AD1B4B23-F0A7-40BA-987D-16C4CCB324A1}"/>
+                <a16:creationId xmlns:a16="http://schemas.microsoft.com/office/drawing/2014/main" id="{2E50D0C3-38B0-420B-AA42-A979EDC25DED}"/>
               </a:ext>
             </a:extLst>
           </p:cNvPr>
@@ -6786,128 +6434,6 @@
             <a:fld id="{50029C49-A5A9-4A95-8BF0-94F73808DB5F}" type="slidenum">
               <a:rPr lang="zh-TW" altLang="en-US" smtClean="0"/>
               <a:t>23</a:t>
-            </a:fld>
-            <a:endParaRPr lang="zh-TW" altLang="en-US"/>
-          </a:p>
-        </p:txBody>
-      </p:sp>
-    </p:spTree>
-    <p:extLst>
-      <p:ext uri="{BB962C8B-B14F-4D97-AF65-F5344CB8AC3E}">
-        <p14:creationId xmlns:p14="http://schemas.microsoft.com/office/powerpoint/2010/main" val="664417199"/>
-      </p:ext>
-    </p:extLst>
-  </p:cSld>
-  <p:clrMapOvr>
-    <a:masterClrMapping/>
-  </p:clrMapOvr>
-</p:sld>
-</file>
-
-<file path=ppt/slides/slide24.xml><?xml version="1.0" encoding="utf-8"?>
-<p:sld xmlns:a="http://schemas.openxmlformats.org/drawingml/2006/main" xmlns:r="http://schemas.openxmlformats.org/officeDocument/2006/relationships" xmlns:p="http://schemas.openxmlformats.org/presentationml/2006/main">
-  <p:cSld>
-    <p:spTree>
-      <p:nvGrpSpPr>
-        <p:cNvPr id="1" name=""/>
-        <p:cNvGrpSpPr/>
-        <p:nvPr/>
-      </p:nvGrpSpPr>
-      <p:grpSpPr>
-        <a:xfrm>
-          <a:off x="0" y="0"/>
-          <a:ext cx="0" cy="0"/>
-          <a:chOff x="0" y="0"/>
-          <a:chExt cx="0" cy="0"/>
-        </a:xfrm>
-      </p:grpSpPr>
-      <p:sp>
-        <p:nvSpPr>
-          <p:cNvPr id="2" name="標題 1">
-            <a:extLst>
-              <a:ext uri="{FF2B5EF4-FFF2-40B4-BE49-F238E27FC236}">
-                <a16:creationId xmlns:a16="http://schemas.microsoft.com/office/drawing/2014/main" id="{B395D8BB-EDB2-42F3-9D92-4E6E7DCBB06A}"/>
-              </a:ext>
-            </a:extLst>
-          </p:cNvPr>
-          <p:cNvSpPr>
-            <a:spLocks noGrp="1"/>
-          </p:cNvSpPr>
-          <p:nvPr>
-            <p:ph type="title"/>
-          </p:nvPr>
-        </p:nvSpPr>
-        <p:spPr/>
-        <p:txBody>
-          <a:bodyPr/>
-          <a:lstStyle/>
-          <a:p>
-            <a:r>
-              <a:rPr lang="en-US" altLang="zh-TW" dirty="0"/>
-              <a:t>Evaluation</a:t>
-            </a:r>
-            <a:endParaRPr lang="zh-TW" altLang="en-US" dirty="0"/>
-          </a:p>
-        </p:txBody>
-      </p:sp>
-      <p:sp>
-        <p:nvSpPr>
-          <p:cNvPr id="3" name="內容版面配置區 2">
-            <a:extLst>
-              <a:ext uri="{FF2B5EF4-FFF2-40B4-BE49-F238E27FC236}">
-                <a16:creationId xmlns:a16="http://schemas.microsoft.com/office/drawing/2014/main" id="{C1C16457-135B-42D6-BD5B-8AF9CCC2689E}"/>
-              </a:ext>
-            </a:extLst>
-          </p:cNvPr>
-          <p:cNvSpPr>
-            <a:spLocks noGrp="1"/>
-          </p:cNvSpPr>
-          <p:nvPr>
-            <p:ph idx="1"/>
-          </p:nvPr>
-        </p:nvSpPr>
-        <p:spPr/>
-        <p:txBody>
-          <a:bodyPr/>
-          <a:lstStyle/>
-          <a:p>
-            <a:r>
-              <a:rPr lang="en-US" altLang="zh-TW" dirty="0"/>
-              <a:t>The performance of the handover process is predominantly impacted by two steps: disconnecting from the current GW and setting up a connection with the alternative GW.</a:t>
-            </a:r>
-          </a:p>
-          <a:p>
-            <a:endParaRPr lang="en-US" altLang="zh-TW" dirty="0"/>
-          </a:p>
-          <a:p>
-            <a:endParaRPr lang="zh-TW" altLang="en-US" dirty="0"/>
-          </a:p>
-        </p:txBody>
-      </p:sp>
-      <p:sp>
-        <p:nvSpPr>
-          <p:cNvPr id="4" name="投影片編號版面配置區 3">
-            <a:extLst>
-              <a:ext uri="{FF2B5EF4-FFF2-40B4-BE49-F238E27FC236}">
-                <a16:creationId xmlns:a16="http://schemas.microsoft.com/office/drawing/2014/main" id="{2E50D0C3-38B0-420B-AA42-A979EDC25DED}"/>
-              </a:ext>
-            </a:extLst>
-          </p:cNvPr>
-          <p:cNvSpPr>
-            <a:spLocks noGrp="1"/>
-          </p:cNvSpPr>
-          <p:nvPr>
-            <p:ph type="sldNum" sz="quarter" idx="12"/>
-          </p:nvPr>
-        </p:nvSpPr>
-        <p:spPr/>
-        <p:txBody>
-          <a:bodyPr/>
-          <a:lstStyle/>
-          <a:p>
-            <a:fld id="{50029C49-A5A9-4A95-8BF0-94F73808DB5F}" type="slidenum">
-              <a:rPr lang="zh-TW" altLang="en-US" smtClean="0"/>
-              <a:t>24</a:t>
             </a:fld>
             <a:endParaRPr lang="zh-TW" altLang="en-US"/>
           </a:p>
@@ -6926,7 +6452,7 @@
 </p:sld>
 </file>
 
-<file path=ppt/slides/slide25.xml><?xml version="1.0" encoding="utf-8"?>
+<file path=ppt/slides/slide24.xml><?xml version="1.0" encoding="utf-8"?>
 <p:sld xmlns:a="http://schemas.openxmlformats.org/drawingml/2006/main" xmlns:r="http://schemas.openxmlformats.org/officeDocument/2006/relationships" xmlns:p="http://schemas.openxmlformats.org/presentationml/2006/main">
   <p:cSld>
     <p:spTree>
@@ -7164,7 +6690,7 @@
           <a:p>
             <a:fld id="{50029C49-A5A9-4A95-8BF0-94F73808DB5F}" type="slidenum">
               <a:rPr lang="zh-TW" altLang="en-US" smtClean="0"/>
-              <a:t>25</a:t>
+              <a:t>24</a:t>
             </a:fld>
             <a:endParaRPr lang="zh-TW" altLang="en-US" dirty="0"/>
           </a:p>
@@ -7174,6 +6700,142 @@
     <p:extLst>
       <p:ext uri="{BB962C8B-B14F-4D97-AF65-F5344CB8AC3E}">
         <p14:creationId xmlns:p14="http://schemas.microsoft.com/office/powerpoint/2010/main" val="625403940"/>
+      </p:ext>
+    </p:extLst>
+  </p:cSld>
+  <p:clrMapOvr>
+    <a:masterClrMapping/>
+  </p:clrMapOvr>
+</p:sld>
+</file>
+
+<file path=ppt/slides/slide25.xml><?xml version="1.0" encoding="utf-8"?>
+<p:sld xmlns:a="http://schemas.openxmlformats.org/drawingml/2006/main" xmlns:r="http://schemas.openxmlformats.org/officeDocument/2006/relationships" xmlns:p="http://schemas.openxmlformats.org/presentationml/2006/main">
+  <p:cSld>
+    <p:spTree>
+      <p:nvGrpSpPr>
+        <p:cNvPr id="1" name=""/>
+        <p:cNvGrpSpPr/>
+        <p:nvPr/>
+      </p:nvGrpSpPr>
+      <p:grpSpPr>
+        <a:xfrm>
+          <a:off x="0" y="0"/>
+          <a:ext cx="0" cy="0"/>
+          <a:chOff x="0" y="0"/>
+          <a:chExt cx="0" cy="0"/>
+        </a:xfrm>
+      </p:grpSpPr>
+      <p:sp>
+        <p:nvSpPr>
+          <p:cNvPr id="2" name="標題 1">
+            <a:extLst>
+              <a:ext uri="{FF2B5EF4-FFF2-40B4-BE49-F238E27FC236}">
+                <a16:creationId xmlns:a16="http://schemas.microsoft.com/office/drawing/2014/main" id="{B395D8BB-EDB2-42F3-9D92-4E6E7DCBB06A}"/>
+              </a:ext>
+            </a:extLst>
+          </p:cNvPr>
+          <p:cNvSpPr>
+            <a:spLocks noGrp="1"/>
+          </p:cNvSpPr>
+          <p:nvPr>
+            <p:ph type="title"/>
+          </p:nvPr>
+        </p:nvSpPr>
+        <p:spPr/>
+        <p:txBody>
+          <a:bodyPr/>
+          <a:lstStyle/>
+          <a:p>
+            <a:r>
+              <a:rPr lang="en-US" altLang="zh-TW" dirty="0"/>
+              <a:t>Evaluation : passive handover(cont’d) </a:t>
+            </a:r>
+            <a:endParaRPr lang="zh-TW" altLang="en-US" dirty="0"/>
+          </a:p>
+        </p:txBody>
+      </p:sp>
+      <p:sp>
+        <p:nvSpPr>
+          <p:cNvPr id="3" name="內容版面配置區 2">
+            <a:extLst>
+              <a:ext uri="{FF2B5EF4-FFF2-40B4-BE49-F238E27FC236}">
+                <a16:creationId xmlns:a16="http://schemas.microsoft.com/office/drawing/2014/main" id="{C1C16457-135B-42D6-BD5B-8AF9CCC2689E}"/>
+              </a:ext>
+            </a:extLst>
+          </p:cNvPr>
+          <p:cNvSpPr>
+            <a:spLocks noGrp="1"/>
+          </p:cNvSpPr>
+          <p:nvPr>
+            <p:ph idx="1"/>
+          </p:nvPr>
+        </p:nvSpPr>
+        <p:spPr/>
+        <p:txBody>
+          <a:bodyPr>
+            <a:normAutofit lnSpcReduction="10000"/>
+          </a:bodyPr>
+          <a:lstStyle/>
+          <a:p>
+            <a:r>
+              <a:rPr lang="en-US" altLang="zh-TW" dirty="0"/>
+              <a:t>About setting up a connection with the alternative GW</a:t>
+            </a:r>
+          </a:p>
+          <a:p>
+            <a:endParaRPr lang="en-US" altLang="zh-TW" dirty="0"/>
+          </a:p>
+          <a:p>
+            <a:r>
+              <a:rPr lang="en-US" altLang="zh-TW" dirty="0"/>
+              <a:t>Once the BLE peripheral’s supervision timeout has timed out, it transitions back to the advertising state, broadcasting connectable advertisements at a certain advertising interval.</a:t>
+            </a:r>
+          </a:p>
+          <a:p>
+            <a:endParaRPr lang="en-US" altLang="zh-TW" dirty="0"/>
+          </a:p>
+          <a:p>
+            <a:r>
+              <a:rPr lang="en-US" altLang="zh-TW" dirty="0"/>
+              <a:t>A GW that is not in a connection or still has room for another BLE connection, is in the initiating state and attempts to set up a connection upon receiving the connectable advertisements from the BLE peripheral.</a:t>
+            </a:r>
+          </a:p>
+        </p:txBody>
+      </p:sp>
+      <p:sp>
+        <p:nvSpPr>
+          <p:cNvPr id="9" name="投影片編號版面配置區 8">
+            <a:extLst>
+              <a:ext uri="{FF2B5EF4-FFF2-40B4-BE49-F238E27FC236}">
+                <a16:creationId xmlns:a16="http://schemas.microsoft.com/office/drawing/2014/main" id="{4F567620-92F9-4E3B-8423-A474721BEFEF}"/>
+              </a:ext>
+            </a:extLst>
+          </p:cNvPr>
+          <p:cNvSpPr>
+            <a:spLocks noGrp="1"/>
+          </p:cNvSpPr>
+          <p:nvPr>
+            <p:ph type="sldNum" sz="quarter" idx="12"/>
+          </p:nvPr>
+        </p:nvSpPr>
+        <p:spPr/>
+        <p:txBody>
+          <a:bodyPr/>
+          <a:lstStyle/>
+          <a:p>
+            <a:fld id="{50029C49-A5A9-4A95-8BF0-94F73808DB5F}" type="slidenum">
+              <a:rPr lang="zh-TW" altLang="en-US" smtClean="0"/>
+              <a:t>25</a:t>
+            </a:fld>
+            <a:endParaRPr lang="zh-TW" altLang="en-US" dirty="0"/>
+          </a:p>
+        </p:txBody>
+      </p:sp>
+    </p:spTree>
+    <p:extLst>
+      <p:ext uri="{BB962C8B-B14F-4D97-AF65-F5344CB8AC3E}">
+        <p14:creationId xmlns:p14="http://schemas.microsoft.com/office/powerpoint/2010/main" val="2107489994"/>
       </p:ext>
     </p:extLst>
   </p:cSld>
@@ -7254,7 +6916,7 @@
           <a:p>
             <a:r>
               <a:rPr lang="en-US" altLang="zh-TW" dirty="0"/>
-              <a:t>About setting up a connection with the alternative GW</a:t>
+              <a:t>About BLE parameter combinations</a:t>
             </a:r>
           </a:p>
           <a:p>
@@ -7263,7 +6925,7 @@
           <a:p>
             <a:r>
               <a:rPr lang="en-US" altLang="zh-TW" dirty="0"/>
-              <a:t>Once the BLE peripheral’s supervision timeout has timed out, it transitions back to the advertising state, broadcasting connectable advertisements at a certain advertising interval.</a:t>
+              <a:t>The advertising interval should be smaller or equal to the scan window, because otherwise it cannot be guaranteed that the GW will be able to receive a connectable advertisement in an acceptable time window.</a:t>
             </a:r>
           </a:p>
           <a:p>
@@ -7272,8 +6934,20 @@
           <a:p>
             <a:r>
               <a:rPr lang="en-US" altLang="zh-TW" dirty="0"/>
-              <a:t>A GW that is not in a connection or still has room for another BLE connection, is in the initiating state and attempts to set up a connection upon receiving the connectable advertisements from the BLE peripheral.</a:t>
-            </a:r>
+              <a:t>A higher scan duty cycle ( scan window/scan interval ) has a positive impact on the handover latency but a negative impact on the energy consumption of the GW. </a:t>
+            </a:r>
+          </a:p>
+          <a:p>
+            <a:endParaRPr lang="en-US" altLang="zh-TW" dirty="0"/>
+          </a:p>
+          <a:p>
+            <a:endParaRPr lang="en-US" altLang="zh-TW" dirty="0"/>
+          </a:p>
+          <a:p>
+            <a:endParaRPr lang="en-US" altLang="zh-TW" dirty="0"/>
+          </a:p>
+          <a:p>
+            <a:endParaRPr lang="en-US" altLang="zh-TW" dirty="0"/>
           </a:p>
         </p:txBody>
       </p:sp>
@@ -7309,7 +6983,7 @@
     </p:spTree>
     <p:extLst>
       <p:ext uri="{BB962C8B-B14F-4D97-AF65-F5344CB8AC3E}">
-        <p14:creationId xmlns:p14="http://schemas.microsoft.com/office/powerpoint/2010/main" val="2107489994"/>
+        <p14:creationId xmlns:p14="http://schemas.microsoft.com/office/powerpoint/2010/main" val="51591730"/>
       </p:ext>
     </p:extLst>
   </p:cSld>
@@ -7383,54 +7057,19 @@
         </p:nvSpPr>
         <p:spPr/>
         <p:txBody>
-          <a:bodyPr>
-            <a:normAutofit lnSpcReduction="10000"/>
-          </a:bodyPr>
-          <a:lstStyle/>
-          <a:p>
-            <a:r>
-              <a:rPr lang="en-US" altLang="zh-TW" dirty="0"/>
-              <a:t>About BLE parameter combinations</a:t>
-            </a:r>
-          </a:p>
+          <a:bodyPr/>
+          <a:lstStyle/>
           <a:p>
             <a:endParaRPr lang="en-US" altLang="zh-TW" dirty="0"/>
           </a:p>
-          <a:p>
-            <a:r>
-              <a:rPr lang="en-US" altLang="zh-TW" dirty="0"/>
-              <a:t>The advertising interval should be smaller or equal to the scan window, because otherwise it cannot be guaranteed that the GW will be able to receive a connectable advertisement in an acceptable time window.</a:t>
-            </a:r>
-          </a:p>
-          <a:p>
-            <a:endParaRPr lang="en-US" altLang="zh-TW" dirty="0"/>
-          </a:p>
-          <a:p>
-            <a:r>
-              <a:rPr lang="en-US" altLang="zh-TW" dirty="0"/>
-              <a:t>A higher scan duty cycle ( scan window/scan interval ) has a positive impact on the handover latency but a negative impact on the energy consumption of the GW. </a:t>
-            </a:r>
-          </a:p>
-          <a:p>
-            <a:endParaRPr lang="en-US" altLang="zh-TW" dirty="0"/>
-          </a:p>
-          <a:p>
-            <a:endParaRPr lang="en-US" altLang="zh-TW" dirty="0"/>
-          </a:p>
-          <a:p>
-            <a:endParaRPr lang="en-US" altLang="zh-TW" dirty="0"/>
-          </a:p>
-          <a:p>
-            <a:endParaRPr lang="en-US" altLang="zh-TW" dirty="0"/>
-          </a:p>
-        </p:txBody>
-      </p:sp>
-      <p:sp>
-        <p:nvSpPr>
-          <p:cNvPr id="9" name="投影片編號版面配置區 8">
-            <a:extLst>
-              <a:ext uri="{FF2B5EF4-FFF2-40B4-BE49-F238E27FC236}">
-                <a16:creationId xmlns:a16="http://schemas.microsoft.com/office/drawing/2014/main" id="{4F567620-92F9-4E3B-8423-A474721BEFEF}"/>
+        </p:txBody>
+      </p:sp>
+      <p:sp>
+        <p:nvSpPr>
+          <p:cNvPr id="4" name="投影片編號版面配置區 3">
+            <a:extLst>
+              <a:ext uri="{FF2B5EF4-FFF2-40B4-BE49-F238E27FC236}">
+                <a16:creationId xmlns:a16="http://schemas.microsoft.com/office/drawing/2014/main" id="{AE7598D7-FEA4-44A6-B1B0-EA2D845DC0D7}"/>
               </a:ext>
             </a:extLst>
           </p:cNvPr>
@@ -7450,91 +7089,7 @@
               <a:rPr lang="zh-TW" altLang="en-US" smtClean="0"/>
               <a:t>27</a:t>
             </a:fld>
-            <a:endParaRPr lang="zh-TW" altLang="en-US" dirty="0"/>
-          </a:p>
-        </p:txBody>
-      </p:sp>
-    </p:spTree>
-    <p:extLst>
-      <p:ext uri="{BB962C8B-B14F-4D97-AF65-F5344CB8AC3E}">
-        <p14:creationId xmlns:p14="http://schemas.microsoft.com/office/powerpoint/2010/main" val="51591730"/>
-      </p:ext>
-    </p:extLst>
-  </p:cSld>
-  <p:clrMapOvr>
-    <a:masterClrMapping/>
-  </p:clrMapOvr>
-</p:sld>
-</file>
-
-<file path=ppt/slides/slide28.xml><?xml version="1.0" encoding="utf-8"?>
-<p:sld xmlns:a="http://schemas.openxmlformats.org/drawingml/2006/main" xmlns:r="http://schemas.openxmlformats.org/officeDocument/2006/relationships" xmlns:p="http://schemas.openxmlformats.org/presentationml/2006/main">
-  <p:cSld>
-    <p:spTree>
-      <p:nvGrpSpPr>
-        <p:cNvPr id="1" name=""/>
-        <p:cNvGrpSpPr/>
-        <p:nvPr/>
-      </p:nvGrpSpPr>
-      <p:grpSpPr>
-        <a:xfrm>
-          <a:off x="0" y="0"/>
-          <a:ext cx="0" cy="0"/>
-          <a:chOff x="0" y="0"/>
-          <a:chExt cx="0" cy="0"/>
-        </a:xfrm>
-      </p:grpSpPr>
-      <p:sp>
-        <p:nvSpPr>
-          <p:cNvPr id="2" name="標題 1">
-            <a:extLst>
-              <a:ext uri="{FF2B5EF4-FFF2-40B4-BE49-F238E27FC236}">
-                <a16:creationId xmlns:a16="http://schemas.microsoft.com/office/drawing/2014/main" id="{B395D8BB-EDB2-42F3-9D92-4E6E7DCBB06A}"/>
-              </a:ext>
-            </a:extLst>
-          </p:cNvPr>
-          <p:cNvSpPr>
-            <a:spLocks noGrp="1"/>
-          </p:cNvSpPr>
-          <p:nvPr>
-            <p:ph type="title"/>
-          </p:nvPr>
-        </p:nvSpPr>
-        <p:spPr/>
-        <p:txBody>
-          <a:bodyPr/>
-          <a:lstStyle/>
-          <a:p>
-            <a:r>
-              <a:rPr lang="en-US" altLang="zh-TW" dirty="0"/>
-              <a:t>Evaluation : passive handover(cont’d) </a:t>
-            </a:r>
-            <a:endParaRPr lang="zh-TW" altLang="en-US" dirty="0"/>
-          </a:p>
-        </p:txBody>
-      </p:sp>
-      <p:sp>
-        <p:nvSpPr>
-          <p:cNvPr id="3" name="內容版面配置區 2">
-            <a:extLst>
-              <a:ext uri="{FF2B5EF4-FFF2-40B4-BE49-F238E27FC236}">
-                <a16:creationId xmlns:a16="http://schemas.microsoft.com/office/drawing/2014/main" id="{C1C16457-135B-42D6-BD5B-8AF9CCC2689E}"/>
-              </a:ext>
-            </a:extLst>
-          </p:cNvPr>
-          <p:cNvSpPr>
-            <a:spLocks noGrp="1"/>
-          </p:cNvSpPr>
-          <p:nvPr>
-            <p:ph idx="1"/>
-          </p:nvPr>
-        </p:nvSpPr>
-        <p:spPr/>
-        <p:txBody>
-          <a:bodyPr/>
-          <a:lstStyle/>
-          <a:p>
-            <a:endParaRPr lang="en-US" altLang="zh-TW" dirty="0"/>
+            <a:endParaRPr lang="zh-TW" altLang="en-US"/>
           </a:p>
         </p:txBody>
       </p:sp>
@@ -7672,35 +7227,6 @@
           </a:p>
         </p:txBody>
       </p:sp>
-      <p:sp>
-        <p:nvSpPr>
-          <p:cNvPr id="4" name="投影片編號版面配置區 3">
-            <a:extLst>
-              <a:ext uri="{FF2B5EF4-FFF2-40B4-BE49-F238E27FC236}">
-                <a16:creationId xmlns:a16="http://schemas.microsoft.com/office/drawing/2014/main" id="{AE7598D7-FEA4-44A6-B1B0-EA2D845DC0D7}"/>
-              </a:ext>
-            </a:extLst>
-          </p:cNvPr>
-          <p:cNvSpPr>
-            <a:spLocks noGrp="1"/>
-          </p:cNvSpPr>
-          <p:nvPr>
-            <p:ph type="sldNum" sz="quarter" idx="12"/>
-          </p:nvPr>
-        </p:nvSpPr>
-        <p:spPr/>
-        <p:txBody>
-          <a:bodyPr/>
-          <a:lstStyle/>
-          <a:p>
-            <a:fld id="{50029C49-A5A9-4A95-8BF0-94F73808DB5F}" type="slidenum">
-              <a:rPr lang="zh-TW" altLang="en-US" smtClean="0"/>
-              <a:t>28</a:t>
-            </a:fld>
-            <a:endParaRPr lang="zh-TW" altLang="en-US"/>
-          </a:p>
-        </p:txBody>
-      </p:sp>
     </p:spTree>
     <p:extLst>
       <p:ext uri="{BB962C8B-B14F-4D97-AF65-F5344CB8AC3E}">
@@ -7714,7 +7240,7 @@
 </p:sld>
 </file>
 
-<file path=ppt/slides/slide29.xml><?xml version="1.0" encoding="utf-8"?>
+<file path=ppt/slides/slide28.xml><?xml version="1.0" encoding="utf-8"?>
 <p:sld xmlns:a="http://schemas.openxmlformats.org/drawingml/2006/main" xmlns:r="http://schemas.openxmlformats.org/officeDocument/2006/relationships" xmlns:p="http://schemas.openxmlformats.org/presentationml/2006/main">
   <p:cSld>
     <p:spTree>
@@ -7753,8 +7279,8 @@
         </p:blipFill>
         <p:spPr>
           <a:xfrm>
-            <a:off x="1552575" y="700953"/>
-            <a:ext cx="10639425" cy="6315075"/>
+            <a:off x="170872" y="0"/>
+            <a:ext cx="11850255" cy="7033768"/>
           </a:xfrm>
           <a:prstGeom prst="rect">
             <a:avLst/>
@@ -7763,35 +7289,6 @@
       </p:pic>
       <p:sp>
         <p:nvSpPr>
-          <p:cNvPr id="2" name="標題 1">
-            <a:extLst>
-              <a:ext uri="{FF2B5EF4-FFF2-40B4-BE49-F238E27FC236}">
-                <a16:creationId xmlns:a16="http://schemas.microsoft.com/office/drawing/2014/main" id="{B395D8BB-EDB2-42F3-9D92-4E6E7DCBB06A}"/>
-              </a:ext>
-            </a:extLst>
-          </p:cNvPr>
-          <p:cNvSpPr>
-            <a:spLocks noGrp="1"/>
-          </p:cNvSpPr>
-          <p:nvPr>
-            <p:ph type="title"/>
-          </p:nvPr>
-        </p:nvSpPr>
-        <p:spPr/>
-        <p:txBody>
-          <a:bodyPr/>
-          <a:lstStyle/>
-          <a:p>
-            <a:r>
-              <a:rPr lang="en-US" altLang="zh-TW" dirty="0"/>
-              <a:t>Evaluation : passive handover(cont’d) </a:t>
-            </a:r>
-            <a:endParaRPr lang="zh-TW" altLang="en-US" dirty="0"/>
-          </a:p>
-        </p:txBody>
-      </p:sp>
-      <p:sp>
-        <p:nvSpPr>
           <p:cNvPr id="9" name="投影片編號版面配置區 8">
             <a:extLst>
               <a:ext uri="{FF2B5EF4-FFF2-40B4-BE49-F238E27FC236}">
@@ -7813,7 +7310,7 @@
           <a:p>
             <a:fld id="{50029C49-A5A9-4A95-8BF0-94F73808DB5F}" type="slidenum">
               <a:rPr lang="zh-TW" altLang="en-US" smtClean="0"/>
-              <a:t>29</a:t>
+              <a:t>28</a:t>
             </a:fld>
             <a:endParaRPr lang="zh-TW" altLang="en-US" dirty="0"/>
           </a:p>
@@ -7833,8 +7330,8 @@
         </p:nvSpPr>
         <p:spPr>
           <a:xfrm>
-            <a:off x="4197926" y="2026516"/>
-            <a:ext cx="2563091" cy="3252066"/>
+            <a:off x="3096490" y="890442"/>
+            <a:ext cx="2897910" cy="5967557"/>
           </a:xfrm>
           <a:prstGeom prst="rect">
             <a:avLst/>
@@ -7885,8 +7382,8 @@
         </p:nvSpPr>
         <p:spPr>
           <a:xfrm>
-            <a:off x="6795654" y="2026516"/>
-            <a:ext cx="2140528" cy="4831484"/>
+            <a:off x="5994399" y="890442"/>
+            <a:ext cx="2401455" cy="5967558"/>
           </a:xfrm>
           <a:prstGeom prst="rect">
             <a:avLst/>
@@ -7936,6 +7433,151 @@
 </p:sld>
 </file>
 
+<file path=ppt/slides/slide29.xml><?xml version="1.0" encoding="utf-8"?>
+<p:sld xmlns:a="http://schemas.openxmlformats.org/drawingml/2006/main" xmlns:r="http://schemas.openxmlformats.org/officeDocument/2006/relationships" xmlns:p="http://schemas.openxmlformats.org/presentationml/2006/main">
+  <p:cSld>
+    <p:spTree>
+      <p:nvGrpSpPr>
+        <p:cNvPr id="1" name=""/>
+        <p:cNvGrpSpPr/>
+        <p:nvPr/>
+      </p:nvGrpSpPr>
+      <p:grpSpPr>
+        <a:xfrm>
+          <a:off x="0" y="0"/>
+          <a:ext cx="0" cy="0"/>
+          <a:chOff x="0" y="0"/>
+          <a:chExt cx="0" cy="0"/>
+        </a:xfrm>
+      </p:grpSpPr>
+      <p:sp>
+        <p:nvSpPr>
+          <p:cNvPr id="2" name="標題 1">
+            <a:extLst>
+              <a:ext uri="{FF2B5EF4-FFF2-40B4-BE49-F238E27FC236}">
+                <a16:creationId xmlns:a16="http://schemas.microsoft.com/office/drawing/2014/main" id="{B395D8BB-EDB2-42F3-9D92-4E6E7DCBB06A}"/>
+              </a:ext>
+            </a:extLst>
+          </p:cNvPr>
+          <p:cNvSpPr>
+            <a:spLocks noGrp="1"/>
+          </p:cNvSpPr>
+          <p:nvPr>
+            <p:ph type="title"/>
+          </p:nvPr>
+        </p:nvSpPr>
+        <p:spPr/>
+        <p:txBody>
+          <a:bodyPr/>
+          <a:lstStyle/>
+          <a:p>
+            <a:r>
+              <a:rPr lang="en-US" altLang="zh-TW" dirty="0"/>
+              <a:t>Evaluation : active handover</a:t>
+            </a:r>
+            <a:endParaRPr lang="zh-TW" altLang="en-US" dirty="0"/>
+          </a:p>
+        </p:txBody>
+      </p:sp>
+      <p:sp>
+        <p:nvSpPr>
+          <p:cNvPr id="3" name="內容版面配置區 2">
+            <a:extLst>
+              <a:ext uri="{FF2B5EF4-FFF2-40B4-BE49-F238E27FC236}">
+                <a16:creationId xmlns:a16="http://schemas.microsoft.com/office/drawing/2014/main" id="{C1C16457-135B-42D6-BD5B-8AF9CCC2689E}"/>
+              </a:ext>
+            </a:extLst>
+          </p:cNvPr>
+          <p:cNvSpPr>
+            <a:spLocks noGrp="1"/>
+          </p:cNvSpPr>
+          <p:nvPr>
+            <p:ph idx="1"/>
+          </p:nvPr>
+        </p:nvSpPr>
+        <p:spPr/>
+        <p:txBody>
+          <a:bodyPr>
+            <a:normAutofit lnSpcReduction="10000"/>
+          </a:bodyPr>
+          <a:lstStyle/>
+          <a:p>
+            <a:r>
+              <a:rPr lang="en-US" altLang="zh-TW" dirty="0"/>
+              <a:t>About disconnecting from current GW</a:t>
+            </a:r>
+          </a:p>
+          <a:p>
+            <a:endParaRPr lang="en-US" altLang="zh-TW" dirty="0"/>
+          </a:p>
+          <a:p>
+            <a:r>
+              <a:rPr lang="en-US" altLang="zh-TW" dirty="0"/>
+              <a:t>the current GW will receive a disconnection message from the controller once a roaming decision has made. </a:t>
+            </a:r>
+          </a:p>
+          <a:p>
+            <a:endParaRPr lang="en-US" altLang="zh-TW" dirty="0"/>
+          </a:p>
+          <a:p>
+            <a:r>
+              <a:rPr lang="en-US" altLang="zh-TW" dirty="0"/>
+              <a:t>After receiving this message, the GW immediately attempts to send a disconnection request to the BLE peripheral. </a:t>
+            </a:r>
+          </a:p>
+          <a:p>
+            <a:endParaRPr lang="en-US" altLang="zh-TW" dirty="0"/>
+          </a:p>
+          <a:p>
+            <a:r>
+              <a:rPr lang="en-US" altLang="zh-TW" dirty="0"/>
+              <a:t>Upon receiving this request, the peripheral answers with a disconnection acknowledgment.</a:t>
+            </a:r>
+          </a:p>
+        </p:txBody>
+      </p:sp>
+      <p:sp>
+        <p:nvSpPr>
+          <p:cNvPr id="4" name="投影片編號版面配置區 3">
+            <a:extLst>
+              <a:ext uri="{FF2B5EF4-FFF2-40B4-BE49-F238E27FC236}">
+                <a16:creationId xmlns:a16="http://schemas.microsoft.com/office/drawing/2014/main" id="{DB634B57-2E7E-40BE-993E-5F46071107A7}"/>
+              </a:ext>
+            </a:extLst>
+          </p:cNvPr>
+          <p:cNvSpPr>
+            <a:spLocks noGrp="1"/>
+          </p:cNvSpPr>
+          <p:nvPr>
+            <p:ph type="sldNum" sz="quarter" idx="12"/>
+          </p:nvPr>
+        </p:nvSpPr>
+        <p:spPr/>
+        <p:txBody>
+          <a:bodyPr/>
+          <a:lstStyle/>
+          <a:p>
+            <a:fld id="{50029C49-A5A9-4A95-8BF0-94F73808DB5F}" type="slidenum">
+              <a:rPr lang="zh-TW" altLang="en-US" smtClean="0"/>
+              <a:t>29</a:t>
+            </a:fld>
+            <a:endParaRPr lang="zh-TW" altLang="en-US"/>
+          </a:p>
+        </p:txBody>
+      </p:sp>
+    </p:spTree>
+    <p:extLst>
+      <p:ext uri="{BB962C8B-B14F-4D97-AF65-F5344CB8AC3E}">
+        <p14:creationId xmlns:p14="http://schemas.microsoft.com/office/powerpoint/2010/main" val="1272687956"/>
+      </p:ext>
+    </p:extLst>
+  </p:cSld>
+  <p:clrMapOvr>
+    <a:masterClrMapping/>
+  </p:clrMapOvr>
+</p:sld>
+</file>
+
 <file path=ppt/slides/slide3.xml><?xml version="1.0" encoding="utf-8"?>
 <p:sld xmlns:a="http://schemas.openxmlformats.org/drawingml/2006/main" xmlns:r="http://schemas.openxmlformats.org/officeDocument/2006/relationships" xmlns:p="http://schemas.openxmlformats.org/presentationml/2006/main">
   <p:cSld>
@@ -8005,7 +7647,7 @@
           <a:p>
             <a:r>
               <a:rPr lang="en-US" altLang="zh-TW" dirty="0"/>
-              <a:t>Bluetooth  Low  Energy  (BLE)  is  a  popular  technology  within  the  Internet  of  Things.  It  allows  low-power,  star networks  to  be  set  up  between  a  BLE  gateway  and  multiple , power-constrained  BLE  devices.  </a:t>
+              <a:t>Bluetooth Low Energy (BLE) is a popular technology within the Internet of Things. It allows low-power, star networks to be set up between a BLE gateway and multiple , power-constrained BLE devices. </a:t>
             </a:r>
           </a:p>
           <a:p>
@@ -8014,7 +7656,7 @@
           <a:p>
             <a:r>
               <a:rPr lang="en-US" altLang="zh-TW" dirty="0"/>
-              <a:t>However,  these  networks  tend to  be  static,  not  supporting  BLE  devices  that  can  freely  move around   in   an   environment   of   multiple   interconnected   BLE gateways and perform handovers whenever necessary.</a:t>
+              <a:t>However, these networks tend to be static, not supporting BLE devices that can freely move around  in  an  environment  of  multiple  interconnected  BLE gateways and perform handovers whenever necessary.</a:t>
             </a:r>
           </a:p>
         </p:txBody>
@@ -8101,7 +7743,7 @@
           <a:p>
             <a:r>
               <a:rPr lang="en-US" altLang="zh-TW" dirty="0"/>
-              <a:t>Evaluation : active handover</a:t>
+              <a:t>Evaluation : active handover(cont’d)</a:t>
             </a:r>
             <a:endParaRPr lang="zh-TW" altLang="en-US" dirty="0"/>
           </a:p>
@@ -8126,13 +7768,13 @@
         <p:spPr/>
         <p:txBody>
           <a:bodyPr>
-            <a:normAutofit lnSpcReduction="10000"/>
+            <a:normAutofit fontScale="92500" lnSpcReduction="10000"/>
           </a:bodyPr>
           <a:lstStyle/>
           <a:p>
             <a:r>
               <a:rPr lang="en-US" altLang="zh-TW" dirty="0"/>
-              <a:t>About disconnecting from current GW</a:t>
+              <a:t>About Setting up a connection with the alternative GW</a:t>
             </a:r>
           </a:p>
           <a:p>
@@ -8141,7 +7783,7 @@
           <a:p>
             <a:r>
               <a:rPr lang="en-US" altLang="zh-TW" dirty="0"/>
-              <a:t>the current GW will receive a disconnection message from the controller once a roaming decision has made. </a:t>
+              <a:t>Once the disconnection has been finalized, the BLE peripheral switches from a connection/advertising state to solely an advertising state, broadcasting connectable advertisements. </a:t>
             </a:r>
           </a:p>
           <a:p>
@@ -8150,7 +7792,15 @@
           <a:p>
             <a:r>
               <a:rPr lang="en-US" altLang="zh-TW" dirty="0"/>
-              <a:t>After receiving this message, the GW immediately attempts to send a disconnection request to the BLE peripheral. </a:t>
+              <a:t>In the meantime, the alternative GW has received a connect message from the controller and has switched from </a:t>
+            </a:r>
+            <a:r>
+              <a:rPr lang="en-US" altLang="zh-TW" dirty="0" err="1"/>
+              <a:t>nonconnectable</a:t>
+            </a:r>
+            <a:r>
+              <a:rPr lang="en-US" altLang="zh-TW" dirty="0"/>
+              <a:t> to connectable scanning, specifically for the MAC address of the BLE peripheral at hand. </a:t>
             </a:r>
           </a:p>
           <a:p>
@@ -8159,7 +7809,7 @@
           <a:p>
             <a:r>
               <a:rPr lang="en-US" altLang="zh-TW" dirty="0"/>
-              <a:t>Upon receiving this request, the peripheral answers with a disconnection acknowledgment.</a:t>
+              <a:t>From this point, the handover process is similar to passive handover.</a:t>
             </a:r>
           </a:p>
         </p:txBody>
@@ -8196,7 +7846,7 @@
     </p:spTree>
     <p:extLst>
       <p:ext uri="{BB962C8B-B14F-4D97-AF65-F5344CB8AC3E}">
-        <p14:creationId xmlns:p14="http://schemas.microsoft.com/office/powerpoint/2010/main" val="1272687956"/>
+        <p14:creationId xmlns:p14="http://schemas.microsoft.com/office/powerpoint/2010/main" val="3783783229"/>
       </p:ext>
     </p:extLst>
   </p:cSld>
@@ -8271,13 +7921,13 @@
         <p:spPr/>
         <p:txBody>
           <a:bodyPr>
-            <a:normAutofit fontScale="92500" lnSpcReduction="10000"/>
+            <a:normAutofit lnSpcReduction="10000"/>
           </a:bodyPr>
           <a:lstStyle/>
           <a:p>
             <a:r>
               <a:rPr lang="en-US" altLang="zh-TW" dirty="0"/>
-              <a:t>About Setting up a connection with the alternative GW</a:t>
+              <a:t>Potential Optimizations</a:t>
             </a:r>
           </a:p>
           <a:p>
@@ -8286,7 +7936,7 @@
           <a:p>
             <a:r>
               <a:rPr lang="en-US" altLang="zh-TW" dirty="0"/>
-              <a:t>Once the disconnection has been finalized, the BLE peripheral switches from a connection/advertising state to solely an advertising state, broadcasting connectable advertisements. </a:t>
+              <a:t>The BLE peripheral constantly needs to advertise , This increases energy consumption and decreases the quality of the BLE connection as well.</a:t>
             </a:r>
           </a:p>
           <a:p>
@@ -8295,24 +7945,7 @@
           <a:p>
             <a:r>
               <a:rPr lang="en-US" altLang="zh-TW" dirty="0"/>
-              <a:t>In the meantime, the alternative GW has received a connect message from the controller and has switched from </a:t>
-            </a:r>
-            <a:r>
-              <a:rPr lang="en-US" altLang="zh-TW" dirty="0" err="1"/>
-              <a:t>nonconnectable</a:t>
-            </a:r>
-            <a:r>
-              <a:rPr lang="en-US" altLang="zh-TW" dirty="0"/>
-              <a:t> to connectable scanning, specifically for the MAC address of the BLE peripheral at hand. </a:t>
-            </a:r>
-          </a:p>
-          <a:p>
-            <a:endParaRPr lang="en-US" altLang="zh-TW" dirty="0"/>
-          </a:p>
-          <a:p>
-            <a:r>
-              <a:rPr lang="en-US" altLang="zh-TW" dirty="0"/>
-              <a:t>From this point, the handover process is similar to passive handover.</a:t>
+              <a:t>A possible improvement could employ a proactive decision on when to start and stop advertising. The peripheral can monitor the quality of the current connection (i.e. via RSSI) and decide via these indicators whether it is necessary to advertise its presence or not.</a:t>
             </a:r>
           </a:p>
         </p:txBody>
@@ -8349,7 +7982,7 @@
     </p:spTree>
     <p:extLst>
       <p:ext uri="{BB962C8B-B14F-4D97-AF65-F5344CB8AC3E}">
-        <p14:creationId xmlns:p14="http://schemas.microsoft.com/office/powerpoint/2010/main" val="3783783229"/>
+        <p14:creationId xmlns:p14="http://schemas.microsoft.com/office/powerpoint/2010/main" val="3851096165"/>
       </p:ext>
     </p:extLst>
   </p:cSld>
@@ -8405,54 +8038,35 @@
           </a:p>
         </p:txBody>
       </p:sp>
-      <p:sp>
-        <p:nvSpPr>
-          <p:cNvPr id="3" name="內容版面配置區 2">
-            <a:extLst>
-              <a:ext uri="{FF2B5EF4-FFF2-40B4-BE49-F238E27FC236}">
-                <a16:creationId xmlns:a16="http://schemas.microsoft.com/office/drawing/2014/main" id="{C1C16457-135B-42D6-BD5B-8AF9CCC2689E}"/>
-              </a:ext>
-            </a:extLst>
-          </p:cNvPr>
-          <p:cNvSpPr>
-            <a:spLocks noGrp="1"/>
-          </p:cNvSpPr>
+      <p:pic>
+        <p:nvPicPr>
+          <p:cNvPr id="6" name="內容版面配置區 5">
+            <a:extLst>
+              <a:ext uri="{FF2B5EF4-FFF2-40B4-BE49-F238E27FC236}">
+                <a16:creationId xmlns:a16="http://schemas.microsoft.com/office/drawing/2014/main" id="{A78F9D59-9703-400B-9573-CF8C8B02937D}"/>
+              </a:ext>
+            </a:extLst>
+          </p:cNvPr>
+          <p:cNvPicPr>
+            <a:picLocks noGrp="1" noChangeAspect="1"/>
+          </p:cNvPicPr>
           <p:nvPr>
             <p:ph idx="1"/>
           </p:nvPr>
-        </p:nvSpPr>
-        <p:spPr/>
-        <p:txBody>
-          <a:bodyPr>
-            <a:normAutofit lnSpcReduction="10000"/>
-          </a:bodyPr>
-          <a:lstStyle/>
-          <a:p>
-            <a:r>
-              <a:rPr lang="en-US" altLang="zh-TW" dirty="0"/>
-              <a:t>Potential Optimizations</a:t>
-            </a:r>
-          </a:p>
-          <a:p>
-            <a:endParaRPr lang="en-US" altLang="zh-TW" dirty="0"/>
-          </a:p>
-          <a:p>
-            <a:r>
-              <a:rPr lang="en-US" altLang="zh-TW" dirty="0"/>
-              <a:t>The BLE peripheral constantly needs to advertise , This increases energy consumption and decreases the quality of the BLE connection as well.</a:t>
-            </a:r>
-          </a:p>
-          <a:p>
-            <a:endParaRPr lang="en-US" altLang="zh-TW" dirty="0"/>
-          </a:p>
-          <a:p>
-            <a:r>
-              <a:rPr lang="en-US" altLang="zh-TW" dirty="0"/>
-              <a:t>A possible improvement could employ a proactive decision on when to start and stop advertising. The peripheral can monitor the quality of the current connection (i.e. via RSSI) and decide via these indicators whether it is necessary to advertise its presence or not.</a:t>
-            </a:r>
-          </a:p>
-        </p:txBody>
-      </p:sp>
+        </p:nvPicPr>
+        <p:blipFill>
+          <a:blip r:embed="rId2"/>
+          <a:stretch>
+            <a:fillRect/>
+          </a:stretch>
+        </p:blipFill>
+        <p:spPr>
+          <a:xfrm>
+            <a:off x="1397583" y="1489586"/>
+            <a:ext cx="9103801" cy="4866763"/>
+          </a:xfrm>
+        </p:spPr>
+      </p:pic>
       <p:sp>
         <p:nvSpPr>
           <p:cNvPr id="4" name="投影片編號版面配置區 3">
@@ -8485,7 +8099,7 @@
     </p:spTree>
     <p:extLst>
       <p:ext uri="{BB962C8B-B14F-4D97-AF65-F5344CB8AC3E}">
-        <p14:creationId xmlns:p14="http://schemas.microsoft.com/office/powerpoint/2010/main" val="3851096165"/>
+        <p14:creationId xmlns:p14="http://schemas.microsoft.com/office/powerpoint/2010/main" val="378226096"/>
       </p:ext>
     </p:extLst>
   </p:cSld>
@@ -8512,123 +8126,6 @@
           <a:chExt cx="0" cy="0"/>
         </a:xfrm>
       </p:grpSpPr>
-      <p:sp>
-        <p:nvSpPr>
-          <p:cNvPr id="2" name="標題 1">
-            <a:extLst>
-              <a:ext uri="{FF2B5EF4-FFF2-40B4-BE49-F238E27FC236}">
-                <a16:creationId xmlns:a16="http://schemas.microsoft.com/office/drawing/2014/main" id="{B395D8BB-EDB2-42F3-9D92-4E6E7DCBB06A}"/>
-              </a:ext>
-            </a:extLst>
-          </p:cNvPr>
-          <p:cNvSpPr>
-            <a:spLocks noGrp="1"/>
-          </p:cNvSpPr>
-          <p:nvPr>
-            <p:ph type="title"/>
-          </p:nvPr>
-        </p:nvSpPr>
-        <p:spPr/>
-        <p:txBody>
-          <a:bodyPr/>
-          <a:lstStyle/>
-          <a:p>
-            <a:r>
-              <a:rPr lang="en-US" altLang="zh-TW" dirty="0"/>
-              <a:t>Evaluation : active handover(cont’d)</a:t>
-            </a:r>
-            <a:endParaRPr lang="zh-TW" altLang="en-US" dirty="0"/>
-          </a:p>
-        </p:txBody>
-      </p:sp>
-      <p:pic>
-        <p:nvPicPr>
-          <p:cNvPr id="6" name="內容版面配置區 5">
-            <a:extLst>
-              <a:ext uri="{FF2B5EF4-FFF2-40B4-BE49-F238E27FC236}">
-                <a16:creationId xmlns:a16="http://schemas.microsoft.com/office/drawing/2014/main" id="{A78F9D59-9703-400B-9573-CF8C8B02937D}"/>
-              </a:ext>
-            </a:extLst>
-          </p:cNvPr>
-          <p:cNvPicPr>
-            <a:picLocks noGrp="1" noChangeAspect="1"/>
-          </p:cNvPicPr>
-          <p:nvPr>
-            <p:ph idx="1"/>
-          </p:nvPr>
-        </p:nvPicPr>
-        <p:blipFill>
-          <a:blip r:embed="rId2"/>
-          <a:stretch>
-            <a:fillRect/>
-          </a:stretch>
-        </p:blipFill>
-        <p:spPr>
-          <a:xfrm>
-            <a:off x="1397583" y="1489586"/>
-            <a:ext cx="9103801" cy="4866763"/>
-          </a:xfrm>
-        </p:spPr>
-      </p:pic>
-      <p:sp>
-        <p:nvSpPr>
-          <p:cNvPr id="4" name="投影片編號版面配置區 3">
-            <a:extLst>
-              <a:ext uri="{FF2B5EF4-FFF2-40B4-BE49-F238E27FC236}">
-                <a16:creationId xmlns:a16="http://schemas.microsoft.com/office/drawing/2014/main" id="{DB634B57-2E7E-40BE-993E-5F46071107A7}"/>
-              </a:ext>
-            </a:extLst>
-          </p:cNvPr>
-          <p:cNvSpPr>
-            <a:spLocks noGrp="1"/>
-          </p:cNvSpPr>
-          <p:nvPr>
-            <p:ph type="sldNum" sz="quarter" idx="12"/>
-          </p:nvPr>
-        </p:nvSpPr>
-        <p:spPr/>
-        <p:txBody>
-          <a:bodyPr/>
-          <a:lstStyle/>
-          <a:p>
-            <a:fld id="{50029C49-A5A9-4A95-8BF0-94F73808DB5F}" type="slidenum">
-              <a:rPr lang="zh-TW" altLang="en-US" smtClean="0"/>
-              <a:t>33</a:t>
-            </a:fld>
-            <a:endParaRPr lang="zh-TW" altLang="en-US"/>
-          </a:p>
-        </p:txBody>
-      </p:sp>
-    </p:spTree>
-    <p:extLst>
-      <p:ext uri="{BB962C8B-B14F-4D97-AF65-F5344CB8AC3E}">
-        <p14:creationId xmlns:p14="http://schemas.microsoft.com/office/powerpoint/2010/main" val="378226096"/>
-      </p:ext>
-    </p:extLst>
-  </p:cSld>
-  <p:clrMapOvr>
-    <a:masterClrMapping/>
-  </p:clrMapOvr>
-</p:sld>
-</file>
-
-<file path=ppt/slides/slide34.xml><?xml version="1.0" encoding="utf-8"?>
-<p:sld xmlns:a="http://schemas.openxmlformats.org/drawingml/2006/main" xmlns:r="http://schemas.openxmlformats.org/officeDocument/2006/relationships" xmlns:p="http://schemas.openxmlformats.org/presentationml/2006/main">
-  <p:cSld>
-    <p:spTree>
-      <p:nvGrpSpPr>
-        <p:cNvPr id="1" name=""/>
-        <p:cNvGrpSpPr/>
-        <p:nvPr/>
-      </p:nvGrpSpPr>
-      <p:grpSpPr>
-        <a:xfrm>
-          <a:off x="0" y="0"/>
-          <a:ext cx="0" cy="0"/>
-          <a:chOff x="0" y="0"/>
-          <a:chExt cx="0" cy="0"/>
-        </a:xfrm>
-      </p:grpSpPr>
       <p:pic>
         <p:nvPicPr>
           <p:cNvPr id="8" name="圖片 7">
@@ -8651,8 +8148,8 @@
         </p:blipFill>
         <p:spPr>
           <a:xfrm>
-            <a:off x="2212258" y="365125"/>
-            <a:ext cx="9979742" cy="6411330"/>
+            <a:off x="741293" y="-22096"/>
+            <a:ext cx="10709414" cy="6880096"/>
           </a:xfrm>
           <a:prstGeom prst="rect">
             <a:avLst/>
@@ -8661,35 +8158,6 @@
       </p:pic>
       <p:sp>
         <p:nvSpPr>
-          <p:cNvPr id="2" name="標題 1">
-            <a:extLst>
-              <a:ext uri="{FF2B5EF4-FFF2-40B4-BE49-F238E27FC236}">
-                <a16:creationId xmlns:a16="http://schemas.microsoft.com/office/drawing/2014/main" id="{B395D8BB-EDB2-42F3-9D92-4E6E7DCBB06A}"/>
-              </a:ext>
-            </a:extLst>
-          </p:cNvPr>
-          <p:cNvSpPr>
-            <a:spLocks noGrp="1"/>
-          </p:cNvSpPr>
-          <p:nvPr>
-            <p:ph type="title"/>
-          </p:nvPr>
-        </p:nvSpPr>
-        <p:spPr/>
-        <p:txBody>
-          <a:bodyPr/>
-          <a:lstStyle/>
-          <a:p>
-            <a:r>
-              <a:rPr lang="en-US" altLang="zh-TW" dirty="0"/>
-              <a:t>Evaluation : active handover(cont’d)</a:t>
-            </a:r>
-            <a:endParaRPr lang="zh-TW" altLang="en-US" dirty="0"/>
-          </a:p>
-        </p:txBody>
-      </p:sp>
-      <p:sp>
-        <p:nvSpPr>
           <p:cNvPr id="4" name="投影片編號版面配置區 3">
             <a:extLst>
               <a:ext uri="{FF2B5EF4-FFF2-40B4-BE49-F238E27FC236}">
@@ -8711,7 +8179,7 @@
           <a:p>
             <a:fld id="{50029C49-A5A9-4A95-8BF0-94F73808DB5F}" type="slidenum">
               <a:rPr lang="zh-TW" altLang="en-US" smtClean="0"/>
-              <a:t>34</a:t>
+              <a:t>33</a:t>
             </a:fld>
             <a:endParaRPr lang="zh-TW" altLang="en-US"/>
           </a:p>
@@ -8731,8 +8199,8 @@
         </p:nvSpPr>
         <p:spPr>
           <a:xfrm>
-            <a:off x="4827360" y="1895475"/>
-            <a:ext cx="1481570" cy="3089478"/>
+            <a:off x="3598923" y="1149147"/>
+            <a:ext cx="1508785" cy="5432628"/>
           </a:xfrm>
           <a:prstGeom prst="rect">
             <a:avLst/>
@@ -8783,8 +8251,8 @@
         </p:nvSpPr>
         <p:spPr>
           <a:xfrm>
-            <a:off x="6296025" y="1895475"/>
-            <a:ext cx="1638300" cy="4686300"/>
+            <a:off x="5107707" y="1149146"/>
+            <a:ext cx="1874983" cy="5432627"/>
           </a:xfrm>
           <a:prstGeom prst="rect">
             <a:avLst/>
@@ -8834,6 +8302,142 @@
 </p:sld>
 </file>
 
+<file path=ppt/slides/slide34.xml><?xml version="1.0" encoding="utf-8"?>
+<p:sld xmlns:a="http://schemas.openxmlformats.org/drawingml/2006/main" xmlns:r="http://schemas.openxmlformats.org/officeDocument/2006/relationships" xmlns:p="http://schemas.openxmlformats.org/presentationml/2006/main">
+  <p:cSld>
+    <p:spTree>
+      <p:nvGrpSpPr>
+        <p:cNvPr id="1" name=""/>
+        <p:cNvGrpSpPr/>
+        <p:nvPr/>
+      </p:nvGrpSpPr>
+      <p:grpSpPr>
+        <a:xfrm>
+          <a:off x="0" y="0"/>
+          <a:ext cx="0" cy="0"/>
+          <a:chOff x="0" y="0"/>
+          <a:chExt cx="0" cy="0"/>
+        </a:xfrm>
+      </p:grpSpPr>
+      <p:sp>
+        <p:nvSpPr>
+          <p:cNvPr id="2" name="標題 1">
+            <a:extLst>
+              <a:ext uri="{FF2B5EF4-FFF2-40B4-BE49-F238E27FC236}">
+                <a16:creationId xmlns:a16="http://schemas.microsoft.com/office/drawing/2014/main" id="{B395D8BB-EDB2-42F3-9D92-4E6E7DCBB06A}"/>
+              </a:ext>
+            </a:extLst>
+          </p:cNvPr>
+          <p:cNvSpPr>
+            <a:spLocks noGrp="1"/>
+          </p:cNvSpPr>
+          <p:nvPr>
+            <p:ph type="title"/>
+          </p:nvPr>
+        </p:nvSpPr>
+        <p:spPr/>
+        <p:txBody>
+          <a:bodyPr/>
+          <a:lstStyle/>
+          <a:p>
+            <a:r>
+              <a:rPr lang="en-US" altLang="zh-TW" dirty="0"/>
+              <a:t>Evaluation(cont’d)</a:t>
+            </a:r>
+            <a:endParaRPr lang="zh-TW" altLang="en-US" dirty="0"/>
+          </a:p>
+        </p:txBody>
+      </p:sp>
+      <p:sp>
+        <p:nvSpPr>
+          <p:cNvPr id="3" name="內容版面配置區 2">
+            <a:extLst>
+              <a:ext uri="{FF2B5EF4-FFF2-40B4-BE49-F238E27FC236}">
+                <a16:creationId xmlns:a16="http://schemas.microsoft.com/office/drawing/2014/main" id="{C1C16457-135B-42D6-BD5B-8AF9CCC2689E}"/>
+              </a:ext>
+            </a:extLst>
+          </p:cNvPr>
+          <p:cNvSpPr>
+            <a:spLocks noGrp="1"/>
+          </p:cNvSpPr>
+          <p:nvPr>
+            <p:ph idx="1"/>
+          </p:nvPr>
+        </p:nvSpPr>
+        <p:spPr/>
+        <p:txBody>
+          <a:bodyPr>
+            <a:normAutofit/>
+          </a:bodyPr>
+          <a:lstStyle/>
+          <a:p>
+            <a:r>
+              <a:rPr lang="en-US" altLang="zh-TW" dirty="0"/>
+              <a:t>During a handover process, the BLE peripheral is not reachable from application servers. This implies possible data loss.</a:t>
+            </a:r>
+          </a:p>
+          <a:p>
+            <a:endParaRPr lang="en-US" altLang="zh-TW" dirty="0"/>
+          </a:p>
+          <a:p>
+            <a:r>
+              <a:rPr lang="en-US" altLang="zh-TW" dirty="0"/>
+              <a:t>The newest BLE standard allows a BLE peripheral to be in a connection with multiple BLE centrals at once.</a:t>
+            </a:r>
+          </a:p>
+          <a:p>
+            <a:endParaRPr lang="en-US" altLang="zh-TW" dirty="0"/>
+          </a:p>
+          <a:p>
+            <a:r>
+              <a:rPr lang="en-US" altLang="zh-TW" dirty="0"/>
+              <a:t>Allowing the current GW to keep its connection with the BLE peripheral, until the new connection with the alternative GW is established. </a:t>
+            </a:r>
+          </a:p>
+        </p:txBody>
+      </p:sp>
+      <p:sp>
+        <p:nvSpPr>
+          <p:cNvPr id="4" name="投影片編號版面配置區 3">
+            <a:extLst>
+              <a:ext uri="{FF2B5EF4-FFF2-40B4-BE49-F238E27FC236}">
+                <a16:creationId xmlns:a16="http://schemas.microsoft.com/office/drawing/2014/main" id="{DB634B57-2E7E-40BE-993E-5F46071107A7}"/>
+              </a:ext>
+            </a:extLst>
+          </p:cNvPr>
+          <p:cNvSpPr>
+            <a:spLocks noGrp="1"/>
+          </p:cNvSpPr>
+          <p:nvPr>
+            <p:ph type="sldNum" sz="quarter" idx="12"/>
+          </p:nvPr>
+        </p:nvSpPr>
+        <p:spPr/>
+        <p:txBody>
+          <a:bodyPr/>
+          <a:lstStyle/>
+          <a:p>
+            <a:fld id="{50029C49-A5A9-4A95-8BF0-94F73808DB5F}" type="slidenum">
+              <a:rPr lang="zh-TW" altLang="en-US" smtClean="0"/>
+              <a:t>34</a:t>
+            </a:fld>
+            <a:endParaRPr lang="zh-TW" altLang="en-US"/>
+          </a:p>
+        </p:txBody>
+      </p:sp>
+    </p:spTree>
+    <p:extLst>
+      <p:ext uri="{BB962C8B-B14F-4D97-AF65-F5344CB8AC3E}">
+        <p14:creationId xmlns:p14="http://schemas.microsoft.com/office/powerpoint/2010/main" val="1590821730"/>
+      </p:ext>
+    </p:extLst>
+  </p:cSld>
+  <p:clrMapOvr>
+    <a:masterClrMapping/>
+  </p:clrMapOvr>
+</p:sld>
+</file>
+
 <file path=ppt/slides/slide35.xml><?xml version="1.0" encoding="utf-8"?>
 <p:sld xmlns:a="http://schemas.openxmlformats.org/drawingml/2006/main" xmlns:r="http://schemas.openxmlformats.org/officeDocument/2006/relationships" xmlns:p="http://schemas.openxmlformats.org/presentationml/2006/main">
   <p:cSld>
@@ -8905,7 +8509,7 @@
           <a:p>
             <a:r>
               <a:rPr lang="en-US" altLang="zh-TW" dirty="0"/>
-              <a:t>During a handover process, the BLE peripheral is not reachable from application servers. This implies possible data loss.</a:t>
+              <a:t>Finally, to avoid constant switching between connectable and non-connectable scanning, two separate BLE modules could be used on the same GW. </a:t>
             </a:r>
           </a:p>
           <a:p>
@@ -8914,7 +8518,7 @@
           <a:p>
             <a:r>
               <a:rPr lang="en-US" altLang="zh-TW" dirty="0"/>
-              <a:t>The newest BLE standard allows a BLE peripheral to be in a connection with multiple BLE centrals at once.</a:t>
+              <a:t>One module is in charge of connectable scanning and maintains existing BLE connections. </a:t>
             </a:r>
           </a:p>
           <a:p>
@@ -8923,7 +8527,7 @@
           <a:p>
             <a:r>
               <a:rPr lang="en-US" altLang="zh-TW" dirty="0"/>
-              <a:t>Allowing the current GW to keep its connection with the BLE peripheral, until the new connection with the alternative GW is established. </a:t>
+              <a:t>The other module performs only non-connectable scanning, continuously sending RSSI log messages to the controller.</a:t>
             </a:r>
           </a:p>
         </p:txBody>
@@ -8960,7 +8564,7 @@
     </p:spTree>
     <p:extLst>
       <p:ext uri="{BB962C8B-B14F-4D97-AF65-F5344CB8AC3E}">
-        <p14:creationId xmlns:p14="http://schemas.microsoft.com/office/powerpoint/2010/main" val="1590821730"/>
+        <p14:creationId xmlns:p14="http://schemas.microsoft.com/office/powerpoint/2010/main" val="1541052724"/>
       </p:ext>
     </p:extLst>
   </p:cSld>
@@ -8992,7 +8596,7 @@
           <p:cNvPr id="2" name="標題 1">
             <a:extLst>
               <a:ext uri="{FF2B5EF4-FFF2-40B4-BE49-F238E27FC236}">
-                <a16:creationId xmlns:a16="http://schemas.microsoft.com/office/drawing/2014/main" id="{B395D8BB-EDB2-42F3-9D92-4E6E7DCBB06A}"/>
+                <a16:creationId xmlns:a16="http://schemas.microsoft.com/office/drawing/2014/main" id="{B7DB5FDF-E9A2-4D3D-ACF8-CEFDE567ED4E}"/>
               </a:ext>
             </a:extLst>
           </p:cNvPr>
@@ -9010,7 +8614,7 @@
           <a:p>
             <a:r>
               <a:rPr lang="en-US" altLang="zh-TW" dirty="0"/>
-              <a:t>Evaluation(cont’d)</a:t>
+              <a:t>Conclusion</a:t>
             </a:r>
             <a:endParaRPr lang="zh-TW" altLang="en-US" dirty="0"/>
           </a:p>
@@ -9021,7 +8625,7 @@
           <p:cNvPr id="3" name="內容版面配置區 2">
             <a:extLst>
               <a:ext uri="{FF2B5EF4-FFF2-40B4-BE49-F238E27FC236}">
-                <a16:creationId xmlns:a16="http://schemas.microsoft.com/office/drawing/2014/main" id="{C1C16457-135B-42D6-BD5B-8AF9CCC2689E}"/>
+                <a16:creationId xmlns:a16="http://schemas.microsoft.com/office/drawing/2014/main" id="{24BC7DE2-9247-4111-B9E4-01812FC553D6}"/>
               </a:ext>
             </a:extLst>
           </p:cNvPr>
@@ -9034,14 +8638,12 @@
         </p:nvSpPr>
         <p:spPr/>
         <p:txBody>
-          <a:bodyPr>
-            <a:normAutofit/>
-          </a:bodyPr>
-          <a:lstStyle/>
-          <a:p>
-            <a:r>
-              <a:rPr lang="en-US" altLang="zh-TW" dirty="0"/>
-              <a:t>Finally, to avoid constant switching between connectable and non-connectable scanning, two separate BLE modules could be used on the same GW. </a:t>
+          <a:bodyPr/>
+          <a:lstStyle/>
+          <a:p>
+            <a:r>
+              <a:rPr lang="en-US" altLang="zh-TW" dirty="0"/>
+              <a:t>In this research, two architectures are proposed to realize a BLE-based multi-GW network infrastructure that is able to provide bidirectional connectivity to mobile BLE peripherals. </a:t>
             </a:r>
           </a:p>
           <a:p>
@@ -9050,17 +8652,9 @@
           <a:p>
             <a:r>
               <a:rPr lang="en-US" altLang="zh-TW" dirty="0"/>
-              <a:t>One module is in charge of connectable scanning and maintains existing BLE connections. </a:t>
-            </a:r>
-          </a:p>
-          <a:p>
-            <a:endParaRPr lang="en-US" altLang="zh-TW" dirty="0"/>
-          </a:p>
-          <a:p>
-            <a:r>
-              <a:rPr lang="en-US" altLang="zh-TW" dirty="0"/>
-              <a:t>The other module performs only non-connectable scanning, continuously sending RSSI log messages to the controller.</a:t>
-            </a:r>
+              <a:t>The IP based architecture offers seamless end-to-end IP connectivity between a mobile BLE peripheral and an existing IP network. It limits custom implementation needs, but requires more resources from the already constrained mobile BLE peripheral. </a:t>
+            </a:r>
+            <a:endParaRPr lang="zh-TW" altLang="en-US" dirty="0"/>
           </a:p>
         </p:txBody>
       </p:sp>
@@ -9069,7 +8663,7 @@
           <p:cNvPr id="4" name="投影片編號版面配置區 3">
             <a:extLst>
               <a:ext uri="{FF2B5EF4-FFF2-40B4-BE49-F238E27FC236}">
-                <a16:creationId xmlns:a16="http://schemas.microsoft.com/office/drawing/2014/main" id="{DB634B57-2E7E-40BE-993E-5F46071107A7}"/>
+                <a16:creationId xmlns:a16="http://schemas.microsoft.com/office/drawing/2014/main" id="{1897B375-7AA8-4235-9A04-A251C8228EE1}"/>
               </a:ext>
             </a:extLst>
           </p:cNvPr>
@@ -9096,7 +8690,7 @@
     </p:spTree>
     <p:extLst>
       <p:ext uri="{BB962C8B-B14F-4D97-AF65-F5344CB8AC3E}">
-        <p14:creationId xmlns:p14="http://schemas.microsoft.com/office/powerpoint/2010/main" val="1541052724"/>
+        <p14:creationId xmlns:p14="http://schemas.microsoft.com/office/powerpoint/2010/main" val="3047592953"/>
       </p:ext>
     </p:extLst>
   </p:cSld>
@@ -9146,7 +8740,7 @@
           <a:p>
             <a:r>
               <a:rPr lang="en-US" altLang="zh-TW" dirty="0"/>
-              <a:t>Conclusion</a:t>
+              <a:t>Conclusion(cont’d)</a:t>
             </a:r>
             <a:endParaRPr lang="zh-TW" altLang="en-US" dirty="0"/>
           </a:p>
@@ -9175,7 +8769,7 @@
           <a:p>
             <a:r>
               <a:rPr lang="en-US" altLang="zh-TW" dirty="0"/>
-              <a:t>In this paper, two architectures are proposed to realize a BLE-based multi-GW network infrastructure that is able to provide bidirectional connectivity to mobile BLE peripherals. </a:t>
+              <a:t>The non-IP based architecture requires less resources from the BLE peripheral as it employs native BLE communication towards the IoT gateway. </a:t>
             </a:r>
           </a:p>
           <a:p>
@@ -9184,9 +8778,8 @@
           <a:p>
             <a:r>
               <a:rPr lang="en-US" altLang="zh-TW" dirty="0"/>
-              <a:t>The IP based architecture offers seamless end-to-end IP connectivity between a mobile BLE peripheral and an existing IP network. It limits custom implementation needs, but requires more resources from the already constrained mobile BLE peripheral. </a:t>
-            </a:r>
-            <a:endParaRPr lang="zh-TW" altLang="en-US" dirty="0"/>
+              <a:t>However, custom implementation needs are much higher, as a dedicated controller is introduced within the existing network that needs to maintain the state of the infrastructure and the currently associated mobile BLE devices.</a:t>
+            </a:r>
           </a:p>
         </p:txBody>
       </p:sp>
@@ -9195,7 +8788,7 @@
           <p:cNvPr id="4" name="投影片編號版面配置區 3">
             <a:extLst>
               <a:ext uri="{FF2B5EF4-FFF2-40B4-BE49-F238E27FC236}">
-                <a16:creationId xmlns:a16="http://schemas.microsoft.com/office/drawing/2014/main" id="{1897B375-7AA8-4235-9A04-A251C8228EE1}"/>
+                <a16:creationId xmlns:a16="http://schemas.microsoft.com/office/drawing/2014/main" id="{3027A15A-810A-49CD-86D5-0BC2EF69CCF7}"/>
               </a:ext>
             </a:extLst>
           </p:cNvPr>
@@ -9222,7 +8815,7 @@
     </p:spTree>
     <p:extLst>
       <p:ext uri="{BB962C8B-B14F-4D97-AF65-F5344CB8AC3E}">
-        <p14:creationId xmlns:p14="http://schemas.microsoft.com/office/powerpoint/2010/main" val="3047592953"/>
+        <p14:creationId xmlns:p14="http://schemas.microsoft.com/office/powerpoint/2010/main" val="4005318741"/>
       </p:ext>
     </p:extLst>
   </p:cSld>
@@ -9296,19 +8889,24 @@
         </p:nvSpPr>
         <p:spPr/>
         <p:txBody>
-          <a:bodyPr/>
-          <a:lstStyle/>
-          <a:p>
-            <a:r>
-              <a:rPr lang="en-US" altLang="zh-TW" dirty="0"/>
-              <a:t>The non-IP based architecture requires less resources from the BLE peripheral as it employs native BLE communication towards the IoT gateway. However, custom implementation needs are much higher, as a dedicated controller is introduced within the existing network that needs to maintain the state of the infrastructure and the currently associated mobile BLE devices.</a:t>
+          <a:bodyPr>
+            <a:normAutofit/>
+          </a:bodyPr>
+          <a:lstStyle/>
+          <a:p>
+            <a:r>
+              <a:rPr lang="en-US" altLang="zh-TW" dirty="0"/>
+              <a:t>Next to this, two approaches are considered to perform handover within these solutions. </a:t>
             </a:r>
           </a:p>
           <a:p>
             <a:endParaRPr lang="en-US" altLang="zh-TW" dirty="0"/>
           </a:p>
           <a:p>
-            <a:endParaRPr lang="zh-TW" altLang="en-US" dirty="0"/>
+            <a:r>
+              <a:rPr lang="en-US" altLang="zh-TW" dirty="0"/>
+              <a:t>The passive handover approach does not need any extra implementation, but the handover latency can become quite high and a bad BLE connection is still maintained even if a better alternative GW is avail-able nearby. </a:t>
+            </a:r>
           </a:p>
         </p:txBody>
       </p:sp>
@@ -9317,7 +8915,7 @@
           <p:cNvPr id="4" name="投影片編號版面配置區 3">
             <a:extLst>
               <a:ext uri="{FF2B5EF4-FFF2-40B4-BE49-F238E27FC236}">
-                <a16:creationId xmlns:a16="http://schemas.microsoft.com/office/drawing/2014/main" id="{3027A15A-810A-49CD-86D5-0BC2EF69CCF7}"/>
+                <a16:creationId xmlns:a16="http://schemas.microsoft.com/office/drawing/2014/main" id="{F64AC039-730F-4EC0-B242-E7D527FA3228}"/>
               </a:ext>
             </a:extLst>
           </p:cNvPr>
@@ -9344,7 +8942,7 @@
     </p:spTree>
     <p:extLst>
       <p:ext uri="{BB962C8B-B14F-4D97-AF65-F5344CB8AC3E}">
-        <p14:creationId xmlns:p14="http://schemas.microsoft.com/office/powerpoint/2010/main" val="4005318741"/>
+        <p14:creationId xmlns:p14="http://schemas.microsoft.com/office/powerpoint/2010/main" val="1788803111"/>
       </p:ext>
     </p:extLst>
   </p:cSld>
@@ -9425,7 +9023,7 @@
           <a:p>
             <a:r>
               <a:rPr lang="en-US" altLang="zh-TW" dirty="0"/>
-              <a:t>Next to this, two approaches are considered to perform handover within these solutions. </a:t>
+              <a:t>Active handover offers a solution by proactively terminating a bad connection when a better alternative GW is available. As such, it can limit the handover latency. </a:t>
             </a:r>
           </a:p>
           <a:p>
@@ -9434,8 +9032,9 @@
           <a:p>
             <a:r>
               <a:rPr lang="en-US" altLang="zh-TW" dirty="0"/>
-              <a:t>The passive handover approach does not need any extra implementation, but the handover latency can become quite high and a bad BLE connection is still maintained even if a better alternative GW is avail-able nearby. </a:t>
-            </a:r>
+              <a:t>As a downside, this approach requires more extensive custom implementation, implies a higher energy consumption and can limit the available throughput.</a:t>
+            </a:r>
+            <a:endParaRPr lang="zh-TW" altLang="en-US" dirty="0"/>
           </a:p>
         </p:txBody>
       </p:sp>
@@ -9444,7 +9043,7 @@
           <p:cNvPr id="4" name="投影片編號版面配置區 3">
             <a:extLst>
               <a:ext uri="{FF2B5EF4-FFF2-40B4-BE49-F238E27FC236}">
-                <a16:creationId xmlns:a16="http://schemas.microsoft.com/office/drawing/2014/main" id="{F64AC039-730F-4EC0-B242-E7D527FA3228}"/>
+                <a16:creationId xmlns:a16="http://schemas.microsoft.com/office/drawing/2014/main" id="{BFA29D48-9BE9-44B6-B04F-E6E702DC41D9}"/>
               </a:ext>
             </a:extLst>
           </p:cNvPr>
@@ -9471,7 +9070,7 @@
     </p:spTree>
     <p:extLst>
       <p:ext uri="{BB962C8B-B14F-4D97-AF65-F5344CB8AC3E}">
-        <p14:creationId xmlns:p14="http://schemas.microsoft.com/office/powerpoint/2010/main" val="1788803111"/>
+        <p14:creationId xmlns:p14="http://schemas.microsoft.com/office/powerpoint/2010/main" val="493870139"/>
       </p:ext>
     </p:extLst>
   </p:cSld>
@@ -9550,7 +9149,7 @@
           <a:p>
             <a:r>
               <a:rPr lang="en-US" altLang="zh-TW" dirty="0"/>
-              <a:t>This work proposes  two  alternative  network  architectures  for  mobile  BLE peripherals. One leverages on IPv6 over BLE, where as the other combines  default  BLE  mechanisms  with  an  additional  custom controller.  </a:t>
+              <a:t>This work proposes two alternative network architectures for mobile BLE peripherals. One leverages on IPv6 over BLE, whereas the other combines default BLE mechanisms with an additional custom controller. </a:t>
             </a:r>
           </a:p>
           <a:p>
@@ -9559,7 +9158,7 @@
           <a:p>
             <a:r>
               <a:rPr lang="en-US" altLang="zh-TW" dirty="0"/>
-              <a:t>On  top,  we  study  in  detail  the  handover  mechanism that  must  be  present  in  both  architectures  and  compare  the performance  of  both  a  passive  and  active  handover  approach.</a:t>
+              <a:t>On top, this team studies in detail the handover mechanism that must be present in both architectures and compare the performance of both a passive and active handover approach.</a:t>
             </a:r>
           </a:p>
         </p:txBody>
@@ -9628,7 +9227,7 @@
           <p:cNvPr id="2" name="標題 1">
             <a:extLst>
               <a:ext uri="{FF2B5EF4-FFF2-40B4-BE49-F238E27FC236}">
-                <a16:creationId xmlns:a16="http://schemas.microsoft.com/office/drawing/2014/main" id="{B7DB5FDF-E9A2-4D3D-ACF8-CEFDE567ED4E}"/>
+                <a16:creationId xmlns:a16="http://schemas.microsoft.com/office/drawing/2014/main" id="{66BD44E2-EFFF-43D9-A213-DE501B575689}"/>
               </a:ext>
             </a:extLst>
           </p:cNvPr>
@@ -9646,7 +9245,7 @@
           <a:p>
             <a:r>
               <a:rPr lang="en-US" altLang="zh-TW" dirty="0"/>
-              <a:t>Conclusion(cont’d)</a:t>
+              <a:t>References</a:t>
             </a:r>
             <a:endParaRPr lang="zh-TW" altLang="en-US" dirty="0"/>
           </a:p>
@@ -9657,7 +9256,7 @@
           <p:cNvPr id="3" name="內容版面配置區 2">
             <a:extLst>
               <a:ext uri="{FF2B5EF4-FFF2-40B4-BE49-F238E27FC236}">
-                <a16:creationId xmlns:a16="http://schemas.microsoft.com/office/drawing/2014/main" id="{24BC7DE2-9247-4111-B9E4-01812FC553D6}"/>
+                <a16:creationId xmlns:a16="http://schemas.microsoft.com/office/drawing/2014/main" id="{6C6870F8-5E25-41B8-BDBD-DC2867167899}"/>
               </a:ext>
             </a:extLst>
           </p:cNvPr>
@@ -9670,25 +9269,155 @@
         </p:nvSpPr>
         <p:spPr/>
         <p:txBody>
-          <a:bodyPr>
-            <a:normAutofit/>
+          <a:bodyPr anchor="ctr">
+            <a:normAutofit fontScale="92500"/>
           </a:bodyPr>
           <a:lstStyle/>
           <a:p>
             <a:r>
-              <a:rPr lang="en-US" altLang="zh-TW" dirty="0"/>
-              <a:t>Active handover offers a solution by proactively terminating a bad connection when a better alternative GW is available. As such, it can limit the handover latency. Asa downside, this approach requires more extensive custom implementation, implies a higher energy consumption and can limit the available throughput.</a:t>
-            </a:r>
-            <a:endParaRPr lang="zh-TW" altLang="en-US" dirty="0"/>
-          </a:p>
-        </p:txBody>
-      </p:sp>
-      <p:sp>
-        <p:nvSpPr>
-          <p:cNvPr id="4" name="投影片編號版面配置區 3">
-            <a:extLst>
-              <a:ext uri="{FF2B5EF4-FFF2-40B4-BE49-F238E27FC236}">
-                <a16:creationId xmlns:a16="http://schemas.microsoft.com/office/drawing/2014/main" id="{BFA29D48-9BE9-44B6-B04F-E6E702DC41D9}"/>
+              <a:rPr lang="en-US" altLang="zh-TW" sz="2400" dirty="0"/>
+              <a:t>Mathias </a:t>
+            </a:r>
+            <a:r>
+              <a:rPr lang="en-US" altLang="zh-TW" sz="2400" dirty="0" err="1"/>
+              <a:t>Baert</a:t>
+            </a:r>
+            <a:r>
+              <a:rPr lang="en-US" altLang="zh-TW" sz="2400" dirty="0"/>
+              <a:t>, </a:t>
+            </a:r>
+            <a:r>
+              <a:rPr lang="en-US" altLang="zh-TW" sz="2400" dirty="0" err="1"/>
+              <a:t>Pieterjan</a:t>
+            </a:r>
+            <a:r>
+              <a:rPr lang="en-US" altLang="zh-TW" sz="2400" dirty="0"/>
+              <a:t> </a:t>
+            </a:r>
+            <a:r>
+              <a:rPr lang="en-US" altLang="zh-TW" sz="2400" dirty="0" err="1"/>
+              <a:t>Camerlynck</a:t>
+            </a:r>
+            <a:r>
+              <a:rPr lang="en-US" altLang="zh-TW" sz="2400" dirty="0"/>
+              <a:t>, Pieter </a:t>
+            </a:r>
+            <a:r>
+              <a:rPr lang="en-US" altLang="zh-TW" sz="2400" dirty="0" err="1"/>
+              <a:t>Crombez</a:t>
+            </a:r>
+            <a:r>
+              <a:rPr lang="en-US" altLang="zh-TW" sz="2400" dirty="0"/>
+              <a:t>, Jeroen </a:t>
+            </a:r>
+            <a:r>
+              <a:rPr lang="en-US" altLang="zh-TW" sz="2400" dirty="0" err="1"/>
+              <a:t>Hoebeke</a:t>
+            </a:r>
+            <a:r>
+              <a:rPr lang="en-US" altLang="zh-TW" sz="2400" dirty="0"/>
+              <a:t>, “A BLE-Based Multi-Gateway Network Infrastructure with Handover Support for Mobile BLE Peripherals” </a:t>
+            </a:r>
+            <a:r>
+              <a:rPr lang="en-US" altLang="zh-TW" sz="2400" i="1" dirty="0"/>
+              <a:t>in IEEE </a:t>
+            </a:r>
+            <a:r>
+              <a:rPr lang="en-US" altLang="zh-TW" sz="2400" i="1" dirty="0" err="1"/>
+              <a:t>Internatonal</a:t>
+            </a:r>
+            <a:r>
+              <a:rPr lang="en-US" altLang="zh-TW" sz="2400" i="1" dirty="0"/>
+              <a:t> Conference on Mobile </a:t>
+            </a:r>
+            <a:r>
+              <a:rPr lang="en-US" altLang="zh-TW" sz="2400" i="1" dirty="0" err="1"/>
+              <a:t>Adhoc</a:t>
+            </a:r>
+            <a:r>
+              <a:rPr lang="en-US" altLang="zh-TW" sz="2400" i="1" dirty="0"/>
+              <a:t> and Sensor Systems (IEEE MASS 2019) </a:t>
+            </a:r>
+            <a:r>
+              <a:rPr lang="en-US" altLang="zh-TW" sz="2400" dirty="0"/>
+              <a:t>, DOI: 10.1109/MASS.2019.00020</a:t>
+            </a:r>
+          </a:p>
+          <a:p>
+            <a:endParaRPr lang="en-US" altLang="zh-TW" sz="2400" dirty="0"/>
+          </a:p>
+          <a:p>
+            <a:r>
+              <a:rPr lang="en-US" altLang="zh-TW" sz="2400" dirty="0"/>
+              <a:t>M. </a:t>
+            </a:r>
+            <a:r>
+              <a:rPr lang="en-US" altLang="zh-TW" sz="2400" dirty="0" err="1"/>
+              <a:t>Nikodem</a:t>
+            </a:r>
+            <a:r>
+              <a:rPr lang="en-US" altLang="zh-TW" sz="2400" dirty="0"/>
+              <a:t>, M. </a:t>
+            </a:r>
+            <a:r>
+              <a:rPr lang="en-US" altLang="zh-TW" sz="2400" dirty="0" err="1"/>
+              <a:t>Bawiec</a:t>
+            </a:r>
+            <a:r>
+              <a:rPr lang="en-US" altLang="zh-TW" sz="2400" dirty="0"/>
+              <a:t>, “Experimental Evaluation of Advertisement-Based Bluetooth Low Energy Communication”, </a:t>
+            </a:r>
+            <a:r>
+              <a:rPr lang="en-US" altLang="zh-TW" sz="2400" i="1" dirty="0"/>
+              <a:t>MDPI Sensors 2020</a:t>
+            </a:r>
+            <a:r>
+              <a:rPr lang="en-US" altLang="zh-TW" sz="2400" dirty="0"/>
+              <a:t>, DOI:10.3390/s20010107</a:t>
+            </a:r>
+          </a:p>
+          <a:p>
+            <a:endParaRPr lang="en-US" altLang="zh-TW" sz="2400" dirty="0"/>
+          </a:p>
+          <a:p>
+            <a:r>
+              <a:rPr lang="en-US" altLang="zh-TW" sz="2400" dirty="0"/>
+              <a:t>Tomohiro Kuroda, Haruo Noma, Kazuhiko Takase, </a:t>
+            </a:r>
+            <a:r>
+              <a:rPr lang="en-US" altLang="zh-TW" sz="2400" dirty="0" err="1"/>
+              <a:t>Shigeto</a:t>
+            </a:r>
+            <a:r>
+              <a:rPr lang="en-US" altLang="zh-TW" sz="2400" dirty="0"/>
+              <a:t> Sasaki, </a:t>
+            </a:r>
+            <a:r>
+              <a:rPr lang="en-US" altLang="zh-TW" sz="2400" dirty="0" err="1"/>
+              <a:t>Tadamasa</a:t>
+            </a:r>
+            <a:r>
+              <a:rPr lang="en-US" altLang="zh-TW" sz="2400" dirty="0"/>
+              <a:t> </a:t>
+            </a:r>
+            <a:r>
+              <a:rPr lang="en-US" altLang="zh-TW" sz="2400" dirty="0" err="1"/>
+              <a:t>Takemura</a:t>
+            </a:r>
+            <a:r>
+              <a:rPr lang="en-US" altLang="zh-TW" sz="2400" dirty="0"/>
+              <a:t>, “Bluetooth Roaming for Sensor Network System in Clinical Environment” , MEDINFO 2015: eHealth-enabled Health, DOI:10.3233/978-1-61499-564-7-198</a:t>
+            </a:r>
+            <a:endParaRPr lang="zh-TW" altLang="en-US" sz="2400" dirty="0"/>
+          </a:p>
+        </p:txBody>
+      </p:sp>
+      <p:sp>
+        <p:nvSpPr>
+          <p:cNvPr id="6" name="投影片編號版面配置區 5">
+            <a:extLst>
+              <a:ext uri="{FF2B5EF4-FFF2-40B4-BE49-F238E27FC236}">
+                <a16:creationId xmlns:a16="http://schemas.microsoft.com/office/drawing/2014/main" id="{41672078-55B6-4EB2-A2A0-2A4BDCC09FF1}"/>
               </a:ext>
             </a:extLst>
           </p:cNvPr>
@@ -9707,255 +9436,6 @@
             <a:fld id="{50029C49-A5A9-4A95-8BF0-94F73808DB5F}" type="slidenum">
               <a:rPr lang="zh-TW" altLang="en-US" smtClean="0"/>
               <a:t>40</a:t>
-            </a:fld>
-            <a:endParaRPr lang="zh-TW" altLang="en-US"/>
-          </a:p>
-        </p:txBody>
-      </p:sp>
-    </p:spTree>
-    <p:extLst>
-      <p:ext uri="{BB962C8B-B14F-4D97-AF65-F5344CB8AC3E}">
-        <p14:creationId xmlns:p14="http://schemas.microsoft.com/office/powerpoint/2010/main" val="493870139"/>
-      </p:ext>
-    </p:extLst>
-  </p:cSld>
-  <p:clrMapOvr>
-    <a:masterClrMapping/>
-  </p:clrMapOvr>
-</p:sld>
-</file>
-
-<file path=ppt/slides/slide41.xml><?xml version="1.0" encoding="utf-8"?>
-<p:sld xmlns:a="http://schemas.openxmlformats.org/drawingml/2006/main" xmlns:r="http://schemas.openxmlformats.org/officeDocument/2006/relationships" xmlns:p="http://schemas.openxmlformats.org/presentationml/2006/main">
-  <p:cSld>
-    <p:spTree>
-      <p:nvGrpSpPr>
-        <p:cNvPr id="1" name=""/>
-        <p:cNvGrpSpPr/>
-        <p:nvPr/>
-      </p:nvGrpSpPr>
-      <p:grpSpPr>
-        <a:xfrm>
-          <a:off x="0" y="0"/>
-          <a:ext cx="0" cy="0"/>
-          <a:chOff x="0" y="0"/>
-          <a:chExt cx="0" cy="0"/>
-        </a:xfrm>
-      </p:grpSpPr>
-      <p:sp>
-        <p:nvSpPr>
-          <p:cNvPr id="2" name="標題 1">
-            <a:extLst>
-              <a:ext uri="{FF2B5EF4-FFF2-40B4-BE49-F238E27FC236}">
-                <a16:creationId xmlns:a16="http://schemas.microsoft.com/office/drawing/2014/main" id="{66BD44E2-EFFF-43D9-A213-DE501B575689}"/>
-              </a:ext>
-            </a:extLst>
-          </p:cNvPr>
-          <p:cNvSpPr>
-            <a:spLocks noGrp="1"/>
-          </p:cNvSpPr>
-          <p:nvPr>
-            <p:ph type="title"/>
-          </p:nvPr>
-        </p:nvSpPr>
-        <p:spPr/>
-        <p:txBody>
-          <a:bodyPr/>
-          <a:lstStyle/>
-          <a:p>
-            <a:r>
-              <a:rPr lang="en-US" altLang="zh-TW" dirty="0"/>
-              <a:t>References</a:t>
-            </a:r>
-            <a:endParaRPr lang="zh-TW" altLang="en-US" dirty="0"/>
-          </a:p>
-        </p:txBody>
-      </p:sp>
-      <p:sp>
-        <p:nvSpPr>
-          <p:cNvPr id="3" name="內容版面配置區 2">
-            <a:extLst>
-              <a:ext uri="{FF2B5EF4-FFF2-40B4-BE49-F238E27FC236}">
-                <a16:creationId xmlns:a16="http://schemas.microsoft.com/office/drawing/2014/main" id="{6C6870F8-5E25-41B8-BDBD-DC2867167899}"/>
-              </a:ext>
-            </a:extLst>
-          </p:cNvPr>
-          <p:cNvSpPr>
-            <a:spLocks noGrp="1"/>
-          </p:cNvSpPr>
-          <p:nvPr>
-            <p:ph idx="1"/>
-          </p:nvPr>
-        </p:nvSpPr>
-        <p:spPr/>
-        <p:txBody>
-          <a:bodyPr>
-            <a:normAutofit/>
-          </a:bodyPr>
-          <a:lstStyle/>
-          <a:p>
-            <a:r>
-              <a:rPr lang="en-US" altLang="zh-TW" sz="2000" dirty="0"/>
-              <a:t>Mathias </a:t>
-            </a:r>
-            <a:r>
-              <a:rPr lang="en-US" altLang="zh-TW" sz="2000" dirty="0" err="1"/>
-              <a:t>Baert</a:t>
-            </a:r>
-            <a:r>
-              <a:rPr lang="en-US" altLang="zh-TW" sz="2000" dirty="0"/>
-              <a:t>, </a:t>
-            </a:r>
-            <a:r>
-              <a:rPr lang="en-US" altLang="zh-TW" sz="2000" dirty="0" err="1"/>
-              <a:t>Pieterjan</a:t>
-            </a:r>
-            <a:r>
-              <a:rPr lang="en-US" altLang="zh-TW" sz="2000" dirty="0"/>
-              <a:t> </a:t>
-            </a:r>
-            <a:r>
-              <a:rPr lang="en-US" altLang="zh-TW" sz="2000" dirty="0" err="1"/>
-              <a:t>Camerlynck</a:t>
-            </a:r>
-            <a:r>
-              <a:rPr lang="en-US" altLang="zh-TW" sz="2000" dirty="0"/>
-              <a:t>, Pieter </a:t>
-            </a:r>
-            <a:r>
-              <a:rPr lang="en-US" altLang="zh-TW" sz="2000" dirty="0" err="1"/>
-              <a:t>Crombez</a:t>
-            </a:r>
-            <a:r>
-              <a:rPr lang="en-US" altLang="zh-TW" sz="2000" dirty="0"/>
-              <a:t>, Jeroen </a:t>
-            </a:r>
-            <a:r>
-              <a:rPr lang="en-US" altLang="zh-TW" sz="2000" dirty="0" err="1"/>
-              <a:t>Hoebeke</a:t>
-            </a:r>
-            <a:r>
-              <a:rPr lang="en-US" altLang="zh-TW" sz="2000" dirty="0"/>
-              <a:t>, “A BLE-Based Multi-Gateway Network Infrastructure with Handover Support for Mobile BLE Peripherals” </a:t>
-            </a:r>
-            <a:r>
-              <a:rPr lang="en-US" altLang="zh-TW" sz="2000" i="1" dirty="0"/>
-              <a:t>in IEEE </a:t>
-            </a:r>
-            <a:r>
-              <a:rPr lang="en-US" altLang="zh-TW" sz="2000" i="1" dirty="0" err="1"/>
-              <a:t>Internatonal</a:t>
-            </a:r>
-            <a:r>
-              <a:rPr lang="en-US" altLang="zh-TW" sz="2000" i="1" dirty="0"/>
-              <a:t> Conference on Mobile </a:t>
-            </a:r>
-            <a:r>
-              <a:rPr lang="en-US" altLang="zh-TW" sz="2000" i="1" dirty="0" err="1"/>
-              <a:t>Adhoc</a:t>
-            </a:r>
-            <a:r>
-              <a:rPr lang="en-US" altLang="zh-TW" sz="2000" i="1" dirty="0"/>
-              <a:t> and Sensor Systems (IEEE MASS 2019) </a:t>
-            </a:r>
-            <a:r>
-              <a:rPr lang="en-US" altLang="zh-TW" sz="2000" dirty="0"/>
-              <a:t>, DOI: 10.1109/MASS.2019.00020</a:t>
-            </a:r>
-          </a:p>
-          <a:p>
-            <a:endParaRPr lang="en-US" altLang="zh-TW" sz="2000" dirty="0"/>
-          </a:p>
-          <a:p>
-            <a:r>
-              <a:rPr lang="en-US" altLang="zh-TW" sz="2000" dirty="0"/>
-              <a:t>M. </a:t>
-            </a:r>
-            <a:r>
-              <a:rPr lang="en-US" altLang="zh-TW" sz="2000" dirty="0" err="1"/>
-              <a:t>Nikodem</a:t>
-            </a:r>
-            <a:r>
-              <a:rPr lang="en-US" altLang="zh-TW" sz="2000" dirty="0"/>
-              <a:t>, M. </a:t>
-            </a:r>
-            <a:r>
-              <a:rPr lang="en-US" altLang="zh-TW" sz="2000" dirty="0" err="1"/>
-              <a:t>Bawiec</a:t>
-            </a:r>
-            <a:r>
-              <a:rPr lang="en-US" altLang="zh-TW" sz="2000" dirty="0"/>
-              <a:t>, “Experimental Evaluation of Advertisement-Based Bluetooth Low Energy Communication”, </a:t>
-            </a:r>
-            <a:r>
-              <a:rPr lang="en-US" altLang="zh-TW" sz="2000" i="1" dirty="0"/>
-              <a:t>MDPI Sensors 2020</a:t>
-            </a:r>
-            <a:r>
-              <a:rPr lang="en-US" altLang="zh-TW" sz="2000" dirty="0"/>
-              <a:t>, DOI:10.3390/s20010107</a:t>
-            </a:r>
-          </a:p>
-          <a:p>
-            <a:endParaRPr lang="en-US" altLang="zh-TW" sz="2000" dirty="0"/>
-          </a:p>
-          <a:p>
-            <a:r>
-              <a:rPr lang="en-US" altLang="zh-TW" sz="2000" dirty="0"/>
-              <a:t>Tomohiro Kuroda, Haruo Noma, Kazuhiko Takase, </a:t>
-            </a:r>
-            <a:r>
-              <a:rPr lang="en-US" altLang="zh-TW" sz="2000" dirty="0" err="1"/>
-              <a:t>Shigeto</a:t>
-            </a:r>
-            <a:r>
-              <a:rPr lang="en-US" altLang="zh-TW" sz="2000" dirty="0"/>
-              <a:t> Sasaki, </a:t>
-            </a:r>
-            <a:r>
-              <a:rPr lang="en-US" altLang="zh-TW" sz="2000" dirty="0" err="1"/>
-              <a:t>Tadamasa</a:t>
-            </a:r>
-            <a:r>
-              <a:rPr lang="en-US" altLang="zh-TW" sz="2000" dirty="0"/>
-              <a:t> </a:t>
-            </a:r>
-            <a:r>
-              <a:rPr lang="en-US" altLang="zh-TW" sz="2000" dirty="0" err="1"/>
-              <a:t>Takemura</a:t>
-            </a:r>
-            <a:r>
-              <a:rPr lang="en-US" altLang="zh-TW" sz="2000" dirty="0"/>
-              <a:t>, “Bluetooth Roaming for Sensor Network System in Clinical Environment” , MEDINFO 2015: eHealth-enabled Health, DOI:10.3233/978-1-61499-564-7-198</a:t>
-            </a:r>
-            <a:endParaRPr lang="zh-TW" altLang="en-US" sz="2000" dirty="0"/>
-          </a:p>
-        </p:txBody>
-      </p:sp>
-      <p:sp>
-        <p:nvSpPr>
-          <p:cNvPr id="6" name="投影片編號版面配置區 5">
-            <a:extLst>
-              <a:ext uri="{FF2B5EF4-FFF2-40B4-BE49-F238E27FC236}">
-                <a16:creationId xmlns:a16="http://schemas.microsoft.com/office/drawing/2014/main" id="{41672078-55B6-4EB2-A2A0-2A4BDCC09FF1}"/>
-              </a:ext>
-            </a:extLst>
-          </p:cNvPr>
-          <p:cNvSpPr>
-            <a:spLocks noGrp="1"/>
-          </p:cNvSpPr>
-          <p:nvPr>
-            <p:ph type="sldNum" sz="quarter" idx="12"/>
-          </p:nvPr>
-        </p:nvSpPr>
-        <p:spPr/>
-        <p:txBody>
-          <a:bodyPr/>
-          <a:lstStyle/>
-          <a:p>
-            <a:fld id="{50029C49-A5A9-4A95-8BF0-94F73808DB5F}" type="slidenum">
-              <a:rPr lang="zh-TW" altLang="en-US" smtClean="0"/>
-              <a:t>41</a:t>
             </a:fld>
             <a:endParaRPr lang="zh-TW" altLang="en-US"/>
           </a:p>
@@ -10014,7 +9494,71 @@
           <a:p>
             <a:r>
               <a:rPr lang="en-US" altLang="zh-TW" dirty="0"/>
-              <a:t>Introduction(cont’d)</a:t>
+              <a:t>Primer on BLE and BLE over IPv6</a:t>
+            </a:r>
+          </a:p>
+        </p:txBody>
+      </p:sp>
+      <p:sp>
+        <p:nvSpPr>
+          <p:cNvPr id="3" name="內容版面配置區 2">
+            <a:extLst>
+              <a:ext uri="{FF2B5EF4-FFF2-40B4-BE49-F238E27FC236}">
+                <a16:creationId xmlns:a16="http://schemas.microsoft.com/office/drawing/2014/main" id="{E616DA40-9E29-4C7C-A28F-3857701A0286}"/>
+              </a:ext>
+            </a:extLst>
+          </p:cNvPr>
+          <p:cNvSpPr>
+            <a:spLocks noGrp="1"/>
+          </p:cNvSpPr>
+          <p:nvPr>
+            <p:ph idx="1"/>
+          </p:nvPr>
+        </p:nvSpPr>
+        <p:spPr/>
+        <p:txBody>
+          <a:bodyPr>
+            <a:normAutofit fontScale="92500" lnSpcReduction="10000"/>
+          </a:bodyPr>
+          <a:lstStyle/>
+          <a:p>
+            <a:r>
+              <a:rPr lang="en-US" altLang="zh-TW" dirty="0"/>
+              <a:t>Bluetooth Low Energy (BLE) was released in 2011 as part of the Classic Bluetooth specification and both technologies have coexisted and evolved independently since then.</a:t>
+            </a:r>
+          </a:p>
+          <a:p>
+            <a:endParaRPr lang="en-US" altLang="zh-TW" dirty="0"/>
+          </a:p>
+          <a:p>
+            <a:r>
+              <a:rPr lang="en-US" altLang="zh-TW" dirty="0"/>
+              <a:t>BLE operates in the 2.4 GHz band, utilizing frequencies between 2402 and 2480MHz. The used spectrum is divided into 40 channels, each employing a space of 2 </a:t>
+            </a:r>
+            <a:r>
+              <a:rPr lang="en-US" altLang="zh-TW" dirty="0" err="1"/>
+              <a:t>MHz.</a:t>
+            </a:r>
+            <a:r>
+              <a:rPr lang="en-US" altLang="zh-TW" dirty="0"/>
+              <a:t> These channels are divided into</a:t>
+            </a:r>
+            <a:r>
+              <a:rPr lang="zh-TW" altLang="en-US" dirty="0"/>
+              <a:t> </a:t>
+            </a:r>
+            <a:r>
+              <a:rPr lang="en-US" altLang="zh-TW" dirty="0"/>
+              <a:t>3 primary advertisement channels and 37 connection-oriented channels. </a:t>
+            </a:r>
+          </a:p>
+          <a:p>
+            <a:endParaRPr lang="en-US" altLang="zh-TW" dirty="0"/>
+          </a:p>
+          <a:p>
+            <a:r>
+              <a:rPr lang="en-US" altLang="zh-TW" dirty="0"/>
+              <a:t>BLE supports two different ways of communication : an advertising mode and a connection-oriented mode.</a:t>
             </a:r>
             <a:endParaRPr lang="zh-TW" altLang="en-US" dirty="0"/>
           </a:p>
@@ -10022,38 +9566,10 @@
       </p:sp>
       <p:sp>
         <p:nvSpPr>
-          <p:cNvPr id="3" name="內容版面配置區 2">
-            <a:extLst>
-              <a:ext uri="{FF2B5EF4-FFF2-40B4-BE49-F238E27FC236}">
-                <a16:creationId xmlns:a16="http://schemas.microsoft.com/office/drawing/2014/main" id="{E616DA40-9E29-4C7C-A28F-3857701A0286}"/>
-              </a:ext>
-            </a:extLst>
-          </p:cNvPr>
-          <p:cNvSpPr>
-            <a:spLocks noGrp="1"/>
-          </p:cNvSpPr>
-          <p:nvPr>
-            <p:ph idx="1"/>
-          </p:nvPr>
-        </p:nvSpPr>
-        <p:spPr/>
-        <p:txBody>
-          <a:bodyPr/>
-          <a:lstStyle/>
-          <a:p>
-            <a:r>
-              <a:rPr lang="en-US" altLang="zh-TW" dirty="0"/>
-              <a:t>The passive handover approach can be set up without any extra implementation,  but  an  active  handover  approach  offers  more proactive  handover  decisions  and  can  provide  a  much  lower handover latency.</a:t>
-            </a:r>
-          </a:p>
-        </p:txBody>
-      </p:sp>
-      <p:sp>
-        <p:nvSpPr>
           <p:cNvPr id="4" name="投影片編號版面配置區 3">
             <a:extLst>
               <a:ext uri="{FF2B5EF4-FFF2-40B4-BE49-F238E27FC236}">
-                <a16:creationId xmlns:a16="http://schemas.microsoft.com/office/drawing/2014/main" id="{69BF509B-CFE1-4421-99AF-8C1B621F1701}"/>
+                <a16:creationId xmlns:a16="http://schemas.microsoft.com/office/drawing/2014/main" id="{A7079878-D19B-4E92-9126-06F4FF0BF1C0}"/>
               </a:ext>
             </a:extLst>
           </p:cNvPr>
@@ -10080,7 +9596,7 @@
     </p:spTree>
     <p:extLst>
       <p:ext uri="{BB962C8B-B14F-4D97-AF65-F5344CB8AC3E}">
-        <p14:creationId xmlns:p14="http://schemas.microsoft.com/office/powerpoint/2010/main" val="1743366199"/>
+        <p14:creationId xmlns:p14="http://schemas.microsoft.com/office/powerpoint/2010/main" val="809978483"/>
       </p:ext>
     </p:extLst>
   </p:cSld>
@@ -10130,7 +9646,7 @@
           <a:p>
             <a:r>
               <a:rPr lang="en-US" altLang="zh-TW" dirty="0"/>
-              <a:t>Primer on BLE and BLE over IPv6</a:t>
+              <a:t>Primer on BLE and BLE over IPv6(cont’d)</a:t>
             </a:r>
           </a:p>
         </p:txBody>
@@ -10154,58 +9670,23 @@
         <p:spPr/>
         <p:txBody>
           <a:bodyPr>
-            <a:normAutofit fontScale="92500" lnSpcReduction="10000"/>
+            <a:normAutofit/>
           </a:bodyPr>
           <a:lstStyle/>
           <a:p>
             <a:r>
               <a:rPr lang="en-US" altLang="zh-TW" dirty="0"/>
-              <a:t>Bluetooth Low Energy (BLE) was released in 2011 as part of the Classic Bluetooth specification and both technologies have coexisted and evolved independently since then.</a:t>
-            </a:r>
-          </a:p>
-          <a:p>
-            <a:endParaRPr lang="en-US" altLang="zh-TW" dirty="0"/>
-          </a:p>
-          <a:p>
-            <a:r>
-              <a:rPr lang="en-US" altLang="zh-TW" dirty="0"/>
-              <a:t>BLE operates in the 2.4 GHz band, utilizing frequencies between 2402 and 2480MHz. The used spectrum is divided into 40 channels, each employing a space of 2 </a:t>
-            </a:r>
-            <a:r>
-              <a:rPr lang="en-US" altLang="zh-TW" dirty="0" err="1"/>
-              <a:t>MHz.</a:t>
-            </a:r>
-            <a:r>
-              <a:rPr lang="en-US" altLang="zh-TW" dirty="0"/>
-              <a:t> These channels are divided into</a:t>
-            </a:r>
-            <a:r>
-              <a:rPr lang="zh-TW" altLang="en-US" dirty="0"/>
-              <a:t> </a:t>
-            </a:r>
-            <a:r>
-              <a:rPr lang="en-US" altLang="zh-TW" dirty="0"/>
-              <a:t>3 primary advertisement channels and 37 connection-oriented channels. </a:t>
-            </a:r>
-          </a:p>
-          <a:p>
-            <a:endParaRPr lang="en-US" altLang="zh-TW" dirty="0"/>
-          </a:p>
-          <a:p>
-            <a:r>
-              <a:rPr lang="en-US" altLang="zh-TW" dirty="0"/>
-              <a:t>BLE supports two different ways of communication : an advertising mode and a connection-oriented mode.</a:t>
-            </a:r>
-            <a:endParaRPr lang="zh-TW" altLang="en-US" dirty="0"/>
-          </a:p>
-        </p:txBody>
-      </p:sp>
-      <p:sp>
-        <p:nvSpPr>
-          <p:cNvPr id="4" name="投影片編號版面配置區 3">
-            <a:extLst>
-              <a:ext uri="{FF2B5EF4-FFF2-40B4-BE49-F238E27FC236}">
-                <a16:creationId xmlns:a16="http://schemas.microsoft.com/office/drawing/2014/main" id="{A7079878-D19B-4E92-9126-06F4FF0BF1C0}"/>
+              <a:t>In advertising mode , a device can either be in an advertising or scanning state. A BLE advertiser broad-casts advertisement packets on the 3 advertisement channels sequentially, at a certain interval. A BLE scanner scans one of these advertisement channels.</a:t>
+            </a:r>
+          </a:p>
+        </p:txBody>
+      </p:sp>
+      <p:sp>
+        <p:nvSpPr>
+          <p:cNvPr id="9" name="投影片編號版面配置區 8">
+            <a:extLst>
+              <a:ext uri="{FF2B5EF4-FFF2-40B4-BE49-F238E27FC236}">
+                <a16:creationId xmlns:a16="http://schemas.microsoft.com/office/drawing/2014/main" id="{3A06F46F-6C62-467F-8344-A07ED9AE7ACE}"/>
               </a:ext>
             </a:extLst>
           </p:cNvPr>
@@ -10229,10 +9710,40 @@
           </a:p>
         </p:txBody>
       </p:sp>
+      <p:pic>
+        <p:nvPicPr>
+          <p:cNvPr id="7" name="圖片 6">
+            <a:extLst>
+              <a:ext uri="{FF2B5EF4-FFF2-40B4-BE49-F238E27FC236}">
+                <a16:creationId xmlns:a16="http://schemas.microsoft.com/office/drawing/2014/main" id="{D03360D8-0A34-4B9B-8EDF-94EF768549C8}"/>
+              </a:ext>
+            </a:extLst>
+          </p:cNvPr>
+          <p:cNvPicPr>
+            <a:picLocks noChangeAspect="1"/>
+          </p:cNvPicPr>
+          <p:nvPr/>
+        </p:nvPicPr>
+        <p:blipFill>
+          <a:blip r:embed="rId2"/>
+          <a:stretch>
+            <a:fillRect/>
+          </a:stretch>
+        </p:blipFill>
+        <p:spPr>
+          <a:xfrm>
+            <a:off x="2010533" y="3716424"/>
+            <a:ext cx="8170933" cy="2639926"/>
+          </a:xfrm>
+          <a:prstGeom prst="rect">
+            <a:avLst/>
+          </a:prstGeom>
+        </p:spPr>
+      </p:pic>
     </p:spTree>
     <p:extLst>
       <p:ext uri="{BB962C8B-B14F-4D97-AF65-F5344CB8AC3E}">
-        <p14:creationId xmlns:p14="http://schemas.microsoft.com/office/powerpoint/2010/main" val="809978483"/>
+        <p14:creationId xmlns:p14="http://schemas.microsoft.com/office/powerpoint/2010/main" val="1645637635"/>
       </p:ext>
     </p:extLst>
   </p:cSld>
@@ -10311,48 +9822,65 @@
           <a:lstStyle/>
           <a:p>
             <a:r>
-              <a:rPr lang="en-US" altLang="zh-TW" dirty="0"/>
-              <a:t>In advertising mode , a device can either be in an advertising or scanning state. A BLE advertiser broad-casts advertisement packets on the 3 advertisement channels sequentially, at a certain interval. A BLE scanner scans one of these advertisement channels.</a:t>
-            </a:r>
-          </a:p>
-        </p:txBody>
-      </p:sp>
-      <p:pic>
-        <p:nvPicPr>
-          <p:cNvPr id="7" name="圖片 6">
-            <a:extLst>
-              <a:ext uri="{FF2B5EF4-FFF2-40B4-BE49-F238E27FC236}">
-                <a16:creationId xmlns:a16="http://schemas.microsoft.com/office/drawing/2014/main" id="{D03360D8-0A34-4B9B-8EDF-94EF768549C8}"/>
-              </a:ext>
-            </a:extLst>
-          </p:cNvPr>
-          <p:cNvPicPr>
-            <a:picLocks noChangeAspect="1"/>
-          </p:cNvPicPr>
-          <p:nvPr/>
-        </p:nvPicPr>
-        <p:blipFill>
-          <a:blip r:embed="rId2"/>
-          <a:stretch>
-            <a:fillRect/>
-          </a:stretch>
-        </p:blipFill>
-        <p:spPr>
-          <a:xfrm>
-            <a:off x="2010533" y="3716424"/>
-            <a:ext cx="8170933" cy="2639926"/>
-          </a:xfrm>
-          <a:prstGeom prst="rect">
-            <a:avLst/>
-          </a:prstGeom>
-        </p:spPr>
-      </p:pic>
-      <p:sp>
-        <p:nvSpPr>
-          <p:cNvPr id="9" name="投影片編號版面配置區 8">
-            <a:extLst>
-              <a:ext uri="{FF2B5EF4-FFF2-40B4-BE49-F238E27FC236}">
-                <a16:creationId xmlns:a16="http://schemas.microsoft.com/office/drawing/2014/main" id="{3A06F46F-6C62-467F-8344-A07ED9AE7ACE}"/>
+              <a:rPr lang="en-US" altLang="zh-TW" dirty="0">
+                <a:effectLst/>
+                <a:latin typeface="Calibri" panose="020F0502020204030204" pitchFamily="34" charset="0"/>
+                <a:cs typeface="Calibri" panose="020F0502020204030204" pitchFamily="34" charset="0"/>
+              </a:rPr>
+              <a:t>In a BLE connection, one device acts as a BLE central and the other device acts as a BLE peripheral. </a:t>
+            </a:r>
+          </a:p>
+          <a:p>
+            <a:endParaRPr lang="en-US" altLang="zh-TW" dirty="0">
+              <a:latin typeface="Calibri" panose="020F0502020204030204" pitchFamily="34" charset="0"/>
+              <a:cs typeface="Calibri" panose="020F0502020204030204" pitchFamily="34" charset="0"/>
+            </a:endParaRPr>
+          </a:p>
+          <a:p>
+            <a:r>
+              <a:rPr lang="en-US" altLang="zh-TW" dirty="0">
+                <a:effectLst/>
+                <a:latin typeface="Calibri" panose="020F0502020204030204" pitchFamily="34" charset="0"/>
+                <a:cs typeface="Calibri" panose="020F0502020204030204" pitchFamily="34" charset="0"/>
+              </a:rPr>
+              <a:t>The devices communicate within connection events, at a certain interval and initiated by the central.</a:t>
+            </a:r>
+          </a:p>
+          <a:p>
+            <a:endParaRPr lang="en-US" altLang="zh-TW" dirty="0">
+              <a:latin typeface="Calibri" panose="020F0502020204030204" pitchFamily="34" charset="0"/>
+              <a:cs typeface="Calibri" panose="020F0502020204030204" pitchFamily="34" charset="0"/>
+            </a:endParaRPr>
+          </a:p>
+          <a:p>
+            <a:r>
+              <a:rPr lang="en-US" altLang="zh-TW" dirty="0">
+                <a:latin typeface="Calibri" panose="020F0502020204030204" pitchFamily="34" charset="0"/>
+                <a:cs typeface="Calibri" panose="020F0502020204030204" pitchFamily="34" charset="0"/>
+              </a:rPr>
+              <a:t>Use Frequency-hopping spread spectrum(FHSS) and Time division multiple access(TDMA) to </a:t>
+            </a:r>
+            <a:r>
+              <a:rPr lang="en-US" altLang="zh-TW" dirty="0">
+                <a:effectLst/>
+                <a:latin typeface="Calibri" panose="020F0502020204030204" pitchFamily="34" charset="0"/>
+                <a:cs typeface="Calibri" panose="020F0502020204030204" pitchFamily="34" charset="0"/>
+              </a:rPr>
+              <a:t>communicate.</a:t>
+            </a:r>
+            <a:endParaRPr lang="zh-TW" altLang="en-US" dirty="0">
+              <a:latin typeface="Calibri" panose="020F0502020204030204" pitchFamily="34" charset="0"/>
+              <a:cs typeface="Calibri" panose="020F0502020204030204" pitchFamily="34" charset="0"/>
+            </a:endParaRPr>
+          </a:p>
+        </p:txBody>
+      </p:sp>
+      <p:sp>
+        <p:nvSpPr>
+          <p:cNvPr id="4" name="投影片編號版面配置區 3">
+            <a:extLst>
+              <a:ext uri="{FF2B5EF4-FFF2-40B4-BE49-F238E27FC236}">
+                <a16:creationId xmlns:a16="http://schemas.microsoft.com/office/drawing/2014/main" id="{46943CDC-E158-4BE6-85D8-16B7649A4F4B}"/>
               </a:ext>
             </a:extLst>
           </p:cNvPr>
@@ -10379,7 +9907,7 @@
     </p:spTree>
     <p:extLst>
       <p:ext uri="{BB962C8B-B14F-4D97-AF65-F5344CB8AC3E}">
-        <p14:creationId xmlns:p14="http://schemas.microsoft.com/office/powerpoint/2010/main" val="1645637635"/>
+        <p14:creationId xmlns:p14="http://schemas.microsoft.com/office/powerpoint/2010/main" val="4124350203"/>
       </p:ext>
     </p:extLst>
   </p:cSld>
@@ -10458,46 +9986,23 @@
           <a:lstStyle/>
           <a:p>
             <a:r>
-              <a:rPr lang="en-US" altLang="zh-TW" dirty="0">
-                <a:effectLst/>
-                <a:latin typeface="Times New Roman" panose="02020603050405020304" pitchFamily="18" charset="0"/>
-              </a:rPr>
-              <a:t>In a BLE connection, one device acts as a BLE central and the other device acts as a BLE peripheral. </a:t>
-            </a:r>
-          </a:p>
-          <a:p>
-            <a:endParaRPr lang="en-US" altLang="zh-TW" dirty="0">
-              <a:latin typeface="Times New Roman" panose="02020603050405020304" pitchFamily="18" charset="0"/>
-            </a:endParaRPr>
-          </a:p>
-          <a:p>
-            <a:r>
-              <a:rPr lang="en-US" altLang="zh-TW" dirty="0">
-                <a:effectLst/>
-                <a:latin typeface="Times New Roman" panose="02020603050405020304" pitchFamily="18" charset="0"/>
-              </a:rPr>
-              <a:t>The devices communicate within connection events, at a certain interval and initiated by the central.</a:t>
-            </a:r>
-          </a:p>
-          <a:p>
-            <a:endParaRPr lang="en-US" altLang="zh-TW" dirty="0">
-              <a:latin typeface="Times New Roman" panose="02020603050405020304" pitchFamily="18" charset="0"/>
-            </a:endParaRPr>
-          </a:p>
-          <a:p>
-            <a:r>
-              <a:rPr lang="en-US" altLang="zh-TW" dirty="0">
-                <a:latin typeface="Times New Roman" panose="02020603050405020304" pitchFamily="18" charset="0"/>
-              </a:rPr>
-              <a:t>Use Frequency-hopping spread spectrum(FHSS) and Time division multiple access(TDMA) to </a:t>
-            </a:r>
-            <a:r>
-              <a:rPr lang="en-US" altLang="zh-TW" dirty="0">
-                <a:effectLst/>
-                <a:latin typeface="Times New Roman" panose="02020603050405020304" pitchFamily="18" charset="0"/>
-              </a:rPr>
-              <a:t>communicate.</a:t>
-            </a:r>
+              <a:rPr lang="en-US" altLang="zh-TW" dirty="0"/>
+              <a:t>About BLE over IPv6.</a:t>
+            </a:r>
+          </a:p>
+          <a:p>
+            <a:endParaRPr lang="en-US" altLang="zh-TW" dirty="0"/>
+          </a:p>
+          <a:p>
+            <a:r>
+              <a:rPr lang="en-US" altLang="zh-TW" dirty="0"/>
+              <a:t>It exploits the existing BLE stack layers and adds a 6LoWPAN layer between the BLE layers and the IP layer.</a:t>
+            </a:r>
+          </a:p>
+          <a:p>
+            <a:endParaRPr lang="en-US" altLang="zh-TW" dirty="0"/>
+          </a:p>
+          <a:p>
             <a:endParaRPr lang="zh-TW" altLang="en-US" dirty="0"/>
           </a:p>
         </p:txBody>
@@ -10526,138 +10031,6 @@
             <a:fld id="{50029C49-A5A9-4A95-8BF0-94F73808DB5F}" type="slidenum">
               <a:rPr lang="zh-TW" altLang="en-US" smtClean="0"/>
               <a:t>8</a:t>
-            </a:fld>
-            <a:endParaRPr lang="zh-TW" altLang="en-US"/>
-          </a:p>
-        </p:txBody>
-      </p:sp>
-    </p:spTree>
-    <p:extLst>
-      <p:ext uri="{BB962C8B-B14F-4D97-AF65-F5344CB8AC3E}">
-        <p14:creationId xmlns:p14="http://schemas.microsoft.com/office/powerpoint/2010/main" val="4124350203"/>
-      </p:ext>
-    </p:extLst>
-  </p:cSld>
-  <p:clrMapOvr>
-    <a:masterClrMapping/>
-  </p:clrMapOvr>
-</p:sld>
-</file>
-
-<file path=ppt/slides/slide9.xml><?xml version="1.0" encoding="utf-8"?>
-<p:sld xmlns:a="http://schemas.openxmlformats.org/drawingml/2006/main" xmlns:r="http://schemas.openxmlformats.org/officeDocument/2006/relationships" xmlns:p="http://schemas.openxmlformats.org/presentationml/2006/main">
-  <p:cSld>
-    <p:spTree>
-      <p:nvGrpSpPr>
-        <p:cNvPr id="1" name=""/>
-        <p:cNvGrpSpPr/>
-        <p:nvPr/>
-      </p:nvGrpSpPr>
-      <p:grpSpPr>
-        <a:xfrm>
-          <a:off x="0" y="0"/>
-          <a:ext cx="0" cy="0"/>
-          <a:chOff x="0" y="0"/>
-          <a:chExt cx="0" cy="0"/>
-        </a:xfrm>
-      </p:grpSpPr>
-      <p:sp>
-        <p:nvSpPr>
-          <p:cNvPr id="2" name="標題 1">
-            <a:extLst>
-              <a:ext uri="{FF2B5EF4-FFF2-40B4-BE49-F238E27FC236}">
-                <a16:creationId xmlns:a16="http://schemas.microsoft.com/office/drawing/2014/main" id="{14B7E57E-D063-41EF-A857-5628A20B75BC}"/>
-              </a:ext>
-            </a:extLst>
-          </p:cNvPr>
-          <p:cNvSpPr>
-            <a:spLocks noGrp="1"/>
-          </p:cNvSpPr>
-          <p:nvPr>
-            <p:ph type="title"/>
-          </p:nvPr>
-        </p:nvSpPr>
-        <p:spPr/>
-        <p:txBody>
-          <a:bodyPr/>
-          <a:lstStyle/>
-          <a:p>
-            <a:r>
-              <a:rPr lang="en-US" altLang="zh-TW" dirty="0"/>
-              <a:t>Primer on BLE and BLE over IPv6(cont’d)</a:t>
-            </a:r>
-          </a:p>
-        </p:txBody>
-      </p:sp>
-      <p:sp>
-        <p:nvSpPr>
-          <p:cNvPr id="3" name="內容版面配置區 2">
-            <a:extLst>
-              <a:ext uri="{FF2B5EF4-FFF2-40B4-BE49-F238E27FC236}">
-                <a16:creationId xmlns:a16="http://schemas.microsoft.com/office/drawing/2014/main" id="{E616DA40-9E29-4C7C-A28F-3857701A0286}"/>
-              </a:ext>
-            </a:extLst>
-          </p:cNvPr>
-          <p:cNvSpPr>
-            <a:spLocks noGrp="1"/>
-          </p:cNvSpPr>
-          <p:nvPr>
-            <p:ph idx="1"/>
-          </p:nvPr>
-        </p:nvSpPr>
-        <p:spPr/>
-        <p:txBody>
-          <a:bodyPr>
-            <a:normAutofit/>
-          </a:bodyPr>
-          <a:lstStyle/>
-          <a:p>
-            <a:r>
-              <a:rPr lang="en-US" altLang="zh-TW" dirty="0"/>
-              <a:t>About BLE over IPv6.</a:t>
-            </a:r>
-          </a:p>
-          <a:p>
-            <a:endParaRPr lang="en-US" altLang="zh-TW" dirty="0"/>
-          </a:p>
-          <a:p>
-            <a:r>
-              <a:rPr lang="en-US" altLang="zh-TW" dirty="0"/>
-              <a:t>It exploits the existing BLE stack layers and adds a6LoWPAN layer between the BLE layers and the IP layer.</a:t>
-            </a:r>
-          </a:p>
-          <a:p>
-            <a:endParaRPr lang="en-US" altLang="zh-TW" dirty="0"/>
-          </a:p>
-          <a:p>
-            <a:endParaRPr lang="zh-TW" altLang="en-US" dirty="0"/>
-          </a:p>
-        </p:txBody>
-      </p:sp>
-      <p:sp>
-        <p:nvSpPr>
-          <p:cNvPr id="4" name="投影片編號版面配置區 3">
-            <a:extLst>
-              <a:ext uri="{FF2B5EF4-FFF2-40B4-BE49-F238E27FC236}">
-                <a16:creationId xmlns:a16="http://schemas.microsoft.com/office/drawing/2014/main" id="{46943CDC-E158-4BE6-85D8-16B7649A4F4B}"/>
-              </a:ext>
-            </a:extLst>
-          </p:cNvPr>
-          <p:cNvSpPr>
-            <a:spLocks noGrp="1"/>
-          </p:cNvSpPr>
-          <p:nvPr>
-            <p:ph type="sldNum" sz="quarter" idx="12"/>
-          </p:nvPr>
-        </p:nvSpPr>
-        <p:spPr/>
-        <p:txBody>
-          <a:bodyPr/>
-          <a:lstStyle/>
-          <a:p>
-            <a:fld id="{50029C49-A5A9-4A95-8BF0-94F73808DB5F}" type="slidenum">
-              <a:rPr lang="zh-TW" altLang="en-US" smtClean="0"/>
-              <a:t>9</a:t>
             </a:fld>
             <a:endParaRPr lang="zh-TW" altLang="en-US"/>
           </a:p>
@@ -10706,10 +10079,137 @@
 </p:sld>
 </file>
 
+<file path=ppt/slides/slide9.xml><?xml version="1.0" encoding="utf-8"?>
+<p:sld xmlns:a="http://schemas.openxmlformats.org/drawingml/2006/main" xmlns:r="http://schemas.openxmlformats.org/officeDocument/2006/relationships" xmlns:p="http://schemas.openxmlformats.org/presentationml/2006/main">
+  <p:cSld>
+    <p:spTree>
+      <p:nvGrpSpPr>
+        <p:cNvPr id="1" name=""/>
+        <p:cNvGrpSpPr/>
+        <p:nvPr/>
+      </p:nvGrpSpPr>
+      <p:grpSpPr>
+        <a:xfrm>
+          <a:off x="0" y="0"/>
+          <a:ext cx="0" cy="0"/>
+          <a:chOff x="0" y="0"/>
+          <a:chExt cx="0" cy="0"/>
+        </a:xfrm>
+      </p:grpSpPr>
+      <p:sp>
+        <p:nvSpPr>
+          <p:cNvPr id="2" name="標題 1">
+            <a:extLst>
+              <a:ext uri="{FF2B5EF4-FFF2-40B4-BE49-F238E27FC236}">
+                <a16:creationId xmlns:a16="http://schemas.microsoft.com/office/drawing/2014/main" id="{14B7E57E-D063-41EF-A857-5628A20B75BC}"/>
+              </a:ext>
+            </a:extLst>
+          </p:cNvPr>
+          <p:cNvSpPr>
+            <a:spLocks noGrp="1"/>
+          </p:cNvSpPr>
+          <p:nvPr>
+            <p:ph type="title"/>
+          </p:nvPr>
+        </p:nvSpPr>
+        <p:spPr/>
+        <p:txBody>
+          <a:bodyPr/>
+          <a:lstStyle/>
+          <a:p>
+            <a:r>
+              <a:rPr lang="en-US" altLang="zh-TW" dirty="0"/>
+              <a:t>Primer on BLE and BLE over IPv6(cont’d)</a:t>
+            </a:r>
+          </a:p>
+        </p:txBody>
+      </p:sp>
+      <p:sp>
+        <p:nvSpPr>
+          <p:cNvPr id="3" name="內容版面配置區 2">
+            <a:extLst>
+              <a:ext uri="{FF2B5EF4-FFF2-40B4-BE49-F238E27FC236}">
+                <a16:creationId xmlns:a16="http://schemas.microsoft.com/office/drawing/2014/main" id="{E616DA40-9E29-4C7C-A28F-3857701A0286}"/>
+              </a:ext>
+            </a:extLst>
+          </p:cNvPr>
+          <p:cNvSpPr>
+            <a:spLocks noGrp="1"/>
+          </p:cNvSpPr>
+          <p:nvPr>
+            <p:ph idx="1"/>
+          </p:nvPr>
+        </p:nvSpPr>
+        <p:spPr/>
+        <p:txBody>
+          <a:bodyPr>
+            <a:normAutofit/>
+          </a:bodyPr>
+          <a:lstStyle/>
+          <a:p>
+            <a:r>
+              <a:rPr lang="en-US" altLang="zh-TW" dirty="0"/>
+              <a:t>The BLE central acts as 6LoWPAN border router (6LBR) and one or more BLE peripherals as 6LoWPAN nodes (6LN), resulting in an isolated IPv6 over BLE subnet.</a:t>
+            </a:r>
+          </a:p>
+          <a:p>
+            <a:endParaRPr lang="en-US" altLang="zh-TW" dirty="0"/>
+          </a:p>
+          <a:p>
+            <a:r>
+              <a:rPr lang="en-US" altLang="zh-TW" dirty="0"/>
+              <a:t>The 6LoWPAN border router can also be connected to the Internet, ultimately allowing end-to-end IPv6 connectivity between a BLE peripheral and any application server on the Internet.</a:t>
+            </a:r>
+            <a:endParaRPr lang="zh-TW" altLang="en-US" dirty="0"/>
+          </a:p>
+        </p:txBody>
+      </p:sp>
+      <p:sp>
+        <p:nvSpPr>
+          <p:cNvPr id="4" name="投影片編號版面配置區 3">
+            <a:extLst>
+              <a:ext uri="{FF2B5EF4-FFF2-40B4-BE49-F238E27FC236}">
+                <a16:creationId xmlns:a16="http://schemas.microsoft.com/office/drawing/2014/main" id="{46943CDC-E158-4BE6-85D8-16B7649A4F4B}"/>
+              </a:ext>
+            </a:extLst>
+          </p:cNvPr>
+          <p:cNvSpPr>
+            <a:spLocks noGrp="1"/>
+          </p:cNvSpPr>
+          <p:nvPr>
+            <p:ph type="sldNum" sz="quarter" idx="12"/>
+          </p:nvPr>
+        </p:nvSpPr>
+        <p:spPr/>
+        <p:txBody>
+          <a:bodyPr/>
+          <a:lstStyle/>
+          <a:p>
+            <a:fld id="{50029C49-A5A9-4A95-8BF0-94F73808DB5F}" type="slidenum">
+              <a:rPr lang="zh-TW" altLang="en-US" smtClean="0"/>
+              <a:t>9</a:t>
+            </a:fld>
+            <a:endParaRPr lang="zh-TW" altLang="en-US"/>
+          </a:p>
+        </p:txBody>
+      </p:sp>
+    </p:spTree>
+    <p:extLst>
+      <p:ext uri="{BB962C8B-B14F-4D97-AF65-F5344CB8AC3E}">
+        <p14:creationId xmlns:p14="http://schemas.microsoft.com/office/powerpoint/2010/main" val="1765233339"/>
+      </p:ext>
+    </p:extLst>
+  </p:cSld>
+  <p:clrMapOvr>
+    <a:masterClrMapping/>
+  </p:clrMapOvr>
+</p:sld>
+</file>
+
 <file path=ppt/theme/theme1.xml><?xml version="1.0" encoding="utf-8"?>
-<a:theme xmlns:a="http://schemas.openxmlformats.org/drawingml/2006/main" name="Office 佈景主題">
+<a:theme xmlns:a="http://schemas.openxmlformats.org/drawingml/2006/main" name="Office Theme">
   <a:themeElements>
-    <a:clrScheme name="Office">
+    <a:clrScheme name="Office 佈景主題">
       <a:dk1>
         <a:sysClr val="windowText" lastClr="000000"/>
       </a:dk1>
@@ -10747,7 +10247,7 @@
         <a:srgbClr val="954F72"/>
       </a:folHlink>
     </a:clrScheme>
-    <a:fontScheme name="Office">
+    <a:fontScheme name="Office 佈景主題">
       <a:majorFont>
         <a:latin typeface="Calibri Light" panose="020F0302020204030204"/>
         <a:ea typeface=""/>
@@ -10782,23 +10282,6 @@
         <a:font script="Viet" typeface="Times New Roman"/>
         <a:font script="Uigh" typeface="Microsoft Uighur"/>
         <a:font script="Geor" typeface="Sylfaen"/>
-        <a:font script="Armn" typeface="Arial"/>
-        <a:font script="Bugi" typeface="Leelawadee UI"/>
-        <a:font script="Bopo" typeface="Microsoft JhengHei"/>
-        <a:font script="Java" typeface="Javanese Text"/>
-        <a:font script="Lisu" typeface="Segoe UI"/>
-        <a:font script="Mymr" typeface="Myanmar Text"/>
-        <a:font script="Nkoo" typeface="Ebrima"/>
-        <a:font script="Olck" typeface="Nirmala UI"/>
-        <a:font script="Osma" typeface="Ebrima"/>
-        <a:font script="Phag" typeface="Phagspa"/>
-        <a:font script="Syrn" typeface="Estrangelo Edessa"/>
-        <a:font script="Syrj" typeface="Estrangelo Edessa"/>
-        <a:font script="Syre" typeface="Estrangelo Edessa"/>
-        <a:font script="Sora" typeface="Nirmala UI"/>
-        <a:font script="Tale" typeface="Microsoft Tai Le"/>
-        <a:font script="Talu" typeface="Microsoft New Tai Lue"/>
-        <a:font script="Tfng" typeface="Ebrima"/>
       </a:majorFont>
       <a:minorFont>
         <a:latin typeface="Calibri" panose="020F0502020204030204"/>
@@ -10834,26 +10317,9 @@
         <a:font script="Viet" typeface="Arial"/>
         <a:font script="Uigh" typeface="Microsoft Uighur"/>
         <a:font script="Geor" typeface="Sylfaen"/>
-        <a:font script="Armn" typeface="Arial"/>
-        <a:font script="Bugi" typeface="Leelawadee UI"/>
-        <a:font script="Bopo" typeface="Microsoft JhengHei"/>
-        <a:font script="Java" typeface="Javanese Text"/>
-        <a:font script="Lisu" typeface="Segoe UI"/>
-        <a:font script="Mymr" typeface="Myanmar Text"/>
-        <a:font script="Nkoo" typeface="Ebrima"/>
-        <a:font script="Olck" typeface="Nirmala UI"/>
-        <a:font script="Osma" typeface="Ebrima"/>
-        <a:font script="Phag" typeface="Phagspa"/>
-        <a:font script="Syrn" typeface="Estrangelo Edessa"/>
-        <a:font script="Syrj" typeface="Estrangelo Edessa"/>
-        <a:font script="Syre" typeface="Estrangelo Edessa"/>
-        <a:font script="Sora" typeface="Nirmala UI"/>
-        <a:font script="Tale" typeface="Microsoft Tai Le"/>
-        <a:font script="Talu" typeface="Microsoft New Tai Lue"/>
-        <a:font script="Tfng" typeface="Ebrima"/>
       </a:minorFont>
     </a:fontScheme>
-    <a:fmtScheme name="Office">
+    <a:fmtScheme name="Office 佈景主題">
       <a:fillStyleLst>
         <a:solidFill>
           <a:schemeClr val="phClr"/>
@@ -10995,7 +10461,7 @@
   <a:extraClrSchemeLst/>
   <a:extLst>
     <a:ext uri="{05A4C25C-085E-4340-85A3-A5531E510DB2}">
-      <thm15:themeFamily xmlns:thm15="http://schemas.microsoft.com/office/thememl/2012/main" name="Office Theme" id="{62F939B6-93AF-4DB8-9C6B-D6C7DFDC589F}" vid="{4A3C46E8-61CC-4603-A589-7422A47A8E4A}"/>
+      <thm15:themeFamily xmlns:thm15="http://schemas.microsoft.com/office/thememl/2012/main" name="Office Theme" id="{62F939B6-93AF-4DB8-9C6B-D6C7DFDC589F}" vid="{4F46216B-77A9-411A-B9D3-5023FCB70208}"/>
     </a:ext>
   </a:extLst>
 </a:theme>

--- a/A BLE-based multi-gateway network infrastructure with handover support for mobile BLE peripherals.pptx
+++ b/A BLE-based multi-gateway network infrastructure with handover support for mobile BLE peripherals.pptx
@@ -5,7 +5,7 @@
     <p:sldMasterId id="2147483660" r:id="rId1"/>
   </p:sldMasterIdLst>
   <p:notesMasterIdLst>
-    <p:notesMasterId r:id="rId42"/>
+    <p:notesMasterId r:id="rId43"/>
   </p:notesMasterIdLst>
   <p:sldIdLst>
     <p:sldId id="256" r:id="rId2"/>
@@ -13,41 +13,42 @@
     <p:sldId id="259" r:id="rId4"/>
     <p:sldId id="289" r:id="rId5"/>
     <p:sldId id="264" r:id="rId6"/>
-    <p:sldId id="265" r:id="rId7"/>
-    <p:sldId id="266" r:id="rId8"/>
-    <p:sldId id="291" r:id="rId9"/>
-    <p:sldId id="292" r:id="rId10"/>
-    <p:sldId id="288" r:id="rId11"/>
-    <p:sldId id="294" r:id="rId12"/>
-    <p:sldId id="295" r:id="rId13"/>
-    <p:sldId id="296" r:id="rId14"/>
-    <p:sldId id="297" r:id="rId15"/>
-    <p:sldId id="298" r:id="rId16"/>
-    <p:sldId id="282" r:id="rId17"/>
-    <p:sldId id="283" r:id="rId18"/>
-    <p:sldId id="284" r:id="rId19"/>
-    <p:sldId id="285" r:id="rId20"/>
-    <p:sldId id="286" r:id="rId21"/>
-    <p:sldId id="287" r:id="rId22"/>
-    <p:sldId id="281" r:id="rId23"/>
-    <p:sldId id="268" r:id="rId24"/>
-    <p:sldId id="269" r:id="rId25"/>
-    <p:sldId id="272" r:id="rId26"/>
-    <p:sldId id="274" r:id="rId27"/>
-    <p:sldId id="271" r:id="rId28"/>
-    <p:sldId id="273" r:id="rId29"/>
-    <p:sldId id="270" r:id="rId30"/>
-    <p:sldId id="275" r:id="rId31"/>
-    <p:sldId id="276" r:id="rId32"/>
-    <p:sldId id="279" r:id="rId33"/>
-    <p:sldId id="280" r:id="rId34"/>
-    <p:sldId id="277" r:id="rId35"/>
-    <p:sldId id="278" r:id="rId36"/>
-    <p:sldId id="260" r:id="rId37"/>
-    <p:sldId id="261" r:id="rId38"/>
-    <p:sldId id="262" r:id="rId39"/>
-    <p:sldId id="263" r:id="rId40"/>
-    <p:sldId id="258" r:id="rId41"/>
+    <p:sldId id="299" r:id="rId7"/>
+    <p:sldId id="265" r:id="rId8"/>
+    <p:sldId id="266" r:id="rId9"/>
+    <p:sldId id="291" r:id="rId10"/>
+    <p:sldId id="292" r:id="rId11"/>
+    <p:sldId id="288" r:id="rId12"/>
+    <p:sldId id="294" r:id="rId13"/>
+    <p:sldId id="295" r:id="rId14"/>
+    <p:sldId id="296" r:id="rId15"/>
+    <p:sldId id="297" r:id="rId16"/>
+    <p:sldId id="298" r:id="rId17"/>
+    <p:sldId id="282" r:id="rId18"/>
+    <p:sldId id="283" r:id="rId19"/>
+    <p:sldId id="284" r:id="rId20"/>
+    <p:sldId id="285" r:id="rId21"/>
+    <p:sldId id="286" r:id="rId22"/>
+    <p:sldId id="287" r:id="rId23"/>
+    <p:sldId id="281" r:id="rId24"/>
+    <p:sldId id="268" r:id="rId25"/>
+    <p:sldId id="269" r:id="rId26"/>
+    <p:sldId id="272" r:id="rId27"/>
+    <p:sldId id="274" r:id="rId28"/>
+    <p:sldId id="271" r:id="rId29"/>
+    <p:sldId id="273" r:id="rId30"/>
+    <p:sldId id="270" r:id="rId31"/>
+    <p:sldId id="275" r:id="rId32"/>
+    <p:sldId id="276" r:id="rId33"/>
+    <p:sldId id="279" r:id="rId34"/>
+    <p:sldId id="280" r:id="rId35"/>
+    <p:sldId id="277" r:id="rId36"/>
+    <p:sldId id="278" r:id="rId37"/>
+    <p:sldId id="260" r:id="rId38"/>
+    <p:sldId id="261" r:id="rId39"/>
+    <p:sldId id="262" r:id="rId40"/>
+    <p:sldId id="263" r:id="rId41"/>
+    <p:sldId id="258" r:id="rId42"/>
   </p:sldIdLst>
   <p:sldSz cx="12192000" cy="6858000"/>
   <p:notesSz cx="6858000" cy="9144000"/>
@@ -236,7 +237,7 @@
           <a:p>
             <a:fld id="{7CA39BEF-41DE-4F8F-A76E-8A56F3CDA1D9}" type="datetimeFigureOut">
               <a:rPr lang="zh-TW" altLang="en-US" smtClean="0"/>
-              <a:t>2020/9/24</a:t>
+              <a:t>2020/9/26</a:t>
             </a:fld>
             <a:endParaRPr lang="zh-TW" altLang="en-US"/>
           </a:p>
@@ -522,7 +523,7 @@
       </p:grpSpPr>
       <p:sp>
         <p:nvSpPr>
-          <p:cNvPr id="2" name="投影片影像版面配置區 1"/>
+          <p:cNvPr id="2" name="投影片圖像版面配置區 1"/>
           <p:cNvSpPr>
             <a:spLocks noGrp="1" noRot="1" noChangeAspect="1"/>
           </p:cNvSpPr>
@@ -547,14 +548,7 @@
           <a:bodyPr/>
           <a:lstStyle/>
           <a:p>
-            <a:r>
-              <a:rPr lang="en-US" altLang="zh-TW" dirty="0"/>
-              <a:t>Paper</a:t>
-            </a:r>
-            <a:r>
-              <a:rPr lang="zh-TW" altLang="en-US" dirty="0"/>
-              <a:t>的公式是錯的。</a:t>
-            </a:r>
+            <a:endParaRPr lang="zh-TW" altLang="en-US" dirty="0"/>
           </a:p>
         </p:txBody>
       </p:sp>
@@ -565,7 +559,7 @@
             <a:spLocks noGrp="1"/>
           </p:cNvSpPr>
           <p:nvPr>
-            <p:ph type="sldNum" sz="quarter" idx="5"/>
+            <p:ph type="sldNum" sz="quarter" idx="10"/>
           </p:nvPr>
         </p:nvSpPr>
         <p:spPr/>
@@ -575,7 +569,7 @@
           <a:p>
             <a:fld id="{48C17303-7880-4EB0-BBD6-662AD90969CD}" type="slidenum">
               <a:rPr lang="zh-TW" altLang="en-US" smtClean="0"/>
-              <a:t>24</a:t>
+              <a:t>2</a:t>
             </a:fld>
             <a:endParaRPr lang="zh-TW" altLang="en-US"/>
           </a:p>
@@ -584,7 +578,7 @@
     </p:spTree>
     <p:extLst>
       <p:ext uri="{BB962C8B-B14F-4D97-AF65-F5344CB8AC3E}">
-        <p14:creationId xmlns:p14="http://schemas.microsoft.com/office/powerpoint/2010/main" val="1283517848"/>
+        <p14:creationId xmlns:p14="http://schemas.microsoft.com/office/powerpoint/2010/main" val="4210024705"/>
       </p:ext>
     </p:extLst>
   </p:cSld>
@@ -613,7 +607,7 @@
       </p:grpSpPr>
       <p:sp>
         <p:nvSpPr>
-          <p:cNvPr id="2" name="投影片影像版面配置區 1"/>
+          <p:cNvPr id="2" name="投影片圖像版面配置區 1"/>
           <p:cNvSpPr>
             <a:spLocks noGrp="1" noRot="1" noChangeAspect="1"/>
           </p:cNvSpPr>
@@ -638,26 +632,7 @@
           <a:bodyPr/>
           <a:lstStyle/>
           <a:p>
-            <a:r>
-              <a:rPr lang="zh-TW" altLang="en-US" dirty="0"/>
-              <a:t>但使用連續</a:t>
-            </a:r>
-            <a:r>
-              <a:rPr lang="en-US" altLang="zh-TW" dirty="0"/>
-              <a:t>scan</a:t>
-            </a:r>
-            <a:r>
-              <a:rPr lang="zh-TW" altLang="en-US" dirty="0"/>
-              <a:t>可降低外圍設備的功耗，因為可較快接收到</a:t>
-            </a:r>
-            <a:r>
-              <a:rPr lang="en-US" altLang="zh-TW" dirty="0"/>
-              <a:t>advertising</a:t>
-            </a:r>
-            <a:r>
-              <a:rPr lang="zh-TW" altLang="en-US" dirty="0"/>
-              <a:t>。</a:t>
-            </a:r>
+            <a:endParaRPr lang="zh-TW" altLang="en-US" dirty="0"/>
           </a:p>
         </p:txBody>
       </p:sp>
@@ -668,7 +643,7 @@
             <a:spLocks noGrp="1"/>
           </p:cNvSpPr>
           <p:nvPr>
-            <p:ph type="sldNum" sz="quarter" idx="5"/>
+            <p:ph type="sldNum" sz="quarter" idx="10"/>
           </p:nvPr>
         </p:nvSpPr>
         <p:spPr/>
@@ -678,7 +653,7 @@
           <a:p>
             <a:fld id="{48C17303-7880-4EB0-BBD6-662AD90969CD}" type="slidenum">
               <a:rPr lang="zh-TW" altLang="en-US" smtClean="0"/>
-              <a:t>26</a:t>
+              <a:t>6</a:t>
             </a:fld>
             <a:endParaRPr lang="zh-TW" altLang="en-US"/>
           </a:p>
@@ -687,7 +662,7 @@
     </p:spTree>
     <p:extLst>
       <p:ext uri="{BB962C8B-B14F-4D97-AF65-F5344CB8AC3E}">
-        <p14:creationId xmlns:p14="http://schemas.microsoft.com/office/powerpoint/2010/main" val="3430788190"/>
+        <p14:creationId xmlns:p14="http://schemas.microsoft.com/office/powerpoint/2010/main" val="3078125441"/>
       </p:ext>
     </p:extLst>
   </p:cSld>
@@ -743,6 +718,200 @@
           <a:p>
             <a:r>
               <a:rPr lang="en-US" altLang="zh-TW" dirty="0"/>
+              <a:t>Paper</a:t>
+            </a:r>
+            <a:r>
+              <a:rPr lang="zh-TW" altLang="en-US" dirty="0"/>
+              <a:t>的公式是錯的。</a:t>
+            </a:r>
+          </a:p>
+        </p:txBody>
+      </p:sp>
+      <p:sp>
+        <p:nvSpPr>
+          <p:cNvPr id="4" name="投影片編號版面配置區 3"/>
+          <p:cNvSpPr>
+            <a:spLocks noGrp="1"/>
+          </p:cNvSpPr>
+          <p:nvPr>
+            <p:ph type="sldNum" sz="quarter" idx="5"/>
+          </p:nvPr>
+        </p:nvSpPr>
+        <p:spPr/>
+        <p:txBody>
+          <a:bodyPr/>
+          <a:lstStyle/>
+          <a:p>
+            <a:fld id="{48C17303-7880-4EB0-BBD6-662AD90969CD}" type="slidenum">
+              <a:rPr lang="zh-TW" altLang="en-US" smtClean="0"/>
+              <a:t>25</a:t>
+            </a:fld>
+            <a:endParaRPr lang="zh-TW" altLang="en-US"/>
+          </a:p>
+        </p:txBody>
+      </p:sp>
+    </p:spTree>
+    <p:extLst>
+      <p:ext uri="{BB962C8B-B14F-4D97-AF65-F5344CB8AC3E}">
+        <p14:creationId xmlns:p14="http://schemas.microsoft.com/office/powerpoint/2010/main" val="1283517848"/>
+      </p:ext>
+    </p:extLst>
+  </p:cSld>
+  <p:clrMapOvr>
+    <a:masterClrMapping/>
+  </p:clrMapOvr>
+</p:notes>
+</file>
+
+<file path=ppt/notesSlides/notesSlide4.xml><?xml version="1.0" encoding="utf-8"?>
+<p:notes xmlns:a="http://schemas.openxmlformats.org/drawingml/2006/main" xmlns:r="http://schemas.openxmlformats.org/officeDocument/2006/relationships" xmlns:p="http://schemas.openxmlformats.org/presentationml/2006/main">
+  <p:cSld>
+    <p:spTree>
+      <p:nvGrpSpPr>
+        <p:cNvPr id="1" name=""/>
+        <p:cNvGrpSpPr/>
+        <p:nvPr/>
+      </p:nvGrpSpPr>
+      <p:grpSpPr>
+        <a:xfrm>
+          <a:off x="0" y="0"/>
+          <a:ext cx="0" cy="0"/>
+          <a:chOff x="0" y="0"/>
+          <a:chExt cx="0" cy="0"/>
+        </a:xfrm>
+      </p:grpSpPr>
+      <p:sp>
+        <p:nvSpPr>
+          <p:cNvPr id="2" name="投影片影像版面配置區 1"/>
+          <p:cNvSpPr>
+            <a:spLocks noGrp="1" noRot="1" noChangeAspect="1"/>
+          </p:cNvSpPr>
+          <p:nvPr>
+            <p:ph type="sldImg"/>
+          </p:nvPr>
+        </p:nvSpPr>
+        <p:spPr/>
+      </p:sp>
+      <p:sp>
+        <p:nvSpPr>
+          <p:cNvPr id="3" name="備忘稿版面配置區 2"/>
+          <p:cNvSpPr>
+            <a:spLocks noGrp="1"/>
+          </p:cNvSpPr>
+          <p:nvPr>
+            <p:ph type="body" idx="1"/>
+          </p:nvPr>
+        </p:nvSpPr>
+        <p:spPr/>
+        <p:txBody>
+          <a:bodyPr/>
+          <a:lstStyle/>
+          <a:p>
+            <a:r>
+              <a:rPr lang="zh-TW" altLang="en-US" dirty="0"/>
+              <a:t>但使用連續</a:t>
+            </a:r>
+            <a:r>
+              <a:rPr lang="en-US" altLang="zh-TW" dirty="0"/>
+              <a:t>scan</a:t>
+            </a:r>
+            <a:r>
+              <a:rPr lang="zh-TW" altLang="en-US" dirty="0"/>
+              <a:t>可降低外圍設備的功耗，因為可較快接收到</a:t>
+            </a:r>
+            <a:r>
+              <a:rPr lang="en-US" altLang="zh-TW" dirty="0"/>
+              <a:t>advertising</a:t>
+            </a:r>
+            <a:r>
+              <a:rPr lang="zh-TW" altLang="en-US" dirty="0"/>
+              <a:t>。</a:t>
+            </a:r>
+          </a:p>
+        </p:txBody>
+      </p:sp>
+      <p:sp>
+        <p:nvSpPr>
+          <p:cNvPr id="4" name="投影片編號版面配置區 3"/>
+          <p:cNvSpPr>
+            <a:spLocks noGrp="1"/>
+          </p:cNvSpPr>
+          <p:nvPr>
+            <p:ph type="sldNum" sz="quarter" idx="5"/>
+          </p:nvPr>
+        </p:nvSpPr>
+        <p:spPr/>
+        <p:txBody>
+          <a:bodyPr/>
+          <a:lstStyle/>
+          <a:p>
+            <a:fld id="{48C17303-7880-4EB0-BBD6-662AD90969CD}" type="slidenum">
+              <a:rPr lang="zh-TW" altLang="en-US" smtClean="0"/>
+              <a:t>27</a:t>
+            </a:fld>
+            <a:endParaRPr lang="zh-TW" altLang="en-US"/>
+          </a:p>
+        </p:txBody>
+      </p:sp>
+    </p:spTree>
+    <p:extLst>
+      <p:ext uri="{BB962C8B-B14F-4D97-AF65-F5344CB8AC3E}">
+        <p14:creationId xmlns:p14="http://schemas.microsoft.com/office/powerpoint/2010/main" val="3430788190"/>
+      </p:ext>
+    </p:extLst>
+  </p:cSld>
+  <p:clrMapOvr>
+    <a:masterClrMapping/>
+  </p:clrMapOvr>
+</p:notes>
+</file>
+
+<file path=ppt/notesSlides/notesSlide5.xml><?xml version="1.0" encoding="utf-8"?>
+<p:notes xmlns:a="http://schemas.openxmlformats.org/drawingml/2006/main" xmlns:r="http://schemas.openxmlformats.org/officeDocument/2006/relationships" xmlns:p="http://schemas.openxmlformats.org/presentationml/2006/main">
+  <p:cSld>
+    <p:spTree>
+      <p:nvGrpSpPr>
+        <p:cNvPr id="1" name=""/>
+        <p:cNvGrpSpPr/>
+        <p:nvPr/>
+      </p:nvGrpSpPr>
+      <p:grpSpPr>
+        <a:xfrm>
+          <a:off x="0" y="0"/>
+          <a:ext cx="0" cy="0"/>
+          <a:chOff x="0" y="0"/>
+          <a:chExt cx="0" cy="0"/>
+        </a:xfrm>
+      </p:grpSpPr>
+      <p:sp>
+        <p:nvSpPr>
+          <p:cNvPr id="2" name="投影片影像版面配置區 1"/>
+          <p:cNvSpPr>
+            <a:spLocks noGrp="1" noRot="1" noChangeAspect="1"/>
+          </p:cNvSpPr>
+          <p:nvPr>
+            <p:ph type="sldImg"/>
+          </p:nvPr>
+        </p:nvSpPr>
+        <p:spPr/>
+      </p:sp>
+      <p:sp>
+        <p:nvSpPr>
+          <p:cNvPr id="3" name="備忘稿版面配置區 2"/>
+          <p:cNvSpPr>
+            <a:spLocks noGrp="1"/>
+          </p:cNvSpPr>
+          <p:nvPr>
+            <p:ph type="body" idx="1"/>
+          </p:nvPr>
+        </p:nvSpPr>
+        <p:spPr/>
+        <p:txBody>
+          <a:bodyPr/>
+          <a:lstStyle/>
+          <a:p>
+            <a:r>
+              <a:rPr lang="en-US" altLang="zh-TW" dirty="0"/>
               <a:t>Disconnection</a:t>
             </a:r>
             <a:r>
@@ -769,7 +938,7 @@
           <a:p>
             <a:fld id="{48C17303-7880-4EB0-BBD6-662AD90969CD}" type="slidenum">
               <a:rPr lang="zh-TW" altLang="en-US" smtClean="0"/>
-              <a:t>33</a:t>
+              <a:t>34</a:t>
             </a:fld>
             <a:endParaRPr lang="zh-TW" altLang="en-US"/>
           </a:p>
@@ -919,7 +1088,7 @@
           <a:p>
             <a:fld id="{BB9E5393-8897-45B1-A3D1-1ABF19E105F8}" type="datetime1">
               <a:rPr lang="zh-TW" altLang="en-US" smtClean="0"/>
-              <a:t>2020/9/24</a:t>
+              <a:t>2020/9/26</a:t>
             </a:fld>
             <a:endParaRPr lang="zh-TW" altLang="en-US"/>
           </a:p>
@@ -1089,7 +1258,7 @@
           <a:p>
             <a:fld id="{8E943FCC-31C8-49C0-90F9-CEB0F3898C0C}" type="datetime1">
               <a:rPr lang="zh-TW" altLang="en-US" smtClean="0"/>
-              <a:t>2020/9/24</a:t>
+              <a:t>2020/9/26</a:t>
             </a:fld>
             <a:endParaRPr lang="zh-TW" altLang="en-US"/>
           </a:p>
@@ -1269,7 +1438,7 @@
           <a:p>
             <a:fld id="{7F39F772-6997-4B28-B9FA-E1FCD991DE74}" type="datetime1">
               <a:rPr lang="zh-TW" altLang="en-US" smtClean="0"/>
-              <a:t>2020/9/24</a:t>
+              <a:t>2020/9/26</a:t>
             </a:fld>
             <a:endParaRPr lang="zh-TW" altLang="en-US"/>
           </a:p>
@@ -1439,7 +1608,7 @@
           <a:p>
             <a:fld id="{BA8E6E87-E0C3-4CBE-B14B-0743312CAB5A}" type="datetime1">
               <a:rPr lang="zh-TW" altLang="en-US" smtClean="0"/>
-              <a:t>2020/9/24</a:t>
+              <a:t>2020/9/26</a:t>
             </a:fld>
             <a:endParaRPr lang="zh-TW" altLang="en-US"/>
           </a:p>
@@ -1685,7 +1854,7 @@
           <a:p>
             <a:fld id="{468CBB1B-44AC-4743-A2E5-9BF127076473}" type="datetime1">
               <a:rPr lang="zh-TW" altLang="en-US" smtClean="0"/>
-              <a:t>2020/9/24</a:t>
+              <a:t>2020/9/26</a:t>
             </a:fld>
             <a:endParaRPr lang="zh-TW" altLang="en-US"/>
           </a:p>
@@ -1917,7 +2086,7 @@
           <a:p>
             <a:fld id="{2F5C6D74-5274-44B5-A006-F820845CEFEC}" type="datetime1">
               <a:rPr lang="zh-TW" altLang="en-US" smtClean="0"/>
-              <a:t>2020/9/24</a:t>
+              <a:t>2020/9/26</a:t>
             </a:fld>
             <a:endParaRPr lang="zh-TW" altLang="en-US"/>
           </a:p>
@@ -2284,7 +2453,7 @@
           <a:p>
             <a:fld id="{558D5F2C-B160-40C8-BD28-826C831D1EC6}" type="datetime1">
               <a:rPr lang="zh-TW" altLang="en-US" smtClean="0"/>
-              <a:t>2020/9/24</a:t>
+              <a:t>2020/9/26</a:t>
             </a:fld>
             <a:endParaRPr lang="zh-TW" altLang="en-US"/>
           </a:p>
@@ -2402,7 +2571,7 @@
           <a:p>
             <a:fld id="{AD185C7E-CEB0-42DF-A8D2-B0386B8928A2}" type="datetime1">
               <a:rPr lang="zh-TW" altLang="en-US" smtClean="0"/>
-              <a:t>2020/9/24</a:t>
+              <a:t>2020/9/26</a:t>
             </a:fld>
             <a:endParaRPr lang="zh-TW" altLang="en-US"/>
           </a:p>
@@ -2497,7 +2666,7 @@
           <a:p>
             <a:fld id="{FE4DBAF5-FD8D-4E90-9CF5-72029209753D}" type="datetime1">
               <a:rPr lang="zh-TW" altLang="en-US" smtClean="0"/>
-              <a:t>2020/9/24</a:t>
+              <a:t>2020/9/26</a:t>
             </a:fld>
             <a:endParaRPr lang="zh-TW" altLang="en-US"/>
           </a:p>
@@ -2774,7 +2943,7 @@
           <a:p>
             <a:fld id="{DF75CA09-95D6-4671-848C-AB01A38F26A2}" type="datetime1">
               <a:rPr lang="zh-TW" altLang="en-US" smtClean="0"/>
-              <a:t>2020/9/24</a:t>
+              <a:t>2020/9/26</a:t>
             </a:fld>
             <a:endParaRPr lang="zh-TW" altLang="en-US"/>
           </a:p>
@@ -3031,7 +3200,7 @@
           <a:p>
             <a:fld id="{2F2DEADA-E7E9-4052-9C09-F77C8AC34E98}" type="datetime1">
               <a:rPr lang="zh-TW" altLang="en-US" smtClean="0"/>
-              <a:t>2020/9/24</a:t>
+              <a:t>2020/9/26</a:t>
             </a:fld>
             <a:endParaRPr lang="zh-TW" altLang="en-US"/>
           </a:p>
@@ -3244,7 +3413,7 @@
           <a:p>
             <a:fld id="{FD2F0749-A61F-452C-859B-E5D7531C0758}" type="datetime1">
               <a:rPr lang="zh-TW" altLang="en-US" smtClean="0"/>
-              <a:t>2020/9/24</a:t>
+              <a:t>2020/9/26</a:t>
             </a:fld>
             <a:endParaRPr lang="zh-TW" altLang="en-US"/>
           </a:p>
@@ -3656,7 +3825,7 @@
           <p:cNvPr id="2" name="標題 1">
             <a:extLst>
               <a:ext uri="{FF2B5EF4-FFF2-40B4-BE49-F238E27FC236}">
-                <a16:creationId xmlns:a16="http://schemas.microsoft.com/office/drawing/2014/main" id="{884408C0-8769-41A3-B665-EF67FBEE4B6E}"/>
+                <a16:creationId xmlns:a16="http://schemas.microsoft.com/office/drawing/2014/main" xmlns="" id="{884408C0-8769-41A3-B665-EF67FBEE4B6E}"/>
               </a:ext>
             </a:extLst>
           </p:cNvPr>
@@ -3699,7 +3868,7 @@
           <p:cNvPr id="3" name="副標題 2">
             <a:extLst>
               <a:ext uri="{FF2B5EF4-FFF2-40B4-BE49-F238E27FC236}">
-                <a16:creationId xmlns:a16="http://schemas.microsoft.com/office/drawing/2014/main" id="{D5E7986E-65D8-4E29-A4EA-B2AD44EF05E8}"/>
+                <a16:creationId xmlns:a16="http://schemas.microsoft.com/office/drawing/2014/main" xmlns="" id="{D5E7986E-65D8-4E29-A4EA-B2AD44EF05E8}"/>
               </a:ext>
             </a:extLst>
           </p:cNvPr>
@@ -3779,7 +3948,7 @@
           <p:cNvPr id="2" name="標題 1">
             <a:extLst>
               <a:ext uri="{FF2B5EF4-FFF2-40B4-BE49-F238E27FC236}">
-                <a16:creationId xmlns:a16="http://schemas.microsoft.com/office/drawing/2014/main" id="{7226E6A7-FE05-4917-A87E-7BF8BF0EBEEE}"/>
+                <a16:creationId xmlns:a16="http://schemas.microsoft.com/office/drawing/2014/main" xmlns="" id="{14B7E57E-D063-41EF-A857-5628A20B75BC}"/>
               </a:ext>
             </a:extLst>
           </p:cNvPr>
@@ -3788,6 +3957,34 @@
           </p:cNvSpPr>
           <p:nvPr>
             <p:ph type="title"/>
+          </p:nvPr>
+        </p:nvSpPr>
+        <p:spPr/>
+        <p:txBody>
+          <a:bodyPr/>
+          <a:lstStyle/>
+          <a:p>
+            <a:r>
+              <a:rPr lang="en-US" altLang="zh-TW" dirty="0"/>
+              <a:t>Primer on BLE and BLE over IPv6(cont’d)</a:t>
+            </a:r>
+          </a:p>
+        </p:txBody>
+      </p:sp>
+      <p:sp>
+        <p:nvSpPr>
+          <p:cNvPr id="3" name="內容版面配置區 2">
+            <a:extLst>
+              <a:ext uri="{FF2B5EF4-FFF2-40B4-BE49-F238E27FC236}">
+                <a16:creationId xmlns:a16="http://schemas.microsoft.com/office/drawing/2014/main" xmlns="" id="{E616DA40-9E29-4C7C-A28F-3857701A0286}"/>
+              </a:ext>
+            </a:extLst>
+          </p:cNvPr>
+          <p:cNvSpPr>
+            <a:spLocks noGrp="1"/>
+          </p:cNvSpPr>
+          <p:nvPr>
+            <p:ph idx="1"/>
           </p:nvPr>
         </p:nvSpPr>
         <p:spPr/>
@@ -3798,37 +3995,8 @@
           <a:lstStyle/>
           <a:p>
             <a:r>
-              <a:rPr lang="en-US" altLang="zh-TW" sz="4000" dirty="0"/>
-              <a:t>A BLE-based multi-Gateway network infrastructure</a:t>
-            </a:r>
-            <a:endParaRPr lang="zh-TW" altLang="en-US" sz="4000" dirty="0"/>
-          </a:p>
-        </p:txBody>
-      </p:sp>
-      <p:sp>
-        <p:nvSpPr>
-          <p:cNvPr id="3" name="內容版面配置區 2">
-            <a:extLst>
-              <a:ext uri="{FF2B5EF4-FFF2-40B4-BE49-F238E27FC236}">
-                <a16:creationId xmlns:a16="http://schemas.microsoft.com/office/drawing/2014/main" id="{B1577AE8-6F11-40A6-B00F-FB48852FCF33}"/>
-              </a:ext>
-            </a:extLst>
-          </p:cNvPr>
-          <p:cNvSpPr>
-            <a:spLocks noGrp="1"/>
-          </p:cNvSpPr>
-          <p:nvPr>
-            <p:ph idx="1"/>
-          </p:nvPr>
-        </p:nvSpPr>
-        <p:spPr/>
-        <p:txBody>
-          <a:bodyPr/>
-          <a:lstStyle/>
-          <a:p>
-            <a:r>
-              <a:rPr lang="en-US" altLang="zh-TW" dirty="0"/>
-              <a:t>For the design of our BLE-based multi-GW network infrastructure, this paper considers two variants.</a:t>
+              <a:rPr lang="en-US" altLang="zh-TW" dirty="0"/>
+              <a:t>The BLE central acts as 6LoWPAN border router (6LBR) and one or more BLE peripherals as 6LoWPAN nodes (6LN), resulting in an isolated IPv6 over BLE subnet.</a:t>
             </a:r>
           </a:p>
           <a:p>
@@ -3837,8 +4005,9 @@
           <a:p>
             <a:r>
               <a:rPr lang="en-US" altLang="zh-TW" dirty="0"/>
-              <a:t>Further called IP and non-IP, should be able to achieve seamless handover within the network of IoT gateways. </a:t>
-            </a:r>
+              <a:t>The 6LoWPAN border router can also be connected to the Internet, ultimately allowing end-to-end IPv6 connectivity between a BLE peripheral and any application server on the Internet.</a:t>
+            </a:r>
+            <a:endParaRPr lang="zh-TW" altLang="en-US" dirty="0"/>
           </a:p>
         </p:txBody>
       </p:sp>
@@ -3847,7 +4016,7 @@
           <p:cNvPr id="4" name="投影片編號版面配置區 3">
             <a:extLst>
               <a:ext uri="{FF2B5EF4-FFF2-40B4-BE49-F238E27FC236}">
-                <a16:creationId xmlns:a16="http://schemas.microsoft.com/office/drawing/2014/main" id="{F1B9E5FA-CA35-4088-BDA1-B595C36087CD}"/>
+                <a16:creationId xmlns:a16="http://schemas.microsoft.com/office/drawing/2014/main" xmlns="" id="{46943CDC-E158-4BE6-85D8-16B7649A4F4B}"/>
               </a:ext>
             </a:extLst>
           </p:cNvPr>
@@ -3874,7 +4043,7 @@
     </p:spTree>
     <p:extLst>
       <p:ext uri="{BB962C8B-B14F-4D97-AF65-F5344CB8AC3E}">
-        <p14:creationId xmlns:p14="http://schemas.microsoft.com/office/powerpoint/2010/main" val="3228553280"/>
+        <p14:creationId xmlns:p14="http://schemas.microsoft.com/office/powerpoint/2010/main" val="1765233339"/>
       </p:ext>
     </p:extLst>
   </p:cSld>
@@ -3901,12 +4070,147 @@
           <a:chExt cx="0" cy="0"/>
         </a:xfrm>
       </p:grpSpPr>
+      <p:sp>
+        <p:nvSpPr>
+          <p:cNvPr id="2" name="標題 1">
+            <a:extLst>
+              <a:ext uri="{FF2B5EF4-FFF2-40B4-BE49-F238E27FC236}">
+                <a16:creationId xmlns:a16="http://schemas.microsoft.com/office/drawing/2014/main" xmlns="" id="{7226E6A7-FE05-4917-A87E-7BF8BF0EBEEE}"/>
+              </a:ext>
+            </a:extLst>
+          </p:cNvPr>
+          <p:cNvSpPr>
+            <a:spLocks noGrp="1"/>
+          </p:cNvSpPr>
+          <p:nvPr>
+            <p:ph type="title"/>
+          </p:nvPr>
+        </p:nvSpPr>
+        <p:spPr/>
+        <p:txBody>
+          <a:bodyPr>
+            <a:normAutofit/>
+          </a:bodyPr>
+          <a:lstStyle/>
+          <a:p>
+            <a:r>
+              <a:rPr lang="en-US" altLang="zh-TW" sz="4000" dirty="0"/>
+              <a:t>A BLE-based multi-Gateway network infrastructure</a:t>
+            </a:r>
+            <a:endParaRPr lang="zh-TW" altLang="en-US" sz="4000" dirty="0"/>
+          </a:p>
+        </p:txBody>
+      </p:sp>
+      <p:sp>
+        <p:nvSpPr>
+          <p:cNvPr id="3" name="內容版面配置區 2">
+            <a:extLst>
+              <a:ext uri="{FF2B5EF4-FFF2-40B4-BE49-F238E27FC236}">
+                <a16:creationId xmlns:a16="http://schemas.microsoft.com/office/drawing/2014/main" xmlns="" id="{B1577AE8-6F11-40A6-B00F-FB48852FCF33}"/>
+              </a:ext>
+            </a:extLst>
+          </p:cNvPr>
+          <p:cNvSpPr>
+            <a:spLocks noGrp="1"/>
+          </p:cNvSpPr>
+          <p:nvPr>
+            <p:ph idx="1"/>
+          </p:nvPr>
+        </p:nvSpPr>
+        <p:spPr/>
+        <p:txBody>
+          <a:bodyPr/>
+          <a:lstStyle/>
+          <a:p>
+            <a:r>
+              <a:rPr lang="en-US" altLang="zh-TW" dirty="0"/>
+              <a:t>For the design of our BLE-based multi-GW network infrastructure, this </a:t>
+            </a:r>
+            <a:r>
+              <a:rPr lang="en-US" altLang="zh-TW" dirty="0" smtClean="0"/>
+              <a:t>research </a:t>
+            </a:r>
+            <a:r>
+              <a:rPr lang="en-US" altLang="zh-TW" dirty="0"/>
+              <a:t>considers two variants.</a:t>
+            </a:r>
+          </a:p>
+          <a:p>
+            <a:endParaRPr lang="en-US" altLang="zh-TW" dirty="0"/>
+          </a:p>
+          <a:p>
+            <a:r>
+              <a:rPr lang="en-US" altLang="zh-TW" dirty="0"/>
+              <a:t>Further called IP and non-IP, should be able to achieve seamless handover within the network of IoT gateways. </a:t>
+            </a:r>
+          </a:p>
+        </p:txBody>
+      </p:sp>
+      <p:sp>
+        <p:nvSpPr>
+          <p:cNvPr id="4" name="投影片編號版面配置區 3">
+            <a:extLst>
+              <a:ext uri="{FF2B5EF4-FFF2-40B4-BE49-F238E27FC236}">
+                <a16:creationId xmlns:a16="http://schemas.microsoft.com/office/drawing/2014/main" xmlns="" id="{F1B9E5FA-CA35-4088-BDA1-B595C36087CD}"/>
+              </a:ext>
+            </a:extLst>
+          </p:cNvPr>
+          <p:cNvSpPr>
+            <a:spLocks noGrp="1"/>
+          </p:cNvSpPr>
+          <p:nvPr>
+            <p:ph type="sldNum" sz="quarter" idx="12"/>
+          </p:nvPr>
+        </p:nvSpPr>
+        <p:spPr/>
+        <p:txBody>
+          <a:bodyPr/>
+          <a:lstStyle/>
+          <a:p>
+            <a:fld id="{50029C49-A5A9-4A95-8BF0-94F73808DB5F}" type="slidenum">
+              <a:rPr lang="zh-TW" altLang="en-US" smtClean="0"/>
+              <a:t>11</a:t>
+            </a:fld>
+            <a:endParaRPr lang="zh-TW" altLang="en-US"/>
+          </a:p>
+        </p:txBody>
+      </p:sp>
+    </p:spTree>
+    <p:extLst>
+      <p:ext uri="{BB962C8B-B14F-4D97-AF65-F5344CB8AC3E}">
+        <p14:creationId xmlns:p14="http://schemas.microsoft.com/office/powerpoint/2010/main" val="3228553280"/>
+      </p:ext>
+    </p:extLst>
+  </p:cSld>
+  <p:clrMapOvr>
+    <a:masterClrMapping/>
+  </p:clrMapOvr>
+</p:sld>
+</file>
+
+<file path=ppt/slides/slide12.xml><?xml version="1.0" encoding="utf-8"?>
+<p:sld xmlns:a="http://schemas.openxmlformats.org/drawingml/2006/main" xmlns:r="http://schemas.openxmlformats.org/officeDocument/2006/relationships" xmlns:p="http://schemas.openxmlformats.org/presentationml/2006/main">
+  <p:cSld>
+    <p:spTree>
+      <p:nvGrpSpPr>
+        <p:cNvPr id="1" name=""/>
+        <p:cNvGrpSpPr/>
+        <p:nvPr/>
+      </p:nvGrpSpPr>
+      <p:grpSpPr>
+        <a:xfrm>
+          <a:off x="0" y="0"/>
+          <a:ext cx="0" cy="0"/>
+          <a:chOff x="0" y="0"/>
+          <a:chExt cx="0" cy="0"/>
+        </a:xfrm>
+      </p:grpSpPr>
       <p:pic>
         <p:nvPicPr>
           <p:cNvPr id="9" name="內容版面配置區 8">
             <a:extLst>
               <a:ext uri="{FF2B5EF4-FFF2-40B4-BE49-F238E27FC236}">
-                <a16:creationId xmlns:a16="http://schemas.microsoft.com/office/drawing/2014/main" id="{14902B0E-98D5-4672-9479-F1D22FCF8405}"/>
+                <a16:creationId xmlns:a16="http://schemas.microsoft.com/office/drawing/2014/main" xmlns="" id="{14902B0E-98D5-4672-9479-F1D22FCF8405}"/>
               </a:ext>
             </a:extLst>
           </p:cNvPr>
@@ -3935,7 +4239,7 @@
           <p:cNvPr id="3" name="內容版面配置區 2">
             <a:extLst>
               <a:ext uri="{FF2B5EF4-FFF2-40B4-BE49-F238E27FC236}">
-                <a16:creationId xmlns:a16="http://schemas.microsoft.com/office/drawing/2014/main" id="{B3DF6E85-2BA3-4D22-9F39-B4A5D2453F97}"/>
+                <a16:creationId xmlns:a16="http://schemas.microsoft.com/office/drawing/2014/main" xmlns="" id="{B3DF6E85-2BA3-4D22-9F39-B4A5D2453F97}"/>
               </a:ext>
             </a:extLst>
           </p:cNvPr>
@@ -4010,7 +4314,39 @@
                 <a:latin typeface="Calibri" panose="020F0502020204030204" pitchFamily="34" charset="0"/>
                 <a:cs typeface="Calibri" panose="020F0502020204030204" pitchFamily="34" charset="0"/>
               </a:rPr>
-              <a:t>The peripheral generates a link-local address de-rived from the device’s BLE MAC address and a globalIPv6 address based on a common prefix.</a:t>
+              <a:t>The peripheral generates a link-local address </a:t>
+            </a:r>
+            <a:r>
+              <a:rPr lang="en-US" altLang="zh-TW" dirty="0" smtClean="0">
+                <a:effectLst/>
+                <a:latin typeface="Calibri" panose="020F0502020204030204" pitchFamily="34" charset="0"/>
+                <a:cs typeface="Calibri" panose="020F0502020204030204" pitchFamily="34" charset="0"/>
+              </a:rPr>
+              <a:t>derived </a:t>
+            </a:r>
+            <a:r>
+              <a:rPr lang="en-US" altLang="zh-TW" dirty="0">
+                <a:effectLst/>
+                <a:latin typeface="Calibri" panose="020F0502020204030204" pitchFamily="34" charset="0"/>
+                <a:cs typeface="Calibri" panose="020F0502020204030204" pitchFamily="34" charset="0"/>
+              </a:rPr>
+              <a:t>from the device’s BLE MAC address and a </a:t>
+            </a:r>
+            <a:r>
+              <a:rPr lang="en-US" altLang="zh-TW" dirty="0" smtClean="0">
+                <a:effectLst/>
+                <a:latin typeface="Calibri" panose="020F0502020204030204" pitchFamily="34" charset="0"/>
+                <a:cs typeface="Calibri" panose="020F0502020204030204" pitchFamily="34" charset="0"/>
+              </a:rPr>
+              <a:t>global IPv6 </a:t>
+            </a:r>
+            <a:r>
+              <a:rPr lang="en-US" altLang="zh-TW" dirty="0">
+                <a:effectLst/>
+                <a:latin typeface="Calibri" panose="020F0502020204030204" pitchFamily="34" charset="0"/>
+                <a:cs typeface="Calibri" panose="020F0502020204030204" pitchFamily="34" charset="0"/>
+              </a:rPr>
+              <a:t>address based on a common prefix.</a:t>
             </a:r>
           </a:p>
           <a:p>
@@ -4076,7 +4412,7 @@
           <p:cNvPr id="4" name="投影片編號版面配置區 3">
             <a:extLst>
               <a:ext uri="{FF2B5EF4-FFF2-40B4-BE49-F238E27FC236}">
-                <a16:creationId xmlns:a16="http://schemas.microsoft.com/office/drawing/2014/main" id="{46943CDC-E158-4BE6-85D8-16B7649A4F4B}"/>
+                <a16:creationId xmlns:a16="http://schemas.microsoft.com/office/drawing/2014/main" xmlns="" id="{46943CDC-E158-4BE6-85D8-16B7649A4F4B}"/>
               </a:ext>
             </a:extLst>
           </p:cNvPr>
@@ -4094,7 +4430,7 @@
           <a:p>
             <a:fld id="{50029C49-A5A9-4A95-8BF0-94F73808DB5F}" type="slidenum">
               <a:rPr lang="zh-TW" altLang="en-US" smtClean="0"/>
-              <a:t>11</a:t>
+              <a:t>12</a:t>
             </a:fld>
             <a:endParaRPr lang="zh-TW" altLang="en-US"/>
           </a:p>
@@ -4105,7 +4441,7 @@
           <p:cNvPr id="13" name="矩形 12">
             <a:extLst>
               <a:ext uri="{FF2B5EF4-FFF2-40B4-BE49-F238E27FC236}">
-                <a16:creationId xmlns:a16="http://schemas.microsoft.com/office/drawing/2014/main" id="{356FDF4E-8FE8-420C-B0D0-EB535761A587}"/>
+                <a16:creationId xmlns:a16="http://schemas.microsoft.com/office/drawing/2014/main" xmlns="" id="{356FDF4E-8FE8-420C-B0D0-EB535761A587}"/>
               </a:ext>
             </a:extLst>
           </p:cNvPr>
@@ -4165,7 +4501,7 @@
 </p:sld>
 </file>
 
-<file path=ppt/slides/slide12.xml><?xml version="1.0" encoding="utf-8"?>
+<file path=ppt/slides/slide13.xml><?xml version="1.0" encoding="utf-8"?>
 <p:sld xmlns:a="http://schemas.openxmlformats.org/drawingml/2006/main" xmlns:r="http://schemas.openxmlformats.org/officeDocument/2006/relationships" xmlns:p="http://schemas.openxmlformats.org/presentationml/2006/main">
   <p:cSld>
     <p:spTree>
@@ -4187,7 +4523,7 @@
           <p:cNvPr id="9" name="內容版面配置區 8">
             <a:extLst>
               <a:ext uri="{FF2B5EF4-FFF2-40B4-BE49-F238E27FC236}">
-                <a16:creationId xmlns:a16="http://schemas.microsoft.com/office/drawing/2014/main" id="{14902B0E-98D5-4672-9479-F1D22FCF8405}"/>
+                <a16:creationId xmlns:a16="http://schemas.microsoft.com/office/drawing/2014/main" xmlns="" id="{14902B0E-98D5-4672-9479-F1D22FCF8405}"/>
               </a:ext>
             </a:extLst>
           </p:cNvPr>
@@ -4216,7 +4552,7 @@
           <p:cNvPr id="3" name="內容版面配置區 2">
             <a:extLst>
               <a:ext uri="{FF2B5EF4-FFF2-40B4-BE49-F238E27FC236}">
-                <a16:creationId xmlns:a16="http://schemas.microsoft.com/office/drawing/2014/main" id="{B3DF6E85-2BA3-4D22-9F39-B4A5D2453F97}"/>
+                <a16:creationId xmlns:a16="http://schemas.microsoft.com/office/drawing/2014/main" xmlns="" id="{B3DF6E85-2BA3-4D22-9F39-B4A5D2453F97}"/>
               </a:ext>
             </a:extLst>
           </p:cNvPr>
@@ -4300,7 +4636,7 @@
           <p:cNvPr id="4" name="投影片編號版面配置區 3">
             <a:extLst>
               <a:ext uri="{FF2B5EF4-FFF2-40B4-BE49-F238E27FC236}">
-                <a16:creationId xmlns:a16="http://schemas.microsoft.com/office/drawing/2014/main" id="{46943CDC-E158-4BE6-85D8-16B7649A4F4B}"/>
+                <a16:creationId xmlns:a16="http://schemas.microsoft.com/office/drawing/2014/main" xmlns="" id="{46943CDC-E158-4BE6-85D8-16B7649A4F4B}"/>
               </a:ext>
             </a:extLst>
           </p:cNvPr>
@@ -4318,7 +4654,7 @@
           <a:p>
             <a:fld id="{50029C49-A5A9-4A95-8BF0-94F73808DB5F}" type="slidenum">
               <a:rPr lang="zh-TW" altLang="en-US" smtClean="0"/>
-              <a:t>12</a:t>
+              <a:t>13</a:t>
             </a:fld>
             <a:endParaRPr lang="zh-TW" altLang="en-US"/>
           </a:p>
@@ -4329,7 +4665,7 @@
           <p:cNvPr id="13" name="矩形 12">
             <a:extLst>
               <a:ext uri="{FF2B5EF4-FFF2-40B4-BE49-F238E27FC236}">
-                <a16:creationId xmlns:a16="http://schemas.microsoft.com/office/drawing/2014/main" id="{356FDF4E-8FE8-420C-B0D0-EB535761A587}"/>
+                <a16:creationId xmlns:a16="http://schemas.microsoft.com/office/drawing/2014/main" xmlns="" id="{356FDF4E-8FE8-420C-B0D0-EB535761A587}"/>
               </a:ext>
             </a:extLst>
           </p:cNvPr>
@@ -4389,7 +4725,7 @@
 </p:sld>
 </file>
 
-<file path=ppt/slides/slide13.xml><?xml version="1.0" encoding="utf-8"?>
+<file path=ppt/slides/slide14.xml><?xml version="1.0" encoding="utf-8"?>
 <p:sld xmlns:a="http://schemas.openxmlformats.org/drawingml/2006/main" xmlns:r="http://schemas.openxmlformats.org/officeDocument/2006/relationships" xmlns:p="http://schemas.openxmlformats.org/presentationml/2006/main">
   <p:cSld>
     <p:spTree>
@@ -4411,7 +4747,7 @@
           <p:cNvPr id="7" name="內容版面配置區 6">
             <a:extLst>
               <a:ext uri="{FF2B5EF4-FFF2-40B4-BE49-F238E27FC236}">
-                <a16:creationId xmlns:a16="http://schemas.microsoft.com/office/drawing/2014/main" id="{A3AF6900-F31A-4C21-AD6C-027E53732D35}"/>
+                <a16:creationId xmlns:a16="http://schemas.microsoft.com/office/drawing/2014/main" xmlns="" id="{A3AF6900-F31A-4C21-AD6C-027E53732D35}"/>
               </a:ext>
             </a:extLst>
           </p:cNvPr>
@@ -4440,7 +4776,7 @@
           <p:cNvPr id="3" name="內容版面配置區 2">
             <a:extLst>
               <a:ext uri="{FF2B5EF4-FFF2-40B4-BE49-F238E27FC236}">
-                <a16:creationId xmlns:a16="http://schemas.microsoft.com/office/drawing/2014/main" id="{B3DF6E85-2BA3-4D22-9F39-B4A5D2453F97}"/>
+                <a16:creationId xmlns:a16="http://schemas.microsoft.com/office/drawing/2014/main" xmlns="" id="{B3DF6E85-2BA3-4D22-9F39-B4A5D2453F97}"/>
               </a:ext>
             </a:extLst>
           </p:cNvPr>
@@ -4533,40 +4869,22 @@
                 <a:latin typeface="Calibri" panose="020F0502020204030204" pitchFamily="34" charset="0"/>
                 <a:cs typeface="Calibri" panose="020F0502020204030204" pitchFamily="34" charset="0"/>
               </a:rPr>
-              <a:t> b) advertising its presence using BLE advertisements.</a:t>
-            </a:r>
-          </a:p>
-          <a:p>
-            <a:endParaRPr lang="en-US" altLang="zh-TW" sz="3200" dirty="0">
-              <a:latin typeface="Calibri" panose="020F0502020204030204" pitchFamily="34" charset="0"/>
-              <a:cs typeface="Calibri" panose="020F0502020204030204" pitchFamily="34" charset="0"/>
-            </a:endParaRPr>
-          </a:p>
-          <a:p>
-            <a:endParaRPr lang="en-US" altLang="zh-TW" sz="3200" dirty="0">
+              <a:t> b) advertising its presence using BLE advertisements</a:t>
+            </a:r>
+            <a:r>
+              <a:rPr lang="en-US" altLang="zh-TW" dirty="0" smtClean="0">
+                <a:effectLst/>
+                <a:latin typeface="Calibri" panose="020F0502020204030204" pitchFamily="34" charset="0"/>
+                <a:cs typeface="Calibri" panose="020F0502020204030204" pitchFamily="34" charset="0"/>
+              </a:rPr>
+              <a:t>.</a:t>
+            </a:r>
+            <a:endParaRPr lang="en-US" altLang="zh-TW" dirty="0">
               <a:effectLst/>
               <a:latin typeface="Calibri" panose="020F0502020204030204" pitchFamily="34" charset="0"/>
               <a:cs typeface="Calibri" panose="020F0502020204030204" pitchFamily="34" charset="0"/>
             </a:endParaRPr>
           </a:p>
-          <a:p>
-            <a:pPr marL="0" indent="0">
-              <a:buNone/>
-            </a:pPr>
-            <a:endParaRPr lang="en-US" altLang="zh-TW" dirty="0">
-              <a:latin typeface="Calibri" panose="020F0502020204030204" pitchFamily="34" charset="0"/>
-              <a:cs typeface="Calibri" panose="020F0502020204030204" pitchFamily="34" charset="0"/>
-            </a:endParaRPr>
-          </a:p>
-          <a:p>
-            <a:pPr marL="0" indent="0" algn="ctr">
-              <a:buNone/>
-            </a:pPr>
-            <a:endParaRPr lang="en-US" altLang="zh-TW" dirty="0">
-              <a:latin typeface="Calibri" panose="020F0502020204030204" pitchFamily="34" charset="0"/>
-              <a:cs typeface="Calibri" panose="020F0502020204030204" pitchFamily="34" charset="0"/>
-            </a:endParaRPr>
-          </a:p>
         </p:txBody>
       </p:sp>
       <p:sp>
@@ -4574,7 +4892,7 @@
           <p:cNvPr id="4" name="投影片編號版面配置區 3">
             <a:extLst>
               <a:ext uri="{FF2B5EF4-FFF2-40B4-BE49-F238E27FC236}">
-                <a16:creationId xmlns:a16="http://schemas.microsoft.com/office/drawing/2014/main" id="{46943CDC-E158-4BE6-85D8-16B7649A4F4B}"/>
+                <a16:creationId xmlns:a16="http://schemas.microsoft.com/office/drawing/2014/main" xmlns="" id="{46943CDC-E158-4BE6-85D8-16B7649A4F4B}"/>
               </a:ext>
             </a:extLst>
           </p:cNvPr>
@@ -4592,7 +4910,7 @@
           <a:p>
             <a:fld id="{50029C49-A5A9-4A95-8BF0-94F73808DB5F}" type="slidenum">
               <a:rPr lang="zh-TW" altLang="en-US" smtClean="0"/>
-              <a:t>13</a:t>
+              <a:t>14</a:t>
             </a:fld>
             <a:endParaRPr lang="zh-TW" altLang="en-US"/>
           </a:p>
@@ -4603,7 +4921,7 @@
           <p:cNvPr id="8" name="矩形 7">
             <a:extLst>
               <a:ext uri="{FF2B5EF4-FFF2-40B4-BE49-F238E27FC236}">
-                <a16:creationId xmlns:a16="http://schemas.microsoft.com/office/drawing/2014/main" id="{F8B57BBF-7747-4AF6-AB6C-774CBDA1C3BF}"/>
+                <a16:creationId xmlns:a16="http://schemas.microsoft.com/office/drawing/2014/main" xmlns="" id="{F8B57BBF-7747-4AF6-AB6C-774CBDA1C3BF}"/>
               </a:ext>
             </a:extLst>
           </p:cNvPr>
@@ -4613,7 +4931,7 @@
         <p:spPr>
           <a:xfrm>
             <a:off x="364637" y="4232787"/>
-            <a:ext cx="5407786" cy="2488688"/>
+            <a:ext cx="5268997" cy="2488688"/>
           </a:xfrm>
           <a:prstGeom prst="rect">
             <a:avLst/>
@@ -4663,7 +4981,7 @@
 </p:sld>
 </file>
 
-<file path=ppt/slides/slide14.xml><?xml version="1.0" encoding="utf-8"?>
+<file path=ppt/slides/slide15.xml><?xml version="1.0" encoding="utf-8"?>
 <p:sld xmlns:a="http://schemas.openxmlformats.org/drawingml/2006/main" xmlns:r="http://schemas.openxmlformats.org/officeDocument/2006/relationships" xmlns:p="http://schemas.openxmlformats.org/presentationml/2006/main">
   <p:cSld>
     <p:spTree>
@@ -4685,7 +5003,7 @@
           <p:cNvPr id="7" name="內容版面配置區 6">
             <a:extLst>
               <a:ext uri="{FF2B5EF4-FFF2-40B4-BE49-F238E27FC236}">
-                <a16:creationId xmlns:a16="http://schemas.microsoft.com/office/drawing/2014/main" id="{A3AF6900-F31A-4C21-AD6C-027E53732D35}"/>
+                <a16:creationId xmlns:a16="http://schemas.microsoft.com/office/drawing/2014/main" xmlns="" id="{A3AF6900-F31A-4C21-AD6C-027E53732D35}"/>
               </a:ext>
             </a:extLst>
           </p:cNvPr>
@@ -4714,7 +5032,7 @@
           <p:cNvPr id="3" name="內容版面配置區 2">
             <a:extLst>
               <a:ext uri="{FF2B5EF4-FFF2-40B4-BE49-F238E27FC236}">
-                <a16:creationId xmlns:a16="http://schemas.microsoft.com/office/drawing/2014/main" id="{B3DF6E85-2BA3-4D22-9F39-B4A5D2453F97}"/>
+                <a16:creationId xmlns:a16="http://schemas.microsoft.com/office/drawing/2014/main" xmlns="" id="{B3DF6E85-2BA3-4D22-9F39-B4A5D2453F97}"/>
               </a:ext>
             </a:extLst>
           </p:cNvPr>
@@ -4775,18 +5093,18 @@
           </a:p>
           <a:p>
             <a:r>
-              <a:rPr lang="en-US" altLang="zh-TW" dirty="0" err="1">
+              <a:rPr lang="en-US" altLang="zh-TW" dirty="0" smtClean="0">
                 <a:latin typeface="Calibri" panose="020F0502020204030204" pitchFamily="34" charset="0"/>
                 <a:cs typeface="Calibri" panose="020F0502020204030204" pitchFamily="34" charset="0"/>
               </a:rPr>
-              <a:t>Thus,the</a:t>
+              <a:t>the </a:t>
             </a:r>
             <a:r>
               <a:rPr lang="en-US" altLang="zh-TW" dirty="0">
                 <a:latin typeface="Calibri" panose="020F0502020204030204" pitchFamily="34" charset="0"/>
                 <a:cs typeface="Calibri" panose="020F0502020204030204" pitchFamily="34" charset="0"/>
               </a:rPr>
-              <a:t> IoT GW only has a forwarding role and is unaware of the application layer connectivity between the BLE peripheral and the controller.</a:t>
+              <a:t>IoT GW only has a forwarding role and is unaware of the application layer connectivity between the BLE peripheral and the controller.</a:t>
             </a:r>
           </a:p>
           <a:p>
@@ -4821,7 +5139,7 @@
           <p:cNvPr id="4" name="投影片編號版面配置區 3">
             <a:extLst>
               <a:ext uri="{FF2B5EF4-FFF2-40B4-BE49-F238E27FC236}">
-                <a16:creationId xmlns:a16="http://schemas.microsoft.com/office/drawing/2014/main" id="{46943CDC-E158-4BE6-85D8-16B7649A4F4B}"/>
+                <a16:creationId xmlns:a16="http://schemas.microsoft.com/office/drawing/2014/main" xmlns="" id="{46943CDC-E158-4BE6-85D8-16B7649A4F4B}"/>
               </a:ext>
             </a:extLst>
           </p:cNvPr>
@@ -4839,7 +5157,7 @@
           <a:p>
             <a:fld id="{50029C49-A5A9-4A95-8BF0-94F73808DB5F}" type="slidenum">
               <a:rPr lang="zh-TW" altLang="en-US" smtClean="0"/>
-              <a:t>14</a:t>
+              <a:t>15</a:t>
             </a:fld>
             <a:endParaRPr lang="zh-TW" altLang="en-US"/>
           </a:p>
@@ -4850,7 +5168,7 @@
           <p:cNvPr id="8" name="矩形 7">
             <a:extLst>
               <a:ext uri="{FF2B5EF4-FFF2-40B4-BE49-F238E27FC236}">
-                <a16:creationId xmlns:a16="http://schemas.microsoft.com/office/drawing/2014/main" id="{F8B57BBF-7747-4AF6-AB6C-774CBDA1C3BF}"/>
+                <a16:creationId xmlns:a16="http://schemas.microsoft.com/office/drawing/2014/main" xmlns="" id="{F8B57BBF-7747-4AF6-AB6C-774CBDA1C3BF}"/>
               </a:ext>
             </a:extLst>
           </p:cNvPr>
@@ -4910,7 +5228,7 @@
 </p:sld>
 </file>
 
-<file path=ppt/slides/slide15.xml><?xml version="1.0" encoding="utf-8"?>
+<file path=ppt/slides/slide16.xml><?xml version="1.0" encoding="utf-8"?>
 <p:sld xmlns:a="http://schemas.openxmlformats.org/drawingml/2006/main" xmlns:r="http://schemas.openxmlformats.org/officeDocument/2006/relationships" xmlns:p="http://schemas.openxmlformats.org/presentationml/2006/main">
   <p:cSld>
     <p:spTree>
@@ -4932,7 +5250,7 @@
           <p:cNvPr id="7" name="內容版面配置區 6">
             <a:extLst>
               <a:ext uri="{FF2B5EF4-FFF2-40B4-BE49-F238E27FC236}">
-                <a16:creationId xmlns:a16="http://schemas.microsoft.com/office/drawing/2014/main" id="{A3AF6900-F31A-4C21-AD6C-027E53732D35}"/>
+                <a16:creationId xmlns:a16="http://schemas.microsoft.com/office/drawing/2014/main" xmlns="" id="{A3AF6900-F31A-4C21-AD6C-027E53732D35}"/>
               </a:ext>
             </a:extLst>
           </p:cNvPr>
@@ -4961,7 +5279,7 @@
           <p:cNvPr id="3" name="內容版面配置區 2">
             <a:extLst>
               <a:ext uri="{FF2B5EF4-FFF2-40B4-BE49-F238E27FC236}">
-                <a16:creationId xmlns:a16="http://schemas.microsoft.com/office/drawing/2014/main" id="{B3DF6E85-2BA3-4D22-9F39-B4A5D2453F97}"/>
+                <a16:creationId xmlns:a16="http://schemas.microsoft.com/office/drawing/2014/main" xmlns="" id="{B3DF6E85-2BA3-4D22-9F39-B4A5D2453F97}"/>
               </a:ext>
             </a:extLst>
           </p:cNvPr>
@@ -5067,7 +5385,7 @@
           <p:cNvPr id="4" name="投影片編號版面配置區 3">
             <a:extLst>
               <a:ext uri="{FF2B5EF4-FFF2-40B4-BE49-F238E27FC236}">
-                <a16:creationId xmlns:a16="http://schemas.microsoft.com/office/drawing/2014/main" id="{46943CDC-E158-4BE6-85D8-16B7649A4F4B}"/>
+                <a16:creationId xmlns:a16="http://schemas.microsoft.com/office/drawing/2014/main" xmlns="" id="{46943CDC-E158-4BE6-85D8-16B7649A4F4B}"/>
               </a:ext>
             </a:extLst>
           </p:cNvPr>
@@ -5085,7 +5403,7 @@
           <a:p>
             <a:fld id="{50029C49-A5A9-4A95-8BF0-94F73808DB5F}" type="slidenum">
               <a:rPr lang="zh-TW" altLang="en-US" smtClean="0"/>
-              <a:t>15</a:t>
+              <a:t>16</a:t>
             </a:fld>
             <a:endParaRPr lang="zh-TW" altLang="en-US"/>
           </a:p>
@@ -5096,7 +5414,7 @@
           <p:cNvPr id="8" name="矩形 7">
             <a:extLst>
               <a:ext uri="{FF2B5EF4-FFF2-40B4-BE49-F238E27FC236}">
-                <a16:creationId xmlns:a16="http://schemas.microsoft.com/office/drawing/2014/main" id="{F8B57BBF-7747-4AF6-AB6C-774CBDA1C3BF}"/>
+                <a16:creationId xmlns:a16="http://schemas.microsoft.com/office/drawing/2014/main" xmlns="" id="{F8B57BBF-7747-4AF6-AB6C-774CBDA1C3BF}"/>
               </a:ext>
             </a:extLst>
           </p:cNvPr>
@@ -5156,157 +5474,6 @@
 </p:sld>
 </file>
 
-<file path=ppt/slides/slide16.xml><?xml version="1.0" encoding="utf-8"?>
-<p:sld xmlns:a="http://schemas.openxmlformats.org/drawingml/2006/main" xmlns:r="http://schemas.openxmlformats.org/officeDocument/2006/relationships" xmlns:p="http://schemas.openxmlformats.org/presentationml/2006/main">
-  <p:cSld>
-    <p:spTree>
-      <p:nvGrpSpPr>
-        <p:cNvPr id="1" name=""/>
-        <p:cNvGrpSpPr/>
-        <p:nvPr/>
-      </p:nvGrpSpPr>
-      <p:grpSpPr>
-        <a:xfrm>
-          <a:off x="0" y="0"/>
-          <a:ext cx="0" cy="0"/>
-          <a:chOff x="0" y="0"/>
-          <a:chExt cx="0" cy="0"/>
-        </a:xfrm>
-      </p:grpSpPr>
-      <p:sp>
-        <p:nvSpPr>
-          <p:cNvPr id="2" name="標題 1">
-            <a:extLst>
-              <a:ext uri="{FF2B5EF4-FFF2-40B4-BE49-F238E27FC236}">
-                <a16:creationId xmlns:a16="http://schemas.microsoft.com/office/drawing/2014/main" id="{A695901F-B45F-471B-B1C2-E603D8500264}"/>
-              </a:ext>
-            </a:extLst>
-          </p:cNvPr>
-          <p:cNvSpPr>
-            <a:spLocks noGrp="1"/>
-          </p:cNvSpPr>
-          <p:nvPr>
-            <p:ph type="title"/>
-          </p:nvPr>
-        </p:nvSpPr>
-        <p:spPr/>
-        <p:txBody>
-          <a:bodyPr/>
-          <a:lstStyle/>
-          <a:p>
-            <a:r>
-              <a:rPr lang="en-US" altLang="zh-TW" dirty="0"/>
-              <a:t>Handover approaches</a:t>
-            </a:r>
-            <a:endParaRPr lang="zh-TW" altLang="en-US" dirty="0"/>
-          </a:p>
-        </p:txBody>
-      </p:sp>
-      <p:sp>
-        <p:nvSpPr>
-          <p:cNvPr id="3" name="內容版面配置區 2">
-            <a:extLst>
-              <a:ext uri="{FF2B5EF4-FFF2-40B4-BE49-F238E27FC236}">
-                <a16:creationId xmlns:a16="http://schemas.microsoft.com/office/drawing/2014/main" id="{FB2F8C4B-A1E5-42DA-B706-3134322A9E30}"/>
-              </a:ext>
-            </a:extLst>
-          </p:cNvPr>
-          <p:cNvSpPr>
-            <a:spLocks noGrp="1"/>
-          </p:cNvSpPr>
-          <p:nvPr>
-            <p:ph idx="1"/>
-          </p:nvPr>
-        </p:nvSpPr>
-        <p:spPr>
-          <a:xfrm>
-            <a:off x="838200" y="1531939"/>
-            <a:ext cx="10515600" cy="5030787"/>
-          </a:xfrm>
-        </p:spPr>
-        <p:txBody>
-          <a:bodyPr>
-            <a:normAutofit fontScale="92500" lnSpcReduction="10000"/>
-          </a:bodyPr>
-          <a:lstStyle/>
-          <a:p>
-            <a:r>
-              <a:rPr lang="en-US" altLang="zh-TW" dirty="0"/>
-              <a:t>About passive handover:</a:t>
-            </a:r>
-          </a:p>
-          <a:p>
-            <a:endParaRPr lang="en-US" altLang="zh-TW" dirty="0"/>
-          </a:p>
-          <a:p>
-            <a:r>
-              <a:rPr lang="en-US" altLang="zh-TW" dirty="0"/>
-              <a:t>A BLE connection is terminated naturally after the supervision timeout has timed out. Only then, the BLE peripheral attempts to set up a new connection by advertising its presence using BLE advertisements.</a:t>
-            </a:r>
-          </a:p>
-          <a:p>
-            <a:endParaRPr lang="en-US" altLang="zh-TW" dirty="0"/>
-          </a:p>
-          <a:p>
-            <a:r>
-              <a:rPr lang="en-US" altLang="zh-TW" dirty="0"/>
-              <a:t>When using the passive handover approach, a connection to a new and better GW will only be established when the previous connection was completely broken, i.e. when no traffic could be sent during the supervision timeout range. </a:t>
-            </a:r>
-          </a:p>
-          <a:p>
-            <a:endParaRPr lang="en-US" altLang="zh-TW" dirty="0"/>
-          </a:p>
-          <a:p>
-            <a:r>
-              <a:rPr lang="en-US" altLang="zh-TW" dirty="0"/>
-              <a:t>As such, it might happen that a peripheral remains connected even when the link quality becomes very poor.</a:t>
-            </a:r>
-            <a:endParaRPr lang="zh-TW" altLang="en-US" dirty="0"/>
-          </a:p>
-        </p:txBody>
-      </p:sp>
-      <p:sp>
-        <p:nvSpPr>
-          <p:cNvPr id="4" name="投影片編號版面配置區 3">
-            <a:extLst>
-              <a:ext uri="{FF2B5EF4-FFF2-40B4-BE49-F238E27FC236}">
-                <a16:creationId xmlns:a16="http://schemas.microsoft.com/office/drawing/2014/main" id="{D343627B-A794-4656-8F31-A526720248C0}"/>
-              </a:ext>
-            </a:extLst>
-          </p:cNvPr>
-          <p:cNvSpPr>
-            <a:spLocks noGrp="1"/>
-          </p:cNvSpPr>
-          <p:nvPr>
-            <p:ph type="sldNum" sz="quarter" idx="12"/>
-          </p:nvPr>
-        </p:nvSpPr>
-        <p:spPr/>
-        <p:txBody>
-          <a:bodyPr/>
-          <a:lstStyle/>
-          <a:p>
-            <a:fld id="{50029C49-A5A9-4A95-8BF0-94F73808DB5F}" type="slidenum">
-              <a:rPr lang="zh-TW" altLang="en-US" smtClean="0"/>
-              <a:t>16</a:t>
-            </a:fld>
-            <a:endParaRPr lang="zh-TW" altLang="en-US"/>
-          </a:p>
-        </p:txBody>
-      </p:sp>
-    </p:spTree>
-    <p:extLst>
-      <p:ext uri="{BB962C8B-B14F-4D97-AF65-F5344CB8AC3E}">
-        <p14:creationId xmlns:p14="http://schemas.microsoft.com/office/powerpoint/2010/main" val="144322529"/>
-      </p:ext>
-    </p:extLst>
-  </p:cSld>
-  <p:clrMapOvr>
-    <a:masterClrMapping/>
-  </p:clrMapOvr>
-</p:sld>
-</file>
-
 <file path=ppt/slides/slide17.xml><?xml version="1.0" encoding="utf-8"?>
 <p:sld xmlns:a="http://schemas.openxmlformats.org/drawingml/2006/main" xmlns:r="http://schemas.openxmlformats.org/officeDocument/2006/relationships" xmlns:p="http://schemas.openxmlformats.org/presentationml/2006/main">
   <p:cSld>
@@ -5329,7 +5496,7 @@
           <p:cNvPr id="2" name="標題 1">
             <a:extLst>
               <a:ext uri="{FF2B5EF4-FFF2-40B4-BE49-F238E27FC236}">
-                <a16:creationId xmlns:a16="http://schemas.microsoft.com/office/drawing/2014/main" id="{A695901F-B45F-471B-B1C2-E603D8500264}"/>
+                <a16:creationId xmlns:a16="http://schemas.microsoft.com/office/drawing/2014/main" xmlns="" id="{A695901F-B45F-471B-B1C2-E603D8500264}"/>
               </a:ext>
             </a:extLst>
           </p:cNvPr>
@@ -5347,7 +5514,7 @@
           <a:p>
             <a:r>
               <a:rPr lang="en-US" altLang="zh-TW" dirty="0"/>
-              <a:t>Handover approaches(cont’d)</a:t>
+              <a:t>Handover approaches</a:t>
             </a:r>
             <a:endParaRPr lang="zh-TW" altLang="en-US" dirty="0"/>
           </a:p>
@@ -5358,7 +5525,7 @@
           <p:cNvPr id="3" name="內容版面配置區 2">
             <a:extLst>
               <a:ext uri="{FF2B5EF4-FFF2-40B4-BE49-F238E27FC236}">
-                <a16:creationId xmlns:a16="http://schemas.microsoft.com/office/drawing/2014/main" id="{FB2F8C4B-A1E5-42DA-B706-3134322A9E30}"/>
+                <a16:creationId xmlns:a16="http://schemas.microsoft.com/office/drawing/2014/main" xmlns="" id="{FB2F8C4B-A1E5-42DA-B706-3134322A9E30}"/>
               </a:ext>
             </a:extLst>
           </p:cNvPr>
@@ -5371,17 +5538,19 @@
         </p:nvSpPr>
         <p:spPr>
           <a:xfrm>
-            <a:off x="838200" y="1587500"/>
-            <a:ext cx="10515600" cy="4351338"/>
+            <a:off x="838200" y="1531939"/>
+            <a:ext cx="10515600" cy="5030787"/>
           </a:xfrm>
         </p:spPr>
         <p:txBody>
-          <a:bodyPr/>
-          <a:lstStyle/>
-          <a:p>
-            <a:r>
-              <a:rPr lang="en-US" altLang="zh-TW" dirty="0"/>
-              <a:t>About active handover :</a:t>
+          <a:bodyPr>
+            <a:normAutofit fontScale="92500" lnSpcReduction="10000"/>
+          </a:bodyPr>
+          <a:lstStyle/>
+          <a:p>
+            <a:r>
+              <a:rPr lang="en-US" altLang="zh-TW" dirty="0"/>
+              <a:t>About passive handover:</a:t>
             </a:r>
           </a:p>
           <a:p>
@@ -5390,7 +5559,7 @@
           <a:p>
             <a:r>
               <a:rPr lang="en-US" altLang="zh-TW" dirty="0"/>
-              <a:t>The BLE peripheral maintains an advertiser role at all times.</a:t>
+              <a:t>A BLE connection is terminated naturally after the supervision timeout has timed out. Only then, the BLE peripheral attempts to set up a new connection by advertising its presence using BLE advertisements.</a:t>
             </a:r>
           </a:p>
           <a:p>
@@ -5399,7 +5568,16 @@
           <a:p>
             <a:r>
               <a:rPr lang="en-US" altLang="zh-TW" dirty="0"/>
-              <a:t>The IoT GWs use these periodic BLE advertisements to derive a Received Signal Strength Indicator (RSSI).</a:t>
+              <a:t>When using the passive handover approach, a connection to a new and better GW will only be established when the previous connection was completely broken, i.e. when no traffic could be sent during the supervision timeout range. </a:t>
+            </a:r>
+          </a:p>
+          <a:p>
+            <a:endParaRPr lang="en-US" altLang="zh-TW" dirty="0"/>
+          </a:p>
+          <a:p>
+            <a:r>
+              <a:rPr lang="en-US" altLang="zh-TW" dirty="0"/>
+              <a:t>As such, it might happen that a peripheral remains connected even when the link quality becomes very poor.</a:t>
             </a:r>
             <a:endParaRPr lang="zh-TW" altLang="en-US" dirty="0"/>
           </a:p>
@@ -5410,7 +5588,7 @@
           <p:cNvPr id="4" name="投影片編號版面配置區 3">
             <a:extLst>
               <a:ext uri="{FF2B5EF4-FFF2-40B4-BE49-F238E27FC236}">
-                <a16:creationId xmlns:a16="http://schemas.microsoft.com/office/drawing/2014/main" id="{D343627B-A794-4656-8F31-A526720248C0}"/>
+                <a16:creationId xmlns:a16="http://schemas.microsoft.com/office/drawing/2014/main" xmlns="" id="{D343627B-A794-4656-8F31-A526720248C0}"/>
               </a:ext>
             </a:extLst>
           </p:cNvPr>
@@ -5437,7 +5615,7 @@
     </p:spTree>
     <p:extLst>
       <p:ext uri="{BB962C8B-B14F-4D97-AF65-F5344CB8AC3E}">
-        <p14:creationId xmlns:p14="http://schemas.microsoft.com/office/powerpoint/2010/main" val="4015015826"/>
+        <p14:creationId xmlns:p14="http://schemas.microsoft.com/office/powerpoint/2010/main" val="144322529"/>
       </p:ext>
     </p:extLst>
   </p:cSld>
@@ -5469,7 +5647,7 @@
           <p:cNvPr id="2" name="標題 1">
             <a:extLst>
               <a:ext uri="{FF2B5EF4-FFF2-40B4-BE49-F238E27FC236}">
-                <a16:creationId xmlns:a16="http://schemas.microsoft.com/office/drawing/2014/main" id="{A695901F-B45F-471B-B1C2-E603D8500264}"/>
+                <a16:creationId xmlns:a16="http://schemas.microsoft.com/office/drawing/2014/main" xmlns="" id="{A695901F-B45F-471B-B1C2-E603D8500264}"/>
               </a:ext>
             </a:extLst>
           </p:cNvPr>
@@ -5498,7 +5676,7 @@
           <p:cNvPr id="3" name="內容版面配置區 2">
             <a:extLst>
               <a:ext uri="{FF2B5EF4-FFF2-40B4-BE49-F238E27FC236}">
-                <a16:creationId xmlns:a16="http://schemas.microsoft.com/office/drawing/2014/main" id="{FB2F8C4B-A1E5-42DA-B706-3134322A9E30}"/>
+                <a16:creationId xmlns:a16="http://schemas.microsoft.com/office/drawing/2014/main" xmlns="" id="{FB2F8C4B-A1E5-42DA-B706-3134322A9E30}"/>
               </a:ext>
             </a:extLst>
           </p:cNvPr>
@@ -5521,7 +5699,7 @@
           <a:p>
             <a:r>
               <a:rPr lang="en-US" altLang="zh-TW" dirty="0"/>
-              <a:t>All collected RSSI values are forwarded to the controller. </a:t>
+              <a:t>About active handover :</a:t>
             </a:r>
           </a:p>
           <a:p>
@@ -5530,7 +5708,7 @@
           <a:p>
             <a:r>
               <a:rPr lang="en-US" altLang="zh-TW" dirty="0"/>
-              <a:t>The controller maintains a mapping table between the received RSSI values and the associated IoT GW and BLE peripheral. </a:t>
+              <a:t>The BLE peripheral maintains an advertiser role at all times.</a:t>
             </a:r>
           </a:p>
           <a:p>
@@ -5539,7 +5717,7 @@
           <a:p>
             <a:r>
               <a:rPr lang="en-US" altLang="zh-TW" dirty="0"/>
-              <a:t>Concurrently, this mapping table is used to monitor the current state of the BLE connections and decides whether a specific BLE peripheral should handover to another IoT GW.</a:t>
+              <a:t>The IoT GWs use these periodic BLE advertisements to derive a Received Signal Strength Indicator (RSSI).</a:t>
             </a:r>
             <a:endParaRPr lang="zh-TW" altLang="en-US" dirty="0"/>
           </a:p>
@@ -5550,7 +5728,7 @@
           <p:cNvPr id="4" name="投影片編號版面配置區 3">
             <a:extLst>
               <a:ext uri="{FF2B5EF4-FFF2-40B4-BE49-F238E27FC236}">
-                <a16:creationId xmlns:a16="http://schemas.microsoft.com/office/drawing/2014/main" id="{D343627B-A794-4656-8F31-A526720248C0}"/>
+                <a16:creationId xmlns:a16="http://schemas.microsoft.com/office/drawing/2014/main" xmlns="" id="{D343627B-A794-4656-8F31-A526720248C0}"/>
               </a:ext>
             </a:extLst>
           </p:cNvPr>
@@ -5577,7 +5755,7 @@
     </p:spTree>
     <p:extLst>
       <p:ext uri="{BB962C8B-B14F-4D97-AF65-F5344CB8AC3E}">
-        <p14:creationId xmlns:p14="http://schemas.microsoft.com/office/powerpoint/2010/main" val="1372114980"/>
+        <p14:creationId xmlns:p14="http://schemas.microsoft.com/office/powerpoint/2010/main" val="4015015826"/>
       </p:ext>
     </p:extLst>
   </p:cSld>
@@ -5609,7 +5787,7 @@
           <p:cNvPr id="2" name="標題 1">
             <a:extLst>
               <a:ext uri="{FF2B5EF4-FFF2-40B4-BE49-F238E27FC236}">
-                <a16:creationId xmlns:a16="http://schemas.microsoft.com/office/drawing/2014/main" id="{A695901F-B45F-471B-B1C2-E603D8500264}"/>
+                <a16:creationId xmlns:a16="http://schemas.microsoft.com/office/drawing/2014/main" xmlns="" id="{A695901F-B45F-471B-B1C2-E603D8500264}"/>
               </a:ext>
             </a:extLst>
           </p:cNvPr>
@@ -5638,7 +5816,7 @@
           <p:cNvPr id="3" name="內容版面配置區 2">
             <a:extLst>
               <a:ext uri="{FF2B5EF4-FFF2-40B4-BE49-F238E27FC236}">
-                <a16:creationId xmlns:a16="http://schemas.microsoft.com/office/drawing/2014/main" id="{FB2F8C4B-A1E5-42DA-B706-3134322A9E30}"/>
+                <a16:creationId xmlns:a16="http://schemas.microsoft.com/office/drawing/2014/main" xmlns="" id="{FB2F8C4B-A1E5-42DA-B706-3134322A9E30}"/>
               </a:ext>
             </a:extLst>
           </p:cNvPr>
@@ -5656,14 +5834,12 @@
           </a:xfrm>
         </p:spPr>
         <p:txBody>
-          <a:bodyPr>
-            <a:normAutofit fontScale="92500" lnSpcReduction="20000"/>
-          </a:bodyPr>
-          <a:lstStyle/>
-          <a:p>
-            <a:r>
-              <a:rPr lang="en-US" altLang="zh-TW" dirty="0"/>
-              <a:t>Such a handover decision is taken when two conditions are met: the connection to the current IoT GW is bad and a sufficiently good enough alternative IoT GW is available.</a:t>
+          <a:bodyPr/>
+          <a:lstStyle/>
+          <a:p>
+            <a:r>
+              <a:rPr lang="en-US" altLang="zh-TW" dirty="0"/>
+              <a:t>All collected RSSI values are forwarded to the controller. </a:t>
             </a:r>
           </a:p>
           <a:p>
@@ -5672,7 +5848,7 @@
           <a:p>
             <a:r>
               <a:rPr lang="en-US" altLang="zh-TW" dirty="0"/>
-              <a:t>The connection can be considered bad once the RSSI exceeds a certain RSSI threshold, meaning that the peripheral is not too far from the GW for the connection to be lost, but far enough to be of insufficient quality.</a:t>
+              <a:t>The controller maintains a mapping table between the received RSSI values and the associated IoT GW and BLE peripheral. </a:t>
             </a:r>
           </a:p>
           <a:p>
@@ -5681,7 +5857,7 @@
           <a:p>
             <a:r>
               <a:rPr lang="en-US" altLang="zh-TW" dirty="0"/>
-              <a:t>Another GW can be considered a sufficient alternative, once its RSSI exceeds a certain threshold as well, indicating that the peripheral is actually close enough to that GW to establish a connection of sufficient quality. </a:t>
+              <a:t>Concurrently, this mapping table is used to monitor the current state of the BLE connections and decides whether a specific BLE peripheral should handover to another IoT GW.</a:t>
             </a:r>
             <a:endParaRPr lang="zh-TW" altLang="en-US" dirty="0"/>
           </a:p>
@@ -5692,7 +5868,7 @@
           <p:cNvPr id="4" name="投影片編號版面配置區 3">
             <a:extLst>
               <a:ext uri="{FF2B5EF4-FFF2-40B4-BE49-F238E27FC236}">
-                <a16:creationId xmlns:a16="http://schemas.microsoft.com/office/drawing/2014/main" id="{D343627B-A794-4656-8F31-A526720248C0}"/>
+                <a16:creationId xmlns:a16="http://schemas.microsoft.com/office/drawing/2014/main" xmlns="" id="{D343627B-A794-4656-8F31-A526720248C0}"/>
               </a:ext>
             </a:extLst>
           </p:cNvPr>
@@ -5719,7 +5895,7 @@
     </p:spTree>
     <p:extLst>
       <p:ext uri="{BB962C8B-B14F-4D97-AF65-F5344CB8AC3E}">
-        <p14:creationId xmlns:p14="http://schemas.microsoft.com/office/powerpoint/2010/main" val="1833578096"/>
+        <p14:creationId xmlns:p14="http://schemas.microsoft.com/office/powerpoint/2010/main" val="1372114980"/>
       </p:ext>
     </p:extLst>
   </p:cSld>
@@ -5751,7 +5927,7 @@
           <p:cNvPr id="2" name="標題 1">
             <a:extLst>
               <a:ext uri="{FF2B5EF4-FFF2-40B4-BE49-F238E27FC236}">
-                <a16:creationId xmlns:a16="http://schemas.microsoft.com/office/drawing/2014/main" id="{374CC6A4-7D80-460A-B3B0-D78C7AA4B278}"/>
+                <a16:creationId xmlns:a16="http://schemas.microsoft.com/office/drawing/2014/main" xmlns="" id="{374CC6A4-7D80-460A-B3B0-D78C7AA4B278}"/>
               </a:ext>
             </a:extLst>
           </p:cNvPr>
@@ -5780,7 +5956,7 @@
           <p:cNvPr id="3" name="內容版面配置區 2">
             <a:extLst>
               <a:ext uri="{FF2B5EF4-FFF2-40B4-BE49-F238E27FC236}">
-                <a16:creationId xmlns:a16="http://schemas.microsoft.com/office/drawing/2014/main" id="{E4C02B56-07BF-448C-BE47-03D13CE393B5}"/>
+                <a16:creationId xmlns:a16="http://schemas.microsoft.com/office/drawing/2014/main" xmlns="" id="{E4C02B56-07BF-448C-BE47-03D13CE393B5}"/>
               </a:ext>
             </a:extLst>
           </p:cNvPr>
@@ -5852,7 +6028,7 @@
           <p:cNvPr id="4" name="投影片編號版面配置區 3">
             <a:extLst>
               <a:ext uri="{FF2B5EF4-FFF2-40B4-BE49-F238E27FC236}">
-                <a16:creationId xmlns:a16="http://schemas.microsoft.com/office/drawing/2014/main" id="{54C0367C-91A7-428B-B46E-60D3CE76CC93}"/>
+                <a16:creationId xmlns:a16="http://schemas.microsoft.com/office/drawing/2014/main" xmlns="" id="{54C0367C-91A7-428B-B46E-60D3CE76CC93}"/>
               </a:ext>
             </a:extLst>
           </p:cNvPr>
@@ -5911,7 +6087,7 @@
           <p:cNvPr id="2" name="標題 1">
             <a:extLst>
               <a:ext uri="{FF2B5EF4-FFF2-40B4-BE49-F238E27FC236}">
-                <a16:creationId xmlns:a16="http://schemas.microsoft.com/office/drawing/2014/main" id="{A695901F-B45F-471B-B1C2-E603D8500264}"/>
+                <a16:creationId xmlns:a16="http://schemas.microsoft.com/office/drawing/2014/main" xmlns="" id="{A695901F-B45F-471B-B1C2-E603D8500264}"/>
               </a:ext>
             </a:extLst>
           </p:cNvPr>
@@ -5940,7 +6116,7 @@
           <p:cNvPr id="3" name="內容版面配置區 2">
             <a:extLst>
               <a:ext uri="{FF2B5EF4-FFF2-40B4-BE49-F238E27FC236}">
-                <a16:creationId xmlns:a16="http://schemas.microsoft.com/office/drawing/2014/main" id="{FB2F8C4B-A1E5-42DA-B706-3134322A9E30}"/>
+                <a16:creationId xmlns:a16="http://schemas.microsoft.com/office/drawing/2014/main" xmlns="" id="{FB2F8C4B-A1E5-42DA-B706-3134322A9E30}"/>
               </a:ext>
             </a:extLst>
           </p:cNvPr>
@@ -5959,13 +6135,13 @@
         </p:spPr>
         <p:txBody>
           <a:bodyPr>
-            <a:normAutofit fontScale="92500" lnSpcReduction="10000"/>
+            <a:normAutofit fontScale="92500" lnSpcReduction="20000"/>
           </a:bodyPr>
           <a:lstStyle/>
           <a:p>
             <a:r>
               <a:rPr lang="en-US" altLang="zh-TW" dirty="0"/>
-              <a:t>When a handover decision is made, a disconnect message is sent by the controller to the old IoT GW and a connect message to the alternative IoT GW. </a:t>
+              <a:t>Such a handover decision is taken when two conditions are met: the connection to the current IoT GW is bad and a sufficiently good enough alternative IoT GW is available.</a:t>
             </a:r>
           </a:p>
           <a:p>
@@ -5974,7 +6150,7 @@
           <a:p>
             <a:r>
               <a:rPr lang="en-US" altLang="zh-TW" dirty="0"/>
-              <a:t>The old IoT GW forwards this request to the BLE peripheral and the peripheral immediately terminates the connection (independent of the supervision timeout). </a:t>
+              <a:t>The connection can be considered bad once the RSSI exceeds a certain RSSI threshold, meaning that the peripheral is not too far from the GW for the connection to be lost, but far enough to be of insufficient quality.</a:t>
             </a:r>
           </a:p>
           <a:p>
@@ -5983,7 +6159,7 @@
           <a:p>
             <a:r>
               <a:rPr lang="en-US" altLang="zh-TW" dirty="0"/>
-              <a:t>Afterwards, the BLE advertisements can be answered with a connection request again, which is now done by the alternative gateway incited by the connect message.</a:t>
+              <a:t>Another GW can be considered a sufficient alternative, once its RSSI exceeds a certain threshold as well, indicating that the peripheral is actually close enough to that GW to establish a connection of sufficient quality. </a:t>
             </a:r>
             <a:endParaRPr lang="zh-TW" altLang="en-US" dirty="0"/>
           </a:p>
@@ -5994,7 +6170,7 @@
           <p:cNvPr id="4" name="投影片編號版面配置區 3">
             <a:extLst>
               <a:ext uri="{FF2B5EF4-FFF2-40B4-BE49-F238E27FC236}">
-                <a16:creationId xmlns:a16="http://schemas.microsoft.com/office/drawing/2014/main" id="{D343627B-A794-4656-8F31-A526720248C0}"/>
+                <a16:creationId xmlns:a16="http://schemas.microsoft.com/office/drawing/2014/main" xmlns="" id="{D343627B-A794-4656-8F31-A526720248C0}"/>
               </a:ext>
             </a:extLst>
           </p:cNvPr>
@@ -6021,7 +6197,7 @@
     </p:spTree>
     <p:extLst>
       <p:ext uri="{BB962C8B-B14F-4D97-AF65-F5344CB8AC3E}">
-        <p14:creationId xmlns:p14="http://schemas.microsoft.com/office/powerpoint/2010/main" val="227173799"/>
+        <p14:creationId xmlns:p14="http://schemas.microsoft.com/office/powerpoint/2010/main" val="1833578096"/>
       </p:ext>
     </p:extLst>
   </p:cSld>
@@ -6053,7 +6229,7 @@
           <p:cNvPr id="2" name="標題 1">
             <a:extLst>
               <a:ext uri="{FF2B5EF4-FFF2-40B4-BE49-F238E27FC236}">
-                <a16:creationId xmlns:a16="http://schemas.microsoft.com/office/drawing/2014/main" id="{A695901F-B45F-471B-B1C2-E603D8500264}"/>
+                <a16:creationId xmlns:a16="http://schemas.microsoft.com/office/drawing/2014/main" xmlns="" id="{A695901F-B45F-471B-B1C2-E603D8500264}"/>
               </a:ext>
             </a:extLst>
           </p:cNvPr>
@@ -6082,7 +6258,7 @@
           <p:cNvPr id="3" name="內容版面配置區 2">
             <a:extLst>
               <a:ext uri="{FF2B5EF4-FFF2-40B4-BE49-F238E27FC236}">
-                <a16:creationId xmlns:a16="http://schemas.microsoft.com/office/drawing/2014/main" id="{FB2F8C4B-A1E5-42DA-B706-3134322A9E30}"/>
+                <a16:creationId xmlns:a16="http://schemas.microsoft.com/office/drawing/2014/main" xmlns="" id="{FB2F8C4B-A1E5-42DA-B706-3134322A9E30}"/>
               </a:ext>
             </a:extLst>
           </p:cNvPr>
@@ -6101,13 +6277,13 @@
         </p:spPr>
         <p:txBody>
           <a:bodyPr>
-            <a:normAutofit/>
+            <a:normAutofit fontScale="92500" lnSpcReduction="10000"/>
           </a:bodyPr>
           <a:lstStyle/>
           <a:p>
             <a:r>
               <a:rPr lang="en-US" altLang="zh-TW" dirty="0"/>
-              <a:t>On top, when a BLE peripheral does not yet have a BLE connection with an IoT GW, the current best RSSI is can be used to find a suitable IoT GW and set up the connection. </a:t>
+              <a:t>When a handover decision is made, a disconnect message is sent by the controller to the old IoT GW and a connect message to the alternative IoT GW. </a:t>
             </a:r>
           </a:p>
           <a:p>
@@ -6116,7 +6292,16 @@
           <a:p>
             <a:r>
               <a:rPr lang="en-US" altLang="zh-TW" dirty="0"/>
-              <a:t>When an IoT GW naturally loses a BLE connection, which can occur if no suitable alternative was available, or a BLE connection failed to be set up, the controller is also notified, such an event indicates that the BLE peripheral has moved out of range of the BLE-enabled infrastructure or the infrastructure contains a blind spot.</a:t>
+              <a:t>The old IoT GW forwards this request to the BLE peripheral and the peripheral immediately terminates the connection (independent of the supervision timeout). </a:t>
+            </a:r>
+          </a:p>
+          <a:p>
+            <a:endParaRPr lang="en-US" altLang="zh-TW" dirty="0"/>
+          </a:p>
+          <a:p>
+            <a:r>
+              <a:rPr lang="en-US" altLang="zh-TW" dirty="0"/>
+              <a:t>Afterwards, the BLE advertisements can be answered with a connection request again, which is now done by the alternative gateway incited by the connect message.</a:t>
             </a:r>
             <a:endParaRPr lang="zh-TW" altLang="en-US" dirty="0"/>
           </a:p>
@@ -6127,7 +6312,7 @@
           <p:cNvPr id="4" name="投影片編號版面配置區 3">
             <a:extLst>
               <a:ext uri="{FF2B5EF4-FFF2-40B4-BE49-F238E27FC236}">
-                <a16:creationId xmlns:a16="http://schemas.microsoft.com/office/drawing/2014/main" id="{D343627B-A794-4656-8F31-A526720248C0}"/>
+                <a16:creationId xmlns:a16="http://schemas.microsoft.com/office/drawing/2014/main" xmlns="" id="{D343627B-A794-4656-8F31-A526720248C0}"/>
               </a:ext>
             </a:extLst>
           </p:cNvPr>
@@ -6154,7 +6339,7 @@
     </p:spTree>
     <p:extLst>
       <p:ext uri="{BB962C8B-B14F-4D97-AF65-F5344CB8AC3E}">
-        <p14:creationId xmlns:p14="http://schemas.microsoft.com/office/powerpoint/2010/main" val="3385593956"/>
+        <p14:creationId xmlns:p14="http://schemas.microsoft.com/office/powerpoint/2010/main" val="227173799"/>
       </p:ext>
     </p:extLst>
   </p:cSld>
@@ -6186,7 +6371,7 @@
           <p:cNvPr id="2" name="標題 1">
             <a:extLst>
               <a:ext uri="{FF2B5EF4-FFF2-40B4-BE49-F238E27FC236}">
-                <a16:creationId xmlns:a16="http://schemas.microsoft.com/office/drawing/2014/main" id="{B93EF638-2849-41FC-9ED3-28D8E0CE969E}"/>
+                <a16:creationId xmlns:a16="http://schemas.microsoft.com/office/drawing/2014/main" xmlns="" id="{A695901F-B45F-471B-B1C2-E603D8500264}"/>
               </a:ext>
             </a:extLst>
           </p:cNvPr>
@@ -6204,7 +6389,7 @@
           <a:p>
             <a:r>
               <a:rPr lang="en-US" altLang="zh-TW" dirty="0"/>
-              <a:t>Implementation details</a:t>
+              <a:t>Handover approaches(cont’d)</a:t>
             </a:r>
             <a:endParaRPr lang="zh-TW" altLang="en-US" dirty="0"/>
           </a:p>
@@ -6215,7 +6400,7 @@
           <p:cNvPr id="3" name="內容版面配置區 2">
             <a:extLst>
               <a:ext uri="{FF2B5EF4-FFF2-40B4-BE49-F238E27FC236}">
-                <a16:creationId xmlns:a16="http://schemas.microsoft.com/office/drawing/2014/main" id="{FE76078E-89DF-42BA-BFF0-0789F7A2DC49}"/>
+                <a16:creationId xmlns:a16="http://schemas.microsoft.com/office/drawing/2014/main" xmlns="" id="{FB2F8C4B-A1E5-42DA-B706-3134322A9E30}"/>
               </a:ext>
             </a:extLst>
           </p:cNvPr>
@@ -6226,24 +6411,21 @@
             <p:ph idx="1"/>
           </p:nvPr>
         </p:nvSpPr>
-        <p:spPr/>
+        <p:spPr>
+          <a:xfrm>
+            <a:off x="838200" y="1587500"/>
+            <a:ext cx="10515600" cy="4351338"/>
+          </a:xfrm>
+        </p:spPr>
         <p:txBody>
           <a:bodyPr>
-            <a:normAutofit fontScale="92500" lnSpcReduction="10000"/>
+            <a:normAutofit/>
           </a:bodyPr>
           <a:lstStyle/>
           <a:p>
             <a:r>
               <a:rPr lang="en-US" altLang="zh-TW" dirty="0"/>
-              <a:t>The BLE peripheral’s role is enacted using a nRF52840 board and the other roles(</a:t>
-            </a:r>
-            <a:r>
-              <a:rPr lang="en-US" altLang="zh-TW" dirty="0" err="1"/>
-              <a:t>GW,Controller</a:t>
-            </a:r>
-            <a:r>
-              <a:rPr lang="en-US" altLang="zh-TW" dirty="0"/>
-              <a:t>) are enacted using Raspberry PI’s.</a:t>
+              <a:t>On top, when a BLE peripheral does not yet have a BLE connection with an IoT GW, the current best RSSI is can be used to find a suitable IoT GW and set up the connection. </a:t>
             </a:r>
           </a:p>
           <a:p>
@@ -6251,38 +6433,8 @@
           </a:p>
           <a:p>
             <a:r>
-              <a:rPr lang="en-US" altLang="zh-TW" b="1" dirty="0"/>
-              <a:t>nRF52840</a:t>
-            </a:r>
-            <a:r>
-              <a:rPr lang="en-US" altLang="zh-TW" dirty="0"/>
-              <a:t> board is capable of implementing a complete BLE v5.0 supported stack as well as the IPv6 over BLE stack adjustment.</a:t>
-            </a:r>
-          </a:p>
-          <a:p>
-            <a:endParaRPr lang="en-US" altLang="zh-TW" dirty="0"/>
-          </a:p>
-          <a:p>
-            <a:r>
-              <a:rPr lang="en-US" altLang="zh-TW" dirty="0"/>
-              <a:t>Use official Linux Bluetooth protocol stack(</a:t>
-            </a:r>
-            <a:r>
-              <a:rPr lang="en-US" altLang="zh-TW" dirty="0" err="1"/>
-              <a:t>BLueZ</a:t>
-            </a:r>
-            <a:r>
-              <a:rPr lang="en-US" altLang="zh-TW" dirty="0"/>
-              <a:t>) on Raspberry Pi.</a:t>
-            </a:r>
-          </a:p>
-          <a:p>
-            <a:endParaRPr lang="en-US" altLang="zh-TW" dirty="0"/>
-          </a:p>
-          <a:p>
-            <a:r>
-              <a:rPr lang="en-US" altLang="zh-TW" dirty="0"/>
-              <a:t>To emulate a mobile BLE peripheral performing a handover from one gateway to another gateway, in a controller manner, a manual attenuator is used.</a:t>
+              <a:rPr lang="en-US" altLang="zh-TW" dirty="0"/>
+              <a:t>When an IoT GW naturally loses a BLE connection, which can occur if no suitable alternative was available, or a BLE connection failed to be set up, the controller is also notified, such an event indicates that the BLE peripheral has moved out of range of the BLE-enabled infrastructure or the infrastructure contains a blind spot.</a:t>
             </a:r>
             <a:endParaRPr lang="zh-TW" altLang="en-US" dirty="0"/>
           </a:p>
@@ -6293,7 +6445,7 @@
           <p:cNvPr id="4" name="投影片編號版面配置區 3">
             <a:extLst>
               <a:ext uri="{FF2B5EF4-FFF2-40B4-BE49-F238E27FC236}">
-                <a16:creationId xmlns:a16="http://schemas.microsoft.com/office/drawing/2014/main" id="{AD1B4B23-F0A7-40BA-987D-16C4CCB324A1}"/>
+                <a16:creationId xmlns:a16="http://schemas.microsoft.com/office/drawing/2014/main" xmlns="" id="{D343627B-A794-4656-8F31-A526720248C0}"/>
               </a:ext>
             </a:extLst>
           </p:cNvPr>
@@ -6320,7 +6472,7 @@
     </p:spTree>
     <p:extLst>
       <p:ext uri="{BB962C8B-B14F-4D97-AF65-F5344CB8AC3E}">
-        <p14:creationId xmlns:p14="http://schemas.microsoft.com/office/powerpoint/2010/main" val="664417199"/>
+        <p14:creationId xmlns:p14="http://schemas.microsoft.com/office/powerpoint/2010/main" val="3385593956"/>
       </p:ext>
     </p:extLst>
   </p:cSld>
@@ -6352,7 +6504,7 @@
           <p:cNvPr id="2" name="標題 1">
             <a:extLst>
               <a:ext uri="{FF2B5EF4-FFF2-40B4-BE49-F238E27FC236}">
-                <a16:creationId xmlns:a16="http://schemas.microsoft.com/office/drawing/2014/main" id="{B395D8BB-EDB2-42F3-9D92-4E6E7DCBB06A}"/>
+                <a16:creationId xmlns:a16="http://schemas.microsoft.com/office/drawing/2014/main" xmlns="" id="{B93EF638-2849-41FC-9ED3-28D8E0CE969E}"/>
               </a:ext>
             </a:extLst>
           </p:cNvPr>
@@ -6370,7 +6522,7 @@
           <a:p>
             <a:r>
               <a:rPr lang="en-US" altLang="zh-TW" dirty="0"/>
-              <a:t>Evaluation</a:t>
+              <a:t>Implementation details</a:t>
             </a:r>
             <a:endParaRPr lang="zh-TW" altLang="en-US" dirty="0"/>
           </a:p>
@@ -6381,7 +6533,7 @@
           <p:cNvPr id="3" name="內容版面配置區 2">
             <a:extLst>
               <a:ext uri="{FF2B5EF4-FFF2-40B4-BE49-F238E27FC236}">
-                <a16:creationId xmlns:a16="http://schemas.microsoft.com/office/drawing/2014/main" id="{C1C16457-135B-42D6-BD5B-8AF9CCC2689E}"/>
+                <a16:creationId xmlns:a16="http://schemas.microsoft.com/office/drawing/2014/main" xmlns="" id="{FE76078E-89DF-42BA-BFF0-0789F7A2DC49}"/>
               </a:ext>
             </a:extLst>
           </p:cNvPr>
@@ -6394,18 +6546,62 @@
         </p:nvSpPr>
         <p:spPr/>
         <p:txBody>
-          <a:bodyPr/>
-          <a:lstStyle/>
-          <a:p>
-            <a:r>
-              <a:rPr lang="en-US" altLang="zh-TW" dirty="0"/>
-              <a:t>The performance of the handover process is predominantly impacted by two steps: disconnecting from the current GW and setting up a connection with the alternative GW.</a:t>
+          <a:bodyPr>
+            <a:normAutofit fontScale="92500" lnSpcReduction="10000"/>
+          </a:bodyPr>
+          <a:lstStyle/>
+          <a:p>
+            <a:r>
+              <a:rPr lang="en-US" altLang="zh-TW" dirty="0"/>
+              <a:t>The BLE peripheral’s role is enacted using a nRF52840 board and the other roles(</a:t>
+            </a:r>
+            <a:r>
+              <a:rPr lang="en-US" altLang="zh-TW" dirty="0" err="1"/>
+              <a:t>GW,Controller</a:t>
+            </a:r>
+            <a:r>
+              <a:rPr lang="en-US" altLang="zh-TW" dirty="0"/>
+              <a:t>) are enacted using Raspberry PI’s.</a:t>
             </a:r>
           </a:p>
           <a:p>
             <a:endParaRPr lang="en-US" altLang="zh-TW" dirty="0"/>
           </a:p>
           <a:p>
+            <a:r>
+              <a:rPr lang="en-US" altLang="zh-TW" b="1" dirty="0"/>
+              <a:t>nRF52840</a:t>
+            </a:r>
+            <a:r>
+              <a:rPr lang="en-US" altLang="zh-TW" dirty="0"/>
+              <a:t> board is capable of implementing a complete BLE v5.0 supported stack as well as the IPv6 over BLE stack adjustment.</a:t>
+            </a:r>
+          </a:p>
+          <a:p>
+            <a:endParaRPr lang="en-US" altLang="zh-TW" dirty="0"/>
+          </a:p>
+          <a:p>
+            <a:r>
+              <a:rPr lang="en-US" altLang="zh-TW" dirty="0"/>
+              <a:t>Use official Linux Bluetooth protocol stack(</a:t>
+            </a:r>
+            <a:r>
+              <a:rPr lang="en-US" altLang="zh-TW" dirty="0" err="1"/>
+              <a:t>BLueZ</a:t>
+            </a:r>
+            <a:r>
+              <a:rPr lang="en-US" altLang="zh-TW" dirty="0"/>
+              <a:t>) on Raspberry Pi.</a:t>
+            </a:r>
+          </a:p>
+          <a:p>
+            <a:endParaRPr lang="en-US" altLang="zh-TW" dirty="0"/>
+          </a:p>
+          <a:p>
+            <a:r>
+              <a:rPr lang="en-US" altLang="zh-TW" dirty="0"/>
+              <a:t>To emulate a mobile BLE peripheral performing a handover from one gateway to another gateway, in a controller manner, a manual attenuator is used.</a:t>
+            </a:r>
             <a:endParaRPr lang="zh-TW" altLang="en-US" dirty="0"/>
           </a:p>
         </p:txBody>
@@ -6415,7 +6611,7 @@
           <p:cNvPr id="4" name="投影片編號版面配置區 3">
             <a:extLst>
               <a:ext uri="{FF2B5EF4-FFF2-40B4-BE49-F238E27FC236}">
-                <a16:creationId xmlns:a16="http://schemas.microsoft.com/office/drawing/2014/main" id="{2E50D0C3-38B0-420B-AA42-A979EDC25DED}"/>
+                <a16:creationId xmlns:a16="http://schemas.microsoft.com/office/drawing/2014/main" xmlns="" id="{AD1B4B23-F0A7-40BA-987D-16C4CCB324A1}"/>
               </a:ext>
             </a:extLst>
           </p:cNvPr>
@@ -6442,7 +6638,7 @@
     </p:spTree>
     <p:extLst>
       <p:ext uri="{BB962C8B-B14F-4D97-AF65-F5344CB8AC3E}">
-        <p14:creationId xmlns:p14="http://schemas.microsoft.com/office/powerpoint/2010/main" val="1801796988"/>
+        <p14:creationId xmlns:p14="http://schemas.microsoft.com/office/powerpoint/2010/main" val="664417199"/>
       </p:ext>
     </p:extLst>
   </p:cSld>
@@ -6474,7 +6670,7 @@
           <p:cNvPr id="2" name="標題 1">
             <a:extLst>
               <a:ext uri="{FF2B5EF4-FFF2-40B4-BE49-F238E27FC236}">
-                <a16:creationId xmlns:a16="http://schemas.microsoft.com/office/drawing/2014/main" id="{B395D8BB-EDB2-42F3-9D92-4E6E7DCBB06A}"/>
+                <a16:creationId xmlns:a16="http://schemas.microsoft.com/office/drawing/2014/main" xmlns="" id="{B395D8BB-EDB2-42F3-9D92-4E6E7DCBB06A}"/>
               </a:ext>
             </a:extLst>
           </p:cNvPr>
@@ -6492,20 +6688,142 @@
           <a:p>
             <a:r>
               <a:rPr lang="en-US" altLang="zh-TW" dirty="0"/>
+              <a:t>Evaluation</a:t>
+            </a:r>
+            <a:endParaRPr lang="zh-TW" altLang="en-US" dirty="0"/>
+          </a:p>
+        </p:txBody>
+      </p:sp>
+      <p:sp>
+        <p:nvSpPr>
+          <p:cNvPr id="3" name="內容版面配置區 2">
+            <a:extLst>
+              <a:ext uri="{FF2B5EF4-FFF2-40B4-BE49-F238E27FC236}">
+                <a16:creationId xmlns:a16="http://schemas.microsoft.com/office/drawing/2014/main" xmlns="" id="{C1C16457-135B-42D6-BD5B-8AF9CCC2689E}"/>
+              </a:ext>
+            </a:extLst>
+          </p:cNvPr>
+          <p:cNvSpPr>
+            <a:spLocks noGrp="1"/>
+          </p:cNvSpPr>
+          <p:nvPr>
+            <p:ph idx="1"/>
+          </p:nvPr>
+        </p:nvSpPr>
+        <p:spPr/>
+        <p:txBody>
+          <a:bodyPr/>
+          <a:lstStyle/>
+          <a:p>
+            <a:r>
+              <a:rPr lang="en-US" altLang="zh-TW" dirty="0"/>
+              <a:t>The performance of the handover process is predominantly impacted by two steps: disconnecting from the current GW and setting up a connection with the alternative GW.</a:t>
+            </a:r>
+          </a:p>
+          <a:p>
+            <a:endParaRPr lang="en-US" altLang="zh-TW" dirty="0"/>
+          </a:p>
+          <a:p>
+            <a:endParaRPr lang="zh-TW" altLang="en-US" dirty="0"/>
+          </a:p>
+        </p:txBody>
+      </p:sp>
+      <p:sp>
+        <p:nvSpPr>
+          <p:cNvPr id="4" name="投影片編號版面配置區 3">
+            <a:extLst>
+              <a:ext uri="{FF2B5EF4-FFF2-40B4-BE49-F238E27FC236}">
+                <a16:creationId xmlns:a16="http://schemas.microsoft.com/office/drawing/2014/main" xmlns="" id="{2E50D0C3-38B0-420B-AA42-A979EDC25DED}"/>
+              </a:ext>
+            </a:extLst>
+          </p:cNvPr>
+          <p:cNvSpPr>
+            <a:spLocks noGrp="1"/>
+          </p:cNvSpPr>
+          <p:nvPr>
+            <p:ph type="sldNum" sz="quarter" idx="12"/>
+          </p:nvPr>
+        </p:nvSpPr>
+        <p:spPr/>
+        <p:txBody>
+          <a:bodyPr/>
+          <a:lstStyle/>
+          <a:p>
+            <a:fld id="{50029C49-A5A9-4A95-8BF0-94F73808DB5F}" type="slidenum">
+              <a:rPr lang="zh-TW" altLang="en-US" smtClean="0"/>
+              <a:t>24</a:t>
+            </a:fld>
+            <a:endParaRPr lang="zh-TW" altLang="en-US"/>
+          </a:p>
+        </p:txBody>
+      </p:sp>
+    </p:spTree>
+    <p:extLst>
+      <p:ext uri="{BB962C8B-B14F-4D97-AF65-F5344CB8AC3E}">
+        <p14:creationId xmlns:p14="http://schemas.microsoft.com/office/powerpoint/2010/main" val="1801796988"/>
+      </p:ext>
+    </p:extLst>
+  </p:cSld>
+  <p:clrMapOvr>
+    <a:masterClrMapping/>
+  </p:clrMapOvr>
+</p:sld>
+</file>
+
+<file path=ppt/slides/slide25.xml><?xml version="1.0" encoding="utf-8"?>
+<p:sld xmlns:a="http://schemas.openxmlformats.org/drawingml/2006/main" xmlns:r="http://schemas.openxmlformats.org/officeDocument/2006/relationships" xmlns:p="http://schemas.openxmlformats.org/presentationml/2006/main">
+  <p:cSld>
+    <p:spTree>
+      <p:nvGrpSpPr>
+        <p:cNvPr id="1" name=""/>
+        <p:cNvGrpSpPr/>
+        <p:nvPr/>
+      </p:nvGrpSpPr>
+      <p:grpSpPr>
+        <a:xfrm>
+          <a:off x="0" y="0"/>
+          <a:ext cx="0" cy="0"/>
+          <a:chOff x="0" y="0"/>
+          <a:chExt cx="0" cy="0"/>
+        </a:xfrm>
+      </p:grpSpPr>
+      <p:sp>
+        <p:nvSpPr>
+          <p:cNvPr id="2" name="標題 1">
+            <a:extLst>
+              <a:ext uri="{FF2B5EF4-FFF2-40B4-BE49-F238E27FC236}">
+                <a16:creationId xmlns:a16="http://schemas.microsoft.com/office/drawing/2014/main" xmlns="" id="{B395D8BB-EDB2-42F3-9D92-4E6E7DCBB06A}"/>
+              </a:ext>
+            </a:extLst>
+          </p:cNvPr>
+          <p:cNvSpPr>
+            <a:spLocks noGrp="1"/>
+          </p:cNvSpPr>
+          <p:nvPr>
+            <p:ph type="title"/>
+          </p:nvPr>
+        </p:nvSpPr>
+        <p:spPr/>
+        <p:txBody>
+          <a:bodyPr/>
+          <a:lstStyle/>
+          <a:p>
+            <a:r>
+              <a:rPr lang="en-US" altLang="zh-TW" dirty="0"/>
               <a:t>Evaluation : passive handover </a:t>
             </a:r>
             <a:endParaRPr lang="zh-TW" altLang="en-US" dirty="0"/>
           </a:p>
         </p:txBody>
       </p:sp>
-      <mc:AlternateContent xmlns:mc="http://schemas.openxmlformats.org/markup-compatibility/2006" xmlns:a14="http://schemas.microsoft.com/office/drawing/2010/main">
-        <mc:Choice Requires="a14">
+      <mc:AlternateContent xmlns:mc="http://schemas.openxmlformats.org/markup-compatibility/2006">
+        <mc:Choice xmlns:a14="http://schemas.microsoft.com/office/drawing/2010/main" Requires="a14">
           <p:sp>
             <p:nvSpPr>
               <p:cNvPr id="3" name="內容版面配置區 2">
                 <a:extLst>
                   <a:ext uri="{FF2B5EF4-FFF2-40B4-BE49-F238E27FC236}">
-                    <a16:creationId xmlns:a16="http://schemas.microsoft.com/office/drawing/2014/main" id="{C1C16457-135B-42D6-BD5B-8AF9CCC2689E}"/>
+                    <a16:creationId xmlns:a16="http://schemas.microsoft.com/office/drawing/2014/main" xmlns="" id="{C1C16457-135B-42D6-BD5B-8AF9CCC2689E}"/>
                   </a:ext>
                 </a:extLst>
               </p:cNvPr>
@@ -6525,8 +6843,13 @@
               <a:p>
                 <a:r>
                   <a:rPr lang="en-US" altLang="zh-TW" dirty="0"/>
-                  <a:t>About disconnecting from current GW</a:t>
+                  <a:t>About disconnecting from current </a:t>
                 </a:r>
+                <a:r>
+                  <a:rPr lang="en-US" altLang="zh-TW" dirty="0" smtClean="0"/>
+                  <a:t>GW</a:t>
+                </a:r>
+                <a:endParaRPr lang="en-US" altLang="zh-TW" dirty="0"/>
               </a:p>
               <a:p>
                 <a:endParaRPr lang="en-US" altLang="zh-TW" dirty="0"/>
@@ -6627,13 +6950,13 @@
             </p:txBody>
           </p:sp>
         </mc:Choice>
-        <mc:Fallback xmlns="">
+        <mc:Fallback>
           <p:sp>
             <p:nvSpPr>
               <p:cNvPr id="3" name="內容版面配置區 2">
                 <a:extLst>
                   <a:ext uri="{FF2B5EF4-FFF2-40B4-BE49-F238E27FC236}">
-                    <a16:creationId xmlns:a16="http://schemas.microsoft.com/office/drawing/2014/main" id="{C1C16457-135B-42D6-BD5B-8AF9CCC2689E}"/>
+                    <a16:creationId xmlns:a16="http://schemas.microsoft.com/office/drawing/2014/main" xmlns:a14="http://schemas.microsoft.com/office/drawing/2010/main" xmlns="" id="{C1C16457-135B-42D6-BD5B-8AF9CCC2689E}"/>
                   </a:ext>
                 </a:extLst>
               </p:cNvPr>
@@ -6645,7 +6968,7 @@
               </p:nvPr>
             </p:nvSpPr>
             <p:spPr>
-              <a:blipFill>
+              <a:blipFill rotWithShape="0">
                 <a:blip r:embed="rId3"/>
                 <a:stretch>
                   <a:fillRect l="-928" t="-2801"/>
@@ -6672,143 +6995,7 @@
           <p:cNvPr id="9" name="投影片編號版面配置區 8">
             <a:extLst>
               <a:ext uri="{FF2B5EF4-FFF2-40B4-BE49-F238E27FC236}">
-                <a16:creationId xmlns:a16="http://schemas.microsoft.com/office/drawing/2014/main" id="{4F567620-92F9-4E3B-8423-A474721BEFEF}"/>
-              </a:ext>
-            </a:extLst>
-          </p:cNvPr>
-          <p:cNvSpPr>
-            <a:spLocks noGrp="1"/>
-          </p:cNvSpPr>
-          <p:nvPr>
-            <p:ph type="sldNum" sz="quarter" idx="12"/>
-          </p:nvPr>
-        </p:nvSpPr>
-        <p:spPr/>
-        <p:txBody>
-          <a:bodyPr/>
-          <a:lstStyle/>
-          <a:p>
-            <a:fld id="{50029C49-A5A9-4A95-8BF0-94F73808DB5F}" type="slidenum">
-              <a:rPr lang="zh-TW" altLang="en-US" smtClean="0"/>
-              <a:t>24</a:t>
-            </a:fld>
-            <a:endParaRPr lang="zh-TW" altLang="en-US" dirty="0"/>
-          </a:p>
-        </p:txBody>
-      </p:sp>
-    </p:spTree>
-    <p:extLst>
-      <p:ext uri="{BB962C8B-B14F-4D97-AF65-F5344CB8AC3E}">
-        <p14:creationId xmlns:p14="http://schemas.microsoft.com/office/powerpoint/2010/main" val="625403940"/>
-      </p:ext>
-    </p:extLst>
-  </p:cSld>
-  <p:clrMapOvr>
-    <a:masterClrMapping/>
-  </p:clrMapOvr>
-</p:sld>
-</file>
-
-<file path=ppt/slides/slide25.xml><?xml version="1.0" encoding="utf-8"?>
-<p:sld xmlns:a="http://schemas.openxmlformats.org/drawingml/2006/main" xmlns:r="http://schemas.openxmlformats.org/officeDocument/2006/relationships" xmlns:p="http://schemas.openxmlformats.org/presentationml/2006/main">
-  <p:cSld>
-    <p:spTree>
-      <p:nvGrpSpPr>
-        <p:cNvPr id="1" name=""/>
-        <p:cNvGrpSpPr/>
-        <p:nvPr/>
-      </p:nvGrpSpPr>
-      <p:grpSpPr>
-        <a:xfrm>
-          <a:off x="0" y="0"/>
-          <a:ext cx="0" cy="0"/>
-          <a:chOff x="0" y="0"/>
-          <a:chExt cx="0" cy="0"/>
-        </a:xfrm>
-      </p:grpSpPr>
-      <p:sp>
-        <p:nvSpPr>
-          <p:cNvPr id="2" name="標題 1">
-            <a:extLst>
-              <a:ext uri="{FF2B5EF4-FFF2-40B4-BE49-F238E27FC236}">
-                <a16:creationId xmlns:a16="http://schemas.microsoft.com/office/drawing/2014/main" id="{B395D8BB-EDB2-42F3-9D92-4E6E7DCBB06A}"/>
-              </a:ext>
-            </a:extLst>
-          </p:cNvPr>
-          <p:cNvSpPr>
-            <a:spLocks noGrp="1"/>
-          </p:cNvSpPr>
-          <p:nvPr>
-            <p:ph type="title"/>
-          </p:nvPr>
-        </p:nvSpPr>
-        <p:spPr/>
-        <p:txBody>
-          <a:bodyPr/>
-          <a:lstStyle/>
-          <a:p>
-            <a:r>
-              <a:rPr lang="en-US" altLang="zh-TW" dirty="0"/>
-              <a:t>Evaluation : passive handover(cont’d) </a:t>
-            </a:r>
-            <a:endParaRPr lang="zh-TW" altLang="en-US" dirty="0"/>
-          </a:p>
-        </p:txBody>
-      </p:sp>
-      <p:sp>
-        <p:nvSpPr>
-          <p:cNvPr id="3" name="內容版面配置區 2">
-            <a:extLst>
-              <a:ext uri="{FF2B5EF4-FFF2-40B4-BE49-F238E27FC236}">
-                <a16:creationId xmlns:a16="http://schemas.microsoft.com/office/drawing/2014/main" id="{C1C16457-135B-42D6-BD5B-8AF9CCC2689E}"/>
-              </a:ext>
-            </a:extLst>
-          </p:cNvPr>
-          <p:cNvSpPr>
-            <a:spLocks noGrp="1"/>
-          </p:cNvSpPr>
-          <p:nvPr>
-            <p:ph idx="1"/>
-          </p:nvPr>
-        </p:nvSpPr>
-        <p:spPr/>
-        <p:txBody>
-          <a:bodyPr>
-            <a:normAutofit lnSpcReduction="10000"/>
-          </a:bodyPr>
-          <a:lstStyle/>
-          <a:p>
-            <a:r>
-              <a:rPr lang="en-US" altLang="zh-TW" dirty="0"/>
-              <a:t>About setting up a connection with the alternative GW</a:t>
-            </a:r>
-          </a:p>
-          <a:p>
-            <a:endParaRPr lang="en-US" altLang="zh-TW" dirty="0"/>
-          </a:p>
-          <a:p>
-            <a:r>
-              <a:rPr lang="en-US" altLang="zh-TW" dirty="0"/>
-              <a:t>Once the BLE peripheral’s supervision timeout has timed out, it transitions back to the advertising state, broadcasting connectable advertisements at a certain advertising interval.</a:t>
-            </a:r>
-          </a:p>
-          <a:p>
-            <a:endParaRPr lang="en-US" altLang="zh-TW" dirty="0"/>
-          </a:p>
-          <a:p>
-            <a:r>
-              <a:rPr lang="en-US" altLang="zh-TW" dirty="0"/>
-              <a:t>A GW that is not in a connection or still has room for another BLE connection, is in the initiating state and attempts to set up a connection upon receiving the connectable advertisements from the BLE peripheral.</a:t>
-            </a:r>
-          </a:p>
-        </p:txBody>
-      </p:sp>
-      <p:sp>
-        <p:nvSpPr>
-          <p:cNvPr id="9" name="投影片編號版面配置區 8">
-            <a:extLst>
-              <a:ext uri="{FF2B5EF4-FFF2-40B4-BE49-F238E27FC236}">
-                <a16:creationId xmlns:a16="http://schemas.microsoft.com/office/drawing/2014/main" id="{4F567620-92F9-4E3B-8423-A474721BEFEF}"/>
+                <a16:creationId xmlns:a16="http://schemas.microsoft.com/office/drawing/2014/main" xmlns="" id="{4F567620-92F9-4E3B-8423-A474721BEFEF}"/>
               </a:ext>
             </a:extLst>
           </p:cNvPr>
@@ -6835,7 +7022,7 @@
     </p:spTree>
     <p:extLst>
       <p:ext uri="{BB962C8B-B14F-4D97-AF65-F5344CB8AC3E}">
-        <p14:creationId xmlns:p14="http://schemas.microsoft.com/office/powerpoint/2010/main" val="2107489994"/>
+        <p14:creationId xmlns:p14="http://schemas.microsoft.com/office/powerpoint/2010/main" val="625403940"/>
       </p:ext>
     </p:extLst>
   </p:cSld>
@@ -6867,7 +7054,7 @@
           <p:cNvPr id="2" name="標題 1">
             <a:extLst>
               <a:ext uri="{FF2B5EF4-FFF2-40B4-BE49-F238E27FC236}">
-                <a16:creationId xmlns:a16="http://schemas.microsoft.com/office/drawing/2014/main" id="{B395D8BB-EDB2-42F3-9D92-4E6E7DCBB06A}"/>
+                <a16:creationId xmlns:a16="http://schemas.microsoft.com/office/drawing/2014/main" xmlns="" id="{B395D8BB-EDB2-42F3-9D92-4E6E7DCBB06A}"/>
               </a:ext>
             </a:extLst>
           </p:cNvPr>
@@ -6896,7 +7083,7 @@
           <p:cNvPr id="3" name="內容版面配置區 2">
             <a:extLst>
               <a:ext uri="{FF2B5EF4-FFF2-40B4-BE49-F238E27FC236}">
-                <a16:creationId xmlns:a16="http://schemas.microsoft.com/office/drawing/2014/main" id="{C1C16457-135B-42D6-BD5B-8AF9CCC2689E}"/>
+                <a16:creationId xmlns:a16="http://schemas.microsoft.com/office/drawing/2014/main" xmlns="" id="{C1C16457-135B-42D6-BD5B-8AF9CCC2689E}"/>
               </a:ext>
             </a:extLst>
           </p:cNvPr>
@@ -6916,7 +7103,7 @@
           <a:p>
             <a:r>
               <a:rPr lang="en-US" altLang="zh-TW" dirty="0"/>
-              <a:t>About BLE parameter combinations</a:t>
+              <a:t>About setting up a connection with the alternative GW</a:t>
             </a:r>
           </a:p>
           <a:p>
@@ -6925,7 +7112,7 @@
           <a:p>
             <a:r>
               <a:rPr lang="en-US" altLang="zh-TW" dirty="0"/>
-              <a:t>The advertising interval should be smaller or equal to the scan window, because otherwise it cannot be guaranteed that the GW will be able to receive a connectable advertisement in an acceptable time window.</a:t>
+              <a:t>Once the BLE peripheral’s supervision timeout has timed out, it transitions back to the advertising state, broadcasting connectable advertisements at a certain advertising interval.</a:t>
             </a:r>
           </a:p>
           <a:p>
@@ -6934,20 +7121,8 @@
           <a:p>
             <a:r>
               <a:rPr lang="en-US" altLang="zh-TW" dirty="0"/>
-              <a:t>A higher scan duty cycle ( scan window/scan interval ) has a positive impact on the handover latency but a negative impact on the energy consumption of the GW. </a:t>
-            </a:r>
-          </a:p>
-          <a:p>
-            <a:endParaRPr lang="en-US" altLang="zh-TW" dirty="0"/>
-          </a:p>
-          <a:p>
-            <a:endParaRPr lang="en-US" altLang="zh-TW" dirty="0"/>
-          </a:p>
-          <a:p>
-            <a:endParaRPr lang="en-US" altLang="zh-TW" dirty="0"/>
-          </a:p>
-          <a:p>
-            <a:endParaRPr lang="en-US" altLang="zh-TW" dirty="0"/>
+              <a:t>A GW that is not in a connection or still has room for another BLE connection, is in the initiating state and attempts to set up a connection upon receiving the connectable advertisements from the BLE peripheral.</a:t>
+            </a:r>
           </a:p>
         </p:txBody>
       </p:sp>
@@ -6956,7 +7131,7 @@
           <p:cNvPr id="9" name="投影片編號版面配置區 8">
             <a:extLst>
               <a:ext uri="{FF2B5EF4-FFF2-40B4-BE49-F238E27FC236}">
-                <a16:creationId xmlns:a16="http://schemas.microsoft.com/office/drawing/2014/main" id="{4F567620-92F9-4E3B-8423-A474721BEFEF}"/>
+                <a16:creationId xmlns:a16="http://schemas.microsoft.com/office/drawing/2014/main" xmlns="" id="{4F567620-92F9-4E3B-8423-A474721BEFEF}"/>
               </a:ext>
             </a:extLst>
           </p:cNvPr>
@@ -6983,7 +7158,7 @@
     </p:spTree>
     <p:extLst>
       <p:ext uri="{BB962C8B-B14F-4D97-AF65-F5344CB8AC3E}">
-        <p14:creationId xmlns:p14="http://schemas.microsoft.com/office/powerpoint/2010/main" val="51591730"/>
+        <p14:creationId xmlns:p14="http://schemas.microsoft.com/office/powerpoint/2010/main" val="2107489994"/>
       </p:ext>
     </p:extLst>
   </p:cSld>
@@ -7015,7 +7190,7 @@
           <p:cNvPr id="2" name="標題 1">
             <a:extLst>
               <a:ext uri="{FF2B5EF4-FFF2-40B4-BE49-F238E27FC236}">
-                <a16:creationId xmlns:a16="http://schemas.microsoft.com/office/drawing/2014/main" id="{B395D8BB-EDB2-42F3-9D92-4E6E7DCBB06A}"/>
+                <a16:creationId xmlns:a16="http://schemas.microsoft.com/office/drawing/2014/main" xmlns="" id="{B395D8BB-EDB2-42F3-9D92-4E6E7DCBB06A}"/>
               </a:ext>
             </a:extLst>
           </p:cNvPr>
@@ -7044,7 +7219,7 @@
           <p:cNvPr id="3" name="內容版面配置區 2">
             <a:extLst>
               <a:ext uri="{FF2B5EF4-FFF2-40B4-BE49-F238E27FC236}">
-                <a16:creationId xmlns:a16="http://schemas.microsoft.com/office/drawing/2014/main" id="{C1C16457-135B-42D6-BD5B-8AF9CCC2689E}"/>
+                <a16:creationId xmlns:a16="http://schemas.microsoft.com/office/drawing/2014/main" xmlns="" id="{C1C16457-135B-42D6-BD5B-8AF9CCC2689E}"/>
               </a:ext>
             </a:extLst>
           </p:cNvPr>
@@ -7057,19 +7232,54 @@
         </p:nvSpPr>
         <p:spPr/>
         <p:txBody>
-          <a:bodyPr/>
-          <a:lstStyle/>
+          <a:bodyPr>
+            <a:normAutofit lnSpcReduction="10000"/>
+          </a:bodyPr>
+          <a:lstStyle/>
+          <a:p>
+            <a:r>
+              <a:rPr lang="en-US" altLang="zh-TW" dirty="0"/>
+              <a:t>About BLE parameter combinations</a:t>
+            </a:r>
+          </a:p>
           <a:p>
             <a:endParaRPr lang="en-US" altLang="zh-TW" dirty="0"/>
           </a:p>
-        </p:txBody>
-      </p:sp>
-      <p:sp>
-        <p:nvSpPr>
-          <p:cNvPr id="4" name="投影片編號版面配置區 3">
-            <a:extLst>
-              <a:ext uri="{FF2B5EF4-FFF2-40B4-BE49-F238E27FC236}">
-                <a16:creationId xmlns:a16="http://schemas.microsoft.com/office/drawing/2014/main" id="{AE7598D7-FEA4-44A6-B1B0-EA2D845DC0D7}"/>
+          <a:p>
+            <a:r>
+              <a:rPr lang="en-US" altLang="zh-TW" dirty="0"/>
+              <a:t>The advertising interval should be smaller or equal to the scan window, because otherwise it cannot be guaranteed that the GW will be able to receive a connectable advertisement in an acceptable time window.</a:t>
+            </a:r>
+          </a:p>
+          <a:p>
+            <a:endParaRPr lang="en-US" altLang="zh-TW" dirty="0"/>
+          </a:p>
+          <a:p>
+            <a:r>
+              <a:rPr lang="en-US" altLang="zh-TW" dirty="0"/>
+              <a:t>A higher scan duty cycle ( scan window/scan interval ) has a positive impact on the handover latency but a negative impact on the energy consumption of the GW. </a:t>
+            </a:r>
+          </a:p>
+          <a:p>
+            <a:endParaRPr lang="en-US" altLang="zh-TW" dirty="0"/>
+          </a:p>
+          <a:p>
+            <a:endParaRPr lang="en-US" altLang="zh-TW" dirty="0"/>
+          </a:p>
+          <a:p>
+            <a:endParaRPr lang="en-US" altLang="zh-TW" dirty="0"/>
+          </a:p>
+          <a:p>
+            <a:endParaRPr lang="en-US" altLang="zh-TW" dirty="0"/>
+          </a:p>
+        </p:txBody>
+      </p:sp>
+      <p:sp>
+        <p:nvSpPr>
+          <p:cNvPr id="9" name="投影片編號版面配置區 8">
+            <a:extLst>
+              <a:ext uri="{FF2B5EF4-FFF2-40B4-BE49-F238E27FC236}">
+                <a16:creationId xmlns:a16="http://schemas.microsoft.com/office/drawing/2014/main" xmlns="" id="{4F567620-92F9-4E3B-8423-A474721BEFEF}"/>
               </a:ext>
             </a:extLst>
           </p:cNvPr>
@@ -7089,6 +7299,119 @@
               <a:rPr lang="zh-TW" altLang="en-US" smtClean="0"/>
               <a:t>27</a:t>
             </a:fld>
+            <a:endParaRPr lang="zh-TW" altLang="en-US" dirty="0"/>
+          </a:p>
+        </p:txBody>
+      </p:sp>
+    </p:spTree>
+    <p:extLst>
+      <p:ext uri="{BB962C8B-B14F-4D97-AF65-F5344CB8AC3E}">
+        <p14:creationId xmlns:p14="http://schemas.microsoft.com/office/powerpoint/2010/main" val="51591730"/>
+      </p:ext>
+    </p:extLst>
+  </p:cSld>
+  <p:clrMapOvr>
+    <a:masterClrMapping/>
+  </p:clrMapOvr>
+</p:sld>
+</file>
+
+<file path=ppt/slides/slide28.xml><?xml version="1.0" encoding="utf-8"?>
+<p:sld xmlns:a="http://schemas.openxmlformats.org/drawingml/2006/main" xmlns:r="http://schemas.openxmlformats.org/officeDocument/2006/relationships" xmlns:p="http://schemas.openxmlformats.org/presentationml/2006/main">
+  <p:cSld>
+    <p:spTree>
+      <p:nvGrpSpPr>
+        <p:cNvPr id="1" name=""/>
+        <p:cNvGrpSpPr/>
+        <p:nvPr/>
+      </p:nvGrpSpPr>
+      <p:grpSpPr>
+        <a:xfrm>
+          <a:off x="0" y="0"/>
+          <a:ext cx="0" cy="0"/>
+          <a:chOff x="0" y="0"/>
+          <a:chExt cx="0" cy="0"/>
+        </a:xfrm>
+      </p:grpSpPr>
+      <p:sp>
+        <p:nvSpPr>
+          <p:cNvPr id="2" name="標題 1">
+            <a:extLst>
+              <a:ext uri="{FF2B5EF4-FFF2-40B4-BE49-F238E27FC236}">
+                <a16:creationId xmlns:a16="http://schemas.microsoft.com/office/drawing/2014/main" xmlns="" id="{B395D8BB-EDB2-42F3-9D92-4E6E7DCBB06A}"/>
+              </a:ext>
+            </a:extLst>
+          </p:cNvPr>
+          <p:cNvSpPr>
+            <a:spLocks noGrp="1"/>
+          </p:cNvSpPr>
+          <p:nvPr>
+            <p:ph type="title"/>
+          </p:nvPr>
+        </p:nvSpPr>
+        <p:spPr/>
+        <p:txBody>
+          <a:bodyPr/>
+          <a:lstStyle/>
+          <a:p>
+            <a:r>
+              <a:rPr lang="en-US" altLang="zh-TW" dirty="0"/>
+              <a:t>Evaluation : passive handover(cont’d) </a:t>
+            </a:r>
+            <a:endParaRPr lang="zh-TW" altLang="en-US" dirty="0"/>
+          </a:p>
+        </p:txBody>
+      </p:sp>
+      <p:sp>
+        <p:nvSpPr>
+          <p:cNvPr id="3" name="內容版面配置區 2">
+            <a:extLst>
+              <a:ext uri="{FF2B5EF4-FFF2-40B4-BE49-F238E27FC236}">
+                <a16:creationId xmlns:a16="http://schemas.microsoft.com/office/drawing/2014/main" xmlns="" id="{C1C16457-135B-42D6-BD5B-8AF9CCC2689E}"/>
+              </a:ext>
+            </a:extLst>
+          </p:cNvPr>
+          <p:cNvSpPr>
+            <a:spLocks noGrp="1"/>
+          </p:cNvSpPr>
+          <p:nvPr>
+            <p:ph idx="1"/>
+          </p:nvPr>
+        </p:nvSpPr>
+        <p:spPr/>
+        <p:txBody>
+          <a:bodyPr/>
+          <a:lstStyle/>
+          <a:p>
+            <a:endParaRPr lang="en-US" altLang="zh-TW" dirty="0"/>
+          </a:p>
+        </p:txBody>
+      </p:sp>
+      <p:sp>
+        <p:nvSpPr>
+          <p:cNvPr id="4" name="投影片編號版面配置區 3">
+            <a:extLst>
+              <a:ext uri="{FF2B5EF4-FFF2-40B4-BE49-F238E27FC236}">
+                <a16:creationId xmlns:a16="http://schemas.microsoft.com/office/drawing/2014/main" xmlns="" id="{AE7598D7-FEA4-44A6-B1B0-EA2D845DC0D7}"/>
+              </a:ext>
+            </a:extLst>
+          </p:cNvPr>
+          <p:cNvSpPr>
+            <a:spLocks noGrp="1"/>
+          </p:cNvSpPr>
+          <p:nvPr>
+            <p:ph type="sldNum" sz="quarter" idx="12"/>
+          </p:nvPr>
+        </p:nvSpPr>
+        <p:spPr/>
+        <p:txBody>
+          <a:bodyPr/>
+          <a:lstStyle/>
+          <a:p>
+            <a:fld id="{50029C49-A5A9-4A95-8BF0-94F73808DB5F}" type="slidenum">
+              <a:rPr lang="zh-TW" altLang="en-US" smtClean="0"/>
+              <a:t>28</a:t>
+            </a:fld>
             <a:endParaRPr lang="zh-TW" altLang="en-US"/>
           </a:p>
         </p:txBody>
@@ -7098,7 +7421,7 @@
           <p:cNvPr id="5" name="圖片 4">
             <a:extLst>
               <a:ext uri="{FF2B5EF4-FFF2-40B4-BE49-F238E27FC236}">
-                <a16:creationId xmlns:a16="http://schemas.microsoft.com/office/drawing/2014/main" id="{120F2FC4-72CD-4123-9F9B-A4D0862F8197}"/>
+                <a16:creationId xmlns:a16="http://schemas.microsoft.com/office/drawing/2014/main" xmlns="" id="{120F2FC4-72CD-4123-9F9B-A4D0862F8197}"/>
               </a:ext>
             </a:extLst>
           </p:cNvPr>
@@ -7128,7 +7451,7 @@
           <p:cNvPr id="6" name="矩形 5">
             <a:extLst>
               <a:ext uri="{FF2B5EF4-FFF2-40B4-BE49-F238E27FC236}">
-                <a16:creationId xmlns:a16="http://schemas.microsoft.com/office/drawing/2014/main" id="{3E4E9A0E-AE64-4FB1-8673-2DA6ED3339E6}"/>
+                <a16:creationId xmlns:a16="http://schemas.microsoft.com/office/drawing/2014/main" xmlns="" id="{3E4E9A0E-AE64-4FB1-8673-2DA6ED3339E6}"/>
               </a:ext>
             </a:extLst>
           </p:cNvPr>
@@ -7180,7 +7503,7 @@
           <p:cNvPr id="8" name="矩形 7">
             <a:extLst>
               <a:ext uri="{FF2B5EF4-FFF2-40B4-BE49-F238E27FC236}">
-                <a16:creationId xmlns:a16="http://schemas.microsoft.com/office/drawing/2014/main" id="{2B005D59-9B13-475D-9737-ED5285C3FD9E}"/>
+                <a16:creationId xmlns:a16="http://schemas.microsoft.com/office/drawing/2014/main" xmlns="" id="{2B005D59-9B13-475D-9737-ED5285C3FD9E}"/>
               </a:ext>
             </a:extLst>
           </p:cNvPr>
@@ -7240,7 +7563,7 @@
 </p:sld>
 </file>
 
-<file path=ppt/slides/slide28.xml><?xml version="1.0" encoding="utf-8"?>
+<file path=ppt/slides/slide29.xml><?xml version="1.0" encoding="utf-8"?>
 <p:sld xmlns:a="http://schemas.openxmlformats.org/drawingml/2006/main" xmlns:r="http://schemas.openxmlformats.org/officeDocument/2006/relationships" xmlns:p="http://schemas.openxmlformats.org/presentationml/2006/main">
   <p:cSld>
     <p:spTree>
@@ -7262,7 +7585,7 @@
           <p:cNvPr id="5" name="圖片 4">
             <a:extLst>
               <a:ext uri="{FF2B5EF4-FFF2-40B4-BE49-F238E27FC236}">
-                <a16:creationId xmlns:a16="http://schemas.microsoft.com/office/drawing/2014/main" id="{56CD1ED4-5648-4D18-8194-FC038C8F6355}"/>
+                <a16:creationId xmlns:a16="http://schemas.microsoft.com/office/drawing/2014/main" xmlns="" id="{56CD1ED4-5648-4D18-8194-FC038C8F6355}"/>
               </a:ext>
             </a:extLst>
           </p:cNvPr>
@@ -7292,7 +7615,7 @@
           <p:cNvPr id="9" name="投影片編號版面配置區 8">
             <a:extLst>
               <a:ext uri="{FF2B5EF4-FFF2-40B4-BE49-F238E27FC236}">
-                <a16:creationId xmlns:a16="http://schemas.microsoft.com/office/drawing/2014/main" id="{4F567620-92F9-4E3B-8423-A474721BEFEF}"/>
+                <a16:creationId xmlns:a16="http://schemas.microsoft.com/office/drawing/2014/main" xmlns="" id="{4F567620-92F9-4E3B-8423-A474721BEFEF}"/>
               </a:ext>
             </a:extLst>
           </p:cNvPr>
@@ -7310,7 +7633,7 @@
           <a:p>
             <a:fld id="{50029C49-A5A9-4A95-8BF0-94F73808DB5F}" type="slidenum">
               <a:rPr lang="zh-TW" altLang="en-US" smtClean="0"/>
-              <a:t>28</a:t>
+              <a:t>29</a:t>
             </a:fld>
             <a:endParaRPr lang="zh-TW" altLang="en-US" dirty="0"/>
           </a:p>
@@ -7321,7 +7644,7 @@
           <p:cNvPr id="6" name="矩形 5">
             <a:extLst>
               <a:ext uri="{FF2B5EF4-FFF2-40B4-BE49-F238E27FC236}">
-                <a16:creationId xmlns:a16="http://schemas.microsoft.com/office/drawing/2014/main" id="{E1C274C1-B685-4EC5-BBF2-CAAD65754987}"/>
+                <a16:creationId xmlns:a16="http://schemas.microsoft.com/office/drawing/2014/main" xmlns="" id="{E1C274C1-B685-4EC5-BBF2-CAAD65754987}"/>
               </a:ext>
             </a:extLst>
           </p:cNvPr>
@@ -7373,7 +7696,7 @@
           <p:cNvPr id="8" name="矩形 7">
             <a:extLst>
               <a:ext uri="{FF2B5EF4-FFF2-40B4-BE49-F238E27FC236}">
-                <a16:creationId xmlns:a16="http://schemas.microsoft.com/office/drawing/2014/main" id="{958F3D8D-B745-458D-9DCF-69231D6472FD}"/>
+                <a16:creationId xmlns:a16="http://schemas.microsoft.com/office/drawing/2014/main" xmlns="" id="{958F3D8D-B745-458D-9DCF-69231D6472FD}"/>
               </a:ext>
             </a:extLst>
           </p:cNvPr>
@@ -7433,151 +7756,6 @@
 </p:sld>
 </file>
 
-<file path=ppt/slides/slide29.xml><?xml version="1.0" encoding="utf-8"?>
-<p:sld xmlns:a="http://schemas.openxmlformats.org/drawingml/2006/main" xmlns:r="http://schemas.openxmlformats.org/officeDocument/2006/relationships" xmlns:p="http://schemas.openxmlformats.org/presentationml/2006/main">
-  <p:cSld>
-    <p:spTree>
-      <p:nvGrpSpPr>
-        <p:cNvPr id="1" name=""/>
-        <p:cNvGrpSpPr/>
-        <p:nvPr/>
-      </p:nvGrpSpPr>
-      <p:grpSpPr>
-        <a:xfrm>
-          <a:off x="0" y="0"/>
-          <a:ext cx="0" cy="0"/>
-          <a:chOff x="0" y="0"/>
-          <a:chExt cx="0" cy="0"/>
-        </a:xfrm>
-      </p:grpSpPr>
-      <p:sp>
-        <p:nvSpPr>
-          <p:cNvPr id="2" name="標題 1">
-            <a:extLst>
-              <a:ext uri="{FF2B5EF4-FFF2-40B4-BE49-F238E27FC236}">
-                <a16:creationId xmlns:a16="http://schemas.microsoft.com/office/drawing/2014/main" id="{B395D8BB-EDB2-42F3-9D92-4E6E7DCBB06A}"/>
-              </a:ext>
-            </a:extLst>
-          </p:cNvPr>
-          <p:cNvSpPr>
-            <a:spLocks noGrp="1"/>
-          </p:cNvSpPr>
-          <p:nvPr>
-            <p:ph type="title"/>
-          </p:nvPr>
-        </p:nvSpPr>
-        <p:spPr/>
-        <p:txBody>
-          <a:bodyPr/>
-          <a:lstStyle/>
-          <a:p>
-            <a:r>
-              <a:rPr lang="en-US" altLang="zh-TW" dirty="0"/>
-              <a:t>Evaluation : active handover</a:t>
-            </a:r>
-            <a:endParaRPr lang="zh-TW" altLang="en-US" dirty="0"/>
-          </a:p>
-        </p:txBody>
-      </p:sp>
-      <p:sp>
-        <p:nvSpPr>
-          <p:cNvPr id="3" name="內容版面配置區 2">
-            <a:extLst>
-              <a:ext uri="{FF2B5EF4-FFF2-40B4-BE49-F238E27FC236}">
-                <a16:creationId xmlns:a16="http://schemas.microsoft.com/office/drawing/2014/main" id="{C1C16457-135B-42D6-BD5B-8AF9CCC2689E}"/>
-              </a:ext>
-            </a:extLst>
-          </p:cNvPr>
-          <p:cNvSpPr>
-            <a:spLocks noGrp="1"/>
-          </p:cNvSpPr>
-          <p:nvPr>
-            <p:ph idx="1"/>
-          </p:nvPr>
-        </p:nvSpPr>
-        <p:spPr/>
-        <p:txBody>
-          <a:bodyPr>
-            <a:normAutofit lnSpcReduction="10000"/>
-          </a:bodyPr>
-          <a:lstStyle/>
-          <a:p>
-            <a:r>
-              <a:rPr lang="en-US" altLang="zh-TW" dirty="0"/>
-              <a:t>About disconnecting from current GW</a:t>
-            </a:r>
-          </a:p>
-          <a:p>
-            <a:endParaRPr lang="en-US" altLang="zh-TW" dirty="0"/>
-          </a:p>
-          <a:p>
-            <a:r>
-              <a:rPr lang="en-US" altLang="zh-TW" dirty="0"/>
-              <a:t>the current GW will receive a disconnection message from the controller once a roaming decision has made. </a:t>
-            </a:r>
-          </a:p>
-          <a:p>
-            <a:endParaRPr lang="en-US" altLang="zh-TW" dirty="0"/>
-          </a:p>
-          <a:p>
-            <a:r>
-              <a:rPr lang="en-US" altLang="zh-TW" dirty="0"/>
-              <a:t>After receiving this message, the GW immediately attempts to send a disconnection request to the BLE peripheral. </a:t>
-            </a:r>
-          </a:p>
-          <a:p>
-            <a:endParaRPr lang="en-US" altLang="zh-TW" dirty="0"/>
-          </a:p>
-          <a:p>
-            <a:r>
-              <a:rPr lang="en-US" altLang="zh-TW" dirty="0"/>
-              <a:t>Upon receiving this request, the peripheral answers with a disconnection acknowledgment.</a:t>
-            </a:r>
-          </a:p>
-        </p:txBody>
-      </p:sp>
-      <p:sp>
-        <p:nvSpPr>
-          <p:cNvPr id="4" name="投影片編號版面配置區 3">
-            <a:extLst>
-              <a:ext uri="{FF2B5EF4-FFF2-40B4-BE49-F238E27FC236}">
-                <a16:creationId xmlns:a16="http://schemas.microsoft.com/office/drawing/2014/main" id="{DB634B57-2E7E-40BE-993E-5F46071107A7}"/>
-              </a:ext>
-            </a:extLst>
-          </p:cNvPr>
-          <p:cNvSpPr>
-            <a:spLocks noGrp="1"/>
-          </p:cNvSpPr>
-          <p:nvPr>
-            <p:ph type="sldNum" sz="quarter" idx="12"/>
-          </p:nvPr>
-        </p:nvSpPr>
-        <p:spPr/>
-        <p:txBody>
-          <a:bodyPr/>
-          <a:lstStyle/>
-          <a:p>
-            <a:fld id="{50029C49-A5A9-4A95-8BF0-94F73808DB5F}" type="slidenum">
-              <a:rPr lang="zh-TW" altLang="en-US" smtClean="0"/>
-              <a:t>29</a:t>
-            </a:fld>
-            <a:endParaRPr lang="zh-TW" altLang="en-US"/>
-          </a:p>
-        </p:txBody>
-      </p:sp>
-    </p:spTree>
-    <p:extLst>
-      <p:ext uri="{BB962C8B-B14F-4D97-AF65-F5344CB8AC3E}">
-        <p14:creationId xmlns:p14="http://schemas.microsoft.com/office/powerpoint/2010/main" val="1272687956"/>
-      </p:ext>
-    </p:extLst>
-  </p:cSld>
-  <p:clrMapOvr>
-    <a:masterClrMapping/>
-  </p:clrMapOvr>
-</p:sld>
-</file>
-
 <file path=ppt/slides/slide3.xml><?xml version="1.0" encoding="utf-8"?>
 <p:sld xmlns:a="http://schemas.openxmlformats.org/drawingml/2006/main" xmlns:r="http://schemas.openxmlformats.org/officeDocument/2006/relationships" xmlns:p="http://schemas.openxmlformats.org/presentationml/2006/main">
   <p:cSld>
@@ -7600,7 +7778,7 @@
           <p:cNvPr id="2" name="標題 1">
             <a:extLst>
               <a:ext uri="{FF2B5EF4-FFF2-40B4-BE49-F238E27FC236}">
-                <a16:creationId xmlns:a16="http://schemas.microsoft.com/office/drawing/2014/main" id="{14B7E57E-D063-41EF-A857-5628A20B75BC}"/>
+                <a16:creationId xmlns:a16="http://schemas.microsoft.com/office/drawing/2014/main" xmlns="" id="{14B7E57E-D063-41EF-A857-5628A20B75BC}"/>
               </a:ext>
             </a:extLst>
           </p:cNvPr>
@@ -7629,7 +7807,7 @@
           <p:cNvPr id="3" name="內容版面配置區 2">
             <a:extLst>
               <a:ext uri="{FF2B5EF4-FFF2-40B4-BE49-F238E27FC236}">
-                <a16:creationId xmlns:a16="http://schemas.microsoft.com/office/drawing/2014/main" id="{E616DA40-9E29-4C7C-A28F-3857701A0286}"/>
+                <a16:creationId xmlns:a16="http://schemas.microsoft.com/office/drawing/2014/main" xmlns="" id="{E616DA40-9E29-4C7C-A28F-3857701A0286}"/>
               </a:ext>
             </a:extLst>
           </p:cNvPr>
@@ -7666,7 +7844,7 @@
           <p:cNvPr id="4" name="投影片編號版面配置區 3">
             <a:extLst>
               <a:ext uri="{FF2B5EF4-FFF2-40B4-BE49-F238E27FC236}">
-                <a16:creationId xmlns:a16="http://schemas.microsoft.com/office/drawing/2014/main" id="{69BF509B-CFE1-4421-99AF-8C1B621F1701}"/>
+                <a16:creationId xmlns:a16="http://schemas.microsoft.com/office/drawing/2014/main" xmlns="" id="{69BF509B-CFE1-4421-99AF-8C1B621F1701}"/>
               </a:ext>
             </a:extLst>
           </p:cNvPr>
@@ -7725,7 +7903,7 @@
           <p:cNvPr id="2" name="標題 1">
             <a:extLst>
               <a:ext uri="{FF2B5EF4-FFF2-40B4-BE49-F238E27FC236}">
-                <a16:creationId xmlns:a16="http://schemas.microsoft.com/office/drawing/2014/main" id="{B395D8BB-EDB2-42F3-9D92-4E6E7DCBB06A}"/>
+                <a16:creationId xmlns:a16="http://schemas.microsoft.com/office/drawing/2014/main" xmlns="" id="{B395D8BB-EDB2-42F3-9D92-4E6E7DCBB06A}"/>
               </a:ext>
             </a:extLst>
           </p:cNvPr>
@@ -7743,7 +7921,7 @@
           <a:p>
             <a:r>
               <a:rPr lang="en-US" altLang="zh-TW" dirty="0"/>
-              <a:t>Evaluation : active handover(cont’d)</a:t>
+              <a:t>Evaluation : active handover</a:t>
             </a:r>
             <a:endParaRPr lang="zh-TW" altLang="en-US" dirty="0"/>
           </a:p>
@@ -7754,7 +7932,7 @@
           <p:cNvPr id="3" name="內容版面配置區 2">
             <a:extLst>
               <a:ext uri="{FF2B5EF4-FFF2-40B4-BE49-F238E27FC236}">
-                <a16:creationId xmlns:a16="http://schemas.microsoft.com/office/drawing/2014/main" id="{C1C16457-135B-42D6-BD5B-8AF9CCC2689E}"/>
+                <a16:creationId xmlns:a16="http://schemas.microsoft.com/office/drawing/2014/main" xmlns="" id="{C1C16457-135B-42D6-BD5B-8AF9CCC2689E}"/>
               </a:ext>
             </a:extLst>
           </p:cNvPr>
@@ -7768,13 +7946,13 @@
         <p:spPr/>
         <p:txBody>
           <a:bodyPr>
-            <a:normAutofit fontScale="92500" lnSpcReduction="10000"/>
+            <a:normAutofit lnSpcReduction="10000"/>
           </a:bodyPr>
           <a:lstStyle/>
           <a:p>
             <a:r>
               <a:rPr lang="en-US" altLang="zh-TW" dirty="0"/>
-              <a:t>About Setting up a connection with the alternative GW</a:t>
+              <a:t>About disconnecting from current GW</a:t>
             </a:r>
           </a:p>
           <a:p>
@@ -7783,7 +7961,7 @@
           <a:p>
             <a:r>
               <a:rPr lang="en-US" altLang="zh-TW" dirty="0"/>
-              <a:t>Once the disconnection has been finalized, the BLE peripheral switches from a connection/advertising state to solely an advertising state, broadcasting connectable advertisements. </a:t>
+              <a:t>the current GW will receive a disconnection message from the controller once a roaming decision has made. </a:t>
             </a:r>
           </a:p>
           <a:p>
@@ -7792,15 +7970,7 @@
           <a:p>
             <a:r>
               <a:rPr lang="en-US" altLang="zh-TW" dirty="0"/>
-              <a:t>In the meantime, the alternative GW has received a connect message from the controller and has switched from </a:t>
-            </a:r>
-            <a:r>
-              <a:rPr lang="en-US" altLang="zh-TW" dirty="0" err="1"/>
-              <a:t>nonconnectable</a:t>
-            </a:r>
-            <a:r>
-              <a:rPr lang="en-US" altLang="zh-TW" dirty="0"/>
-              <a:t> to connectable scanning, specifically for the MAC address of the BLE peripheral at hand. </a:t>
+              <a:t>After receiving this message, the GW immediately attempts to send a disconnection request to the BLE peripheral. </a:t>
             </a:r>
           </a:p>
           <a:p>
@@ -7809,7 +7979,7 @@
           <a:p>
             <a:r>
               <a:rPr lang="en-US" altLang="zh-TW" dirty="0"/>
-              <a:t>From this point, the handover process is similar to passive handover.</a:t>
+              <a:t>Upon receiving this request, the peripheral answers with a disconnection acknowledgment.</a:t>
             </a:r>
           </a:p>
         </p:txBody>
@@ -7819,7 +7989,7 @@
           <p:cNvPr id="4" name="投影片編號版面配置區 3">
             <a:extLst>
               <a:ext uri="{FF2B5EF4-FFF2-40B4-BE49-F238E27FC236}">
-                <a16:creationId xmlns:a16="http://schemas.microsoft.com/office/drawing/2014/main" id="{DB634B57-2E7E-40BE-993E-5F46071107A7}"/>
+                <a16:creationId xmlns:a16="http://schemas.microsoft.com/office/drawing/2014/main" xmlns="" id="{DB634B57-2E7E-40BE-993E-5F46071107A7}"/>
               </a:ext>
             </a:extLst>
           </p:cNvPr>
@@ -7846,7 +8016,7 @@
     </p:spTree>
     <p:extLst>
       <p:ext uri="{BB962C8B-B14F-4D97-AF65-F5344CB8AC3E}">
-        <p14:creationId xmlns:p14="http://schemas.microsoft.com/office/powerpoint/2010/main" val="3783783229"/>
+        <p14:creationId xmlns:p14="http://schemas.microsoft.com/office/powerpoint/2010/main" val="1272687956"/>
       </p:ext>
     </p:extLst>
   </p:cSld>
@@ -7878,7 +8048,7 @@
           <p:cNvPr id="2" name="標題 1">
             <a:extLst>
               <a:ext uri="{FF2B5EF4-FFF2-40B4-BE49-F238E27FC236}">
-                <a16:creationId xmlns:a16="http://schemas.microsoft.com/office/drawing/2014/main" id="{B395D8BB-EDB2-42F3-9D92-4E6E7DCBB06A}"/>
+                <a16:creationId xmlns:a16="http://schemas.microsoft.com/office/drawing/2014/main" xmlns="" id="{B395D8BB-EDB2-42F3-9D92-4E6E7DCBB06A}"/>
               </a:ext>
             </a:extLst>
           </p:cNvPr>
@@ -7907,7 +8077,7 @@
           <p:cNvPr id="3" name="內容版面配置區 2">
             <a:extLst>
               <a:ext uri="{FF2B5EF4-FFF2-40B4-BE49-F238E27FC236}">
-                <a16:creationId xmlns:a16="http://schemas.microsoft.com/office/drawing/2014/main" id="{C1C16457-135B-42D6-BD5B-8AF9CCC2689E}"/>
+                <a16:creationId xmlns:a16="http://schemas.microsoft.com/office/drawing/2014/main" xmlns="" id="{C1C16457-135B-42D6-BD5B-8AF9CCC2689E}"/>
               </a:ext>
             </a:extLst>
           </p:cNvPr>
@@ -7921,33 +8091,51 @@
         <p:spPr/>
         <p:txBody>
           <a:bodyPr>
-            <a:normAutofit lnSpcReduction="10000"/>
+            <a:normAutofit fontScale="92500" lnSpcReduction="10000"/>
           </a:bodyPr>
           <a:lstStyle/>
           <a:p>
             <a:r>
-              <a:rPr lang="en-US" altLang="zh-TW" dirty="0"/>
-              <a:t>Potential Optimizations</a:t>
-            </a:r>
-          </a:p>
-          <a:p>
+              <a:rPr lang="en-US" altLang="zh-TW" dirty="0" smtClean="0"/>
+              <a:t>About Setting up a connection with the alternative GW</a:t>
+            </a:r>
+          </a:p>
+          <a:p>
+            <a:endParaRPr lang="en-US" altLang="zh-TW" dirty="0" smtClean="0"/>
+          </a:p>
+          <a:p>
+            <a:r>
+              <a:rPr lang="en-US" altLang="zh-TW" dirty="0" smtClean="0"/>
+              <a:t>Once the disconnection has been finalized, the BLE peripheral switches from a connection/advertising state to solely an advertising state, broadcasting connectable advertisements. </a:t>
+            </a:r>
+          </a:p>
+          <a:p>
+            <a:endParaRPr lang="en-US" altLang="zh-TW" dirty="0" smtClean="0"/>
+          </a:p>
+          <a:p>
+            <a:r>
+              <a:rPr lang="en-US" altLang="zh-TW" dirty="0" smtClean="0"/>
+              <a:t>In the meantime, the alternative GW has received a connect message from the controller and has switched from </a:t>
+            </a:r>
+            <a:r>
+              <a:rPr lang="en-US" altLang="zh-TW" dirty="0" err="1" smtClean="0"/>
+              <a:t>nonconnectable</a:t>
+            </a:r>
+            <a:r>
+              <a:rPr lang="en-US" altLang="zh-TW" dirty="0" smtClean="0"/>
+              <a:t> to connectable scanning, specifically for the MAC address of the BLE peripheral at hand. </a:t>
+            </a:r>
+          </a:p>
+          <a:p>
+            <a:endParaRPr lang="en-US" altLang="zh-TW" dirty="0" smtClean="0"/>
+          </a:p>
+          <a:p>
+            <a:r>
+              <a:rPr lang="en-US" altLang="zh-TW" dirty="0" smtClean="0"/>
+              <a:t>From this point, the handover process is similar to passive handover.</a:t>
+            </a:r>
             <a:endParaRPr lang="en-US" altLang="zh-TW" dirty="0"/>
           </a:p>
-          <a:p>
-            <a:r>
-              <a:rPr lang="en-US" altLang="zh-TW" dirty="0"/>
-              <a:t>The BLE peripheral constantly needs to advertise , This increases energy consumption and decreases the quality of the BLE connection as well.</a:t>
-            </a:r>
-          </a:p>
-          <a:p>
-            <a:endParaRPr lang="en-US" altLang="zh-TW" dirty="0"/>
-          </a:p>
-          <a:p>
-            <a:r>
-              <a:rPr lang="en-US" altLang="zh-TW" dirty="0"/>
-              <a:t>A possible improvement could employ a proactive decision on when to start and stop advertising. The peripheral can monitor the quality of the current connection (i.e. via RSSI) and decide via these indicators whether it is necessary to advertise its presence or not.</a:t>
-            </a:r>
-          </a:p>
         </p:txBody>
       </p:sp>
       <p:sp>
@@ -7955,7 +8143,7 @@
           <p:cNvPr id="4" name="投影片編號版面配置區 3">
             <a:extLst>
               <a:ext uri="{FF2B5EF4-FFF2-40B4-BE49-F238E27FC236}">
-                <a16:creationId xmlns:a16="http://schemas.microsoft.com/office/drawing/2014/main" id="{DB634B57-2E7E-40BE-993E-5F46071107A7}"/>
+                <a16:creationId xmlns:a16="http://schemas.microsoft.com/office/drawing/2014/main" xmlns="" id="{DB634B57-2E7E-40BE-993E-5F46071107A7}"/>
               </a:ext>
             </a:extLst>
           </p:cNvPr>
@@ -7982,7 +8170,7 @@
     </p:spTree>
     <p:extLst>
       <p:ext uri="{BB962C8B-B14F-4D97-AF65-F5344CB8AC3E}">
-        <p14:creationId xmlns:p14="http://schemas.microsoft.com/office/powerpoint/2010/main" val="3851096165"/>
+        <p14:creationId xmlns:p14="http://schemas.microsoft.com/office/powerpoint/2010/main" val="3783783229"/>
       </p:ext>
     </p:extLst>
   </p:cSld>
@@ -8014,7 +8202,7 @@
           <p:cNvPr id="2" name="標題 1">
             <a:extLst>
               <a:ext uri="{FF2B5EF4-FFF2-40B4-BE49-F238E27FC236}">
-                <a16:creationId xmlns:a16="http://schemas.microsoft.com/office/drawing/2014/main" id="{B395D8BB-EDB2-42F3-9D92-4E6E7DCBB06A}"/>
+                <a16:creationId xmlns:a16="http://schemas.microsoft.com/office/drawing/2014/main" xmlns="" id="{B395D8BB-EDB2-42F3-9D92-4E6E7DCBB06A}"/>
               </a:ext>
             </a:extLst>
           </p:cNvPr>
@@ -8038,41 +8226,60 @@
           </a:p>
         </p:txBody>
       </p:sp>
-      <p:pic>
-        <p:nvPicPr>
-          <p:cNvPr id="6" name="內容版面配置區 5">
-            <a:extLst>
-              <a:ext uri="{FF2B5EF4-FFF2-40B4-BE49-F238E27FC236}">
-                <a16:creationId xmlns:a16="http://schemas.microsoft.com/office/drawing/2014/main" id="{A78F9D59-9703-400B-9573-CF8C8B02937D}"/>
-              </a:ext>
-            </a:extLst>
-          </p:cNvPr>
-          <p:cNvPicPr>
-            <a:picLocks noGrp="1" noChangeAspect="1"/>
-          </p:cNvPicPr>
+      <p:sp>
+        <p:nvSpPr>
+          <p:cNvPr id="3" name="內容版面配置區 2">
+            <a:extLst>
+              <a:ext uri="{FF2B5EF4-FFF2-40B4-BE49-F238E27FC236}">
+                <a16:creationId xmlns:a16="http://schemas.microsoft.com/office/drawing/2014/main" xmlns="" id="{C1C16457-135B-42D6-BD5B-8AF9CCC2689E}"/>
+              </a:ext>
+            </a:extLst>
+          </p:cNvPr>
+          <p:cNvSpPr>
+            <a:spLocks noGrp="1"/>
+          </p:cNvSpPr>
           <p:nvPr>
             <p:ph idx="1"/>
           </p:nvPr>
-        </p:nvPicPr>
-        <p:blipFill>
-          <a:blip r:embed="rId2"/>
-          <a:stretch>
-            <a:fillRect/>
-          </a:stretch>
-        </p:blipFill>
-        <p:spPr>
-          <a:xfrm>
-            <a:off x="1397583" y="1489586"/>
-            <a:ext cx="9103801" cy="4866763"/>
-          </a:xfrm>
-        </p:spPr>
-      </p:pic>
+        </p:nvSpPr>
+        <p:spPr/>
+        <p:txBody>
+          <a:bodyPr>
+            <a:normAutofit lnSpcReduction="10000"/>
+          </a:bodyPr>
+          <a:lstStyle/>
+          <a:p>
+            <a:r>
+              <a:rPr lang="en-US" altLang="zh-TW" dirty="0"/>
+              <a:t>Potential Optimizations</a:t>
+            </a:r>
+          </a:p>
+          <a:p>
+            <a:endParaRPr lang="en-US" altLang="zh-TW" dirty="0"/>
+          </a:p>
+          <a:p>
+            <a:r>
+              <a:rPr lang="en-US" altLang="zh-TW" dirty="0"/>
+              <a:t>The BLE peripheral constantly needs to advertise , This increases energy consumption and decreases the quality of the BLE connection as well.</a:t>
+            </a:r>
+          </a:p>
+          <a:p>
+            <a:endParaRPr lang="en-US" altLang="zh-TW" dirty="0"/>
+          </a:p>
+          <a:p>
+            <a:r>
+              <a:rPr lang="en-US" altLang="zh-TW" dirty="0"/>
+              <a:t>A possible improvement could employ a proactive decision on when to start and stop advertising. The peripheral can monitor the quality of the current connection (i.e. via RSSI) and decide via these indicators whether it is necessary to advertise its presence or not.</a:t>
+            </a:r>
+          </a:p>
+        </p:txBody>
+      </p:sp>
       <p:sp>
         <p:nvSpPr>
           <p:cNvPr id="4" name="投影片編號版面配置區 3">
             <a:extLst>
               <a:ext uri="{FF2B5EF4-FFF2-40B4-BE49-F238E27FC236}">
-                <a16:creationId xmlns:a16="http://schemas.microsoft.com/office/drawing/2014/main" id="{DB634B57-2E7E-40BE-993E-5F46071107A7}"/>
+                <a16:creationId xmlns:a16="http://schemas.microsoft.com/office/drawing/2014/main" xmlns="" id="{DB634B57-2E7E-40BE-993E-5F46071107A7}"/>
               </a:ext>
             </a:extLst>
           </p:cNvPr>
@@ -8099,7 +8306,7 @@
     </p:spTree>
     <p:extLst>
       <p:ext uri="{BB962C8B-B14F-4D97-AF65-F5344CB8AC3E}">
-        <p14:creationId xmlns:p14="http://schemas.microsoft.com/office/powerpoint/2010/main" val="378226096"/>
+        <p14:creationId xmlns:p14="http://schemas.microsoft.com/office/powerpoint/2010/main" val="3851096165"/>
       </p:ext>
     </p:extLst>
   </p:cSld>
@@ -8126,12 +8333,129 @@
           <a:chExt cx="0" cy="0"/>
         </a:xfrm>
       </p:grpSpPr>
+      <p:sp>
+        <p:nvSpPr>
+          <p:cNvPr id="2" name="標題 1">
+            <a:extLst>
+              <a:ext uri="{FF2B5EF4-FFF2-40B4-BE49-F238E27FC236}">
+                <a16:creationId xmlns:a16="http://schemas.microsoft.com/office/drawing/2014/main" xmlns="" id="{B395D8BB-EDB2-42F3-9D92-4E6E7DCBB06A}"/>
+              </a:ext>
+            </a:extLst>
+          </p:cNvPr>
+          <p:cNvSpPr>
+            <a:spLocks noGrp="1"/>
+          </p:cNvSpPr>
+          <p:nvPr>
+            <p:ph type="title"/>
+          </p:nvPr>
+        </p:nvSpPr>
+        <p:spPr/>
+        <p:txBody>
+          <a:bodyPr/>
+          <a:lstStyle/>
+          <a:p>
+            <a:r>
+              <a:rPr lang="en-US" altLang="zh-TW" dirty="0"/>
+              <a:t>Evaluation : active handover(cont’d)</a:t>
+            </a:r>
+            <a:endParaRPr lang="zh-TW" altLang="en-US" dirty="0"/>
+          </a:p>
+        </p:txBody>
+      </p:sp>
+      <p:pic>
+        <p:nvPicPr>
+          <p:cNvPr id="6" name="內容版面配置區 5">
+            <a:extLst>
+              <a:ext uri="{FF2B5EF4-FFF2-40B4-BE49-F238E27FC236}">
+                <a16:creationId xmlns:a16="http://schemas.microsoft.com/office/drawing/2014/main" xmlns="" id="{A78F9D59-9703-400B-9573-CF8C8B02937D}"/>
+              </a:ext>
+            </a:extLst>
+          </p:cNvPr>
+          <p:cNvPicPr>
+            <a:picLocks noGrp="1" noChangeAspect="1"/>
+          </p:cNvPicPr>
+          <p:nvPr>
+            <p:ph idx="1"/>
+          </p:nvPr>
+        </p:nvPicPr>
+        <p:blipFill>
+          <a:blip r:embed="rId2"/>
+          <a:stretch>
+            <a:fillRect/>
+          </a:stretch>
+        </p:blipFill>
+        <p:spPr>
+          <a:xfrm>
+            <a:off x="1397583" y="1489586"/>
+            <a:ext cx="9103801" cy="4866763"/>
+          </a:xfrm>
+        </p:spPr>
+      </p:pic>
+      <p:sp>
+        <p:nvSpPr>
+          <p:cNvPr id="4" name="投影片編號版面配置區 3">
+            <a:extLst>
+              <a:ext uri="{FF2B5EF4-FFF2-40B4-BE49-F238E27FC236}">
+                <a16:creationId xmlns:a16="http://schemas.microsoft.com/office/drawing/2014/main" xmlns="" id="{DB634B57-2E7E-40BE-993E-5F46071107A7}"/>
+              </a:ext>
+            </a:extLst>
+          </p:cNvPr>
+          <p:cNvSpPr>
+            <a:spLocks noGrp="1"/>
+          </p:cNvSpPr>
+          <p:nvPr>
+            <p:ph type="sldNum" sz="quarter" idx="12"/>
+          </p:nvPr>
+        </p:nvSpPr>
+        <p:spPr/>
+        <p:txBody>
+          <a:bodyPr/>
+          <a:lstStyle/>
+          <a:p>
+            <a:fld id="{50029C49-A5A9-4A95-8BF0-94F73808DB5F}" type="slidenum">
+              <a:rPr lang="zh-TW" altLang="en-US" smtClean="0"/>
+              <a:t>33</a:t>
+            </a:fld>
+            <a:endParaRPr lang="zh-TW" altLang="en-US"/>
+          </a:p>
+        </p:txBody>
+      </p:sp>
+    </p:spTree>
+    <p:extLst>
+      <p:ext uri="{BB962C8B-B14F-4D97-AF65-F5344CB8AC3E}">
+        <p14:creationId xmlns:p14="http://schemas.microsoft.com/office/powerpoint/2010/main" val="378226096"/>
+      </p:ext>
+    </p:extLst>
+  </p:cSld>
+  <p:clrMapOvr>
+    <a:masterClrMapping/>
+  </p:clrMapOvr>
+</p:sld>
+</file>
+
+<file path=ppt/slides/slide34.xml><?xml version="1.0" encoding="utf-8"?>
+<p:sld xmlns:a="http://schemas.openxmlformats.org/drawingml/2006/main" xmlns:r="http://schemas.openxmlformats.org/officeDocument/2006/relationships" xmlns:p="http://schemas.openxmlformats.org/presentationml/2006/main">
+  <p:cSld>
+    <p:spTree>
+      <p:nvGrpSpPr>
+        <p:cNvPr id="1" name=""/>
+        <p:cNvGrpSpPr/>
+        <p:nvPr/>
+      </p:nvGrpSpPr>
+      <p:grpSpPr>
+        <a:xfrm>
+          <a:off x="0" y="0"/>
+          <a:ext cx="0" cy="0"/>
+          <a:chOff x="0" y="0"/>
+          <a:chExt cx="0" cy="0"/>
+        </a:xfrm>
+      </p:grpSpPr>
       <p:pic>
         <p:nvPicPr>
           <p:cNvPr id="8" name="圖片 7">
             <a:extLst>
               <a:ext uri="{FF2B5EF4-FFF2-40B4-BE49-F238E27FC236}">
-                <a16:creationId xmlns:a16="http://schemas.microsoft.com/office/drawing/2014/main" id="{A227DB98-E76B-40DC-818A-F931CB33AC63}"/>
+                <a16:creationId xmlns:a16="http://schemas.microsoft.com/office/drawing/2014/main" xmlns="" id="{A227DB98-E76B-40DC-818A-F931CB33AC63}"/>
               </a:ext>
             </a:extLst>
           </p:cNvPr>
@@ -8161,7 +8485,7 @@
           <p:cNvPr id="4" name="投影片編號版面配置區 3">
             <a:extLst>
               <a:ext uri="{FF2B5EF4-FFF2-40B4-BE49-F238E27FC236}">
-                <a16:creationId xmlns:a16="http://schemas.microsoft.com/office/drawing/2014/main" id="{DB634B57-2E7E-40BE-993E-5F46071107A7}"/>
+                <a16:creationId xmlns:a16="http://schemas.microsoft.com/office/drawing/2014/main" xmlns="" id="{DB634B57-2E7E-40BE-993E-5F46071107A7}"/>
               </a:ext>
             </a:extLst>
           </p:cNvPr>
@@ -8179,7 +8503,7 @@
           <a:p>
             <a:fld id="{50029C49-A5A9-4A95-8BF0-94F73808DB5F}" type="slidenum">
               <a:rPr lang="zh-TW" altLang="en-US" smtClean="0"/>
-              <a:t>33</a:t>
+              <a:t>34</a:t>
             </a:fld>
             <a:endParaRPr lang="zh-TW" altLang="en-US"/>
           </a:p>
@@ -8190,7 +8514,7 @@
           <p:cNvPr id="10" name="矩形 9">
             <a:extLst>
               <a:ext uri="{FF2B5EF4-FFF2-40B4-BE49-F238E27FC236}">
-                <a16:creationId xmlns:a16="http://schemas.microsoft.com/office/drawing/2014/main" id="{59271590-5250-47B3-AF03-FE596194ABEF}"/>
+                <a16:creationId xmlns:a16="http://schemas.microsoft.com/office/drawing/2014/main" xmlns="" id="{59271590-5250-47B3-AF03-FE596194ABEF}"/>
               </a:ext>
             </a:extLst>
           </p:cNvPr>
@@ -8242,7 +8566,7 @@
           <p:cNvPr id="12" name="矩形 11">
             <a:extLst>
               <a:ext uri="{FF2B5EF4-FFF2-40B4-BE49-F238E27FC236}">
-                <a16:creationId xmlns:a16="http://schemas.microsoft.com/office/drawing/2014/main" id="{05CFDDA2-8340-49C3-9778-09032582DF95}"/>
+                <a16:creationId xmlns:a16="http://schemas.microsoft.com/office/drawing/2014/main" xmlns="" id="{05CFDDA2-8340-49C3-9778-09032582DF95}"/>
               </a:ext>
             </a:extLst>
           </p:cNvPr>
@@ -8302,142 +8626,6 @@
 </p:sld>
 </file>
 
-<file path=ppt/slides/slide34.xml><?xml version="1.0" encoding="utf-8"?>
-<p:sld xmlns:a="http://schemas.openxmlformats.org/drawingml/2006/main" xmlns:r="http://schemas.openxmlformats.org/officeDocument/2006/relationships" xmlns:p="http://schemas.openxmlformats.org/presentationml/2006/main">
-  <p:cSld>
-    <p:spTree>
-      <p:nvGrpSpPr>
-        <p:cNvPr id="1" name=""/>
-        <p:cNvGrpSpPr/>
-        <p:nvPr/>
-      </p:nvGrpSpPr>
-      <p:grpSpPr>
-        <a:xfrm>
-          <a:off x="0" y="0"/>
-          <a:ext cx="0" cy="0"/>
-          <a:chOff x="0" y="0"/>
-          <a:chExt cx="0" cy="0"/>
-        </a:xfrm>
-      </p:grpSpPr>
-      <p:sp>
-        <p:nvSpPr>
-          <p:cNvPr id="2" name="標題 1">
-            <a:extLst>
-              <a:ext uri="{FF2B5EF4-FFF2-40B4-BE49-F238E27FC236}">
-                <a16:creationId xmlns:a16="http://schemas.microsoft.com/office/drawing/2014/main" id="{B395D8BB-EDB2-42F3-9D92-4E6E7DCBB06A}"/>
-              </a:ext>
-            </a:extLst>
-          </p:cNvPr>
-          <p:cNvSpPr>
-            <a:spLocks noGrp="1"/>
-          </p:cNvSpPr>
-          <p:nvPr>
-            <p:ph type="title"/>
-          </p:nvPr>
-        </p:nvSpPr>
-        <p:spPr/>
-        <p:txBody>
-          <a:bodyPr/>
-          <a:lstStyle/>
-          <a:p>
-            <a:r>
-              <a:rPr lang="en-US" altLang="zh-TW" dirty="0"/>
-              <a:t>Evaluation(cont’d)</a:t>
-            </a:r>
-            <a:endParaRPr lang="zh-TW" altLang="en-US" dirty="0"/>
-          </a:p>
-        </p:txBody>
-      </p:sp>
-      <p:sp>
-        <p:nvSpPr>
-          <p:cNvPr id="3" name="內容版面配置區 2">
-            <a:extLst>
-              <a:ext uri="{FF2B5EF4-FFF2-40B4-BE49-F238E27FC236}">
-                <a16:creationId xmlns:a16="http://schemas.microsoft.com/office/drawing/2014/main" id="{C1C16457-135B-42D6-BD5B-8AF9CCC2689E}"/>
-              </a:ext>
-            </a:extLst>
-          </p:cNvPr>
-          <p:cNvSpPr>
-            <a:spLocks noGrp="1"/>
-          </p:cNvSpPr>
-          <p:nvPr>
-            <p:ph idx="1"/>
-          </p:nvPr>
-        </p:nvSpPr>
-        <p:spPr/>
-        <p:txBody>
-          <a:bodyPr>
-            <a:normAutofit/>
-          </a:bodyPr>
-          <a:lstStyle/>
-          <a:p>
-            <a:r>
-              <a:rPr lang="en-US" altLang="zh-TW" dirty="0"/>
-              <a:t>During a handover process, the BLE peripheral is not reachable from application servers. This implies possible data loss.</a:t>
-            </a:r>
-          </a:p>
-          <a:p>
-            <a:endParaRPr lang="en-US" altLang="zh-TW" dirty="0"/>
-          </a:p>
-          <a:p>
-            <a:r>
-              <a:rPr lang="en-US" altLang="zh-TW" dirty="0"/>
-              <a:t>The newest BLE standard allows a BLE peripheral to be in a connection with multiple BLE centrals at once.</a:t>
-            </a:r>
-          </a:p>
-          <a:p>
-            <a:endParaRPr lang="en-US" altLang="zh-TW" dirty="0"/>
-          </a:p>
-          <a:p>
-            <a:r>
-              <a:rPr lang="en-US" altLang="zh-TW" dirty="0"/>
-              <a:t>Allowing the current GW to keep its connection with the BLE peripheral, until the new connection with the alternative GW is established. </a:t>
-            </a:r>
-          </a:p>
-        </p:txBody>
-      </p:sp>
-      <p:sp>
-        <p:nvSpPr>
-          <p:cNvPr id="4" name="投影片編號版面配置區 3">
-            <a:extLst>
-              <a:ext uri="{FF2B5EF4-FFF2-40B4-BE49-F238E27FC236}">
-                <a16:creationId xmlns:a16="http://schemas.microsoft.com/office/drawing/2014/main" id="{DB634B57-2E7E-40BE-993E-5F46071107A7}"/>
-              </a:ext>
-            </a:extLst>
-          </p:cNvPr>
-          <p:cNvSpPr>
-            <a:spLocks noGrp="1"/>
-          </p:cNvSpPr>
-          <p:nvPr>
-            <p:ph type="sldNum" sz="quarter" idx="12"/>
-          </p:nvPr>
-        </p:nvSpPr>
-        <p:spPr/>
-        <p:txBody>
-          <a:bodyPr/>
-          <a:lstStyle/>
-          <a:p>
-            <a:fld id="{50029C49-A5A9-4A95-8BF0-94F73808DB5F}" type="slidenum">
-              <a:rPr lang="zh-TW" altLang="en-US" smtClean="0"/>
-              <a:t>34</a:t>
-            </a:fld>
-            <a:endParaRPr lang="zh-TW" altLang="en-US"/>
-          </a:p>
-        </p:txBody>
-      </p:sp>
-    </p:spTree>
-    <p:extLst>
-      <p:ext uri="{BB962C8B-B14F-4D97-AF65-F5344CB8AC3E}">
-        <p14:creationId xmlns:p14="http://schemas.microsoft.com/office/powerpoint/2010/main" val="1590821730"/>
-      </p:ext>
-    </p:extLst>
-  </p:cSld>
-  <p:clrMapOvr>
-    <a:masterClrMapping/>
-  </p:clrMapOvr>
-</p:sld>
-</file>
-
 <file path=ppt/slides/slide35.xml><?xml version="1.0" encoding="utf-8"?>
 <p:sld xmlns:a="http://schemas.openxmlformats.org/drawingml/2006/main" xmlns:r="http://schemas.openxmlformats.org/officeDocument/2006/relationships" xmlns:p="http://schemas.openxmlformats.org/presentationml/2006/main">
   <p:cSld>
@@ -8460,7 +8648,7 @@
           <p:cNvPr id="2" name="標題 1">
             <a:extLst>
               <a:ext uri="{FF2B5EF4-FFF2-40B4-BE49-F238E27FC236}">
-                <a16:creationId xmlns:a16="http://schemas.microsoft.com/office/drawing/2014/main" id="{B395D8BB-EDB2-42F3-9D92-4E6E7DCBB06A}"/>
+                <a16:creationId xmlns:a16="http://schemas.microsoft.com/office/drawing/2014/main" xmlns="" id="{B395D8BB-EDB2-42F3-9D92-4E6E7DCBB06A}"/>
               </a:ext>
             </a:extLst>
           </p:cNvPr>
@@ -8489,7 +8677,7 @@
           <p:cNvPr id="3" name="內容版面配置區 2">
             <a:extLst>
               <a:ext uri="{FF2B5EF4-FFF2-40B4-BE49-F238E27FC236}">
-                <a16:creationId xmlns:a16="http://schemas.microsoft.com/office/drawing/2014/main" id="{C1C16457-135B-42D6-BD5B-8AF9CCC2689E}"/>
+                <a16:creationId xmlns:a16="http://schemas.microsoft.com/office/drawing/2014/main" xmlns="" id="{C1C16457-135B-42D6-BD5B-8AF9CCC2689E}"/>
               </a:ext>
             </a:extLst>
           </p:cNvPr>
@@ -8509,7 +8697,7 @@
           <a:p>
             <a:r>
               <a:rPr lang="en-US" altLang="zh-TW" dirty="0"/>
-              <a:t>Finally, to avoid constant switching between connectable and non-connectable scanning, two separate BLE modules could be used on the same GW. </a:t>
+              <a:t>During a handover process, the BLE peripheral is not reachable from application servers. This implies possible data loss.</a:t>
             </a:r>
           </a:p>
           <a:p>
@@ -8518,7 +8706,7 @@
           <a:p>
             <a:r>
               <a:rPr lang="en-US" altLang="zh-TW" dirty="0"/>
-              <a:t>One module is in charge of connectable scanning and maintains existing BLE connections. </a:t>
+              <a:t>The newest BLE standard allows a BLE peripheral to be in a connection with multiple BLE centrals at once.</a:t>
             </a:r>
           </a:p>
           <a:p>
@@ -8527,7 +8715,7 @@
           <a:p>
             <a:r>
               <a:rPr lang="en-US" altLang="zh-TW" dirty="0"/>
-              <a:t>The other module performs only non-connectable scanning, continuously sending RSSI log messages to the controller.</a:t>
+              <a:t>Allowing the current GW to keep its connection with the BLE peripheral, until the new connection with the alternative GW is established. </a:t>
             </a:r>
           </a:p>
         </p:txBody>
@@ -8537,7 +8725,7 @@
           <p:cNvPr id="4" name="投影片編號版面配置區 3">
             <a:extLst>
               <a:ext uri="{FF2B5EF4-FFF2-40B4-BE49-F238E27FC236}">
-                <a16:creationId xmlns:a16="http://schemas.microsoft.com/office/drawing/2014/main" id="{DB634B57-2E7E-40BE-993E-5F46071107A7}"/>
+                <a16:creationId xmlns:a16="http://schemas.microsoft.com/office/drawing/2014/main" xmlns="" id="{DB634B57-2E7E-40BE-993E-5F46071107A7}"/>
               </a:ext>
             </a:extLst>
           </p:cNvPr>
@@ -8564,7 +8752,7 @@
     </p:spTree>
     <p:extLst>
       <p:ext uri="{BB962C8B-B14F-4D97-AF65-F5344CB8AC3E}">
-        <p14:creationId xmlns:p14="http://schemas.microsoft.com/office/powerpoint/2010/main" val="1541052724"/>
+        <p14:creationId xmlns:p14="http://schemas.microsoft.com/office/powerpoint/2010/main" val="1590821730"/>
       </p:ext>
     </p:extLst>
   </p:cSld>
@@ -8596,7 +8784,7 @@
           <p:cNvPr id="2" name="標題 1">
             <a:extLst>
               <a:ext uri="{FF2B5EF4-FFF2-40B4-BE49-F238E27FC236}">
-                <a16:creationId xmlns:a16="http://schemas.microsoft.com/office/drawing/2014/main" id="{B7DB5FDF-E9A2-4D3D-ACF8-CEFDE567ED4E}"/>
+                <a16:creationId xmlns:a16="http://schemas.microsoft.com/office/drawing/2014/main" xmlns="" id="{B395D8BB-EDB2-42F3-9D92-4E6E7DCBB06A}"/>
               </a:ext>
             </a:extLst>
           </p:cNvPr>
@@ -8614,7 +8802,7 @@
           <a:p>
             <a:r>
               <a:rPr lang="en-US" altLang="zh-TW" dirty="0"/>
-              <a:t>Conclusion</a:t>
+              <a:t>Evaluation(cont’d)</a:t>
             </a:r>
             <a:endParaRPr lang="zh-TW" altLang="en-US" dirty="0"/>
           </a:p>
@@ -8625,7 +8813,7 @@
           <p:cNvPr id="3" name="內容版面配置區 2">
             <a:extLst>
               <a:ext uri="{FF2B5EF4-FFF2-40B4-BE49-F238E27FC236}">
-                <a16:creationId xmlns:a16="http://schemas.microsoft.com/office/drawing/2014/main" id="{24BC7DE2-9247-4111-B9E4-01812FC553D6}"/>
+                <a16:creationId xmlns:a16="http://schemas.microsoft.com/office/drawing/2014/main" xmlns="" id="{C1C16457-135B-42D6-BD5B-8AF9CCC2689E}"/>
               </a:ext>
             </a:extLst>
           </p:cNvPr>
@@ -8638,12 +8826,22 @@
         </p:nvSpPr>
         <p:spPr/>
         <p:txBody>
-          <a:bodyPr/>
-          <a:lstStyle/>
-          <a:p>
-            <a:r>
-              <a:rPr lang="en-US" altLang="zh-TW" dirty="0"/>
-              <a:t>In this research, two architectures are proposed to realize a BLE-based multi-GW network infrastructure that is able to provide bidirectional connectivity to mobile BLE peripherals. </a:t>
+          <a:bodyPr>
+            <a:normAutofit/>
+          </a:bodyPr>
+          <a:lstStyle/>
+          <a:p>
+            <a:r>
+              <a:rPr lang="en-US" altLang="zh-TW" dirty="0"/>
+              <a:t>Finally, to avoid constant switching between connectable and </a:t>
+            </a:r>
+            <a:r>
+              <a:rPr lang="en-US" altLang="zh-TW" dirty="0" smtClean="0"/>
+              <a:t>non-connectable </a:t>
+            </a:r>
+            <a:r>
+              <a:rPr lang="en-US" altLang="zh-TW" dirty="0"/>
+              <a:t>scanning, two separate BLE modules could be used on the same GW. </a:t>
             </a:r>
           </a:p>
           <a:p>
@@ -8652,9 +8850,17 @@
           <a:p>
             <a:r>
               <a:rPr lang="en-US" altLang="zh-TW" dirty="0"/>
-              <a:t>The IP based architecture offers seamless end-to-end IP connectivity between a mobile BLE peripheral and an existing IP network. It limits custom implementation needs, but requires more resources from the already constrained mobile BLE peripheral. </a:t>
-            </a:r>
-            <a:endParaRPr lang="zh-TW" altLang="en-US" dirty="0"/>
+              <a:t>One module is in charge of connectable scanning and maintains existing BLE connections. </a:t>
+            </a:r>
+          </a:p>
+          <a:p>
+            <a:endParaRPr lang="en-US" altLang="zh-TW" dirty="0"/>
+          </a:p>
+          <a:p>
+            <a:r>
+              <a:rPr lang="en-US" altLang="zh-TW" dirty="0"/>
+              <a:t>The other module performs only non-connectable scanning, continuously sending RSSI log messages to the controller.</a:t>
+            </a:r>
           </a:p>
         </p:txBody>
       </p:sp>
@@ -8663,7 +8869,7 @@
           <p:cNvPr id="4" name="投影片編號版面配置區 3">
             <a:extLst>
               <a:ext uri="{FF2B5EF4-FFF2-40B4-BE49-F238E27FC236}">
-                <a16:creationId xmlns:a16="http://schemas.microsoft.com/office/drawing/2014/main" id="{1897B375-7AA8-4235-9A04-A251C8228EE1}"/>
+                <a16:creationId xmlns:a16="http://schemas.microsoft.com/office/drawing/2014/main" xmlns="" id="{DB634B57-2E7E-40BE-993E-5F46071107A7}"/>
               </a:ext>
             </a:extLst>
           </p:cNvPr>
@@ -8690,7 +8896,7 @@
     </p:spTree>
     <p:extLst>
       <p:ext uri="{BB962C8B-B14F-4D97-AF65-F5344CB8AC3E}">
-        <p14:creationId xmlns:p14="http://schemas.microsoft.com/office/powerpoint/2010/main" val="3047592953"/>
+        <p14:creationId xmlns:p14="http://schemas.microsoft.com/office/powerpoint/2010/main" val="1541052724"/>
       </p:ext>
     </p:extLst>
   </p:cSld>
@@ -8722,7 +8928,7 @@
           <p:cNvPr id="2" name="標題 1">
             <a:extLst>
               <a:ext uri="{FF2B5EF4-FFF2-40B4-BE49-F238E27FC236}">
-                <a16:creationId xmlns:a16="http://schemas.microsoft.com/office/drawing/2014/main" id="{B7DB5FDF-E9A2-4D3D-ACF8-CEFDE567ED4E}"/>
+                <a16:creationId xmlns:a16="http://schemas.microsoft.com/office/drawing/2014/main" xmlns="" id="{B7DB5FDF-E9A2-4D3D-ACF8-CEFDE567ED4E}"/>
               </a:ext>
             </a:extLst>
           </p:cNvPr>
@@ -8740,7 +8946,7 @@
           <a:p>
             <a:r>
               <a:rPr lang="en-US" altLang="zh-TW" dirty="0"/>
-              <a:t>Conclusion(cont’d)</a:t>
+              <a:t>Conclusion</a:t>
             </a:r>
             <a:endParaRPr lang="zh-TW" altLang="en-US" dirty="0"/>
           </a:p>
@@ -8751,7 +8957,7 @@
           <p:cNvPr id="3" name="內容版面配置區 2">
             <a:extLst>
               <a:ext uri="{FF2B5EF4-FFF2-40B4-BE49-F238E27FC236}">
-                <a16:creationId xmlns:a16="http://schemas.microsoft.com/office/drawing/2014/main" id="{24BC7DE2-9247-4111-B9E4-01812FC553D6}"/>
+                <a16:creationId xmlns:a16="http://schemas.microsoft.com/office/drawing/2014/main" xmlns="" id="{24BC7DE2-9247-4111-B9E4-01812FC553D6}"/>
               </a:ext>
             </a:extLst>
           </p:cNvPr>
@@ -8769,7 +8975,7 @@
           <a:p>
             <a:r>
               <a:rPr lang="en-US" altLang="zh-TW" dirty="0"/>
-              <a:t>The non-IP based architecture requires less resources from the BLE peripheral as it employs native BLE communication towards the IoT gateway. </a:t>
+              <a:t>In this research, two architectures are proposed to realize a BLE-based multi-GW network infrastructure that is able to provide bidirectional connectivity to mobile BLE peripherals. </a:t>
             </a:r>
           </a:p>
           <a:p>
@@ -8778,8 +8984,9 @@
           <a:p>
             <a:r>
               <a:rPr lang="en-US" altLang="zh-TW" dirty="0"/>
-              <a:t>However, custom implementation needs are much higher, as a dedicated controller is introduced within the existing network that needs to maintain the state of the infrastructure and the currently associated mobile BLE devices.</a:t>
-            </a:r>
+              <a:t>The IP based architecture offers seamless end-to-end IP connectivity between a mobile BLE peripheral and an existing IP network. It limits custom implementation needs, but requires more resources from the already constrained mobile BLE peripheral. </a:t>
+            </a:r>
+            <a:endParaRPr lang="zh-TW" altLang="en-US" dirty="0"/>
           </a:p>
         </p:txBody>
       </p:sp>
@@ -8788,7 +8995,7 @@
           <p:cNvPr id="4" name="投影片編號版面配置區 3">
             <a:extLst>
               <a:ext uri="{FF2B5EF4-FFF2-40B4-BE49-F238E27FC236}">
-                <a16:creationId xmlns:a16="http://schemas.microsoft.com/office/drawing/2014/main" id="{3027A15A-810A-49CD-86D5-0BC2EF69CCF7}"/>
+                <a16:creationId xmlns:a16="http://schemas.microsoft.com/office/drawing/2014/main" xmlns="" id="{1897B375-7AA8-4235-9A04-A251C8228EE1}"/>
               </a:ext>
             </a:extLst>
           </p:cNvPr>
@@ -8815,7 +9022,7 @@
     </p:spTree>
     <p:extLst>
       <p:ext uri="{BB962C8B-B14F-4D97-AF65-F5344CB8AC3E}">
-        <p14:creationId xmlns:p14="http://schemas.microsoft.com/office/powerpoint/2010/main" val="4005318741"/>
+        <p14:creationId xmlns:p14="http://schemas.microsoft.com/office/powerpoint/2010/main" val="3047592953"/>
       </p:ext>
     </p:extLst>
   </p:cSld>
@@ -8847,7 +9054,7 @@
           <p:cNvPr id="2" name="標題 1">
             <a:extLst>
               <a:ext uri="{FF2B5EF4-FFF2-40B4-BE49-F238E27FC236}">
-                <a16:creationId xmlns:a16="http://schemas.microsoft.com/office/drawing/2014/main" id="{B7DB5FDF-E9A2-4D3D-ACF8-CEFDE567ED4E}"/>
+                <a16:creationId xmlns:a16="http://schemas.microsoft.com/office/drawing/2014/main" xmlns="" id="{B7DB5FDF-E9A2-4D3D-ACF8-CEFDE567ED4E}"/>
               </a:ext>
             </a:extLst>
           </p:cNvPr>
@@ -8876,7 +9083,7 @@
           <p:cNvPr id="3" name="內容版面配置區 2">
             <a:extLst>
               <a:ext uri="{FF2B5EF4-FFF2-40B4-BE49-F238E27FC236}">
-                <a16:creationId xmlns:a16="http://schemas.microsoft.com/office/drawing/2014/main" id="{24BC7DE2-9247-4111-B9E4-01812FC553D6}"/>
+                <a16:creationId xmlns:a16="http://schemas.microsoft.com/office/drawing/2014/main" xmlns="" id="{24BC7DE2-9247-4111-B9E4-01812FC553D6}"/>
               </a:ext>
             </a:extLst>
           </p:cNvPr>
@@ -8889,14 +9096,12 @@
         </p:nvSpPr>
         <p:spPr/>
         <p:txBody>
-          <a:bodyPr>
-            <a:normAutofit/>
-          </a:bodyPr>
-          <a:lstStyle/>
-          <a:p>
-            <a:r>
-              <a:rPr lang="en-US" altLang="zh-TW" dirty="0"/>
-              <a:t>Next to this, two approaches are considered to perform handover within these solutions. </a:t>
+          <a:bodyPr/>
+          <a:lstStyle/>
+          <a:p>
+            <a:r>
+              <a:rPr lang="en-US" altLang="zh-TW" dirty="0"/>
+              <a:t>The non-IP based architecture requires less resources from the BLE peripheral as it employs native BLE communication towards the IoT gateway. </a:t>
             </a:r>
           </a:p>
           <a:p>
@@ -8905,7 +9110,7 @@
           <a:p>
             <a:r>
               <a:rPr lang="en-US" altLang="zh-TW" dirty="0"/>
-              <a:t>The passive handover approach does not need any extra implementation, but the handover latency can become quite high and a bad BLE connection is still maintained even if a better alternative GW is avail-able nearby. </a:t>
+              <a:t>However, custom implementation needs are much higher, as a dedicated controller is introduced within the existing network that needs to maintain the state of the infrastructure and the currently associated mobile BLE devices.</a:t>
             </a:r>
           </a:p>
         </p:txBody>
@@ -8915,7 +9120,7 @@
           <p:cNvPr id="4" name="投影片編號版面配置區 3">
             <a:extLst>
               <a:ext uri="{FF2B5EF4-FFF2-40B4-BE49-F238E27FC236}">
-                <a16:creationId xmlns:a16="http://schemas.microsoft.com/office/drawing/2014/main" id="{F64AC039-730F-4EC0-B242-E7D527FA3228}"/>
+                <a16:creationId xmlns:a16="http://schemas.microsoft.com/office/drawing/2014/main" xmlns="" id="{3027A15A-810A-49CD-86D5-0BC2EF69CCF7}"/>
               </a:ext>
             </a:extLst>
           </p:cNvPr>
@@ -8942,7 +9147,7 @@
     </p:spTree>
     <p:extLst>
       <p:ext uri="{BB962C8B-B14F-4D97-AF65-F5344CB8AC3E}">
-        <p14:creationId xmlns:p14="http://schemas.microsoft.com/office/powerpoint/2010/main" val="1788803111"/>
+        <p14:creationId xmlns:p14="http://schemas.microsoft.com/office/powerpoint/2010/main" val="4005318741"/>
       </p:ext>
     </p:extLst>
   </p:cSld>
@@ -8974,7 +9179,7 @@
           <p:cNvPr id="2" name="標題 1">
             <a:extLst>
               <a:ext uri="{FF2B5EF4-FFF2-40B4-BE49-F238E27FC236}">
-                <a16:creationId xmlns:a16="http://schemas.microsoft.com/office/drawing/2014/main" id="{B7DB5FDF-E9A2-4D3D-ACF8-CEFDE567ED4E}"/>
+                <a16:creationId xmlns:a16="http://schemas.microsoft.com/office/drawing/2014/main" xmlns="" id="{B7DB5FDF-E9A2-4D3D-ACF8-CEFDE567ED4E}"/>
               </a:ext>
             </a:extLst>
           </p:cNvPr>
@@ -9003,7 +9208,7 @@
           <p:cNvPr id="3" name="內容版面配置區 2">
             <a:extLst>
               <a:ext uri="{FF2B5EF4-FFF2-40B4-BE49-F238E27FC236}">
-                <a16:creationId xmlns:a16="http://schemas.microsoft.com/office/drawing/2014/main" id="{24BC7DE2-9247-4111-B9E4-01812FC553D6}"/>
+                <a16:creationId xmlns:a16="http://schemas.microsoft.com/office/drawing/2014/main" xmlns="" id="{24BC7DE2-9247-4111-B9E4-01812FC553D6}"/>
               </a:ext>
             </a:extLst>
           </p:cNvPr>
@@ -9023,7 +9228,7 @@
           <a:p>
             <a:r>
               <a:rPr lang="en-US" altLang="zh-TW" dirty="0"/>
-              <a:t>Active handover offers a solution by proactively terminating a bad connection when a better alternative GW is available. As such, it can limit the handover latency. </a:t>
+              <a:t>Next to this, two approaches are considered to perform handover within these solutions. </a:t>
             </a:r>
           </a:p>
           <a:p>
@@ -9032,9 +9237,16 @@
           <a:p>
             <a:r>
               <a:rPr lang="en-US" altLang="zh-TW" dirty="0"/>
-              <a:t>As a downside, this approach requires more extensive custom implementation, implies a higher energy consumption and can limit the available throughput.</a:t>
-            </a:r>
-            <a:endParaRPr lang="zh-TW" altLang="en-US" dirty="0"/>
+              <a:t>The passive handover approach does not need any extra implementation, but the handover latency can become quite high and a bad BLE connection is still maintained even if a better alternative GW is </a:t>
+            </a:r>
+            <a:r>
+              <a:rPr lang="en-US" altLang="zh-TW" dirty="0" smtClean="0"/>
+              <a:t>available </a:t>
+            </a:r>
+            <a:r>
+              <a:rPr lang="en-US" altLang="zh-TW" dirty="0"/>
+              <a:t>nearby. </a:t>
+            </a:r>
           </a:p>
         </p:txBody>
       </p:sp>
@@ -9043,7 +9255,7 @@
           <p:cNvPr id="4" name="投影片編號版面配置區 3">
             <a:extLst>
               <a:ext uri="{FF2B5EF4-FFF2-40B4-BE49-F238E27FC236}">
-                <a16:creationId xmlns:a16="http://schemas.microsoft.com/office/drawing/2014/main" id="{BFA29D48-9BE9-44B6-B04F-E6E702DC41D9}"/>
+                <a16:creationId xmlns:a16="http://schemas.microsoft.com/office/drawing/2014/main" xmlns="" id="{F64AC039-730F-4EC0-B242-E7D527FA3228}"/>
               </a:ext>
             </a:extLst>
           </p:cNvPr>
@@ -9070,7 +9282,7 @@
     </p:spTree>
     <p:extLst>
       <p:ext uri="{BB962C8B-B14F-4D97-AF65-F5344CB8AC3E}">
-        <p14:creationId xmlns:p14="http://schemas.microsoft.com/office/powerpoint/2010/main" val="493870139"/>
+        <p14:creationId xmlns:p14="http://schemas.microsoft.com/office/powerpoint/2010/main" val="1788803111"/>
       </p:ext>
     </p:extLst>
   </p:cSld>
@@ -9102,7 +9314,7 @@
           <p:cNvPr id="2" name="標題 1">
             <a:extLst>
               <a:ext uri="{FF2B5EF4-FFF2-40B4-BE49-F238E27FC236}">
-                <a16:creationId xmlns:a16="http://schemas.microsoft.com/office/drawing/2014/main" id="{14B7E57E-D063-41EF-A857-5628A20B75BC}"/>
+                <a16:creationId xmlns:a16="http://schemas.microsoft.com/office/drawing/2014/main" xmlns="" id="{14B7E57E-D063-41EF-A857-5628A20B75BC}"/>
               </a:ext>
             </a:extLst>
           </p:cNvPr>
@@ -9131,7 +9343,7 @@
           <p:cNvPr id="3" name="內容版面配置區 2">
             <a:extLst>
               <a:ext uri="{FF2B5EF4-FFF2-40B4-BE49-F238E27FC236}">
-                <a16:creationId xmlns:a16="http://schemas.microsoft.com/office/drawing/2014/main" id="{E616DA40-9E29-4C7C-A28F-3857701A0286}"/>
+                <a16:creationId xmlns:a16="http://schemas.microsoft.com/office/drawing/2014/main" xmlns="" id="{E616DA40-9E29-4C7C-A28F-3857701A0286}"/>
               </a:ext>
             </a:extLst>
           </p:cNvPr>
@@ -9149,7 +9361,15 @@
           <a:p>
             <a:r>
               <a:rPr lang="en-US" altLang="zh-TW" dirty="0"/>
-              <a:t>This work proposes two alternative network architectures for mobile BLE peripherals. One leverages on IPv6 over BLE, whereas the other combines default BLE mechanisms with an additional custom controller. </a:t>
+              <a:t>This </a:t>
+            </a:r>
+            <a:r>
+              <a:rPr lang="en-US" altLang="zh-TW" dirty="0" smtClean="0"/>
+              <a:t>research </a:t>
+            </a:r>
+            <a:r>
+              <a:rPr lang="en-US" altLang="zh-TW" dirty="0"/>
+              <a:t>proposes two alternative network architectures for mobile BLE peripherals. One leverages on IPv6 over BLE, whereas the other combines default BLE mechanisms with an additional custom controller. </a:t>
             </a:r>
           </a:p>
           <a:p>
@@ -9168,7 +9388,7 @@
           <p:cNvPr id="4" name="投影片編號版面配置區 3">
             <a:extLst>
               <a:ext uri="{FF2B5EF4-FFF2-40B4-BE49-F238E27FC236}">
-                <a16:creationId xmlns:a16="http://schemas.microsoft.com/office/drawing/2014/main" id="{69BF509B-CFE1-4421-99AF-8C1B621F1701}"/>
+                <a16:creationId xmlns:a16="http://schemas.microsoft.com/office/drawing/2014/main" xmlns="" id="{69BF509B-CFE1-4421-99AF-8C1B621F1701}"/>
               </a:ext>
             </a:extLst>
           </p:cNvPr>
@@ -9227,7 +9447,7 @@
           <p:cNvPr id="2" name="標題 1">
             <a:extLst>
               <a:ext uri="{FF2B5EF4-FFF2-40B4-BE49-F238E27FC236}">
-                <a16:creationId xmlns:a16="http://schemas.microsoft.com/office/drawing/2014/main" id="{66BD44E2-EFFF-43D9-A213-DE501B575689}"/>
+                <a16:creationId xmlns:a16="http://schemas.microsoft.com/office/drawing/2014/main" xmlns="" id="{B7DB5FDF-E9A2-4D3D-ACF8-CEFDE567ED4E}"/>
               </a:ext>
             </a:extLst>
           </p:cNvPr>
@@ -9245,6 +9465,134 @@
           <a:p>
             <a:r>
               <a:rPr lang="en-US" altLang="zh-TW" dirty="0"/>
+              <a:t>Conclusion(cont’d)</a:t>
+            </a:r>
+            <a:endParaRPr lang="zh-TW" altLang="en-US" dirty="0"/>
+          </a:p>
+        </p:txBody>
+      </p:sp>
+      <p:sp>
+        <p:nvSpPr>
+          <p:cNvPr id="3" name="內容版面配置區 2">
+            <a:extLst>
+              <a:ext uri="{FF2B5EF4-FFF2-40B4-BE49-F238E27FC236}">
+                <a16:creationId xmlns:a16="http://schemas.microsoft.com/office/drawing/2014/main" xmlns="" id="{24BC7DE2-9247-4111-B9E4-01812FC553D6}"/>
+              </a:ext>
+            </a:extLst>
+          </p:cNvPr>
+          <p:cNvSpPr>
+            <a:spLocks noGrp="1"/>
+          </p:cNvSpPr>
+          <p:nvPr>
+            <p:ph idx="1"/>
+          </p:nvPr>
+        </p:nvSpPr>
+        <p:spPr/>
+        <p:txBody>
+          <a:bodyPr>
+            <a:normAutofit/>
+          </a:bodyPr>
+          <a:lstStyle/>
+          <a:p>
+            <a:r>
+              <a:rPr lang="en-US" altLang="zh-TW" dirty="0"/>
+              <a:t>Active handover offers a solution by proactively terminating a bad connection when a better alternative GW is available. As such, it can limit the handover latency. </a:t>
+            </a:r>
+          </a:p>
+          <a:p>
+            <a:endParaRPr lang="en-US" altLang="zh-TW" dirty="0"/>
+          </a:p>
+          <a:p>
+            <a:r>
+              <a:rPr lang="en-US" altLang="zh-TW" dirty="0"/>
+              <a:t>As a downside, this approach requires more extensive custom implementation, implies a higher energy consumption and can limit the available throughput.</a:t>
+            </a:r>
+            <a:endParaRPr lang="zh-TW" altLang="en-US" dirty="0"/>
+          </a:p>
+        </p:txBody>
+      </p:sp>
+      <p:sp>
+        <p:nvSpPr>
+          <p:cNvPr id="4" name="投影片編號版面配置區 3">
+            <a:extLst>
+              <a:ext uri="{FF2B5EF4-FFF2-40B4-BE49-F238E27FC236}">
+                <a16:creationId xmlns:a16="http://schemas.microsoft.com/office/drawing/2014/main" xmlns="" id="{BFA29D48-9BE9-44B6-B04F-E6E702DC41D9}"/>
+              </a:ext>
+            </a:extLst>
+          </p:cNvPr>
+          <p:cNvSpPr>
+            <a:spLocks noGrp="1"/>
+          </p:cNvSpPr>
+          <p:nvPr>
+            <p:ph type="sldNum" sz="quarter" idx="12"/>
+          </p:nvPr>
+        </p:nvSpPr>
+        <p:spPr/>
+        <p:txBody>
+          <a:bodyPr/>
+          <a:lstStyle/>
+          <a:p>
+            <a:fld id="{50029C49-A5A9-4A95-8BF0-94F73808DB5F}" type="slidenum">
+              <a:rPr lang="zh-TW" altLang="en-US" smtClean="0"/>
+              <a:t>40</a:t>
+            </a:fld>
+            <a:endParaRPr lang="zh-TW" altLang="en-US"/>
+          </a:p>
+        </p:txBody>
+      </p:sp>
+    </p:spTree>
+    <p:extLst>
+      <p:ext uri="{BB962C8B-B14F-4D97-AF65-F5344CB8AC3E}">
+        <p14:creationId xmlns:p14="http://schemas.microsoft.com/office/powerpoint/2010/main" val="493870139"/>
+      </p:ext>
+    </p:extLst>
+  </p:cSld>
+  <p:clrMapOvr>
+    <a:masterClrMapping/>
+  </p:clrMapOvr>
+</p:sld>
+</file>
+
+<file path=ppt/slides/slide41.xml><?xml version="1.0" encoding="utf-8"?>
+<p:sld xmlns:a="http://schemas.openxmlformats.org/drawingml/2006/main" xmlns:r="http://schemas.openxmlformats.org/officeDocument/2006/relationships" xmlns:p="http://schemas.openxmlformats.org/presentationml/2006/main">
+  <p:cSld>
+    <p:spTree>
+      <p:nvGrpSpPr>
+        <p:cNvPr id="1" name=""/>
+        <p:cNvGrpSpPr/>
+        <p:nvPr/>
+      </p:nvGrpSpPr>
+      <p:grpSpPr>
+        <a:xfrm>
+          <a:off x="0" y="0"/>
+          <a:ext cx="0" cy="0"/>
+          <a:chOff x="0" y="0"/>
+          <a:chExt cx="0" cy="0"/>
+        </a:xfrm>
+      </p:grpSpPr>
+      <p:sp>
+        <p:nvSpPr>
+          <p:cNvPr id="2" name="標題 1">
+            <a:extLst>
+              <a:ext uri="{FF2B5EF4-FFF2-40B4-BE49-F238E27FC236}">
+                <a16:creationId xmlns:a16="http://schemas.microsoft.com/office/drawing/2014/main" xmlns="" id="{66BD44E2-EFFF-43D9-A213-DE501B575689}"/>
+              </a:ext>
+            </a:extLst>
+          </p:cNvPr>
+          <p:cNvSpPr>
+            <a:spLocks noGrp="1"/>
+          </p:cNvSpPr>
+          <p:nvPr>
+            <p:ph type="title"/>
+          </p:nvPr>
+        </p:nvSpPr>
+        <p:spPr/>
+        <p:txBody>
+          <a:bodyPr/>
+          <a:lstStyle/>
+          <a:p>
+            <a:r>
+              <a:rPr lang="en-US" altLang="zh-TW" dirty="0"/>
               <a:t>References</a:t>
             </a:r>
             <a:endParaRPr lang="zh-TW" altLang="en-US" dirty="0"/>
@@ -9256,7 +9604,7 @@
           <p:cNvPr id="3" name="內容版面配置區 2">
             <a:extLst>
               <a:ext uri="{FF2B5EF4-FFF2-40B4-BE49-F238E27FC236}">
-                <a16:creationId xmlns:a16="http://schemas.microsoft.com/office/drawing/2014/main" id="{6C6870F8-5E25-41B8-BDBD-DC2867167899}"/>
+                <a16:creationId xmlns:a16="http://schemas.microsoft.com/office/drawing/2014/main" xmlns="" id="{6C6870F8-5E25-41B8-BDBD-DC2867167899}"/>
               </a:ext>
             </a:extLst>
           </p:cNvPr>
@@ -9417,7 +9765,7 @@
           <p:cNvPr id="6" name="投影片編號版面配置區 5">
             <a:extLst>
               <a:ext uri="{FF2B5EF4-FFF2-40B4-BE49-F238E27FC236}">
-                <a16:creationId xmlns:a16="http://schemas.microsoft.com/office/drawing/2014/main" id="{41672078-55B6-4EB2-A2A0-2A4BDCC09FF1}"/>
+                <a16:creationId xmlns:a16="http://schemas.microsoft.com/office/drawing/2014/main" xmlns="" id="{41672078-55B6-4EB2-A2A0-2A4BDCC09FF1}"/>
               </a:ext>
             </a:extLst>
           </p:cNvPr>
@@ -9435,7 +9783,7 @@
           <a:p>
             <a:fld id="{50029C49-A5A9-4A95-8BF0-94F73808DB5F}" type="slidenum">
               <a:rPr lang="zh-TW" altLang="en-US" smtClean="0"/>
-              <a:t>40</a:t>
+              <a:t>41</a:t>
             </a:fld>
             <a:endParaRPr lang="zh-TW" altLang="en-US"/>
           </a:p>
@@ -9476,7 +9824,7 @@
           <p:cNvPr id="2" name="標題 1">
             <a:extLst>
               <a:ext uri="{FF2B5EF4-FFF2-40B4-BE49-F238E27FC236}">
-                <a16:creationId xmlns:a16="http://schemas.microsoft.com/office/drawing/2014/main" id="{14B7E57E-D063-41EF-A857-5628A20B75BC}"/>
+                <a16:creationId xmlns:a16="http://schemas.microsoft.com/office/drawing/2014/main" xmlns="" id="{14B7E57E-D063-41EF-A857-5628A20B75BC}"/>
               </a:ext>
             </a:extLst>
           </p:cNvPr>
@@ -9504,7 +9852,7 @@
           <p:cNvPr id="3" name="內容版面配置區 2">
             <a:extLst>
               <a:ext uri="{FF2B5EF4-FFF2-40B4-BE49-F238E27FC236}">
-                <a16:creationId xmlns:a16="http://schemas.microsoft.com/office/drawing/2014/main" id="{E616DA40-9E29-4C7C-A28F-3857701A0286}"/>
+                <a16:creationId xmlns:a16="http://schemas.microsoft.com/office/drawing/2014/main" xmlns="" id="{E616DA40-9E29-4C7C-A28F-3857701A0286}"/>
               </a:ext>
             </a:extLst>
           </p:cNvPr>
@@ -9569,7 +9917,7 @@
           <p:cNvPr id="4" name="投影片編號版面配置區 3">
             <a:extLst>
               <a:ext uri="{FF2B5EF4-FFF2-40B4-BE49-F238E27FC236}">
-                <a16:creationId xmlns:a16="http://schemas.microsoft.com/office/drawing/2014/main" id="{A7079878-D19B-4E92-9126-06F4FF0BF1C0}"/>
+                <a16:creationId xmlns:a16="http://schemas.microsoft.com/office/drawing/2014/main" xmlns="" id="{A7079878-D19B-4E92-9126-06F4FF0BF1C0}"/>
               </a:ext>
             </a:extLst>
           </p:cNvPr>
@@ -9628,7 +9976,7 @@
           <p:cNvPr id="2" name="標題 1">
             <a:extLst>
               <a:ext uri="{FF2B5EF4-FFF2-40B4-BE49-F238E27FC236}">
-                <a16:creationId xmlns:a16="http://schemas.microsoft.com/office/drawing/2014/main" id="{14B7E57E-D063-41EF-A857-5628A20B75BC}"/>
+                <a16:creationId xmlns:a16="http://schemas.microsoft.com/office/drawing/2014/main" xmlns="" id="{14B7E57E-D063-41EF-A857-5628A20B75BC}"/>
               </a:ext>
             </a:extLst>
           </p:cNvPr>
@@ -9656,7 +10004,7 @@
           <p:cNvPr id="3" name="內容版面配置區 2">
             <a:extLst>
               <a:ext uri="{FF2B5EF4-FFF2-40B4-BE49-F238E27FC236}">
-                <a16:creationId xmlns:a16="http://schemas.microsoft.com/office/drawing/2014/main" id="{E616DA40-9E29-4C7C-A28F-3857701A0286}"/>
+                <a16:creationId xmlns:a16="http://schemas.microsoft.com/office/drawing/2014/main" xmlns="" id="{E616DA40-9E29-4C7C-A28F-3857701A0286}"/>
               </a:ext>
             </a:extLst>
           </p:cNvPr>
@@ -9676,7 +10024,15 @@
           <a:p>
             <a:r>
               <a:rPr lang="en-US" altLang="zh-TW" dirty="0"/>
-              <a:t>In advertising mode , a device can either be in an advertising or scanning state. A BLE advertiser broad-casts advertisement packets on the 3 advertisement channels sequentially, at a certain interval. A BLE scanner scans one of these advertisement channels.</a:t>
+              <a:t>In advertising mode , a device can either be in an advertising or scanning state. A BLE advertiser </a:t>
+            </a:r>
+            <a:r>
+              <a:rPr lang="en-US" altLang="zh-TW" dirty="0" smtClean="0"/>
+              <a:t>broadcasts </a:t>
+            </a:r>
+            <a:r>
+              <a:rPr lang="en-US" altLang="zh-TW" dirty="0"/>
+              <a:t>advertisement packets on the 3 advertisement channels sequentially, at a certain interval. A BLE scanner scans one of these advertisement channels.</a:t>
             </a:r>
           </a:p>
         </p:txBody>
@@ -9686,7 +10042,7 @@
           <p:cNvPr id="9" name="投影片編號版面配置區 8">
             <a:extLst>
               <a:ext uri="{FF2B5EF4-FFF2-40B4-BE49-F238E27FC236}">
-                <a16:creationId xmlns:a16="http://schemas.microsoft.com/office/drawing/2014/main" id="{3A06F46F-6C62-467F-8344-A07ED9AE7ACE}"/>
+                <a16:creationId xmlns:a16="http://schemas.microsoft.com/office/drawing/2014/main" xmlns="" id="{3A06F46F-6C62-467F-8344-A07ED9AE7ACE}"/>
               </a:ext>
             </a:extLst>
           </p:cNvPr>
@@ -9710,40 +10066,10 @@
           </a:p>
         </p:txBody>
       </p:sp>
-      <p:pic>
-        <p:nvPicPr>
-          <p:cNvPr id="7" name="圖片 6">
-            <a:extLst>
-              <a:ext uri="{FF2B5EF4-FFF2-40B4-BE49-F238E27FC236}">
-                <a16:creationId xmlns:a16="http://schemas.microsoft.com/office/drawing/2014/main" id="{D03360D8-0A34-4B9B-8EDF-94EF768549C8}"/>
-              </a:ext>
-            </a:extLst>
-          </p:cNvPr>
-          <p:cNvPicPr>
-            <a:picLocks noChangeAspect="1"/>
-          </p:cNvPicPr>
-          <p:nvPr/>
-        </p:nvPicPr>
-        <p:blipFill>
-          <a:blip r:embed="rId2"/>
-          <a:stretch>
-            <a:fillRect/>
-          </a:stretch>
-        </p:blipFill>
-        <p:spPr>
-          <a:xfrm>
-            <a:off x="2010533" y="3716424"/>
-            <a:ext cx="8170933" cy="2639926"/>
-          </a:xfrm>
-          <a:prstGeom prst="rect">
-            <a:avLst/>
-          </a:prstGeom>
-        </p:spPr>
-      </p:pic>
     </p:spTree>
     <p:extLst>
       <p:ext uri="{BB962C8B-B14F-4D97-AF65-F5344CB8AC3E}">
-        <p14:creationId xmlns:p14="http://schemas.microsoft.com/office/powerpoint/2010/main" val="1645637635"/>
+        <p14:creationId xmlns:p14="http://schemas.microsoft.com/office/powerpoint/2010/main" val="2793134242"/>
       </p:ext>
     </p:extLst>
   </p:cSld>
@@ -9775,7 +10101,7 @@
           <p:cNvPr id="2" name="標題 1">
             <a:extLst>
               <a:ext uri="{FF2B5EF4-FFF2-40B4-BE49-F238E27FC236}">
-                <a16:creationId xmlns:a16="http://schemas.microsoft.com/office/drawing/2014/main" id="{14B7E57E-D063-41EF-A857-5628A20B75BC}"/>
+                <a16:creationId xmlns:a16="http://schemas.microsoft.com/office/drawing/2014/main" xmlns="" id="{14B7E57E-D063-41EF-A857-5628A20B75BC}"/>
               </a:ext>
             </a:extLst>
           </p:cNvPr>
@@ -9800,87 +10126,10 @@
       </p:sp>
       <p:sp>
         <p:nvSpPr>
-          <p:cNvPr id="3" name="內容版面配置區 2">
-            <a:extLst>
-              <a:ext uri="{FF2B5EF4-FFF2-40B4-BE49-F238E27FC236}">
-                <a16:creationId xmlns:a16="http://schemas.microsoft.com/office/drawing/2014/main" id="{E616DA40-9E29-4C7C-A28F-3857701A0286}"/>
-              </a:ext>
-            </a:extLst>
-          </p:cNvPr>
-          <p:cNvSpPr>
-            <a:spLocks noGrp="1"/>
-          </p:cNvSpPr>
-          <p:nvPr>
-            <p:ph idx="1"/>
-          </p:nvPr>
-        </p:nvSpPr>
-        <p:spPr/>
-        <p:txBody>
-          <a:bodyPr>
-            <a:normAutofit/>
-          </a:bodyPr>
-          <a:lstStyle/>
-          <a:p>
-            <a:r>
-              <a:rPr lang="en-US" altLang="zh-TW" dirty="0">
-                <a:effectLst/>
-                <a:latin typeface="Calibri" panose="020F0502020204030204" pitchFamily="34" charset="0"/>
-                <a:cs typeface="Calibri" panose="020F0502020204030204" pitchFamily="34" charset="0"/>
-              </a:rPr>
-              <a:t>In a BLE connection, one device acts as a BLE central and the other device acts as a BLE peripheral. </a:t>
-            </a:r>
-          </a:p>
-          <a:p>
-            <a:endParaRPr lang="en-US" altLang="zh-TW" dirty="0">
-              <a:latin typeface="Calibri" panose="020F0502020204030204" pitchFamily="34" charset="0"/>
-              <a:cs typeface="Calibri" panose="020F0502020204030204" pitchFamily="34" charset="0"/>
-            </a:endParaRPr>
-          </a:p>
-          <a:p>
-            <a:r>
-              <a:rPr lang="en-US" altLang="zh-TW" dirty="0">
-                <a:effectLst/>
-                <a:latin typeface="Calibri" panose="020F0502020204030204" pitchFamily="34" charset="0"/>
-                <a:cs typeface="Calibri" panose="020F0502020204030204" pitchFamily="34" charset="0"/>
-              </a:rPr>
-              <a:t>The devices communicate within connection events, at a certain interval and initiated by the central.</a:t>
-            </a:r>
-          </a:p>
-          <a:p>
-            <a:endParaRPr lang="en-US" altLang="zh-TW" dirty="0">
-              <a:latin typeface="Calibri" panose="020F0502020204030204" pitchFamily="34" charset="0"/>
-              <a:cs typeface="Calibri" panose="020F0502020204030204" pitchFamily="34" charset="0"/>
-            </a:endParaRPr>
-          </a:p>
-          <a:p>
-            <a:r>
-              <a:rPr lang="en-US" altLang="zh-TW" dirty="0">
-                <a:latin typeface="Calibri" panose="020F0502020204030204" pitchFamily="34" charset="0"/>
-                <a:cs typeface="Calibri" panose="020F0502020204030204" pitchFamily="34" charset="0"/>
-              </a:rPr>
-              <a:t>Use Frequency-hopping spread spectrum(FHSS) and Time division multiple access(TDMA) to </a:t>
-            </a:r>
-            <a:r>
-              <a:rPr lang="en-US" altLang="zh-TW" dirty="0">
-                <a:effectLst/>
-                <a:latin typeface="Calibri" panose="020F0502020204030204" pitchFamily="34" charset="0"/>
-                <a:cs typeface="Calibri" panose="020F0502020204030204" pitchFamily="34" charset="0"/>
-              </a:rPr>
-              <a:t>communicate.</a:t>
-            </a:r>
-            <a:endParaRPr lang="zh-TW" altLang="en-US" dirty="0">
-              <a:latin typeface="Calibri" panose="020F0502020204030204" pitchFamily="34" charset="0"/>
-              <a:cs typeface="Calibri" panose="020F0502020204030204" pitchFamily="34" charset="0"/>
-            </a:endParaRPr>
-          </a:p>
-        </p:txBody>
-      </p:sp>
-      <p:sp>
-        <p:nvSpPr>
-          <p:cNvPr id="4" name="投影片編號版面配置區 3">
-            <a:extLst>
-              <a:ext uri="{FF2B5EF4-FFF2-40B4-BE49-F238E27FC236}">
-                <a16:creationId xmlns:a16="http://schemas.microsoft.com/office/drawing/2014/main" id="{46943CDC-E158-4BE6-85D8-16B7649A4F4B}"/>
+          <p:cNvPr id="9" name="投影片編號版面配置區 8">
+            <a:extLst>
+              <a:ext uri="{FF2B5EF4-FFF2-40B4-BE49-F238E27FC236}">
+                <a16:creationId xmlns:a16="http://schemas.microsoft.com/office/drawing/2014/main" xmlns="" id="{3A06F46F-6C62-467F-8344-A07ED9AE7ACE}"/>
               </a:ext>
             </a:extLst>
           </p:cNvPr>
@@ -9904,10 +10153,141 @@
           </a:p>
         </p:txBody>
       </p:sp>
+      <p:pic>
+        <p:nvPicPr>
+          <p:cNvPr id="7" name="圖片 6">
+            <a:extLst>
+              <a:ext uri="{FF2B5EF4-FFF2-40B4-BE49-F238E27FC236}">
+                <a16:creationId xmlns:a16="http://schemas.microsoft.com/office/drawing/2014/main" xmlns="" id="{D03360D8-0A34-4B9B-8EDF-94EF768549C8}"/>
+              </a:ext>
+            </a:extLst>
+          </p:cNvPr>
+          <p:cNvPicPr>
+            <a:picLocks noChangeAspect="1"/>
+          </p:cNvPicPr>
+          <p:nvPr/>
+        </p:nvPicPr>
+        <p:blipFill>
+          <a:blip r:embed="rId2"/>
+          <a:stretch>
+            <a:fillRect/>
+          </a:stretch>
+        </p:blipFill>
+        <p:spPr>
+          <a:xfrm>
+            <a:off x="2617090" y="4108366"/>
+            <a:ext cx="6957819" cy="2247984"/>
+          </a:xfrm>
+          <a:prstGeom prst="rect">
+            <a:avLst/>
+          </a:prstGeom>
+        </p:spPr>
+      </p:pic>
+      <p:pic>
+        <p:nvPicPr>
+          <p:cNvPr id="1026" name="Picture 2" descr="https://i1.kknews.cc/SIG=2hr42hn/ctp-vzntr/np490862p76746qn967515r5or0n1pr6.jpg"/>
+          <p:cNvPicPr>
+            <a:picLocks noChangeAspect="1" noChangeArrowheads="1"/>
+          </p:cNvPicPr>
+          <p:nvPr/>
+        </p:nvPicPr>
+        <p:blipFill>
+          <a:blip r:embed="rId3">
+            <a:extLst>
+              <a:ext uri="{28A0092B-C50C-407E-A947-70E740481C1C}">
+                <a14:useLocalDpi xmlns:a14="http://schemas.microsoft.com/office/drawing/2010/main" val="0"/>
+              </a:ext>
+            </a:extLst>
+          </a:blip>
+          <a:srcRect/>
+          <a:stretch>
+            <a:fillRect/>
+          </a:stretch>
+        </p:blipFill>
+        <p:spPr bwMode="auto">
+          <a:xfrm>
+            <a:off x="3048000" y="1330382"/>
+            <a:ext cx="6096000" cy="2238376"/>
+          </a:xfrm>
+          <a:prstGeom prst="rect">
+            <a:avLst/>
+          </a:prstGeom>
+          <a:noFill/>
+          <a:extLst>
+            <a:ext uri="{909E8E84-426E-40DD-AFC4-6F175D3DCCD1}">
+              <a14:hiddenFill xmlns:a14="http://schemas.microsoft.com/office/drawing/2010/main">
+                <a:solidFill>
+                  <a:srgbClr val="FFFFFF"/>
+                </a:solidFill>
+              </a14:hiddenFill>
+            </a:ext>
+          </a:extLst>
+        </p:spPr>
+      </p:pic>
+      <p:sp>
+        <p:nvSpPr>
+          <p:cNvPr id="4" name="文字方塊 3"/>
+          <p:cNvSpPr txBox="1"/>
+          <p:nvPr/>
+        </p:nvSpPr>
+        <p:spPr>
+          <a:xfrm>
+            <a:off x="5574862" y="3558575"/>
+            <a:ext cx="1042273" cy="369332"/>
+          </a:xfrm>
+          <a:prstGeom prst="rect">
+            <a:avLst/>
+          </a:prstGeom>
+          <a:noFill/>
+        </p:spPr>
+        <p:txBody>
+          <a:bodyPr wrap="none" rtlCol="0">
+            <a:spAutoFit/>
+          </a:bodyPr>
+          <a:lstStyle/>
+          <a:p>
+            <a:r>
+              <a:rPr lang="en-US" altLang="zh-TW" dirty="0" smtClean="0"/>
+              <a:t>Channels</a:t>
+            </a:r>
+            <a:endParaRPr lang="zh-TW" altLang="en-US" dirty="0"/>
+          </a:p>
+        </p:txBody>
+      </p:sp>
+      <p:sp>
+        <p:nvSpPr>
+          <p:cNvPr id="5" name="文字方塊 4"/>
+          <p:cNvSpPr txBox="1"/>
+          <p:nvPr/>
+        </p:nvSpPr>
+        <p:spPr>
+          <a:xfrm>
+            <a:off x="5188858" y="6354247"/>
+            <a:ext cx="1814279" cy="369332"/>
+          </a:xfrm>
+          <a:prstGeom prst="rect">
+            <a:avLst/>
+          </a:prstGeom>
+          <a:noFill/>
+        </p:spPr>
+        <p:txBody>
+          <a:bodyPr wrap="none" rtlCol="0">
+            <a:spAutoFit/>
+          </a:bodyPr>
+          <a:lstStyle/>
+          <a:p>
+            <a:r>
+              <a:rPr lang="en-US" altLang="zh-TW" dirty="0"/>
+              <a:t>advertising mode</a:t>
+            </a:r>
+            <a:endParaRPr lang="zh-TW" altLang="en-US" dirty="0"/>
+          </a:p>
+        </p:txBody>
+      </p:sp>
     </p:spTree>
     <p:extLst>
       <p:ext uri="{BB962C8B-B14F-4D97-AF65-F5344CB8AC3E}">
-        <p14:creationId xmlns:p14="http://schemas.microsoft.com/office/powerpoint/2010/main" val="4124350203"/>
+        <p14:creationId xmlns:p14="http://schemas.microsoft.com/office/powerpoint/2010/main" val="1645637635"/>
       </p:ext>
     </p:extLst>
   </p:cSld>
@@ -9939,7 +10319,7 @@
           <p:cNvPr id="2" name="標題 1">
             <a:extLst>
               <a:ext uri="{FF2B5EF4-FFF2-40B4-BE49-F238E27FC236}">
-                <a16:creationId xmlns:a16="http://schemas.microsoft.com/office/drawing/2014/main" id="{14B7E57E-D063-41EF-A857-5628A20B75BC}"/>
+                <a16:creationId xmlns:a16="http://schemas.microsoft.com/office/drawing/2014/main" xmlns="" id="{14B7E57E-D063-41EF-A857-5628A20B75BC}"/>
               </a:ext>
             </a:extLst>
           </p:cNvPr>
@@ -9967,7 +10347,7 @@
           <p:cNvPr id="3" name="內容版面配置區 2">
             <a:extLst>
               <a:ext uri="{FF2B5EF4-FFF2-40B4-BE49-F238E27FC236}">
-                <a16:creationId xmlns:a16="http://schemas.microsoft.com/office/drawing/2014/main" id="{E616DA40-9E29-4C7C-A28F-3857701A0286}"/>
+                <a16:creationId xmlns:a16="http://schemas.microsoft.com/office/drawing/2014/main" xmlns="" id="{E616DA40-9E29-4C7C-A28F-3857701A0286}"/>
               </a:ext>
             </a:extLst>
           </p:cNvPr>
@@ -9986,24 +10366,80 @@
           <a:lstStyle/>
           <a:p>
             <a:r>
-              <a:rPr lang="en-US" altLang="zh-TW" dirty="0"/>
-              <a:t>About BLE over IPv6.</a:t>
-            </a:r>
-          </a:p>
-          <a:p>
-            <a:endParaRPr lang="en-US" altLang="zh-TW" dirty="0"/>
-          </a:p>
-          <a:p>
-            <a:r>
-              <a:rPr lang="en-US" altLang="zh-TW" dirty="0"/>
-              <a:t>It exploits the existing BLE stack layers and adds a 6LoWPAN layer between the BLE layers and the IP layer.</a:t>
-            </a:r>
-          </a:p>
-          <a:p>
-            <a:endParaRPr lang="en-US" altLang="zh-TW" dirty="0"/>
-          </a:p>
-          <a:p>
-            <a:endParaRPr lang="zh-TW" altLang="en-US" dirty="0"/>
+              <a:rPr lang="en-US" altLang="zh-TW" dirty="0">
+                <a:effectLst/>
+                <a:latin typeface="Calibri" panose="020F0502020204030204" pitchFamily="34" charset="0"/>
+                <a:cs typeface="Calibri" panose="020F0502020204030204" pitchFamily="34" charset="0"/>
+              </a:rPr>
+              <a:t>In </a:t>
+            </a:r>
+            <a:r>
+              <a:rPr lang="en-US" altLang="zh-TW" dirty="0"/>
+              <a:t>connection-oriented </a:t>
+            </a:r>
+            <a:r>
+              <a:rPr lang="en-US" altLang="zh-TW" dirty="0" smtClean="0"/>
+              <a:t>mode</a:t>
+            </a:r>
+            <a:r>
+              <a:rPr lang="en-US" altLang="zh-TW" dirty="0" smtClean="0">
+                <a:effectLst/>
+                <a:latin typeface="Calibri" panose="020F0502020204030204" pitchFamily="34" charset="0"/>
+                <a:cs typeface="Calibri" panose="020F0502020204030204" pitchFamily="34" charset="0"/>
+              </a:rPr>
+              <a:t>, </a:t>
+            </a:r>
+            <a:r>
+              <a:rPr lang="en-US" altLang="zh-TW" dirty="0">
+                <a:effectLst/>
+                <a:latin typeface="Calibri" panose="020F0502020204030204" pitchFamily="34" charset="0"/>
+                <a:cs typeface="Calibri" panose="020F0502020204030204" pitchFamily="34" charset="0"/>
+              </a:rPr>
+              <a:t>one device acts as a BLE central and the other device acts as a BLE peripheral. </a:t>
+            </a:r>
+          </a:p>
+          <a:p>
+            <a:endParaRPr lang="en-US" altLang="zh-TW" dirty="0">
+              <a:latin typeface="Calibri" panose="020F0502020204030204" pitchFamily="34" charset="0"/>
+              <a:cs typeface="Calibri" panose="020F0502020204030204" pitchFamily="34" charset="0"/>
+            </a:endParaRPr>
+          </a:p>
+          <a:p>
+            <a:r>
+              <a:rPr lang="en-US" altLang="zh-TW" dirty="0">
+                <a:effectLst/>
+                <a:latin typeface="Calibri" panose="020F0502020204030204" pitchFamily="34" charset="0"/>
+                <a:cs typeface="Calibri" panose="020F0502020204030204" pitchFamily="34" charset="0"/>
+              </a:rPr>
+              <a:t>The devices communicate within connection events, at a certain interval and initiated by the central.</a:t>
+            </a:r>
+          </a:p>
+          <a:p>
+            <a:endParaRPr lang="en-US" altLang="zh-TW" dirty="0">
+              <a:latin typeface="Calibri" panose="020F0502020204030204" pitchFamily="34" charset="0"/>
+              <a:cs typeface="Calibri" panose="020F0502020204030204" pitchFamily="34" charset="0"/>
+            </a:endParaRPr>
+          </a:p>
+          <a:p>
+            <a:r>
+              <a:rPr lang="en-US" altLang="zh-TW" dirty="0">
+                <a:latin typeface="Calibri" panose="020F0502020204030204" pitchFamily="34" charset="0"/>
+                <a:cs typeface="Calibri" panose="020F0502020204030204" pitchFamily="34" charset="0"/>
+              </a:rPr>
+              <a:t>Use Frequency-hopping spread spectrum(FHSS) and Time division multiple access(TDMA) to </a:t>
+            </a:r>
+            <a:r>
+              <a:rPr lang="en-US" altLang="zh-TW" dirty="0">
+                <a:effectLst/>
+                <a:latin typeface="Calibri" panose="020F0502020204030204" pitchFamily="34" charset="0"/>
+                <a:cs typeface="Calibri" panose="020F0502020204030204" pitchFamily="34" charset="0"/>
+              </a:rPr>
+              <a:t>communicate.</a:t>
+            </a:r>
+            <a:endParaRPr lang="zh-TW" altLang="en-US" dirty="0">
+              <a:latin typeface="Calibri" panose="020F0502020204030204" pitchFamily="34" charset="0"/>
+              <a:cs typeface="Calibri" panose="020F0502020204030204" pitchFamily="34" charset="0"/>
+            </a:endParaRPr>
           </a:p>
         </p:txBody>
       </p:sp>
@@ -10012,7 +10448,7 @@
           <p:cNvPr id="4" name="投影片編號版面配置區 3">
             <a:extLst>
               <a:ext uri="{FF2B5EF4-FFF2-40B4-BE49-F238E27FC236}">
-                <a16:creationId xmlns:a16="http://schemas.microsoft.com/office/drawing/2014/main" id="{46943CDC-E158-4BE6-85D8-16B7649A4F4B}"/>
+                <a16:creationId xmlns:a16="http://schemas.microsoft.com/office/drawing/2014/main" xmlns="" id="{46943CDC-E158-4BE6-85D8-16B7649A4F4B}"/>
               </a:ext>
             </a:extLst>
           </p:cNvPr>
@@ -10036,40 +10472,10 @@
           </a:p>
         </p:txBody>
       </p:sp>
-      <p:pic>
-        <p:nvPicPr>
-          <p:cNvPr id="6" name="圖片 5">
-            <a:extLst>
-              <a:ext uri="{FF2B5EF4-FFF2-40B4-BE49-F238E27FC236}">
-                <a16:creationId xmlns:a16="http://schemas.microsoft.com/office/drawing/2014/main" id="{B099B0D4-00E5-4A5C-9CDD-DF793AB0B1DE}"/>
-              </a:ext>
-            </a:extLst>
-          </p:cNvPr>
-          <p:cNvPicPr>
-            <a:picLocks noChangeAspect="1"/>
-          </p:cNvPicPr>
-          <p:nvPr/>
-        </p:nvPicPr>
-        <p:blipFill>
-          <a:blip r:embed="rId2"/>
-          <a:stretch>
-            <a:fillRect/>
-          </a:stretch>
-        </p:blipFill>
-        <p:spPr>
-          <a:xfrm>
-            <a:off x="7049727" y="3527898"/>
-            <a:ext cx="3554669" cy="3011014"/>
-          </a:xfrm>
-          <a:prstGeom prst="rect">
-            <a:avLst/>
-          </a:prstGeom>
-        </p:spPr>
-      </p:pic>
     </p:spTree>
     <p:extLst>
       <p:ext uri="{BB962C8B-B14F-4D97-AF65-F5344CB8AC3E}">
-        <p14:creationId xmlns:p14="http://schemas.microsoft.com/office/powerpoint/2010/main" val="31661062"/>
+        <p14:creationId xmlns:p14="http://schemas.microsoft.com/office/powerpoint/2010/main" val="4124350203"/>
       </p:ext>
     </p:extLst>
   </p:cSld>
@@ -10101,7 +10507,7 @@
           <p:cNvPr id="2" name="標題 1">
             <a:extLst>
               <a:ext uri="{FF2B5EF4-FFF2-40B4-BE49-F238E27FC236}">
-                <a16:creationId xmlns:a16="http://schemas.microsoft.com/office/drawing/2014/main" id="{14B7E57E-D063-41EF-A857-5628A20B75BC}"/>
+                <a16:creationId xmlns:a16="http://schemas.microsoft.com/office/drawing/2014/main" xmlns="" id="{14B7E57E-D063-41EF-A857-5628A20B75BC}"/>
               </a:ext>
             </a:extLst>
           </p:cNvPr>
@@ -10129,7 +10535,7 @@
           <p:cNvPr id="3" name="內容版面配置區 2">
             <a:extLst>
               <a:ext uri="{FF2B5EF4-FFF2-40B4-BE49-F238E27FC236}">
-                <a16:creationId xmlns:a16="http://schemas.microsoft.com/office/drawing/2014/main" id="{E616DA40-9E29-4C7C-A28F-3857701A0286}"/>
+                <a16:creationId xmlns:a16="http://schemas.microsoft.com/office/drawing/2014/main" xmlns="" id="{E616DA40-9E29-4C7C-A28F-3857701A0286}"/>
               </a:ext>
             </a:extLst>
           </p:cNvPr>
@@ -10149,7 +10555,7 @@
           <a:p>
             <a:r>
               <a:rPr lang="en-US" altLang="zh-TW" dirty="0"/>
-              <a:t>The BLE central acts as 6LoWPAN border router (6LBR) and one or more BLE peripherals as 6LoWPAN nodes (6LN), resulting in an isolated IPv6 over BLE subnet.</a:t>
+              <a:t>About BLE over IPv6.</a:t>
             </a:r>
           </a:p>
           <a:p>
@@ -10158,8 +10564,13 @@
           <a:p>
             <a:r>
               <a:rPr lang="en-US" altLang="zh-TW" dirty="0"/>
-              <a:t>The 6LoWPAN border router can also be connected to the Internet, ultimately allowing end-to-end IPv6 connectivity between a BLE peripheral and any application server on the Internet.</a:t>
-            </a:r>
+              <a:t>It exploits the existing BLE stack layers and adds a 6LoWPAN layer between the BLE layers and the IP layer.</a:t>
+            </a:r>
+          </a:p>
+          <a:p>
+            <a:endParaRPr lang="en-US" altLang="zh-TW" dirty="0"/>
+          </a:p>
+          <a:p>
             <a:endParaRPr lang="zh-TW" altLang="en-US" dirty="0"/>
           </a:p>
         </p:txBody>
@@ -10169,7 +10580,7 @@
           <p:cNvPr id="4" name="投影片編號版面配置區 3">
             <a:extLst>
               <a:ext uri="{FF2B5EF4-FFF2-40B4-BE49-F238E27FC236}">
-                <a16:creationId xmlns:a16="http://schemas.microsoft.com/office/drawing/2014/main" id="{46943CDC-E158-4BE6-85D8-16B7649A4F4B}"/>
+                <a16:creationId xmlns:a16="http://schemas.microsoft.com/office/drawing/2014/main" xmlns="" id="{46943CDC-E158-4BE6-85D8-16B7649A4F4B}"/>
               </a:ext>
             </a:extLst>
           </p:cNvPr>
@@ -10193,10 +10604,40 @@
           </a:p>
         </p:txBody>
       </p:sp>
+      <p:pic>
+        <p:nvPicPr>
+          <p:cNvPr id="6" name="圖片 5">
+            <a:extLst>
+              <a:ext uri="{FF2B5EF4-FFF2-40B4-BE49-F238E27FC236}">
+                <a16:creationId xmlns:a16="http://schemas.microsoft.com/office/drawing/2014/main" xmlns="" id="{B099B0D4-00E5-4A5C-9CDD-DF793AB0B1DE}"/>
+              </a:ext>
+            </a:extLst>
+          </p:cNvPr>
+          <p:cNvPicPr>
+            <a:picLocks noChangeAspect="1"/>
+          </p:cNvPicPr>
+          <p:nvPr/>
+        </p:nvPicPr>
+        <p:blipFill>
+          <a:blip r:embed="rId2"/>
+          <a:stretch>
+            <a:fillRect/>
+          </a:stretch>
+        </p:blipFill>
+        <p:spPr>
+          <a:xfrm>
+            <a:off x="7049727" y="3527898"/>
+            <a:ext cx="3554669" cy="3011014"/>
+          </a:xfrm>
+          <a:prstGeom prst="rect">
+            <a:avLst/>
+          </a:prstGeom>
+        </p:spPr>
+      </p:pic>
     </p:spTree>
     <p:extLst>
       <p:ext uri="{BB962C8B-B14F-4D97-AF65-F5344CB8AC3E}">
-        <p14:creationId xmlns:p14="http://schemas.microsoft.com/office/powerpoint/2010/main" val="1765233339"/>
+        <p14:creationId xmlns:p14="http://schemas.microsoft.com/office/powerpoint/2010/main" val="31661062"/>
       </p:ext>
     </p:extLst>
   </p:cSld>
